--- a/Praesentation/FMSynthese-Julius.pptx
+++ b/Praesentation/FMSynthese-Julius.pptx
@@ -3692,11 +3692,7 @@
             </a:pPr>
             <a:r>
               <a:rPr lang="de-DE" sz="2800" dirty="0" smtClean="0"/>
-              <a:t>1. </a:t>
-            </a:r>
-            <a:r>
-              <a:rPr lang="de-DE" sz="2800" dirty="0" smtClean="0"/>
-              <a:t>Julius Hackel	</a:t>
+              <a:t>1. Julius Hackel	</a:t>
             </a:r>
           </a:p>
           <a:p>
@@ -3711,11 +3707,7 @@
             </a:pPr>
             <a:r>
               <a:rPr lang="de-DE" sz="2800" dirty="0" smtClean="0"/>
-              <a:t>2. </a:t>
-            </a:r>
-            <a:r>
-              <a:rPr lang="de-DE" sz="2800" dirty="0" smtClean="0"/>
-              <a:t>Markus Bullmann</a:t>
+              <a:t>2. Markus Bullmann</a:t>
             </a:r>
           </a:p>
           <a:p>
@@ -3730,11 +3722,7 @@
             </a:pPr>
             <a:r>
               <a:rPr lang="de-DE" sz="2800" dirty="0" smtClean="0"/>
-              <a:t>3. </a:t>
-            </a:r>
-            <a:r>
-              <a:rPr lang="de-DE" sz="2800" dirty="0" smtClean="0"/>
-              <a:t>Matthias Kemmer</a:t>
+              <a:t>3. Matthias Kemmer</a:t>
             </a:r>
           </a:p>
           <a:p>
@@ -3749,11 +3737,7 @@
             </a:pPr>
             <a:r>
               <a:rPr lang="de-DE" sz="2800" dirty="0" smtClean="0"/>
-              <a:t>4. </a:t>
-            </a:r>
-            <a:r>
-              <a:rPr lang="de-DE" sz="2800" dirty="0" smtClean="0"/>
-              <a:t>Stefan Gerasch</a:t>
+              <a:t>4. Stefan Gerasch</a:t>
             </a:r>
           </a:p>
           <a:p>
@@ -3860,11 +3844,7 @@
             <a:pPr marL="342900" indent="-342900"/>
             <a:r>
               <a:rPr lang="de-DE" sz="1400" dirty="0" smtClean="0"/>
-              <a:t>1. </a:t>
-            </a:r>
-            <a:r>
-              <a:rPr lang="de-DE" sz="1400" dirty="0" smtClean="0"/>
-              <a:t>	- Prinzip</a:t>
+              <a:t>1. 	- Prinzip</a:t>
             </a:r>
           </a:p>
           <a:p>
@@ -3899,30 +3879,14 @@
             <a:pPr marL="342900" indent="-342900"/>
             <a:r>
               <a:rPr lang="de-DE" sz="1400" dirty="0" smtClean="0"/>
-              <a:t>2</a:t>
-            </a:r>
+              <a:t>2.	- Besonderheiten der FM-Synthese</a:t>
+            </a:r>
+          </a:p>
+          <a:p>
+            <a:pPr marL="342900" indent="-342900"/>
             <a:r>
               <a:rPr lang="de-DE" sz="1400" dirty="0" smtClean="0"/>
-              <a:t>.</a:t>
-            </a:r>
-            <a:r>
-              <a:rPr lang="de-DE" sz="1400" dirty="0" smtClean="0"/>
-              <a:t>	- Besonderheiten der FM-Synthese</a:t>
-            </a:r>
-          </a:p>
-          <a:p>
-            <a:pPr marL="342900" indent="-342900"/>
-            <a:r>
-              <a:rPr lang="de-DE" sz="1400" dirty="0" smtClean="0"/>
-              <a:t>3</a:t>
-            </a:r>
-            <a:r>
-              <a:rPr lang="de-DE" sz="1400" dirty="0" smtClean="0"/>
-              <a:t>.</a:t>
-            </a:r>
-            <a:r>
-              <a:rPr lang="de-DE" sz="1400" dirty="0" smtClean="0"/>
-              <a:t>	Komplexe FM-Synthese</a:t>
+              <a:t>3.	Komplexe FM-Synthese</a:t>
             </a:r>
           </a:p>
           <a:p>
@@ -3950,15 +3914,7 @@
             <a:pPr marL="342900" indent="-342900"/>
             <a:r>
               <a:rPr lang="de-DE" sz="1400" dirty="0" smtClean="0"/>
-              <a:t>4</a:t>
-            </a:r>
-            <a:r>
-              <a:rPr lang="de-DE" sz="1400" dirty="0" smtClean="0"/>
-              <a:t>.</a:t>
-            </a:r>
-            <a:r>
-              <a:rPr lang="de-DE" sz="1400" dirty="0" smtClean="0"/>
-              <a:t>	Praktische Anwendungen</a:t>
+              <a:t>4.	Praktische Anwendungen</a:t>
             </a:r>
           </a:p>
           <a:p>
@@ -3986,15 +3942,7 @@
             <a:pPr marL="342900" indent="-342900"/>
             <a:r>
               <a:rPr lang="de-DE" sz="1400" dirty="0" smtClean="0"/>
-              <a:t>5</a:t>
-            </a:r>
-            <a:r>
-              <a:rPr lang="de-DE" sz="1400" dirty="0" smtClean="0"/>
-              <a:t>.</a:t>
-            </a:r>
-            <a:r>
-              <a:rPr lang="de-DE" sz="1400" dirty="0" smtClean="0"/>
-              <a:t>	Do </a:t>
+              <a:t>5.	Do </a:t>
             </a:r>
             <a:r>
               <a:rPr lang="de-DE" sz="1400" dirty="0" err="1" smtClean="0"/>
@@ -4067,11 +4015,7 @@
           <a:p>
             <a:r>
               <a:rPr lang="de-DE" sz="3600" dirty="0" smtClean="0"/>
-              <a:t>1. </a:t>
-            </a:r>
-            <a:r>
-              <a:rPr lang="de-DE" sz="3600" dirty="0" smtClean="0"/>
-              <a:t>Einleitung</a:t>
+              <a:t>1. Einleitung</a:t>
             </a:r>
             <a:endParaRPr lang="de-DE" sz="3600" dirty="0"/>
           </a:p>
@@ -4097,46 +4041,11 @@
             </a:pPr>
             <a:r>
               <a:rPr lang="de-DE" sz="2800" dirty="0" smtClean="0"/>
-              <a:t>Prinzip der </a:t>
-            </a:r>
-            <a:r>
-              <a:rPr lang="de-DE" sz="2800" dirty="0" smtClean="0"/>
-              <a:t>FM-Synthese</a:t>
-            </a:r>
-          </a:p>
-          <a:p>
-            <a:r>
-              <a:rPr lang="de-DE" sz="2800" dirty="0" err="1" smtClean="0"/>
-              <a:t>Lorem</a:t>
-            </a:r>
-            <a:r>
-              <a:rPr lang="de-DE" sz="2800" dirty="0" smtClean="0"/>
-              <a:t> </a:t>
-            </a:r>
-            <a:r>
-              <a:rPr lang="de-DE" sz="2800" dirty="0" err="1" smtClean="0"/>
-              <a:t>ipsum</a:t>
-            </a:r>
-            <a:endParaRPr lang="de-DE" sz="2800" dirty="0" smtClean="0"/>
-          </a:p>
-          <a:p>
-            <a:r>
-              <a:rPr lang="de-DE" sz="2800" dirty="0" smtClean="0"/>
-              <a:t>Random Text</a:t>
-            </a:r>
-          </a:p>
-          <a:p>
-            <a:r>
-              <a:rPr lang="de-DE" sz="2800" dirty="0" err="1" smtClean="0"/>
-              <a:t>BlaBliBlub</a:t>
-            </a:r>
-            <a:endParaRPr lang="de-DE" sz="2800" dirty="0" smtClean="0"/>
-          </a:p>
-          <a:p>
-            <a:pPr>
-              <a:buNone/>
-            </a:pPr>
-            <a:endParaRPr lang="de-DE" dirty="0"/>
+              <a:t>Prinzip der FM-Synthese</a:t>
+            </a:r>
+          </a:p>
+          <a:p>
+            <a:endParaRPr lang="de-DE" sz="2000" dirty="0"/>
           </a:p>
         </p:txBody>
       </p:sp>

--- a/Praesentation/FMSynthese-Julius.pptx
+++ b/Praesentation/FMSynthese-Julius.pptx
@@ -5,12 +5,14 @@
     <p:sldMasterId id="2147483648" r:id="rId1"/>
   </p:sldMasterIdLst>
   <p:notesMasterIdLst>
-    <p:notesMasterId r:id="rId5"/>
+    <p:notesMasterId r:id="rId7"/>
   </p:notesMasterIdLst>
   <p:sldIdLst>
     <p:sldId id="257" r:id="rId2"/>
     <p:sldId id="256" r:id="rId3"/>
     <p:sldId id="258" r:id="rId4"/>
+    <p:sldId id="259" r:id="rId5"/>
+    <p:sldId id="260" r:id="rId6"/>
   </p:sldIdLst>
   <p:sldSz cx="9144000" cy="5143500" type="screen16x9"/>
   <p:notesSz cx="6858000" cy="9144000"/>
@@ -195,7 +197,7 @@
             <a:fld id="{364A5697-ABCF-455C-8519-931EFDD64AAA}" type="datetimeFigureOut">
               <a:rPr lang="de-DE" smtClean="0"/>
               <a:pPr/>
-              <a:t>10.06.2015</a:t>
+              <a:t>11.06.2015</a:t>
             </a:fld>
             <a:endParaRPr lang="de-DE"/>
           </a:p>
@@ -643,7 +645,7 @@
             <a:fld id="{D1973D6C-51AD-4508-B508-FD358C94A360}" type="datetime1">
               <a:rPr lang="de-DE" smtClean="0"/>
               <a:pPr/>
-              <a:t>10.06.2015</a:t>
+              <a:t>11.06.2015</a:t>
             </a:fld>
             <a:endParaRPr lang="de-DE"/>
           </a:p>
@@ -814,7 +816,7 @@
             <a:fld id="{16CA1741-E8C7-4D32-930D-2CBEC658BBE9}" type="datetime1">
               <a:rPr lang="de-DE" smtClean="0"/>
               <a:pPr/>
-              <a:t>10.06.2015</a:t>
+              <a:t>11.06.2015</a:t>
             </a:fld>
             <a:endParaRPr lang="de-DE"/>
           </a:p>
@@ -995,7 +997,7 @@
             <a:fld id="{BA20089B-28E9-4E3D-8F82-6328AE8CACA6}" type="datetime1">
               <a:rPr lang="de-DE" smtClean="0"/>
               <a:pPr/>
-              <a:t>10.06.2015</a:t>
+              <a:t>11.06.2015</a:t>
             </a:fld>
             <a:endParaRPr lang="de-DE"/>
           </a:p>
@@ -1166,7 +1168,7 @@
             <a:fld id="{1C72BD4E-61B2-40A3-A75C-5FDEDE8E5EC5}" type="datetime1">
               <a:rPr lang="de-DE" smtClean="0"/>
               <a:pPr/>
-              <a:t>10.06.2015</a:t>
+              <a:t>11.06.2015</a:t>
             </a:fld>
             <a:endParaRPr lang="de-DE"/>
           </a:p>
@@ -1413,7 +1415,7 @@
             <a:fld id="{48E855D6-EEBE-45BF-8BB5-776601FA5085}" type="datetime1">
               <a:rPr lang="de-DE" smtClean="0"/>
               <a:pPr/>
-              <a:t>10.06.2015</a:t>
+              <a:t>11.06.2015</a:t>
             </a:fld>
             <a:endParaRPr lang="de-DE"/>
           </a:p>
@@ -1702,7 +1704,7 @@
             <a:fld id="{EF380378-A65B-4494-A5A7-886B50CB4937}" type="datetime1">
               <a:rPr lang="de-DE" smtClean="0"/>
               <a:pPr/>
-              <a:t>10.06.2015</a:t>
+              <a:t>11.06.2015</a:t>
             </a:fld>
             <a:endParaRPr lang="de-DE"/>
           </a:p>
@@ -2125,7 +2127,7 @@
             <a:fld id="{BF9B2ACF-C63C-45AF-B5D6-56753CCBEEC7}" type="datetime1">
               <a:rPr lang="de-DE" smtClean="0"/>
               <a:pPr/>
-              <a:t>10.06.2015</a:t>
+              <a:t>11.06.2015</a:t>
             </a:fld>
             <a:endParaRPr lang="de-DE"/>
           </a:p>
@@ -2244,7 +2246,7 @@
             <a:fld id="{782C60A8-75F3-45EE-8F68-824804B9A36B}" type="datetime1">
               <a:rPr lang="de-DE" smtClean="0"/>
               <a:pPr/>
-              <a:t>10.06.2015</a:t>
+              <a:t>11.06.2015</a:t>
             </a:fld>
             <a:endParaRPr lang="de-DE"/>
           </a:p>
@@ -2340,7 +2342,7 @@
             <a:fld id="{AC76AE4E-B847-44C0-9E80-FADAC514238D}" type="datetime1">
               <a:rPr lang="de-DE" smtClean="0"/>
               <a:pPr/>
-              <a:t>10.06.2015</a:t>
+              <a:t>11.06.2015</a:t>
             </a:fld>
             <a:endParaRPr lang="de-DE"/>
           </a:p>
@@ -2618,7 +2620,7 @@
             <a:fld id="{93EB1BC4-DA1F-4C44-8E36-1B9FD72AD58E}" type="datetime1">
               <a:rPr lang="de-DE" smtClean="0"/>
               <a:pPr/>
-              <a:t>10.06.2015</a:t>
+              <a:t>11.06.2015</a:t>
             </a:fld>
             <a:endParaRPr lang="de-DE"/>
           </a:p>
@@ -2872,7 +2874,7 @@
             <a:fld id="{E23DD280-69E3-4A3C-8762-77BE68C0FDBF}" type="datetime1">
               <a:rPr lang="de-DE" smtClean="0"/>
               <a:pPr/>
-              <a:t>10.06.2015</a:t>
+              <a:t>11.06.2015</a:t>
             </a:fld>
             <a:endParaRPr lang="de-DE"/>
           </a:p>
@@ -3086,7 +3088,7 @@
             <a:fld id="{A1830189-BAB1-4688-8766-4D2AC2DF7C33}" type="datetime1">
               <a:rPr lang="de-DE" smtClean="0"/>
               <a:pPr/>
-              <a:t>10.06.2015</a:t>
+              <a:t>11.06.2015</a:t>
             </a:fld>
             <a:endParaRPr lang="de-DE" dirty="0"/>
           </a:p>
@@ -3515,21 +3517,31 @@
           <a:lstStyle/>
           <a:p>
             <a:r>
-              <a:rPr lang="de-DE" sz="4900" dirty="0" smtClean="0"/>
+              <a:rPr lang="de-DE" sz="4900" dirty="0" smtClean="0">
+                <a:latin typeface="Lato" pitchFamily="34" charset="0"/>
+              </a:rPr>
               <a:t>FM-Synthese</a:t>
             </a:r>
             <a:r>
-              <a:rPr lang="de-DE" dirty="0" smtClean="0"/>
+              <a:rPr lang="de-DE" dirty="0" smtClean="0">
+                <a:latin typeface="Lato" pitchFamily="34" charset="0"/>
+              </a:rPr>
               <a:t/>
             </a:r>
             <a:br>
-              <a:rPr lang="de-DE" dirty="0" smtClean="0"/>
+              <a:rPr lang="de-DE" dirty="0" smtClean="0">
+                <a:latin typeface="Lato" pitchFamily="34" charset="0"/>
+              </a:rPr>
             </a:br>
             <a:r>
-              <a:rPr lang="de-DE" dirty="0" smtClean="0"/>
+              <a:rPr lang="de-DE" dirty="0" smtClean="0">
+                <a:latin typeface="Lato" pitchFamily="34" charset="0"/>
+              </a:rPr>
               <a:t>(Frequenzmodulationssynthese)</a:t>
             </a:r>
-            <a:endParaRPr lang="de-DE" dirty="0"/>
+            <a:endParaRPr lang="de-DE" dirty="0">
+              <a:latin typeface="Lato" pitchFamily="34" charset="0"/>
+            </a:endParaRPr>
           </a:p>
         </p:txBody>
       </p:sp>
@@ -3551,7 +3563,7 @@
             <a:fld id="{1C72BD4E-61B2-40A3-A75C-5FDEDE8E5EC5}" type="datetime1">
               <a:rPr lang="de-DE" smtClean="0"/>
               <a:pPr/>
-              <a:t>10.06.2015</a:t>
+              <a:t>11.06.2015</a:t>
             </a:fld>
             <a:endParaRPr lang="de-DE"/>
           </a:p>
@@ -3691,7 +3703,9 @@
               <a:buNone/>
             </a:pPr>
             <a:r>
-              <a:rPr lang="de-DE" sz="2800" dirty="0" smtClean="0"/>
+              <a:rPr lang="de-DE" sz="2800" dirty="0" smtClean="0">
+                <a:latin typeface="Lato" pitchFamily="34" charset="0"/>
+              </a:rPr>
               <a:t>1. Julius Hackel	</a:t>
             </a:r>
           </a:p>
@@ -3699,14 +3713,18 @@
             <a:pPr>
               <a:buNone/>
             </a:pPr>
-            <a:endParaRPr lang="de-DE" sz="2800" dirty="0" smtClean="0"/>
+            <a:endParaRPr lang="de-DE" sz="2800" dirty="0" smtClean="0">
+              <a:latin typeface="Lato" pitchFamily="34" charset="0"/>
+            </a:endParaRPr>
           </a:p>
           <a:p>
             <a:pPr>
               <a:buNone/>
             </a:pPr>
             <a:r>
-              <a:rPr lang="de-DE" sz="2800" dirty="0" smtClean="0"/>
+              <a:rPr lang="de-DE" sz="2800" dirty="0" smtClean="0">
+                <a:latin typeface="Lato" pitchFamily="34" charset="0"/>
+              </a:rPr>
               <a:t>2. Markus Bullmann</a:t>
             </a:r>
           </a:p>
@@ -3714,14 +3732,18 @@
             <a:pPr>
               <a:buNone/>
             </a:pPr>
-            <a:endParaRPr lang="de-DE" sz="2800" dirty="0" smtClean="0"/>
+            <a:endParaRPr lang="de-DE" sz="2800" dirty="0" smtClean="0">
+              <a:latin typeface="Lato" pitchFamily="34" charset="0"/>
+            </a:endParaRPr>
           </a:p>
           <a:p>
             <a:pPr>
               <a:buNone/>
             </a:pPr>
             <a:r>
-              <a:rPr lang="de-DE" sz="2800" dirty="0" smtClean="0"/>
+              <a:rPr lang="de-DE" sz="2800" dirty="0" smtClean="0">
+                <a:latin typeface="Lato" pitchFamily="34" charset="0"/>
+              </a:rPr>
               <a:t>3. Matthias Kemmer</a:t>
             </a:r>
           </a:p>
@@ -3729,14 +3751,18 @@
             <a:pPr>
               <a:buNone/>
             </a:pPr>
-            <a:endParaRPr lang="de-DE" sz="2800" dirty="0" smtClean="0"/>
+            <a:endParaRPr lang="de-DE" sz="2800" dirty="0" smtClean="0">
+              <a:latin typeface="Lato" pitchFamily="34" charset="0"/>
+            </a:endParaRPr>
           </a:p>
           <a:p>
             <a:pPr>
               <a:buNone/>
             </a:pPr>
             <a:r>
-              <a:rPr lang="de-DE" sz="2800" dirty="0" smtClean="0"/>
+              <a:rPr lang="de-DE" sz="2800" dirty="0" smtClean="0">
+                <a:latin typeface="Lato" pitchFamily="34" charset="0"/>
+              </a:rPr>
               <a:t>4. Stefan Gerasch</a:t>
             </a:r>
           </a:p>
@@ -3744,7 +3770,9 @@
             <a:pPr>
               <a:buNone/>
             </a:pPr>
-            <a:endParaRPr lang="de-DE" sz="2800" dirty="0" smtClean="0"/>
+            <a:endParaRPr lang="de-DE" sz="2800" dirty="0" smtClean="0">
+              <a:latin typeface="Lato" pitchFamily="34" charset="0"/>
+            </a:endParaRPr>
           </a:p>
         </p:txBody>
       </p:sp>
@@ -3766,7 +3794,7 @@
             <a:fld id="{35C1FD4D-52EB-42CB-85F2-3F104058EAED}" type="datetime1">
               <a:rPr lang="de-DE" smtClean="0"/>
               <a:pPr/>
-              <a:t>10.06.2015</a:t>
+              <a:t>11.06.2015</a:t>
             </a:fld>
             <a:endParaRPr lang="de-DE"/>
           </a:p>
@@ -3828,7 +3856,7 @@
         <p:spPr>
           <a:xfrm>
             <a:off x="5436096" y="1134888"/>
-            <a:ext cx="3168352" cy="3539430"/>
+            <a:ext cx="3168352" cy="3754874"/>
           </a:xfrm>
           <a:prstGeom prst="rect">
             <a:avLst/>
@@ -3843,124 +3871,164 @@
           <a:p>
             <a:pPr marL="342900" indent="-342900"/>
             <a:r>
-              <a:rPr lang="de-DE" sz="1400" dirty="0" smtClean="0"/>
+              <a:rPr lang="de-DE" sz="1400" dirty="0" smtClean="0">
+                <a:latin typeface="Lato" pitchFamily="34" charset="0"/>
+              </a:rPr>
               <a:t>1. 	- Prinzip</a:t>
             </a:r>
           </a:p>
           <a:p>
             <a:pPr marL="342900" indent="-342900"/>
             <a:r>
-              <a:rPr lang="de-DE" sz="1400" dirty="0" smtClean="0"/>
+              <a:rPr lang="de-DE" sz="1400" dirty="0" smtClean="0">
+                <a:latin typeface="Lato" pitchFamily="34" charset="0"/>
+              </a:rPr>
               <a:t>	- Beispiele</a:t>
             </a:r>
           </a:p>
           <a:p>
             <a:pPr marL="342900" indent="-342900"/>
             <a:r>
-              <a:rPr lang="de-DE" sz="1400" dirty="0" smtClean="0"/>
+              <a:rPr lang="de-DE" sz="1400" dirty="0" smtClean="0">
+                <a:latin typeface="Lato" pitchFamily="34" charset="0"/>
+              </a:rPr>
               <a:t>	- Geschichte</a:t>
             </a:r>
           </a:p>
           <a:p>
             <a:pPr marL="342900" indent="-342900"/>
             <a:r>
-              <a:rPr lang="de-DE" sz="1400" dirty="0" smtClean="0"/>
+              <a:rPr lang="de-DE" sz="1400" dirty="0" smtClean="0">
+                <a:latin typeface="Lato" pitchFamily="34" charset="0"/>
+              </a:rPr>
               <a:t>	Einfache FM-Synthese</a:t>
             </a:r>
           </a:p>
           <a:p>
             <a:pPr marL="342900" indent="-342900"/>
             <a:r>
-              <a:rPr lang="de-DE" sz="1400" dirty="0" smtClean="0"/>
+              <a:rPr lang="de-DE" sz="1400" dirty="0" smtClean="0">
+                <a:latin typeface="Lato" pitchFamily="34" charset="0"/>
+              </a:rPr>
               <a:t>	- Grundlegende Erläuterungen</a:t>
             </a:r>
           </a:p>
           <a:p>
             <a:pPr marL="342900" indent="-342900"/>
             <a:r>
-              <a:rPr lang="de-DE" sz="1400" dirty="0" smtClean="0"/>
+              <a:rPr lang="de-DE" sz="1400" dirty="0" smtClean="0">
+                <a:latin typeface="Lato" pitchFamily="34" charset="0"/>
+              </a:rPr>
               <a:t>2.	- Besonderheiten der FM-Synthese</a:t>
             </a:r>
           </a:p>
           <a:p>
             <a:pPr marL="342900" indent="-342900"/>
             <a:r>
-              <a:rPr lang="de-DE" sz="1400" dirty="0" smtClean="0"/>
+              <a:rPr lang="de-DE" sz="1400" dirty="0" smtClean="0">
+                <a:latin typeface="Lato" pitchFamily="34" charset="0"/>
+              </a:rPr>
               <a:t>3.	Komplexe FM-Synthese</a:t>
             </a:r>
           </a:p>
           <a:p>
             <a:pPr marL="342900" indent="-342900"/>
             <a:r>
-              <a:rPr lang="de-DE" sz="1400" dirty="0" smtClean="0"/>
+              <a:rPr lang="de-DE" sz="1400" dirty="0" smtClean="0">
+                <a:latin typeface="Lato" pitchFamily="34" charset="0"/>
+              </a:rPr>
               <a:t>	- Parallelschaltung</a:t>
             </a:r>
           </a:p>
           <a:p>
             <a:pPr marL="342900" indent="-342900"/>
             <a:r>
-              <a:rPr lang="de-DE" sz="1400" dirty="0" smtClean="0"/>
+              <a:rPr lang="de-DE" sz="1400" dirty="0" smtClean="0">
+                <a:latin typeface="Lato" pitchFamily="34" charset="0"/>
+              </a:rPr>
               <a:t>	- Kaskadenschaltung</a:t>
             </a:r>
           </a:p>
           <a:p>
             <a:pPr marL="342900" indent="-342900"/>
             <a:r>
-              <a:rPr lang="de-DE" sz="1400" dirty="0" smtClean="0"/>
+              <a:rPr lang="de-DE" sz="1400" dirty="0" smtClean="0">
+                <a:latin typeface="Lato" pitchFamily="34" charset="0"/>
+              </a:rPr>
               <a:t>	- Native Instruments FM8</a:t>
             </a:r>
           </a:p>
           <a:p>
             <a:pPr marL="342900" indent="-342900"/>
             <a:r>
-              <a:rPr lang="de-DE" sz="1400" dirty="0" smtClean="0"/>
+              <a:rPr lang="de-DE" sz="1400" dirty="0" smtClean="0">
+                <a:latin typeface="Lato" pitchFamily="34" charset="0"/>
+              </a:rPr>
               <a:t>4.	Praktische Anwendungen</a:t>
             </a:r>
           </a:p>
           <a:p>
             <a:pPr marL="342900" indent="-342900"/>
             <a:r>
-              <a:rPr lang="de-DE" sz="1400" dirty="0" smtClean="0"/>
+              <a:rPr lang="de-DE" sz="1400" dirty="0" smtClean="0">
+                <a:latin typeface="Lato" pitchFamily="34" charset="0"/>
+              </a:rPr>
               <a:t>	- Nachbildung eines Instruments</a:t>
             </a:r>
           </a:p>
           <a:p>
             <a:pPr marL="342900" indent="-342900"/>
             <a:r>
-              <a:rPr lang="de-DE" sz="1400" dirty="0" smtClean="0"/>
+              <a:rPr lang="de-DE" sz="1400" dirty="0" smtClean="0">
+                <a:latin typeface="Lato" pitchFamily="34" charset="0"/>
+              </a:rPr>
               <a:t>	- Modulationsframework</a:t>
             </a:r>
           </a:p>
           <a:p>
             <a:pPr marL="342900" indent="-342900"/>
             <a:r>
-              <a:rPr lang="de-DE" sz="1400" dirty="0" smtClean="0"/>
+              <a:rPr lang="de-DE" sz="1400" dirty="0" smtClean="0">
+                <a:latin typeface="Lato" pitchFamily="34" charset="0"/>
+              </a:rPr>
               <a:t>	- Demo</a:t>
             </a:r>
           </a:p>
           <a:p>
             <a:pPr marL="342900" indent="-342900"/>
             <a:r>
-              <a:rPr lang="de-DE" sz="1400" dirty="0" smtClean="0"/>
+              <a:rPr lang="de-DE" sz="1400" dirty="0" smtClean="0">
+                <a:latin typeface="Lato" pitchFamily="34" charset="0"/>
+              </a:rPr>
               <a:t>5.	Do </a:t>
             </a:r>
             <a:r>
-              <a:rPr lang="de-DE" sz="1400" dirty="0" err="1" smtClean="0"/>
+              <a:rPr lang="de-DE" sz="1400" dirty="0" err="1" smtClean="0">
+                <a:latin typeface="Lato" pitchFamily="34" charset="0"/>
+              </a:rPr>
               <a:t>It</a:t>
             </a:r>
             <a:r>
-              <a:rPr lang="de-DE" sz="1400" dirty="0" smtClean="0"/>
+              <a:rPr lang="de-DE" sz="1400" dirty="0" smtClean="0">
+                <a:latin typeface="Lato" pitchFamily="34" charset="0"/>
+              </a:rPr>
               <a:t> </a:t>
             </a:r>
             <a:r>
-              <a:rPr lang="de-DE" sz="1400" dirty="0" err="1" smtClean="0"/>
+              <a:rPr lang="de-DE" sz="1400" dirty="0" err="1" smtClean="0">
+                <a:latin typeface="Lato" pitchFamily="34" charset="0"/>
+              </a:rPr>
               <a:t>Yourself</a:t>
             </a:r>
-            <a:endParaRPr lang="de-DE" sz="1400" dirty="0" smtClean="0"/>
+            <a:endParaRPr lang="de-DE" sz="1400" dirty="0" smtClean="0">
+              <a:latin typeface="Lato" pitchFamily="34" charset="0"/>
+            </a:endParaRPr>
           </a:p>
           <a:p>
             <a:pPr marL="342900" indent="-342900"/>
-            <a:endParaRPr lang="de-DE" sz="1400" dirty="0"/>
+            <a:endParaRPr lang="de-DE" sz="1400" dirty="0">
+              <a:latin typeface="Lato" pitchFamily="34" charset="0"/>
+            </a:endParaRPr>
           </a:p>
         </p:txBody>
       </p:sp>
@@ -4014,10 +4082,14 @@
           <a:lstStyle/>
           <a:p>
             <a:r>
-              <a:rPr lang="de-DE" sz="3600" dirty="0" smtClean="0"/>
+              <a:rPr lang="de-DE" sz="3600" dirty="0" smtClean="0">
+                <a:latin typeface="Lato" pitchFamily="34" charset="0"/>
+              </a:rPr>
               <a:t>1. Einleitung</a:t>
             </a:r>
-            <a:endParaRPr lang="de-DE" sz="3600" dirty="0"/>
+            <a:endParaRPr lang="de-DE" sz="3600" dirty="0">
+              <a:latin typeface="Lato" pitchFamily="34" charset="0"/>
+            </a:endParaRPr>
           </a:p>
         </p:txBody>
       </p:sp>
@@ -4040,12 +4112,52 @@
               <a:buNone/>
             </a:pPr>
             <a:r>
-              <a:rPr lang="de-DE" sz="2800" dirty="0" smtClean="0"/>
-              <a:t>Prinzip der FM-Synthese</a:t>
-            </a:r>
-          </a:p>
-          <a:p>
-            <a:endParaRPr lang="de-DE" sz="2000" dirty="0"/>
+              <a:rPr lang="de-DE" sz="2800" dirty="0" smtClean="0">
+                <a:latin typeface="Lato" pitchFamily="34" charset="0"/>
+              </a:rPr>
+              <a:t>Prinzip der </a:t>
+            </a:r>
+            <a:r>
+              <a:rPr lang="de-DE" sz="2800" dirty="0" smtClean="0">
+                <a:latin typeface="Lato" pitchFamily="34" charset="0"/>
+              </a:rPr>
+              <a:t>FM-Synthese</a:t>
+            </a:r>
+            <a:endParaRPr lang="de-DE" sz="2800" dirty="0" smtClean="0">
+              <a:latin typeface="Lato" pitchFamily="34" charset="0"/>
+            </a:endParaRPr>
+          </a:p>
+          <a:p>
+            <a:endParaRPr lang="de-DE" sz="2000" dirty="0" smtClean="0">
+              <a:latin typeface="Lato" pitchFamily="34" charset="0"/>
+            </a:endParaRPr>
+          </a:p>
+          <a:p>
+            <a:r>
+              <a:rPr lang="de-DE" sz="2000" dirty="0" smtClean="0">
+                <a:latin typeface="Lato" pitchFamily="34" charset="0"/>
+              </a:rPr>
+              <a:t>Bekannt aus Nachrichtentechnik</a:t>
+            </a:r>
+          </a:p>
+          <a:p>
+            <a:r>
+              <a:rPr lang="de-DE" sz="2000" dirty="0" smtClean="0">
+                <a:latin typeface="Lato" pitchFamily="34" charset="0"/>
+              </a:rPr>
+              <a:t>Allgemein: Innerer Sinus moduliert Frequenz eines Trägersinus</a:t>
+            </a:r>
+          </a:p>
+          <a:p>
+            <a:r>
+              <a:rPr lang="de-DE" sz="2000" dirty="0" smtClean="0">
+                <a:latin typeface="Lato" pitchFamily="34" charset="0"/>
+              </a:rPr>
+              <a:t>Formel: </a:t>
+            </a:r>
+            <a:endParaRPr lang="de-DE" sz="2000" dirty="0">
+              <a:latin typeface="Lato" pitchFamily="34" charset="0"/>
+            </a:endParaRPr>
           </a:p>
         </p:txBody>
       </p:sp>
@@ -4067,7 +4179,7 @@
             <a:fld id="{1C72BD4E-61B2-40A3-A75C-5FDEDE8E5EC5}" type="datetime1">
               <a:rPr lang="de-DE" smtClean="0"/>
               <a:pPr/>
-              <a:t>10.06.2015</a:t>
+              <a:t>11.06.2015</a:t>
             </a:fld>
             <a:endParaRPr lang="de-DE"/>
           </a:p>
@@ -4115,6 +4227,411 @@
               <a:rPr lang="de-DE" smtClean="0"/>
               <a:pPr/>
               <a:t>3</a:t>
+            </a:fld>
+            <a:endParaRPr lang="de-DE" dirty="0"/>
+          </a:p>
+        </p:txBody>
+      </p:sp>
+      <p:graphicFrame>
+        <p:nvGraphicFramePr>
+          <p:cNvPr id="7" name="Objekt 6"/>
+          <p:cNvGraphicFramePr>
+            <a:graphicFrameLocks noChangeAspect="1"/>
+          </p:cNvGraphicFramePr>
+          <p:nvPr/>
+        </p:nvGraphicFramePr>
+        <p:xfrm>
+          <a:off x="1835696" y="2859782"/>
+          <a:ext cx="2232248" cy="288032"/>
+        </p:xfrm>
+        <a:graphic>
+          <a:graphicData uri="http://schemas.openxmlformats.org/presentationml/2006/ole">
+            <p:oleObj spid="_x0000_s1026" name="Formel" r:id="rId3" imgW="1574640" imgH="203040" progId="Equation.3">
+              <p:embed/>
+            </p:oleObj>
+          </a:graphicData>
+        </a:graphic>
+      </p:graphicFrame>
+    </p:spTree>
+  </p:cSld>
+  <p:clrMapOvr>
+    <a:masterClrMapping/>
+  </p:clrMapOvr>
+  <p:timing>
+    <p:tnLst>
+      <p:par>
+        <p:cTn id="1" dur="indefinite" restart="never" nodeType="tmRoot"/>
+      </p:par>
+    </p:tnLst>
+  </p:timing>
+</p:sld>
+</file>
+
+<file path=ppt/slides/slide4.xml><?xml version="1.0" encoding="utf-8"?>
+<p:sld xmlns:a="http://schemas.openxmlformats.org/drawingml/2006/main" xmlns:r="http://schemas.openxmlformats.org/officeDocument/2006/relationships" xmlns:p="http://schemas.openxmlformats.org/presentationml/2006/main">
+  <p:cSld>
+    <p:spTree>
+      <p:nvGrpSpPr>
+        <p:cNvPr id="1" name=""/>
+        <p:cNvGrpSpPr/>
+        <p:nvPr/>
+      </p:nvGrpSpPr>
+      <p:grpSpPr>
+        <a:xfrm>
+          <a:off x="0" y="0"/>
+          <a:ext cx="0" cy="0"/>
+          <a:chOff x="0" y="0"/>
+          <a:chExt cx="0" cy="0"/>
+        </a:xfrm>
+      </p:grpSpPr>
+      <p:sp>
+        <p:nvSpPr>
+          <p:cNvPr id="4" name="Datumsplatzhalter 3"/>
+          <p:cNvSpPr>
+            <a:spLocks noGrp="1"/>
+          </p:cNvSpPr>
+          <p:nvPr>
+            <p:ph type="dt" sz="half" idx="10"/>
+          </p:nvPr>
+        </p:nvSpPr>
+        <p:spPr/>
+        <p:txBody>
+          <a:bodyPr/>
+          <a:lstStyle/>
+          <a:p>
+            <a:fld id="{1C72BD4E-61B2-40A3-A75C-5FDEDE8E5EC5}" type="datetime1">
+              <a:rPr lang="de-DE" smtClean="0"/>
+              <a:pPr/>
+              <a:t>11.06.2015</a:t>
+            </a:fld>
+            <a:endParaRPr lang="de-DE"/>
+          </a:p>
+        </p:txBody>
+      </p:sp>
+      <p:sp>
+        <p:nvSpPr>
+          <p:cNvPr id="5" name="Fußzeilenplatzhalter 4"/>
+          <p:cNvSpPr>
+            <a:spLocks noGrp="1"/>
+          </p:cNvSpPr>
+          <p:nvPr>
+            <p:ph type="ftr" sz="quarter" idx="11"/>
+          </p:nvPr>
+        </p:nvSpPr>
+        <p:spPr/>
+        <p:txBody>
+          <a:bodyPr/>
+          <a:lstStyle/>
+          <a:p>
+            <a:r>
+              <a:rPr lang="de-DE" smtClean="0"/>
+              <a:t>FM-Synthese</a:t>
+            </a:r>
+            <a:endParaRPr lang="de-DE"/>
+          </a:p>
+        </p:txBody>
+      </p:sp>
+      <p:sp>
+        <p:nvSpPr>
+          <p:cNvPr id="6" name="Foliennummernplatzhalter 5"/>
+          <p:cNvSpPr>
+            <a:spLocks noGrp="1"/>
+          </p:cNvSpPr>
+          <p:nvPr>
+            <p:ph type="sldNum" sz="quarter" idx="12"/>
+          </p:nvPr>
+        </p:nvSpPr>
+        <p:spPr/>
+        <p:txBody>
+          <a:bodyPr/>
+          <a:lstStyle/>
+          <a:p>
+            <a:fld id="{6C6AE60A-B69C-4790-82F7-3882EDF23186}" type="slidenum">
+              <a:rPr lang="de-DE" smtClean="0"/>
+              <a:pPr/>
+              <a:t>4</a:t>
+            </a:fld>
+            <a:endParaRPr lang="de-DE" dirty="0"/>
+          </a:p>
+        </p:txBody>
+      </p:sp>
+      <p:sp>
+        <p:nvSpPr>
+          <p:cNvPr id="7" name="Textfeld 6"/>
+          <p:cNvSpPr txBox="1"/>
+          <p:nvPr/>
+        </p:nvSpPr>
+        <p:spPr>
+          <a:xfrm>
+            <a:off x="467544" y="555526"/>
+            <a:ext cx="4896544" cy="2739211"/>
+          </a:xfrm>
+          <a:prstGeom prst="rect">
+            <a:avLst/>
+          </a:prstGeom>
+          <a:noFill/>
+        </p:spPr>
+        <p:txBody>
+          <a:bodyPr wrap="square" rtlCol="0">
+            <a:spAutoFit/>
+          </a:bodyPr>
+          <a:lstStyle/>
+          <a:p>
+            <a:r>
+              <a:rPr lang="de-DE" sz="2800" dirty="0" smtClean="0">
+                <a:latin typeface="Lato" pitchFamily="34" charset="0"/>
+              </a:rPr>
+              <a:t>Darstellung mit MATLAB</a:t>
+            </a:r>
+          </a:p>
+          <a:p>
+            <a:endParaRPr lang="de-DE" sz="2800" dirty="0" smtClean="0">
+              <a:latin typeface="Lato" pitchFamily="34" charset="0"/>
+            </a:endParaRPr>
+          </a:p>
+          <a:p>
+            <a:endParaRPr lang="de-DE" sz="2800" dirty="0" smtClean="0">
+              <a:latin typeface="Lato" pitchFamily="34" charset="0"/>
+            </a:endParaRPr>
+          </a:p>
+          <a:p>
+            <a:r>
+              <a:rPr lang="de-DE" sz="2800" dirty="0" smtClean="0">
+                <a:latin typeface="Lato" pitchFamily="34" charset="0"/>
+              </a:rPr>
+              <a:t>Besonderheit:</a:t>
+            </a:r>
+          </a:p>
+          <a:p>
+            <a:endParaRPr lang="de-DE" sz="2000" dirty="0" smtClean="0">
+              <a:latin typeface="Lato" pitchFamily="34" charset="0"/>
+            </a:endParaRPr>
+          </a:p>
+          <a:p>
+            <a:pPr>
+              <a:buFont typeface="Arial" pitchFamily="34" charset="0"/>
+              <a:buChar char="•"/>
+            </a:pPr>
+            <a:r>
+              <a:rPr lang="de-DE" sz="2000" dirty="0" smtClean="0">
+                <a:latin typeface="Lato" pitchFamily="34" charset="0"/>
+              </a:rPr>
+              <a:t> </a:t>
+            </a:r>
+            <a:r>
+              <a:rPr lang="de-DE" sz="2000" dirty="0" smtClean="0">
+                <a:latin typeface="Lato" pitchFamily="34" charset="0"/>
+              </a:rPr>
+              <a:t>Einfach zu erzeugen</a:t>
+            </a:r>
+          </a:p>
+          <a:p>
+            <a:pPr>
+              <a:buFont typeface="Arial" pitchFamily="34" charset="0"/>
+              <a:buChar char="•"/>
+            </a:pPr>
+            <a:r>
+              <a:rPr lang="de-DE" sz="2000" dirty="0" smtClean="0">
+                <a:latin typeface="Lato" pitchFamily="34" charset="0"/>
+              </a:rPr>
+              <a:t> </a:t>
+            </a:r>
+            <a:r>
+              <a:rPr lang="de-DE" sz="2000" dirty="0" smtClean="0">
+                <a:latin typeface="Lato" pitchFamily="34" charset="0"/>
+              </a:rPr>
+              <a:t>Schwer zu verstehen </a:t>
+            </a:r>
+          </a:p>
+        </p:txBody>
+      </p:sp>
+      <p:pic>
+        <p:nvPicPr>
+          <p:cNvPr id="2050" name="Picture 2" descr="D:\Julius\Documents\GitHub\VSeminar\Dok\Kapitel\img\Prinzip.png"/>
+          <p:cNvPicPr>
+            <a:picLocks noChangeAspect="1" noChangeArrowheads="1"/>
+          </p:cNvPicPr>
+          <p:nvPr/>
+        </p:nvPicPr>
+        <p:blipFill>
+          <a:blip r:embed="rId3" cstate="print"/>
+          <a:srcRect/>
+          <a:stretch>
+            <a:fillRect/>
+          </a:stretch>
+        </p:blipFill>
+        <p:spPr bwMode="auto">
+          <a:xfrm>
+            <a:off x="3851920" y="1275606"/>
+            <a:ext cx="4546923" cy="3244583"/>
+          </a:xfrm>
+          <a:prstGeom prst="rect">
+            <a:avLst/>
+          </a:prstGeom>
+          <a:noFill/>
+          <a:ln w="3175">
+            <a:solidFill>
+              <a:schemeClr val="tx1"/>
+            </a:solidFill>
+          </a:ln>
+        </p:spPr>
+      </p:pic>
+      <p:graphicFrame>
+        <p:nvGraphicFramePr>
+          <p:cNvPr id="9" name="Objekt 8"/>
+          <p:cNvGraphicFramePr>
+            <a:graphicFrameLocks noChangeAspect="1"/>
+          </p:cNvGraphicFramePr>
+          <p:nvPr/>
+        </p:nvGraphicFramePr>
+        <p:xfrm>
+          <a:off x="4514850" y="2463800"/>
+          <a:ext cx="114300" cy="215900"/>
+        </p:xfrm>
+        <a:graphic>
+          <a:graphicData uri="http://schemas.openxmlformats.org/presentationml/2006/ole">
+            <p:oleObj spid="_x0000_s2051" name="Formel" r:id="rId4" imgW="114120" imgH="215640" progId="Equation.3">
+              <p:embed/>
+            </p:oleObj>
+          </a:graphicData>
+        </a:graphic>
+      </p:graphicFrame>
+    </p:spTree>
+  </p:cSld>
+  <p:clrMapOvr>
+    <a:masterClrMapping/>
+  </p:clrMapOvr>
+  <p:timing>
+    <p:tnLst>
+      <p:par>
+        <p:cTn id="1" dur="indefinite" restart="never" nodeType="tmRoot"/>
+      </p:par>
+    </p:tnLst>
+  </p:timing>
+</p:sld>
+</file>
+
+<file path=ppt/slides/slide5.xml><?xml version="1.0" encoding="utf-8"?>
+<p:sld xmlns:a="http://schemas.openxmlformats.org/drawingml/2006/main" xmlns:r="http://schemas.openxmlformats.org/officeDocument/2006/relationships" xmlns:p="http://schemas.openxmlformats.org/presentationml/2006/main">
+  <p:cSld>
+    <p:spTree>
+      <p:nvGrpSpPr>
+        <p:cNvPr id="1" name=""/>
+        <p:cNvGrpSpPr/>
+        <p:nvPr/>
+      </p:nvGrpSpPr>
+      <p:grpSpPr>
+        <a:xfrm>
+          <a:off x="0" y="0"/>
+          <a:ext cx="0" cy="0"/>
+          <a:chOff x="0" y="0"/>
+          <a:chExt cx="0" cy="0"/>
+        </a:xfrm>
+      </p:grpSpPr>
+      <p:sp>
+        <p:nvSpPr>
+          <p:cNvPr id="2" name="Titel 1"/>
+          <p:cNvSpPr>
+            <a:spLocks noGrp="1"/>
+          </p:cNvSpPr>
+          <p:nvPr>
+            <p:ph type="title"/>
+          </p:nvPr>
+        </p:nvSpPr>
+        <p:spPr/>
+        <p:txBody>
+          <a:bodyPr/>
+          <a:lstStyle/>
+          <a:p>
+            <a:endParaRPr lang="de-DE"/>
+          </a:p>
+        </p:txBody>
+      </p:sp>
+      <p:sp>
+        <p:nvSpPr>
+          <p:cNvPr id="3" name="Inhaltsplatzhalter 2"/>
+          <p:cNvSpPr>
+            <a:spLocks noGrp="1"/>
+          </p:cNvSpPr>
+          <p:nvPr>
+            <p:ph idx="1"/>
+          </p:nvPr>
+        </p:nvSpPr>
+        <p:spPr/>
+        <p:txBody>
+          <a:bodyPr/>
+          <a:lstStyle/>
+          <a:p>
+            <a:endParaRPr lang="de-DE"/>
+          </a:p>
+        </p:txBody>
+      </p:sp>
+      <p:sp>
+        <p:nvSpPr>
+          <p:cNvPr id="4" name="Datumsplatzhalter 3"/>
+          <p:cNvSpPr>
+            <a:spLocks noGrp="1"/>
+          </p:cNvSpPr>
+          <p:nvPr>
+            <p:ph type="dt" sz="half" idx="10"/>
+          </p:nvPr>
+        </p:nvSpPr>
+        <p:spPr/>
+        <p:txBody>
+          <a:bodyPr/>
+          <a:lstStyle/>
+          <a:p>
+            <a:fld id="{1C72BD4E-61B2-40A3-A75C-5FDEDE8E5EC5}" type="datetime1">
+              <a:rPr lang="de-DE" smtClean="0"/>
+              <a:pPr/>
+              <a:t>11.06.2015</a:t>
+            </a:fld>
+            <a:endParaRPr lang="de-DE"/>
+          </a:p>
+        </p:txBody>
+      </p:sp>
+      <p:sp>
+        <p:nvSpPr>
+          <p:cNvPr id="5" name="Fußzeilenplatzhalter 4"/>
+          <p:cNvSpPr>
+            <a:spLocks noGrp="1"/>
+          </p:cNvSpPr>
+          <p:nvPr>
+            <p:ph type="ftr" sz="quarter" idx="11"/>
+          </p:nvPr>
+        </p:nvSpPr>
+        <p:spPr/>
+        <p:txBody>
+          <a:bodyPr/>
+          <a:lstStyle/>
+          <a:p>
+            <a:r>
+              <a:rPr lang="de-DE" smtClean="0"/>
+              <a:t>FM-Synthese</a:t>
+            </a:r>
+            <a:endParaRPr lang="de-DE"/>
+          </a:p>
+        </p:txBody>
+      </p:sp>
+      <p:sp>
+        <p:nvSpPr>
+          <p:cNvPr id="6" name="Foliennummernplatzhalter 5"/>
+          <p:cNvSpPr>
+            <a:spLocks noGrp="1"/>
+          </p:cNvSpPr>
+          <p:nvPr>
+            <p:ph type="sldNum" sz="quarter" idx="12"/>
+          </p:nvPr>
+        </p:nvSpPr>
+        <p:spPr/>
+        <p:txBody>
+          <a:bodyPr/>
+          <a:lstStyle/>
+          <a:p>
+            <a:fld id="{6C6AE60A-B69C-4790-82F7-3882EDF23186}" type="slidenum">
+              <a:rPr lang="de-DE" smtClean="0"/>
+              <a:pPr/>
+              <a:t>5</a:t>
             </a:fld>
             <a:endParaRPr lang="de-DE" dirty="0"/>
           </a:p>

--- a/Praesentation/FMSynthese-Julius.pptx
+++ b/Praesentation/FMSynthese-Julius.pptx
@@ -5,7 +5,7 @@
     <p:sldMasterId id="2147483648" r:id="rId1"/>
   </p:sldMasterIdLst>
   <p:notesMasterIdLst>
-    <p:notesMasterId r:id="rId7"/>
+    <p:notesMasterId r:id="rId13"/>
   </p:notesMasterIdLst>
   <p:sldIdLst>
     <p:sldId id="257" r:id="rId2"/>
@@ -13,6 +13,12 @@
     <p:sldId id="258" r:id="rId4"/>
     <p:sldId id="259" r:id="rId5"/>
     <p:sldId id="260" r:id="rId6"/>
+    <p:sldId id="261" r:id="rId7"/>
+    <p:sldId id="262" r:id="rId8"/>
+    <p:sldId id="263" r:id="rId9"/>
+    <p:sldId id="264" r:id="rId10"/>
+    <p:sldId id="265" r:id="rId11"/>
+    <p:sldId id="266" r:id="rId12"/>
   </p:sldIdLst>
   <p:sldSz cx="9144000" cy="5143500" type="screen16x9"/>
   <p:notesSz cx="6858000" cy="9144000"/>
@@ -197,7 +203,7 @@
             <a:fld id="{364A5697-ABCF-455C-8519-931EFDD64AAA}" type="datetimeFigureOut">
               <a:rPr lang="de-DE" smtClean="0"/>
               <a:pPr/>
-              <a:t>11.06.2015</a:t>
+              <a:t>13.06.2015</a:t>
             </a:fld>
             <a:endParaRPr lang="de-DE"/>
           </a:p>
@@ -645,7 +651,7 @@
             <a:fld id="{D1973D6C-51AD-4508-B508-FD358C94A360}" type="datetime1">
               <a:rPr lang="de-DE" smtClean="0"/>
               <a:pPr/>
-              <a:t>11.06.2015</a:t>
+              <a:t>13.06.2015</a:t>
             </a:fld>
             <a:endParaRPr lang="de-DE"/>
           </a:p>
@@ -816,7 +822,7 @@
             <a:fld id="{16CA1741-E8C7-4D32-930D-2CBEC658BBE9}" type="datetime1">
               <a:rPr lang="de-DE" smtClean="0"/>
               <a:pPr/>
-              <a:t>11.06.2015</a:t>
+              <a:t>13.06.2015</a:t>
             </a:fld>
             <a:endParaRPr lang="de-DE"/>
           </a:p>
@@ -997,7 +1003,7 @@
             <a:fld id="{BA20089B-28E9-4E3D-8F82-6328AE8CACA6}" type="datetime1">
               <a:rPr lang="de-DE" smtClean="0"/>
               <a:pPr/>
-              <a:t>11.06.2015</a:t>
+              <a:t>13.06.2015</a:t>
             </a:fld>
             <a:endParaRPr lang="de-DE"/>
           </a:p>
@@ -1168,7 +1174,7 @@
             <a:fld id="{1C72BD4E-61B2-40A3-A75C-5FDEDE8E5EC5}" type="datetime1">
               <a:rPr lang="de-DE" smtClean="0"/>
               <a:pPr/>
-              <a:t>11.06.2015</a:t>
+              <a:t>13.06.2015</a:t>
             </a:fld>
             <a:endParaRPr lang="de-DE"/>
           </a:p>
@@ -1415,7 +1421,7 @@
             <a:fld id="{48E855D6-EEBE-45BF-8BB5-776601FA5085}" type="datetime1">
               <a:rPr lang="de-DE" smtClean="0"/>
               <a:pPr/>
-              <a:t>11.06.2015</a:t>
+              <a:t>13.06.2015</a:t>
             </a:fld>
             <a:endParaRPr lang="de-DE"/>
           </a:p>
@@ -1704,7 +1710,7 @@
             <a:fld id="{EF380378-A65B-4494-A5A7-886B50CB4937}" type="datetime1">
               <a:rPr lang="de-DE" smtClean="0"/>
               <a:pPr/>
-              <a:t>11.06.2015</a:t>
+              <a:t>13.06.2015</a:t>
             </a:fld>
             <a:endParaRPr lang="de-DE"/>
           </a:p>
@@ -2127,7 +2133,7 @@
             <a:fld id="{BF9B2ACF-C63C-45AF-B5D6-56753CCBEEC7}" type="datetime1">
               <a:rPr lang="de-DE" smtClean="0"/>
               <a:pPr/>
-              <a:t>11.06.2015</a:t>
+              <a:t>13.06.2015</a:t>
             </a:fld>
             <a:endParaRPr lang="de-DE"/>
           </a:p>
@@ -2246,7 +2252,7 @@
             <a:fld id="{782C60A8-75F3-45EE-8F68-824804B9A36B}" type="datetime1">
               <a:rPr lang="de-DE" smtClean="0"/>
               <a:pPr/>
-              <a:t>11.06.2015</a:t>
+              <a:t>13.06.2015</a:t>
             </a:fld>
             <a:endParaRPr lang="de-DE"/>
           </a:p>
@@ -2342,7 +2348,7 @@
             <a:fld id="{AC76AE4E-B847-44C0-9E80-FADAC514238D}" type="datetime1">
               <a:rPr lang="de-DE" smtClean="0"/>
               <a:pPr/>
-              <a:t>11.06.2015</a:t>
+              <a:t>13.06.2015</a:t>
             </a:fld>
             <a:endParaRPr lang="de-DE"/>
           </a:p>
@@ -2620,7 +2626,7 @@
             <a:fld id="{93EB1BC4-DA1F-4C44-8E36-1B9FD72AD58E}" type="datetime1">
               <a:rPr lang="de-DE" smtClean="0"/>
               <a:pPr/>
-              <a:t>11.06.2015</a:t>
+              <a:t>13.06.2015</a:t>
             </a:fld>
             <a:endParaRPr lang="de-DE"/>
           </a:p>
@@ -2874,7 +2880,7 @@
             <a:fld id="{E23DD280-69E3-4A3C-8762-77BE68C0FDBF}" type="datetime1">
               <a:rPr lang="de-DE" smtClean="0"/>
               <a:pPr/>
-              <a:t>11.06.2015</a:t>
+              <a:t>13.06.2015</a:t>
             </a:fld>
             <a:endParaRPr lang="de-DE"/>
           </a:p>
@@ -3088,7 +3094,7 @@
             <a:fld id="{A1830189-BAB1-4688-8766-4D2AC2DF7C33}" type="datetime1">
               <a:rPr lang="de-DE" smtClean="0"/>
               <a:pPr/>
-              <a:t>11.06.2015</a:t>
+              <a:t>13.06.2015</a:t>
             </a:fld>
             <a:endParaRPr lang="de-DE" dirty="0"/>
           </a:p>
@@ -3563,7 +3569,7 @@
             <a:fld id="{1C72BD4E-61B2-40A3-A75C-5FDEDE8E5EC5}" type="datetime1">
               <a:rPr lang="de-DE" smtClean="0"/>
               <a:pPr/>
-              <a:t>11.06.2015</a:t>
+              <a:t>13.06.2015</a:t>
             </a:fld>
             <a:endParaRPr lang="de-DE"/>
           </a:p>
@@ -3628,6 +3634,424 @@
       </p:par>
     </p:tnLst>
   </p:timing>
+</p:sld>
+</file>
+
+<file path=ppt/slides/slide10.xml><?xml version="1.0" encoding="utf-8"?>
+<p:sld xmlns:a="http://schemas.openxmlformats.org/drawingml/2006/main" xmlns:r="http://schemas.openxmlformats.org/officeDocument/2006/relationships" xmlns:p="http://schemas.openxmlformats.org/presentationml/2006/main">
+  <p:cSld>
+    <p:spTree>
+      <p:nvGrpSpPr>
+        <p:cNvPr id="1" name=""/>
+        <p:cNvGrpSpPr/>
+        <p:nvPr/>
+      </p:nvGrpSpPr>
+      <p:grpSpPr>
+        <a:xfrm>
+          <a:off x="0" y="0"/>
+          <a:ext cx="0" cy="0"/>
+          <a:chOff x="0" y="0"/>
+          <a:chExt cx="0" cy="0"/>
+        </a:xfrm>
+      </p:grpSpPr>
+      <p:sp>
+        <p:nvSpPr>
+          <p:cNvPr id="2" name="Titel 1"/>
+          <p:cNvSpPr>
+            <a:spLocks noGrp="1"/>
+          </p:cNvSpPr>
+          <p:nvPr>
+            <p:ph type="title"/>
+          </p:nvPr>
+        </p:nvSpPr>
+        <p:spPr/>
+        <p:txBody>
+          <a:bodyPr>
+            <a:normAutofit/>
+          </a:bodyPr>
+          <a:lstStyle/>
+          <a:p>
+            <a:r>
+              <a:rPr lang="de-DE" sz="2800" dirty="0" smtClean="0">
+                <a:latin typeface="Lato" pitchFamily="34" charset="0"/>
+              </a:rPr>
+              <a:t>Geschichte der FM-Synthese</a:t>
+            </a:r>
+            <a:endParaRPr lang="de-DE" sz="2800" dirty="0">
+              <a:latin typeface="Lato" pitchFamily="34" charset="0"/>
+            </a:endParaRPr>
+          </a:p>
+        </p:txBody>
+      </p:sp>
+      <p:sp>
+        <p:nvSpPr>
+          <p:cNvPr id="3" name="Inhaltsplatzhalter 2"/>
+          <p:cNvSpPr>
+            <a:spLocks noGrp="1"/>
+          </p:cNvSpPr>
+          <p:nvPr>
+            <p:ph idx="1"/>
+          </p:nvPr>
+        </p:nvSpPr>
+        <p:spPr/>
+        <p:txBody>
+          <a:bodyPr>
+            <a:normAutofit/>
+          </a:bodyPr>
+          <a:lstStyle/>
+          <a:p>
+            <a:r>
+              <a:rPr lang="de-DE" sz="2000" dirty="0" smtClean="0"/>
+              <a:t>John </a:t>
+            </a:r>
+            <a:r>
+              <a:rPr lang="de-DE" sz="2000" dirty="0" err="1" smtClean="0"/>
+              <a:t>Chowning</a:t>
+            </a:r>
+            <a:r>
+              <a:rPr lang="de-DE" sz="2000" dirty="0" smtClean="0"/>
+              <a:t> 2005 in einem Interview:</a:t>
+            </a:r>
+          </a:p>
+          <a:p>
+            <a:pPr>
+              <a:buNone/>
+            </a:pPr>
+            <a:r>
+              <a:rPr lang="en-US" sz="2000" dirty="0" smtClean="0"/>
+              <a:t>	</a:t>
+            </a:r>
+          </a:p>
+          <a:p>
+            <a:pPr>
+              <a:buNone/>
+            </a:pPr>
+            <a:r>
+              <a:rPr lang="en-US" sz="2000" dirty="0" smtClean="0"/>
+              <a:t>	</a:t>
+            </a:r>
+            <a:r>
+              <a:rPr lang="en-US" sz="2000" dirty="0" smtClean="0"/>
+              <a:t>“</a:t>
+            </a:r>
+            <a:r>
+              <a:rPr lang="en-US" sz="2000" i="1" dirty="0" smtClean="0"/>
+              <a:t>I was experimenting with just a sinusoid and kept increasing the vibrato </a:t>
+            </a:r>
+            <a:r>
+              <a:rPr lang="en-US" sz="2000" i="1" dirty="0" smtClean="0"/>
+              <a:t>rate, so </a:t>
+            </a:r>
+            <a:r>
+              <a:rPr lang="en-US" sz="2000" i="1" dirty="0" smtClean="0"/>
+              <a:t>all of </a:t>
+            </a:r>
+            <a:r>
+              <a:rPr lang="en-US" sz="2000" i="1" dirty="0" smtClean="0"/>
+              <a:t>a sudden </a:t>
+            </a:r>
+            <a:r>
+              <a:rPr lang="en-US" sz="2000" i="1" dirty="0" smtClean="0"/>
+              <a:t>it didn’t sound like listening to a change in pitch in time, but rather </a:t>
+            </a:r>
+            <a:r>
+              <a:rPr lang="en-US" sz="2000" i="1" dirty="0" err="1" smtClean="0"/>
+              <a:t>i</a:t>
+            </a:r>
+            <a:r>
+              <a:rPr lang="en-US" sz="2000" i="1" dirty="0" smtClean="0"/>
+              <a:t> began to hear </a:t>
+            </a:r>
+            <a:r>
+              <a:rPr lang="en-US" sz="2000" i="1" dirty="0" err="1" smtClean="0"/>
+              <a:t>timbral</a:t>
+            </a:r>
+            <a:r>
+              <a:rPr lang="en-US" sz="2000" i="1" dirty="0" smtClean="0"/>
+              <a:t> </a:t>
+            </a:r>
+            <a:r>
+              <a:rPr lang="en-US" sz="2000" i="1" dirty="0" err="1" smtClean="0"/>
+              <a:t>diﬀerences</a:t>
+            </a:r>
+            <a:r>
+              <a:rPr lang="en-US" sz="2000" i="1" dirty="0" smtClean="0"/>
+              <a:t>. So the </a:t>
+            </a:r>
+            <a:r>
+              <a:rPr lang="en-US" sz="2000" i="1" dirty="0" err="1" smtClean="0"/>
+              <a:t>vibratio</a:t>
+            </a:r>
+            <a:r>
+              <a:rPr lang="en-US" sz="2000" i="1" dirty="0" smtClean="0"/>
+              <a:t> became very, very fast, hundreds of times per second, and very, </a:t>
+            </a:r>
+            <a:r>
+              <a:rPr lang="en-US" sz="2000" i="1" dirty="0" smtClean="0"/>
+              <a:t>very deep</a:t>
+            </a:r>
+            <a:r>
+              <a:rPr lang="en-US" sz="2000" i="1" dirty="0" smtClean="0"/>
+              <a:t>, as if the violinist had a </a:t>
+            </a:r>
+            <a:r>
+              <a:rPr lang="en-US" sz="2000" i="1" dirty="0" err="1" smtClean="0"/>
+              <a:t>diﬀerent</a:t>
+            </a:r>
+            <a:r>
+              <a:rPr lang="en-US" sz="2000" i="1" dirty="0" smtClean="0"/>
+              <a:t> </a:t>
+            </a:r>
+            <a:r>
+              <a:rPr lang="en-US" sz="2000" i="1" dirty="0" err="1" smtClean="0"/>
+              <a:t>ﬁngerboard</a:t>
+            </a:r>
+            <a:r>
+              <a:rPr lang="en-US" sz="2000" i="1" dirty="0" smtClean="0"/>
+              <a:t>, and the </a:t>
+            </a:r>
+            <a:r>
+              <a:rPr lang="en-US" sz="2000" i="1" dirty="0" err="1" smtClean="0"/>
+              <a:t>ﬁnger</a:t>
+            </a:r>
+            <a:r>
+              <a:rPr lang="en-US" sz="2000" i="1" dirty="0" smtClean="0"/>
+              <a:t> was whipping up </a:t>
+            </a:r>
+            <a:r>
+              <a:rPr lang="en-US" sz="2000" i="1" dirty="0" smtClean="0"/>
+              <a:t>and down at very </a:t>
+            </a:r>
+            <a:r>
+              <a:rPr lang="en-US" sz="2000" i="1" dirty="0" smtClean="0"/>
+              <a:t>high rates and very great distances. That would be sort of a physical metaphor for this.”</a:t>
+            </a:r>
+            <a:endParaRPr lang="de-DE" sz="2000" i="1" dirty="0" smtClean="0"/>
+          </a:p>
+        </p:txBody>
+      </p:sp>
+      <p:sp>
+        <p:nvSpPr>
+          <p:cNvPr id="4" name="Datumsplatzhalter 3"/>
+          <p:cNvSpPr>
+            <a:spLocks noGrp="1"/>
+          </p:cNvSpPr>
+          <p:nvPr>
+            <p:ph type="dt" sz="half" idx="10"/>
+          </p:nvPr>
+        </p:nvSpPr>
+        <p:spPr/>
+        <p:txBody>
+          <a:bodyPr/>
+          <a:lstStyle/>
+          <a:p>
+            <a:fld id="{1C72BD4E-61B2-40A3-A75C-5FDEDE8E5EC5}" type="datetime1">
+              <a:rPr lang="de-DE" smtClean="0"/>
+              <a:pPr/>
+              <a:t>13.06.2015</a:t>
+            </a:fld>
+            <a:endParaRPr lang="de-DE"/>
+          </a:p>
+        </p:txBody>
+      </p:sp>
+      <p:sp>
+        <p:nvSpPr>
+          <p:cNvPr id="5" name="Fußzeilenplatzhalter 4"/>
+          <p:cNvSpPr>
+            <a:spLocks noGrp="1"/>
+          </p:cNvSpPr>
+          <p:nvPr>
+            <p:ph type="ftr" sz="quarter" idx="11"/>
+          </p:nvPr>
+        </p:nvSpPr>
+        <p:spPr/>
+        <p:txBody>
+          <a:bodyPr/>
+          <a:lstStyle/>
+          <a:p>
+            <a:r>
+              <a:rPr lang="de-DE" dirty="0" smtClean="0"/>
+              <a:t>FM-Synthese</a:t>
+            </a:r>
+            <a:endParaRPr lang="de-DE" dirty="0"/>
+          </a:p>
+        </p:txBody>
+      </p:sp>
+      <p:sp>
+        <p:nvSpPr>
+          <p:cNvPr id="6" name="Foliennummernplatzhalter 5"/>
+          <p:cNvSpPr>
+            <a:spLocks noGrp="1"/>
+          </p:cNvSpPr>
+          <p:nvPr>
+            <p:ph type="sldNum" sz="quarter" idx="12"/>
+          </p:nvPr>
+        </p:nvSpPr>
+        <p:spPr/>
+        <p:txBody>
+          <a:bodyPr/>
+          <a:lstStyle/>
+          <a:p>
+            <a:fld id="{6C6AE60A-B69C-4790-82F7-3882EDF23186}" type="slidenum">
+              <a:rPr lang="de-DE" smtClean="0"/>
+              <a:pPr/>
+              <a:t>10</a:t>
+            </a:fld>
+            <a:endParaRPr lang="de-DE" dirty="0"/>
+          </a:p>
+        </p:txBody>
+      </p:sp>
+    </p:spTree>
+  </p:cSld>
+  <p:clrMapOvr>
+    <a:masterClrMapping/>
+  </p:clrMapOvr>
+</p:sld>
+</file>
+
+<file path=ppt/slides/slide11.xml><?xml version="1.0" encoding="utf-8"?>
+<p:sld xmlns:a="http://schemas.openxmlformats.org/drawingml/2006/main" xmlns:r="http://schemas.openxmlformats.org/officeDocument/2006/relationships" xmlns:p="http://schemas.openxmlformats.org/presentationml/2006/main">
+  <p:cSld>
+    <p:spTree>
+      <p:nvGrpSpPr>
+        <p:cNvPr id="1" name=""/>
+        <p:cNvGrpSpPr/>
+        <p:nvPr/>
+      </p:nvGrpSpPr>
+      <p:grpSpPr>
+        <a:xfrm>
+          <a:off x="0" y="0"/>
+          <a:ext cx="0" cy="0"/>
+          <a:chOff x="0" y="0"/>
+          <a:chExt cx="0" cy="0"/>
+        </a:xfrm>
+      </p:grpSpPr>
+      <p:sp>
+        <p:nvSpPr>
+          <p:cNvPr id="2" name="Titel 1"/>
+          <p:cNvSpPr>
+            <a:spLocks noGrp="1"/>
+          </p:cNvSpPr>
+          <p:nvPr>
+            <p:ph type="title"/>
+          </p:nvPr>
+        </p:nvSpPr>
+        <p:spPr/>
+        <p:txBody>
+          <a:bodyPr>
+            <a:normAutofit/>
+          </a:bodyPr>
+          <a:lstStyle/>
+          <a:p>
+            <a:r>
+              <a:rPr lang="de-DE" sz="2800" dirty="0" smtClean="0">
+                <a:latin typeface="Lato" pitchFamily="34" charset="0"/>
+              </a:rPr>
+              <a:t>Geschichte der FM-Synthese</a:t>
+            </a:r>
+            <a:endParaRPr lang="de-DE" sz="2800" dirty="0">
+              <a:latin typeface="Lato" pitchFamily="34" charset="0"/>
+            </a:endParaRPr>
+          </a:p>
+        </p:txBody>
+      </p:sp>
+      <p:sp>
+        <p:nvSpPr>
+          <p:cNvPr id="3" name="Inhaltsplatzhalter 2"/>
+          <p:cNvSpPr>
+            <a:spLocks noGrp="1"/>
+          </p:cNvSpPr>
+          <p:nvPr>
+            <p:ph idx="1"/>
+          </p:nvPr>
+        </p:nvSpPr>
+        <p:spPr/>
+        <p:txBody>
+          <a:bodyPr>
+            <a:normAutofit/>
+          </a:bodyPr>
+          <a:lstStyle/>
+          <a:p>
+            <a:endParaRPr lang="de-DE" sz="2000" dirty="0" smtClean="0"/>
+          </a:p>
+        </p:txBody>
+      </p:sp>
+      <p:sp>
+        <p:nvSpPr>
+          <p:cNvPr id="4" name="Datumsplatzhalter 3"/>
+          <p:cNvSpPr>
+            <a:spLocks noGrp="1"/>
+          </p:cNvSpPr>
+          <p:nvPr>
+            <p:ph type="dt" sz="half" idx="10"/>
+          </p:nvPr>
+        </p:nvSpPr>
+        <p:spPr/>
+        <p:txBody>
+          <a:bodyPr/>
+          <a:lstStyle/>
+          <a:p>
+            <a:fld id="{1C72BD4E-61B2-40A3-A75C-5FDEDE8E5EC5}" type="datetime1">
+              <a:rPr lang="de-DE" smtClean="0"/>
+              <a:pPr/>
+              <a:t>13.06.2015</a:t>
+            </a:fld>
+            <a:endParaRPr lang="de-DE"/>
+          </a:p>
+        </p:txBody>
+      </p:sp>
+      <p:sp>
+        <p:nvSpPr>
+          <p:cNvPr id="5" name="Fußzeilenplatzhalter 4"/>
+          <p:cNvSpPr>
+            <a:spLocks noGrp="1"/>
+          </p:cNvSpPr>
+          <p:nvPr>
+            <p:ph type="ftr" sz="quarter" idx="11"/>
+          </p:nvPr>
+        </p:nvSpPr>
+        <p:spPr/>
+        <p:txBody>
+          <a:bodyPr/>
+          <a:lstStyle/>
+          <a:p>
+            <a:r>
+              <a:rPr lang="de-DE" smtClean="0"/>
+              <a:t>FM-Synthese</a:t>
+            </a:r>
+            <a:endParaRPr lang="de-DE"/>
+          </a:p>
+        </p:txBody>
+      </p:sp>
+      <p:sp>
+        <p:nvSpPr>
+          <p:cNvPr id="6" name="Foliennummernplatzhalter 5"/>
+          <p:cNvSpPr>
+            <a:spLocks noGrp="1"/>
+          </p:cNvSpPr>
+          <p:nvPr>
+            <p:ph type="sldNum" sz="quarter" idx="12"/>
+          </p:nvPr>
+        </p:nvSpPr>
+        <p:spPr/>
+        <p:txBody>
+          <a:bodyPr/>
+          <a:lstStyle/>
+          <a:p>
+            <a:fld id="{6C6AE60A-B69C-4790-82F7-3882EDF23186}" type="slidenum">
+              <a:rPr lang="de-DE" smtClean="0"/>
+              <a:pPr/>
+              <a:t>11</a:t>
+            </a:fld>
+            <a:endParaRPr lang="de-DE" dirty="0"/>
+          </a:p>
+        </p:txBody>
+      </p:sp>
+    </p:spTree>
+  </p:cSld>
+  <p:clrMapOvr>
+    <a:masterClrMapping/>
+  </p:clrMapOvr>
 </p:sld>
 </file>
 
@@ -3695,7 +4119,7 @@
         </p:spPr>
         <p:txBody>
           <a:bodyPr>
-            <a:normAutofit fontScale="92500" lnSpcReduction="10000"/>
+            <a:normAutofit/>
           </a:bodyPr>
           <a:lstStyle/>
           <a:p>
@@ -3703,10 +4127,67 @@
               <a:buNone/>
             </a:pPr>
             <a:r>
-              <a:rPr lang="de-DE" sz="2800" dirty="0" smtClean="0">
+              <a:rPr lang="de-DE" sz="2000" dirty="0" smtClean="0">
                 <a:latin typeface="Lato" pitchFamily="34" charset="0"/>
               </a:rPr>
               <a:t>1. Julius Hackel	</a:t>
+            </a:r>
+          </a:p>
+          <a:p>
+            <a:pPr>
+              <a:buNone/>
+            </a:pPr>
+            <a:endParaRPr lang="de-DE" sz="2000" dirty="0" smtClean="0">
+              <a:latin typeface="Lato" pitchFamily="34" charset="0"/>
+            </a:endParaRPr>
+          </a:p>
+          <a:p>
+            <a:pPr>
+              <a:buNone/>
+            </a:pPr>
+            <a:r>
+              <a:rPr lang="de-DE" sz="2000" dirty="0" smtClean="0">
+                <a:latin typeface="Lato" pitchFamily="34" charset="0"/>
+              </a:rPr>
+              <a:t>2. Markus Bullmann</a:t>
+            </a:r>
+          </a:p>
+          <a:p>
+            <a:pPr>
+              <a:buNone/>
+            </a:pPr>
+            <a:endParaRPr lang="de-DE" sz="2000" dirty="0" smtClean="0">
+              <a:latin typeface="Lato" pitchFamily="34" charset="0"/>
+            </a:endParaRPr>
+          </a:p>
+          <a:p>
+            <a:pPr>
+              <a:buNone/>
+            </a:pPr>
+            <a:r>
+              <a:rPr lang="de-DE" sz="2000" dirty="0" smtClean="0">
+                <a:latin typeface="Lato" pitchFamily="34" charset="0"/>
+              </a:rPr>
+              <a:t>3. Matthias Kemmer</a:t>
+            </a:r>
+          </a:p>
+          <a:p>
+            <a:pPr>
+              <a:buNone/>
+            </a:pPr>
+            <a:endParaRPr lang="de-DE" sz="2000" dirty="0" smtClean="0">
+              <a:latin typeface="Lato" pitchFamily="34" charset="0"/>
+            </a:endParaRPr>
+          </a:p>
+          <a:p>
+            <a:pPr>
+              <a:buNone/>
+            </a:pPr>
+            <a:r>
+              <a:rPr lang="de-DE" sz="2000" dirty="0" smtClean="0">
+                <a:latin typeface="Lato" pitchFamily="34" charset="0"/>
+              </a:rPr>
+              <a:t>4. Stefan Gerasch</a:t>
             </a:r>
           </a:p>
           <a:p>
@@ -3717,63 +4198,6 @@
               <a:latin typeface="Lato" pitchFamily="34" charset="0"/>
             </a:endParaRPr>
           </a:p>
-          <a:p>
-            <a:pPr>
-              <a:buNone/>
-            </a:pPr>
-            <a:r>
-              <a:rPr lang="de-DE" sz="2800" dirty="0" smtClean="0">
-                <a:latin typeface="Lato" pitchFamily="34" charset="0"/>
-              </a:rPr>
-              <a:t>2. Markus Bullmann</a:t>
-            </a:r>
-          </a:p>
-          <a:p>
-            <a:pPr>
-              <a:buNone/>
-            </a:pPr>
-            <a:endParaRPr lang="de-DE" sz="2800" dirty="0" smtClean="0">
-              <a:latin typeface="Lato" pitchFamily="34" charset="0"/>
-            </a:endParaRPr>
-          </a:p>
-          <a:p>
-            <a:pPr>
-              <a:buNone/>
-            </a:pPr>
-            <a:r>
-              <a:rPr lang="de-DE" sz="2800" dirty="0" smtClean="0">
-                <a:latin typeface="Lato" pitchFamily="34" charset="0"/>
-              </a:rPr>
-              <a:t>3. Matthias Kemmer</a:t>
-            </a:r>
-          </a:p>
-          <a:p>
-            <a:pPr>
-              <a:buNone/>
-            </a:pPr>
-            <a:endParaRPr lang="de-DE" sz="2800" dirty="0" smtClean="0">
-              <a:latin typeface="Lato" pitchFamily="34" charset="0"/>
-            </a:endParaRPr>
-          </a:p>
-          <a:p>
-            <a:pPr>
-              <a:buNone/>
-            </a:pPr>
-            <a:r>
-              <a:rPr lang="de-DE" sz="2800" dirty="0" smtClean="0">
-                <a:latin typeface="Lato" pitchFamily="34" charset="0"/>
-              </a:rPr>
-              <a:t>4. Stefan Gerasch</a:t>
-            </a:r>
-          </a:p>
-          <a:p>
-            <a:pPr>
-              <a:buNone/>
-            </a:pPr>
-            <a:endParaRPr lang="de-DE" sz="2800" dirty="0" smtClean="0">
-              <a:latin typeface="Lato" pitchFamily="34" charset="0"/>
-            </a:endParaRPr>
-          </a:p>
         </p:txBody>
       </p:sp>
       <p:sp>
@@ -3794,7 +4218,7 @@
             <a:fld id="{35C1FD4D-52EB-42CB-85F2-3F104058EAED}" type="datetime1">
               <a:rPr lang="de-DE" smtClean="0"/>
               <a:pPr/>
-              <a:t>11.06.2015</a:t>
+              <a:t>13.06.2015</a:t>
             </a:fld>
             <a:endParaRPr lang="de-DE"/>
           </a:p>
@@ -3855,8 +4279,8 @@
         </p:nvSpPr>
         <p:spPr>
           <a:xfrm>
-            <a:off x="5436096" y="1134888"/>
-            <a:ext cx="3168352" cy="3754874"/>
+            <a:off x="5364088" y="1059582"/>
+            <a:ext cx="3600400" cy="3754874"/>
           </a:xfrm>
           <a:prstGeom prst="rect">
             <a:avLst/>
@@ -3874,7 +4298,34 @@
               <a:rPr lang="de-DE" sz="1400" dirty="0" smtClean="0">
                 <a:latin typeface="Lato" pitchFamily="34" charset="0"/>
               </a:rPr>
-              <a:t>1. 	- Prinzip</a:t>
+              <a:t>1. 	</a:t>
+            </a:r>
+            <a:r>
+              <a:rPr lang="de-DE" sz="1400" dirty="0" smtClean="0">
+                <a:latin typeface="Lato" pitchFamily="34" charset="0"/>
+              </a:rPr>
+              <a:t>Einführung</a:t>
+            </a:r>
+          </a:p>
+          <a:p>
+            <a:pPr marL="342900" indent="-342900"/>
+            <a:r>
+              <a:rPr lang="de-DE" sz="1400" dirty="0" smtClean="0">
+                <a:latin typeface="Lato" pitchFamily="34" charset="0"/>
+              </a:rPr>
+              <a:t>	</a:t>
+            </a:r>
+            <a:r>
+              <a:rPr lang="de-DE" sz="1400" dirty="0" smtClean="0">
+                <a:latin typeface="Lato" pitchFamily="34" charset="0"/>
+              </a:rPr>
+              <a:t>- </a:t>
+            </a:r>
+            <a:r>
+              <a:rPr lang="de-DE" sz="1400" dirty="0" smtClean="0">
+                <a:latin typeface="Lato" pitchFamily="34" charset="0"/>
+              </a:rPr>
+              <a:t>Prinzip</a:t>
             </a:r>
           </a:p>
           <a:p>
@@ -4115,17 +4566,8 @@
               <a:rPr lang="de-DE" sz="2800" dirty="0" smtClean="0">
                 <a:latin typeface="Lato" pitchFamily="34" charset="0"/>
               </a:rPr>
-              <a:t>Prinzip der </a:t>
-            </a:r>
-            <a:r>
-              <a:rPr lang="de-DE" sz="2800" dirty="0" smtClean="0">
-                <a:latin typeface="Lato" pitchFamily="34" charset="0"/>
-              </a:rPr>
-              <a:t>FM-Synthese</a:t>
-            </a:r>
-            <a:endParaRPr lang="de-DE" sz="2800" dirty="0" smtClean="0">
-              <a:latin typeface="Lato" pitchFamily="34" charset="0"/>
-            </a:endParaRPr>
+              <a:t>Prinzip der FM-Synthese</a:t>
+            </a:r>
           </a:p>
           <a:p>
             <a:endParaRPr lang="de-DE" sz="2000" dirty="0" smtClean="0">
@@ -4155,6 +4597,17 @@
               </a:rPr>
               <a:t>Formel: </a:t>
             </a:r>
+            <a:endParaRPr lang="de-DE" sz="2000" dirty="0" smtClean="0">
+              <a:latin typeface="Lato" pitchFamily="34" charset="0"/>
+            </a:endParaRPr>
+          </a:p>
+          <a:p>
+            <a:r>
+              <a:rPr lang="de-DE" sz="2000" dirty="0" smtClean="0">
+                <a:latin typeface="Lato" pitchFamily="34" charset="0"/>
+              </a:rPr>
+              <a:t>Funktioniert analog mit Cosinus</a:t>
+            </a:r>
             <a:endParaRPr lang="de-DE" sz="2000" dirty="0">
               <a:latin typeface="Lato" pitchFamily="34" charset="0"/>
             </a:endParaRPr>
@@ -4179,7 +4632,7 @@
             <a:fld id="{1C72BD4E-61B2-40A3-A75C-5FDEDE8E5EC5}" type="datetime1">
               <a:rPr lang="de-DE" smtClean="0"/>
               <a:pPr/>
-              <a:t>11.06.2015</a:t>
+              <a:t>13.06.2015</a:t>
             </a:fld>
             <a:endParaRPr lang="de-DE"/>
           </a:p>
@@ -4302,7 +4755,7 @@
             <a:fld id="{1C72BD4E-61B2-40A3-A75C-5FDEDE8E5EC5}" type="datetime1">
               <a:rPr lang="de-DE" smtClean="0"/>
               <a:pPr/>
-              <a:t>11.06.2015</a:t>
+              <a:t>13.06.2015</a:t>
             </a:fld>
             <a:endParaRPr lang="de-DE"/>
           </a:p>
@@ -4363,8 +4816,8 @@
         </p:nvSpPr>
         <p:spPr>
           <a:xfrm>
-            <a:off x="467544" y="555526"/>
-            <a:ext cx="4896544" cy="2739211"/>
+            <a:off x="467544" y="411510"/>
+            <a:ext cx="4896544" cy="2308324"/>
           </a:xfrm>
           <a:prstGeom prst="rect">
             <a:avLst/>
@@ -4390,16 +4843,17 @@
             </a:endParaRPr>
           </a:p>
           <a:p>
-            <a:endParaRPr lang="de-DE" sz="2800" dirty="0" smtClean="0">
-              <a:latin typeface="Lato" pitchFamily="34" charset="0"/>
-            </a:endParaRPr>
-          </a:p>
-          <a:p>
             <a:r>
               <a:rPr lang="de-DE" sz="2800" dirty="0" smtClean="0">
                 <a:latin typeface="Lato" pitchFamily="34" charset="0"/>
               </a:rPr>
-              <a:t>Besonderheit:</a:t>
+              <a:t>Besonderheit</a:t>
+            </a:r>
+            <a:r>
+              <a:rPr lang="de-DE" sz="2800" dirty="0" smtClean="0">
+                <a:latin typeface="Lato" pitchFamily="34" charset="0"/>
+              </a:rPr>
+              <a:t>:</a:t>
             </a:r>
           </a:p>
           <a:p>
@@ -4416,13 +4870,7 @@
               <a:rPr lang="de-DE" sz="2000" dirty="0" smtClean="0">
                 <a:latin typeface="Lato" pitchFamily="34" charset="0"/>
               </a:rPr>
-              <a:t> </a:t>
-            </a:r>
-            <a:r>
-              <a:rPr lang="de-DE" sz="2000" dirty="0" smtClean="0">
-                <a:latin typeface="Lato" pitchFamily="34" charset="0"/>
-              </a:rPr>
-              <a:t>Einfach zu erzeugen</a:t>
+              <a:t> Einfach zu erzeugen</a:t>
             </a:r>
           </a:p>
           <a:p>
@@ -4434,13 +4882,7 @@
               <a:rPr lang="de-DE" sz="2000" dirty="0" smtClean="0">
                 <a:latin typeface="Lato" pitchFamily="34" charset="0"/>
               </a:rPr>
-              <a:t> </a:t>
-            </a:r>
-            <a:r>
-              <a:rPr lang="de-DE" sz="2000" dirty="0" smtClean="0">
-                <a:latin typeface="Lato" pitchFamily="34" charset="0"/>
-              </a:rPr>
-              <a:t>Schwer zu verstehen </a:t>
+              <a:t> Schwer zu verstehen </a:t>
             </a:r>
           </a:p>
         </p:txBody>
@@ -4455,15 +4897,14 @@
         </p:nvPicPr>
         <p:blipFill>
           <a:blip r:embed="rId3" cstate="print"/>
-          <a:srcRect/>
           <a:stretch>
             <a:fillRect/>
           </a:stretch>
         </p:blipFill>
         <p:spPr bwMode="auto">
           <a:xfrm>
-            <a:off x="3851920" y="1275606"/>
-            <a:ext cx="4546923" cy="3244583"/>
+            <a:off x="3852010" y="1275606"/>
+            <a:ext cx="4546742" cy="3244583"/>
           </a:xfrm>
           <a:prstGeom prst="rect">
             <a:avLst/>
@@ -4540,29 +4981,20 @@
         </p:nvSpPr>
         <p:spPr/>
         <p:txBody>
-          <a:bodyPr/>
-          <a:lstStyle/>
-          <a:p>
-            <a:endParaRPr lang="de-DE"/>
-          </a:p>
-        </p:txBody>
-      </p:sp>
-      <p:sp>
-        <p:nvSpPr>
-          <p:cNvPr id="3" name="Inhaltsplatzhalter 2"/>
-          <p:cNvSpPr>
-            <a:spLocks noGrp="1"/>
-          </p:cNvSpPr>
-          <p:nvPr>
-            <p:ph idx="1"/>
-          </p:nvPr>
-        </p:nvSpPr>
-        <p:spPr/>
-        <p:txBody>
-          <a:bodyPr/>
-          <a:lstStyle/>
-          <a:p>
-            <a:endParaRPr lang="de-DE"/>
+          <a:bodyPr>
+            <a:normAutofit/>
+          </a:bodyPr>
+          <a:lstStyle/>
+          <a:p>
+            <a:r>
+              <a:rPr lang="de-DE" sz="2800" dirty="0" smtClean="0">
+                <a:latin typeface="Lato" pitchFamily="34" charset="0"/>
+              </a:rPr>
+              <a:t>Beispiele</a:t>
+            </a:r>
+            <a:endParaRPr lang="de-DE" sz="2800" dirty="0">
+              <a:latin typeface="Lato" pitchFamily="34" charset="0"/>
+            </a:endParaRPr>
           </a:p>
         </p:txBody>
       </p:sp>
@@ -4584,7 +5016,7 @@
             <a:fld id="{1C72BD4E-61B2-40A3-A75C-5FDEDE8E5EC5}" type="datetime1">
               <a:rPr lang="de-DE" smtClean="0"/>
               <a:pPr/>
-              <a:t>11.06.2015</a:t>
+              <a:t>13.06.2015</a:t>
             </a:fld>
             <a:endParaRPr lang="de-DE"/>
           </a:p>
@@ -4637,6 +5069,186 @@
           </a:p>
         </p:txBody>
       </p:sp>
+      <p:pic>
+        <p:nvPicPr>
+          <p:cNvPr id="11" name="Picture 2" descr="D:\Julius\Documents\GitHub\VSeminar\Dok\Kapitel\img\Prinzip.png"/>
+          <p:cNvPicPr>
+            <a:picLocks noChangeAspect="1" noChangeArrowheads="1"/>
+          </p:cNvPicPr>
+          <p:nvPr/>
+        </p:nvPicPr>
+        <p:blipFill>
+          <a:blip r:embed="rId3" cstate="print"/>
+          <a:stretch>
+            <a:fillRect/>
+          </a:stretch>
+        </p:blipFill>
+        <p:spPr bwMode="auto">
+          <a:xfrm>
+            <a:off x="3852010" y="1276378"/>
+            <a:ext cx="4546742" cy="3243039"/>
+          </a:xfrm>
+          <a:prstGeom prst="rect">
+            <a:avLst/>
+          </a:prstGeom>
+          <a:noFill/>
+          <a:ln w="3175">
+            <a:solidFill>
+              <a:schemeClr val="tx1"/>
+            </a:solidFill>
+          </a:ln>
+        </p:spPr>
+      </p:pic>
+      <p:sp>
+        <p:nvSpPr>
+          <p:cNvPr id="12" name="Textfeld 11"/>
+          <p:cNvSpPr txBox="1"/>
+          <p:nvPr/>
+        </p:nvSpPr>
+        <p:spPr>
+          <a:xfrm>
+            <a:off x="539552" y="1203598"/>
+            <a:ext cx="3168352" cy="3447098"/>
+          </a:xfrm>
+          <a:prstGeom prst="rect">
+            <a:avLst/>
+          </a:prstGeom>
+          <a:noFill/>
+        </p:spPr>
+        <p:txBody>
+          <a:bodyPr wrap="square" rtlCol="0">
+            <a:spAutoFit/>
+          </a:bodyPr>
+          <a:lstStyle/>
+          <a:p>
+            <a:r>
+              <a:rPr lang="de-DE" sz="2800" dirty="0" smtClean="0">
+                <a:latin typeface="Lato" pitchFamily="34" charset="0"/>
+              </a:rPr>
+              <a:t>Beispiel 1. </a:t>
+            </a:r>
+          </a:p>
+          <a:p>
+            <a:endParaRPr lang="de-DE" dirty="0" smtClean="0">
+              <a:latin typeface="Lato" pitchFamily="34" charset="0"/>
+            </a:endParaRPr>
+          </a:p>
+          <a:p>
+            <a:r>
+              <a:rPr lang="de-DE" sz="2000" dirty="0" smtClean="0">
+                <a:latin typeface="Lato" pitchFamily="34" charset="0"/>
+              </a:rPr>
+              <a:t>Träger</a:t>
+            </a:r>
+          </a:p>
+          <a:p>
+            <a:endParaRPr lang="de-DE" dirty="0" smtClean="0">
+              <a:latin typeface="Lato" pitchFamily="34" charset="0"/>
+            </a:endParaRPr>
+          </a:p>
+          <a:p>
+            <a:endParaRPr lang="de-DE" dirty="0" smtClean="0">
+              <a:latin typeface="Lato" pitchFamily="34" charset="0"/>
+            </a:endParaRPr>
+          </a:p>
+          <a:p>
+            <a:r>
+              <a:rPr lang="de-DE" sz="2000" dirty="0" smtClean="0">
+                <a:latin typeface="Lato" pitchFamily="34" charset="0"/>
+              </a:rPr>
+              <a:t>Modulator</a:t>
+            </a:r>
+          </a:p>
+          <a:p>
+            <a:endParaRPr lang="de-DE" dirty="0" smtClean="0">
+              <a:latin typeface="Lato" pitchFamily="34" charset="0"/>
+            </a:endParaRPr>
+          </a:p>
+          <a:p>
+            <a:endParaRPr lang="de-DE" dirty="0" smtClean="0">
+              <a:latin typeface="Lato" pitchFamily="34" charset="0"/>
+            </a:endParaRPr>
+          </a:p>
+          <a:p>
+            <a:r>
+              <a:rPr lang="de-DE" sz="2000" dirty="0" smtClean="0">
+                <a:latin typeface="Lato" pitchFamily="34" charset="0"/>
+              </a:rPr>
+              <a:t>Resultierendes Signal</a:t>
+            </a:r>
+          </a:p>
+          <a:p>
+            <a:endParaRPr lang="de-DE" dirty="0" smtClean="0">
+              <a:latin typeface="Lato" pitchFamily="34" charset="0"/>
+            </a:endParaRPr>
+          </a:p>
+          <a:p>
+            <a:endParaRPr lang="de-DE" dirty="0">
+              <a:latin typeface="Lato" pitchFamily="34" charset="0"/>
+            </a:endParaRPr>
+          </a:p>
+        </p:txBody>
+      </p:sp>
+      <p:graphicFrame>
+        <p:nvGraphicFramePr>
+          <p:cNvPr id="18437" name="Object 5"/>
+          <p:cNvGraphicFramePr>
+            <a:graphicFrameLocks noChangeAspect="1"/>
+          </p:cNvGraphicFramePr>
+          <p:nvPr/>
+        </p:nvGraphicFramePr>
+        <p:xfrm>
+          <a:off x="683568" y="2283718"/>
+          <a:ext cx="1244600" cy="203200"/>
+        </p:xfrm>
+        <a:graphic>
+          <a:graphicData uri="http://schemas.openxmlformats.org/presentationml/2006/ole">
+            <p:oleObj spid="_x0000_s18437" name="Formel" r:id="rId4" imgW="1244520" imgH="203040" progId="Equation.3">
+              <p:embed/>
+            </p:oleObj>
+          </a:graphicData>
+        </a:graphic>
+      </p:graphicFrame>
+      <p:graphicFrame>
+        <p:nvGraphicFramePr>
+          <p:cNvPr id="15" name="Objekt 14"/>
+          <p:cNvGraphicFramePr>
+            <a:graphicFrameLocks noChangeAspect="1"/>
+          </p:cNvGraphicFramePr>
+          <p:nvPr/>
+        </p:nvGraphicFramePr>
+        <p:xfrm>
+          <a:off x="683568" y="3147814"/>
+          <a:ext cx="1257300" cy="203200"/>
+        </p:xfrm>
+        <a:graphic>
+          <a:graphicData uri="http://schemas.openxmlformats.org/presentationml/2006/ole">
+            <p:oleObj spid="_x0000_s18438" name="Formel" r:id="rId5" imgW="1257120" imgH="203040" progId="Equation.3">
+              <p:embed/>
+            </p:oleObj>
+          </a:graphicData>
+        </a:graphic>
+      </p:graphicFrame>
+      <p:graphicFrame>
+        <p:nvGraphicFramePr>
+          <p:cNvPr id="16" name="Objekt 15"/>
+          <p:cNvGraphicFramePr>
+            <a:graphicFrameLocks noChangeAspect="1"/>
+          </p:cNvGraphicFramePr>
+          <p:nvPr/>
+        </p:nvGraphicFramePr>
+        <p:xfrm>
+          <a:off x="683568" y="4011910"/>
+          <a:ext cx="2146300" cy="203200"/>
+        </p:xfrm>
+        <a:graphic>
+          <a:graphicData uri="http://schemas.openxmlformats.org/presentationml/2006/ole">
+            <p:oleObj spid="_x0000_s18439" name="Formel" r:id="rId6" imgW="2145960" imgH="203040" progId="Equation.3">
+              <p:embed/>
+            </p:oleObj>
+          </a:graphicData>
+        </a:graphic>
+      </p:graphicFrame>
     </p:spTree>
   </p:cSld>
   <p:clrMapOvr>
@@ -4649,6 +5261,932 @@
       </p:par>
     </p:tnLst>
   </p:timing>
+</p:sld>
+</file>
+
+<file path=ppt/slides/slide6.xml><?xml version="1.0" encoding="utf-8"?>
+<p:sld xmlns:a="http://schemas.openxmlformats.org/drawingml/2006/main" xmlns:r="http://schemas.openxmlformats.org/officeDocument/2006/relationships" xmlns:p="http://schemas.openxmlformats.org/presentationml/2006/main">
+  <p:cSld>
+    <p:spTree>
+      <p:nvGrpSpPr>
+        <p:cNvPr id="1" name=""/>
+        <p:cNvGrpSpPr/>
+        <p:nvPr/>
+      </p:nvGrpSpPr>
+      <p:grpSpPr>
+        <a:xfrm>
+          <a:off x="0" y="0"/>
+          <a:ext cx="0" cy="0"/>
+          <a:chOff x="0" y="0"/>
+          <a:chExt cx="0" cy="0"/>
+        </a:xfrm>
+      </p:grpSpPr>
+      <p:sp>
+        <p:nvSpPr>
+          <p:cNvPr id="2" name="Titel 1"/>
+          <p:cNvSpPr>
+            <a:spLocks noGrp="1"/>
+          </p:cNvSpPr>
+          <p:nvPr>
+            <p:ph type="title"/>
+          </p:nvPr>
+        </p:nvSpPr>
+        <p:spPr/>
+        <p:txBody>
+          <a:bodyPr>
+            <a:normAutofit/>
+          </a:bodyPr>
+          <a:lstStyle/>
+          <a:p>
+            <a:r>
+              <a:rPr lang="de-DE" sz="2800" dirty="0" smtClean="0">
+                <a:latin typeface="Lato" pitchFamily="34" charset="0"/>
+              </a:rPr>
+              <a:t>Beispiele</a:t>
+            </a:r>
+            <a:endParaRPr lang="de-DE" sz="2800" dirty="0">
+              <a:latin typeface="Lato" pitchFamily="34" charset="0"/>
+            </a:endParaRPr>
+          </a:p>
+        </p:txBody>
+      </p:sp>
+      <p:sp>
+        <p:nvSpPr>
+          <p:cNvPr id="4" name="Datumsplatzhalter 3"/>
+          <p:cNvSpPr>
+            <a:spLocks noGrp="1"/>
+          </p:cNvSpPr>
+          <p:nvPr>
+            <p:ph type="dt" sz="half" idx="10"/>
+          </p:nvPr>
+        </p:nvSpPr>
+        <p:spPr/>
+        <p:txBody>
+          <a:bodyPr/>
+          <a:lstStyle/>
+          <a:p>
+            <a:fld id="{1C72BD4E-61B2-40A3-A75C-5FDEDE8E5EC5}" type="datetime1">
+              <a:rPr lang="de-DE" smtClean="0"/>
+              <a:pPr/>
+              <a:t>13.06.2015</a:t>
+            </a:fld>
+            <a:endParaRPr lang="de-DE"/>
+          </a:p>
+        </p:txBody>
+      </p:sp>
+      <p:sp>
+        <p:nvSpPr>
+          <p:cNvPr id="5" name="Fußzeilenplatzhalter 4"/>
+          <p:cNvSpPr>
+            <a:spLocks noGrp="1"/>
+          </p:cNvSpPr>
+          <p:nvPr>
+            <p:ph type="ftr" sz="quarter" idx="11"/>
+          </p:nvPr>
+        </p:nvSpPr>
+        <p:spPr/>
+        <p:txBody>
+          <a:bodyPr/>
+          <a:lstStyle/>
+          <a:p>
+            <a:r>
+              <a:rPr lang="de-DE" smtClean="0"/>
+              <a:t>FM-Synthese</a:t>
+            </a:r>
+            <a:endParaRPr lang="de-DE"/>
+          </a:p>
+        </p:txBody>
+      </p:sp>
+      <p:sp>
+        <p:nvSpPr>
+          <p:cNvPr id="6" name="Foliennummernplatzhalter 5"/>
+          <p:cNvSpPr>
+            <a:spLocks noGrp="1"/>
+          </p:cNvSpPr>
+          <p:nvPr>
+            <p:ph type="sldNum" sz="quarter" idx="12"/>
+          </p:nvPr>
+        </p:nvSpPr>
+        <p:spPr/>
+        <p:txBody>
+          <a:bodyPr/>
+          <a:lstStyle/>
+          <a:p>
+            <a:fld id="{6C6AE60A-B69C-4790-82F7-3882EDF23186}" type="slidenum">
+              <a:rPr lang="de-DE" smtClean="0"/>
+              <a:pPr/>
+              <a:t>6</a:t>
+            </a:fld>
+            <a:endParaRPr lang="de-DE" dirty="0"/>
+          </a:p>
+        </p:txBody>
+      </p:sp>
+      <p:pic>
+        <p:nvPicPr>
+          <p:cNvPr id="11" name="Picture 2" descr="D:\Julius\Documents\GitHub\VSeminar\Dok\Kapitel\img\Prinzip.png"/>
+          <p:cNvPicPr>
+            <a:picLocks noChangeAspect="1" noChangeArrowheads="1"/>
+          </p:cNvPicPr>
+          <p:nvPr/>
+        </p:nvPicPr>
+        <p:blipFill>
+          <a:blip r:embed="rId3" cstate="print"/>
+          <a:stretch>
+            <a:fillRect/>
+          </a:stretch>
+        </p:blipFill>
+        <p:spPr bwMode="auto">
+          <a:xfrm>
+            <a:off x="3853092" y="1276378"/>
+            <a:ext cx="4544578" cy="3243039"/>
+          </a:xfrm>
+          <a:prstGeom prst="rect">
+            <a:avLst/>
+          </a:prstGeom>
+          <a:noFill/>
+          <a:ln w="3175">
+            <a:solidFill>
+              <a:schemeClr val="tx1"/>
+            </a:solidFill>
+          </a:ln>
+        </p:spPr>
+      </p:pic>
+      <p:sp>
+        <p:nvSpPr>
+          <p:cNvPr id="12" name="Textfeld 11"/>
+          <p:cNvSpPr txBox="1"/>
+          <p:nvPr/>
+        </p:nvSpPr>
+        <p:spPr>
+          <a:xfrm>
+            <a:off x="539552" y="1203598"/>
+            <a:ext cx="3168352" cy="3354765"/>
+          </a:xfrm>
+          <a:prstGeom prst="rect">
+            <a:avLst/>
+          </a:prstGeom>
+          <a:noFill/>
+        </p:spPr>
+        <p:txBody>
+          <a:bodyPr wrap="square" rtlCol="0">
+            <a:spAutoFit/>
+          </a:bodyPr>
+          <a:lstStyle/>
+          <a:p>
+            <a:r>
+              <a:rPr lang="de-DE" sz="2800" dirty="0" smtClean="0">
+                <a:latin typeface="Lato" pitchFamily="34" charset="0"/>
+              </a:rPr>
+              <a:t>Beispiel 2. </a:t>
+            </a:r>
+          </a:p>
+          <a:p>
+            <a:endParaRPr lang="de-DE" dirty="0" smtClean="0">
+              <a:latin typeface="Lato" pitchFamily="34" charset="0"/>
+            </a:endParaRPr>
+          </a:p>
+          <a:p>
+            <a:r>
+              <a:rPr lang="de-DE" sz="2000" dirty="0" smtClean="0">
+                <a:latin typeface="Lato" pitchFamily="34" charset="0"/>
+              </a:rPr>
+              <a:t>Träger</a:t>
+            </a:r>
+          </a:p>
+          <a:p>
+            <a:endParaRPr lang="de-DE" dirty="0" smtClean="0">
+              <a:latin typeface="Lato" pitchFamily="34" charset="0"/>
+            </a:endParaRPr>
+          </a:p>
+          <a:p>
+            <a:endParaRPr lang="de-DE" dirty="0" smtClean="0">
+              <a:latin typeface="Lato" pitchFamily="34" charset="0"/>
+            </a:endParaRPr>
+          </a:p>
+          <a:p>
+            <a:r>
+              <a:rPr lang="de-DE" sz="2000" dirty="0" smtClean="0">
+                <a:latin typeface="Lato" pitchFamily="34" charset="0"/>
+              </a:rPr>
+              <a:t>Modulator</a:t>
+            </a:r>
+          </a:p>
+          <a:p>
+            <a:endParaRPr lang="de-DE" dirty="0" smtClean="0">
+              <a:latin typeface="Lato" pitchFamily="34" charset="0"/>
+            </a:endParaRPr>
+          </a:p>
+          <a:p>
+            <a:endParaRPr lang="de-DE" dirty="0" smtClean="0">
+              <a:latin typeface="Lato" pitchFamily="34" charset="0"/>
+            </a:endParaRPr>
+          </a:p>
+          <a:p>
+            <a:r>
+              <a:rPr lang="de-DE" sz="2000" dirty="0" smtClean="0">
+                <a:latin typeface="Lato" pitchFamily="34" charset="0"/>
+              </a:rPr>
+              <a:t>Resultierendes Signal</a:t>
+            </a:r>
+          </a:p>
+          <a:p>
+            <a:endParaRPr lang="de-DE" dirty="0" smtClean="0">
+              <a:latin typeface="Lato" pitchFamily="34" charset="0"/>
+            </a:endParaRPr>
+          </a:p>
+          <a:p>
+            <a:endParaRPr lang="de-DE" dirty="0">
+              <a:latin typeface="Lato" pitchFamily="34" charset="0"/>
+            </a:endParaRPr>
+          </a:p>
+        </p:txBody>
+      </p:sp>
+      <p:graphicFrame>
+        <p:nvGraphicFramePr>
+          <p:cNvPr id="18437" name="Object 5"/>
+          <p:cNvGraphicFramePr>
+            <a:graphicFrameLocks noChangeAspect="1"/>
+          </p:cNvGraphicFramePr>
+          <p:nvPr/>
+        </p:nvGraphicFramePr>
+        <p:xfrm>
+          <a:off x="683568" y="2283718"/>
+          <a:ext cx="1244600" cy="203200"/>
+        </p:xfrm>
+        <a:graphic>
+          <a:graphicData uri="http://schemas.openxmlformats.org/presentationml/2006/ole">
+            <p:oleObj spid="_x0000_s19458" name="Formel" r:id="rId4" imgW="1244520" imgH="203040" progId="Equation.3">
+              <p:embed/>
+            </p:oleObj>
+          </a:graphicData>
+        </a:graphic>
+      </p:graphicFrame>
+      <p:graphicFrame>
+        <p:nvGraphicFramePr>
+          <p:cNvPr id="15" name="Objekt 14"/>
+          <p:cNvGraphicFramePr>
+            <a:graphicFrameLocks noChangeAspect="1"/>
+          </p:cNvGraphicFramePr>
+          <p:nvPr/>
+        </p:nvGraphicFramePr>
+        <p:xfrm>
+          <a:off x="652463" y="3148013"/>
+          <a:ext cx="1320800" cy="203200"/>
+        </p:xfrm>
+        <a:graphic>
+          <a:graphicData uri="http://schemas.openxmlformats.org/presentationml/2006/ole">
+            <p:oleObj spid="_x0000_s19459" name="Formel" r:id="rId5" imgW="1320480" imgH="203040" progId="Equation.3">
+              <p:embed/>
+            </p:oleObj>
+          </a:graphicData>
+        </a:graphic>
+      </p:graphicFrame>
+      <p:graphicFrame>
+        <p:nvGraphicFramePr>
+          <p:cNvPr id="16" name="Objekt 15"/>
+          <p:cNvGraphicFramePr>
+            <a:graphicFrameLocks noChangeAspect="1"/>
+          </p:cNvGraphicFramePr>
+          <p:nvPr/>
+        </p:nvGraphicFramePr>
+        <p:xfrm>
+          <a:off x="652463" y="4011613"/>
+          <a:ext cx="2209800" cy="203200"/>
+        </p:xfrm>
+        <a:graphic>
+          <a:graphicData uri="http://schemas.openxmlformats.org/presentationml/2006/ole">
+            <p:oleObj spid="_x0000_s19460" name="Formel" r:id="rId6" imgW="2209680" imgH="203040" progId="Equation.3">
+              <p:embed/>
+            </p:oleObj>
+          </a:graphicData>
+        </a:graphic>
+      </p:graphicFrame>
+    </p:spTree>
+  </p:cSld>
+  <p:clrMapOvr>
+    <a:masterClrMapping/>
+  </p:clrMapOvr>
+  <p:timing>
+    <p:tnLst>
+      <p:par>
+        <p:cTn id="1" dur="indefinite" restart="never" nodeType="tmRoot"/>
+      </p:par>
+    </p:tnLst>
+  </p:timing>
+</p:sld>
+</file>
+
+<file path=ppt/slides/slide7.xml><?xml version="1.0" encoding="utf-8"?>
+<p:sld xmlns:a="http://schemas.openxmlformats.org/drawingml/2006/main" xmlns:r="http://schemas.openxmlformats.org/officeDocument/2006/relationships" xmlns:p="http://schemas.openxmlformats.org/presentationml/2006/main">
+  <p:cSld>
+    <p:spTree>
+      <p:nvGrpSpPr>
+        <p:cNvPr id="1" name=""/>
+        <p:cNvGrpSpPr/>
+        <p:nvPr/>
+      </p:nvGrpSpPr>
+      <p:grpSpPr>
+        <a:xfrm>
+          <a:off x="0" y="0"/>
+          <a:ext cx="0" cy="0"/>
+          <a:chOff x="0" y="0"/>
+          <a:chExt cx="0" cy="0"/>
+        </a:xfrm>
+      </p:grpSpPr>
+      <p:sp>
+        <p:nvSpPr>
+          <p:cNvPr id="2" name="Titel 1"/>
+          <p:cNvSpPr>
+            <a:spLocks noGrp="1"/>
+          </p:cNvSpPr>
+          <p:nvPr>
+            <p:ph type="title"/>
+          </p:nvPr>
+        </p:nvSpPr>
+        <p:spPr/>
+        <p:txBody>
+          <a:bodyPr>
+            <a:normAutofit/>
+          </a:bodyPr>
+          <a:lstStyle/>
+          <a:p>
+            <a:r>
+              <a:rPr lang="de-DE" sz="2800" dirty="0" smtClean="0">
+                <a:latin typeface="Lato" pitchFamily="34" charset="0"/>
+              </a:rPr>
+              <a:t>Songbeispiele</a:t>
+            </a:r>
+            <a:endParaRPr lang="de-DE" sz="2800" dirty="0">
+              <a:latin typeface="Lato" pitchFamily="34" charset="0"/>
+            </a:endParaRPr>
+          </a:p>
+        </p:txBody>
+      </p:sp>
+      <p:sp>
+        <p:nvSpPr>
+          <p:cNvPr id="3" name="Inhaltsplatzhalter 2"/>
+          <p:cNvSpPr>
+            <a:spLocks noGrp="1"/>
+          </p:cNvSpPr>
+          <p:nvPr>
+            <p:ph idx="1"/>
+          </p:nvPr>
+        </p:nvSpPr>
+        <p:spPr/>
+        <p:txBody>
+          <a:bodyPr/>
+          <a:lstStyle/>
+          <a:p>
+            <a:r>
+              <a:rPr lang="de-DE" sz="2000" dirty="0" smtClean="0">
+                <a:latin typeface="Lato" pitchFamily="34" charset="0"/>
+              </a:rPr>
+              <a:t>Erste, mit FM-Synthese erstellte Stücke</a:t>
+            </a:r>
+          </a:p>
+          <a:p>
+            <a:r>
+              <a:rPr lang="de-DE" sz="2000" dirty="0" smtClean="0">
+                <a:latin typeface="Lato" pitchFamily="34" charset="0"/>
+              </a:rPr>
+              <a:t>Von John </a:t>
+            </a:r>
+            <a:r>
+              <a:rPr lang="de-DE" sz="2000" dirty="0" err="1" smtClean="0">
+                <a:latin typeface="Lato" pitchFamily="34" charset="0"/>
+              </a:rPr>
+              <a:t>Chowning</a:t>
+            </a:r>
+            <a:r>
+              <a:rPr lang="de-DE" sz="2000" dirty="0" smtClean="0">
+                <a:latin typeface="Lato" pitchFamily="34" charset="0"/>
+              </a:rPr>
+              <a:t> selbst</a:t>
+            </a:r>
+          </a:p>
+          <a:p>
+            <a:endParaRPr lang="de-DE" sz="2000" dirty="0" smtClean="0">
+              <a:latin typeface="Lato" pitchFamily="34" charset="0"/>
+            </a:endParaRPr>
+          </a:p>
+          <a:p>
+            <a:r>
+              <a:rPr lang="de-DE" sz="2000" dirty="0" smtClean="0">
+                <a:latin typeface="Lato" pitchFamily="34" charset="0"/>
+              </a:rPr>
+              <a:t>„</a:t>
+            </a:r>
+            <a:r>
+              <a:rPr lang="de-DE" sz="2000" dirty="0" err="1" smtClean="0">
+                <a:latin typeface="Lato" pitchFamily="34" charset="0"/>
+              </a:rPr>
+              <a:t>Sabelithe</a:t>
+            </a:r>
+            <a:r>
+              <a:rPr lang="de-DE" sz="2000" dirty="0" smtClean="0">
+                <a:latin typeface="Lato" pitchFamily="34" charset="0"/>
+              </a:rPr>
+              <a:t>“ (1971)</a:t>
+            </a:r>
+          </a:p>
+          <a:p>
+            <a:endParaRPr lang="de-DE" sz="2000" dirty="0" smtClean="0">
+              <a:latin typeface="Lato" pitchFamily="34" charset="0"/>
+            </a:endParaRPr>
+          </a:p>
+          <a:p>
+            <a:r>
+              <a:rPr lang="de-DE" sz="2000" dirty="0" smtClean="0">
+                <a:latin typeface="Lato" pitchFamily="34" charset="0"/>
+              </a:rPr>
+              <a:t>„</a:t>
+            </a:r>
+            <a:r>
+              <a:rPr lang="de-DE" sz="2000" dirty="0" err="1" smtClean="0">
+                <a:latin typeface="Lato" pitchFamily="34" charset="0"/>
+              </a:rPr>
+              <a:t>Turenas</a:t>
+            </a:r>
+            <a:r>
+              <a:rPr lang="de-DE" sz="2000" dirty="0" smtClean="0">
+                <a:latin typeface="Lato" pitchFamily="34" charset="0"/>
+              </a:rPr>
+              <a:t>“ (1972)</a:t>
+            </a:r>
+            <a:endParaRPr lang="de-DE" sz="2000" dirty="0" smtClean="0">
+              <a:latin typeface="Lato" pitchFamily="34" charset="0"/>
+            </a:endParaRPr>
+          </a:p>
+          <a:p>
+            <a:endParaRPr lang="de-DE" dirty="0">
+              <a:latin typeface="Lato" pitchFamily="34" charset="0"/>
+            </a:endParaRPr>
+          </a:p>
+        </p:txBody>
+      </p:sp>
+      <p:sp>
+        <p:nvSpPr>
+          <p:cNvPr id="4" name="Datumsplatzhalter 3"/>
+          <p:cNvSpPr>
+            <a:spLocks noGrp="1"/>
+          </p:cNvSpPr>
+          <p:nvPr>
+            <p:ph type="dt" sz="half" idx="10"/>
+          </p:nvPr>
+        </p:nvSpPr>
+        <p:spPr/>
+        <p:txBody>
+          <a:bodyPr/>
+          <a:lstStyle/>
+          <a:p>
+            <a:fld id="{1C72BD4E-61B2-40A3-A75C-5FDEDE8E5EC5}" type="datetime1">
+              <a:rPr lang="de-DE" smtClean="0"/>
+              <a:pPr/>
+              <a:t>13.06.2015</a:t>
+            </a:fld>
+            <a:endParaRPr lang="de-DE"/>
+          </a:p>
+        </p:txBody>
+      </p:sp>
+      <p:sp>
+        <p:nvSpPr>
+          <p:cNvPr id="5" name="Fußzeilenplatzhalter 4"/>
+          <p:cNvSpPr>
+            <a:spLocks noGrp="1"/>
+          </p:cNvSpPr>
+          <p:nvPr>
+            <p:ph type="ftr" sz="quarter" idx="11"/>
+          </p:nvPr>
+        </p:nvSpPr>
+        <p:spPr/>
+        <p:txBody>
+          <a:bodyPr/>
+          <a:lstStyle/>
+          <a:p>
+            <a:r>
+              <a:rPr lang="de-DE" smtClean="0"/>
+              <a:t>FM-Synthese</a:t>
+            </a:r>
+            <a:endParaRPr lang="de-DE"/>
+          </a:p>
+        </p:txBody>
+      </p:sp>
+      <p:sp>
+        <p:nvSpPr>
+          <p:cNvPr id="6" name="Foliennummernplatzhalter 5"/>
+          <p:cNvSpPr>
+            <a:spLocks noGrp="1"/>
+          </p:cNvSpPr>
+          <p:nvPr>
+            <p:ph type="sldNum" sz="quarter" idx="12"/>
+          </p:nvPr>
+        </p:nvSpPr>
+        <p:spPr/>
+        <p:txBody>
+          <a:bodyPr/>
+          <a:lstStyle/>
+          <a:p>
+            <a:fld id="{6C6AE60A-B69C-4790-82F7-3882EDF23186}" type="slidenum">
+              <a:rPr lang="de-DE" smtClean="0"/>
+              <a:pPr/>
+              <a:t>7</a:t>
+            </a:fld>
+            <a:endParaRPr lang="de-DE" dirty="0"/>
+          </a:p>
+        </p:txBody>
+      </p:sp>
+    </p:spTree>
+  </p:cSld>
+  <p:clrMapOvr>
+    <a:masterClrMapping/>
+  </p:clrMapOvr>
+  <p:timing>
+    <p:tnLst>
+      <p:par>
+        <p:cTn id="1" dur="indefinite" restart="never" nodeType="tmRoot"/>
+      </p:par>
+    </p:tnLst>
+  </p:timing>
+</p:sld>
+</file>
+
+<file path=ppt/slides/slide8.xml><?xml version="1.0" encoding="utf-8"?>
+<p:sld xmlns:a="http://schemas.openxmlformats.org/drawingml/2006/main" xmlns:r="http://schemas.openxmlformats.org/officeDocument/2006/relationships" xmlns:p="http://schemas.openxmlformats.org/presentationml/2006/main">
+  <p:cSld>
+    <p:spTree>
+      <p:nvGrpSpPr>
+        <p:cNvPr id="1" name=""/>
+        <p:cNvGrpSpPr/>
+        <p:nvPr/>
+      </p:nvGrpSpPr>
+      <p:grpSpPr>
+        <a:xfrm>
+          <a:off x="0" y="0"/>
+          <a:ext cx="0" cy="0"/>
+          <a:chOff x="0" y="0"/>
+          <a:chExt cx="0" cy="0"/>
+        </a:xfrm>
+      </p:grpSpPr>
+      <p:sp>
+        <p:nvSpPr>
+          <p:cNvPr id="2" name="Titel 1"/>
+          <p:cNvSpPr>
+            <a:spLocks noGrp="1"/>
+          </p:cNvSpPr>
+          <p:nvPr>
+            <p:ph type="title"/>
+          </p:nvPr>
+        </p:nvSpPr>
+        <p:spPr/>
+        <p:txBody>
+          <a:bodyPr>
+            <a:normAutofit/>
+          </a:bodyPr>
+          <a:lstStyle/>
+          <a:p>
+            <a:r>
+              <a:rPr lang="de-DE" sz="2800" dirty="0" smtClean="0">
+                <a:latin typeface="Lato" pitchFamily="34" charset="0"/>
+              </a:rPr>
+              <a:t>Geschichte der FM-Synthese</a:t>
+            </a:r>
+            <a:endParaRPr lang="de-DE" sz="2800" dirty="0">
+              <a:latin typeface="Lato" pitchFamily="34" charset="0"/>
+            </a:endParaRPr>
+          </a:p>
+        </p:txBody>
+      </p:sp>
+      <p:sp>
+        <p:nvSpPr>
+          <p:cNvPr id="3" name="Inhaltsplatzhalter 2"/>
+          <p:cNvSpPr>
+            <a:spLocks noGrp="1"/>
+          </p:cNvSpPr>
+          <p:nvPr>
+            <p:ph idx="1"/>
+          </p:nvPr>
+        </p:nvSpPr>
+        <p:spPr/>
+        <p:txBody>
+          <a:bodyPr>
+            <a:normAutofit/>
+          </a:bodyPr>
+          <a:lstStyle/>
+          <a:p>
+            <a:r>
+              <a:rPr lang="de-DE" sz="2000" dirty="0" smtClean="0"/>
+              <a:t>Grundlage: Frequenzmodulation</a:t>
+            </a:r>
+          </a:p>
+          <a:p>
+            <a:r>
+              <a:rPr lang="de-DE" sz="2000" dirty="0" smtClean="0"/>
+              <a:t>Bekannt aus Nachrichtentechnik</a:t>
+            </a:r>
+          </a:p>
+          <a:p>
+            <a:r>
+              <a:rPr lang="de-DE" sz="2000" dirty="0" smtClean="0"/>
+              <a:t>Erfinder FM-Synthese: </a:t>
+            </a:r>
+          </a:p>
+          <a:p>
+            <a:pPr>
+              <a:buNone/>
+            </a:pPr>
+            <a:r>
+              <a:rPr lang="de-DE" sz="2000" dirty="0" smtClean="0"/>
+              <a:t>	Prof. Dr. John </a:t>
+            </a:r>
+            <a:r>
+              <a:rPr lang="de-DE" sz="2000" dirty="0" err="1" smtClean="0"/>
+              <a:t>Chowning</a:t>
+            </a:r>
+            <a:endParaRPr lang="de-DE" sz="2000" dirty="0" smtClean="0"/>
+          </a:p>
+          <a:p>
+            <a:endParaRPr lang="de-DE" sz="2000" dirty="0"/>
+          </a:p>
+        </p:txBody>
+      </p:sp>
+      <p:sp>
+        <p:nvSpPr>
+          <p:cNvPr id="4" name="Datumsplatzhalter 3"/>
+          <p:cNvSpPr>
+            <a:spLocks noGrp="1"/>
+          </p:cNvSpPr>
+          <p:nvPr>
+            <p:ph type="dt" sz="half" idx="10"/>
+          </p:nvPr>
+        </p:nvSpPr>
+        <p:spPr/>
+        <p:txBody>
+          <a:bodyPr/>
+          <a:lstStyle/>
+          <a:p>
+            <a:fld id="{1C72BD4E-61B2-40A3-A75C-5FDEDE8E5EC5}" type="datetime1">
+              <a:rPr lang="de-DE" smtClean="0"/>
+              <a:pPr/>
+              <a:t>13.06.2015</a:t>
+            </a:fld>
+            <a:endParaRPr lang="de-DE"/>
+          </a:p>
+        </p:txBody>
+      </p:sp>
+      <p:sp>
+        <p:nvSpPr>
+          <p:cNvPr id="5" name="Fußzeilenplatzhalter 4"/>
+          <p:cNvSpPr>
+            <a:spLocks noGrp="1"/>
+          </p:cNvSpPr>
+          <p:nvPr>
+            <p:ph type="ftr" sz="quarter" idx="11"/>
+          </p:nvPr>
+        </p:nvSpPr>
+        <p:spPr/>
+        <p:txBody>
+          <a:bodyPr/>
+          <a:lstStyle/>
+          <a:p>
+            <a:r>
+              <a:rPr lang="de-DE" smtClean="0"/>
+              <a:t>FM-Synthese</a:t>
+            </a:r>
+            <a:endParaRPr lang="de-DE"/>
+          </a:p>
+        </p:txBody>
+      </p:sp>
+      <p:sp>
+        <p:nvSpPr>
+          <p:cNvPr id="6" name="Foliennummernplatzhalter 5"/>
+          <p:cNvSpPr>
+            <a:spLocks noGrp="1"/>
+          </p:cNvSpPr>
+          <p:nvPr>
+            <p:ph type="sldNum" sz="quarter" idx="12"/>
+          </p:nvPr>
+        </p:nvSpPr>
+        <p:spPr/>
+        <p:txBody>
+          <a:bodyPr/>
+          <a:lstStyle/>
+          <a:p>
+            <a:fld id="{6C6AE60A-B69C-4790-82F7-3882EDF23186}" type="slidenum">
+              <a:rPr lang="de-DE" smtClean="0"/>
+              <a:pPr/>
+              <a:t>8</a:t>
+            </a:fld>
+            <a:endParaRPr lang="de-DE" dirty="0"/>
+          </a:p>
+        </p:txBody>
+      </p:sp>
+      <p:pic>
+        <p:nvPicPr>
+          <p:cNvPr id="20482" name="Picture 2" descr="D:\Julius\Documents\GitHub\VSeminar\Dok\Kapitel\img\chowning_CCRMA.png"/>
+          <p:cNvPicPr>
+            <a:picLocks noChangeAspect="1" noChangeArrowheads="1"/>
+          </p:cNvPicPr>
+          <p:nvPr/>
+        </p:nvPicPr>
+        <p:blipFill>
+          <a:blip r:embed="rId2" cstate="print"/>
+          <a:srcRect/>
+          <a:stretch>
+            <a:fillRect/>
+          </a:stretch>
+        </p:blipFill>
+        <p:spPr bwMode="auto">
+          <a:xfrm>
+            <a:off x="4860032" y="1995686"/>
+            <a:ext cx="3096344" cy="2486068"/>
+          </a:xfrm>
+          <a:prstGeom prst="rect">
+            <a:avLst/>
+          </a:prstGeom>
+          <a:noFill/>
+        </p:spPr>
+      </p:pic>
+    </p:spTree>
+  </p:cSld>
+  <p:clrMapOvr>
+    <a:masterClrMapping/>
+  </p:clrMapOvr>
+</p:sld>
+</file>
+
+<file path=ppt/slides/slide9.xml><?xml version="1.0" encoding="utf-8"?>
+<p:sld xmlns:a="http://schemas.openxmlformats.org/drawingml/2006/main" xmlns:r="http://schemas.openxmlformats.org/officeDocument/2006/relationships" xmlns:p="http://schemas.openxmlformats.org/presentationml/2006/main">
+  <p:cSld>
+    <p:spTree>
+      <p:nvGrpSpPr>
+        <p:cNvPr id="1" name=""/>
+        <p:cNvGrpSpPr/>
+        <p:nvPr/>
+      </p:nvGrpSpPr>
+      <p:grpSpPr>
+        <a:xfrm>
+          <a:off x="0" y="0"/>
+          <a:ext cx="0" cy="0"/>
+          <a:chOff x="0" y="0"/>
+          <a:chExt cx="0" cy="0"/>
+        </a:xfrm>
+      </p:grpSpPr>
+      <p:sp>
+        <p:nvSpPr>
+          <p:cNvPr id="2" name="Titel 1"/>
+          <p:cNvSpPr>
+            <a:spLocks noGrp="1"/>
+          </p:cNvSpPr>
+          <p:nvPr>
+            <p:ph type="title"/>
+          </p:nvPr>
+        </p:nvSpPr>
+        <p:spPr/>
+        <p:txBody>
+          <a:bodyPr>
+            <a:normAutofit/>
+          </a:bodyPr>
+          <a:lstStyle/>
+          <a:p>
+            <a:r>
+              <a:rPr lang="de-DE" sz="2800" dirty="0" smtClean="0">
+                <a:latin typeface="Lato" pitchFamily="34" charset="0"/>
+              </a:rPr>
+              <a:t>Geschichte der FM-Synthese</a:t>
+            </a:r>
+            <a:endParaRPr lang="de-DE" sz="2800" dirty="0">
+              <a:latin typeface="Lato" pitchFamily="34" charset="0"/>
+            </a:endParaRPr>
+          </a:p>
+        </p:txBody>
+      </p:sp>
+      <p:sp>
+        <p:nvSpPr>
+          <p:cNvPr id="3" name="Inhaltsplatzhalter 2"/>
+          <p:cNvSpPr>
+            <a:spLocks noGrp="1"/>
+          </p:cNvSpPr>
+          <p:nvPr>
+            <p:ph idx="1"/>
+          </p:nvPr>
+        </p:nvSpPr>
+        <p:spPr/>
+        <p:txBody>
+          <a:bodyPr>
+            <a:normAutofit/>
+          </a:bodyPr>
+          <a:lstStyle/>
+          <a:p>
+            <a:r>
+              <a:rPr lang="de-DE" sz="2000" dirty="0" smtClean="0"/>
+              <a:t>Erste Entdeckung im Jahre 1967</a:t>
+            </a:r>
+          </a:p>
+          <a:p>
+            <a:r>
+              <a:rPr lang="de-DE" sz="2000" dirty="0" err="1" smtClean="0"/>
+              <a:t>Chowning</a:t>
+            </a:r>
+            <a:r>
+              <a:rPr lang="de-DE" sz="2000" dirty="0" smtClean="0"/>
+              <a:t> experimentierte mit </a:t>
+            </a:r>
+            <a:r>
+              <a:rPr lang="de-DE" sz="2000" dirty="0" err="1" smtClean="0"/>
+              <a:t>Vibratos</a:t>
+            </a:r>
+            <a:endParaRPr lang="de-DE" sz="2000" dirty="0" smtClean="0"/>
+          </a:p>
+          <a:p>
+            <a:r>
+              <a:rPr lang="de-DE" sz="2000" dirty="0" smtClean="0"/>
+              <a:t>Vibrato: Periodische Änderung eines Tons</a:t>
+            </a:r>
+          </a:p>
+          <a:p>
+            <a:r>
+              <a:rPr lang="de-DE" sz="2000" dirty="0" smtClean="0"/>
+              <a:t>Neue Obertöne bei höheren Modulationsfrequenzen</a:t>
+            </a:r>
+          </a:p>
+        </p:txBody>
+      </p:sp>
+      <p:sp>
+        <p:nvSpPr>
+          <p:cNvPr id="4" name="Datumsplatzhalter 3"/>
+          <p:cNvSpPr>
+            <a:spLocks noGrp="1"/>
+          </p:cNvSpPr>
+          <p:nvPr>
+            <p:ph type="dt" sz="half" idx="10"/>
+          </p:nvPr>
+        </p:nvSpPr>
+        <p:spPr/>
+        <p:txBody>
+          <a:bodyPr/>
+          <a:lstStyle/>
+          <a:p>
+            <a:fld id="{1C72BD4E-61B2-40A3-A75C-5FDEDE8E5EC5}" type="datetime1">
+              <a:rPr lang="de-DE" smtClean="0"/>
+              <a:pPr/>
+              <a:t>13.06.2015</a:t>
+            </a:fld>
+            <a:endParaRPr lang="de-DE"/>
+          </a:p>
+        </p:txBody>
+      </p:sp>
+      <p:sp>
+        <p:nvSpPr>
+          <p:cNvPr id="5" name="Fußzeilenplatzhalter 4"/>
+          <p:cNvSpPr>
+            <a:spLocks noGrp="1"/>
+          </p:cNvSpPr>
+          <p:nvPr>
+            <p:ph type="ftr" sz="quarter" idx="11"/>
+          </p:nvPr>
+        </p:nvSpPr>
+        <p:spPr/>
+        <p:txBody>
+          <a:bodyPr/>
+          <a:lstStyle/>
+          <a:p>
+            <a:r>
+              <a:rPr lang="de-DE" smtClean="0"/>
+              <a:t>FM-Synthese</a:t>
+            </a:r>
+            <a:endParaRPr lang="de-DE"/>
+          </a:p>
+        </p:txBody>
+      </p:sp>
+      <p:sp>
+        <p:nvSpPr>
+          <p:cNvPr id="6" name="Foliennummernplatzhalter 5"/>
+          <p:cNvSpPr>
+            <a:spLocks noGrp="1"/>
+          </p:cNvSpPr>
+          <p:nvPr>
+            <p:ph type="sldNum" sz="quarter" idx="12"/>
+          </p:nvPr>
+        </p:nvSpPr>
+        <p:spPr/>
+        <p:txBody>
+          <a:bodyPr/>
+          <a:lstStyle/>
+          <a:p>
+            <a:fld id="{6C6AE60A-B69C-4790-82F7-3882EDF23186}" type="slidenum">
+              <a:rPr lang="de-DE" smtClean="0"/>
+              <a:pPr/>
+              <a:t>9</a:t>
+            </a:fld>
+            <a:endParaRPr lang="de-DE" dirty="0"/>
+          </a:p>
+        </p:txBody>
+      </p:sp>
+    </p:spTree>
+  </p:cSld>
+  <p:clrMapOvr>
+    <a:masterClrMapping/>
+  </p:clrMapOvr>
 </p:sld>
 </file>
 

--- a/Praesentation/FMSynthese-Julius.pptx
+++ b/Praesentation/FMSynthese-Julius.pptx
@@ -5,7 +5,7 @@
     <p:sldMasterId id="2147483648" r:id="rId1"/>
   </p:sldMasterIdLst>
   <p:notesMasterIdLst>
-    <p:notesMasterId r:id="rId13"/>
+    <p:notesMasterId r:id="rId25"/>
   </p:notesMasterIdLst>
   <p:sldIdLst>
     <p:sldId id="257" r:id="rId2"/>
@@ -19,6 +19,18 @@
     <p:sldId id="264" r:id="rId10"/>
     <p:sldId id="265" r:id="rId11"/>
     <p:sldId id="266" r:id="rId12"/>
+    <p:sldId id="267" r:id="rId13"/>
+    <p:sldId id="268" r:id="rId14"/>
+    <p:sldId id="272" r:id="rId15"/>
+    <p:sldId id="269" r:id="rId16"/>
+    <p:sldId id="270" r:id="rId17"/>
+    <p:sldId id="271" r:id="rId18"/>
+    <p:sldId id="273" r:id="rId19"/>
+    <p:sldId id="274" r:id="rId20"/>
+    <p:sldId id="275" r:id="rId21"/>
+    <p:sldId id="276" r:id="rId22"/>
+    <p:sldId id="277" r:id="rId23"/>
+    <p:sldId id="278" r:id="rId24"/>
   </p:sldIdLst>
   <p:sldSz cx="9144000" cy="5143500" type="screen16x9"/>
   <p:notesSz cx="6858000" cy="9144000"/>
@@ -203,7 +215,7 @@
             <a:fld id="{364A5697-ABCF-455C-8519-931EFDD64AAA}" type="datetimeFigureOut">
               <a:rPr lang="de-DE" smtClean="0"/>
               <a:pPr/>
-              <a:t>13.06.2015</a:t>
+              <a:t>15.06.2015</a:t>
             </a:fld>
             <a:endParaRPr lang="de-DE"/>
           </a:p>
@@ -651,7 +663,7 @@
             <a:fld id="{D1973D6C-51AD-4508-B508-FD358C94A360}" type="datetime1">
               <a:rPr lang="de-DE" smtClean="0"/>
               <a:pPr/>
-              <a:t>13.06.2015</a:t>
+              <a:t>15.06.2015</a:t>
             </a:fld>
             <a:endParaRPr lang="de-DE"/>
           </a:p>
@@ -822,7 +834,7 @@
             <a:fld id="{16CA1741-E8C7-4D32-930D-2CBEC658BBE9}" type="datetime1">
               <a:rPr lang="de-DE" smtClean="0"/>
               <a:pPr/>
-              <a:t>13.06.2015</a:t>
+              <a:t>15.06.2015</a:t>
             </a:fld>
             <a:endParaRPr lang="de-DE"/>
           </a:p>
@@ -1003,7 +1015,7 @@
             <a:fld id="{BA20089B-28E9-4E3D-8F82-6328AE8CACA6}" type="datetime1">
               <a:rPr lang="de-DE" smtClean="0"/>
               <a:pPr/>
-              <a:t>13.06.2015</a:t>
+              <a:t>15.06.2015</a:t>
             </a:fld>
             <a:endParaRPr lang="de-DE"/>
           </a:p>
@@ -1174,7 +1186,7 @@
             <a:fld id="{1C72BD4E-61B2-40A3-A75C-5FDEDE8E5EC5}" type="datetime1">
               <a:rPr lang="de-DE" smtClean="0"/>
               <a:pPr/>
-              <a:t>13.06.2015</a:t>
+              <a:t>15.06.2015</a:t>
             </a:fld>
             <a:endParaRPr lang="de-DE"/>
           </a:p>
@@ -1421,7 +1433,7 @@
             <a:fld id="{48E855D6-EEBE-45BF-8BB5-776601FA5085}" type="datetime1">
               <a:rPr lang="de-DE" smtClean="0"/>
               <a:pPr/>
-              <a:t>13.06.2015</a:t>
+              <a:t>15.06.2015</a:t>
             </a:fld>
             <a:endParaRPr lang="de-DE"/>
           </a:p>
@@ -1710,7 +1722,7 @@
             <a:fld id="{EF380378-A65B-4494-A5A7-886B50CB4937}" type="datetime1">
               <a:rPr lang="de-DE" smtClean="0"/>
               <a:pPr/>
-              <a:t>13.06.2015</a:t>
+              <a:t>15.06.2015</a:t>
             </a:fld>
             <a:endParaRPr lang="de-DE"/>
           </a:p>
@@ -2133,7 +2145,7 @@
             <a:fld id="{BF9B2ACF-C63C-45AF-B5D6-56753CCBEEC7}" type="datetime1">
               <a:rPr lang="de-DE" smtClean="0"/>
               <a:pPr/>
-              <a:t>13.06.2015</a:t>
+              <a:t>15.06.2015</a:t>
             </a:fld>
             <a:endParaRPr lang="de-DE"/>
           </a:p>
@@ -2252,7 +2264,7 @@
             <a:fld id="{782C60A8-75F3-45EE-8F68-824804B9A36B}" type="datetime1">
               <a:rPr lang="de-DE" smtClean="0"/>
               <a:pPr/>
-              <a:t>13.06.2015</a:t>
+              <a:t>15.06.2015</a:t>
             </a:fld>
             <a:endParaRPr lang="de-DE"/>
           </a:p>
@@ -2348,7 +2360,7 @@
             <a:fld id="{AC76AE4E-B847-44C0-9E80-FADAC514238D}" type="datetime1">
               <a:rPr lang="de-DE" smtClean="0"/>
               <a:pPr/>
-              <a:t>13.06.2015</a:t>
+              <a:t>15.06.2015</a:t>
             </a:fld>
             <a:endParaRPr lang="de-DE"/>
           </a:p>
@@ -2626,7 +2638,7 @@
             <a:fld id="{93EB1BC4-DA1F-4C44-8E36-1B9FD72AD58E}" type="datetime1">
               <a:rPr lang="de-DE" smtClean="0"/>
               <a:pPr/>
-              <a:t>13.06.2015</a:t>
+              <a:t>15.06.2015</a:t>
             </a:fld>
             <a:endParaRPr lang="de-DE"/>
           </a:p>
@@ -2880,7 +2892,7 @@
             <a:fld id="{E23DD280-69E3-4A3C-8762-77BE68C0FDBF}" type="datetime1">
               <a:rPr lang="de-DE" smtClean="0"/>
               <a:pPr/>
-              <a:t>13.06.2015</a:t>
+              <a:t>15.06.2015</a:t>
             </a:fld>
             <a:endParaRPr lang="de-DE"/>
           </a:p>
@@ -3094,7 +3106,7 @@
             <a:fld id="{A1830189-BAB1-4688-8766-4D2AC2DF7C33}" type="datetime1">
               <a:rPr lang="de-DE" smtClean="0"/>
               <a:pPr/>
-              <a:t>13.06.2015</a:t>
+              <a:t>15.06.2015</a:t>
             </a:fld>
             <a:endParaRPr lang="de-DE" dirty="0"/>
           </a:p>
@@ -3569,7 +3581,7 @@
             <a:fld id="{1C72BD4E-61B2-40A3-A75C-5FDEDE8E5EC5}" type="datetime1">
               <a:rPr lang="de-DE" smtClean="0"/>
               <a:pPr/>
-              <a:t>13.06.2015</a:t>
+              <a:t>15.06.2015</a:t>
             </a:fld>
             <a:endParaRPr lang="de-DE"/>
           </a:p>
@@ -3693,7 +3705,12 @@
             <p:ph idx="1"/>
           </p:nvPr>
         </p:nvSpPr>
-        <p:spPr/>
+        <p:spPr>
+          <a:xfrm>
+            <a:off x="457200" y="1200151"/>
+            <a:ext cx="8507288" cy="3394472"/>
+          </a:xfrm>
+        </p:spPr>
         <p:txBody>
           <a:bodyPr>
             <a:normAutofit/>
@@ -3701,15 +3718,21 @@
           <a:lstStyle/>
           <a:p>
             <a:r>
-              <a:rPr lang="de-DE" sz="2000" dirty="0" smtClean="0"/>
+              <a:rPr lang="de-DE" sz="2000" dirty="0" smtClean="0">
+                <a:latin typeface="Lato" pitchFamily="34" charset="0"/>
+              </a:rPr>
               <a:t>John </a:t>
             </a:r>
             <a:r>
-              <a:rPr lang="de-DE" sz="2000" dirty="0" err="1" smtClean="0"/>
+              <a:rPr lang="de-DE" sz="2000" dirty="0" err="1" smtClean="0">
+                <a:latin typeface="Lato" pitchFamily="34" charset="0"/>
+              </a:rPr>
               <a:t>Chowning</a:t>
             </a:r>
             <a:r>
-              <a:rPr lang="de-DE" sz="2000" dirty="0" smtClean="0"/>
+              <a:rPr lang="de-DE" sz="2000" dirty="0" smtClean="0">
+                <a:latin typeface="Lato" pitchFamily="34" charset="0"/>
+              </a:rPr>
               <a:t> 2005 in einem Interview:</a:t>
             </a:r>
           </a:p>
@@ -3718,7 +3741,9 @@
               <a:buNone/>
             </a:pPr>
             <a:r>
-              <a:rPr lang="en-US" sz="2000" dirty="0" smtClean="0"/>
+              <a:rPr lang="en-US" sz="2000" dirty="0" smtClean="0">
+                <a:latin typeface="Lato" pitchFamily="34" charset="0"/>
+              </a:rPr>
               <a:t>	</a:t>
             </a:r>
           </a:p>
@@ -3727,106 +3752,134 @@
               <a:buNone/>
             </a:pPr>
             <a:r>
-              <a:rPr lang="en-US" sz="2000" dirty="0" smtClean="0"/>
-              <a:t>	</a:t>
-            </a:r>
-            <a:r>
-              <a:rPr lang="en-US" sz="2000" dirty="0" smtClean="0"/>
-              <a:t>“</a:t>
-            </a:r>
-            <a:r>
-              <a:rPr lang="en-US" sz="2000" i="1" dirty="0" smtClean="0"/>
-              <a:t>I was experimenting with just a sinusoid and kept increasing the vibrato </a:t>
-            </a:r>
-            <a:r>
-              <a:rPr lang="en-US" sz="2000" i="1" dirty="0" smtClean="0"/>
-              <a:t>rate, so </a:t>
-            </a:r>
-            <a:r>
-              <a:rPr lang="en-US" sz="2000" i="1" dirty="0" smtClean="0"/>
-              <a:t>all of </a:t>
-            </a:r>
-            <a:r>
-              <a:rPr lang="en-US" sz="2000" i="1" dirty="0" smtClean="0"/>
-              <a:t>a sudden </a:t>
-            </a:r>
-            <a:r>
-              <a:rPr lang="en-US" sz="2000" i="1" dirty="0" smtClean="0"/>
-              <a:t>it didn’t sound like listening to a change in pitch in time, but rather </a:t>
-            </a:r>
-            <a:r>
-              <a:rPr lang="en-US" sz="2000" i="1" dirty="0" err="1" smtClean="0"/>
+              <a:rPr lang="en-US" sz="2000" dirty="0" smtClean="0">
+                <a:latin typeface="Lato" pitchFamily="34" charset="0"/>
+              </a:rPr>
+              <a:t>	“</a:t>
+            </a:r>
+            <a:r>
+              <a:rPr lang="en-US" sz="2000" i="1" dirty="0" smtClean="0">
+                <a:latin typeface="Lato" pitchFamily="34" charset="0"/>
+              </a:rPr>
+              <a:t>I was experimenting with just a </a:t>
+            </a:r>
+            <a:r>
+              <a:rPr lang="en-US" sz="2000" b="1" i="1" dirty="0" smtClean="0">
+                <a:latin typeface="Lato" pitchFamily="34" charset="0"/>
+              </a:rPr>
+              <a:t>sinusoid</a:t>
+            </a:r>
+            <a:r>
+              <a:rPr lang="en-US" sz="2000" i="1" dirty="0" smtClean="0">
+                <a:latin typeface="Lato" pitchFamily="34" charset="0"/>
+              </a:rPr>
+              <a:t> and </a:t>
+            </a:r>
+            <a:r>
+              <a:rPr lang="en-US" sz="2000" b="1" i="1" dirty="0" smtClean="0">
+                <a:latin typeface="Lato" pitchFamily="34" charset="0"/>
+              </a:rPr>
+              <a:t>kept increasing the vibrato rate</a:t>
+            </a:r>
+            <a:r>
+              <a:rPr lang="en-US" sz="2000" i="1" dirty="0" smtClean="0">
+                <a:latin typeface="Lato" pitchFamily="34" charset="0"/>
+              </a:rPr>
+              <a:t>, so all of a sudden it didn’t sound like listening to a change in pitch in time, but rather </a:t>
+            </a:r>
+            <a:r>
+              <a:rPr lang="en-US" sz="2000" i="1" dirty="0" err="1" smtClean="0">
+                <a:latin typeface="Lato" pitchFamily="34" charset="0"/>
+              </a:rPr>
               <a:t>i</a:t>
             </a:r>
             <a:r>
-              <a:rPr lang="en-US" sz="2000" i="1" dirty="0" smtClean="0"/>
+              <a:rPr lang="en-US" sz="2000" i="1" dirty="0" smtClean="0">
+                <a:latin typeface="Lato" pitchFamily="34" charset="0"/>
+              </a:rPr>
               <a:t> began to hear </a:t>
             </a:r>
             <a:r>
-              <a:rPr lang="en-US" sz="2000" i="1" dirty="0" err="1" smtClean="0"/>
+              <a:rPr lang="en-US" sz="2000" b="1" i="1" dirty="0" err="1" smtClean="0">
+                <a:latin typeface="Lato" pitchFamily="34" charset="0"/>
+              </a:rPr>
               <a:t>timbral</a:t>
             </a:r>
             <a:r>
-              <a:rPr lang="en-US" sz="2000" i="1" dirty="0" smtClean="0"/>
+              <a:rPr lang="en-US" sz="2000" b="1" i="1" dirty="0" smtClean="0">
+                <a:latin typeface="Lato" pitchFamily="34" charset="0"/>
+              </a:rPr>
               <a:t> </a:t>
             </a:r>
             <a:r>
-              <a:rPr lang="en-US" sz="2000" i="1" dirty="0" err="1" smtClean="0"/>
+              <a:rPr lang="en-US" sz="2000" b="1" i="1" dirty="0" err="1" smtClean="0">
+                <a:latin typeface="Lato" pitchFamily="34" charset="0"/>
+              </a:rPr>
               <a:t>diﬀerences</a:t>
             </a:r>
             <a:r>
-              <a:rPr lang="en-US" sz="2000" i="1" dirty="0" smtClean="0"/>
+              <a:rPr lang="en-US" sz="2000" i="1" dirty="0" smtClean="0">
+                <a:latin typeface="Lato" pitchFamily="34" charset="0"/>
+              </a:rPr>
               <a:t>. So the </a:t>
             </a:r>
             <a:r>
-              <a:rPr lang="en-US" sz="2000" i="1" dirty="0" err="1" smtClean="0"/>
+              <a:rPr lang="en-US" sz="2000" i="1" dirty="0" err="1" smtClean="0">
+                <a:latin typeface="Lato" pitchFamily="34" charset="0"/>
+              </a:rPr>
               <a:t>vibratio</a:t>
             </a:r>
             <a:r>
-              <a:rPr lang="en-US" sz="2000" i="1" dirty="0" smtClean="0"/>
-              <a:t> became very, very fast, hundreds of times per second, and very, </a:t>
-            </a:r>
-            <a:r>
-              <a:rPr lang="en-US" sz="2000" i="1" dirty="0" smtClean="0"/>
-              <a:t>very deep</a:t>
-            </a:r>
-            <a:r>
-              <a:rPr lang="en-US" sz="2000" i="1" dirty="0" smtClean="0"/>
-              <a:t>, as if the violinist had a </a:t>
-            </a:r>
-            <a:r>
-              <a:rPr lang="en-US" sz="2000" i="1" dirty="0" err="1" smtClean="0"/>
+              <a:rPr lang="en-US" sz="2000" i="1" dirty="0" smtClean="0">
+                <a:latin typeface="Lato" pitchFamily="34" charset="0"/>
+              </a:rPr>
+              <a:t> became very, very fast, hundreds of times per second, and very, very deep, as if the violinist had a </a:t>
+            </a:r>
+            <a:r>
+              <a:rPr lang="en-US" sz="2000" i="1" dirty="0" err="1" smtClean="0">
+                <a:latin typeface="Lato" pitchFamily="34" charset="0"/>
+              </a:rPr>
               <a:t>diﬀerent</a:t>
             </a:r>
             <a:r>
-              <a:rPr lang="en-US" sz="2000" i="1" dirty="0" smtClean="0"/>
+              <a:rPr lang="en-US" sz="2000" i="1" dirty="0" smtClean="0">
+                <a:latin typeface="Lato" pitchFamily="34" charset="0"/>
+              </a:rPr>
               <a:t> </a:t>
             </a:r>
             <a:r>
-              <a:rPr lang="en-US" sz="2000" i="1" dirty="0" err="1" smtClean="0"/>
+              <a:rPr lang="en-US" sz="2000" i="1" dirty="0" err="1" smtClean="0">
+                <a:latin typeface="Lato" pitchFamily="34" charset="0"/>
+              </a:rPr>
               <a:t>ﬁngerboard</a:t>
             </a:r>
             <a:r>
-              <a:rPr lang="en-US" sz="2000" i="1" dirty="0" smtClean="0"/>
+              <a:rPr lang="en-US" sz="2000" i="1" dirty="0" smtClean="0">
+                <a:latin typeface="Lato" pitchFamily="34" charset="0"/>
+              </a:rPr>
               <a:t>, and the </a:t>
             </a:r>
             <a:r>
-              <a:rPr lang="en-US" sz="2000" i="1" dirty="0" err="1" smtClean="0"/>
+              <a:rPr lang="en-US" sz="2000" b="1" i="1" dirty="0" err="1" smtClean="0">
+                <a:latin typeface="Lato" pitchFamily="34" charset="0"/>
+              </a:rPr>
               <a:t>ﬁnger</a:t>
             </a:r>
             <a:r>
-              <a:rPr lang="en-US" sz="2000" i="1" dirty="0" smtClean="0"/>
-              <a:t> was whipping up </a:t>
-            </a:r>
-            <a:r>
-              <a:rPr lang="en-US" sz="2000" i="1" dirty="0" smtClean="0"/>
-              <a:t>and down at very </a:t>
-            </a:r>
-            <a:r>
-              <a:rPr lang="en-US" sz="2000" i="1" dirty="0" smtClean="0"/>
-              <a:t>high rates and very great distances. That would be sort of a physical metaphor for this.”</a:t>
-            </a:r>
-            <a:endParaRPr lang="de-DE" sz="2000" i="1" dirty="0" smtClean="0"/>
+              <a:rPr lang="en-US" sz="2000" b="1" i="1" dirty="0" smtClean="0">
+                <a:latin typeface="Lato" pitchFamily="34" charset="0"/>
+              </a:rPr>
+              <a:t> was whipping up and down at very high rates </a:t>
+            </a:r>
+            <a:r>
+              <a:rPr lang="en-US" sz="2000" i="1" dirty="0" smtClean="0">
+                <a:latin typeface="Lato" pitchFamily="34" charset="0"/>
+              </a:rPr>
+              <a:t>and very great distances. That would be sort of a physical metaphor for this.”</a:t>
+            </a:r>
+            <a:endParaRPr lang="de-DE" sz="2000" i="1" dirty="0" smtClean="0">
+              <a:latin typeface="Lato" pitchFamily="34" charset="0"/>
+            </a:endParaRPr>
           </a:p>
         </p:txBody>
       </p:sp>
@@ -3848,7 +3901,7 @@
             <a:fld id="{1C72BD4E-61B2-40A3-A75C-5FDEDE8E5EC5}" type="datetime1">
               <a:rPr lang="de-DE" smtClean="0"/>
               <a:pPr/>
-              <a:t>13.06.2015</a:t>
+              <a:t>15.06.2015</a:t>
             </a:fld>
             <a:endParaRPr lang="de-DE"/>
           </a:p>
@@ -3906,6 +3959,13 @@
   <p:clrMapOvr>
     <a:masterClrMapping/>
   </p:clrMapOvr>
+  <p:timing>
+    <p:tnLst>
+      <p:par>
+        <p:cTn id="1" dur="indefinite" restart="never" nodeType="tmRoot"/>
+      </p:par>
+    </p:tnLst>
+  </p:timing>
 </p:sld>
 </file>
 
@@ -3957,27 +4017,6 @@
       </p:sp>
       <p:sp>
         <p:nvSpPr>
-          <p:cNvPr id="3" name="Inhaltsplatzhalter 2"/>
-          <p:cNvSpPr>
-            <a:spLocks noGrp="1"/>
-          </p:cNvSpPr>
-          <p:nvPr>
-            <p:ph idx="1"/>
-          </p:nvPr>
-        </p:nvSpPr>
-        <p:spPr/>
-        <p:txBody>
-          <a:bodyPr>
-            <a:normAutofit/>
-          </a:bodyPr>
-          <a:lstStyle/>
-          <a:p>
-            <a:endParaRPr lang="de-DE" sz="2000" dirty="0" smtClean="0"/>
-          </a:p>
-        </p:txBody>
-      </p:sp>
-      <p:sp>
-        <p:nvSpPr>
           <p:cNvPr id="4" name="Datumsplatzhalter 3"/>
           <p:cNvSpPr>
             <a:spLocks noGrp="1"/>
@@ -3994,7 +4033,7 @@
             <a:fld id="{1C72BD4E-61B2-40A3-A75C-5FDEDE8E5EC5}" type="datetime1">
               <a:rPr lang="de-DE" smtClean="0"/>
               <a:pPr/>
-              <a:t>13.06.2015</a:t>
+              <a:t>15.06.2015</a:t>
             </a:fld>
             <a:endParaRPr lang="de-DE"/>
           </a:p>
@@ -4044,6 +4083,88 @@
               <a:t>11</a:t>
             </a:fld>
             <a:endParaRPr lang="de-DE" dirty="0"/>
+          </a:p>
+        </p:txBody>
+      </p:sp>
+      <p:sp>
+        <p:nvSpPr>
+          <p:cNvPr id="7" name="Inhaltsplatzhalter 2"/>
+          <p:cNvSpPr>
+            <a:spLocks noGrp="1"/>
+          </p:cNvSpPr>
+          <p:nvPr>
+            <p:ph idx="1"/>
+          </p:nvPr>
+        </p:nvSpPr>
+        <p:spPr>
+          <a:xfrm>
+            <a:off x="467544" y="1749028"/>
+            <a:ext cx="8229600" cy="1974850"/>
+          </a:xfrm>
+        </p:spPr>
+        <p:txBody>
+          <a:bodyPr>
+            <a:normAutofit/>
+          </a:bodyPr>
+          <a:lstStyle/>
+          <a:p>
+            <a:r>
+              <a:rPr lang="de-DE" sz="2000" dirty="0" smtClean="0">
+                <a:latin typeface="Lato" pitchFamily="34" charset="0"/>
+              </a:rPr>
+              <a:t>Nach 3 Jahren:  Durchblick der mathematischen Hintergründe</a:t>
+            </a:r>
+          </a:p>
+          <a:p>
+            <a:r>
+              <a:rPr lang="de-DE" sz="2000" dirty="0" smtClean="0">
+                <a:latin typeface="Lato" pitchFamily="34" charset="0"/>
+              </a:rPr>
+              <a:t>Nachbildung von verschiedenen Instrumenten</a:t>
+            </a:r>
+          </a:p>
+          <a:p>
+            <a:r>
+              <a:rPr lang="de-DE" sz="2000" dirty="0" smtClean="0">
+                <a:latin typeface="Lato" pitchFamily="34" charset="0"/>
+              </a:rPr>
+              <a:t>Veröffentlichung von „</a:t>
+            </a:r>
+            <a:r>
+              <a:rPr lang="de-DE" sz="2000" dirty="0" err="1" smtClean="0">
+                <a:latin typeface="Lato" pitchFamily="34" charset="0"/>
+              </a:rPr>
+              <a:t>Sabelithe</a:t>
+            </a:r>
+            <a:r>
+              <a:rPr lang="de-DE" sz="2000" dirty="0" smtClean="0">
+                <a:latin typeface="Lato" pitchFamily="34" charset="0"/>
+              </a:rPr>
+              <a:t>“ 1971</a:t>
+            </a:r>
+          </a:p>
+          <a:p>
+            <a:r>
+              <a:rPr lang="de-DE" sz="2000" dirty="0" smtClean="0">
+                <a:latin typeface="Lato" pitchFamily="34" charset="0"/>
+              </a:rPr>
+              <a:t>Veröffentlichung von „</a:t>
+            </a:r>
+            <a:r>
+              <a:rPr lang="de-DE" sz="2000" dirty="0" err="1" smtClean="0">
+                <a:latin typeface="Lato" pitchFamily="34" charset="0"/>
+              </a:rPr>
+              <a:t>Turenas</a:t>
+            </a:r>
+            <a:r>
+              <a:rPr lang="de-DE" sz="2000" dirty="0" smtClean="0">
+                <a:latin typeface="Lato" pitchFamily="34" charset="0"/>
+              </a:rPr>
+              <a:t>“ 1972 </a:t>
+            </a:r>
+            <a:endParaRPr lang="de-DE" sz="2000" dirty="0" smtClean="0">
+              <a:latin typeface="Lato" pitchFamily="34" charset="0"/>
+            </a:endParaRPr>
           </a:p>
         </p:txBody>
       </p:sp>
@@ -4052,6 +4173,1850 @@
   <p:clrMapOvr>
     <a:masterClrMapping/>
   </p:clrMapOvr>
+  <p:timing>
+    <p:tnLst>
+      <p:par>
+        <p:cTn id="1" dur="indefinite" restart="never" nodeType="tmRoot"/>
+      </p:par>
+    </p:tnLst>
+  </p:timing>
+</p:sld>
+</file>
+
+<file path=ppt/slides/slide12.xml><?xml version="1.0" encoding="utf-8"?>
+<p:sld xmlns:a="http://schemas.openxmlformats.org/drawingml/2006/main" xmlns:r="http://schemas.openxmlformats.org/officeDocument/2006/relationships" xmlns:p="http://schemas.openxmlformats.org/presentationml/2006/main">
+  <p:cSld>
+    <p:spTree>
+      <p:nvGrpSpPr>
+        <p:cNvPr id="1" name=""/>
+        <p:cNvGrpSpPr/>
+        <p:nvPr/>
+      </p:nvGrpSpPr>
+      <p:grpSpPr>
+        <a:xfrm>
+          <a:off x="0" y="0"/>
+          <a:ext cx="0" cy="0"/>
+          <a:chOff x="0" y="0"/>
+          <a:chExt cx="0" cy="0"/>
+        </a:xfrm>
+      </p:grpSpPr>
+      <p:sp>
+        <p:nvSpPr>
+          <p:cNvPr id="2" name="Titel 1"/>
+          <p:cNvSpPr>
+            <a:spLocks noGrp="1"/>
+          </p:cNvSpPr>
+          <p:nvPr>
+            <p:ph type="title"/>
+          </p:nvPr>
+        </p:nvSpPr>
+        <p:spPr/>
+        <p:txBody>
+          <a:bodyPr>
+            <a:normAutofit/>
+          </a:bodyPr>
+          <a:lstStyle/>
+          <a:p>
+            <a:r>
+              <a:rPr lang="de-DE" sz="2800" dirty="0" smtClean="0">
+                <a:latin typeface="Lato" pitchFamily="34" charset="0"/>
+              </a:rPr>
+              <a:t>Geschichte der FM-Synthese</a:t>
+            </a:r>
+            <a:endParaRPr lang="de-DE" sz="2800" dirty="0">
+              <a:latin typeface="Lato" pitchFamily="34" charset="0"/>
+            </a:endParaRPr>
+          </a:p>
+        </p:txBody>
+      </p:sp>
+      <p:sp>
+        <p:nvSpPr>
+          <p:cNvPr id="4" name="Datumsplatzhalter 3"/>
+          <p:cNvSpPr>
+            <a:spLocks noGrp="1"/>
+          </p:cNvSpPr>
+          <p:nvPr>
+            <p:ph type="dt" sz="half" idx="10"/>
+          </p:nvPr>
+        </p:nvSpPr>
+        <p:spPr/>
+        <p:txBody>
+          <a:bodyPr/>
+          <a:lstStyle/>
+          <a:p>
+            <a:fld id="{1C72BD4E-61B2-40A3-A75C-5FDEDE8E5EC5}" type="datetime1">
+              <a:rPr lang="de-DE" smtClean="0"/>
+              <a:pPr/>
+              <a:t>15.06.2015</a:t>
+            </a:fld>
+            <a:endParaRPr lang="de-DE"/>
+          </a:p>
+        </p:txBody>
+      </p:sp>
+      <p:sp>
+        <p:nvSpPr>
+          <p:cNvPr id="5" name="Fußzeilenplatzhalter 4"/>
+          <p:cNvSpPr>
+            <a:spLocks noGrp="1"/>
+          </p:cNvSpPr>
+          <p:nvPr>
+            <p:ph type="ftr" sz="quarter" idx="11"/>
+          </p:nvPr>
+        </p:nvSpPr>
+        <p:spPr/>
+        <p:txBody>
+          <a:bodyPr/>
+          <a:lstStyle/>
+          <a:p>
+            <a:r>
+              <a:rPr lang="de-DE" smtClean="0"/>
+              <a:t>FM-Synthese</a:t>
+            </a:r>
+            <a:endParaRPr lang="de-DE"/>
+          </a:p>
+        </p:txBody>
+      </p:sp>
+      <p:sp>
+        <p:nvSpPr>
+          <p:cNvPr id="6" name="Foliennummernplatzhalter 5"/>
+          <p:cNvSpPr>
+            <a:spLocks noGrp="1"/>
+          </p:cNvSpPr>
+          <p:nvPr>
+            <p:ph type="sldNum" sz="quarter" idx="12"/>
+          </p:nvPr>
+        </p:nvSpPr>
+        <p:spPr/>
+        <p:txBody>
+          <a:bodyPr/>
+          <a:lstStyle/>
+          <a:p>
+            <a:fld id="{6C6AE60A-B69C-4790-82F7-3882EDF23186}" type="slidenum">
+              <a:rPr lang="de-DE" smtClean="0"/>
+              <a:pPr/>
+              <a:t>12</a:t>
+            </a:fld>
+            <a:endParaRPr lang="de-DE" dirty="0"/>
+          </a:p>
+        </p:txBody>
+      </p:sp>
+      <p:sp>
+        <p:nvSpPr>
+          <p:cNvPr id="7" name="Inhaltsplatzhalter 2"/>
+          <p:cNvSpPr>
+            <a:spLocks noGrp="1"/>
+          </p:cNvSpPr>
+          <p:nvPr>
+            <p:ph idx="1"/>
+          </p:nvPr>
+        </p:nvSpPr>
+        <p:spPr>
+          <a:xfrm>
+            <a:off x="467544" y="1347614"/>
+            <a:ext cx="8229600" cy="2838946"/>
+          </a:xfrm>
+        </p:spPr>
+        <p:txBody>
+          <a:bodyPr>
+            <a:normAutofit/>
+          </a:bodyPr>
+          <a:lstStyle/>
+          <a:p>
+            <a:r>
+              <a:rPr lang="de-DE" sz="2000" dirty="0" err="1" smtClean="0">
+                <a:latin typeface="Lato" pitchFamily="34" charset="0"/>
+              </a:rPr>
+              <a:t>Chowning</a:t>
+            </a:r>
+            <a:r>
+              <a:rPr lang="de-DE" sz="2000" dirty="0" smtClean="0">
+                <a:latin typeface="Lato" pitchFamily="34" charset="0"/>
+              </a:rPr>
+              <a:t> Intention: Komposition neuer Stücke</a:t>
+            </a:r>
+          </a:p>
+          <a:p>
+            <a:r>
+              <a:rPr lang="de-DE" sz="2000" dirty="0" smtClean="0">
+                <a:latin typeface="Lato" pitchFamily="34" charset="0"/>
+              </a:rPr>
+              <a:t>Jedoch: Hoffnung auf kommerzielle </a:t>
+            </a:r>
+            <a:r>
+              <a:rPr lang="de-DE" sz="2000" dirty="0" smtClean="0">
+                <a:latin typeface="Lato" pitchFamily="34" charset="0"/>
+              </a:rPr>
+              <a:t>A</a:t>
+            </a:r>
+            <a:r>
+              <a:rPr lang="de-DE" sz="2000" dirty="0" smtClean="0">
+                <a:latin typeface="Lato" pitchFamily="34" charset="0"/>
+              </a:rPr>
+              <a:t>nwendung</a:t>
+            </a:r>
+          </a:p>
+          <a:p>
+            <a:r>
+              <a:rPr lang="de-DE" sz="2000" dirty="0" smtClean="0">
+                <a:latin typeface="Lato" pitchFamily="34" charset="0"/>
+              </a:rPr>
+              <a:t>Lizensierung durc</a:t>
+            </a:r>
+            <a:r>
+              <a:rPr lang="de-DE" sz="2000" dirty="0" smtClean="0">
+                <a:latin typeface="Lato" pitchFamily="34" charset="0"/>
+              </a:rPr>
+              <a:t>h das OTL (Office </a:t>
+            </a:r>
+            <a:r>
+              <a:rPr lang="de-DE" sz="2000" dirty="0" err="1" smtClean="0">
+                <a:latin typeface="Lato" pitchFamily="34" charset="0"/>
+              </a:rPr>
+              <a:t>of</a:t>
+            </a:r>
+            <a:r>
+              <a:rPr lang="de-DE" sz="2000" dirty="0" smtClean="0">
+                <a:latin typeface="Lato" pitchFamily="34" charset="0"/>
+              </a:rPr>
+              <a:t> Technology Licensing)</a:t>
+            </a:r>
+          </a:p>
+          <a:p>
+            <a:r>
+              <a:rPr lang="de-DE" sz="2000" dirty="0" smtClean="0">
+                <a:latin typeface="Lato" pitchFamily="34" charset="0"/>
+              </a:rPr>
+              <a:t>Wenig Interesse zu Begin</a:t>
+            </a:r>
+          </a:p>
+          <a:p>
+            <a:r>
+              <a:rPr lang="de-DE" sz="2000" dirty="0" smtClean="0">
+                <a:latin typeface="Lato" pitchFamily="34" charset="0"/>
+              </a:rPr>
+              <a:t>Zitat Andy Moorer:</a:t>
+            </a:r>
+          </a:p>
+          <a:p>
+            <a:pPr>
+              <a:buNone/>
+            </a:pPr>
+            <a:r>
+              <a:rPr lang="en-US" sz="2000" dirty="0" smtClean="0">
+                <a:latin typeface="Lato" pitchFamily="34" charset="0"/>
+              </a:rPr>
+              <a:t>	“[...] </a:t>
+            </a:r>
+            <a:r>
+              <a:rPr lang="en-US" sz="2000" i="1" dirty="0" smtClean="0">
+                <a:latin typeface="Lato" pitchFamily="34" charset="0"/>
+              </a:rPr>
+              <a:t>It was really discouraging. John was so proud of having put this damn thing together </a:t>
+            </a:r>
+            <a:r>
+              <a:rPr lang="en-US" sz="2000" i="1" dirty="0" smtClean="0">
+                <a:latin typeface="Lato" pitchFamily="34" charset="0"/>
+              </a:rPr>
+              <a:t>and people </a:t>
+            </a:r>
+            <a:r>
+              <a:rPr lang="en-US" sz="2000" i="1" dirty="0" smtClean="0">
+                <a:latin typeface="Lato" pitchFamily="34" charset="0"/>
+              </a:rPr>
+              <a:t>didn’t really get the idea of </a:t>
+            </a:r>
+            <a:r>
+              <a:rPr lang="en-US" sz="2000" i="1" dirty="0" err="1" smtClean="0">
+                <a:latin typeface="Lato" pitchFamily="34" charset="0"/>
+              </a:rPr>
+              <a:t>spatializing</a:t>
+            </a:r>
+            <a:r>
+              <a:rPr lang="en-US" sz="2000" i="1" dirty="0" smtClean="0">
+                <a:latin typeface="Lato" pitchFamily="34" charset="0"/>
+              </a:rPr>
+              <a:t> the sound.”</a:t>
+            </a:r>
+            <a:endParaRPr lang="de-DE" sz="2000" i="1" dirty="0" smtClean="0">
+              <a:latin typeface="Lato" pitchFamily="34" charset="0"/>
+            </a:endParaRPr>
+          </a:p>
+          <a:p>
+            <a:endParaRPr lang="de-DE" sz="2000" dirty="0" smtClean="0">
+              <a:latin typeface="Lato" pitchFamily="34" charset="0"/>
+            </a:endParaRPr>
+          </a:p>
+          <a:p>
+            <a:endParaRPr lang="de-DE" sz="2000" dirty="0" smtClean="0">
+              <a:latin typeface="Lato" pitchFamily="34" charset="0"/>
+            </a:endParaRPr>
+          </a:p>
+        </p:txBody>
+      </p:sp>
+    </p:spTree>
+  </p:cSld>
+  <p:clrMapOvr>
+    <a:masterClrMapping/>
+  </p:clrMapOvr>
+  <p:timing>
+    <p:tnLst>
+      <p:par>
+        <p:cTn id="1" dur="indefinite" restart="never" nodeType="tmRoot"/>
+      </p:par>
+    </p:tnLst>
+  </p:timing>
+</p:sld>
+</file>
+
+<file path=ppt/slides/slide13.xml><?xml version="1.0" encoding="utf-8"?>
+<p:sld xmlns:a="http://schemas.openxmlformats.org/drawingml/2006/main" xmlns:r="http://schemas.openxmlformats.org/officeDocument/2006/relationships" xmlns:p="http://schemas.openxmlformats.org/presentationml/2006/main">
+  <p:cSld>
+    <p:spTree>
+      <p:nvGrpSpPr>
+        <p:cNvPr id="1" name=""/>
+        <p:cNvGrpSpPr/>
+        <p:nvPr/>
+      </p:nvGrpSpPr>
+      <p:grpSpPr>
+        <a:xfrm>
+          <a:off x="0" y="0"/>
+          <a:ext cx="0" cy="0"/>
+          <a:chOff x="0" y="0"/>
+          <a:chExt cx="0" cy="0"/>
+        </a:xfrm>
+      </p:grpSpPr>
+      <p:sp>
+        <p:nvSpPr>
+          <p:cNvPr id="4" name="Datumsplatzhalter 3"/>
+          <p:cNvSpPr>
+            <a:spLocks noGrp="1"/>
+          </p:cNvSpPr>
+          <p:nvPr>
+            <p:ph type="dt" sz="half" idx="10"/>
+          </p:nvPr>
+        </p:nvSpPr>
+        <p:spPr/>
+        <p:txBody>
+          <a:bodyPr/>
+          <a:lstStyle/>
+          <a:p>
+            <a:fld id="{1C72BD4E-61B2-40A3-A75C-5FDEDE8E5EC5}" type="datetime1">
+              <a:rPr lang="de-DE" smtClean="0"/>
+              <a:pPr/>
+              <a:t>15.06.2015</a:t>
+            </a:fld>
+            <a:endParaRPr lang="de-DE"/>
+          </a:p>
+        </p:txBody>
+      </p:sp>
+      <p:sp>
+        <p:nvSpPr>
+          <p:cNvPr id="5" name="Fußzeilenplatzhalter 4"/>
+          <p:cNvSpPr>
+            <a:spLocks noGrp="1"/>
+          </p:cNvSpPr>
+          <p:nvPr>
+            <p:ph type="ftr" sz="quarter" idx="11"/>
+          </p:nvPr>
+        </p:nvSpPr>
+        <p:spPr/>
+        <p:txBody>
+          <a:bodyPr/>
+          <a:lstStyle/>
+          <a:p>
+            <a:r>
+              <a:rPr lang="de-DE" smtClean="0"/>
+              <a:t>FM-Synthese</a:t>
+            </a:r>
+            <a:endParaRPr lang="de-DE"/>
+          </a:p>
+        </p:txBody>
+      </p:sp>
+      <p:sp>
+        <p:nvSpPr>
+          <p:cNvPr id="6" name="Foliennummernplatzhalter 5"/>
+          <p:cNvSpPr>
+            <a:spLocks noGrp="1"/>
+          </p:cNvSpPr>
+          <p:nvPr>
+            <p:ph type="sldNum" sz="quarter" idx="12"/>
+          </p:nvPr>
+        </p:nvSpPr>
+        <p:spPr/>
+        <p:txBody>
+          <a:bodyPr/>
+          <a:lstStyle/>
+          <a:p>
+            <a:fld id="{6C6AE60A-B69C-4790-82F7-3882EDF23186}" type="slidenum">
+              <a:rPr lang="de-DE" smtClean="0"/>
+              <a:pPr/>
+              <a:t>13</a:t>
+            </a:fld>
+            <a:endParaRPr lang="de-DE" dirty="0"/>
+          </a:p>
+        </p:txBody>
+      </p:sp>
+      <p:sp>
+        <p:nvSpPr>
+          <p:cNvPr id="7" name="Inhaltsplatzhalter 2"/>
+          <p:cNvSpPr>
+            <a:spLocks noGrp="1"/>
+          </p:cNvSpPr>
+          <p:nvPr>
+            <p:ph idx="1"/>
+          </p:nvPr>
+        </p:nvSpPr>
+        <p:spPr>
+          <a:xfrm>
+            <a:off x="467544" y="1347614"/>
+            <a:ext cx="8229600" cy="2838946"/>
+          </a:xfrm>
+        </p:spPr>
+        <p:txBody>
+          <a:bodyPr>
+            <a:normAutofit/>
+          </a:bodyPr>
+          <a:lstStyle/>
+          <a:p>
+            <a:r>
+              <a:rPr lang="de-DE" sz="2000" dirty="0" smtClean="0">
+                <a:latin typeface="Lato" pitchFamily="34" charset="0"/>
+              </a:rPr>
+              <a:t>1973: Veröffentlichung der Erfindung</a:t>
+            </a:r>
+          </a:p>
+          <a:p>
+            <a:r>
+              <a:rPr lang="de-DE" sz="2000" dirty="0" smtClean="0">
+                <a:latin typeface="Lato" pitchFamily="34" charset="0"/>
+              </a:rPr>
+              <a:t>1974: Vorstellung der FM-Synthese bei Yamaha</a:t>
+            </a:r>
+          </a:p>
+          <a:p>
+            <a:r>
+              <a:rPr lang="de-DE" sz="2000" dirty="0" err="1" smtClean="0">
+                <a:latin typeface="Lato" pitchFamily="34" charset="0"/>
+              </a:rPr>
+              <a:t>Kazukiyo</a:t>
+            </a:r>
+            <a:r>
+              <a:rPr lang="de-DE" sz="2000" dirty="0" smtClean="0">
+                <a:latin typeface="Lato" pitchFamily="34" charset="0"/>
+              </a:rPr>
+              <a:t> </a:t>
+            </a:r>
+            <a:r>
+              <a:rPr lang="de-DE" sz="2000" dirty="0" err="1" smtClean="0">
+                <a:latin typeface="Lato" pitchFamily="34" charset="0"/>
+              </a:rPr>
+              <a:t>Ishimura</a:t>
+            </a:r>
+            <a:r>
+              <a:rPr lang="de-DE" sz="2000" dirty="0" smtClean="0">
+                <a:latin typeface="Lato" pitchFamily="34" charset="0"/>
+              </a:rPr>
+              <a:t> erkannte das Potenzial</a:t>
+            </a:r>
+          </a:p>
+          <a:p>
+            <a:r>
+              <a:rPr lang="de-DE" sz="2000" dirty="0" smtClean="0">
+                <a:latin typeface="Lato" pitchFamily="34" charset="0"/>
+              </a:rPr>
+              <a:t>Yamaha lizensiert die FM-Synthese im gleichen Jahr</a:t>
+            </a:r>
+            <a:endParaRPr lang="de-DE" sz="2000" dirty="0" smtClean="0">
+              <a:latin typeface="Lato" pitchFamily="34" charset="0"/>
+            </a:endParaRPr>
+          </a:p>
+          <a:p>
+            <a:r>
+              <a:rPr lang="de-DE" sz="2000" dirty="0" smtClean="0">
+                <a:latin typeface="Lato" pitchFamily="34" charset="0"/>
+              </a:rPr>
+              <a:t>1975: </a:t>
+            </a:r>
+            <a:r>
+              <a:rPr lang="de-DE" sz="2000" dirty="0" err="1" smtClean="0">
+                <a:latin typeface="Lato" pitchFamily="34" charset="0"/>
+              </a:rPr>
+              <a:t>Chowning</a:t>
+            </a:r>
+            <a:r>
+              <a:rPr lang="de-DE" sz="2000" dirty="0" smtClean="0">
+                <a:latin typeface="Lato" pitchFamily="34" charset="0"/>
+              </a:rPr>
+              <a:t> kehrt nach Stanford zurück</a:t>
+            </a:r>
+          </a:p>
+          <a:p>
+            <a:r>
+              <a:rPr lang="de-DE" sz="2000" dirty="0" smtClean="0">
+                <a:latin typeface="Lato" pitchFamily="34" charset="0"/>
+              </a:rPr>
+              <a:t>Gründung des CCRMA („Karma“) </a:t>
+            </a:r>
+          </a:p>
+          <a:p>
+            <a:pPr>
+              <a:buNone/>
+            </a:pPr>
+            <a:r>
+              <a:rPr lang="de-DE" sz="2000" dirty="0" smtClean="0">
+                <a:latin typeface="Lato" pitchFamily="34" charset="0"/>
+              </a:rPr>
+              <a:t>	</a:t>
+            </a:r>
+            <a:r>
+              <a:rPr lang="de-DE" sz="2000" dirty="0" smtClean="0">
+                <a:latin typeface="Lato" pitchFamily="34" charset="0"/>
+              </a:rPr>
+              <a:t>– Center </a:t>
+            </a:r>
+            <a:r>
+              <a:rPr lang="de-DE" sz="2000" dirty="0" err="1" smtClean="0">
+                <a:latin typeface="Lato" pitchFamily="34" charset="0"/>
+              </a:rPr>
+              <a:t>for</a:t>
+            </a:r>
+            <a:r>
+              <a:rPr lang="de-DE" sz="2000" dirty="0" smtClean="0">
+                <a:latin typeface="Lato" pitchFamily="34" charset="0"/>
+              </a:rPr>
+              <a:t> Computer Research in Music </a:t>
+            </a:r>
+            <a:r>
+              <a:rPr lang="de-DE" sz="2000" dirty="0" err="1" smtClean="0">
+                <a:latin typeface="Lato" pitchFamily="34" charset="0"/>
+              </a:rPr>
+              <a:t>and</a:t>
+            </a:r>
+            <a:r>
+              <a:rPr lang="de-DE" sz="2000" dirty="0" smtClean="0">
+                <a:latin typeface="Lato" pitchFamily="34" charset="0"/>
+              </a:rPr>
+              <a:t> </a:t>
+            </a:r>
+            <a:r>
+              <a:rPr lang="de-DE" sz="2000" dirty="0" err="1" smtClean="0">
+                <a:latin typeface="Lato" pitchFamily="34" charset="0"/>
+              </a:rPr>
+              <a:t>Acoustics</a:t>
+            </a:r>
+            <a:endParaRPr lang="de-DE" sz="2000" dirty="0" smtClean="0">
+              <a:latin typeface="Lato" pitchFamily="34" charset="0"/>
+            </a:endParaRPr>
+          </a:p>
+        </p:txBody>
+      </p:sp>
+      <p:sp>
+        <p:nvSpPr>
+          <p:cNvPr id="8" name="Titel 1"/>
+          <p:cNvSpPr>
+            <a:spLocks noGrp="1"/>
+          </p:cNvSpPr>
+          <p:nvPr>
+            <p:ph type="title"/>
+          </p:nvPr>
+        </p:nvSpPr>
+        <p:spPr>
+          <a:xfrm>
+            <a:off x="457200" y="205979"/>
+            <a:ext cx="8229600" cy="857250"/>
+          </a:xfrm>
+        </p:spPr>
+        <p:txBody>
+          <a:bodyPr>
+            <a:normAutofit/>
+          </a:bodyPr>
+          <a:lstStyle/>
+          <a:p>
+            <a:r>
+              <a:rPr lang="de-DE" sz="2800" dirty="0" smtClean="0">
+                <a:latin typeface="Lato" pitchFamily="34" charset="0"/>
+              </a:rPr>
+              <a:t>Geschichte der FM-Synthese</a:t>
+            </a:r>
+            <a:endParaRPr lang="de-DE" sz="2800" dirty="0">
+              <a:latin typeface="Lato" pitchFamily="34" charset="0"/>
+            </a:endParaRPr>
+          </a:p>
+        </p:txBody>
+      </p:sp>
+    </p:spTree>
+  </p:cSld>
+  <p:clrMapOvr>
+    <a:masterClrMapping/>
+  </p:clrMapOvr>
+  <p:timing>
+    <p:tnLst>
+      <p:par>
+        <p:cTn id="1" dur="indefinite" restart="never" nodeType="tmRoot"/>
+      </p:par>
+    </p:tnLst>
+  </p:timing>
+</p:sld>
+</file>
+
+<file path=ppt/slides/slide14.xml><?xml version="1.0" encoding="utf-8"?>
+<p:sld xmlns:a="http://schemas.openxmlformats.org/drawingml/2006/main" xmlns:r="http://schemas.openxmlformats.org/officeDocument/2006/relationships" xmlns:p="http://schemas.openxmlformats.org/presentationml/2006/main">
+  <p:cSld>
+    <p:spTree>
+      <p:nvGrpSpPr>
+        <p:cNvPr id="1" name=""/>
+        <p:cNvGrpSpPr/>
+        <p:nvPr/>
+      </p:nvGrpSpPr>
+      <p:grpSpPr>
+        <a:xfrm>
+          <a:off x="0" y="0"/>
+          <a:ext cx="0" cy="0"/>
+          <a:chOff x="0" y="0"/>
+          <a:chExt cx="0" cy="0"/>
+        </a:xfrm>
+      </p:grpSpPr>
+      <p:sp>
+        <p:nvSpPr>
+          <p:cNvPr id="4" name="Datumsplatzhalter 3"/>
+          <p:cNvSpPr>
+            <a:spLocks noGrp="1"/>
+          </p:cNvSpPr>
+          <p:nvPr>
+            <p:ph type="dt" sz="half" idx="10"/>
+          </p:nvPr>
+        </p:nvSpPr>
+        <p:spPr/>
+        <p:txBody>
+          <a:bodyPr/>
+          <a:lstStyle/>
+          <a:p>
+            <a:fld id="{1C72BD4E-61B2-40A3-A75C-5FDEDE8E5EC5}" type="datetime1">
+              <a:rPr lang="de-DE" smtClean="0"/>
+              <a:pPr/>
+              <a:t>15.06.2015</a:t>
+            </a:fld>
+            <a:endParaRPr lang="de-DE"/>
+          </a:p>
+        </p:txBody>
+      </p:sp>
+      <p:sp>
+        <p:nvSpPr>
+          <p:cNvPr id="5" name="Fußzeilenplatzhalter 4"/>
+          <p:cNvSpPr>
+            <a:spLocks noGrp="1"/>
+          </p:cNvSpPr>
+          <p:nvPr>
+            <p:ph type="ftr" sz="quarter" idx="11"/>
+          </p:nvPr>
+        </p:nvSpPr>
+        <p:spPr/>
+        <p:txBody>
+          <a:bodyPr/>
+          <a:lstStyle/>
+          <a:p>
+            <a:r>
+              <a:rPr lang="de-DE" smtClean="0"/>
+              <a:t>FM-Synthese</a:t>
+            </a:r>
+            <a:endParaRPr lang="de-DE"/>
+          </a:p>
+        </p:txBody>
+      </p:sp>
+      <p:sp>
+        <p:nvSpPr>
+          <p:cNvPr id="6" name="Foliennummernplatzhalter 5"/>
+          <p:cNvSpPr>
+            <a:spLocks noGrp="1"/>
+          </p:cNvSpPr>
+          <p:nvPr>
+            <p:ph type="sldNum" sz="quarter" idx="12"/>
+          </p:nvPr>
+        </p:nvSpPr>
+        <p:spPr/>
+        <p:txBody>
+          <a:bodyPr/>
+          <a:lstStyle/>
+          <a:p>
+            <a:fld id="{6C6AE60A-B69C-4790-82F7-3882EDF23186}" type="slidenum">
+              <a:rPr lang="de-DE" smtClean="0"/>
+              <a:pPr/>
+              <a:t>14</a:t>
+            </a:fld>
+            <a:endParaRPr lang="de-DE" dirty="0"/>
+          </a:p>
+        </p:txBody>
+      </p:sp>
+      <p:pic>
+        <p:nvPicPr>
+          <p:cNvPr id="29698" name="Picture 2" descr="D:\Julius\Documents\GitHub\VSeminar\Dok\Kapitel\img\Founders_CCRMA.png"/>
+          <p:cNvPicPr>
+            <a:picLocks noChangeAspect="1" noChangeArrowheads="1"/>
+          </p:cNvPicPr>
+          <p:nvPr/>
+        </p:nvPicPr>
+        <p:blipFill>
+          <a:blip r:embed="rId2" cstate="print"/>
+          <a:srcRect/>
+          <a:stretch>
+            <a:fillRect/>
+          </a:stretch>
+        </p:blipFill>
+        <p:spPr bwMode="auto">
+          <a:xfrm>
+            <a:off x="2195736" y="1131590"/>
+            <a:ext cx="4947107" cy="3384376"/>
+          </a:xfrm>
+          <a:prstGeom prst="rect">
+            <a:avLst/>
+          </a:prstGeom>
+          <a:noFill/>
+        </p:spPr>
+      </p:pic>
+      <p:sp>
+        <p:nvSpPr>
+          <p:cNvPr id="8" name="Titel 1"/>
+          <p:cNvSpPr>
+            <a:spLocks noGrp="1"/>
+          </p:cNvSpPr>
+          <p:nvPr>
+            <p:ph type="title"/>
+          </p:nvPr>
+        </p:nvSpPr>
+        <p:spPr>
+          <a:xfrm>
+            <a:off x="457200" y="205979"/>
+            <a:ext cx="8229600" cy="857250"/>
+          </a:xfrm>
+        </p:spPr>
+        <p:txBody>
+          <a:bodyPr>
+            <a:normAutofit/>
+          </a:bodyPr>
+          <a:lstStyle/>
+          <a:p>
+            <a:r>
+              <a:rPr lang="de-DE" sz="2800" dirty="0" smtClean="0">
+                <a:latin typeface="Lato" pitchFamily="34" charset="0"/>
+              </a:rPr>
+              <a:t>Gründer des CCRMA</a:t>
+            </a:r>
+            <a:endParaRPr lang="de-DE" sz="2800" dirty="0">
+              <a:latin typeface="Lato" pitchFamily="34" charset="0"/>
+            </a:endParaRPr>
+          </a:p>
+        </p:txBody>
+      </p:sp>
+    </p:spTree>
+  </p:cSld>
+  <p:clrMapOvr>
+    <a:masterClrMapping/>
+  </p:clrMapOvr>
+  <p:timing>
+    <p:tnLst>
+      <p:par>
+        <p:cTn id="1" dur="indefinite" restart="never" nodeType="tmRoot"/>
+      </p:par>
+    </p:tnLst>
+  </p:timing>
+</p:sld>
+</file>
+
+<file path=ppt/slides/slide15.xml><?xml version="1.0" encoding="utf-8"?>
+<p:sld xmlns:a="http://schemas.openxmlformats.org/drawingml/2006/main" xmlns:r="http://schemas.openxmlformats.org/officeDocument/2006/relationships" xmlns:p="http://schemas.openxmlformats.org/presentationml/2006/main">
+  <p:cSld>
+    <p:spTree>
+      <p:nvGrpSpPr>
+        <p:cNvPr id="1" name=""/>
+        <p:cNvGrpSpPr/>
+        <p:nvPr/>
+      </p:nvGrpSpPr>
+      <p:grpSpPr>
+        <a:xfrm>
+          <a:off x="0" y="0"/>
+          <a:ext cx="0" cy="0"/>
+          <a:chOff x="0" y="0"/>
+          <a:chExt cx="0" cy="0"/>
+        </a:xfrm>
+      </p:grpSpPr>
+      <p:sp>
+        <p:nvSpPr>
+          <p:cNvPr id="4" name="Datumsplatzhalter 3"/>
+          <p:cNvSpPr>
+            <a:spLocks noGrp="1"/>
+          </p:cNvSpPr>
+          <p:nvPr>
+            <p:ph type="dt" sz="half" idx="10"/>
+          </p:nvPr>
+        </p:nvSpPr>
+        <p:spPr/>
+        <p:txBody>
+          <a:bodyPr/>
+          <a:lstStyle/>
+          <a:p>
+            <a:fld id="{1C72BD4E-61B2-40A3-A75C-5FDEDE8E5EC5}" type="datetime1">
+              <a:rPr lang="de-DE" smtClean="0"/>
+              <a:pPr/>
+              <a:t>15.06.2015</a:t>
+            </a:fld>
+            <a:endParaRPr lang="de-DE"/>
+          </a:p>
+        </p:txBody>
+      </p:sp>
+      <p:sp>
+        <p:nvSpPr>
+          <p:cNvPr id="5" name="Fußzeilenplatzhalter 4"/>
+          <p:cNvSpPr>
+            <a:spLocks noGrp="1"/>
+          </p:cNvSpPr>
+          <p:nvPr>
+            <p:ph type="ftr" sz="quarter" idx="11"/>
+          </p:nvPr>
+        </p:nvSpPr>
+        <p:spPr/>
+        <p:txBody>
+          <a:bodyPr/>
+          <a:lstStyle/>
+          <a:p>
+            <a:r>
+              <a:rPr lang="de-DE" smtClean="0"/>
+              <a:t>FM-Synthese</a:t>
+            </a:r>
+            <a:endParaRPr lang="de-DE"/>
+          </a:p>
+        </p:txBody>
+      </p:sp>
+      <p:sp>
+        <p:nvSpPr>
+          <p:cNvPr id="6" name="Foliennummernplatzhalter 5"/>
+          <p:cNvSpPr>
+            <a:spLocks noGrp="1"/>
+          </p:cNvSpPr>
+          <p:nvPr>
+            <p:ph type="sldNum" sz="quarter" idx="12"/>
+          </p:nvPr>
+        </p:nvSpPr>
+        <p:spPr/>
+        <p:txBody>
+          <a:bodyPr/>
+          <a:lstStyle/>
+          <a:p>
+            <a:fld id="{6C6AE60A-B69C-4790-82F7-3882EDF23186}" type="slidenum">
+              <a:rPr lang="de-DE" smtClean="0"/>
+              <a:pPr/>
+              <a:t>15</a:t>
+            </a:fld>
+            <a:endParaRPr lang="de-DE" dirty="0"/>
+          </a:p>
+        </p:txBody>
+      </p:sp>
+      <p:sp>
+        <p:nvSpPr>
+          <p:cNvPr id="7" name="Inhaltsplatzhalter 2"/>
+          <p:cNvSpPr>
+            <a:spLocks noGrp="1"/>
+          </p:cNvSpPr>
+          <p:nvPr>
+            <p:ph idx="1"/>
+          </p:nvPr>
+        </p:nvSpPr>
+        <p:spPr>
+          <a:xfrm>
+            <a:off x="467544" y="1347614"/>
+            <a:ext cx="8229600" cy="2838946"/>
+          </a:xfrm>
+        </p:spPr>
+        <p:txBody>
+          <a:bodyPr>
+            <a:normAutofit/>
+          </a:bodyPr>
+          <a:lstStyle/>
+          <a:p>
+            <a:r>
+              <a:rPr lang="de-DE" sz="2000" dirty="0" smtClean="0">
+                <a:latin typeface="Lato" pitchFamily="34" charset="0"/>
+              </a:rPr>
+              <a:t>Großer Erfolg für Yamaha</a:t>
+            </a:r>
+          </a:p>
+          <a:p>
+            <a:r>
+              <a:rPr lang="de-DE" sz="2000" dirty="0" smtClean="0">
+                <a:latin typeface="Lato" pitchFamily="34" charset="0"/>
+              </a:rPr>
+              <a:t>Erste FM-Synthesizer: GS1 (1980) und GS2 (1982)</a:t>
+            </a:r>
+          </a:p>
+          <a:p>
+            <a:r>
+              <a:rPr lang="de-DE" sz="2000" dirty="0" smtClean="0">
+                <a:latin typeface="Lato" pitchFamily="34" charset="0"/>
+              </a:rPr>
+              <a:t>Kosten: 30.000 DM und 16000 DM</a:t>
+            </a:r>
+          </a:p>
+          <a:p>
+            <a:r>
+              <a:rPr lang="de-DE" sz="2000" dirty="0" smtClean="0">
+                <a:latin typeface="Lato" pitchFamily="34" charset="0"/>
+              </a:rPr>
+              <a:t>Durchbruch 1983 mit dem DX7</a:t>
+            </a:r>
+          </a:p>
+          <a:p>
+            <a:r>
+              <a:rPr lang="de-DE" sz="2000" dirty="0" smtClean="0">
+                <a:latin typeface="Lato" pitchFamily="34" charset="0"/>
+              </a:rPr>
+              <a:t>Parallele Verarbeitung von 16 Stimmen</a:t>
+            </a:r>
+          </a:p>
+          <a:p>
+            <a:pPr>
+              <a:buNone/>
+            </a:pPr>
+            <a:endParaRPr lang="de-DE" sz="2000" dirty="0" smtClean="0">
+              <a:latin typeface="Lato" pitchFamily="34" charset="0"/>
+            </a:endParaRPr>
+          </a:p>
+          <a:p>
+            <a:endParaRPr lang="de-DE" sz="2000" dirty="0" smtClean="0">
+              <a:latin typeface="Lato" pitchFamily="34" charset="0"/>
+            </a:endParaRPr>
+          </a:p>
+        </p:txBody>
+      </p:sp>
+      <p:sp>
+        <p:nvSpPr>
+          <p:cNvPr id="8" name="Titel 1"/>
+          <p:cNvSpPr>
+            <a:spLocks noGrp="1"/>
+          </p:cNvSpPr>
+          <p:nvPr>
+            <p:ph type="title"/>
+          </p:nvPr>
+        </p:nvSpPr>
+        <p:spPr>
+          <a:xfrm>
+            <a:off x="457200" y="205979"/>
+            <a:ext cx="8229600" cy="857250"/>
+          </a:xfrm>
+        </p:spPr>
+        <p:txBody>
+          <a:bodyPr>
+            <a:normAutofit/>
+          </a:bodyPr>
+          <a:lstStyle/>
+          <a:p>
+            <a:r>
+              <a:rPr lang="de-DE" sz="2800" dirty="0" smtClean="0">
+                <a:latin typeface="Lato" pitchFamily="34" charset="0"/>
+              </a:rPr>
+              <a:t>Geschichte der FM-Synthese</a:t>
+            </a:r>
+            <a:endParaRPr lang="de-DE" sz="2800" dirty="0">
+              <a:latin typeface="Lato" pitchFamily="34" charset="0"/>
+            </a:endParaRPr>
+          </a:p>
+        </p:txBody>
+      </p:sp>
+    </p:spTree>
+  </p:cSld>
+  <p:clrMapOvr>
+    <a:masterClrMapping/>
+  </p:clrMapOvr>
+  <p:timing>
+    <p:tnLst>
+      <p:par>
+        <p:cTn id="1" dur="indefinite" restart="never" nodeType="tmRoot"/>
+      </p:par>
+    </p:tnLst>
+  </p:timing>
+</p:sld>
+</file>
+
+<file path=ppt/slides/slide16.xml><?xml version="1.0" encoding="utf-8"?>
+<p:sld xmlns:a="http://schemas.openxmlformats.org/drawingml/2006/main" xmlns:r="http://schemas.openxmlformats.org/officeDocument/2006/relationships" xmlns:p="http://schemas.openxmlformats.org/presentationml/2006/main">
+  <p:cSld>
+    <p:spTree>
+      <p:nvGrpSpPr>
+        <p:cNvPr id="1" name=""/>
+        <p:cNvGrpSpPr/>
+        <p:nvPr/>
+      </p:nvGrpSpPr>
+      <p:grpSpPr>
+        <a:xfrm>
+          <a:off x="0" y="0"/>
+          <a:ext cx="0" cy="0"/>
+          <a:chOff x="0" y="0"/>
+          <a:chExt cx="0" cy="0"/>
+        </a:xfrm>
+      </p:grpSpPr>
+      <p:sp>
+        <p:nvSpPr>
+          <p:cNvPr id="4" name="Datumsplatzhalter 3"/>
+          <p:cNvSpPr>
+            <a:spLocks noGrp="1"/>
+          </p:cNvSpPr>
+          <p:nvPr>
+            <p:ph type="dt" sz="half" idx="10"/>
+          </p:nvPr>
+        </p:nvSpPr>
+        <p:spPr/>
+        <p:txBody>
+          <a:bodyPr/>
+          <a:lstStyle/>
+          <a:p>
+            <a:fld id="{1C72BD4E-61B2-40A3-A75C-5FDEDE8E5EC5}" type="datetime1">
+              <a:rPr lang="de-DE" smtClean="0"/>
+              <a:pPr/>
+              <a:t>15.06.2015</a:t>
+            </a:fld>
+            <a:endParaRPr lang="de-DE"/>
+          </a:p>
+        </p:txBody>
+      </p:sp>
+      <p:sp>
+        <p:nvSpPr>
+          <p:cNvPr id="5" name="Fußzeilenplatzhalter 4"/>
+          <p:cNvSpPr>
+            <a:spLocks noGrp="1"/>
+          </p:cNvSpPr>
+          <p:nvPr>
+            <p:ph type="ftr" sz="quarter" idx="11"/>
+          </p:nvPr>
+        </p:nvSpPr>
+        <p:spPr/>
+        <p:txBody>
+          <a:bodyPr/>
+          <a:lstStyle/>
+          <a:p>
+            <a:r>
+              <a:rPr lang="de-DE" smtClean="0"/>
+              <a:t>FM-Synthese</a:t>
+            </a:r>
+            <a:endParaRPr lang="de-DE"/>
+          </a:p>
+        </p:txBody>
+      </p:sp>
+      <p:sp>
+        <p:nvSpPr>
+          <p:cNvPr id="6" name="Foliennummernplatzhalter 5"/>
+          <p:cNvSpPr>
+            <a:spLocks noGrp="1"/>
+          </p:cNvSpPr>
+          <p:nvPr>
+            <p:ph type="sldNum" sz="quarter" idx="12"/>
+          </p:nvPr>
+        </p:nvSpPr>
+        <p:spPr/>
+        <p:txBody>
+          <a:bodyPr/>
+          <a:lstStyle/>
+          <a:p>
+            <a:fld id="{6C6AE60A-B69C-4790-82F7-3882EDF23186}" type="slidenum">
+              <a:rPr lang="de-DE" smtClean="0"/>
+              <a:pPr/>
+              <a:t>16</a:t>
+            </a:fld>
+            <a:endParaRPr lang="de-DE" dirty="0"/>
+          </a:p>
+        </p:txBody>
+      </p:sp>
+      <p:pic>
+        <p:nvPicPr>
+          <p:cNvPr id="20484" name="Picture 4" descr="http://www.electricdruid.net/images/interface/larger/YamahaDX7.jpg"/>
+          <p:cNvPicPr>
+            <a:picLocks noChangeAspect="1" noChangeArrowheads="1"/>
+          </p:cNvPicPr>
+          <p:nvPr/>
+        </p:nvPicPr>
+        <p:blipFill>
+          <a:blip r:embed="rId2" cstate="print"/>
+          <a:srcRect/>
+          <a:stretch>
+            <a:fillRect/>
+          </a:stretch>
+        </p:blipFill>
+        <p:spPr bwMode="auto">
+          <a:xfrm>
+            <a:off x="755576" y="1419622"/>
+            <a:ext cx="7704856" cy="2614645"/>
+          </a:xfrm>
+          <a:prstGeom prst="rect">
+            <a:avLst/>
+          </a:prstGeom>
+          <a:noFill/>
+        </p:spPr>
+      </p:pic>
+      <p:sp>
+        <p:nvSpPr>
+          <p:cNvPr id="9" name="Titel 1"/>
+          <p:cNvSpPr>
+            <a:spLocks noGrp="1"/>
+          </p:cNvSpPr>
+          <p:nvPr>
+            <p:ph type="title"/>
+          </p:nvPr>
+        </p:nvSpPr>
+        <p:spPr>
+          <a:xfrm>
+            <a:off x="457200" y="205979"/>
+            <a:ext cx="8229600" cy="857250"/>
+          </a:xfrm>
+        </p:spPr>
+        <p:txBody>
+          <a:bodyPr>
+            <a:normAutofit/>
+          </a:bodyPr>
+          <a:lstStyle/>
+          <a:p>
+            <a:r>
+              <a:rPr lang="de-DE" sz="2800" dirty="0" smtClean="0">
+                <a:latin typeface="Lato" pitchFamily="34" charset="0"/>
+              </a:rPr>
+              <a:t>Yamaha DX7</a:t>
+            </a:r>
+            <a:endParaRPr lang="de-DE" sz="2800" dirty="0">
+              <a:latin typeface="Lato" pitchFamily="34" charset="0"/>
+            </a:endParaRPr>
+          </a:p>
+        </p:txBody>
+      </p:sp>
+    </p:spTree>
+  </p:cSld>
+  <p:clrMapOvr>
+    <a:masterClrMapping/>
+  </p:clrMapOvr>
+  <p:timing>
+    <p:tnLst>
+      <p:par>
+        <p:cTn id="1" dur="indefinite" restart="never" nodeType="tmRoot"/>
+      </p:par>
+    </p:tnLst>
+  </p:timing>
+</p:sld>
+</file>
+
+<file path=ppt/slides/slide17.xml><?xml version="1.0" encoding="utf-8"?>
+<p:sld xmlns:a="http://schemas.openxmlformats.org/drawingml/2006/main" xmlns:r="http://schemas.openxmlformats.org/officeDocument/2006/relationships" xmlns:p="http://schemas.openxmlformats.org/presentationml/2006/main">
+  <p:cSld>
+    <p:spTree>
+      <p:nvGrpSpPr>
+        <p:cNvPr id="1" name=""/>
+        <p:cNvGrpSpPr/>
+        <p:nvPr/>
+      </p:nvGrpSpPr>
+      <p:grpSpPr>
+        <a:xfrm>
+          <a:off x="0" y="0"/>
+          <a:ext cx="0" cy="0"/>
+          <a:chOff x="0" y="0"/>
+          <a:chExt cx="0" cy="0"/>
+        </a:xfrm>
+      </p:grpSpPr>
+      <p:sp>
+        <p:nvSpPr>
+          <p:cNvPr id="4" name="Datumsplatzhalter 3"/>
+          <p:cNvSpPr>
+            <a:spLocks noGrp="1"/>
+          </p:cNvSpPr>
+          <p:nvPr>
+            <p:ph type="dt" sz="half" idx="10"/>
+          </p:nvPr>
+        </p:nvSpPr>
+        <p:spPr/>
+        <p:txBody>
+          <a:bodyPr/>
+          <a:lstStyle/>
+          <a:p>
+            <a:fld id="{1C72BD4E-61B2-40A3-A75C-5FDEDE8E5EC5}" type="datetime1">
+              <a:rPr lang="de-DE" smtClean="0"/>
+              <a:pPr/>
+              <a:t>15.06.2015</a:t>
+            </a:fld>
+            <a:endParaRPr lang="de-DE"/>
+          </a:p>
+        </p:txBody>
+      </p:sp>
+      <p:sp>
+        <p:nvSpPr>
+          <p:cNvPr id="5" name="Fußzeilenplatzhalter 4"/>
+          <p:cNvSpPr>
+            <a:spLocks noGrp="1"/>
+          </p:cNvSpPr>
+          <p:nvPr>
+            <p:ph type="ftr" sz="quarter" idx="11"/>
+          </p:nvPr>
+        </p:nvSpPr>
+        <p:spPr/>
+        <p:txBody>
+          <a:bodyPr/>
+          <a:lstStyle/>
+          <a:p>
+            <a:r>
+              <a:rPr lang="de-DE" smtClean="0"/>
+              <a:t>FM-Synthese</a:t>
+            </a:r>
+            <a:endParaRPr lang="de-DE"/>
+          </a:p>
+        </p:txBody>
+      </p:sp>
+      <p:sp>
+        <p:nvSpPr>
+          <p:cNvPr id="6" name="Foliennummernplatzhalter 5"/>
+          <p:cNvSpPr>
+            <a:spLocks noGrp="1"/>
+          </p:cNvSpPr>
+          <p:nvPr>
+            <p:ph type="sldNum" sz="quarter" idx="12"/>
+          </p:nvPr>
+        </p:nvSpPr>
+        <p:spPr/>
+        <p:txBody>
+          <a:bodyPr/>
+          <a:lstStyle/>
+          <a:p>
+            <a:fld id="{6C6AE60A-B69C-4790-82F7-3882EDF23186}" type="slidenum">
+              <a:rPr lang="de-DE" smtClean="0"/>
+              <a:pPr/>
+              <a:t>17</a:t>
+            </a:fld>
+            <a:endParaRPr lang="de-DE" dirty="0"/>
+          </a:p>
+        </p:txBody>
+      </p:sp>
+      <p:sp>
+        <p:nvSpPr>
+          <p:cNvPr id="7" name="Inhaltsplatzhalter 2"/>
+          <p:cNvSpPr>
+            <a:spLocks noGrp="1"/>
+          </p:cNvSpPr>
+          <p:nvPr>
+            <p:ph idx="1"/>
+          </p:nvPr>
+        </p:nvSpPr>
+        <p:spPr>
+          <a:xfrm>
+            <a:off x="467544" y="1347614"/>
+            <a:ext cx="8229600" cy="2838946"/>
+          </a:xfrm>
+        </p:spPr>
+        <p:txBody>
+          <a:bodyPr>
+            <a:normAutofit/>
+          </a:bodyPr>
+          <a:lstStyle/>
+          <a:p>
+            <a:r>
+              <a:rPr lang="de-DE" sz="2000" dirty="0" smtClean="0">
+                <a:latin typeface="Lato" pitchFamily="34" charset="0"/>
+              </a:rPr>
+              <a:t>1983 – 1989 : Über 20 weitere digitale Synthesizer von Yamaha</a:t>
+            </a:r>
+          </a:p>
+          <a:p>
+            <a:r>
+              <a:rPr lang="de-DE" sz="2000" dirty="0" smtClean="0">
+                <a:latin typeface="Lato" pitchFamily="34" charset="0"/>
+              </a:rPr>
+              <a:t>1990: SY77 – Kombination aus FM-Synthese und Sampling</a:t>
+            </a:r>
+          </a:p>
+          <a:p>
+            <a:r>
+              <a:rPr lang="de-DE" sz="2000" dirty="0" smtClean="0">
+                <a:latin typeface="Lato" pitchFamily="34" charset="0"/>
+              </a:rPr>
+              <a:t>Ab Mitte der 90er: Leistungsfähige personal Computer</a:t>
+            </a:r>
+          </a:p>
+          <a:p>
+            <a:r>
+              <a:rPr lang="de-DE" sz="2000" dirty="0" smtClean="0">
+                <a:latin typeface="Lato" pitchFamily="34" charset="0"/>
+              </a:rPr>
+              <a:t>Softwaresynthesizer mit Midi-Keyboards</a:t>
+            </a:r>
+          </a:p>
+          <a:p>
+            <a:r>
+              <a:rPr lang="de-DE" sz="2000" dirty="0" smtClean="0">
+                <a:latin typeface="Lato" pitchFamily="34" charset="0"/>
+              </a:rPr>
+              <a:t>Native Instruments FM8: Nachbildung des DX7</a:t>
+            </a:r>
+          </a:p>
+          <a:p>
+            <a:pPr>
+              <a:buNone/>
+            </a:pPr>
+            <a:endParaRPr lang="de-DE" sz="2000" dirty="0" smtClean="0">
+              <a:latin typeface="Lato" pitchFamily="34" charset="0"/>
+            </a:endParaRPr>
+          </a:p>
+          <a:p>
+            <a:endParaRPr lang="de-DE" sz="2000" dirty="0" smtClean="0">
+              <a:latin typeface="Lato" pitchFamily="34" charset="0"/>
+            </a:endParaRPr>
+          </a:p>
+        </p:txBody>
+      </p:sp>
+      <p:sp>
+        <p:nvSpPr>
+          <p:cNvPr id="8" name="Titel 1"/>
+          <p:cNvSpPr>
+            <a:spLocks noGrp="1"/>
+          </p:cNvSpPr>
+          <p:nvPr>
+            <p:ph type="title"/>
+          </p:nvPr>
+        </p:nvSpPr>
+        <p:spPr>
+          <a:xfrm>
+            <a:off x="457200" y="205979"/>
+            <a:ext cx="8229600" cy="857250"/>
+          </a:xfrm>
+        </p:spPr>
+        <p:txBody>
+          <a:bodyPr>
+            <a:normAutofit/>
+          </a:bodyPr>
+          <a:lstStyle/>
+          <a:p>
+            <a:r>
+              <a:rPr lang="de-DE" sz="2800" dirty="0" smtClean="0">
+                <a:latin typeface="Lato" pitchFamily="34" charset="0"/>
+              </a:rPr>
+              <a:t>Geschichte der FM-Synthese</a:t>
+            </a:r>
+            <a:endParaRPr lang="de-DE" sz="2800" dirty="0">
+              <a:latin typeface="Lato" pitchFamily="34" charset="0"/>
+            </a:endParaRPr>
+          </a:p>
+        </p:txBody>
+      </p:sp>
+    </p:spTree>
+  </p:cSld>
+  <p:clrMapOvr>
+    <a:masterClrMapping/>
+  </p:clrMapOvr>
+  <p:timing>
+    <p:tnLst>
+      <p:par>
+        <p:cTn id="1" dur="indefinite" restart="never" nodeType="tmRoot"/>
+      </p:par>
+    </p:tnLst>
+  </p:timing>
+</p:sld>
+</file>
+
+<file path=ppt/slides/slide18.xml><?xml version="1.0" encoding="utf-8"?>
+<p:sld xmlns:a="http://schemas.openxmlformats.org/drawingml/2006/main" xmlns:r="http://schemas.openxmlformats.org/officeDocument/2006/relationships" xmlns:p="http://schemas.openxmlformats.org/presentationml/2006/main">
+  <p:cSld>
+    <p:spTree>
+      <p:nvGrpSpPr>
+        <p:cNvPr id="1" name=""/>
+        <p:cNvGrpSpPr/>
+        <p:nvPr/>
+      </p:nvGrpSpPr>
+      <p:grpSpPr>
+        <a:xfrm>
+          <a:off x="0" y="0"/>
+          <a:ext cx="0" cy="0"/>
+          <a:chOff x="0" y="0"/>
+          <a:chExt cx="0" cy="0"/>
+        </a:xfrm>
+      </p:grpSpPr>
+      <p:sp>
+        <p:nvSpPr>
+          <p:cNvPr id="4" name="Datumsplatzhalter 3"/>
+          <p:cNvSpPr>
+            <a:spLocks noGrp="1"/>
+          </p:cNvSpPr>
+          <p:nvPr>
+            <p:ph type="dt" sz="half" idx="10"/>
+          </p:nvPr>
+        </p:nvSpPr>
+        <p:spPr/>
+        <p:txBody>
+          <a:bodyPr/>
+          <a:lstStyle/>
+          <a:p>
+            <a:fld id="{1C72BD4E-61B2-40A3-A75C-5FDEDE8E5EC5}" type="datetime1">
+              <a:rPr lang="de-DE" smtClean="0"/>
+              <a:pPr/>
+              <a:t>15.06.2015</a:t>
+            </a:fld>
+            <a:endParaRPr lang="de-DE"/>
+          </a:p>
+        </p:txBody>
+      </p:sp>
+      <p:sp>
+        <p:nvSpPr>
+          <p:cNvPr id="5" name="Fußzeilenplatzhalter 4"/>
+          <p:cNvSpPr>
+            <a:spLocks noGrp="1"/>
+          </p:cNvSpPr>
+          <p:nvPr>
+            <p:ph type="ftr" sz="quarter" idx="11"/>
+          </p:nvPr>
+        </p:nvSpPr>
+        <p:spPr/>
+        <p:txBody>
+          <a:bodyPr/>
+          <a:lstStyle/>
+          <a:p>
+            <a:r>
+              <a:rPr lang="de-DE" smtClean="0"/>
+              <a:t>FM-Synthese</a:t>
+            </a:r>
+            <a:endParaRPr lang="de-DE"/>
+          </a:p>
+        </p:txBody>
+      </p:sp>
+      <p:sp>
+        <p:nvSpPr>
+          <p:cNvPr id="6" name="Foliennummernplatzhalter 5"/>
+          <p:cNvSpPr>
+            <a:spLocks noGrp="1"/>
+          </p:cNvSpPr>
+          <p:nvPr>
+            <p:ph type="sldNum" sz="quarter" idx="12"/>
+          </p:nvPr>
+        </p:nvSpPr>
+        <p:spPr/>
+        <p:txBody>
+          <a:bodyPr/>
+          <a:lstStyle/>
+          <a:p>
+            <a:fld id="{6C6AE60A-B69C-4790-82F7-3882EDF23186}" type="slidenum">
+              <a:rPr lang="de-DE" smtClean="0"/>
+              <a:pPr/>
+              <a:t>18</a:t>
+            </a:fld>
+            <a:endParaRPr lang="de-DE" dirty="0"/>
+          </a:p>
+        </p:txBody>
+      </p:sp>
+      <p:sp>
+        <p:nvSpPr>
+          <p:cNvPr id="7" name="Titel 1"/>
+          <p:cNvSpPr>
+            <a:spLocks noGrp="1"/>
+          </p:cNvSpPr>
+          <p:nvPr>
+            <p:ph type="title"/>
+          </p:nvPr>
+        </p:nvSpPr>
+        <p:spPr>
+          <a:xfrm>
+            <a:off x="457200" y="205979"/>
+            <a:ext cx="8229600" cy="857250"/>
+          </a:xfrm>
+        </p:spPr>
+        <p:txBody>
+          <a:bodyPr>
+            <a:normAutofit/>
+          </a:bodyPr>
+          <a:lstStyle/>
+          <a:p>
+            <a:r>
+              <a:rPr lang="de-DE" sz="3600" dirty="0" smtClean="0">
+                <a:latin typeface="Lato" pitchFamily="34" charset="0"/>
+              </a:rPr>
+              <a:t>Einfache FM-Synthese</a:t>
+            </a:r>
+            <a:endParaRPr lang="de-DE" sz="3600" dirty="0">
+              <a:latin typeface="Lato" pitchFamily="34" charset="0"/>
+            </a:endParaRPr>
+          </a:p>
+        </p:txBody>
+      </p:sp>
+      <p:sp>
+        <p:nvSpPr>
+          <p:cNvPr id="9" name="Inhaltsplatzhalter 2"/>
+          <p:cNvSpPr>
+            <a:spLocks noGrp="1"/>
+          </p:cNvSpPr>
+          <p:nvPr>
+            <p:ph idx="1"/>
+          </p:nvPr>
+        </p:nvSpPr>
+        <p:spPr>
+          <a:xfrm>
+            <a:off x="457200" y="1200151"/>
+            <a:ext cx="8229600" cy="3394472"/>
+          </a:xfrm>
+        </p:spPr>
+        <p:txBody>
+          <a:bodyPr/>
+          <a:lstStyle/>
+          <a:p>
+            <a:pPr>
+              <a:buNone/>
+            </a:pPr>
+            <a:r>
+              <a:rPr lang="de-DE" sz="2800" dirty="0" smtClean="0">
+                <a:latin typeface="Lato" pitchFamily="34" charset="0"/>
+              </a:rPr>
+              <a:t>Grundlagen: Sinus und Kosinus</a:t>
+            </a:r>
+            <a:endParaRPr lang="de-DE" sz="2800" dirty="0" smtClean="0">
+              <a:latin typeface="Lato" pitchFamily="34" charset="0"/>
+            </a:endParaRPr>
+          </a:p>
+          <a:p>
+            <a:endParaRPr lang="de-DE" sz="2000" dirty="0" smtClean="0">
+              <a:latin typeface="Lato" pitchFamily="34" charset="0"/>
+            </a:endParaRPr>
+          </a:p>
+          <a:p>
+            <a:r>
+              <a:rPr lang="de-DE" sz="2000" dirty="0" smtClean="0">
+                <a:latin typeface="Lato" pitchFamily="34" charset="0"/>
+              </a:rPr>
+              <a:t>Trigonometrische Funktionen (Winkelfunktionen)</a:t>
+            </a:r>
+          </a:p>
+          <a:p>
+            <a:r>
+              <a:rPr lang="de-DE" sz="2000" dirty="0" smtClean="0">
+                <a:latin typeface="Lato" pitchFamily="34" charset="0"/>
+              </a:rPr>
+              <a:t>Periodische Funktion: </a:t>
+            </a:r>
+          </a:p>
+          <a:p>
+            <a:r>
+              <a:rPr lang="de-DE" sz="2000" dirty="0" smtClean="0">
+                <a:latin typeface="Lato" pitchFamily="34" charset="0"/>
+              </a:rPr>
+              <a:t>Einfache Verdeutlichung am Einheitskreis</a:t>
+            </a:r>
+            <a:endParaRPr lang="de-DE" sz="2000" dirty="0" smtClean="0">
+              <a:latin typeface="Lato" pitchFamily="34" charset="0"/>
+            </a:endParaRPr>
+          </a:p>
+          <a:p>
+            <a:endParaRPr lang="de-DE" sz="2000" dirty="0" smtClean="0">
+              <a:latin typeface="Lato" pitchFamily="34" charset="0"/>
+            </a:endParaRPr>
+          </a:p>
+        </p:txBody>
+      </p:sp>
+      <p:graphicFrame>
+        <p:nvGraphicFramePr>
+          <p:cNvPr id="10" name="Objekt 9"/>
+          <p:cNvGraphicFramePr>
+            <a:graphicFrameLocks noChangeAspect="1"/>
+          </p:cNvGraphicFramePr>
+          <p:nvPr/>
+        </p:nvGraphicFramePr>
+        <p:xfrm>
+          <a:off x="3484563" y="2552700"/>
+          <a:ext cx="1016000" cy="203200"/>
+        </p:xfrm>
+        <a:graphic>
+          <a:graphicData uri="http://schemas.openxmlformats.org/presentationml/2006/ole">
+            <p:oleObj spid="_x0000_s30722" name="Formel" r:id="rId3" imgW="1015920" imgH="203040" progId="Equation.3">
+              <p:embed/>
+            </p:oleObj>
+          </a:graphicData>
+        </a:graphic>
+      </p:graphicFrame>
+    </p:spTree>
+  </p:cSld>
+  <p:clrMapOvr>
+    <a:masterClrMapping/>
+  </p:clrMapOvr>
+  <p:timing>
+    <p:tnLst>
+      <p:par>
+        <p:cTn id="1" dur="indefinite" restart="never" nodeType="tmRoot"/>
+      </p:par>
+    </p:tnLst>
+  </p:timing>
+</p:sld>
+</file>
+
+<file path=ppt/slides/slide19.xml><?xml version="1.0" encoding="utf-8"?>
+<p:sld xmlns:a="http://schemas.openxmlformats.org/drawingml/2006/main" xmlns:r="http://schemas.openxmlformats.org/officeDocument/2006/relationships" xmlns:p="http://schemas.openxmlformats.org/presentationml/2006/main">
+  <p:cSld>
+    <p:spTree>
+      <p:nvGrpSpPr>
+        <p:cNvPr id="1" name=""/>
+        <p:cNvGrpSpPr/>
+        <p:nvPr/>
+      </p:nvGrpSpPr>
+      <p:grpSpPr>
+        <a:xfrm>
+          <a:off x="0" y="0"/>
+          <a:ext cx="0" cy="0"/>
+          <a:chOff x="0" y="0"/>
+          <a:chExt cx="0" cy="0"/>
+        </a:xfrm>
+      </p:grpSpPr>
+      <p:sp>
+        <p:nvSpPr>
+          <p:cNvPr id="4" name="Datumsplatzhalter 3"/>
+          <p:cNvSpPr>
+            <a:spLocks noGrp="1"/>
+          </p:cNvSpPr>
+          <p:nvPr>
+            <p:ph type="dt" sz="half" idx="10"/>
+          </p:nvPr>
+        </p:nvSpPr>
+        <p:spPr/>
+        <p:txBody>
+          <a:bodyPr/>
+          <a:lstStyle/>
+          <a:p>
+            <a:fld id="{1C72BD4E-61B2-40A3-A75C-5FDEDE8E5EC5}" type="datetime1">
+              <a:rPr lang="de-DE" smtClean="0"/>
+              <a:pPr/>
+              <a:t>15.06.2015</a:t>
+            </a:fld>
+            <a:endParaRPr lang="de-DE"/>
+          </a:p>
+        </p:txBody>
+      </p:sp>
+      <p:sp>
+        <p:nvSpPr>
+          <p:cNvPr id="5" name="Fußzeilenplatzhalter 4"/>
+          <p:cNvSpPr>
+            <a:spLocks noGrp="1"/>
+          </p:cNvSpPr>
+          <p:nvPr>
+            <p:ph type="ftr" sz="quarter" idx="11"/>
+          </p:nvPr>
+        </p:nvSpPr>
+        <p:spPr/>
+        <p:txBody>
+          <a:bodyPr/>
+          <a:lstStyle/>
+          <a:p>
+            <a:r>
+              <a:rPr lang="de-DE" smtClean="0"/>
+              <a:t>FM-Synthese</a:t>
+            </a:r>
+            <a:endParaRPr lang="de-DE"/>
+          </a:p>
+        </p:txBody>
+      </p:sp>
+      <p:sp>
+        <p:nvSpPr>
+          <p:cNvPr id="6" name="Foliennummernplatzhalter 5"/>
+          <p:cNvSpPr>
+            <a:spLocks noGrp="1"/>
+          </p:cNvSpPr>
+          <p:nvPr>
+            <p:ph type="sldNum" sz="quarter" idx="12"/>
+          </p:nvPr>
+        </p:nvSpPr>
+        <p:spPr/>
+        <p:txBody>
+          <a:bodyPr/>
+          <a:lstStyle/>
+          <a:p>
+            <a:fld id="{6C6AE60A-B69C-4790-82F7-3882EDF23186}" type="slidenum">
+              <a:rPr lang="de-DE" smtClean="0"/>
+              <a:pPr/>
+              <a:t>19</a:t>
+            </a:fld>
+            <a:endParaRPr lang="de-DE" dirty="0"/>
+          </a:p>
+        </p:txBody>
+      </p:sp>
+      <p:pic>
+        <p:nvPicPr>
+          <p:cNvPr id="31746" name="Picture 2" descr="D:\Julius\Documents\GitHub\VSeminar\Dok\Kapitel\img\Unit_Circle.PNG"/>
+          <p:cNvPicPr>
+            <a:picLocks noChangeAspect="1" noChangeArrowheads="1"/>
+          </p:cNvPicPr>
+          <p:nvPr/>
+        </p:nvPicPr>
+        <p:blipFill>
+          <a:blip r:embed="rId3" cstate="print"/>
+          <a:srcRect/>
+          <a:stretch>
+            <a:fillRect/>
+          </a:stretch>
+        </p:blipFill>
+        <p:spPr bwMode="auto">
+          <a:xfrm>
+            <a:off x="4572000" y="339502"/>
+            <a:ext cx="4256587" cy="4176464"/>
+          </a:xfrm>
+          <a:prstGeom prst="rect">
+            <a:avLst/>
+          </a:prstGeom>
+          <a:noFill/>
+        </p:spPr>
+      </p:pic>
+      <p:sp>
+        <p:nvSpPr>
+          <p:cNvPr id="8" name="Rechteck 7"/>
+          <p:cNvSpPr/>
+          <p:nvPr/>
+        </p:nvSpPr>
+        <p:spPr>
+          <a:xfrm>
+            <a:off x="611560" y="195486"/>
+            <a:ext cx="5016053" cy="523220"/>
+          </a:xfrm>
+          <a:prstGeom prst="rect">
+            <a:avLst/>
+          </a:prstGeom>
+        </p:spPr>
+        <p:txBody>
+          <a:bodyPr wrap="none">
+            <a:spAutoFit/>
+          </a:bodyPr>
+          <a:lstStyle/>
+          <a:p>
+            <a:pPr>
+              <a:buNone/>
+            </a:pPr>
+            <a:r>
+              <a:rPr lang="de-DE" sz="2800" dirty="0" smtClean="0">
+                <a:latin typeface="Lato" pitchFamily="34" charset="0"/>
+              </a:rPr>
+              <a:t>Grundlagen: Sinus und Kosinus</a:t>
+            </a:r>
+          </a:p>
+        </p:txBody>
+      </p:sp>
+      <p:sp>
+        <p:nvSpPr>
+          <p:cNvPr id="9" name="Inhaltsplatzhalter 2"/>
+          <p:cNvSpPr>
+            <a:spLocks noGrp="1"/>
+          </p:cNvSpPr>
+          <p:nvPr>
+            <p:ph idx="1"/>
+          </p:nvPr>
+        </p:nvSpPr>
+        <p:spPr>
+          <a:xfrm>
+            <a:off x="457200" y="1200151"/>
+            <a:ext cx="8229600" cy="3394472"/>
+          </a:xfrm>
+        </p:spPr>
+        <p:txBody>
+          <a:bodyPr/>
+          <a:lstStyle/>
+          <a:p>
+            <a:r>
+              <a:rPr lang="de-DE" sz="2000" dirty="0" smtClean="0">
+                <a:latin typeface="Lato" pitchFamily="34" charset="0"/>
+              </a:rPr>
+              <a:t>Sinus:</a:t>
+            </a:r>
+          </a:p>
+          <a:p>
+            <a:endParaRPr lang="de-DE" sz="2000" dirty="0" smtClean="0">
+              <a:latin typeface="Lato" pitchFamily="34" charset="0"/>
+            </a:endParaRPr>
+          </a:p>
+          <a:p>
+            <a:endParaRPr lang="de-DE" sz="2000" dirty="0" smtClean="0">
+              <a:latin typeface="Lato" pitchFamily="34" charset="0"/>
+            </a:endParaRPr>
+          </a:p>
+          <a:p>
+            <a:r>
+              <a:rPr lang="de-DE" sz="2000" dirty="0" smtClean="0">
+                <a:latin typeface="Lato" pitchFamily="34" charset="0"/>
+              </a:rPr>
+              <a:t>Kosinus: </a:t>
+            </a:r>
+          </a:p>
+          <a:p>
+            <a:pPr>
+              <a:buNone/>
+            </a:pPr>
+            <a:r>
+              <a:rPr lang="de-DE" sz="2000" dirty="0" smtClean="0">
+                <a:latin typeface="Lato" pitchFamily="34" charset="0"/>
+              </a:rPr>
+              <a:t>	</a:t>
+            </a:r>
+          </a:p>
+        </p:txBody>
+      </p:sp>
+      <p:graphicFrame>
+        <p:nvGraphicFramePr>
+          <p:cNvPr id="11" name="Objekt 10"/>
+          <p:cNvGraphicFramePr>
+            <a:graphicFrameLocks noChangeAspect="1"/>
+          </p:cNvGraphicFramePr>
+          <p:nvPr/>
+        </p:nvGraphicFramePr>
+        <p:xfrm>
+          <a:off x="2652713" y="1341438"/>
+          <a:ext cx="114300" cy="215900"/>
+        </p:xfrm>
+        <a:graphic>
+          <a:graphicData uri="http://schemas.openxmlformats.org/presentationml/2006/ole">
+            <p:oleObj spid="_x0000_s31748" name="Formel" r:id="rId4" imgW="114120" imgH="215640" progId="Equation.3">
+              <p:embed/>
+            </p:oleObj>
+          </a:graphicData>
+        </a:graphic>
+      </p:graphicFrame>
+      <p:graphicFrame>
+        <p:nvGraphicFramePr>
+          <p:cNvPr id="13" name="Objekt 12"/>
+          <p:cNvGraphicFramePr>
+            <a:graphicFrameLocks noChangeAspect="1"/>
+          </p:cNvGraphicFramePr>
+          <p:nvPr/>
+        </p:nvGraphicFramePr>
+        <p:xfrm>
+          <a:off x="971600" y="1707654"/>
+          <a:ext cx="2781300" cy="419100"/>
+        </p:xfrm>
+        <a:graphic>
+          <a:graphicData uri="http://schemas.openxmlformats.org/presentationml/2006/ole">
+            <p:oleObj spid="_x0000_s31750" name="Formel" r:id="rId5" imgW="2781000" imgH="419040" progId="Equation.3">
+              <p:embed/>
+            </p:oleObj>
+          </a:graphicData>
+        </a:graphic>
+      </p:graphicFrame>
+      <p:graphicFrame>
+        <p:nvGraphicFramePr>
+          <p:cNvPr id="31751" name="Object 7"/>
+          <p:cNvGraphicFramePr>
+            <a:graphicFrameLocks noChangeAspect="1"/>
+          </p:cNvGraphicFramePr>
+          <p:nvPr/>
+        </p:nvGraphicFramePr>
+        <p:xfrm>
+          <a:off x="977156" y="2932113"/>
+          <a:ext cx="2298700" cy="419100"/>
+        </p:xfrm>
+        <a:graphic>
+          <a:graphicData uri="http://schemas.openxmlformats.org/presentationml/2006/ole">
+            <p:oleObj spid="_x0000_s31751" name="Formel" r:id="rId6" imgW="2298600" imgH="419040" progId="Equation.3">
+              <p:embed/>
+            </p:oleObj>
+          </a:graphicData>
+        </a:graphic>
+      </p:graphicFrame>
+    </p:spTree>
+  </p:cSld>
+  <p:clrMapOvr>
+    <a:masterClrMapping/>
+  </p:clrMapOvr>
+  <p:timing>
+    <p:tnLst>
+      <p:par>
+        <p:cTn id="1" dur="indefinite" restart="never" nodeType="tmRoot"/>
+      </p:par>
+    </p:tnLst>
+  </p:timing>
 </p:sld>
 </file>
 
@@ -4218,7 +6183,7 @@
             <a:fld id="{35C1FD4D-52EB-42CB-85F2-3F104058EAED}" type="datetime1">
               <a:rPr lang="de-DE" smtClean="0"/>
               <a:pPr/>
-              <a:t>13.06.2015</a:t>
+              <a:t>15.06.2015</a:t>
             </a:fld>
             <a:endParaRPr lang="de-DE"/>
           </a:p>
@@ -4298,34 +6263,16 @@
               <a:rPr lang="de-DE" sz="1400" dirty="0" smtClean="0">
                 <a:latin typeface="Lato" pitchFamily="34" charset="0"/>
               </a:rPr>
-              <a:t>1. 	</a:t>
-            </a:r>
+              <a:t>1. 	Einführung</a:t>
+            </a:r>
+          </a:p>
+          <a:p>
+            <a:pPr marL="342900" indent="-342900"/>
             <a:r>
               <a:rPr lang="de-DE" sz="1400" dirty="0" smtClean="0">
                 <a:latin typeface="Lato" pitchFamily="34" charset="0"/>
               </a:rPr>
-              <a:t>Einführung</a:t>
-            </a:r>
-          </a:p>
-          <a:p>
-            <a:pPr marL="342900" indent="-342900"/>
-            <a:r>
-              <a:rPr lang="de-DE" sz="1400" dirty="0" smtClean="0">
-                <a:latin typeface="Lato" pitchFamily="34" charset="0"/>
-              </a:rPr>
-              <a:t>	</a:t>
-            </a:r>
-            <a:r>
-              <a:rPr lang="de-DE" sz="1400" dirty="0" smtClean="0">
-                <a:latin typeface="Lato" pitchFamily="34" charset="0"/>
-              </a:rPr>
-              <a:t>- </a:t>
-            </a:r>
-            <a:r>
-              <a:rPr lang="de-DE" sz="1400" dirty="0" smtClean="0">
-                <a:latin typeface="Lato" pitchFamily="34" charset="0"/>
-              </a:rPr>
-              <a:t>Prinzip</a:t>
+              <a:t>	- Prinzip</a:t>
             </a:r>
           </a:p>
           <a:p>
@@ -4495,6 +6442,1531 @@
       </p:par>
     </p:tnLst>
   </p:timing>
+</p:sld>
+</file>
+
+<file path=ppt/slides/slide20.xml><?xml version="1.0" encoding="utf-8"?>
+<p:sld xmlns:a="http://schemas.openxmlformats.org/drawingml/2006/main" xmlns:r="http://schemas.openxmlformats.org/officeDocument/2006/relationships" xmlns:p="http://schemas.openxmlformats.org/presentationml/2006/main">
+  <p:cSld>
+    <p:spTree>
+      <p:nvGrpSpPr>
+        <p:cNvPr id="1" name=""/>
+        <p:cNvGrpSpPr/>
+        <p:nvPr/>
+      </p:nvGrpSpPr>
+      <p:grpSpPr>
+        <a:xfrm>
+          <a:off x="0" y="0"/>
+          <a:ext cx="0" cy="0"/>
+          <a:chOff x="0" y="0"/>
+          <a:chExt cx="0" cy="0"/>
+        </a:xfrm>
+      </p:grpSpPr>
+      <p:sp>
+        <p:nvSpPr>
+          <p:cNvPr id="4" name="Datumsplatzhalter 3"/>
+          <p:cNvSpPr>
+            <a:spLocks noGrp="1"/>
+          </p:cNvSpPr>
+          <p:nvPr>
+            <p:ph type="dt" sz="half" idx="10"/>
+          </p:nvPr>
+        </p:nvSpPr>
+        <p:spPr/>
+        <p:txBody>
+          <a:bodyPr/>
+          <a:lstStyle/>
+          <a:p>
+            <a:fld id="{1C72BD4E-61B2-40A3-A75C-5FDEDE8E5EC5}" type="datetime1">
+              <a:rPr lang="de-DE" smtClean="0"/>
+              <a:pPr/>
+              <a:t>15.06.2015</a:t>
+            </a:fld>
+            <a:endParaRPr lang="de-DE"/>
+          </a:p>
+        </p:txBody>
+      </p:sp>
+      <p:sp>
+        <p:nvSpPr>
+          <p:cNvPr id="5" name="Fußzeilenplatzhalter 4"/>
+          <p:cNvSpPr>
+            <a:spLocks noGrp="1"/>
+          </p:cNvSpPr>
+          <p:nvPr>
+            <p:ph type="ftr" sz="quarter" idx="11"/>
+          </p:nvPr>
+        </p:nvSpPr>
+        <p:spPr/>
+        <p:txBody>
+          <a:bodyPr/>
+          <a:lstStyle/>
+          <a:p>
+            <a:r>
+              <a:rPr lang="de-DE" dirty="0" smtClean="0"/>
+              <a:t>FM-Synthese</a:t>
+            </a:r>
+            <a:endParaRPr lang="de-DE" dirty="0"/>
+          </a:p>
+        </p:txBody>
+      </p:sp>
+      <p:sp>
+        <p:nvSpPr>
+          <p:cNvPr id="6" name="Foliennummernplatzhalter 5"/>
+          <p:cNvSpPr>
+            <a:spLocks noGrp="1"/>
+          </p:cNvSpPr>
+          <p:nvPr>
+            <p:ph type="sldNum" sz="quarter" idx="12"/>
+          </p:nvPr>
+        </p:nvSpPr>
+        <p:spPr/>
+        <p:txBody>
+          <a:bodyPr/>
+          <a:lstStyle/>
+          <a:p>
+            <a:fld id="{6C6AE60A-B69C-4790-82F7-3882EDF23186}" type="slidenum">
+              <a:rPr lang="de-DE" smtClean="0"/>
+              <a:pPr/>
+              <a:t>20</a:t>
+            </a:fld>
+            <a:endParaRPr lang="de-DE" dirty="0"/>
+          </a:p>
+        </p:txBody>
+      </p:sp>
+      <p:pic>
+        <p:nvPicPr>
+          <p:cNvPr id="31746" name="Picture 2" descr="D:\Julius\Documents\GitHub\VSeminar\Dok\Kapitel\img\Unit_Circle.PNG"/>
+          <p:cNvPicPr>
+            <a:picLocks noChangeAspect="1" noChangeArrowheads="1"/>
+          </p:cNvPicPr>
+          <p:nvPr/>
+        </p:nvPicPr>
+        <p:blipFill>
+          <a:blip r:embed="rId3" cstate="print"/>
+          <a:srcRect/>
+          <a:stretch>
+            <a:fillRect/>
+          </a:stretch>
+        </p:blipFill>
+        <p:spPr bwMode="auto">
+          <a:xfrm>
+            <a:off x="4572000" y="339502"/>
+            <a:ext cx="4256587" cy="4176464"/>
+          </a:xfrm>
+          <a:prstGeom prst="rect">
+            <a:avLst/>
+          </a:prstGeom>
+          <a:noFill/>
+        </p:spPr>
+      </p:pic>
+      <p:sp>
+        <p:nvSpPr>
+          <p:cNvPr id="8" name="Rechteck 7"/>
+          <p:cNvSpPr/>
+          <p:nvPr/>
+        </p:nvSpPr>
+        <p:spPr>
+          <a:xfrm>
+            <a:off x="611560" y="195486"/>
+            <a:ext cx="5016053" cy="523220"/>
+          </a:xfrm>
+          <a:prstGeom prst="rect">
+            <a:avLst/>
+          </a:prstGeom>
+        </p:spPr>
+        <p:txBody>
+          <a:bodyPr wrap="none">
+            <a:spAutoFit/>
+          </a:bodyPr>
+          <a:lstStyle/>
+          <a:p>
+            <a:pPr>
+              <a:buNone/>
+            </a:pPr>
+            <a:r>
+              <a:rPr lang="de-DE" sz="2800" dirty="0" smtClean="0">
+                <a:latin typeface="Lato" pitchFamily="34" charset="0"/>
+              </a:rPr>
+              <a:t>Grundlagen: Sinus und Kosinus</a:t>
+            </a:r>
+          </a:p>
+        </p:txBody>
+      </p:sp>
+      <p:sp>
+        <p:nvSpPr>
+          <p:cNvPr id="9" name="Inhaltsplatzhalter 2"/>
+          <p:cNvSpPr>
+            <a:spLocks noGrp="1"/>
+          </p:cNvSpPr>
+          <p:nvPr>
+            <p:ph idx="1"/>
+          </p:nvPr>
+        </p:nvSpPr>
+        <p:spPr>
+          <a:xfrm>
+            <a:off x="457200" y="1200151"/>
+            <a:ext cx="8229600" cy="3394472"/>
+          </a:xfrm>
+        </p:spPr>
+        <p:txBody>
+          <a:bodyPr/>
+          <a:lstStyle/>
+          <a:p>
+            <a:pPr>
+              <a:buNone/>
+            </a:pPr>
+            <a:r>
+              <a:rPr lang="de-DE" sz="2000" dirty="0" smtClean="0">
+                <a:latin typeface="Lato" pitchFamily="34" charset="0"/>
+              </a:rPr>
+              <a:t>	</a:t>
+            </a:r>
+          </a:p>
+        </p:txBody>
+      </p:sp>
+      <p:graphicFrame>
+        <p:nvGraphicFramePr>
+          <p:cNvPr id="11" name="Objekt 10"/>
+          <p:cNvGraphicFramePr>
+            <a:graphicFrameLocks noChangeAspect="1"/>
+          </p:cNvGraphicFramePr>
+          <p:nvPr/>
+        </p:nvGraphicFramePr>
+        <p:xfrm>
+          <a:off x="2652713" y="1341438"/>
+          <a:ext cx="114300" cy="215900"/>
+        </p:xfrm>
+        <a:graphic>
+          <a:graphicData uri="http://schemas.openxmlformats.org/presentationml/2006/ole">
+            <p:oleObj spid="_x0000_s32770" name="Formel" r:id="rId4" imgW="114120" imgH="215640" progId="Equation.3">
+              <p:embed/>
+            </p:oleObj>
+          </a:graphicData>
+        </a:graphic>
+      </p:graphicFrame>
+      <p:sp>
+        <p:nvSpPr>
+          <p:cNvPr id="12" name="Inhaltsplatzhalter 2"/>
+          <p:cNvSpPr txBox="1">
+            <a:spLocks/>
+          </p:cNvSpPr>
+          <p:nvPr/>
+        </p:nvSpPr>
+        <p:spPr>
+          <a:xfrm>
+            <a:off x="609600" y="1352550"/>
+            <a:ext cx="8229600" cy="3595463"/>
+          </a:xfrm>
+          <a:prstGeom prst="rect">
+            <a:avLst/>
+          </a:prstGeom>
+        </p:spPr>
+        <p:txBody>
+          <a:bodyPr vert="horz" lIns="91440" tIns="45720" rIns="91440" bIns="45720" rtlCol="0">
+            <a:normAutofit/>
+          </a:bodyPr>
+          <a:lstStyle/>
+          <a:p>
+            <a:pPr marL="342900" marR="0" lvl="0" indent="-342900" algn="l" defTabSz="914400" rtl="0" eaLnBrk="1" fontAlgn="auto" latinLnBrk="0" hangingPunct="1">
+              <a:lnSpc>
+                <a:spcPct val="100000"/>
+              </a:lnSpc>
+              <a:spcBef>
+                <a:spcPct val="20000"/>
+              </a:spcBef>
+              <a:spcAft>
+                <a:spcPts val="0"/>
+              </a:spcAft>
+              <a:buClrTx/>
+              <a:buSzTx/>
+              <a:buFont typeface="Arial" pitchFamily="34" charset="0"/>
+              <a:buChar char="•"/>
+              <a:tabLst/>
+              <a:defRPr/>
+            </a:pPr>
+            <a:r>
+              <a:rPr lang="de-DE" sz="2000" noProof="0" dirty="0" smtClean="0">
+                <a:latin typeface="Lato" pitchFamily="34" charset="0"/>
+              </a:rPr>
+              <a:t>Winkelangabe im Bogenmaß</a:t>
+            </a:r>
+          </a:p>
+          <a:p>
+            <a:pPr marL="342900" marR="0" lvl="0" indent="-342900" algn="l" defTabSz="914400" rtl="0" eaLnBrk="1" fontAlgn="auto" latinLnBrk="0" hangingPunct="1">
+              <a:lnSpc>
+                <a:spcPct val="100000"/>
+              </a:lnSpc>
+              <a:spcBef>
+                <a:spcPct val="20000"/>
+              </a:spcBef>
+              <a:spcAft>
+                <a:spcPts val="0"/>
+              </a:spcAft>
+              <a:buClrTx/>
+              <a:buSzTx/>
+              <a:buFont typeface="Arial" pitchFamily="34" charset="0"/>
+              <a:buChar char="•"/>
+              <a:tabLst/>
+              <a:defRPr/>
+            </a:pPr>
+            <a:r>
+              <a:rPr lang="de-DE" sz="2000" noProof="0" dirty="0" smtClean="0">
+                <a:latin typeface="Lato" pitchFamily="34" charset="0"/>
+              </a:rPr>
+              <a:t>Angabe des abgelaufenen Bogens</a:t>
+            </a:r>
+          </a:p>
+          <a:p>
+            <a:pPr marL="342900" marR="0" lvl="0" indent="-342900" algn="l" defTabSz="914400" rtl="0" eaLnBrk="1" fontAlgn="auto" latinLnBrk="0" hangingPunct="1">
+              <a:lnSpc>
+                <a:spcPct val="100000"/>
+              </a:lnSpc>
+              <a:spcBef>
+                <a:spcPct val="20000"/>
+              </a:spcBef>
+              <a:spcAft>
+                <a:spcPts val="0"/>
+              </a:spcAft>
+              <a:buClrTx/>
+              <a:buSzTx/>
+              <a:buFont typeface="Arial" pitchFamily="34" charset="0"/>
+              <a:buChar char="•"/>
+              <a:tabLst/>
+              <a:defRPr/>
+            </a:pPr>
+            <a:endParaRPr lang="de-DE" sz="2000" noProof="0" dirty="0" smtClean="0">
+              <a:latin typeface="Lato" pitchFamily="34" charset="0"/>
+            </a:endParaRPr>
+          </a:p>
+          <a:p>
+            <a:pPr marL="342900" lvl="0" indent="-342900">
+              <a:spcBef>
+                <a:spcPct val="20000"/>
+              </a:spcBef>
+              <a:buFont typeface="Arial" pitchFamily="34" charset="0"/>
+              <a:buChar char="•"/>
+            </a:pPr>
+            <a:r>
+              <a:rPr kumimoji="0" lang="de-DE" sz="2000" b="0" i="0" u="none" strike="noStrike" kern="1200" cap="none" spc="0" normalizeH="0" baseline="0" noProof="0" dirty="0" smtClean="0">
+                <a:ln>
+                  <a:noFill/>
+                </a:ln>
+                <a:solidFill>
+                  <a:schemeClr val="tx1"/>
+                </a:solidFill>
+                <a:effectLst/>
+                <a:uLnTx/>
+                <a:uFillTx/>
+                <a:latin typeface="Lato" pitchFamily="34" charset="0"/>
+              </a:rPr>
+              <a:t>Bogenmaß</a:t>
+            </a:r>
+            <a:r>
+              <a:rPr kumimoji="0" lang="de-DE" sz="2000" b="0" i="0" u="none" strike="noStrike" kern="1200" cap="none" spc="0" normalizeH="0" noProof="0" dirty="0" smtClean="0">
+                <a:ln>
+                  <a:noFill/>
+                </a:ln>
+                <a:solidFill>
+                  <a:schemeClr val="tx1"/>
+                </a:solidFill>
+                <a:effectLst/>
+                <a:uLnTx/>
+                <a:uFillTx/>
+                <a:latin typeface="Lato" pitchFamily="34" charset="0"/>
+              </a:rPr>
+              <a:t> </a:t>
+            </a:r>
+            <a:r>
+              <a:rPr lang="el-GR" sz="2000" b="1" dirty="0" smtClean="0">
+                <a:latin typeface="Lato" pitchFamily="34" charset="0"/>
+              </a:rPr>
+              <a:t>π</a:t>
+            </a:r>
+            <a:r>
+              <a:rPr lang="de-DE" sz="2000" b="1" dirty="0" smtClean="0">
+                <a:latin typeface="Lato" pitchFamily="34" charset="0"/>
+              </a:rPr>
+              <a:t>: </a:t>
+            </a:r>
+          </a:p>
+          <a:p>
+            <a:pPr marL="342900" lvl="0" indent="-342900">
+              <a:spcBef>
+                <a:spcPct val="20000"/>
+              </a:spcBef>
+            </a:pPr>
+            <a:r>
+              <a:rPr lang="de-DE" sz="2000" b="1" dirty="0" smtClean="0">
+                <a:latin typeface="Lato" pitchFamily="34" charset="0"/>
+              </a:rPr>
+              <a:t>	</a:t>
+            </a:r>
+            <a:r>
+              <a:rPr lang="de-DE" sz="2000" dirty="0" smtClean="0">
+                <a:latin typeface="Lato" pitchFamily="34" charset="0"/>
+              </a:rPr>
+              <a:t>Halbe Umdrehung</a:t>
+            </a:r>
+          </a:p>
+          <a:p>
+            <a:pPr marL="342900" lvl="0" indent="-342900">
+              <a:spcBef>
+                <a:spcPct val="20000"/>
+              </a:spcBef>
+            </a:pPr>
+            <a:endParaRPr lang="de-DE" sz="2000" dirty="0" smtClean="0">
+              <a:latin typeface="Lato" pitchFamily="34" charset="0"/>
+            </a:endParaRPr>
+          </a:p>
+          <a:p>
+            <a:pPr marL="342900" indent="-342900">
+              <a:spcBef>
+                <a:spcPct val="20000"/>
+              </a:spcBef>
+              <a:buFont typeface="Arial" pitchFamily="34" charset="0"/>
+              <a:buChar char="•"/>
+            </a:pPr>
+            <a:r>
+              <a:rPr lang="de-DE" sz="2000" dirty="0" smtClean="0">
+                <a:latin typeface="Lato" pitchFamily="34" charset="0"/>
+              </a:rPr>
+              <a:t>Bogenmaß </a:t>
+            </a:r>
+            <a:r>
+              <a:rPr lang="de-DE" sz="2000" dirty="0" smtClean="0">
+                <a:latin typeface="Lato" pitchFamily="34" charset="0"/>
+              </a:rPr>
+              <a:t>2</a:t>
+            </a:r>
+            <a:r>
+              <a:rPr lang="el-GR" sz="2000" b="1" dirty="0" smtClean="0">
+                <a:latin typeface="Lato" pitchFamily="34" charset="0"/>
+              </a:rPr>
+              <a:t>π</a:t>
+            </a:r>
+            <a:r>
+              <a:rPr lang="de-DE" sz="2000" b="1" dirty="0" smtClean="0">
+                <a:latin typeface="Lato" pitchFamily="34" charset="0"/>
+              </a:rPr>
+              <a:t>: </a:t>
+            </a:r>
+          </a:p>
+          <a:p>
+            <a:pPr marL="342900" indent="-342900">
+              <a:spcBef>
+                <a:spcPct val="20000"/>
+              </a:spcBef>
+            </a:pPr>
+            <a:r>
+              <a:rPr lang="de-DE" sz="2000" b="1" dirty="0" smtClean="0">
+                <a:latin typeface="Lato" pitchFamily="34" charset="0"/>
+              </a:rPr>
+              <a:t>	</a:t>
+            </a:r>
+            <a:r>
+              <a:rPr lang="de-DE" sz="2000" dirty="0" smtClean="0">
+                <a:latin typeface="Lato" pitchFamily="34" charset="0"/>
+              </a:rPr>
+              <a:t>Ganze </a:t>
+            </a:r>
+            <a:r>
+              <a:rPr lang="de-DE" sz="2000" dirty="0" smtClean="0">
+                <a:latin typeface="Lato" pitchFamily="34" charset="0"/>
+              </a:rPr>
+              <a:t>Umdrehung</a:t>
+            </a:r>
+          </a:p>
+          <a:p>
+            <a:pPr marL="342900" lvl="0" indent="-342900">
+              <a:spcBef>
+                <a:spcPct val="20000"/>
+              </a:spcBef>
+              <a:buFont typeface="Arial" pitchFamily="34" charset="0"/>
+              <a:buChar char="•"/>
+            </a:pPr>
+            <a:endParaRPr kumimoji="0" lang="de-DE" sz="2000" i="0" u="none" strike="noStrike" kern="1200" cap="none" spc="0" normalizeH="0" baseline="0" noProof="0" dirty="0" smtClean="0">
+              <a:ln>
+                <a:noFill/>
+              </a:ln>
+              <a:solidFill>
+                <a:schemeClr val="tx1"/>
+              </a:solidFill>
+              <a:effectLst/>
+              <a:uLnTx/>
+              <a:uFillTx/>
+              <a:latin typeface="Lato" pitchFamily="34" charset="0"/>
+            </a:endParaRPr>
+          </a:p>
+          <a:p>
+            <a:pPr marL="342900" marR="0" lvl="0" indent="-342900" algn="l" defTabSz="914400" rtl="0" eaLnBrk="1" fontAlgn="auto" latinLnBrk="0" hangingPunct="1">
+              <a:lnSpc>
+                <a:spcPct val="100000"/>
+              </a:lnSpc>
+              <a:spcBef>
+                <a:spcPct val="20000"/>
+              </a:spcBef>
+              <a:spcAft>
+                <a:spcPts val="0"/>
+              </a:spcAft>
+              <a:buClrTx/>
+              <a:buSzTx/>
+              <a:tabLst/>
+              <a:defRPr/>
+            </a:pPr>
+            <a:endParaRPr kumimoji="0" lang="de-DE" sz="2000" b="0" i="0" u="none" strike="noStrike" kern="1200" cap="none" spc="0" normalizeH="0" baseline="0" noProof="0" dirty="0" smtClean="0">
+              <a:ln>
+                <a:noFill/>
+              </a:ln>
+              <a:solidFill>
+                <a:schemeClr val="tx1"/>
+              </a:solidFill>
+              <a:effectLst/>
+              <a:uLnTx/>
+              <a:uFillTx/>
+              <a:latin typeface="Lato" pitchFamily="34" charset="0"/>
+              <a:ea typeface="+mn-ea"/>
+              <a:cs typeface="+mn-cs"/>
+            </a:endParaRPr>
+          </a:p>
+        </p:txBody>
+      </p:sp>
+      <p:graphicFrame>
+        <p:nvGraphicFramePr>
+          <p:cNvPr id="16" name="Objekt 15"/>
+          <p:cNvGraphicFramePr>
+            <a:graphicFrameLocks noChangeAspect="1"/>
+          </p:cNvGraphicFramePr>
+          <p:nvPr/>
+        </p:nvGraphicFramePr>
+        <p:xfrm>
+          <a:off x="4514850" y="2463800"/>
+          <a:ext cx="114300" cy="215900"/>
+        </p:xfrm>
+        <a:graphic>
+          <a:graphicData uri="http://schemas.openxmlformats.org/presentationml/2006/ole">
+            <p:oleObj spid="_x0000_s32775" name="Formel" r:id="rId5" imgW="114120" imgH="215640" progId="Equation.3">
+              <p:embed/>
+            </p:oleObj>
+          </a:graphicData>
+        </a:graphic>
+      </p:graphicFrame>
+    </p:spTree>
+  </p:cSld>
+  <p:clrMapOvr>
+    <a:masterClrMapping/>
+  </p:clrMapOvr>
+  <p:timing>
+    <p:tnLst>
+      <p:par>
+        <p:cTn id="1" dur="indefinite" restart="never" nodeType="tmRoot"/>
+      </p:par>
+    </p:tnLst>
+  </p:timing>
+</p:sld>
+</file>
+
+<file path=ppt/slides/slide21.xml><?xml version="1.0" encoding="utf-8"?>
+<p:sld xmlns:a="http://schemas.openxmlformats.org/drawingml/2006/main" xmlns:r="http://schemas.openxmlformats.org/officeDocument/2006/relationships" xmlns:p="http://schemas.openxmlformats.org/presentationml/2006/main">
+  <p:cSld>
+    <p:spTree>
+      <p:nvGrpSpPr>
+        <p:cNvPr id="1" name=""/>
+        <p:cNvGrpSpPr/>
+        <p:nvPr/>
+      </p:nvGrpSpPr>
+      <p:grpSpPr>
+        <a:xfrm>
+          <a:off x="0" y="0"/>
+          <a:ext cx="0" cy="0"/>
+          <a:chOff x="0" y="0"/>
+          <a:chExt cx="0" cy="0"/>
+        </a:xfrm>
+      </p:grpSpPr>
+      <p:sp>
+        <p:nvSpPr>
+          <p:cNvPr id="4" name="Datumsplatzhalter 3"/>
+          <p:cNvSpPr>
+            <a:spLocks noGrp="1"/>
+          </p:cNvSpPr>
+          <p:nvPr>
+            <p:ph type="dt" sz="half" idx="10"/>
+          </p:nvPr>
+        </p:nvSpPr>
+        <p:spPr/>
+        <p:txBody>
+          <a:bodyPr/>
+          <a:lstStyle/>
+          <a:p>
+            <a:fld id="{1C72BD4E-61B2-40A3-A75C-5FDEDE8E5EC5}" type="datetime1">
+              <a:rPr lang="de-DE" smtClean="0"/>
+              <a:pPr/>
+              <a:t>15.06.2015</a:t>
+            </a:fld>
+            <a:endParaRPr lang="de-DE"/>
+          </a:p>
+        </p:txBody>
+      </p:sp>
+      <p:sp>
+        <p:nvSpPr>
+          <p:cNvPr id="5" name="Fußzeilenplatzhalter 4"/>
+          <p:cNvSpPr>
+            <a:spLocks noGrp="1"/>
+          </p:cNvSpPr>
+          <p:nvPr>
+            <p:ph type="ftr" sz="quarter" idx="11"/>
+          </p:nvPr>
+        </p:nvSpPr>
+        <p:spPr/>
+        <p:txBody>
+          <a:bodyPr/>
+          <a:lstStyle/>
+          <a:p>
+            <a:r>
+              <a:rPr lang="de-DE" smtClean="0"/>
+              <a:t>FM-Synthese</a:t>
+            </a:r>
+            <a:endParaRPr lang="de-DE"/>
+          </a:p>
+        </p:txBody>
+      </p:sp>
+      <p:sp>
+        <p:nvSpPr>
+          <p:cNvPr id="6" name="Foliennummernplatzhalter 5"/>
+          <p:cNvSpPr>
+            <a:spLocks noGrp="1"/>
+          </p:cNvSpPr>
+          <p:nvPr>
+            <p:ph type="sldNum" sz="quarter" idx="12"/>
+          </p:nvPr>
+        </p:nvSpPr>
+        <p:spPr/>
+        <p:txBody>
+          <a:bodyPr/>
+          <a:lstStyle/>
+          <a:p>
+            <a:fld id="{6C6AE60A-B69C-4790-82F7-3882EDF23186}" type="slidenum">
+              <a:rPr lang="de-DE" smtClean="0"/>
+              <a:pPr/>
+              <a:t>21</a:t>
+            </a:fld>
+            <a:endParaRPr lang="de-DE" dirty="0"/>
+          </a:p>
+        </p:txBody>
+      </p:sp>
+      <p:sp>
+        <p:nvSpPr>
+          <p:cNvPr id="7" name="Inhaltsplatzhalter 2"/>
+          <p:cNvSpPr txBox="1">
+            <a:spLocks/>
+          </p:cNvSpPr>
+          <p:nvPr/>
+        </p:nvSpPr>
+        <p:spPr>
+          <a:xfrm>
+            <a:off x="609600" y="1352550"/>
+            <a:ext cx="8229600" cy="3595463"/>
+          </a:xfrm>
+          <a:prstGeom prst="rect">
+            <a:avLst/>
+          </a:prstGeom>
+        </p:spPr>
+        <p:txBody>
+          <a:bodyPr vert="horz" lIns="91440" tIns="45720" rIns="91440" bIns="45720" rtlCol="0">
+            <a:normAutofit/>
+          </a:bodyPr>
+          <a:lstStyle/>
+          <a:p>
+            <a:pPr marL="342900" marR="0" lvl="0" indent="-342900" algn="l" defTabSz="914400" rtl="0" eaLnBrk="1" fontAlgn="auto" latinLnBrk="0" hangingPunct="1">
+              <a:lnSpc>
+                <a:spcPct val="100000"/>
+              </a:lnSpc>
+              <a:spcBef>
+                <a:spcPct val="20000"/>
+              </a:spcBef>
+              <a:spcAft>
+                <a:spcPts val="0"/>
+              </a:spcAft>
+              <a:buClrTx/>
+              <a:buSzTx/>
+              <a:buFont typeface="Arial" pitchFamily="34" charset="0"/>
+              <a:buChar char="•"/>
+              <a:tabLst/>
+              <a:defRPr/>
+            </a:pPr>
+            <a:r>
+              <a:rPr lang="de-DE" sz="2000" dirty="0" smtClean="0">
+                <a:latin typeface="Lato" pitchFamily="34" charset="0"/>
+              </a:rPr>
+              <a:t>Festlegung der Ablaufgeschwindigkeit durch Faktor f</a:t>
+            </a:r>
+          </a:p>
+          <a:p>
+            <a:pPr marL="342900" marR="0" lvl="0" indent="-342900" algn="l" defTabSz="914400" rtl="0" eaLnBrk="1" fontAlgn="auto" latinLnBrk="0" hangingPunct="1">
+              <a:lnSpc>
+                <a:spcPct val="100000"/>
+              </a:lnSpc>
+              <a:spcBef>
+                <a:spcPct val="20000"/>
+              </a:spcBef>
+              <a:spcAft>
+                <a:spcPts val="0"/>
+              </a:spcAft>
+              <a:buClrTx/>
+              <a:buSzTx/>
+              <a:buFont typeface="Arial" pitchFamily="34" charset="0"/>
+              <a:buChar char="•"/>
+              <a:tabLst/>
+              <a:defRPr/>
+            </a:pPr>
+            <a:r>
+              <a:rPr lang="de-DE" sz="2000" dirty="0" smtClean="0">
+                <a:latin typeface="Lato" pitchFamily="34" charset="0"/>
+              </a:rPr>
+              <a:t>f</a:t>
+            </a:r>
+            <a:r>
+              <a:rPr lang="de-DE" sz="2000" dirty="0" smtClean="0">
+                <a:latin typeface="Lato" pitchFamily="34" charset="0"/>
+              </a:rPr>
+              <a:t> = Frequenz</a:t>
+            </a:r>
+          </a:p>
+          <a:p>
+            <a:pPr marL="342900" lvl="0" indent="-342900">
+              <a:spcBef>
+                <a:spcPct val="20000"/>
+              </a:spcBef>
+              <a:buFont typeface="Arial" pitchFamily="34" charset="0"/>
+              <a:buChar char="•"/>
+            </a:pPr>
+            <a:r>
+              <a:rPr lang="de-DE" sz="2000" dirty="0" smtClean="0">
+                <a:latin typeface="Lato" pitchFamily="34" charset="0"/>
+              </a:rPr>
+              <a:t>Kreisfrequenz: 2</a:t>
+            </a:r>
+            <a:r>
+              <a:rPr lang="el-GR" sz="2000" b="1" dirty="0" smtClean="0">
+                <a:latin typeface="Lato" pitchFamily="34" charset="0"/>
+              </a:rPr>
+              <a:t>π</a:t>
+            </a:r>
+            <a:r>
+              <a:rPr lang="de-DE" sz="2000" b="1" dirty="0" smtClean="0">
+                <a:latin typeface="Lato" pitchFamily="34" charset="0"/>
+              </a:rPr>
+              <a:t> </a:t>
+            </a:r>
+            <a:r>
+              <a:rPr lang="de-DE" sz="2000" dirty="0" smtClean="0">
+                <a:latin typeface="Lato" pitchFamily="34" charset="0"/>
+              </a:rPr>
+              <a:t>* f</a:t>
+            </a:r>
+            <a:endParaRPr lang="de-DE" sz="2000" dirty="0" smtClean="0">
+              <a:latin typeface="Lato" pitchFamily="34" charset="0"/>
+            </a:endParaRPr>
+          </a:p>
+          <a:p>
+            <a:pPr marL="342900" lvl="0" indent="-342900">
+              <a:spcBef>
+                <a:spcPct val="20000"/>
+              </a:spcBef>
+              <a:buFont typeface="Arial" pitchFamily="34" charset="0"/>
+              <a:buChar char="•"/>
+            </a:pPr>
+            <a:endParaRPr kumimoji="0" lang="de-DE" sz="2000" i="0" u="none" strike="noStrike" kern="1200" cap="none" spc="0" normalizeH="0" baseline="0" noProof="0" dirty="0" smtClean="0">
+              <a:ln>
+                <a:noFill/>
+              </a:ln>
+              <a:solidFill>
+                <a:schemeClr val="tx1"/>
+              </a:solidFill>
+              <a:effectLst/>
+              <a:uLnTx/>
+              <a:uFillTx/>
+              <a:latin typeface="Lato" pitchFamily="34" charset="0"/>
+            </a:endParaRPr>
+          </a:p>
+          <a:p>
+            <a:pPr marL="342900" marR="0" lvl="0" indent="-342900" algn="l" defTabSz="914400" rtl="0" eaLnBrk="1" fontAlgn="auto" latinLnBrk="0" hangingPunct="1">
+              <a:lnSpc>
+                <a:spcPct val="100000"/>
+              </a:lnSpc>
+              <a:spcBef>
+                <a:spcPct val="20000"/>
+              </a:spcBef>
+              <a:spcAft>
+                <a:spcPts val="0"/>
+              </a:spcAft>
+              <a:buClrTx/>
+              <a:buSzTx/>
+              <a:tabLst/>
+              <a:defRPr/>
+            </a:pPr>
+            <a:endParaRPr kumimoji="0" lang="de-DE" sz="2000" b="0" i="0" u="none" strike="noStrike" kern="1200" cap="none" spc="0" normalizeH="0" baseline="0" noProof="0" dirty="0" smtClean="0">
+              <a:ln>
+                <a:noFill/>
+              </a:ln>
+              <a:solidFill>
+                <a:schemeClr val="tx1"/>
+              </a:solidFill>
+              <a:effectLst/>
+              <a:uLnTx/>
+              <a:uFillTx/>
+              <a:latin typeface="Lato" pitchFamily="34" charset="0"/>
+              <a:ea typeface="+mn-ea"/>
+              <a:cs typeface="+mn-cs"/>
+            </a:endParaRPr>
+          </a:p>
+        </p:txBody>
+      </p:sp>
+      <p:sp>
+        <p:nvSpPr>
+          <p:cNvPr id="8" name="Rechteck 7"/>
+          <p:cNvSpPr/>
+          <p:nvPr/>
+        </p:nvSpPr>
+        <p:spPr>
+          <a:xfrm>
+            <a:off x="611560" y="195486"/>
+            <a:ext cx="5016053" cy="523220"/>
+          </a:xfrm>
+          <a:prstGeom prst="rect">
+            <a:avLst/>
+          </a:prstGeom>
+        </p:spPr>
+        <p:txBody>
+          <a:bodyPr wrap="none">
+            <a:spAutoFit/>
+          </a:bodyPr>
+          <a:lstStyle/>
+          <a:p>
+            <a:pPr>
+              <a:buNone/>
+            </a:pPr>
+            <a:r>
+              <a:rPr lang="de-DE" sz="2800" dirty="0" smtClean="0">
+                <a:latin typeface="Lato" pitchFamily="34" charset="0"/>
+              </a:rPr>
+              <a:t>Grundlagen: Sinus und Kosinus</a:t>
+            </a:r>
+          </a:p>
+        </p:txBody>
+      </p:sp>
+      <p:pic>
+        <p:nvPicPr>
+          <p:cNvPr id="33794" name="Picture 2" descr="D:\Julius\Desktop\Sinus_Einheitskreis.gif"/>
+          <p:cNvPicPr>
+            <a:picLocks noChangeAspect="1" noChangeArrowheads="1"/>
+          </p:cNvPicPr>
+          <p:nvPr/>
+        </p:nvPicPr>
+        <p:blipFill>
+          <a:blip r:embed="rId2" cstate="print"/>
+          <a:srcRect/>
+          <a:stretch>
+            <a:fillRect/>
+          </a:stretch>
+        </p:blipFill>
+        <p:spPr bwMode="auto">
+          <a:xfrm>
+            <a:off x="827584" y="2571750"/>
+            <a:ext cx="7128792" cy="1710583"/>
+          </a:xfrm>
+          <a:prstGeom prst="rect">
+            <a:avLst/>
+          </a:prstGeom>
+          <a:noFill/>
+        </p:spPr>
+      </p:pic>
+    </p:spTree>
+  </p:cSld>
+  <p:clrMapOvr>
+    <a:masterClrMapping/>
+  </p:clrMapOvr>
+  <p:timing>
+    <p:tnLst>
+      <p:par>
+        <p:cTn id="1" dur="indefinite" restart="never" nodeType="tmRoot"/>
+      </p:par>
+    </p:tnLst>
+  </p:timing>
+</p:sld>
+</file>
+
+<file path=ppt/slides/slide22.xml><?xml version="1.0" encoding="utf-8"?>
+<p:sld xmlns:a="http://schemas.openxmlformats.org/drawingml/2006/main" xmlns:r="http://schemas.openxmlformats.org/officeDocument/2006/relationships" xmlns:p="http://schemas.openxmlformats.org/presentationml/2006/main">
+  <p:cSld>
+    <p:spTree>
+      <p:nvGrpSpPr>
+        <p:cNvPr id="1" name=""/>
+        <p:cNvGrpSpPr/>
+        <p:nvPr/>
+      </p:nvGrpSpPr>
+      <p:grpSpPr>
+        <a:xfrm>
+          <a:off x="0" y="0"/>
+          <a:ext cx="0" cy="0"/>
+          <a:chOff x="0" y="0"/>
+          <a:chExt cx="0" cy="0"/>
+        </a:xfrm>
+      </p:grpSpPr>
+      <p:sp>
+        <p:nvSpPr>
+          <p:cNvPr id="4" name="Datumsplatzhalter 3"/>
+          <p:cNvSpPr>
+            <a:spLocks noGrp="1"/>
+          </p:cNvSpPr>
+          <p:nvPr>
+            <p:ph type="dt" sz="half" idx="10"/>
+          </p:nvPr>
+        </p:nvSpPr>
+        <p:spPr/>
+        <p:txBody>
+          <a:bodyPr/>
+          <a:lstStyle/>
+          <a:p>
+            <a:fld id="{1C72BD4E-61B2-40A3-A75C-5FDEDE8E5EC5}" type="datetime1">
+              <a:rPr lang="de-DE" smtClean="0"/>
+              <a:pPr/>
+              <a:t>15.06.2015</a:t>
+            </a:fld>
+            <a:endParaRPr lang="de-DE"/>
+          </a:p>
+        </p:txBody>
+      </p:sp>
+      <p:sp>
+        <p:nvSpPr>
+          <p:cNvPr id="5" name="Fußzeilenplatzhalter 4"/>
+          <p:cNvSpPr>
+            <a:spLocks noGrp="1"/>
+          </p:cNvSpPr>
+          <p:nvPr>
+            <p:ph type="ftr" sz="quarter" idx="11"/>
+          </p:nvPr>
+        </p:nvSpPr>
+        <p:spPr/>
+        <p:txBody>
+          <a:bodyPr/>
+          <a:lstStyle/>
+          <a:p>
+            <a:r>
+              <a:rPr lang="de-DE" smtClean="0"/>
+              <a:t>FM-Synthese</a:t>
+            </a:r>
+            <a:endParaRPr lang="de-DE"/>
+          </a:p>
+        </p:txBody>
+      </p:sp>
+      <p:sp>
+        <p:nvSpPr>
+          <p:cNvPr id="6" name="Foliennummernplatzhalter 5"/>
+          <p:cNvSpPr>
+            <a:spLocks noGrp="1"/>
+          </p:cNvSpPr>
+          <p:nvPr>
+            <p:ph type="sldNum" sz="quarter" idx="12"/>
+          </p:nvPr>
+        </p:nvSpPr>
+        <p:spPr/>
+        <p:txBody>
+          <a:bodyPr/>
+          <a:lstStyle/>
+          <a:p>
+            <a:fld id="{6C6AE60A-B69C-4790-82F7-3882EDF23186}" type="slidenum">
+              <a:rPr lang="de-DE" smtClean="0"/>
+              <a:pPr/>
+              <a:t>22</a:t>
+            </a:fld>
+            <a:endParaRPr lang="de-DE" dirty="0"/>
+          </a:p>
+        </p:txBody>
+      </p:sp>
+      <p:sp>
+        <p:nvSpPr>
+          <p:cNvPr id="7" name="Inhaltsplatzhalter 2"/>
+          <p:cNvSpPr txBox="1">
+            <a:spLocks/>
+          </p:cNvSpPr>
+          <p:nvPr/>
+        </p:nvSpPr>
+        <p:spPr>
+          <a:xfrm>
+            <a:off x="609600" y="1352550"/>
+            <a:ext cx="8229600" cy="3595463"/>
+          </a:xfrm>
+          <a:prstGeom prst="rect">
+            <a:avLst/>
+          </a:prstGeom>
+        </p:spPr>
+        <p:txBody>
+          <a:bodyPr vert="horz" lIns="91440" tIns="45720" rIns="91440" bIns="45720" rtlCol="0">
+            <a:normAutofit/>
+          </a:bodyPr>
+          <a:lstStyle/>
+          <a:p>
+            <a:pPr marL="342900" lvl="0" indent="-342900">
+              <a:spcBef>
+                <a:spcPct val="20000"/>
+              </a:spcBef>
+              <a:buFont typeface="Arial" pitchFamily="34" charset="0"/>
+              <a:buChar char="•"/>
+            </a:pPr>
+            <a:r>
+              <a:rPr kumimoji="0" lang="de-DE" sz="2000" i="0" u="none" strike="noStrike" kern="1200" cap="none" spc="0" normalizeH="0" baseline="0" noProof="0" dirty="0" smtClean="0">
+                <a:ln>
+                  <a:noFill/>
+                </a:ln>
+                <a:solidFill>
+                  <a:schemeClr val="tx1"/>
+                </a:solidFill>
+                <a:effectLst/>
+                <a:uLnTx/>
+                <a:uFillTx/>
+                <a:latin typeface="Lato" pitchFamily="34" charset="0"/>
+              </a:rPr>
+              <a:t>Zusammenhang</a:t>
+            </a:r>
+            <a:r>
+              <a:rPr kumimoji="0" lang="de-DE" sz="2000" i="0" u="none" strike="noStrike" kern="1200" cap="none" spc="0" normalizeH="0" noProof="0" dirty="0" smtClean="0">
+                <a:ln>
+                  <a:noFill/>
+                </a:ln>
+                <a:solidFill>
+                  <a:schemeClr val="tx1"/>
+                </a:solidFill>
+                <a:effectLst/>
+                <a:uLnTx/>
+                <a:uFillTx/>
+                <a:latin typeface="Lato" pitchFamily="34" charset="0"/>
+              </a:rPr>
+              <a:t> Sinus/Kosinus:</a:t>
+            </a:r>
+          </a:p>
+          <a:p>
+            <a:pPr marL="342900" lvl="0" indent="-342900">
+              <a:spcBef>
+                <a:spcPct val="20000"/>
+              </a:spcBef>
+              <a:buFont typeface="Arial" pitchFamily="34" charset="0"/>
+              <a:buChar char="•"/>
+            </a:pPr>
+            <a:r>
+              <a:rPr lang="de-DE" sz="2000" dirty="0" smtClean="0">
+                <a:latin typeface="Lato" pitchFamily="34" charset="0"/>
+              </a:rPr>
+              <a:t>Um </a:t>
+            </a:r>
+            <a:r>
+              <a:rPr lang="el-GR" sz="2000" b="1" dirty="0" smtClean="0">
+                <a:latin typeface="Lato" pitchFamily="34" charset="0"/>
+              </a:rPr>
+              <a:t>π</a:t>
+            </a:r>
+            <a:r>
+              <a:rPr lang="de-DE" sz="2000" b="1" dirty="0" smtClean="0">
+                <a:latin typeface="Lato" pitchFamily="34" charset="0"/>
+              </a:rPr>
+              <a:t>/2 </a:t>
+            </a:r>
+            <a:r>
+              <a:rPr lang="de-DE" sz="2000" dirty="0" smtClean="0">
+                <a:latin typeface="Lato" pitchFamily="34" charset="0"/>
+              </a:rPr>
+              <a:t>verschoben </a:t>
+            </a:r>
+          </a:p>
+          <a:p>
+            <a:pPr marL="342900" lvl="0" indent="-342900">
+              <a:spcBef>
+                <a:spcPct val="20000"/>
+              </a:spcBef>
+              <a:buFont typeface="Arial" pitchFamily="34" charset="0"/>
+              <a:buChar char="•"/>
+            </a:pPr>
+            <a:r>
+              <a:rPr lang="de-DE" sz="2000" dirty="0" smtClean="0">
+                <a:latin typeface="Lato" pitchFamily="34" charset="0"/>
+              </a:rPr>
+              <a:t>Daraus folgt:                            bzw.                           (Komplementärformeln) </a:t>
+            </a:r>
+          </a:p>
+          <a:p>
+            <a:pPr marL="342900" lvl="0" indent="-342900">
+              <a:spcBef>
+                <a:spcPct val="20000"/>
+              </a:spcBef>
+              <a:buFont typeface="Arial" pitchFamily="34" charset="0"/>
+              <a:buChar char="•"/>
+            </a:pPr>
+            <a:endParaRPr kumimoji="0" lang="de-DE" sz="2000" i="0" u="none" strike="noStrike" kern="1200" cap="none" spc="0" normalizeH="0" baseline="0" noProof="0" dirty="0" smtClean="0">
+              <a:ln>
+                <a:noFill/>
+              </a:ln>
+              <a:solidFill>
+                <a:schemeClr val="tx1"/>
+              </a:solidFill>
+              <a:effectLst/>
+              <a:uLnTx/>
+              <a:uFillTx/>
+              <a:latin typeface="Lato" pitchFamily="34" charset="0"/>
+            </a:endParaRPr>
+          </a:p>
+          <a:p>
+            <a:pPr marL="342900" lvl="0" indent="-342900">
+              <a:spcBef>
+                <a:spcPct val="20000"/>
+              </a:spcBef>
+              <a:buFont typeface="Arial" pitchFamily="34" charset="0"/>
+              <a:buChar char="•"/>
+            </a:pPr>
+            <a:r>
+              <a:rPr lang="de-DE" sz="2000" noProof="0" dirty="0" smtClean="0">
+                <a:latin typeface="Lato" pitchFamily="34" charset="0"/>
+              </a:rPr>
+              <a:t>Ton: </a:t>
+            </a:r>
+          </a:p>
+          <a:p>
+            <a:pPr marL="342900" lvl="0" indent="-342900">
+              <a:spcBef>
+                <a:spcPct val="20000"/>
+              </a:spcBef>
+              <a:buFont typeface="Arial" pitchFamily="34" charset="0"/>
+              <a:buChar char="•"/>
+            </a:pPr>
+            <a:r>
+              <a:rPr kumimoji="0" lang="de-DE" sz="2000" i="0" u="none" strike="noStrike" kern="1200" cap="none" spc="0" normalizeH="0" baseline="0" dirty="0" smtClean="0">
+                <a:ln>
+                  <a:noFill/>
+                </a:ln>
+                <a:solidFill>
+                  <a:schemeClr val="tx1"/>
+                </a:solidFill>
+                <a:effectLst/>
+                <a:uLnTx/>
+                <a:uFillTx/>
+                <a:latin typeface="Lato" pitchFamily="34" charset="0"/>
+              </a:rPr>
+              <a:t>A: Amplitude, Lautstärke des</a:t>
+            </a:r>
+            <a:r>
+              <a:rPr kumimoji="0" lang="de-DE" sz="2000" i="0" u="none" strike="noStrike" kern="1200" cap="none" spc="0" normalizeH="0" dirty="0" smtClean="0">
+                <a:ln>
+                  <a:noFill/>
+                </a:ln>
+                <a:solidFill>
+                  <a:schemeClr val="tx1"/>
+                </a:solidFill>
+                <a:effectLst/>
+                <a:uLnTx/>
+                <a:uFillTx/>
+                <a:latin typeface="Lato" pitchFamily="34" charset="0"/>
+              </a:rPr>
+              <a:t> Tons</a:t>
+            </a:r>
+            <a:endParaRPr kumimoji="0" lang="de-DE" sz="2000" i="0" u="none" strike="noStrike" kern="1200" cap="none" spc="0" normalizeH="0" baseline="0" dirty="0" smtClean="0">
+              <a:ln>
+                <a:noFill/>
+              </a:ln>
+              <a:solidFill>
+                <a:schemeClr val="tx1"/>
+              </a:solidFill>
+              <a:effectLst/>
+              <a:uLnTx/>
+              <a:uFillTx/>
+              <a:latin typeface="Lato" pitchFamily="34" charset="0"/>
+            </a:endParaRPr>
+          </a:p>
+          <a:p>
+            <a:pPr marL="342900" lvl="0" indent="-342900">
+              <a:spcBef>
+                <a:spcPct val="20000"/>
+              </a:spcBef>
+              <a:buFont typeface="Arial" pitchFamily="34" charset="0"/>
+              <a:buChar char="•"/>
+            </a:pPr>
+            <a:r>
+              <a:rPr lang="de-DE" sz="2000" noProof="0" dirty="0" smtClean="0">
+                <a:latin typeface="Lato" pitchFamily="34" charset="0"/>
+              </a:rPr>
+              <a:t>F: Frequenz, Tonhöhe</a:t>
+            </a:r>
+          </a:p>
+          <a:p>
+            <a:pPr marL="342900" lvl="0" indent="-342900">
+              <a:spcBef>
+                <a:spcPct val="20000"/>
+              </a:spcBef>
+              <a:buFont typeface="Arial" pitchFamily="34" charset="0"/>
+              <a:buChar char="•"/>
+            </a:pPr>
+            <a:r>
+              <a:rPr kumimoji="0" lang="de-DE" sz="2000" i="0" u="none" strike="noStrike" kern="1200" cap="none" spc="0" normalizeH="0" baseline="0" dirty="0" smtClean="0">
+                <a:ln>
+                  <a:noFill/>
+                </a:ln>
+                <a:solidFill>
+                  <a:schemeClr val="tx1"/>
+                </a:solidFill>
+                <a:effectLst/>
+                <a:uLnTx/>
+                <a:uFillTx/>
+                <a:latin typeface="Lato" pitchFamily="34" charset="0"/>
+              </a:rPr>
+              <a:t>Physikalisch: Schwingende Luftmoleküle</a:t>
+            </a:r>
+            <a:endParaRPr kumimoji="0" lang="de-DE" sz="2000" i="0" u="none" strike="noStrike" kern="1200" cap="none" spc="0" normalizeH="0" baseline="0" noProof="0" dirty="0" smtClean="0">
+              <a:ln>
+                <a:noFill/>
+              </a:ln>
+              <a:solidFill>
+                <a:schemeClr val="tx1"/>
+              </a:solidFill>
+              <a:effectLst/>
+              <a:uLnTx/>
+              <a:uFillTx/>
+              <a:latin typeface="Lato" pitchFamily="34" charset="0"/>
+            </a:endParaRPr>
+          </a:p>
+          <a:p>
+            <a:pPr marL="342900" marR="0" lvl="0" indent="-342900" algn="l" defTabSz="914400" rtl="0" eaLnBrk="1" fontAlgn="auto" latinLnBrk="0" hangingPunct="1">
+              <a:lnSpc>
+                <a:spcPct val="100000"/>
+              </a:lnSpc>
+              <a:spcBef>
+                <a:spcPct val="20000"/>
+              </a:spcBef>
+              <a:spcAft>
+                <a:spcPts val="0"/>
+              </a:spcAft>
+              <a:buClrTx/>
+              <a:buSzTx/>
+              <a:tabLst/>
+              <a:defRPr/>
+            </a:pPr>
+            <a:endParaRPr kumimoji="0" lang="de-DE" sz="2000" b="0" i="0" u="none" strike="noStrike" kern="1200" cap="none" spc="0" normalizeH="0" baseline="0" noProof="0" dirty="0" smtClean="0">
+              <a:ln>
+                <a:noFill/>
+              </a:ln>
+              <a:solidFill>
+                <a:schemeClr val="tx1"/>
+              </a:solidFill>
+              <a:effectLst/>
+              <a:uLnTx/>
+              <a:uFillTx/>
+              <a:latin typeface="Lato" pitchFamily="34" charset="0"/>
+              <a:ea typeface="+mn-ea"/>
+              <a:cs typeface="+mn-cs"/>
+            </a:endParaRPr>
+          </a:p>
+        </p:txBody>
+      </p:sp>
+      <p:sp>
+        <p:nvSpPr>
+          <p:cNvPr id="8" name="Rechteck 7"/>
+          <p:cNvSpPr/>
+          <p:nvPr/>
+        </p:nvSpPr>
+        <p:spPr>
+          <a:xfrm>
+            <a:off x="611560" y="195486"/>
+            <a:ext cx="5016053" cy="523220"/>
+          </a:xfrm>
+          <a:prstGeom prst="rect">
+            <a:avLst/>
+          </a:prstGeom>
+        </p:spPr>
+        <p:txBody>
+          <a:bodyPr wrap="none">
+            <a:spAutoFit/>
+          </a:bodyPr>
+          <a:lstStyle/>
+          <a:p>
+            <a:pPr>
+              <a:buNone/>
+            </a:pPr>
+            <a:r>
+              <a:rPr lang="de-DE" sz="2800" dirty="0" smtClean="0">
+                <a:latin typeface="Lato" pitchFamily="34" charset="0"/>
+              </a:rPr>
+              <a:t>Grundlagen: Sinus und Kosinus</a:t>
+            </a:r>
+          </a:p>
+        </p:txBody>
+      </p:sp>
+      <p:graphicFrame>
+        <p:nvGraphicFramePr>
+          <p:cNvPr id="9" name="Objekt 8"/>
+          <p:cNvGraphicFramePr>
+            <a:graphicFrameLocks noChangeAspect="1"/>
+          </p:cNvGraphicFramePr>
+          <p:nvPr/>
+        </p:nvGraphicFramePr>
+        <p:xfrm>
+          <a:off x="2555776" y="2099968"/>
+          <a:ext cx="1206500" cy="393700"/>
+        </p:xfrm>
+        <a:graphic>
+          <a:graphicData uri="http://schemas.openxmlformats.org/presentationml/2006/ole">
+            <p:oleObj spid="_x0000_s34818" name="Formel" r:id="rId3" imgW="1206360" imgH="393480" progId="Equation.3">
+              <p:embed/>
+            </p:oleObj>
+          </a:graphicData>
+        </a:graphic>
+      </p:graphicFrame>
+      <p:graphicFrame>
+        <p:nvGraphicFramePr>
+          <p:cNvPr id="34819" name="Object 3"/>
+          <p:cNvGraphicFramePr>
+            <a:graphicFrameLocks noChangeAspect="1"/>
+          </p:cNvGraphicFramePr>
+          <p:nvPr/>
+        </p:nvGraphicFramePr>
+        <p:xfrm>
+          <a:off x="4427984" y="2096670"/>
+          <a:ext cx="1206500" cy="393700"/>
+        </p:xfrm>
+        <a:graphic>
+          <a:graphicData uri="http://schemas.openxmlformats.org/presentationml/2006/ole">
+            <p:oleObj spid="_x0000_s34819" name="Formel" r:id="rId4" imgW="1206360" imgH="393480" progId="Equation.3">
+              <p:embed/>
+            </p:oleObj>
+          </a:graphicData>
+        </a:graphic>
+      </p:graphicFrame>
+      <p:graphicFrame>
+        <p:nvGraphicFramePr>
+          <p:cNvPr id="10" name="Objekt 9"/>
+          <p:cNvGraphicFramePr>
+            <a:graphicFrameLocks noChangeAspect="1"/>
+          </p:cNvGraphicFramePr>
+          <p:nvPr/>
+        </p:nvGraphicFramePr>
+        <p:xfrm>
+          <a:off x="1619672" y="2931790"/>
+          <a:ext cx="1244600" cy="203200"/>
+        </p:xfrm>
+        <a:graphic>
+          <a:graphicData uri="http://schemas.openxmlformats.org/presentationml/2006/ole">
+            <p:oleObj spid="_x0000_s34820" name="Formel" r:id="rId5" imgW="1244520" imgH="203040" progId="Equation.3">
+              <p:embed/>
+            </p:oleObj>
+          </a:graphicData>
+        </a:graphic>
+      </p:graphicFrame>
+    </p:spTree>
+  </p:cSld>
+  <p:clrMapOvr>
+    <a:masterClrMapping/>
+  </p:clrMapOvr>
+  <p:timing>
+    <p:tnLst>
+      <p:par>
+        <p:cTn id="1" dur="indefinite" restart="never" nodeType="tmRoot"/>
+      </p:par>
+    </p:tnLst>
+  </p:timing>
+</p:sld>
+</file>
+
+<file path=ppt/slides/slide23.xml><?xml version="1.0" encoding="utf-8"?>
+<p:sld xmlns:a="http://schemas.openxmlformats.org/drawingml/2006/main" xmlns:r="http://schemas.openxmlformats.org/officeDocument/2006/relationships" xmlns:p="http://schemas.openxmlformats.org/presentationml/2006/main">
+  <p:cSld>
+    <p:spTree>
+      <p:nvGrpSpPr>
+        <p:cNvPr id="1" name=""/>
+        <p:cNvGrpSpPr/>
+        <p:nvPr/>
+      </p:nvGrpSpPr>
+      <p:grpSpPr>
+        <a:xfrm>
+          <a:off x="0" y="0"/>
+          <a:ext cx="0" cy="0"/>
+          <a:chOff x="0" y="0"/>
+          <a:chExt cx="0" cy="0"/>
+        </a:xfrm>
+      </p:grpSpPr>
+      <p:sp>
+        <p:nvSpPr>
+          <p:cNvPr id="4" name="Datumsplatzhalter 3"/>
+          <p:cNvSpPr>
+            <a:spLocks noGrp="1"/>
+          </p:cNvSpPr>
+          <p:nvPr>
+            <p:ph type="dt" sz="half" idx="10"/>
+          </p:nvPr>
+        </p:nvSpPr>
+        <p:spPr/>
+        <p:txBody>
+          <a:bodyPr/>
+          <a:lstStyle/>
+          <a:p>
+            <a:fld id="{1C72BD4E-61B2-40A3-A75C-5FDEDE8E5EC5}" type="datetime1">
+              <a:rPr lang="de-DE" smtClean="0"/>
+              <a:pPr/>
+              <a:t>15.06.2015</a:t>
+            </a:fld>
+            <a:endParaRPr lang="de-DE"/>
+          </a:p>
+        </p:txBody>
+      </p:sp>
+      <p:sp>
+        <p:nvSpPr>
+          <p:cNvPr id="5" name="Fußzeilenplatzhalter 4"/>
+          <p:cNvSpPr>
+            <a:spLocks noGrp="1"/>
+          </p:cNvSpPr>
+          <p:nvPr>
+            <p:ph type="ftr" sz="quarter" idx="11"/>
+          </p:nvPr>
+        </p:nvSpPr>
+        <p:spPr/>
+        <p:txBody>
+          <a:bodyPr/>
+          <a:lstStyle/>
+          <a:p>
+            <a:r>
+              <a:rPr lang="de-DE" smtClean="0"/>
+              <a:t>FM-Synthese</a:t>
+            </a:r>
+            <a:endParaRPr lang="de-DE"/>
+          </a:p>
+        </p:txBody>
+      </p:sp>
+      <p:sp>
+        <p:nvSpPr>
+          <p:cNvPr id="6" name="Foliennummernplatzhalter 5"/>
+          <p:cNvSpPr>
+            <a:spLocks noGrp="1"/>
+          </p:cNvSpPr>
+          <p:nvPr>
+            <p:ph type="sldNum" sz="quarter" idx="12"/>
+          </p:nvPr>
+        </p:nvSpPr>
+        <p:spPr/>
+        <p:txBody>
+          <a:bodyPr/>
+          <a:lstStyle/>
+          <a:p>
+            <a:fld id="{6C6AE60A-B69C-4790-82F7-3882EDF23186}" type="slidenum">
+              <a:rPr lang="de-DE" smtClean="0"/>
+              <a:pPr/>
+              <a:t>23</a:t>
+            </a:fld>
+            <a:endParaRPr lang="de-DE" dirty="0"/>
+          </a:p>
+        </p:txBody>
+      </p:sp>
+      <p:sp>
+        <p:nvSpPr>
+          <p:cNvPr id="7" name="Rechteck 6"/>
+          <p:cNvSpPr/>
+          <p:nvPr/>
+        </p:nvSpPr>
+        <p:spPr>
+          <a:xfrm>
+            <a:off x="611560" y="195486"/>
+            <a:ext cx="6345263" cy="523220"/>
+          </a:xfrm>
+          <a:prstGeom prst="rect">
+            <a:avLst/>
+          </a:prstGeom>
+        </p:spPr>
+        <p:txBody>
+          <a:bodyPr wrap="none">
+            <a:spAutoFit/>
+          </a:bodyPr>
+          <a:lstStyle/>
+          <a:p>
+            <a:pPr>
+              <a:buNone/>
+            </a:pPr>
+            <a:r>
+              <a:rPr lang="de-DE" sz="2800" dirty="0" smtClean="0">
+                <a:latin typeface="Lato" pitchFamily="34" charset="0"/>
+              </a:rPr>
+              <a:t>Grundlagen: </a:t>
+            </a:r>
+            <a:r>
+              <a:rPr lang="de-DE" sz="2800" dirty="0" smtClean="0">
+                <a:latin typeface="Lato" pitchFamily="34" charset="0"/>
+              </a:rPr>
+              <a:t>Parameter nach </a:t>
+            </a:r>
+            <a:r>
+              <a:rPr lang="de-DE" sz="2800" dirty="0" err="1" smtClean="0">
+                <a:latin typeface="Lato" pitchFamily="34" charset="0"/>
+              </a:rPr>
+              <a:t>Chowning</a:t>
+            </a:r>
+            <a:endParaRPr lang="de-DE" sz="2800" dirty="0" smtClean="0">
+              <a:latin typeface="Lato" pitchFamily="34" charset="0"/>
+            </a:endParaRPr>
+          </a:p>
+        </p:txBody>
+      </p:sp>
+      <p:sp>
+        <p:nvSpPr>
+          <p:cNvPr id="8" name="Inhaltsplatzhalter 2"/>
+          <p:cNvSpPr txBox="1">
+            <a:spLocks/>
+          </p:cNvSpPr>
+          <p:nvPr/>
+        </p:nvSpPr>
+        <p:spPr>
+          <a:xfrm>
+            <a:off x="609600" y="1352550"/>
+            <a:ext cx="8229600" cy="3595463"/>
+          </a:xfrm>
+          <a:prstGeom prst="rect">
+            <a:avLst/>
+          </a:prstGeom>
+        </p:spPr>
+        <p:txBody>
+          <a:bodyPr vert="horz" lIns="91440" tIns="45720" rIns="91440" bIns="45720" rtlCol="0">
+            <a:normAutofit/>
+          </a:bodyPr>
+          <a:lstStyle/>
+          <a:p>
+            <a:pPr marL="342900" marR="0" lvl="0" indent="-342900" algn="l" defTabSz="914400" rtl="0" eaLnBrk="1" fontAlgn="auto" latinLnBrk="0" hangingPunct="1">
+              <a:lnSpc>
+                <a:spcPct val="100000"/>
+              </a:lnSpc>
+              <a:spcBef>
+                <a:spcPct val="20000"/>
+              </a:spcBef>
+              <a:spcAft>
+                <a:spcPts val="0"/>
+              </a:spcAft>
+              <a:buClrTx/>
+              <a:buSzTx/>
+              <a:tabLst/>
+              <a:defRPr/>
+            </a:pPr>
+            <a:endParaRPr kumimoji="0" lang="de-DE" sz="2000" b="0" i="0" u="none" strike="noStrike" kern="1200" cap="none" spc="0" normalizeH="0" baseline="0" noProof="0" dirty="0" smtClean="0">
+              <a:ln>
+                <a:noFill/>
+              </a:ln>
+              <a:solidFill>
+                <a:schemeClr val="tx1"/>
+              </a:solidFill>
+              <a:effectLst/>
+              <a:uLnTx/>
+              <a:uFillTx/>
+              <a:latin typeface="Lato" pitchFamily="34" charset="0"/>
+              <a:ea typeface="+mn-ea"/>
+              <a:cs typeface="+mn-cs"/>
+            </a:endParaRPr>
+          </a:p>
+        </p:txBody>
+      </p:sp>
+    </p:spTree>
+  </p:cSld>
+  <p:clrMapOvr>
+    <a:masterClrMapping/>
+  </p:clrMapOvr>
 </p:sld>
 </file>
 
@@ -4597,9 +8069,6 @@
               </a:rPr>
               <a:t>Formel: </a:t>
             </a:r>
-            <a:endParaRPr lang="de-DE" sz="2000" dirty="0" smtClean="0">
-              <a:latin typeface="Lato" pitchFamily="34" charset="0"/>
-            </a:endParaRPr>
           </a:p>
           <a:p>
             <a:r>
@@ -4632,7 +8101,7 @@
             <a:fld id="{1C72BD4E-61B2-40A3-A75C-5FDEDE8E5EC5}" type="datetime1">
               <a:rPr lang="de-DE" smtClean="0"/>
               <a:pPr/>
-              <a:t>13.06.2015</a:t>
+              <a:t>15.06.2015</a:t>
             </a:fld>
             <a:endParaRPr lang="de-DE"/>
           </a:p>
@@ -4694,8 +8163,8 @@
           <p:nvPr/>
         </p:nvGraphicFramePr>
         <p:xfrm>
-          <a:off x="1835696" y="2859782"/>
-          <a:ext cx="2232248" cy="288032"/>
+          <a:off x="1835150" y="2859088"/>
+          <a:ext cx="2232025" cy="288925"/>
         </p:xfrm>
         <a:graphic>
           <a:graphicData uri="http://schemas.openxmlformats.org/presentationml/2006/ole">
@@ -4755,7 +8224,7 @@
             <a:fld id="{1C72BD4E-61B2-40A3-A75C-5FDEDE8E5EC5}" type="datetime1">
               <a:rPr lang="de-DE" smtClean="0"/>
               <a:pPr/>
-              <a:t>13.06.2015</a:t>
+              <a:t>15.06.2015</a:t>
             </a:fld>
             <a:endParaRPr lang="de-DE"/>
           </a:p>
@@ -4847,13 +8316,7 @@
               <a:rPr lang="de-DE" sz="2800" dirty="0" smtClean="0">
                 <a:latin typeface="Lato" pitchFamily="34" charset="0"/>
               </a:rPr>
-              <a:t>Besonderheit</a:t>
-            </a:r>
-            <a:r>
-              <a:rPr lang="de-DE" sz="2800" dirty="0" smtClean="0">
-                <a:latin typeface="Lato" pitchFamily="34" charset="0"/>
-              </a:rPr>
-              <a:t>:</a:t>
+              <a:t>Besonderheit:</a:t>
             </a:r>
           </a:p>
           <a:p>
@@ -5016,7 +8479,7 @@
             <a:fld id="{1C72BD4E-61B2-40A3-A75C-5FDEDE8E5EC5}" type="datetime1">
               <a:rPr lang="de-DE" smtClean="0"/>
               <a:pPr/>
-              <a:t>13.06.2015</a:t>
+              <a:t>15.06.2015</a:t>
             </a:fld>
             <a:endParaRPr lang="de-DE"/>
           </a:p>
@@ -5328,7 +8791,7 @@
             <a:fld id="{1C72BD4E-61B2-40A3-A75C-5FDEDE8E5EC5}" type="datetime1">
               <a:rPr lang="de-DE" smtClean="0"/>
               <a:pPr/>
-              <a:t>13.06.2015</a:t>
+              <a:t>15.06.2015</a:t>
             </a:fld>
             <a:endParaRPr lang="de-DE"/>
           </a:p>
@@ -5530,7 +8993,7 @@
           <p:nvPr/>
         </p:nvGraphicFramePr>
         <p:xfrm>
-          <a:off x="652463" y="3148013"/>
+          <a:off x="687888" y="3148013"/>
           <a:ext cx="1320800" cy="203200"/>
         </p:xfrm>
         <a:graphic>
@@ -5550,7 +9013,7 @@
           <p:nvPr/>
         </p:nvGraphicFramePr>
         <p:xfrm>
-          <a:off x="652463" y="4011613"/>
+          <a:off x="684500" y="4011613"/>
           <a:ext cx="2209800" cy="203200"/>
         </p:xfrm>
         <a:graphic>
@@ -5713,9 +9176,6 @@
               </a:rPr>
               <a:t>“ (1972)</a:t>
             </a:r>
-            <a:endParaRPr lang="de-DE" sz="2000" dirty="0" smtClean="0">
-              <a:latin typeface="Lato" pitchFamily="34" charset="0"/>
-            </a:endParaRPr>
           </a:p>
           <a:p>
             <a:endParaRPr lang="de-DE" dirty="0">
@@ -5742,7 +9202,7 @@
             <a:fld id="{1C72BD4E-61B2-40A3-A75C-5FDEDE8E5EC5}" type="datetime1">
               <a:rPr lang="de-DE" smtClean="0"/>
               <a:pPr/>
-              <a:t>13.06.2015</a:t>
+              <a:t>15.06.2015</a:t>
             </a:fld>
             <a:endParaRPr lang="de-DE"/>
           </a:p>
@@ -5866,7 +9326,12 @@
             <p:ph idx="1"/>
           </p:nvPr>
         </p:nvSpPr>
-        <p:spPr/>
+        <p:spPr>
+          <a:xfrm>
+            <a:off x="467544" y="1749028"/>
+            <a:ext cx="8229600" cy="1686818"/>
+          </a:xfrm>
+        </p:spPr>
         <p:txBody>
           <a:bodyPr>
             <a:normAutofit/>
@@ -5874,19 +9339,25 @@
           <a:lstStyle/>
           <a:p>
             <a:r>
-              <a:rPr lang="de-DE" sz="2000" dirty="0" smtClean="0"/>
+              <a:rPr lang="de-DE" sz="2000" dirty="0" smtClean="0">
+                <a:latin typeface="Lato" pitchFamily="34" charset="0"/>
+              </a:rPr>
               <a:t>Grundlage: Frequenzmodulation</a:t>
             </a:r>
           </a:p>
           <a:p>
             <a:r>
-              <a:rPr lang="de-DE" sz="2000" dirty="0" smtClean="0"/>
+              <a:rPr lang="de-DE" sz="2000" dirty="0" smtClean="0">
+                <a:latin typeface="Lato" pitchFamily="34" charset="0"/>
+              </a:rPr>
               <a:t>Bekannt aus Nachrichtentechnik</a:t>
             </a:r>
           </a:p>
           <a:p>
             <a:r>
-              <a:rPr lang="de-DE" sz="2000" dirty="0" smtClean="0"/>
+              <a:rPr lang="de-DE" sz="2000" dirty="0" smtClean="0">
+                <a:latin typeface="Lato" pitchFamily="34" charset="0"/>
+              </a:rPr>
               <a:t>Erfinder FM-Synthese: </a:t>
             </a:r>
           </a:p>
@@ -5895,17 +9366,25 @@
               <a:buNone/>
             </a:pPr>
             <a:r>
-              <a:rPr lang="de-DE" sz="2000" dirty="0" smtClean="0"/>
+              <a:rPr lang="de-DE" sz="2000" dirty="0" smtClean="0">
+                <a:latin typeface="Lato" pitchFamily="34" charset="0"/>
+              </a:rPr>
               <a:t>	Prof. Dr. John </a:t>
             </a:r>
             <a:r>
-              <a:rPr lang="de-DE" sz="2000" dirty="0" err="1" smtClean="0"/>
+              <a:rPr lang="de-DE" sz="2000" dirty="0" err="1" smtClean="0">
+                <a:latin typeface="Lato" pitchFamily="34" charset="0"/>
+              </a:rPr>
               <a:t>Chowning</a:t>
             </a:r>
-            <a:endParaRPr lang="de-DE" sz="2000" dirty="0" smtClean="0"/>
-          </a:p>
-          <a:p>
-            <a:endParaRPr lang="de-DE" sz="2000" dirty="0"/>
+            <a:endParaRPr lang="de-DE" sz="2000" dirty="0" smtClean="0">
+              <a:latin typeface="Lato" pitchFamily="34" charset="0"/>
+            </a:endParaRPr>
+          </a:p>
+          <a:p>
+            <a:endParaRPr lang="de-DE" sz="2000" dirty="0">
+              <a:latin typeface="Lato" pitchFamily="34" charset="0"/>
+            </a:endParaRPr>
           </a:p>
         </p:txBody>
       </p:sp>
@@ -5927,7 +9406,7 @@
             <a:fld id="{1C72BD4E-61B2-40A3-A75C-5FDEDE8E5EC5}" type="datetime1">
               <a:rPr lang="de-DE" smtClean="0"/>
               <a:pPr/>
-              <a:t>13.06.2015</a:t>
+              <a:t>15.06.2015</a:t>
             </a:fld>
             <a:endParaRPr lang="de-DE"/>
           </a:p>
@@ -6011,6 +9490,13 @@
   <p:clrMapOvr>
     <a:masterClrMapping/>
   </p:clrMapOvr>
+  <p:timing>
+    <p:tnLst>
+      <p:par>
+        <p:cTn id="1" dur="indefinite" restart="never" nodeType="tmRoot"/>
+      </p:par>
+    </p:tnLst>
+  </p:timing>
 </p:sld>
 </file>
 
@@ -6070,7 +9556,12 @@
             <p:ph idx="1"/>
           </p:nvPr>
         </p:nvSpPr>
-        <p:spPr/>
+        <p:spPr>
+          <a:xfrm>
+            <a:off x="467544" y="1749028"/>
+            <a:ext cx="8229600" cy="1614810"/>
+          </a:xfrm>
+        </p:spPr>
         <p:txBody>
           <a:bodyPr>
             <a:normAutofit/>
@@ -6078,34 +9569,48 @@
           <a:lstStyle/>
           <a:p>
             <a:r>
-              <a:rPr lang="de-DE" sz="2000" dirty="0" smtClean="0"/>
+              <a:rPr lang="de-DE" sz="2000" dirty="0" smtClean="0">
+                <a:latin typeface="Lato" pitchFamily="34" charset="0"/>
+              </a:rPr>
               <a:t>Erste Entdeckung im Jahre 1967</a:t>
             </a:r>
           </a:p>
           <a:p>
             <a:r>
-              <a:rPr lang="de-DE" sz="2000" dirty="0" err="1" smtClean="0"/>
+              <a:rPr lang="de-DE" sz="2000" dirty="0" err="1" smtClean="0">
+                <a:latin typeface="Lato" pitchFamily="34" charset="0"/>
+              </a:rPr>
               <a:t>Chowning</a:t>
             </a:r>
             <a:r>
-              <a:rPr lang="de-DE" sz="2000" dirty="0" smtClean="0"/>
+              <a:rPr lang="de-DE" sz="2000" dirty="0" smtClean="0">
+                <a:latin typeface="Lato" pitchFamily="34" charset="0"/>
+              </a:rPr>
               <a:t> experimentierte mit </a:t>
             </a:r>
             <a:r>
-              <a:rPr lang="de-DE" sz="2000" dirty="0" err="1" smtClean="0"/>
+              <a:rPr lang="de-DE" sz="2000" dirty="0" err="1" smtClean="0">
+                <a:latin typeface="Lato" pitchFamily="34" charset="0"/>
+              </a:rPr>
               <a:t>Vibratos</a:t>
             </a:r>
-            <a:endParaRPr lang="de-DE" sz="2000" dirty="0" smtClean="0"/>
-          </a:p>
-          <a:p>
-            <a:r>
-              <a:rPr lang="de-DE" sz="2000" dirty="0" smtClean="0"/>
+            <a:endParaRPr lang="de-DE" sz="2000" dirty="0" smtClean="0">
+              <a:latin typeface="Lato" pitchFamily="34" charset="0"/>
+            </a:endParaRPr>
+          </a:p>
+          <a:p>
+            <a:r>
+              <a:rPr lang="de-DE" sz="2000" dirty="0" smtClean="0">
+                <a:latin typeface="Lato" pitchFamily="34" charset="0"/>
+              </a:rPr>
               <a:t>Vibrato: Periodische Änderung eines Tons</a:t>
             </a:r>
           </a:p>
           <a:p>
             <a:r>
-              <a:rPr lang="de-DE" sz="2000" dirty="0" smtClean="0"/>
+              <a:rPr lang="de-DE" sz="2000" dirty="0" smtClean="0">
+                <a:latin typeface="Lato" pitchFamily="34" charset="0"/>
+              </a:rPr>
               <a:t>Neue Obertöne bei höheren Modulationsfrequenzen</a:t>
             </a:r>
           </a:p>
@@ -6129,7 +9634,7 @@
             <a:fld id="{1C72BD4E-61B2-40A3-A75C-5FDEDE8E5EC5}" type="datetime1">
               <a:rPr lang="de-DE" smtClean="0"/>
               <a:pPr/>
-              <a:t>13.06.2015</a:t>
+              <a:t>15.06.2015</a:t>
             </a:fld>
             <a:endParaRPr lang="de-DE"/>
           </a:p>
@@ -6151,10 +9656,10 @@
           <a:lstStyle/>
           <a:p>
             <a:r>
-              <a:rPr lang="de-DE" smtClean="0"/>
+              <a:rPr lang="de-DE" dirty="0" smtClean="0"/>
               <a:t>FM-Synthese</a:t>
             </a:r>
-            <a:endParaRPr lang="de-DE"/>
+            <a:endParaRPr lang="de-DE" dirty="0"/>
           </a:p>
         </p:txBody>
       </p:sp>
@@ -6187,6 +9692,13 @@
   <p:clrMapOvr>
     <a:masterClrMapping/>
   </p:clrMapOvr>
+  <p:timing>
+    <p:tnLst>
+      <p:par>
+        <p:cTn id="1" dur="indefinite" restart="never" nodeType="tmRoot"/>
+      </p:par>
+    </p:tnLst>
+  </p:timing>
 </p:sld>
 </file>
 

--- a/Praesentation/FMSynthese-Julius.pptx
+++ b/Praesentation/FMSynthese-Julius.pptx
@@ -5,32 +5,35 @@
     <p:sldMasterId id="2147483648" r:id="rId1"/>
   </p:sldMasterIdLst>
   <p:notesMasterIdLst>
-    <p:notesMasterId r:id="rId25"/>
+    <p:notesMasterId r:id="rId28"/>
   </p:notesMasterIdLst>
   <p:sldIdLst>
     <p:sldId id="257" r:id="rId2"/>
     <p:sldId id="256" r:id="rId3"/>
-    <p:sldId id="258" r:id="rId4"/>
-    <p:sldId id="259" r:id="rId5"/>
-    <p:sldId id="260" r:id="rId6"/>
-    <p:sldId id="261" r:id="rId7"/>
-    <p:sldId id="262" r:id="rId8"/>
-    <p:sldId id="263" r:id="rId9"/>
-    <p:sldId id="264" r:id="rId10"/>
-    <p:sldId id="265" r:id="rId11"/>
-    <p:sldId id="266" r:id="rId12"/>
-    <p:sldId id="267" r:id="rId13"/>
-    <p:sldId id="268" r:id="rId14"/>
-    <p:sldId id="272" r:id="rId15"/>
-    <p:sldId id="269" r:id="rId16"/>
-    <p:sldId id="270" r:id="rId17"/>
-    <p:sldId id="271" r:id="rId18"/>
-    <p:sldId id="273" r:id="rId19"/>
-    <p:sldId id="274" r:id="rId20"/>
-    <p:sldId id="275" r:id="rId21"/>
-    <p:sldId id="276" r:id="rId22"/>
-    <p:sldId id="277" r:id="rId23"/>
-    <p:sldId id="278" r:id="rId24"/>
+    <p:sldId id="279" r:id="rId4"/>
+    <p:sldId id="258" r:id="rId5"/>
+    <p:sldId id="259" r:id="rId6"/>
+    <p:sldId id="260" r:id="rId7"/>
+    <p:sldId id="261" r:id="rId8"/>
+    <p:sldId id="262" r:id="rId9"/>
+    <p:sldId id="263" r:id="rId10"/>
+    <p:sldId id="264" r:id="rId11"/>
+    <p:sldId id="265" r:id="rId12"/>
+    <p:sldId id="266" r:id="rId13"/>
+    <p:sldId id="267" r:id="rId14"/>
+    <p:sldId id="268" r:id="rId15"/>
+    <p:sldId id="272" r:id="rId16"/>
+    <p:sldId id="269" r:id="rId17"/>
+    <p:sldId id="270" r:id="rId18"/>
+    <p:sldId id="271" r:id="rId19"/>
+    <p:sldId id="273" r:id="rId20"/>
+    <p:sldId id="274" r:id="rId21"/>
+    <p:sldId id="275" r:id="rId22"/>
+    <p:sldId id="276" r:id="rId23"/>
+    <p:sldId id="277" r:id="rId24"/>
+    <p:sldId id="278" r:id="rId25"/>
+    <p:sldId id="280" r:id="rId26"/>
+    <p:sldId id="281" r:id="rId27"/>
   </p:sldIdLst>
   <p:sldSz cx="9144000" cy="5143500" type="screen16x9"/>
   <p:notesSz cx="6858000" cy="9144000"/>
@@ -129,6 +132,36 @@
       </a:defRPr>
     </a:lvl9pPr>
   </p:defaultTextStyle>
+  <p:extLst>
+    <p:ext uri="{EFAFB233-063F-42B5-8137-9DF3F51BA10A}">
+      <p15:sldGuideLst xmlns:p15="http://schemas.microsoft.com/office/powerpoint/2012/main">
+        <p15:guide id="1" orient="horz" pos="1620">
+          <p15:clr>
+            <a:srgbClr val="A4A3A4"/>
+          </p15:clr>
+        </p15:guide>
+        <p15:guide id="2" pos="2880">
+          <p15:clr>
+            <a:srgbClr val="A4A3A4"/>
+          </p15:clr>
+        </p15:guide>
+      </p15:sldGuideLst>
+    </p:ext>
+    <p:ext uri="{2D200454-40CA-4A62-9FC3-DE9A4176ACB9}">
+      <p15:notesGuideLst xmlns:p15="http://schemas.microsoft.com/office/powerpoint/2012/main">
+        <p15:guide id="1" orient="horz" pos="2880">
+          <p15:clr>
+            <a:srgbClr val="A4A3A4"/>
+          </p15:clr>
+        </p15:guide>
+        <p15:guide id="2" pos="2160">
+          <p15:clr>
+            <a:srgbClr val="A4A3A4"/>
+          </p15:clr>
+        </p15:guide>
+      </p15:notesGuideLst>
+    </p:ext>
+  </p:extLst>
 </p:presentation>
 </file>
 
@@ -215,7 +248,7 @@
             <a:fld id="{364A5697-ABCF-455C-8519-931EFDD64AAA}" type="datetimeFigureOut">
               <a:rPr lang="de-DE" smtClean="0"/>
               <a:pPr/>
-              <a:t>15.06.2015</a:t>
+              <a:t>16.06.2015</a:t>
             </a:fld>
             <a:endParaRPr lang="de-DE"/>
           </a:p>
@@ -384,6 +417,11 @@
         </p:txBody>
       </p:sp>
     </p:spTree>
+    <p:extLst>
+      <p:ext uri="{BB962C8B-B14F-4D97-AF65-F5344CB8AC3E}">
+        <p14:creationId xmlns:p14="http://schemas.microsoft.com/office/powerpoint/2010/main" val="4239296325"/>
+      </p:ext>
+    </p:extLst>
   </p:cSld>
   <p:clrMap bg1="lt1" tx1="dk1" bg2="lt2" tx2="dk2" accent1="accent1" accent2="accent2" accent3="accent3" accent4="accent4" accent5="accent5" accent6="accent6" hlink="hlink" folHlink="folHlink"/>
   <p:notesStyle>
@@ -663,7 +701,7 @@
             <a:fld id="{D1973D6C-51AD-4508-B508-FD358C94A360}" type="datetime1">
               <a:rPr lang="de-DE" smtClean="0"/>
               <a:pPr/>
-              <a:t>15.06.2015</a:t>
+              <a:t>16.06.2015</a:t>
             </a:fld>
             <a:endParaRPr lang="de-DE"/>
           </a:p>
@@ -834,7 +872,7 @@
             <a:fld id="{16CA1741-E8C7-4D32-930D-2CBEC658BBE9}" type="datetime1">
               <a:rPr lang="de-DE" smtClean="0"/>
               <a:pPr/>
-              <a:t>15.06.2015</a:t>
+              <a:t>16.06.2015</a:t>
             </a:fld>
             <a:endParaRPr lang="de-DE"/>
           </a:p>
@@ -1015,7 +1053,7 @@
             <a:fld id="{BA20089B-28E9-4E3D-8F82-6328AE8CACA6}" type="datetime1">
               <a:rPr lang="de-DE" smtClean="0"/>
               <a:pPr/>
-              <a:t>15.06.2015</a:t>
+              <a:t>16.06.2015</a:t>
             </a:fld>
             <a:endParaRPr lang="de-DE"/>
           </a:p>
@@ -1186,7 +1224,7 @@
             <a:fld id="{1C72BD4E-61B2-40A3-A75C-5FDEDE8E5EC5}" type="datetime1">
               <a:rPr lang="de-DE" smtClean="0"/>
               <a:pPr/>
-              <a:t>15.06.2015</a:t>
+              <a:t>16.06.2015</a:t>
             </a:fld>
             <a:endParaRPr lang="de-DE"/>
           </a:p>
@@ -1433,7 +1471,7 @@
             <a:fld id="{48E855D6-EEBE-45BF-8BB5-776601FA5085}" type="datetime1">
               <a:rPr lang="de-DE" smtClean="0"/>
               <a:pPr/>
-              <a:t>15.06.2015</a:t>
+              <a:t>16.06.2015</a:t>
             </a:fld>
             <a:endParaRPr lang="de-DE"/>
           </a:p>
@@ -1722,7 +1760,7 @@
             <a:fld id="{EF380378-A65B-4494-A5A7-886B50CB4937}" type="datetime1">
               <a:rPr lang="de-DE" smtClean="0"/>
               <a:pPr/>
-              <a:t>15.06.2015</a:t>
+              <a:t>16.06.2015</a:t>
             </a:fld>
             <a:endParaRPr lang="de-DE"/>
           </a:p>
@@ -2145,7 +2183,7 @@
             <a:fld id="{BF9B2ACF-C63C-45AF-B5D6-56753CCBEEC7}" type="datetime1">
               <a:rPr lang="de-DE" smtClean="0"/>
               <a:pPr/>
-              <a:t>15.06.2015</a:t>
+              <a:t>16.06.2015</a:t>
             </a:fld>
             <a:endParaRPr lang="de-DE"/>
           </a:p>
@@ -2264,7 +2302,7 @@
             <a:fld id="{782C60A8-75F3-45EE-8F68-824804B9A36B}" type="datetime1">
               <a:rPr lang="de-DE" smtClean="0"/>
               <a:pPr/>
-              <a:t>15.06.2015</a:t>
+              <a:t>16.06.2015</a:t>
             </a:fld>
             <a:endParaRPr lang="de-DE"/>
           </a:p>
@@ -2360,7 +2398,7 @@
             <a:fld id="{AC76AE4E-B847-44C0-9E80-FADAC514238D}" type="datetime1">
               <a:rPr lang="de-DE" smtClean="0"/>
               <a:pPr/>
-              <a:t>15.06.2015</a:t>
+              <a:t>16.06.2015</a:t>
             </a:fld>
             <a:endParaRPr lang="de-DE"/>
           </a:p>
@@ -2638,7 +2676,7 @@
             <a:fld id="{93EB1BC4-DA1F-4C44-8E36-1B9FD72AD58E}" type="datetime1">
               <a:rPr lang="de-DE" smtClean="0"/>
               <a:pPr/>
-              <a:t>15.06.2015</a:t>
+              <a:t>16.06.2015</a:t>
             </a:fld>
             <a:endParaRPr lang="de-DE"/>
           </a:p>
@@ -2892,7 +2930,7 @@
             <a:fld id="{E23DD280-69E3-4A3C-8762-77BE68C0FDBF}" type="datetime1">
               <a:rPr lang="de-DE" smtClean="0"/>
               <a:pPr/>
-              <a:t>15.06.2015</a:t>
+              <a:t>16.06.2015</a:t>
             </a:fld>
             <a:endParaRPr lang="de-DE"/>
           </a:p>
@@ -3106,7 +3144,7 @@
             <a:fld id="{A1830189-BAB1-4688-8766-4D2AC2DF7C33}" type="datetime1">
               <a:rPr lang="de-DE" smtClean="0"/>
               <a:pPr/>
-              <a:t>15.06.2015</a:t>
+              <a:t>16.06.2015</a:t>
             </a:fld>
             <a:endParaRPr lang="de-DE" dirty="0"/>
           </a:p>
@@ -3581,7 +3619,7 @@
             <a:fld id="{1C72BD4E-61B2-40A3-A75C-5FDEDE8E5EC5}" type="datetime1">
               <a:rPr lang="de-DE" smtClean="0"/>
               <a:pPr/>
-              <a:t>15.06.2015</a:t>
+              <a:t>16.06.2015</a:t>
             </a:fld>
             <a:endParaRPr lang="de-DE"/>
           </a:p>
@@ -3707,8 +3745,8 @@
         </p:nvSpPr>
         <p:spPr>
           <a:xfrm>
-            <a:off x="457200" y="1200151"/>
-            <a:ext cx="8507288" cy="3394472"/>
+            <a:off x="467544" y="1749028"/>
+            <a:ext cx="8229600" cy="1614810"/>
           </a:xfrm>
         </p:spPr>
         <p:txBody>
@@ -3721,8 +3759,10 @@
               <a:rPr lang="de-DE" sz="2000" dirty="0" smtClean="0">
                 <a:latin typeface="Lato" pitchFamily="34" charset="0"/>
               </a:rPr>
-              <a:t>John </a:t>
-            </a:r>
+              <a:t>Erste Entdeckung im Jahre 1967</a:t>
+            </a:r>
+          </a:p>
+          <a:p>
             <a:r>
               <a:rPr lang="de-DE" sz="2000" dirty="0" err="1" smtClean="0">
                 <a:latin typeface="Lato" pitchFamily="34" charset="0"/>
@@ -3733,154 +3773,34 @@
               <a:rPr lang="de-DE" sz="2000" dirty="0" smtClean="0">
                 <a:latin typeface="Lato" pitchFamily="34" charset="0"/>
               </a:rPr>
-              <a:t> 2005 in einem Interview:</a:t>
-            </a:r>
-          </a:p>
-          <a:p>
-            <a:pPr>
-              <a:buNone/>
-            </a:pPr>
-            <a:r>
-              <a:rPr lang="en-US" sz="2000" dirty="0" smtClean="0">
-                <a:latin typeface="Lato" pitchFamily="34" charset="0"/>
-              </a:rPr>
-              <a:t>	</a:t>
-            </a:r>
-          </a:p>
-          <a:p>
-            <a:pPr>
-              <a:buNone/>
-            </a:pPr>
-            <a:r>
-              <a:rPr lang="en-US" sz="2000" dirty="0" smtClean="0">
-                <a:latin typeface="Lato" pitchFamily="34" charset="0"/>
-              </a:rPr>
-              <a:t>	“</a:t>
-            </a:r>
-            <a:r>
-              <a:rPr lang="en-US" sz="2000" i="1" dirty="0" smtClean="0">
-                <a:latin typeface="Lato" pitchFamily="34" charset="0"/>
-              </a:rPr>
-              <a:t>I was experimenting with just a </a:t>
-            </a:r>
-            <a:r>
-              <a:rPr lang="en-US" sz="2000" b="1" i="1" dirty="0" smtClean="0">
-                <a:latin typeface="Lato" pitchFamily="34" charset="0"/>
-              </a:rPr>
-              <a:t>sinusoid</a:t>
-            </a:r>
-            <a:r>
-              <a:rPr lang="en-US" sz="2000" i="1" dirty="0" smtClean="0">
-                <a:latin typeface="Lato" pitchFamily="34" charset="0"/>
-              </a:rPr>
-              <a:t> and </a:t>
-            </a:r>
-            <a:r>
-              <a:rPr lang="en-US" sz="2000" b="1" i="1" dirty="0" smtClean="0">
-                <a:latin typeface="Lato" pitchFamily="34" charset="0"/>
-              </a:rPr>
-              <a:t>kept increasing the vibrato rate</a:t>
-            </a:r>
-            <a:r>
-              <a:rPr lang="en-US" sz="2000" i="1" dirty="0" smtClean="0">
-                <a:latin typeface="Lato" pitchFamily="34" charset="0"/>
-              </a:rPr>
-              <a:t>, so all of a sudden it didn’t sound like listening to a change in pitch in time, but rather </a:t>
-            </a:r>
-            <a:r>
-              <a:rPr lang="en-US" sz="2000" i="1" dirty="0" err="1" smtClean="0">
-                <a:latin typeface="Lato" pitchFamily="34" charset="0"/>
-              </a:rPr>
-              <a:t>i</a:t>
-            </a:r>
-            <a:r>
-              <a:rPr lang="en-US" sz="2000" i="1" dirty="0" smtClean="0">
-                <a:latin typeface="Lato" pitchFamily="34" charset="0"/>
-              </a:rPr>
-              <a:t> began to hear </a:t>
-            </a:r>
-            <a:r>
-              <a:rPr lang="en-US" sz="2000" b="1" i="1" dirty="0" err="1" smtClean="0">
-                <a:latin typeface="Lato" pitchFamily="34" charset="0"/>
-              </a:rPr>
-              <a:t>timbral</a:t>
-            </a:r>
-            <a:r>
-              <a:rPr lang="en-US" sz="2000" b="1" i="1" dirty="0" smtClean="0">
-                <a:latin typeface="Lato" pitchFamily="34" charset="0"/>
-              </a:rPr>
-              <a:t> </a:t>
-            </a:r>
-            <a:r>
-              <a:rPr lang="en-US" sz="2000" b="1" i="1" dirty="0" err="1" smtClean="0">
-                <a:latin typeface="Lato" pitchFamily="34" charset="0"/>
-              </a:rPr>
-              <a:t>diﬀerences</a:t>
-            </a:r>
-            <a:r>
-              <a:rPr lang="en-US" sz="2000" i="1" dirty="0" smtClean="0">
-                <a:latin typeface="Lato" pitchFamily="34" charset="0"/>
-              </a:rPr>
-              <a:t>. So the </a:t>
-            </a:r>
-            <a:r>
-              <a:rPr lang="en-US" sz="2000" i="1" dirty="0" err="1" smtClean="0">
-                <a:latin typeface="Lato" pitchFamily="34" charset="0"/>
-              </a:rPr>
-              <a:t>vibratio</a:t>
-            </a:r>
-            <a:r>
-              <a:rPr lang="en-US" sz="2000" i="1" dirty="0" smtClean="0">
-                <a:latin typeface="Lato" pitchFamily="34" charset="0"/>
-              </a:rPr>
-              <a:t> became very, very fast, hundreds of times per second, and very, very deep, as if the violinist had a </a:t>
-            </a:r>
-            <a:r>
-              <a:rPr lang="en-US" sz="2000" i="1" dirty="0" err="1" smtClean="0">
-                <a:latin typeface="Lato" pitchFamily="34" charset="0"/>
-              </a:rPr>
-              <a:t>diﬀerent</a:t>
-            </a:r>
-            <a:r>
-              <a:rPr lang="en-US" sz="2000" i="1" dirty="0" smtClean="0">
-                <a:latin typeface="Lato" pitchFamily="34" charset="0"/>
-              </a:rPr>
-              <a:t> </a:t>
-            </a:r>
-            <a:r>
-              <a:rPr lang="en-US" sz="2000" i="1" dirty="0" err="1" smtClean="0">
-                <a:latin typeface="Lato" pitchFamily="34" charset="0"/>
-              </a:rPr>
-              <a:t>ﬁngerboard</a:t>
-            </a:r>
-            <a:r>
-              <a:rPr lang="en-US" sz="2000" i="1" dirty="0" smtClean="0">
-                <a:latin typeface="Lato" pitchFamily="34" charset="0"/>
-              </a:rPr>
-              <a:t>, and the </a:t>
-            </a:r>
-            <a:r>
-              <a:rPr lang="en-US" sz="2000" b="1" i="1" dirty="0" err="1" smtClean="0">
-                <a:latin typeface="Lato" pitchFamily="34" charset="0"/>
-              </a:rPr>
-              <a:t>ﬁnger</a:t>
-            </a:r>
-            <a:r>
-              <a:rPr lang="en-US" sz="2000" b="1" i="1" dirty="0" smtClean="0">
-                <a:latin typeface="Lato" pitchFamily="34" charset="0"/>
-              </a:rPr>
-              <a:t> was whipping up and down at very high rates </a:t>
-            </a:r>
-            <a:r>
-              <a:rPr lang="en-US" sz="2000" i="1" dirty="0" smtClean="0">
-                <a:latin typeface="Lato" pitchFamily="34" charset="0"/>
-              </a:rPr>
-              <a:t>and very great distances. That would be sort of a physical metaphor for this.”</a:t>
-            </a:r>
-            <a:endParaRPr lang="de-DE" sz="2000" i="1" dirty="0" smtClean="0">
+              <a:t> experimentierte mit </a:t>
+            </a:r>
+            <a:r>
+              <a:rPr lang="de-DE" sz="2000" dirty="0" err="1" smtClean="0">
+                <a:latin typeface="Lato" pitchFamily="34" charset="0"/>
+              </a:rPr>
+              <a:t>Vibratos</a:t>
+            </a:r>
+            <a:endParaRPr lang="de-DE" sz="2000" dirty="0" smtClean="0">
               <a:latin typeface="Lato" pitchFamily="34" charset="0"/>
             </a:endParaRPr>
           </a:p>
+          <a:p>
+            <a:r>
+              <a:rPr lang="de-DE" sz="2000" dirty="0" smtClean="0">
+                <a:latin typeface="Lato" pitchFamily="34" charset="0"/>
+              </a:rPr>
+              <a:t>Vibrato: Periodische Änderung eines Tons</a:t>
+            </a:r>
+          </a:p>
+          <a:p>
+            <a:r>
+              <a:rPr lang="de-DE" sz="2000" dirty="0" smtClean="0">
+                <a:latin typeface="Lato" pitchFamily="34" charset="0"/>
+              </a:rPr>
+              <a:t>Neue Obertöne bei höheren Modulationsfrequenzen</a:t>
+            </a:r>
+          </a:p>
         </p:txBody>
       </p:sp>
       <p:sp>
@@ -3901,7 +3821,7 @@
             <a:fld id="{1C72BD4E-61B2-40A3-A75C-5FDEDE8E5EC5}" type="datetime1">
               <a:rPr lang="de-DE" smtClean="0"/>
               <a:pPr/>
-              <a:t>15.06.2015</a:t>
+              <a:t>16.06.2015</a:t>
             </a:fld>
             <a:endParaRPr lang="de-DE"/>
           </a:p>
@@ -4017,6 +3937,194 @@
       </p:sp>
       <p:sp>
         <p:nvSpPr>
+          <p:cNvPr id="3" name="Inhaltsplatzhalter 2"/>
+          <p:cNvSpPr>
+            <a:spLocks noGrp="1"/>
+          </p:cNvSpPr>
+          <p:nvPr>
+            <p:ph idx="1"/>
+          </p:nvPr>
+        </p:nvSpPr>
+        <p:spPr>
+          <a:xfrm>
+            <a:off x="457200" y="1200151"/>
+            <a:ext cx="8507288" cy="3394472"/>
+          </a:xfrm>
+        </p:spPr>
+        <p:txBody>
+          <a:bodyPr>
+            <a:normAutofit/>
+          </a:bodyPr>
+          <a:lstStyle/>
+          <a:p>
+            <a:r>
+              <a:rPr lang="de-DE" sz="2000" dirty="0" smtClean="0">
+                <a:latin typeface="Lato" pitchFamily="34" charset="0"/>
+              </a:rPr>
+              <a:t>John </a:t>
+            </a:r>
+            <a:r>
+              <a:rPr lang="de-DE" sz="2000" dirty="0" err="1" smtClean="0">
+                <a:latin typeface="Lato" pitchFamily="34" charset="0"/>
+              </a:rPr>
+              <a:t>Chowning</a:t>
+            </a:r>
+            <a:r>
+              <a:rPr lang="de-DE" sz="2000" dirty="0" smtClean="0">
+                <a:latin typeface="Lato" pitchFamily="34" charset="0"/>
+              </a:rPr>
+              <a:t> 2005 in einem Interview:</a:t>
+            </a:r>
+          </a:p>
+          <a:p>
+            <a:pPr>
+              <a:buNone/>
+            </a:pPr>
+            <a:r>
+              <a:rPr lang="en-US" sz="2000" dirty="0" smtClean="0">
+                <a:latin typeface="Lato" pitchFamily="34" charset="0"/>
+              </a:rPr>
+              <a:t>	</a:t>
+            </a:r>
+          </a:p>
+          <a:p>
+            <a:pPr>
+              <a:buNone/>
+            </a:pPr>
+            <a:r>
+              <a:rPr lang="en-US" sz="2000" dirty="0" smtClean="0">
+                <a:latin typeface="Lato" pitchFamily="34" charset="0"/>
+              </a:rPr>
+              <a:t>	“</a:t>
+            </a:r>
+            <a:r>
+              <a:rPr lang="en-US" sz="2000" i="1" dirty="0" smtClean="0">
+                <a:latin typeface="Lato" pitchFamily="34" charset="0"/>
+              </a:rPr>
+              <a:t>I was experimenting with just a </a:t>
+            </a:r>
+            <a:r>
+              <a:rPr lang="en-US" sz="2000" b="1" i="1" dirty="0" smtClean="0">
+                <a:latin typeface="Lato" pitchFamily="34" charset="0"/>
+              </a:rPr>
+              <a:t>sinusoid</a:t>
+            </a:r>
+            <a:r>
+              <a:rPr lang="en-US" sz="2000" i="1" dirty="0" smtClean="0">
+                <a:latin typeface="Lato" pitchFamily="34" charset="0"/>
+              </a:rPr>
+              <a:t> and </a:t>
+            </a:r>
+            <a:r>
+              <a:rPr lang="en-US" sz="2000" b="1" i="1" dirty="0" smtClean="0">
+                <a:latin typeface="Lato" pitchFamily="34" charset="0"/>
+              </a:rPr>
+              <a:t>kept increasing the vibrato rate</a:t>
+            </a:r>
+            <a:r>
+              <a:rPr lang="en-US" sz="2000" i="1" dirty="0" smtClean="0">
+                <a:latin typeface="Lato" pitchFamily="34" charset="0"/>
+              </a:rPr>
+              <a:t>, so all of a sudden it didn’t sound like listening to a change in pitch in time, but rather </a:t>
+            </a:r>
+            <a:r>
+              <a:rPr lang="en-US" sz="2000" i="1" dirty="0" err="1" smtClean="0">
+                <a:latin typeface="Lato" pitchFamily="34" charset="0"/>
+              </a:rPr>
+              <a:t>i</a:t>
+            </a:r>
+            <a:r>
+              <a:rPr lang="en-US" sz="2000" i="1" dirty="0" smtClean="0">
+                <a:latin typeface="Lato" pitchFamily="34" charset="0"/>
+              </a:rPr>
+              <a:t> began to hear </a:t>
+            </a:r>
+            <a:r>
+              <a:rPr lang="en-US" sz="2000" b="1" i="1" dirty="0" err="1" smtClean="0">
+                <a:latin typeface="Lato" pitchFamily="34" charset="0"/>
+              </a:rPr>
+              <a:t>timbral</a:t>
+            </a:r>
+            <a:r>
+              <a:rPr lang="en-US" sz="2000" b="1" i="1" dirty="0" smtClean="0">
+                <a:latin typeface="Lato" pitchFamily="34" charset="0"/>
+              </a:rPr>
+              <a:t> </a:t>
+            </a:r>
+            <a:r>
+              <a:rPr lang="en-US" sz="2000" b="1" i="1" dirty="0" err="1" smtClean="0">
+                <a:latin typeface="Lato" pitchFamily="34" charset="0"/>
+              </a:rPr>
+              <a:t>diﬀerences</a:t>
+            </a:r>
+            <a:r>
+              <a:rPr lang="en-US" sz="2000" i="1" dirty="0" smtClean="0">
+                <a:latin typeface="Lato" pitchFamily="34" charset="0"/>
+              </a:rPr>
+              <a:t>. So the </a:t>
+            </a:r>
+            <a:r>
+              <a:rPr lang="en-US" sz="2000" i="1" dirty="0" err="1" smtClean="0">
+                <a:latin typeface="Lato" pitchFamily="34" charset="0"/>
+              </a:rPr>
+              <a:t>vibratio</a:t>
+            </a:r>
+            <a:r>
+              <a:rPr lang="en-US" sz="2000" i="1" dirty="0" smtClean="0">
+                <a:latin typeface="Lato" pitchFamily="34" charset="0"/>
+              </a:rPr>
+              <a:t> became very, very fast, hundreds of times per second, and very, very deep, as if the violinist had a </a:t>
+            </a:r>
+            <a:r>
+              <a:rPr lang="en-US" sz="2000" i="1" dirty="0" err="1" smtClean="0">
+                <a:latin typeface="Lato" pitchFamily="34" charset="0"/>
+              </a:rPr>
+              <a:t>diﬀerent</a:t>
+            </a:r>
+            <a:r>
+              <a:rPr lang="en-US" sz="2000" i="1" dirty="0" smtClean="0">
+                <a:latin typeface="Lato" pitchFamily="34" charset="0"/>
+              </a:rPr>
+              <a:t> </a:t>
+            </a:r>
+            <a:r>
+              <a:rPr lang="en-US" sz="2000" i="1" dirty="0" err="1" smtClean="0">
+                <a:latin typeface="Lato" pitchFamily="34" charset="0"/>
+              </a:rPr>
+              <a:t>ﬁngerboard</a:t>
+            </a:r>
+            <a:r>
+              <a:rPr lang="en-US" sz="2000" i="1" dirty="0" smtClean="0">
+                <a:latin typeface="Lato" pitchFamily="34" charset="0"/>
+              </a:rPr>
+              <a:t>, and the </a:t>
+            </a:r>
+            <a:r>
+              <a:rPr lang="en-US" sz="2000" b="1" i="1" dirty="0" err="1" smtClean="0">
+                <a:latin typeface="Lato" pitchFamily="34" charset="0"/>
+              </a:rPr>
+              <a:t>ﬁnger</a:t>
+            </a:r>
+            <a:r>
+              <a:rPr lang="en-US" sz="2000" b="1" i="1" dirty="0" smtClean="0">
+                <a:latin typeface="Lato" pitchFamily="34" charset="0"/>
+              </a:rPr>
+              <a:t> was whipping up and down at very high rates </a:t>
+            </a:r>
+            <a:r>
+              <a:rPr lang="en-US" sz="2000" i="1" dirty="0" smtClean="0">
+                <a:latin typeface="Lato" pitchFamily="34" charset="0"/>
+              </a:rPr>
+              <a:t>and very great distances. That would be sort of a physical metaphor for this.”</a:t>
+            </a:r>
+            <a:endParaRPr lang="de-DE" sz="2000" i="1" dirty="0" smtClean="0">
+              <a:latin typeface="Lato" pitchFamily="34" charset="0"/>
+            </a:endParaRPr>
+          </a:p>
+        </p:txBody>
+      </p:sp>
+      <p:sp>
+        <p:nvSpPr>
           <p:cNvPr id="4" name="Datumsplatzhalter 3"/>
           <p:cNvSpPr>
             <a:spLocks noGrp="1"/>
@@ -4033,7 +4141,7 @@
             <a:fld id="{1C72BD4E-61B2-40A3-A75C-5FDEDE8E5EC5}" type="datetime1">
               <a:rPr lang="de-DE" smtClean="0"/>
               <a:pPr/>
-              <a:t>15.06.2015</a:t>
+              <a:t>16.06.2015</a:t>
             </a:fld>
             <a:endParaRPr lang="de-DE"/>
           </a:p>
@@ -4055,10 +4163,10 @@
           <a:lstStyle/>
           <a:p>
             <a:r>
-              <a:rPr lang="de-DE" smtClean="0"/>
+              <a:rPr lang="de-DE" dirty="0" smtClean="0"/>
               <a:t>FM-Synthese</a:t>
             </a:r>
-            <a:endParaRPr lang="de-DE"/>
+            <a:endParaRPr lang="de-DE" dirty="0"/>
           </a:p>
         </p:txBody>
       </p:sp>
@@ -4083,88 +4191,6 @@
               <a:t>11</a:t>
             </a:fld>
             <a:endParaRPr lang="de-DE" dirty="0"/>
-          </a:p>
-        </p:txBody>
-      </p:sp>
-      <p:sp>
-        <p:nvSpPr>
-          <p:cNvPr id="7" name="Inhaltsplatzhalter 2"/>
-          <p:cNvSpPr>
-            <a:spLocks noGrp="1"/>
-          </p:cNvSpPr>
-          <p:nvPr>
-            <p:ph idx="1"/>
-          </p:nvPr>
-        </p:nvSpPr>
-        <p:spPr>
-          <a:xfrm>
-            <a:off x="467544" y="1749028"/>
-            <a:ext cx="8229600" cy="1974850"/>
-          </a:xfrm>
-        </p:spPr>
-        <p:txBody>
-          <a:bodyPr>
-            <a:normAutofit/>
-          </a:bodyPr>
-          <a:lstStyle/>
-          <a:p>
-            <a:r>
-              <a:rPr lang="de-DE" sz="2000" dirty="0" smtClean="0">
-                <a:latin typeface="Lato" pitchFamily="34" charset="0"/>
-              </a:rPr>
-              <a:t>Nach 3 Jahren:  Durchblick der mathematischen Hintergründe</a:t>
-            </a:r>
-          </a:p>
-          <a:p>
-            <a:r>
-              <a:rPr lang="de-DE" sz="2000" dirty="0" smtClean="0">
-                <a:latin typeface="Lato" pitchFamily="34" charset="0"/>
-              </a:rPr>
-              <a:t>Nachbildung von verschiedenen Instrumenten</a:t>
-            </a:r>
-          </a:p>
-          <a:p>
-            <a:r>
-              <a:rPr lang="de-DE" sz="2000" dirty="0" smtClean="0">
-                <a:latin typeface="Lato" pitchFamily="34" charset="0"/>
-              </a:rPr>
-              <a:t>Veröffentlichung von „</a:t>
-            </a:r>
-            <a:r>
-              <a:rPr lang="de-DE" sz="2000" dirty="0" err="1" smtClean="0">
-                <a:latin typeface="Lato" pitchFamily="34" charset="0"/>
-              </a:rPr>
-              <a:t>Sabelithe</a:t>
-            </a:r>
-            <a:r>
-              <a:rPr lang="de-DE" sz="2000" dirty="0" smtClean="0">
-                <a:latin typeface="Lato" pitchFamily="34" charset="0"/>
-              </a:rPr>
-              <a:t>“ 1971</a:t>
-            </a:r>
-          </a:p>
-          <a:p>
-            <a:r>
-              <a:rPr lang="de-DE" sz="2000" dirty="0" smtClean="0">
-                <a:latin typeface="Lato" pitchFamily="34" charset="0"/>
-              </a:rPr>
-              <a:t>Veröffentlichung von „</a:t>
-            </a:r>
-            <a:r>
-              <a:rPr lang="de-DE" sz="2000" dirty="0" err="1" smtClean="0">
-                <a:latin typeface="Lato" pitchFamily="34" charset="0"/>
-              </a:rPr>
-              <a:t>Turenas</a:t>
-            </a:r>
-            <a:r>
-              <a:rPr lang="de-DE" sz="2000" dirty="0" smtClean="0">
-                <a:latin typeface="Lato" pitchFamily="34" charset="0"/>
-              </a:rPr>
-              <a:t>“ 1972 </a:t>
-            </a:r>
-            <a:endParaRPr lang="de-DE" sz="2000" dirty="0" smtClean="0">
-              <a:latin typeface="Lato" pitchFamily="34" charset="0"/>
-            </a:endParaRPr>
           </a:p>
         </p:txBody>
       </p:sp>
@@ -4247,7 +4273,7 @@
             <a:fld id="{1C72BD4E-61B2-40A3-A75C-5FDEDE8E5EC5}" type="datetime1">
               <a:rPr lang="de-DE" smtClean="0"/>
               <a:pPr/>
-              <a:t>15.06.2015</a:t>
+              <a:t>16.06.2015</a:t>
             </a:fld>
             <a:endParaRPr lang="de-DE"/>
           </a:p>
@@ -4312,8 +4338,8 @@
         </p:nvSpPr>
         <p:spPr>
           <a:xfrm>
-            <a:off x="467544" y="1347614"/>
-            <a:ext cx="8229600" cy="2838946"/>
+            <a:off x="467544" y="1749028"/>
+            <a:ext cx="8229600" cy="1974850"/>
           </a:xfrm>
         </p:spPr>
         <p:txBody>
@@ -4323,16 +4349,38 @@
           <a:lstStyle/>
           <a:p>
             <a:r>
+              <a:rPr lang="de-DE" sz="2000" dirty="0" smtClean="0">
+                <a:latin typeface="Lato" pitchFamily="34" charset="0"/>
+              </a:rPr>
+              <a:t>Nach 3 Jahren:  Durchblick der mathematischen Hintergründe</a:t>
+            </a:r>
+          </a:p>
+          <a:p>
+            <a:r>
+              <a:rPr lang="de-DE" sz="2000" dirty="0" smtClean="0">
+                <a:latin typeface="Lato" pitchFamily="34" charset="0"/>
+              </a:rPr>
+              <a:t>Nachbildung von verschiedenen Instrumenten</a:t>
+            </a:r>
+          </a:p>
+          <a:p>
+            <a:r>
+              <a:rPr lang="de-DE" sz="2000" dirty="0" smtClean="0">
+                <a:latin typeface="Lato" pitchFamily="34" charset="0"/>
+              </a:rPr>
+              <a:t>Veröffentlichung von „</a:t>
+            </a:r>
+            <a:r>
               <a:rPr lang="de-DE" sz="2000" dirty="0" err="1" smtClean="0">
                 <a:latin typeface="Lato" pitchFamily="34" charset="0"/>
               </a:rPr>
-              <a:t>Chowning</a:t>
+              <a:t>Sabelithe</a:t>
             </a:r>
             <a:r>
               <a:rPr lang="de-DE" sz="2000" dirty="0" smtClean="0">
                 <a:latin typeface="Lato" pitchFamily="34" charset="0"/>
               </a:rPr>
-              <a:t> Intention: Komposition neuer Stücke</a:t>
+              <a:t>“ 1971</a:t>
             </a:r>
           </a:p>
           <a:p>
@@ -4340,116 +4388,20 @@
               <a:rPr lang="de-DE" sz="2000" dirty="0" smtClean="0">
                 <a:latin typeface="Lato" pitchFamily="34" charset="0"/>
               </a:rPr>
-              <a:t>Jedoch: Hoffnung auf kommerzielle </a:t>
+              <a:t>Veröffentlichung von „</a:t>
+            </a:r>
+            <a:r>
+              <a:rPr lang="de-DE" sz="2000" dirty="0" err="1" smtClean="0">
+                <a:latin typeface="Lato" pitchFamily="34" charset="0"/>
+              </a:rPr>
+              <a:t>Turenas</a:t>
             </a:r>
             <a:r>
               <a:rPr lang="de-DE" sz="2000" dirty="0" smtClean="0">
                 <a:latin typeface="Lato" pitchFamily="34" charset="0"/>
               </a:rPr>
-              <a:t>A</a:t>
-            </a:r>
-            <a:r>
-              <a:rPr lang="de-DE" sz="2000" dirty="0" smtClean="0">
-                <a:latin typeface="Lato" pitchFamily="34" charset="0"/>
-              </a:rPr>
-              <a:t>nwendung</a:t>
-            </a:r>
-          </a:p>
-          <a:p>
-            <a:r>
-              <a:rPr lang="de-DE" sz="2000" dirty="0" smtClean="0">
-                <a:latin typeface="Lato" pitchFamily="34" charset="0"/>
-              </a:rPr>
-              <a:t>Lizensierung durc</a:t>
-            </a:r>
-            <a:r>
-              <a:rPr lang="de-DE" sz="2000" dirty="0" smtClean="0">
-                <a:latin typeface="Lato" pitchFamily="34" charset="0"/>
-              </a:rPr>
-              <a:t>h das OTL (Office </a:t>
-            </a:r>
-            <a:r>
-              <a:rPr lang="de-DE" sz="2000" dirty="0" err="1" smtClean="0">
-                <a:latin typeface="Lato" pitchFamily="34" charset="0"/>
-              </a:rPr>
-              <a:t>of</a:t>
-            </a:r>
-            <a:r>
-              <a:rPr lang="de-DE" sz="2000" dirty="0" smtClean="0">
-                <a:latin typeface="Lato" pitchFamily="34" charset="0"/>
-              </a:rPr>
-              <a:t> Technology Licensing)</a:t>
-            </a:r>
-          </a:p>
-          <a:p>
-            <a:r>
-              <a:rPr lang="de-DE" sz="2000" dirty="0" smtClean="0">
-                <a:latin typeface="Lato" pitchFamily="34" charset="0"/>
-              </a:rPr>
-              <a:t>Wenig Interesse zu Begin</a:t>
-            </a:r>
-          </a:p>
-          <a:p>
-            <a:r>
-              <a:rPr lang="de-DE" sz="2000" dirty="0" smtClean="0">
-                <a:latin typeface="Lato" pitchFamily="34" charset="0"/>
-              </a:rPr>
-              <a:t>Zitat Andy Moorer:</a:t>
-            </a:r>
-          </a:p>
-          <a:p>
-            <a:pPr>
-              <a:buNone/>
-            </a:pPr>
-            <a:r>
-              <a:rPr lang="en-US" sz="2000" dirty="0" smtClean="0">
-                <a:latin typeface="Lato" pitchFamily="34" charset="0"/>
-              </a:rPr>
-              <a:t>	“[...] </a:t>
-            </a:r>
-            <a:r>
-              <a:rPr lang="en-US" sz="2000" i="1" dirty="0" smtClean="0">
-                <a:latin typeface="Lato" pitchFamily="34" charset="0"/>
-              </a:rPr>
-              <a:t>It was really discouraging. John was so proud of having put this damn thing together </a:t>
-            </a:r>
-            <a:r>
-              <a:rPr lang="en-US" sz="2000" i="1" dirty="0" smtClean="0">
-                <a:latin typeface="Lato" pitchFamily="34" charset="0"/>
-              </a:rPr>
-              <a:t>and people </a:t>
-            </a:r>
-            <a:r>
-              <a:rPr lang="en-US" sz="2000" i="1" dirty="0" smtClean="0">
-                <a:latin typeface="Lato" pitchFamily="34" charset="0"/>
-              </a:rPr>
-              <a:t>didn’t really get the idea of </a:t>
-            </a:r>
-            <a:r>
-              <a:rPr lang="en-US" sz="2000" i="1" dirty="0" err="1" smtClean="0">
-                <a:latin typeface="Lato" pitchFamily="34" charset="0"/>
-              </a:rPr>
-              <a:t>spatializing</a:t>
-            </a:r>
-            <a:r>
-              <a:rPr lang="en-US" sz="2000" i="1" dirty="0" smtClean="0">
-                <a:latin typeface="Lato" pitchFamily="34" charset="0"/>
-              </a:rPr>
-              <a:t> the sound.”</a:t>
-            </a:r>
-            <a:endParaRPr lang="de-DE" sz="2000" i="1" dirty="0" smtClean="0">
-              <a:latin typeface="Lato" pitchFamily="34" charset="0"/>
-            </a:endParaRPr>
-          </a:p>
-          <a:p>
-            <a:endParaRPr lang="de-DE" sz="2000" dirty="0" smtClean="0">
-              <a:latin typeface="Lato" pitchFamily="34" charset="0"/>
-            </a:endParaRPr>
-          </a:p>
-          <a:p>
-            <a:endParaRPr lang="de-DE" sz="2000" dirty="0" smtClean="0">
-              <a:latin typeface="Lato" pitchFamily="34" charset="0"/>
-            </a:endParaRPr>
+              <a:t>“ 1972 </a:t>
+            </a:r>
           </a:p>
         </p:txBody>
       </p:sp>
@@ -4487,6 +4439,35 @@
       </p:grpSpPr>
       <p:sp>
         <p:nvSpPr>
+          <p:cNvPr id="2" name="Titel 1"/>
+          <p:cNvSpPr>
+            <a:spLocks noGrp="1"/>
+          </p:cNvSpPr>
+          <p:nvPr>
+            <p:ph type="title"/>
+          </p:nvPr>
+        </p:nvSpPr>
+        <p:spPr/>
+        <p:txBody>
+          <a:bodyPr>
+            <a:normAutofit/>
+          </a:bodyPr>
+          <a:lstStyle/>
+          <a:p>
+            <a:r>
+              <a:rPr lang="de-DE" sz="2800" dirty="0" smtClean="0">
+                <a:latin typeface="Lato" pitchFamily="34" charset="0"/>
+              </a:rPr>
+              <a:t>Geschichte der FM-Synthese</a:t>
+            </a:r>
+            <a:endParaRPr lang="de-DE" sz="2800" dirty="0">
+              <a:latin typeface="Lato" pitchFamily="34" charset="0"/>
+            </a:endParaRPr>
+          </a:p>
+        </p:txBody>
+      </p:sp>
+      <p:sp>
+        <p:nvSpPr>
           <p:cNvPr id="4" name="Datumsplatzhalter 3"/>
           <p:cNvSpPr>
             <a:spLocks noGrp="1"/>
@@ -4503,7 +4484,7 @@
             <a:fld id="{1C72BD4E-61B2-40A3-A75C-5FDEDE8E5EC5}" type="datetime1">
               <a:rPr lang="de-DE" smtClean="0"/>
               <a:pPr/>
-              <a:t>15.06.2015</a:t>
+              <a:t>16.06.2015</a:t>
             </a:fld>
             <a:endParaRPr lang="de-DE"/>
           </a:p>
@@ -4579,10 +4560,16 @@
           <a:lstStyle/>
           <a:p>
             <a:r>
+              <a:rPr lang="de-DE" sz="2000" dirty="0" err="1" smtClean="0">
+                <a:latin typeface="Lato" pitchFamily="34" charset="0"/>
+              </a:rPr>
+              <a:t>Chowning</a:t>
+            </a:r>
+            <a:r>
               <a:rPr lang="de-DE" sz="2000" dirty="0" smtClean="0">
                 <a:latin typeface="Lato" pitchFamily="34" charset="0"/>
               </a:rPr>
-              <a:t>1973: Veröffentlichung der Erfindung</a:t>
+              <a:t> Intention: Komposition neuer Stücke</a:t>
             </a:r>
           </a:p>
           <a:p>
@@ -4590,33 +4577,35 @@
               <a:rPr lang="de-DE" sz="2000" dirty="0" smtClean="0">
                 <a:latin typeface="Lato" pitchFamily="34" charset="0"/>
               </a:rPr>
-              <a:t>1974: Vorstellung der FM-Synthese bei Yamaha</a:t>
-            </a:r>
-          </a:p>
-          <a:p>
+              <a:t>Jedoch: Hoffnung auf kommerzielle Anwendung</a:t>
+            </a:r>
+          </a:p>
+          <a:p>
+            <a:r>
+              <a:rPr lang="de-DE" sz="2000" dirty="0" smtClean="0">
+                <a:latin typeface="Lato" pitchFamily="34" charset="0"/>
+              </a:rPr>
+              <a:t>Lizensierung durch das OTL (Office </a:t>
+            </a:r>
             <a:r>
               <a:rPr lang="de-DE" sz="2000" dirty="0" err="1" smtClean="0">
                 <a:latin typeface="Lato" pitchFamily="34" charset="0"/>
               </a:rPr>
-              <a:t>Kazukiyo</a:t>
+              <a:t>of</a:t>
             </a:r>
             <a:r>
               <a:rPr lang="de-DE" sz="2000" dirty="0" smtClean="0">
                 <a:latin typeface="Lato" pitchFamily="34" charset="0"/>
               </a:rPr>
-              <a:t> </a:t>
-            </a:r>
-            <a:r>
-              <a:rPr lang="de-DE" sz="2000" dirty="0" err="1" smtClean="0">
-                <a:latin typeface="Lato" pitchFamily="34" charset="0"/>
-              </a:rPr>
-              <a:t>Ishimura</a:t>
-            </a:r>
+              <a:t> Technology Licensing)</a:t>
+            </a:r>
+          </a:p>
+          <a:p>
             <a:r>
               <a:rPr lang="de-DE" sz="2000" dirty="0" smtClean="0">
                 <a:latin typeface="Lato" pitchFamily="34" charset="0"/>
               </a:rPr>
-              <a:t> erkannte das Potenzial</a:t>
+              <a:t>Wenig Interesse zu Begin</a:t>
             </a:r>
           </a:p>
           <a:p>
@@ -4624,121 +4613,48 @@
               <a:rPr lang="de-DE" sz="2000" dirty="0" smtClean="0">
                 <a:latin typeface="Lato" pitchFamily="34" charset="0"/>
               </a:rPr>
-              <a:t>Yamaha lizensiert die FM-Synthese im gleichen Jahr</a:t>
-            </a:r>
+              <a:t>Zitat Andy Moorer:</a:t>
+            </a:r>
+          </a:p>
+          <a:p>
+            <a:pPr>
+              <a:buNone/>
+            </a:pPr>
+            <a:r>
+              <a:rPr lang="en-US" sz="2000" dirty="0" smtClean="0">
+                <a:latin typeface="Lato" pitchFamily="34" charset="0"/>
+              </a:rPr>
+              <a:t>	“[...] </a:t>
+            </a:r>
+            <a:r>
+              <a:rPr lang="en-US" sz="2000" i="1" dirty="0" smtClean="0">
+                <a:latin typeface="Lato" pitchFamily="34" charset="0"/>
+              </a:rPr>
+              <a:t>It was really discouraging. John was so proud of having put this damn thing together and people didn’t really get the idea of </a:t>
+            </a:r>
+            <a:r>
+              <a:rPr lang="en-US" sz="2000" i="1" dirty="0" err="1" smtClean="0">
+                <a:latin typeface="Lato" pitchFamily="34" charset="0"/>
+              </a:rPr>
+              <a:t>spatializing</a:t>
+            </a:r>
+            <a:r>
+              <a:rPr lang="en-US" sz="2000" i="1" dirty="0" smtClean="0">
+                <a:latin typeface="Lato" pitchFamily="34" charset="0"/>
+              </a:rPr>
+              <a:t> the sound.”</a:t>
+            </a:r>
+            <a:endParaRPr lang="de-DE" sz="2000" i="1" dirty="0" smtClean="0">
+              <a:latin typeface="Lato" pitchFamily="34" charset="0"/>
+            </a:endParaRPr>
+          </a:p>
+          <a:p>
             <a:endParaRPr lang="de-DE" sz="2000" dirty="0" smtClean="0">
               <a:latin typeface="Lato" pitchFamily="34" charset="0"/>
             </a:endParaRPr>
           </a:p>
           <a:p>
-            <a:r>
-              <a:rPr lang="de-DE" sz="2000" dirty="0" smtClean="0">
-                <a:latin typeface="Lato" pitchFamily="34" charset="0"/>
-              </a:rPr>
-              <a:t>1975: </a:t>
-            </a:r>
-            <a:r>
-              <a:rPr lang="de-DE" sz="2000" dirty="0" err="1" smtClean="0">
-                <a:latin typeface="Lato" pitchFamily="34" charset="0"/>
-              </a:rPr>
-              <a:t>Chowning</a:t>
-            </a:r>
-            <a:r>
-              <a:rPr lang="de-DE" sz="2000" dirty="0" smtClean="0">
-                <a:latin typeface="Lato" pitchFamily="34" charset="0"/>
-              </a:rPr>
-              <a:t> kehrt nach Stanford zurück</a:t>
-            </a:r>
-          </a:p>
-          <a:p>
-            <a:r>
-              <a:rPr lang="de-DE" sz="2000" dirty="0" smtClean="0">
-                <a:latin typeface="Lato" pitchFamily="34" charset="0"/>
-              </a:rPr>
-              <a:t>Gründung des CCRMA („Karma“) </a:t>
-            </a:r>
-          </a:p>
-          <a:p>
-            <a:pPr>
-              <a:buNone/>
-            </a:pPr>
-            <a:r>
-              <a:rPr lang="de-DE" sz="2000" dirty="0" smtClean="0">
-                <a:latin typeface="Lato" pitchFamily="34" charset="0"/>
-              </a:rPr>
-              <a:t>	</a:t>
-            </a:r>
-            <a:r>
-              <a:rPr lang="de-DE" sz="2000" dirty="0" smtClean="0">
-                <a:latin typeface="Lato" pitchFamily="34" charset="0"/>
-              </a:rPr>
-              <a:t>– Center </a:t>
-            </a:r>
-            <a:r>
-              <a:rPr lang="de-DE" sz="2000" dirty="0" err="1" smtClean="0">
-                <a:latin typeface="Lato" pitchFamily="34" charset="0"/>
-              </a:rPr>
-              <a:t>for</a:t>
-            </a:r>
-            <a:r>
-              <a:rPr lang="de-DE" sz="2000" dirty="0" smtClean="0">
-                <a:latin typeface="Lato" pitchFamily="34" charset="0"/>
-              </a:rPr>
-              <a:t> Computer Research in Music </a:t>
-            </a:r>
-            <a:r>
-              <a:rPr lang="de-DE" sz="2000" dirty="0" err="1" smtClean="0">
-                <a:latin typeface="Lato" pitchFamily="34" charset="0"/>
-              </a:rPr>
-              <a:t>and</a:t>
-            </a:r>
-            <a:r>
-              <a:rPr lang="de-DE" sz="2000" dirty="0" smtClean="0">
-                <a:latin typeface="Lato" pitchFamily="34" charset="0"/>
-              </a:rPr>
-              <a:t> </a:t>
-            </a:r>
-            <a:r>
-              <a:rPr lang="de-DE" sz="2000" dirty="0" err="1" smtClean="0">
-                <a:latin typeface="Lato" pitchFamily="34" charset="0"/>
-              </a:rPr>
-              <a:t>Acoustics</a:t>
-            </a:r>
             <a:endParaRPr lang="de-DE" sz="2000" dirty="0" smtClean="0">
-              <a:latin typeface="Lato" pitchFamily="34" charset="0"/>
-            </a:endParaRPr>
-          </a:p>
-        </p:txBody>
-      </p:sp>
-      <p:sp>
-        <p:nvSpPr>
-          <p:cNvPr id="8" name="Titel 1"/>
-          <p:cNvSpPr>
-            <a:spLocks noGrp="1"/>
-          </p:cNvSpPr>
-          <p:nvPr>
-            <p:ph type="title"/>
-          </p:nvPr>
-        </p:nvSpPr>
-        <p:spPr>
-          <a:xfrm>
-            <a:off x="457200" y="205979"/>
-            <a:ext cx="8229600" cy="857250"/>
-          </a:xfrm>
-        </p:spPr>
-        <p:txBody>
-          <a:bodyPr>
-            <a:normAutofit/>
-          </a:bodyPr>
-          <a:lstStyle/>
-          <a:p>
-            <a:r>
-              <a:rPr lang="de-DE" sz="2800" dirty="0" smtClean="0">
-                <a:latin typeface="Lato" pitchFamily="34" charset="0"/>
-              </a:rPr>
-              <a:t>Geschichte der FM-Synthese</a:t>
-            </a:r>
-            <a:endParaRPr lang="de-DE" sz="2800" dirty="0">
               <a:latin typeface="Lato" pitchFamily="34" charset="0"/>
             </a:endParaRPr>
           </a:p>
@@ -4794,7 +4710,7 @@
             <a:fld id="{1C72BD4E-61B2-40A3-A75C-5FDEDE8E5EC5}" type="datetime1">
               <a:rPr lang="de-DE" smtClean="0"/>
               <a:pPr/>
-              <a:t>15.06.2015</a:t>
+              <a:t>16.06.2015</a:t>
             </a:fld>
             <a:endParaRPr lang="de-DE"/>
           </a:p>
@@ -4847,32 +4763,151 @@
           </a:p>
         </p:txBody>
       </p:sp>
-      <p:pic>
-        <p:nvPicPr>
-          <p:cNvPr id="29698" name="Picture 2" descr="D:\Julius\Documents\GitHub\VSeminar\Dok\Kapitel\img\Founders_CCRMA.png"/>
-          <p:cNvPicPr>
-            <a:picLocks noChangeAspect="1" noChangeArrowheads="1"/>
-          </p:cNvPicPr>
-          <p:nvPr/>
-        </p:nvPicPr>
-        <p:blipFill>
-          <a:blip r:embed="rId2" cstate="print"/>
-          <a:srcRect/>
-          <a:stretch>
-            <a:fillRect/>
-          </a:stretch>
-        </p:blipFill>
-        <p:spPr bwMode="auto">
+      <p:sp>
+        <p:nvSpPr>
+          <p:cNvPr id="7" name="Inhaltsplatzhalter 2"/>
+          <p:cNvSpPr>
+            <a:spLocks noGrp="1"/>
+          </p:cNvSpPr>
+          <p:nvPr>
+            <p:ph idx="1"/>
+          </p:nvPr>
+        </p:nvSpPr>
+        <p:spPr>
           <a:xfrm>
-            <a:off x="2195736" y="1131590"/>
-            <a:ext cx="4947107" cy="3384376"/>
+            <a:off x="467544" y="1347614"/>
+            <a:ext cx="8229600" cy="2838946"/>
           </a:xfrm>
-          <a:prstGeom prst="rect">
-            <a:avLst/>
-          </a:prstGeom>
-          <a:noFill/>
         </p:spPr>
-      </p:pic>
+        <p:txBody>
+          <a:bodyPr>
+            <a:normAutofit/>
+          </a:bodyPr>
+          <a:lstStyle/>
+          <a:p>
+            <a:r>
+              <a:rPr lang="de-DE" sz="2000" dirty="0" smtClean="0">
+                <a:latin typeface="Lato" pitchFamily="34" charset="0"/>
+              </a:rPr>
+              <a:t>1973: Veröffentlichung der Erfindung</a:t>
+            </a:r>
+          </a:p>
+          <a:p>
+            <a:r>
+              <a:rPr lang="de-DE" sz="2000" dirty="0" smtClean="0">
+                <a:latin typeface="Lato" pitchFamily="34" charset="0"/>
+              </a:rPr>
+              <a:t>1974: Vorstellung der FM-Synthese bei Yamaha</a:t>
+            </a:r>
+          </a:p>
+          <a:p>
+            <a:r>
+              <a:rPr lang="de-DE" sz="2000" dirty="0" err="1" smtClean="0">
+                <a:latin typeface="Lato" pitchFamily="34" charset="0"/>
+              </a:rPr>
+              <a:t>Kazukiyo</a:t>
+            </a:r>
+            <a:r>
+              <a:rPr lang="de-DE" sz="2000" dirty="0" smtClean="0">
+                <a:latin typeface="Lato" pitchFamily="34" charset="0"/>
+              </a:rPr>
+              <a:t> </a:t>
+            </a:r>
+            <a:r>
+              <a:rPr lang="de-DE" sz="2000" dirty="0" err="1" smtClean="0">
+                <a:latin typeface="Lato" pitchFamily="34" charset="0"/>
+              </a:rPr>
+              <a:t>Ishimura</a:t>
+            </a:r>
+            <a:r>
+              <a:rPr lang="de-DE" sz="2000" dirty="0" smtClean="0">
+                <a:latin typeface="Lato" pitchFamily="34" charset="0"/>
+              </a:rPr>
+              <a:t> erkannte das Potenzial</a:t>
+            </a:r>
+          </a:p>
+          <a:p>
+            <a:r>
+              <a:rPr lang="de-DE" sz="2000" dirty="0" smtClean="0">
+                <a:latin typeface="Lato" pitchFamily="34" charset="0"/>
+              </a:rPr>
+              <a:t>Yamaha lizensiert die FM-Synthese im gleichen Jahr</a:t>
+            </a:r>
+          </a:p>
+          <a:p>
+            <a:r>
+              <a:rPr lang="de-DE" sz="2000" dirty="0" smtClean="0">
+                <a:latin typeface="Lato" pitchFamily="34" charset="0"/>
+              </a:rPr>
+              <a:t>1975: </a:t>
+            </a:r>
+            <a:r>
+              <a:rPr lang="de-DE" sz="2000" dirty="0" err="1" smtClean="0">
+                <a:latin typeface="Lato" pitchFamily="34" charset="0"/>
+              </a:rPr>
+              <a:t>Chowning</a:t>
+            </a:r>
+            <a:r>
+              <a:rPr lang="de-DE" sz="2000" dirty="0" smtClean="0">
+                <a:latin typeface="Lato" pitchFamily="34" charset="0"/>
+              </a:rPr>
+              <a:t> kehrt nach Stanford zurück</a:t>
+            </a:r>
+          </a:p>
+          <a:p>
+            <a:r>
+              <a:rPr lang="de-DE" sz="2000" dirty="0" smtClean="0">
+                <a:latin typeface="Lato" pitchFamily="34" charset="0"/>
+              </a:rPr>
+              <a:t>Gründung des CCRMA („Karma“) </a:t>
+            </a:r>
+          </a:p>
+          <a:p>
+            <a:pPr>
+              <a:buNone/>
+            </a:pPr>
+            <a:r>
+              <a:rPr lang="de-DE" sz="2000" dirty="0" smtClean="0">
+                <a:latin typeface="Lato" pitchFamily="34" charset="0"/>
+              </a:rPr>
+              <a:t>	– Center </a:t>
+            </a:r>
+            <a:r>
+              <a:rPr lang="de-DE" sz="2000" dirty="0" err="1" smtClean="0">
+                <a:latin typeface="Lato" pitchFamily="34" charset="0"/>
+              </a:rPr>
+              <a:t>for</a:t>
+            </a:r>
+            <a:r>
+              <a:rPr lang="de-DE" sz="2000" dirty="0" smtClean="0">
+                <a:latin typeface="Lato" pitchFamily="34" charset="0"/>
+              </a:rPr>
+              <a:t> Computer Research in Music </a:t>
+            </a:r>
+            <a:r>
+              <a:rPr lang="de-DE" sz="2000" dirty="0" err="1" smtClean="0">
+                <a:latin typeface="Lato" pitchFamily="34" charset="0"/>
+              </a:rPr>
+              <a:t>and</a:t>
+            </a:r>
+            <a:r>
+              <a:rPr lang="de-DE" sz="2000" dirty="0" smtClean="0">
+                <a:latin typeface="Lato" pitchFamily="34" charset="0"/>
+              </a:rPr>
+              <a:t> </a:t>
+            </a:r>
+            <a:r>
+              <a:rPr lang="de-DE" sz="2000" dirty="0" err="1" smtClean="0">
+                <a:latin typeface="Lato" pitchFamily="34" charset="0"/>
+              </a:rPr>
+              <a:t>Acoustics</a:t>
+            </a:r>
+            <a:endParaRPr lang="de-DE" sz="2000" dirty="0" smtClean="0">
+              <a:latin typeface="Lato" pitchFamily="34" charset="0"/>
+            </a:endParaRPr>
+          </a:p>
+        </p:txBody>
+      </p:sp>
       <p:sp>
         <p:nvSpPr>
           <p:cNvPr id="8" name="Titel 1"/>
@@ -4899,7 +4934,7 @@
               <a:rPr lang="de-DE" sz="2800" dirty="0" smtClean="0">
                 <a:latin typeface="Lato" pitchFamily="34" charset="0"/>
               </a:rPr>
-              <a:t>Gründer des CCRMA</a:t>
+              <a:t>Geschichte der FM-Synthese</a:t>
             </a:r>
             <a:endParaRPr lang="de-DE" sz="2800" dirty="0">
               <a:latin typeface="Lato" pitchFamily="34" charset="0"/>
@@ -4957,7 +4992,7 @@
             <a:fld id="{1C72BD4E-61B2-40A3-A75C-5FDEDE8E5EC5}" type="datetime1">
               <a:rPr lang="de-DE" smtClean="0"/>
               <a:pPr/>
-              <a:t>15.06.2015</a:t>
+              <a:t>16.06.2015</a:t>
             </a:fld>
             <a:endParaRPr lang="de-DE"/>
           </a:p>
@@ -5010,82 +5045,32 @@
           </a:p>
         </p:txBody>
       </p:sp>
-      <p:sp>
-        <p:nvSpPr>
-          <p:cNvPr id="7" name="Inhaltsplatzhalter 2"/>
-          <p:cNvSpPr>
-            <a:spLocks noGrp="1"/>
-          </p:cNvSpPr>
-          <p:nvPr>
-            <p:ph idx="1"/>
-          </p:nvPr>
-        </p:nvSpPr>
-        <p:spPr>
+      <p:pic>
+        <p:nvPicPr>
+          <p:cNvPr id="29698" name="Picture 2" descr="D:\Julius\Documents\GitHub\VSeminar\Dok\Kapitel\img\Founders_CCRMA.png"/>
+          <p:cNvPicPr>
+            <a:picLocks noChangeAspect="1" noChangeArrowheads="1"/>
+          </p:cNvPicPr>
+          <p:nvPr/>
+        </p:nvPicPr>
+        <p:blipFill>
+          <a:blip r:embed="rId2" cstate="print"/>
+          <a:srcRect/>
+          <a:stretch>
+            <a:fillRect/>
+          </a:stretch>
+        </p:blipFill>
+        <p:spPr bwMode="auto">
           <a:xfrm>
-            <a:off x="467544" y="1347614"/>
-            <a:ext cx="8229600" cy="2838946"/>
+            <a:off x="2195736" y="1131590"/>
+            <a:ext cx="4947107" cy="3384376"/>
           </a:xfrm>
+          <a:prstGeom prst="rect">
+            <a:avLst/>
+          </a:prstGeom>
+          <a:noFill/>
         </p:spPr>
-        <p:txBody>
-          <a:bodyPr>
-            <a:normAutofit/>
-          </a:bodyPr>
-          <a:lstStyle/>
-          <a:p>
-            <a:r>
-              <a:rPr lang="de-DE" sz="2000" dirty="0" smtClean="0">
-                <a:latin typeface="Lato" pitchFamily="34" charset="0"/>
-              </a:rPr>
-              <a:t>Großer Erfolg für Yamaha</a:t>
-            </a:r>
-          </a:p>
-          <a:p>
-            <a:r>
-              <a:rPr lang="de-DE" sz="2000" dirty="0" smtClean="0">
-                <a:latin typeface="Lato" pitchFamily="34" charset="0"/>
-              </a:rPr>
-              <a:t>Erste FM-Synthesizer: GS1 (1980) und GS2 (1982)</a:t>
-            </a:r>
-          </a:p>
-          <a:p>
-            <a:r>
-              <a:rPr lang="de-DE" sz="2000" dirty="0" smtClean="0">
-                <a:latin typeface="Lato" pitchFamily="34" charset="0"/>
-              </a:rPr>
-              <a:t>Kosten: 30.000 DM und 16000 DM</a:t>
-            </a:r>
-          </a:p>
-          <a:p>
-            <a:r>
-              <a:rPr lang="de-DE" sz="2000" dirty="0" smtClean="0">
-                <a:latin typeface="Lato" pitchFamily="34" charset="0"/>
-              </a:rPr>
-              <a:t>Durchbruch 1983 mit dem DX7</a:t>
-            </a:r>
-          </a:p>
-          <a:p>
-            <a:r>
-              <a:rPr lang="de-DE" sz="2000" dirty="0" smtClean="0">
-                <a:latin typeface="Lato" pitchFamily="34" charset="0"/>
-              </a:rPr>
-              <a:t>Parallele Verarbeitung von 16 Stimmen</a:t>
-            </a:r>
-          </a:p>
-          <a:p>
-            <a:pPr>
-              <a:buNone/>
-            </a:pPr>
-            <a:endParaRPr lang="de-DE" sz="2000" dirty="0" smtClean="0">
-              <a:latin typeface="Lato" pitchFamily="34" charset="0"/>
-            </a:endParaRPr>
-          </a:p>
-          <a:p>
-            <a:endParaRPr lang="de-DE" sz="2000" dirty="0" smtClean="0">
-              <a:latin typeface="Lato" pitchFamily="34" charset="0"/>
-            </a:endParaRPr>
-          </a:p>
-        </p:txBody>
-      </p:sp>
+      </p:pic>
       <p:sp>
         <p:nvSpPr>
           <p:cNvPr id="8" name="Titel 1"/>
@@ -5112,7 +5097,7 @@
               <a:rPr lang="de-DE" sz="2800" dirty="0" smtClean="0">
                 <a:latin typeface="Lato" pitchFamily="34" charset="0"/>
               </a:rPr>
-              <a:t>Geschichte der FM-Synthese</a:t>
+              <a:t>Gründer des CCRMA</a:t>
             </a:r>
             <a:endParaRPr lang="de-DE" sz="2800" dirty="0">
               <a:latin typeface="Lato" pitchFamily="34" charset="0"/>
@@ -5170,7 +5155,7 @@
             <a:fld id="{1C72BD4E-61B2-40A3-A75C-5FDEDE8E5EC5}" type="datetime1">
               <a:rPr lang="de-DE" smtClean="0"/>
               <a:pPr/>
-              <a:t>15.06.2015</a:t>
+              <a:t>16.06.2015</a:t>
             </a:fld>
             <a:endParaRPr lang="de-DE"/>
           </a:p>
@@ -5223,35 +5208,85 @@
           </a:p>
         </p:txBody>
       </p:sp>
-      <p:pic>
-        <p:nvPicPr>
-          <p:cNvPr id="20484" name="Picture 4" descr="http://www.electricdruid.net/images/interface/larger/YamahaDX7.jpg"/>
-          <p:cNvPicPr>
-            <a:picLocks noChangeAspect="1" noChangeArrowheads="1"/>
-          </p:cNvPicPr>
-          <p:nvPr/>
-        </p:nvPicPr>
-        <p:blipFill>
-          <a:blip r:embed="rId2" cstate="print"/>
-          <a:srcRect/>
-          <a:stretch>
-            <a:fillRect/>
-          </a:stretch>
-        </p:blipFill>
-        <p:spPr bwMode="auto">
+      <p:sp>
+        <p:nvSpPr>
+          <p:cNvPr id="7" name="Inhaltsplatzhalter 2"/>
+          <p:cNvSpPr>
+            <a:spLocks noGrp="1"/>
+          </p:cNvSpPr>
+          <p:nvPr>
+            <p:ph idx="1"/>
+          </p:nvPr>
+        </p:nvSpPr>
+        <p:spPr>
           <a:xfrm>
-            <a:off x="755576" y="1419622"/>
-            <a:ext cx="7704856" cy="2614645"/>
+            <a:off x="467544" y="1347614"/>
+            <a:ext cx="8229600" cy="2838946"/>
           </a:xfrm>
-          <a:prstGeom prst="rect">
-            <a:avLst/>
-          </a:prstGeom>
-          <a:noFill/>
         </p:spPr>
-      </p:pic>
-      <p:sp>
-        <p:nvSpPr>
-          <p:cNvPr id="9" name="Titel 1"/>
+        <p:txBody>
+          <a:bodyPr>
+            <a:normAutofit/>
+          </a:bodyPr>
+          <a:lstStyle/>
+          <a:p>
+            <a:r>
+              <a:rPr lang="de-DE" sz="2000" dirty="0" smtClean="0">
+                <a:latin typeface="Lato" pitchFamily="34" charset="0"/>
+              </a:rPr>
+              <a:t>Großer Erfolg für Yamaha</a:t>
+            </a:r>
+          </a:p>
+          <a:p>
+            <a:r>
+              <a:rPr lang="de-DE" sz="2000" dirty="0" smtClean="0">
+                <a:latin typeface="Lato" pitchFamily="34" charset="0"/>
+              </a:rPr>
+              <a:t>Erste FM-Synthesizer: GS1 (1980) und GS2 (1982)</a:t>
+            </a:r>
+          </a:p>
+          <a:p>
+            <a:r>
+              <a:rPr lang="de-DE" sz="2000" dirty="0" smtClean="0">
+                <a:latin typeface="Lato" pitchFamily="34" charset="0"/>
+              </a:rPr>
+              <a:t>Kosten: 30.000 DM und 16000 DM</a:t>
+            </a:r>
+          </a:p>
+          <a:p>
+            <a:r>
+              <a:rPr lang="de-DE" sz="2000" dirty="0" smtClean="0">
+                <a:latin typeface="Lato" pitchFamily="34" charset="0"/>
+              </a:rPr>
+              <a:t>Durchbruch 1983 mit dem DX7</a:t>
+            </a:r>
+          </a:p>
+          <a:p>
+            <a:r>
+              <a:rPr lang="de-DE" sz="2000" dirty="0" smtClean="0">
+                <a:latin typeface="Lato" pitchFamily="34" charset="0"/>
+              </a:rPr>
+              <a:t>Parallele Verarbeitung von 16 Stimmen</a:t>
+            </a:r>
+          </a:p>
+          <a:p>
+            <a:pPr>
+              <a:buNone/>
+            </a:pPr>
+            <a:endParaRPr lang="de-DE" sz="2000" dirty="0" smtClean="0">
+              <a:latin typeface="Lato" pitchFamily="34" charset="0"/>
+            </a:endParaRPr>
+          </a:p>
+          <a:p>
+            <a:endParaRPr lang="de-DE" sz="2000" dirty="0" smtClean="0">
+              <a:latin typeface="Lato" pitchFamily="34" charset="0"/>
+            </a:endParaRPr>
+          </a:p>
+        </p:txBody>
+      </p:sp>
+      <p:sp>
+        <p:nvSpPr>
+          <p:cNvPr id="8" name="Titel 1"/>
           <p:cNvSpPr>
             <a:spLocks noGrp="1"/>
           </p:cNvSpPr>
@@ -5275,7 +5310,7 @@
               <a:rPr lang="de-DE" sz="2800" dirty="0" smtClean="0">
                 <a:latin typeface="Lato" pitchFamily="34" charset="0"/>
               </a:rPr>
-              <a:t>Yamaha DX7</a:t>
+              <a:t>Geschichte der FM-Synthese</a:t>
             </a:r>
             <a:endParaRPr lang="de-DE" sz="2800" dirty="0">
               <a:latin typeface="Lato" pitchFamily="34" charset="0"/>
@@ -5333,7 +5368,7 @@
             <a:fld id="{1C72BD4E-61B2-40A3-A75C-5FDEDE8E5EC5}" type="datetime1">
               <a:rPr lang="de-DE" smtClean="0"/>
               <a:pPr/>
-              <a:t>15.06.2015</a:t>
+              <a:t>16.06.2015</a:t>
             </a:fld>
             <a:endParaRPr lang="de-DE"/>
           </a:p>
@@ -5386,85 +5421,35 @@
           </a:p>
         </p:txBody>
       </p:sp>
-      <p:sp>
-        <p:nvSpPr>
-          <p:cNvPr id="7" name="Inhaltsplatzhalter 2"/>
-          <p:cNvSpPr>
-            <a:spLocks noGrp="1"/>
-          </p:cNvSpPr>
-          <p:nvPr>
-            <p:ph idx="1"/>
-          </p:nvPr>
-        </p:nvSpPr>
-        <p:spPr>
+      <p:pic>
+        <p:nvPicPr>
+          <p:cNvPr id="20484" name="Picture 4" descr="http://www.electricdruid.net/images/interface/larger/YamahaDX7.jpg"/>
+          <p:cNvPicPr>
+            <a:picLocks noChangeAspect="1" noChangeArrowheads="1"/>
+          </p:cNvPicPr>
+          <p:nvPr/>
+        </p:nvPicPr>
+        <p:blipFill>
+          <a:blip r:embed="rId2" cstate="print"/>
+          <a:srcRect/>
+          <a:stretch>
+            <a:fillRect/>
+          </a:stretch>
+        </p:blipFill>
+        <p:spPr bwMode="auto">
           <a:xfrm>
-            <a:off x="467544" y="1347614"/>
-            <a:ext cx="8229600" cy="2838946"/>
+            <a:off x="755576" y="1419622"/>
+            <a:ext cx="7704856" cy="2614645"/>
           </a:xfrm>
+          <a:prstGeom prst="rect">
+            <a:avLst/>
+          </a:prstGeom>
+          <a:noFill/>
         </p:spPr>
-        <p:txBody>
-          <a:bodyPr>
-            <a:normAutofit/>
-          </a:bodyPr>
-          <a:lstStyle/>
-          <a:p>
-            <a:r>
-              <a:rPr lang="de-DE" sz="2000" dirty="0" smtClean="0">
-                <a:latin typeface="Lato" pitchFamily="34" charset="0"/>
-              </a:rPr>
-              <a:t>1983 – 1989 : Über 20 weitere digitale Synthesizer von Yamaha</a:t>
-            </a:r>
-          </a:p>
-          <a:p>
-            <a:r>
-              <a:rPr lang="de-DE" sz="2000" dirty="0" smtClean="0">
-                <a:latin typeface="Lato" pitchFamily="34" charset="0"/>
-              </a:rPr>
-              <a:t>1990: SY77 – Kombination aus FM-Synthese und Sampling</a:t>
-            </a:r>
-          </a:p>
-          <a:p>
-            <a:r>
-              <a:rPr lang="de-DE" sz="2000" dirty="0" smtClean="0">
-                <a:latin typeface="Lato" pitchFamily="34" charset="0"/>
-              </a:rPr>
-              <a:t>Ab Mitte der 90er: Leistungsfähige personal Computer</a:t>
-            </a:r>
-          </a:p>
-          <a:p>
-            <a:r>
-              <a:rPr lang="de-DE" sz="2000" dirty="0" smtClean="0">
-                <a:latin typeface="Lato" pitchFamily="34" charset="0"/>
-              </a:rPr>
-              <a:t>Softwaresynthesizer mit Midi-Keyboards</a:t>
-            </a:r>
-          </a:p>
-          <a:p>
-            <a:r>
-              <a:rPr lang="de-DE" sz="2000" dirty="0" smtClean="0">
-                <a:latin typeface="Lato" pitchFamily="34" charset="0"/>
-              </a:rPr>
-              <a:t>Native Instruments FM8: Nachbildung des DX7</a:t>
-            </a:r>
-          </a:p>
-          <a:p>
-            <a:pPr>
-              <a:buNone/>
-            </a:pPr>
-            <a:endParaRPr lang="de-DE" sz="2000" dirty="0" smtClean="0">
-              <a:latin typeface="Lato" pitchFamily="34" charset="0"/>
-            </a:endParaRPr>
-          </a:p>
-          <a:p>
-            <a:endParaRPr lang="de-DE" sz="2000" dirty="0" smtClean="0">
-              <a:latin typeface="Lato" pitchFamily="34" charset="0"/>
-            </a:endParaRPr>
-          </a:p>
-        </p:txBody>
-      </p:sp>
-      <p:sp>
-        <p:nvSpPr>
-          <p:cNvPr id="8" name="Titel 1"/>
+      </p:pic>
+      <p:sp>
+        <p:nvSpPr>
+          <p:cNvPr id="9" name="Titel 1"/>
           <p:cNvSpPr>
             <a:spLocks noGrp="1"/>
           </p:cNvSpPr>
@@ -5488,7 +5473,7 @@
               <a:rPr lang="de-DE" sz="2800" dirty="0" smtClean="0">
                 <a:latin typeface="Lato" pitchFamily="34" charset="0"/>
               </a:rPr>
-              <a:t>Geschichte der FM-Synthese</a:t>
+              <a:t>Yamaha DX7</a:t>
             </a:r>
             <a:endParaRPr lang="de-DE" sz="2800" dirty="0">
               <a:latin typeface="Lato" pitchFamily="34" charset="0"/>
@@ -5546,7 +5531,7 @@
             <a:fld id="{1C72BD4E-61B2-40A3-A75C-5FDEDE8E5EC5}" type="datetime1">
               <a:rPr lang="de-DE" smtClean="0"/>
               <a:pPr/>
-              <a:t>15.06.2015</a:t>
+              <a:t>16.06.2015</a:t>
             </a:fld>
             <a:endParaRPr lang="de-DE"/>
           </a:p>
@@ -5601,7 +5586,83 @@
       </p:sp>
       <p:sp>
         <p:nvSpPr>
-          <p:cNvPr id="7" name="Titel 1"/>
+          <p:cNvPr id="7" name="Inhaltsplatzhalter 2"/>
+          <p:cNvSpPr>
+            <a:spLocks noGrp="1"/>
+          </p:cNvSpPr>
+          <p:nvPr>
+            <p:ph idx="1"/>
+          </p:nvPr>
+        </p:nvSpPr>
+        <p:spPr>
+          <a:xfrm>
+            <a:off x="467544" y="1347614"/>
+            <a:ext cx="8229600" cy="2838946"/>
+          </a:xfrm>
+        </p:spPr>
+        <p:txBody>
+          <a:bodyPr>
+            <a:normAutofit/>
+          </a:bodyPr>
+          <a:lstStyle/>
+          <a:p>
+            <a:r>
+              <a:rPr lang="de-DE" sz="2000" dirty="0" smtClean="0">
+                <a:latin typeface="Lato" pitchFamily="34" charset="0"/>
+              </a:rPr>
+              <a:t>1983 – 1989 : Über 20 weitere digitale Synthesizer von Yamaha</a:t>
+            </a:r>
+          </a:p>
+          <a:p>
+            <a:r>
+              <a:rPr lang="de-DE" sz="2000" dirty="0" smtClean="0">
+                <a:latin typeface="Lato" pitchFamily="34" charset="0"/>
+              </a:rPr>
+              <a:t>1990: SY77 – Kombination aus FM-Synthese und Sampling</a:t>
+            </a:r>
+          </a:p>
+          <a:p>
+            <a:r>
+              <a:rPr lang="de-DE" sz="2000" dirty="0" smtClean="0">
+                <a:latin typeface="Lato" pitchFamily="34" charset="0"/>
+              </a:rPr>
+              <a:t>Ab Mitte der 90er: Leistungsfähige personal Computer</a:t>
+            </a:r>
+          </a:p>
+          <a:p>
+            <a:r>
+              <a:rPr lang="de-DE" sz="2000" dirty="0" smtClean="0">
+                <a:latin typeface="Lato" pitchFamily="34" charset="0"/>
+              </a:rPr>
+              <a:t>Softwaresynthesizer mit Midi-Keyboards</a:t>
+            </a:r>
+          </a:p>
+          <a:p>
+            <a:r>
+              <a:rPr lang="de-DE" sz="2000" dirty="0" smtClean="0">
+                <a:latin typeface="Lato" pitchFamily="34" charset="0"/>
+              </a:rPr>
+              <a:t>Native Instruments FM8: Nachbildung des DX7</a:t>
+            </a:r>
+          </a:p>
+          <a:p>
+            <a:pPr>
+              <a:buNone/>
+            </a:pPr>
+            <a:endParaRPr lang="de-DE" sz="2000" dirty="0" smtClean="0">
+              <a:latin typeface="Lato" pitchFamily="34" charset="0"/>
+            </a:endParaRPr>
+          </a:p>
+          <a:p>
+            <a:endParaRPr lang="de-DE" sz="2000" dirty="0" smtClean="0">
+              <a:latin typeface="Lato" pitchFamily="34" charset="0"/>
+            </a:endParaRPr>
+          </a:p>
+        </p:txBody>
+      </p:sp>
+      <p:sp>
+        <p:nvSpPr>
+          <p:cNvPr id="8" name="Titel 1"/>
           <p:cNvSpPr>
             <a:spLocks noGrp="1"/>
           </p:cNvSpPr>
@@ -5622,109 +5683,17 @@
           <a:lstStyle/>
           <a:p>
             <a:r>
-              <a:rPr lang="de-DE" sz="3600" dirty="0" smtClean="0">
-                <a:latin typeface="Lato" pitchFamily="34" charset="0"/>
-              </a:rPr>
-              <a:t>Einfache FM-Synthese</a:t>
-            </a:r>
-            <a:endParaRPr lang="de-DE" sz="3600" dirty="0">
+              <a:rPr lang="de-DE" sz="2800" dirty="0" smtClean="0">
+                <a:latin typeface="Lato" pitchFamily="34" charset="0"/>
+              </a:rPr>
+              <a:t>Geschichte der FM-Synthese</a:t>
+            </a:r>
+            <a:endParaRPr lang="de-DE" sz="2800" dirty="0">
               <a:latin typeface="Lato" pitchFamily="34" charset="0"/>
             </a:endParaRPr>
           </a:p>
         </p:txBody>
       </p:sp>
-      <p:sp>
-        <p:nvSpPr>
-          <p:cNvPr id="9" name="Inhaltsplatzhalter 2"/>
-          <p:cNvSpPr>
-            <a:spLocks noGrp="1"/>
-          </p:cNvSpPr>
-          <p:nvPr>
-            <p:ph idx="1"/>
-          </p:nvPr>
-        </p:nvSpPr>
-        <p:spPr>
-          <a:xfrm>
-            <a:off x="457200" y="1200151"/>
-            <a:ext cx="8229600" cy="3394472"/>
-          </a:xfrm>
-        </p:spPr>
-        <p:txBody>
-          <a:bodyPr/>
-          <a:lstStyle/>
-          <a:p>
-            <a:pPr>
-              <a:buNone/>
-            </a:pPr>
-            <a:r>
-              <a:rPr lang="de-DE" sz="2800" dirty="0" smtClean="0">
-                <a:latin typeface="Lato" pitchFamily="34" charset="0"/>
-              </a:rPr>
-              <a:t>Grundlagen: Sinus und Kosinus</a:t>
-            </a:r>
-            <a:endParaRPr lang="de-DE" sz="2800" dirty="0" smtClean="0">
-              <a:latin typeface="Lato" pitchFamily="34" charset="0"/>
-            </a:endParaRPr>
-          </a:p>
-          <a:p>
-            <a:endParaRPr lang="de-DE" sz="2000" dirty="0" smtClean="0">
-              <a:latin typeface="Lato" pitchFamily="34" charset="0"/>
-            </a:endParaRPr>
-          </a:p>
-          <a:p>
-            <a:r>
-              <a:rPr lang="de-DE" sz="2000" dirty="0" smtClean="0">
-                <a:latin typeface="Lato" pitchFamily="34" charset="0"/>
-              </a:rPr>
-              <a:t>Trigonometrische Funktionen (Winkelfunktionen)</a:t>
-            </a:r>
-          </a:p>
-          <a:p>
-            <a:r>
-              <a:rPr lang="de-DE" sz="2000" dirty="0" smtClean="0">
-                <a:latin typeface="Lato" pitchFamily="34" charset="0"/>
-              </a:rPr>
-              <a:t>Periodische Funktion: </a:t>
-            </a:r>
-          </a:p>
-          <a:p>
-            <a:r>
-              <a:rPr lang="de-DE" sz="2000" dirty="0" smtClean="0">
-                <a:latin typeface="Lato" pitchFamily="34" charset="0"/>
-              </a:rPr>
-              <a:t>Einfache Verdeutlichung am Einheitskreis</a:t>
-            </a:r>
-            <a:endParaRPr lang="de-DE" sz="2000" dirty="0" smtClean="0">
-              <a:latin typeface="Lato" pitchFamily="34" charset="0"/>
-            </a:endParaRPr>
-          </a:p>
-          <a:p>
-            <a:endParaRPr lang="de-DE" sz="2000" dirty="0" smtClean="0">
-              <a:latin typeface="Lato" pitchFamily="34" charset="0"/>
-            </a:endParaRPr>
-          </a:p>
-        </p:txBody>
-      </p:sp>
-      <p:graphicFrame>
-        <p:nvGraphicFramePr>
-          <p:cNvPr id="10" name="Objekt 9"/>
-          <p:cNvGraphicFramePr>
-            <a:graphicFrameLocks noChangeAspect="1"/>
-          </p:cNvGraphicFramePr>
-          <p:nvPr/>
-        </p:nvGraphicFramePr>
-        <p:xfrm>
-          <a:off x="3484563" y="2552700"/>
-          <a:ext cx="1016000" cy="203200"/>
-        </p:xfrm>
-        <a:graphic>
-          <a:graphicData uri="http://schemas.openxmlformats.org/presentationml/2006/ole">
-            <p:oleObj spid="_x0000_s30722" name="Formel" r:id="rId3" imgW="1015920" imgH="203040" progId="Equation.3">
-              <p:embed/>
-            </p:oleObj>
-          </a:graphicData>
-        </a:graphic>
-      </p:graphicFrame>
     </p:spTree>
   </p:cSld>
   <p:clrMapOvr>
@@ -5775,7 +5744,7 @@
             <a:fld id="{1C72BD4E-61B2-40A3-A75C-5FDEDE8E5EC5}" type="datetime1">
               <a:rPr lang="de-DE" smtClean="0"/>
               <a:pPr/>
-              <a:t>15.06.2015</a:t>
+              <a:t>16.06.2015</a:t>
             </a:fld>
             <a:endParaRPr lang="de-DE"/>
           </a:p>
@@ -5828,62 +5797,37 @@
           </a:p>
         </p:txBody>
       </p:sp>
-      <p:pic>
-        <p:nvPicPr>
-          <p:cNvPr id="31746" name="Picture 2" descr="D:\Julius\Documents\GitHub\VSeminar\Dok\Kapitel\img\Unit_Circle.PNG"/>
-          <p:cNvPicPr>
-            <a:picLocks noChangeAspect="1" noChangeArrowheads="1"/>
-          </p:cNvPicPr>
-          <p:nvPr/>
-        </p:nvPicPr>
-        <p:blipFill>
-          <a:blip r:embed="rId3" cstate="print"/>
-          <a:srcRect/>
-          <a:stretch>
-            <a:fillRect/>
-          </a:stretch>
-        </p:blipFill>
-        <p:spPr bwMode="auto">
-          <a:xfrm>
-            <a:off x="4572000" y="339502"/>
-            <a:ext cx="4256587" cy="4176464"/>
-          </a:xfrm>
-          <a:prstGeom prst="rect">
-            <a:avLst/>
-          </a:prstGeom>
-          <a:noFill/>
-        </p:spPr>
-      </p:pic>
-      <p:sp>
-        <p:nvSpPr>
-          <p:cNvPr id="8" name="Rechteck 7"/>
-          <p:cNvSpPr/>
-          <p:nvPr/>
+      <p:sp>
+        <p:nvSpPr>
+          <p:cNvPr id="7" name="Titel 1"/>
+          <p:cNvSpPr>
+            <a:spLocks noGrp="1"/>
+          </p:cNvSpPr>
+          <p:nvPr>
+            <p:ph type="title"/>
+          </p:nvPr>
         </p:nvSpPr>
         <p:spPr>
           <a:xfrm>
-            <a:off x="611560" y="195486"/>
-            <a:ext cx="5016053" cy="523220"/>
+            <a:off x="457200" y="205979"/>
+            <a:ext cx="8229600" cy="857250"/>
           </a:xfrm>
-          <a:prstGeom prst="rect">
-            <a:avLst/>
-          </a:prstGeom>
         </p:spPr>
         <p:txBody>
-          <a:bodyPr wrap="none">
-            <a:spAutoFit/>
+          <a:bodyPr>
+            <a:normAutofit/>
           </a:bodyPr>
           <a:lstStyle/>
           <a:p>
-            <a:pPr>
-              <a:buNone/>
-            </a:pPr>
-            <a:r>
-              <a:rPr lang="de-DE" sz="2800" dirty="0" smtClean="0">
-                <a:latin typeface="Lato" pitchFamily="34" charset="0"/>
-              </a:rPr>
-              <a:t>Grundlagen: Sinus und Kosinus</a:t>
-            </a:r>
+            <a:r>
+              <a:rPr lang="de-DE" sz="3600" dirty="0" smtClean="0">
+                <a:latin typeface="Lato" pitchFamily="34" charset="0"/>
+              </a:rPr>
+              <a:t>Einfache FM-Synthese</a:t>
+            </a:r>
+            <a:endParaRPr lang="de-DE" sz="3600" dirty="0">
+              <a:latin typeface="Lato" pitchFamily="34" charset="0"/>
+            </a:endParaRPr>
           </a:p>
         </p:txBody>
       </p:sp>
@@ -5907,11 +5851,14 @@
           <a:bodyPr/>
           <a:lstStyle/>
           <a:p>
-            <a:r>
-              <a:rPr lang="de-DE" sz="2000" dirty="0" smtClean="0">
-                <a:latin typeface="Lato" pitchFamily="34" charset="0"/>
-              </a:rPr>
-              <a:t>Sinus:</a:t>
+            <a:pPr>
+              <a:buNone/>
+            </a:pPr>
+            <a:r>
+              <a:rPr lang="de-DE" sz="2800" dirty="0" smtClean="0">
+                <a:latin typeface="Lato" pitchFamily="34" charset="0"/>
+              </a:rPr>
+              <a:t>Grundlagen: Sinus und Kosinus</a:t>
             </a:r>
           </a:p>
           <a:p>
@@ -5920,88 +5867,103 @@
             </a:endParaRPr>
           </a:p>
           <a:p>
+            <a:r>
+              <a:rPr lang="de-DE" sz="2000" dirty="0" smtClean="0">
+                <a:latin typeface="Lato" pitchFamily="34" charset="0"/>
+              </a:rPr>
+              <a:t>Trigonometrische Funktionen (Winkelfunktionen)</a:t>
+            </a:r>
+          </a:p>
+          <a:p>
+            <a:r>
+              <a:rPr lang="de-DE" sz="2000" dirty="0" smtClean="0">
+                <a:latin typeface="Lato" pitchFamily="34" charset="0"/>
+              </a:rPr>
+              <a:t>Periodische Funktion: </a:t>
+            </a:r>
+          </a:p>
+          <a:p>
+            <a:r>
+              <a:rPr lang="de-DE" sz="2000" dirty="0" smtClean="0">
+                <a:latin typeface="Lato" pitchFamily="34" charset="0"/>
+              </a:rPr>
+              <a:t>Einfache Verdeutlichung am Einheitskreis</a:t>
+            </a:r>
+          </a:p>
+          <a:p>
             <a:endParaRPr lang="de-DE" sz="2000" dirty="0" smtClean="0">
               <a:latin typeface="Lato" pitchFamily="34" charset="0"/>
             </a:endParaRPr>
           </a:p>
-          <a:p>
-            <a:r>
-              <a:rPr lang="de-DE" sz="2000" dirty="0" smtClean="0">
-                <a:latin typeface="Lato" pitchFamily="34" charset="0"/>
-              </a:rPr>
-              <a:t>Kosinus: </a:t>
-            </a:r>
-          </a:p>
-          <a:p>
-            <a:pPr>
-              <a:buNone/>
-            </a:pPr>
-            <a:r>
-              <a:rPr lang="de-DE" sz="2000" dirty="0" smtClean="0">
-                <a:latin typeface="Lato" pitchFamily="34" charset="0"/>
-              </a:rPr>
-              <a:t>	</a:t>
-            </a:r>
-          </a:p>
         </p:txBody>
       </p:sp>
       <p:graphicFrame>
         <p:nvGraphicFramePr>
-          <p:cNvPr id="11" name="Objekt 10"/>
+          <p:cNvPr id="10" name="Objekt 9"/>
           <p:cNvGraphicFramePr>
             <a:graphicFrameLocks noChangeAspect="1"/>
           </p:cNvGraphicFramePr>
           <p:nvPr/>
         </p:nvGraphicFramePr>
         <p:xfrm>
-          <a:off x="2652713" y="1341438"/>
-          <a:ext cx="114300" cy="215900"/>
+          <a:off x="3484563" y="2552700"/>
+          <a:ext cx="1016000" cy="203200"/>
         </p:xfrm>
         <a:graphic>
           <a:graphicData uri="http://schemas.openxmlformats.org/presentationml/2006/ole">
-            <p:oleObj spid="_x0000_s31748" name="Formel" r:id="rId4" imgW="114120" imgH="215640" progId="Equation.3">
-              <p:embed/>
-            </p:oleObj>
-          </a:graphicData>
-        </a:graphic>
-      </p:graphicFrame>
-      <p:graphicFrame>
-        <p:nvGraphicFramePr>
-          <p:cNvPr id="13" name="Objekt 12"/>
-          <p:cNvGraphicFramePr>
-            <a:graphicFrameLocks noChangeAspect="1"/>
-          </p:cNvGraphicFramePr>
-          <p:nvPr/>
-        </p:nvGraphicFramePr>
-        <p:xfrm>
-          <a:off x="971600" y="1707654"/>
-          <a:ext cx="2781300" cy="419100"/>
-        </p:xfrm>
-        <a:graphic>
-          <a:graphicData uri="http://schemas.openxmlformats.org/presentationml/2006/ole">
-            <p:oleObj spid="_x0000_s31750" name="Formel" r:id="rId5" imgW="2781000" imgH="419040" progId="Equation.3">
-              <p:embed/>
-            </p:oleObj>
-          </a:graphicData>
-        </a:graphic>
-      </p:graphicFrame>
-      <p:graphicFrame>
-        <p:nvGraphicFramePr>
-          <p:cNvPr id="31751" name="Object 7"/>
-          <p:cNvGraphicFramePr>
-            <a:graphicFrameLocks noChangeAspect="1"/>
-          </p:cNvGraphicFramePr>
-          <p:nvPr/>
-        </p:nvGraphicFramePr>
-        <p:xfrm>
-          <a:off x="977156" y="2932113"/>
-          <a:ext cx="2298700" cy="419100"/>
-        </p:xfrm>
-        <a:graphic>
-          <a:graphicData uri="http://schemas.openxmlformats.org/presentationml/2006/ole">
-            <p:oleObj spid="_x0000_s31751" name="Formel" r:id="rId6" imgW="2298600" imgH="419040" progId="Equation.3">
-              <p:embed/>
-            </p:oleObj>
+            <mc:AlternateContent xmlns:mc="http://schemas.openxmlformats.org/markup-compatibility/2006">
+              <mc:Choice xmlns:v="urn:schemas-microsoft-com:vml" Requires="v">
+                <p:oleObj spid="_x0000_s30723" name="Formel" r:id="rId3" imgW="1015920" imgH="203040" progId="Equation.3">
+                  <p:embed/>
+                </p:oleObj>
+              </mc:Choice>
+              <mc:Fallback>
+                <p:oleObj name="Formel" r:id="rId3" imgW="1015920" imgH="203040" progId="Equation.3">
+                  <p:embed/>
+                  <p:pic>
+                    <p:nvPicPr>
+                      <p:cNvPr id="0" name="Picture 2"/>
+                      <p:cNvPicPr>
+                        <a:picLocks noChangeAspect="1" noChangeArrowheads="1"/>
+                      </p:cNvPicPr>
+                      <p:nvPr/>
+                    </p:nvPicPr>
+                    <p:blipFill>
+                      <a:blip r:embed="rId4">
+                        <a:extLst>
+                          <a:ext uri="{28A0092B-C50C-407E-A947-70E740481C1C}">
+                            <a14:useLocalDpi xmlns:a14="http://schemas.microsoft.com/office/drawing/2010/main" val="0"/>
+                          </a:ext>
+                        </a:extLst>
+                      </a:blip>
+                      <a:srcRect/>
+                      <a:stretch>
+                        <a:fillRect/>
+                      </a:stretch>
+                    </p:blipFill>
+                    <p:spPr bwMode="auto">
+                      <a:xfrm>
+                        <a:off x="3484563" y="2552700"/>
+                        <a:ext cx="1016000" cy="203200"/>
+                      </a:xfrm>
+                      <a:prstGeom prst="rect">
+                        <a:avLst/>
+                      </a:prstGeom>
+                      <a:noFill/>
+                      <a:extLst>
+                        <a:ext uri="{909E8E84-426E-40DD-AFC4-6F175D3DCCD1}">
+                          <a14:hiddenFill xmlns:a14="http://schemas.microsoft.com/office/drawing/2010/main">
+                            <a:solidFill>
+                              <a:srgbClr val="FFFFFF"/>
+                            </a:solidFill>
+                          </a14:hiddenFill>
+                        </a:ext>
+                      </a:extLst>
+                    </p:spPr>
+                  </p:pic>
+                </p:oleObj>
+              </mc:Fallback>
+            </mc:AlternateContent>
           </a:graphicData>
         </a:graphic>
       </p:graphicFrame>
@@ -6183,7 +6145,7 @@
             <a:fld id="{35C1FD4D-52EB-42CB-85F2-3F104058EAED}" type="datetime1">
               <a:rPr lang="de-DE" smtClean="0"/>
               <a:pPr/>
-              <a:t>15.06.2015</a:t>
+              <a:t>16.06.2015</a:t>
             </a:fld>
             <a:endParaRPr lang="de-DE"/>
           </a:p>
@@ -6480,7 +6442,7 @@
             <a:fld id="{1C72BD4E-61B2-40A3-A75C-5FDEDE8E5EC5}" type="datetime1">
               <a:rPr lang="de-DE" smtClean="0"/>
               <a:pPr/>
-              <a:t>15.06.2015</a:t>
+              <a:t>16.06.2015</a:t>
             </a:fld>
             <a:endParaRPr lang="de-DE"/>
           </a:p>
@@ -6502,10 +6464,10 @@
           <a:lstStyle/>
           <a:p>
             <a:r>
-              <a:rPr lang="de-DE" dirty="0" smtClean="0"/>
+              <a:rPr lang="de-DE" smtClean="0"/>
               <a:t>FM-Synthese</a:t>
             </a:r>
-            <a:endParaRPr lang="de-DE" dirty="0"/>
+            <a:endParaRPr lang="de-DE"/>
           </a:p>
         </p:txBody>
       </p:sp>
@@ -6612,6 +6574,32 @@
           <a:bodyPr/>
           <a:lstStyle/>
           <a:p>
+            <a:r>
+              <a:rPr lang="de-DE" sz="2000" dirty="0" smtClean="0">
+                <a:latin typeface="Lato" pitchFamily="34" charset="0"/>
+              </a:rPr>
+              <a:t>Sinus:</a:t>
+            </a:r>
+          </a:p>
+          <a:p>
+            <a:endParaRPr lang="de-DE" sz="2000" dirty="0" smtClean="0">
+              <a:latin typeface="Lato" pitchFamily="34" charset="0"/>
+            </a:endParaRPr>
+          </a:p>
+          <a:p>
+            <a:endParaRPr lang="de-DE" sz="2000" dirty="0" smtClean="0">
+              <a:latin typeface="Lato" pitchFamily="34" charset="0"/>
+            </a:endParaRPr>
+          </a:p>
+          <a:p>
+            <a:r>
+              <a:rPr lang="de-DE" sz="2000" dirty="0" smtClean="0">
+                <a:latin typeface="Lato" pitchFamily="34" charset="0"/>
+              </a:rPr>
+              <a:t>Kosinus: </a:t>
+            </a:r>
+          </a:p>
+          <a:p>
             <a:pPr>
               <a:buNone/>
             </a:pPr>
@@ -6638,315 +6626,199 @@
         </p:xfrm>
         <a:graphic>
           <a:graphicData uri="http://schemas.openxmlformats.org/presentationml/2006/ole">
-            <p:oleObj spid="_x0000_s32770" name="Formel" r:id="rId4" imgW="114120" imgH="215640" progId="Equation.3">
-              <p:embed/>
-            </p:oleObj>
+            <mc:AlternateContent xmlns:mc="http://schemas.openxmlformats.org/markup-compatibility/2006">
+              <mc:Choice xmlns:v="urn:schemas-microsoft-com:vml" Requires="v">
+                <p:oleObj spid="_x0000_s31752" name="Formel" r:id="rId4" imgW="114120" imgH="215640" progId="Equation.3">
+                  <p:embed/>
+                </p:oleObj>
+              </mc:Choice>
+              <mc:Fallback>
+                <p:oleObj name="Formel" r:id="rId4" imgW="114120" imgH="215640" progId="Equation.3">
+                  <p:embed/>
+                  <p:pic>
+                    <p:nvPicPr>
+                      <p:cNvPr id="0" name="Picture 4"/>
+                      <p:cNvPicPr>
+                        <a:picLocks noChangeAspect="1" noChangeArrowheads="1"/>
+                      </p:cNvPicPr>
+                      <p:nvPr/>
+                    </p:nvPicPr>
+                    <p:blipFill>
+                      <a:blip r:embed="rId5">
+                        <a:extLst>
+                          <a:ext uri="{28A0092B-C50C-407E-A947-70E740481C1C}">
+                            <a14:useLocalDpi xmlns:a14="http://schemas.microsoft.com/office/drawing/2010/main" val="0"/>
+                          </a:ext>
+                        </a:extLst>
+                      </a:blip>
+                      <a:srcRect/>
+                      <a:stretch>
+                        <a:fillRect/>
+                      </a:stretch>
+                    </p:blipFill>
+                    <p:spPr bwMode="auto">
+                      <a:xfrm>
+                        <a:off x="2652713" y="1341438"/>
+                        <a:ext cx="114300" cy="215900"/>
+                      </a:xfrm>
+                      <a:prstGeom prst="rect">
+                        <a:avLst/>
+                      </a:prstGeom>
+                      <a:noFill/>
+                      <a:extLst>
+                        <a:ext uri="{909E8E84-426E-40DD-AFC4-6F175D3DCCD1}">
+                          <a14:hiddenFill xmlns:a14="http://schemas.microsoft.com/office/drawing/2010/main">
+                            <a:solidFill>
+                              <a:srgbClr val="FFFFFF"/>
+                            </a:solidFill>
+                          </a14:hiddenFill>
+                        </a:ext>
+                      </a:extLst>
+                    </p:spPr>
+                  </p:pic>
+                </p:oleObj>
+              </mc:Fallback>
+            </mc:AlternateContent>
           </a:graphicData>
         </a:graphic>
       </p:graphicFrame>
-      <p:sp>
-        <p:nvSpPr>
-          <p:cNvPr id="12" name="Inhaltsplatzhalter 2"/>
-          <p:cNvSpPr txBox="1">
-            <a:spLocks/>
-          </p:cNvSpPr>
-          <p:nvPr/>
-        </p:nvSpPr>
-        <p:spPr>
-          <a:xfrm>
-            <a:off x="609600" y="1352550"/>
-            <a:ext cx="8229600" cy="3595463"/>
-          </a:xfrm>
-          <a:prstGeom prst="rect">
-            <a:avLst/>
-          </a:prstGeom>
-        </p:spPr>
-        <p:txBody>
-          <a:bodyPr vert="horz" lIns="91440" tIns="45720" rIns="91440" bIns="45720" rtlCol="0">
-            <a:normAutofit/>
-          </a:bodyPr>
-          <a:lstStyle/>
-          <a:p>
-            <a:pPr marL="342900" marR="0" lvl="0" indent="-342900" algn="l" defTabSz="914400" rtl="0" eaLnBrk="1" fontAlgn="auto" latinLnBrk="0" hangingPunct="1">
-              <a:lnSpc>
-                <a:spcPct val="100000"/>
-              </a:lnSpc>
-              <a:spcBef>
-                <a:spcPct val="20000"/>
-              </a:spcBef>
-              <a:spcAft>
-                <a:spcPts val="0"/>
-              </a:spcAft>
-              <a:buClrTx/>
-              <a:buSzTx/>
-              <a:buFont typeface="Arial" pitchFamily="34" charset="0"/>
-              <a:buChar char="•"/>
-              <a:tabLst/>
-              <a:defRPr/>
-            </a:pPr>
-            <a:r>
-              <a:rPr lang="de-DE" sz="2000" noProof="0" dirty="0" smtClean="0">
-                <a:latin typeface="Lato" pitchFamily="34" charset="0"/>
-              </a:rPr>
-              <a:t>Winkelangabe im Bogenmaß</a:t>
-            </a:r>
-          </a:p>
-          <a:p>
-            <a:pPr marL="342900" marR="0" lvl="0" indent="-342900" algn="l" defTabSz="914400" rtl="0" eaLnBrk="1" fontAlgn="auto" latinLnBrk="0" hangingPunct="1">
-              <a:lnSpc>
-                <a:spcPct val="100000"/>
-              </a:lnSpc>
-              <a:spcBef>
-                <a:spcPct val="20000"/>
-              </a:spcBef>
-              <a:spcAft>
-                <a:spcPts val="0"/>
-              </a:spcAft>
-              <a:buClrTx/>
-              <a:buSzTx/>
-              <a:buFont typeface="Arial" pitchFamily="34" charset="0"/>
-              <a:buChar char="•"/>
-              <a:tabLst/>
-              <a:defRPr/>
-            </a:pPr>
-            <a:r>
-              <a:rPr lang="de-DE" sz="2000" noProof="0" dirty="0" smtClean="0">
-                <a:latin typeface="Lato" pitchFamily="34" charset="0"/>
-              </a:rPr>
-              <a:t>Angabe des abgelaufenen Bogens</a:t>
-            </a:r>
-          </a:p>
-          <a:p>
-            <a:pPr marL="342900" marR="0" lvl="0" indent="-342900" algn="l" defTabSz="914400" rtl="0" eaLnBrk="1" fontAlgn="auto" latinLnBrk="0" hangingPunct="1">
-              <a:lnSpc>
-                <a:spcPct val="100000"/>
-              </a:lnSpc>
-              <a:spcBef>
-                <a:spcPct val="20000"/>
-              </a:spcBef>
-              <a:spcAft>
-                <a:spcPts val="0"/>
-              </a:spcAft>
-              <a:buClrTx/>
-              <a:buSzTx/>
-              <a:buFont typeface="Arial" pitchFamily="34" charset="0"/>
-              <a:buChar char="•"/>
-              <a:tabLst/>
-              <a:defRPr/>
-            </a:pPr>
-            <a:endParaRPr lang="de-DE" sz="2000" noProof="0" dirty="0" smtClean="0">
-              <a:latin typeface="Lato" pitchFamily="34" charset="0"/>
-            </a:endParaRPr>
-          </a:p>
-          <a:p>
-            <a:pPr marL="342900" lvl="0" indent="-342900">
-              <a:spcBef>
-                <a:spcPct val="20000"/>
-              </a:spcBef>
-              <a:buFont typeface="Arial" pitchFamily="34" charset="0"/>
-              <a:buChar char="•"/>
-            </a:pPr>
-            <a:r>
-              <a:rPr kumimoji="0" lang="de-DE" sz="2000" b="0" i="0" u="none" strike="noStrike" kern="1200" cap="none" spc="0" normalizeH="0" baseline="0" noProof="0" dirty="0" smtClean="0">
-                <a:ln>
-                  <a:noFill/>
-                </a:ln>
-                <a:solidFill>
-                  <a:schemeClr val="tx1"/>
-                </a:solidFill>
-                <a:effectLst/>
-                <a:uLnTx/>
-                <a:uFillTx/>
-                <a:latin typeface="Lato" pitchFamily="34" charset="0"/>
-              </a:rPr>
-              <a:t>Bogenmaß</a:t>
-            </a:r>
-            <a:r>
-              <a:rPr kumimoji="0" lang="de-DE" sz="2000" b="0" i="0" u="none" strike="noStrike" kern="1200" cap="none" spc="0" normalizeH="0" noProof="0" dirty="0" smtClean="0">
-                <a:ln>
-                  <a:noFill/>
-                </a:ln>
-                <a:solidFill>
-                  <a:schemeClr val="tx1"/>
-                </a:solidFill>
-                <a:effectLst/>
-                <a:uLnTx/>
-                <a:uFillTx/>
-                <a:latin typeface="Lato" pitchFamily="34" charset="0"/>
-              </a:rPr>
-              <a:t> </a:t>
-            </a:r>
-            <a:r>
-              <a:rPr lang="el-GR" sz="2000" b="1" dirty="0" smtClean="0">
-                <a:latin typeface="Lato" pitchFamily="34" charset="0"/>
-              </a:rPr>
-              <a:t>π</a:t>
-            </a:r>
-            <a:r>
-              <a:rPr lang="de-DE" sz="2000" b="1" dirty="0" smtClean="0">
-                <a:latin typeface="Lato" pitchFamily="34" charset="0"/>
-              </a:rPr>
-              <a:t>: </a:t>
-            </a:r>
-          </a:p>
-          <a:p>
-            <a:pPr marL="342900" lvl="0" indent="-342900">
-              <a:spcBef>
-                <a:spcPct val="20000"/>
-              </a:spcBef>
-            </a:pPr>
-            <a:r>
-              <a:rPr lang="de-DE" sz="2000" b="1" dirty="0" smtClean="0">
-                <a:latin typeface="Lato" pitchFamily="34" charset="0"/>
-              </a:rPr>
-              <a:t>	</a:t>
-            </a:r>
-            <a:r>
-              <a:rPr lang="de-DE" sz="2000" dirty="0" smtClean="0">
-                <a:latin typeface="Lato" pitchFamily="34" charset="0"/>
-              </a:rPr>
-              <a:t>Halbe Umdrehung</a:t>
-            </a:r>
-          </a:p>
-          <a:p>
-            <a:pPr marL="342900" lvl="0" indent="-342900">
-              <a:spcBef>
-                <a:spcPct val="20000"/>
-              </a:spcBef>
-            </a:pPr>
-            <a:endParaRPr lang="de-DE" sz="2000" dirty="0" smtClean="0">
-              <a:latin typeface="Lato" pitchFamily="34" charset="0"/>
-            </a:endParaRPr>
-          </a:p>
-          <a:p>
-            <a:pPr marL="342900" indent="-342900">
-              <a:spcBef>
-                <a:spcPct val="20000"/>
-              </a:spcBef>
-              <a:buFont typeface="Arial" pitchFamily="34" charset="0"/>
-              <a:buChar char="•"/>
-            </a:pPr>
-            <a:r>
-              <a:rPr lang="de-DE" sz="2000" dirty="0" smtClean="0">
-                <a:latin typeface="Lato" pitchFamily="34" charset="0"/>
-              </a:rPr>
-              <a:t>Bogenmaß </a:t>
-            </a:r>
-            <a:r>
-              <a:rPr lang="de-DE" sz="2000" dirty="0" smtClean="0">
-                <a:latin typeface="Lato" pitchFamily="34" charset="0"/>
-              </a:rPr>
-              <a:t>2</a:t>
-            </a:r>
-            <a:r>
-              <a:rPr lang="el-GR" sz="2000" b="1" dirty="0" smtClean="0">
-                <a:latin typeface="Lato" pitchFamily="34" charset="0"/>
-              </a:rPr>
-              <a:t>π</a:t>
-            </a:r>
-            <a:r>
-              <a:rPr lang="de-DE" sz="2000" b="1" dirty="0" smtClean="0">
-                <a:latin typeface="Lato" pitchFamily="34" charset="0"/>
-              </a:rPr>
-              <a:t>: </a:t>
-            </a:r>
-          </a:p>
-          <a:p>
-            <a:pPr marL="342900" indent="-342900">
-              <a:spcBef>
-                <a:spcPct val="20000"/>
-              </a:spcBef>
-            </a:pPr>
-            <a:r>
-              <a:rPr lang="de-DE" sz="2000" b="1" dirty="0" smtClean="0">
-                <a:latin typeface="Lato" pitchFamily="34" charset="0"/>
-              </a:rPr>
-              <a:t>	</a:t>
-            </a:r>
-            <a:r>
-              <a:rPr lang="de-DE" sz="2000" dirty="0" smtClean="0">
-                <a:latin typeface="Lato" pitchFamily="34" charset="0"/>
-              </a:rPr>
-              <a:t>Ganze </a:t>
-            </a:r>
-            <a:r>
-              <a:rPr lang="de-DE" sz="2000" dirty="0" smtClean="0">
-                <a:latin typeface="Lato" pitchFamily="34" charset="0"/>
-              </a:rPr>
-              <a:t>Umdrehung</a:t>
-            </a:r>
-          </a:p>
-          <a:p>
-            <a:pPr marL="342900" lvl="0" indent="-342900">
-              <a:spcBef>
-                <a:spcPct val="20000"/>
-              </a:spcBef>
-              <a:buFont typeface="Arial" pitchFamily="34" charset="0"/>
-              <a:buChar char="•"/>
-            </a:pPr>
-            <a:endParaRPr kumimoji="0" lang="de-DE" sz="2000" i="0" u="none" strike="noStrike" kern="1200" cap="none" spc="0" normalizeH="0" baseline="0" noProof="0" dirty="0" smtClean="0">
-              <a:ln>
-                <a:noFill/>
-              </a:ln>
-              <a:solidFill>
-                <a:schemeClr val="tx1"/>
-              </a:solidFill>
-              <a:effectLst/>
-              <a:uLnTx/>
-              <a:uFillTx/>
-              <a:latin typeface="Lato" pitchFamily="34" charset="0"/>
-            </a:endParaRPr>
-          </a:p>
-          <a:p>
-            <a:pPr marL="342900" marR="0" lvl="0" indent="-342900" algn="l" defTabSz="914400" rtl="0" eaLnBrk="1" fontAlgn="auto" latinLnBrk="0" hangingPunct="1">
-              <a:lnSpc>
-                <a:spcPct val="100000"/>
-              </a:lnSpc>
-              <a:spcBef>
-                <a:spcPct val="20000"/>
-              </a:spcBef>
-              <a:spcAft>
-                <a:spcPts val="0"/>
-              </a:spcAft>
-              <a:buClrTx/>
-              <a:buSzTx/>
-              <a:tabLst/>
-              <a:defRPr/>
-            </a:pPr>
-            <a:endParaRPr kumimoji="0" lang="de-DE" sz="2000" b="0" i="0" u="none" strike="noStrike" kern="1200" cap="none" spc="0" normalizeH="0" baseline="0" noProof="0" dirty="0" smtClean="0">
-              <a:ln>
-                <a:noFill/>
-              </a:ln>
-              <a:solidFill>
-                <a:schemeClr val="tx1"/>
-              </a:solidFill>
-              <a:effectLst/>
-              <a:uLnTx/>
-              <a:uFillTx/>
-              <a:latin typeface="Lato" pitchFamily="34" charset="0"/>
-              <a:ea typeface="+mn-ea"/>
-              <a:cs typeface="+mn-cs"/>
-            </a:endParaRPr>
-          </a:p>
-        </p:txBody>
-      </p:sp>
       <p:graphicFrame>
         <p:nvGraphicFramePr>
-          <p:cNvPr id="16" name="Objekt 15"/>
+          <p:cNvPr id="13" name="Objekt 12"/>
           <p:cNvGraphicFramePr>
             <a:graphicFrameLocks noChangeAspect="1"/>
           </p:cNvGraphicFramePr>
           <p:nvPr/>
         </p:nvGraphicFramePr>
         <p:xfrm>
-          <a:off x="4514850" y="2463800"/>
-          <a:ext cx="114300" cy="215900"/>
+          <a:off x="971600" y="1707654"/>
+          <a:ext cx="2781300" cy="419100"/>
         </p:xfrm>
         <a:graphic>
           <a:graphicData uri="http://schemas.openxmlformats.org/presentationml/2006/ole">
-            <p:oleObj spid="_x0000_s32775" name="Formel" r:id="rId5" imgW="114120" imgH="215640" progId="Equation.3">
-              <p:embed/>
-            </p:oleObj>
+            <mc:AlternateContent xmlns:mc="http://schemas.openxmlformats.org/markup-compatibility/2006">
+              <mc:Choice xmlns:v="urn:schemas-microsoft-com:vml" Requires="v">
+                <p:oleObj spid="_x0000_s31753" name="Formel" r:id="rId6" imgW="2781000" imgH="419040" progId="Equation.3">
+                  <p:embed/>
+                </p:oleObj>
+              </mc:Choice>
+              <mc:Fallback>
+                <p:oleObj name="Formel" r:id="rId6" imgW="2781000" imgH="419040" progId="Equation.3">
+                  <p:embed/>
+                  <p:pic>
+                    <p:nvPicPr>
+                      <p:cNvPr id="0" name="Picture 6"/>
+                      <p:cNvPicPr>
+                        <a:picLocks noChangeAspect="1" noChangeArrowheads="1"/>
+                      </p:cNvPicPr>
+                      <p:nvPr/>
+                    </p:nvPicPr>
+                    <p:blipFill>
+                      <a:blip r:embed="rId7">
+                        <a:extLst>
+                          <a:ext uri="{28A0092B-C50C-407E-A947-70E740481C1C}">
+                            <a14:useLocalDpi xmlns:a14="http://schemas.microsoft.com/office/drawing/2010/main" val="0"/>
+                          </a:ext>
+                        </a:extLst>
+                      </a:blip>
+                      <a:srcRect/>
+                      <a:stretch>
+                        <a:fillRect/>
+                      </a:stretch>
+                    </p:blipFill>
+                    <p:spPr bwMode="auto">
+                      <a:xfrm>
+                        <a:off x="971600" y="1707654"/>
+                        <a:ext cx="2781300" cy="419100"/>
+                      </a:xfrm>
+                      <a:prstGeom prst="rect">
+                        <a:avLst/>
+                      </a:prstGeom>
+                      <a:noFill/>
+                      <a:extLst>
+                        <a:ext uri="{909E8E84-426E-40DD-AFC4-6F175D3DCCD1}">
+                          <a14:hiddenFill xmlns:a14="http://schemas.microsoft.com/office/drawing/2010/main">
+                            <a:solidFill>
+                              <a:srgbClr val="FFFFFF"/>
+                            </a:solidFill>
+                          </a14:hiddenFill>
+                        </a:ext>
+                      </a:extLst>
+                    </p:spPr>
+                  </p:pic>
+                </p:oleObj>
+              </mc:Fallback>
+            </mc:AlternateContent>
+          </a:graphicData>
+        </a:graphic>
+      </p:graphicFrame>
+      <p:graphicFrame>
+        <p:nvGraphicFramePr>
+          <p:cNvPr id="31751" name="Object 7"/>
+          <p:cNvGraphicFramePr>
+            <a:graphicFrameLocks noChangeAspect="1"/>
+          </p:cNvGraphicFramePr>
+          <p:nvPr/>
+        </p:nvGraphicFramePr>
+        <p:xfrm>
+          <a:off x="977156" y="2932113"/>
+          <a:ext cx="2298700" cy="419100"/>
+        </p:xfrm>
+        <a:graphic>
+          <a:graphicData uri="http://schemas.openxmlformats.org/presentationml/2006/ole">
+            <mc:AlternateContent xmlns:mc="http://schemas.openxmlformats.org/markup-compatibility/2006">
+              <mc:Choice xmlns:v="urn:schemas-microsoft-com:vml" Requires="v">
+                <p:oleObj spid="_x0000_s31754" name="Formel" r:id="rId8" imgW="2298600" imgH="419040" progId="Equation.3">
+                  <p:embed/>
+                </p:oleObj>
+              </mc:Choice>
+              <mc:Fallback>
+                <p:oleObj name="Formel" r:id="rId8" imgW="2298600" imgH="419040" progId="Equation.3">
+                  <p:embed/>
+                  <p:pic>
+                    <p:nvPicPr>
+                      <p:cNvPr id="0" name="Picture 7"/>
+                      <p:cNvPicPr>
+                        <a:picLocks noChangeAspect="1" noChangeArrowheads="1"/>
+                      </p:cNvPicPr>
+                      <p:nvPr/>
+                    </p:nvPicPr>
+                    <p:blipFill>
+                      <a:blip r:embed="rId9">
+                        <a:extLst>
+                          <a:ext uri="{28A0092B-C50C-407E-A947-70E740481C1C}">
+                            <a14:useLocalDpi xmlns:a14="http://schemas.microsoft.com/office/drawing/2010/main" val="0"/>
+                          </a:ext>
+                        </a:extLst>
+                      </a:blip>
+                      <a:srcRect/>
+                      <a:stretch>
+                        <a:fillRect/>
+                      </a:stretch>
+                    </p:blipFill>
+                    <p:spPr bwMode="auto">
+                      <a:xfrm>
+                        <a:off x="977156" y="2932113"/>
+                        <a:ext cx="2298700" cy="419100"/>
+                      </a:xfrm>
+                      <a:prstGeom prst="rect">
+                        <a:avLst/>
+                      </a:prstGeom>
+                      <a:noFill/>
+                      <a:extLst>
+                        <a:ext uri="{909E8E84-426E-40DD-AFC4-6F175D3DCCD1}">
+                          <a14:hiddenFill xmlns:a14="http://schemas.microsoft.com/office/drawing/2010/main">
+                            <a:solidFill>
+                              <a:srgbClr val="FFFFFF"/>
+                            </a:solidFill>
+                          </a14:hiddenFill>
+                        </a:ext>
+                      </a:extLst>
+                    </p:spPr>
+                  </p:pic>
+                </p:oleObj>
+              </mc:Fallback>
+            </mc:AlternateContent>
           </a:graphicData>
         </a:graphic>
       </p:graphicFrame>
@@ -7000,7 +6872,7 @@
             <a:fld id="{1C72BD4E-61B2-40A3-A75C-5FDEDE8E5EC5}" type="datetime1">
               <a:rPr lang="de-DE" smtClean="0"/>
               <a:pPr/>
-              <a:t>15.06.2015</a:t>
+              <a:t>16.06.2015</a:t>
             </a:fld>
             <a:endParaRPr lang="de-DE"/>
           </a:p>
@@ -7022,10 +6894,10 @@
           <a:lstStyle/>
           <a:p>
             <a:r>
-              <a:rPr lang="de-DE" smtClean="0"/>
+              <a:rPr lang="de-DE" dirty="0" smtClean="0"/>
               <a:t>FM-Synthese</a:t>
             </a:r>
-            <a:endParaRPr lang="de-DE"/>
+            <a:endParaRPr lang="de-DE" dirty="0"/>
           </a:p>
         </p:txBody>
       </p:sp>
@@ -7053,9 +6925,170 @@
           </a:p>
         </p:txBody>
       </p:sp>
-      <p:sp>
-        <p:nvSpPr>
-          <p:cNvPr id="7" name="Inhaltsplatzhalter 2"/>
+      <p:pic>
+        <p:nvPicPr>
+          <p:cNvPr id="31746" name="Picture 2" descr="D:\Julius\Documents\GitHub\VSeminar\Dok\Kapitel\img\Unit_Circle.PNG"/>
+          <p:cNvPicPr>
+            <a:picLocks noChangeAspect="1" noChangeArrowheads="1"/>
+          </p:cNvPicPr>
+          <p:nvPr/>
+        </p:nvPicPr>
+        <p:blipFill>
+          <a:blip r:embed="rId3" cstate="print"/>
+          <a:srcRect/>
+          <a:stretch>
+            <a:fillRect/>
+          </a:stretch>
+        </p:blipFill>
+        <p:spPr bwMode="auto">
+          <a:xfrm>
+            <a:off x="4572000" y="339502"/>
+            <a:ext cx="4256587" cy="4176464"/>
+          </a:xfrm>
+          <a:prstGeom prst="rect">
+            <a:avLst/>
+          </a:prstGeom>
+          <a:noFill/>
+        </p:spPr>
+      </p:pic>
+      <p:sp>
+        <p:nvSpPr>
+          <p:cNvPr id="8" name="Rechteck 7"/>
+          <p:cNvSpPr/>
+          <p:nvPr/>
+        </p:nvSpPr>
+        <p:spPr>
+          <a:xfrm>
+            <a:off x="611560" y="195486"/>
+            <a:ext cx="5016053" cy="523220"/>
+          </a:xfrm>
+          <a:prstGeom prst="rect">
+            <a:avLst/>
+          </a:prstGeom>
+        </p:spPr>
+        <p:txBody>
+          <a:bodyPr wrap="none">
+            <a:spAutoFit/>
+          </a:bodyPr>
+          <a:lstStyle/>
+          <a:p>
+            <a:pPr>
+              <a:buNone/>
+            </a:pPr>
+            <a:r>
+              <a:rPr lang="de-DE" sz="2800" dirty="0" smtClean="0">
+                <a:latin typeface="Lato" pitchFamily="34" charset="0"/>
+              </a:rPr>
+              <a:t>Grundlagen: Sinus und Kosinus</a:t>
+            </a:r>
+          </a:p>
+        </p:txBody>
+      </p:sp>
+      <p:sp>
+        <p:nvSpPr>
+          <p:cNvPr id="9" name="Inhaltsplatzhalter 2"/>
+          <p:cNvSpPr>
+            <a:spLocks noGrp="1"/>
+          </p:cNvSpPr>
+          <p:nvPr>
+            <p:ph idx="1"/>
+          </p:nvPr>
+        </p:nvSpPr>
+        <p:spPr>
+          <a:xfrm>
+            <a:off x="457200" y="1200151"/>
+            <a:ext cx="8229600" cy="3394472"/>
+          </a:xfrm>
+        </p:spPr>
+        <p:txBody>
+          <a:bodyPr/>
+          <a:lstStyle/>
+          <a:p>
+            <a:pPr>
+              <a:buNone/>
+            </a:pPr>
+            <a:r>
+              <a:rPr lang="de-DE" sz="2000" dirty="0" smtClean="0">
+                <a:latin typeface="Lato" pitchFamily="34" charset="0"/>
+              </a:rPr>
+              <a:t>	</a:t>
+            </a:r>
+          </a:p>
+        </p:txBody>
+      </p:sp>
+      <p:graphicFrame>
+        <p:nvGraphicFramePr>
+          <p:cNvPr id="11" name="Objekt 10"/>
+          <p:cNvGraphicFramePr>
+            <a:graphicFrameLocks noChangeAspect="1"/>
+          </p:cNvGraphicFramePr>
+          <p:nvPr/>
+        </p:nvGraphicFramePr>
+        <p:xfrm>
+          <a:off x="2652713" y="1341438"/>
+          <a:ext cx="114300" cy="215900"/>
+        </p:xfrm>
+        <a:graphic>
+          <a:graphicData uri="http://schemas.openxmlformats.org/presentationml/2006/ole">
+            <mc:AlternateContent xmlns:mc="http://schemas.openxmlformats.org/markup-compatibility/2006">
+              <mc:Choice xmlns:v="urn:schemas-microsoft-com:vml" Requires="v">
+                <p:oleObj spid="_x0000_s32776" name="Formel" r:id="rId4" imgW="114120" imgH="215640" progId="Equation.3">
+                  <p:embed/>
+                </p:oleObj>
+              </mc:Choice>
+              <mc:Fallback>
+                <p:oleObj name="Formel" r:id="rId4" imgW="114120" imgH="215640" progId="Equation.3">
+                  <p:embed/>
+                  <p:pic>
+                    <p:nvPicPr>
+                      <p:cNvPr id="0" name="Picture 2"/>
+                      <p:cNvPicPr>
+                        <a:picLocks noChangeAspect="1" noChangeArrowheads="1"/>
+                      </p:cNvPicPr>
+                      <p:nvPr/>
+                    </p:nvPicPr>
+                    <p:blipFill>
+                      <a:blip r:embed="rId5">
+                        <a:extLst>
+                          <a:ext uri="{28A0092B-C50C-407E-A947-70E740481C1C}">
+                            <a14:useLocalDpi xmlns:a14="http://schemas.microsoft.com/office/drawing/2010/main" val="0"/>
+                          </a:ext>
+                        </a:extLst>
+                      </a:blip>
+                      <a:srcRect/>
+                      <a:stretch>
+                        <a:fillRect/>
+                      </a:stretch>
+                    </p:blipFill>
+                    <p:spPr bwMode="auto">
+                      <a:xfrm>
+                        <a:off x="2652713" y="1341438"/>
+                        <a:ext cx="114300" cy="215900"/>
+                      </a:xfrm>
+                      <a:prstGeom prst="rect">
+                        <a:avLst/>
+                      </a:prstGeom>
+                      <a:noFill/>
+                      <a:extLst>
+                        <a:ext uri="{909E8E84-426E-40DD-AFC4-6F175D3DCCD1}">
+                          <a14:hiddenFill xmlns:a14="http://schemas.microsoft.com/office/drawing/2010/main">
+                            <a:solidFill>
+                              <a:srgbClr val="FFFFFF"/>
+                            </a:solidFill>
+                          </a14:hiddenFill>
+                        </a:ext>
+                      </a:extLst>
+                    </p:spPr>
+                  </p:pic>
+                </p:oleObj>
+              </mc:Fallback>
+            </mc:AlternateContent>
+          </a:graphicData>
+        </a:graphic>
+      </p:graphicFrame>
+      <p:sp>
+        <p:nvSpPr>
+          <p:cNvPr id="12" name="Inhaltsplatzhalter 2"/>
           <p:cNvSpPr txBox="1">
             <a:spLocks/>
           </p:cNvSpPr>
@@ -7094,10 +7127,10 @@
               <a:defRPr/>
             </a:pPr>
             <a:r>
-              <a:rPr lang="de-DE" sz="2000" dirty="0" smtClean="0">
-                <a:latin typeface="Lato" pitchFamily="34" charset="0"/>
-              </a:rPr>
-              <a:t>Festlegung der Ablaufgeschwindigkeit durch Faktor f</a:t>
+              <a:rPr lang="de-DE" sz="2000" noProof="0" dirty="0" smtClean="0">
+                <a:latin typeface="Lato" pitchFamily="34" charset="0"/>
+              </a:rPr>
+              <a:t>Winkelangabe im Bogenmaß</a:t>
             </a:r>
           </a:p>
           <a:p>
@@ -7119,17 +7152,33 @@
               <a:defRPr/>
             </a:pPr>
             <a:r>
-              <a:rPr lang="de-DE" sz="2000" dirty="0" smtClean="0">
-                <a:latin typeface="Lato" pitchFamily="34" charset="0"/>
-              </a:rPr>
-              <a:t>f</a:t>
-            </a:r>
-            <a:r>
-              <a:rPr lang="de-DE" sz="2000" dirty="0" smtClean="0">
-                <a:latin typeface="Lato" pitchFamily="34" charset="0"/>
-              </a:rPr>
-              <a:t> = Frequenz</a:t>
-            </a:r>
+              <a:rPr lang="de-DE" sz="2000" noProof="0" dirty="0" smtClean="0">
+                <a:latin typeface="Lato" pitchFamily="34" charset="0"/>
+              </a:rPr>
+              <a:t>Angabe des abgelaufenen Bogens</a:t>
+            </a:r>
+          </a:p>
+          <a:p>
+            <a:pPr marL="342900" marR="0" lvl="0" indent="-342900" algn="l" defTabSz="914400" rtl="0" eaLnBrk="1" fontAlgn="auto" latinLnBrk="0" hangingPunct="1">
+              <a:lnSpc>
+                <a:spcPct val="100000"/>
+              </a:lnSpc>
+              <a:spcBef>
+                <a:spcPct val="20000"/>
+              </a:spcBef>
+              <a:spcAft>
+                <a:spcPts val="0"/>
+              </a:spcAft>
+              <a:buClrTx/>
+              <a:buSzTx/>
+              <a:buFont typeface="Arial" pitchFamily="34" charset="0"/>
+              <a:buChar char="•"/>
+              <a:tabLst/>
+              <a:defRPr/>
+            </a:pPr>
+            <a:endParaRPr lang="de-DE" sz="2000" noProof="0" dirty="0" smtClean="0">
+              <a:latin typeface="Lato" pitchFamily="34" charset="0"/>
+            </a:endParaRPr>
           </a:p>
           <a:p>
             <a:pPr marL="342900" lvl="0" indent="-342900">
@@ -7140,32 +7189,454 @@
               <a:buChar char="•"/>
             </a:pPr>
             <a:r>
+              <a:rPr kumimoji="0" lang="de-DE" sz="2000" b="0" i="0" u="none" strike="noStrike" kern="1200" cap="none" spc="0" normalizeH="0" baseline="0" noProof="0" dirty="0" smtClean="0">
+                <a:ln>
+                  <a:noFill/>
+                </a:ln>
+                <a:solidFill>
+                  <a:schemeClr val="tx1"/>
+                </a:solidFill>
+                <a:effectLst/>
+                <a:uLnTx/>
+                <a:uFillTx/>
+                <a:latin typeface="Lato" pitchFamily="34" charset="0"/>
+              </a:rPr>
+              <a:t>Bogenmaß</a:t>
+            </a:r>
+            <a:r>
+              <a:rPr kumimoji="0" lang="de-DE" sz="2000" b="0" i="0" u="none" strike="noStrike" kern="1200" cap="none" spc="0" normalizeH="0" noProof="0" dirty="0" smtClean="0">
+                <a:ln>
+                  <a:noFill/>
+                </a:ln>
+                <a:solidFill>
+                  <a:schemeClr val="tx1"/>
+                </a:solidFill>
+                <a:effectLst/>
+                <a:uLnTx/>
+                <a:uFillTx/>
+                <a:latin typeface="Lato" pitchFamily="34" charset="0"/>
+              </a:rPr>
+              <a:t> </a:t>
+            </a:r>
+            <a:r>
+              <a:rPr lang="el-GR" sz="2000" b="1" dirty="0" smtClean="0">
+                <a:latin typeface="Lato" pitchFamily="34" charset="0"/>
+              </a:rPr>
+              <a:t>π</a:t>
+            </a:r>
+            <a:r>
+              <a:rPr lang="de-DE" sz="2000" b="1" dirty="0" smtClean="0">
+                <a:latin typeface="Lato" pitchFamily="34" charset="0"/>
+              </a:rPr>
+              <a:t>: </a:t>
+            </a:r>
+          </a:p>
+          <a:p>
+            <a:pPr marL="342900" lvl="0" indent="-342900">
+              <a:spcBef>
+                <a:spcPct val="20000"/>
+              </a:spcBef>
+            </a:pPr>
+            <a:r>
+              <a:rPr lang="de-DE" sz="2000" b="1" dirty="0" smtClean="0">
+                <a:latin typeface="Lato" pitchFamily="34" charset="0"/>
+              </a:rPr>
+              <a:t>	</a:t>
+            </a:r>
+            <a:r>
               <a:rPr lang="de-DE" sz="2000" dirty="0" smtClean="0">
                 <a:latin typeface="Lato" pitchFamily="34" charset="0"/>
               </a:rPr>
-              <a:t>Kreisfrequenz: 2</a:t>
-            </a:r>
-            <a:r>
-              <a:rPr lang="el-GR" sz="2000" b="1" dirty="0" smtClean="0">
-                <a:latin typeface="Lato" pitchFamily="34" charset="0"/>
-              </a:rPr>
-              <a:t>π</a:t>
-            </a:r>
-            <a:r>
-              <a:rPr lang="de-DE" sz="2000" b="1" dirty="0" smtClean="0">
-                <a:latin typeface="Lato" pitchFamily="34" charset="0"/>
-              </a:rPr>
-              <a:t> </a:t>
-            </a:r>
-            <a:r>
-              <a:rPr lang="de-DE" sz="2000" dirty="0" smtClean="0">
-                <a:latin typeface="Lato" pitchFamily="34" charset="0"/>
-              </a:rPr>
-              <a:t>* f</a:t>
-            </a:r>
+              <a:t>Halbe Umdrehung</a:t>
+            </a:r>
+          </a:p>
+          <a:p>
+            <a:pPr marL="342900" lvl="0" indent="-342900">
+              <a:spcBef>
+                <a:spcPct val="20000"/>
+              </a:spcBef>
+            </a:pPr>
             <a:endParaRPr lang="de-DE" sz="2000" dirty="0" smtClean="0">
               <a:latin typeface="Lato" pitchFamily="34" charset="0"/>
             </a:endParaRPr>
+          </a:p>
+          <a:p>
+            <a:pPr marL="342900" indent="-342900">
+              <a:spcBef>
+                <a:spcPct val="20000"/>
+              </a:spcBef>
+              <a:buFont typeface="Arial" pitchFamily="34" charset="0"/>
+              <a:buChar char="•"/>
+            </a:pPr>
+            <a:r>
+              <a:rPr lang="de-DE" sz="2000" dirty="0" smtClean="0">
+                <a:latin typeface="Lato" pitchFamily="34" charset="0"/>
+              </a:rPr>
+              <a:t>Bogenmaß 2</a:t>
+            </a:r>
+            <a:r>
+              <a:rPr lang="el-GR" sz="2000" b="1" dirty="0" smtClean="0">
+                <a:latin typeface="Lato" pitchFamily="34" charset="0"/>
+              </a:rPr>
+              <a:t>π</a:t>
+            </a:r>
+            <a:r>
+              <a:rPr lang="de-DE" sz="2000" b="1" dirty="0" smtClean="0">
+                <a:latin typeface="Lato" pitchFamily="34" charset="0"/>
+              </a:rPr>
+              <a:t>: </a:t>
+            </a:r>
+          </a:p>
+          <a:p>
+            <a:pPr marL="342900" indent="-342900">
+              <a:spcBef>
+                <a:spcPct val="20000"/>
+              </a:spcBef>
+            </a:pPr>
+            <a:r>
+              <a:rPr lang="de-DE" sz="2000" b="1" dirty="0" smtClean="0">
+                <a:latin typeface="Lato" pitchFamily="34" charset="0"/>
+              </a:rPr>
+              <a:t>	</a:t>
+            </a:r>
+            <a:r>
+              <a:rPr lang="de-DE" sz="2000" dirty="0" smtClean="0">
+                <a:latin typeface="Lato" pitchFamily="34" charset="0"/>
+              </a:rPr>
+              <a:t>Ganze Umdrehung</a:t>
+            </a:r>
+          </a:p>
+          <a:p>
+            <a:pPr marL="342900" lvl="0" indent="-342900">
+              <a:spcBef>
+                <a:spcPct val="20000"/>
+              </a:spcBef>
+              <a:buFont typeface="Arial" pitchFamily="34" charset="0"/>
+              <a:buChar char="•"/>
+            </a:pPr>
+            <a:endParaRPr kumimoji="0" lang="de-DE" sz="2000" i="0" u="none" strike="noStrike" kern="1200" cap="none" spc="0" normalizeH="0" baseline="0" noProof="0" dirty="0" smtClean="0">
+              <a:ln>
+                <a:noFill/>
+              </a:ln>
+              <a:solidFill>
+                <a:schemeClr val="tx1"/>
+              </a:solidFill>
+              <a:effectLst/>
+              <a:uLnTx/>
+              <a:uFillTx/>
+              <a:latin typeface="Lato" pitchFamily="34" charset="0"/>
+            </a:endParaRPr>
+          </a:p>
+          <a:p>
+            <a:pPr marL="342900" marR="0" lvl="0" indent="-342900" algn="l" defTabSz="914400" rtl="0" eaLnBrk="1" fontAlgn="auto" latinLnBrk="0" hangingPunct="1">
+              <a:lnSpc>
+                <a:spcPct val="100000"/>
+              </a:lnSpc>
+              <a:spcBef>
+                <a:spcPct val="20000"/>
+              </a:spcBef>
+              <a:spcAft>
+                <a:spcPts val="0"/>
+              </a:spcAft>
+              <a:buClrTx/>
+              <a:buSzTx/>
+              <a:tabLst/>
+              <a:defRPr/>
+            </a:pPr>
+            <a:endParaRPr kumimoji="0" lang="de-DE" sz="2000" b="0" i="0" u="none" strike="noStrike" kern="1200" cap="none" spc="0" normalizeH="0" baseline="0" noProof="0" dirty="0" smtClean="0">
+              <a:ln>
+                <a:noFill/>
+              </a:ln>
+              <a:solidFill>
+                <a:schemeClr val="tx1"/>
+              </a:solidFill>
+              <a:effectLst/>
+              <a:uLnTx/>
+              <a:uFillTx/>
+              <a:latin typeface="Lato" pitchFamily="34" charset="0"/>
+              <a:ea typeface="+mn-ea"/>
+              <a:cs typeface="+mn-cs"/>
+            </a:endParaRPr>
+          </a:p>
+        </p:txBody>
+      </p:sp>
+      <p:graphicFrame>
+        <p:nvGraphicFramePr>
+          <p:cNvPr id="16" name="Objekt 15"/>
+          <p:cNvGraphicFramePr>
+            <a:graphicFrameLocks noChangeAspect="1"/>
+          </p:cNvGraphicFramePr>
+          <p:nvPr/>
+        </p:nvGraphicFramePr>
+        <p:xfrm>
+          <a:off x="4514850" y="2463800"/>
+          <a:ext cx="114300" cy="215900"/>
+        </p:xfrm>
+        <a:graphic>
+          <a:graphicData uri="http://schemas.openxmlformats.org/presentationml/2006/ole">
+            <mc:AlternateContent xmlns:mc="http://schemas.openxmlformats.org/markup-compatibility/2006">
+              <mc:Choice xmlns:v="urn:schemas-microsoft-com:vml" Requires="v">
+                <p:oleObj spid="_x0000_s32777" name="Formel" r:id="rId6" imgW="114120" imgH="215640" progId="Equation.3">
+                  <p:embed/>
+                </p:oleObj>
+              </mc:Choice>
+              <mc:Fallback>
+                <p:oleObj name="Formel" r:id="rId6" imgW="114120" imgH="215640" progId="Equation.3">
+                  <p:embed/>
+                  <p:pic>
+                    <p:nvPicPr>
+                      <p:cNvPr id="0" name="Picture 7"/>
+                      <p:cNvPicPr>
+                        <a:picLocks noChangeAspect="1" noChangeArrowheads="1"/>
+                      </p:cNvPicPr>
+                      <p:nvPr/>
+                    </p:nvPicPr>
+                    <p:blipFill>
+                      <a:blip r:embed="rId5">
+                        <a:extLst>
+                          <a:ext uri="{28A0092B-C50C-407E-A947-70E740481C1C}">
+                            <a14:useLocalDpi xmlns:a14="http://schemas.microsoft.com/office/drawing/2010/main" val="0"/>
+                          </a:ext>
+                        </a:extLst>
+                      </a:blip>
+                      <a:srcRect/>
+                      <a:stretch>
+                        <a:fillRect/>
+                      </a:stretch>
+                    </p:blipFill>
+                    <p:spPr bwMode="auto">
+                      <a:xfrm>
+                        <a:off x="4514850" y="2463800"/>
+                        <a:ext cx="114300" cy="215900"/>
+                      </a:xfrm>
+                      <a:prstGeom prst="rect">
+                        <a:avLst/>
+                      </a:prstGeom>
+                      <a:noFill/>
+                      <a:extLst>
+                        <a:ext uri="{909E8E84-426E-40DD-AFC4-6F175D3DCCD1}">
+                          <a14:hiddenFill xmlns:a14="http://schemas.microsoft.com/office/drawing/2010/main">
+                            <a:solidFill>
+                              <a:srgbClr val="FFFFFF"/>
+                            </a:solidFill>
+                          </a14:hiddenFill>
+                        </a:ext>
+                      </a:extLst>
+                    </p:spPr>
+                  </p:pic>
+                </p:oleObj>
+              </mc:Fallback>
+            </mc:AlternateContent>
+          </a:graphicData>
+        </a:graphic>
+      </p:graphicFrame>
+    </p:spTree>
+  </p:cSld>
+  <p:clrMapOvr>
+    <a:masterClrMapping/>
+  </p:clrMapOvr>
+  <p:timing>
+    <p:tnLst>
+      <p:par>
+        <p:cTn id="1" dur="indefinite" restart="never" nodeType="tmRoot"/>
+      </p:par>
+    </p:tnLst>
+  </p:timing>
+</p:sld>
+</file>
+
+<file path=ppt/slides/slide22.xml><?xml version="1.0" encoding="utf-8"?>
+<p:sld xmlns:a="http://schemas.openxmlformats.org/drawingml/2006/main" xmlns:r="http://schemas.openxmlformats.org/officeDocument/2006/relationships" xmlns:p="http://schemas.openxmlformats.org/presentationml/2006/main">
+  <p:cSld>
+    <p:spTree>
+      <p:nvGrpSpPr>
+        <p:cNvPr id="1" name=""/>
+        <p:cNvGrpSpPr/>
+        <p:nvPr/>
+      </p:nvGrpSpPr>
+      <p:grpSpPr>
+        <a:xfrm>
+          <a:off x="0" y="0"/>
+          <a:ext cx="0" cy="0"/>
+          <a:chOff x="0" y="0"/>
+          <a:chExt cx="0" cy="0"/>
+        </a:xfrm>
+      </p:grpSpPr>
+      <p:sp>
+        <p:nvSpPr>
+          <p:cNvPr id="4" name="Datumsplatzhalter 3"/>
+          <p:cNvSpPr>
+            <a:spLocks noGrp="1"/>
+          </p:cNvSpPr>
+          <p:nvPr>
+            <p:ph type="dt" sz="half" idx="10"/>
+          </p:nvPr>
+        </p:nvSpPr>
+        <p:spPr/>
+        <p:txBody>
+          <a:bodyPr/>
+          <a:lstStyle/>
+          <a:p>
+            <a:fld id="{1C72BD4E-61B2-40A3-A75C-5FDEDE8E5EC5}" type="datetime1">
+              <a:rPr lang="de-DE" smtClean="0"/>
+              <a:pPr/>
+              <a:t>16.06.2015</a:t>
+            </a:fld>
+            <a:endParaRPr lang="de-DE"/>
+          </a:p>
+        </p:txBody>
+      </p:sp>
+      <p:sp>
+        <p:nvSpPr>
+          <p:cNvPr id="5" name="Fußzeilenplatzhalter 4"/>
+          <p:cNvSpPr>
+            <a:spLocks noGrp="1"/>
+          </p:cNvSpPr>
+          <p:nvPr>
+            <p:ph type="ftr" sz="quarter" idx="11"/>
+          </p:nvPr>
+        </p:nvSpPr>
+        <p:spPr/>
+        <p:txBody>
+          <a:bodyPr/>
+          <a:lstStyle/>
+          <a:p>
+            <a:r>
+              <a:rPr lang="de-DE" smtClean="0"/>
+              <a:t>FM-Synthese</a:t>
+            </a:r>
+            <a:endParaRPr lang="de-DE"/>
+          </a:p>
+        </p:txBody>
+      </p:sp>
+      <p:sp>
+        <p:nvSpPr>
+          <p:cNvPr id="6" name="Foliennummernplatzhalter 5"/>
+          <p:cNvSpPr>
+            <a:spLocks noGrp="1"/>
+          </p:cNvSpPr>
+          <p:nvPr>
+            <p:ph type="sldNum" sz="quarter" idx="12"/>
+          </p:nvPr>
+        </p:nvSpPr>
+        <p:spPr/>
+        <p:txBody>
+          <a:bodyPr/>
+          <a:lstStyle/>
+          <a:p>
+            <a:fld id="{6C6AE60A-B69C-4790-82F7-3882EDF23186}" type="slidenum">
+              <a:rPr lang="de-DE" smtClean="0"/>
+              <a:pPr/>
+              <a:t>22</a:t>
+            </a:fld>
+            <a:endParaRPr lang="de-DE" dirty="0"/>
+          </a:p>
+        </p:txBody>
+      </p:sp>
+      <p:sp>
+        <p:nvSpPr>
+          <p:cNvPr id="7" name="Inhaltsplatzhalter 2"/>
+          <p:cNvSpPr txBox="1">
+            <a:spLocks/>
+          </p:cNvSpPr>
+          <p:nvPr/>
+        </p:nvSpPr>
+        <p:spPr>
+          <a:xfrm>
+            <a:off x="609600" y="1352550"/>
+            <a:ext cx="8229600" cy="3595463"/>
+          </a:xfrm>
+          <a:prstGeom prst="rect">
+            <a:avLst/>
+          </a:prstGeom>
+        </p:spPr>
+        <p:txBody>
+          <a:bodyPr vert="horz" lIns="91440" tIns="45720" rIns="91440" bIns="45720" rtlCol="0">
+            <a:normAutofit/>
+          </a:bodyPr>
+          <a:lstStyle/>
+          <a:p>
+            <a:pPr marL="342900" marR="0" lvl="0" indent="-342900" algn="l" defTabSz="914400" rtl="0" eaLnBrk="1" fontAlgn="auto" latinLnBrk="0" hangingPunct="1">
+              <a:lnSpc>
+                <a:spcPct val="100000"/>
+              </a:lnSpc>
+              <a:spcBef>
+                <a:spcPct val="20000"/>
+              </a:spcBef>
+              <a:spcAft>
+                <a:spcPts val="0"/>
+              </a:spcAft>
+              <a:buClrTx/>
+              <a:buSzTx/>
+              <a:buFont typeface="Arial" pitchFamily="34" charset="0"/>
+              <a:buChar char="•"/>
+              <a:tabLst/>
+              <a:defRPr/>
+            </a:pPr>
+            <a:r>
+              <a:rPr lang="de-DE" sz="2000" dirty="0" smtClean="0">
+                <a:latin typeface="Lato" pitchFamily="34" charset="0"/>
+              </a:rPr>
+              <a:t>Festlegung der Ablaufgeschwindigkeit durch Faktor f</a:t>
+            </a:r>
+          </a:p>
+          <a:p>
+            <a:pPr marL="342900" marR="0" lvl="0" indent="-342900" algn="l" defTabSz="914400" rtl="0" eaLnBrk="1" fontAlgn="auto" latinLnBrk="0" hangingPunct="1">
+              <a:lnSpc>
+                <a:spcPct val="100000"/>
+              </a:lnSpc>
+              <a:spcBef>
+                <a:spcPct val="20000"/>
+              </a:spcBef>
+              <a:spcAft>
+                <a:spcPts val="0"/>
+              </a:spcAft>
+              <a:buClrTx/>
+              <a:buSzTx/>
+              <a:buFont typeface="Arial" pitchFamily="34" charset="0"/>
+              <a:buChar char="•"/>
+              <a:tabLst/>
+              <a:defRPr/>
+            </a:pPr>
+            <a:r>
+              <a:rPr lang="de-DE" sz="2000" dirty="0" smtClean="0">
+                <a:latin typeface="Lato" pitchFamily="34" charset="0"/>
+              </a:rPr>
+              <a:t>f = Frequenz</a:t>
+            </a:r>
+          </a:p>
+          <a:p>
+            <a:pPr marL="342900" lvl="0" indent="-342900">
+              <a:spcBef>
+                <a:spcPct val="20000"/>
+              </a:spcBef>
+              <a:buFont typeface="Arial" pitchFamily="34" charset="0"/>
+              <a:buChar char="•"/>
+            </a:pPr>
+            <a:r>
+              <a:rPr lang="de-DE" sz="2000" dirty="0" smtClean="0">
+                <a:latin typeface="Lato" pitchFamily="34" charset="0"/>
+              </a:rPr>
+              <a:t>Kreisfrequenz: 2</a:t>
+            </a:r>
+            <a:r>
+              <a:rPr lang="el-GR" sz="2000" b="1" dirty="0" smtClean="0">
+                <a:latin typeface="Lato" pitchFamily="34" charset="0"/>
+              </a:rPr>
+              <a:t>π</a:t>
+            </a:r>
+            <a:r>
+              <a:rPr lang="de-DE" sz="2000" b="1" dirty="0" smtClean="0">
+                <a:latin typeface="Lato" pitchFamily="34" charset="0"/>
+              </a:rPr>
+              <a:t> </a:t>
+            </a:r>
+            <a:r>
+              <a:rPr lang="de-DE" sz="2000" dirty="0" smtClean="0">
+                <a:latin typeface="Lato" pitchFamily="34" charset="0"/>
+              </a:rPr>
+              <a:t>* f</a:t>
+            </a:r>
           </a:p>
           <a:p>
             <a:pPr marL="342900" lvl="0" indent="-342900">
@@ -7295,7 +7766,7 @@
 </p:sld>
 </file>
 
-<file path=ppt/slides/slide22.xml><?xml version="1.0" encoding="utf-8"?>
+<file path=ppt/slides/slide23.xml><?xml version="1.0" encoding="utf-8"?>
 <p:sld xmlns:a="http://schemas.openxmlformats.org/drawingml/2006/main" xmlns:r="http://schemas.openxmlformats.org/officeDocument/2006/relationships" xmlns:p="http://schemas.openxmlformats.org/presentationml/2006/main">
   <p:cSld>
     <p:spTree>
@@ -7330,7 +7801,7 @@
             <a:fld id="{1C72BD4E-61B2-40A3-A75C-5FDEDE8E5EC5}" type="datetime1">
               <a:rPr lang="de-DE" smtClean="0"/>
               <a:pPr/>
-              <a:t>15.06.2015</a:t>
+              <a:t>16.06.2015</a:t>
             </a:fld>
             <a:endParaRPr lang="de-DE"/>
           </a:p>
@@ -7377,7 +7848,7 @@
             <a:fld id="{6C6AE60A-B69C-4790-82F7-3882EDF23186}" type="slidenum">
               <a:rPr lang="de-DE" smtClean="0"/>
               <a:pPr/>
-              <a:t>22</a:t>
+              <a:t>23</a:t>
             </a:fld>
             <a:endParaRPr lang="de-DE" dirty="0"/>
           </a:p>
@@ -7710,9 +8181,59 @@
         </p:xfrm>
         <a:graphic>
           <a:graphicData uri="http://schemas.openxmlformats.org/presentationml/2006/ole">
-            <p:oleObj spid="_x0000_s34818" name="Formel" r:id="rId3" imgW="1206360" imgH="393480" progId="Equation.3">
-              <p:embed/>
-            </p:oleObj>
+            <mc:AlternateContent xmlns:mc="http://schemas.openxmlformats.org/markup-compatibility/2006">
+              <mc:Choice xmlns:v="urn:schemas-microsoft-com:vml" Requires="v">
+                <p:oleObj spid="_x0000_s34821" name="Formel" r:id="rId3" imgW="1206360" imgH="393480" progId="Equation.3">
+                  <p:embed/>
+                </p:oleObj>
+              </mc:Choice>
+              <mc:Fallback>
+                <p:oleObj name="Formel" r:id="rId3" imgW="1206360" imgH="393480" progId="Equation.3">
+                  <p:embed/>
+                  <p:pic>
+                    <p:nvPicPr>
+                      <p:cNvPr id="0" name="Picture 2"/>
+                      <p:cNvPicPr>
+                        <a:picLocks noChangeAspect="1" noChangeArrowheads="1"/>
+                      </p:cNvPicPr>
+                      <p:nvPr/>
+                    </p:nvPicPr>
+                    <p:blipFill>
+                      <a:blip r:embed="rId4">
+                        <a:extLst>
+                          <a:ext uri="{28A0092B-C50C-407E-A947-70E740481C1C}">
+                            <a14:useLocalDpi xmlns:a14="http://schemas.microsoft.com/office/drawing/2010/main" val="0"/>
+                          </a:ext>
+                        </a:extLst>
+                      </a:blip>
+                      <a:srcRect/>
+                      <a:stretch>
+                        <a:fillRect/>
+                      </a:stretch>
+                    </p:blipFill>
+                    <p:spPr bwMode="auto">
+                      <a:xfrm>
+                        <a:off x="2555776" y="2099968"/>
+                        <a:ext cx="1206500" cy="393700"/>
+                      </a:xfrm>
+                      <a:prstGeom prst="rect">
+                        <a:avLst/>
+                      </a:prstGeom>
+                      <a:noFill/>
+                      <a:extLst>
+                        <a:ext uri="{909E8E84-426E-40DD-AFC4-6F175D3DCCD1}">
+                          <a14:hiddenFill xmlns:a14="http://schemas.microsoft.com/office/drawing/2010/main">
+                            <a:solidFill>
+                              <a:srgbClr val="FFFFFF"/>
+                            </a:solidFill>
+                          </a14:hiddenFill>
+                        </a:ext>
+                      </a:extLst>
+                    </p:spPr>
+                  </p:pic>
+                </p:oleObj>
+              </mc:Fallback>
+            </mc:AlternateContent>
           </a:graphicData>
         </a:graphic>
       </p:graphicFrame>
@@ -7730,9 +8251,59 @@
         </p:xfrm>
         <a:graphic>
           <a:graphicData uri="http://schemas.openxmlformats.org/presentationml/2006/ole">
-            <p:oleObj spid="_x0000_s34819" name="Formel" r:id="rId4" imgW="1206360" imgH="393480" progId="Equation.3">
-              <p:embed/>
-            </p:oleObj>
+            <mc:AlternateContent xmlns:mc="http://schemas.openxmlformats.org/markup-compatibility/2006">
+              <mc:Choice xmlns:v="urn:schemas-microsoft-com:vml" Requires="v">
+                <p:oleObj spid="_x0000_s34822" name="Formel" r:id="rId5" imgW="1206360" imgH="393480" progId="Equation.3">
+                  <p:embed/>
+                </p:oleObj>
+              </mc:Choice>
+              <mc:Fallback>
+                <p:oleObj name="Formel" r:id="rId5" imgW="1206360" imgH="393480" progId="Equation.3">
+                  <p:embed/>
+                  <p:pic>
+                    <p:nvPicPr>
+                      <p:cNvPr id="0" name="Picture 3"/>
+                      <p:cNvPicPr>
+                        <a:picLocks noChangeAspect="1" noChangeArrowheads="1"/>
+                      </p:cNvPicPr>
+                      <p:nvPr/>
+                    </p:nvPicPr>
+                    <p:blipFill>
+                      <a:blip r:embed="rId6">
+                        <a:extLst>
+                          <a:ext uri="{28A0092B-C50C-407E-A947-70E740481C1C}">
+                            <a14:useLocalDpi xmlns:a14="http://schemas.microsoft.com/office/drawing/2010/main" val="0"/>
+                          </a:ext>
+                        </a:extLst>
+                      </a:blip>
+                      <a:srcRect/>
+                      <a:stretch>
+                        <a:fillRect/>
+                      </a:stretch>
+                    </p:blipFill>
+                    <p:spPr bwMode="auto">
+                      <a:xfrm>
+                        <a:off x="4427984" y="2096670"/>
+                        <a:ext cx="1206500" cy="393700"/>
+                      </a:xfrm>
+                      <a:prstGeom prst="rect">
+                        <a:avLst/>
+                      </a:prstGeom>
+                      <a:noFill/>
+                      <a:extLst>
+                        <a:ext uri="{909E8E84-426E-40DD-AFC4-6F175D3DCCD1}">
+                          <a14:hiddenFill xmlns:a14="http://schemas.microsoft.com/office/drawing/2010/main">
+                            <a:solidFill>
+                              <a:srgbClr val="FFFFFF"/>
+                            </a:solidFill>
+                          </a14:hiddenFill>
+                        </a:ext>
+                      </a:extLst>
+                    </p:spPr>
+                  </p:pic>
+                </p:oleObj>
+              </mc:Fallback>
+            </mc:AlternateContent>
           </a:graphicData>
         </a:graphic>
       </p:graphicFrame>
@@ -7750,9 +8321,59 @@
         </p:xfrm>
         <a:graphic>
           <a:graphicData uri="http://schemas.openxmlformats.org/presentationml/2006/ole">
-            <p:oleObj spid="_x0000_s34820" name="Formel" r:id="rId5" imgW="1244520" imgH="203040" progId="Equation.3">
-              <p:embed/>
-            </p:oleObj>
+            <mc:AlternateContent xmlns:mc="http://schemas.openxmlformats.org/markup-compatibility/2006">
+              <mc:Choice xmlns:v="urn:schemas-microsoft-com:vml" Requires="v">
+                <p:oleObj spid="_x0000_s34823" name="Formel" r:id="rId7" imgW="1244520" imgH="203040" progId="Equation.3">
+                  <p:embed/>
+                </p:oleObj>
+              </mc:Choice>
+              <mc:Fallback>
+                <p:oleObj name="Formel" r:id="rId7" imgW="1244520" imgH="203040" progId="Equation.3">
+                  <p:embed/>
+                  <p:pic>
+                    <p:nvPicPr>
+                      <p:cNvPr id="0" name="Picture 4"/>
+                      <p:cNvPicPr>
+                        <a:picLocks noChangeAspect="1" noChangeArrowheads="1"/>
+                      </p:cNvPicPr>
+                      <p:nvPr/>
+                    </p:nvPicPr>
+                    <p:blipFill>
+                      <a:blip r:embed="rId8">
+                        <a:extLst>
+                          <a:ext uri="{28A0092B-C50C-407E-A947-70E740481C1C}">
+                            <a14:useLocalDpi xmlns:a14="http://schemas.microsoft.com/office/drawing/2010/main" val="0"/>
+                          </a:ext>
+                        </a:extLst>
+                      </a:blip>
+                      <a:srcRect/>
+                      <a:stretch>
+                        <a:fillRect/>
+                      </a:stretch>
+                    </p:blipFill>
+                    <p:spPr bwMode="auto">
+                      <a:xfrm>
+                        <a:off x="1619672" y="2931790"/>
+                        <a:ext cx="1244600" cy="203200"/>
+                      </a:xfrm>
+                      <a:prstGeom prst="rect">
+                        <a:avLst/>
+                      </a:prstGeom>
+                      <a:noFill/>
+                      <a:extLst>
+                        <a:ext uri="{909E8E84-426E-40DD-AFC4-6F175D3DCCD1}">
+                          <a14:hiddenFill xmlns:a14="http://schemas.microsoft.com/office/drawing/2010/main">
+                            <a:solidFill>
+                              <a:srgbClr val="FFFFFF"/>
+                            </a:solidFill>
+                          </a14:hiddenFill>
+                        </a:ext>
+                      </a:extLst>
+                    </p:spPr>
+                  </p:pic>
+                </p:oleObj>
+              </mc:Fallback>
+            </mc:AlternateContent>
           </a:graphicData>
         </a:graphic>
       </p:graphicFrame>
@@ -7771,7 +8392,7 @@
 </p:sld>
 </file>
 
-<file path=ppt/slides/slide23.xml><?xml version="1.0" encoding="utf-8"?>
+<file path=ppt/slides/slide24.xml><?xml version="1.0" encoding="utf-8"?>
 <p:sld xmlns:a="http://schemas.openxmlformats.org/drawingml/2006/main" xmlns:r="http://schemas.openxmlformats.org/officeDocument/2006/relationships" xmlns:p="http://schemas.openxmlformats.org/presentationml/2006/main">
   <p:cSld>
     <p:spTree>
@@ -7806,7 +8427,7 @@
             <a:fld id="{1C72BD4E-61B2-40A3-A75C-5FDEDE8E5EC5}" type="datetime1">
               <a:rPr lang="de-DE" smtClean="0"/>
               <a:pPr/>
-              <a:t>15.06.2015</a:t>
+              <a:t>16.06.2015</a:t>
             </a:fld>
             <a:endParaRPr lang="de-DE"/>
           </a:p>
@@ -7853,7 +8474,7 @@
             <a:fld id="{6C6AE60A-B69C-4790-82F7-3882EDF23186}" type="slidenum">
               <a:rPr lang="de-DE" smtClean="0"/>
               <a:pPr/>
-              <a:t>23</a:t>
+              <a:t>24</a:t>
             </a:fld>
             <a:endParaRPr lang="de-DE" dirty="0"/>
           </a:p>
@@ -7887,13 +8508,7 @@
               <a:rPr lang="de-DE" sz="2800" dirty="0" smtClean="0">
                 <a:latin typeface="Lato" pitchFamily="34" charset="0"/>
               </a:rPr>
-              <a:t>Grundlagen: </a:t>
-            </a:r>
-            <a:r>
-              <a:rPr lang="de-DE" sz="2800" dirty="0" smtClean="0">
-                <a:latin typeface="Lato" pitchFamily="34" charset="0"/>
-              </a:rPr>
-              <a:t>Parameter nach </a:t>
+              <a:t>Grundlagen: Parameter nach </a:t>
             </a:r>
             <a:r>
               <a:rPr lang="de-DE" sz="2800" dirty="0" err="1" smtClean="0">
@@ -7962,11 +8577,1021 @@
           </a:p>
         </p:txBody>
       </p:sp>
+      <p:sp>
+        <p:nvSpPr>
+          <p:cNvPr id="9" name="Inhaltsplatzhalter 2"/>
+          <p:cNvSpPr txBox="1">
+            <a:spLocks/>
+          </p:cNvSpPr>
+          <p:nvPr/>
+        </p:nvSpPr>
+        <p:spPr>
+          <a:xfrm>
+            <a:off x="611560" y="1504951"/>
+            <a:ext cx="8229600" cy="2002904"/>
+          </a:xfrm>
+          <a:prstGeom prst="rect">
+            <a:avLst/>
+          </a:prstGeom>
+        </p:spPr>
+        <p:txBody>
+          <a:bodyPr vert="horz" lIns="91440" tIns="45720" rIns="91440" bIns="45720" rtlCol="0">
+            <a:normAutofit/>
+          </a:bodyPr>
+          <a:lstStyle/>
+          <a:p>
+            <a:pPr marL="342900" lvl="0" indent="-342900">
+              <a:spcBef>
+                <a:spcPct val="20000"/>
+              </a:spcBef>
+              <a:buFont typeface="Arial" pitchFamily="34" charset="0"/>
+              <a:buChar char="•"/>
+            </a:pPr>
+            <a:r>
+              <a:rPr lang="de-DE" sz="2000" dirty="0" smtClean="0">
+                <a:latin typeface="Lato" pitchFamily="34" charset="0"/>
+              </a:rPr>
+              <a:t>Grundlage: </a:t>
+            </a:r>
+          </a:p>
+          <a:p>
+            <a:pPr marL="342900" lvl="0" indent="-342900">
+              <a:spcBef>
+                <a:spcPct val="20000"/>
+              </a:spcBef>
+            </a:pPr>
+            <a:r>
+              <a:rPr lang="de-DE" sz="2000" dirty="0" smtClean="0">
+                <a:latin typeface="Lato" pitchFamily="34" charset="0"/>
+              </a:rPr>
+              <a:t>	„The Synthesis </a:t>
+            </a:r>
+            <a:r>
+              <a:rPr lang="de-DE" sz="2000" dirty="0" err="1" smtClean="0">
+                <a:latin typeface="Lato" pitchFamily="34" charset="0"/>
+              </a:rPr>
+              <a:t>of</a:t>
+            </a:r>
+            <a:r>
+              <a:rPr lang="de-DE" sz="2000" dirty="0" smtClean="0">
+                <a:latin typeface="Lato" pitchFamily="34" charset="0"/>
+              </a:rPr>
+              <a:t> </a:t>
+            </a:r>
+            <a:r>
+              <a:rPr lang="de-DE" sz="2000" dirty="0" err="1" smtClean="0">
+                <a:latin typeface="Lato" pitchFamily="34" charset="0"/>
+              </a:rPr>
+              <a:t>Complex</a:t>
+            </a:r>
+            <a:r>
+              <a:rPr lang="de-DE" sz="2000" dirty="0" smtClean="0">
+                <a:latin typeface="Lato" pitchFamily="34" charset="0"/>
+              </a:rPr>
+              <a:t> Audio </a:t>
+            </a:r>
+            <a:r>
+              <a:rPr lang="de-DE" sz="2000" dirty="0" err="1" smtClean="0">
+                <a:latin typeface="Lato" pitchFamily="34" charset="0"/>
+              </a:rPr>
+              <a:t>Spectra</a:t>
+            </a:r>
+            <a:r>
+              <a:rPr lang="de-DE" sz="2000" dirty="0" smtClean="0">
+                <a:latin typeface="Lato" pitchFamily="34" charset="0"/>
+              </a:rPr>
+              <a:t> </a:t>
+            </a:r>
+            <a:r>
+              <a:rPr lang="de-DE" sz="2000" dirty="0" err="1" smtClean="0">
+                <a:latin typeface="Lato" pitchFamily="34" charset="0"/>
+              </a:rPr>
+              <a:t>by</a:t>
+            </a:r>
+            <a:r>
+              <a:rPr lang="de-DE" sz="2000" dirty="0" smtClean="0">
+                <a:latin typeface="Lato" pitchFamily="34" charset="0"/>
+              </a:rPr>
+              <a:t> </a:t>
+            </a:r>
+            <a:r>
+              <a:rPr lang="de-DE" sz="2000" dirty="0" err="1" smtClean="0">
+                <a:latin typeface="Lato" pitchFamily="34" charset="0"/>
+              </a:rPr>
+              <a:t>Means</a:t>
+            </a:r>
+            <a:r>
+              <a:rPr lang="de-DE" sz="2000" dirty="0" smtClean="0">
+                <a:latin typeface="Lato" pitchFamily="34" charset="0"/>
+              </a:rPr>
+              <a:t> </a:t>
+            </a:r>
+            <a:r>
+              <a:rPr lang="de-DE" sz="2000" dirty="0" err="1" smtClean="0">
+                <a:latin typeface="Lato" pitchFamily="34" charset="0"/>
+              </a:rPr>
+              <a:t>of</a:t>
+            </a:r>
+            <a:r>
+              <a:rPr lang="de-DE" sz="2000" dirty="0" smtClean="0">
+                <a:latin typeface="Lato" pitchFamily="34" charset="0"/>
+              </a:rPr>
+              <a:t> 	</a:t>
+            </a:r>
+            <a:r>
+              <a:rPr lang="de-DE" sz="2000" dirty="0" err="1" smtClean="0">
+                <a:latin typeface="Lato" pitchFamily="34" charset="0"/>
+              </a:rPr>
+              <a:t>Frequency</a:t>
+            </a:r>
+            <a:r>
+              <a:rPr lang="de-DE" sz="2000" dirty="0" smtClean="0">
+                <a:latin typeface="Lato" pitchFamily="34" charset="0"/>
+              </a:rPr>
+              <a:t> Modulation“ von 1973</a:t>
+            </a:r>
+          </a:p>
+          <a:p>
+            <a:pPr marL="342900" lvl="0" indent="-342900">
+              <a:spcBef>
+                <a:spcPct val="20000"/>
+              </a:spcBef>
+            </a:pPr>
+            <a:endParaRPr lang="de-DE" sz="2000" dirty="0" smtClean="0">
+              <a:latin typeface="Lato" pitchFamily="34" charset="0"/>
+            </a:endParaRPr>
+          </a:p>
+          <a:p>
+            <a:pPr marL="342900" lvl="0" indent="-342900">
+              <a:spcBef>
+                <a:spcPct val="20000"/>
+              </a:spcBef>
+              <a:buFont typeface="Arial" pitchFamily="34" charset="0"/>
+              <a:buChar char="•"/>
+            </a:pPr>
+            <a:r>
+              <a:rPr kumimoji="0" lang="de-DE" sz="2000" i="0" u="none" strike="noStrike" kern="1200" cap="none" spc="0" normalizeH="0" baseline="0" noProof="0" dirty="0" smtClean="0">
+                <a:ln>
+                  <a:noFill/>
+                </a:ln>
+                <a:solidFill>
+                  <a:schemeClr val="tx1"/>
+                </a:solidFill>
+                <a:effectLst/>
+                <a:uLnTx/>
+                <a:uFillTx/>
+                <a:latin typeface="Lato" pitchFamily="34" charset="0"/>
+              </a:rPr>
+              <a:t>Aus</a:t>
+            </a:r>
+            <a:r>
+              <a:rPr kumimoji="0" lang="de-DE" sz="2000" i="0" u="none" strike="noStrike" kern="1200" cap="none" spc="0" normalizeH="0" noProof="0" dirty="0" smtClean="0">
+                <a:ln>
+                  <a:noFill/>
+                </a:ln>
+                <a:solidFill>
+                  <a:schemeClr val="tx1"/>
+                </a:solidFill>
+                <a:effectLst/>
+                <a:uLnTx/>
+                <a:uFillTx/>
+                <a:latin typeface="Lato" pitchFamily="34" charset="0"/>
+              </a:rPr>
+              <a:t> „Journal </a:t>
+            </a:r>
+            <a:r>
+              <a:rPr kumimoji="0" lang="de-DE" sz="2000" i="0" u="none" strike="noStrike" kern="1200" cap="none" spc="0" normalizeH="0" noProof="0" dirty="0" err="1" smtClean="0">
+                <a:ln>
+                  <a:noFill/>
+                </a:ln>
+                <a:solidFill>
+                  <a:schemeClr val="tx1"/>
+                </a:solidFill>
+                <a:effectLst/>
+                <a:uLnTx/>
+                <a:uFillTx/>
+                <a:latin typeface="Lato" pitchFamily="34" charset="0"/>
+              </a:rPr>
+              <a:t>of</a:t>
+            </a:r>
+            <a:r>
+              <a:rPr kumimoji="0" lang="de-DE" sz="2000" i="0" u="none" strike="noStrike" kern="1200" cap="none" spc="0" normalizeH="0" noProof="0" dirty="0" smtClean="0">
+                <a:ln>
+                  <a:noFill/>
+                </a:ln>
+                <a:solidFill>
+                  <a:schemeClr val="tx1"/>
+                </a:solidFill>
+                <a:effectLst/>
+                <a:uLnTx/>
+                <a:uFillTx/>
+                <a:latin typeface="Lato" pitchFamily="34" charset="0"/>
+              </a:rPr>
+              <a:t> </a:t>
+            </a:r>
+            <a:r>
+              <a:rPr kumimoji="0" lang="de-DE" sz="2000" i="0" u="none" strike="noStrike" kern="1200" cap="none" spc="0" normalizeH="0" noProof="0" dirty="0" err="1" smtClean="0">
+                <a:ln>
+                  <a:noFill/>
+                </a:ln>
+                <a:solidFill>
+                  <a:schemeClr val="tx1"/>
+                </a:solidFill>
+                <a:effectLst/>
+                <a:uLnTx/>
+                <a:uFillTx/>
+                <a:latin typeface="Lato" pitchFamily="34" charset="0"/>
+              </a:rPr>
+              <a:t>the</a:t>
+            </a:r>
+            <a:r>
+              <a:rPr kumimoji="0" lang="de-DE" sz="2000" i="0" u="none" strike="noStrike" kern="1200" cap="none" spc="0" normalizeH="0" noProof="0" dirty="0" smtClean="0">
+                <a:ln>
+                  <a:noFill/>
+                </a:ln>
+                <a:solidFill>
+                  <a:schemeClr val="tx1"/>
+                </a:solidFill>
+                <a:effectLst/>
+                <a:uLnTx/>
+                <a:uFillTx/>
+                <a:latin typeface="Lato" pitchFamily="34" charset="0"/>
+              </a:rPr>
+              <a:t> Audio Engineering Society“</a:t>
+            </a:r>
+            <a:endParaRPr kumimoji="0" lang="de-DE" sz="2000" i="0" u="none" strike="noStrike" kern="1200" cap="none" spc="0" normalizeH="0" baseline="0" noProof="0" dirty="0" smtClean="0">
+              <a:ln>
+                <a:noFill/>
+              </a:ln>
+              <a:solidFill>
+                <a:schemeClr val="tx1"/>
+              </a:solidFill>
+              <a:effectLst/>
+              <a:uLnTx/>
+              <a:uFillTx/>
+              <a:latin typeface="Lato" pitchFamily="34" charset="0"/>
+            </a:endParaRPr>
+          </a:p>
+          <a:p>
+            <a:pPr marL="342900" marR="0" lvl="0" indent="-342900" algn="l" defTabSz="914400" rtl="0" eaLnBrk="1" fontAlgn="auto" latinLnBrk="0" hangingPunct="1">
+              <a:lnSpc>
+                <a:spcPct val="100000"/>
+              </a:lnSpc>
+              <a:spcBef>
+                <a:spcPct val="20000"/>
+              </a:spcBef>
+              <a:spcAft>
+                <a:spcPts val="0"/>
+              </a:spcAft>
+              <a:buClrTx/>
+              <a:buSzTx/>
+              <a:tabLst/>
+              <a:defRPr/>
+            </a:pPr>
+            <a:endParaRPr kumimoji="0" lang="de-DE" sz="2000" b="0" i="0" u="none" strike="noStrike" kern="1200" cap="none" spc="0" normalizeH="0" baseline="0" noProof="0" dirty="0" smtClean="0">
+              <a:ln>
+                <a:noFill/>
+              </a:ln>
+              <a:solidFill>
+                <a:schemeClr val="tx1"/>
+              </a:solidFill>
+              <a:effectLst/>
+              <a:uLnTx/>
+              <a:uFillTx/>
+              <a:latin typeface="Lato" pitchFamily="34" charset="0"/>
+              <a:ea typeface="+mn-ea"/>
+              <a:cs typeface="+mn-cs"/>
+            </a:endParaRPr>
+          </a:p>
+        </p:txBody>
+      </p:sp>
     </p:spTree>
   </p:cSld>
   <p:clrMapOvr>
     <a:masterClrMapping/>
   </p:clrMapOvr>
+  <p:timing>
+    <p:tnLst>
+      <p:par>
+        <p:cTn id="1" dur="indefinite" restart="never" nodeType="tmRoot"/>
+      </p:par>
+    </p:tnLst>
+  </p:timing>
+</p:sld>
+</file>
+
+<file path=ppt/slides/slide25.xml><?xml version="1.0" encoding="utf-8"?>
+<p:sld xmlns:a="http://schemas.openxmlformats.org/drawingml/2006/main" xmlns:r="http://schemas.openxmlformats.org/officeDocument/2006/relationships" xmlns:p="http://schemas.openxmlformats.org/presentationml/2006/main">
+  <p:cSld>
+    <p:spTree>
+      <p:nvGrpSpPr>
+        <p:cNvPr id="1" name=""/>
+        <p:cNvGrpSpPr/>
+        <p:nvPr/>
+      </p:nvGrpSpPr>
+      <p:grpSpPr>
+        <a:xfrm>
+          <a:off x="0" y="0"/>
+          <a:ext cx="0" cy="0"/>
+          <a:chOff x="0" y="0"/>
+          <a:chExt cx="0" cy="0"/>
+        </a:xfrm>
+      </p:grpSpPr>
+      <p:sp>
+        <p:nvSpPr>
+          <p:cNvPr id="4" name="Datumsplatzhalter 3"/>
+          <p:cNvSpPr>
+            <a:spLocks noGrp="1"/>
+          </p:cNvSpPr>
+          <p:nvPr>
+            <p:ph type="dt" sz="half" idx="10"/>
+          </p:nvPr>
+        </p:nvSpPr>
+        <p:spPr/>
+        <p:txBody>
+          <a:bodyPr/>
+          <a:lstStyle/>
+          <a:p>
+            <a:fld id="{1C72BD4E-61B2-40A3-A75C-5FDEDE8E5EC5}" type="datetime1">
+              <a:rPr lang="de-DE" smtClean="0"/>
+              <a:pPr/>
+              <a:t>16.06.2015</a:t>
+            </a:fld>
+            <a:endParaRPr lang="de-DE"/>
+          </a:p>
+        </p:txBody>
+      </p:sp>
+      <p:sp>
+        <p:nvSpPr>
+          <p:cNvPr id="5" name="Fußzeilenplatzhalter 4"/>
+          <p:cNvSpPr>
+            <a:spLocks noGrp="1"/>
+          </p:cNvSpPr>
+          <p:nvPr>
+            <p:ph type="ftr" sz="quarter" idx="11"/>
+          </p:nvPr>
+        </p:nvSpPr>
+        <p:spPr/>
+        <p:txBody>
+          <a:bodyPr/>
+          <a:lstStyle/>
+          <a:p>
+            <a:r>
+              <a:rPr lang="de-DE" smtClean="0"/>
+              <a:t>FM-Synthese</a:t>
+            </a:r>
+            <a:endParaRPr lang="de-DE"/>
+          </a:p>
+        </p:txBody>
+      </p:sp>
+      <p:sp>
+        <p:nvSpPr>
+          <p:cNvPr id="6" name="Foliennummernplatzhalter 5"/>
+          <p:cNvSpPr>
+            <a:spLocks noGrp="1"/>
+          </p:cNvSpPr>
+          <p:nvPr>
+            <p:ph type="sldNum" sz="quarter" idx="12"/>
+          </p:nvPr>
+        </p:nvSpPr>
+        <p:spPr/>
+        <p:txBody>
+          <a:bodyPr/>
+          <a:lstStyle/>
+          <a:p>
+            <a:fld id="{6C6AE60A-B69C-4790-82F7-3882EDF23186}" type="slidenum">
+              <a:rPr lang="de-DE" smtClean="0"/>
+              <a:pPr/>
+              <a:t>25</a:t>
+            </a:fld>
+            <a:endParaRPr lang="de-DE" dirty="0"/>
+          </a:p>
+        </p:txBody>
+      </p:sp>
+      <p:sp>
+        <p:nvSpPr>
+          <p:cNvPr id="7" name="Rechteck 6"/>
+          <p:cNvSpPr/>
+          <p:nvPr/>
+        </p:nvSpPr>
+        <p:spPr>
+          <a:xfrm>
+            <a:off x="611560" y="195486"/>
+            <a:ext cx="6345263" cy="523220"/>
+          </a:xfrm>
+          <a:prstGeom prst="rect">
+            <a:avLst/>
+          </a:prstGeom>
+        </p:spPr>
+        <p:txBody>
+          <a:bodyPr wrap="none">
+            <a:spAutoFit/>
+          </a:bodyPr>
+          <a:lstStyle/>
+          <a:p>
+            <a:pPr>
+              <a:buNone/>
+            </a:pPr>
+            <a:r>
+              <a:rPr lang="de-DE" sz="2800" dirty="0" smtClean="0">
+                <a:latin typeface="Lato" pitchFamily="34" charset="0"/>
+              </a:rPr>
+              <a:t>Grundlagen: Parameter nach </a:t>
+            </a:r>
+            <a:r>
+              <a:rPr lang="de-DE" sz="2800" dirty="0" err="1" smtClean="0">
+                <a:latin typeface="Lato" pitchFamily="34" charset="0"/>
+              </a:rPr>
+              <a:t>Chowning</a:t>
+            </a:r>
+            <a:endParaRPr lang="de-DE" sz="2800" dirty="0" smtClean="0">
+              <a:latin typeface="Lato" pitchFamily="34" charset="0"/>
+            </a:endParaRPr>
+          </a:p>
+        </p:txBody>
+      </p:sp>
+      <p:sp>
+        <p:nvSpPr>
+          <p:cNvPr id="8" name="Inhaltsplatzhalter 2"/>
+          <p:cNvSpPr txBox="1">
+            <a:spLocks/>
+          </p:cNvSpPr>
+          <p:nvPr/>
+        </p:nvSpPr>
+        <p:spPr>
+          <a:xfrm>
+            <a:off x="609600" y="1352550"/>
+            <a:ext cx="8229600" cy="3595463"/>
+          </a:xfrm>
+          <a:prstGeom prst="rect">
+            <a:avLst/>
+          </a:prstGeom>
+        </p:spPr>
+        <p:txBody>
+          <a:bodyPr vert="horz" lIns="91440" tIns="45720" rIns="91440" bIns="45720" rtlCol="0">
+            <a:normAutofit/>
+          </a:bodyPr>
+          <a:lstStyle/>
+          <a:p>
+            <a:pPr marL="342900" marR="0" lvl="0" indent="-342900" algn="l" defTabSz="914400" rtl="0" eaLnBrk="1" fontAlgn="auto" latinLnBrk="0" hangingPunct="1">
+              <a:lnSpc>
+                <a:spcPct val="100000"/>
+              </a:lnSpc>
+              <a:spcBef>
+                <a:spcPct val="20000"/>
+              </a:spcBef>
+              <a:spcAft>
+                <a:spcPts val="0"/>
+              </a:spcAft>
+              <a:buClrTx/>
+              <a:buSzTx/>
+              <a:tabLst/>
+              <a:defRPr/>
+            </a:pPr>
+            <a:endParaRPr kumimoji="0" lang="de-DE" sz="2000" b="0" i="0" u="none" strike="noStrike" kern="1200" cap="none" spc="0" normalizeH="0" baseline="0" noProof="0" dirty="0" smtClean="0">
+              <a:ln>
+                <a:noFill/>
+              </a:ln>
+              <a:solidFill>
+                <a:schemeClr val="tx1"/>
+              </a:solidFill>
+              <a:effectLst/>
+              <a:uLnTx/>
+              <a:uFillTx/>
+              <a:latin typeface="Lato" pitchFamily="34" charset="0"/>
+              <a:ea typeface="+mn-ea"/>
+              <a:cs typeface="+mn-cs"/>
+            </a:endParaRPr>
+          </a:p>
+        </p:txBody>
+      </p:sp>
+      <p:sp>
+        <p:nvSpPr>
+          <p:cNvPr id="9" name="Inhaltsplatzhalter 2"/>
+          <p:cNvSpPr txBox="1">
+            <a:spLocks/>
+          </p:cNvSpPr>
+          <p:nvPr/>
+        </p:nvSpPr>
+        <p:spPr>
+          <a:xfrm>
+            <a:off x="762000" y="1504951"/>
+            <a:ext cx="8229600" cy="2002904"/>
+          </a:xfrm>
+          <a:prstGeom prst="rect">
+            <a:avLst/>
+          </a:prstGeom>
+        </p:spPr>
+        <p:txBody>
+          <a:bodyPr vert="horz" lIns="91440" tIns="45720" rIns="91440" bIns="45720" rtlCol="0">
+            <a:normAutofit/>
+          </a:bodyPr>
+          <a:lstStyle/>
+          <a:p>
+            <a:pPr marL="342900" lvl="0" indent="-342900">
+              <a:spcBef>
+                <a:spcPct val="20000"/>
+              </a:spcBef>
+            </a:pPr>
+            <a:r>
+              <a:rPr lang="de-DE" sz="2000" dirty="0" smtClean="0">
+                <a:latin typeface="Lato" pitchFamily="34" charset="0"/>
+              </a:rPr>
+              <a:t> </a:t>
+            </a:r>
+          </a:p>
+          <a:p>
+            <a:pPr marL="342900" lvl="0" indent="-342900">
+              <a:spcBef>
+                <a:spcPct val="20000"/>
+              </a:spcBef>
+            </a:pPr>
+            <a:r>
+              <a:rPr lang="de-DE" sz="2000" dirty="0" smtClean="0">
+                <a:latin typeface="Lato" pitchFamily="34" charset="0"/>
+              </a:rPr>
+              <a:t>	</a:t>
+            </a:r>
+            <a:endParaRPr kumimoji="0" lang="de-DE" sz="2000" b="0" i="0" u="none" strike="noStrike" kern="1200" cap="none" spc="0" normalizeH="0" baseline="0" noProof="0" dirty="0" smtClean="0">
+              <a:ln>
+                <a:noFill/>
+              </a:ln>
+              <a:solidFill>
+                <a:schemeClr val="tx1"/>
+              </a:solidFill>
+              <a:effectLst/>
+              <a:uLnTx/>
+              <a:uFillTx/>
+              <a:latin typeface="Lato" pitchFamily="34" charset="0"/>
+              <a:ea typeface="+mn-ea"/>
+              <a:cs typeface="+mn-cs"/>
+            </a:endParaRPr>
+          </a:p>
+        </p:txBody>
+      </p:sp>
+      <p:graphicFrame>
+        <p:nvGraphicFramePr>
+          <p:cNvPr id="48130" name="Object 2"/>
+          <p:cNvGraphicFramePr>
+            <a:graphicFrameLocks noChangeAspect="1"/>
+          </p:cNvGraphicFramePr>
+          <p:nvPr/>
+        </p:nvGraphicFramePr>
+        <p:xfrm>
+          <a:off x="755576" y="1274713"/>
+          <a:ext cx="2232025" cy="288925"/>
+        </p:xfrm>
+        <a:graphic>
+          <a:graphicData uri="http://schemas.openxmlformats.org/presentationml/2006/ole">
+            <mc:AlternateContent xmlns:mc="http://schemas.openxmlformats.org/markup-compatibility/2006">
+              <mc:Choice xmlns:v="urn:schemas-microsoft-com:vml" Requires="v">
+                <p:oleObj spid="_x0000_s48131" name="Formel" r:id="rId3" imgW="1574640" imgH="203040" progId="Equation.3">
+                  <p:embed/>
+                </p:oleObj>
+              </mc:Choice>
+              <mc:Fallback>
+                <p:oleObj name="Formel" r:id="rId3" imgW="1574640" imgH="203040" progId="Equation.3">
+                  <p:embed/>
+                  <p:pic>
+                    <p:nvPicPr>
+                      <p:cNvPr id="0" name="Picture 2"/>
+                      <p:cNvPicPr>
+                        <a:picLocks noChangeAspect="1" noChangeArrowheads="1"/>
+                      </p:cNvPicPr>
+                      <p:nvPr/>
+                    </p:nvPicPr>
+                    <p:blipFill>
+                      <a:blip r:embed="rId4">
+                        <a:extLst>
+                          <a:ext uri="{28A0092B-C50C-407E-A947-70E740481C1C}">
+                            <a14:useLocalDpi xmlns:a14="http://schemas.microsoft.com/office/drawing/2010/main" val="0"/>
+                          </a:ext>
+                        </a:extLst>
+                      </a:blip>
+                      <a:srcRect/>
+                      <a:stretch>
+                        <a:fillRect/>
+                      </a:stretch>
+                    </p:blipFill>
+                    <p:spPr bwMode="auto">
+                      <a:xfrm>
+                        <a:off x="755576" y="1274713"/>
+                        <a:ext cx="2232025" cy="288925"/>
+                      </a:xfrm>
+                      <a:prstGeom prst="rect">
+                        <a:avLst/>
+                      </a:prstGeom>
+                      <a:noFill/>
+                      <a:extLst>
+                        <a:ext uri="{909E8E84-426E-40DD-AFC4-6F175D3DCCD1}">
+                          <a14:hiddenFill xmlns:a14="http://schemas.microsoft.com/office/drawing/2010/main">
+                            <a:solidFill>
+                              <a:srgbClr val="FFFFFF"/>
+                            </a:solidFill>
+                          </a14:hiddenFill>
+                        </a:ext>
+                      </a:extLst>
+                    </p:spPr>
+                  </p:pic>
+                </p:oleObj>
+              </mc:Fallback>
+            </mc:AlternateContent>
+          </a:graphicData>
+        </a:graphic>
+      </p:graphicFrame>
+      <p:sp>
+        <p:nvSpPr>
+          <p:cNvPr id="11" name="Inhaltsplatzhalter 2"/>
+          <p:cNvSpPr txBox="1">
+            <a:spLocks/>
+          </p:cNvSpPr>
+          <p:nvPr/>
+        </p:nvSpPr>
+        <p:spPr>
+          <a:xfrm>
+            <a:off x="611560" y="1792982"/>
+            <a:ext cx="8229600" cy="2002904"/>
+          </a:xfrm>
+          <a:prstGeom prst="rect">
+            <a:avLst/>
+          </a:prstGeom>
+        </p:spPr>
+        <p:txBody>
+          <a:bodyPr vert="horz" lIns="91440" tIns="45720" rIns="91440" bIns="45720" rtlCol="0">
+            <a:normAutofit/>
+          </a:bodyPr>
+          <a:lstStyle/>
+          <a:p>
+            <a:pPr marL="342900" marR="0" lvl="0" indent="-342900" algn="l" defTabSz="914400" rtl="0" eaLnBrk="1" fontAlgn="auto" latinLnBrk="0" hangingPunct="1">
+              <a:lnSpc>
+                <a:spcPct val="100000"/>
+              </a:lnSpc>
+              <a:spcBef>
+                <a:spcPct val="20000"/>
+              </a:spcBef>
+              <a:spcAft>
+                <a:spcPts val="0"/>
+              </a:spcAft>
+              <a:buClrTx/>
+              <a:buSzTx/>
+              <a:tabLst/>
+              <a:defRPr/>
+            </a:pPr>
+            <a:endParaRPr kumimoji="0" lang="de-DE" sz="2000" b="0" i="0" u="none" strike="noStrike" kern="1200" cap="none" spc="0" normalizeH="0" baseline="0" noProof="0" dirty="0" smtClean="0">
+              <a:ln>
+                <a:noFill/>
+              </a:ln>
+              <a:solidFill>
+                <a:schemeClr val="tx1"/>
+              </a:solidFill>
+              <a:effectLst/>
+              <a:uLnTx/>
+              <a:uFillTx/>
+              <a:latin typeface="Lato" pitchFamily="34" charset="0"/>
+              <a:ea typeface="+mn-ea"/>
+              <a:cs typeface="+mn-cs"/>
+            </a:endParaRPr>
+          </a:p>
+        </p:txBody>
+      </p:sp>
+    </p:spTree>
+  </p:cSld>
+  <p:clrMapOvr>
+    <a:masterClrMapping/>
+  </p:clrMapOvr>
+  <p:timing>
+    <p:tnLst>
+      <p:par>
+        <p:cTn id="1" dur="indefinite" restart="never" nodeType="tmRoot"/>
+      </p:par>
+    </p:tnLst>
+  </p:timing>
+</p:sld>
+</file>
+
+<file path=ppt/slides/slide26.xml><?xml version="1.0" encoding="utf-8"?>
+<p:sld xmlns:a="http://schemas.openxmlformats.org/drawingml/2006/main" xmlns:r="http://schemas.openxmlformats.org/officeDocument/2006/relationships" xmlns:p="http://schemas.openxmlformats.org/presentationml/2006/main">
+  <p:cSld>
+    <p:spTree>
+      <p:nvGrpSpPr>
+        <p:cNvPr id="1" name=""/>
+        <p:cNvGrpSpPr/>
+        <p:nvPr/>
+      </p:nvGrpSpPr>
+      <p:grpSpPr>
+        <a:xfrm>
+          <a:off x="0" y="0"/>
+          <a:ext cx="0" cy="0"/>
+          <a:chOff x="0" y="0"/>
+          <a:chExt cx="0" cy="0"/>
+        </a:xfrm>
+      </p:grpSpPr>
+      <p:sp>
+        <p:nvSpPr>
+          <p:cNvPr id="4" name="Datumsplatzhalter 3"/>
+          <p:cNvSpPr>
+            <a:spLocks noGrp="1"/>
+          </p:cNvSpPr>
+          <p:nvPr>
+            <p:ph type="dt" sz="half" idx="10"/>
+          </p:nvPr>
+        </p:nvSpPr>
+        <p:spPr/>
+        <p:txBody>
+          <a:bodyPr/>
+          <a:lstStyle/>
+          <a:p>
+            <a:fld id="{1C72BD4E-61B2-40A3-A75C-5FDEDE8E5EC5}" type="datetime1">
+              <a:rPr lang="de-DE" smtClean="0"/>
+              <a:pPr/>
+              <a:t>16.06.2015</a:t>
+            </a:fld>
+            <a:endParaRPr lang="de-DE"/>
+          </a:p>
+        </p:txBody>
+      </p:sp>
+      <p:sp>
+        <p:nvSpPr>
+          <p:cNvPr id="5" name="Fußzeilenplatzhalter 4"/>
+          <p:cNvSpPr>
+            <a:spLocks noGrp="1"/>
+          </p:cNvSpPr>
+          <p:nvPr>
+            <p:ph type="ftr" sz="quarter" idx="11"/>
+          </p:nvPr>
+        </p:nvSpPr>
+        <p:spPr/>
+        <p:txBody>
+          <a:bodyPr/>
+          <a:lstStyle/>
+          <a:p>
+            <a:r>
+              <a:rPr lang="de-DE" smtClean="0"/>
+              <a:t>FM-Synthese</a:t>
+            </a:r>
+            <a:endParaRPr lang="de-DE"/>
+          </a:p>
+        </p:txBody>
+      </p:sp>
+      <p:sp>
+        <p:nvSpPr>
+          <p:cNvPr id="6" name="Foliennummernplatzhalter 5"/>
+          <p:cNvSpPr>
+            <a:spLocks noGrp="1"/>
+          </p:cNvSpPr>
+          <p:nvPr>
+            <p:ph type="sldNum" sz="quarter" idx="12"/>
+          </p:nvPr>
+        </p:nvSpPr>
+        <p:spPr/>
+        <p:txBody>
+          <a:bodyPr/>
+          <a:lstStyle/>
+          <a:p>
+            <a:fld id="{6C6AE60A-B69C-4790-82F7-3882EDF23186}" type="slidenum">
+              <a:rPr lang="de-DE" smtClean="0"/>
+              <a:pPr/>
+              <a:t>26</a:t>
+            </a:fld>
+            <a:endParaRPr lang="de-DE" dirty="0"/>
+          </a:p>
+        </p:txBody>
+      </p:sp>
+      <p:sp>
+        <p:nvSpPr>
+          <p:cNvPr id="7" name="Rechteck 6"/>
+          <p:cNvSpPr/>
+          <p:nvPr/>
+        </p:nvSpPr>
+        <p:spPr>
+          <a:xfrm>
+            <a:off x="611560" y="195486"/>
+            <a:ext cx="3122971" cy="523220"/>
+          </a:xfrm>
+          <a:prstGeom prst="rect">
+            <a:avLst/>
+          </a:prstGeom>
+        </p:spPr>
+        <p:txBody>
+          <a:bodyPr wrap="none">
+            <a:spAutoFit/>
+          </a:bodyPr>
+          <a:lstStyle/>
+          <a:p>
+            <a:pPr>
+              <a:buNone/>
+            </a:pPr>
+            <a:r>
+              <a:rPr lang="de-DE" sz="2800" dirty="0" smtClean="0">
+                <a:latin typeface="Lato" pitchFamily="34" charset="0"/>
+              </a:rPr>
+              <a:t>Zusammenfassung</a:t>
+            </a:r>
+          </a:p>
+        </p:txBody>
+      </p:sp>
+      <p:sp>
+        <p:nvSpPr>
+          <p:cNvPr id="8" name="Inhaltsplatzhalter 2"/>
+          <p:cNvSpPr txBox="1">
+            <a:spLocks/>
+          </p:cNvSpPr>
+          <p:nvPr/>
+        </p:nvSpPr>
+        <p:spPr>
+          <a:xfrm>
+            <a:off x="609600" y="1352550"/>
+            <a:ext cx="8229600" cy="3595463"/>
+          </a:xfrm>
+          <a:prstGeom prst="rect">
+            <a:avLst/>
+          </a:prstGeom>
+        </p:spPr>
+        <p:txBody>
+          <a:bodyPr vert="horz" lIns="91440" tIns="45720" rIns="91440" bIns="45720" rtlCol="0">
+            <a:normAutofit/>
+          </a:bodyPr>
+          <a:lstStyle/>
+          <a:p>
+            <a:pPr marL="342900" marR="0" lvl="0" indent="-342900" algn="l" defTabSz="914400" rtl="0" eaLnBrk="1" fontAlgn="auto" latinLnBrk="0" hangingPunct="1">
+              <a:lnSpc>
+                <a:spcPct val="100000"/>
+              </a:lnSpc>
+              <a:spcBef>
+                <a:spcPct val="20000"/>
+              </a:spcBef>
+              <a:spcAft>
+                <a:spcPts val="0"/>
+              </a:spcAft>
+              <a:buClrTx/>
+              <a:buSzTx/>
+              <a:tabLst/>
+              <a:defRPr/>
+            </a:pPr>
+            <a:endParaRPr kumimoji="0" lang="de-DE" sz="2000" b="0" i="0" u="none" strike="noStrike" kern="1200" cap="none" spc="0" normalizeH="0" baseline="0" noProof="0" dirty="0" smtClean="0">
+              <a:ln>
+                <a:noFill/>
+              </a:ln>
+              <a:solidFill>
+                <a:schemeClr val="tx1"/>
+              </a:solidFill>
+              <a:effectLst/>
+              <a:uLnTx/>
+              <a:uFillTx/>
+              <a:latin typeface="Lato" pitchFamily="34" charset="0"/>
+              <a:ea typeface="+mn-ea"/>
+              <a:cs typeface="+mn-cs"/>
+            </a:endParaRPr>
+          </a:p>
+        </p:txBody>
+      </p:sp>
+      <p:sp>
+        <p:nvSpPr>
+          <p:cNvPr id="9" name="Inhaltsplatzhalter 2"/>
+          <p:cNvSpPr txBox="1">
+            <a:spLocks/>
+          </p:cNvSpPr>
+          <p:nvPr/>
+        </p:nvSpPr>
+        <p:spPr>
+          <a:xfrm>
+            <a:off x="762000" y="1504951"/>
+            <a:ext cx="8229600" cy="2002904"/>
+          </a:xfrm>
+          <a:prstGeom prst="rect">
+            <a:avLst/>
+          </a:prstGeom>
+        </p:spPr>
+        <p:txBody>
+          <a:bodyPr vert="horz" lIns="91440" tIns="45720" rIns="91440" bIns="45720" rtlCol="0">
+            <a:normAutofit/>
+          </a:bodyPr>
+          <a:lstStyle/>
+          <a:p>
+            <a:pPr marL="342900" lvl="0" indent="-342900">
+              <a:spcBef>
+                <a:spcPct val="20000"/>
+              </a:spcBef>
+            </a:pPr>
+            <a:r>
+              <a:rPr lang="de-DE" sz="2000" dirty="0" smtClean="0">
+                <a:latin typeface="Lato" pitchFamily="34" charset="0"/>
+              </a:rPr>
+              <a:t> </a:t>
+            </a:r>
+          </a:p>
+          <a:p>
+            <a:pPr marL="342900" lvl="0" indent="-342900">
+              <a:spcBef>
+                <a:spcPct val="20000"/>
+              </a:spcBef>
+            </a:pPr>
+            <a:r>
+              <a:rPr lang="de-DE" sz="2000" dirty="0" smtClean="0">
+                <a:latin typeface="Lato" pitchFamily="34" charset="0"/>
+              </a:rPr>
+              <a:t>	</a:t>
+            </a:r>
+            <a:endParaRPr kumimoji="0" lang="de-DE" sz="2000" b="0" i="0" u="none" strike="noStrike" kern="1200" cap="none" spc="0" normalizeH="0" baseline="0" noProof="0" dirty="0" smtClean="0">
+              <a:ln>
+                <a:noFill/>
+              </a:ln>
+              <a:solidFill>
+                <a:schemeClr val="tx1"/>
+              </a:solidFill>
+              <a:effectLst/>
+              <a:uLnTx/>
+              <a:uFillTx/>
+              <a:latin typeface="Lato" pitchFamily="34" charset="0"/>
+              <a:ea typeface="+mn-ea"/>
+              <a:cs typeface="+mn-cs"/>
+            </a:endParaRPr>
+          </a:p>
+        </p:txBody>
+      </p:sp>
+      <p:sp>
+        <p:nvSpPr>
+          <p:cNvPr id="10" name="Inhaltsplatzhalter 2"/>
+          <p:cNvSpPr txBox="1">
+            <a:spLocks/>
+          </p:cNvSpPr>
+          <p:nvPr/>
+        </p:nvSpPr>
+        <p:spPr>
+          <a:xfrm>
+            <a:off x="611560" y="1131590"/>
+            <a:ext cx="8229600" cy="2002904"/>
+          </a:xfrm>
+          <a:prstGeom prst="rect">
+            <a:avLst/>
+          </a:prstGeom>
+        </p:spPr>
+        <p:txBody>
+          <a:bodyPr vert="horz" lIns="91440" tIns="45720" rIns="91440" bIns="45720" rtlCol="0">
+            <a:normAutofit/>
+          </a:bodyPr>
+          <a:lstStyle/>
+          <a:p>
+            <a:pPr marL="342900" lvl="0" indent="-342900">
+              <a:spcBef>
+                <a:spcPct val="20000"/>
+              </a:spcBef>
+              <a:buFont typeface="Arial" pitchFamily="34" charset="0"/>
+              <a:buChar char="•"/>
+            </a:pPr>
+            <a:r>
+              <a:rPr lang="de-DE" sz="2000" dirty="0" err="1" smtClean="0">
+                <a:latin typeface="Lato" pitchFamily="34" charset="0"/>
+              </a:rPr>
+              <a:t>Lorem</a:t>
+            </a:r>
+            <a:r>
+              <a:rPr lang="de-DE" sz="2000" dirty="0" smtClean="0">
+                <a:latin typeface="Lato" pitchFamily="34" charset="0"/>
+              </a:rPr>
+              <a:t> </a:t>
+            </a:r>
+            <a:r>
+              <a:rPr lang="de-DE" sz="2000" dirty="0" err="1" smtClean="0">
+                <a:latin typeface="Lato" pitchFamily="34" charset="0"/>
+              </a:rPr>
+              <a:t>Ipsum</a:t>
+            </a:r>
+            <a:r>
+              <a:rPr lang="de-DE" sz="2000" dirty="0" smtClean="0">
+                <a:latin typeface="Lato" pitchFamily="34" charset="0"/>
+              </a:rPr>
+              <a:t>!</a:t>
+            </a:r>
+            <a:endParaRPr kumimoji="0" lang="de-DE" sz="2000" b="0" i="0" u="none" strike="noStrike" kern="1200" cap="none" spc="0" normalizeH="0" baseline="0" noProof="0" dirty="0" smtClean="0">
+              <a:ln>
+                <a:noFill/>
+              </a:ln>
+              <a:solidFill>
+                <a:schemeClr val="tx1"/>
+              </a:solidFill>
+              <a:effectLst/>
+              <a:uLnTx/>
+              <a:uFillTx/>
+              <a:latin typeface="Lato" pitchFamily="34" charset="0"/>
+              <a:ea typeface="+mn-ea"/>
+              <a:cs typeface="+mn-cs"/>
+            </a:endParaRPr>
+          </a:p>
+        </p:txBody>
+      </p:sp>
+    </p:spTree>
+  </p:cSld>
+  <p:clrMapOvr>
+    <a:masterClrMapping/>
+  </p:clrMapOvr>
+  <p:timing>
+    <p:tnLst>
+      <p:par>
+        <p:cTn id="1" dur="indefinite" restart="never" nodeType="tmRoot"/>
+      </p:par>
+    </p:tnLst>
+  </p:timing>
 </p:sld>
 </file>
 
@@ -8101,7 +9726,7 @@
             <a:fld id="{1C72BD4E-61B2-40A3-A75C-5FDEDE8E5EC5}" type="datetime1">
               <a:rPr lang="de-DE" smtClean="0"/>
               <a:pPr/>
-              <a:t>15.06.2015</a:t>
+              <a:t>16.06.2015</a:t>
             </a:fld>
             <a:endParaRPr lang="de-DE"/>
           </a:p>
@@ -8168,9 +9793,59 @@
         </p:xfrm>
         <a:graphic>
           <a:graphicData uri="http://schemas.openxmlformats.org/presentationml/2006/ole">
-            <p:oleObj spid="_x0000_s1026" name="Formel" r:id="rId3" imgW="1574640" imgH="203040" progId="Equation.3">
-              <p:embed/>
-            </p:oleObj>
+            <mc:AlternateContent xmlns:mc="http://schemas.openxmlformats.org/markup-compatibility/2006">
+              <mc:Choice xmlns:v="urn:schemas-microsoft-com:vml" Requires="v">
+                <p:oleObj spid="_x0000_s47107" name="Formel" r:id="rId3" imgW="1574640" imgH="203040" progId="Equation.3">
+                  <p:embed/>
+                </p:oleObj>
+              </mc:Choice>
+              <mc:Fallback>
+                <p:oleObj name="Formel" r:id="rId3" imgW="1574640" imgH="203040" progId="Equation.3">
+                  <p:embed/>
+                  <p:pic>
+                    <p:nvPicPr>
+                      <p:cNvPr id="0" name="Picture 2"/>
+                      <p:cNvPicPr>
+                        <a:picLocks noChangeAspect="1" noChangeArrowheads="1"/>
+                      </p:cNvPicPr>
+                      <p:nvPr/>
+                    </p:nvPicPr>
+                    <p:blipFill>
+                      <a:blip r:embed="rId4">
+                        <a:extLst>
+                          <a:ext uri="{28A0092B-C50C-407E-A947-70E740481C1C}">
+                            <a14:useLocalDpi xmlns:a14="http://schemas.microsoft.com/office/drawing/2010/main" val="0"/>
+                          </a:ext>
+                        </a:extLst>
+                      </a:blip>
+                      <a:srcRect/>
+                      <a:stretch>
+                        <a:fillRect/>
+                      </a:stretch>
+                    </p:blipFill>
+                    <p:spPr bwMode="auto">
+                      <a:xfrm>
+                        <a:off x="1835150" y="2859088"/>
+                        <a:ext cx="2232025" cy="288925"/>
+                      </a:xfrm>
+                      <a:prstGeom prst="rect">
+                        <a:avLst/>
+                      </a:prstGeom>
+                      <a:noFill/>
+                      <a:extLst>
+                        <a:ext uri="{909E8E84-426E-40DD-AFC4-6F175D3DCCD1}">
+                          <a14:hiddenFill xmlns:a14="http://schemas.microsoft.com/office/drawing/2010/main">
+                            <a:solidFill>
+                              <a:srgbClr val="FFFFFF"/>
+                            </a:solidFill>
+                          </a14:hiddenFill>
+                        </a:ext>
+                      </a:extLst>
+                    </p:spPr>
+                  </p:pic>
+                </p:oleObj>
+              </mc:Fallback>
+            </mc:AlternateContent>
           </a:graphicData>
         </a:graphic>
       </p:graphicFrame>
@@ -8224,7 +9899,7 @@
             <a:fld id="{1C72BD4E-61B2-40A3-A75C-5FDEDE8E5EC5}" type="datetime1">
               <a:rPr lang="de-DE" smtClean="0"/>
               <a:pPr/>
-              <a:t>15.06.2015</a:t>
+              <a:t>16.06.2015</a:t>
             </a:fld>
             <a:endParaRPr lang="de-DE"/>
           </a:p>
@@ -8272,6 +9947,265 @@
               <a:rPr lang="de-DE" smtClean="0"/>
               <a:pPr/>
               <a:t>4</a:t>
+            </a:fld>
+            <a:endParaRPr lang="de-DE" dirty="0"/>
+          </a:p>
+        </p:txBody>
+      </p:sp>
+      <p:pic>
+        <p:nvPicPr>
+          <p:cNvPr id="1027" name="Picture 3" descr="D:\Julius\Documents\GitHub\VSeminar\Dok\Kapitel\img\schaltung.png"/>
+          <p:cNvPicPr>
+            <a:picLocks noChangeAspect="1" noChangeArrowheads="1"/>
+          </p:cNvPicPr>
+          <p:nvPr/>
+        </p:nvPicPr>
+        <p:blipFill>
+          <a:blip r:embed="rId2" cstate="print"/>
+          <a:srcRect/>
+          <a:stretch>
+            <a:fillRect/>
+          </a:stretch>
+        </p:blipFill>
+        <p:spPr bwMode="auto">
+          <a:xfrm>
+            <a:off x="611560" y="1563638"/>
+            <a:ext cx="4608512" cy="1854926"/>
+          </a:xfrm>
+          <a:prstGeom prst="rect">
+            <a:avLst/>
+          </a:prstGeom>
+          <a:noFill/>
+        </p:spPr>
+      </p:pic>
+      <p:sp>
+        <p:nvSpPr>
+          <p:cNvPr id="12" name="Textfeld 11"/>
+          <p:cNvSpPr txBox="1"/>
+          <p:nvPr/>
+        </p:nvSpPr>
+        <p:spPr>
+          <a:xfrm>
+            <a:off x="467544" y="411510"/>
+            <a:ext cx="4896544" cy="1261884"/>
+          </a:xfrm>
+          <a:prstGeom prst="rect">
+            <a:avLst/>
+          </a:prstGeom>
+          <a:noFill/>
+        </p:spPr>
+        <p:txBody>
+          <a:bodyPr wrap="square" rtlCol="0">
+            <a:spAutoFit/>
+          </a:bodyPr>
+          <a:lstStyle/>
+          <a:p>
+            <a:r>
+              <a:rPr lang="de-DE" sz="2800" dirty="0" smtClean="0">
+                <a:latin typeface="Lato" pitchFamily="34" charset="0"/>
+              </a:rPr>
+              <a:t>Darstellung als Schaltung</a:t>
+            </a:r>
+          </a:p>
+          <a:p>
+            <a:endParaRPr lang="de-DE" sz="2800" dirty="0" smtClean="0">
+              <a:latin typeface="Lato" pitchFamily="34" charset="0"/>
+            </a:endParaRPr>
+          </a:p>
+          <a:p>
+            <a:endParaRPr lang="de-DE" sz="2000" dirty="0" smtClean="0">
+              <a:latin typeface="Lato" pitchFamily="34" charset="0"/>
+            </a:endParaRPr>
+          </a:p>
+        </p:txBody>
+      </p:sp>
+      <p:sp>
+        <p:nvSpPr>
+          <p:cNvPr id="13" name="Textfeld 12"/>
+          <p:cNvSpPr txBox="1"/>
+          <p:nvPr/>
+        </p:nvSpPr>
+        <p:spPr>
+          <a:xfrm>
+            <a:off x="5436096" y="1491630"/>
+            <a:ext cx="3707904" cy="1938992"/>
+          </a:xfrm>
+          <a:prstGeom prst="rect">
+            <a:avLst/>
+          </a:prstGeom>
+          <a:noFill/>
+        </p:spPr>
+        <p:txBody>
+          <a:bodyPr wrap="square" rtlCol="0">
+            <a:spAutoFit/>
+          </a:bodyPr>
+          <a:lstStyle/>
+          <a:p>
+            <a:r>
+              <a:rPr lang="de-DE" sz="2000" dirty="0" err="1" smtClean="0">
+                <a:latin typeface="Lato" pitchFamily="34" charset="0"/>
+              </a:rPr>
+              <a:t>fm</a:t>
+            </a:r>
+            <a:r>
+              <a:rPr lang="de-DE" sz="2000" dirty="0" smtClean="0">
+                <a:latin typeface="Lato" pitchFamily="34" charset="0"/>
+              </a:rPr>
+              <a:t>, </a:t>
+            </a:r>
+            <a:r>
+              <a:rPr lang="de-DE" sz="2000" dirty="0" err="1" smtClean="0">
+                <a:latin typeface="Lato" pitchFamily="34" charset="0"/>
+              </a:rPr>
+              <a:t>fc</a:t>
+            </a:r>
+            <a:r>
+              <a:rPr lang="de-DE" sz="2000" dirty="0" smtClean="0">
+                <a:latin typeface="Lato" pitchFamily="34" charset="0"/>
+              </a:rPr>
+              <a:t>: 	Frequenzen der </a:t>
+            </a:r>
+          </a:p>
+          <a:p>
+            <a:r>
+              <a:rPr lang="de-DE" sz="2000" dirty="0" smtClean="0">
+                <a:latin typeface="Lato" pitchFamily="34" charset="0"/>
+              </a:rPr>
+              <a:t>	Oszillatoren</a:t>
+            </a:r>
+          </a:p>
+          <a:p>
+            <a:r>
+              <a:rPr lang="de-DE" sz="2000" dirty="0" smtClean="0">
+                <a:latin typeface="Lato" pitchFamily="34" charset="0"/>
+              </a:rPr>
+              <a:t>Beta: 	Modulationsindex</a:t>
+            </a:r>
+          </a:p>
+          <a:p>
+            <a:r>
+              <a:rPr lang="de-DE" sz="2000" dirty="0" smtClean="0">
+                <a:latin typeface="Lato" pitchFamily="34" charset="0"/>
+              </a:rPr>
+              <a:t>VCA: 	Spannungsgesteuerter </a:t>
+            </a:r>
+          </a:p>
+          <a:p>
+            <a:r>
+              <a:rPr lang="de-DE" sz="2000" dirty="0" smtClean="0">
+                <a:latin typeface="Lato" pitchFamily="34" charset="0"/>
+              </a:rPr>
+              <a:t>	Verstärker</a:t>
+            </a:r>
+          </a:p>
+          <a:p>
+            <a:r>
+              <a:rPr lang="de-DE" sz="2000" dirty="0" smtClean="0">
+                <a:latin typeface="Lato" pitchFamily="34" charset="0"/>
+              </a:rPr>
+              <a:t>EG: 	Hüllkurvengenerator</a:t>
+            </a:r>
+          </a:p>
+        </p:txBody>
+      </p:sp>
+    </p:spTree>
+  </p:cSld>
+  <p:clrMapOvr>
+    <a:masterClrMapping/>
+  </p:clrMapOvr>
+  <p:timing>
+    <p:tnLst>
+      <p:par>
+        <p:cTn id="1" dur="indefinite" restart="never" nodeType="tmRoot"/>
+      </p:par>
+    </p:tnLst>
+  </p:timing>
+</p:sld>
+</file>
+
+<file path=ppt/slides/slide5.xml><?xml version="1.0" encoding="utf-8"?>
+<p:sld xmlns:a="http://schemas.openxmlformats.org/drawingml/2006/main" xmlns:r="http://schemas.openxmlformats.org/officeDocument/2006/relationships" xmlns:p="http://schemas.openxmlformats.org/presentationml/2006/main">
+  <p:cSld>
+    <p:spTree>
+      <p:nvGrpSpPr>
+        <p:cNvPr id="1" name=""/>
+        <p:cNvGrpSpPr/>
+        <p:nvPr/>
+      </p:nvGrpSpPr>
+      <p:grpSpPr>
+        <a:xfrm>
+          <a:off x="0" y="0"/>
+          <a:ext cx="0" cy="0"/>
+          <a:chOff x="0" y="0"/>
+          <a:chExt cx="0" cy="0"/>
+        </a:xfrm>
+      </p:grpSpPr>
+      <p:sp>
+        <p:nvSpPr>
+          <p:cNvPr id="4" name="Datumsplatzhalter 3"/>
+          <p:cNvSpPr>
+            <a:spLocks noGrp="1"/>
+          </p:cNvSpPr>
+          <p:nvPr>
+            <p:ph type="dt" sz="half" idx="10"/>
+          </p:nvPr>
+        </p:nvSpPr>
+        <p:spPr/>
+        <p:txBody>
+          <a:bodyPr/>
+          <a:lstStyle/>
+          <a:p>
+            <a:fld id="{1C72BD4E-61B2-40A3-A75C-5FDEDE8E5EC5}" type="datetime1">
+              <a:rPr lang="de-DE" smtClean="0"/>
+              <a:pPr/>
+              <a:t>16.06.2015</a:t>
+            </a:fld>
+            <a:endParaRPr lang="de-DE"/>
+          </a:p>
+        </p:txBody>
+      </p:sp>
+      <p:sp>
+        <p:nvSpPr>
+          <p:cNvPr id="5" name="Fußzeilenplatzhalter 4"/>
+          <p:cNvSpPr>
+            <a:spLocks noGrp="1"/>
+          </p:cNvSpPr>
+          <p:nvPr>
+            <p:ph type="ftr" sz="quarter" idx="11"/>
+          </p:nvPr>
+        </p:nvSpPr>
+        <p:spPr/>
+        <p:txBody>
+          <a:bodyPr/>
+          <a:lstStyle/>
+          <a:p>
+            <a:r>
+              <a:rPr lang="de-DE" smtClean="0"/>
+              <a:t>FM-Synthese</a:t>
+            </a:r>
+            <a:endParaRPr lang="de-DE"/>
+          </a:p>
+        </p:txBody>
+      </p:sp>
+      <p:sp>
+        <p:nvSpPr>
+          <p:cNvPr id="6" name="Foliennummernplatzhalter 5"/>
+          <p:cNvSpPr>
+            <a:spLocks noGrp="1"/>
+          </p:cNvSpPr>
+          <p:nvPr>
+            <p:ph type="sldNum" sz="quarter" idx="12"/>
+          </p:nvPr>
+        </p:nvSpPr>
+        <p:spPr/>
+        <p:txBody>
+          <a:bodyPr/>
+          <a:lstStyle/>
+          <a:p>
+            <a:fld id="{6C6AE60A-B69C-4790-82F7-3882EDF23186}" type="slidenum">
+              <a:rPr lang="de-DE" smtClean="0"/>
+              <a:pPr/>
+              <a:t>5</a:t>
             </a:fld>
             <a:endParaRPr lang="de-DE" dirty="0"/>
           </a:p>
@@ -8394,321 +10328,59 @@
         </p:xfrm>
         <a:graphic>
           <a:graphicData uri="http://schemas.openxmlformats.org/presentationml/2006/ole">
-            <p:oleObj spid="_x0000_s2051" name="Formel" r:id="rId4" imgW="114120" imgH="215640" progId="Equation.3">
-              <p:embed/>
-            </p:oleObj>
-          </a:graphicData>
-        </a:graphic>
-      </p:graphicFrame>
-    </p:spTree>
-  </p:cSld>
-  <p:clrMapOvr>
-    <a:masterClrMapping/>
-  </p:clrMapOvr>
-  <p:timing>
-    <p:tnLst>
-      <p:par>
-        <p:cTn id="1" dur="indefinite" restart="never" nodeType="tmRoot"/>
-      </p:par>
-    </p:tnLst>
-  </p:timing>
-</p:sld>
-</file>
-
-<file path=ppt/slides/slide5.xml><?xml version="1.0" encoding="utf-8"?>
-<p:sld xmlns:a="http://schemas.openxmlformats.org/drawingml/2006/main" xmlns:r="http://schemas.openxmlformats.org/officeDocument/2006/relationships" xmlns:p="http://schemas.openxmlformats.org/presentationml/2006/main">
-  <p:cSld>
-    <p:spTree>
-      <p:nvGrpSpPr>
-        <p:cNvPr id="1" name=""/>
-        <p:cNvGrpSpPr/>
-        <p:nvPr/>
-      </p:nvGrpSpPr>
-      <p:grpSpPr>
-        <a:xfrm>
-          <a:off x="0" y="0"/>
-          <a:ext cx="0" cy="0"/>
-          <a:chOff x="0" y="0"/>
-          <a:chExt cx="0" cy="0"/>
-        </a:xfrm>
-      </p:grpSpPr>
-      <p:sp>
-        <p:nvSpPr>
-          <p:cNvPr id="2" name="Titel 1"/>
-          <p:cNvSpPr>
-            <a:spLocks noGrp="1"/>
-          </p:cNvSpPr>
-          <p:nvPr>
-            <p:ph type="title"/>
-          </p:nvPr>
-        </p:nvSpPr>
-        <p:spPr/>
-        <p:txBody>
-          <a:bodyPr>
-            <a:normAutofit/>
-          </a:bodyPr>
-          <a:lstStyle/>
-          <a:p>
-            <a:r>
-              <a:rPr lang="de-DE" sz="2800" dirty="0" smtClean="0">
-                <a:latin typeface="Lato" pitchFamily="34" charset="0"/>
-              </a:rPr>
-              <a:t>Beispiele</a:t>
-            </a:r>
-            <a:endParaRPr lang="de-DE" sz="2800" dirty="0">
-              <a:latin typeface="Lato" pitchFamily="34" charset="0"/>
-            </a:endParaRPr>
-          </a:p>
-        </p:txBody>
-      </p:sp>
-      <p:sp>
-        <p:nvSpPr>
-          <p:cNvPr id="4" name="Datumsplatzhalter 3"/>
-          <p:cNvSpPr>
-            <a:spLocks noGrp="1"/>
-          </p:cNvSpPr>
-          <p:nvPr>
-            <p:ph type="dt" sz="half" idx="10"/>
-          </p:nvPr>
-        </p:nvSpPr>
-        <p:spPr/>
-        <p:txBody>
-          <a:bodyPr/>
-          <a:lstStyle/>
-          <a:p>
-            <a:fld id="{1C72BD4E-61B2-40A3-A75C-5FDEDE8E5EC5}" type="datetime1">
-              <a:rPr lang="de-DE" smtClean="0"/>
-              <a:pPr/>
-              <a:t>15.06.2015</a:t>
-            </a:fld>
-            <a:endParaRPr lang="de-DE"/>
-          </a:p>
-        </p:txBody>
-      </p:sp>
-      <p:sp>
-        <p:nvSpPr>
-          <p:cNvPr id="5" name="Fußzeilenplatzhalter 4"/>
-          <p:cNvSpPr>
-            <a:spLocks noGrp="1"/>
-          </p:cNvSpPr>
-          <p:nvPr>
-            <p:ph type="ftr" sz="quarter" idx="11"/>
-          </p:nvPr>
-        </p:nvSpPr>
-        <p:spPr/>
-        <p:txBody>
-          <a:bodyPr/>
-          <a:lstStyle/>
-          <a:p>
-            <a:r>
-              <a:rPr lang="de-DE" smtClean="0"/>
-              <a:t>FM-Synthese</a:t>
-            </a:r>
-            <a:endParaRPr lang="de-DE"/>
-          </a:p>
-        </p:txBody>
-      </p:sp>
-      <p:sp>
-        <p:nvSpPr>
-          <p:cNvPr id="6" name="Foliennummernplatzhalter 5"/>
-          <p:cNvSpPr>
-            <a:spLocks noGrp="1"/>
-          </p:cNvSpPr>
-          <p:nvPr>
-            <p:ph type="sldNum" sz="quarter" idx="12"/>
-          </p:nvPr>
-        </p:nvSpPr>
-        <p:spPr/>
-        <p:txBody>
-          <a:bodyPr/>
-          <a:lstStyle/>
-          <a:p>
-            <a:fld id="{6C6AE60A-B69C-4790-82F7-3882EDF23186}" type="slidenum">
-              <a:rPr lang="de-DE" smtClean="0"/>
-              <a:pPr/>
-              <a:t>5</a:t>
-            </a:fld>
-            <a:endParaRPr lang="de-DE" dirty="0"/>
-          </a:p>
-        </p:txBody>
-      </p:sp>
-      <p:pic>
-        <p:nvPicPr>
-          <p:cNvPr id="11" name="Picture 2" descr="D:\Julius\Documents\GitHub\VSeminar\Dok\Kapitel\img\Prinzip.png"/>
-          <p:cNvPicPr>
-            <a:picLocks noChangeAspect="1" noChangeArrowheads="1"/>
-          </p:cNvPicPr>
-          <p:nvPr/>
-        </p:nvPicPr>
-        <p:blipFill>
-          <a:blip r:embed="rId3" cstate="print"/>
-          <a:stretch>
-            <a:fillRect/>
-          </a:stretch>
-        </p:blipFill>
-        <p:spPr bwMode="auto">
-          <a:xfrm>
-            <a:off x="3852010" y="1276378"/>
-            <a:ext cx="4546742" cy="3243039"/>
-          </a:xfrm>
-          <a:prstGeom prst="rect">
-            <a:avLst/>
-          </a:prstGeom>
-          <a:noFill/>
-          <a:ln w="3175">
-            <a:solidFill>
-              <a:schemeClr val="tx1"/>
-            </a:solidFill>
-          </a:ln>
-        </p:spPr>
-      </p:pic>
-      <p:sp>
-        <p:nvSpPr>
-          <p:cNvPr id="12" name="Textfeld 11"/>
-          <p:cNvSpPr txBox="1"/>
-          <p:nvPr/>
-        </p:nvSpPr>
-        <p:spPr>
-          <a:xfrm>
-            <a:off x="539552" y="1203598"/>
-            <a:ext cx="3168352" cy="3447098"/>
-          </a:xfrm>
-          <a:prstGeom prst="rect">
-            <a:avLst/>
-          </a:prstGeom>
-          <a:noFill/>
-        </p:spPr>
-        <p:txBody>
-          <a:bodyPr wrap="square" rtlCol="0">
-            <a:spAutoFit/>
-          </a:bodyPr>
-          <a:lstStyle/>
-          <a:p>
-            <a:r>
-              <a:rPr lang="de-DE" sz="2800" dirty="0" smtClean="0">
-                <a:latin typeface="Lato" pitchFamily="34" charset="0"/>
-              </a:rPr>
-              <a:t>Beispiel 1. </a:t>
-            </a:r>
-          </a:p>
-          <a:p>
-            <a:endParaRPr lang="de-DE" dirty="0" smtClean="0">
-              <a:latin typeface="Lato" pitchFamily="34" charset="0"/>
-            </a:endParaRPr>
-          </a:p>
-          <a:p>
-            <a:r>
-              <a:rPr lang="de-DE" sz="2000" dirty="0" smtClean="0">
-                <a:latin typeface="Lato" pitchFamily="34" charset="0"/>
-              </a:rPr>
-              <a:t>Träger</a:t>
-            </a:r>
-          </a:p>
-          <a:p>
-            <a:endParaRPr lang="de-DE" dirty="0" smtClean="0">
-              <a:latin typeface="Lato" pitchFamily="34" charset="0"/>
-            </a:endParaRPr>
-          </a:p>
-          <a:p>
-            <a:endParaRPr lang="de-DE" dirty="0" smtClean="0">
-              <a:latin typeface="Lato" pitchFamily="34" charset="0"/>
-            </a:endParaRPr>
-          </a:p>
-          <a:p>
-            <a:r>
-              <a:rPr lang="de-DE" sz="2000" dirty="0" smtClean="0">
-                <a:latin typeface="Lato" pitchFamily="34" charset="0"/>
-              </a:rPr>
-              <a:t>Modulator</a:t>
-            </a:r>
-          </a:p>
-          <a:p>
-            <a:endParaRPr lang="de-DE" dirty="0" smtClean="0">
-              <a:latin typeface="Lato" pitchFamily="34" charset="0"/>
-            </a:endParaRPr>
-          </a:p>
-          <a:p>
-            <a:endParaRPr lang="de-DE" dirty="0" smtClean="0">
-              <a:latin typeface="Lato" pitchFamily="34" charset="0"/>
-            </a:endParaRPr>
-          </a:p>
-          <a:p>
-            <a:r>
-              <a:rPr lang="de-DE" sz="2000" dirty="0" smtClean="0">
-                <a:latin typeface="Lato" pitchFamily="34" charset="0"/>
-              </a:rPr>
-              <a:t>Resultierendes Signal</a:t>
-            </a:r>
-          </a:p>
-          <a:p>
-            <a:endParaRPr lang="de-DE" dirty="0" smtClean="0">
-              <a:latin typeface="Lato" pitchFamily="34" charset="0"/>
-            </a:endParaRPr>
-          </a:p>
-          <a:p>
-            <a:endParaRPr lang="de-DE" dirty="0">
-              <a:latin typeface="Lato" pitchFamily="34" charset="0"/>
-            </a:endParaRPr>
-          </a:p>
-        </p:txBody>
-      </p:sp>
-      <p:graphicFrame>
-        <p:nvGraphicFramePr>
-          <p:cNvPr id="18437" name="Object 5"/>
-          <p:cNvGraphicFramePr>
-            <a:graphicFrameLocks noChangeAspect="1"/>
-          </p:cNvGraphicFramePr>
-          <p:nvPr/>
-        </p:nvGraphicFramePr>
-        <p:xfrm>
-          <a:off x="683568" y="2283718"/>
-          <a:ext cx="1244600" cy="203200"/>
-        </p:xfrm>
-        <a:graphic>
-          <a:graphicData uri="http://schemas.openxmlformats.org/presentationml/2006/ole">
-            <p:oleObj spid="_x0000_s18437" name="Formel" r:id="rId4" imgW="1244520" imgH="203040" progId="Equation.3">
-              <p:embed/>
-            </p:oleObj>
-          </a:graphicData>
-        </a:graphic>
-      </p:graphicFrame>
-      <p:graphicFrame>
-        <p:nvGraphicFramePr>
-          <p:cNvPr id="15" name="Objekt 14"/>
-          <p:cNvGraphicFramePr>
-            <a:graphicFrameLocks noChangeAspect="1"/>
-          </p:cNvGraphicFramePr>
-          <p:nvPr/>
-        </p:nvGraphicFramePr>
-        <p:xfrm>
-          <a:off x="683568" y="3147814"/>
-          <a:ext cx="1257300" cy="203200"/>
-        </p:xfrm>
-        <a:graphic>
-          <a:graphicData uri="http://schemas.openxmlformats.org/presentationml/2006/ole">
-            <p:oleObj spid="_x0000_s18438" name="Formel" r:id="rId5" imgW="1257120" imgH="203040" progId="Equation.3">
-              <p:embed/>
-            </p:oleObj>
-          </a:graphicData>
-        </a:graphic>
-      </p:graphicFrame>
-      <p:graphicFrame>
-        <p:nvGraphicFramePr>
-          <p:cNvPr id="16" name="Objekt 15"/>
-          <p:cNvGraphicFramePr>
-            <a:graphicFrameLocks noChangeAspect="1"/>
-          </p:cNvGraphicFramePr>
-          <p:nvPr/>
-        </p:nvGraphicFramePr>
-        <p:xfrm>
-          <a:off x="683568" y="4011910"/>
-          <a:ext cx="2146300" cy="203200"/>
-        </p:xfrm>
-        <a:graphic>
-          <a:graphicData uri="http://schemas.openxmlformats.org/presentationml/2006/ole">
-            <p:oleObj spid="_x0000_s18439" name="Formel" r:id="rId6" imgW="2145960" imgH="203040" progId="Equation.3">
-              <p:embed/>
-            </p:oleObj>
+            <mc:AlternateContent xmlns:mc="http://schemas.openxmlformats.org/markup-compatibility/2006">
+              <mc:Choice xmlns:v="urn:schemas-microsoft-com:vml" Requires="v">
+                <p:oleObj spid="_x0000_s2052" name="Formel" r:id="rId4" imgW="114120" imgH="215640" progId="Equation.3">
+                  <p:embed/>
+                </p:oleObj>
+              </mc:Choice>
+              <mc:Fallback>
+                <p:oleObj name="Formel" r:id="rId4" imgW="114120" imgH="215640" progId="Equation.3">
+                  <p:embed/>
+                  <p:pic>
+                    <p:nvPicPr>
+                      <p:cNvPr id="0" name="Picture 3"/>
+                      <p:cNvPicPr>
+                        <a:picLocks noChangeAspect="1" noChangeArrowheads="1"/>
+                      </p:cNvPicPr>
+                      <p:nvPr/>
+                    </p:nvPicPr>
+                    <p:blipFill>
+                      <a:blip r:embed="rId5">
+                        <a:extLst>
+                          <a:ext uri="{28A0092B-C50C-407E-A947-70E740481C1C}">
+                            <a14:useLocalDpi xmlns:a14="http://schemas.microsoft.com/office/drawing/2010/main" val="0"/>
+                          </a:ext>
+                        </a:extLst>
+                      </a:blip>
+                      <a:srcRect/>
+                      <a:stretch>
+                        <a:fillRect/>
+                      </a:stretch>
+                    </p:blipFill>
+                    <p:spPr bwMode="auto">
+                      <a:xfrm>
+                        <a:off x="4514850" y="2463800"/>
+                        <a:ext cx="114300" cy="215900"/>
+                      </a:xfrm>
+                      <a:prstGeom prst="rect">
+                        <a:avLst/>
+                      </a:prstGeom>
+                      <a:noFill/>
+                      <a:extLst>
+                        <a:ext uri="{909E8E84-426E-40DD-AFC4-6F175D3DCCD1}">
+                          <a14:hiddenFill xmlns:a14="http://schemas.microsoft.com/office/drawing/2010/main">
+                            <a:solidFill>
+                              <a:srgbClr val="FFFFFF"/>
+                            </a:solidFill>
+                          </a14:hiddenFill>
+                        </a:ext>
+                      </a:extLst>
+                    </p:spPr>
+                  </p:pic>
+                </p:oleObj>
+              </mc:Fallback>
+            </mc:AlternateContent>
           </a:graphicData>
         </a:graphic>
       </p:graphicFrame>
@@ -8791,7 +10463,7 @@
             <a:fld id="{1C72BD4E-61B2-40A3-A75C-5FDEDE8E5EC5}" type="datetime1">
               <a:rPr lang="de-DE" smtClean="0"/>
               <a:pPr/>
-              <a:t>15.06.2015</a:t>
+              <a:t>16.06.2015</a:t>
             </a:fld>
             <a:endParaRPr lang="de-DE"/>
           </a:p>
@@ -8860,8 +10532,8 @@
         </p:blipFill>
         <p:spPr bwMode="auto">
           <a:xfrm>
-            <a:off x="3853092" y="1276378"/>
-            <a:ext cx="4544578" cy="3243039"/>
+            <a:off x="3852010" y="1276378"/>
+            <a:ext cx="4546742" cy="3243039"/>
           </a:xfrm>
           <a:prstGeom prst="rect">
             <a:avLst/>
@@ -8883,7 +10555,7 @@
         <p:spPr>
           <a:xfrm>
             <a:off x="539552" y="1203598"/>
-            <a:ext cx="3168352" cy="3354765"/>
+            <a:ext cx="3168352" cy="3447098"/>
           </a:xfrm>
           <a:prstGeom prst="rect">
             <a:avLst/>
@@ -8900,7 +10572,7 @@
               <a:rPr lang="de-DE" sz="2800" dirty="0" smtClean="0">
                 <a:latin typeface="Lato" pitchFamily="34" charset="0"/>
               </a:rPr>
-              <a:t>Beispiel 2. </a:t>
+              <a:t>Beispiel 1. </a:t>
             </a:r>
           </a:p>
           <a:p>
@@ -8978,9 +10650,59 @@
         </p:xfrm>
         <a:graphic>
           <a:graphicData uri="http://schemas.openxmlformats.org/presentationml/2006/ole">
-            <p:oleObj spid="_x0000_s19458" name="Formel" r:id="rId4" imgW="1244520" imgH="203040" progId="Equation.3">
-              <p:embed/>
-            </p:oleObj>
+            <mc:AlternateContent xmlns:mc="http://schemas.openxmlformats.org/markup-compatibility/2006">
+              <mc:Choice xmlns:v="urn:schemas-microsoft-com:vml" Requires="v">
+                <p:oleObj spid="_x0000_s18440" name="Formel" r:id="rId4" imgW="1244520" imgH="203040" progId="Equation.3">
+                  <p:embed/>
+                </p:oleObj>
+              </mc:Choice>
+              <mc:Fallback>
+                <p:oleObj name="Formel" r:id="rId4" imgW="1244520" imgH="203040" progId="Equation.3">
+                  <p:embed/>
+                  <p:pic>
+                    <p:nvPicPr>
+                      <p:cNvPr id="0" name="Picture 5"/>
+                      <p:cNvPicPr>
+                        <a:picLocks noChangeAspect="1" noChangeArrowheads="1"/>
+                      </p:cNvPicPr>
+                      <p:nvPr/>
+                    </p:nvPicPr>
+                    <p:blipFill>
+                      <a:blip r:embed="rId5">
+                        <a:extLst>
+                          <a:ext uri="{28A0092B-C50C-407E-A947-70E740481C1C}">
+                            <a14:useLocalDpi xmlns:a14="http://schemas.microsoft.com/office/drawing/2010/main" val="0"/>
+                          </a:ext>
+                        </a:extLst>
+                      </a:blip>
+                      <a:srcRect/>
+                      <a:stretch>
+                        <a:fillRect/>
+                      </a:stretch>
+                    </p:blipFill>
+                    <p:spPr bwMode="auto">
+                      <a:xfrm>
+                        <a:off x="683568" y="2283718"/>
+                        <a:ext cx="1244600" cy="203200"/>
+                      </a:xfrm>
+                      <a:prstGeom prst="rect">
+                        <a:avLst/>
+                      </a:prstGeom>
+                      <a:noFill/>
+                      <a:extLst>
+                        <a:ext uri="{909E8E84-426E-40DD-AFC4-6F175D3DCCD1}">
+                          <a14:hiddenFill xmlns:a14="http://schemas.microsoft.com/office/drawing/2010/main">
+                            <a:solidFill>
+                              <a:srgbClr val="FFFFFF"/>
+                            </a:solidFill>
+                          </a14:hiddenFill>
+                        </a:ext>
+                      </a:extLst>
+                    </p:spPr>
+                  </p:pic>
+                </p:oleObj>
+              </mc:Fallback>
+            </mc:AlternateContent>
           </a:graphicData>
         </a:graphic>
       </p:graphicFrame>
@@ -8993,14 +10715,64 @@
           <p:nvPr/>
         </p:nvGraphicFramePr>
         <p:xfrm>
-          <a:off x="687888" y="3148013"/>
-          <a:ext cx="1320800" cy="203200"/>
+          <a:off x="683568" y="3147814"/>
+          <a:ext cx="1257300" cy="203200"/>
         </p:xfrm>
         <a:graphic>
           <a:graphicData uri="http://schemas.openxmlformats.org/presentationml/2006/ole">
-            <p:oleObj spid="_x0000_s19459" name="Formel" r:id="rId5" imgW="1320480" imgH="203040" progId="Equation.3">
-              <p:embed/>
-            </p:oleObj>
+            <mc:AlternateContent xmlns:mc="http://schemas.openxmlformats.org/markup-compatibility/2006">
+              <mc:Choice xmlns:v="urn:schemas-microsoft-com:vml" Requires="v">
+                <p:oleObj spid="_x0000_s18441" name="Formel" r:id="rId6" imgW="1257120" imgH="203040" progId="Equation.3">
+                  <p:embed/>
+                </p:oleObj>
+              </mc:Choice>
+              <mc:Fallback>
+                <p:oleObj name="Formel" r:id="rId6" imgW="1257120" imgH="203040" progId="Equation.3">
+                  <p:embed/>
+                  <p:pic>
+                    <p:nvPicPr>
+                      <p:cNvPr id="0" name="Picture 6"/>
+                      <p:cNvPicPr>
+                        <a:picLocks noChangeAspect="1" noChangeArrowheads="1"/>
+                      </p:cNvPicPr>
+                      <p:nvPr/>
+                    </p:nvPicPr>
+                    <p:blipFill>
+                      <a:blip r:embed="rId7">
+                        <a:extLst>
+                          <a:ext uri="{28A0092B-C50C-407E-A947-70E740481C1C}">
+                            <a14:useLocalDpi xmlns:a14="http://schemas.microsoft.com/office/drawing/2010/main" val="0"/>
+                          </a:ext>
+                        </a:extLst>
+                      </a:blip>
+                      <a:srcRect/>
+                      <a:stretch>
+                        <a:fillRect/>
+                      </a:stretch>
+                    </p:blipFill>
+                    <p:spPr bwMode="auto">
+                      <a:xfrm>
+                        <a:off x="683568" y="3147814"/>
+                        <a:ext cx="1257300" cy="203200"/>
+                      </a:xfrm>
+                      <a:prstGeom prst="rect">
+                        <a:avLst/>
+                      </a:prstGeom>
+                      <a:noFill/>
+                      <a:extLst>
+                        <a:ext uri="{909E8E84-426E-40DD-AFC4-6F175D3DCCD1}">
+                          <a14:hiddenFill xmlns:a14="http://schemas.microsoft.com/office/drawing/2010/main">
+                            <a:solidFill>
+                              <a:srgbClr val="FFFFFF"/>
+                            </a:solidFill>
+                          </a14:hiddenFill>
+                        </a:ext>
+                      </a:extLst>
+                    </p:spPr>
+                  </p:pic>
+                </p:oleObj>
+              </mc:Fallback>
+            </mc:AlternateContent>
           </a:graphicData>
         </a:graphic>
       </p:graphicFrame>
@@ -9013,14 +10785,64 @@
           <p:nvPr/>
         </p:nvGraphicFramePr>
         <p:xfrm>
-          <a:off x="684500" y="4011613"/>
-          <a:ext cx="2209800" cy="203200"/>
+          <a:off x="683568" y="4011910"/>
+          <a:ext cx="2146300" cy="203200"/>
         </p:xfrm>
         <a:graphic>
           <a:graphicData uri="http://schemas.openxmlformats.org/presentationml/2006/ole">
-            <p:oleObj spid="_x0000_s19460" name="Formel" r:id="rId6" imgW="2209680" imgH="203040" progId="Equation.3">
-              <p:embed/>
-            </p:oleObj>
+            <mc:AlternateContent xmlns:mc="http://schemas.openxmlformats.org/markup-compatibility/2006">
+              <mc:Choice xmlns:v="urn:schemas-microsoft-com:vml" Requires="v">
+                <p:oleObj spid="_x0000_s18442" name="Formel" r:id="rId8" imgW="2145960" imgH="203040" progId="Equation.3">
+                  <p:embed/>
+                </p:oleObj>
+              </mc:Choice>
+              <mc:Fallback>
+                <p:oleObj name="Formel" r:id="rId8" imgW="2145960" imgH="203040" progId="Equation.3">
+                  <p:embed/>
+                  <p:pic>
+                    <p:nvPicPr>
+                      <p:cNvPr id="0" name="Picture 7"/>
+                      <p:cNvPicPr>
+                        <a:picLocks noChangeAspect="1" noChangeArrowheads="1"/>
+                      </p:cNvPicPr>
+                      <p:nvPr/>
+                    </p:nvPicPr>
+                    <p:blipFill>
+                      <a:blip r:embed="rId9">
+                        <a:extLst>
+                          <a:ext uri="{28A0092B-C50C-407E-A947-70E740481C1C}">
+                            <a14:useLocalDpi xmlns:a14="http://schemas.microsoft.com/office/drawing/2010/main" val="0"/>
+                          </a:ext>
+                        </a:extLst>
+                      </a:blip>
+                      <a:srcRect/>
+                      <a:stretch>
+                        <a:fillRect/>
+                      </a:stretch>
+                    </p:blipFill>
+                    <p:spPr bwMode="auto">
+                      <a:xfrm>
+                        <a:off x="683568" y="4011910"/>
+                        <a:ext cx="2146300" cy="203200"/>
+                      </a:xfrm>
+                      <a:prstGeom prst="rect">
+                        <a:avLst/>
+                      </a:prstGeom>
+                      <a:noFill/>
+                      <a:extLst>
+                        <a:ext uri="{909E8E84-426E-40DD-AFC4-6F175D3DCCD1}">
+                          <a14:hiddenFill xmlns:a14="http://schemas.microsoft.com/office/drawing/2010/main">
+                            <a:solidFill>
+                              <a:srgbClr val="FFFFFF"/>
+                            </a:solidFill>
+                          </a14:hiddenFill>
+                        </a:ext>
+                      </a:extLst>
+                    </p:spPr>
+                  </p:pic>
+                </p:oleObj>
+              </mc:Fallback>
+            </mc:AlternateContent>
           </a:graphicData>
         </a:graphic>
       </p:graphicFrame>
@@ -9077,7 +10899,7 @@
               <a:rPr lang="de-DE" sz="2800" dirty="0" smtClean="0">
                 <a:latin typeface="Lato" pitchFamily="34" charset="0"/>
               </a:rPr>
-              <a:t>Songbeispiele</a:t>
+              <a:t>Beispiele</a:t>
             </a:r>
             <a:endParaRPr lang="de-DE" sz="2800" dirty="0">
               <a:latin typeface="Lato" pitchFamily="34" charset="0"/>
@@ -9087,105 +10909,6 @@
       </p:sp>
       <p:sp>
         <p:nvSpPr>
-          <p:cNvPr id="3" name="Inhaltsplatzhalter 2"/>
-          <p:cNvSpPr>
-            <a:spLocks noGrp="1"/>
-          </p:cNvSpPr>
-          <p:nvPr>
-            <p:ph idx="1"/>
-          </p:nvPr>
-        </p:nvSpPr>
-        <p:spPr/>
-        <p:txBody>
-          <a:bodyPr/>
-          <a:lstStyle/>
-          <a:p>
-            <a:r>
-              <a:rPr lang="de-DE" sz="2000" dirty="0" smtClean="0">
-                <a:latin typeface="Lato" pitchFamily="34" charset="0"/>
-              </a:rPr>
-              <a:t>Erste, mit FM-Synthese erstellte Stücke</a:t>
-            </a:r>
-          </a:p>
-          <a:p>
-            <a:r>
-              <a:rPr lang="de-DE" sz="2000" dirty="0" smtClean="0">
-                <a:latin typeface="Lato" pitchFamily="34" charset="0"/>
-              </a:rPr>
-              <a:t>Von John </a:t>
-            </a:r>
-            <a:r>
-              <a:rPr lang="de-DE" sz="2000" dirty="0" err="1" smtClean="0">
-                <a:latin typeface="Lato" pitchFamily="34" charset="0"/>
-              </a:rPr>
-              <a:t>Chowning</a:t>
-            </a:r>
-            <a:r>
-              <a:rPr lang="de-DE" sz="2000" dirty="0" smtClean="0">
-                <a:latin typeface="Lato" pitchFamily="34" charset="0"/>
-              </a:rPr>
-              <a:t> selbst</a:t>
-            </a:r>
-          </a:p>
-          <a:p>
-            <a:endParaRPr lang="de-DE" sz="2000" dirty="0" smtClean="0">
-              <a:latin typeface="Lato" pitchFamily="34" charset="0"/>
-            </a:endParaRPr>
-          </a:p>
-          <a:p>
-            <a:r>
-              <a:rPr lang="de-DE" sz="2000" dirty="0" smtClean="0">
-                <a:latin typeface="Lato" pitchFamily="34" charset="0"/>
-              </a:rPr>
-              <a:t>„</a:t>
-            </a:r>
-            <a:r>
-              <a:rPr lang="de-DE" sz="2000" dirty="0" err="1" smtClean="0">
-                <a:latin typeface="Lato" pitchFamily="34" charset="0"/>
-              </a:rPr>
-              <a:t>Sabelithe</a:t>
-            </a:r>
-            <a:r>
-              <a:rPr lang="de-DE" sz="2000" dirty="0" smtClean="0">
-                <a:latin typeface="Lato" pitchFamily="34" charset="0"/>
-              </a:rPr>
-              <a:t>“ (1971)</a:t>
-            </a:r>
-          </a:p>
-          <a:p>
-            <a:endParaRPr lang="de-DE" sz="2000" dirty="0" smtClean="0">
-              <a:latin typeface="Lato" pitchFamily="34" charset="0"/>
-            </a:endParaRPr>
-          </a:p>
-          <a:p>
-            <a:r>
-              <a:rPr lang="de-DE" sz="2000" dirty="0" smtClean="0">
-                <a:latin typeface="Lato" pitchFamily="34" charset="0"/>
-              </a:rPr>
-              <a:t>„</a:t>
-            </a:r>
-            <a:r>
-              <a:rPr lang="de-DE" sz="2000" dirty="0" err="1" smtClean="0">
-                <a:latin typeface="Lato" pitchFamily="34" charset="0"/>
-              </a:rPr>
-              <a:t>Turenas</a:t>
-            </a:r>
-            <a:r>
-              <a:rPr lang="de-DE" sz="2000" dirty="0" smtClean="0">
-                <a:latin typeface="Lato" pitchFamily="34" charset="0"/>
-              </a:rPr>
-              <a:t>“ (1972)</a:t>
-            </a:r>
-          </a:p>
-          <a:p>
-            <a:endParaRPr lang="de-DE" dirty="0">
-              <a:latin typeface="Lato" pitchFamily="34" charset="0"/>
-            </a:endParaRPr>
-          </a:p>
-        </p:txBody>
-      </p:sp>
-      <p:sp>
-        <p:nvSpPr>
           <p:cNvPr id="4" name="Datumsplatzhalter 3"/>
           <p:cNvSpPr>
             <a:spLocks noGrp="1"/>
@@ -9202,7 +10925,7 @@
             <a:fld id="{1C72BD4E-61B2-40A3-A75C-5FDEDE8E5EC5}" type="datetime1">
               <a:rPr lang="de-DE" smtClean="0"/>
               <a:pPr/>
-              <a:t>15.06.2015</a:t>
+              <a:t>16.06.2015</a:t>
             </a:fld>
             <a:endParaRPr lang="de-DE"/>
           </a:p>
@@ -9255,6 +10978,336 @@
           </a:p>
         </p:txBody>
       </p:sp>
+      <p:pic>
+        <p:nvPicPr>
+          <p:cNvPr id="11" name="Picture 2" descr="D:\Julius\Documents\GitHub\VSeminar\Dok\Kapitel\img\Prinzip.png"/>
+          <p:cNvPicPr>
+            <a:picLocks noChangeAspect="1" noChangeArrowheads="1"/>
+          </p:cNvPicPr>
+          <p:nvPr/>
+        </p:nvPicPr>
+        <p:blipFill>
+          <a:blip r:embed="rId3" cstate="print"/>
+          <a:stretch>
+            <a:fillRect/>
+          </a:stretch>
+        </p:blipFill>
+        <p:spPr bwMode="auto">
+          <a:xfrm>
+            <a:off x="3853092" y="1276378"/>
+            <a:ext cx="4544578" cy="3243039"/>
+          </a:xfrm>
+          <a:prstGeom prst="rect">
+            <a:avLst/>
+          </a:prstGeom>
+          <a:noFill/>
+          <a:ln w="3175">
+            <a:solidFill>
+              <a:schemeClr val="tx1"/>
+            </a:solidFill>
+          </a:ln>
+        </p:spPr>
+      </p:pic>
+      <p:sp>
+        <p:nvSpPr>
+          <p:cNvPr id="12" name="Textfeld 11"/>
+          <p:cNvSpPr txBox="1"/>
+          <p:nvPr/>
+        </p:nvSpPr>
+        <p:spPr>
+          <a:xfrm>
+            <a:off x="539552" y="1203598"/>
+            <a:ext cx="3168352" cy="3354765"/>
+          </a:xfrm>
+          <a:prstGeom prst="rect">
+            <a:avLst/>
+          </a:prstGeom>
+          <a:noFill/>
+        </p:spPr>
+        <p:txBody>
+          <a:bodyPr wrap="square" rtlCol="0">
+            <a:spAutoFit/>
+          </a:bodyPr>
+          <a:lstStyle/>
+          <a:p>
+            <a:r>
+              <a:rPr lang="de-DE" sz="2800" dirty="0" smtClean="0">
+                <a:latin typeface="Lato" pitchFamily="34" charset="0"/>
+              </a:rPr>
+              <a:t>Beispiel 2. </a:t>
+            </a:r>
+          </a:p>
+          <a:p>
+            <a:endParaRPr lang="de-DE" dirty="0" smtClean="0">
+              <a:latin typeface="Lato" pitchFamily="34" charset="0"/>
+            </a:endParaRPr>
+          </a:p>
+          <a:p>
+            <a:r>
+              <a:rPr lang="de-DE" sz="2000" dirty="0" smtClean="0">
+                <a:latin typeface="Lato" pitchFamily="34" charset="0"/>
+              </a:rPr>
+              <a:t>Träger</a:t>
+            </a:r>
+          </a:p>
+          <a:p>
+            <a:endParaRPr lang="de-DE" dirty="0" smtClean="0">
+              <a:latin typeface="Lato" pitchFamily="34" charset="0"/>
+            </a:endParaRPr>
+          </a:p>
+          <a:p>
+            <a:endParaRPr lang="de-DE" dirty="0" smtClean="0">
+              <a:latin typeface="Lato" pitchFamily="34" charset="0"/>
+            </a:endParaRPr>
+          </a:p>
+          <a:p>
+            <a:r>
+              <a:rPr lang="de-DE" sz="2000" dirty="0" smtClean="0">
+                <a:latin typeface="Lato" pitchFamily="34" charset="0"/>
+              </a:rPr>
+              <a:t>Modulator</a:t>
+            </a:r>
+          </a:p>
+          <a:p>
+            <a:endParaRPr lang="de-DE" dirty="0" smtClean="0">
+              <a:latin typeface="Lato" pitchFamily="34" charset="0"/>
+            </a:endParaRPr>
+          </a:p>
+          <a:p>
+            <a:endParaRPr lang="de-DE" dirty="0" smtClean="0">
+              <a:latin typeface="Lato" pitchFamily="34" charset="0"/>
+            </a:endParaRPr>
+          </a:p>
+          <a:p>
+            <a:r>
+              <a:rPr lang="de-DE" sz="2000" dirty="0" smtClean="0">
+                <a:latin typeface="Lato" pitchFamily="34" charset="0"/>
+              </a:rPr>
+              <a:t>Resultierendes Signal</a:t>
+            </a:r>
+          </a:p>
+          <a:p>
+            <a:endParaRPr lang="de-DE" dirty="0" smtClean="0">
+              <a:latin typeface="Lato" pitchFamily="34" charset="0"/>
+            </a:endParaRPr>
+          </a:p>
+          <a:p>
+            <a:endParaRPr lang="de-DE" dirty="0">
+              <a:latin typeface="Lato" pitchFamily="34" charset="0"/>
+            </a:endParaRPr>
+          </a:p>
+        </p:txBody>
+      </p:sp>
+      <p:graphicFrame>
+        <p:nvGraphicFramePr>
+          <p:cNvPr id="18437" name="Object 5"/>
+          <p:cNvGraphicFramePr>
+            <a:graphicFrameLocks noChangeAspect="1"/>
+          </p:cNvGraphicFramePr>
+          <p:nvPr/>
+        </p:nvGraphicFramePr>
+        <p:xfrm>
+          <a:off x="683568" y="2283718"/>
+          <a:ext cx="1244600" cy="203200"/>
+        </p:xfrm>
+        <a:graphic>
+          <a:graphicData uri="http://schemas.openxmlformats.org/presentationml/2006/ole">
+            <mc:AlternateContent xmlns:mc="http://schemas.openxmlformats.org/markup-compatibility/2006">
+              <mc:Choice xmlns:v="urn:schemas-microsoft-com:vml" Requires="v">
+                <p:oleObj spid="_x0000_s19461" name="Formel" r:id="rId4" imgW="1244520" imgH="203040" progId="Equation.3">
+                  <p:embed/>
+                </p:oleObj>
+              </mc:Choice>
+              <mc:Fallback>
+                <p:oleObj name="Formel" r:id="rId4" imgW="1244520" imgH="203040" progId="Equation.3">
+                  <p:embed/>
+                  <p:pic>
+                    <p:nvPicPr>
+                      <p:cNvPr id="0" name="Picture 2"/>
+                      <p:cNvPicPr>
+                        <a:picLocks noChangeAspect="1" noChangeArrowheads="1"/>
+                      </p:cNvPicPr>
+                      <p:nvPr/>
+                    </p:nvPicPr>
+                    <p:blipFill>
+                      <a:blip r:embed="rId5">
+                        <a:extLst>
+                          <a:ext uri="{28A0092B-C50C-407E-A947-70E740481C1C}">
+                            <a14:useLocalDpi xmlns:a14="http://schemas.microsoft.com/office/drawing/2010/main" val="0"/>
+                          </a:ext>
+                        </a:extLst>
+                      </a:blip>
+                      <a:srcRect/>
+                      <a:stretch>
+                        <a:fillRect/>
+                      </a:stretch>
+                    </p:blipFill>
+                    <p:spPr bwMode="auto">
+                      <a:xfrm>
+                        <a:off x="683568" y="2283718"/>
+                        <a:ext cx="1244600" cy="203200"/>
+                      </a:xfrm>
+                      <a:prstGeom prst="rect">
+                        <a:avLst/>
+                      </a:prstGeom>
+                      <a:noFill/>
+                      <a:extLst>
+                        <a:ext uri="{909E8E84-426E-40DD-AFC4-6F175D3DCCD1}">
+                          <a14:hiddenFill xmlns:a14="http://schemas.microsoft.com/office/drawing/2010/main">
+                            <a:solidFill>
+                              <a:srgbClr val="FFFFFF"/>
+                            </a:solidFill>
+                          </a14:hiddenFill>
+                        </a:ext>
+                      </a:extLst>
+                    </p:spPr>
+                  </p:pic>
+                </p:oleObj>
+              </mc:Fallback>
+            </mc:AlternateContent>
+          </a:graphicData>
+        </a:graphic>
+      </p:graphicFrame>
+      <p:graphicFrame>
+        <p:nvGraphicFramePr>
+          <p:cNvPr id="15" name="Objekt 14"/>
+          <p:cNvGraphicFramePr>
+            <a:graphicFrameLocks noChangeAspect="1"/>
+          </p:cNvGraphicFramePr>
+          <p:nvPr/>
+        </p:nvGraphicFramePr>
+        <p:xfrm>
+          <a:off x="687888" y="3148013"/>
+          <a:ext cx="1320800" cy="203200"/>
+        </p:xfrm>
+        <a:graphic>
+          <a:graphicData uri="http://schemas.openxmlformats.org/presentationml/2006/ole">
+            <mc:AlternateContent xmlns:mc="http://schemas.openxmlformats.org/markup-compatibility/2006">
+              <mc:Choice xmlns:v="urn:schemas-microsoft-com:vml" Requires="v">
+                <p:oleObj spid="_x0000_s19462" name="Formel" r:id="rId6" imgW="1320480" imgH="203040" progId="Equation.3">
+                  <p:embed/>
+                </p:oleObj>
+              </mc:Choice>
+              <mc:Fallback>
+                <p:oleObj name="Formel" r:id="rId6" imgW="1320480" imgH="203040" progId="Equation.3">
+                  <p:embed/>
+                  <p:pic>
+                    <p:nvPicPr>
+                      <p:cNvPr id="0" name="Picture 3"/>
+                      <p:cNvPicPr>
+                        <a:picLocks noChangeAspect="1" noChangeArrowheads="1"/>
+                      </p:cNvPicPr>
+                      <p:nvPr/>
+                    </p:nvPicPr>
+                    <p:blipFill>
+                      <a:blip r:embed="rId7">
+                        <a:extLst>
+                          <a:ext uri="{28A0092B-C50C-407E-A947-70E740481C1C}">
+                            <a14:useLocalDpi xmlns:a14="http://schemas.microsoft.com/office/drawing/2010/main" val="0"/>
+                          </a:ext>
+                        </a:extLst>
+                      </a:blip>
+                      <a:srcRect/>
+                      <a:stretch>
+                        <a:fillRect/>
+                      </a:stretch>
+                    </p:blipFill>
+                    <p:spPr bwMode="auto">
+                      <a:xfrm>
+                        <a:off x="687888" y="3148013"/>
+                        <a:ext cx="1320800" cy="203200"/>
+                      </a:xfrm>
+                      <a:prstGeom prst="rect">
+                        <a:avLst/>
+                      </a:prstGeom>
+                      <a:noFill/>
+                      <a:extLst>
+                        <a:ext uri="{909E8E84-426E-40DD-AFC4-6F175D3DCCD1}">
+                          <a14:hiddenFill xmlns:a14="http://schemas.microsoft.com/office/drawing/2010/main">
+                            <a:solidFill>
+                              <a:srgbClr val="FFFFFF"/>
+                            </a:solidFill>
+                          </a14:hiddenFill>
+                        </a:ext>
+                      </a:extLst>
+                    </p:spPr>
+                  </p:pic>
+                </p:oleObj>
+              </mc:Fallback>
+            </mc:AlternateContent>
+          </a:graphicData>
+        </a:graphic>
+      </p:graphicFrame>
+      <p:graphicFrame>
+        <p:nvGraphicFramePr>
+          <p:cNvPr id="16" name="Objekt 15"/>
+          <p:cNvGraphicFramePr>
+            <a:graphicFrameLocks noChangeAspect="1"/>
+          </p:cNvGraphicFramePr>
+          <p:nvPr/>
+        </p:nvGraphicFramePr>
+        <p:xfrm>
+          <a:off x="684500" y="4011613"/>
+          <a:ext cx="2209800" cy="203200"/>
+        </p:xfrm>
+        <a:graphic>
+          <a:graphicData uri="http://schemas.openxmlformats.org/presentationml/2006/ole">
+            <mc:AlternateContent xmlns:mc="http://schemas.openxmlformats.org/markup-compatibility/2006">
+              <mc:Choice xmlns:v="urn:schemas-microsoft-com:vml" Requires="v">
+                <p:oleObj spid="_x0000_s19463" name="Formel" r:id="rId8" imgW="2209680" imgH="203040" progId="Equation.3">
+                  <p:embed/>
+                </p:oleObj>
+              </mc:Choice>
+              <mc:Fallback>
+                <p:oleObj name="Formel" r:id="rId8" imgW="2209680" imgH="203040" progId="Equation.3">
+                  <p:embed/>
+                  <p:pic>
+                    <p:nvPicPr>
+                      <p:cNvPr id="0" name="Picture 4"/>
+                      <p:cNvPicPr>
+                        <a:picLocks noChangeAspect="1" noChangeArrowheads="1"/>
+                      </p:cNvPicPr>
+                      <p:nvPr/>
+                    </p:nvPicPr>
+                    <p:blipFill>
+                      <a:blip r:embed="rId9">
+                        <a:extLst>
+                          <a:ext uri="{28A0092B-C50C-407E-A947-70E740481C1C}">
+                            <a14:useLocalDpi xmlns:a14="http://schemas.microsoft.com/office/drawing/2010/main" val="0"/>
+                          </a:ext>
+                        </a:extLst>
+                      </a:blip>
+                      <a:srcRect/>
+                      <a:stretch>
+                        <a:fillRect/>
+                      </a:stretch>
+                    </p:blipFill>
+                    <p:spPr bwMode="auto">
+                      <a:xfrm>
+                        <a:off x="684500" y="4011613"/>
+                        <a:ext cx="2209800" cy="203200"/>
+                      </a:xfrm>
+                      <a:prstGeom prst="rect">
+                        <a:avLst/>
+                      </a:prstGeom>
+                      <a:noFill/>
+                      <a:extLst>
+                        <a:ext uri="{909E8E84-426E-40DD-AFC4-6F175D3DCCD1}">
+                          <a14:hiddenFill xmlns:a14="http://schemas.microsoft.com/office/drawing/2010/main">
+                            <a:solidFill>
+                              <a:srgbClr val="FFFFFF"/>
+                            </a:solidFill>
+                          </a14:hiddenFill>
+                        </a:ext>
+                      </a:extLst>
+                    </p:spPr>
+                  </p:pic>
+                </p:oleObj>
+              </mc:Fallback>
+            </mc:AlternateContent>
+          </a:graphicData>
+        </a:graphic>
+      </p:graphicFrame>
     </p:spTree>
   </p:cSld>
   <p:clrMapOvr>
@@ -9308,7 +11361,7 @@
               <a:rPr lang="de-DE" sz="2800" dirty="0" smtClean="0">
                 <a:latin typeface="Lato" pitchFamily="34" charset="0"/>
               </a:rPr>
-              <a:t>Geschichte der FM-Synthese</a:t>
+              <a:t>Songbeispiele</a:t>
             </a:r>
             <a:endParaRPr lang="de-DE" sz="2800" dirty="0">
               <a:latin typeface="Lato" pitchFamily="34" charset="0"/>
@@ -9326,23 +11379,16 @@
             <p:ph idx="1"/>
           </p:nvPr>
         </p:nvSpPr>
-        <p:spPr>
-          <a:xfrm>
-            <a:off x="467544" y="1749028"/>
-            <a:ext cx="8229600" cy="1686818"/>
-          </a:xfrm>
-        </p:spPr>
-        <p:txBody>
-          <a:bodyPr>
-            <a:normAutofit/>
-          </a:bodyPr>
+        <p:spPr/>
+        <p:txBody>
+          <a:bodyPr/>
           <a:lstStyle/>
           <a:p>
             <a:r>
               <a:rPr lang="de-DE" sz="2000" dirty="0" smtClean="0">
                 <a:latin typeface="Lato" pitchFamily="34" charset="0"/>
               </a:rPr>
-              <a:t>Grundlage: Frequenzmodulation</a:t>
+              <a:t>Erste, mit FM-Synthese erstellte Stücke</a:t>
             </a:r>
           </a:p>
           <a:p>
@@ -9350,42 +11396,76 @@
               <a:rPr lang="de-DE" sz="2000" dirty="0" smtClean="0">
                 <a:latin typeface="Lato" pitchFamily="34" charset="0"/>
               </a:rPr>
-              <a:t>Bekannt aus Nachrichtentechnik</a:t>
-            </a:r>
-          </a:p>
-          <a:p>
+              <a:t>Von John </a:t>
+            </a:r>
+            <a:r>
+              <a:rPr lang="de-DE" sz="2000" dirty="0" err="1" smtClean="0">
+                <a:latin typeface="Lato" pitchFamily="34" charset="0"/>
+              </a:rPr>
+              <a:t>Chowning</a:t>
+            </a:r>
             <a:r>
               <a:rPr lang="de-DE" sz="2000" dirty="0" smtClean="0">
                 <a:latin typeface="Lato" pitchFamily="34" charset="0"/>
               </a:rPr>
-              <a:t>Erfinder FM-Synthese: </a:t>
-            </a:r>
-          </a:p>
-          <a:p>
-            <a:pPr>
-              <a:buNone/>
-            </a:pPr>
-            <a:r>
-              <a:rPr lang="de-DE" sz="2000" dirty="0" smtClean="0">
-                <a:latin typeface="Lato" pitchFamily="34" charset="0"/>
-              </a:rPr>
-              <a:t>	Prof. Dr. John </a:t>
-            </a:r>
-            <a:r>
-              <a:rPr lang="de-DE" sz="2000" dirty="0" err="1" smtClean="0">
-                <a:latin typeface="Lato" pitchFamily="34" charset="0"/>
-              </a:rPr>
-              <a:t>Chowning</a:t>
-            </a:r>
+              <a:t> selbst</a:t>
+            </a:r>
+          </a:p>
+          <a:p>
             <a:endParaRPr lang="de-DE" sz="2000" dirty="0" smtClean="0">
               <a:latin typeface="Lato" pitchFamily="34" charset="0"/>
             </a:endParaRPr>
           </a:p>
           <a:p>
-            <a:endParaRPr lang="de-DE" sz="2000" dirty="0">
+            <a:r>
+              <a:rPr lang="de-DE" sz="2000" dirty="0" smtClean="0">
+                <a:latin typeface="Lato" pitchFamily="34" charset="0"/>
+              </a:rPr>
+              <a:t>„</a:t>
+            </a:r>
+            <a:r>
+              <a:rPr lang="de-DE" sz="2000" dirty="0" err="1" smtClean="0">
+                <a:latin typeface="Lato" pitchFamily="34" charset="0"/>
+              </a:rPr>
+              <a:t>Sabelithe</a:t>
+            </a:r>
+            <a:r>
+              <a:rPr lang="de-DE" sz="2000" dirty="0" smtClean="0">
+                <a:latin typeface="Lato" pitchFamily="34" charset="0"/>
+              </a:rPr>
+              <a:t>“ (1971)</a:t>
+            </a:r>
+          </a:p>
+          <a:p>
+            <a:endParaRPr lang="de-DE" sz="2000" dirty="0" smtClean="0">
               <a:latin typeface="Lato" pitchFamily="34" charset="0"/>
             </a:endParaRPr>
           </a:p>
+          <a:p>
+            <a:r>
+              <a:rPr lang="de-DE" sz="2000" dirty="0" smtClean="0">
+                <a:latin typeface="Lato" pitchFamily="34" charset="0"/>
+              </a:rPr>
+              <a:t>„</a:t>
+            </a:r>
+            <a:r>
+              <a:rPr lang="de-DE" sz="2000" dirty="0" err="1" smtClean="0">
+                <a:latin typeface="Lato" pitchFamily="34" charset="0"/>
+              </a:rPr>
+              <a:t>Turenas</a:t>
+            </a:r>
+            <a:r>
+              <a:rPr lang="de-DE" sz="2000" dirty="0" smtClean="0">
+                <a:latin typeface="Lato" pitchFamily="34" charset="0"/>
+              </a:rPr>
+              <a:t>“ (1972)</a:t>
+            </a:r>
+          </a:p>
+          <a:p>
+            <a:endParaRPr lang="de-DE" dirty="0">
+              <a:latin typeface="Lato" pitchFamily="34" charset="0"/>
+            </a:endParaRPr>
+          </a:p>
         </p:txBody>
       </p:sp>
       <p:sp>
@@ -9406,7 +11486,7 @@
             <a:fld id="{1C72BD4E-61B2-40A3-A75C-5FDEDE8E5EC5}" type="datetime1">
               <a:rPr lang="de-DE" smtClean="0"/>
               <a:pPr/>
-              <a:t>15.06.2015</a:t>
+              <a:t>16.06.2015</a:t>
             </a:fld>
             <a:endParaRPr lang="de-DE"/>
           </a:p>
@@ -9459,32 +11539,6 @@
           </a:p>
         </p:txBody>
       </p:sp>
-      <p:pic>
-        <p:nvPicPr>
-          <p:cNvPr id="20482" name="Picture 2" descr="D:\Julius\Documents\GitHub\VSeminar\Dok\Kapitel\img\chowning_CCRMA.png"/>
-          <p:cNvPicPr>
-            <a:picLocks noChangeAspect="1" noChangeArrowheads="1"/>
-          </p:cNvPicPr>
-          <p:nvPr/>
-        </p:nvPicPr>
-        <p:blipFill>
-          <a:blip r:embed="rId2" cstate="print"/>
-          <a:srcRect/>
-          <a:stretch>
-            <a:fillRect/>
-          </a:stretch>
-        </p:blipFill>
-        <p:spPr bwMode="auto">
-          <a:xfrm>
-            <a:off x="4860032" y="1995686"/>
-            <a:ext cx="3096344" cy="2486068"/>
-          </a:xfrm>
-          <a:prstGeom prst="rect">
-            <a:avLst/>
-          </a:prstGeom>
-          <a:noFill/>
-        </p:spPr>
-      </p:pic>
     </p:spTree>
   </p:cSld>
   <p:clrMapOvr>
@@ -9559,7 +11613,7 @@
         <p:spPr>
           <a:xfrm>
             <a:off x="467544" y="1749028"/>
-            <a:ext cx="8229600" cy="1614810"/>
+            <a:ext cx="8229600" cy="1686818"/>
           </a:xfrm>
         </p:spPr>
         <p:txBody>
@@ -9572,47 +11626,49 @@
               <a:rPr lang="de-DE" sz="2000" dirty="0" smtClean="0">
                 <a:latin typeface="Lato" pitchFamily="34" charset="0"/>
               </a:rPr>
-              <a:t>Erste Entdeckung im Jahre 1967</a:t>
-            </a:r>
-          </a:p>
-          <a:p>
+              <a:t>Grundlage: Frequenzmodulation</a:t>
+            </a:r>
+          </a:p>
+          <a:p>
+            <a:r>
+              <a:rPr lang="de-DE" sz="2000" dirty="0" smtClean="0">
+                <a:latin typeface="Lato" pitchFamily="34" charset="0"/>
+              </a:rPr>
+              <a:t>Bekannt aus Nachrichtentechnik</a:t>
+            </a:r>
+          </a:p>
+          <a:p>
+            <a:r>
+              <a:rPr lang="de-DE" sz="2000" dirty="0" smtClean="0">
+                <a:latin typeface="Lato" pitchFamily="34" charset="0"/>
+              </a:rPr>
+              <a:t>Erfinder FM-Synthese: </a:t>
+            </a:r>
+          </a:p>
+          <a:p>
+            <a:pPr>
+              <a:buNone/>
+            </a:pPr>
+            <a:r>
+              <a:rPr lang="de-DE" sz="2000" dirty="0" smtClean="0">
+                <a:latin typeface="Lato" pitchFamily="34" charset="0"/>
+              </a:rPr>
+              <a:t>	Prof. Dr. John </a:t>
+            </a:r>
             <a:r>
               <a:rPr lang="de-DE" sz="2000" dirty="0" err="1" smtClean="0">
                 <a:latin typeface="Lato" pitchFamily="34" charset="0"/>
               </a:rPr>
               <a:t>Chowning</a:t>
-            </a:r>
-            <a:r>
-              <a:rPr lang="de-DE" sz="2000" dirty="0" smtClean="0">
-                <a:latin typeface="Lato" pitchFamily="34" charset="0"/>
-              </a:rPr>
-              <a:t> experimentierte mit </a:t>
-            </a:r>
-            <a:r>
-              <a:rPr lang="de-DE" sz="2000" dirty="0" err="1" smtClean="0">
-                <a:latin typeface="Lato" pitchFamily="34" charset="0"/>
-              </a:rPr>
-              <a:t>Vibratos</a:t>
             </a:r>
             <a:endParaRPr lang="de-DE" sz="2000" dirty="0" smtClean="0">
               <a:latin typeface="Lato" pitchFamily="34" charset="0"/>
             </a:endParaRPr>
           </a:p>
           <a:p>
-            <a:r>
-              <a:rPr lang="de-DE" sz="2000" dirty="0" smtClean="0">
-                <a:latin typeface="Lato" pitchFamily="34" charset="0"/>
-              </a:rPr>
-              <a:t>Vibrato: Periodische Änderung eines Tons</a:t>
-            </a:r>
-          </a:p>
-          <a:p>
-            <a:r>
-              <a:rPr lang="de-DE" sz="2000" dirty="0" smtClean="0">
-                <a:latin typeface="Lato" pitchFamily="34" charset="0"/>
-              </a:rPr>
-              <a:t>Neue Obertöne bei höheren Modulationsfrequenzen</a:t>
-            </a:r>
+            <a:endParaRPr lang="de-DE" sz="2000" dirty="0">
+              <a:latin typeface="Lato" pitchFamily="34" charset="0"/>
+            </a:endParaRPr>
           </a:p>
         </p:txBody>
       </p:sp>
@@ -9634,7 +11690,7 @@
             <a:fld id="{1C72BD4E-61B2-40A3-A75C-5FDEDE8E5EC5}" type="datetime1">
               <a:rPr lang="de-DE" smtClean="0"/>
               <a:pPr/>
-              <a:t>15.06.2015</a:t>
+              <a:t>16.06.2015</a:t>
             </a:fld>
             <a:endParaRPr lang="de-DE"/>
           </a:p>
@@ -9656,10 +11712,10 @@
           <a:lstStyle/>
           <a:p>
             <a:r>
-              <a:rPr lang="de-DE" dirty="0" smtClean="0"/>
+              <a:rPr lang="de-DE" smtClean="0"/>
               <a:t>FM-Synthese</a:t>
             </a:r>
-            <a:endParaRPr lang="de-DE" dirty="0"/>
+            <a:endParaRPr lang="de-DE"/>
           </a:p>
         </p:txBody>
       </p:sp>
@@ -9687,6 +11743,32 @@
           </a:p>
         </p:txBody>
       </p:sp>
+      <p:pic>
+        <p:nvPicPr>
+          <p:cNvPr id="20482" name="Picture 2" descr="D:\Julius\Documents\GitHub\VSeminar\Dok\Kapitel\img\chowning_CCRMA.png"/>
+          <p:cNvPicPr>
+            <a:picLocks noChangeAspect="1" noChangeArrowheads="1"/>
+          </p:cNvPicPr>
+          <p:nvPr/>
+        </p:nvPicPr>
+        <p:blipFill>
+          <a:blip r:embed="rId2" cstate="print"/>
+          <a:srcRect/>
+          <a:stretch>
+            <a:fillRect/>
+          </a:stretch>
+        </p:blipFill>
+        <p:spPr bwMode="auto">
+          <a:xfrm>
+            <a:off x="4860032" y="1669858"/>
+            <a:ext cx="3096344" cy="2486068"/>
+          </a:xfrm>
+          <a:prstGeom prst="rect">
+            <a:avLst/>
+          </a:prstGeom>
+          <a:noFill/>
+        </p:spPr>
+      </p:pic>
     </p:spTree>
   </p:cSld>
   <p:clrMapOvr>

--- a/Praesentation/FMSynthese-Julius.pptx
+++ b/Praesentation/FMSynthese-Julius.pptx
@@ -5,7 +5,7 @@
     <p:sldMasterId id="2147483648" r:id="rId1"/>
   </p:sldMasterIdLst>
   <p:notesMasterIdLst>
-    <p:notesMasterId r:id="rId28"/>
+    <p:notesMasterId r:id="rId29"/>
   </p:notesMasterIdLst>
   <p:sldIdLst>
     <p:sldId id="257" r:id="rId2"/>
@@ -14,7 +14,7 @@
     <p:sldId id="258" r:id="rId5"/>
     <p:sldId id="259" r:id="rId6"/>
     <p:sldId id="260" r:id="rId7"/>
-    <p:sldId id="261" r:id="rId8"/>
+    <p:sldId id="282" r:id="rId8"/>
     <p:sldId id="262" r:id="rId9"/>
     <p:sldId id="263" r:id="rId10"/>
     <p:sldId id="264" r:id="rId11"/>
@@ -32,8 +32,9 @@
     <p:sldId id="276" r:id="rId23"/>
     <p:sldId id="277" r:id="rId24"/>
     <p:sldId id="278" r:id="rId25"/>
-    <p:sldId id="280" r:id="rId26"/>
-    <p:sldId id="281" r:id="rId27"/>
+    <p:sldId id="284" r:id="rId26"/>
+    <p:sldId id="280" r:id="rId27"/>
+    <p:sldId id="283" r:id="rId28"/>
   </p:sldIdLst>
   <p:sldSz cx="9144000" cy="5143500" type="screen16x9"/>
   <p:notesSz cx="6858000" cy="9144000"/>
@@ -248,7 +249,7 @@
             <a:fld id="{364A5697-ABCF-455C-8519-931EFDD64AAA}" type="datetimeFigureOut">
               <a:rPr lang="de-DE" smtClean="0"/>
               <a:pPr/>
-              <a:t>16.06.2015</a:t>
+              <a:t>17.06.2015</a:t>
             </a:fld>
             <a:endParaRPr lang="de-DE"/>
           </a:p>
@@ -683,77 +684,6 @@
           </a:p>
         </p:txBody>
       </p:sp>
-      <p:sp>
-        <p:nvSpPr>
-          <p:cNvPr id="7" name="Datumsplatzhalter 6"/>
-          <p:cNvSpPr>
-            <a:spLocks noGrp="1"/>
-          </p:cNvSpPr>
-          <p:nvPr>
-            <p:ph type="dt" sz="half" idx="10"/>
-          </p:nvPr>
-        </p:nvSpPr>
-        <p:spPr/>
-        <p:txBody>
-          <a:bodyPr/>
-          <a:lstStyle/>
-          <a:p>
-            <a:fld id="{D1973D6C-51AD-4508-B508-FD358C94A360}" type="datetime1">
-              <a:rPr lang="de-DE" smtClean="0"/>
-              <a:pPr/>
-              <a:t>16.06.2015</a:t>
-            </a:fld>
-            <a:endParaRPr lang="de-DE"/>
-          </a:p>
-        </p:txBody>
-      </p:sp>
-      <p:sp>
-        <p:nvSpPr>
-          <p:cNvPr id="8" name="Foliennummernplatzhalter 7"/>
-          <p:cNvSpPr>
-            <a:spLocks noGrp="1"/>
-          </p:cNvSpPr>
-          <p:nvPr>
-            <p:ph type="sldNum" sz="quarter" idx="11"/>
-          </p:nvPr>
-        </p:nvSpPr>
-        <p:spPr/>
-        <p:txBody>
-          <a:bodyPr/>
-          <a:lstStyle/>
-          <a:p>
-            <a:fld id="{6C6AE60A-B69C-4790-82F7-3882EDF23186}" type="slidenum">
-              <a:rPr lang="de-DE" smtClean="0"/>
-              <a:pPr/>
-              <a:t>‹Nr.›</a:t>
-            </a:fld>
-            <a:endParaRPr lang="de-DE"/>
-          </a:p>
-        </p:txBody>
-      </p:sp>
-      <p:sp>
-        <p:nvSpPr>
-          <p:cNvPr id="9" name="Fußzeilenplatzhalter 8"/>
-          <p:cNvSpPr>
-            <a:spLocks noGrp="1"/>
-          </p:cNvSpPr>
-          <p:nvPr>
-            <p:ph type="ftr" sz="quarter" idx="12"/>
-          </p:nvPr>
-        </p:nvSpPr>
-        <p:spPr/>
-        <p:txBody>
-          <a:bodyPr/>
-          <a:lstStyle/>
-          <a:p>
-            <a:r>
-              <a:rPr lang="de-DE" smtClean="0"/>
-              <a:t>FM-Synthese</a:t>
-            </a:r>
-            <a:endParaRPr lang="de-DE"/>
-          </a:p>
-        </p:txBody>
-      </p:sp>
     </p:spTree>
   </p:cSld>
   <p:clrMapOvr>
@@ -872,7 +802,7 @@
             <a:fld id="{16CA1741-E8C7-4D32-930D-2CBEC658BBE9}" type="datetime1">
               <a:rPr lang="de-DE" smtClean="0"/>
               <a:pPr/>
-              <a:t>16.06.2015</a:t>
+              <a:t>17.06.2015</a:t>
             </a:fld>
             <a:endParaRPr lang="de-DE"/>
           </a:p>
@@ -1053,7 +983,7 @@
             <a:fld id="{BA20089B-28E9-4E3D-8F82-6328AE8CACA6}" type="datetime1">
               <a:rPr lang="de-DE" smtClean="0"/>
               <a:pPr/>
-              <a:t>16.06.2015</a:t>
+              <a:t>17.06.2015</a:t>
             </a:fld>
             <a:endParaRPr lang="de-DE"/>
           </a:p>
@@ -1143,25 +1073,94 @@
         </p:nvSpPr>
         <p:spPr/>
         <p:txBody>
+          <a:bodyPr>
+            <a:noAutofit/>
+          </a:bodyPr>
+          <a:lstStyle>
+            <a:lvl1pPr>
+              <a:defRPr sz="3600">
+                <a:latin typeface="Lato" panose="020F0502020204030203" pitchFamily="34" charset="0"/>
+              </a:defRPr>
+            </a:lvl1pPr>
+          </a:lstStyle>
+          <a:p>
+            <a:r>
+              <a:rPr lang="de-DE" dirty="0" smtClean="0"/>
+              <a:t>Titelmasterformat durch Klicken bearbeiten</a:t>
+            </a:r>
+            <a:endParaRPr lang="de-DE" dirty="0"/>
+          </a:p>
+        </p:txBody>
+      </p:sp>
+      <p:sp>
+        <p:nvSpPr>
+          <p:cNvPr id="3" name="Inhaltsplatzhalter 2"/>
+          <p:cNvSpPr>
+            <a:spLocks noGrp="1"/>
+          </p:cNvSpPr>
+          <p:nvPr>
+            <p:ph idx="1"/>
+          </p:nvPr>
+        </p:nvSpPr>
+        <p:spPr/>
+        <p:txBody>
           <a:bodyPr/>
-          <a:lstStyle/>
-          <a:p>
-            <a:r>
-              <a:rPr lang="de-DE" smtClean="0"/>
-              <a:t>Titelmasterformat durch Klicken bearbeiten</a:t>
-            </a:r>
-            <a:endParaRPr lang="de-DE"/>
-          </a:p>
-        </p:txBody>
-      </p:sp>
-      <p:sp>
-        <p:nvSpPr>
-          <p:cNvPr id="3" name="Inhaltsplatzhalter 2"/>
-          <p:cNvSpPr>
-            <a:spLocks noGrp="1"/>
-          </p:cNvSpPr>
-          <p:nvPr>
-            <p:ph idx="1"/>
+          <a:lstStyle>
+            <a:lvl1pPr>
+              <a:defRPr sz="2800">
+                <a:latin typeface="Lato" panose="020F0502020204030203" pitchFamily="34" charset="0"/>
+              </a:defRPr>
+            </a:lvl1pPr>
+            <a:lvl2pPr>
+              <a:defRPr sz="2000"/>
+            </a:lvl2pPr>
+          </a:lstStyle>
+          <a:p>
+            <a:pPr lvl="0"/>
+            <a:r>
+              <a:rPr lang="de-DE" dirty="0" smtClean="0"/>
+              <a:t>Textmasterformate durch Klicken bearbeiten</a:t>
+            </a:r>
+          </a:p>
+          <a:p>
+            <a:pPr lvl="1"/>
+            <a:r>
+              <a:rPr lang="de-DE" dirty="0" smtClean="0"/>
+              <a:t>Zweite Ebene</a:t>
+            </a:r>
+          </a:p>
+          <a:p>
+            <a:pPr lvl="2"/>
+            <a:r>
+              <a:rPr lang="de-DE" dirty="0" smtClean="0"/>
+              <a:t>Dritte Ebene</a:t>
+            </a:r>
+          </a:p>
+          <a:p>
+            <a:pPr lvl="3"/>
+            <a:r>
+              <a:rPr lang="de-DE" dirty="0" smtClean="0"/>
+              <a:t>Vierte Ebene</a:t>
+            </a:r>
+          </a:p>
+          <a:p>
+            <a:pPr lvl="4"/>
+            <a:r>
+              <a:rPr lang="de-DE" dirty="0" smtClean="0"/>
+              <a:t>Fünfte Ebene</a:t>
+            </a:r>
+            <a:endParaRPr lang="de-DE" dirty="0"/>
+          </a:p>
+        </p:txBody>
+      </p:sp>
+      <p:sp>
+        <p:nvSpPr>
+          <p:cNvPr id="7" name="Datumsplatzhalter 6"/>
+          <p:cNvSpPr>
+            <a:spLocks noGrp="1"/>
+          </p:cNvSpPr>
+          <p:nvPr>
+            <p:ph type="dt" sz="half" idx="10"/>
           </p:nvPr>
         </p:nvSpPr>
         <p:spPr/>
@@ -1169,51 +1168,22 @@
           <a:bodyPr/>
           <a:lstStyle/>
           <a:p>
-            <a:pPr lvl="0"/>
-            <a:r>
-              <a:rPr lang="de-DE" smtClean="0"/>
-              <a:t>Textmasterformate durch Klicken bearbeiten</a:t>
-            </a:r>
-          </a:p>
-          <a:p>
-            <a:pPr lvl="1"/>
-            <a:r>
-              <a:rPr lang="de-DE" smtClean="0"/>
-              <a:t>Zweite Ebene</a:t>
-            </a:r>
-          </a:p>
-          <a:p>
-            <a:pPr lvl="2"/>
-            <a:r>
-              <a:rPr lang="de-DE" smtClean="0"/>
-              <a:t>Dritte Ebene</a:t>
-            </a:r>
-          </a:p>
-          <a:p>
-            <a:pPr lvl="3"/>
-            <a:r>
-              <a:rPr lang="de-DE" smtClean="0"/>
-              <a:t>Vierte Ebene</a:t>
-            </a:r>
-          </a:p>
-          <a:p>
-            <a:pPr lvl="4"/>
-            <a:r>
-              <a:rPr lang="de-DE" smtClean="0"/>
-              <a:t>Fünfte Ebene</a:t>
-            </a:r>
-            <a:endParaRPr lang="de-DE"/>
-          </a:p>
-        </p:txBody>
-      </p:sp>
-      <p:sp>
-        <p:nvSpPr>
-          <p:cNvPr id="4" name="Datumsplatzhalter 3"/>
-          <p:cNvSpPr>
-            <a:spLocks noGrp="1"/>
-          </p:cNvSpPr>
-          <p:nvPr>
-            <p:ph type="dt" sz="half" idx="10"/>
+            <a:fld id="{9369858E-D1D1-4BAC-A564-46FF792CFAC7}" type="datetime1">
+              <a:rPr lang="de-DE" smtClean="0"/>
+              <a:t>17.06.2015</a:t>
+            </a:fld>
+            <a:endParaRPr lang="de-DE" dirty="0"/>
+          </a:p>
+        </p:txBody>
+      </p:sp>
+      <p:sp>
+        <p:nvSpPr>
+          <p:cNvPr id="8" name="Fußzeilenplatzhalter 7"/>
+          <p:cNvSpPr>
+            <a:spLocks noGrp="1"/>
+          </p:cNvSpPr>
+          <p:nvPr>
+            <p:ph type="ftr" sz="quarter" idx="11"/>
           </p:nvPr>
         </p:nvSpPr>
         <p:spPr/>
@@ -1221,41 +1191,17 @@
           <a:bodyPr/>
           <a:lstStyle/>
           <a:p>
-            <a:fld id="{1C72BD4E-61B2-40A3-A75C-5FDEDE8E5EC5}" type="datetime1">
-              <a:rPr lang="de-DE" smtClean="0"/>
-              <a:pPr/>
-              <a:t>16.06.2015</a:t>
-            </a:fld>
-            <a:endParaRPr lang="de-DE"/>
-          </a:p>
-        </p:txBody>
-      </p:sp>
-      <p:sp>
-        <p:nvSpPr>
-          <p:cNvPr id="5" name="Fußzeilenplatzhalter 4"/>
-          <p:cNvSpPr>
-            <a:spLocks noGrp="1"/>
-          </p:cNvSpPr>
-          <p:nvPr>
-            <p:ph type="ftr" sz="quarter" idx="11"/>
-          </p:nvPr>
-        </p:nvSpPr>
-        <p:spPr/>
-        <p:txBody>
-          <a:bodyPr/>
-          <a:lstStyle/>
-          <a:p>
             <a:r>
               <a:rPr lang="de-DE" smtClean="0"/>
               <a:t>FM-Synthese</a:t>
             </a:r>
-            <a:endParaRPr lang="de-DE"/>
-          </a:p>
-        </p:txBody>
-      </p:sp>
-      <p:sp>
-        <p:nvSpPr>
-          <p:cNvPr id="6" name="Foliennummernplatzhalter 5"/>
+            <a:endParaRPr lang="de-DE" dirty="0"/>
+          </a:p>
+        </p:txBody>
+      </p:sp>
+      <p:sp>
+        <p:nvSpPr>
+          <p:cNvPr id="9" name="Foliennummernplatzhalter 8"/>
           <p:cNvSpPr>
             <a:spLocks noGrp="1"/>
           </p:cNvSpPr>
@@ -1273,6 +1219,10 @@
               <a:pPr/>
               <a:t>‹Nr.›</a:t>
             </a:fld>
+            <a:r>
+              <a:rPr lang="de-DE" smtClean="0"/>
+              <a:t>   </a:t>
+            </a:r>
             <a:endParaRPr lang="de-DE" dirty="0"/>
           </a:p>
         </p:txBody>
@@ -1282,6 +1232,7 @@
   <p:clrMapOvr>
     <a:masterClrMapping/>
   </p:clrMapOvr>
+  <p:hf hdr="0"/>
 </p:sldLayout>
 </file>
 
@@ -1471,7 +1422,7 @@
             <a:fld id="{48E855D6-EEBE-45BF-8BB5-776601FA5085}" type="datetime1">
               <a:rPr lang="de-DE" smtClean="0"/>
               <a:pPr/>
-              <a:t>16.06.2015</a:t>
+              <a:t>17.06.2015</a:t>
             </a:fld>
             <a:endParaRPr lang="de-DE"/>
           </a:p>
@@ -1565,10 +1516,10 @@
           <a:lstStyle/>
           <a:p>
             <a:r>
-              <a:rPr lang="de-DE" smtClean="0"/>
+              <a:rPr lang="de-DE" dirty="0" smtClean="0"/>
               <a:t>Titelmasterformat durch Klicken bearbeiten</a:t>
             </a:r>
-            <a:endParaRPr lang="de-DE"/>
+            <a:endParaRPr lang="de-DE" dirty="0"/>
           </a:p>
         </p:txBody>
       </p:sp>
@@ -1760,7 +1711,7 @@
             <a:fld id="{EF380378-A65B-4494-A5A7-886B50CB4937}" type="datetime1">
               <a:rPr lang="de-DE" smtClean="0"/>
               <a:pPr/>
-              <a:t>16.06.2015</a:t>
+              <a:t>17.06.2015</a:t>
             </a:fld>
             <a:endParaRPr lang="de-DE"/>
           </a:p>
@@ -2183,7 +2134,7 @@
             <a:fld id="{BF9B2ACF-C63C-45AF-B5D6-56753CCBEEC7}" type="datetime1">
               <a:rPr lang="de-DE" smtClean="0"/>
               <a:pPr/>
-              <a:t>16.06.2015</a:t>
+              <a:t>17.06.2015</a:t>
             </a:fld>
             <a:endParaRPr lang="de-DE"/>
           </a:p>
@@ -2302,7 +2253,7 @@
             <a:fld id="{782C60A8-75F3-45EE-8F68-824804B9A36B}" type="datetime1">
               <a:rPr lang="de-DE" smtClean="0"/>
               <a:pPr/>
-              <a:t>16.06.2015</a:t>
+              <a:t>17.06.2015</a:t>
             </a:fld>
             <a:endParaRPr lang="de-DE"/>
           </a:p>
@@ -2398,7 +2349,7 @@
             <a:fld id="{AC76AE4E-B847-44C0-9E80-FADAC514238D}" type="datetime1">
               <a:rPr lang="de-DE" smtClean="0"/>
               <a:pPr/>
-              <a:t>16.06.2015</a:t>
+              <a:t>17.06.2015</a:t>
             </a:fld>
             <a:endParaRPr lang="de-DE"/>
           </a:p>
@@ -2676,7 +2627,7 @@
             <a:fld id="{93EB1BC4-DA1F-4C44-8E36-1B9FD72AD58E}" type="datetime1">
               <a:rPr lang="de-DE" smtClean="0"/>
               <a:pPr/>
-              <a:t>16.06.2015</a:t>
+              <a:t>17.06.2015</a:t>
             </a:fld>
             <a:endParaRPr lang="de-DE"/>
           </a:p>
@@ -2930,7 +2881,7 @@
             <a:fld id="{E23DD280-69E3-4A3C-8762-77BE68C0FDBF}" type="datetime1">
               <a:rPr lang="de-DE" smtClean="0"/>
               <a:pPr/>
-              <a:t>16.06.2015</a:t>
+              <a:t>17.06.2015</a:t>
             </a:fld>
             <a:endParaRPr lang="de-DE"/>
           </a:p>
@@ -3144,7 +3095,7 @@
             <a:fld id="{A1830189-BAB1-4688-8766-4D2AC2DF7C33}" type="datetime1">
               <a:rPr lang="de-DE" smtClean="0"/>
               <a:pPr/>
-              <a:t>16.06.2015</a:t>
+              <a:t>17.06.2015</a:t>
             </a:fld>
             <a:endParaRPr lang="de-DE" dirty="0"/>
           </a:p>
@@ -3245,17 +3196,15 @@
           </p:cNvPicPr>
           <p:nvPr userDrawn="1"/>
         </p:nvPicPr>
-        <p:blipFill>
+        <p:blipFill rotWithShape="1">
           <a:blip r:embed="rId13" cstate="print"/>
-          <a:srcRect r="9219"/>
-          <a:stretch>
-            <a:fillRect/>
-          </a:stretch>
+          <a:srcRect r="33483"/>
+          <a:stretch/>
         </p:blipFill>
         <p:spPr bwMode="auto">
           <a:xfrm>
             <a:off x="0" y="4160995"/>
-            <a:ext cx="12529392" cy="918071"/>
+            <a:ext cx="9180512" cy="918071"/>
           </a:xfrm>
           <a:prstGeom prst="rect">
             <a:avLst/>
@@ -3557,15 +3506,10 @@
             <a:spLocks noGrp="1"/>
           </p:cNvSpPr>
           <p:nvPr>
-            <p:ph type="title"/>
-          </p:nvPr>
-        </p:nvSpPr>
-        <p:spPr>
-          <a:xfrm>
-            <a:off x="457200" y="1851670"/>
-            <a:ext cx="8229600" cy="857250"/>
-          </a:xfrm>
-        </p:spPr>
+            <p:ph type="ctrTitle"/>
+          </p:nvPr>
+        </p:nvSpPr>
+        <p:spPr/>
         <p:txBody>
           <a:bodyPr>
             <a:normAutofit fontScale="90000"/>
@@ -3598,77 +3542,6 @@
             <a:endParaRPr lang="de-DE" dirty="0">
               <a:latin typeface="Lato" pitchFamily="34" charset="0"/>
             </a:endParaRPr>
-          </a:p>
-        </p:txBody>
-      </p:sp>
-      <p:sp>
-        <p:nvSpPr>
-          <p:cNvPr id="4" name="Datumsplatzhalter 3"/>
-          <p:cNvSpPr>
-            <a:spLocks noGrp="1"/>
-          </p:cNvSpPr>
-          <p:nvPr>
-            <p:ph type="dt" sz="half" idx="10"/>
-          </p:nvPr>
-        </p:nvSpPr>
-        <p:spPr/>
-        <p:txBody>
-          <a:bodyPr/>
-          <a:lstStyle/>
-          <a:p>
-            <a:fld id="{1C72BD4E-61B2-40A3-A75C-5FDEDE8E5EC5}" type="datetime1">
-              <a:rPr lang="de-DE" smtClean="0"/>
-              <a:pPr/>
-              <a:t>16.06.2015</a:t>
-            </a:fld>
-            <a:endParaRPr lang="de-DE"/>
-          </a:p>
-        </p:txBody>
-      </p:sp>
-      <p:sp>
-        <p:nvSpPr>
-          <p:cNvPr id="5" name="Fußzeilenplatzhalter 4"/>
-          <p:cNvSpPr>
-            <a:spLocks noGrp="1"/>
-          </p:cNvSpPr>
-          <p:nvPr>
-            <p:ph type="ftr" sz="quarter" idx="11"/>
-          </p:nvPr>
-        </p:nvSpPr>
-        <p:spPr/>
-        <p:txBody>
-          <a:bodyPr/>
-          <a:lstStyle/>
-          <a:p>
-            <a:r>
-              <a:rPr lang="de-DE" smtClean="0"/>
-              <a:t>FM-Synthese</a:t>
-            </a:r>
-            <a:endParaRPr lang="de-DE"/>
-          </a:p>
-        </p:txBody>
-      </p:sp>
-      <p:sp>
-        <p:nvSpPr>
-          <p:cNvPr id="6" name="Foliennummernplatzhalter 5"/>
-          <p:cNvSpPr>
-            <a:spLocks noGrp="1"/>
-          </p:cNvSpPr>
-          <p:nvPr>
-            <p:ph type="sldNum" sz="quarter" idx="12"/>
-          </p:nvPr>
-        </p:nvSpPr>
-        <p:spPr/>
-        <p:txBody>
-          <a:bodyPr/>
-          <a:lstStyle/>
-          <a:p>
-            <a:fld id="{6C6AE60A-B69C-4790-82F7-3882EDF23186}" type="slidenum">
-              <a:rPr lang="de-DE" smtClean="0"/>
-              <a:pPr/>
-              <a:t>1</a:t>
-            </a:fld>
-            <a:endParaRPr lang="de-DE"/>
           </a:p>
         </p:txBody>
       </p:sp>
@@ -3813,15 +3686,19 @@
             <p:ph type="dt" sz="half" idx="10"/>
           </p:nvPr>
         </p:nvSpPr>
-        <p:spPr/>
+        <p:spPr>
+          <a:xfrm>
+            <a:off x="6588224" y="4876006"/>
+            <a:ext cx="2133600" cy="273844"/>
+          </a:xfrm>
+        </p:spPr>
         <p:txBody>
           <a:bodyPr/>
           <a:lstStyle/>
           <a:p>
-            <a:fld id="{1C72BD4E-61B2-40A3-A75C-5FDEDE8E5EC5}" type="datetime1">
-              <a:rPr lang="de-DE" smtClean="0"/>
-              <a:pPr/>
-              <a:t>16.06.2015</a:t>
+            <a:fld id="{1BA9CB46-1999-48FE-934D-6C67DE059830}" type="datetime1">
+              <a:rPr lang="de-DE" smtClean="0"/>
+              <a:t>17.06.2015</a:t>
             </a:fld>
             <a:endParaRPr lang="de-DE"/>
           </a:p>
@@ -3837,7 +3714,12 @@
             <p:ph type="ftr" sz="quarter" idx="11"/>
           </p:nvPr>
         </p:nvSpPr>
-        <p:spPr/>
+        <p:spPr>
+          <a:xfrm>
+            <a:off x="3131840" y="4876006"/>
+            <a:ext cx="2895600" cy="273844"/>
+          </a:xfrm>
+        </p:spPr>
         <p:txBody>
           <a:bodyPr/>
           <a:lstStyle/>
@@ -3860,7 +3742,12 @@
             <p:ph type="sldNum" sz="quarter" idx="12"/>
           </p:nvPr>
         </p:nvSpPr>
-        <p:spPr/>
+        <p:spPr>
+          <a:xfrm>
+            <a:off x="0" y="4869656"/>
+            <a:ext cx="467544" cy="273844"/>
+          </a:xfrm>
+        </p:spPr>
         <p:txBody>
           <a:bodyPr/>
           <a:lstStyle/>
@@ -4049,13 +3936,7 @@
               <a:rPr lang="en-US" sz="2000" b="1" i="1" dirty="0" smtClean="0">
                 <a:latin typeface="Lato" pitchFamily="34" charset="0"/>
               </a:rPr>
-              <a:t> </a:t>
-            </a:r>
-            <a:r>
-              <a:rPr lang="en-US" sz="2000" b="1" i="1" dirty="0" err="1" smtClean="0">
-                <a:latin typeface="Lato" pitchFamily="34" charset="0"/>
-              </a:rPr>
-              <a:t>diﬀerences</a:t>
+              <a:t> differences</a:t>
             </a:r>
             <a:r>
               <a:rPr lang="en-US" sz="2000" i="1" dirty="0" smtClean="0">
@@ -4073,43 +3954,13 @@
               <a:rPr lang="en-US" sz="2000" i="1" dirty="0" smtClean="0">
                 <a:latin typeface="Lato" pitchFamily="34" charset="0"/>
               </a:rPr>
-              <a:t> became very, very fast, hundreds of times per second, and very, very deep, as if the violinist had a </a:t>
-            </a:r>
-            <a:r>
-              <a:rPr lang="en-US" sz="2000" i="1" dirty="0" err="1" smtClean="0">
-                <a:latin typeface="Lato" pitchFamily="34" charset="0"/>
-              </a:rPr>
-              <a:t>diﬀerent</a:t>
-            </a:r>
-            <a:r>
-              <a:rPr lang="en-US" sz="2000" i="1" dirty="0" smtClean="0">
-                <a:latin typeface="Lato" pitchFamily="34" charset="0"/>
-              </a:rPr>
-              <a:t> </a:t>
-            </a:r>
-            <a:r>
-              <a:rPr lang="en-US" sz="2000" i="1" dirty="0" err="1" smtClean="0">
-                <a:latin typeface="Lato" pitchFamily="34" charset="0"/>
-              </a:rPr>
-              <a:t>ﬁngerboard</a:t>
-            </a:r>
-            <a:r>
-              <a:rPr lang="en-US" sz="2000" i="1" dirty="0" smtClean="0">
-                <a:latin typeface="Lato" pitchFamily="34" charset="0"/>
-              </a:rPr>
-              <a:t>, and the </a:t>
-            </a:r>
-            <a:r>
-              <a:rPr lang="en-US" sz="2000" b="1" i="1" dirty="0" err="1" smtClean="0">
-                <a:latin typeface="Lato" pitchFamily="34" charset="0"/>
-              </a:rPr>
-              <a:t>ﬁnger</a:t>
+              <a:t> became very, very fast, hundreds of times per second, and very, very deep, as if the violinist had a different ﬁngerboard, and the </a:t>
             </a:r>
             <a:r>
               <a:rPr lang="en-US" sz="2000" b="1" i="1" dirty="0" smtClean="0">
                 <a:latin typeface="Lato" pitchFamily="34" charset="0"/>
               </a:rPr>
-              <a:t> was whipping up and down at very high rates </a:t>
+              <a:t>ﬁnger was whipping up and down at very high rates </a:t>
             </a:r>
             <a:r>
               <a:rPr lang="en-US" sz="2000" i="1" dirty="0" smtClean="0">
@@ -4133,15 +3984,19 @@
             <p:ph type="dt" sz="half" idx="10"/>
           </p:nvPr>
         </p:nvSpPr>
-        <p:spPr/>
+        <p:spPr>
+          <a:xfrm>
+            <a:off x="6588224" y="4876006"/>
+            <a:ext cx="2133600" cy="273844"/>
+          </a:xfrm>
+        </p:spPr>
         <p:txBody>
           <a:bodyPr/>
           <a:lstStyle/>
           <a:p>
-            <a:fld id="{1C72BD4E-61B2-40A3-A75C-5FDEDE8E5EC5}" type="datetime1">
-              <a:rPr lang="de-DE" smtClean="0"/>
-              <a:pPr/>
-              <a:t>16.06.2015</a:t>
+            <a:fld id="{72653B21-52A1-4C85-A953-1B3DFEDFDB08}" type="datetime1">
+              <a:rPr lang="de-DE" smtClean="0"/>
+              <a:t>17.06.2015</a:t>
             </a:fld>
             <a:endParaRPr lang="de-DE"/>
           </a:p>
@@ -4157,7 +4012,12 @@
             <p:ph type="ftr" sz="quarter" idx="11"/>
           </p:nvPr>
         </p:nvSpPr>
-        <p:spPr/>
+        <p:spPr>
+          <a:xfrm>
+            <a:off x="3131840" y="4876006"/>
+            <a:ext cx="2895600" cy="273844"/>
+          </a:xfrm>
+        </p:spPr>
         <p:txBody>
           <a:bodyPr/>
           <a:lstStyle/>
@@ -4180,7 +4040,12 @@
             <p:ph type="sldNum" sz="quarter" idx="12"/>
           </p:nvPr>
         </p:nvSpPr>
-        <p:spPr/>
+        <p:spPr>
+          <a:xfrm>
+            <a:off x="0" y="4869656"/>
+            <a:ext cx="467544" cy="273844"/>
+          </a:xfrm>
+        </p:spPr>
         <p:txBody>
           <a:bodyPr/>
           <a:lstStyle/>
@@ -4265,15 +4130,19 @@
             <p:ph type="dt" sz="half" idx="10"/>
           </p:nvPr>
         </p:nvSpPr>
-        <p:spPr/>
+        <p:spPr>
+          <a:xfrm>
+            <a:off x="6588224" y="4876006"/>
+            <a:ext cx="2133600" cy="273844"/>
+          </a:xfrm>
+        </p:spPr>
         <p:txBody>
           <a:bodyPr/>
           <a:lstStyle/>
           <a:p>
-            <a:fld id="{1C72BD4E-61B2-40A3-A75C-5FDEDE8E5EC5}" type="datetime1">
-              <a:rPr lang="de-DE" smtClean="0"/>
-              <a:pPr/>
-              <a:t>16.06.2015</a:t>
+            <a:fld id="{860830F5-49E7-4889-AA1F-2CB69E8126AF}" type="datetime1">
+              <a:rPr lang="de-DE" smtClean="0"/>
+              <a:t>17.06.2015</a:t>
             </a:fld>
             <a:endParaRPr lang="de-DE"/>
           </a:p>
@@ -4289,7 +4158,12 @@
             <p:ph type="ftr" sz="quarter" idx="11"/>
           </p:nvPr>
         </p:nvSpPr>
-        <p:spPr/>
+        <p:spPr>
+          <a:xfrm>
+            <a:off x="3131840" y="4876006"/>
+            <a:ext cx="2895600" cy="273844"/>
+          </a:xfrm>
+        </p:spPr>
         <p:txBody>
           <a:bodyPr/>
           <a:lstStyle/>
@@ -4312,7 +4186,12 @@
             <p:ph type="sldNum" sz="quarter" idx="12"/>
           </p:nvPr>
         </p:nvSpPr>
-        <p:spPr/>
+        <p:spPr>
+          <a:xfrm>
+            <a:off x="0" y="4869656"/>
+            <a:ext cx="467544" cy="273844"/>
+          </a:xfrm>
+        </p:spPr>
         <p:txBody>
           <a:bodyPr/>
           <a:lstStyle/>
@@ -4476,15 +4355,19 @@
             <p:ph type="dt" sz="half" idx="10"/>
           </p:nvPr>
         </p:nvSpPr>
-        <p:spPr/>
+        <p:spPr>
+          <a:xfrm>
+            <a:off x="6588224" y="4876006"/>
+            <a:ext cx="2133600" cy="273844"/>
+          </a:xfrm>
+        </p:spPr>
         <p:txBody>
           <a:bodyPr/>
           <a:lstStyle/>
           <a:p>
-            <a:fld id="{1C72BD4E-61B2-40A3-A75C-5FDEDE8E5EC5}" type="datetime1">
-              <a:rPr lang="de-DE" smtClean="0"/>
-              <a:pPr/>
-              <a:t>16.06.2015</a:t>
+            <a:fld id="{5A27912C-CDDD-45BB-A172-315B1F38A094}" type="datetime1">
+              <a:rPr lang="de-DE" smtClean="0"/>
+              <a:t>17.06.2015</a:t>
             </a:fld>
             <a:endParaRPr lang="de-DE"/>
           </a:p>
@@ -4500,7 +4383,12 @@
             <p:ph type="ftr" sz="quarter" idx="11"/>
           </p:nvPr>
         </p:nvSpPr>
-        <p:spPr/>
+        <p:spPr>
+          <a:xfrm>
+            <a:off x="3131840" y="4876006"/>
+            <a:ext cx="2895600" cy="273844"/>
+          </a:xfrm>
+        </p:spPr>
         <p:txBody>
           <a:bodyPr/>
           <a:lstStyle/>
@@ -4523,7 +4411,12 @@
             <p:ph type="sldNum" sz="quarter" idx="12"/>
           </p:nvPr>
         </p:nvSpPr>
-        <p:spPr/>
+        <p:spPr>
+          <a:xfrm>
+            <a:off x="0" y="4869656"/>
+            <a:ext cx="467544" cy="273844"/>
+          </a:xfrm>
+        </p:spPr>
         <p:txBody>
           <a:bodyPr/>
           <a:lstStyle/>
@@ -4702,15 +4595,19 @@
             <p:ph type="dt" sz="half" idx="10"/>
           </p:nvPr>
         </p:nvSpPr>
-        <p:spPr/>
+        <p:spPr>
+          <a:xfrm>
+            <a:off x="6588224" y="4876006"/>
+            <a:ext cx="2133600" cy="273844"/>
+          </a:xfrm>
+        </p:spPr>
         <p:txBody>
           <a:bodyPr/>
           <a:lstStyle/>
           <a:p>
-            <a:fld id="{1C72BD4E-61B2-40A3-A75C-5FDEDE8E5EC5}" type="datetime1">
-              <a:rPr lang="de-DE" smtClean="0"/>
-              <a:pPr/>
-              <a:t>16.06.2015</a:t>
+            <a:fld id="{00B76B82-E15A-4F92-B838-853BA8CDA07B}" type="datetime1">
+              <a:rPr lang="de-DE" smtClean="0"/>
+              <a:t>17.06.2015</a:t>
             </a:fld>
             <a:endParaRPr lang="de-DE"/>
           </a:p>
@@ -4726,7 +4623,12 @@
             <p:ph type="ftr" sz="quarter" idx="11"/>
           </p:nvPr>
         </p:nvSpPr>
-        <p:spPr/>
+        <p:spPr>
+          <a:xfrm>
+            <a:off x="3131840" y="4876006"/>
+            <a:ext cx="2895600" cy="273844"/>
+          </a:xfrm>
+        </p:spPr>
         <p:txBody>
           <a:bodyPr/>
           <a:lstStyle/>
@@ -4749,7 +4651,12 @@
             <p:ph type="sldNum" sz="quarter" idx="12"/>
           </p:nvPr>
         </p:nvSpPr>
-        <p:spPr/>
+        <p:spPr>
+          <a:xfrm>
+            <a:off x="0" y="4869656"/>
+            <a:ext cx="467544" cy="273844"/>
+          </a:xfrm>
+        </p:spPr>
         <p:txBody>
           <a:bodyPr/>
           <a:lstStyle/>
@@ -4984,15 +4891,19 @@
             <p:ph type="dt" sz="half" idx="10"/>
           </p:nvPr>
         </p:nvSpPr>
-        <p:spPr/>
+        <p:spPr>
+          <a:xfrm>
+            <a:off x="6588224" y="4876006"/>
+            <a:ext cx="2133600" cy="273844"/>
+          </a:xfrm>
+        </p:spPr>
         <p:txBody>
           <a:bodyPr/>
           <a:lstStyle/>
           <a:p>
-            <a:fld id="{1C72BD4E-61B2-40A3-A75C-5FDEDE8E5EC5}" type="datetime1">
-              <a:rPr lang="de-DE" smtClean="0"/>
-              <a:pPr/>
-              <a:t>16.06.2015</a:t>
+            <a:fld id="{CBD29002-DD08-4B8B-8D0E-E18685283E8F}" type="datetime1">
+              <a:rPr lang="de-DE" smtClean="0"/>
+              <a:t>17.06.2015</a:t>
             </a:fld>
             <a:endParaRPr lang="de-DE"/>
           </a:p>
@@ -5008,7 +4919,12 @@
             <p:ph type="ftr" sz="quarter" idx="11"/>
           </p:nvPr>
         </p:nvSpPr>
-        <p:spPr/>
+        <p:spPr>
+          <a:xfrm>
+            <a:off x="3131840" y="4876006"/>
+            <a:ext cx="2895600" cy="273844"/>
+          </a:xfrm>
+        </p:spPr>
         <p:txBody>
           <a:bodyPr/>
           <a:lstStyle/>
@@ -5031,7 +4947,12 @@
             <p:ph type="sldNum" sz="quarter" idx="12"/>
           </p:nvPr>
         </p:nvSpPr>
-        <p:spPr/>
+        <p:spPr>
+          <a:xfrm>
+            <a:off x="0" y="4869656"/>
+            <a:ext cx="467544" cy="273844"/>
+          </a:xfrm>
+        </p:spPr>
         <p:txBody>
           <a:bodyPr/>
           <a:lstStyle/>
@@ -5147,15 +5068,19 @@
             <p:ph type="dt" sz="half" idx="10"/>
           </p:nvPr>
         </p:nvSpPr>
-        <p:spPr/>
+        <p:spPr>
+          <a:xfrm>
+            <a:off x="6588224" y="4876006"/>
+            <a:ext cx="2133600" cy="273844"/>
+          </a:xfrm>
+        </p:spPr>
         <p:txBody>
           <a:bodyPr/>
           <a:lstStyle/>
           <a:p>
-            <a:fld id="{1C72BD4E-61B2-40A3-A75C-5FDEDE8E5EC5}" type="datetime1">
-              <a:rPr lang="de-DE" smtClean="0"/>
-              <a:pPr/>
-              <a:t>16.06.2015</a:t>
+            <a:fld id="{D7189504-FB42-40CE-B2BB-CA1D3CB1B385}" type="datetime1">
+              <a:rPr lang="de-DE" smtClean="0"/>
+              <a:t>17.06.2015</a:t>
             </a:fld>
             <a:endParaRPr lang="de-DE"/>
           </a:p>
@@ -5171,7 +5096,12 @@
             <p:ph type="ftr" sz="quarter" idx="11"/>
           </p:nvPr>
         </p:nvSpPr>
-        <p:spPr/>
+        <p:spPr>
+          <a:xfrm>
+            <a:off x="3131840" y="4876006"/>
+            <a:ext cx="2895600" cy="273844"/>
+          </a:xfrm>
+        </p:spPr>
         <p:txBody>
           <a:bodyPr/>
           <a:lstStyle/>
@@ -5194,7 +5124,12 @@
             <p:ph type="sldNum" sz="quarter" idx="12"/>
           </p:nvPr>
         </p:nvSpPr>
-        <p:spPr/>
+        <p:spPr>
+          <a:xfrm>
+            <a:off x="0" y="4869656"/>
+            <a:ext cx="467544" cy="273844"/>
+          </a:xfrm>
+        </p:spPr>
         <p:txBody>
           <a:bodyPr/>
           <a:lstStyle/>
@@ -5360,15 +5295,19 @@
             <p:ph type="dt" sz="half" idx="10"/>
           </p:nvPr>
         </p:nvSpPr>
-        <p:spPr/>
+        <p:spPr>
+          <a:xfrm>
+            <a:off x="6588224" y="4876006"/>
+            <a:ext cx="2133600" cy="273844"/>
+          </a:xfrm>
+        </p:spPr>
         <p:txBody>
           <a:bodyPr/>
           <a:lstStyle/>
           <a:p>
-            <a:fld id="{1C72BD4E-61B2-40A3-A75C-5FDEDE8E5EC5}" type="datetime1">
-              <a:rPr lang="de-DE" smtClean="0"/>
-              <a:pPr/>
-              <a:t>16.06.2015</a:t>
+            <a:fld id="{8C72BFCD-6DDC-4F0C-B207-AE3CB62F0D09}" type="datetime1">
+              <a:rPr lang="de-DE" smtClean="0"/>
+              <a:t>17.06.2015</a:t>
             </a:fld>
             <a:endParaRPr lang="de-DE"/>
           </a:p>
@@ -5384,7 +5323,12 @@
             <p:ph type="ftr" sz="quarter" idx="11"/>
           </p:nvPr>
         </p:nvSpPr>
-        <p:spPr/>
+        <p:spPr>
+          <a:xfrm>
+            <a:off x="3131840" y="4876006"/>
+            <a:ext cx="2895600" cy="273844"/>
+          </a:xfrm>
+        </p:spPr>
         <p:txBody>
           <a:bodyPr/>
           <a:lstStyle/>
@@ -5407,7 +5351,12 @@
             <p:ph type="sldNum" sz="quarter" idx="12"/>
           </p:nvPr>
         </p:nvSpPr>
-        <p:spPr/>
+        <p:spPr>
+          <a:xfrm>
+            <a:off x="0" y="4869656"/>
+            <a:ext cx="467544" cy="273844"/>
+          </a:xfrm>
+        </p:spPr>
         <p:txBody>
           <a:bodyPr/>
           <a:lstStyle/>
@@ -5523,15 +5472,19 @@
             <p:ph type="dt" sz="half" idx="10"/>
           </p:nvPr>
         </p:nvSpPr>
-        <p:spPr/>
+        <p:spPr>
+          <a:xfrm>
+            <a:off x="6588224" y="4876006"/>
+            <a:ext cx="2133600" cy="273844"/>
+          </a:xfrm>
+        </p:spPr>
         <p:txBody>
           <a:bodyPr/>
           <a:lstStyle/>
           <a:p>
-            <a:fld id="{1C72BD4E-61B2-40A3-A75C-5FDEDE8E5EC5}" type="datetime1">
-              <a:rPr lang="de-DE" smtClean="0"/>
-              <a:pPr/>
-              <a:t>16.06.2015</a:t>
+            <a:fld id="{CF17882A-01A4-40E1-8E7C-E4DC1CDE6C7E}" type="datetime1">
+              <a:rPr lang="de-DE" smtClean="0"/>
+              <a:t>17.06.2015</a:t>
             </a:fld>
             <a:endParaRPr lang="de-DE"/>
           </a:p>
@@ -5547,7 +5500,12 @@
             <p:ph type="ftr" sz="quarter" idx="11"/>
           </p:nvPr>
         </p:nvSpPr>
-        <p:spPr/>
+        <p:spPr>
+          <a:xfrm>
+            <a:off x="3131840" y="4876006"/>
+            <a:ext cx="2895600" cy="273844"/>
+          </a:xfrm>
+        </p:spPr>
         <p:txBody>
           <a:bodyPr/>
           <a:lstStyle/>
@@ -5570,7 +5528,12 @@
             <p:ph type="sldNum" sz="quarter" idx="12"/>
           </p:nvPr>
         </p:nvSpPr>
-        <p:spPr/>
+        <p:spPr>
+          <a:xfrm>
+            <a:off x="0" y="4869656"/>
+            <a:ext cx="467544" cy="273844"/>
+          </a:xfrm>
+        </p:spPr>
         <p:txBody>
           <a:bodyPr/>
           <a:lstStyle/>
@@ -5736,15 +5699,19 @@
             <p:ph type="dt" sz="half" idx="10"/>
           </p:nvPr>
         </p:nvSpPr>
-        <p:spPr/>
+        <p:spPr>
+          <a:xfrm>
+            <a:off x="6588224" y="4876006"/>
+            <a:ext cx="2133600" cy="273844"/>
+          </a:xfrm>
+        </p:spPr>
         <p:txBody>
           <a:bodyPr/>
           <a:lstStyle/>
           <a:p>
-            <a:fld id="{1C72BD4E-61B2-40A3-A75C-5FDEDE8E5EC5}" type="datetime1">
-              <a:rPr lang="de-DE" smtClean="0"/>
-              <a:pPr/>
-              <a:t>16.06.2015</a:t>
+            <a:fld id="{6FD35CB8-BD90-447C-AB06-561BC3962411}" type="datetime1">
+              <a:rPr lang="de-DE" smtClean="0"/>
+              <a:t>17.06.2015</a:t>
             </a:fld>
             <a:endParaRPr lang="de-DE"/>
           </a:p>
@@ -5760,7 +5727,12 @@
             <p:ph type="ftr" sz="quarter" idx="11"/>
           </p:nvPr>
         </p:nvSpPr>
-        <p:spPr/>
+        <p:spPr>
+          <a:xfrm>
+            <a:off x="3131840" y="4876006"/>
+            <a:ext cx="2895600" cy="273844"/>
+          </a:xfrm>
+        </p:spPr>
         <p:txBody>
           <a:bodyPr/>
           <a:lstStyle/>
@@ -5783,7 +5755,12 @@
             <p:ph type="sldNum" sz="quarter" idx="12"/>
           </p:nvPr>
         </p:nvSpPr>
-        <p:spPr/>
+        <p:spPr>
+          <a:xfrm>
+            <a:off x="0" y="4869656"/>
+            <a:ext cx="467544" cy="273844"/>
+          </a:xfrm>
+        </p:spPr>
         <p:txBody>
           <a:bodyPr/>
           <a:lstStyle/>
@@ -5897,76 +5874,40 @@
           </a:p>
         </p:txBody>
       </p:sp>
-      <p:graphicFrame>
-        <p:nvGraphicFramePr>
-          <p:cNvPr id="10" name="Objekt 9"/>
-          <p:cNvGraphicFramePr>
-            <a:graphicFrameLocks noChangeAspect="1"/>
-          </p:cNvGraphicFramePr>
-          <p:nvPr/>
-        </p:nvGraphicFramePr>
-        <p:xfrm>
-          <a:off x="3484563" y="2552700"/>
-          <a:ext cx="1016000" cy="203200"/>
-        </p:xfrm>
-        <a:graphic>
-          <a:graphicData uri="http://schemas.openxmlformats.org/presentationml/2006/ole">
-            <mc:AlternateContent xmlns:mc="http://schemas.openxmlformats.org/markup-compatibility/2006">
-              <mc:Choice xmlns:v="urn:schemas-microsoft-com:vml" Requires="v">
-                <p:oleObj spid="_x0000_s30723" name="Formel" r:id="rId3" imgW="1015920" imgH="203040" progId="Equation.3">
-                  <p:embed/>
-                </p:oleObj>
-              </mc:Choice>
-              <mc:Fallback>
-                <p:oleObj name="Formel" r:id="rId3" imgW="1015920" imgH="203040" progId="Equation.3">
-                  <p:embed/>
-                  <p:pic>
-                    <p:nvPicPr>
-                      <p:cNvPr id="0" name="Picture 2"/>
-                      <p:cNvPicPr>
-                        <a:picLocks noChangeAspect="1" noChangeArrowheads="1"/>
-                      </p:cNvPicPr>
-                      <p:nvPr/>
-                    </p:nvPicPr>
-                    <p:blipFill>
-                      <a:blip r:embed="rId4">
-                        <a:extLst>
-                          <a:ext uri="{28A0092B-C50C-407E-A947-70E740481C1C}">
-                            <a14:useLocalDpi xmlns:a14="http://schemas.microsoft.com/office/drawing/2010/main" val="0"/>
-                          </a:ext>
-                        </a:extLst>
-                      </a:blip>
-                      <a:srcRect/>
-                      <a:stretch>
-                        <a:fillRect/>
-                      </a:stretch>
-                    </p:blipFill>
-                    <p:spPr bwMode="auto">
-                      <a:xfrm>
-                        <a:off x="3484563" y="2552700"/>
-                        <a:ext cx="1016000" cy="203200"/>
-                      </a:xfrm>
-                      <a:prstGeom prst="rect">
-                        <a:avLst/>
-                      </a:prstGeom>
-                      <a:noFill/>
-                      <a:extLst>
-                        <a:ext uri="{909E8E84-426E-40DD-AFC4-6F175D3DCCD1}">
-                          <a14:hiddenFill xmlns:a14="http://schemas.microsoft.com/office/drawing/2010/main">
-                            <a:solidFill>
-                              <a:srgbClr val="FFFFFF"/>
-                            </a:solidFill>
-                          </a14:hiddenFill>
-                        </a:ext>
-                      </a:extLst>
-                    </p:spPr>
-                  </p:pic>
-                </p:oleObj>
-              </mc:Fallback>
-            </mc:AlternateContent>
-          </a:graphicData>
-        </a:graphic>
-      </p:graphicFrame>
+      <p:pic>
+        <p:nvPicPr>
+          <p:cNvPr id="3" name="Grafik 2"/>
+          <p:cNvPicPr>
+            <a:picLocks noChangeAspect="1"/>
+          </p:cNvPicPr>
+          <p:nvPr>
+            <p:custDataLst>
+              <p:tags r:id="rId1"/>
+            </p:custDataLst>
+          </p:nvPr>
+        </p:nvPicPr>
+        <p:blipFill>
+          <a:blip r:embed="rId3" cstate="print">
+            <a:extLst>
+              <a:ext uri="{28A0092B-C50C-407E-A947-70E740481C1C}">
+                <a14:useLocalDpi xmlns:a14="http://schemas.microsoft.com/office/drawing/2010/main" val="0"/>
+              </a:ext>
+            </a:extLst>
+          </a:blip>
+          <a:stretch>
+            <a:fillRect/>
+          </a:stretch>
+        </p:blipFill>
+        <p:spPr>
+          <a:xfrm>
+            <a:off x="3419872" y="2499742"/>
+            <a:ext cx="1722664" cy="254075"/>
+          </a:xfrm>
+          <a:prstGeom prst="rect">
+            <a:avLst/>
+          </a:prstGeom>
+        </p:spPr>
+      </p:pic>
     </p:spTree>
   </p:cSld>
   <p:clrMapOvr>
@@ -6137,15 +6078,19 @@
             <p:ph type="dt" sz="half" idx="10"/>
           </p:nvPr>
         </p:nvSpPr>
-        <p:spPr/>
+        <p:spPr>
+          <a:xfrm>
+            <a:off x="6588224" y="4876006"/>
+            <a:ext cx="2133600" cy="273844"/>
+          </a:xfrm>
+        </p:spPr>
         <p:txBody>
           <a:bodyPr/>
           <a:lstStyle/>
           <a:p>
-            <a:fld id="{35C1FD4D-52EB-42CB-85F2-3F104058EAED}" type="datetime1">
-              <a:rPr lang="de-DE" smtClean="0"/>
-              <a:pPr/>
-              <a:t>16.06.2015</a:t>
+            <a:fld id="{96B099A9-1E52-4EB4-A253-2CBAD706EB28}" type="datetime1">
+              <a:rPr lang="de-DE" smtClean="0"/>
+              <a:t>17.06.2015</a:t>
             </a:fld>
             <a:endParaRPr lang="de-DE"/>
           </a:p>
@@ -6161,7 +6106,12 @@
             <p:ph type="sldNum" sz="quarter" idx="12"/>
           </p:nvPr>
         </p:nvSpPr>
-        <p:spPr/>
+        <p:spPr>
+          <a:xfrm>
+            <a:off x="0" y="4869656"/>
+            <a:ext cx="467544" cy="273844"/>
+          </a:xfrm>
+        </p:spPr>
         <p:txBody>
           <a:bodyPr/>
           <a:lstStyle/>
@@ -6185,7 +6135,12 @@
             <p:ph type="ftr" sz="quarter" idx="11"/>
           </p:nvPr>
         </p:nvSpPr>
-        <p:spPr/>
+        <p:spPr>
+          <a:xfrm>
+            <a:off x="3131840" y="4876006"/>
+            <a:ext cx="2895600" cy="273844"/>
+          </a:xfrm>
+        </p:spPr>
         <p:txBody>
           <a:bodyPr/>
           <a:lstStyle/>
@@ -6434,15 +6389,19 @@
             <p:ph type="dt" sz="half" idx="10"/>
           </p:nvPr>
         </p:nvSpPr>
-        <p:spPr/>
+        <p:spPr>
+          <a:xfrm>
+            <a:off x="6588224" y="4876006"/>
+            <a:ext cx="2133600" cy="273844"/>
+          </a:xfrm>
+        </p:spPr>
         <p:txBody>
           <a:bodyPr/>
           <a:lstStyle/>
           <a:p>
-            <a:fld id="{1C72BD4E-61B2-40A3-A75C-5FDEDE8E5EC5}" type="datetime1">
-              <a:rPr lang="de-DE" smtClean="0"/>
-              <a:pPr/>
-              <a:t>16.06.2015</a:t>
+            <a:fld id="{6D7D0E66-EFAE-4305-BA7A-6348E48A8036}" type="datetime1">
+              <a:rPr lang="de-DE" smtClean="0"/>
+              <a:t>17.06.2015</a:t>
             </a:fld>
             <a:endParaRPr lang="de-DE"/>
           </a:p>
@@ -6458,7 +6417,12 @@
             <p:ph type="ftr" sz="quarter" idx="11"/>
           </p:nvPr>
         </p:nvSpPr>
-        <p:spPr/>
+        <p:spPr>
+          <a:xfrm>
+            <a:off x="3131840" y="4876006"/>
+            <a:ext cx="2895600" cy="273844"/>
+          </a:xfrm>
+        </p:spPr>
         <p:txBody>
           <a:bodyPr/>
           <a:lstStyle/>
@@ -6481,7 +6445,12 @@
             <p:ph type="sldNum" sz="quarter" idx="12"/>
           </p:nvPr>
         </p:nvSpPr>
-        <p:spPr/>
+        <p:spPr>
+          <a:xfrm>
+            <a:off x="0" y="4869656"/>
+            <a:ext cx="467544" cy="273844"/>
+          </a:xfrm>
+        </p:spPr>
         <p:txBody>
           <a:bodyPr/>
           <a:lstStyle/>
@@ -6504,7 +6473,7 @@
           <p:nvPr/>
         </p:nvPicPr>
         <p:blipFill>
-          <a:blip r:embed="rId3" cstate="print"/>
+          <a:blip r:embed="rId5" cstate="print"/>
           <a:srcRect/>
           <a:stretch>
             <a:fillRect/>
@@ -6566,7 +6535,7 @@
         </p:nvSpPr>
         <p:spPr>
           <a:xfrm>
-            <a:off x="457200" y="1200151"/>
+            <a:off x="179512" y="1200151"/>
             <a:ext cx="8229600" cy="3394472"/>
           </a:xfrm>
         </p:spPr>
@@ -6628,12 +6597,12 @@
           <a:graphicData uri="http://schemas.openxmlformats.org/presentationml/2006/ole">
             <mc:AlternateContent xmlns:mc="http://schemas.openxmlformats.org/markup-compatibility/2006">
               <mc:Choice xmlns:v="urn:schemas-microsoft-com:vml" Requires="v">
-                <p:oleObj spid="_x0000_s31752" name="Formel" r:id="rId4" imgW="114120" imgH="215640" progId="Equation.3">
+                <p:oleObj spid="_x0000_s31825" name="Formel" r:id="rId6" imgW="114120" imgH="215640" progId="Equation.3">
                   <p:embed/>
                 </p:oleObj>
               </mc:Choice>
               <mc:Fallback>
-                <p:oleObj name="Formel" r:id="rId4" imgW="114120" imgH="215640" progId="Equation.3">
+                <p:oleObj name="Formel" r:id="rId6" imgW="114120" imgH="215640" progId="Equation.3">
                   <p:embed/>
                   <p:pic>
                     <p:nvPicPr>
@@ -6644,7 +6613,353 @@
                       <p:nvPr/>
                     </p:nvPicPr>
                     <p:blipFill>
-                      <a:blip r:embed="rId5">
+                      <a:blip r:embed="rId7">
+                        <a:extLst>
+                          <a:ext uri="{28A0092B-C50C-407E-A947-70E740481C1C}">
+                            <a14:useLocalDpi xmlns:a14="http://schemas.microsoft.com/office/drawing/2010/main" val="0"/>
+                          </a:ext>
+                        </a:extLst>
+                      </a:blip>
+                      <a:srcRect/>
+                      <a:stretch>
+                        <a:fillRect/>
+                      </a:stretch>
+                    </p:blipFill>
+                    <p:spPr bwMode="auto">
+                      <a:xfrm>
+                        <a:off x="2652713" y="1341438"/>
+                        <a:ext cx="114300" cy="215900"/>
+                      </a:xfrm>
+                      <a:prstGeom prst="rect">
+                        <a:avLst/>
+                      </a:prstGeom>
+                      <a:noFill/>
+                      <a:extLst>
+                        <a:ext uri="{909E8E84-426E-40DD-AFC4-6F175D3DCCD1}">
+                          <a14:hiddenFill xmlns:a14="http://schemas.microsoft.com/office/drawing/2010/main">
+                            <a:solidFill>
+                              <a:srgbClr val="FFFFFF"/>
+                            </a:solidFill>
+                          </a14:hiddenFill>
+                        </a:ext>
+                      </a:extLst>
+                    </p:spPr>
+                  </p:pic>
+                </p:oleObj>
+              </mc:Fallback>
+            </mc:AlternateContent>
+          </a:graphicData>
+        </a:graphic>
+      </p:graphicFrame>
+      <p:pic>
+        <p:nvPicPr>
+          <p:cNvPr id="12" name="Grafik 11"/>
+          <p:cNvPicPr>
+            <a:picLocks noChangeAspect="1"/>
+          </p:cNvPicPr>
+          <p:nvPr>
+            <p:custDataLst>
+              <p:tags r:id="rId2"/>
+            </p:custDataLst>
+          </p:nvPr>
+        </p:nvPicPr>
+        <p:blipFill>
+          <a:blip r:embed="rId8" cstate="print">
+            <a:extLst>
+              <a:ext uri="{28A0092B-C50C-407E-A947-70E740481C1C}">
+                <a14:useLocalDpi xmlns:a14="http://schemas.microsoft.com/office/drawing/2010/main" val="0"/>
+              </a:ext>
+            </a:extLst>
+          </a:blip>
+          <a:stretch>
+            <a:fillRect/>
+          </a:stretch>
+        </p:blipFill>
+        <p:spPr>
+          <a:xfrm>
+            <a:off x="263796" y="1745259"/>
+            <a:ext cx="4304965" cy="323378"/>
+          </a:xfrm>
+          <a:prstGeom prst="rect">
+            <a:avLst/>
+          </a:prstGeom>
+        </p:spPr>
+      </p:pic>
+      <p:pic>
+        <p:nvPicPr>
+          <p:cNvPr id="10" name="Grafik 9"/>
+          <p:cNvPicPr>
+            <a:picLocks noChangeAspect="1"/>
+          </p:cNvPicPr>
+          <p:nvPr>
+            <p:custDataLst>
+              <p:tags r:id="rId3"/>
+            </p:custDataLst>
+          </p:nvPr>
+        </p:nvPicPr>
+        <p:blipFill>
+          <a:blip r:embed="rId9" cstate="print">
+            <a:extLst>
+              <a:ext uri="{28A0092B-C50C-407E-A947-70E740481C1C}">
+                <a14:useLocalDpi xmlns:a14="http://schemas.microsoft.com/office/drawing/2010/main" val="0"/>
+              </a:ext>
+            </a:extLst>
+          </a:blip>
+          <a:stretch>
+            <a:fillRect/>
+          </a:stretch>
+        </p:blipFill>
+        <p:spPr>
+          <a:xfrm>
+            <a:off x="263796" y="2859782"/>
+            <a:ext cx="3691734" cy="323378"/>
+          </a:xfrm>
+          <a:prstGeom prst="rect">
+            <a:avLst/>
+          </a:prstGeom>
+        </p:spPr>
+      </p:pic>
+    </p:spTree>
+  </p:cSld>
+  <p:clrMapOvr>
+    <a:masterClrMapping/>
+  </p:clrMapOvr>
+  <p:timing>
+    <p:tnLst>
+      <p:par>
+        <p:cTn id="1" dur="indefinite" restart="never" nodeType="tmRoot"/>
+      </p:par>
+    </p:tnLst>
+  </p:timing>
+</p:sld>
+</file>
+
+<file path=ppt/slides/slide21.xml><?xml version="1.0" encoding="utf-8"?>
+<p:sld xmlns:a="http://schemas.openxmlformats.org/drawingml/2006/main" xmlns:r="http://schemas.openxmlformats.org/officeDocument/2006/relationships" xmlns:p="http://schemas.openxmlformats.org/presentationml/2006/main">
+  <p:cSld>
+    <p:spTree>
+      <p:nvGrpSpPr>
+        <p:cNvPr id="1" name=""/>
+        <p:cNvGrpSpPr/>
+        <p:nvPr/>
+      </p:nvGrpSpPr>
+      <p:grpSpPr>
+        <a:xfrm>
+          <a:off x="0" y="0"/>
+          <a:ext cx="0" cy="0"/>
+          <a:chOff x="0" y="0"/>
+          <a:chExt cx="0" cy="0"/>
+        </a:xfrm>
+      </p:grpSpPr>
+      <p:sp>
+        <p:nvSpPr>
+          <p:cNvPr id="4" name="Datumsplatzhalter 3"/>
+          <p:cNvSpPr>
+            <a:spLocks noGrp="1"/>
+          </p:cNvSpPr>
+          <p:nvPr>
+            <p:ph type="dt" sz="half" idx="10"/>
+          </p:nvPr>
+        </p:nvSpPr>
+        <p:spPr>
+          <a:xfrm>
+            <a:off x="6588224" y="4876006"/>
+            <a:ext cx="2133600" cy="273844"/>
+          </a:xfrm>
+        </p:spPr>
+        <p:txBody>
+          <a:bodyPr/>
+          <a:lstStyle/>
+          <a:p>
+            <a:fld id="{39A556A3-A96F-4A29-B9F8-6AE2A559B586}" type="datetime1">
+              <a:rPr lang="de-DE" smtClean="0"/>
+              <a:t>17.06.2015</a:t>
+            </a:fld>
+            <a:endParaRPr lang="de-DE"/>
+          </a:p>
+        </p:txBody>
+      </p:sp>
+      <p:sp>
+        <p:nvSpPr>
+          <p:cNvPr id="5" name="Fußzeilenplatzhalter 4"/>
+          <p:cNvSpPr>
+            <a:spLocks noGrp="1"/>
+          </p:cNvSpPr>
+          <p:nvPr>
+            <p:ph type="ftr" sz="quarter" idx="11"/>
+          </p:nvPr>
+        </p:nvSpPr>
+        <p:spPr>
+          <a:xfrm>
+            <a:off x="3131840" y="4876006"/>
+            <a:ext cx="2895600" cy="273844"/>
+          </a:xfrm>
+        </p:spPr>
+        <p:txBody>
+          <a:bodyPr/>
+          <a:lstStyle/>
+          <a:p>
+            <a:r>
+              <a:rPr lang="de-DE" dirty="0" smtClean="0"/>
+              <a:t>FM-Synthese</a:t>
+            </a:r>
+            <a:endParaRPr lang="de-DE" dirty="0"/>
+          </a:p>
+        </p:txBody>
+      </p:sp>
+      <p:sp>
+        <p:nvSpPr>
+          <p:cNvPr id="6" name="Foliennummernplatzhalter 5"/>
+          <p:cNvSpPr>
+            <a:spLocks noGrp="1"/>
+          </p:cNvSpPr>
+          <p:nvPr>
+            <p:ph type="sldNum" sz="quarter" idx="12"/>
+          </p:nvPr>
+        </p:nvSpPr>
+        <p:spPr>
+          <a:xfrm>
+            <a:off x="0" y="4869656"/>
+            <a:ext cx="467544" cy="273844"/>
+          </a:xfrm>
+        </p:spPr>
+        <p:txBody>
+          <a:bodyPr/>
+          <a:lstStyle/>
+          <a:p>
+            <a:fld id="{6C6AE60A-B69C-4790-82F7-3882EDF23186}" type="slidenum">
+              <a:rPr lang="de-DE" smtClean="0"/>
+              <a:pPr/>
+              <a:t>21</a:t>
+            </a:fld>
+            <a:endParaRPr lang="de-DE" dirty="0"/>
+          </a:p>
+        </p:txBody>
+      </p:sp>
+      <p:pic>
+        <p:nvPicPr>
+          <p:cNvPr id="31746" name="Picture 2" descr="D:\Julius\Documents\GitHub\VSeminar\Dok\Kapitel\img\Unit_Circle.PNG"/>
+          <p:cNvPicPr>
+            <a:picLocks noChangeAspect="1" noChangeArrowheads="1"/>
+          </p:cNvPicPr>
+          <p:nvPr/>
+        </p:nvPicPr>
+        <p:blipFill>
+          <a:blip r:embed="rId5" cstate="print"/>
+          <a:srcRect/>
+          <a:stretch>
+            <a:fillRect/>
+          </a:stretch>
+        </p:blipFill>
+        <p:spPr bwMode="auto">
+          <a:xfrm>
+            <a:off x="4572000" y="339502"/>
+            <a:ext cx="4256587" cy="4176464"/>
+          </a:xfrm>
+          <a:prstGeom prst="rect">
+            <a:avLst/>
+          </a:prstGeom>
+          <a:noFill/>
+        </p:spPr>
+      </p:pic>
+      <p:sp>
+        <p:nvSpPr>
+          <p:cNvPr id="8" name="Rechteck 7"/>
+          <p:cNvSpPr/>
+          <p:nvPr/>
+        </p:nvSpPr>
+        <p:spPr>
+          <a:xfrm>
+            <a:off x="611560" y="195486"/>
+            <a:ext cx="5016053" cy="523220"/>
+          </a:xfrm>
+          <a:prstGeom prst="rect">
+            <a:avLst/>
+          </a:prstGeom>
+        </p:spPr>
+        <p:txBody>
+          <a:bodyPr wrap="none">
+            <a:spAutoFit/>
+          </a:bodyPr>
+          <a:lstStyle/>
+          <a:p>
+            <a:pPr>
+              <a:buNone/>
+            </a:pPr>
+            <a:r>
+              <a:rPr lang="de-DE" sz="2800" dirty="0" smtClean="0">
+                <a:latin typeface="Lato" pitchFamily="34" charset="0"/>
+              </a:rPr>
+              <a:t>Grundlagen: Sinus und Kosinus</a:t>
+            </a:r>
+          </a:p>
+        </p:txBody>
+      </p:sp>
+      <p:sp>
+        <p:nvSpPr>
+          <p:cNvPr id="9" name="Inhaltsplatzhalter 2"/>
+          <p:cNvSpPr>
+            <a:spLocks noGrp="1"/>
+          </p:cNvSpPr>
+          <p:nvPr>
+            <p:ph idx="1"/>
+          </p:nvPr>
+        </p:nvSpPr>
+        <p:spPr>
+          <a:xfrm>
+            <a:off x="457200" y="1200151"/>
+            <a:ext cx="8229600" cy="3394472"/>
+          </a:xfrm>
+        </p:spPr>
+        <p:txBody>
+          <a:bodyPr/>
+          <a:lstStyle/>
+          <a:p>
+            <a:pPr>
+              <a:buNone/>
+            </a:pPr>
+            <a:r>
+              <a:rPr lang="de-DE" sz="2000" dirty="0" smtClean="0">
+                <a:latin typeface="Lato" pitchFamily="34" charset="0"/>
+              </a:rPr>
+              <a:t>	</a:t>
+            </a:r>
+          </a:p>
+        </p:txBody>
+      </p:sp>
+      <p:graphicFrame>
+        <p:nvGraphicFramePr>
+          <p:cNvPr id="11" name="Objekt 10"/>
+          <p:cNvGraphicFramePr>
+            <a:graphicFrameLocks noChangeAspect="1"/>
+          </p:cNvGraphicFramePr>
+          <p:nvPr/>
+        </p:nvGraphicFramePr>
+        <p:xfrm>
+          <a:off x="2652713" y="1341438"/>
+          <a:ext cx="114300" cy="215900"/>
+        </p:xfrm>
+        <a:graphic>
+          <a:graphicData uri="http://schemas.openxmlformats.org/presentationml/2006/ole">
+            <mc:AlternateContent xmlns:mc="http://schemas.openxmlformats.org/markup-compatibility/2006">
+              <mc:Choice xmlns:v="urn:schemas-microsoft-com:vml" Requires="v">
+                <p:oleObj spid="_x0000_s32868" name="Formel" r:id="rId6" imgW="114120" imgH="215640" progId="Equation.3">
+                  <p:embed/>
+                </p:oleObj>
+              </mc:Choice>
+              <mc:Fallback>
+                <p:oleObj name="Formel" r:id="rId6" imgW="114120" imgH="215640" progId="Equation.3">
+                  <p:embed/>
+                  <p:pic>
+                    <p:nvPicPr>
+                      <p:cNvPr id="0" name="Picture 2"/>
+                      <p:cNvPicPr>
+                        <a:picLocks noChangeAspect="1" noChangeArrowheads="1"/>
+                      </p:cNvPicPr>
+                      <p:nvPr/>
+                    </p:nvPicPr>
+                    <p:blipFill>
+                      <a:blip r:embed="rId7">
                         <a:extLst>
                           <a:ext uri="{28A0092B-C50C-407E-A947-70E740481C1C}">
                             <a14:useLocalDpi xmlns:a14="http://schemas.microsoft.com/office/drawing/2010/main" val="0"/>
@@ -6684,684 +6999,6 @@
       </p:graphicFrame>
       <p:graphicFrame>
         <p:nvGraphicFramePr>
-          <p:cNvPr id="13" name="Objekt 12"/>
-          <p:cNvGraphicFramePr>
-            <a:graphicFrameLocks noChangeAspect="1"/>
-          </p:cNvGraphicFramePr>
-          <p:nvPr/>
-        </p:nvGraphicFramePr>
-        <p:xfrm>
-          <a:off x="971600" y="1707654"/>
-          <a:ext cx="2781300" cy="419100"/>
-        </p:xfrm>
-        <a:graphic>
-          <a:graphicData uri="http://schemas.openxmlformats.org/presentationml/2006/ole">
-            <mc:AlternateContent xmlns:mc="http://schemas.openxmlformats.org/markup-compatibility/2006">
-              <mc:Choice xmlns:v="urn:schemas-microsoft-com:vml" Requires="v">
-                <p:oleObj spid="_x0000_s31753" name="Formel" r:id="rId6" imgW="2781000" imgH="419040" progId="Equation.3">
-                  <p:embed/>
-                </p:oleObj>
-              </mc:Choice>
-              <mc:Fallback>
-                <p:oleObj name="Formel" r:id="rId6" imgW="2781000" imgH="419040" progId="Equation.3">
-                  <p:embed/>
-                  <p:pic>
-                    <p:nvPicPr>
-                      <p:cNvPr id="0" name="Picture 6"/>
-                      <p:cNvPicPr>
-                        <a:picLocks noChangeAspect="1" noChangeArrowheads="1"/>
-                      </p:cNvPicPr>
-                      <p:nvPr/>
-                    </p:nvPicPr>
-                    <p:blipFill>
-                      <a:blip r:embed="rId7">
-                        <a:extLst>
-                          <a:ext uri="{28A0092B-C50C-407E-A947-70E740481C1C}">
-                            <a14:useLocalDpi xmlns:a14="http://schemas.microsoft.com/office/drawing/2010/main" val="0"/>
-                          </a:ext>
-                        </a:extLst>
-                      </a:blip>
-                      <a:srcRect/>
-                      <a:stretch>
-                        <a:fillRect/>
-                      </a:stretch>
-                    </p:blipFill>
-                    <p:spPr bwMode="auto">
-                      <a:xfrm>
-                        <a:off x="971600" y="1707654"/>
-                        <a:ext cx="2781300" cy="419100"/>
-                      </a:xfrm>
-                      <a:prstGeom prst="rect">
-                        <a:avLst/>
-                      </a:prstGeom>
-                      <a:noFill/>
-                      <a:extLst>
-                        <a:ext uri="{909E8E84-426E-40DD-AFC4-6F175D3DCCD1}">
-                          <a14:hiddenFill xmlns:a14="http://schemas.microsoft.com/office/drawing/2010/main">
-                            <a:solidFill>
-                              <a:srgbClr val="FFFFFF"/>
-                            </a:solidFill>
-                          </a14:hiddenFill>
-                        </a:ext>
-                      </a:extLst>
-                    </p:spPr>
-                  </p:pic>
-                </p:oleObj>
-              </mc:Fallback>
-            </mc:AlternateContent>
-          </a:graphicData>
-        </a:graphic>
-      </p:graphicFrame>
-      <p:graphicFrame>
-        <p:nvGraphicFramePr>
-          <p:cNvPr id="31751" name="Object 7"/>
-          <p:cNvGraphicFramePr>
-            <a:graphicFrameLocks noChangeAspect="1"/>
-          </p:cNvGraphicFramePr>
-          <p:nvPr/>
-        </p:nvGraphicFramePr>
-        <p:xfrm>
-          <a:off x="977156" y="2932113"/>
-          <a:ext cx="2298700" cy="419100"/>
-        </p:xfrm>
-        <a:graphic>
-          <a:graphicData uri="http://schemas.openxmlformats.org/presentationml/2006/ole">
-            <mc:AlternateContent xmlns:mc="http://schemas.openxmlformats.org/markup-compatibility/2006">
-              <mc:Choice xmlns:v="urn:schemas-microsoft-com:vml" Requires="v">
-                <p:oleObj spid="_x0000_s31754" name="Formel" r:id="rId8" imgW="2298600" imgH="419040" progId="Equation.3">
-                  <p:embed/>
-                </p:oleObj>
-              </mc:Choice>
-              <mc:Fallback>
-                <p:oleObj name="Formel" r:id="rId8" imgW="2298600" imgH="419040" progId="Equation.3">
-                  <p:embed/>
-                  <p:pic>
-                    <p:nvPicPr>
-                      <p:cNvPr id="0" name="Picture 7"/>
-                      <p:cNvPicPr>
-                        <a:picLocks noChangeAspect="1" noChangeArrowheads="1"/>
-                      </p:cNvPicPr>
-                      <p:nvPr/>
-                    </p:nvPicPr>
-                    <p:blipFill>
-                      <a:blip r:embed="rId9">
-                        <a:extLst>
-                          <a:ext uri="{28A0092B-C50C-407E-A947-70E740481C1C}">
-                            <a14:useLocalDpi xmlns:a14="http://schemas.microsoft.com/office/drawing/2010/main" val="0"/>
-                          </a:ext>
-                        </a:extLst>
-                      </a:blip>
-                      <a:srcRect/>
-                      <a:stretch>
-                        <a:fillRect/>
-                      </a:stretch>
-                    </p:blipFill>
-                    <p:spPr bwMode="auto">
-                      <a:xfrm>
-                        <a:off x="977156" y="2932113"/>
-                        <a:ext cx="2298700" cy="419100"/>
-                      </a:xfrm>
-                      <a:prstGeom prst="rect">
-                        <a:avLst/>
-                      </a:prstGeom>
-                      <a:noFill/>
-                      <a:extLst>
-                        <a:ext uri="{909E8E84-426E-40DD-AFC4-6F175D3DCCD1}">
-                          <a14:hiddenFill xmlns:a14="http://schemas.microsoft.com/office/drawing/2010/main">
-                            <a:solidFill>
-                              <a:srgbClr val="FFFFFF"/>
-                            </a:solidFill>
-                          </a14:hiddenFill>
-                        </a:ext>
-                      </a:extLst>
-                    </p:spPr>
-                  </p:pic>
-                </p:oleObj>
-              </mc:Fallback>
-            </mc:AlternateContent>
-          </a:graphicData>
-        </a:graphic>
-      </p:graphicFrame>
-    </p:spTree>
-  </p:cSld>
-  <p:clrMapOvr>
-    <a:masterClrMapping/>
-  </p:clrMapOvr>
-  <p:timing>
-    <p:tnLst>
-      <p:par>
-        <p:cTn id="1" dur="indefinite" restart="never" nodeType="tmRoot"/>
-      </p:par>
-    </p:tnLst>
-  </p:timing>
-</p:sld>
-</file>
-
-<file path=ppt/slides/slide21.xml><?xml version="1.0" encoding="utf-8"?>
-<p:sld xmlns:a="http://schemas.openxmlformats.org/drawingml/2006/main" xmlns:r="http://schemas.openxmlformats.org/officeDocument/2006/relationships" xmlns:p="http://schemas.openxmlformats.org/presentationml/2006/main">
-  <p:cSld>
-    <p:spTree>
-      <p:nvGrpSpPr>
-        <p:cNvPr id="1" name=""/>
-        <p:cNvGrpSpPr/>
-        <p:nvPr/>
-      </p:nvGrpSpPr>
-      <p:grpSpPr>
-        <a:xfrm>
-          <a:off x="0" y="0"/>
-          <a:ext cx="0" cy="0"/>
-          <a:chOff x="0" y="0"/>
-          <a:chExt cx="0" cy="0"/>
-        </a:xfrm>
-      </p:grpSpPr>
-      <p:sp>
-        <p:nvSpPr>
-          <p:cNvPr id="4" name="Datumsplatzhalter 3"/>
-          <p:cNvSpPr>
-            <a:spLocks noGrp="1"/>
-          </p:cNvSpPr>
-          <p:nvPr>
-            <p:ph type="dt" sz="half" idx="10"/>
-          </p:nvPr>
-        </p:nvSpPr>
-        <p:spPr/>
-        <p:txBody>
-          <a:bodyPr/>
-          <a:lstStyle/>
-          <a:p>
-            <a:fld id="{1C72BD4E-61B2-40A3-A75C-5FDEDE8E5EC5}" type="datetime1">
-              <a:rPr lang="de-DE" smtClean="0"/>
-              <a:pPr/>
-              <a:t>16.06.2015</a:t>
-            </a:fld>
-            <a:endParaRPr lang="de-DE"/>
-          </a:p>
-        </p:txBody>
-      </p:sp>
-      <p:sp>
-        <p:nvSpPr>
-          <p:cNvPr id="5" name="Fußzeilenplatzhalter 4"/>
-          <p:cNvSpPr>
-            <a:spLocks noGrp="1"/>
-          </p:cNvSpPr>
-          <p:nvPr>
-            <p:ph type="ftr" sz="quarter" idx="11"/>
-          </p:nvPr>
-        </p:nvSpPr>
-        <p:spPr/>
-        <p:txBody>
-          <a:bodyPr/>
-          <a:lstStyle/>
-          <a:p>
-            <a:r>
-              <a:rPr lang="de-DE" dirty="0" smtClean="0"/>
-              <a:t>FM-Synthese</a:t>
-            </a:r>
-            <a:endParaRPr lang="de-DE" dirty="0"/>
-          </a:p>
-        </p:txBody>
-      </p:sp>
-      <p:sp>
-        <p:nvSpPr>
-          <p:cNvPr id="6" name="Foliennummernplatzhalter 5"/>
-          <p:cNvSpPr>
-            <a:spLocks noGrp="1"/>
-          </p:cNvSpPr>
-          <p:nvPr>
-            <p:ph type="sldNum" sz="quarter" idx="12"/>
-          </p:nvPr>
-        </p:nvSpPr>
-        <p:spPr/>
-        <p:txBody>
-          <a:bodyPr/>
-          <a:lstStyle/>
-          <a:p>
-            <a:fld id="{6C6AE60A-B69C-4790-82F7-3882EDF23186}" type="slidenum">
-              <a:rPr lang="de-DE" smtClean="0"/>
-              <a:pPr/>
-              <a:t>21</a:t>
-            </a:fld>
-            <a:endParaRPr lang="de-DE" dirty="0"/>
-          </a:p>
-        </p:txBody>
-      </p:sp>
-      <p:pic>
-        <p:nvPicPr>
-          <p:cNvPr id="31746" name="Picture 2" descr="D:\Julius\Documents\GitHub\VSeminar\Dok\Kapitel\img\Unit_Circle.PNG"/>
-          <p:cNvPicPr>
-            <a:picLocks noChangeAspect="1" noChangeArrowheads="1"/>
-          </p:cNvPicPr>
-          <p:nvPr/>
-        </p:nvPicPr>
-        <p:blipFill>
-          <a:blip r:embed="rId3" cstate="print"/>
-          <a:srcRect/>
-          <a:stretch>
-            <a:fillRect/>
-          </a:stretch>
-        </p:blipFill>
-        <p:spPr bwMode="auto">
-          <a:xfrm>
-            <a:off x="4572000" y="339502"/>
-            <a:ext cx="4256587" cy="4176464"/>
-          </a:xfrm>
-          <a:prstGeom prst="rect">
-            <a:avLst/>
-          </a:prstGeom>
-          <a:noFill/>
-        </p:spPr>
-      </p:pic>
-      <p:sp>
-        <p:nvSpPr>
-          <p:cNvPr id="8" name="Rechteck 7"/>
-          <p:cNvSpPr/>
-          <p:nvPr/>
-        </p:nvSpPr>
-        <p:spPr>
-          <a:xfrm>
-            <a:off x="611560" y="195486"/>
-            <a:ext cx="5016053" cy="523220"/>
-          </a:xfrm>
-          <a:prstGeom prst="rect">
-            <a:avLst/>
-          </a:prstGeom>
-        </p:spPr>
-        <p:txBody>
-          <a:bodyPr wrap="none">
-            <a:spAutoFit/>
-          </a:bodyPr>
-          <a:lstStyle/>
-          <a:p>
-            <a:pPr>
-              <a:buNone/>
-            </a:pPr>
-            <a:r>
-              <a:rPr lang="de-DE" sz="2800" dirty="0" smtClean="0">
-                <a:latin typeface="Lato" pitchFamily="34" charset="0"/>
-              </a:rPr>
-              <a:t>Grundlagen: Sinus und Kosinus</a:t>
-            </a:r>
-          </a:p>
-        </p:txBody>
-      </p:sp>
-      <p:sp>
-        <p:nvSpPr>
-          <p:cNvPr id="9" name="Inhaltsplatzhalter 2"/>
-          <p:cNvSpPr>
-            <a:spLocks noGrp="1"/>
-          </p:cNvSpPr>
-          <p:nvPr>
-            <p:ph idx="1"/>
-          </p:nvPr>
-        </p:nvSpPr>
-        <p:spPr>
-          <a:xfrm>
-            <a:off x="457200" y="1200151"/>
-            <a:ext cx="8229600" cy="3394472"/>
-          </a:xfrm>
-        </p:spPr>
-        <p:txBody>
-          <a:bodyPr/>
-          <a:lstStyle/>
-          <a:p>
-            <a:pPr>
-              <a:buNone/>
-            </a:pPr>
-            <a:r>
-              <a:rPr lang="de-DE" sz="2000" dirty="0" smtClean="0">
-                <a:latin typeface="Lato" pitchFamily="34" charset="0"/>
-              </a:rPr>
-              <a:t>	</a:t>
-            </a:r>
-          </a:p>
-        </p:txBody>
-      </p:sp>
-      <p:graphicFrame>
-        <p:nvGraphicFramePr>
-          <p:cNvPr id="11" name="Objekt 10"/>
-          <p:cNvGraphicFramePr>
-            <a:graphicFrameLocks noChangeAspect="1"/>
-          </p:cNvGraphicFramePr>
-          <p:nvPr/>
-        </p:nvGraphicFramePr>
-        <p:xfrm>
-          <a:off x="2652713" y="1341438"/>
-          <a:ext cx="114300" cy="215900"/>
-        </p:xfrm>
-        <a:graphic>
-          <a:graphicData uri="http://schemas.openxmlformats.org/presentationml/2006/ole">
-            <mc:AlternateContent xmlns:mc="http://schemas.openxmlformats.org/markup-compatibility/2006">
-              <mc:Choice xmlns:v="urn:schemas-microsoft-com:vml" Requires="v">
-                <p:oleObj spid="_x0000_s32776" name="Formel" r:id="rId4" imgW="114120" imgH="215640" progId="Equation.3">
-                  <p:embed/>
-                </p:oleObj>
-              </mc:Choice>
-              <mc:Fallback>
-                <p:oleObj name="Formel" r:id="rId4" imgW="114120" imgH="215640" progId="Equation.3">
-                  <p:embed/>
-                  <p:pic>
-                    <p:nvPicPr>
-                      <p:cNvPr id="0" name="Picture 2"/>
-                      <p:cNvPicPr>
-                        <a:picLocks noChangeAspect="1" noChangeArrowheads="1"/>
-                      </p:cNvPicPr>
-                      <p:nvPr/>
-                    </p:nvPicPr>
-                    <p:blipFill>
-                      <a:blip r:embed="rId5">
-                        <a:extLst>
-                          <a:ext uri="{28A0092B-C50C-407E-A947-70E740481C1C}">
-                            <a14:useLocalDpi xmlns:a14="http://schemas.microsoft.com/office/drawing/2010/main" val="0"/>
-                          </a:ext>
-                        </a:extLst>
-                      </a:blip>
-                      <a:srcRect/>
-                      <a:stretch>
-                        <a:fillRect/>
-                      </a:stretch>
-                    </p:blipFill>
-                    <p:spPr bwMode="auto">
-                      <a:xfrm>
-                        <a:off x="2652713" y="1341438"/>
-                        <a:ext cx="114300" cy="215900"/>
-                      </a:xfrm>
-                      <a:prstGeom prst="rect">
-                        <a:avLst/>
-                      </a:prstGeom>
-                      <a:noFill/>
-                      <a:extLst>
-                        <a:ext uri="{909E8E84-426E-40DD-AFC4-6F175D3DCCD1}">
-                          <a14:hiddenFill xmlns:a14="http://schemas.microsoft.com/office/drawing/2010/main">
-                            <a:solidFill>
-                              <a:srgbClr val="FFFFFF"/>
-                            </a:solidFill>
-                          </a14:hiddenFill>
-                        </a:ext>
-                      </a:extLst>
-                    </p:spPr>
-                  </p:pic>
-                </p:oleObj>
-              </mc:Fallback>
-            </mc:AlternateContent>
-          </a:graphicData>
-        </a:graphic>
-      </p:graphicFrame>
-      <p:sp>
-        <p:nvSpPr>
-          <p:cNvPr id="12" name="Inhaltsplatzhalter 2"/>
-          <p:cNvSpPr txBox="1">
-            <a:spLocks/>
-          </p:cNvSpPr>
-          <p:nvPr/>
-        </p:nvSpPr>
-        <p:spPr>
-          <a:xfrm>
-            <a:off x="609600" y="1352550"/>
-            <a:ext cx="8229600" cy="3595463"/>
-          </a:xfrm>
-          <a:prstGeom prst="rect">
-            <a:avLst/>
-          </a:prstGeom>
-        </p:spPr>
-        <p:txBody>
-          <a:bodyPr vert="horz" lIns="91440" tIns="45720" rIns="91440" bIns="45720" rtlCol="0">
-            <a:normAutofit/>
-          </a:bodyPr>
-          <a:lstStyle/>
-          <a:p>
-            <a:pPr marL="342900" marR="0" lvl="0" indent="-342900" algn="l" defTabSz="914400" rtl="0" eaLnBrk="1" fontAlgn="auto" latinLnBrk="0" hangingPunct="1">
-              <a:lnSpc>
-                <a:spcPct val="100000"/>
-              </a:lnSpc>
-              <a:spcBef>
-                <a:spcPct val="20000"/>
-              </a:spcBef>
-              <a:spcAft>
-                <a:spcPts val="0"/>
-              </a:spcAft>
-              <a:buClrTx/>
-              <a:buSzTx/>
-              <a:buFont typeface="Arial" pitchFamily="34" charset="0"/>
-              <a:buChar char="•"/>
-              <a:tabLst/>
-              <a:defRPr/>
-            </a:pPr>
-            <a:r>
-              <a:rPr lang="de-DE" sz="2000" noProof="0" dirty="0" smtClean="0">
-                <a:latin typeface="Lato" pitchFamily="34" charset="0"/>
-              </a:rPr>
-              <a:t>Winkelangabe im Bogenmaß</a:t>
-            </a:r>
-          </a:p>
-          <a:p>
-            <a:pPr marL="342900" marR="0" lvl="0" indent="-342900" algn="l" defTabSz="914400" rtl="0" eaLnBrk="1" fontAlgn="auto" latinLnBrk="0" hangingPunct="1">
-              <a:lnSpc>
-                <a:spcPct val="100000"/>
-              </a:lnSpc>
-              <a:spcBef>
-                <a:spcPct val="20000"/>
-              </a:spcBef>
-              <a:spcAft>
-                <a:spcPts val="0"/>
-              </a:spcAft>
-              <a:buClrTx/>
-              <a:buSzTx/>
-              <a:buFont typeface="Arial" pitchFamily="34" charset="0"/>
-              <a:buChar char="•"/>
-              <a:tabLst/>
-              <a:defRPr/>
-            </a:pPr>
-            <a:r>
-              <a:rPr lang="de-DE" sz="2000" noProof="0" dirty="0" smtClean="0">
-                <a:latin typeface="Lato" pitchFamily="34" charset="0"/>
-              </a:rPr>
-              <a:t>Angabe des abgelaufenen Bogens</a:t>
-            </a:r>
-          </a:p>
-          <a:p>
-            <a:pPr marL="342900" marR="0" lvl="0" indent="-342900" algn="l" defTabSz="914400" rtl="0" eaLnBrk="1" fontAlgn="auto" latinLnBrk="0" hangingPunct="1">
-              <a:lnSpc>
-                <a:spcPct val="100000"/>
-              </a:lnSpc>
-              <a:spcBef>
-                <a:spcPct val="20000"/>
-              </a:spcBef>
-              <a:spcAft>
-                <a:spcPts val="0"/>
-              </a:spcAft>
-              <a:buClrTx/>
-              <a:buSzTx/>
-              <a:buFont typeface="Arial" pitchFamily="34" charset="0"/>
-              <a:buChar char="•"/>
-              <a:tabLst/>
-              <a:defRPr/>
-            </a:pPr>
-            <a:endParaRPr lang="de-DE" sz="2000" noProof="0" dirty="0" smtClean="0">
-              <a:latin typeface="Lato" pitchFamily="34" charset="0"/>
-            </a:endParaRPr>
-          </a:p>
-          <a:p>
-            <a:pPr marL="342900" lvl="0" indent="-342900">
-              <a:spcBef>
-                <a:spcPct val="20000"/>
-              </a:spcBef>
-              <a:buFont typeface="Arial" pitchFamily="34" charset="0"/>
-              <a:buChar char="•"/>
-            </a:pPr>
-            <a:r>
-              <a:rPr kumimoji="0" lang="de-DE" sz="2000" b="0" i="0" u="none" strike="noStrike" kern="1200" cap="none" spc="0" normalizeH="0" baseline="0" noProof="0" dirty="0" smtClean="0">
-                <a:ln>
-                  <a:noFill/>
-                </a:ln>
-                <a:solidFill>
-                  <a:schemeClr val="tx1"/>
-                </a:solidFill>
-                <a:effectLst/>
-                <a:uLnTx/>
-                <a:uFillTx/>
-                <a:latin typeface="Lato" pitchFamily="34" charset="0"/>
-              </a:rPr>
-              <a:t>Bogenmaß</a:t>
-            </a:r>
-            <a:r>
-              <a:rPr kumimoji="0" lang="de-DE" sz="2000" b="0" i="0" u="none" strike="noStrike" kern="1200" cap="none" spc="0" normalizeH="0" noProof="0" dirty="0" smtClean="0">
-                <a:ln>
-                  <a:noFill/>
-                </a:ln>
-                <a:solidFill>
-                  <a:schemeClr val="tx1"/>
-                </a:solidFill>
-                <a:effectLst/>
-                <a:uLnTx/>
-                <a:uFillTx/>
-                <a:latin typeface="Lato" pitchFamily="34" charset="0"/>
-              </a:rPr>
-              <a:t> </a:t>
-            </a:r>
-            <a:r>
-              <a:rPr lang="el-GR" sz="2000" b="1" dirty="0" smtClean="0">
-                <a:latin typeface="Lato" pitchFamily="34" charset="0"/>
-              </a:rPr>
-              <a:t>π</a:t>
-            </a:r>
-            <a:r>
-              <a:rPr lang="de-DE" sz="2000" b="1" dirty="0" smtClean="0">
-                <a:latin typeface="Lato" pitchFamily="34" charset="0"/>
-              </a:rPr>
-              <a:t>: </a:t>
-            </a:r>
-          </a:p>
-          <a:p>
-            <a:pPr marL="342900" lvl="0" indent="-342900">
-              <a:spcBef>
-                <a:spcPct val="20000"/>
-              </a:spcBef>
-            </a:pPr>
-            <a:r>
-              <a:rPr lang="de-DE" sz="2000" b="1" dirty="0" smtClean="0">
-                <a:latin typeface="Lato" pitchFamily="34" charset="0"/>
-              </a:rPr>
-              <a:t>	</a:t>
-            </a:r>
-            <a:r>
-              <a:rPr lang="de-DE" sz="2000" dirty="0" smtClean="0">
-                <a:latin typeface="Lato" pitchFamily="34" charset="0"/>
-              </a:rPr>
-              <a:t>Halbe Umdrehung</a:t>
-            </a:r>
-          </a:p>
-          <a:p>
-            <a:pPr marL="342900" lvl="0" indent="-342900">
-              <a:spcBef>
-                <a:spcPct val="20000"/>
-              </a:spcBef>
-            </a:pPr>
-            <a:endParaRPr lang="de-DE" sz="2000" dirty="0" smtClean="0">
-              <a:latin typeface="Lato" pitchFamily="34" charset="0"/>
-            </a:endParaRPr>
-          </a:p>
-          <a:p>
-            <a:pPr marL="342900" indent="-342900">
-              <a:spcBef>
-                <a:spcPct val="20000"/>
-              </a:spcBef>
-              <a:buFont typeface="Arial" pitchFamily="34" charset="0"/>
-              <a:buChar char="•"/>
-            </a:pPr>
-            <a:r>
-              <a:rPr lang="de-DE" sz="2000" dirty="0" smtClean="0">
-                <a:latin typeface="Lato" pitchFamily="34" charset="0"/>
-              </a:rPr>
-              <a:t>Bogenmaß 2</a:t>
-            </a:r>
-            <a:r>
-              <a:rPr lang="el-GR" sz="2000" b="1" dirty="0" smtClean="0">
-                <a:latin typeface="Lato" pitchFamily="34" charset="0"/>
-              </a:rPr>
-              <a:t>π</a:t>
-            </a:r>
-            <a:r>
-              <a:rPr lang="de-DE" sz="2000" b="1" dirty="0" smtClean="0">
-                <a:latin typeface="Lato" pitchFamily="34" charset="0"/>
-              </a:rPr>
-              <a:t>: </a:t>
-            </a:r>
-          </a:p>
-          <a:p>
-            <a:pPr marL="342900" indent="-342900">
-              <a:spcBef>
-                <a:spcPct val="20000"/>
-              </a:spcBef>
-            </a:pPr>
-            <a:r>
-              <a:rPr lang="de-DE" sz="2000" b="1" dirty="0" smtClean="0">
-                <a:latin typeface="Lato" pitchFamily="34" charset="0"/>
-              </a:rPr>
-              <a:t>	</a:t>
-            </a:r>
-            <a:r>
-              <a:rPr lang="de-DE" sz="2000" dirty="0" smtClean="0">
-                <a:latin typeface="Lato" pitchFamily="34" charset="0"/>
-              </a:rPr>
-              <a:t>Ganze Umdrehung</a:t>
-            </a:r>
-          </a:p>
-          <a:p>
-            <a:pPr marL="342900" lvl="0" indent="-342900">
-              <a:spcBef>
-                <a:spcPct val="20000"/>
-              </a:spcBef>
-              <a:buFont typeface="Arial" pitchFamily="34" charset="0"/>
-              <a:buChar char="•"/>
-            </a:pPr>
-            <a:endParaRPr kumimoji="0" lang="de-DE" sz="2000" i="0" u="none" strike="noStrike" kern="1200" cap="none" spc="0" normalizeH="0" baseline="0" noProof="0" dirty="0" smtClean="0">
-              <a:ln>
-                <a:noFill/>
-              </a:ln>
-              <a:solidFill>
-                <a:schemeClr val="tx1"/>
-              </a:solidFill>
-              <a:effectLst/>
-              <a:uLnTx/>
-              <a:uFillTx/>
-              <a:latin typeface="Lato" pitchFamily="34" charset="0"/>
-            </a:endParaRPr>
-          </a:p>
-          <a:p>
-            <a:pPr marL="342900" marR="0" lvl="0" indent="-342900" algn="l" defTabSz="914400" rtl="0" eaLnBrk="1" fontAlgn="auto" latinLnBrk="0" hangingPunct="1">
-              <a:lnSpc>
-                <a:spcPct val="100000"/>
-              </a:lnSpc>
-              <a:spcBef>
-                <a:spcPct val="20000"/>
-              </a:spcBef>
-              <a:spcAft>
-                <a:spcPts val="0"/>
-              </a:spcAft>
-              <a:buClrTx/>
-              <a:buSzTx/>
-              <a:tabLst/>
-              <a:defRPr/>
-            </a:pPr>
-            <a:endParaRPr kumimoji="0" lang="de-DE" sz="2000" b="0" i="0" u="none" strike="noStrike" kern="1200" cap="none" spc="0" normalizeH="0" baseline="0" noProof="0" dirty="0" smtClean="0">
-              <a:ln>
-                <a:noFill/>
-              </a:ln>
-              <a:solidFill>
-                <a:schemeClr val="tx1"/>
-              </a:solidFill>
-              <a:effectLst/>
-              <a:uLnTx/>
-              <a:uFillTx/>
-              <a:latin typeface="Lato" pitchFamily="34" charset="0"/>
-              <a:ea typeface="+mn-ea"/>
-              <a:cs typeface="+mn-cs"/>
-            </a:endParaRPr>
-          </a:p>
-        </p:txBody>
-      </p:sp>
-      <p:graphicFrame>
-        <p:nvGraphicFramePr>
           <p:cNvPr id="16" name="Objekt 15"/>
           <p:cNvGraphicFramePr>
             <a:graphicFrameLocks noChangeAspect="1"/>
@@ -7376,12 +7013,12 @@
           <a:graphicData uri="http://schemas.openxmlformats.org/presentationml/2006/ole">
             <mc:AlternateContent xmlns:mc="http://schemas.openxmlformats.org/markup-compatibility/2006">
               <mc:Choice xmlns:v="urn:schemas-microsoft-com:vml" Requires="v">
-                <p:oleObj spid="_x0000_s32777" name="Formel" r:id="rId6" imgW="114120" imgH="215640" progId="Equation.3">
+                <p:oleObj spid="_x0000_s32869" name="Formel" r:id="rId8" imgW="114120" imgH="215640" progId="Equation.3">
                   <p:embed/>
                 </p:oleObj>
               </mc:Choice>
               <mc:Fallback>
-                <p:oleObj name="Formel" r:id="rId6" imgW="114120" imgH="215640" progId="Equation.3">
+                <p:oleObj name="Formel" r:id="rId8" imgW="114120" imgH="215640" progId="Equation.3">
                   <p:embed/>
                   <p:pic>
                     <p:nvPicPr>
@@ -7392,7 +7029,7 @@
                       <p:nvPr/>
                     </p:nvPicPr>
                     <p:blipFill>
-                      <a:blip r:embed="rId5">
+                      <a:blip r:embed="rId7">
                         <a:extLst>
                           <a:ext uri="{28A0092B-C50C-407E-A947-70E740481C1C}">
                             <a14:useLocalDpi xmlns:a14="http://schemas.microsoft.com/office/drawing/2010/main" val="0"/>
@@ -7430,6 +7067,363 @@
           </a:graphicData>
         </a:graphic>
       </p:graphicFrame>
+      <p:grpSp>
+        <p:nvGrpSpPr>
+          <p:cNvPr id="2" name="Gruppieren 1"/>
+          <p:cNvGrpSpPr/>
+          <p:nvPr/>
+        </p:nvGrpSpPr>
+        <p:grpSpPr>
+          <a:xfrm>
+            <a:off x="609600" y="1352550"/>
+            <a:ext cx="8229600" cy="3595463"/>
+            <a:chOff x="609600" y="1352550"/>
+            <a:chExt cx="8229600" cy="3595463"/>
+          </a:xfrm>
+        </p:grpSpPr>
+        <p:sp>
+          <p:nvSpPr>
+            <p:cNvPr id="12" name="Inhaltsplatzhalter 2"/>
+            <p:cNvSpPr txBox="1">
+              <a:spLocks/>
+            </p:cNvSpPr>
+            <p:nvPr/>
+          </p:nvSpPr>
+          <p:spPr>
+            <a:xfrm>
+              <a:off x="609600" y="1352550"/>
+              <a:ext cx="8229600" cy="3595463"/>
+            </a:xfrm>
+            <a:prstGeom prst="rect">
+              <a:avLst/>
+            </a:prstGeom>
+          </p:spPr>
+          <p:txBody>
+            <a:bodyPr vert="horz" lIns="91440" tIns="45720" rIns="91440" bIns="45720" rtlCol="0">
+              <a:normAutofit/>
+            </a:bodyPr>
+            <a:lstStyle/>
+            <a:p>
+              <a:pPr marL="342900" marR="0" lvl="0" indent="-342900" algn="l" defTabSz="914400" rtl="0" eaLnBrk="1" fontAlgn="auto" latinLnBrk="0" hangingPunct="1">
+                <a:lnSpc>
+                  <a:spcPct val="100000"/>
+                </a:lnSpc>
+                <a:spcBef>
+                  <a:spcPct val="20000"/>
+                </a:spcBef>
+                <a:spcAft>
+                  <a:spcPts val="0"/>
+                </a:spcAft>
+                <a:buClrTx/>
+                <a:buSzTx/>
+                <a:buFont typeface="Arial" pitchFamily="34" charset="0"/>
+                <a:buChar char="•"/>
+                <a:tabLst/>
+                <a:defRPr/>
+              </a:pPr>
+              <a:r>
+                <a:rPr lang="de-DE" sz="2000" noProof="0" dirty="0" smtClean="0">
+                  <a:latin typeface="Lato" pitchFamily="34" charset="0"/>
+                </a:rPr>
+                <a:t>Winkelangabe im Bogenmaß</a:t>
+              </a:r>
+            </a:p>
+            <a:p>
+              <a:pPr marL="342900" marR="0" lvl="0" indent="-342900" algn="l" defTabSz="914400" rtl="0" eaLnBrk="1" fontAlgn="auto" latinLnBrk="0" hangingPunct="1">
+                <a:lnSpc>
+                  <a:spcPct val="100000"/>
+                </a:lnSpc>
+                <a:spcBef>
+                  <a:spcPct val="20000"/>
+                </a:spcBef>
+                <a:spcAft>
+                  <a:spcPts val="0"/>
+                </a:spcAft>
+                <a:buClrTx/>
+                <a:buSzTx/>
+                <a:buFont typeface="Arial" pitchFamily="34" charset="0"/>
+                <a:buChar char="•"/>
+                <a:tabLst/>
+                <a:defRPr/>
+              </a:pPr>
+              <a:r>
+                <a:rPr lang="de-DE" sz="2000" noProof="0" dirty="0" smtClean="0">
+                  <a:latin typeface="Lato" pitchFamily="34" charset="0"/>
+                </a:rPr>
+                <a:t>Angabe des abgelaufenen Bogens</a:t>
+              </a:r>
+            </a:p>
+            <a:p>
+              <a:pPr marL="342900" marR="0" lvl="0" indent="-342900" algn="l" defTabSz="914400" rtl="0" eaLnBrk="1" fontAlgn="auto" latinLnBrk="0" hangingPunct="1">
+                <a:lnSpc>
+                  <a:spcPct val="100000"/>
+                </a:lnSpc>
+                <a:spcBef>
+                  <a:spcPct val="20000"/>
+                </a:spcBef>
+                <a:spcAft>
+                  <a:spcPts val="0"/>
+                </a:spcAft>
+                <a:buClrTx/>
+                <a:buSzTx/>
+                <a:buFont typeface="Arial" pitchFamily="34" charset="0"/>
+                <a:buChar char="•"/>
+                <a:tabLst/>
+                <a:defRPr/>
+              </a:pPr>
+              <a:endParaRPr lang="de-DE" sz="2000" noProof="0" dirty="0" smtClean="0">
+                <a:latin typeface="Lato" pitchFamily="34" charset="0"/>
+              </a:endParaRPr>
+            </a:p>
+            <a:p>
+              <a:pPr marL="342900" lvl="0" indent="-342900">
+                <a:spcBef>
+                  <a:spcPct val="20000"/>
+                </a:spcBef>
+                <a:buFont typeface="Arial" pitchFamily="34" charset="0"/>
+                <a:buChar char="•"/>
+              </a:pPr>
+              <a:r>
+                <a:rPr kumimoji="0" lang="de-DE" sz="2000" b="0" i="0" u="none" strike="noStrike" kern="1200" cap="none" spc="0" normalizeH="0" baseline="0" noProof="0" dirty="0" smtClean="0">
+                  <a:ln>
+                    <a:noFill/>
+                  </a:ln>
+                  <a:solidFill>
+                    <a:schemeClr val="tx1"/>
+                  </a:solidFill>
+                  <a:effectLst/>
+                  <a:uLnTx/>
+                  <a:uFillTx/>
+                  <a:latin typeface="Lato" pitchFamily="34" charset="0"/>
+                </a:rPr>
+                <a:t>Bogenmaß</a:t>
+              </a:r>
+              <a:r>
+                <a:rPr kumimoji="0" lang="de-DE" sz="2000" b="0" i="0" u="none" strike="noStrike" kern="1200" cap="none" spc="0" normalizeH="0" noProof="0" dirty="0" smtClean="0">
+                  <a:ln>
+                    <a:noFill/>
+                  </a:ln>
+                  <a:solidFill>
+                    <a:schemeClr val="tx1"/>
+                  </a:solidFill>
+                  <a:effectLst/>
+                  <a:uLnTx/>
+                  <a:uFillTx/>
+                  <a:latin typeface="Lato" pitchFamily="34" charset="0"/>
+                </a:rPr>
+                <a:t> </a:t>
+              </a:r>
+              <a:r>
+                <a:rPr lang="de-DE" sz="2000" b="1" noProof="0" dirty="0">
+                  <a:latin typeface="Lato" pitchFamily="34" charset="0"/>
+                </a:rPr>
+                <a:t> </a:t>
+              </a:r>
+              <a:r>
+                <a:rPr lang="de-DE" sz="2000" b="1" noProof="0" dirty="0" smtClean="0">
+                  <a:latin typeface="Lato" pitchFamily="34" charset="0"/>
+                </a:rPr>
+                <a:t> </a:t>
+              </a:r>
+              <a:r>
+                <a:rPr lang="de-DE" sz="2000" b="1" dirty="0" smtClean="0">
+                  <a:latin typeface="Lato" pitchFamily="34" charset="0"/>
+                </a:rPr>
+                <a:t>  : </a:t>
+              </a:r>
+            </a:p>
+            <a:p>
+              <a:pPr marL="342900" lvl="0" indent="-342900">
+                <a:spcBef>
+                  <a:spcPct val="20000"/>
+                </a:spcBef>
+              </a:pPr>
+              <a:r>
+                <a:rPr lang="de-DE" sz="2000" b="1" dirty="0" smtClean="0">
+                  <a:latin typeface="Lato" pitchFamily="34" charset="0"/>
+                </a:rPr>
+                <a:t>	</a:t>
+              </a:r>
+              <a:r>
+                <a:rPr lang="de-DE" sz="2000" dirty="0" smtClean="0">
+                  <a:latin typeface="Lato" pitchFamily="34" charset="0"/>
+                </a:rPr>
+                <a:t>Halbe Umdrehung</a:t>
+              </a:r>
+            </a:p>
+            <a:p>
+              <a:pPr marL="342900" lvl="0" indent="-342900">
+                <a:spcBef>
+                  <a:spcPct val="20000"/>
+                </a:spcBef>
+              </a:pPr>
+              <a:endParaRPr lang="de-DE" sz="2000" dirty="0" smtClean="0">
+                <a:latin typeface="Lato" pitchFamily="34" charset="0"/>
+              </a:endParaRPr>
+            </a:p>
+            <a:p>
+              <a:pPr marL="342900" indent="-342900">
+                <a:spcBef>
+                  <a:spcPct val="20000"/>
+                </a:spcBef>
+                <a:buFont typeface="Arial" pitchFamily="34" charset="0"/>
+                <a:buChar char="•"/>
+              </a:pPr>
+              <a:r>
+                <a:rPr lang="de-DE" sz="2000" dirty="0" smtClean="0">
+                  <a:latin typeface="Lato" pitchFamily="34" charset="0"/>
+                </a:rPr>
+                <a:t>Bogenmaß 2    </a:t>
+              </a:r>
+              <a:r>
+                <a:rPr lang="de-DE" sz="2000" b="1" dirty="0" smtClean="0">
+                  <a:latin typeface="Lato" pitchFamily="34" charset="0"/>
+                </a:rPr>
+                <a:t>: </a:t>
+              </a:r>
+            </a:p>
+            <a:p>
+              <a:pPr marL="342900" indent="-342900">
+                <a:spcBef>
+                  <a:spcPct val="20000"/>
+                </a:spcBef>
+              </a:pPr>
+              <a:r>
+                <a:rPr lang="de-DE" sz="2000" b="1" dirty="0" smtClean="0">
+                  <a:latin typeface="Lato" pitchFamily="34" charset="0"/>
+                </a:rPr>
+                <a:t>	</a:t>
+              </a:r>
+              <a:r>
+                <a:rPr lang="de-DE" sz="2000" dirty="0" smtClean="0">
+                  <a:latin typeface="Lato" pitchFamily="34" charset="0"/>
+                </a:rPr>
+                <a:t>Ganze Umdrehung</a:t>
+              </a:r>
+            </a:p>
+            <a:p>
+              <a:pPr marL="342900" lvl="0" indent="-342900">
+                <a:spcBef>
+                  <a:spcPct val="20000"/>
+                </a:spcBef>
+                <a:buFont typeface="Arial" pitchFamily="34" charset="0"/>
+                <a:buChar char="•"/>
+              </a:pPr>
+              <a:endParaRPr kumimoji="0" lang="de-DE" sz="2000" i="0" u="none" strike="noStrike" kern="1200" cap="none" spc="0" normalizeH="0" baseline="0" noProof="0" dirty="0" smtClean="0">
+                <a:ln>
+                  <a:noFill/>
+                </a:ln>
+                <a:solidFill>
+                  <a:schemeClr val="tx1"/>
+                </a:solidFill>
+                <a:effectLst/>
+                <a:uLnTx/>
+                <a:uFillTx/>
+                <a:latin typeface="Lato" pitchFamily="34" charset="0"/>
+              </a:endParaRPr>
+            </a:p>
+            <a:p>
+              <a:pPr marL="342900" marR="0" lvl="0" indent="-342900" algn="l" defTabSz="914400" rtl="0" eaLnBrk="1" fontAlgn="auto" latinLnBrk="0" hangingPunct="1">
+                <a:lnSpc>
+                  <a:spcPct val="100000"/>
+                </a:lnSpc>
+                <a:spcBef>
+                  <a:spcPct val="20000"/>
+                </a:spcBef>
+                <a:spcAft>
+                  <a:spcPts val="0"/>
+                </a:spcAft>
+                <a:buClrTx/>
+                <a:buSzTx/>
+                <a:tabLst/>
+                <a:defRPr/>
+              </a:pPr>
+              <a:endParaRPr kumimoji="0" lang="de-DE" sz="2000" b="0" i="0" u="none" strike="noStrike" kern="1200" cap="none" spc="0" normalizeH="0" baseline="0" noProof="0" dirty="0" smtClean="0">
+                <a:ln>
+                  <a:noFill/>
+                </a:ln>
+                <a:solidFill>
+                  <a:schemeClr val="tx1"/>
+                </a:solidFill>
+                <a:effectLst/>
+                <a:uLnTx/>
+                <a:uFillTx/>
+                <a:latin typeface="Lato" pitchFamily="34" charset="0"/>
+                <a:ea typeface="+mn-ea"/>
+                <a:cs typeface="+mn-cs"/>
+              </a:endParaRPr>
+            </a:p>
+          </p:txBody>
+        </p:sp>
+        <p:pic>
+          <p:nvPicPr>
+            <p:cNvPr id="7" name="Grafik 6"/>
+            <p:cNvPicPr>
+              <a:picLocks noChangeAspect="1"/>
+            </p:cNvPicPr>
+            <p:nvPr>
+              <p:custDataLst>
+                <p:tags r:id="rId2"/>
+              </p:custDataLst>
+            </p:nvPr>
+          </p:nvPicPr>
+          <p:blipFill>
+            <a:blip r:embed="rId9" cstate="print">
+              <a:extLst>
+                <a:ext uri="{28A0092B-C50C-407E-A947-70E740481C1C}">
+                  <a14:useLocalDpi xmlns:a14="http://schemas.microsoft.com/office/drawing/2010/main" val="0"/>
+                </a:ext>
+              </a:extLst>
+            </a:blip>
+            <a:stretch>
+              <a:fillRect/>
+            </a:stretch>
+          </p:blipFill>
+          <p:spPr>
+            <a:xfrm>
+              <a:off x="2315303" y="2612939"/>
+              <a:ext cx="164615" cy="133521"/>
+            </a:xfrm>
+            <a:prstGeom prst="rect">
+              <a:avLst/>
+            </a:prstGeom>
+          </p:spPr>
+        </p:pic>
+        <p:pic>
+          <p:nvPicPr>
+            <p:cNvPr id="14" name="Grafik 13"/>
+            <p:cNvPicPr>
+              <a:picLocks noChangeAspect="1"/>
+            </p:cNvPicPr>
+            <p:nvPr>
+              <p:custDataLst>
+                <p:tags r:id="rId3"/>
+              </p:custDataLst>
+            </p:nvPr>
+          </p:nvPicPr>
+          <p:blipFill>
+            <a:blip r:embed="rId9" cstate="print">
+              <a:extLst>
+                <a:ext uri="{28A0092B-C50C-407E-A947-70E740481C1C}">
+                  <a14:useLocalDpi xmlns:a14="http://schemas.microsoft.com/office/drawing/2010/main" val="0"/>
+                </a:ext>
+              </a:extLst>
+            </a:blip>
+            <a:stretch>
+              <a:fillRect/>
+            </a:stretch>
+          </p:blipFill>
+          <p:spPr>
+            <a:xfrm>
+              <a:off x="2466612" y="3714013"/>
+              <a:ext cx="164615" cy="133521"/>
+            </a:xfrm>
+            <a:prstGeom prst="rect">
+              <a:avLst/>
+            </a:prstGeom>
+          </p:spPr>
+        </p:pic>
+      </p:grpSp>
     </p:spTree>
   </p:cSld>
   <p:clrMapOvr>
@@ -7472,15 +7466,19 @@
             <p:ph type="dt" sz="half" idx="10"/>
           </p:nvPr>
         </p:nvSpPr>
-        <p:spPr/>
+        <p:spPr>
+          <a:xfrm>
+            <a:off x="6588224" y="4876006"/>
+            <a:ext cx="2133600" cy="273844"/>
+          </a:xfrm>
+        </p:spPr>
         <p:txBody>
           <a:bodyPr/>
           <a:lstStyle/>
           <a:p>
-            <a:fld id="{1C72BD4E-61B2-40A3-A75C-5FDEDE8E5EC5}" type="datetime1">
-              <a:rPr lang="de-DE" smtClean="0"/>
-              <a:pPr/>
-              <a:t>16.06.2015</a:t>
+            <a:fld id="{C4F4BF9B-9A36-46DE-8B65-E62FB4C30526}" type="datetime1">
+              <a:rPr lang="de-DE" smtClean="0"/>
+              <a:t>17.06.2015</a:t>
             </a:fld>
             <a:endParaRPr lang="de-DE"/>
           </a:p>
@@ -7496,7 +7494,12 @@
             <p:ph type="ftr" sz="quarter" idx="11"/>
           </p:nvPr>
         </p:nvSpPr>
-        <p:spPr/>
+        <p:spPr>
+          <a:xfrm>
+            <a:off x="3131840" y="4876006"/>
+            <a:ext cx="2895600" cy="273844"/>
+          </a:xfrm>
+        </p:spPr>
         <p:txBody>
           <a:bodyPr/>
           <a:lstStyle/>
@@ -7519,7 +7522,12 @@
             <p:ph type="sldNum" sz="quarter" idx="12"/>
           </p:nvPr>
         </p:nvSpPr>
-        <p:spPr/>
+        <p:spPr>
+          <a:xfrm>
+            <a:off x="0" y="4869656"/>
+            <a:ext cx="467544" cy="273844"/>
+          </a:xfrm>
+        </p:spPr>
         <p:txBody>
           <a:bodyPr/>
           <a:lstStyle/>
@@ -7530,165 +7538,6 @@
               <a:t>22</a:t>
             </a:fld>
             <a:endParaRPr lang="de-DE" dirty="0"/>
-          </a:p>
-        </p:txBody>
-      </p:sp>
-      <p:sp>
-        <p:nvSpPr>
-          <p:cNvPr id="7" name="Inhaltsplatzhalter 2"/>
-          <p:cNvSpPr txBox="1">
-            <a:spLocks/>
-          </p:cNvSpPr>
-          <p:nvPr/>
-        </p:nvSpPr>
-        <p:spPr>
-          <a:xfrm>
-            <a:off x="609600" y="1352550"/>
-            <a:ext cx="8229600" cy="3595463"/>
-          </a:xfrm>
-          <a:prstGeom prst="rect">
-            <a:avLst/>
-          </a:prstGeom>
-        </p:spPr>
-        <p:txBody>
-          <a:bodyPr vert="horz" lIns="91440" tIns="45720" rIns="91440" bIns="45720" rtlCol="0">
-            <a:normAutofit/>
-          </a:bodyPr>
-          <a:lstStyle/>
-          <a:p>
-            <a:pPr marL="342900" marR="0" lvl="0" indent="-342900" algn="l" defTabSz="914400" rtl="0" eaLnBrk="1" fontAlgn="auto" latinLnBrk="0" hangingPunct="1">
-              <a:lnSpc>
-                <a:spcPct val="100000"/>
-              </a:lnSpc>
-              <a:spcBef>
-                <a:spcPct val="20000"/>
-              </a:spcBef>
-              <a:spcAft>
-                <a:spcPts val="0"/>
-              </a:spcAft>
-              <a:buClrTx/>
-              <a:buSzTx/>
-              <a:buFont typeface="Arial" pitchFamily="34" charset="0"/>
-              <a:buChar char="•"/>
-              <a:tabLst/>
-              <a:defRPr/>
-            </a:pPr>
-            <a:r>
-              <a:rPr lang="de-DE" sz="2000" dirty="0" smtClean="0">
-                <a:latin typeface="Lato" pitchFamily="34" charset="0"/>
-              </a:rPr>
-              <a:t>Festlegung der Ablaufgeschwindigkeit durch Faktor f</a:t>
-            </a:r>
-          </a:p>
-          <a:p>
-            <a:pPr marL="342900" marR="0" lvl="0" indent="-342900" algn="l" defTabSz="914400" rtl="0" eaLnBrk="1" fontAlgn="auto" latinLnBrk="0" hangingPunct="1">
-              <a:lnSpc>
-                <a:spcPct val="100000"/>
-              </a:lnSpc>
-              <a:spcBef>
-                <a:spcPct val="20000"/>
-              </a:spcBef>
-              <a:spcAft>
-                <a:spcPts val="0"/>
-              </a:spcAft>
-              <a:buClrTx/>
-              <a:buSzTx/>
-              <a:buFont typeface="Arial" pitchFamily="34" charset="0"/>
-              <a:buChar char="•"/>
-              <a:tabLst/>
-              <a:defRPr/>
-            </a:pPr>
-            <a:r>
-              <a:rPr lang="de-DE" sz="2000" dirty="0" smtClean="0">
-                <a:latin typeface="Lato" pitchFamily="34" charset="0"/>
-              </a:rPr>
-              <a:t>f = Frequenz</a:t>
-            </a:r>
-          </a:p>
-          <a:p>
-            <a:pPr marL="342900" lvl="0" indent="-342900">
-              <a:spcBef>
-                <a:spcPct val="20000"/>
-              </a:spcBef>
-              <a:buFont typeface="Arial" pitchFamily="34" charset="0"/>
-              <a:buChar char="•"/>
-            </a:pPr>
-            <a:r>
-              <a:rPr lang="de-DE" sz="2000" dirty="0" smtClean="0">
-                <a:latin typeface="Lato" pitchFamily="34" charset="0"/>
-              </a:rPr>
-              <a:t>Kreisfrequenz: 2</a:t>
-            </a:r>
-            <a:r>
-              <a:rPr lang="el-GR" sz="2000" b="1" dirty="0" smtClean="0">
-                <a:latin typeface="Lato" pitchFamily="34" charset="0"/>
-              </a:rPr>
-              <a:t>π</a:t>
-            </a:r>
-            <a:r>
-              <a:rPr lang="de-DE" sz="2000" b="1" dirty="0" smtClean="0">
-                <a:latin typeface="Lato" pitchFamily="34" charset="0"/>
-              </a:rPr>
-              <a:t> </a:t>
-            </a:r>
-            <a:r>
-              <a:rPr lang="de-DE" sz="2000" dirty="0" smtClean="0">
-                <a:latin typeface="Lato" pitchFamily="34" charset="0"/>
-              </a:rPr>
-              <a:t>* f</a:t>
-            </a:r>
-          </a:p>
-          <a:p>
-            <a:pPr marL="342900" lvl="0" indent="-342900">
-              <a:spcBef>
-                <a:spcPct val="20000"/>
-              </a:spcBef>
-              <a:buFont typeface="Arial" pitchFamily="34" charset="0"/>
-              <a:buChar char="•"/>
-            </a:pPr>
-            <a:endParaRPr kumimoji="0" lang="de-DE" sz="2000" i="0" u="none" strike="noStrike" kern="1200" cap="none" spc="0" normalizeH="0" baseline="0" noProof="0" dirty="0" smtClean="0">
-              <a:ln>
-                <a:noFill/>
-              </a:ln>
-              <a:solidFill>
-                <a:schemeClr val="tx1"/>
-              </a:solidFill>
-              <a:effectLst/>
-              <a:uLnTx/>
-              <a:uFillTx/>
-              <a:latin typeface="Lato" pitchFamily="34" charset="0"/>
-            </a:endParaRPr>
-          </a:p>
-          <a:p>
-            <a:pPr marL="342900" marR="0" lvl="0" indent="-342900" algn="l" defTabSz="914400" rtl="0" eaLnBrk="1" fontAlgn="auto" latinLnBrk="0" hangingPunct="1">
-              <a:lnSpc>
-                <a:spcPct val="100000"/>
-              </a:lnSpc>
-              <a:spcBef>
-                <a:spcPct val="20000"/>
-              </a:spcBef>
-              <a:spcAft>
-                <a:spcPts val="0"/>
-              </a:spcAft>
-              <a:buClrTx/>
-              <a:buSzTx/>
-              <a:tabLst/>
-              <a:defRPr/>
-            </a:pPr>
-            <a:endParaRPr kumimoji="0" lang="de-DE" sz="2000" b="0" i="0" u="none" strike="noStrike" kern="1200" cap="none" spc="0" normalizeH="0" baseline="0" noProof="0" dirty="0" smtClean="0">
-              <a:ln>
-                <a:noFill/>
-              </a:ln>
-              <a:solidFill>
-                <a:schemeClr val="tx1"/>
-              </a:solidFill>
-              <a:effectLst/>
-              <a:uLnTx/>
-              <a:uFillTx/>
-              <a:latin typeface="Lato" pitchFamily="34" charset="0"/>
-              <a:ea typeface="+mn-ea"/>
-              <a:cs typeface="+mn-cs"/>
-            </a:endParaRPr>
           </a:p>
         </p:txBody>
       </p:sp>
@@ -7734,7 +7583,7 @@
           <p:nvPr/>
         </p:nvPicPr>
         <p:blipFill>
-          <a:blip r:embed="rId2" cstate="print"/>
+          <a:blip r:embed="rId5" cstate="print"/>
           <a:srcRect/>
           <a:stretch>
             <a:fillRect/>
@@ -7751,6 +7600,270 @@
           <a:noFill/>
         </p:spPr>
       </p:pic>
+      <p:grpSp>
+        <p:nvGrpSpPr>
+          <p:cNvPr id="9" name="Gruppieren 8"/>
+          <p:cNvGrpSpPr/>
+          <p:nvPr/>
+        </p:nvGrpSpPr>
+        <p:grpSpPr>
+          <a:xfrm>
+            <a:off x="609600" y="1352550"/>
+            <a:ext cx="8229600" cy="3595463"/>
+            <a:chOff x="609600" y="1352550"/>
+            <a:chExt cx="8229600" cy="3595463"/>
+          </a:xfrm>
+        </p:grpSpPr>
+        <p:sp>
+          <p:nvSpPr>
+            <p:cNvPr id="7" name="Inhaltsplatzhalter 2"/>
+            <p:cNvSpPr txBox="1">
+              <a:spLocks/>
+            </p:cNvSpPr>
+            <p:nvPr/>
+          </p:nvSpPr>
+          <p:spPr>
+            <a:xfrm>
+              <a:off x="609600" y="1352550"/>
+              <a:ext cx="8229600" cy="3595463"/>
+            </a:xfrm>
+            <a:prstGeom prst="rect">
+              <a:avLst/>
+            </a:prstGeom>
+          </p:spPr>
+          <p:txBody>
+            <a:bodyPr vert="horz" lIns="91440" tIns="45720" rIns="91440" bIns="45720" rtlCol="0">
+              <a:normAutofit/>
+            </a:bodyPr>
+            <a:lstStyle/>
+            <a:p>
+              <a:pPr marL="342900" marR="0" lvl="0" indent="-342900" algn="l" defTabSz="914400" rtl="0" eaLnBrk="1" fontAlgn="auto" latinLnBrk="0" hangingPunct="1">
+                <a:lnSpc>
+                  <a:spcPct val="100000"/>
+                </a:lnSpc>
+                <a:spcBef>
+                  <a:spcPct val="20000"/>
+                </a:spcBef>
+                <a:spcAft>
+                  <a:spcPts val="0"/>
+                </a:spcAft>
+                <a:buClrTx/>
+                <a:buSzTx/>
+                <a:buFont typeface="Arial" pitchFamily="34" charset="0"/>
+                <a:buChar char="•"/>
+                <a:tabLst/>
+                <a:defRPr/>
+              </a:pPr>
+              <a:r>
+                <a:rPr lang="de-DE" sz="2000" dirty="0" smtClean="0">
+                  <a:latin typeface="Lato" pitchFamily="34" charset="0"/>
+                </a:rPr>
+                <a:t>Festlegung der Ablaufgeschwindigkeit durch Faktor </a:t>
+              </a:r>
+            </a:p>
+            <a:p>
+              <a:pPr marL="342900" marR="0" lvl="0" indent="-342900" algn="l" defTabSz="914400" rtl="0" eaLnBrk="1" fontAlgn="auto" latinLnBrk="0" hangingPunct="1">
+                <a:lnSpc>
+                  <a:spcPct val="100000"/>
+                </a:lnSpc>
+                <a:spcBef>
+                  <a:spcPct val="20000"/>
+                </a:spcBef>
+                <a:spcAft>
+                  <a:spcPts val="0"/>
+                </a:spcAft>
+                <a:buClrTx/>
+                <a:buSzTx/>
+                <a:buFont typeface="Arial" pitchFamily="34" charset="0"/>
+                <a:buChar char="•"/>
+                <a:tabLst/>
+                <a:defRPr/>
+              </a:pPr>
+              <a:r>
+                <a:rPr lang="de-DE" sz="2000" dirty="0">
+                  <a:latin typeface="Lato" pitchFamily="34" charset="0"/>
+                </a:rPr>
+                <a:t> </a:t>
+              </a:r>
+              <a:r>
+                <a:rPr lang="de-DE" sz="2000" dirty="0" smtClean="0">
+                  <a:latin typeface="Lato" pitchFamily="34" charset="0"/>
+                </a:rPr>
+                <a:t>   = Frequenz</a:t>
+              </a:r>
+            </a:p>
+            <a:p>
+              <a:pPr marL="342900" lvl="0" indent="-342900">
+                <a:spcBef>
+                  <a:spcPct val="20000"/>
+                </a:spcBef>
+                <a:buFont typeface="Arial" pitchFamily="34" charset="0"/>
+                <a:buChar char="•"/>
+              </a:pPr>
+              <a:r>
+                <a:rPr lang="de-DE" sz="2000" dirty="0" smtClean="0">
+                  <a:latin typeface="Lato" pitchFamily="34" charset="0"/>
+                </a:rPr>
+                <a:t>Kreisfrequenz:</a:t>
+              </a:r>
+            </a:p>
+            <a:p>
+              <a:pPr marL="342900" lvl="0" indent="-342900">
+                <a:spcBef>
+                  <a:spcPct val="20000"/>
+                </a:spcBef>
+                <a:buFont typeface="Arial" pitchFamily="34" charset="0"/>
+                <a:buChar char="•"/>
+              </a:pPr>
+              <a:endParaRPr kumimoji="0" lang="de-DE" sz="2000" i="0" u="none" strike="noStrike" kern="1200" cap="none" spc="0" normalizeH="0" baseline="0" noProof="0" dirty="0" smtClean="0">
+                <a:ln>
+                  <a:noFill/>
+                </a:ln>
+                <a:solidFill>
+                  <a:schemeClr val="tx1"/>
+                </a:solidFill>
+                <a:effectLst/>
+                <a:uLnTx/>
+                <a:uFillTx/>
+                <a:latin typeface="Lato" pitchFamily="34" charset="0"/>
+              </a:endParaRPr>
+            </a:p>
+            <a:p>
+              <a:pPr marL="342900" marR="0" lvl="0" indent="-342900" algn="l" defTabSz="914400" rtl="0" eaLnBrk="1" fontAlgn="auto" latinLnBrk="0" hangingPunct="1">
+                <a:lnSpc>
+                  <a:spcPct val="100000"/>
+                </a:lnSpc>
+                <a:spcBef>
+                  <a:spcPct val="20000"/>
+                </a:spcBef>
+                <a:spcAft>
+                  <a:spcPts val="0"/>
+                </a:spcAft>
+                <a:buClrTx/>
+                <a:buSzTx/>
+                <a:tabLst/>
+                <a:defRPr/>
+              </a:pPr>
+              <a:endParaRPr kumimoji="0" lang="de-DE" sz="2000" b="0" i="0" u="none" strike="noStrike" kern="1200" cap="none" spc="0" normalizeH="0" baseline="0" noProof="0" dirty="0" smtClean="0">
+                <a:ln>
+                  <a:noFill/>
+                </a:ln>
+                <a:solidFill>
+                  <a:schemeClr val="tx1"/>
+                </a:solidFill>
+                <a:effectLst/>
+                <a:uLnTx/>
+                <a:uFillTx/>
+                <a:latin typeface="Lato" pitchFamily="34" charset="0"/>
+                <a:ea typeface="+mn-ea"/>
+                <a:cs typeface="+mn-cs"/>
+              </a:endParaRPr>
+            </a:p>
+          </p:txBody>
+        </p:sp>
+        <p:pic>
+          <p:nvPicPr>
+            <p:cNvPr id="2" name="Grafik 1"/>
+            <p:cNvPicPr>
+              <a:picLocks noChangeAspect="1"/>
+            </p:cNvPicPr>
+            <p:nvPr>
+              <p:custDataLst>
+                <p:tags r:id="rId1"/>
+              </p:custDataLst>
+            </p:nvPr>
+          </p:nvPicPr>
+          <p:blipFill>
+            <a:blip r:embed="rId6" cstate="print">
+              <a:extLst>
+                <a:ext uri="{28A0092B-C50C-407E-A947-70E740481C1C}">
+                  <a14:useLocalDpi xmlns:a14="http://schemas.microsoft.com/office/drawing/2010/main" val="0"/>
+                </a:ext>
+              </a:extLst>
+            </a:blip>
+            <a:stretch>
+              <a:fillRect/>
+            </a:stretch>
+          </p:blipFill>
+          <p:spPr>
+            <a:xfrm>
+              <a:off x="1043608" y="1822828"/>
+              <a:ext cx="126510" cy="230156"/>
+            </a:xfrm>
+            <a:prstGeom prst="rect">
+              <a:avLst/>
+            </a:prstGeom>
+          </p:spPr>
+        </p:pic>
+        <p:pic>
+          <p:nvPicPr>
+            <p:cNvPr id="3" name="Grafik 2"/>
+            <p:cNvPicPr>
+              <a:picLocks noChangeAspect="1"/>
+            </p:cNvPicPr>
+            <p:nvPr>
+              <p:custDataLst>
+                <p:tags r:id="rId2"/>
+              </p:custDataLst>
+            </p:nvPr>
+          </p:nvPicPr>
+          <p:blipFill>
+            <a:blip r:embed="rId7" cstate="print">
+              <a:extLst>
+                <a:ext uri="{28A0092B-C50C-407E-A947-70E740481C1C}">
+                  <a14:useLocalDpi xmlns:a14="http://schemas.microsoft.com/office/drawing/2010/main" val="0"/>
+                </a:ext>
+              </a:extLst>
+            </a:blip>
+            <a:stretch>
+              <a:fillRect/>
+            </a:stretch>
+          </p:blipFill>
+          <p:spPr>
+            <a:xfrm>
+              <a:off x="2756469" y="2197289"/>
+              <a:ext cx="591395" cy="230156"/>
+            </a:xfrm>
+            <a:prstGeom prst="rect">
+              <a:avLst/>
+            </a:prstGeom>
+          </p:spPr>
+        </p:pic>
+        <p:pic>
+          <p:nvPicPr>
+            <p:cNvPr id="10" name="Grafik 9"/>
+            <p:cNvPicPr>
+              <a:picLocks noChangeAspect="1"/>
+            </p:cNvPicPr>
+            <p:nvPr>
+              <p:custDataLst>
+                <p:tags r:id="rId3"/>
+              </p:custDataLst>
+            </p:nvPr>
+          </p:nvPicPr>
+          <p:blipFill>
+            <a:blip r:embed="rId6" cstate="print">
+              <a:extLst>
+                <a:ext uri="{28A0092B-C50C-407E-A947-70E740481C1C}">
+                  <a14:useLocalDpi xmlns:a14="http://schemas.microsoft.com/office/drawing/2010/main" val="0"/>
+                </a:ext>
+              </a:extLst>
+            </a:blip>
+            <a:stretch>
+              <a:fillRect/>
+            </a:stretch>
+          </p:blipFill>
+          <p:spPr>
+            <a:xfrm>
+              <a:off x="6804248" y="1440888"/>
+              <a:ext cx="126510" cy="230156"/>
+            </a:xfrm>
+            <a:prstGeom prst="rect">
+              <a:avLst/>
+            </a:prstGeom>
+          </p:spPr>
+        </p:pic>
+      </p:grpSp>
     </p:spTree>
   </p:cSld>
   <p:clrMapOvr>
@@ -7793,15 +7906,19 @@
             <p:ph type="dt" sz="half" idx="10"/>
           </p:nvPr>
         </p:nvSpPr>
-        <p:spPr/>
+        <p:spPr>
+          <a:xfrm>
+            <a:off x="6588224" y="4876006"/>
+            <a:ext cx="2133600" cy="273844"/>
+          </a:xfrm>
+        </p:spPr>
         <p:txBody>
           <a:bodyPr/>
           <a:lstStyle/>
           <a:p>
-            <a:fld id="{1C72BD4E-61B2-40A3-A75C-5FDEDE8E5EC5}" type="datetime1">
-              <a:rPr lang="de-DE" smtClean="0"/>
-              <a:pPr/>
-              <a:t>16.06.2015</a:t>
+            <a:fld id="{FF1488C6-348F-4901-AAB2-1EC6CED6BE40}" type="datetime1">
+              <a:rPr lang="de-DE" smtClean="0"/>
+              <a:t>17.06.2015</a:t>
             </a:fld>
             <a:endParaRPr lang="de-DE"/>
           </a:p>
@@ -7817,7 +7934,12 @@
             <p:ph type="ftr" sz="quarter" idx="11"/>
           </p:nvPr>
         </p:nvSpPr>
-        <p:spPr/>
+        <p:spPr>
+          <a:xfrm>
+            <a:off x="3131840" y="4876006"/>
+            <a:ext cx="2895600" cy="273844"/>
+          </a:xfrm>
+        </p:spPr>
         <p:txBody>
           <a:bodyPr/>
           <a:lstStyle/>
@@ -7840,7 +7962,12 @@
             <p:ph type="sldNum" sz="quarter" idx="12"/>
           </p:nvPr>
         </p:nvSpPr>
-        <p:spPr/>
+        <p:spPr>
+          <a:xfrm>
+            <a:off x="0" y="4869656"/>
+            <a:ext cx="467544" cy="273844"/>
+          </a:xfrm>
+        </p:spPr>
         <p:txBody>
           <a:bodyPr/>
           <a:lstStyle/>
@@ -7856,36 +7983,220 @@
       </p:sp>
       <p:sp>
         <p:nvSpPr>
-          <p:cNvPr id="7" name="Inhaltsplatzhalter 2"/>
-          <p:cNvSpPr txBox="1">
-            <a:spLocks/>
-          </p:cNvSpPr>
+          <p:cNvPr id="8" name="Rechteck 7"/>
+          <p:cNvSpPr/>
           <p:nvPr/>
         </p:nvSpPr>
         <p:spPr>
           <a:xfrm>
-            <a:off x="609600" y="1352550"/>
-            <a:ext cx="8229600" cy="3595463"/>
+            <a:off x="611560" y="195486"/>
+            <a:ext cx="5016053" cy="523220"/>
           </a:xfrm>
           <a:prstGeom prst="rect">
             <a:avLst/>
           </a:prstGeom>
         </p:spPr>
         <p:txBody>
-          <a:bodyPr vert="horz" lIns="91440" tIns="45720" rIns="91440" bIns="45720" rtlCol="0">
-            <a:normAutofit/>
+          <a:bodyPr wrap="none">
+            <a:spAutoFit/>
           </a:bodyPr>
           <a:lstStyle/>
           <a:p>
-            <a:pPr marL="342900" lvl="0" indent="-342900">
-              <a:spcBef>
-                <a:spcPct val="20000"/>
-              </a:spcBef>
-              <a:buFont typeface="Arial" pitchFamily="34" charset="0"/>
-              <a:buChar char="•"/>
+            <a:pPr>
+              <a:buNone/>
             </a:pPr>
             <a:r>
-              <a:rPr kumimoji="0" lang="de-DE" sz="2000" i="0" u="none" strike="noStrike" kern="1200" cap="none" spc="0" normalizeH="0" baseline="0" noProof="0" dirty="0" smtClean="0">
+              <a:rPr lang="de-DE" sz="2800" dirty="0" smtClean="0">
+                <a:latin typeface="Lato" pitchFamily="34" charset="0"/>
+              </a:rPr>
+              <a:t>Grundlagen: Sinus und Kosinus</a:t>
+            </a:r>
+          </a:p>
+        </p:txBody>
+      </p:sp>
+      <p:pic>
+        <p:nvPicPr>
+          <p:cNvPr id="3" name="Grafik 2"/>
+          <p:cNvPicPr>
+            <a:picLocks noChangeAspect="1"/>
+          </p:cNvPicPr>
+          <p:nvPr>
+            <p:custDataLst>
+              <p:tags r:id="rId1"/>
+            </p:custDataLst>
+          </p:nvPr>
+        </p:nvPicPr>
+        <p:blipFill>
+          <a:blip r:embed="rId8" cstate="print">
+            <a:extLst>
+              <a:ext uri="{28A0092B-C50C-407E-A947-70E740481C1C}">
+                <a14:useLocalDpi xmlns:a14="http://schemas.microsoft.com/office/drawing/2010/main" val="0"/>
+              </a:ext>
+            </a:extLst>
+          </a:blip>
+          <a:stretch>
+            <a:fillRect/>
+          </a:stretch>
+        </p:blipFill>
+        <p:spPr>
+          <a:xfrm>
+            <a:off x="1494687" y="1635646"/>
+            <a:ext cx="149983" cy="314598"/>
+          </a:xfrm>
+          <a:prstGeom prst="rect">
+            <a:avLst/>
+          </a:prstGeom>
+        </p:spPr>
+      </p:pic>
+      <p:grpSp>
+        <p:nvGrpSpPr>
+          <p:cNvPr id="2" name="Gruppieren 1"/>
+          <p:cNvGrpSpPr/>
+          <p:nvPr/>
+        </p:nvGrpSpPr>
+        <p:grpSpPr>
+          <a:xfrm>
+            <a:off x="609600" y="1203598"/>
+            <a:ext cx="8229600" cy="3595463"/>
+            <a:chOff x="609600" y="1203598"/>
+            <a:chExt cx="8229600" cy="3595463"/>
+          </a:xfrm>
+        </p:grpSpPr>
+        <p:sp>
+          <p:nvSpPr>
+            <p:cNvPr id="7" name="Inhaltsplatzhalter 2"/>
+            <p:cNvSpPr txBox="1">
+              <a:spLocks/>
+            </p:cNvSpPr>
+            <p:nvPr/>
+          </p:nvSpPr>
+          <p:spPr>
+            <a:xfrm>
+              <a:off x="609600" y="1203598"/>
+              <a:ext cx="8229600" cy="3595463"/>
+            </a:xfrm>
+            <a:prstGeom prst="rect">
+              <a:avLst/>
+            </a:prstGeom>
+          </p:spPr>
+          <p:txBody>
+            <a:bodyPr vert="horz" lIns="91440" tIns="45720" rIns="91440" bIns="45720" rtlCol="0">
+              <a:normAutofit/>
+            </a:bodyPr>
+            <a:lstStyle/>
+            <a:p>
+              <a:pPr marL="342900" lvl="0" indent="-342900">
+                <a:spcBef>
+                  <a:spcPct val="20000"/>
+                </a:spcBef>
+                <a:buFont typeface="Arial" pitchFamily="34" charset="0"/>
+                <a:buChar char="•"/>
+              </a:pPr>
+              <a:r>
+                <a:rPr kumimoji="0" lang="de-DE" sz="2000" i="0" u="none" strike="noStrike" kern="1200" cap="none" spc="0" normalizeH="0" baseline="0" noProof="0" dirty="0" smtClean="0">
+                  <a:ln>
+                    <a:noFill/>
+                  </a:ln>
+                  <a:solidFill>
+                    <a:schemeClr val="tx1"/>
+                  </a:solidFill>
+                  <a:effectLst/>
+                  <a:uLnTx/>
+                  <a:uFillTx/>
+                  <a:latin typeface="Lato" pitchFamily="34" charset="0"/>
+                </a:rPr>
+                <a:t>Zusammenhang</a:t>
+              </a:r>
+              <a:r>
+                <a:rPr kumimoji="0" lang="de-DE" sz="2000" i="0" u="none" strike="noStrike" kern="1200" cap="none" spc="0" normalizeH="0" noProof="0" dirty="0" smtClean="0">
+                  <a:ln>
+                    <a:noFill/>
+                  </a:ln>
+                  <a:solidFill>
+                    <a:schemeClr val="tx1"/>
+                  </a:solidFill>
+                  <a:effectLst/>
+                  <a:uLnTx/>
+                  <a:uFillTx/>
+                  <a:latin typeface="Lato" pitchFamily="34" charset="0"/>
+                </a:rPr>
+                <a:t> Sinus/Kosinus:</a:t>
+              </a:r>
+            </a:p>
+            <a:p>
+              <a:pPr marL="342900" lvl="0" indent="-342900">
+                <a:spcBef>
+                  <a:spcPct val="20000"/>
+                </a:spcBef>
+                <a:buFont typeface="Arial" pitchFamily="34" charset="0"/>
+                <a:buChar char="•"/>
+              </a:pPr>
+              <a:r>
+                <a:rPr lang="de-DE" sz="2000" dirty="0" smtClean="0">
+                  <a:latin typeface="Lato" pitchFamily="34" charset="0"/>
+                </a:rPr>
+                <a:t>Um </a:t>
+              </a:r>
+              <a:r>
+                <a:rPr lang="de-DE" sz="2000" b="1" dirty="0">
+                  <a:latin typeface="Lato" pitchFamily="34" charset="0"/>
+                </a:rPr>
+                <a:t> </a:t>
+              </a:r>
+              <a:r>
+                <a:rPr lang="de-DE" sz="2000" b="1" dirty="0" smtClean="0">
+                  <a:latin typeface="Lato" pitchFamily="34" charset="0"/>
+                </a:rPr>
+                <a:t>    </a:t>
+              </a:r>
+              <a:r>
+                <a:rPr lang="de-DE" sz="2000" dirty="0" smtClean="0">
+                  <a:latin typeface="Lato" pitchFamily="34" charset="0"/>
+                </a:rPr>
+                <a:t>verschoben </a:t>
+              </a:r>
+            </a:p>
+            <a:p>
+              <a:pPr marL="342900" lvl="0" indent="-342900">
+                <a:spcBef>
+                  <a:spcPct val="20000"/>
+                </a:spcBef>
+                <a:buFont typeface="Arial" pitchFamily="34" charset="0"/>
+                <a:buChar char="•"/>
+              </a:pPr>
+              <a:r>
+                <a:rPr lang="de-DE" sz="2000" dirty="0" smtClean="0">
+                  <a:latin typeface="Lato" pitchFamily="34" charset="0"/>
+                </a:rPr>
+                <a:t>Daraus folgt:                            </a:t>
+              </a:r>
+            </a:p>
+            <a:p>
+              <a:pPr lvl="0">
+                <a:spcBef>
+                  <a:spcPct val="20000"/>
+                </a:spcBef>
+              </a:pPr>
+              <a:r>
+                <a:rPr lang="de-DE" sz="2000" dirty="0">
+                  <a:latin typeface="Lato" pitchFamily="34" charset="0"/>
+                </a:rPr>
+                <a:t>	</a:t>
+              </a:r>
+              <a:r>
+                <a:rPr lang="de-DE" sz="2000" dirty="0" smtClean="0">
+                  <a:latin typeface="Lato" pitchFamily="34" charset="0"/>
+                </a:rPr>
+                <a:t>                                                                  (Komplementärformeln) </a:t>
+              </a:r>
+            </a:p>
+            <a:p>
+              <a:pPr lvl="0">
+                <a:spcBef>
+                  <a:spcPct val="20000"/>
+                </a:spcBef>
+              </a:pPr>
+              <a:endParaRPr kumimoji="0" lang="de-DE" sz="2000" i="0" u="none" strike="noStrike" kern="1200" cap="none" spc="0" normalizeH="0" baseline="0" noProof="0" dirty="0" smtClean="0">
                 <a:ln>
                   <a:noFill/>
                 </a:ln>
@@ -7896,11 +8207,74 @@
                 <a:uLnTx/>
                 <a:uFillTx/>
                 <a:latin typeface="Lato" pitchFamily="34" charset="0"/>
-              </a:rPr>
-              <a:t>Zusammenhang</a:t>
-            </a:r>
-            <a:r>
-              <a:rPr kumimoji="0" lang="de-DE" sz="2000" i="0" u="none" strike="noStrike" kern="1200" cap="none" spc="0" normalizeH="0" noProof="0" dirty="0" smtClean="0">
+              </a:endParaRPr>
+            </a:p>
+            <a:p>
+              <a:pPr marL="342900" lvl="0" indent="-342900">
+                <a:spcBef>
+                  <a:spcPct val="20000"/>
+                </a:spcBef>
+                <a:buFont typeface="Arial" pitchFamily="34" charset="0"/>
+                <a:buChar char="•"/>
+              </a:pPr>
+              <a:r>
+                <a:rPr lang="de-DE" sz="2000" noProof="0" dirty="0" smtClean="0">
+                  <a:latin typeface="Lato" pitchFamily="34" charset="0"/>
+                </a:rPr>
+                <a:t>Ton: </a:t>
+              </a:r>
+            </a:p>
+            <a:p>
+              <a:pPr marL="342900" lvl="0" indent="-342900">
+                <a:spcBef>
+                  <a:spcPct val="20000"/>
+                </a:spcBef>
+                <a:buFont typeface="Arial" pitchFamily="34" charset="0"/>
+                <a:buChar char="•"/>
+              </a:pPr>
+              <a:r>
+                <a:rPr lang="de-DE" sz="2000" dirty="0">
+                  <a:latin typeface="Lato" pitchFamily="34" charset="0"/>
+                </a:rPr>
+                <a:t> </a:t>
+              </a:r>
+              <a:r>
+                <a:rPr lang="de-DE" sz="2000" dirty="0" smtClean="0">
+                  <a:latin typeface="Lato" pitchFamily="34" charset="0"/>
+                </a:rPr>
+                <a:t>   </a:t>
+              </a:r>
+              <a:r>
+                <a:rPr kumimoji="0" lang="de-DE" sz="2000" i="0" u="none" strike="noStrike" kern="1200" cap="none" spc="0" normalizeH="0" baseline="0" dirty="0" smtClean="0">
+                  <a:ln>
+                    <a:noFill/>
+                  </a:ln>
+                  <a:solidFill>
+                    <a:schemeClr val="tx1"/>
+                  </a:solidFill>
+                  <a:effectLst/>
+                  <a:uLnTx/>
+                  <a:uFillTx/>
+                  <a:latin typeface="Lato" pitchFamily="34" charset="0"/>
+                </a:rPr>
+                <a:t>: Amplitude, Lautstärke des</a:t>
+              </a:r>
+              <a:r>
+                <a:rPr kumimoji="0" lang="de-DE" sz="2000" i="0" u="none" strike="noStrike" kern="1200" cap="none" spc="0" normalizeH="0" dirty="0" smtClean="0">
+                  <a:ln>
+                    <a:noFill/>
+                  </a:ln>
+                  <a:solidFill>
+                    <a:schemeClr val="tx1"/>
+                  </a:solidFill>
+                  <a:effectLst/>
+                  <a:uLnTx/>
+                  <a:uFillTx/>
+                  <a:latin typeface="Lato" pitchFamily="34" charset="0"/>
+                </a:rPr>
+                <a:t> Tons</a:t>
+              </a:r>
+              <a:endParaRPr kumimoji="0" lang="de-DE" sz="2000" i="0" u="none" strike="noStrike" kern="1200" cap="none" spc="0" normalizeH="0" baseline="0" dirty="0" smtClean="0">
                 <a:ln>
                   <a:noFill/>
                 </a:ln>
@@ -7911,104 +8285,59 @@
                 <a:uLnTx/>
                 <a:uFillTx/>
                 <a:latin typeface="Lato" pitchFamily="34" charset="0"/>
-              </a:rPr>
-              <a:t> Sinus/Kosinus:</a:t>
-            </a:r>
-          </a:p>
-          <a:p>
-            <a:pPr marL="342900" lvl="0" indent="-342900">
-              <a:spcBef>
-                <a:spcPct val="20000"/>
-              </a:spcBef>
-              <a:buFont typeface="Arial" pitchFamily="34" charset="0"/>
-              <a:buChar char="•"/>
-            </a:pPr>
-            <a:r>
-              <a:rPr lang="de-DE" sz="2000" dirty="0" smtClean="0">
-                <a:latin typeface="Lato" pitchFamily="34" charset="0"/>
-              </a:rPr>
-              <a:t>Um </a:t>
-            </a:r>
-            <a:r>
-              <a:rPr lang="el-GR" sz="2000" b="1" dirty="0" smtClean="0">
-                <a:latin typeface="Lato" pitchFamily="34" charset="0"/>
-              </a:rPr>
-              <a:t>π</a:t>
-            </a:r>
-            <a:r>
-              <a:rPr lang="de-DE" sz="2000" b="1" dirty="0" smtClean="0">
-                <a:latin typeface="Lato" pitchFamily="34" charset="0"/>
-              </a:rPr>
-              <a:t>/2 </a:t>
-            </a:r>
-            <a:r>
-              <a:rPr lang="de-DE" sz="2000" dirty="0" smtClean="0">
-                <a:latin typeface="Lato" pitchFamily="34" charset="0"/>
-              </a:rPr>
-              <a:t>verschoben </a:t>
-            </a:r>
-          </a:p>
-          <a:p>
-            <a:pPr marL="342900" lvl="0" indent="-342900">
-              <a:spcBef>
-                <a:spcPct val="20000"/>
-              </a:spcBef>
-              <a:buFont typeface="Arial" pitchFamily="34" charset="0"/>
-              <a:buChar char="•"/>
-            </a:pPr>
-            <a:r>
-              <a:rPr lang="de-DE" sz="2000" dirty="0" smtClean="0">
-                <a:latin typeface="Lato" pitchFamily="34" charset="0"/>
-              </a:rPr>
-              <a:t>Daraus folgt:                            bzw.                           (Komplementärformeln) </a:t>
-            </a:r>
-          </a:p>
-          <a:p>
-            <a:pPr marL="342900" lvl="0" indent="-342900">
-              <a:spcBef>
-                <a:spcPct val="20000"/>
-              </a:spcBef>
-              <a:buFont typeface="Arial" pitchFamily="34" charset="0"/>
-              <a:buChar char="•"/>
-            </a:pPr>
-            <a:endParaRPr kumimoji="0" lang="de-DE" sz="2000" i="0" u="none" strike="noStrike" kern="1200" cap="none" spc="0" normalizeH="0" baseline="0" noProof="0" dirty="0" smtClean="0">
-              <a:ln>
-                <a:noFill/>
-              </a:ln>
-              <a:solidFill>
-                <a:schemeClr val="tx1"/>
-              </a:solidFill>
-              <a:effectLst/>
-              <a:uLnTx/>
-              <a:uFillTx/>
-              <a:latin typeface="Lato" pitchFamily="34" charset="0"/>
-            </a:endParaRPr>
-          </a:p>
-          <a:p>
-            <a:pPr marL="342900" lvl="0" indent="-342900">
-              <a:spcBef>
-                <a:spcPct val="20000"/>
-              </a:spcBef>
-              <a:buFont typeface="Arial" pitchFamily="34" charset="0"/>
-              <a:buChar char="•"/>
-            </a:pPr>
-            <a:r>
-              <a:rPr lang="de-DE" sz="2000" noProof="0" dirty="0" smtClean="0">
-                <a:latin typeface="Lato" pitchFamily="34" charset="0"/>
-              </a:rPr>
-              <a:t>Ton: </a:t>
-            </a:r>
-          </a:p>
-          <a:p>
-            <a:pPr marL="342900" lvl="0" indent="-342900">
-              <a:spcBef>
-                <a:spcPct val="20000"/>
-              </a:spcBef>
-              <a:buFont typeface="Arial" pitchFamily="34" charset="0"/>
-              <a:buChar char="•"/>
-            </a:pPr>
-            <a:r>
-              <a:rPr kumimoji="0" lang="de-DE" sz="2000" i="0" u="none" strike="noStrike" kern="1200" cap="none" spc="0" normalizeH="0" baseline="0" dirty="0" smtClean="0">
+              </a:endParaRPr>
+            </a:p>
+            <a:p>
+              <a:pPr marL="342900" lvl="0" indent="-342900">
+                <a:spcBef>
+                  <a:spcPct val="20000"/>
+                </a:spcBef>
+                <a:buFont typeface="Arial" pitchFamily="34" charset="0"/>
+                <a:buChar char="•"/>
+              </a:pPr>
+              <a:r>
+                <a:rPr lang="de-DE" sz="2000" dirty="0">
+                  <a:latin typeface="Lato" pitchFamily="34" charset="0"/>
+                </a:rPr>
+                <a:t> </a:t>
+              </a:r>
+              <a:r>
+                <a:rPr lang="de-DE" sz="2000" dirty="0" smtClean="0">
+                  <a:latin typeface="Lato" pitchFamily="34" charset="0"/>
+                </a:rPr>
+                <a:t>   </a:t>
+              </a:r>
+              <a:r>
+                <a:rPr lang="de-DE" sz="2000" noProof="0" dirty="0" smtClean="0">
+                  <a:latin typeface="Lato" pitchFamily="34" charset="0"/>
+                </a:rPr>
+                <a:t>: Frequenz, Tonhöhe</a:t>
+              </a:r>
+            </a:p>
+            <a:p>
+              <a:pPr marL="342900" lvl="0" indent="-342900">
+                <a:spcBef>
+                  <a:spcPct val="20000"/>
+                </a:spcBef>
+                <a:buFont typeface="Arial" pitchFamily="34" charset="0"/>
+                <a:buChar char="•"/>
+              </a:pPr>
+              <a:r>
+                <a:rPr kumimoji="0" lang="de-DE" sz="2000" i="0" u="none" strike="noStrike" kern="1200" cap="none" spc="0" normalizeH="0" baseline="0" dirty="0" smtClean="0">
+                  <a:ln>
+                    <a:noFill/>
+                  </a:ln>
+                  <a:solidFill>
+                    <a:schemeClr val="tx1"/>
+                  </a:solidFill>
+                  <a:effectLst/>
+                  <a:uLnTx/>
+                  <a:uFillTx/>
+                  <a:latin typeface="Lato" pitchFamily="34" charset="0"/>
+                </a:rPr>
+                <a:t>Physikalisch: Schwingende Luftmoleküle</a:t>
+              </a:r>
+              <a:endParaRPr kumimoji="0" lang="de-DE" sz="2000" i="0" u="none" strike="noStrike" kern="1200" cap="none" spc="0" normalizeH="0" baseline="0" noProof="0" dirty="0" smtClean="0">
                 <a:ln>
                   <a:noFill/>
                 </a:ln>
@@ -8019,11 +8348,25 @@
                 <a:uLnTx/>
                 <a:uFillTx/>
                 <a:latin typeface="Lato" pitchFamily="34" charset="0"/>
-              </a:rPr>
-              <a:t>A: Amplitude, Lautstärke des</a:t>
-            </a:r>
-            <a:r>
-              <a:rPr kumimoji="0" lang="de-DE" sz="2000" i="0" u="none" strike="noStrike" kern="1200" cap="none" spc="0" normalizeH="0" dirty="0" smtClean="0">
+              </a:endParaRPr>
+            </a:p>
+            <a:p>
+              <a:pPr marL="342900" marR="0" lvl="0" indent="-342900" algn="l" defTabSz="914400" rtl="0" eaLnBrk="1" fontAlgn="auto" latinLnBrk="0" hangingPunct="1">
+                <a:lnSpc>
+                  <a:spcPct val="100000"/>
+                </a:lnSpc>
+                <a:spcBef>
+                  <a:spcPct val="20000"/>
+                </a:spcBef>
+                <a:spcAft>
+                  <a:spcPts val="0"/>
+                </a:spcAft>
+                <a:buClrTx/>
+                <a:buSzTx/>
+                <a:tabLst/>
+                <a:defRPr/>
+              </a:pPr>
+              <a:endParaRPr kumimoji="0" lang="de-DE" sz="2000" b="0" i="0" u="none" strike="noStrike" kern="1200" cap="none" spc="0" normalizeH="0" baseline="0" noProof="0" dirty="0" smtClean="0">
                 <a:ln>
                   <a:noFill/>
                 </a:ln>
@@ -8034,349 +8377,183 @@
                 <a:uLnTx/>
                 <a:uFillTx/>
                 <a:latin typeface="Lato" pitchFamily="34" charset="0"/>
-              </a:rPr>
-              <a:t> Tons</a:t>
-            </a:r>
-            <a:endParaRPr kumimoji="0" lang="de-DE" sz="2000" i="0" u="none" strike="noStrike" kern="1200" cap="none" spc="0" normalizeH="0" baseline="0" dirty="0" smtClean="0">
-              <a:ln>
-                <a:noFill/>
-              </a:ln>
-              <a:solidFill>
-                <a:schemeClr val="tx1"/>
-              </a:solidFill>
-              <a:effectLst/>
-              <a:uLnTx/>
-              <a:uFillTx/>
-              <a:latin typeface="Lato" pitchFamily="34" charset="0"/>
-            </a:endParaRPr>
-          </a:p>
-          <a:p>
-            <a:pPr marL="342900" lvl="0" indent="-342900">
-              <a:spcBef>
-                <a:spcPct val="20000"/>
-              </a:spcBef>
-              <a:buFont typeface="Arial" pitchFamily="34" charset="0"/>
-              <a:buChar char="•"/>
-            </a:pPr>
-            <a:r>
-              <a:rPr lang="de-DE" sz="2000" noProof="0" dirty="0" smtClean="0">
-                <a:latin typeface="Lato" pitchFamily="34" charset="0"/>
-              </a:rPr>
-              <a:t>F: Frequenz, Tonhöhe</a:t>
-            </a:r>
-          </a:p>
-          <a:p>
-            <a:pPr marL="342900" lvl="0" indent="-342900">
-              <a:spcBef>
-                <a:spcPct val="20000"/>
-              </a:spcBef>
-              <a:buFont typeface="Arial" pitchFamily="34" charset="0"/>
-              <a:buChar char="•"/>
-            </a:pPr>
-            <a:r>
-              <a:rPr kumimoji="0" lang="de-DE" sz="2000" i="0" u="none" strike="noStrike" kern="1200" cap="none" spc="0" normalizeH="0" baseline="0" dirty="0" smtClean="0">
-                <a:ln>
-                  <a:noFill/>
-                </a:ln>
-                <a:solidFill>
-                  <a:schemeClr val="tx1"/>
-                </a:solidFill>
-                <a:effectLst/>
-                <a:uLnTx/>
-                <a:uFillTx/>
-                <a:latin typeface="Lato" pitchFamily="34" charset="0"/>
-              </a:rPr>
-              <a:t>Physikalisch: Schwingende Luftmoleküle</a:t>
-            </a:r>
-            <a:endParaRPr kumimoji="0" lang="de-DE" sz="2000" i="0" u="none" strike="noStrike" kern="1200" cap="none" spc="0" normalizeH="0" baseline="0" noProof="0" dirty="0" smtClean="0">
-              <a:ln>
-                <a:noFill/>
-              </a:ln>
-              <a:solidFill>
-                <a:schemeClr val="tx1"/>
-              </a:solidFill>
-              <a:effectLst/>
-              <a:uLnTx/>
-              <a:uFillTx/>
-              <a:latin typeface="Lato" pitchFamily="34" charset="0"/>
-            </a:endParaRPr>
-          </a:p>
-          <a:p>
-            <a:pPr marL="342900" marR="0" lvl="0" indent="-342900" algn="l" defTabSz="914400" rtl="0" eaLnBrk="1" fontAlgn="auto" latinLnBrk="0" hangingPunct="1">
-              <a:lnSpc>
-                <a:spcPct val="100000"/>
-              </a:lnSpc>
-              <a:spcBef>
-                <a:spcPct val="20000"/>
-              </a:spcBef>
-              <a:spcAft>
-                <a:spcPts val="0"/>
-              </a:spcAft>
-              <a:buClrTx/>
-              <a:buSzTx/>
-              <a:tabLst/>
-              <a:defRPr/>
-            </a:pPr>
-            <a:endParaRPr kumimoji="0" lang="de-DE" sz="2000" b="0" i="0" u="none" strike="noStrike" kern="1200" cap="none" spc="0" normalizeH="0" baseline="0" noProof="0" dirty="0" smtClean="0">
-              <a:ln>
-                <a:noFill/>
-              </a:ln>
-              <a:solidFill>
-                <a:schemeClr val="tx1"/>
-              </a:solidFill>
-              <a:effectLst/>
-              <a:uLnTx/>
-              <a:uFillTx/>
-              <a:latin typeface="Lato" pitchFamily="34" charset="0"/>
-              <a:ea typeface="+mn-ea"/>
-              <a:cs typeface="+mn-cs"/>
-            </a:endParaRPr>
-          </a:p>
-        </p:txBody>
-      </p:sp>
-      <p:sp>
-        <p:nvSpPr>
-          <p:cNvPr id="8" name="Rechteck 7"/>
-          <p:cNvSpPr/>
-          <p:nvPr/>
-        </p:nvSpPr>
-        <p:spPr>
-          <a:xfrm>
-            <a:off x="611560" y="195486"/>
-            <a:ext cx="5016053" cy="523220"/>
-          </a:xfrm>
-          <a:prstGeom prst="rect">
-            <a:avLst/>
-          </a:prstGeom>
-        </p:spPr>
-        <p:txBody>
-          <a:bodyPr wrap="none">
-            <a:spAutoFit/>
-          </a:bodyPr>
-          <a:lstStyle/>
-          <a:p>
-            <a:pPr>
-              <a:buNone/>
-            </a:pPr>
-            <a:r>
-              <a:rPr lang="de-DE" sz="2800" dirty="0" smtClean="0">
-                <a:latin typeface="Lato" pitchFamily="34" charset="0"/>
-              </a:rPr>
-              <a:t>Grundlagen: Sinus und Kosinus</a:t>
-            </a:r>
-          </a:p>
-        </p:txBody>
-      </p:sp>
-      <p:graphicFrame>
-        <p:nvGraphicFramePr>
-          <p:cNvPr id="9" name="Objekt 8"/>
-          <p:cNvGraphicFramePr>
-            <a:graphicFrameLocks noChangeAspect="1"/>
-          </p:cNvGraphicFramePr>
-          <p:nvPr/>
-        </p:nvGraphicFramePr>
-        <p:xfrm>
-          <a:off x="2555776" y="2099968"/>
-          <a:ext cx="1206500" cy="393700"/>
-        </p:xfrm>
-        <a:graphic>
-          <a:graphicData uri="http://schemas.openxmlformats.org/presentationml/2006/ole">
-            <mc:AlternateContent xmlns:mc="http://schemas.openxmlformats.org/markup-compatibility/2006">
-              <mc:Choice xmlns:v="urn:schemas-microsoft-com:vml" Requires="v">
-                <p:oleObj spid="_x0000_s34821" name="Formel" r:id="rId3" imgW="1206360" imgH="393480" progId="Equation.3">
-                  <p:embed/>
-                </p:oleObj>
-              </mc:Choice>
-              <mc:Fallback>
-                <p:oleObj name="Formel" r:id="rId3" imgW="1206360" imgH="393480" progId="Equation.3">
-                  <p:embed/>
-                  <p:pic>
-                    <p:nvPicPr>
-                      <p:cNvPr id="0" name="Picture 2"/>
-                      <p:cNvPicPr>
-                        <a:picLocks noChangeAspect="1" noChangeArrowheads="1"/>
-                      </p:cNvPicPr>
-                      <p:nvPr/>
-                    </p:nvPicPr>
-                    <p:blipFill>
-                      <a:blip r:embed="rId4">
-                        <a:extLst>
-                          <a:ext uri="{28A0092B-C50C-407E-A947-70E740481C1C}">
-                            <a14:useLocalDpi xmlns:a14="http://schemas.microsoft.com/office/drawing/2010/main" val="0"/>
-                          </a:ext>
-                        </a:extLst>
-                      </a:blip>
-                      <a:srcRect/>
-                      <a:stretch>
-                        <a:fillRect/>
-                      </a:stretch>
-                    </p:blipFill>
-                    <p:spPr bwMode="auto">
-                      <a:xfrm>
-                        <a:off x="2555776" y="2099968"/>
-                        <a:ext cx="1206500" cy="393700"/>
-                      </a:xfrm>
-                      <a:prstGeom prst="rect">
-                        <a:avLst/>
-                      </a:prstGeom>
-                      <a:noFill/>
-                      <a:extLst>
-                        <a:ext uri="{909E8E84-426E-40DD-AFC4-6F175D3DCCD1}">
-                          <a14:hiddenFill xmlns:a14="http://schemas.microsoft.com/office/drawing/2010/main">
-                            <a:solidFill>
-                              <a:srgbClr val="FFFFFF"/>
-                            </a:solidFill>
-                          </a14:hiddenFill>
-                        </a:ext>
-                      </a:extLst>
-                    </p:spPr>
-                  </p:pic>
-                </p:oleObj>
-              </mc:Fallback>
-            </mc:AlternateContent>
-          </a:graphicData>
-        </a:graphic>
-      </p:graphicFrame>
-      <p:graphicFrame>
-        <p:nvGraphicFramePr>
-          <p:cNvPr id="34819" name="Object 3"/>
-          <p:cNvGraphicFramePr>
-            <a:graphicFrameLocks noChangeAspect="1"/>
-          </p:cNvGraphicFramePr>
-          <p:nvPr/>
-        </p:nvGraphicFramePr>
-        <p:xfrm>
-          <a:off x="4427984" y="2096670"/>
-          <a:ext cx="1206500" cy="393700"/>
-        </p:xfrm>
-        <a:graphic>
-          <a:graphicData uri="http://schemas.openxmlformats.org/presentationml/2006/ole">
-            <mc:AlternateContent xmlns:mc="http://schemas.openxmlformats.org/markup-compatibility/2006">
-              <mc:Choice xmlns:v="urn:schemas-microsoft-com:vml" Requires="v">
-                <p:oleObj spid="_x0000_s34822" name="Formel" r:id="rId5" imgW="1206360" imgH="393480" progId="Equation.3">
-                  <p:embed/>
-                </p:oleObj>
-              </mc:Choice>
-              <mc:Fallback>
-                <p:oleObj name="Formel" r:id="rId5" imgW="1206360" imgH="393480" progId="Equation.3">
-                  <p:embed/>
-                  <p:pic>
-                    <p:nvPicPr>
-                      <p:cNvPr id="0" name="Picture 3"/>
-                      <p:cNvPicPr>
-                        <a:picLocks noChangeAspect="1" noChangeArrowheads="1"/>
-                      </p:cNvPicPr>
-                      <p:nvPr/>
-                    </p:nvPicPr>
-                    <p:blipFill>
-                      <a:blip r:embed="rId6">
-                        <a:extLst>
-                          <a:ext uri="{28A0092B-C50C-407E-A947-70E740481C1C}">
-                            <a14:useLocalDpi xmlns:a14="http://schemas.microsoft.com/office/drawing/2010/main" val="0"/>
-                          </a:ext>
-                        </a:extLst>
-                      </a:blip>
-                      <a:srcRect/>
-                      <a:stretch>
-                        <a:fillRect/>
-                      </a:stretch>
-                    </p:blipFill>
-                    <p:spPr bwMode="auto">
-                      <a:xfrm>
-                        <a:off x="4427984" y="2096670"/>
-                        <a:ext cx="1206500" cy="393700"/>
-                      </a:xfrm>
-                      <a:prstGeom prst="rect">
-                        <a:avLst/>
-                      </a:prstGeom>
-                      <a:noFill/>
-                      <a:extLst>
-                        <a:ext uri="{909E8E84-426E-40DD-AFC4-6F175D3DCCD1}">
-                          <a14:hiddenFill xmlns:a14="http://schemas.microsoft.com/office/drawing/2010/main">
-                            <a:solidFill>
-                              <a:srgbClr val="FFFFFF"/>
-                            </a:solidFill>
-                          </a14:hiddenFill>
-                        </a:ext>
-                      </a:extLst>
-                    </p:spPr>
-                  </p:pic>
-                </p:oleObj>
-              </mc:Fallback>
-            </mc:AlternateContent>
-          </a:graphicData>
-        </a:graphic>
-      </p:graphicFrame>
-      <p:graphicFrame>
-        <p:nvGraphicFramePr>
-          <p:cNvPr id="10" name="Objekt 9"/>
-          <p:cNvGraphicFramePr>
-            <a:graphicFrameLocks noChangeAspect="1"/>
-          </p:cNvGraphicFramePr>
-          <p:nvPr/>
-        </p:nvGraphicFramePr>
-        <p:xfrm>
-          <a:off x="1619672" y="2931790"/>
-          <a:ext cx="1244600" cy="203200"/>
-        </p:xfrm>
-        <a:graphic>
-          <a:graphicData uri="http://schemas.openxmlformats.org/presentationml/2006/ole">
-            <mc:AlternateContent xmlns:mc="http://schemas.openxmlformats.org/markup-compatibility/2006">
-              <mc:Choice xmlns:v="urn:schemas-microsoft-com:vml" Requires="v">
-                <p:oleObj spid="_x0000_s34823" name="Formel" r:id="rId7" imgW="1244520" imgH="203040" progId="Equation.3">
-                  <p:embed/>
-                </p:oleObj>
-              </mc:Choice>
-              <mc:Fallback>
-                <p:oleObj name="Formel" r:id="rId7" imgW="1244520" imgH="203040" progId="Equation.3">
-                  <p:embed/>
-                  <p:pic>
-                    <p:nvPicPr>
-                      <p:cNvPr id="0" name="Picture 4"/>
-                      <p:cNvPicPr>
-                        <a:picLocks noChangeAspect="1" noChangeArrowheads="1"/>
-                      </p:cNvPicPr>
-                      <p:nvPr/>
-                    </p:nvPicPr>
-                    <p:blipFill>
-                      <a:blip r:embed="rId8">
-                        <a:extLst>
-                          <a:ext uri="{28A0092B-C50C-407E-A947-70E740481C1C}">
-                            <a14:useLocalDpi xmlns:a14="http://schemas.microsoft.com/office/drawing/2010/main" val="0"/>
-                          </a:ext>
-                        </a:extLst>
-                      </a:blip>
-                      <a:srcRect/>
-                      <a:stretch>
-                        <a:fillRect/>
-                      </a:stretch>
-                    </p:blipFill>
-                    <p:spPr bwMode="auto">
-                      <a:xfrm>
-                        <a:off x="1619672" y="2931790"/>
-                        <a:ext cx="1244600" cy="203200"/>
-                      </a:xfrm>
-                      <a:prstGeom prst="rect">
-                        <a:avLst/>
-                      </a:prstGeom>
-                      <a:noFill/>
-                      <a:extLst>
-                        <a:ext uri="{909E8E84-426E-40DD-AFC4-6F175D3DCCD1}">
-                          <a14:hiddenFill xmlns:a14="http://schemas.microsoft.com/office/drawing/2010/main">
-                            <a:solidFill>
-                              <a:srgbClr val="FFFFFF"/>
-                            </a:solidFill>
-                          </a14:hiddenFill>
-                        </a:ext>
-                      </a:extLst>
-                    </p:spPr>
-                  </p:pic>
-                </p:oleObj>
-              </mc:Fallback>
-            </mc:AlternateContent>
-          </a:graphicData>
-        </a:graphic>
-      </p:graphicFrame>
+                <a:ea typeface="+mn-ea"/>
+                <a:cs typeface="+mn-cs"/>
+              </a:endParaRPr>
+            </a:p>
+          </p:txBody>
+        </p:sp>
+        <p:pic>
+          <p:nvPicPr>
+            <p:cNvPr id="11" name="Grafik 10"/>
+            <p:cNvPicPr>
+              <a:picLocks noChangeAspect="1"/>
+            </p:cNvPicPr>
+            <p:nvPr>
+              <p:custDataLst>
+                <p:tags r:id="rId2"/>
+              </p:custDataLst>
+            </p:nvPr>
+          </p:nvPicPr>
+          <p:blipFill>
+            <a:blip r:embed="rId9" cstate="print">
+              <a:extLst>
+                <a:ext uri="{28A0092B-C50C-407E-A947-70E740481C1C}">
+                  <a14:useLocalDpi xmlns:a14="http://schemas.microsoft.com/office/drawing/2010/main" val="0"/>
+                </a:ext>
+              </a:extLst>
+            </a:blip>
+            <a:stretch>
+              <a:fillRect/>
+            </a:stretch>
+          </p:blipFill>
+          <p:spPr>
+            <a:xfrm>
+              <a:off x="2574158" y="2025162"/>
+              <a:ext cx="2138276" cy="288707"/>
+            </a:xfrm>
+            <a:prstGeom prst="rect">
+              <a:avLst/>
+            </a:prstGeom>
+          </p:spPr>
+        </p:pic>
+        <p:pic>
+          <p:nvPicPr>
+            <p:cNvPr id="12" name="Grafik 11"/>
+            <p:cNvPicPr>
+              <a:picLocks noChangeAspect="1"/>
+            </p:cNvPicPr>
+            <p:nvPr>
+              <p:custDataLst>
+                <p:tags r:id="rId3"/>
+              </p:custDataLst>
+            </p:nvPr>
+          </p:nvPicPr>
+          <p:blipFill>
+            <a:blip r:embed="rId10" cstate="print">
+              <a:extLst>
+                <a:ext uri="{28A0092B-C50C-407E-A947-70E740481C1C}">
+                  <a14:useLocalDpi xmlns:a14="http://schemas.microsoft.com/office/drawing/2010/main" val="0"/>
+                </a:ext>
+              </a:extLst>
+            </a:blip>
+            <a:stretch>
+              <a:fillRect/>
+            </a:stretch>
+          </p:blipFill>
+          <p:spPr>
+            <a:xfrm>
+              <a:off x="2535208" y="2385202"/>
+              <a:ext cx="2139084" cy="290351"/>
+            </a:xfrm>
+            <a:prstGeom prst="rect">
+              <a:avLst/>
+            </a:prstGeom>
+          </p:spPr>
+        </p:pic>
+        <p:pic>
+          <p:nvPicPr>
+            <p:cNvPr id="13" name="Grafik 12"/>
+            <p:cNvPicPr>
+              <a:picLocks noChangeAspect="1"/>
+            </p:cNvPicPr>
+            <p:nvPr>
+              <p:custDataLst>
+                <p:tags r:id="rId4"/>
+              </p:custDataLst>
+            </p:nvPr>
+          </p:nvPicPr>
+          <p:blipFill>
+            <a:blip r:embed="rId11" cstate="print">
+              <a:extLst>
+                <a:ext uri="{28A0092B-C50C-407E-A947-70E740481C1C}">
+                  <a14:useLocalDpi xmlns:a14="http://schemas.microsoft.com/office/drawing/2010/main" val="0"/>
+                </a:ext>
+              </a:extLst>
+            </a:blip>
+            <a:stretch>
+              <a:fillRect/>
+            </a:stretch>
+          </p:blipFill>
+          <p:spPr>
+            <a:xfrm>
+              <a:off x="1591505" y="3126548"/>
+              <a:ext cx="2312231" cy="253019"/>
+            </a:xfrm>
+            <a:prstGeom prst="rect">
+              <a:avLst/>
+            </a:prstGeom>
+          </p:spPr>
+        </p:pic>
+        <p:pic>
+          <p:nvPicPr>
+            <p:cNvPr id="15" name="Grafik 14"/>
+            <p:cNvPicPr>
+              <a:picLocks noChangeAspect="1"/>
+            </p:cNvPicPr>
+            <p:nvPr>
+              <p:custDataLst>
+                <p:tags r:id="rId5"/>
+              </p:custDataLst>
+            </p:nvPr>
+          </p:nvPicPr>
+          <p:blipFill>
+            <a:blip r:embed="rId12" cstate="print">
+              <a:extLst>
+                <a:ext uri="{28A0092B-C50C-407E-A947-70E740481C1C}">
+                  <a14:useLocalDpi xmlns:a14="http://schemas.microsoft.com/office/drawing/2010/main" val="0"/>
+                </a:ext>
+              </a:extLst>
+            </a:blip>
+            <a:stretch>
+              <a:fillRect/>
+            </a:stretch>
+          </p:blipFill>
+          <p:spPr>
+            <a:xfrm>
+              <a:off x="1010815" y="3522755"/>
+              <a:ext cx="176809" cy="179857"/>
+            </a:xfrm>
+            <a:prstGeom prst="rect">
+              <a:avLst/>
+            </a:prstGeom>
+          </p:spPr>
+        </p:pic>
+        <p:pic>
+          <p:nvPicPr>
+            <p:cNvPr id="17" name="Grafik 16"/>
+            <p:cNvPicPr>
+              <a:picLocks noChangeAspect="1"/>
+            </p:cNvPicPr>
+            <p:nvPr>
+              <p:custDataLst>
+                <p:tags r:id="rId6"/>
+              </p:custDataLst>
+            </p:nvPr>
+          </p:nvPicPr>
+          <p:blipFill>
+            <a:blip r:embed="rId13" cstate="print">
+              <a:extLst>
+                <a:ext uri="{28A0092B-C50C-407E-A947-70E740481C1C}">
+                  <a14:useLocalDpi xmlns:a14="http://schemas.microsoft.com/office/drawing/2010/main" val="0"/>
+                </a:ext>
+              </a:extLst>
+            </a:blip>
+            <a:stretch>
+              <a:fillRect/>
+            </a:stretch>
+          </p:blipFill>
+          <p:spPr>
+            <a:xfrm>
+              <a:off x="1035964" y="3867894"/>
+              <a:ext cx="126510" cy="230156"/>
+            </a:xfrm>
+            <a:prstGeom prst="rect">
+              <a:avLst/>
+            </a:prstGeom>
+          </p:spPr>
+        </p:pic>
+      </p:grpSp>
     </p:spTree>
   </p:cSld>
   <p:clrMapOvr>
@@ -8419,15 +8596,19 @@
             <p:ph type="dt" sz="half" idx="10"/>
           </p:nvPr>
         </p:nvSpPr>
-        <p:spPr/>
+        <p:spPr>
+          <a:xfrm>
+            <a:off x="6588224" y="4876006"/>
+            <a:ext cx="2133600" cy="273844"/>
+          </a:xfrm>
+        </p:spPr>
         <p:txBody>
           <a:bodyPr/>
           <a:lstStyle/>
           <a:p>
-            <a:fld id="{1C72BD4E-61B2-40A3-A75C-5FDEDE8E5EC5}" type="datetime1">
-              <a:rPr lang="de-DE" smtClean="0"/>
-              <a:pPr/>
-              <a:t>16.06.2015</a:t>
+            <a:fld id="{4987A347-352C-4B4F-B3D9-7FF070EB9D55}" type="datetime1">
+              <a:rPr lang="de-DE" smtClean="0"/>
+              <a:t>17.06.2015</a:t>
             </a:fld>
             <a:endParaRPr lang="de-DE"/>
           </a:p>
@@ -8443,7 +8624,12 @@
             <p:ph type="ftr" sz="quarter" idx="11"/>
           </p:nvPr>
         </p:nvSpPr>
-        <p:spPr/>
+        <p:spPr>
+          <a:xfrm>
+            <a:off x="3131840" y="4876006"/>
+            <a:ext cx="2895600" cy="273844"/>
+          </a:xfrm>
+        </p:spPr>
         <p:txBody>
           <a:bodyPr/>
           <a:lstStyle/>
@@ -8466,7 +8652,12 @@
             <p:ph type="sldNum" sz="quarter" idx="12"/>
           </p:nvPr>
         </p:nvSpPr>
-        <p:spPr/>
+        <p:spPr>
+          <a:xfrm>
+            <a:off x="0" y="4869656"/>
+            <a:ext cx="467544" cy="273844"/>
+          </a:xfrm>
+        </p:spPr>
         <p:txBody>
           <a:bodyPr/>
           <a:lstStyle/>
@@ -8907,15 +9098,19 @@
             <p:ph type="dt" sz="half" idx="10"/>
           </p:nvPr>
         </p:nvSpPr>
-        <p:spPr/>
+        <p:spPr>
+          <a:xfrm>
+            <a:off x="6588224" y="4876006"/>
+            <a:ext cx="2133600" cy="273844"/>
+          </a:xfrm>
+        </p:spPr>
         <p:txBody>
           <a:bodyPr/>
           <a:lstStyle/>
           <a:p>
-            <a:fld id="{1C72BD4E-61B2-40A3-A75C-5FDEDE8E5EC5}" type="datetime1">
-              <a:rPr lang="de-DE" smtClean="0"/>
-              <a:pPr/>
-              <a:t>16.06.2015</a:t>
+            <a:fld id="{3639999C-1D72-4812-9BEC-6A84F856EB5A}" type="datetime1">
+              <a:rPr lang="de-DE" smtClean="0"/>
+              <a:t>17.06.2015</a:t>
             </a:fld>
             <a:endParaRPr lang="de-DE"/>
           </a:p>
@@ -8931,7 +9126,12 @@
             <p:ph type="ftr" sz="quarter" idx="11"/>
           </p:nvPr>
         </p:nvSpPr>
-        <p:spPr/>
+        <p:spPr>
+          <a:xfrm>
+            <a:off x="3131840" y="4876006"/>
+            <a:ext cx="2895600" cy="273844"/>
+          </a:xfrm>
+        </p:spPr>
         <p:txBody>
           <a:bodyPr/>
           <a:lstStyle/>
@@ -8954,7 +9154,12 @@
             <p:ph type="sldNum" sz="quarter" idx="12"/>
           </p:nvPr>
         </p:nvSpPr>
-        <p:spPr/>
+        <p:spPr>
+          <a:xfrm>
+            <a:off x="0" y="4869656"/>
+            <a:ext cx="467544" cy="273844"/>
+          </a:xfrm>
+        </p:spPr>
         <p:txBody>
           <a:bodyPr/>
           <a:lstStyle/>
@@ -9065,143 +9270,43 @@
           </a:p>
         </p:txBody>
       </p:sp>
-      <p:sp>
-        <p:nvSpPr>
-          <p:cNvPr id="9" name="Inhaltsplatzhalter 2"/>
-          <p:cNvSpPr txBox="1">
-            <a:spLocks/>
-          </p:cNvSpPr>
-          <p:nvPr/>
-        </p:nvSpPr>
-        <p:spPr>
-          <a:xfrm>
-            <a:off x="762000" y="1504951"/>
-            <a:ext cx="8229600" cy="2002904"/>
+      <p:pic>
+        <p:nvPicPr>
+          <p:cNvPr id="10" name="Grafik 9"/>
+          <p:cNvPicPr>
+            <a:picLocks noChangeAspect="1"/>
+          </p:cNvPicPr>
+          <p:nvPr>
+            <p:custDataLst>
+              <p:tags r:id="rId1"/>
+            </p:custDataLst>
+          </p:nvPr>
+        </p:nvPicPr>
+        <p:blipFill>
+          <a:blip r:embed="rId9" cstate="print">
+            <a:extLst>
+              <a:ext uri="{28A0092B-C50C-407E-A947-70E740481C1C}">
+                <a14:useLocalDpi xmlns:a14="http://schemas.microsoft.com/office/drawing/2010/main" val="0"/>
+              </a:ext>
+            </a:extLst>
+          </a:blip>
+          <a:stretch>
+            <a:fillRect/>
+          </a:stretch>
+        </p:blipFill>
+        <p:spPr>
+          <a:xfrm>
+            <a:off x="2771800" y="1185765"/>
+            <a:ext cx="2940206" cy="253019"/>
           </a:xfrm>
           <a:prstGeom prst="rect">
             <a:avLst/>
           </a:prstGeom>
         </p:spPr>
-        <p:txBody>
-          <a:bodyPr vert="horz" lIns="91440" tIns="45720" rIns="91440" bIns="45720" rtlCol="0">
-            <a:normAutofit/>
-          </a:bodyPr>
-          <a:lstStyle/>
-          <a:p>
-            <a:pPr marL="342900" lvl="0" indent="-342900">
-              <a:spcBef>
-                <a:spcPct val="20000"/>
-              </a:spcBef>
-            </a:pPr>
-            <a:r>
-              <a:rPr lang="de-DE" sz="2000" dirty="0" smtClean="0">
-                <a:latin typeface="Lato" pitchFamily="34" charset="0"/>
-              </a:rPr>
-              <a:t> </a:t>
-            </a:r>
-          </a:p>
-          <a:p>
-            <a:pPr marL="342900" lvl="0" indent="-342900">
-              <a:spcBef>
-                <a:spcPct val="20000"/>
-              </a:spcBef>
-            </a:pPr>
-            <a:r>
-              <a:rPr lang="de-DE" sz="2000" dirty="0" smtClean="0">
-                <a:latin typeface="Lato" pitchFamily="34" charset="0"/>
-              </a:rPr>
-              <a:t>	</a:t>
-            </a:r>
-            <a:endParaRPr kumimoji="0" lang="de-DE" sz="2000" b="0" i="0" u="none" strike="noStrike" kern="1200" cap="none" spc="0" normalizeH="0" baseline="0" noProof="0" dirty="0" smtClean="0">
-              <a:ln>
-                <a:noFill/>
-              </a:ln>
-              <a:solidFill>
-                <a:schemeClr val="tx1"/>
-              </a:solidFill>
-              <a:effectLst/>
-              <a:uLnTx/>
-              <a:uFillTx/>
-              <a:latin typeface="Lato" pitchFamily="34" charset="0"/>
-              <a:ea typeface="+mn-ea"/>
-              <a:cs typeface="+mn-cs"/>
-            </a:endParaRPr>
-          </a:p>
-        </p:txBody>
-      </p:sp>
-      <p:graphicFrame>
-        <p:nvGraphicFramePr>
-          <p:cNvPr id="48130" name="Object 2"/>
-          <p:cNvGraphicFramePr>
-            <a:graphicFrameLocks noChangeAspect="1"/>
-          </p:cNvGraphicFramePr>
-          <p:nvPr/>
-        </p:nvGraphicFramePr>
-        <p:xfrm>
-          <a:off x="755576" y="1274713"/>
-          <a:ext cx="2232025" cy="288925"/>
-        </p:xfrm>
-        <a:graphic>
-          <a:graphicData uri="http://schemas.openxmlformats.org/presentationml/2006/ole">
-            <mc:AlternateContent xmlns:mc="http://schemas.openxmlformats.org/markup-compatibility/2006">
-              <mc:Choice xmlns:v="urn:schemas-microsoft-com:vml" Requires="v">
-                <p:oleObj spid="_x0000_s48131" name="Formel" r:id="rId3" imgW="1574640" imgH="203040" progId="Equation.3">
-                  <p:embed/>
-                </p:oleObj>
-              </mc:Choice>
-              <mc:Fallback>
-                <p:oleObj name="Formel" r:id="rId3" imgW="1574640" imgH="203040" progId="Equation.3">
-                  <p:embed/>
-                  <p:pic>
-                    <p:nvPicPr>
-                      <p:cNvPr id="0" name="Picture 2"/>
-                      <p:cNvPicPr>
-                        <a:picLocks noChangeAspect="1" noChangeArrowheads="1"/>
-                      </p:cNvPicPr>
-                      <p:nvPr/>
-                    </p:nvPicPr>
-                    <p:blipFill>
-                      <a:blip r:embed="rId4">
-                        <a:extLst>
-                          <a:ext uri="{28A0092B-C50C-407E-A947-70E740481C1C}">
-                            <a14:useLocalDpi xmlns:a14="http://schemas.microsoft.com/office/drawing/2010/main" val="0"/>
-                          </a:ext>
-                        </a:extLst>
-                      </a:blip>
-                      <a:srcRect/>
-                      <a:stretch>
-                        <a:fillRect/>
-                      </a:stretch>
-                    </p:blipFill>
-                    <p:spPr bwMode="auto">
-                      <a:xfrm>
-                        <a:off x="755576" y="1274713"/>
-                        <a:ext cx="2232025" cy="288925"/>
-                      </a:xfrm>
-                      <a:prstGeom prst="rect">
-                        <a:avLst/>
-                      </a:prstGeom>
-                      <a:noFill/>
-                      <a:extLst>
-                        <a:ext uri="{909E8E84-426E-40DD-AFC4-6F175D3DCCD1}">
-                          <a14:hiddenFill xmlns:a14="http://schemas.microsoft.com/office/drawing/2010/main">
-                            <a:solidFill>
-                              <a:srgbClr val="FFFFFF"/>
-                            </a:solidFill>
-                          </a14:hiddenFill>
-                        </a:ext>
-                      </a:extLst>
-                    </p:spPr>
-                  </p:pic>
-                </p:oleObj>
-              </mc:Fallback>
-            </mc:AlternateContent>
-          </a:graphicData>
-        </a:graphic>
-      </p:graphicFrame>
-      <p:sp>
-        <p:nvSpPr>
-          <p:cNvPr id="11" name="Inhaltsplatzhalter 2"/>
+      </p:pic>
+      <p:sp>
+        <p:nvSpPr>
+          <p:cNvPr id="12" name="Inhaltsplatzhalter 2"/>
           <p:cNvSpPr txBox="1">
             <a:spLocks/>
           </p:cNvSpPr>
@@ -9209,7 +9314,7 @@
         </p:nvSpPr>
         <p:spPr>
           <a:xfrm>
-            <a:off x="611560" y="1792982"/>
+            <a:off x="611560" y="1504951"/>
             <a:ext cx="8229600" cy="2002904"/>
           </a:xfrm>
           <a:prstGeom prst="rect">
@@ -9254,7 +9359,357 @@
           </a:p>
         </p:txBody>
       </p:sp>
+      <p:grpSp>
+        <p:nvGrpSpPr>
+          <p:cNvPr id="21" name="Gruppieren 20"/>
+          <p:cNvGrpSpPr/>
+          <p:nvPr/>
+        </p:nvGrpSpPr>
+        <p:grpSpPr>
+          <a:xfrm>
+            <a:off x="762000" y="1864989"/>
+            <a:ext cx="5754216" cy="2002905"/>
+            <a:chOff x="762000" y="1864989"/>
+            <a:chExt cx="5754216" cy="2002905"/>
+          </a:xfrm>
+        </p:grpSpPr>
+        <p:grpSp>
+          <p:nvGrpSpPr>
+            <p:cNvPr id="20" name="Gruppieren 19"/>
+            <p:cNvGrpSpPr/>
+            <p:nvPr/>
+          </p:nvGrpSpPr>
+          <p:grpSpPr>
+            <a:xfrm>
+              <a:off x="762000" y="1864989"/>
+              <a:ext cx="5754216" cy="2002905"/>
+              <a:chOff x="762000" y="1491630"/>
+              <a:chExt cx="5754216" cy="2002905"/>
+            </a:xfrm>
+          </p:grpSpPr>
+          <p:sp>
+            <p:nvSpPr>
+              <p:cNvPr id="9" name="Inhaltsplatzhalter 2"/>
+              <p:cNvSpPr txBox="1">
+                <a:spLocks/>
+              </p:cNvSpPr>
+              <p:nvPr/>
+            </p:nvSpPr>
+            <p:spPr>
+              <a:xfrm>
+                <a:off x="762000" y="1491630"/>
+                <a:ext cx="5754216" cy="2002905"/>
+              </a:xfrm>
+              <a:prstGeom prst="rect">
+                <a:avLst/>
+              </a:prstGeom>
+            </p:spPr>
+            <p:txBody>
+              <a:bodyPr vert="horz" lIns="91440" tIns="45720" rIns="91440" bIns="45720" rtlCol="0">
+                <a:normAutofit/>
+              </a:bodyPr>
+              <a:lstStyle/>
+              <a:p>
+                <a:pPr marL="342900" lvl="0" indent="-342900">
+                  <a:spcBef>
+                    <a:spcPct val="20000"/>
+                  </a:spcBef>
+                  <a:buFont typeface="Arial" panose="020B0604020202020204" pitchFamily="34" charset="0"/>
+                  <a:buChar char="•"/>
+                </a:pPr>
+                <a:r>
+                  <a:rPr lang="de-DE" sz="2000" dirty="0" smtClean="0">
+                    <a:latin typeface="Lato" pitchFamily="34" charset="0"/>
+                  </a:rPr>
+                  <a:t>       :  Amplitude zum Zeitpunkt   </a:t>
+                </a:r>
+              </a:p>
+              <a:p>
+                <a:pPr marL="342900" lvl="0" indent="-342900">
+                  <a:spcBef>
+                    <a:spcPct val="20000"/>
+                  </a:spcBef>
+                  <a:buFont typeface="Arial" panose="020B0604020202020204" pitchFamily="34" charset="0"/>
+                  <a:buChar char="•"/>
+                </a:pPr>
+                <a:r>
+                  <a:rPr lang="de-DE" sz="2000" dirty="0" smtClean="0">
+                    <a:latin typeface="Lato" pitchFamily="34" charset="0"/>
+                  </a:rPr>
+                  <a:t>  :  Maximale Amplitude </a:t>
+                </a:r>
+              </a:p>
+              <a:p>
+                <a:pPr marL="342900" lvl="0" indent="-342900">
+                  <a:spcBef>
+                    <a:spcPct val="20000"/>
+                  </a:spcBef>
+                  <a:buFont typeface="Arial" panose="020B0604020202020204" pitchFamily="34" charset="0"/>
+                  <a:buChar char="•"/>
+                </a:pPr>
+                <a:r>
+                  <a:rPr lang="de-DE" sz="2000" dirty="0">
+                    <a:latin typeface="Lato" pitchFamily="34" charset="0"/>
+                  </a:rPr>
+                  <a:t> </a:t>
+                </a:r>
+                <a:r>
+                  <a:rPr lang="de-DE" sz="2000" dirty="0" smtClean="0">
+                    <a:latin typeface="Lato" pitchFamily="34" charset="0"/>
+                  </a:rPr>
+                  <a:t> :  Kreisfrequenz des Trägers in </a:t>
+                </a:r>
+              </a:p>
+              <a:p>
+                <a:pPr marL="342900" lvl="0" indent="-342900">
+                  <a:spcBef>
+                    <a:spcPct val="20000"/>
+                  </a:spcBef>
+                  <a:buFont typeface="Arial" panose="020B0604020202020204" pitchFamily="34" charset="0"/>
+                  <a:buChar char="•"/>
+                </a:pPr>
+                <a:r>
+                  <a:rPr lang="de-DE" sz="2000" dirty="0" smtClean="0">
+                    <a:latin typeface="Lato" pitchFamily="34" charset="0"/>
+                  </a:rPr>
+                  <a:t>  :  Kreisfrequenz des Modulators in </a:t>
+                </a:r>
+              </a:p>
+              <a:p>
+                <a:pPr marL="342900" lvl="0" indent="-342900">
+                  <a:spcBef>
+                    <a:spcPct val="20000"/>
+                  </a:spcBef>
+                  <a:buFont typeface="Arial" panose="020B0604020202020204" pitchFamily="34" charset="0"/>
+                  <a:buChar char="•"/>
+                </a:pPr>
+                <a:r>
+                  <a:rPr lang="de-DE" sz="2000" dirty="0">
+                    <a:latin typeface="Lato" pitchFamily="34" charset="0"/>
+                  </a:rPr>
+                  <a:t> </a:t>
+                </a:r>
+                <a:r>
+                  <a:rPr lang="de-DE" sz="2000" dirty="0" smtClean="0">
+                    <a:latin typeface="Lato" pitchFamily="34" charset="0"/>
+                  </a:rPr>
+                  <a:t> :  Modulationsindex</a:t>
+                </a:r>
+              </a:p>
+            </p:txBody>
+          </p:sp>
+          <p:pic>
+            <p:nvPicPr>
+              <p:cNvPr id="2" name="Grafik 1"/>
+              <p:cNvPicPr>
+                <a:picLocks noChangeAspect="1"/>
+              </p:cNvPicPr>
+              <p:nvPr>
+                <p:custDataLst>
+                  <p:tags r:id="rId3"/>
+                </p:custDataLst>
+              </p:nvPr>
+            </p:nvPicPr>
+            <p:blipFill>
+              <a:blip r:embed="rId10" cstate="print">
+                <a:extLst>
+                  <a:ext uri="{28A0092B-C50C-407E-A947-70E740481C1C}">
+                    <a14:useLocalDpi xmlns:a14="http://schemas.microsoft.com/office/drawing/2010/main" val="0"/>
+                  </a:ext>
+                </a:extLst>
+              </a:blip>
+              <a:stretch>
+                <a:fillRect/>
+              </a:stretch>
+            </p:blipFill>
+            <p:spPr>
+              <a:xfrm>
+                <a:off x="1103748" y="1598651"/>
+                <a:ext cx="371908" cy="253019"/>
+              </a:xfrm>
+              <a:prstGeom prst="rect">
+                <a:avLst/>
+              </a:prstGeom>
+            </p:spPr>
+          </p:pic>
+          <p:pic>
+            <p:nvPicPr>
+              <p:cNvPr id="3" name="Grafik 2"/>
+              <p:cNvPicPr>
+                <a:picLocks noChangeAspect="1"/>
+              </p:cNvPicPr>
+              <p:nvPr>
+                <p:custDataLst>
+                  <p:tags r:id="rId4"/>
+                </p:custDataLst>
+              </p:nvPr>
+            </p:nvPicPr>
+            <p:blipFill>
+              <a:blip r:embed="rId11" cstate="print">
+                <a:extLst>
+                  <a:ext uri="{28A0092B-C50C-407E-A947-70E740481C1C}">
+                    <a14:useLocalDpi xmlns:a14="http://schemas.microsoft.com/office/drawing/2010/main" val="0"/>
+                  </a:ext>
+                </a:extLst>
+              </a:blip>
+              <a:stretch>
+                <a:fillRect/>
+              </a:stretch>
+            </p:blipFill>
+            <p:spPr>
+              <a:xfrm>
+                <a:off x="1098364" y="2010854"/>
+                <a:ext cx="176833" cy="180607"/>
+              </a:xfrm>
+              <a:prstGeom prst="rect">
+                <a:avLst/>
+              </a:prstGeom>
+            </p:spPr>
+          </p:pic>
+          <p:pic>
+            <p:nvPicPr>
+              <p:cNvPr id="14" name="Grafik 13"/>
+              <p:cNvPicPr>
+                <a:picLocks noChangeAspect="1"/>
+              </p:cNvPicPr>
+              <p:nvPr>
+                <p:custDataLst>
+                  <p:tags r:id="rId5"/>
+                </p:custDataLst>
+              </p:nvPr>
+            </p:nvPicPr>
+            <p:blipFill>
+              <a:blip r:embed="rId12" cstate="print">
+                <a:extLst>
+                  <a:ext uri="{28A0092B-C50C-407E-A947-70E740481C1C}">
+                    <a14:useLocalDpi xmlns:a14="http://schemas.microsoft.com/office/drawing/2010/main" val="0"/>
+                  </a:ext>
+                </a:extLst>
+              </a:blip>
+              <a:stretch>
+                <a:fillRect/>
+              </a:stretch>
+            </p:blipFill>
+            <p:spPr>
+              <a:xfrm>
+                <a:off x="1115616" y="2405400"/>
+                <a:ext cx="141791" cy="115461"/>
+              </a:xfrm>
+              <a:prstGeom prst="rect">
+                <a:avLst/>
+              </a:prstGeom>
+            </p:spPr>
+          </p:pic>
+          <p:pic>
+            <p:nvPicPr>
+              <p:cNvPr id="16" name="Grafik 15"/>
+              <p:cNvPicPr>
+                <a:picLocks noChangeAspect="1"/>
+              </p:cNvPicPr>
+              <p:nvPr>
+                <p:custDataLst>
+                  <p:tags r:id="rId6"/>
+                </p:custDataLst>
+              </p:nvPr>
+            </p:nvPicPr>
+            <p:blipFill>
+              <a:blip r:embed="rId13" cstate="print">
+                <a:extLst>
+                  <a:ext uri="{28A0092B-C50C-407E-A947-70E740481C1C}">
+                    <a14:useLocalDpi xmlns:a14="http://schemas.microsoft.com/office/drawing/2010/main" val="0"/>
+                  </a:ext>
+                </a:extLst>
+              </a:blip>
+              <a:stretch>
+                <a:fillRect/>
+              </a:stretch>
+            </p:blipFill>
+            <p:spPr>
+              <a:xfrm>
+                <a:off x="1098365" y="2695517"/>
+                <a:ext cx="140269" cy="230439"/>
+              </a:xfrm>
+              <a:prstGeom prst="rect">
+                <a:avLst/>
+              </a:prstGeom>
+            </p:spPr>
+          </p:pic>
+          <p:pic>
+            <p:nvPicPr>
+              <p:cNvPr id="18" name="Grafik 17"/>
+              <p:cNvPicPr>
+                <a:picLocks noChangeAspect="1"/>
+              </p:cNvPicPr>
+              <p:nvPr>
+                <p:custDataLst>
+                  <p:tags r:id="rId7"/>
+                </p:custDataLst>
+              </p:nvPr>
+            </p:nvPicPr>
+            <p:blipFill>
+              <a:blip r:embed="rId14" cstate="print">
+                <a:extLst>
+                  <a:ext uri="{28A0092B-C50C-407E-A947-70E740481C1C}">
+                    <a14:useLocalDpi xmlns:a14="http://schemas.microsoft.com/office/drawing/2010/main" val="0"/>
+                  </a:ext>
+                </a:extLst>
+              </a:blip>
+              <a:stretch>
+                <a:fillRect/>
+              </a:stretch>
+            </p:blipFill>
+            <p:spPr>
+              <a:xfrm>
+                <a:off x="1115617" y="3075648"/>
+                <a:ext cx="120689" cy="175968"/>
+              </a:xfrm>
+              <a:prstGeom prst="rect">
+                <a:avLst/>
+              </a:prstGeom>
+            </p:spPr>
+          </p:pic>
+        </p:grpSp>
+        <p:pic>
+          <p:nvPicPr>
+            <p:cNvPr id="19" name="Grafik 18"/>
+            <p:cNvPicPr>
+              <a:picLocks noChangeAspect="1"/>
+            </p:cNvPicPr>
+            <p:nvPr>
+              <p:custDataLst>
+                <p:tags r:id="rId2"/>
+              </p:custDataLst>
+            </p:nvPr>
+          </p:nvPicPr>
+          <p:blipFill>
+            <a:blip r:embed="rId15" cstate="print">
+              <a:extLst>
+                <a:ext uri="{28A0092B-C50C-407E-A947-70E740481C1C}">
+                  <a14:useLocalDpi xmlns:a14="http://schemas.microsoft.com/office/drawing/2010/main" val="0"/>
+                </a:ext>
+              </a:extLst>
+            </a:blip>
+            <a:stretch>
+              <a:fillRect/>
+            </a:stretch>
+          </p:blipFill>
+          <p:spPr>
+            <a:xfrm>
+              <a:off x="4638281" y="1995686"/>
+              <a:ext cx="77735" cy="160042"/>
+            </a:xfrm>
+            <a:prstGeom prst="rect">
+              <a:avLst/>
+            </a:prstGeom>
+          </p:spPr>
+        </p:pic>
+      </p:grpSp>
     </p:spTree>
+    <p:extLst>
+      <p:ext uri="{BB962C8B-B14F-4D97-AF65-F5344CB8AC3E}">
+        <p14:creationId xmlns:p14="http://schemas.microsoft.com/office/powerpoint/2010/main" val="1622068234"/>
+      </p:ext>
+    </p:extLst>
   </p:cSld>
   <p:clrMapOvr>
     <a:masterClrMapping/>
@@ -9296,15 +9751,19 @@
             <p:ph type="dt" sz="half" idx="10"/>
           </p:nvPr>
         </p:nvSpPr>
-        <p:spPr/>
+        <p:spPr>
+          <a:xfrm>
+            <a:off x="6588224" y="4876006"/>
+            <a:ext cx="2133600" cy="273844"/>
+          </a:xfrm>
+        </p:spPr>
         <p:txBody>
           <a:bodyPr/>
           <a:lstStyle/>
           <a:p>
-            <a:fld id="{1C72BD4E-61B2-40A3-A75C-5FDEDE8E5EC5}" type="datetime1">
-              <a:rPr lang="de-DE" smtClean="0"/>
-              <a:pPr/>
-              <a:t>16.06.2015</a:t>
+            <a:fld id="{7609E643-4D96-4DED-8C33-CC201D580F3D}" type="datetime1">
+              <a:rPr lang="de-DE" smtClean="0"/>
+              <a:t>17.06.2015</a:t>
             </a:fld>
             <a:endParaRPr lang="de-DE"/>
           </a:p>
@@ -9320,7 +9779,12 @@
             <p:ph type="ftr" sz="quarter" idx="11"/>
           </p:nvPr>
         </p:nvSpPr>
-        <p:spPr/>
+        <p:spPr>
+          <a:xfrm>
+            <a:off x="3131840" y="4876006"/>
+            <a:ext cx="2895600" cy="273844"/>
+          </a:xfrm>
+        </p:spPr>
         <p:txBody>
           <a:bodyPr/>
           <a:lstStyle/>
@@ -9343,7 +9807,12 @@
             <p:ph type="sldNum" sz="quarter" idx="12"/>
           </p:nvPr>
         </p:nvSpPr>
-        <p:spPr/>
+        <p:spPr>
+          <a:xfrm>
+            <a:off x="0" y="4869656"/>
+            <a:ext cx="467544" cy="273844"/>
+          </a:xfrm>
+        </p:spPr>
         <p:txBody>
           <a:bodyPr/>
           <a:lstStyle/>
@@ -9366,7 +9835,7 @@
         <p:spPr>
           <a:xfrm>
             <a:off x="611560" y="195486"/>
-            <a:ext cx="3122971" cy="523220"/>
+            <a:ext cx="6345263" cy="523220"/>
           </a:xfrm>
           <a:prstGeom prst="rect">
             <a:avLst/>
@@ -9385,14 +9854,57 @@
               <a:rPr lang="de-DE" sz="2800" dirty="0" smtClean="0">
                 <a:latin typeface="Lato" pitchFamily="34" charset="0"/>
               </a:rPr>
-              <a:t>Zusammenfassung</a:t>
-            </a:r>
-          </a:p>
-        </p:txBody>
-      </p:sp>
-      <p:sp>
-        <p:nvSpPr>
-          <p:cNvPr id="8" name="Inhaltsplatzhalter 2"/>
+              <a:t>Grundlagen: Parameter nach </a:t>
+            </a:r>
+            <a:r>
+              <a:rPr lang="de-DE" sz="2800" dirty="0" err="1" smtClean="0">
+                <a:latin typeface="Lato" pitchFamily="34" charset="0"/>
+              </a:rPr>
+              <a:t>Chowning</a:t>
+            </a:r>
+            <a:endParaRPr lang="de-DE" sz="2800" dirty="0" smtClean="0">
+              <a:latin typeface="Lato" pitchFamily="34" charset="0"/>
+            </a:endParaRPr>
+          </a:p>
+        </p:txBody>
+      </p:sp>
+      <p:pic>
+        <p:nvPicPr>
+          <p:cNvPr id="10" name="Grafik 9"/>
+          <p:cNvPicPr>
+            <a:picLocks noChangeAspect="1"/>
+          </p:cNvPicPr>
+          <p:nvPr>
+            <p:custDataLst>
+              <p:tags r:id="rId1"/>
+            </p:custDataLst>
+          </p:nvPr>
+        </p:nvPicPr>
+        <p:blipFill>
+          <a:blip r:embed="rId9" cstate="print">
+            <a:extLst>
+              <a:ext uri="{28A0092B-C50C-407E-A947-70E740481C1C}">
+                <a14:useLocalDpi xmlns:a14="http://schemas.microsoft.com/office/drawing/2010/main" val="0"/>
+              </a:ext>
+            </a:extLst>
+          </a:blip>
+          <a:stretch>
+            <a:fillRect/>
+          </a:stretch>
+        </p:blipFill>
+        <p:spPr>
+          <a:xfrm>
+            <a:off x="2771800" y="1185765"/>
+            <a:ext cx="2940206" cy="253019"/>
+          </a:xfrm>
+          <a:prstGeom prst="rect">
+            <a:avLst/>
+          </a:prstGeom>
+        </p:spPr>
+      </p:pic>
+      <p:sp>
+        <p:nvSpPr>
+          <p:cNvPr id="12" name="Inhaltsplatzhalter 2"/>
           <p:cNvSpPr txBox="1">
             <a:spLocks/>
           </p:cNvSpPr>
@@ -9400,8 +9912,8 @@
         </p:nvSpPr>
         <p:spPr>
           <a:xfrm>
-            <a:off x="609600" y="1352550"/>
-            <a:ext cx="8229600" cy="3595463"/>
+            <a:off x="611560" y="1504951"/>
+            <a:ext cx="8229600" cy="2002904"/>
           </a:xfrm>
           <a:prstGeom prst="rect">
             <a:avLst/>
@@ -9447,16 +9959,20 @@
       </p:sp>
       <p:sp>
         <p:nvSpPr>
-          <p:cNvPr id="9" name="Inhaltsplatzhalter 2"/>
+          <p:cNvPr id="8" name="Inhaltsplatzhalter 2"/>
           <p:cNvSpPr txBox="1">
             <a:spLocks/>
           </p:cNvSpPr>
-          <p:nvPr/>
-        </p:nvSpPr>
-        <p:spPr>
-          <a:xfrm>
-            <a:off x="762000" y="1504951"/>
-            <a:ext cx="8229600" cy="2002904"/>
+          <p:nvPr>
+            <p:custDataLst>
+              <p:tags r:id="rId2"/>
+            </p:custDataLst>
+          </p:nvPr>
+        </p:nvSpPr>
+        <p:spPr>
+          <a:xfrm>
+            <a:off x="609600" y="1275606"/>
+            <a:ext cx="8229600" cy="3595463"/>
           </a:xfrm>
           <a:prstGeom prst="rect">
             <a:avLst/>
@@ -9468,30 +9984,21 @@
           </a:bodyPr>
           <a:lstStyle/>
           <a:p>
-            <a:pPr marL="342900" lvl="0" indent="-342900">
+            <a:pPr marL="342900" marR="0" lvl="0" indent="-342900" algn="l" defTabSz="914400" rtl="0" eaLnBrk="1" fontAlgn="auto" latinLnBrk="0" hangingPunct="1">
+              <a:lnSpc>
+                <a:spcPct val="100000"/>
+              </a:lnSpc>
               <a:spcBef>
                 <a:spcPct val="20000"/>
               </a:spcBef>
+              <a:spcAft>
+                <a:spcPts val="0"/>
+              </a:spcAft>
+              <a:buClrTx/>
+              <a:buSzTx/>
+              <a:tabLst/>
+              <a:defRPr/>
             </a:pPr>
-            <a:r>
-              <a:rPr lang="de-DE" sz="2000" dirty="0" smtClean="0">
-                <a:latin typeface="Lato" pitchFamily="34" charset="0"/>
-              </a:rPr>
-              <a:t> </a:t>
-            </a:r>
-          </a:p>
-          <a:p>
-            <a:pPr marL="342900" lvl="0" indent="-342900">
-              <a:spcBef>
-                <a:spcPct val="20000"/>
-              </a:spcBef>
-            </a:pPr>
-            <a:r>
-              <a:rPr lang="de-DE" sz="2000" dirty="0" smtClean="0">
-                <a:latin typeface="Lato" pitchFamily="34" charset="0"/>
-              </a:rPr>
-              <a:t>	</a:t>
-            </a:r>
             <a:endParaRPr kumimoji="0" lang="de-DE" sz="2000" b="0" i="0" u="none" strike="noStrike" kern="1200" cap="none" spc="0" normalizeH="0" baseline="0" noProof="0" dirty="0" smtClean="0">
               <a:ln>
                 <a:noFill/>
@@ -9509,9 +10016,43 @@
           </a:p>
         </p:txBody>
       </p:sp>
-      <p:sp>
-        <p:nvSpPr>
-          <p:cNvPr id="10" name="Inhaltsplatzhalter 2"/>
+      <p:pic>
+        <p:nvPicPr>
+          <p:cNvPr id="23" name="Grafik 22"/>
+          <p:cNvPicPr>
+            <a:picLocks noChangeAspect="1"/>
+          </p:cNvPicPr>
+          <p:nvPr>
+            <p:custDataLst>
+              <p:tags r:id="rId3"/>
+            </p:custDataLst>
+          </p:nvPr>
+        </p:nvPicPr>
+        <p:blipFill>
+          <a:blip r:embed="rId10" cstate="print">
+            <a:extLst>
+              <a:ext uri="{28A0092B-C50C-407E-A947-70E740481C1C}">
+                <a14:useLocalDpi xmlns:a14="http://schemas.microsoft.com/office/drawing/2010/main" val="0"/>
+              </a:ext>
+            </a:extLst>
+          </a:blip>
+          <a:stretch>
+            <a:fillRect/>
+          </a:stretch>
+        </p:blipFill>
+        <p:spPr>
+          <a:xfrm>
+            <a:off x="3307601" y="1926899"/>
+            <a:ext cx="688335" cy="320558"/>
+          </a:xfrm>
+          <a:prstGeom prst="rect">
+            <a:avLst/>
+          </a:prstGeom>
+        </p:spPr>
+      </p:pic>
+      <p:sp>
+        <p:nvSpPr>
+          <p:cNvPr id="9" name="Inhaltsplatzhalter 2"/>
           <p:cNvSpPr txBox="1">
             <a:spLocks/>
           </p:cNvSpPr>
@@ -9519,8 +10060,8 @@
         </p:nvSpPr>
         <p:spPr>
           <a:xfrm>
-            <a:off x="611560" y="1131590"/>
-            <a:ext cx="8229600" cy="2002904"/>
+            <a:off x="762000" y="1864989"/>
+            <a:ext cx="7770440" cy="2002905"/>
           </a:xfrm>
           <a:prstGeom prst="rect">
             <a:avLst/>
@@ -9536,33 +10077,412 @@
               <a:spcBef>
                 <a:spcPct val="20000"/>
               </a:spcBef>
-              <a:buFont typeface="Arial" pitchFamily="34" charset="0"/>
+              <a:buFont typeface="Arial" panose="020B0604020202020204" pitchFamily="34" charset="0"/>
               <a:buChar char="•"/>
             </a:pPr>
             <a:r>
+              <a:rPr lang="de-DE" sz="2000" dirty="0" smtClean="0">
+                <a:latin typeface="Lato" pitchFamily="34" charset="0"/>
+              </a:rPr>
+              <a:t>Modulationsindex</a:t>
+            </a:r>
+          </a:p>
+          <a:p>
+            <a:pPr marL="800100" lvl="1" indent="-342900">
+              <a:spcBef>
+                <a:spcPct val="20000"/>
+              </a:spcBef>
+              <a:buFont typeface="Arial" panose="020B0604020202020204" pitchFamily="34" charset="0"/>
+              <a:buChar char="•"/>
+            </a:pPr>
+            <a:r>
+              <a:rPr lang="de-DE" sz="2000" dirty="0" smtClean="0">
+                <a:latin typeface="Lato" pitchFamily="34" charset="0"/>
+              </a:rPr>
+              <a:t> :  Frequenzhub der Modulation</a:t>
+            </a:r>
+          </a:p>
+          <a:p>
+            <a:pPr marL="800100" lvl="1" indent="-342900">
+              <a:spcBef>
+                <a:spcPct val="20000"/>
+              </a:spcBef>
+              <a:buFont typeface="Arial" panose="020B0604020202020204" pitchFamily="34" charset="0"/>
+              <a:buChar char="•"/>
+            </a:pPr>
+            <a:r>
+              <a:rPr lang="de-DE" sz="2000" dirty="0">
+                <a:latin typeface="Lato" pitchFamily="34" charset="0"/>
+              </a:rPr>
+              <a:t> </a:t>
+            </a:r>
+            <a:r>
+              <a:rPr lang="de-DE" sz="2000" dirty="0" smtClean="0">
+                <a:latin typeface="Lato" pitchFamily="34" charset="0"/>
+              </a:rPr>
+              <a:t> 	:  Kreisfrequenz des Modulators</a:t>
+            </a:r>
+          </a:p>
+          <a:p>
+            <a:pPr lvl="1">
+              <a:spcBef>
+                <a:spcPct val="20000"/>
+              </a:spcBef>
+            </a:pPr>
+            <a:r>
+              <a:rPr lang="de-DE" sz="2000" dirty="0" smtClean="0">
+                <a:latin typeface="Lato" pitchFamily="34" charset="0"/>
+              </a:rPr>
+              <a:t>	= Verhältnis Frequenzhub zu </a:t>
+            </a:r>
+            <a:r>
               <a:rPr lang="de-DE" sz="2000" dirty="0" err="1" smtClean="0">
                 <a:latin typeface="Lato" pitchFamily="34" charset="0"/>
               </a:rPr>
-              <a:t>Lorem</a:t>
-            </a:r>
-            <a:r>
-              <a:rPr lang="de-DE" sz="2000" dirty="0" smtClean="0">
-                <a:latin typeface="Lato" pitchFamily="34" charset="0"/>
-              </a:rPr>
-              <a:t> </a:t>
-            </a:r>
-            <a:r>
-              <a:rPr lang="de-DE" sz="2000" dirty="0" err="1" smtClean="0">
-                <a:latin typeface="Lato" pitchFamily="34" charset="0"/>
-              </a:rPr>
-              <a:t>Ipsum</a:t>
-            </a:r>
-            <a:r>
-              <a:rPr lang="de-DE" sz="2000" dirty="0" smtClean="0">
-                <a:latin typeface="Lato" pitchFamily="34" charset="0"/>
-              </a:rPr>
-              <a:t>!</a:t>
-            </a:r>
+              <a:t>Modulatorfrequenz</a:t>
+            </a:r>
+            <a:endParaRPr lang="de-DE" sz="2000" dirty="0" smtClean="0">
+              <a:latin typeface="Lato" pitchFamily="34" charset="0"/>
+            </a:endParaRPr>
+          </a:p>
+          <a:p>
+            <a:pPr marL="914400" lvl="1" indent="-457200">
+              <a:spcBef>
+                <a:spcPct val="20000"/>
+              </a:spcBef>
+              <a:buFont typeface="Arial" panose="020B0604020202020204" pitchFamily="34" charset="0"/>
+              <a:buChar char="•"/>
+            </a:pPr>
+            <a:endParaRPr lang="de-DE" sz="2000" dirty="0" smtClean="0">
+              <a:latin typeface="Lato" pitchFamily="34" charset="0"/>
+            </a:endParaRPr>
+          </a:p>
+        </p:txBody>
+      </p:sp>
+      <p:pic>
+        <p:nvPicPr>
+          <p:cNvPr id="25" name="Grafik 24"/>
+          <p:cNvPicPr>
+            <a:picLocks noChangeAspect="1"/>
+          </p:cNvPicPr>
+          <p:nvPr>
+            <p:custDataLst>
+              <p:tags r:id="rId4"/>
+            </p:custDataLst>
+          </p:nvPr>
+        </p:nvPicPr>
+        <p:blipFill>
+          <a:blip r:embed="rId11" cstate="print">
+            <a:extLst>
+              <a:ext uri="{28A0092B-C50C-407E-A947-70E740481C1C}">
+                <a14:useLocalDpi xmlns:a14="http://schemas.microsoft.com/office/drawing/2010/main" val="0"/>
+              </a:ext>
+            </a:extLst>
+          </a:blip>
+          <a:stretch>
+            <a:fillRect/>
+          </a:stretch>
+        </p:blipFill>
+        <p:spPr>
+          <a:xfrm>
+            <a:off x="1526398" y="2338703"/>
+            <a:ext cx="120413" cy="178333"/>
+          </a:xfrm>
+          <a:prstGeom prst="rect">
+            <a:avLst/>
+          </a:prstGeom>
+        </p:spPr>
+      </p:pic>
+      <p:pic>
+        <p:nvPicPr>
+          <p:cNvPr id="26" name="Grafik 25"/>
+          <p:cNvPicPr>
+            <a:picLocks noChangeAspect="1"/>
+          </p:cNvPicPr>
+          <p:nvPr>
+            <p:custDataLst>
+              <p:tags r:id="rId5"/>
+            </p:custDataLst>
+          </p:nvPr>
+        </p:nvPicPr>
+        <p:blipFill>
+          <a:blip r:embed="rId12" cstate="print">
+            <a:extLst>
+              <a:ext uri="{28A0092B-C50C-407E-A947-70E740481C1C}">
+                <a14:useLocalDpi xmlns:a14="http://schemas.microsoft.com/office/drawing/2010/main" val="0"/>
+              </a:ext>
+            </a:extLst>
+          </a:blip>
+          <a:stretch>
+            <a:fillRect/>
+          </a:stretch>
+        </p:blipFill>
+        <p:spPr>
+          <a:xfrm>
+            <a:off x="1493590" y="2745466"/>
+            <a:ext cx="207293" cy="114316"/>
+          </a:xfrm>
+          <a:prstGeom prst="rect">
+            <a:avLst/>
+          </a:prstGeom>
+        </p:spPr>
+      </p:pic>
+      <p:pic>
+        <p:nvPicPr>
+          <p:cNvPr id="27" name="Grafik 26"/>
+          <p:cNvPicPr>
+            <a:picLocks noChangeAspect="1"/>
+          </p:cNvPicPr>
+          <p:nvPr>
+            <p:custDataLst>
+              <p:tags r:id="rId6"/>
+            </p:custDataLst>
+          </p:nvPr>
+        </p:nvPicPr>
+        <p:blipFill>
+          <a:blip r:embed="rId13" cstate="print">
+            <a:extLst>
+              <a:ext uri="{28A0092B-C50C-407E-A947-70E740481C1C}">
+                <a14:useLocalDpi xmlns:a14="http://schemas.microsoft.com/office/drawing/2010/main" val="0"/>
+              </a:ext>
+            </a:extLst>
+          </a:blip>
+          <a:stretch>
+            <a:fillRect/>
+          </a:stretch>
+        </p:blipFill>
+        <p:spPr>
+          <a:xfrm>
+            <a:off x="1312094" y="3096064"/>
+            <a:ext cx="224059" cy="138703"/>
+          </a:xfrm>
+          <a:prstGeom prst="rect">
+            <a:avLst/>
+          </a:prstGeom>
+        </p:spPr>
+      </p:pic>
+      <p:pic>
+        <p:nvPicPr>
+          <p:cNvPr id="28" name="Grafik 27"/>
+          <p:cNvPicPr>
+            <a:picLocks noChangeAspect="1"/>
+          </p:cNvPicPr>
+          <p:nvPr>
+            <p:custDataLst>
+              <p:tags r:id="rId7"/>
+            </p:custDataLst>
+          </p:nvPr>
+        </p:nvPicPr>
+        <p:blipFill>
+          <a:blip r:embed="rId14" cstate="print">
+            <a:extLst>
+              <a:ext uri="{28A0092B-C50C-407E-A947-70E740481C1C}">
+                <a14:useLocalDpi xmlns:a14="http://schemas.microsoft.com/office/drawing/2010/main" val="0"/>
+              </a:ext>
+            </a:extLst>
+          </a:blip>
+          <a:stretch>
+            <a:fillRect/>
+          </a:stretch>
+        </p:blipFill>
+        <p:spPr>
+          <a:xfrm>
+            <a:off x="1597236" y="3088212"/>
+            <a:ext cx="120689" cy="175968"/>
+          </a:xfrm>
+          <a:prstGeom prst="rect">
+            <a:avLst/>
+          </a:prstGeom>
+        </p:spPr>
+      </p:pic>
+    </p:spTree>
+  </p:cSld>
+  <p:clrMapOvr>
+    <a:masterClrMapping/>
+  </p:clrMapOvr>
+  <p:timing>
+    <p:tnLst>
+      <p:par>
+        <p:cTn id="1" dur="indefinite" restart="never" nodeType="tmRoot"/>
+      </p:par>
+    </p:tnLst>
+  </p:timing>
+</p:sld>
+</file>
+
+<file path=ppt/slides/slide27.xml><?xml version="1.0" encoding="utf-8"?>
+<p:sld xmlns:a="http://schemas.openxmlformats.org/drawingml/2006/main" xmlns:r="http://schemas.openxmlformats.org/officeDocument/2006/relationships" xmlns:p="http://schemas.openxmlformats.org/presentationml/2006/main">
+  <p:cSld>
+    <p:spTree>
+      <p:nvGrpSpPr>
+        <p:cNvPr id="1" name=""/>
+        <p:cNvGrpSpPr/>
+        <p:nvPr/>
+      </p:nvGrpSpPr>
+      <p:grpSpPr>
+        <a:xfrm>
+          <a:off x="0" y="0"/>
+          <a:ext cx="0" cy="0"/>
+          <a:chOff x="0" y="0"/>
+          <a:chExt cx="0" cy="0"/>
+        </a:xfrm>
+      </p:grpSpPr>
+      <p:sp>
+        <p:nvSpPr>
+          <p:cNvPr id="4" name="Datumsplatzhalter 3"/>
+          <p:cNvSpPr>
+            <a:spLocks noGrp="1"/>
+          </p:cNvSpPr>
+          <p:nvPr>
+            <p:ph type="dt" sz="half" idx="10"/>
+          </p:nvPr>
+        </p:nvSpPr>
+        <p:spPr>
+          <a:xfrm>
+            <a:off x="6588224" y="4876006"/>
+            <a:ext cx="2133600" cy="273844"/>
+          </a:xfrm>
+        </p:spPr>
+        <p:txBody>
+          <a:bodyPr/>
+          <a:lstStyle/>
+          <a:p>
+            <a:fld id="{4076B8EE-21E0-40B1-8970-CDA6027CB94F}" type="datetime1">
+              <a:rPr lang="de-DE" smtClean="0"/>
+              <a:t>17.06.2015</a:t>
+            </a:fld>
+            <a:endParaRPr lang="de-DE"/>
+          </a:p>
+        </p:txBody>
+      </p:sp>
+      <p:sp>
+        <p:nvSpPr>
+          <p:cNvPr id="5" name="Fußzeilenplatzhalter 4"/>
+          <p:cNvSpPr>
+            <a:spLocks noGrp="1"/>
+          </p:cNvSpPr>
+          <p:nvPr>
+            <p:ph type="ftr" sz="quarter" idx="11"/>
+          </p:nvPr>
+        </p:nvSpPr>
+        <p:spPr>
+          <a:xfrm>
+            <a:off x="3131840" y="4876006"/>
+            <a:ext cx="2895600" cy="273844"/>
+          </a:xfrm>
+        </p:spPr>
+        <p:txBody>
+          <a:bodyPr/>
+          <a:lstStyle/>
+          <a:p>
+            <a:r>
+              <a:rPr lang="de-DE" smtClean="0"/>
+              <a:t>FM-Synthese</a:t>
+            </a:r>
+            <a:endParaRPr lang="de-DE"/>
+          </a:p>
+        </p:txBody>
+      </p:sp>
+      <p:sp>
+        <p:nvSpPr>
+          <p:cNvPr id="6" name="Foliennummernplatzhalter 5"/>
+          <p:cNvSpPr>
+            <a:spLocks noGrp="1"/>
+          </p:cNvSpPr>
+          <p:nvPr>
+            <p:ph type="sldNum" sz="quarter" idx="12"/>
+          </p:nvPr>
+        </p:nvSpPr>
+        <p:spPr>
+          <a:xfrm>
+            <a:off x="0" y="4869656"/>
+            <a:ext cx="467544" cy="273844"/>
+          </a:xfrm>
+        </p:spPr>
+        <p:txBody>
+          <a:bodyPr/>
+          <a:lstStyle/>
+          <a:p>
+            <a:fld id="{6C6AE60A-B69C-4790-82F7-3882EDF23186}" type="slidenum">
+              <a:rPr lang="de-DE" smtClean="0"/>
+              <a:pPr/>
+              <a:t>27</a:t>
+            </a:fld>
+            <a:endParaRPr lang="de-DE" dirty="0"/>
+          </a:p>
+        </p:txBody>
+      </p:sp>
+      <p:sp>
+        <p:nvSpPr>
+          <p:cNvPr id="7" name="Rechteck 6"/>
+          <p:cNvSpPr/>
+          <p:nvPr/>
+        </p:nvSpPr>
+        <p:spPr>
+          <a:xfrm>
+            <a:off x="611560" y="195486"/>
+            <a:ext cx="3122971" cy="523220"/>
+          </a:xfrm>
+          <a:prstGeom prst="rect">
+            <a:avLst/>
+          </a:prstGeom>
+        </p:spPr>
+        <p:txBody>
+          <a:bodyPr wrap="none">
+            <a:spAutoFit/>
+          </a:bodyPr>
+          <a:lstStyle/>
+          <a:p>
+            <a:pPr>
+              <a:buNone/>
+            </a:pPr>
+            <a:r>
+              <a:rPr lang="de-DE" sz="2800" dirty="0" smtClean="0">
+                <a:latin typeface="Lato" pitchFamily="34" charset="0"/>
+              </a:rPr>
+              <a:t>Zusammenfassung</a:t>
+            </a:r>
+          </a:p>
+        </p:txBody>
+      </p:sp>
+      <p:sp>
+        <p:nvSpPr>
+          <p:cNvPr id="11" name="Inhaltsplatzhalter 2"/>
+          <p:cNvSpPr txBox="1">
+            <a:spLocks/>
+          </p:cNvSpPr>
+          <p:nvPr/>
+        </p:nvSpPr>
+        <p:spPr>
+          <a:xfrm>
+            <a:off x="611560" y="1792982"/>
+            <a:ext cx="8229600" cy="2002904"/>
+          </a:xfrm>
+          <a:prstGeom prst="rect">
+            <a:avLst/>
+          </a:prstGeom>
+        </p:spPr>
+        <p:txBody>
+          <a:bodyPr vert="horz" lIns="91440" tIns="45720" rIns="91440" bIns="45720" rtlCol="0">
+            <a:normAutofit/>
+          </a:bodyPr>
+          <a:lstStyle/>
+          <a:p>
+            <a:pPr marL="342900" marR="0" lvl="0" indent="-342900" algn="l" defTabSz="914400" rtl="0" eaLnBrk="1" fontAlgn="auto" latinLnBrk="0" hangingPunct="1">
+              <a:lnSpc>
+                <a:spcPct val="100000"/>
+              </a:lnSpc>
+              <a:spcBef>
+                <a:spcPct val="20000"/>
+              </a:spcBef>
+              <a:spcAft>
+                <a:spcPts val="0"/>
+              </a:spcAft>
+              <a:buClrTx/>
+              <a:buSzTx/>
+              <a:tabLst/>
+              <a:defRPr/>
+            </a:pPr>
             <a:endParaRPr kumimoji="0" lang="de-DE" sz="2000" b="0" i="0" u="none" strike="noStrike" kern="1200" cap="none" spc="0" normalizeH="0" baseline="0" noProof="0" dirty="0" smtClean="0">
               <a:ln>
                 <a:noFill/>
@@ -9581,6 +10501,11 @@
         </p:txBody>
       </p:sp>
     </p:spTree>
+    <p:extLst>
+      <p:ext uri="{BB962C8B-B14F-4D97-AF65-F5344CB8AC3E}">
+        <p14:creationId xmlns:p14="http://schemas.microsoft.com/office/powerpoint/2010/main" val="3425214825"/>
+      </p:ext>
+    </p:extLst>
   </p:cSld>
   <p:clrMapOvr>
     <a:masterClrMapping/>
@@ -9688,12 +10613,25 @@
             </a:r>
           </a:p>
           <a:p>
+            <a:pPr marL="0" indent="0">
+              <a:buNone/>
+            </a:pPr>
+            <a:endParaRPr lang="de-DE" sz="2000" dirty="0" smtClean="0">
+              <a:latin typeface="Lato" pitchFamily="34" charset="0"/>
+            </a:endParaRPr>
+          </a:p>
+          <a:p>
             <a:r>
               <a:rPr lang="de-DE" sz="2000" dirty="0" smtClean="0">
                 <a:latin typeface="Lato" pitchFamily="34" charset="0"/>
               </a:rPr>
               <a:t>Formel: </a:t>
             </a:r>
+          </a:p>
+          <a:p>
+            <a:endParaRPr lang="de-DE" sz="2000" dirty="0" smtClean="0">
+              <a:latin typeface="Lato" pitchFamily="34" charset="0"/>
+            </a:endParaRPr>
           </a:p>
           <a:p>
             <a:r>
@@ -9718,15 +10656,19 @@
             <p:ph type="dt" sz="half" idx="10"/>
           </p:nvPr>
         </p:nvSpPr>
-        <p:spPr/>
+        <p:spPr>
+          <a:xfrm>
+            <a:off x="6588224" y="4876006"/>
+            <a:ext cx="2133600" cy="273844"/>
+          </a:xfrm>
+        </p:spPr>
         <p:txBody>
           <a:bodyPr/>
           <a:lstStyle/>
           <a:p>
-            <a:fld id="{1C72BD4E-61B2-40A3-A75C-5FDEDE8E5EC5}" type="datetime1">
-              <a:rPr lang="de-DE" smtClean="0"/>
-              <a:pPr/>
-              <a:t>16.06.2015</a:t>
+            <a:fld id="{73EBDB3D-1284-4703-8FAB-D9B5400C77DD}" type="datetime1">
+              <a:rPr lang="de-DE" smtClean="0"/>
+              <a:t>17.06.2015</a:t>
             </a:fld>
             <a:endParaRPr lang="de-DE"/>
           </a:p>
@@ -9742,7 +10684,12 @@
             <p:ph type="ftr" sz="quarter" idx="11"/>
           </p:nvPr>
         </p:nvSpPr>
-        <p:spPr/>
+        <p:spPr>
+          <a:xfrm>
+            <a:off x="3131840" y="4876006"/>
+            <a:ext cx="2895600" cy="273844"/>
+          </a:xfrm>
+        </p:spPr>
         <p:txBody>
           <a:bodyPr/>
           <a:lstStyle/>
@@ -9765,7 +10712,12 @@
             <p:ph type="sldNum" sz="quarter" idx="12"/>
           </p:nvPr>
         </p:nvSpPr>
-        <p:spPr/>
+        <p:spPr>
+          <a:xfrm>
+            <a:off x="0" y="4869656"/>
+            <a:ext cx="467544" cy="273844"/>
+          </a:xfrm>
+        </p:spPr>
         <p:txBody>
           <a:bodyPr/>
           <a:lstStyle/>
@@ -9779,76 +10731,40 @@
           </a:p>
         </p:txBody>
       </p:sp>
-      <p:graphicFrame>
-        <p:nvGraphicFramePr>
-          <p:cNvPr id="7" name="Objekt 6"/>
-          <p:cNvGraphicFramePr>
-            <a:graphicFrameLocks noChangeAspect="1"/>
-          </p:cNvGraphicFramePr>
-          <p:nvPr/>
-        </p:nvGraphicFramePr>
-        <p:xfrm>
-          <a:off x="1835150" y="2859088"/>
-          <a:ext cx="2232025" cy="288925"/>
-        </p:xfrm>
-        <a:graphic>
-          <a:graphicData uri="http://schemas.openxmlformats.org/presentationml/2006/ole">
-            <mc:AlternateContent xmlns:mc="http://schemas.openxmlformats.org/markup-compatibility/2006">
-              <mc:Choice xmlns:v="urn:schemas-microsoft-com:vml" Requires="v">
-                <p:oleObj spid="_x0000_s47107" name="Formel" r:id="rId3" imgW="1574640" imgH="203040" progId="Equation.3">
-                  <p:embed/>
-                </p:oleObj>
-              </mc:Choice>
-              <mc:Fallback>
-                <p:oleObj name="Formel" r:id="rId3" imgW="1574640" imgH="203040" progId="Equation.3">
-                  <p:embed/>
-                  <p:pic>
-                    <p:nvPicPr>
-                      <p:cNvPr id="0" name="Picture 2"/>
-                      <p:cNvPicPr>
-                        <a:picLocks noChangeAspect="1" noChangeArrowheads="1"/>
-                      </p:cNvPicPr>
-                      <p:nvPr/>
-                    </p:nvPicPr>
-                    <p:blipFill>
-                      <a:blip r:embed="rId4">
-                        <a:extLst>
-                          <a:ext uri="{28A0092B-C50C-407E-A947-70E740481C1C}">
-                            <a14:useLocalDpi xmlns:a14="http://schemas.microsoft.com/office/drawing/2010/main" val="0"/>
-                          </a:ext>
-                        </a:extLst>
-                      </a:blip>
-                      <a:srcRect/>
-                      <a:stretch>
-                        <a:fillRect/>
-                      </a:stretch>
-                    </p:blipFill>
-                    <p:spPr bwMode="auto">
-                      <a:xfrm>
-                        <a:off x="1835150" y="2859088"/>
-                        <a:ext cx="2232025" cy="288925"/>
-                      </a:xfrm>
-                      <a:prstGeom prst="rect">
-                        <a:avLst/>
-                      </a:prstGeom>
-                      <a:noFill/>
-                      <a:extLst>
-                        <a:ext uri="{909E8E84-426E-40DD-AFC4-6F175D3DCCD1}">
-                          <a14:hiddenFill xmlns:a14="http://schemas.microsoft.com/office/drawing/2010/main">
-                            <a:solidFill>
-                              <a:srgbClr val="FFFFFF"/>
-                            </a:solidFill>
-                          </a14:hiddenFill>
-                        </a:ext>
-                      </a:extLst>
-                    </p:spPr>
-                  </p:pic>
-                </p:oleObj>
-              </mc:Fallback>
-            </mc:AlternateContent>
-          </a:graphicData>
-        </a:graphic>
-      </p:graphicFrame>
+      <p:pic>
+        <p:nvPicPr>
+          <p:cNvPr id="8" name="Grafik 7"/>
+          <p:cNvPicPr>
+            <a:picLocks noChangeAspect="1"/>
+          </p:cNvPicPr>
+          <p:nvPr>
+            <p:custDataLst>
+              <p:tags r:id="rId1"/>
+            </p:custDataLst>
+          </p:nvPr>
+        </p:nvPicPr>
+        <p:blipFill>
+          <a:blip r:embed="rId3" cstate="print">
+            <a:extLst>
+              <a:ext uri="{28A0092B-C50C-407E-A947-70E740481C1C}">
+                <a14:useLocalDpi xmlns:a14="http://schemas.microsoft.com/office/drawing/2010/main" val="0"/>
+              </a:ext>
+            </a:extLst>
+          </a:blip>
+          <a:stretch>
+            <a:fillRect/>
+          </a:stretch>
+        </p:blipFill>
+        <p:spPr>
+          <a:xfrm>
+            <a:off x="1907704" y="3233569"/>
+            <a:ext cx="2940206" cy="253019"/>
+          </a:xfrm>
+          <a:prstGeom prst="rect">
+            <a:avLst/>
+          </a:prstGeom>
+        </p:spPr>
+      </p:pic>
     </p:spTree>
   </p:cSld>
   <p:clrMapOvr>
@@ -9891,15 +10807,19 @@
             <p:ph type="dt" sz="half" idx="10"/>
           </p:nvPr>
         </p:nvSpPr>
-        <p:spPr/>
+        <p:spPr>
+          <a:xfrm>
+            <a:off x="6588224" y="4876006"/>
+            <a:ext cx="2133600" cy="273844"/>
+          </a:xfrm>
+        </p:spPr>
         <p:txBody>
           <a:bodyPr/>
           <a:lstStyle/>
           <a:p>
-            <a:fld id="{1C72BD4E-61B2-40A3-A75C-5FDEDE8E5EC5}" type="datetime1">
-              <a:rPr lang="de-DE" smtClean="0"/>
-              <a:pPr/>
-              <a:t>16.06.2015</a:t>
+            <a:fld id="{57104889-ED7B-46E1-A53D-000D0D04FFF0}" type="datetime1">
+              <a:rPr lang="de-DE" smtClean="0"/>
+              <a:t>17.06.2015</a:t>
             </a:fld>
             <a:endParaRPr lang="de-DE"/>
           </a:p>
@@ -9915,7 +10835,12 @@
             <p:ph type="ftr" sz="quarter" idx="11"/>
           </p:nvPr>
         </p:nvSpPr>
-        <p:spPr/>
+        <p:spPr>
+          <a:xfrm>
+            <a:off x="3131840" y="4876006"/>
+            <a:ext cx="2895600" cy="273844"/>
+          </a:xfrm>
+        </p:spPr>
         <p:txBody>
           <a:bodyPr/>
           <a:lstStyle/>
@@ -9938,7 +10863,12 @@
             <p:ph type="sldNum" sz="quarter" idx="12"/>
           </p:nvPr>
         </p:nvSpPr>
-        <p:spPr/>
+        <p:spPr>
+          <a:xfrm>
+            <a:off x="0" y="4869656"/>
+            <a:ext cx="467544" cy="273844"/>
+          </a:xfrm>
+        </p:spPr>
         <p:txBody>
           <a:bodyPr/>
           <a:lstStyle/>
@@ -9961,7 +10891,7 @@
           <p:nvPr/>
         </p:nvPicPr>
         <p:blipFill>
-          <a:blip r:embed="rId2" cstate="print"/>
+          <a:blip r:embed="rId4" cstate="print"/>
           <a:srcRect/>
           <a:stretch>
             <a:fillRect/>
@@ -10042,28 +10972,18 @@
           <a:lstStyle/>
           <a:p>
             <a:r>
-              <a:rPr lang="de-DE" sz="2000" dirty="0" err="1" smtClean="0">
-                <a:latin typeface="Lato" pitchFamily="34" charset="0"/>
-              </a:rPr>
-              <a:t>fm</a:t>
-            </a:r>
-            <a:r>
               <a:rPr lang="de-DE" sz="2000" dirty="0" smtClean="0">
                 <a:latin typeface="Lato" pitchFamily="34" charset="0"/>
               </a:rPr>
-              <a:t>, </a:t>
-            </a:r>
-            <a:r>
-              <a:rPr lang="de-DE" sz="2000" dirty="0" err="1" smtClean="0">
-                <a:latin typeface="Lato" pitchFamily="34" charset="0"/>
-              </a:rPr>
-              <a:t>fc</a:t>
-            </a:r>
+              <a:t> 	Frequenzen der </a:t>
+            </a:r>
+          </a:p>
+          <a:p>
             <a:r>
               <a:rPr lang="de-DE" sz="2000" dirty="0" smtClean="0">
                 <a:latin typeface="Lato" pitchFamily="34" charset="0"/>
               </a:rPr>
-              <a:t>: 	Frequenzen der </a:t>
+              <a:t>	Oszillatoren</a:t>
             </a:r>
           </a:p>
           <a:p>
@@ -10071,7 +10991,7 @@
               <a:rPr lang="de-DE" sz="2000" dirty="0" smtClean="0">
                 <a:latin typeface="Lato" pitchFamily="34" charset="0"/>
               </a:rPr>
-              <a:t>	Oszillatoren</a:t>
+              <a:t>	Modulationsindex</a:t>
             </a:r>
           </a:p>
           <a:p>
@@ -10079,7 +10999,7 @@
               <a:rPr lang="de-DE" sz="2000" dirty="0" smtClean="0">
                 <a:latin typeface="Lato" pitchFamily="34" charset="0"/>
               </a:rPr>
-              <a:t>Beta: 	Modulationsindex</a:t>
+              <a:t>VCA: 	Spannungsgesteuerter </a:t>
             </a:r>
           </a:p>
           <a:p>
@@ -10087,7 +11007,7 @@
               <a:rPr lang="de-DE" sz="2000" dirty="0" smtClean="0">
                 <a:latin typeface="Lato" pitchFamily="34" charset="0"/>
               </a:rPr>
-              <a:t>VCA: 	Spannungsgesteuerter </a:t>
+              <a:t>	Verstärker</a:t>
             </a:r>
           </a:p>
           <a:p>
@@ -10095,19 +11015,79 @@
               <a:rPr lang="de-DE" sz="2000" dirty="0" smtClean="0">
                 <a:latin typeface="Lato" pitchFamily="34" charset="0"/>
               </a:rPr>
-              <a:t>	Verstärker</a:t>
-            </a:r>
-          </a:p>
-          <a:p>
-            <a:r>
-              <a:rPr lang="de-DE" sz="2000" dirty="0" smtClean="0">
-                <a:latin typeface="Lato" pitchFamily="34" charset="0"/>
-              </a:rPr>
               <a:t>EG: 	Hüllkurvengenerator</a:t>
             </a:r>
           </a:p>
         </p:txBody>
       </p:sp>
+      <p:pic>
+        <p:nvPicPr>
+          <p:cNvPr id="7" name="Grafik 6"/>
+          <p:cNvPicPr>
+            <a:picLocks noChangeAspect="1"/>
+          </p:cNvPicPr>
+          <p:nvPr>
+            <p:custDataLst>
+              <p:tags r:id="rId1"/>
+            </p:custDataLst>
+          </p:nvPr>
+        </p:nvPicPr>
+        <p:blipFill>
+          <a:blip r:embed="rId5" cstate="print">
+            <a:extLst>
+              <a:ext uri="{28A0092B-C50C-407E-A947-70E740481C1C}">
+                <a14:useLocalDpi xmlns:a14="http://schemas.microsoft.com/office/drawing/2010/main" val="0"/>
+              </a:ext>
+            </a:extLst>
+          </a:blip>
+          <a:stretch>
+            <a:fillRect/>
+          </a:stretch>
+        </p:blipFill>
+        <p:spPr>
+          <a:xfrm>
+            <a:off x="5510529" y="1605848"/>
+            <a:ext cx="792702" cy="230697"/>
+          </a:xfrm>
+          <a:prstGeom prst="rect">
+            <a:avLst/>
+          </a:prstGeom>
+        </p:spPr>
+      </p:pic>
+      <p:pic>
+        <p:nvPicPr>
+          <p:cNvPr id="3" name="Grafik 2"/>
+          <p:cNvPicPr>
+            <a:picLocks noChangeAspect="1"/>
+          </p:cNvPicPr>
+          <p:nvPr>
+            <p:custDataLst>
+              <p:tags r:id="rId2"/>
+            </p:custDataLst>
+          </p:nvPr>
+        </p:nvPicPr>
+        <p:blipFill>
+          <a:blip r:embed="rId6" cstate="print">
+            <a:extLst>
+              <a:ext uri="{28A0092B-C50C-407E-A947-70E740481C1C}">
+                <a14:useLocalDpi xmlns:a14="http://schemas.microsoft.com/office/drawing/2010/main" val="0"/>
+              </a:ext>
+            </a:extLst>
+          </a:blip>
+          <a:stretch>
+            <a:fillRect/>
+          </a:stretch>
+        </p:blipFill>
+        <p:spPr>
+          <a:xfrm>
+            <a:off x="5540003" y="2222989"/>
+            <a:ext cx="269823" cy="227642"/>
+          </a:xfrm>
+          <a:prstGeom prst="rect">
+            <a:avLst/>
+          </a:prstGeom>
+        </p:spPr>
+      </p:pic>
     </p:spTree>
   </p:cSld>
   <p:clrMapOvr>
@@ -10150,15 +11130,19 @@
             <p:ph type="dt" sz="half" idx="10"/>
           </p:nvPr>
         </p:nvSpPr>
-        <p:spPr/>
+        <p:spPr>
+          <a:xfrm>
+            <a:off x="6588224" y="4876006"/>
+            <a:ext cx="2133600" cy="273844"/>
+          </a:xfrm>
+        </p:spPr>
         <p:txBody>
           <a:bodyPr/>
           <a:lstStyle/>
           <a:p>
-            <a:fld id="{1C72BD4E-61B2-40A3-A75C-5FDEDE8E5EC5}" type="datetime1">
-              <a:rPr lang="de-DE" smtClean="0"/>
-              <a:pPr/>
-              <a:t>16.06.2015</a:t>
+            <a:fld id="{7863A709-473A-488B-BD2D-9CF65648D40C}" type="datetime1">
+              <a:rPr lang="de-DE" smtClean="0"/>
+              <a:t>17.06.2015</a:t>
             </a:fld>
             <a:endParaRPr lang="de-DE"/>
           </a:p>
@@ -10174,7 +11158,12 @@
             <p:ph type="ftr" sz="quarter" idx="11"/>
           </p:nvPr>
         </p:nvSpPr>
-        <p:spPr/>
+        <p:spPr>
+          <a:xfrm>
+            <a:off x="3131840" y="4876006"/>
+            <a:ext cx="2895600" cy="273844"/>
+          </a:xfrm>
+        </p:spPr>
         <p:txBody>
           <a:bodyPr/>
           <a:lstStyle/>
@@ -10197,7 +11186,12 @@
             <p:ph type="sldNum" sz="quarter" idx="12"/>
           </p:nvPr>
         </p:nvSpPr>
-        <p:spPr/>
+        <p:spPr>
+          <a:xfrm>
+            <a:off x="0" y="4869656"/>
+            <a:ext cx="467544" cy="273844"/>
+          </a:xfrm>
+        </p:spPr>
         <p:txBody>
           <a:bodyPr/>
           <a:lstStyle/>
@@ -10330,7 +11324,7 @@
           <a:graphicData uri="http://schemas.openxmlformats.org/presentationml/2006/ole">
             <mc:AlternateContent xmlns:mc="http://schemas.openxmlformats.org/markup-compatibility/2006">
               <mc:Choice xmlns:v="urn:schemas-microsoft-com:vml" Requires="v">
-                <p:oleObj spid="_x0000_s2052" name="Formel" r:id="rId4" imgW="114120" imgH="215640" progId="Equation.3">
+                <p:oleObj spid="_x0000_s2098" name="Formel" r:id="rId4" imgW="114120" imgH="215640" progId="Equation.3">
                   <p:embed/>
                 </p:oleObj>
               </mc:Choice>
@@ -10455,15 +11449,19 @@
             <p:ph type="dt" sz="half" idx="10"/>
           </p:nvPr>
         </p:nvSpPr>
-        <p:spPr/>
+        <p:spPr>
+          <a:xfrm>
+            <a:off x="6588224" y="4876006"/>
+            <a:ext cx="2133600" cy="273844"/>
+          </a:xfrm>
+        </p:spPr>
         <p:txBody>
           <a:bodyPr/>
           <a:lstStyle/>
           <a:p>
-            <a:fld id="{1C72BD4E-61B2-40A3-A75C-5FDEDE8E5EC5}" type="datetime1">
-              <a:rPr lang="de-DE" smtClean="0"/>
-              <a:pPr/>
-              <a:t>16.06.2015</a:t>
+            <a:fld id="{CFA19918-AC84-41E1-B740-FB8B3337DCD7}" type="datetime1">
+              <a:rPr lang="de-DE" smtClean="0"/>
+              <a:t>17.06.2015</a:t>
             </a:fld>
             <a:endParaRPr lang="de-DE"/>
           </a:p>
@@ -10479,7 +11477,12 @@
             <p:ph type="ftr" sz="quarter" idx="11"/>
           </p:nvPr>
         </p:nvSpPr>
-        <p:spPr/>
+        <p:spPr>
+          <a:xfrm>
+            <a:off x="3131840" y="4876006"/>
+            <a:ext cx="2895600" cy="273844"/>
+          </a:xfrm>
+        </p:spPr>
         <p:txBody>
           <a:bodyPr/>
           <a:lstStyle/>
@@ -10502,7 +11505,12 @@
             <p:ph type="sldNum" sz="quarter" idx="12"/>
           </p:nvPr>
         </p:nvSpPr>
-        <p:spPr/>
+        <p:spPr>
+          <a:xfrm>
+            <a:off x="0" y="4869656"/>
+            <a:ext cx="467544" cy="273844"/>
+          </a:xfrm>
+        </p:spPr>
         <p:txBody>
           <a:bodyPr/>
           <a:lstStyle/>
@@ -10525,14 +11533,14 @@
           <p:nvPr/>
         </p:nvPicPr>
         <p:blipFill>
-          <a:blip r:embed="rId3" cstate="print"/>
+          <a:blip r:embed="rId5" cstate="print"/>
           <a:stretch>
             <a:fillRect/>
           </a:stretch>
         </p:blipFill>
         <p:spPr bwMode="auto">
           <a:xfrm>
-            <a:off x="3852010" y="1276378"/>
+            <a:off x="4314853" y="1238273"/>
             <a:ext cx="4546742" cy="3243039"/>
           </a:xfrm>
           <a:prstGeom prst="rect">
@@ -10546,306 +11554,213 @@
           </a:ln>
         </p:spPr>
       </p:pic>
-      <p:sp>
-        <p:nvSpPr>
-          <p:cNvPr id="12" name="Textfeld 11"/>
-          <p:cNvSpPr txBox="1"/>
+      <p:grpSp>
+        <p:nvGrpSpPr>
+          <p:cNvPr id="3" name="Gruppieren 2"/>
+          <p:cNvGrpSpPr/>
           <p:nvPr/>
-        </p:nvSpPr>
-        <p:spPr>
-          <a:xfrm>
-            <a:off x="539552" y="1203598"/>
-            <a:ext cx="3168352" cy="3447098"/>
-          </a:xfrm>
-          <a:prstGeom prst="rect">
-            <a:avLst/>
-          </a:prstGeom>
-          <a:noFill/>
-        </p:spPr>
-        <p:txBody>
-          <a:bodyPr wrap="square" rtlCol="0">
-            <a:spAutoFit/>
-          </a:bodyPr>
-          <a:lstStyle/>
-          <a:p>
-            <a:r>
-              <a:rPr lang="de-DE" sz="2800" dirty="0" smtClean="0">
-                <a:latin typeface="Lato" pitchFamily="34" charset="0"/>
-              </a:rPr>
-              <a:t>Beispiel 1. </a:t>
-            </a:r>
-          </a:p>
-          <a:p>
-            <a:endParaRPr lang="de-DE" dirty="0" smtClean="0">
-              <a:latin typeface="Lato" pitchFamily="34" charset="0"/>
-            </a:endParaRPr>
-          </a:p>
-          <a:p>
-            <a:r>
-              <a:rPr lang="de-DE" sz="2000" dirty="0" smtClean="0">
-                <a:latin typeface="Lato" pitchFamily="34" charset="0"/>
-              </a:rPr>
-              <a:t>Träger</a:t>
-            </a:r>
-          </a:p>
-          <a:p>
-            <a:endParaRPr lang="de-DE" dirty="0" smtClean="0">
-              <a:latin typeface="Lato" pitchFamily="34" charset="0"/>
-            </a:endParaRPr>
-          </a:p>
-          <a:p>
-            <a:endParaRPr lang="de-DE" dirty="0" smtClean="0">
-              <a:latin typeface="Lato" pitchFamily="34" charset="0"/>
-            </a:endParaRPr>
-          </a:p>
-          <a:p>
-            <a:r>
-              <a:rPr lang="de-DE" sz="2000" dirty="0" smtClean="0">
-                <a:latin typeface="Lato" pitchFamily="34" charset="0"/>
-              </a:rPr>
-              <a:t>Modulator</a:t>
-            </a:r>
-          </a:p>
-          <a:p>
-            <a:endParaRPr lang="de-DE" dirty="0" smtClean="0">
-              <a:latin typeface="Lato" pitchFamily="34" charset="0"/>
-            </a:endParaRPr>
-          </a:p>
-          <a:p>
-            <a:endParaRPr lang="de-DE" dirty="0" smtClean="0">
-              <a:latin typeface="Lato" pitchFamily="34" charset="0"/>
-            </a:endParaRPr>
-          </a:p>
-          <a:p>
-            <a:r>
-              <a:rPr lang="de-DE" sz="2000" dirty="0" smtClean="0">
-                <a:latin typeface="Lato" pitchFamily="34" charset="0"/>
-              </a:rPr>
-              <a:t>Resultierendes Signal</a:t>
-            </a:r>
-          </a:p>
-          <a:p>
-            <a:endParaRPr lang="de-DE" dirty="0" smtClean="0">
-              <a:latin typeface="Lato" pitchFamily="34" charset="0"/>
-            </a:endParaRPr>
-          </a:p>
-          <a:p>
-            <a:endParaRPr lang="de-DE" dirty="0">
-              <a:latin typeface="Lato" pitchFamily="34" charset="0"/>
-            </a:endParaRPr>
-          </a:p>
-        </p:txBody>
-      </p:sp>
-      <p:graphicFrame>
-        <p:nvGraphicFramePr>
-          <p:cNvPr id="18437" name="Object 5"/>
-          <p:cNvGraphicFramePr>
-            <a:graphicFrameLocks noChangeAspect="1"/>
-          </p:cNvGraphicFramePr>
-          <p:nvPr/>
-        </p:nvGraphicFramePr>
-        <p:xfrm>
-          <a:off x="683568" y="2283718"/>
-          <a:ext cx="1244600" cy="203200"/>
-        </p:xfrm>
-        <a:graphic>
-          <a:graphicData uri="http://schemas.openxmlformats.org/presentationml/2006/ole">
-            <mc:AlternateContent xmlns:mc="http://schemas.openxmlformats.org/markup-compatibility/2006">
-              <mc:Choice xmlns:v="urn:schemas-microsoft-com:vml" Requires="v">
-                <p:oleObj spid="_x0000_s18440" name="Formel" r:id="rId4" imgW="1244520" imgH="203040" progId="Equation.3">
-                  <p:embed/>
-                </p:oleObj>
-              </mc:Choice>
-              <mc:Fallback>
-                <p:oleObj name="Formel" r:id="rId4" imgW="1244520" imgH="203040" progId="Equation.3">
-                  <p:embed/>
-                  <p:pic>
-                    <p:nvPicPr>
-                      <p:cNvPr id="0" name="Picture 5"/>
-                      <p:cNvPicPr>
-                        <a:picLocks noChangeAspect="1" noChangeArrowheads="1"/>
-                      </p:cNvPicPr>
-                      <p:nvPr/>
-                    </p:nvPicPr>
-                    <p:blipFill>
-                      <a:blip r:embed="rId5">
-                        <a:extLst>
-                          <a:ext uri="{28A0092B-C50C-407E-A947-70E740481C1C}">
-                            <a14:useLocalDpi xmlns:a14="http://schemas.microsoft.com/office/drawing/2010/main" val="0"/>
-                          </a:ext>
-                        </a:extLst>
-                      </a:blip>
-                      <a:srcRect/>
-                      <a:stretch>
-                        <a:fillRect/>
-                      </a:stretch>
-                    </p:blipFill>
-                    <p:spPr bwMode="auto">
-                      <a:xfrm>
-                        <a:off x="683568" y="2283718"/>
-                        <a:ext cx="1244600" cy="203200"/>
-                      </a:xfrm>
-                      <a:prstGeom prst="rect">
-                        <a:avLst/>
-                      </a:prstGeom>
-                      <a:noFill/>
-                      <a:extLst>
-                        <a:ext uri="{909E8E84-426E-40DD-AFC4-6F175D3DCCD1}">
-                          <a14:hiddenFill xmlns:a14="http://schemas.microsoft.com/office/drawing/2010/main">
-                            <a:solidFill>
-                              <a:srgbClr val="FFFFFF"/>
-                            </a:solidFill>
-                          </a14:hiddenFill>
-                        </a:ext>
-                      </a:extLst>
-                    </p:spPr>
-                  </p:pic>
-                </p:oleObj>
-              </mc:Fallback>
-            </mc:AlternateContent>
-          </a:graphicData>
-        </a:graphic>
-      </p:graphicFrame>
-      <p:graphicFrame>
-        <p:nvGraphicFramePr>
-          <p:cNvPr id="15" name="Objekt 14"/>
-          <p:cNvGraphicFramePr>
-            <a:graphicFrameLocks noChangeAspect="1"/>
-          </p:cNvGraphicFramePr>
-          <p:nvPr/>
-        </p:nvGraphicFramePr>
-        <p:xfrm>
-          <a:off x="683568" y="3147814"/>
-          <a:ext cx="1257300" cy="203200"/>
-        </p:xfrm>
-        <a:graphic>
-          <a:graphicData uri="http://schemas.openxmlformats.org/presentationml/2006/ole">
-            <mc:AlternateContent xmlns:mc="http://schemas.openxmlformats.org/markup-compatibility/2006">
-              <mc:Choice xmlns:v="urn:schemas-microsoft-com:vml" Requires="v">
-                <p:oleObj spid="_x0000_s18441" name="Formel" r:id="rId6" imgW="1257120" imgH="203040" progId="Equation.3">
-                  <p:embed/>
-                </p:oleObj>
-              </mc:Choice>
-              <mc:Fallback>
-                <p:oleObj name="Formel" r:id="rId6" imgW="1257120" imgH="203040" progId="Equation.3">
-                  <p:embed/>
-                  <p:pic>
-                    <p:nvPicPr>
-                      <p:cNvPr id="0" name="Picture 6"/>
-                      <p:cNvPicPr>
-                        <a:picLocks noChangeAspect="1" noChangeArrowheads="1"/>
-                      </p:cNvPicPr>
-                      <p:nvPr/>
-                    </p:nvPicPr>
-                    <p:blipFill>
-                      <a:blip r:embed="rId7">
-                        <a:extLst>
-                          <a:ext uri="{28A0092B-C50C-407E-A947-70E740481C1C}">
-                            <a14:useLocalDpi xmlns:a14="http://schemas.microsoft.com/office/drawing/2010/main" val="0"/>
-                          </a:ext>
-                        </a:extLst>
-                      </a:blip>
-                      <a:srcRect/>
-                      <a:stretch>
-                        <a:fillRect/>
-                      </a:stretch>
-                    </p:blipFill>
-                    <p:spPr bwMode="auto">
-                      <a:xfrm>
-                        <a:off x="683568" y="3147814"/>
-                        <a:ext cx="1257300" cy="203200"/>
-                      </a:xfrm>
-                      <a:prstGeom prst="rect">
-                        <a:avLst/>
-                      </a:prstGeom>
-                      <a:noFill/>
-                      <a:extLst>
-                        <a:ext uri="{909E8E84-426E-40DD-AFC4-6F175D3DCCD1}">
-                          <a14:hiddenFill xmlns:a14="http://schemas.microsoft.com/office/drawing/2010/main">
-                            <a:solidFill>
-                              <a:srgbClr val="FFFFFF"/>
-                            </a:solidFill>
-                          </a14:hiddenFill>
-                        </a:ext>
-                      </a:extLst>
-                    </p:spPr>
-                  </p:pic>
-                </p:oleObj>
-              </mc:Fallback>
-            </mc:AlternateContent>
-          </a:graphicData>
-        </a:graphic>
-      </p:graphicFrame>
-      <p:graphicFrame>
-        <p:nvGraphicFramePr>
-          <p:cNvPr id="16" name="Objekt 15"/>
-          <p:cNvGraphicFramePr>
-            <a:graphicFrameLocks noChangeAspect="1"/>
-          </p:cNvGraphicFramePr>
-          <p:nvPr/>
-        </p:nvGraphicFramePr>
-        <p:xfrm>
-          <a:off x="683568" y="4011910"/>
-          <a:ext cx="2146300" cy="203200"/>
-        </p:xfrm>
-        <a:graphic>
-          <a:graphicData uri="http://schemas.openxmlformats.org/presentationml/2006/ole">
-            <mc:AlternateContent xmlns:mc="http://schemas.openxmlformats.org/markup-compatibility/2006">
-              <mc:Choice xmlns:v="urn:schemas-microsoft-com:vml" Requires="v">
-                <p:oleObj spid="_x0000_s18442" name="Formel" r:id="rId8" imgW="2145960" imgH="203040" progId="Equation.3">
-                  <p:embed/>
-                </p:oleObj>
-              </mc:Choice>
-              <mc:Fallback>
-                <p:oleObj name="Formel" r:id="rId8" imgW="2145960" imgH="203040" progId="Equation.3">
-                  <p:embed/>
-                  <p:pic>
-                    <p:nvPicPr>
-                      <p:cNvPr id="0" name="Picture 7"/>
-                      <p:cNvPicPr>
-                        <a:picLocks noChangeAspect="1" noChangeArrowheads="1"/>
-                      </p:cNvPicPr>
-                      <p:nvPr/>
-                    </p:nvPicPr>
-                    <p:blipFill>
-                      <a:blip r:embed="rId9">
-                        <a:extLst>
-                          <a:ext uri="{28A0092B-C50C-407E-A947-70E740481C1C}">
-                            <a14:useLocalDpi xmlns:a14="http://schemas.microsoft.com/office/drawing/2010/main" val="0"/>
-                          </a:ext>
-                        </a:extLst>
-                      </a:blip>
-                      <a:srcRect/>
-                      <a:stretch>
-                        <a:fillRect/>
-                      </a:stretch>
-                    </p:blipFill>
-                    <p:spPr bwMode="auto">
-                      <a:xfrm>
-                        <a:off x="683568" y="4011910"/>
-                        <a:ext cx="2146300" cy="203200"/>
-                      </a:xfrm>
-                      <a:prstGeom prst="rect">
-                        <a:avLst/>
-                      </a:prstGeom>
-                      <a:noFill/>
-                      <a:extLst>
-                        <a:ext uri="{909E8E84-426E-40DD-AFC4-6F175D3DCCD1}">
-                          <a14:hiddenFill xmlns:a14="http://schemas.microsoft.com/office/drawing/2010/main">
-                            <a:solidFill>
-                              <a:srgbClr val="FFFFFF"/>
-                            </a:solidFill>
-                          </a14:hiddenFill>
-                        </a:ext>
-                      </a:extLst>
-                    </p:spPr>
-                  </p:pic>
-                </p:oleObj>
-              </mc:Fallback>
-            </mc:AlternateContent>
-          </a:graphicData>
-        </a:graphic>
-      </p:graphicFrame>
+        </p:nvGrpSpPr>
+        <p:grpSpPr>
+          <a:xfrm>
+            <a:off x="251520" y="1203598"/>
+            <a:ext cx="3751828" cy="3447098"/>
+            <a:chOff x="251520" y="1203598"/>
+            <a:chExt cx="3751828" cy="3447098"/>
+          </a:xfrm>
+        </p:grpSpPr>
+        <p:sp>
+          <p:nvSpPr>
+            <p:cNvPr id="12" name="Textfeld 11"/>
+            <p:cNvSpPr txBox="1"/>
+            <p:nvPr/>
+          </p:nvSpPr>
+          <p:spPr>
+            <a:xfrm>
+              <a:off x="251520" y="1203598"/>
+              <a:ext cx="3168352" cy="3447098"/>
+            </a:xfrm>
+            <a:prstGeom prst="rect">
+              <a:avLst/>
+            </a:prstGeom>
+            <a:noFill/>
+          </p:spPr>
+          <p:txBody>
+            <a:bodyPr wrap="square" rtlCol="0">
+              <a:spAutoFit/>
+            </a:bodyPr>
+            <a:lstStyle/>
+            <a:p>
+              <a:r>
+                <a:rPr lang="de-DE" sz="2800" dirty="0" smtClean="0">
+                  <a:latin typeface="Lato" pitchFamily="34" charset="0"/>
+                </a:rPr>
+                <a:t>Beispiel 1. </a:t>
+              </a:r>
+            </a:p>
+            <a:p>
+              <a:endParaRPr lang="de-DE" dirty="0" smtClean="0">
+                <a:latin typeface="Lato" pitchFamily="34" charset="0"/>
+              </a:endParaRPr>
+            </a:p>
+            <a:p>
+              <a:r>
+                <a:rPr lang="de-DE" sz="2000" dirty="0" smtClean="0">
+                  <a:latin typeface="Lato" pitchFamily="34" charset="0"/>
+                </a:rPr>
+                <a:t>Träger</a:t>
+              </a:r>
+            </a:p>
+            <a:p>
+              <a:endParaRPr lang="de-DE" dirty="0" smtClean="0">
+                <a:latin typeface="Lato" pitchFamily="34" charset="0"/>
+              </a:endParaRPr>
+            </a:p>
+            <a:p>
+              <a:endParaRPr lang="de-DE" dirty="0" smtClean="0">
+                <a:latin typeface="Lato" pitchFamily="34" charset="0"/>
+              </a:endParaRPr>
+            </a:p>
+            <a:p>
+              <a:r>
+                <a:rPr lang="de-DE" sz="2000" dirty="0" smtClean="0">
+                  <a:latin typeface="Lato" pitchFamily="34" charset="0"/>
+                </a:rPr>
+                <a:t>Modulator</a:t>
+              </a:r>
+            </a:p>
+            <a:p>
+              <a:endParaRPr lang="de-DE" dirty="0" smtClean="0">
+                <a:latin typeface="Lato" pitchFamily="34" charset="0"/>
+              </a:endParaRPr>
+            </a:p>
+            <a:p>
+              <a:endParaRPr lang="de-DE" dirty="0" smtClean="0">
+                <a:latin typeface="Lato" pitchFamily="34" charset="0"/>
+              </a:endParaRPr>
+            </a:p>
+            <a:p>
+              <a:r>
+                <a:rPr lang="de-DE" sz="2000" dirty="0" smtClean="0">
+                  <a:latin typeface="Lato" pitchFamily="34" charset="0"/>
+                </a:rPr>
+                <a:t>Resultierendes Signal</a:t>
+              </a:r>
+            </a:p>
+            <a:p>
+              <a:endParaRPr lang="de-DE" dirty="0" smtClean="0">
+                <a:latin typeface="Lato" pitchFamily="34" charset="0"/>
+              </a:endParaRPr>
+            </a:p>
+            <a:p>
+              <a:endParaRPr lang="de-DE" dirty="0">
+                <a:latin typeface="Lato" pitchFamily="34" charset="0"/>
+              </a:endParaRPr>
+            </a:p>
+          </p:txBody>
+        </p:sp>
+        <p:pic>
+          <p:nvPicPr>
+            <p:cNvPr id="9" name="Grafik 8"/>
+            <p:cNvPicPr>
+              <a:picLocks noChangeAspect="1"/>
+            </p:cNvPicPr>
+            <p:nvPr>
+              <p:custDataLst>
+                <p:tags r:id="rId1"/>
+              </p:custDataLst>
+            </p:nvPr>
+          </p:nvPicPr>
+          <p:blipFill>
+            <a:blip r:embed="rId6" cstate="print">
+              <a:extLst>
+                <a:ext uri="{28A0092B-C50C-407E-A947-70E740481C1C}">
+                  <a14:useLocalDpi xmlns:a14="http://schemas.microsoft.com/office/drawing/2010/main" val="0"/>
+                </a:ext>
+              </a:extLst>
+            </a:blip>
+            <a:stretch>
+              <a:fillRect/>
+            </a:stretch>
+          </p:blipFill>
+          <p:spPr>
+            <a:xfrm>
+              <a:off x="395536" y="2354735"/>
+              <a:ext cx="1994585" cy="227717"/>
+            </a:xfrm>
+            <a:prstGeom prst="rect">
+              <a:avLst/>
+            </a:prstGeom>
+          </p:spPr>
+        </p:pic>
+        <p:pic>
+          <p:nvPicPr>
+            <p:cNvPr id="10" name="Grafik 9"/>
+            <p:cNvPicPr>
+              <a:picLocks noChangeAspect="1"/>
+            </p:cNvPicPr>
+            <p:nvPr>
+              <p:custDataLst>
+                <p:tags r:id="rId2"/>
+              </p:custDataLst>
+            </p:nvPr>
+          </p:nvPicPr>
+          <p:blipFill>
+            <a:blip r:embed="rId7" cstate="print">
+              <a:extLst>
+                <a:ext uri="{28A0092B-C50C-407E-A947-70E740481C1C}">
+                  <a14:useLocalDpi xmlns:a14="http://schemas.microsoft.com/office/drawing/2010/main" val="0"/>
+                </a:ext>
+              </a:extLst>
+            </a:blip>
+            <a:stretch>
+              <a:fillRect/>
+            </a:stretch>
+          </p:blipFill>
+          <p:spPr>
+            <a:xfrm>
+              <a:off x="395536" y="3183322"/>
+              <a:ext cx="1994585" cy="227717"/>
+            </a:xfrm>
+            <a:prstGeom prst="rect">
+              <a:avLst/>
+            </a:prstGeom>
+          </p:spPr>
+        </p:pic>
+        <p:pic>
+          <p:nvPicPr>
+            <p:cNvPr id="17" name="Grafik 16"/>
+            <p:cNvPicPr>
+              <a:picLocks noChangeAspect="1"/>
+            </p:cNvPicPr>
+            <p:nvPr>
+              <p:custDataLst>
+                <p:tags r:id="rId3"/>
+              </p:custDataLst>
+            </p:nvPr>
+          </p:nvPicPr>
+          <p:blipFill>
+            <a:blip r:embed="rId8" cstate="print">
+              <a:extLst>
+                <a:ext uri="{28A0092B-C50C-407E-A947-70E740481C1C}">
+                  <a14:useLocalDpi xmlns:a14="http://schemas.microsoft.com/office/drawing/2010/main" val="0"/>
+                </a:ext>
+              </a:extLst>
+            </a:blip>
+            <a:stretch>
+              <a:fillRect/>
+            </a:stretch>
+          </p:blipFill>
+          <p:spPr>
+            <a:xfrm>
+              <a:off x="395537" y="4012965"/>
+              <a:ext cx="3607811" cy="227717"/>
+            </a:xfrm>
+            <a:prstGeom prst="rect">
+              <a:avLst/>
+            </a:prstGeom>
+          </p:spPr>
+        </p:pic>
+      </p:grpSp>
     </p:spTree>
   </p:cSld>
   <p:clrMapOvr>
@@ -10917,15 +11832,19 @@
             <p:ph type="dt" sz="half" idx="10"/>
           </p:nvPr>
         </p:nvSpPr>
-        <p:spPr/>
+        <p:spPr>
+          <a:xfrm>
+            <a:off x="6588224" y="4876006"/>
+            <a:ext cx="2133600" cy="273844"/>
+          </a:xfrm>
+        </p:spPr>
         <p:txBody>
           <a:bodyPr/>
           <a:lstStyle/>
           <a:p>
-            <a:fld id="{1C72BD4E-61B2-40A3-A75C-5FDEDE8E5EC5}" type="datetime1">
-              <a:rPr lang="de-DE" smtClean="0"/>
-              <a:pPr/>
-              <a:t>16.06.2015</a:t>
+            <a:fld id="{4E144442-ACC1-484B-8553-97F56778C777}" type="datetime1">
+              <a:rPr lang="de-DE" smtClean="0"/>
+              <a:t>17.06.2015</a:t>
             </a:fld>
             <a:endParaRPr lang="de-DE"/>
           </a:p>
@@ -10941,7 +11860,12 @@
             <p:ph type="ftr" sz="quarter" idx="11"/>
           </p:nvPr>
         </p:nvSpPr>
-        <p:spPr/>
+        <p:spPr>
+          <a:xfrm>
+            <a:off x="3131840" y="4876006"/>
+            <a:ext cx="2895600" cy="273844"/>
+          </a:xfrm>
+        </p:spPr>
         <p:txBody>
           <a:bodyPr/>
           <a:lstStyle/>
@@ -10964,7 +11888,12 @@
             <p:ph type="sldNum" sz="quarter" idx="12"/>
           </p:nvPr>
         </p:nvSpPr>
-        <p:spPr/>
+        <p:spPr>
+          <a:xfrm>
+            <a:off x="0" y="4869656"/>
+            <a:ext cx="467544" cy="273844"/>
+          </a:xfrm>
+        </p:spPr>
         <p:txBody>
           <a:bodyPr/>
           <a:lstStyle/>
@@ -10980,21 +11909,27 @@
       </p:sp>
       <p:pic>
         <p:nvPicPr>
-          <p:cNvPr id="11" name="Picture 2" descr="D:\Julius\Documents\GitHub\VSeminar\Dok\Kapitel\img\Prinzip.png"/>
+          <p:cNvPr id="11" name="Picture 2"/>
           <p:cNvPicPr>
             <a:picLocks noChangeAspect="1" noChangeArrowheads="1"/>
           </p:cNvPicPr>
           <p:nvPr/>
         </p:nvPicPr>
         <p:blipFill>
-          <a:blip r:embed="rId3" cstate="print"/>
+          <a:blip r:embed="rId5" cstate="print">
+            <a:extLst>
+              <a:ext uri="{28A0092B-C50C-407E-A947-70E740481C1C}">
+                <a14:useLocalDpi xmlns:a14="http://schemas.microsoft.com/office/drawing/2010/main" val="0"/>
+              </a:ext>
+            </a:extLst>
+          </a:blip>
           <a:stretch>
             <a:fillRect/>
           </a:stretch>
         </p:blipFill>
         <p:spPr bwMode="auto">
           <a:xfrm>
-            <a:off x="3853092" y="1276378"/>
+            <a:off x="4315935" y="1238273"/>
             <a:ext cx="4544578" cy="3243039"/>
           </a:xfrm>
           <a:prstGeom prst="rect">
@@ -11008,307 +11943,219 @@
           </a:ln>
         </p:spPr>
       </p:pic>
-      <p:sp>
-        <p:nvSpPr>
-          <p:cNvPr id="12" name="Textfeld 11"/>
-          <p:cNvSpPr txBox="1"/>
+      <p:grpSp>
+        <p:nvGrpSpPr>
+          <p:cNvPr id="9" name="Gruppieren 8"/>
+          <p:cNvGrpSpPr/>
           <p:nvPr/>
-        </p:nvSpPr>
-        <p:spPr>
-          <a:xfrm>
-            <a:off x="539552" y="1203598"/>
-            <a:ext cx="3168352" cy="3354765"/>
-          </a:xfrm>
-          <a:prstGeom prst="rect">
-            <a:avLst/>
-          </a:prstGeom>
-          <a:noFill/>
-        </p:spPr>
-        <p:txBody>
-          <a:bodyPr wrap="square" rtlCol="0">
-            <a:spAutoFit/>
-          </a:bodyPr>
-          <a:lstStyle/>
-          <a:p>
-            <a:r>
-              <a:rPr lang="de-DE" sz="2800" dirty="0" smtClean="0">
-                <a:latin typeface="Lato" pitchFamily="34" charset="0"/>
-              </a:rPr>
-              <a:t>Beispiel 2. </a:t>
-            </a:r>
-          </a:p>
-          <a:p>
-            <a:endParaRPr lang="de-DE" dirty="0" smtClean="0">
-              <a:latin typeface="Lato" pitchFamily="34" charset="0"/>
-            </a:endParaRPr>
-          </a:p>
-          <a:p>
-            <a:r>
-              <a:rPr lang="de-DE" sz="2000" dirty="0" smtClean="0">
-                <a:latin typeface="Lato" pitchFamily="34" charset="0"/>
-              </a:rPr>
-              <a:t>Träger</a:t>
-            </a:r>
-          </a:p>
-          <a:p>
-            <a:endParaRPr lang="de-DE" dirty="0" smtClean="0">
-              <a:latin typeface="Lato" pitchFamily="34" charset="0"/>
-            </a:endParaRPr>
-          </a:p>
-          <a:p>
-            <a:endParaRPr lang="de-DE" dirty="0" smtClean="0">
-              <a:latin typeface="Lato" pitchFamily="34" charset="0"/>
-            </a:endParaRPr>
-          </a:p>
-          <a:p>
-            <a:r>
-              <a:rPr lang="de-DE" sz="2000" dirty="0" smtClean="0">
-                <a:latin typeface="Lato" pitchFamily="34" charset="0"/>
-              </a:rPr>
-              <a:t>Modulator</a:t>
-            </a:r>
-          </a:p>
-          <a:p>
-            <a:endParaRPr lang="de-DE" dirty="0" smtClean="0">
-              <a:latin typeface="Lato" pitchFamily="34" charset="0"/>
-            </a:endParaRPr>
-          </a:p>
-          <a:p>
-            <a:endParaRPr lang="de-DE" dirty="0" smtClean="0">
-              <a:latin typeface="Lato" pitchFamily="34" charset="0"/>
-            </a:endParaRPr>
-          </a:p>
-          <a:p>
-            <a:r>
-              <a:rPr lang="de-DE" sz="2000" dirty="0" smtClean="0">
-                <a:latin typeface="Lato" pitchFamily="34" charset="0"/>
-              </a:rPr>
-              <a:t>Resultierendes Signal</a:t>
-            </a:r>
-          </a:p>
-          <a:p>
-            <a:endParaRPr lang="de-DE" dirty="0" smtClean="0">
-              <a:latin typeface="Lato" pitchFamily="34" charset="0"/>
-            </a:endParaRPr>
-          </a:p>
-          <a:p>
-            <a:endParaRPr lang="de-DE" dirty="0">
-              <a:latin typeface="Lato" pitchFamily="34" charset="0"/>
-            </a:endParaRPr>
-          </a:p>
-        </p:txBody>
-      </p:sp>
-      <p:graphicFrame>
-        <p:nvGraphicFramePr>
-          <p:cNvPr id="18437" name="Object 5"/>
-          <p:cNvGraphicFramePr>
-            <a:graphicFrameLocks noChangeAspect="1"/>
-          </p:cNvGraphicFramePr>
-          <p:nvPr/>
-        </p:nvGraphicFramePr>
-        <p:xfrm>
-          <a:off x="683568" y="2283718"/>
-          <a:ext cx="1244600" cy="203200"/>
-        </p:xfrm>
-        <a:graphic>
-          <a:graphicData uri="http://schemas.openxmlformats.org/presentationml/2006/ole">
-            <mc:AlternateContent xmlns:mc="http://schemas.openxmlformats.org/markup-compatibility/2006">
-              <mc:Choice xmlns:v="urn:schemas-microsoft-com:vml" Requires="v">
-                <p:oleObj spid="_x0000_s19461" name="Formel" r:id="rId4" imgW="1244520" imgH="203040" progId="Equation.3">
-                  <p:embed/>
-                </p:oleObj>
-              </mc:Choice>
-              <mc:Fallback>
-                <p:oleObj name="Formel" r:id="rId4" imgW="1244520" imgH="203040" progId="Equation.3">
-                  <p:embed/>
-                  <p:pic>
-                    <p:nvPicPr>
-                      <p:cNvPr id="0" name="Picture 2"/>
-                      <p:cNvPicPr>
-                        <a:picLocks noChangeAspect="1" noChangeArrowheads="1"/>
-                      </p:cNvPicPr>
-                      <p:nvPr/>
-                    </p:nvPicPr>
-                    <p:blipFill>
-                      <a:blip r:embed="rId5">
-                        <a:extLst>
-                          <a:ext uri="{28A0092B-C50C-407E-A947-70E740481C1C}">
-                            <a14:useLocalDpi xmlns:a14="http://schemas.microsoft.com/office/drawing/2010/main" val="0"/>
-                          </a:ext>
-                        </a:extLst>
-                      </a:blip>
-                      <a:srcRect/>
-                      <a:stretch>
-                        <a:fillRect/>
-                      </a:stretch>
-                    </p:blipFill>
-                    <p:spPr bwMode="auto">
-                      <a:xfrm>
-                        <a:off x="683568" y="2283718"/>
-                        <a:ext cx="1244600" cy="203200"/>
-                      </a:xfrm>
-                      <a:prstGeom prst="rect">
-                        <a:avLst/>
-                      </a:prstGeom>
-                      <a:noFill/>
-                      <a:extLst>
-                        <a:ext uri="{909E8E84-426E-40DD-AFC4-6F175D3DCCD1}">
-                          <a14:hiddenFill xmlns:a14="http://schemas.microsoft.com/office/drawing/2010/main">
-                            <a:solidFill>
-                              <a:srgbClr val="FFFFFF"/>
-                            </a:solidFill>
-                          </a14:hiddenFill>
-                        </a:ext>
-                      </a:extLst>
-                    </p:spPr>
-                  </p:pic>
-                </p:oleObj>
-              </mc:Fallback>
-            </mc:AlternateContent>
-          </a:graphicData>
-        </a:graphic>
-      </p:graphicFrame>
-      <p:graphicFrame>
-        <p:nvGraphicFramePr>
-          <p:cNvPr id="15" name="Objekt 14"/>
-          <p:cNvGraphicFramePr>
-            <a:graphicFrameLocks noChangeAspect="1"/>
-          </p:cNvGraphicFramePr>
-          <p:nvPr/>
-        </p:nvGraphicFramePr>
-        <p:xfrm>
-          <a:off x="687888" y="3148013"/>
-          <a:ext cx="1320800" cy="203200"/>
-        </p:xfrm>
-        <a:graphic>
-          <a:graphicData uri="http://schemas.openxmlformats.org/presentationml/2006/ole">
-            <mc:AlternateContent xmlns:mc="http://schemas.openxmlformats.org/markup-compatibility/2006">
-              <mc:Choice xmlns:v="urn:schemas-microsoft-com:vml" Requires="v">
-                <p:oleObj spid="_x0000_s19462" name="Formel" r:id="rId6" imgW="1320480" imgH="203040" progId="Equation.3">
-                  <p:embed/>
-                </p:oleObj>
-              </mc:Choice>
-              <mc:Fallback>
-                <p:oleObj name="Formel" r:id="rId6" imgW="1320480" imgH="203040" progId="Equation.3">
-                  <p:embed/>
-                  <p:pic>
-                    <p:nvPicPr>
-                      <p:cNvPr id="0" name="Picture 3"/>
-                      <p:cNvPicPr>
-                        <a:picLocks noChangeAspect="1" noChangeArrowheads="1"/>
-                      </p:cNvPicPr>
-                      <p:nvPr/>
-                    </p:nvPicPr>
-                    <p:blipFill>
-                      <a:blip r:embed="rId7">
-                        <a:extLst>
-                          <a:ext uri="{28A0092B-C50C-407E-A947-70E740481C1C}">
-                            <a14:useLocalDpi xmlns:a14="http://schemas.microsoft.com/office/drawing/2010/main" val="0"/>
-                          </a:ext>
-                        </a:extLst>
-                      </a:blip>
-                      <a:srcRect/>
-                      <a:stretch>
-                        <a:fillRect/>
-                      </a:stretch>
-                    </p:blipFill>
-                    <p:spPr bwMode="auto">
-                      <a:xfrm>
-                        <a:off x="687888" y="3148013"/>
-                        <a:ext cx="1320800" cy="203200"/>
-                      </a:xfrm>
-                      <a:prstGeom prst="rect">
-                        <a:avLst/>
-                      </a:prstGeom>
-                      <a:noFill/>
-                      <a:extLst>
-                        <a:ext uri="{909E8E84-426E-40DD-AFC4-6F175D3DCCD1}">
-                          <a14:hiddenFill xmlns:a14="http://schemas.microsoft.com/office/drawing/2010/main">
-                            <a:solidFill>
-                              <a:srgbClr val="FFFFFF"/>
-                            </a:solidFill>
-                          </a14:hiddenFill>
-                        </a:ext>
-                      </a:extLst>
-                    </p:spPr>
-                  </p:pic>
-                </p:oleObj>
-              </mc:Fallback>
-            </mc:AlternateContent>
-          </a:graphicData>
-        </a:graphic>
-      </p:graphicFrame>
-      <p:graphicFrame>
-        <p:nvGraphicFramePr>
-          <p:cNvPr id="16" name="Objekt 15"/>
-          <p:cNvGraphicFramePr>
-            <a:graphicFrameLocks noChangeAspect="1"/>
-          </p:cNvGraphicFramePr>
-          <p:nvPr/>
-        </p:nvGraphicFramePr>
-        <p:xfrm>
-          <a:off x="684500" y="4011613"/>
-          <a:ext cx="2209800" cy="203200"/>
-        </p:xfrm>
-        <a:graphic>
-          <a:graphicData uri="http://schemas.openxmlformats.org/presentationml/2006/ole">
-            <mc:AlternateContent xmlns:mc="http://schemas.openxmlformats.org/markup-compatibility/2006">
-              <mc:Choice xmlns:v="urn:schemas-microsoft-com:vml" Requires="v">
-                <p:oleObj spid="_x0000_s19463" name="Formel" r:id="rId8" imgW="2209680" imgH="203040" progId="Equation.3">
-                  <p:embed/>
-                </p:oleObj>
-              </mc:Choice>
-              <mc:Fallback>
-                <p:oleObj name="Formel" r:id="rId8" imgW="2209680" imgH="203040" progId="Equation.3">
-                  <p:embed/>
-                  <p:pic>
-                    <p:nvPicPr>
-                      <p:cNvPr id="0" name="Picture 4"/>
-                      <p:cNvPicPr>
-                        <a:picLocks noChangeAspect="1" noChangeArrowheads="1"/>
-                      </p:cNvPicPr>
-                      <p:nvPr/>
-                    </p:nvPicPr>
-                    <p:blipFill>
-                      <a:blip r:embed="rId9">
-                        <a:extLst>
-                          <a:ext uri="{28A0092B-C50C-407E-A947-70E740481C1C}">
-                            <a14:useLocalDpi xmlns:a14="http://schemas.microsoft.com/office/drawing/2010/main" val="0"/>
-                          </a:ext>
-                        </a:extLst>
-                      </a:blip>
-                      <a:srcRect/>
-                      <a:stretch>
-                        <a:fillRect/>
-                      </a:stretch>
-                    </p:blipFill>
-                    <p:spPr bwMode="auto">
-                      <a:xfrm>
-                        <a:off x="684500" y="4011613"/>
-                        <a:ext cx="2209800" cy="203200"/>
-                      </a:xfrm>
-                      <a:prstGeom prst="rect">
-                        <a:avLst/>
-                      </a:prstGeom>
-                      <a:noFill/>
-                      <a:extLst>
-                        <a:ext uri="{909E8E84-426E-40DD-AFC4-6F175D3DCCD1}">
-                          <a14:hiddenFill xmlns:a14="http://schemas.microsoft.com/office/drawing/2010/main">
-                            <a:solidFill>
-                              <a:srgbClr val="FFFFFF"/>
-                            </a:solidFill>
-                          </a14:hiddenFill>
-                        </a:ext>
-                      </a:extLst>
-                    </p:spPr>
-                  </p:pic>
-                </p:oleObj>
-              </mc:Fallback>
-            </mc:AlternateContent>
-          </a:graphicData>
-        </a:graphic>
-      </p:graphicFrame>
+        </p:nvGrpSpPr>
+        <p:grpSpPr>
+          <a:xfrm>
+            <a:off x="251520" y="1203598"/>
+            <a:ext cx="3867151" cy="3447098"/>
+            <a:chOff x="251520" y="1203598"/>
+            <a:chExt cx="3867151" cy="3447098"/>
+          </a:xfrm>
+        </p:grpSpPr>
+        <p:sp>
+          <p:nvSpPr>
+            <p:cNvPr id="12" name="Textfeld 11"/>
+            <p:cNvSpPr txBox="1"/>
+            <p:nvPr/>
+          </p:nvSpPr>
+          <p:spPr>
+            <a:xfrm>
+              <a:off x="251520" y="1203598"/>
+              <a:ext cx="3168352" cy="3447098"/>
+            </a:xfrm>
+            <a:prstGeom prst="rect">
+              <a:avLst/>
+            </a:prstGeom>
+            <a:noFill/>
+          </p:spPr>
+          <p:txBody>
+            <a:bodyPr wrap="square" rtlCol="0">
+              <a:spAutoFit/>
+            </a:bodyPr>
+            <a:lstStyle/>
+            <a:p>
+              <a:r>
+                <a:rPr lang="de-DE" sz="2800" dirty="0" smtClean="0">
+                  <a:latin typeface="Lato" pitchFamily="34" charset="0"/>
+                </a:rPr>
+                <a:t>Beispiel 2. </a:t>
+              </a:r>
+            </a:p>
+            <a:p>
+              <a:endParaRPr lang="de-DE" dirty="0" smtClean="0">
+                <a:latin typeface="Lato" pitchFamily="34" charset="0"/>
+              </a:endParaRPr>
+            </a:p>
+            <a:p>
+              <a:r>
+                <a:rPr lang="de-DE" sz="2000" dirty="0" smtClean="0">
+                  <a:latin typeface="Lato" pitchFamily="34" charset="0"/>
+                </a:rPr>
+                <a:t>Träger</a:t>
+              </a:r>
+            </a:p>
+            <a:p>
+              <a:endParaRPr lang="de-DE" dirty="0" smtClean="0">
+                <a:latin typeface="Lato" pitchFamily="34" charset="0"/>
+              </a:endParaRPr>
+            </a:p>
+            <a:p>
+              <a:endParaRPr lang="de-DE" dirty="0" smtClean="0">
+                <a:latin typeface="Lato" pitchFamily="34" charset="0"/>
+              </a:endParaRPr>
+            </a:p>
+            <a:p>
+              <a:r>
+                <a:rPr lang="de-DE" sz="2000" dirty="0" smtClean="0">
+                  <a:latin typeface="Lato" pitchFamily="34" charset="0"/>
+                </a:rPr>
+                <a:t>Modulator</a:t>
+              </a:r>
+            </a:p>
+            <a:p>
+              <a:endParaRPr lang="de-DE" dirty="0" smtClean="0">
+                <a:latin typeface="Lato" pitchFamily="34" charset="0"/>
+              </a:endParaRPr>
+            </a:p>
+            <a:p>
+              <a:endParaRPr lang="de-DE" dirty="0" smtClean="0">
+                <a:latin typeface="Lato" pitchFamily="34" charset="0"/>
+              </a:endParaRPr>
+            </a:p>
+            <a:p>
+              <a:r>
+                <a:rPr lang="de-DE" sz="2000" dirty="0" smtClean="0">
+                  <a:latin typeface="Lato" pitchFamily="34" charset="0"/>
+                </a:rPr>
+                <a:t>Resultierendes Signal</a:t>
+              </a:r>
+            </a:p>
+            <a:p>
+              <a:endParaRPr lang="de-DE" dirty="0" smtClean="0">
+                <a:latin typeface="Lato" pitchFamily="34" charset="0"/>
+              </a:endParaRPr>
+            </a:p>
+            <a:p>
+              <a:endParaRPr lang="de-DE" dirty="0">
+                <a:latin typeface="Lato" pitchFamily="34" charset="0"/>
+              </a:endParaRPr>
+            </a:p>
+          </p:txBody>
+        </p:sp>
+        <p:pic>
+          <p:nvPicPr>
+            <p:cNvPr id="3" name="Grafik 2"/>
+            <p:cNvPicPr>
+              <a:picLocks noChangeAspect="1"/>
+            </p:cNvPicPr>
+            <p:nvPr>
+              <p:custDataLst>
+                <p:tags r:id="rId1"/>
+              </p:custDataLst>
+            </p:nvPr>
+          </p:nvPicPr>
+          <p:blipFill>
+            <a:blip r:embed="rId6" cstate="print">
+              <a:extLst>
+                <a:ext uri="{28A0092B-C50C-407E-A947-70E740481C1C}">
+                  <a14:useLocalDpi xmlns:a14="http://schemas.microsoft.com/office/drawing/2010/main" val="0"/>
+                </a:ext>
+              </a:extLst>
+            </a:blip>
+            <a:stretch>
+              <a:fillRect/>
+            </a:stretch>
+          </p:blipFill>
+          <p:spPr>
+            <a:xfrm>
+              <a:off x="395536" y="2354735"/>
+              <a:ext cx="1995778" cy="228667"/>
+            </a:xfrm>
+            <a:prstGeom prst="rect">
+              <a:avLst/>
+            </a:prstGeom>
+          </p:spPr>
+        </p:pic>
+        <p:pic>
+          <p:nvPicPr>
+            <p:cNvPr id="7" name="Grafik 6"/>
+            <p:cNvPicPr>
+              <a:picLocks noChangeAspect="1"/>
+            </p:cNvPicPr>
+            <p:nvPr>
+              <p:custDataLst>
+                <p:tags r:id="rId2"/>
+              </p:custDataLst>
+            </p:nvPr>
+          </p:nvPicPr>
+          <p:blipFill>
+            <a:blip r:embed="rId7" cstate="print">
+              <a:extLst>
+                <a:ext uri="{28A0092B-C50C-407E-A947-70E740481C1C}">
+                  <a14:useLocalDpi xmlns:a14="http://schemas.microsoft.com/office/drawing/2010/main" val="0"/>
+                </a:ext>
+              </a:extLst>
+            </a:blip>
+            <a:stretch>
+              <a:fillRect/>
+            </a:stretch>
+          </p:blipFill>
+          <p:spPr>
+            <a:xfrm>
+              <a:off x="395537" y="3183322"/>
+              <a:ext cx="2109705" cy="228667"/>
+            </a:xfrm>
+            <a:prstGeom prst="rect">
+              <a:avLst/>
+            </a:prstGeom>
+          </p:spPr>
+        </p:pic>
+        <p:pic>
+          <p:nvPicPr>
+            <p:cNvPr id="8" name="Grafik 7"/>
+            <p:cNvPicPr>
+              <a:picLocks noChangeAspect="1"/>
+            </p:cNvPicPr>
+            <p:nvPr>
+              <p:custDataLst>
+                <p:tags r:id="rId3"/>
+              </p:custDataLst>
+            </p:nvPr>
+          </p:nvPicPr>
+          <p:blipFill>
+            <a:blip r:embed="rId8" cstate="print">
+              <a:extLst>
+                <a:ext uri="{28A0092B-C50C-407E-A947-70E740481C1C}">
+                  <a14:useLocalDpi xmlns:a14="http://schemas.microsoft.com/office/drawing/2010/main" val="0"/>
+                </a:ext>
+              </a:extLst>
+            </a:blip>
+            <a:stretch>
+              <a:fillRect/>
+            </a:stretch>
+          </p:blipFill>
+          <p:spPr>
+            <a:xfrm>
+              <a:off x="395538" y="4012965"/>
+              <a:ext cx="3723133" cy="228667"/>
+            </a:xfrm>
+            <a:prstGeom prst="rect">
+              <a:avLst/>
+            </a:prstGeom>
+          </p:spPr>
+        </p:pic>
+      </p:grpSp>
     </p:spTree>
+    <p:extLst>
+      <p:ext uri="{BB962C8B-B14F-4D97-AF65-F5344CB8AC3E}">
+        <p14:creationId xmlns:p14="http://schemas.microsoft.com/office/powerpoint/2010/main" val="3845535118"/>
+      </p:ext>
+    </p:extLst>
   </p:cSld>
   <p:clrMapOvr>
     <a:masterClrMapping/>
@@ -11478,15 +12325,19 @@
             <p:ph type="dt" sz="half" idx="10"/>
           </p:nvPr>
         </p:nvSpPr>
-        <p:spPr/>
+        <p:spPr>
+          <a:xfrm>
+            <a:off x="6588224" y="4876006"/>
+            <a:ext cx="2133600" cy="273844"/>
+          </a:xfrm>
+        </p:spPr>
         <p:txBody>
           <a:bodyPr/>
           <a:lstStyle/>
           <a:p>
-            <a:fld id="{1C72BD4E-61B2-40A3-A75C-5FDEDE8E5EC5}" type="datetime1">
-              <a:rPr lang="de-DE" smtClean="0"/>
-              <a:pPr/>
-              <a:t>16.06.2015</a:t>
+            <a:fld id="{825920CB-9CFE-4FB0-A074-BEBA46422A5B}" type="datetime1">
+              <a:rPr lang="de-DE" smtClean="0"/>
+              <a:t>17.06.2015</a:t>
             </a:fld>
             <a:endParaRPr lang="de-DE"/>
           </a:p>
@@ -11502,7 +12353,12 @@
             <p:ph type="ftr" sz="quarter" idx="11"/>
           </p:nvPr>
         </p:nvSpPr>
-        <p:spPr/>
+        <p:spPr>
+          <a:xfrm>
+            <a:off x="3131840" y="4876006"/>
+            <a:ext cx="2895600" cy="273844"/>
+          </a:xfrm>
+        </p:spPr>
         <p:txBody>
           <a:bodyPr/>
           <a:lstStyle/>
@@ -11525,7 +12381,12 @@
             <p:ph type="sldNum" sz="quarter" idx="12"/>
           </p:nvPr>
         </p:nvSpPr>
-        <p:spPr/>
+        <p:spPr>
+          <a:xfrm>
+            <a:off x="0" y="4869656"/>
+            <a:ext cx="467544" cy="273844"/>
+          </a:xfrm>
+        </p:spPr>
         <p:txBody>
           <a:bodyPr/>
           <a:lstStyle/>
@@ -11682,15 +12543,19 @@
             <p:ph type="dt" sz="half" idx="10"/>
           </p:nvPr>
         </p:nvSpPr>
-        <p:spPr/>
+        <p:spPr>
+          <a:xfrm>
+            <a:off x="6588224" y="4876006"/>
+            <a:ext cx="2133600" cy="273844"/>
+          </a:xfrm>
+        </p:spPr>
         <p:txBody>
           <a:bodyPr/>
           <a:lstStyle/>
           <a:p>
-            <a:fld id="{1C72BD4E-61B2-40A3-A75C-5FDEDE8E5EC5}" type="datetime1">
-              <a:rPr lang="de-DE" smtClean="0"/>
-              <a:pPr/>
-              <a:t>16.06.2015</a:t>
+            <a:fld id="{711E0BBA-85CE-4567-A3EB-570B826ED505}" type="datetime1">
+              <a:rPr lang="de-DE" smtClean="0"/>
+              <a:t>17.06.2015</a:t>
             </a:fld>
             <a:endParaRPr lang="de-DE"/>
           </a:p>
@@ -11706,7 +12571,12 @@
             <p:ph type="ftr" sz="quarter" idx="11"/>
           </p:nvPr>
         </p:nvSpPr>
-        <p:spPr/>
+        <p:spPr>
+          <a:xfrm>
+            <a:off x="3131840" y="4876006"/>
+            <a:ext cx="2895600" cy="273844"/>
+          </a:xfrm>
+        </p:spPr>
         <p:txBody>
           <a:bodyPr/>
           <a:lstStyle/>
@@ -11729,7 +12599,12 @@
             <p:ph type="sldNum" sz="quarter" idx="12"/>
           </p:nvPr>
         </p:nvSpPr>
-        <p:spPr/>
+        <p:spPr>
+          <a:xfrm>
+            <a:off x="0" y="4869656"/>
+            <a:ext cx="467544" cy="273844"/>
+          </a:xfrm>
+        </p:spPr>
         <p:txBody>
           <a:bodyPr/>
           <a:lstStyle/>
@@ -11782,6 +12657,553 @@
     </p:tnLst>
   </p:timing>
 </p:sld>
+</file>
+
+<file path=ppt/tags/tag1.xml><?xml version="1.0" encoding="utf-8"?>
+<p:tagLst xmlns:a="http://schemas.openxmlformats.org/drawingml/2006/main" xmlns:r="http://schemas.openxmlformats.org/officeDocument/2006/relationships" xmlns:p="http://schemas.openxmlformats.org/presentationml/2006/main">
+  <p:tag name="ORIGINALHEIGHT" val="124,5174"/>
+  <p:tag name="ORIGINALWIDTH" val="1446,952"/>
+  <p:tag name="LATEXADDIN" val="\documentclass{article}&#10;\usepackage{amsmath}&#10;\pagestyle{empty}&#10;\begin{document}&#10;$e(t) = A \sin(\alpha t + I \sin ( \beta t))$&#10;&#10;&#10;&#10;\end{document}"/>
+  <p:tag name="IGUANATEXSIZE" val="20"/>
+  <p:tag name="IGUANATEXCURSOR" val="125"/>
+  <p:tag name="TRANSPARENCY" val="Wahr"/>
+  <p:tag name="FILENAME" val=""/>
+  <p:tag name="INPUTTYPE" val="0"/>
+  <p:tag name="LATEXENGINEID" val="1"/>
+  <p:tag name="TEMPFOLDER" val="D:\Julius\Documents\iguana_temp\"/>
+</p:tagLst>
+</file>
+
+<file path=ppt/tags/tag10.xml><?xml version="1.0" encoding="utf-8"?>
+<p:tagLst xmlns:a="http://schemas.openxmlformats.org/drawingml/2006/main" xmlns:r="http://schemas.openxmlformats.org/officeDocument/2006/relationships" xmlns:p="http://schemas.openxmlformats.org/presentationml/2006/main">
+  <p:tag name="ORIGINALHEIGHT" val="124,5174"/>
+  <p:tag name="ORIGINALWIDTH" val="846,8682"/>
+  <p:tag name="LATEXADDIN" val="\documentclass{article}&#10;\usepackage{amsmath}&#10;\pagestyle{empty}&#10;\begin{document}&#10;$f(x + p) = f(x)$&#10;&#10;&#10;&#10;\end{document}"/>
+  <p:tag name="IGUANATEXSIZE" val="20"/>
+  <p:tag name="IGUANATEXCURSOR" val="97"/>
+  <p:tag name="TRANSPARENCY" val="Wahr"/>
+  <p:tag name="FILENAME" val=""/>
+  <p:tag name="INPUTTYPE" val="0"/>
+  <p:tag name="LATEXENGINEID" val="1"/>
+  <p:tag name="TEMPFOLDER" val="D:\Julius\Documents\iguana_temp\"/>
+</p:tagLst>
+</file>
+
+<file path=ppt/tags/tag11.xml><?xml version="1.0" encoding="utf-8"?>
+<p:tagLst xmlns:a="http://schemas.openxmlformats.org/drawingml/2006/main" xmlns:r="http://schemas.openxmlformats.org/officeDocument/2006/relationships" xmlns:p="http://schemas.openxmlformats.org/presentationml/2006/main">
+  <p:tag name="ORIGINALHEIGHT" val="176,2746"/>
+  <p:tag name="ORIGINALWIDTH" val="2353,829"/>
+  <p:tag name="LATEXADDIN" val="\documentclass{article}&#10;\usepackage{amsmath}&#10;\pagestyle{empty}&#10;\begin{document}&#10;$\sin(\theta) = \frac{\textbf{gegenüberliegende Seite}}{\textbf{Hypotenuse}} &#10;= \frac{a}{c} = \frac{a}{1} = a$&#10;&#10;&#10;&#10;\end{document}"/>
+  <p:tag name="IGUANATEXSIZE" val="18"/>
+  <p:tag name="IGUANATEXCURSOR" val="189"/>
+  <p:tag name="TRANSPARENCY" val="Wahr"/>
+  <p:tag name="FILENAME" val=""/>
+  <p:tag name="INPUTTYPE" val="0"/>
+  <p:tag name="LATEXENGINEID" val="1"/>
+  <p:tag name="TEMPFOLDER" val="D:\Julius\Documents\iguana_temp\"/>
+</p:tagLst>
+</file>
+
+<file path=ppt/tags/tag12.xml><?xml version="1.0" encoding="utf-8"?>
+<p:tagLst xmlns:a="http://schemas.openxmlformats.org/drawingml/2006/main" xmlns:r="http://schemas.openxmlformats.org/officeDocument/2006/relationships" xmlns:p="http://schemas.openxmlformats.org/presentationml/2006/main">
+  <p:tag name="ORIGINALHEIGHT" val="176,2746"/>
+  <p:tag name="ORIGINALWIDTH" val="2018,532"/>
+  <p:tag name="LATEXADDIN" val="\documentclass{article}&#10;\usepackage{amsmath}&#10;\pagestyle{empty}&#10;\begin{document}&#10;$\cos(\theta) = \frac{\textbf{anliegende Seite}}{\textbf{Hypotenuse}} &#10;= \frac{b}{c} = \frac{b}{1} = b$&#10;&#10;&#10;&#10;\end{document}"/>
+  <p:tag name="IGUANATEXSIZE" val="18"/>
+  <p:tag name="IGUANATEXCURSOR" val="182"/>
+  <p:tag name="TRANSPARENCY" val="Wahr"/>
+  <p:tag name="FILENAME" val=""/>
+  <p:tag name="INPUTTYPE" val="0"/>
+  <p:tag name="LATEXENGINEID" val="1"/>
+  <p:tag name="TEMPFOLDER" val="D:\Julius\Documents\iguana_temp\"/>
+</p:tagLst>
+</file>
+
+<file path=ppt/tags/tag13.xml><?xml version="1.0" encoding="utf-8"?>
+<p:tagLst xmlns:a="http://schemas.openxmlformats.org/drawingml/2006/main" xmlns:r="http://schemas.openxmlformats.org/officeDocument/2006/relationships" xmlns:p="http://schemas.openxmlformats.org/presentationml/2006/main">
+  <p:tag name="ORIGINALHEIGHT" val="54,75764"/>
+  <p:tag name="ORIGINALWIDTH" val="67,50945"/>
+  <p:tag name="LATEXADDIN" val="\documentclass{article}&#10;\usepackage{amsmath}&#10;\pagestyle{empty}&#10;\begin{document}&#10;$\pi$&#10;&#10;&#10;&#10;\end{document}"/>
+  <p:tag name="IGUANATEXSIZE" val="24"/>
+  <p:tag name="IGUANATEXCURSOR" val="81"/>
+  <p:tag name="TRANSPARENCY" val="Wahr"/>
+  <p:tag name="FILENAME" val=""/>
+  <p:tag name="INPUTTYPE" val="0"/>
+  <p:tag name="LATEXENGINEID" val="1"/>
+  <p:tag name="TEMPFOLDER" val="D:\Julius\Documents\iguana_temp\"/>
+</p:tagLst>
+</file>
+
+<file path=ppt/tags/tag14.xml><?xml version="1.0" encoding="utf-8"?>
+<p:tagLst xmlns:a="http://schemas.openxmlformats.org/drawingml/2006/main" xmlns:r="http://schemas.openxmlformats.org/officeDocument/2006/relationships" xmlns:p="http://schemas.openxmlformats.org/presentationml/2006/main">
+  <p:tag name="ORIGINALHEIGHT" val="54,75764"/>
+  <p:tag name="ORIGINALWIDTH" val="67,50945"/>
+  <p:tag name="LATEXADDIN" val="\documentclass{article}&#10;\usepackage{amsmath}&#10;\pagestyle{empty}&#10;\begin{document}&#10;$\pi$&#10;&#10;&#10;&#10;\end{document}"/>
+  <p:tag name="IGUANATEXSIZE" val="24"/>
+  <p:tag name="IGUANATEXCURSOR" val="81"/>
+  <p:tag name="TRANSPARENCY" val="Wahr"/>
+  <p:tag name="FILENAME" val=""/>
+  <p:tag name="INPUTTYPE" val="0"/>
+  <p:tag name="LATEXENGINEID" val="1"/>
+  <p:tag name="TEMPFOLDER" val="D:\Julius\Documents\iguana_temp\"/>
+</p:tagLst>
+</file>
+
+<file path=ppt/tags/tag15.xml><?xml version="1.0" encoding="utf-8"?>
+<p:tagLst xmlns:a="http://schemas.openxmlformats.org/drawingml/2006/main" xmlns:r="http://schemas.openxmlformats.org/officeDocument/2006/relationships" xmlns:p="http://schemas.openxmlformats.org/presentationml/2006/main">
+  <p:tag name="ORIGINALHEIGHT" val="113,2658"/>
+  <p:tag name="ORIGINALWIDTH" val="62,25866"/>
+  <p:tag name="LATEXADDIN" val="\documentclass{article}&#10;\usepackage{amsmath}&#10;\pagestyle{empty}&#10;\begin{document}&#10;$f$&#10;&#10;&#10;&#10;\end{document}"/>
+  <p:tag name="IGUANATEXSIZE" val="20"/>
+  <p:tag name="IGUANATEXCURSOR" val="83"/>
+  <p:tag name="TRANSPARENCY" val="Wahr"/>
+  <p:tag name="FILENAME" val=""/>
+  <p:tag name="INPUTTYPE" val="0"/>
+  <p:tag name="LATEXENGINEID" val="1"/>
+  <p:tag name="TEMPFOLDER" val="D:\Julius\Documents\iguana_temp\"/>
+</p:tagLst>
+</file>
+
+<file path=ppt/tags/tag16.xml><?xml version="1.0" encoding="utf-8"?>
+<p:tagLst xmlns:a="http://schemas.openxmlformats.org/drawingml/2006/main" xmlns:r="http://schemas.openxmlformats.org/officeDocument/2006/relationships" xmlns:p="http://schemas.openxmlformats.org/presentationml/2006/main">
+  <p:tag name="ORIGINALHEIGHT" val="113,2658"/>
+  <p:tag name="ORIGINALWIDTH" val="291,0406"/>
+  <p:tag name="LATEXADDIN" val="\documentclass{article}&#10;\usepackage{amsmath}&#10;\pagestyle{empty}&#10;\begin{document}&#10;$2\pi \cdot f$&#10;&#10;&#10;&#10;\end{document}"/>
+  <p:tag name="IGUANATEXSIZE" val="20"/>
+  <p:tag name="IGUANATEXCURSOR" val="94"/>
+  <p:tag name="TRANSPARENCY" val="Wahr"/>
+  <p:tag name="FILENAME" val=""/>
+  <p:tag name="INPUTTYPE" val="0"/>
+  <p:tag name="LATEXENGINEID" val="1"/>
+  <p:tag name="TEMPFOLDER" val="D:\Julius\Documents\iguana_temp\"/>
+</p:tagLst>
+</file>
+
+<file path=ppt/tags/tag17.xml><?xml version="1.0" encoding="utf-8"?>
+<p:tagLst xmlns:a="http://schemas.openxmlformats.org/drawingml/2006/main" xmlns:r="http://schemas.openxmlformats.org/officeDocument/2006/relationships" xmlns:p="http://schemas.openxmlformats.org/presentationml/2006/main">
+  <p:tag name="ORIGINALHEIGHT" val="113,2658"/>
+  <p:tag name="ORIGINALWIDTH" val="62,25866"/>
+  <p:tag name="LATEXADDIN" val="\documentclass{article}&#10;\usepackage{amsmath}&#10;\pagestyle{empty}&#10;\begin{document}&#10;$f$&#10;&#10;&#10;&#10;\end{document}"/>
+  <p:tag name="IGUANATEXSIZE" val="20"/>
+  <p:tag name="IGUANATEXCURSOR" val="83"/>
+  <p:tag name="TRANSPARENCY" val="Wahr"/>
+  <p:tag name="FILENAME" val=""/>
+  <p:tag name="INPUTTYPE" val="0"/>
+  <p:tag name="LATEXENGINEID" val="1"/>
+  <p:tag name="TEMPFOLDER" val="D:\Julius\Documents\iguana_temp\"/>
+</p:tagLst>
+</file>
+
+<file path=ppt/tags/tag18.xml><?xml version="1.0" encoding="utf-8"?>
+<p:tagLst xmlns:a="http://schemas.openxmlformats.org/drawingml/2006/main" xmlns:r="http://schemas.openxmlformats.org/officeDocument/2006/relationships" xmlns:p="http://schemas.openxmlformats.org/presentationml/2006/main">
+  <p:tag name="ORIGINALHEIGHT" val="129,018"/>
+  <p:tag name="ORIGINALWIDTH" val="61,50858"/>
+  <p:tag name="LATEXADDIN" val="\documentclass{article}&#10;\usepackage{amsmath}&#10;\pagestyle{empty}&#10;\begin{document}&#10;$\frac{\pi}{2}$&#10;\end{document}"/>
+  <p:tag name="IGUANATEXSIZE" val="24"/>
+  <p:tag name="IGUANATEXCURSOR" val="95"/>
+  <p:tag name="TRANSPARENCY" val="Wahr"/>
+  <p:tag name="FILENAME" val=""/>
+  <p:tag name="INPUTTYPE" val="0"/>
+  <p:tag name="LATEXENGINEID" val="1"/>
+  <p:tag name="TEMPFOLDER" val="D:\Julius\Documents\iguana_temp\"/>
+</p:tagLst>
+</file>
+
+<file path=ppt/tags/tag19.xml><?xml version="1.0" encoding="utf-8"?>
+<p:tagLst xmlns:a="http://schemas.openxmlformats.org/drawingml/2006/main" xmlns:r="http://schemas.openxmlformats.org/officeDocument/2006/relationships" xmlns:p="http://schemas.openxmlformats.org/presentationml/2006/main">
+  <p:tag name="ORIGINALHEIGHT" val="135,769"/>
+  <p:tag name="ORIGINALWIDTH" val="1049,396"/>
+  <p:tag name="LATEXADDIN" val="\documentclass{article}&#10;\usepackage{amsmath}&#10;\pagestyle{empty}&#10;\begin{document}&#10;$\sin(\frac{\pi}{2} - x) = \cos(x)$&#10;\end{document}"/>
+  <p:tag name="IGUANATEXSIZE" val="20"/>
+  <p:tag name="IGUANATEXCURSOR" val="101"/>
+  <p:tag name="TRANSPARENCY" val="Wahr"/>
+  <p:tag name="FILENAME" val=""/>
+  <p:tag name="INPUTTYPE" val="0"/>
+  <p:tag name="LATEXENGINEID" val="1"/>
+  <p:tag name="TEMPFOLDER" val="D:\Julius\Documents\iguana_temp\"/>
+</p:tagLst>
+</file>
+
+<file path=ppt/tags/tag2.xml><?xml version="1.0" encoding="utf-8"?>
+<p:tagLst xmlns:a="http://schemas.openxmlformats.org/drawingml/2006/main" xmlns:r="http://schemas.openxmlformats.org/officeDocument/2006/relationships" xmlns:p="http://schemas.openxmlformats.org/presentationml/2006/main">
+  <p:tag name="ORIGINALHEIGHT" val="113,2658"/>
+  <p:tag name="ORIGINALWIDTH" val="390,0544"/>
+  <p:tag name="LATEXADDIN" val="\documentclass{article}&#10;\usepackage{amsmath}&#10;\pagestyle{empty}&#10;\begin{document}&#10;$f_M,f_c:$&#10;\end{document}"/>
+  <p:tag name="IGUANATEXSIZE" val="20"/>
+  <p:tag name="IGUANATEXCURSOR" val="88"/>
+  <p:tag name="TRANSPARENCY" val="Wahr"/>
+  <p:tag name="FILENAME" val=""/>
+  <p:tag name="INPUTTYPE" val="0"/>
+  <p:tag name="LATEXENGINEID" val="1"/>
+  <p:tag name="TEMPFOLDER" val="D:\Julius\Documents\iguana_temp\"/>
+</p:tagLst>
+</file>
+
+<file path=ppt/tags/tag20.xml><?xml version="1.0" encoding="utf-8"?>
+<p:tagLst xmlns:a="http://schemas.openxmlformats.org/drawingml/2006/main" xmlns:r="http://schemas.openxmlformats.org/officeDocument/2006/relationships" xmlns:p="http://schemas.openxmlformats.org/presentationml/2006/main">
+  <p:tag name="ORIGINALHEIGHT" val="135,769"/>
+  <p:tag name="ORIGINALWIDTH" val="1049,396"/>
+  <p:tag name="LATEXADDIN" val="\documentclass{article}&#10;\usepackage{amsmath}&#10;\pagestyle{empty}&#10;\begin{document}&#10;$\cos(\frac{\pi}{2} - x) = \sin(x)$&#10;\end{document}"/>
+  <p:tag name="IGUANATEXSIZE" val="20"/>
+  <p:tag name="IGUANATEXCURSOR" val="111"/>
+  <p:tag name="TRANSPARENCY" val="Wahr"/>
+  <p:tag name="FILENAME" val=""/>
+  <p:tag name="INPUTTYPE" val="0"/>
+  <p:tag name="LATEXENGINEID" val="1"/>
+  <p:tag name="TEMPFOLDER" val="D:\Julius\Documents\iguana_temp\"/>
+</p:tagLst>
+</file>
+
+<file path=ppt/tags/tag21.xml><?xml version="1.0" encoding="utf-8"?>
+<p:tagLst xmlns:a="http://schemas.openxmlformats.org/drawingml/2006/main" xmlns:r="http://schemas.openxmlformats.org/officeDocument/2006/relationships" xmlns:p="http://schemas.openxmlformats.org/presentationml/2006/main">
+  <p:tag name="ORIGINALHEIGHT" val="124,5174"/>
+  <p:tag name="ORIGINALWIDTH" val="1137,909"/>
+  <p:tag name="LATEXADDIN" val="\documentclass{article}&#10;\usepackage{amsmath}&#10;\pagestyle{empty}&#10;\begin{document}&#10;$y(t)=A \cdot \sin(2\pi f \cdot t)$&#10;&#10;&#10;&#10;\end{document}"/>
+  <p:tag name="IGUANATEXSIZE" val="20"/>
+  <p:tag name="IGUANATEXCURSOR" val="115"/>
+  <p:tag name="TRANSPARENCY" val="Wahr"/>
+  <p:tag name="FILENAME" val=""/>
+  <p:tag name="INPUTTYPE" val="0"/>
+  <p:tag name="LATEXENGINEID" val="1"/>
+  <p:tag name="TEMPFOLDER" val="D:\Julius\Documents\iguana_temp\"/>
+</p:tagLst>
+</file>
+
+<file path=ppt/tags/tag22.xml><?xml version="1.0" encoding="utf-8"?>
+<p:tagLst xmlns:a="http://schemas.openxmlformats.org/drawingml/2006/main" xmlns:r="http://schemas.openxmlformats.org/officeDocument/2006/relationships" xmlns:p="http://schemas.openxmlformats.org/presentationml/2006/main">
+  <p:tag name="ORIGINALHEIGHT" val="88,51236"/>
+  <p:tag name="ORIGINALWIDTH" val="87,01212"/>
+  <p:tag name="LATEXADDIN" val="\documentclass{article}&#10;\usepackage{amsmath}&#10;\pagestyle{empty}&#10;\begin{document}&#10;$A$&#10;&#10;&#10;&#10;\end{document}"/>
+  <p:tag name="IGUANATEXSIZE" val="20"/>
+  <p:tag name="IGUANATEXCURSOR" val="83"/>
+  <p:tag name="TRANSPARENCY" val="Wahr"/>
+  <p:tag name="FILENAME" val=""/>
+  <p:tag name="INPUTTYPE" val="0"/>
+  <p:tag name="LATEXENGINEID" val="1"/>
+  <p:tag name="TEMPFOLDER" val="D:\Julius\Documents\iguana_temp\"/>
+</p:tagLst>
+</file>
+
+<file path=ppt/tags/tag23.xml><?xml version="1.0" encoding="utf-8"?>
+<p:tagLst xmlns:a="http://schemas.openxmlformats.org/drawingml/2006/main" xmlns:r="http://schemas.openxmlformats.org/officeDocument/2006/relationships" xmlns:p="http://schemas.openxmlformats.org/presentationml/2006/main">
+  <p:tag name="ORIGINALHEIGHT" val="113,2658"/>
+  <p:tag name="ORIGINALWIDTH" val="62,25866"/>
+  <p:tag name="LATEXADDIN" val="\documentclass{article}&#10;\usepackage{amsmath}&#10;\pagestyle{empty}&#10;\begin{document}&#10;$f$&#10;&#10;&#10;&#10;\end{document}"/>
+  <p:tag name="IGUANATEXSIZE" val="20"/>
+  <p:tag name="IGUANATEXCURSOR" val="83"/>
+  <p:tag name="TRANSPARENCY" val="Wahr"/>
+  <p:tag name="FILENAME" val=""/>
+  <p:tag name="INPUTTYPE" val="0"/>
+  <p:tag name="LATEXENGINEID" val="1"/>
+  <p:tag name="TEMPFOLDER" val="D:\Julius\Documents\iguana_temp\"/>
+</p:tagLst>
+</file>
+
+<file path=ppt/tags/tag24.xml><?xml version="1.0" encoding="utf-8"?>
+<p:tagLst xmlns:a="http://schemas.openxmlformats.org/drawingml/2006/main" xmlns:r="http://schemas.openxmlformats.org/officeDocument/2006/relationships" xmlns:p="http://schemas.openxmlformats.org/presentationml/2006/main">
+  <p:tag name="ORIGINALHEIGHT" val="124,5174"/>
+  <p:tag name="ORIGINALWIDTH" val="1446,952"/>
+  <p:tag name="LATEXADDIN" val="\documentclass{article}&#10;\usepackage{amsmath}&#10;\pagestyle{empty}&#10;\begin{document}&#10;$e(t) = A \sin(\alpha t + I \sin ( \beta t))$&#10;&#10;&#10;&#10;\end{document}"/>
+  <p:tag name="IGUANATEXSIZE" val="20"/>
+  <p:tag name="IGUANATEXCURSOR" val="125"/>
+  <p:tag name="TRANSPARENCY" val="Wahr"/>
+  <p:tag name="FILENAME" val=""/>
+  <p:tag name="INPUTTYPE" val="0"/>
+  <p:tag name="LATEXENGINEID" val="1"/>
+  <p:tag name="TEMPFOLDER" val="D:\Julius\Documents\iguana_temp\"/>
+</p:tagLst>
+</file>
+
+<file path=ppt/tags/tag25.xml><?xml version="1.0" encoding="utf-8"?>
+<p:tagLst xmlns:a="http://schemas.openxmlformats.org/drawingml/2006/main" xmlns:r="http://schemas.openxmlformats.org/officeDocument/2006/relationships" xmlns:p="http://schemas.openxmlformats.org/presentationml/2006/main">
+  <p:tag name="ORIGINALHEIGHT" val="78,76102"/>
+  <p:tag name="ORIGINALWIDTH" val="38,25536"/>
+  <p:tag name="LATEXADDIN" val="\documentclass{article}&#10;\usepackage{amsmath}&#10;\pagestyle{empty}&#10;\begin{document}&#10;$t$&#10;&#10;&#10;&#10;\end{document}"/>
+  <p:tag name="IGUANATEXSIZE" val="20"/>
+  <p:tag name="IGUANATEXCURSOR" val="83"/>
+  <p:tag name="TRANSPARENCY" val="Wahr"/>
+  <p:tag name="FILENAME" val=""/>
+  <p:tag name="INPUTTYPE" val="0"/>
+  <p:tag name="LATEXENGINEID" val="1"/>
+  <p:tag name="TEMPFOLDER" val="D:\Julius\Documents\iguana_temp\"/>
+</p:tagLst>
+</file>
+
+<file path=ppt/tags/tag26.xml><?xml version="1.0" encoding="utf-8"?>
+<p:tagLst xmlns:a="http://schemas.openxmlformats.org/drawingml/2006/main" xmlns:r="http://schemas.openxmlformats.org/officeDocument/2006/relationships" xmlns:p="http://schemas.openxmlformats.org/presentationml/2006/main">
+  <p:tag name="ORIGINALHEIGHT" val="124,5174"/>
+  <p:tag name="ORIGINALWIDTH" val="183,0255"/>
+  <p:tag name="LATEXADDIN" val="\documentclass{article}&#10;\usepackage{amsmath}&#10;\pagestyle{empty}&#10;\begin{document}&#10;$e(t)$&#10;&#10;&#10;&#10;\end{document}"/>
+  <p:tag name="IGUANATEXSIZE" val="20"/>
+  <p:tag name="IGUANATEXCURSOR" val="86"/>
+  <p:tag name="TRANSPARENCY" val="Wahr"/>
+  <p:tag name="FILENAME" val=""/>
+  <p:tag name="INPUTTYPE" val="0"/>
+  <p:tag name="LATEXENGINEID" val="1"/>
+  <p:tag name="TEMPFOLDER" val="D:\Julius\Documents\iguana_temp\"/>
+</p:tagLst>
+</file>
+
+<file path=ppt/tags/tag27.xml><?xml version="1.0" encoding="utf-8"?>
+<p:tagLst xmlns:a="http://schemas.openxmlformats.org/drawingml/2006/main" xmlns:r="http://schemas.openxmlformats.org/officeDocument/2006/relationships" xmlns:p="http://schemas.openxmlformats.org/presentationml/2006/main">
+  <p:tag name="ORIGINALHEIGHT" val="88,51236"/>
+  <p:tag name="ORIGINALWIDTH" val="87,01212"/>
+  <p:tag name="LATEXADDIN" val="\documentclass{article}&#10;\usepackage{amsmath}&#10;\pagestyle{empty}&#10;\begin{document}&#10;$A$&#10;&#10;&#10;&#10;\end{document}"/>
+  <p:tag name="IGUANATEXSIZE" val="20"/>
+  <p:tag name="IGUANATEXCURSOR" val="82"/>
+  <p:tag name="TRANSPARENCY" val="Wahr"/>
+  <p:tag name="FILENAME" val=""/>
+  <p:tag name="INPUTTYPE" val="0"/>
+  <p:tag name="LATEXENGINEID" val="1"/>
+  <p:tag name="TEMPFOLDER" val="D:\Julius\Documents\iguana_temp\"/>
+</p:tagLst>
+</file>
+
+<file path=ppt/tags/tag28.xml><?xml version="1.0" encoding="utf-8"?>
+<p:tagLst xmlns:a="http://schemas.openxmlformats.org/drawingml/2006/main" xmlns:r="http://schemas.openxmlformats.org/officeDocument/2006/relationships" xmlns:p="http://schemas.openxmlformats.org/presentationml/2006/main">
+  <p:tag name="ORIGINALHEIGHT" val="56,25787"/>
+  <p:tag name="ORIGINALWIDTH" val="69,75977"/>
+  <p:tag name="LATEXADDIN" val="\documentclass{article}&#10;\usepackage{amsmath}&#10;\pagestyle{empty}&#10;\begin{document}&#10;$\alpha$&#10;&#10;&#10;&#10;\end{document}"/>
+  <p:tag name="IGUANATEXSIZE" val="20"/>
+  <p:tag name="IGUANATEXCURSOR" val="87"/>
+  <p:tag name="TRANSPARENCY" val="Wahr"/>
+  <p:tag name="FILENAME" val=""/>
+  <p:tag name="INPUTTYPE" val="0"/>
+  <p:tag name="LATEXENGINEID" val="1"/>
+  <p:tag name="TEMPFOLDER" val="D:\Julius\Documents\iguana_temp\"/>
+</p:tagLst>
+</file>
+
+<file path=ppt/tags/tag29.xml><?xml version="1.0" encoding="utf-8"?>
+<p:tagLst xmlns:a="http://schemas.openxmlformats.org/drawingml/2006/main" xmlns:r="http://schemas.openxmlformats.org/officeDocument/2006/relationships" xmlns:p="http://schemas.openxmlformats.org/presentationml/2006/main">
+  <p:tag name="ORIGINALHEIGHT" val="111,7656"/>
+  <p:tag name="ORIGINALWIDTH" val="68,25953"/>
+  <p:tag name="LATEXADDIN" val="\documentclass{article}&#10;\usepackage{amsmath}&#10;\pagestyle{empty}&#10;\begin{document}&#10;$\beta$&#10;&#10;&#10;&#10;\end{document}"/>
+  <p:tag name="IGUANATEXSIZE" val="20"/>
+  <p:tag name="IGUANATEXCURSOR" val="86"/>
+  <p:tag name="TRANSPARENCY" val="Wahr"/>
+  <p:tag name="FILENAME" val=""/>
+  <p:tag name="INPUTTYPE" val="0"/>
+  <p:tag name="LATEXENGINEID" val="1"/>
+  <p:tag name="TEMPFOLDER" val="D:\Julius\Documents\iguana_temp\"/>
+</p:tagLst>
+</file>
+
+<file path=ppt/tags/tag3.xml><?xml version="1.0" encoding="utf-8"?>
+<p:tagLst xmlns:a="http://schemas.openxmlformats.org/drawingml/2006/main" xmlns:r="http://schemas.openxmlformats.org/officeDocument/2006/relationships" xmlns:p="http://schemas.openxmlformats.org/presentationml/2006/main">
+  <p:tag name="ORIGINALHEIGHT" val="111,7656"/>
+  <p:tag name="ORIGINALWIDTH" val="132,7685"/>
+  <p:tag name="LATEXADDIN" val="\documentclass{article}&#10;\usepackage{amsmath}&#10;\pagestyle{empty}&#10;\begin{document}&#10;$\beta:$&#10;\end{document}"/>
+  <p:tag name="IGUANATEXSIZE" val="20"/>
+  <p:tag name="IGUANATEXCURSOR" val="86"/>
+  <p:tag name="TRANSPARENCY" val="Wahr"/>
+  <p:tag name="FILENAME" val=""/>
+  <p:tag name="INPUTTYPE" val="0"/>
+  <p:tag name="LATEXENGINEID" val="1"/>
+  <p:tag name="TEMPFOLDER" val="D:\Julius\Documents\iguana_temp\"/>
+</p:tagLst>
+</file>
+
+<file path=ppt/tags/tag30.xml><?xml version="1.0" encoding="utf-8"?>
+<p:tagLst xmlns:a="http://schemas.openxmlformats.org/drawingml/2006/main" xmlns:r="http://schemas.openxmlformats.org/officeDocument/2006/relationships" xmlns:p="http://schemas.openxmlformats.org/presentationml/2006/main">
+  <p:tag name="ORIGINALHEIGHT" val="84,76181"/>
+  <p:tag name="ORIGINALWIDTH" val="58,50819"/>
+  <p:tag name="LATEXADDIN" val="\documentclass{article}&#10;\usepackage{amsmath}&#10;\pagestyle{empty}&#10;\begin{document}&#10;$I$&#10;&#10;&#10;&#10;\end{document}"/>
+  <p:tag name="IGUANATEXSIZE" val="20"/>
+  <p:tag name="IGUANATEXCURSOR" val="82"/>
+  <p:tag name="TRANSPARENCY" val="Wahr"/>
+  <p:tag name="FILENAME" val=""/>
+  <p:tag name="INPUTTYPE" val="0"/>
+  <p:tag name="LATEXENGINEID" val="1"/>
+  <p:tag name="TEMPFOLDER" val="D:\Julius\Documents\iguana_temp\"/>
+</p:tagLst>
+</file>
+
+<file path=ppt/tags/tag31.xml><?xml version="1.0" encoding="utf-8"?>
+<p:tagLst xmlns:a="http://schemas.openxmlformats.org/drawingml/2006/main" xmlns:r="http://schemas.openxmlformats.org/officeDocument/2006/relationships" xmlns:p="http://schemas.openxmlformats.org/presentationml/2006/main">
+  <p:tag name="ORIGINALHEIGHT" val="124,5174"/>
+  <p:tag name="ORIGINALWIDTH" val="1446,952"/>
+  <p:tag name="LATEXADDIN" val="\documentclass{article}&#10;\usepackage{amsmath}&#10;\pagestyle{empty}&#10;\begin{document}&#10;$e(t) = A \sin(\alpha t + I \sin ( \beta t))$&#10;&#10;&#10;&#10;\end{document}"/>
+  <p:tag name="IGUANATEXSIZE" val="20"/>
+  <p:tag name="IGUANATEXCURSOR" val="125"/>
+  <p:tag name="TRANSPARENCY" val="Wahr"/>
+  <p:tag name="FILENAME" val=""/>
+  <p:tag name="INPUTTYPE" val="0"/>
+  <p:tag name="LATEXENGINEID" val="1"/>
+  <p:tag name="TEMPFOLDER" val="D:\Julius\Documents\iguana_temp\"/>
+</p:tagLst>
+</file>
+
+<file path=ppt/tags/tag32.xml><?xml version="1.0" encoding="utf-8"?>
+<p:tagLst xmlns:a="http://schemas.openxmlformats.org/drawingml/2006/main" xmlns:r="http://schemas.openxmlformats.org/officeDocument/2006/relationships" xmlns:p="http://schemas.openxmlformats.org/presentationml/2006/main">
+  <p:tag name="LAYER" val="1"/>
+  <p:tag name="SELECTIONNAME" val="Inhaltsplatzhalter 2"/>
+</p:tagLst>
+</file>
+
+<file path=ppt/tags/tag33.xml><?xml version="1.0" encoding="utf-8"?>
+<p:tagLst xmlns:a="http://schemas.openxmlformats.org/drawingml/2006/main" xmlns:r="http://schemas.openxmlformats.org/officeDocument/2006/relationships" xmlns:p="http://schemas.openxmlformats.org/presentationml/2006/main">
+  <p:tag name="ORIGINALHEIGHT" val="153,0213"/>
+  <p:tag name="ORIGINALWIDTH" val="330,7961"/>
+  <p:tag name="LATEXADDIN" val="\documentclass{article}&#10;\usepackage{amsmath}&#10;\pagestyle{empty}&#10;\begin{document}&#10;$I = \frac{d}{m}$&#10;&#10;&#10;&#10;\end{document}"/>
+  <p:tag name="IGUANATEXSIZE" val="20"/>
+  <p:tag name="IGUANATEXCURSOR" val="96"/>
+  <p:tag name="TRANSPARENCY" val="Wahr"/>
+  <p:tag name="FILENAME" val=""/>
+  <p:tag name="INPUTTYPE" val="0"/>
+  <p:tag name="LATEXENGINEID" val="1"/>
+  <p:tag name="TEMPFOLDER" val="D:\Julius\Documents\iguana_temp\"/>
+</p:tagLst>
+</file>
+
+<file path=ppt/tags/tag34.xml><?xml version="1.0" encoding="utf-8"?>
+<p:tagLst xmlns:a="http://schemas.openxmlformats.org/drawingml/2006/main" xmlns:r="http://schemas.openxmlformats.org/officeDocument/2006/relationships" xmlns:p="http://schemas.openxmlformats.org/presentationml/2006/main">
+  <p:tag name="ORIGINALHEIGHT" val="87,76228"/>
+  <p:tag name="ORIGINALWIDTH" val="59,25827"/>
+  <p:tag name="LATEXADDIN" val="\documentclass{article}&#10;\usepackage{amsmath}&#10;\pagestyle{empty}&#10;\begin{document}&#10;$d$&#10;&#10;&#10;&#10;\end{document}"/>
+  <p:tag name="IGUANATEXSIZE" val="20"/>
+  <p:tag name="IGUANATEXCURSOR" val="83"/>
+  <p:tag name="TRANSPARENCY" val="Wahr"/>
+  <p:tag name="FILENAME" val=""/>
+  <p:tag name="INPUTTYPE" val="0"/>
+  <p:tag name="LATEXENGINEID" val="1"/>
+  <p:tag name="TEMPFOLDER" val="D:\Julius\Documents\iguana_temp\"/>
+</p:tagLst>
+</file>
+
+<file path=ppt/tags/tag35.xml><?xml version="1.0" encoding="utf-8"?>
+<p:tagLst xmlns:a="http://schemas.openxmlformats.org/drawingml/2006/main" xmlns:r="http://schemas.openxmlformats.org/officeDocument/2006/relationships" xmlns:p="http://schemas.openxmlformats.org/presentationml/2006/main">
+  <p:tag name="ORIGINALHEIGHT" val="56,25787"/>
+  <p:tag name="ORIGINALWIDTH" val="102,0143"/>
+  <p:tag name="LATEXADDIN" val="\documentclass{article}&#10;\usepackage{amsmath}&#10;\pagestyle{empty}&#10;\begin{document}&#10;$m$&#10;&#10;&#10;&#10;\end{document}"/>
+  <p:tag name="IGUANATEXSIZE" val="20"/>
+  <p:tag name="IGUANATEXCURSOR" val="83"/>
+  <p:tag name="TRANSPARENCY" val="Wahr"/>
+  <p:tag name="FILENAME" val=""/>
+  <p:tag name="INPUTTYPE" val="0"/>
+  <p:tag name="LATEXENGINEID" val="1"/>
+  <p:tag name="TEMPFOLDER" val="D:\Julius\Documents\iguana_temp\"/>
+</p:tagLst>
+</file>
+
+<file path=ppt/tags/tag36.xml><?xml version="1.0" encoding="utf-8"?>
+<p:tagLst xmlns:a="http://schemas.openxmlformats.org/drawingml/2006/main" xmlns:r="http://schemas.openxmlformats.org/officeDocument/2006/relationships" xmlns:p="http://schemas.openxmlformats.org/presentationml/2006/main">
+  <p:tag name="ORIGINALHEIGHT" val="68,25953"/>
+  <p:tag name="ORIGINALWIDTH" val="110,2654"/>
+  <p:tag name="LATEXADDIN" val="\documentclass{article}&#10;\usepackage{amsmath}&#10;\pagestyle{empty}&#10;\begin{document}&#10;$\Rightarrow$&#10;&#10;&#10;&#10;\end{document}"/>
+  <p:tag name="IGUANATEXSIZE" val="20"/>
+  <p:tag name="IGUANATEXCURSOR" val="93"/>
+  <p:tag name="TRANSPARENCY" val="Wahr"/>
+  <p:tag name="FILENAME" val=""/>
+  <p:tag name="INPUTTYPE" val="0"/>
+  <p:tag name="LATEXENGINEID" val="1"/>
+  <p:tag name="TEMPFOLDER" val="D:\Julius\Documents\iguana_temp\"/>
+</p:tagLst>
+</file>
+
+<file path=ppt/tags/tag37.xml><?xml version="1.0" encoding="utf-8"?>
+<p:tagLst xmlns:a="http://schemas.openxmlformats.org/drawingml/2006/main" xmlns:r="http://schemas.openxmlformats.org/officeDocument/2006/relationships" xmlns:p="http://schemas.openxmlformats.org/presentationml/2006/main">
+  <p:tag name="ORIGINALHEIGHT" val="84,76181"/>
+  <p:tag name="ORIGINALWIDTH" val="58,50819"/>
+  <p:tag name="LATEXADDIN" val="\documentclass{article}&#10;\usepackage{amsmath}&#10;\pagestyle{empty}&#10;\begin{document}&#10;$I$&#10;&#10;&#10;&#10;\end{document}"/>
+  <p:tag name="IGUANATEXSIZE" val="20"/>
+  <p:tag name="IGUANATEXCURSOR" val="82"/>
+  <p:tag name="TRANSPARENCY" val="Wahr"/>
+  <p:tag name="FILENAME" val=""/>
+  <p:tag name="INPUTTYPE" val="0"/>
+  <p:tag name="LATEXENGINEID" val="1"/>
+  <p:tag name="TEMPFOLDER" val="D:\Julius\Documents\iguana_temp\"/>
+</p:tagLst>
+</file>
+
+<file path=ppt/tags/tag4.xml><?xml version="1.0" encoding="utf-8"?>
+<p:tagLst xmlns:a="http://schemas.openxmlformats.org/drawingml/2006/main" xmlns:r="http://schemas.openxmlformats.org/officeDocument/2006/relationships" xmlns:p="http://schemas.openxmlformats.org/presentationml/2006/main">
+  <p:tag name="ORIGINALHEIGHT" val="124,5174"/>
+  <p:tag name="ORIGINALWIDTH" val="1090,652"/>
+  <p:tag name="LATEXADDIN" val="\documentclass{article}&#10;\usepackage{amsmath}&#10;\pagestyle{empty}&#10;\begin{document}&#10;$y(t)=sin(2\pi 600 \cdot t)$&#10;&#10;&#10;&#10;\end{document}"/>
+  <p:tag name="IGUANATEXSIZE" val="18"/>
+  <p:tag name="IGUANATEXCURSOR" val="108"/>
+  <p:tag name="TRANSPARENCY" val="Wahr"/>
+  <p:tag name="FILENAME" val=""/>
+  <p:tag name="INPUTTYPE" val="0"/>
+  <p:tag name="LATEXENGINEID" val="1"/>
+  <p:tag name="TEMPFOLDER" val="D:\Julius\Documents\iguana_temp\"/>
+</p:tagLst>
+</file>
+
+<file path=ppt/tags/tag5.xml><?xml version="1.0" encoding="utf-8"?>
+<p:tagLst xmlns:a="http://schemas.openxmlformats.org/drawingml/2006/main" xmlns:r="http://schemas.openxmlformats.org/officeDocument/2006/relationships" xmlns:p="http://schemas.openxmlformats.org/presentationml/2006/main">
+  <p:tag name="ORIGINALHEIGHT" val="124,5174"/>
+  <p:tag name="ORIGINALWIDTH" val="1090,652"/>
+  <p:tag name="LATEXADDIN" val="\documentclass{article}&#10;\usepackage{amsmath}&#10;\pagestyle{empty}&#10;\begin{document}&#10;$y(t)=5sin(2\pi 75 \cdot t)$&#10;&#10;&#10;&#10;\end{document}"/>
+  <p:tag name="IGUANATEXSIZE" val="18"/>
+  <p:tag name="IGUANATEXCURSOR" val="98"/>
+  <p:tag name="TRANSPARENCY" val="Wahr"/>
+  <p:tag name="FILENAME" val=""/>
+  <p:tag name="INPUTTYPE" val="0"/>
+  <p:tag name="LATEXENGINEID" val="1"/>
+  <p:tag name="TEMPFOLDER" val="D:\Julius\Documents\iguana_temp\"/>
+</p:tagLst>
+</file>
+
+<file path=ppt/tags/tag6.xml><?xml version="1.0" encoding="utf-8"?>
+<p:tagLst xmlns:a="http://schemas.openxmlformats.org/drawingml/2006/main" xmlns:r="http://schemas.openxmlformats.org/officeDocument/2006/relationships" xmlns:p="http://schemas.openxmlformats.org/presentationml/2006/main">
+  <p:tag name="ORIGINALHEIGHT" val="124,5174"/>
+  <p:tag name="ORIGINALWIDTH" val="1972,775"/>
+  <p:tag name="LATEXADDIN" val="\documentclass{article}&#10;\usepackage{amsmath}&#10;\pagestyle{empty}&#10;\begin{document}&#10;$y(t)=sin(2\pi 600 \cdot t + 5 \sin(2\pi 75 \cdot t))$&#10;&#10;&#10;&#10;\end{document}"/>
+  <p:tag name="IGUANATEXSIZE" val="18"/>
+  <p:tag name="IGUANATEXCURSOR" val="132"/>
+  <p:tag name="TRANSPARENCY" val="Wahr"/>
+  <p:tag name="FILENAME" val=""/>
+  <p:tag name="INPUTTYPE" val="0"/>
+  <p:tag name="LATEXENGINEID" val="1"/>
+  <p:tag name="TEMPFOLDER" val="D:\Julius\Documents\iguana_temp\"/>
+</p:tagLst>
+</file>
+
+<file path=ppt/tags/tag7.xml><?xml version="1.0" encoding="utf-8"?>
+<p:tagLst xmlns:a="http://schemas.openxmlformats.org/drawingml/2006/main" xmlns:r="http://schemas.openxmlformats.org/officeDocument/2006/relationships" xmlns:p="http://schemas.openxmlformats.org/presentationml/2006/main">
+  <p:tag name="ORIGINALHEIGHT" val="124,5174"/>
+  <p:tag name="ORIGINALWIDTH" val="1090,652"/>
+  <p:tag name="LATEXADDIN" val="\documentclass{article}&#10;\usepackage{amsmath}&#10;\pagestyle{empty}&#10;\begin{document}&#10;$y(t)=sin(2\pi 300 \cdot t)$&#10;&#10;&#10;&#10;\end{document}"/>
+  <p:tag name="IGUANATEXSIZE" val="18"/>
+  <p:tag name="IGUANATEXCURSOR" val="98"/>
+  <p:tag name="TRANSPARENCY" val="Wahr"/>
+  <p:tag name="FILENAME" val=""/>
+  <p:tag name="INPUTTYPE" val="0"/>
+  <p:tag name="LATEXENGINEID" val="1"/>
+  <p:tag name="TEMPFOLDER" val="D:\Julius\Documents\iguana_temp\"/>
+</p:tagLst>
+</file>
+
+<file path=ppt/tags/tag8.xml><?xml version="1.0" encoding="utf-8"?>
+<p:tagLst xmlns:a="http://schemas.openxmlformats.org/drawingml/2006/main" xmlns:r="http://schemas.openxmlformats.org/officeDocument/2006/relationships" xmlns:p="http://schemas.openxmlformats.org/presentationml/2006/main">
+  <p:tag name="ORIGINALHEIGHT" val="124,5174"/>
+  <p:tag name="ORIGINALWIDTH" val="1152,911"/>
+  <p:tag name="LATEXADDIN" val="\documentclass{article}&#10;\usepackage{amsmath}&#10;\pagestyle{empty}&#10;\begin{document}&#10;$y(t)=5sin(2\pi 120 \cdot t)$&#10;&#10;&#10;&#10;\end{document}"/>
+  <p:tag name="IGUANATEXSIZE" val="18"/>
+  <p:tag name="IGUANATEXCURSOR" val="99"/>
+  <p:tag name="TRANSPARENCY" val="Wahr"/>
+  <p:tag name="FILENAME" val=""/>
+  <p:tag name="INPUTTYPE" val="0"/>
+  <p:tag name="LATEXENGINEID" val="1"/>
+  <p:tag name="TEMPFOLDER" val="D:\Julius\Documents\iguana_temp\"/>
+</p:tagLst>
+</file>
+
+<file path=ppt/tags/tag9.xml><?xml version="1.0" encoding="utf-8"?>
+<p:tagLst xmlns:a="http://schemas.openxmlformats.org/drawingml/2006/main" xmlns:r="http://schemas.openxmlformats.org/officeDocument/2006/relationships" xmlns:p="http://schemas.openxmlformats.org/presentationml/2006/main">
+  <p:tag name="ORIGINALHEIGHT" val="124,5174"/>
+  <p:tag name="ORIGINALWIDTH" val="2035,034"/>
+  <p:tag name="LATEXADDIN" val="\documentclass{article}&#10;\usepackage{amsmath}&#10;\pagestyle{empty}&#10;\begin{document}&#10;$y(t)=sin(2\pi 300 \cdot t + 5 \sin(2\pi 120 \cdot t))$&#10;&#10;&#10;&#10;\end{document}"/>
+  <p:tag name="IGUANATEXSIZE" val="18"/>
+  <p:tag name="IGUANATEXCURSOR" val="124"/>
+  <p:tag name="TRANSPARENCY" val="Wahr"/>
+  <p:tag name="FILENAME" val=""/>
+  <p:tag name="INPUTTYPE" val="0"/>
+  <p:tag name="LATEXENGINEID" val="1"/>
+  <p:tag name="TEMPFOLDER" val="D:\Julius\Documents\iguana_temp\"/>
+</p:tagLst>
 </file>
 
 <file path=ppt/theme/theme1.xml><?xml version="1.0" encoding="utf-8"?>
@@ -11825,74 +13247,16 @@
         <a:srgbClr val="800080"/>
       </a:folHlink>
     </a:clrScheme>
-    <a:fontScheme name="Larissa">
+    <a:fontScheme name="Benutzerdefiniert 1">
       <a:majorFont>
-        <a:latin typeface="Calibri"/>
+        <a:latin typeface="Lato"/>
         <a:ea typeface=""/>
         <a:cs typeface=""/>
-        <a:font script="Jpan" typeface="ＭＳ Ｐゴシック"/>
-        <a:font script="Hang" typeface="맑은 고딕"/>
-        <a:font script="Hans" typeface="宋体"/>
-        <a:font script="Hant" typeface="新細明體"/>
-        <a:font script="Arab" typeface="Times New Roman"/>
-        <a:font script="Hebr" typeface="Times New Roman"/>
-        <a:font script="Thai" typeface="Angsana New"/>
-        <a:font script="Ethi" typeface="Nyala"/>
-        <a:font script="Beng" typeface="Vrinda"/>
-        <a:font script="Gujr" typeface="Shruti"/>
-        <a:font script="Khmr" typeface="MoolBoran"/>
-        <a:font script="Knda" typeface="Tunga"/>
-        <a:font script="Guru" typeface="Raavi"/>
-        <a:font script="Cans" typeface="Euphemia"/>
-        <a:font script="Cher" typeface="Plantagenet Cherokee"/>
-        <a:font script="Yiii" typeface="Microsoft Yi Baiti"/>
-        <a:font script="Tibt" typeface="Microsoft Himalaya"/>
-        <a:font script="Thaa" typeface="MV Boli"/>
-        <a:font script="Deva" typeface="Mangal"/>
-        <a:font script="Telu" typeface="Gautami"/>
-        <a:font script="Taml" typeface="Latha"/>
-        <a:font script="Syrc" typeface="Estrangelo Edessa"/>
-        <a:font script="Orya" typeface="Kalinga"/>
-        <a:font script="Mlym" typeface="Kartika"/>
-        <a:font script="Laoo" typeface="DokChampa"/>
-        <a:font script="Sinh" typeface="Iskoola Pota"/>
-        <a:font script="Mong" typeface="Mongolian Baiti"/>
-        <a:font script="Viet" typeface="Times New Roman"/>
-        <a:font script="Uigh" typeface="Microsoft Uighur"/>
       </a:majorFont>
       <a:minorFont>
-        <a:latin typeface="Calibri"/>
+        <a:latin typeface="Lato"/>
         <a:ea typeface=""/>
         <a:cs typeface=""/>
-        <a:font script="Jpan" typeface="ＭＳ Ｐゴシック"/>
-        <a:font script="Hang" typeface="맑은 고딕"/>
-        <a:font script="Hans" typeface="宋体"/>
-        <a:font script="Hant" typeface="新細明體"/>
-        <a:font script="Arab" typeface="Arial"/>
-        <a:font script="Hebr" typeface="Arial"/>
-        <a:font script="Thai" typeface="Cordia New"/>
-        <a:font script="Ethi" typeface="Nyala"/>
-        <a:font script="Beng" typeface="Vrinda"/>
-        <a:font script="Gujr" typeface="Shruti"/>
-        <a:font script="Khmr" typeface="DaunPenh"/>
-        <a:font script="Knda" typeface="Tunga"/>
-        <a:font script="Guru" typeface="Raavi"/>
-        <a:font script="Cans" typeface="Euphemia"/>
-        <a:font script="Cher" typeface="Plantagenet Cherokee"/>
-        <a:font script="Yiii" typeface="Microsoft Yi Baiti"/>
-        <a:font script="Tibt" typeface="Microsoft Himalaya"/>
-        <a:font script="Thaa" typeface="MV Boli"/>
-        <a:font script="Deva" typeface="Mangal"/>
-        <a:font script="Telu" typeface="Gautami"/>
-        <a:font script="Taml" typeface="Latha"/>
-        <a:font script="Syrc" typeface="Estrangelo Edessa"/>
-        <a:font script="Orya" typeface="Kalinga"/>
-        <a:font script="Mlym" typeface="Kartika"/>
-        <a:font script="Laoo" typeface="DokChampa"/>
-        <a:font script="Sinh" typeface="Iskoola Pota"/>
-        <a:font script="Mong" typeface="Mongolian Baiti"/>
-        <a:font script="Viet" typeface="Arial"/>
-        <a:font script="Uigh" typeface="Microsoft Uighur"/>
       </a:minorFont>
     </a:fontScheme>
     <a:fmtScheme name="Larissa">

--- a/Praesentation/FMSynthese-Julius.pptx
+++ b/Praesentation/FMSynthese-Julius.pptx
@@ -5,36 +5,41 @@
     <p:sldMasterId id="2147483648" r:id="rId1"/>
   </p:sldMasterIdLst>
   <p:notesMasterIdLst>
-    <p:notesMasterId r:id="rId29"/>
+    <p:notesMasterId r:id="rId34"/>
   </p:notesMasterIdLst>
   <p:sldIdLst>
     <p:sldId id="257" r:id="rId2"/>
     <p:sldId id="256" r:id="rId3"/>
-    <p:sldId id="279" r:id="rId4"/>
-    <p:sldId id="258" r:id="rId5"/>
-    <p:sldId id="259" r:id="rId6"/>
-    <p:sldId id="260" r:id="rId7"/>
-    <p:sldId id="282" r:id="rId8"/>
-    <p:sldId id="262" r:id="rId9"/>
-    <p:sldId id="263" r:id="rId10"/>
-    <p:sldId id="264" r:id="rId11"/>
-    <p:sldId id="265" r:id="rId12"/>
-    <p:sldId id="266" r:id="rId13"/>
-    <p:sldId id="267" r:id="rId14"/>
-    <p:sldId id="268" r:id="rId15"/>
-    <p:sldId id="272" r:id="rId16"/>
-    <p:sldId id="269" r:id="rId17"/>
-    <p:sldId id="270" r:id="rId18"/>
-    <p:sldId id="271" r:id="rId19"/>
-    <p:sldId id="273" r:id="rId20"/>
-    <p:sldId id="274" r:id="rId21"/>
-    <p:sldId id="275" r:id="rId22"/>
-    <p:sldId id="276" r:id="rId23"/>
-    <p:sldId id="277" r:id="rId24"/>
-    <p:sldId id="278" r:id="rId25"/>
-    <p:sldId id="284" r:id="rId26"/>
-    <p:sldId id="280" r:id="rId27"/>
-    <p:sldId id="283" r:id="rId28"/>
+    <p:sldId id="285" r:id="rId4"/>
+    <p:sldId id="279" r:id="rId5"/>
+    <p:sldId id="258" r:id="rId6"/>
+    <p:sldId id="259" r:id="rId7"/>
+    <p:sldId id="260" r:id="rId8"/>
+    <p:sldId id="282" r:id="rId9"/>
+    <p:sldId id="262" r:id="rId10"/>
+    <p:sldId id="263" r:id="rId11"/>
+    <p:sldId id="264" r:id="rId12"/>
+    <p:sldId id="265" r:id="rId13"/>
+    <p:sldId id="266" r:id="rId14"/>
+    <p:sldId id="267" r:id="rId15"/>
+    <p:sldId id="268" r:id="rId16"/>
+    <p:sldId id="272" r:id="rId17"/>
+    <p:sldId id="269" r:id="rId18"/>
+    <p:sldId id="270" r:id="rId19"/>
+    <p:sldId id="288" r:id="rId20"/>
+    <p:sldId id="271" r:id="rId21"/>
+    <p:sldId id="273" r:id="rId22"/>
+    <p:sldId id="274" r:id="rId23"/>
+    <p:sldId id="275" r:id="rId24"/>
+    <p:sldId id="276" r:id="rId25"/>
+    <p:sldId id="277" r:id="rId26"/>
+    <p:sldId id="278" r:id="rId27"/>
+    <p:sldId id="284" r:id="rId28"/>
+    <p:sldId id="280" r:id="rId29"/>
+    <p:sldId id="283" r:id="rId30"/>
+    <p:sldId id="286" r:id="rId31"/>
+    <p:sldId id="289" r:id="rId32"/>
+    <p:sldId id="287" r:id="rId33"/>
   </p:sldIdLst>
   <p:sldSz cx="9144000" cy="5143500" type="screen16x9"/>
   <p:notesSz cx="6858000" cy="9144000"/>
@@ -520,6 +525,176 @@
 </p:notesMaster>
 </file>
 
+<file path=ppt/notesSlides/notesSlide1.xml><?xml version="1.0" encoding="utf-8"?>
+<p:notes xmlns:a="http://schemas.openxmlformats.org/drawingml/2006/main" xmlns:r="http://schemas.openxmlformats.org/officeDocument/2006/relationships" xmlns:p="http://schemas.openxmlformats.org/presentationml/2006/main">
+  <p:cSld>
+    <p:spTree>
+      <p:nvGrpSpPr>
+        <p:cNvPr id="1" name=""/>
+        <p:cNvGrpSpPr/>
+        <p:nvPr/>
+      </p:nvGrpSpPr>
+      <p:grpSpPr>
+        <a:xfrm>
+          <a:off x="0" y="0"/>
+          <a:ext cx="0" cy="0"/>
+          <a:chOff x="0" y="0"/>
+          <a:chExt cx="0" cy="0"/>
+        </a:xfrm>
+      </p:grpSpPr>
+      <p:sp>
+        <p:nvSpPr>
+          <p:cNvPr id="2" name="Folienbildplatzhalter 1"/>
+          <p:cNvSpPr>
+            <a:spLocks noGrp="1" noRot="1" noChangeAspect="1"/>
+          </p:cNvSpPr>
+          <p:nvPr>
+            <p:ph type="sldImg"/>
+          </p:nvPr>
+        </p:nvSpPr>
+        <p:spPr/>
+      </p:sp>
+      <p:sp>
+        <p:nvSpPr>
+          <p:cNvPr id="3" name="Notizenplatzhalter 2"/>
+          <p:cNvSpPr>
+            <a:spLocks noGrp="1"/>
+          </p:cNvSpPr>
+          <p:nvPr>
+            <p:ph type="body" idx="1"/>
+          </p:nvPr>
+        </p:nvSpPr>
+        <p:spPr/>
+        <p:txBody>
+          <a:bodyPr/>
+          <a:lstStyle/>
+          <a:p>
+            <a:endParaRPr lang="de-DE"/>
+          </a:p>
+        </p:txBody>
+      </p:sp>
+      <p:sp>
+        <p:nvSpPr>
+          <p:cNvPr id="4" name="Foliennummernplatzhalter 3"/>
+          <p:cNvSpPr>
+            <a:spLocks noGrp="1"/>
+          </p:cNvSpPr>
+          <p:nvPr>
+            <p:ph type="sldNum" sz="quarter" idx="10"/>
+          </p:nvPr>
+        </p:nvSpPr>
+        <p:spPr/>
+        <p:txBody>
+          <a:bodyPr/>
+          <a:lstStyle/>
+          <a:p>
+            <a:fld id="{B162E40F-E87F-4C0D-9DAF-92DD7B84B6D5}" type="slidenum">
+              <a:rPr lang="de-DE" smtClean="0"/>
+              <a:pPr/>
+              <a:t>2</a:t>
+            </a:fld>
+            <a:endParaRPr lang="de-DE"/>
+          </a:p>
+        </p:txBody>
+      </p:sp>
+    </p:spTree>
+    <p:extLst>
+      <p:ext uri="{BB962C8B-B14F-4D97-AF65-F5344CB8AC3E}">
+        <p14:creationId xmlns:p14="http://schemas.microsoft.com/office/powerpoint/2010/main" val="549046343"/>
+      </p:ext>
+    </p:extLst>
+  </p:cSld>
+  <p:clrMapOvr>
+    <a:masterClrMapping/>
+  </p:clrMapOvr>
+</p:notes>
+</file>
+
+<file path=ppt/notesSlides/notesSlide2.xml><?xml version="1.0" encoding="utf-8"?>
+<p:notes xmlns:a="http://schemas.openxmlformats.org/drawingml/2006/main" xmlns:r="http://schemas.openxmlformats.org/officeDocument/2006/relationships" xmlns:p="http://schemas.openxmlformats.org/presentationml/2006/main">
+  <p:cSld>
+    <p:spTree>
+      <p:nvGrpSpPr>
+        <p:cNvPr id="1" name=""/>
+        <p:cNvGrpSpPr/>
+        <p:nvPr/>
+      </p:nvGrpSpPr>
+      <p:grpSpPr>
+        <a:xfrm>
+          <a:off x="0" y="0"/>
+          <a:ext cx="0" cy="0"/>
+          <a:chOff x="0" y="0"/>
+          <a:chExt cx="0" cy="0"/>
+        </a:xfrm>
+      </p:grpSpPr>
+      <p:sp>
+        <p:nvSpPr>
+          <p:cNvPr id="2" name="Folienbildplatzhalter 1"/>
+          <p:cNvSpPr>
+            <a:spLocks noGrp="1" noRot="1" noChangeAspect="1"/>
+          </p:cNvSpPr>
+          <p:nvPr>
+            <p:ph type="sldImg"/>
+          </p:nvPr>
+        </p:nvSpPr>
+        <p:spPr/>
+      </p:sp>
+      <p:sp>
+        <p:nvSpPr>
+          <p:cNvPr id="3" name="Notizenplatzhalter 2"/>
+          <p:cNvSpPr>
+            <a:spLocks noGrp="1"/>
+          </p:cNvSpPr>
+          <p:nvPr>
+            <p:ph type="body" idx="1"/>
+          </p:nvPr>
+        </p:nvSpPr>
+        <p:spPr/>
+        <p:txBody>
+          <a:bodyPr/>
+          <a:lstStyle/>
+          <a:p>
+            <a:endParaRPr lang="de-DE"/>
+          </a:p>
+        </p:txBody>
+      </p:sp>
+      <p:sp>
+        <p:nvSpPr>
+          <p:cNvPr id="4" name="Foliennummernplatzhalter 3"/>
+          <p:cNvSpPr>
+            <a:spLocks noGrp="1"/>
+          </p:cNvSpPr>
+          <p:nvPr>
+            <p:ph type="sldNum" sz="quarter" idx="10"/>
+          </p:nvPr>
+        </p:nvSpPr>
+        <p:spPr/>
+        <p:txBody>
+          <a:bodyPr/>
+          <a:lstStyle/>
+          <a:p>
+            <a:fld id="{B162E40F-E87F-4C0D-9DAF-92DD7B84B6D5}" type="slidenum">
+              <a:rPr lang="de-DE" smtClean="0"/>
+              <a:pPr/>
+              <a:t>3</a:t>
+            </a:fld>
+            <a:endParaRPr lang="de-DE"/>
+          </a:p>
+        </p:txBody>
+      </p:sp>
+    </p:spTree>
+    <p:extLst>
+      <p:ext uri="{BB962C8B-B14F-4D97-AF65-F5344CB8AC3E}">
+        <p14:creationId xmlns:p14="http://schemas.microsoft.com/office/powerpoint/2010/main" val="2673098597"/>
+      </p:ext>
+    </p:extLst>
+  </p:cSld>
+  <p:clrMapOvr>
+    <a:masterClrMapping/>
+  </p:clrMapOvr>
+</p:notes>
+</file>
+
 <file path=ppt/slideLayouts/slideLayout1.xml><?xml version="1.0" encoding="utf-8"?>
 <p:sldLayout xmlns:a="http://schemas.openxmlformats.org/drawingml/2006/main" xmlns:r="http://schemas.openxmlformats.org/officeDocument/2006/relationships" xmlns:p="http://schemas.openxmlformats.org/presentationml/2006/main" type="title" preserve="1">
   <p:cSld name="Titelfolie">
@@ -684,6 +859,38 @@
           </a:p>
         </p:txBody>
       </p:sp>
+      <p:pic>
+        <p:nvPicPr>
+          <p:cNvPr id="5" name="Grafik 4"/>
+          <p:cNvPicPr>
+            <a:picLocks noChangeAspect="1"/>
+          </p:cNvPicPr>
+          <p:nvPr userDrawn="1"/>
+        </p:nvPicPr>
+        <p:blipFill rotWithShape="1">
+          <a:blip r:embed="rId2" cstate="print">
+            <a:extLst>
+              <a:ext uri="{28A0092B-C50C-407E-A947-70E740481C1C}">
+                <a14:useLocalDpi xmlns:a14="http://schemas.microsoft.com/office/drawing/2010/main" val="0"/>
+              </a:ext>
+            </a:extLst>
+          </a:blip>
+          <a:srcRect r="33768"/>
+          <a:stretch/>
+        </p:blipFill>
+        <p:spPr>
+          <a:xfrm>
+            <a:off x="0" y="4155926"/>
+            <a:ext cx="9180512" cy="918071"/>
+          </a:xfrm>
+          <a:prstGeom prst="rect">
+            <a:avLst/>
+          </a:prstGeom>
+          <a:solidFill>
+            <a:schemeClr val="bg1"/>
+          </a:solidFill>
+        </p:spPr>
+      </p:pic>
     </p:spTree>
   </p:cSld>
   <p:clrMapOvr>
@@ -1471,7 +1678,7 @@
               <a:pPr/>
               <a:t>‹Nr.›</a:t>
             </a:fld>
-            <a:endParaRPr lang="de-DE"/>
+            <a:endParaRPr lang="de-DE" dirty="0"/>
           </a:p>
         </p:txBody>
       </p:sp>
@@ -3512,7 +3719,7 @@
         <p:spPr/>
         <p:txBody>
           <a:bodyPr>
-            <a:normAutofit fontScale="90000"/>
+            <a:normAutofit/>
           </a:bodyPr>
           <a:lstStyle/>
           <a:p>
@@ -3521,27 +3728,40 @@
                 <a:latin typeface="Lato" pitchFamily="34" charset="0"/>
               </a:rPr>
               <a:t>FM-Synthese</a:t>
-            </a:r>
-            <a:r>
-              <a:rPr lang="de-DE" dirty="0" smtClean="0">
-                <a:latin typeface="Lato" pitchFamily="34" charset="0"/>
-              </a:rPr>
-              <a:t/>
-            </a:r>
-            <a:br>
-              <a:rPr lang="de-DE" dirty="0" smtClean="0">
-                <a:latin typeface="Lato" pitchFamily="34" charset="0"/>
-              </a:rPr>
-            </a:br>
-            <a:r>
-              <a:rPr lang="de-DE" dirty="0" smtClean="0">
-                <a:latin typeface="Lato" pitchFamily="34" charset="0"/>
-              </a:rPr>
-              <a:t>(Frequenzmodulationssynthese)</a:t>
             </a:r>
             <a:endParaRPr lang="de-DE" dirty="0">
               <a:latin typeface="Lato" pitchFamily="34" charset="0"/>
             </a:endParaRPr>
+          </a:p>
+        </p:txBody>
+      </p:sp>
+      <p:sp>
+        <p:nvSpPr>
+          <p:cNvPr id="3" name="Untertitel 6"/>
+          <p:cNvSpPr>
+            <a:spLocks noGrp="1"/>
+          </p:cNvSpPr>
+          <p:nvPr>
+            <p:ph type="subTitle" idx="1"/>
+          </p:nvPr>
+        </p:nvSpPr>
+        <p:spPr>
+          <a:xfrm>
+            <a:off x="1371600" y="2914650"/>
+            <a:ext cx="6400800" cy="1314450"/>
+          </a:xfrm>
+        </p:spPr>
+        <p:txBody>
+          <a:bodyPr>
+            <a:normAutofit/>
+          </a:bodyPr>
+          <a:lstStyle/>
+          <a:p>
+            <a:r>
+              <a:rPr lang="de-DE" dirty="0" smtClean="0"/>
+              <a:t>Markus Bullmann, Stefan Gerasch, Julius Hackel, Matthias Kemmer</a:t>
+            </a:r>
+            <a:endParaRPr lang="de-DE" dirty="0"/>
           </a:p>
         </p:txBody>
       </p:sp>
@@ -3619,7 +3839,7 @@
         <p:spPr>
           <a:xfrm>
             <a:off x="467544" y="1749028"/>
-            <a:ext cx="8229600" cy="1614810"/>
+            <a:ext cx="8229600" cy="1686818"/>
           </a:xfrm>
         </p:spPr>
         <p:txBody>
@@ -3632,47 +3852,55 @@
               <a:rPr lang="de-DE" sz="2000" dirty="0" smtClean="0">
                 <a:latin typeface="Lato" pitchFamily="34" charset="0"/>
               </a:rPr>
-              <a:t>Erste Entdeckung im Jahre 1967</a:t>
-            </a:r>
-          </a:p>
-          <a:p>
+              <a:t>Grundlage: Frequenzmodulation</a:t>
+            </a:r>
+          </a:p>
+          <a:p>
+            <a:r>
+              <a:rPr lang="de-DE" sz="2000" dirty="0" smtClean="0">
+                <a:latin typeface="Lato" pitchFamily="34" charset="0"/>
+              </a:rPr>
+              <a:t>Bekannt aus Nachrichtentechnik</a:t>
+            </a:r>
+          </a:p>
+          <a:p>
+            <a:r>
+              <a:rPr lang="de-DE" sz="2000" dirty="0" smtClean="0">
+                <a:latin typeface="Lato" pitchFamily="34" charset="0"/>
+              </a:rPr>
+              <a:t>Erfinder der </a:t>
+            </a:r>
+            <a:r>
+              <a:rPr lang="de-DE" sz="2000" dirty="0" smtClean="0">
+                <a:latin typeface="Lato" pitchFamily="34" charset="0"/>
+              </a:rPr>
+              <a:t>FM-Synthese: </a:t>
+            </a:r>
+          </a:p>
+          <a:p>
+            <a:pPr>
+              <a:buNone/>
+            </a:pPr>
+            <a:r>
+              <a:rPr lang="de-DE" sz="2000" dirty="0" smtClean="0">
+                <a:latin typeface="Lato" pitchFamily="34" charset="0"/>
+              </a:rPr>
+              <a:t>	Prof. Dr. John </a:t>
+            </a:r>
             <a:r>
               <a:rPr lang="de-DE" sz="2000" dirty="0" err="1" smtClean="0">
                 <a:latin typeface="Lato" pitchFamily="34" charset="0"/>
               </a:rPr>
               <a:t>Chowning</a:t>
-            </a:r>
-            <a:r>
-              <a:rPr lang="de-DE" sz="2000" dirty="0" smtClean="0">
-                <a:latin typeface="Lato" pitchFamily="34" charset="0"/>
-              </a:rPr>
-              <a:t> experimentierte mit </a:t>
-            </a:r>
-            <a:r>
-              <a:rPr lang="de-DE" sz="2000" dirty="0" err="1" smtClean="0">
-                <a:latin typeface="Lato" pitchFamily="34" charset="0"/>
-              </a:rPr>
-              <a:t>Vibratos</a:t>
             </a:r>
             <a:endParaRPr lang="de-DE" sz="2000" dirty="0" smtClean="0">
               <a:latin typeface="Lato" pitchFamily="34" charset="0"/>
             </a:endParaRPr>
           </a:p>
           <a:p>
-            <a:r>
-              <a:rPr lang="de-DE" sz="2000" dirty="0" smtClean="0">
-                <a:latin typeface="Lato" pitchFamily="34" charset="0"/>
-              </a:rPr>
-              <a:t>Vibrato: Periodische Änderung eines Tons</a:t>
-            </a:r>
-          </a:p>
-          <a:p>
-            <a:r>
-              <a:rPr lang="de-DE" sz="2000" dirty="0" smtClean="0">
-                <a:latin typeface="Lato" pitchFamily="34" charset="0"/>
-              </a:rPr>
-              <a:t>Neue Obertöne bei höheren Modulationsfrequenzen</a:t>
-            </a:r>
+            <a:endParaRPr lang="de-DE" sz="2000" dirty="0">
+              <a:latin typeface="Lato" pitchFamily="34" charset="0"/>
+            </a:endParaRPr>
           </a:p>
         </p:txBody>
       </p:sp>
@@ -3696,7 +3924,7 @@
           <a:bodyPr/>
           <a:lstStyle/>
           <a:p>
-            <a:fld id="{1BA9CB46-1999-48FE-934D-6C67DE059830}" type="datetime1">
+            <a:fld id="{711E0BBA-85CE-4567-A3EB-570B826ED505}" type="datetime1">
               <a:rPr lang="de-DE" smtClean="0"/>
               <a:t>17.06.2015</a:t>
             </a:fld>
@@ -3725,10 +3953,10 @@
           <a:lstStyle/>
           <a:p>
             <a:r>
-              <a:rPr lang="de-DE" dirty="0" smtClean="0"/>
+              <a:rPr lang="de-DE" smtClean="0"/>
               <a:t>FM-Synthese</a:t>
             </a:r>
-            <a:endParaRPr lang="de-DE" dirty="0"/>
+            <a:endParaRPr lang="de-DE"/>
           </a:p>
         </p:txBody>
       </p:sp>
@@ -3761,6 +3989,32 @@
           </a:p>
         </p:txBody>
       </p:sp>
+      <p:pic>
+        <p:nvPicPr>
+          <p:cNvPr id="20482" name="Picture 2" descr="D:\Julius\Documents\GitHub\VSeminar\Dok\Kapitel\img\chowning_CCRMA.png"/>
+          <p:cNvPicPr>
+            <a:picLocks noChangeAspect="1" noChangeArrowheads="1"/>
+          </p:cNvPicPr>
+          <p:nvPr/>
+        </p:nvPicPr>
+        <p:blipFill>
+          <a:blip r:embed="rId2" cstate="print"/>
+          <a:srcRect/>
+          <a:stretch>
+            <a:fillRect/>
+          </a:stretch>
+        </p:blipFill>
+        <p:spPr bwMode="auto">
+          <a:xfrm>
+            <a:off x="4860032" y="1669858"/>
+            <a:ext cx="3096344" cy="2486068"/>
+          </a:xfrm>
+          <a:prstGeom prst="rect">
+            <a:avLst/>
+          </a:prstGeom>
+          <a:noFill/>
+        </p:spPr>
+      </p:pic>
     </p:spTree>
   </p:cSld>
   <p:clrMapOvr>
@@ -3834,8 +4088,8 @@
         </p:nvSpPr>
         <p:spPr>
           <a:xfrm>
-            <a:off x="457200" y="1200151"/>
-            <a:ext cx="8507288" cy="3394472"/>
+            <a:off x="467544" y="1749028"/>
+            <a:ext cx="8229600" cy="1614810"/>
           </a:xfrm>
         </p:spPr>
         <p:txBody>
@@ -3848,8 +4102,10 @@
               <a:rPr lang="de-DE" sz="2000" dirty="0" smtClean="0">
                 <a:latin typeface="Lato" pitchFamily="34" charset="0"/>
               </a:rPr>
-              <a:t>John </a:t>
-            </a:r>
+              <a:t>Erste Entdeckung im Jahre 1967</a:t>
+            </a:r>
+          </a:p>
+          <a:p>
             <a:r>
               <a:rPr lang="de-DE" sz="2000" dirty="0" err="1" smtClean="0">
                 <a:latin typeface="Lato" pitchFamily="34" charset="0"/>
@@ -3860,118 +4116,34 @@
               <a:rPr lang="de-DE" sz="2000" dirty="0" smtClean="0">
                 <a:latin typeface="Lato" pitchFamily="34" charset="0"/>
               </a:rPr>
-              <a:t> 2005 in einem Interview:</a:t>
-            </a:r>
-          </a:p>
-          <a:p>
-            <a:pPr>
-              <a:buNone/>
-            </a:pPr>
-            <a:r>
-              <a:rPr lang="en-US" sz="2000" dirty="0" smtClean="0">
-                <a:latin typeface="Lato" pitchFamily="34" charset="0"/>
-              </a:rPr>
-              <a:t>	</a:t>
-            </a:r>
-          </a:p>
-          <a:p>
-            <a:pPr>
-              <a:buNone/>
-            </a:pPr>
-            <a:r>
-              <a:rPr lang="en-US" sz="2000" dirty="0" smtClean="0">
-                <a:latin typeface="Lato" pitchFamily="34" charset="0"/>
-              </a:rPr>
-              <a:t>	“</a:t>
-            </a:r>
-            <a:r>
-              <a:rPr lang="en-US" sz="2000" i="1" dirty="0" smtClean="0">
-                <a:latin typeface="Lato" pitchFamily="34" charset="0"/>
-              </a:rPr>
-              <a:t>I was experimenting with just a </a:t>
-            </a:r>
-            <a:r>
-              <a:rPr lang="en-US" sz="2000" b="1" i="1" dirty="0" smtClean="0">
-                <a:latin typeface="Lato" pitchFamily="34" charset="0"/>
-              </a:rPr>
-              <a:t>sinusoid</a:t>
-            </a:r>
-            <a:r>
-              <a:rPr lang="en-US" sz="2000" i="1" dirty="0" smtClean="0">
-                <a:latin typeface="Lato" pitchFamily="34" charset="0"/>
-              </a:rPr>
-              <a:t> and </a:t>
-            </a:r>
-            <a:r>
-              <a:rPr lang="en-US" sz="2000" b="1" i="1" dirty="0" smtClean="0">
-                <a:latin typeface="Lato" pitchFamily="34" charset="0"/>
-              </a:rPr>
-              <a:t>kept increasing the vibrato rate</a:t>
-            </a:r>
-            <a:r>
-              <a:rPr lang="en-US" sz="2000" i="1" dirty="0" smtClean="0">
-                <a:latin typeface="Lato" pitchFamily="34" charset="0"/>
-              </a:rPr>
-              <a:t>, so all of a sudden it didn’t sound like listening to a change in pitch in time, but rather </a:t>
-            </a:r>
-            <a:r>
-              <a:rPr lang="en-US" sz="2000" i="1" dirty="0" err="1" smtClean="0">
-                <a:latin typeface="Lato" pitchFamily="34" charset="0"/>
-              </a:rPr>
-              <a:t>i</a:t>
-            </a:r>
-            <a:r>
-              <a:rPr lang="en-US" sz="2000" i="1" dirty="0" smtClean="0">
-                <a:latin typeface="Lato" pitchFamily="34" charset="0"/>
-              </a:rPr>
-              <a:t> began to hear </a:t>
-            </a:r>
-            <a:r>
-              <a:rPr lang="en-US" sz="2000" b="1" i="1" dirty="0" err="1" smtClean="0">
-                <a:latin typeface="Lato" pitchFamily="34" charset="0"/>
-              </a:rPr>
-              <a:t>timbral</a:t>
-            </a:r>
-            <a:r>
-              <a:rPr lang="en-US" sz="2000" b="1" i="1" dirty="0" smtClean="0">
-                <a:latin typeface="Lato" pitchFamily="34" charset="0"/>
-              </a:rPr>
-              <a:t> differences</a:t>
-            </a:r>
-            <a:r>
-              <a:rPr lang="en-US" sz="2000" i="1" dirty="0" smtClean="0">
-                <a:latin typeface="Lato" pitchFamily="34" charset="0"/>
-              </a:rPr>
-              <a:t>. So the </a:t>
-            </a:r>
-            <a:r>
-              <a:rPr lang="en-US" sz="2000" i="1" dirty="0" err="1" smtClean="0">
-                <a:latin typeface="Lato" pitchFamily="34" charset="0"/>
-              </a:rPr>
-              <a:t>vibratio</a:t>
-            </a:r>
-            <a:r>
-              <a:rPr lang="en-US" sz="2000" i="1" dirty="0" smtClean="0">
-                <a:latin typeface="Lato" pitchFamily="34" charset="0"/>
-              </a:rPr>
-              <a:t> became very, very fast, hundreds of times per second, and very, very deep, as if the violinist had a different ﬁngerboard, and the </a:t>
-            </a:r>
-            <a:r>
-              <a:rPr lang="en-US" sz="2000" b="1" i="1" dirty="0" smtClean="0">
-                <a:latin typeface="Lato" pitchFamily="34" charset="0"/>
-              </a:rPr>
-              <a:t>ﬁnger was whipping up and down at very high rates </a:t>
-            </a:r>
-            <a:r>
-              <a:rPr lang="en-US" sz="2000" i="1" dirty="0" smtClean="0">
-                <a:latin typeface="Lato" pitchFamily="34" charset="0"/>
-              </a:rPr>
-              <a:t>and very great distances. That would be sort of a physical metaphor for this.”</a:t>
-            </a:r>
-            <a:endParaRPr lang="de-DE" sz="2000" i="1" dirty="0" smtClean="0">
+              <a:t> experimentierte mit </a:t>
+            </a:r>
+            <a:r>
+              <a:rPr lang="de-DE" sz="2000" dirty="0" err="1" smtClean="0">
+                <a:latin typeface="Lato" pitchFamily="34" charset="0"/>
+              </a:rPr>
+              <a:t>Vibratos</a:t>
+            </a:r>
+            <a:endParaRPr lang="de-DE" sz="2000" dirty="0" smtClean="0">
               <a:latin typeface="Lato" pitchFamily="34" charset="0"/>
             </a:endParaRPr>
           </a:p>
+          <a:p>
+            <a:r>
+              <a:rPr lang="de-DE" sz="2000" dirty="0" smtClean="0">
+                <a:latin typeface="Lato" pitchFamily="34" charset="0"/>
+              </a:rPr>
+              <a:t>Vibrato: Periodische Änderung eines Tons</a:t>
+            </a:r>
+          </a:p>
+          <a:p>
+            <a:r>
+              <a:rPr lang="de-DE" sz="2000" dirty="0" smtClean="0">
+                <a:latin typeface="Lato" pitchFamily="34" charset="0"/>
+              </a:rPr>
+              <a:t>Neue Obertöne bei höheren Modulationsfrequenzen</a:t>
+            </a:r>
+          </a:p>
         </p:txBody>
       </p:sp>
       <p:sp>
@@ -3994,7 +4166,7 @@
           <a:bodyPr/>
           <a:lstStyle/>
           <a:p>
-            <a:fld id="{72653B21-52A1-4C85-A953-1B3DFEDFDB08}" type="datetime1">
+            <a:fld id="{1BA9CB46-1999-48FE-934D-6C67DE059830}" type="datetime1">
               <a:rPr lang="de-DE" smtClean="0"/>
               <a:t>17.06.2015</a:t>
             </a:fld>
@@ -4122,6 +4294,158 @@
       </p:sp>
       <p:sp>
         <p:nvSpPr>
+          <p:cNvPr id="3" name="Inhaltsplatzhalter 2"/>
+          <p:cNvSpPr>
+            <a:spLocks noGrp="1"/>
+          </p:cNvSpPr>
+          <p:nvPr>
+            <p:ph idx="1"/>
+          </p:nvPr>
+        </p:nvSpPr>
+        <p:spPr>
+          <a:xfrm>
+            <a:off x="457200" y="1200151"/>
+            <a:ext cx="8507288" cy="3394472"/>
+          </a:xfrm>
+        </p:spPr>
+        <p:txBody>
+          <a:bodyPr>
+            <a:normAutofit/>
+          </a:bodyPr>
+          <a:lstStyle/>
+          <a:p>
+            <a:r>
+              <a:rPr lang="de-DE" sz="2000" dirty="0" smtClean="0">
+                <a:latin typeface="Lato" pitchFamily="34" charset="0"/>
+              </a:rPr>
+              <a:t>John </a:t>
+            </a:r>
+            <a:r>
+              <a:rPr lang="de-DE" sz="2000" dirty="0" err="1" smtClean="0">
+                <a:latin typeface="Lato" pitchFamily="34" charset="0"/>
+              </a:rPr>
+              <a:t>Chowning</a:t>
+            </a:r>
+            <a:r>
+              <a:rPr lang="de-DE" sz="2000" dirty="0" smtClean="0">
+                <a:latin typeface="Lato" pitchFamily="34" charset="0"/>
+              </a:rPr>
+              <a:t> 2005 in einem Interview:</a:t>
+            </a:r>
+          </a:p>
+          <a:p>
+            <a:pPr>
+              <a:buNone/>
+            </a:pPr>
+            <a:r>
+              <a:rPr lang="en-US" sz="2000" dirty="0" smtClean="0">
+                <a:latin typeface="Lato" pitchFamily="34" charset="0"/>
+              </a:rPr>
+              <a:t>	</a:t>
+            </a:r>
+          </a:p>
+          <a:p>
+            <a:pPr>
+              <a:buNone/>
+            </a:pPr>
+            <a:r>
+              <a:rPr lang="en-US" sz="2000" dirty="0" smtClean="0">
+                <a:latin typeface="Lato" pitchFamily="34" charset="0"/>
+              </a:rPr>
+              <a:t>	“</a:t>
+            </a:r>
+            <a:r>
+              <a:rPr lang="en-US" sz="2000" i="1" dirty="0" smtClean="0">
+                <a:latin typeface="Lato" pitchFamily="34" charset="0"/>
+              </a:rPr>
+              <a:t>I was experimenting with just a </a:t>
+            </a:r>
+            <a:r>
+              <a:rPr lang="en-US" sz="2000" b="1" i="1" dirty="0" smtClean="0">
+                <a:latin typeface="Lato" pitchFamily="34" charset="0"/>
+              </a:rPr>
+              <a:t>sinusoid</a:t>
+            </a:r>
+            <a:r>
+              <a:rPr lang="en-US" sz="2000" i="1" dirty="0" smtClean="0">
+                <a:latin typeface="Lato" pitchFamily="34" charset="0"/>
+              </a:rPr>
+              <a:t> and </a:t>
+            </a:r>
+            <a:r>
+              <a:rPr lang="en-US" sz="2000" b="1" i="1" dirty="0" smtClean="0">
+                <a:latin typeface="Lato" pitchFamily="34" charset="0"/>
+              </a:rPr>
+              <a:t>kept increasing the vibrato rate</a:t>
+            </a:r>
+            <a:r>
+              <a:rPr lang="en-US" sz="2000" i="1" dirty="0" smtClean="0">
+                <a:latin typeface="Lato" pitchFamily="34" charset="0"/>
+              </a:rPr>
+              <a:t>, so all of a sudden it didn’t sound like listening to a change in pitch in time, but rather </a:t>
+            </a:r>
+            <a:r>
+              <a:rPr lang="en-US" sz="2000" i="1" dirty="0" err="1" smtClean="0">
+                <a:latin typeface="Lato" pitchFamily="34" charset="0"/>
+              </a:rPr>
+              <a:t>i</a:t>
+            </a:r>
+            <a:r>
+              <a:rPr lang="en-US" sz="2000" i="1" dirty="0" smtClean="0">
+                <a:latin typeface="Lato" pitchFamily="34" charset="0"/>
+              </a:rPr>
+              <a:t> began to hear </a:t>
+            </a:r>
+            <a:r>
+              <a:rPr lang="en-US" sz="2000" b="1" i="1" dirty="0" err="1" smtClean="0">
+                <a:latin typeface="Lato" pitchFamily="34" charset="0"/>
+              </a:rPr>
+              <a:t>timbral</a:t>
+            </a:r>
+            <a:r>
+              <a:rPr lang="en-US" sz="2000" b="1" i="1" dirty="0" smtClean="0">
+                <a:latin typeface="Lato" pitchFamily="34" charset="0"/>
+              </a:rPr>
+              <a:t> differences</a:t>
+            </a:r>
+            <a:r>
+              <a:rPr lang="en-US" sz="2000" i="1" dirty="0" smtClean="0">
+                <a:latin typeface="Lato" pitchFamily="34" charset="0"/>
+              </a:rPr>
+              <a:t>. So the </a:t>
+            </a:r>
+            <a:r>
+              <a:rPr lang="en-US" sz="2000" i="1" dirty="0" err="1" smtClean="0">
+                <a:latin typeface="Lato" pitchFamily="34" charset="0"/>
+              </a:rPr>
+              <a:t>vibratio</a:t>
+            </a:r>
+            <a:r>
+              <a:rPr lang="en-US" sz="2000" i="1" dirty="0" smtClean="0">
+                <a:latin typeface="Lato" pitchFamily="34" charset="0"/>
+              </a:rPr>
+              <a:t> became very, very fast, hundreds of times per second, and very, very deep, as if the violinist had a different ﬁngerboard, and the </a:t>
+            </a:r>
+            <a:r>
+              <a:rPr lang="en-US" sz="2000" b="1" i="1" dirty="0" smtClean="0">
+                <a:latin typeface="Lato" pitchFamily="34" charset="0"/>
+              </a:rPr>
+              <a:t>ﬁnger was whipping up and down at very high rates </a:t>
+            </a:r>
+            <a:r>
+              <a:rPr lang="en-US" sz="2000" i="1" dirty="0" smtClean="0">
+                <a:latin typeface="Lato" pitchFamily="34" charset="0"/>
+              </a:rPr>
+              <a:t>and very great distances. That would be sort of a physical metaphor for this.”</a:t>
+            </a:r>
+            <a:endParaRPr lang="de-DE" sz="2000" i="1" dirty="0" smtClean="0">
+              <a:latin typeface="Lato" pitchFamily="34" charset="0"/>
+            </a:endParaRPr>
+          </a:p>
+        </p:txBody>
+      </p:sp>
+      <p:sp>
+        <p:nvSpPr>
           <p:cNvPr id="4" name="Datumsplatzhalter 3"/>
           <p:cNvSpPr>
             <a:spLocks noGrp="1"/>
@@ -4140,7 +4464,7 @@
           <a:bodyPr/>
           <a:lstStyle/>
           <a:p>
-            <a:fld id="{860830F5-49E7-4889-AA1F-2CB69E8126AF}" type="datetime1">
+            <a:fld id="{72653B21-52A1-4C85-A953-1B3DFEDFDB08}" type="datetime1">
               <a:rPr lang="de-DE" smtClean="0"/>
               <a:t>17.06.2015</a:t>
             </a:fld>
@@ -4169,10 +4493,10 @@
           <a:lstStyle/>
           <a:p>
             <a:r>
-              <a:rPr lang="de-DE" smtClean="0"/>
+              <a:rPr lang="de-DE" dirty="0" smtClean="0"/>
               <a:t>FM-Synthese</a:t>
             </a:r>
-            <a:endParaRPr lang="de-DE"/>
+            <a:endParaRPr lang="de-DE" dirty="0"/>
           </a:p>
         </p:txBody>
       </p:sp>
@@ -4202,85 +4526,6 @@
               <a:t>12</a:t>
             </a:fld>
             <a:endParaRPr lang="de-DE" dirty="0"/>
-          </a:p>
-        </p:txBody>
-      </p:sp>
-      <p:sp>
-        <p:nvSpPr>
-          <p:cNvPr id="7" name="Inhaltsplatzhalter 2"/>
-          <p:cNvSpPr>
-            <a:spLocks noGrp="1"/>
-          </p:cNvSpPr>
-          <p:nvPr>
-            <p:ph idx="1"/>
-          </p:nvPr>
-        </p:nvSpPr>
-        <p:spPr>
-          <a:xfrm>
-            <a:off x="467544" y="1749028"/>
-            <a:ext cx="8229600" cy="1974850"/>
-          </a:xfrm>
-        </p:spPr>
-        <p:txBody>
-          <a:bodyPr>
-            <a:normAutofit/>
-          </a:bodyPr>
-          <a:lstStyle/>
-          <a:p>
-            <a:r>
-              <a:rPr lang="de-DE" sz="2000" dirty="0" smtClean="0">
-                <a:latin typeface="Lato" pitchFamily="34" charset="0"/>
-              </a:rPr>
-              <a:t>Nach 3 Jahren:  Durchblick der mathematischen Hintergründe</a:t>
-            </a:r>
-          </a:p>
-          <a:p>
-            <a:r>
-              <a:rPr lang="de-DE" sz="2000" dirty="0" smtClean="0">
-                <a:latin typeface="Lato" pitchFamily="34" charset="0"/>
-              </a:rPr>
-              <a:t>Nachbildung von verschiedenen Instrumenten</a:t>
-            </a:r>
-          </a:p>
-          <a:p>
-            <a:r>
-              <a:rPr lang="de-DE" sz="2000" dirty="0" smtClean="0">
-                <a:latin typeface="Lato" pitchFamily="34" charset="0"/>
-              </a:rPr>
-              <a:t>Veröffentlichung von „</a:t>
-            </a:r>
-            <a:r>
-              <a:rPr lang="de-DE" sz="2000" dirty="0" err="1" smtClean="0">
-                <a:latin typeface="Lato" pitchFamily="34" charset="0"/>
-              </a:rPr>
-              <a:t>Sabelithe</a:t>
-            </a:r>
-            <a:r>
-              <a:rPr lang="de-DE" sz="2000" dirty="0" smtClean="0">
-                <a:latin typeface="Lato" pitchFamily="34" charset="0"/>
-              </a:rPr>
-              <a:t>“ 1971</a:t>
-            </a:r>
-          </a:p>
-          <a:p>
-            <a:r>
-              <a:rPr lang="de-DE" sz="2000" dirty="0" smtClean="0">
-                <a:latin typeface="Lato" pitchFamily="34" charset="0"/>
-              </a:rPr>
-              <a:t>Veröffentlichung von „</a:t>
-            </a:r>
-            <a:r>
-              <a:rPr lang="de-DE" sz="2000" dirty="0" err="1" smtClean="0">
-                <a:latin typeface="Lato" pitchFamily="34" charset="0"/>
-              </a:rPr>
-              <a:t>Turenas</a:t>
-            </a:r>
-            <a:r>
-              <a:rPr lang="de-DE" sz="2000" dirty="0" smtClean="0">
-                <a:latin typeface="Lato" pitchFamily="34" charset="0"/>
-              </a:rPr>
-              <a:t>“ 1972 </a:t>
-            </a:r>
           </a:p>
         </p:txBody>
       </p:sp>
@@ -4365,7 +4610,7 @@
           <a:bodyPr/>
           <a:lstStyle/>
           <a:p>
-            <a:fld id="{5A27912C-CDDD-45BB-A172-315B1F38A094}" type="datetime1">
+            <a:fld id="{860830F5-49E7-4889-AA1F-2CB69E8126AF}" type="datetime1">
               <a:rPr lang="de-DE" smtClean="0"/>
               <a:t>17.06.2015</a:t>
             </a:fld>
@@ -4442,8 +4687,8 @@
         </p:nvSpPr>
         <p:spPr>
           <a:xfrm>
-            <a:off x="467544" y="1347614"/>
-            <a:ext cx="8229600" cy="2838946"/>
+            <a:off x="467544" y="1749028"/>
+            <a:ext cx="8229600" cy="1974850"/>
           </a:xfrm>
         </p:spPr>
         <p:txBody>
@@ -4453,16 +4698,38 @@
           <a:lstStyle/>
           <a:p>
             <a:r>
+              <a:rPr lang="de-DE" sz="2000" dirty="0" smtClean="0">
+                <a:latin typeface="Lato" pitchFamily="34" charset="0"/>
+              </a:rPr>
+              <a:t>Nach 3 Jahren:  Durchblick der mathematischen Hintergründe</a:t>
+            </a:r>
+          </a:p>
+          <a:p>
+            <a:r>
+              <a:rPr lang="de-DE" sz="2000" dirty="0" smtClean="0">
+                <a:latin typeface="Lato" pitchFamily="34" charset="0"/>
+              </a:rPr>
+              <a:t>Nachbildung von verschiedenen Instrumenten</a:t>
+            </a:r>
+          </a:p>
+          <a:p>
+            <a:r>
+              <a:rPr lang="de-DE" sz="2000" dirty="0" smtClean="0">
+                <a:latin typeface="Lato" pitchFamily="34" charset="0"/>
+              </a:rPr>
+              <a:t>Veröffentlichung von „</a:t>
+            </a:r>
+            <a:r>
               <a:rPr lang="de-DE" sz="2000" dirty="0" err="1" smtClean="0">
                 <a:latin typeface="Lato" pitchFamily="34" charset="0"/>
               </a:rPr>
-              <a:t>Chowning</a:t>
+              <a:t>Sabelithe</a:t>
             </a:r>
             <a:r>
               <a:rPr lang="de-DE" sz="2000" dirty="0" smtClean="0">
                 <a:latin typeface="Lato" pitchFamily="34" charset="0"/>
               </a:rPr>
-              <a:t> Intention: Komposition neuer Stücke</a:t>
+              <a:t>“ 1971</a:t>
             </a:r>
           </a:p>
           <a:p>
@@ -4470,86 +4737,20 @@
               <a:rPr lang="de-DE" sz="2000" dirty="0" smtClean="0">
                 <a:latin typeface="Lato" pitchFamily="34" charset="0"/>
               </a:rPr>
-              <a:t>Jedoch: Hoffnung auf kommerzielle Anwendung</a:t>
-            </a:r>
-          </a:p>
-          <a:p>
+              <a:t>Veröffentlichung von „</a:t>
+            </a:r>
+            <a:r>
+              <a:rPr lang="de-DE" sz="2000" dirty="0" err="1" smtClean="0">
+                <a:latin typeface="Lato" pitchFamily="34" charset="0"/>
+              </a:rPr>
+              <a:t>Turenas</a:t>
+            </a:r>
             <a:r>
               <a:rPr lang="de-DE" sz="2000" dirty="0" smtClean="0">
                 <a:latin typeface="Lato" pitchFamily="34" charset="0"/>
               </a:rPr>
-              <a:t>Lizensierung durch das OTL (Office </a:t>
-            </a:r>
-            <a:r>
-              <a:rPr lang="de-DE" sz="2000" dirty="0" err="1" smtClean="0">
-                <a:latin typeface="Lato" pitchFamily="34" charset="0"/>
-              </a:rPr>
-              <a:t>of</a:t>
-            </a:r>
-            <a:r>
-              <a:rPr lang="de-DE" sz="2000" dirty="0" smtClean="0">
-                <a:latin typeface="Lato" pitchFamily="34" charset="0"/>
-              </a:rPr>
-              <a:t> Technology Licensing)</a:t>
-            </a:r>
-          </a:p>
-          <a:p>
-            <a:r>
-              <a:rPr lang="de-DE" sz="2000" dirty="0" smtClean="0">
-                <a:latin typeface="Lato" pitchFamily="34" charset="0"/>
-              </a:rPr>
-              <a:t>Wenig Interesse zu Begin</a:t>
-            </a:r>
-          </a:p>
-          <a:p>
-            <a:r>
-              <a:rPr lang="de-DE" sz="2000" dirty="0" smtClean="0">
-                <a:latin typeface="Lato" pitchFamily="34" charset="0"/>
-              </a:rPr>
-              <a:t>Zitat Andy Moorer:</a:t>
-            </a:r>
-          </a:p>
-          <a:p>
-            <a:pPr>
-              <a:buNone/>
-            </a:pPr>
-            <a:r>
-              <a:rPr lang="en-US" sz="2000" dirty="0" smtClean="0">
-                <a:latin typeface="Lato" pitchFamily="34" charset="0"/>
-              </a:rPr>
-              <a:t>	“[...] </a:t>
-            </a:r>
-            <a:r>
-              <a:rPr lang="en-US" sz="2000" i="1" dirty="0" smtClean="0">
-                <a:latin typeface="Lato" pitchFamily="34" charset="0"/>
-              </a:rPr>
-              <a:t>It was really discouraging. John was so proud of having put this damn thing together and people didn’t really get the idea of </a:t>
-            </a:r>
-            <a:r>
-              <a:rPr lang="en-US" sz="2000" i="1" dirty="0" err="1" smtClean="0">
-                <a:latin typeface="Lato" pitchFamily="34" charset="0"/>
-              </a:rPr>
-              <a:t>spatializing</a:t>
-            </a:r>
-            <a:r>
-              <a:rPr lang="en-US" sz="2000" i="1" dirty="0" smtClean="0">
-                <a:latin typeface="Lato" pitchFamily="34" charset="0"/>
-              </a:rPr>
-              <a:t> the sound.”</a:t>
-            </a:r>
-            <a:endParaRPr lang="de-DE" sz="2000" i="1" dirty="0" smtClean="0">
-              <a:latin typeface="Lato" pitchFamily="34" charset="0"/>
-            </a:endParaRPr>
-          </a:p>
-          <a:p>
-            <a:endParaRPr lang="de-DE" sz="2000" dirty="0" smtClean="0">
-              <a:latin typeface="Lato" pitchFamily="34" charset="0"/>
-            </a:endParaRPr>
-          </a:p>
-          <a:p>
-            <a:endParaRPr lang="de-DE" sz="2000" dirty="0" smtClean="0">
-              <a:latin typeface="Lato" pitchFamily="34" charset="0"/>
-            </a:endParaRPr>
+              <a:t>“ 1972 </a:t>
+            </a:r>
           </a:p>
         </p:txBody>
       </p:sp>
@@ -4587,6 +4788,35 @@
       </p:grpSpPr>
       <p:sp>
         <p:nvSpPr>
+          <p:cNvPr id="2" name="Titel 1"/>
+          <p:cNvSpPr>
+            <a:spLocks noGrp="1"/>
+          </p:cNvSpPr>
+          <p:nvPr>
+            <p:ph type="title"/>
+          </p:nvPr>
+        </p:nvSpPr>
+        <p:spPr/>
+        <p:txBody>
+          <a:bodyPr>
+            <a:normAutofit/>
+          </a:bodyPr>
+          <a:lstStyle/>
+          <a:p>
+            <a:r>
+              <a:rPr lang="de-DE" sz="2800" dirty="0" smtClean="0">
+                <a:latin typeface="Lato" pitchFamily="34" charset="0"/>
+              </a:rPr>
+              <a:t>Geschichte der FM-Synthese</a:t>
+            </a:r>
+            <a:endParaRPr lang="de-DE" sz="2800" dirty="0">
+              <a:latin typeface="Lato" pitchFamily="34" charset="0"/>
+            </a:endParaRPr>
+          </a:p>
+        </p:txBody>
+      </p:sp>
+      <p:sp>
+        <p:nvSpPr>
           <p:cNvPr id="4" name="Datumsplatzhalter 3"/>
           <p:cNvSpPr>
             <a:spLocks noGrp="1"/>
@@ -4605,7 +4835,7 @@
           <a:bodyPr/>
           <a:lstStyle/>
           <a:p>
-            <a:fld id="{00B76B82-E15A-4F92-B838-853BA8CDA07B}" type="datetime1">
+            <a:fld id="{5A27912C-CDDD-45BB-A172-315B1F38A094}" type="datetime1">
               <a:rPr lang="de-DE" smtClean="0"/>
               <a:t>17.06.2015</a:t>
             </a:fld>
@@ -4693,10 +4923,16 @@
           <a:lstStyle/>
           <a:p>
             <a:r>
+              <a:rPr lang="de-DE" sz="2000" dirty="0" err="1" smtClean="0">
+                <a:latin typeface="Lato" pitchFamily="34" charset="0"/>
+              </a:rPr>
+              <a:t>Chowning</a:t>
+            </a:r>
+            <a:r>
               <a:rPr lang="de-DE" sz="2000" dirty="0" smtClean="0">
                 <a:latin typeface="Lato" pitchFamily="34" charset="0"/>
               </a:rPr>
-              <a:t>1973: Veröffentlichung der Erfindung</a:t>
+              <a:t> Intention: Komposition neuer Stücke</a:t>
             </a:r>
           </a:p>
           <a:p>
@@ -4704,33 +4940,35 @@
               <a:rPr lang="de-DE" sz="2000" dirty="0" smtClean="0">
                 <a:latin typeface="Lato" pitchFamily="34" charset="0"/>
               </a:rPr>
-              <a:t>1974: Vorstellung der FM-Synthese bei Yamaha</a:t>
-            </a:r>
-          </a:p>
-          <a:p>
+              <a:t>Jedoch: Hoffnung auf kommerzielle Anwendung</a:t>
+            </a:r>
+          </a:p>
+          <a:p>
+            <a:r>
+              <a:rPr lang="de-DE" sz="2000" dirty="0" smtClean="0">
+                <a:latin typeface="Lato" pitchFamily="34" charset="0"/>
+              </a:rPr>
+              <a:t>Lizensierung durch das OTL (Office </a:t>
+            </a:r>
             <a:r>
               <a:rPr lang="de-DE" sz="2000" dirty="0" err="1" smtClean="0">
                 <a:latin typeface="Lato" pitchFamily="34" charset="0"/>
               </a:rPr>
-              <a:t>Kazukiyo</a:t>
+              <a:t>of</a:t>
             </a:r>
             <a:r>
               <a:rPr lang="de-DE" sz="2000" dirty="0" smtClean="0">
                 <a:latin typeface="Lato" pitchFamily="34" charset="0"/>
               </a:rPr>
-              <a:t> </a:t>
-            </a:r>
-            <a:r>
-              <a:rPr lang="de-DE" sz="2000" dirty="0" err="1" smtClean="0">
-                <a:latin typeface="Lato" pitchFamily="34" charset="0"/>
-              </a:rPr>
-              <a:t>Ishimura</a:t>
-            </a:r>
+              <a:t> Technology Licensing)</a:t>
+            </a:r>
+          </a:p>
+          <a:p>
             <a:r>
               <a:rPr lang="de-DE" sz="2000" dirty="0" smtClean="0">
                 <a:latin typeface="Lato" pitchFamily="34" charset="0"/>
               </a:rPr>
-              <a:t> erkannte das Potenzial</a:t>
+              <a:t>Wenig Interesse zu Begin</a:t>
             </a:r>
           </a:p>
           <a:p>
@@ -4738,35 +4976,7 @@
               <a:rPr lang="de-DE" sz="2000" dirty="0" smtClean="0">
                 <a:latin typeface="Lato" pitchFamily="34" charset="0"/>
               </a:rPr>
-              <a:t>Yamaha lizensiert die FM-Synthese im gleichen Jahr</a:t>
-            </a:r>
-          </a:p>
-          <a:p>
-            <a:r>
-              <a:rPr lang="de-DE" sz="2000" dirty="0" smtClean="0">
-                <a:latin typeface="Lato" pitchFamily="34" charset="0"/>
-              </a:rPr>
-              <a:t>1975: </a:t>
-            </a:r>
-            <a:r>
-              <a:rPr lang="de-DE" sz="2000" dirty="0" err="1" smtClean="0">
-                <a:latin typeface="Lato" pitchFamily="34" charset="0"/>
-              </a:rPr>
-              <a:t>Chowning</a:t>
-            </a:r>
-            <a:r>
-              <a:rPr lang="de-DE" sz="2000" dirty="0" smtClean="0">
-                <a:latin typeface="Lato" pitchFamily="34" charset="0"/>
-              </a:rPr>
-              <a:t> kehrt nach Stanford zurück</a:t>
-            </a:r>
-          </a:p>
-          <a:p>
-            <a:r>
-              <a:rPr lang="de-DE" sz="2000" dirty="0" smtClean="0">
-                <a:latin typeface="Lato" pitchFamily="34" charset="0"/>
-              </a:rPr>
-              <a:t>Gründung des CCRMA („Karma“) </a:t>
+              <a:t>Zitat Andy Moorer:</a:t>
             </a:r>
           </a:p>
           <a:p>
@@ -4774,76 +4984,40 @@
               <a:buNone/>
             </a:pPr>
             <a:r>
-              <a:rPr lang="de-DE" sz="2000" dirty="0" smtClean="0">
-                <a:latin typeface="Lato" pitchFamily="34" charset="0"/>
-              </a:rPr>
-              <a:t>	– Center </a:t>
-            </a:r>
-            <a:r>
-              <a:rPr lang="de-DE" sz="2000" dirty="0" err="1" smtClean="0">
-                <a:latin typeface="Lato" pitchFamily="34" charset="0"/>
-              </a:rPr>
-              <a:t>for</a:t>
-            </a:r>
-            <a:r>
-              <a:rPr lang="de-DE" sz="2000" dirty="0" smtClean="0">
-                <a:latin typeface="Lato" pitchFamily="34" charset="0"/>
-              </a:rPr>
-              <a:t> Computer Research in Music </a:t>
-            </a:r>
-            <a:r>
-              <a:rPr lang="de-DE" sz="2000" dirty="0" err="1" smtClean="0">
-                <a:latin typeface="Lato" pitchFamily="34" charset="0"/>
-              </a:rPr>
-              <a:t>and</a:t>
-            </a:r>
-            <a:r>
-              <a:rPr lang="de-DE" sz="2000" dirty="0" smtClean="0">
-                <a:latin typeface="Lato" pitchFamily="34" charset="0"/>
-              </a:rPr>
-              <a:t> </a:t>
-            </a:r>
-            <a:r>
-              <a:rPr lang="de-DE" sz="2000" dirty="0" err="1" smtClean="0">
-                <a:latin typeface="Lato" pitchFamily="34" charset="0"/>
-              </a:rPr>
-              <a:t>Acoustics</a:t>
-            </a:r>
+              <a:rPr lang="en-US" sz="2000" dirty="0" smtClean="0">
+                <a:latin typeface="Lato" pitchFamily="34" charset="0"/>
+              </a:rPr>
+              <a:t>	“[...] </a:t>
+            </a:r>
+            <a:r>
+              <a:rPr lang="en-US" sz="2000" i="1" dirty="0" smtClean="0">
+                <a:latin typeface="Lato" pitchFamily="34" charset="0"/>
+              </a:rPr>
+              <a:t>It was really discouraging. John was so proud of having put this damn thing together and people didn’t really get the idea of </a:t>
+            </a:r>
+            <a:r>
+              <a:rPr lang="en-US" sz="2000" i="1" dirty="0" err="1" smtClean="0">
+                <a:latin typeface="Lato" pitchFamily="34" charset="0"/>
+              </a:rPr>
+              <a:t>spatializing</a:t>
+            </a:r>
+            <a:r>
+              <a:rPr lang="en-US" sz="2000" i="1" dirty="0" smtClean="0">
+                <a:latin typeface="Lato" pitchFamily="34" charset="0"/>
+              </a:rPr>
+              <a:t> the sound.”</a:t>
+            </a:r>
+            <a:endParaRPr lang="de-DE" sz="2000" i="1" dirty="0" smtClean="0">
+              <a:latin typeface="Lato" pitchFamily="34" charset="0"/>
+            </a:endParaRPr>
+          </a:p>
+          <a:p>
             <a:endParaRPr lang="de-DE" sz="2000" dirty="0" smtClean="0">
               <a:latin typeface="Lato" pitchFamily="34" charset="0"/>
             </a:endParaRPr>
           </a:p>
-        </p:txBody>
-      </p:sp>
-      <p:sp>
-        <p:nvSpPr>
-          <p:cNvPr id="8" name="Titel 1"/>
-          <p:cNvSpPr>
-            <a:spLocks noGrp="1"/>
-          </p:cNvSpPr>
-          <p:nvPr>
-            <p:ph type="title"/>
-          </p:nvPr>
-        </p:nvSpPr>
-        <p:spPr>
-          <a:xfrm>
-            <a:off x="457200" y="205979"/>
-            <a:ext cx="8229600" cy="857250"/>
-          </a:xfrm>
-        </p:spPr>
-        <p:txBody>
-          <a:bodyPr>
-            <a:normAutofit/>
-          </a:bodyPr>
-          <a:lstStyle/>
-          <a:p>
-            <a:r>
-              <a:rPr lang="de-DE" sz="2800" dirty="0" smtClean="0">
-                <a:latin typeface="Lato" pitchFamily="34" charset="0"/>
-              </a:rPr>
-              <a:t>Geschichte der FM-Synthese</a:t>
-            </a:r>
-            <a:endParaRPr lang="de-DE" sz="2800" dirty="0">
+          <a:p>
+            <a:endParaRPr lang="de-DE" sz="2000" dirty="0" smtClean="0">
               <a:latin typeface="Lato" pitchFamily="34" charset="0"/>
             </a:endParaRPr>
           </a:p>
@@ -4901,7 +5075,7 @@
           <a:bodyPr/>
           <a:lstStyle/>
           <a:p>
-            <a:fld id="{CBD29002-DD08-4B8B-8D0E-E18685283E8F}" type="datetime1">
+            <a:fld id="{00B76B82-E15A-4F92-B838-853BA8CDA07B}" type="datetime1">
               <a:rPr lang="de-DE" smtClean="0"/>
               <a:t>17.06.2015</a:t>
             </a:fld>
@@ -4966,46 +5140,20 @@
           </a:p>
         </p:txBody>
       </p:sp>
-      <p:pic>
-        <p:nvPicPr>
-          <p:cNvPr id="29698" name="Picture 2" descr="D:\Julius\Documents\GitHub\VSeminar\Dok\Kapitel\img\Founders_CCRMA.png"/>
-          <p:cNvPicPr>
-            <a:picLocks noChangeAspect="1" noChangeArrowheads="1"/>
-          </p:cNvPicPr>
-          <p:nvPr/>
-        </p:nvPicPr>
-        <p:blipFill>
-          <a:blip r:embed="rId2" cstate="print"/>
-          <a:srcRect/>
-          <a:stretch>
-            <a:fillRect/>
-          </a:stretch>
-        </p:blipFill>
-        <p:spPr bwMode="auto">
-          <a:xfrm>
-            <a:off x="2195736" y="1131590"/>
-            <a:ext cx="4947107" cy="3384376"/>
-          </a:xfrm>
-          <a:prstGeom prst="rect">
-            <a:avLst/>
-          </a:prstGeom>
-          <a:noFill/>
-        </p:spPr>
-      </p:pic>
-      <p:sp>
-        <p:nvSpPr>
-          <p:cNvPr id="8" name="Titel 1"/>
-          <p:cNvSpPr>
-            <a:spLocks noGrp="1"/>
-          </p:cNvSpPr>
-          <p:nvPr>
-            <p:ph type="title"/>
-          </p:nvPr>
-        </p:nvSpPr>
-        <p:spPr>
-          <a:xfrm>
-            <a:off x="457200" y="205979"/>
-            <a:ext cx="8229600" cy="857250"/>
+      <p:sp>
+        <p:nvSpPr>
+          <p:cNvPr id="7" name="Inhaltsplatzhalter 2"/>
+          <p:cNvSpPr>
+            <a:spLocks noGrp="1"/>
+          </p:cNvSpPr>
+          <p:nvPr>
+            <p:ph idx="1"/>
+          </p:nvPr>
+        </p:nvSpPr>
+        <p:spPr>
+          <a:xfrm>
+            <a:off x="467544" y="1347614"/>
+            <a:ext cx="8229600" cy="2838946"/>
           </a:xfrm>
         </p:spPr>
         <p:txBody>
@@ -5015,10 +5163,155 @@
           <a:lstStyle/>
           <a:p>
             <a:r>
+              <a:rPr lang="de-DE" sz="2000" dirty="0" smtClean="0">
+                <a:latin typeface="Lato" pitchFamily="34" charset="0"/>
+              </a:rPr>
+              <a:t>1973: Veröffentlichung der Erfindung</a:t>
+            </a:r>
+          </a:p>
+          <a:p>
+            <a:r>
+              <a:rPr lang="de-DE" sz="2000" dirty="0" smtClean="0">
+                <a:latin typeface="Lato" pitchFamily="34" charset="0"/>
+              </a:rPr>
+              <a:t>1974: Vorstellung der FM-Synthese bei Yamaha</a:t>
+            </a:r>
+          </a:p>
+          <a:p>
+            <a:r>
+              <a:rPr lang="de-DE" sz="2000" dirty="0" err="1" smtClean="0">
+                <a:latin typeface="Lato" pitchFamily="34" charset="0"/>
+              </a:rPr>
+              <a:t>Kazukiyo</a:t>
+            </a:r>
+            <a:r>
+              <a:rPr lang="de-DE" sz="2000" dirty="0" smtClean="0">
+                <a:latin typeface="Lato" pitchFamily="34" charset="0"/>
+              </a:rPr>
+              <a:t> </a:t>
+            </a:r>
+            <a:r>
+              <a:rPr lang="de-DE" sz="2000" dirty="0" err="1" smtClean="0">
+                <a:latin typeface="Lato" pitchFamily="34" charset="0"/>
+              </a:rPr>
+              <a:t>Ishimura</a:t>
+            </a:r>
+            <a:r>
+              <a:rPr lang="de-DE" sz="2000" dirty="0" smtClean="0">
+                <a:latin typeface="Lato" pitchFamily="34" charset="0"/>
+              </a:rPr>
+              <a:t> erkannte das Potenzial</a:t>
+            </a:r>
+          </a:p>
+          <a:p>
+            <a:r>
+              <a:rPr lang="de-DE" sz="2000" dirty="0" smtClean="0">
+                <a:latin typeface="Lato" pitchFamily="34" charset="0"/>
+              </a:rPr>
+              <a:t>Yamaha lizensiert die FM-Synthese im gleichen Jahr</a:t>
+            </a:r>
+          </a:p>
+          <a:p>
+            <a:r>
+              <a:rPr lang="de-DE" sz="2000" dirty="0" smtClean="0">
+                <a:latin typeface="Lato" pitchFamily="34" charset="0"/>
+              </a:rPr>
+              <a:t>1975: </a:t>
+            </a:r>
+            <a:r>
+              <a:rPr lang="de-DE" sz="2000" dirty="0" err="1" smtClean="0">
+                <a:latin typeface="Lato" pitchFamily="34" charset="0"/>
+              </a:rPr>
+              <a:t>Chowning</a:t>
+            </a:r>
+            <a:r>
+              <a:rPr lang="de-DE" sz="2000" dirty="0" smtClean="0">
+                <a:latin typeface="Lato" pitchFamily="34" charset="0"/>
+              </a:rPr>
+              <a:t> kehrt nach Stanford zurück</a:t>
+            </a:r>
+          </a:p>
+          <a:p>
+            <a:r>
+              <a:rPr lang="de-DE" sz="2000" dirty="0" smtClean="0">
+                <a:latin typeface="Lato" pitchFamily="34" charset="0"/>
+              </a:rPr>
+              <a:t>Gründung des CCRMA („Karma“) </a:t>
+            </a:r>
+          </a:p>
+          <a:p>
+            <a:pPr>
+              <a:buNone/>
+            </a:pPr>
+            <a:r>
+              <a:rPr lang="de-DE" sz="2000" dirty="0" smtClean="0">
+                <a:latin typeface="Lato" pitchFamily="34" charset="0"/>
+              </a:rPr>
+              <a:t>	– Center </a:t>
+            </a:r>
+            <a:r>
+              <a:rPr lang="de-DE" sz="2000" dirty="0" err="1" smtClean="0">
+                <a:latin typeface="Lato" pitchFamily="34" charset="0"/>
+              </a:rPr>
+              <a:t>for</a:t>
+            </a:r>
+            <a:r>
+              <a:rPr lang="de-DE" sz="2000" dirty="0" smtClean="0">
+                <a:latin typeface="Lato" pitchFamily="34" charset="0"/>
+              </a:rPr>
+              <a:t> Computer Research in Music </a:t>
+            </a:r>
+            <a:r>
+              <a:rPr lang="de-DE" sz="2000" dirty="0" err="1" smtClean="0">
+                <a:latin typeface="Lato" pitchFamily="34" charset="0"/>
+              </a:rPr>
+              <a:t>and</a:t>
+            </a:r>
+            <a:r>
+              <a:rPr lang="de-DE" sz="2000" dirty="0" smtClean="0">
+                <a:latin typeface="Lato" pitchFamily="34" charset="0"/>
+              </a:rPr>
+              <a:t> </a:t>
+            </a:r>
+            <a:r>
+              <a:rPr lang="de-DE" sz="2000" dirty="0" err="1" smtClean="0">
+                <a:latin typeface="Lato" pitchFamily="34" charset="0"/>
+              </a:rPr>
+              <a:t>Acoustics</a:t>
+            </a:r>
+            <a:endParaRPr lang="de-DE" sz="2000" dirty="0" smtClean="0">
+              <a:latin typeface="Lato" pitchFamily="34" charset="0"/>
+            </a:endParaRPr>
+          </a:p>
+        </p:txBody>
+      </p:sp>
+      <p:sp>
+        <p:nvSpPr>
+          <p:cNvPr id="8" name="Titel 1"/>
+          <p:cNvSpPr>
+            <a:spLocks noGrp="1"/>
+          </p:cNvSpPr>
+          <p:nvPr>
+            <p:ph type="title"/>
+          </p:nvPr>
+        </p:nvSpPr>
+        <p:spPr>
+          <a:xfrm>
+            <a:off x="457200" y="205979"/>
+            <a:ext cx="8229600" cy="857250"/>
+          </a:xfrm>
+        </p:spPr>
+        <p:txBody>
+          <a:bodyPr>
+            <a:normAutofit/>
+          </a:bodyPr>
+          <a:lstStyle/>
+          <a:p>
+            <a:r>
               <a:rPr lang="de-DE" sz="2800" dirty="0" smtClean="0">
                 <a:latin typeface="Lato" pitchFamily="34" charset="0"/>
               </a:rPr>
-              <a:t>Gründer des CCRMA</a:t>
+              <a:t>Geschichte der FM-Synthese</a:t>
             </a:r>
             <a:endParaRPr lang="de-DE" sz="2800" dirty="0">
               <a:latin typeface="Lato" pitchFamily="34" charset="0"/>
@@ -5078,7 +5371,7 @@
           <a:bodyPr/>
           <a:lstStyle/>
           <a:p>
-            <a:fld id="{D7189504-FB42-40CE-B2BB-CA1D3CB1B385}" type="datetime1">
+            <a:fld id="{CBD29002-DD08-4B8B-8D0E-E18685283E8F}" type="datetime1">
               <a:rPr lang="de-DE" smtClean="0"/>
               <a:t>17.06.2015</a:t>
             </a:fld>
@@ -5143,20 +5436,46 @@
           </a:p>
         </p:txBody>
       </p:sp>
-      <p:sp>
-        <p:nvSpPr>
-          <p:cNvPr id="7" name="Inhaltsplatzhalter 2"/>
-          <p:cNvSpPr>
-            <a:spLocks noGrp="1"/>
-          </p:cNvSpPr>
-          <p:nvPr>
-            <p:ph idx="1"/>
-          </p:nvPr>
-        </p:nvSpPr>
-        <p:spPr>
-          <a:xfrm>
-            <a:off x="467544" y="1347614"/>
-            <a:ext cx="8229600" cy="2838946"/>
+      <p:pic>
+        <p:nvPicPr>
+          <p:cNvPr id="29698" name="Picture 2" descr="D:\Julius\Documents\GitHub\VSeminar\Dok\Kapitel\img\Founders_CCRMA.png"/>
+          <p:cNvPicPr>
+            <a:picLocks noChangeAspect="1" noChangeArrowheads="1"/>
+          </p:cNvPicPr>
+          <p:nvPr/>
+        </p:nvPicPr>
+        <p:blipFill>
+          <a:blip r:embed="rId2" cstate="print"/>
+          <a:srcRect/>
+          <a:stretch>
+            <a:fillRect/>
+          </a:stretch>
+        </p:blipFill>
+        <p:spPr bwMode="auto">
+          <a:xfrm>
+            <a:off x="2195736" y="1131590"/>
+            <a:ext cx="4947107" cy="3384376"/>
+          </a:xfrm>
+          <a:prstGeom prst="rect">
+            <a:avLst/>
+          </a:prstGeom>
+          <a:noFill/>
+        </p:spPr>
+      </p:pic>
+      <p:sp>
+        <p:nvSpPr>
+          <p:cNvPr id="8" name="Titel 1"/>
+          <p:cNvSpPr>
+            <a:spLocks noGrp="1"/>
+          </p:cNvSpPr>
+          <p:nvPr>
+            <p:ph type="title"/>
+          </p:nvPr>
+        </p:nvSpPr>
+        <p:spPr>
+          <a:xfrm>
+            <a:off x="457200" y="205979"/>
+            <a:ext cx="8229600" cy="857250"/>
           </a:xfrm>
         </p:spPr>
         <p:txBody>
@@ -5166,86 +5485,10 @@
           <a:lstStyle/>
           <a:p>
             <a:r>
-              <a:rPr lang="de-DE" sz="2000" dirty="0" smtClean="0">
-                <a:latin typeface="Lato" pitchFamily="34" charset="0"/>
-              </a:rPr>
-              <a:t>Großer Erfolg für Yamaha</a:t>
-            </a:r>
-          </a:p>
-          <a:p>
-            <a:r>
-              <a:rPr lang="de-DE" sz="2000" dirty="0" smtClean="0">
-                <a:latin typeface="Lato" pitchFamily="34" charset="0"/>
-              </a:rPr>
-              <a:t>Erste FM-Synthesizer: GS1 (1980) und GS2 (1982)</a:t>
-            </a:r>
-          </a:p>
-          <a:p>
-            <a:r>
-              <a:rPr lang="de-DE" sz="2000" dirty="0" smtClean="0">
-                <a:latin typeface="Lato" pitchFamily="34" charset="0"/>
-              </a:rPr>
-              <a:t>Kosten: 30.000 DM und 16000 DM</a:t>
-            </a:r>
-          </a:p>
-          <a:p>
-            <a:r>
-              <a:rPr lang="de-DE" sz="2000" dirty="0" smtClean="0">
-                <a:latin typeface="Lato" pitchFamily="34" charset="0"/>
-              </a:rPr>
-              <a:t>Durchbruch 1983 mit dem DX7</a:t>
-            </a:r>
-          </a:p>
-          <a:p>
-            <a:r>
-              <a:rPr lang="de-DE" sz="2000" dirty="0" smtClean="0">
-                <a:latin typeface="Lato" pitchFamily="34" charset="0"/>
-              </a:rPr>
-              <a:t>Parallele Verarbeitung von 16 Stimmen</a:t>
-            </a:r>
-          </a:p>
-          <a:p>
-            <a:pPr>
-              <a:buNone/>
-            </a:pPr>
-            <a:endParaRPr lang="de-DE" sz="2000" dirty="0" smtClean="0">
-              <a:latin typeface="Lato" pitchFamily="34" charset="0"/>
-            </a:endParaRPr>
-          </a:p>
-          <a:p>
-            <a:endParaRPr lang="de-DE" sz="2000" dirty="0" smtClean="0">
-              <a:latin typeface="Lato" pitchFamily="34" charset="0"/>
-            </a:endParaRPr>
-          </a:p>
-        </p:txBody>
-      </p:sp>
-      <p:sp>
-        <p:nvSpPr>
-          <p:cNvPr id="8" name="Titel 1"/>
-          <p:cNvSpPr>
-            <a:spLocks noGrp="1"/>
-          </p:cNvSpPr>
-          <p:nvPr>
-            <p:ph type="title"/>
-          </p:nvPr>
-        </p:nvSpPr>
-        <p:spPr>
-          <a:xfrm>
-            <a:off x="457200" y="205979"/>
-            <a:ext cx="8229600" cy="857250"/>
-          </a:xfrm>
-        </p:spPr>
-        <p:txBody>
-          <a:bodyPr>
-            <a:normAutofit/>
-          </a:bodyPr>
-          <a:lstStyle/>
-          <a:p>
-            <a:r>
               <a:rPr lang="de-DE" sz="2800" dirty="0" smtClean="0">
                 <a:latin typeface="Lato" pitchFamily="34" charset="0"/>
               </a:rPr>
-              <a:t>Geschichte der FM-Synthese</a:t>
+              <a:t>Gründer des CCRMA</a:t>
             </a:r>
             <a:endParaRPr lang="de-DE" sz="2800" dirty="0">
               <a:latin typeface="Lato" pitchFamily="34" charset="0"/>
@@ -5305,7 +5548,7 @@
           <a:bodyPr/>
           <a:lstStyle/>
           <a:p>
-            <a:fld id="{8C72BFCD-6DDC-4F0C-B207-AE3CB62F0D09}" type="datetime1">
+            <a:fld id="{D7189504-FB42-40CE-B2BB-CA1D3CB1B385}" type="datetime1">
               <a:rPr lang="de-DE" smtClean="0"/>
               <a:t>17.06.2015</a:t>
             </a:fld>
@@ -5370,46 +5613,20 @@
           </a:p>
         </p:txBody>
       </p:sp>
-      <p:pic>
-        <p:nvPicPr>
-          <p:cNvPr id="20484" name="Picture 4" descr="http://www.electricdruid.net/images/interface/larger/YamahaDX7.jpg"/>
-          <p:cNvPicPr>
-            <a:picLocks noChangeAspect="1" noChangeArrowheads="1"/>
-          </p:cNvPicPr>
-          <p:nvPr/>
-        </p:nvPicPr>
-        <p:blipFill>
-          <a:blip r:embed="rId2" cstate="print"/>
-          <a:srcRect/>
-          <a:stretch>
-            <a:fillRect/>
-          </a:stretch>
-        </p:blipFill>
-        <p:spPr bwMode="auto">
-          <a:xfrm>
-            <a:off x="755576" y="1419622"/>
-            <a:ext cx="7704856" cy="2614645"/>
-          </a:xfrm>
-          <a:prstGeom prst="rect">
-            <a:avLst/>
-          </a:prstGeom>
-          <a:noFill/>
-        </p:spPr>
-      </p:pic>
-      <p:sp>
-        <p:nvSpPr>
-          <p:cNvPr id="9" name="Titel 1"/>
-          <p:cNvSpPr>
-            <a:spLocks noGrp="1"/>
-          </p:cNvSpPr>
-          <p:nvPr>
-            <p:ph type="title"/>
-          </p:nvPr>
-        </p:nvSpPr>
-        <p:spPr>
-          <a:xfrm>
-            <a:off x="457200" y="205979"/>
-            <a:ext cx="8229600" cy="857250"/>
+      <p:sp>
+        <p:nvSpPr>
+          <p:cNvPr id="7" name="Inhaltsplatzhalter 2"/>
+          <p:cNvSpPr>
+            <a:spLocks noGrp="1"/>
+          </p:cNvSpPr>
+          <p:nvPr>
+            <p:ph idx="1"/>
+          </p:nvPr>
+        </p:nvSpPr>
+        <p:spPr>
+          <a:xfrm>
+            <a:off x="467544" y="1677020"/>
+            <a:ext cx="8229600" cy="2838946"/>
           </a:xfrm>
         </p:spPr>
         <p:txBody>
@@ -5419,10 +5636,90 @@
           <a:lstStyle/>
           <a:p>
             <a:r>
+              <a:rPr lang="de-DE" sz="2000" dirty="0" smtClean="0">
+                <a:latin typeface="Lato" pitchFamily="34" charset="0"/>
+              </a:rPr>
+              <a:t>Großer Erfolg für Yamaha</a:t>
+            </a:r>
+          </a:p>
+          <a:p>
+            <a:r>
+              <a:rPr lang="de-DE" sz="2000" dirty="0" smtClean="0">
+                <a:latin typeface="Lato" pitchFamily="34" charset="0"/>
+              </a:rPr>
+              <a:t>Erste FM-Synthesizer: GS1 (1980) und GS2 (1982)</a:t>
+            </a:r>
+          </a:p>
+          <a:p>
+            <a:r>
+              <a:rPr lang="de-DE" sz="2000" dirty="0" smtClean="0">
+                <a:latin typeface="Lato" pitchFamily="34" charset="0"/>
+              </a:rPr>
+              <a:t>Kosten: 30.000 DM und </a:t>
+            </a:r>
+            <a:r>
+              <a:rPr lang="de-DE" sz="2000" dirty="0" smtClean="0">
+                <a:latin typeface="Lato" pitchFamily="34" charset="0"/>
+              </a:rPr>
+              <a:t>16.000 </a:t>
+            </a:r>
+            <a:r>
+              <a:rPr lang="de-DE" sz="2000" dirty="0" smtClean="0">
+                <a:latin typeface="Lato" pitchFamily="34" charset="0"/>
+              </a:rPr>
+              <a:t>DM</a:t>
+            </a:r>
+          </a:p>
+          <a:p>
+            <a:r>
+              <a:rPr lang="de-DE" sz="2000" dirty="0" smtClean="0">
+                <a:latin typeface="Lato" pitchFamily="34" charset="0"/>
+              </a:rPr>
+              <a:t>Durchbruch 1983 mit dem DX7</a:t>
+            </a:r>
+          </a:p>
+          <a:p>
+            <a:pPr>
+              <a:buNone/>
+            </a:pPr>
+            <a:endParaRPr lang="de-DE" sz="2000" dirty="0" smtClean="0">
+              <a:latin typeface="Lato" pitchFamily="34" charset="0"/>
+            </a:endParaRPr>
+          </a:p>
+          <a:p>
+            <a:endParaRPr lang="de-DE" sz="2000" dirty="0" smtClean="0">
+              <a:latin typeface="Lato" pitchFamily="34" charset="0"/>
+            </a:endParaRPr>
+          </a:p>
+        </p:txBody>
+      </p:sp>
+      <p:sp>
+        <p:nvSpPr>
+          <p:cNvPr id="8" name="Titel 1"/>
+          <p:cNvSpPr>
+            <a:spLocks noGrp="1"/>
+          </p:cNvSpPr>
+          <p:nvPr>
+            <p:ph type="title"/>
+          </p:nvPr>
+        </p:nvSpPr>
+        <p:spPr>
+          <a:xfrm>
+            <a:off x="457200" y="205979"/>
+            <a:ext cx="8229600" cy="857250"/>
+          </a:xfrm>
+        </p:spPr>
+        <p:txBody>
+          <a:bodyPr>
+            <a:normAutofit/>
+          </a:bodyPr>
+          <a:lstStyle/>
+          <a:p>
+            <a:r>
               <a:rPr lang="de-DE" sz="2800" dirty="0" smtClean="0">
                 <a:latin typeface="Lato" pitchFamily="34" charset="0"/>
               </a:rPr>
-              <a:t>Yamaha DX7</a:t>
+              <a:t>Geschichte der FM-Synthese</a:t>
             </a:r>
             <a:endParaRPr lang="de-DE" sz="2800" dirty="0">
               <a:latin typeface="Lato" pitchFamily="34" charset="0"/>
@@ -5482,7 +5779,7 @@
           <a:bodyPr/>
           <a:lstStyle/>
           <a:p>
-            <a:fld id="{CF17882A-01A4-40E1-8E7C-E4DC1CDE6C7E}" type="datetime1">
+            <a:fld id="{8C72BFCD-6DDC-4F0C-B207-AE3CB62F0D09}" type="datetime1">
               <a:rPr lang="de-DE" smtClean="0"/>
               <a:t>17.06.2015</a:t>
             </a:fld>
@@ -5547,20 +5844,46 @@
           </a:p>
         </p:txBody>
       </p:sp>
-      <p:sp>
-        <p:nvSpPr>
-          <p:cNvPr id="7" name="Inhaltsplatzhalter 2"/>
-          <p:cNvSpPr>
-            <a:spLocks noGrp="1"/>
-          </p:cNvSpPr>
-          <p:nvPr>
-            <p:ph idx="1"/>
-          </p:nvPr>
-        </p:nvSpPr>
-        <p:spPr>
-          <a:xfrm>
-            <a:off x="467544" y="1347614"/>
-            <a:ext cx="8229600" cy="2838946"/>
+      <p:pic>
+        <p:nvPicPr>
+          <p:cNvPr id="20484" name="Picture 4" descr="http://www.electricdruid.net/images/interface/larger/YamahaDX7.jpg"/>
+          <p:cNvPicPr>
+            <a:picLocks noChangeAspect="1" noChangeArrowheads="1"/>
+          </p:cNvPicPr>
+          <p:nvPr/>
+        </p:nvPicPr>
+        <p:blipFill>
+          <a:blip r:embed="rId2" cstate="print"/>
+          <a:srcRect/>
+          <a:stretch>
+            <a:fillRect/>
+          </a:stretch>
+        </p:blipFill>
+        <p:spPr bwMode="auto">
+          <a:xfrm>
+            <a:off x="755576" y="1397265"/>
+            <a:ext cx="7704856" cy="2614645"/>
+          </a:xfrm>
+          <a:prstGeom prst="rect">
+            <a:avLst/>
+          </a:prstGeom>
+          <a:noFill/>
+        </p:spPr>
+      </p:pic>
+      <p:sp>
+        <p:nvSpPr>
+          <p:cNvPr id="9" name="Titel 1"/>
+          <p:cNvSpPr>
+            <a:spLocks noGrp="1"/>
+          </p:cNvSpPr>
+          <p:nvPr>
+            <p:ph type="title"/>
+          </p:nvPr>
+        </p:nvSpPr>
+        <p:spPr>
+          <a:xfrm>
+            <a:off x="457200" y="205979"/>
+            <a:ext cx="8229600" cy="857250"/>
           </a:xfrm>
         </p:spPr>
         <p:txBody>
@@ -5570,86 +5893,10 @@
           <a:lstStyle/>
           <a:p>
             <a:r>
-              <a:rPr lang="de-DE" sz="2000" dirty="0" smtClean="0">
-                <a:latin typeface="Lato" pitchFamily="34" charset="0"/>
-              </a:rPr>
-              <a:t>1983 – 1989 : Über 20 weitere digitale Synthesizer von Yamaha</a:t>
-            </a:r>
-          </a:p>
-          <a:p>
-            <a:r>
-              <a:rPr lang="de-DE" sz="2000" dirty="0" smtClean="0">
-                <a:latin typeface="Lato" pitchFamily="34" charset="0"/>
-              </a:rPr>
-              <a:t>1990: SY77 – Kombination aus FM-Synthese und Sampling</a:t>
-            </a:r>
-          </a:p>
-          <a:p>
-            <a:r>
-              <a:rPr lang="de-DE" sz="2000" dirty="0" smtClean="0">
-                <a:latin typeface="Lato" pitchFamily="34" charset="0"/>
-              </a:rPr>
-              <a:t>Ab Mitte der 90er: Leistungsfähige personal Computer</a:t>
-            </a:r>
-          </a:p>
-          <a:p>
-            <a:r>
-              <a:rPr lang="de-DE" sz="2000" dirty="0" smtClean="0">
-                <a:latin typeface="Lato" pitchFamily="34" charset="0"/>
-              </a:rPr>
-              <a:t>Softwaresynthesizer mit Midi-Keyboards</a:t>
-            </a:r>
-          </a:p>
-          <a:p>
-            <a:r>
-              <a:rPr lang="de-DE" sz="2000" dirty="0" smtClean="0">
-                <a:latin typeface="Lato" pitchFamily="34" charset="0"/>
-              </a:rPr>
-              <a:t>Native Instruments FM8: Nachbildung des DX7</a:t>
-            </a:r>
-          </a:p>
-          <a:p>
-            <a:pPr>
-              <a:buNone/>
-            </a:pPr>
-            <a:endParaRPr lang="de-DE" sz="2000" dirty="0" smtClean="0">
-              <a:latin typeface="Lato" pitchFamily="34" charset="0"/>
-            </a:endParaRPr>
-          </a:p>
-          <a:p>
-            <a:endParaRPr lang="de-DE" sz="2000" dirty="0" smtClean="0">
-              <a:latin typeface="Lato" pitchFamily="34" charset="0"/>
-            </a:endParaRPr>
-          </a:p>
-        </p:txBody>
-      </p:sp>
-      <p:sp>
-        <p:nvSpPr>
-          <p:cNvPr id="8" name="Titel 1"/>
-          <p:cNvSpPr>
-            <a:spLocks noGrp="1"/>
-          </p:cNvSpPr>
-          <p:nvPr>
-            <p:ph type="title"/>
-          </p:nvPr>
-        </p:nvSpPr>
-        <p:spPr>
-          <a:xfrm>
-            <a:off x="457200" y="205979"/>
-            <a:ext cx="8229600" cy="857250"/>
-          </a:xfrm>
-        </p:spPr>
-        <p:txBody>
-          <a:bodyPr>
-            <a:normAutofit/>
-          </a:bodyPr>
-          <a:lstStyle/>
-          <a:p>
-            <a:r>
               <a:rPr lang="de-DE" sz="2800" dirty="0" smtClean="0">
                 <a:latin typeface="Lato" pitchFamily="34" charset="0"/>
               </a:rPr>
-              <a:t>Geschichte der FM-Synthese</a:t>
+              <a:t>Yamaha DX7</a:t>
             </a:r>
             <a:endParaRPr lang="de-DE" sz="2800" dirty="0">
               <a:latin typeface="Lato" pitchFamily="34" charset="0"/>
@@ -5691,6 +5938,58 @@
       </p:grpSpPr>
       <p:sp>
         <p:nvSpPr>
+          <p:cNvPr id="3" name="Inhaltsplatzhalter 2"/>
+          <p:cNvSpPr>
+            <a:spLocks noGrp="1"/>
+          </p:cNvSpPr>
+          <p:nvPr>
+            <p:ph idx="1"/>
+          </p:nvPr>
+        </p:nvSpPr>
+        <p:spPr>
+          <a:xfrm>
+            <a:off x="457200" y="987574"/>
+            <a:ext cx="8229600" cy="1224136"/>
+          </a:xfrm>
+        </p:spPr>
+        <p:txBody>
+          <a:bodyPr/>
+          <a:lstStyle/>
+          <a:p>
+            <a:r>
+              <a:rPr lang="de-DE" sz="2000" dirty="0"/>
+              <a:t>Parallele Verarbeitung von 16 </a:t>
+            </a:r>
+            <a:r>
+              <a:rPr lang="de-DE" sz="2000" dirty="0" smtClean="0"/>
+              <a:t>Stimmen</a:t>
+            </a:r>
+          </a:p>
+          <a:p>
+            <a:r>
+              <a:rPr lang="de-DE" sz="2000" dirty="0" smtClean="0"/>
+              <a:t>6 einstellbare Operatoren</a:t>
+            </a:r>
+          </a:p>
+          <a:p>
+            <a:r>
+              <a:rPr lang="de-DE" sz="2000" dirty="0" smtClean="0"/>
+              <a:t>32 verschiedene Algorithmen</a:t>
+            </a:r>
+          </a:p>
+          <a:p>
+            <a:endParaRPr lang="de-DE" dirty="0" smtClean="0"/>
+          </a:p>
+          <a:p>
+            <a:endParaRPr lang="de-DE" dirty="0" smtClean="0"/>
+          </a:p>
+          <a:p>
+            <a:endParaRPr lang="de-DE" dirty="0"/>
+          </a:p>
+        </p:txBody>
+      </p:sp>
+      <p:sp>
+        <p:nvSpPr>
           <p:cNvPr id="4" name="Datumsplatzhalter 3"/>
           <p:cNvSpPr>
             <a:spLocks noGrp="1"/>
@@ -5699,21 +5998,16 @@
             <p:ph type="dt" sz="half" idx="10"/>
           </p:nvPr>
         </p:nvSpPr>
-        <p:spPr>
-          <a:xfrm>
-            <a:off x="6588224" y="4876006"/>
-            <a:ext cx="2133600" cy="273844"/>
-          </a:xfrm>
-        </p:spPr>
+        <p:spPr/>
         <p:txBody>
           <a:bodyPr/>
           <a:lstStyle/>
           <a:p>
-            <a:fld id="{6FD35CB8-BD90-447C-AB06-561BC3962411}" type="datetime1">
+            <a:fld id="{9369858E-D1D1-4BAC-A564-46FF792CFAC7}" type="datetime1">
               <a:rPr lang="de-DE" smtClean="0"/>
               <a:t>17.06.2015</a:t>
             </a:fld>
-            <a:endParaRPr lang="de-DE"/>
+            <a:endParaRPr lang="de-DE" dirty="0"/>
           </a:p>
         </p:txBody>
       </p:sp>
@@ -5727,12 +6021,7 @@
             <p:ph type="ftr" sz="quarter" idx="11"/>
           </p:nvPr>
         </p:nvSpPr>
-        <p:spPr>
-          <a:xfrm>
-            <a:off x="3131840" y="4876006"/>
-            <a:ext cx="2895600" cy="273844"/>
-          </a:xfrm>
-        </p:spPr>
+        <p:spPr/>
         <p:txBody>
           <a:bodyPr/>
           <a:lstStyle/>
@@ -5741,7 +6030,7 @@
               <a:rPr lang="de-DE" smtClean="0"/>
               <a:t>FM-Synthese</a:t>
             </a:r>
-            <a:endParaRPr lang="de-DE"/>
+            <a:endParaRPr lang="de-DE" dirty="0"/>
           </a:p>
         </p:txBody>
       </p:sp>
@@ -5755,12 +6044,7 @@
             <p:ph type="sldNum" sz="quarter" idx="12"/>
           </p:nvPr>
         </p:nvSpPr>
-        <p:spPr>
-          <a:xfrm>
-            <a:off x="0" y="4869656"/>
-            <a:ext cx="467544" cy="273844"/>
-          </a:xfrm>
-        </p:spPr>
+        <p:spPr/>
         <p:txBody>
           <a:bodyPr/>
           <a:lstStyle/>
@@ -5770,6 +6054,10 @@
               <a:pPr/>
               <a:t>19</a:t>
             </a:fld>
+            <a:r>
+              <a:rPr lang="de-DE" smtClean="0"/>
+              <a:t>   </a:t>
+            </a:r>
             <a:endParaRPr lang="de-DE" dirty="0"/>
           </a:p>
         </p:txBody>
@@ -5784,12 +6072,7 @@
             <p:ph type="title"/>
           </p:nvPr>
         </p:nvSpPr>
-        <p:spPr>
-          <a:xfrm>
-            <a:off x="457200" y="205979"/>
-            <a:ext cx="8229600" cy="857250"/>
-          </a:xfrm>
-        </p:spPr>
+        <p:spPr/>
         <p:txBody>
           <a:bodyPr>
             <a:normAutofit/>
@@ -5797,118 +6080,81 @@
           <a:lstStyle/>
           <a:p>
             <a:r>
-              <a:rPr lang="de-DE" sz="3600" dirty="0" smtClean="0">
-                <a:latin typeface="Lato" pitchFamily="34" charset="0"/>
-              </a:rPr>
-              <a:t>Einfache FM-Synthese</a:t>
-            </a:r>
-            <a:endParaRPr lang="de-DE" sz="3600" dirty="0">
+              <a:rPr lang="de-DE" sz="2800" dirty="0" smtClean="0">
+                <a:latin typeface="Lato" pitchFamily="34" charset="0"/>
+              </a:rPr>
+              <a:t>Yamaha DX7</a:t>
+            </a:r>
+            <a:endParaRPr lang="de-DE" sz="2800" dirty="0">
               <a:latin typeface="Lato" pitchFamily="34" charset="0"/>
             </a:endParaRPr>
           </a:p>
         </p:txBody>
       </p:sp>
-      <p:sp>
-        <p:nvSpPr>
-          <p:cNvPr id="9" name="Inhaltsplatzhalter 2"/>
-          <p:cNvSpPr>
-            <a:spLocks noGrp="1"/>
-          </p:cNvSpPr>
-          <p:nvPr>
-            <p:ph idx="1"/>
-          </p:nvPr>
-        </p:nvSpPr>
-        <p:spPr>
-          <a:xfrm>
-            <a:off x="457200" y="1200151"/>
-            <a:ext cx="8229600" cy="3394472"/>
-          </a:xfrm>
-        </p:spPr>
-        <p:txBody>
-          <a:bodyPr/>
-          <a:lstStyle/>
-          <a:p>
-            <a:pPr>
-              <a:buNone/>
-            </a:pPr>
-            <a:r>
-              <a:rPr lang="de-DE" sz="2800" dirty="0" smtClean="0">
-                <a:latin typeface="Lato" pitchFamily="34" charset="0"/>
-              </a:rPr>
-              <a:t>Grundlagen: Sinus und Kosinus</a:t>
-            </a:r>
-          </a:p>
-          <a:p>
-            <a:endParaRPr lang="de-DE" sz="2000" dirty="0" smtClean="0">
-              <a:latin typeface="Lato" pitchFamily="34" charset="0"/>
-            </a:endParaRPr>
-          </a:p>
-          <a:p>
-            <a:r>
-              <a:rPr lang="de-DE" sz="2000" dirty="0" smtClean="0">
-                <a:latin typeface="Lato" pitchFamily="34" charset="0"/>
-              </a:rPr>
-              <a:t>Trigonometrische Funktionen (Winkelfunktionen)</a:t>
-            </a:r>
-          </a:p>
-          <a:p>
-            <a:r>
-              <a:rPr lang="de-DE" sz="2000" dirty="0" smtClean="0">
-                <a:latin typeface="Lato" pitchFamily="34" charset="0"/>
-              </a:rPr>
-              <a:t>Periodische Funktion: </a:t>
-            </a:r>
-          </a:p>
-          <a:p>
-            <a:r>
-              <a:rPr lang="de-DE" sz="2000" dirty="0" smtClean="0">
-                <a:latin typeface="Lato" pitchFamily="34" charset="0"/>
-              </a:rPr>
-              <a:t>Einfache Verdeutlichung am Einheitskreis</a:t>
-            </a:r>
-          </a:p>
-          <a:p>
-            <a:endParaRPr lang="de-DE" sz="2000" dirty="0" smtClean="0">
-              <a:latin typeface="Lato" pitchFamily="34" charset="0"/>
-            </a:endParaRPr>
-          </a:p>
-        </p:txBody>
-      </p:sp>
       <p:pic>
         <p:nvPicPr>
-          <p:cNvPr id="3" name="Grafik 2"/>
+          <p:cNvPr id="8" name="Grafik 7"/>
           <p:cNvPicPr>
             <a:picLocks noChangeAspect="1"/>
           </p:cNvPicPr>
-          <p:nvPr>
-            <p:custDataLst>
-              <p:tags r:id="rId1"/>
-            </p:custDataLst>
-          </p:nvPr>
+          <p:nvPr/>
         </p:nvPicPr>
-        <p:blipFill>
-          <a:blip r:embed="rId3" cstate="print">
+        <p:blipFill rotWithShape="1">
+          <a:blip r:embed="rId2">
             <a:extLst>
               <a:ext uri="{28A0092B-C50C-407E-A947-70E740481C1C}">
                 <a14:useLocalDpi xmlns:a14="http://schemas.microsoft.com/office/drawing/2010/main" val="0"/>
               </a:ext>
             </a:extLst>
           </a:blip>
-          <a:stretch>
-            <a:fillRect/>
-          </a:stretch>
+          <a:srcRect l="5088"/>
+          <a:stretch/>
         </p:blipFill>
         <p:spPr>
           <a:xfrm>
-            <a:off x="3419872" y="2499742"/>
-            <a:ext cx="1722664" cy="254075"/>
+            <a:off x="827584" y="2257083"/>
+            <a:ext cx="4029918" cy="2042859"/>
           </a:xfrm>
           <a:prstGeom prst="rect">
             <a:avLst/>
           </a:prstGeom>
         </p:spPr>
       </p:pic>
+      <p:pic>
+        <p:nvPicPr>
+          <p:cNvPr id="9" name="Grafik 8"/>
+          <p:cNvPicPr>
+            <a:picLocks noChangeAspect="1"/>
+          </p:cNvPicPr>
+          <p:nvPr/>
+        </p:nvPicPr>
+        <p:blipFill rotWithShape="1">
+          <a:blip r:embed="rId3">
+            <a:extLst>
+              <a:ext uri="{28A0092B-C50C-407E-A947-70E740481C1C}">
+                <a14:useLocalDpi xmlns:a14="http://schemas.microsoft.com/office/drawing/2010/main" val="0"/>
+              </a:ext>
+            </a:extLst>
+          </a:blip>
+          <a:srcRect t="16485" b="20199"/>
+          <a:stretch/>
+        </p:blipFill>
+        <p:spPr>
+          <a:xfrm>
+            <a:off x="5220072" y="2260601"/>
+            <a:ext cx="3018102" cy="2039342"/>
+          </a:xfrm>
+          <a:prstGeom prst="rect">
+            <a:avLst/>
+          </a:prstGeom>
+        </p:spPr>
+      </p:pic>
     </p:spTree>
+    <p:extLst>
+      <p:ext uri="{BB962C8B-B14F-4D97-AF65-F5344CB8AC3E}">
+        <p14:creationId xmlns:p14="http://schemas.microsoft.com/office/powerpoint/2010/main" val="964342535"/>
+      </p:ext>
+    </p:extLst>
   </p:cSld>
   <p:clrMapOvr>
     <a:masterClrMapping/>
@@ -5942,23 +6188,44 @@
       </p:grpSpPr>
       <p:sp>
         <p:nvSpPr>
-          <p:cNvPr id="6" name="Titel 5"/>
-          <p:cNvSpPr>
-            <a:spLocks noGrp="1"/>
-          </p:cNvSpPr>
-          <p:nvPr>
-            <p:ph type="title"/>
-          </p:nvPr>
-        </p:nvSpPr>
-        <p:spPr/>
-        <p:txBody>
-          <a:bodyPr>
+          <p:cNvPr id="12" name="Titel 5"/>
+          <p:cNvSpPr txBox="1">
+            <a:spLocks/>
+          </p:cNvSpPr>
+          <p:nvPr/>
+        </p:nvSpPr>
+        <p:spPr>
+          <a:xfrm>
+            <a:off x="457200" y="205979"/>
+            <a:ext cx="8229600" cy="857250"/>
+          </a:xfrm>
+          <a:prstGeom prst="rect">
+            <a:avLst/>
+          </a:prstGeom>
+        </p:spPr>
+        <p:txBody>
+          <a:bodyPr vert="horz" lIns="91440" tIns="45720" rIns="91440" bIns="45720" rtlCol="0" anchor="ctr">
             <a:normAutofit/>
           </a:bodyPr>
-          <a:lstStyle/>
-          <a:p>
-            <a:r>
-              <a:rPr lang="de-DE" sz="3600" dirty="0" smtClean="0">
+          <a:lstStyle>
+            <a:lvl1pPr algn="ctr" defTabSz="914400" rtl="0" eaLnBrk="1" latinLnBrk="0" hangingPunct="1">
+              <a:spcBef>
+                <a:spcPct val="0"/>
+              </a:spcBef>
+              <a:buNone/>
+              <a:defRPr sz="4400" kern="1200">
+                <a:solidFill>
+                  <a:schemeClr val="tx1"/>
+                </a:solidFill>
+                <a:latin typeface="+mj-lt"/>
+                <a:ea typeface="+mj-ea"/>
+                <a:cs typeface="+mj-cs"/>
+              </a:defRPr>
+            </a:lvl1pPr>
+          </a:lstStyle>
+          <a:p>
+            <a:r>
+              <a:rPr lang="de-DE" sz="3600" smtClean="0">
                 <a:latin typeface="Lato" pitchFamily="34" charset="0"/>
               </a:rPr>
               <a:t>Gliederung</a:t>
@@ -5971,97 +6238,228 @@
       </p:sp>
       <p:sp>
         <p:nvSpPr>
-          <p:cNvPr id="7" name="Inhaltsplatzhalter 6"/>
-          <p:cNvSpPr>
-            <a:spLocks noGrp="1"/>
-          </p:cNvSpPr>
-          <p:nvPr>
-            <p:ph idx="1"/>
-          </p:nvPr>
+          <p:cNvPr id="13" name="Inhaltsplatzhalter 6"/>
+          <p:cNvSpPr txBox="1">
+            <a:spLocks/>
+          </p:cNvSpPr>
+          <p:nvPr/>
         </p:nvSpPr>
         <p:spPr>
           <a:xfrm>
             <a:off x="971600" y="1203598"/>
             <a:ext cx="3250704" cy="3096344"/>
           </a:xfrm>
-        </p:spPr>
-        <p:txBody>
-          <a:bodyPr>
+          <a:prstGeom prst="rect">
+            <a:avLst/>
+          </a:prstGeom>
+        </p:spPr>
+        <p:txBody>
+          <a:bodyPr vert="horz" lIns="91440" tIns="45720" rIns="91440" bIns="45720" rtlCol="0">
             <a:normAutofit/>
           </a:bodyPr>
-          <a:lstStyle/>
-          <a:p>
-            <a:pPr>
+          <a:lstStyle>
+            <a:lvl1pPr marL="0" indent="0" algn="ctr" defTabSz="914400" rtl="0" eaLnBrk="1" latinLnBrk="0" hangingPunct="1">
+              <a:spcBef>
+                <a:spcPct val="20000"/>
+              </a:spcBef>
+              <a:buFont typeface="Arial" pitchFamily="34" charset="0"/>
               <a:buNone/>
-            </a:pPr>
-            <a:r>
-              <a:rPr lang="de-DE" sz="2000" dirty="0" smtClean="0">
+              <a:defRPr sz="3200" kern="1200">
+                <a:solidFill>
+                  <a:schemeClr val="tx1">
+                    <a:tint val="75000"/>
+                  </a:schemeClr>
+                </a:solidFill>
+                <a:latin typeface="+mn-lt"/>
+                <a:ea typeface="+mn-ea"/>
+                <a:cs typeface="+mn-cs"/>
+              </a:defRPr>
+            </a:lvl1pPr>
+            <a:lvl2pPr marL="457200" indent="0" algn="ctr" defTabSz="914400" rtl="0" eaLnBrk="1" latinLnBrk="0" hangingPunct="1">
+              <a:spcBef>
+                <a:spcPct val="20000"/>
+              </a:spcBef>
+              <a:buFont typeface="Arial" pitchFamily="34" charset="0"/>
+              <a:buNone/>
+              <a:defRPr sz="2800" kern="1200">
+                <a:solidFill>
+                  <a:schemeClr val="tx1">
+                    <a:tint val="75000"/>
+                  </a:schemeClr>
+                </a:solidFill>
+                <a:latin typeface="+mn-lt"/>
+                <a:ea typeface="+mn-ea"/>
+                <a:cs typeface="+mn-cs"/>
+              </a:defRPr>
+            </a:lvl2pPr>
+            <a:lvl3pPr marL="914400" indent="0" algn="ctr" defTabSz="914400" rtl="0" eaLnBrk="1" latinLnBrk="0" hangingPunct="1">
+              <a:spcBef>
+                <a:spcPct val="20000"/>
+              </a:spcBef>
+              <a:buFont typeface="Arial" pitchFamily="34" charset="0"/>
+              <a:buNone/>
+              <a:defRPr sz="2400" kern="1200">
+                <a:solidFill>
+                  <a:schemeClr val="tx1">
+                    <a:tint val="75000"/>
+                  </a:schemeClr>
+                </a:solidFill>
+                <a:latin typeface="+mn-lt"/>
+                <a:ea typeface="+mn-ea"/>
+                <a:cs typeface="+mn-cs"/>
+              </a:defRPr>
+            </a:lvl3pPr>
+            <a:lvl4pPr marL="1371600" indent="0" algn="ctr" defTabSz="914400" rtl="0" eaLnBrk="1" latinLnBrk="0" hangingPunct="1">
+              <a:spcBef>
+                <a:spcPct val="20000"/>
+              </a:spcBef>
+              <a:buFont typeface="Arial" pitchFamily="34" charset="0"/>
+              <a:buNone/>
+              <a:defRPr sz="2000" kern="1200">
+                <a:solidFill>
+                  <a:schemeClr val="tx1">
+                    <a:tint val="75000"/>
+                  </a:schemeClr>
+                </a:solidFill>
+                <a:latin typeface="+mn-lt"/>
+                <a:ea typeface="+mn-ea"/>
+                <a:cs typeface="+mn-cs"/>
+              </a:defRPr>
+            </a:lvl4pPr>
+            <a:lvl5pPr marL="1828800" indent="0" algn="ctr" defTabSz="914400" rtl="0" eaLnBrk="1" latinLnBrk="0" hangingPunct="1">
+              <a:spcBef>
+                <a:spcPct val="20000"/>
+              </a:spcBef>
+              <a:buFont typeface="Arial" pitchFamily="34" charset="0"/>
+              <a:buNone/>
+              <a:defRPr sz="2000" kern="1200">
+                <a:solidFill>
+                  <a:schemeClr val="tx1">
+                    <a:tint val="75000"/>
+                  </a:schemeClr>
+                </a:solidFill>
+                <a:latin typeface="+mn-lt"/>
+                <a:ea typeface="+mn-ea"/>
+                <a:cs typeface="+mn-cs"/>
+              </a:defRPr>
+            </a:lvl5pPr>
+            <a:lvl6pPr marL="2286000" indent="0" algn="ctr" defTabSz="914400" rtl="0" eaLnBrk="1" latinLnBrk="0" hangingPunct="1">
+              <a:spcBef>
+                <a:spcPct val="20000"/>
+              </a:spcBef>
+              <a:buFont typeface="Arial" pitchFamily="34" charset="0"/>
+              <a:buNone/>
+              <a:defRPr sz="2000" kern="1200">
+                <a:solidFill>
+                  <a:schemeClr val="tx1">
+                    <a:tint val="75000"/>
+                  </a:schemeClr>
+                </a:solidFill>
+                <a:latin typeface="+mn-lt"/>
+                <a:ea typeface="+mn-ea"/>
+                <a:cs typeface="+mn-cs"/>
+              </a:defRPr>
+            </a:lvl6pPr>
+            <a:lvl7pPr marL="2743200" indent="0" algn="ctr" defTabSz="914400" rtl="0" eaLnBrk="1" latinLnBrk="0" hangingPunct="1">
+              <a:spcBef>
+                <a:spcPct val="20000"/>
+              </a:spcBef>
+              <a:buFont typeface="Arial" pitchFamily="34" charset="0"/>
+              <a:buNone/>
+              <a:defRPr sz="2000" kern="1200">
+                <a:solidFill>
+                  <a:schemeClr val="tx1">
+                    <a:tint val="75000"/>
+                  </a:schemeClr>
+                </a:solidFill>
+                <a:latin typeface="+mn-lt"/>
+                <a:ea typeface="+mn-ea"/>
+                <a:cs typeface="+mn-cs"/>
+              </a:defRPr>
+            </a:lvl7pPr>
+            <a:lvl8pPr marL="3200400" indent="0" algn="ctr" defTabSz="914400" rtl="0" eaLnBrk="1" latinLnBrk="0" hangingPunct="1">
+              <a:spcBef>
+                <a:spcPct val="20000"/>
+              </a:spcBef>
+              <a:buFont typeface="Arial" pitchFamily="34" charset="0"/>
+              <a:buNone/>
+              <a:defRPr sz="2000" kern="1200">
+                <a:solidFill>
+                  <a:schemeClr val="tx1">
+                    <a:tint val="75000"/>
+                  </a:schemeClr>
+                </a:solidFill>
+                <a:latin typeface="+mn-lt"/>
+                <a:ea typeface="+mn-ea"/>
+                <a:cs typeface="+mn-cs"/>
+              </a:defRPr>
+            </a:lvl8pPr>
+            <a:lvl9pPr marL="3657600" indent="0" algn="ctr" defTabSz="914400" rtl="0" eaLnBrk="1" latinLnBrk="0" hangingPunct="1">
+              <a:spcBef>
+                <a:spcPct val="20000"/>
+              </a:spcBef>
+              <a:buFont typeface="Arial" pitchFamily="34" charset="0"/>
+              <a:buNone/>
+              <a:defRPr sz="2000" kern="1200">
+                <a:solidFill>
+                  <a:schemeClr val="tx1">
+                    <a:tint val="75000"/>
+                  </a:schemeClr>
+                </a:solidFill>
+                <a:latin typeface="+mn-lt"/>
+                <a:ea typeface="+mn-ea"/>
+                <a:cs typeface="+mn-cs"/>
+              </a:defRPr>
+            </a:lvl9pPr>
+          </a:lstStyle>
+          <a:p>
+            <a:r>
+              <a:rPr lang="de-DE" sz="2000" smtClean="0">
                 <a:latin typeface="Lato" pitchFamily="34" charset="0"/>
               </a:rPr>
               <a:t>1. Julius Hackel	</a:t>
             </a:r>
           </a:p>
           <a:p>
-            <a:pPr>
-              <a:buNone/>
-            </a:pPr>
-            <a:endParaRPr lang="de-DE" sz="2000" dirty="0" smtClean="0">
+            <a:endParaRPr lang="de-DE" sz="2000" smtClean="0">
               <a:latin typeface="Lato" pitchFamily="34" charset="0"/>
             </a:endParaRPr>
           </a:p>
           <a:p>
-            <a:pPr>
-              <a:buNone/>
-            </a:pPr>
-            <a:r>
-              <a:rPr lang="de-DE" sz="2000" dirty="0" smtClean="0">
+            <a:r>
+              <a:rPr lang="de-DE" sz="2000" smtClean="0">
                 <a:latin typeface="Lato" pitchFamily="34" charset="0"/>
               </a:rPr>
               <a:t>2. Markus Bullmann</a:t>
             </a:r>
           </a:p>
           <a:p>
-            <a:pPr>
-              <a:buNone/>
-            </a:pPr>
-            <a:endParaRPr lang="de-DE" sz="2000" dirty="0" smtClean="0">
+            <a:endParaRPr lang="de-DE" sz="2000" smtClean="0">
               <a:latin typeface="Lato" pitchFamily="34" charset="0"/>
             </a:endParaRPr>
           </a:p>
           <a:p>
-            <a:pPr>
-              <a:buNone/>
-            </a:pPr>
-            <a:r>
-              <a:rPr lang="de-DE" sz="2000" dirty="0" smtClean="0">
+            <a:r>
+              <a:rPr lang="de-DE" sz="2000" smtClean="0">
                 <a:latin typeface="Lato" pitchFamily="34" charset="0"/>
               </a:rPr>
               <a:t>3. Matthias Kemmer</a:t>
             </a:r>
           </a:p>
           <a:p>
-            <a:pPr>
-              <a:buNone/>
-            </a:pPr>
-            <a:endParaRPr lang="de-DE" sz="2000" dirty="0" smtClean="0">
+            <a:endParaRPr lang="de-DE" sz="2000" smtClean="0">
               <a:latin typeface="Lato" pitchFamily="34" charset="0"/>
             </a:endParaRPr>
           </a:p>
           <a:p>
-            <a:pPr>
-              <a:buNone/>
-            </a:pPr>
-            <a:r>
-              <a:rPr lang="de-DE" sz="2000" dirty="0" smtClean="0">
+            <a:r>
+              <a:rPr lang="de-DE" sz="2000" smtClean="0">
                 <a:latin typeface="Lato" pitchFamily="34" charset="0"/>
               </a:rPr>
               <a:t>4. Stefan Gerasch</a:t>
             </a:r>
           </a:p>
           <a:p>
-            <a:pPr>
-              <a:buNone/>
-            </a:pPr>
             <a:endParaRPr lang="de-DE" sz="2800" dirty="0" smtClean="0">
               <a:latin typeface="Lato" pitchFamily="34" charset="0"/>
             </a:endParaRPr>
@@ -6070,92 +6468,7 @@
       </p:sp>
       <p:sp>
         <p:nvSpPr>
-          <p:cNvPr id="8" name="Datumsplatzhalter 7"/>
-          <p:cNvSpPr>
-            <a:spLocks noGrp="1"/>
-          </p:cNvSpPr>
-          <p:nvPr>
-            <p:ph type="dt" sz="half" idx="10"/>
-          </p:nvPr>
-        </p:nvSpPr>
-        <p:spPr>
-          <a:xfrm>
-            <a:off x="6588224" y="4876006"/>
-            <a:ext cx="2133600" cy="273844"/>
-          </a:xfrm>
-        </p:spPr>
-        <p:txBody>
-          <a:bodyPr/>
-          <a:lstStyle/>
-          <a:p>
-            <a:fld id="{96B099A9-1E52-4EB4-A253-2CBAD706EB28}" type="datetime1">
-              <a:rPr lang="de-DE" smtClean="0"/>
-              <a:t>17.06.2015</a:t>
-            </a:fld>
-            <a:endParaRPr lang="de-DE"/>
-          </a:p>
-        </p:txBody>
-      </p:sp>
-      <p:sp>
-        <p:nvSpPr>
-          <p:cNvPr id="9" name="Foliennummernplatzhalter 8"/>
-          <p:cNvSpPr>
-            <a:spLocks noGrp="1"/>
-          </p:cNvSpPr>
-          <p:nvPr>
-            <p:ph type="sldNum" sz="quarter" idx="12"/>
-          </p:nvPr>
-        </p:nvSpPr>
-        <p:spPr>
-          <a:xfrm>
-            <a:off x="0" y="4869656"/>
-            <a:ext cx="467544" cy="273844"/>
-          </a:xfrm>
-        </p:spPr>
-        <p:txBody>
-          <a:bodyPr/>
-          <a:lstStyle/>
-          <a:p>
-            <a:fld id="{6C6AE60A-B69C-4790-82F7-3882EDF23186}" type="slidenum">
-              <a:rPr lang="de-DE" smtClean="0"/>
-              <a:pPr/>
-              <a:t>2</a:t>
-            </a:fld>
-            <a:endParaRPr lang="de-DE"/>
-          </a:p>
-        </p:txBody>
-      </p:sp>
-      <p:sp>
-        <p:nvSpPr>
-          <p:cNvPr id="10" name="Fußzeilenplatzhalter 9"/>
-          <p:cNvSpPr>
-            <a:spLocks noGrp="1"/>
-          </p:cNvSpPr>
-          <p:nvPr>
-            <p:ph type="ftr" sz="quarter" idx="11"/>
-          </p:nvPr>
-        </p:nvSpPr>
-        <p:spPr>
-          <a:xfrm>
-            <a:off x="3131840" y="4876006"/>
-            <a:ext cx="2895600" cy="273844"/>
-          </a:xfrm>
-        </p:spPr>
-        <p:txBody>
-          <a:bodyPr/>
-          <a:lstStyle/>
-          <a:p>
-            <a:r>
-              <a:rPr lang="de-DE" smtClean="0"/>
-              <a:t>FM-Synthese</a:t>
-            </a:r>
-            <a:endParaRPr lang="de-DE"/>
-          </a:p>
-        </p:txBody>
-      </p:sp>
-      <p:sp>
-        <p:nvSpPr>
-          <p:cNvPr id="11" name="Textfeld 10"/>
+          <p:cNvPr id="14" name="Textfeld 13"/>
           <p:cNvSpPr txBox="1"/>
           <p:nvPr/>
         </p:nvSpPr>
@@ -6399,7 +6712,7 @@
           <a:bodyPr/>
           <a:lstStyle/>
           <a:p>
-            <a:fld id="{6D7D0E66-EFAE-4305-BA7A-6348E48A8036}" type="datetime1">
+            <a:fld id="{CF17882A-01A4-40E1-8E7C-E4DC1CDE6C7E}" type="datetime1">
               <a:rPr lang="de-DE" smtClean="0"/>
               <a:t>17.06.2015</a:t>
             </a:fld>
@@ -6459,6 +6772,484 @@
               <a:rPr lang="de-DE" smtClean="0"/>
               <a:pPr/>
               <a:t>20</a:t>
+            </a:fld>
+            <a:endParaRPr lang="de-DE" dirty="0"/>
+          </a:p>
+        </p:txBody>
+      </p:sp>
+      <p:sp>
+        <p:nvSpPr>
+          <p:cNvPr id="7" name="Inhaltsplatzhalter 2"/>
+          <p:cNvSpPr>
+            <a:spLocks noGrp="1"/>
+          </p:cNvSpPr>
+          <p:nvPr>
+            <p:ph idx="1"/>
+          </p:nvPr>
+        </p:nvSpPr>
+        <p:spPr>
+          <a:xfrm>
+            <a:off x="467544" y="1676742"/>
+            <a:ext cx="8229600" cy="2838946"/>
+          </a:xfrm>
+        </p:spPr>
+        <p:txBody>
+          <a:bodyPr>
+            <a:normAutofit/>
+          </a:bodyPr>
+          <a:lstStyle/>
+          <a:p>
+            <a:r>
+              <a:rPr lang="de-DE" sz="2000" dirty="0" smtClean="0">
+                <a:latin typeface="Lato" pitchFamily="34" charset="0"/>
+              </a:rPr>
+              <a:t>1983 – 1989 : Über 20 weitere digitale Synthesizer von Yamaha</a:t>
+            </a:r>
+          </a:p>
+          <a:p>
+            <a:r>
+              <a:rPr lang="de-DE" sz="2000" dirty="0" smtClean="0">
+                <a:latin typeface="Lato" pitchFamily="34" charset="0"/>
+              </a:rPr>
+              <a:t>1990: SY77 – Kombination aus FM-Synthese und Sampling</a:t>
+            </a:r>
+          </a:p>
+          <a:p>
+            <a:r>
+              <a:rPr lang="de-DE" sz="2000" dirty="0" smtClean="0">
+                <a:latin typeface="Lato" pitchFamily="34" charset="0"/>
+              </a:rPr>
+              <a:t>Ab Mitte der 90er: Leistungsfähige personal Computer</a:t>
+            </a:r>
+          </a:p>
+          <a:p>
+            <a:r>
+              <a:rPr lang="de-DE" sz="2000" dirty="0" smtClean="0">
+                <a:latin typeface="Lato" pitchFamily="34" charset="0"/>
+              </a:rPr>
+              <a:t>Softwaresynthesizer mit Midi-Keyboards</a:t>
+            </a:r>
+          </a:p>
+          <a:p>
+            <a:r>
+              <a:rPr lang="de-DE" sz="2000" dirty="0" smtClean="0">
+                <a:latin typeface="Lato" pitchFamily="34" charset="0"/>
+              </a:rPr>
+              <a:t>Native Instruments FM8: Nachbildung des DX7</a:t>
+            </a:r>
+          </a:p>
+          <a:p>
+            <a:pPr>
+              <a:buNone/>
+            </a:pPr>
+            <a:endParaRPr lang="de-DE" sz="2000" dirty="0" smtClean="0">
+              <a:latin typeface="Lato" pitchFamily="34" charset="0"/>
+            </a:endParaRPr>
+          </a:p>
+          <a:p>
+            <a:endParaRPr lang="de-DE" sz="2000" dirty="0" smtClean="0">
+              <a:latin typeface="Lato" pitchFamily="34" charset="0"/>
+            </a:endParaRPr>
+          </a:p>
+        </p:txBody>
+      </p:sp>
+      <p:sp>
+        <p:nvSpPr>
+          <p:cNvPr id="8" name="Titel 1"/>
+          <p:cNvSpPr>
+            <a:spLocks noGrp="1"/>
+          </p:cNvSpPr>
+          <p:nvPr>
+            <p:ph type="title"/>
+          </p:nvPr>
+        </p:nvSpPr>
+        <p:spPr>
+          <a:xfrm>
+            <a:off x="457200" y="205979"/>
+            <a:ext cx="8229600" cy="857250"/>
+          </a:xfrm>
+        </p:spPr>
+        <p:txBody>
+          <a:bodyPr>
+            <a:normAutofit/>
+          </a:bodyPr>
+          <a:lstStyle/>
+          <a:p>
+            <a:r>
+              <a:rPr lang="de-DE" sz="2800" dirty="0" smtClean="0">
+                <a:latin typeface="Lato" pitchFamily="34" charset="0"/>
+              </a:rPr>
+              <a:t>Geschichte der FM-Synthese</a:t>
+            </a:r>
+            <a:endParaRPr lang="de-DE" sz="2800" dirty="0">
+              <a:latin typeface="Lato" pitchFamily="34" charset="0"/>
+            </a:endParaRPr>
+          </a:p>
+        </p:txBody>
+      </p:sp>
+    </p:spTree>
+  </p:cSld>
+  <p:clrMapOvr>
+    <a:masterClrMapping/>
+  </p:clrMapOvr>
+  <p:timing>
+    <p:tnLst>
+      <p:par>
+        <p:cTn id="1" dur="indefinite" restart="never" nodeType="tmRoot"/>
+      </p:par>
+    </p:tnLst>
+  </p:timing>
+</p:sld>
+</file>
+
+<file path=ppt/slides/slide21.xml><?xml version="1.0" encoding="utf-8"?>
+<p:sld xmlns:a="http://schemas.openxmlformats.org/drawingml/2006/main" xmlns:r="http://schemas.openxmlformats.org/officeDocument/2006/relationships" xmlns:p="http://schemas.openxmlformats.org/presentationml/2006/main">
+  <p:cSld>
+    <p:spTree>
+      <p:nvGrpSpPr>
+        <p:cNvPr id="1" name=""/>
+        <p:cNvGrpSpPr/>
+        <p:nvPr/>
+      </p:nvGrpSpPr>
+      <p:grpSpPr>
+        <a:xfrm>
+          <a:off x="0" y="0"/>
+          <a:ext cx="0" cy="0"/>
+          <a:chOff x="0" y="0"/>
+          <a:chExt cx="0" cy="0"/>
+        </a:xfrm>
+      </p:grpSpPr>
+      <p:sp>
+        <p:nvSpPr>
+          <p:cNvPr id="4" name="Datumsplatzhalter 3"/>
+          <p:cNvSpPr>
+            <a:spLocks noGrp="1"/>
+          </p:cNvSpPr>
+          <p:nvPr>
+            <p:ph type="dt" sz="half" idx="10"/>
+          </p:nvPr>
+        </p:nvSpPr>
+        <p:spPr>
+          <a:xfrm>
+            <a:off x="6588224" y="4876006"/>
+            <a:ext cx="2133600" cy="273844"/>
+          </a:xfrm>
+        </p:spPr>
+        <p:txBody>
+          <a:bodyPr/>
+          <a:lstStyle/>
+          <a:p>
+            <a:fld id="{6FD35CB8-BD90-447C-AB06-561BC3962411}" type="datetime1">
+              <a:rPr lang="de-DE" smtClean="0"/>
+              <a:t>17.06.2015</a:t>
+            </a:fld>
+            <a:endParaRPr lang="de-DE"/>
+          </a:p>
+        </p:txBody>
+      </p:sp>
+      <p:sp>
+        <p:nvSpPr>
+          <p:cNvPr id="5" name="Fußzeilenplatzhalter 4"/>
+          <p:cNvSpPr>
+            <a:spLocks noGrp="1"/>
+          </p:cNvSpPr>
+          <p:nvPr>
+            <p:ph type="ftr" sz="quarter" idx="11"/>
+          </p:nvPr>
+        </p:nvSpPr>
+        <p:spPr>
+          <a:xfrm>
+            <a:off x="3131840" y="4876006"/>
+            <a:ext cx="2895600" cy="273844"/>
+          </a:xfrm>
+        </p:spPr>
+        <p:txBody>
+          <a:bodyPr/>
+          <a:lstStyle/>
+          <a:p>
+            <a:r>
+              <a:rPr lang="de-DE" smtClean="0"/>
+              <a:t>FM-Synthese</a:t>
+            </a:r>
+            <a:endParaRPr lang="de-DE"/>
+          </a:p>
+        </p:txBody>
+      </p:sp>
+      <p:sp>
+        <p:nvSpPr>
+          <p:cNvPr id="6" name="Foliennummernplatzhalter 5"/>
+          <p:cNvSpPr>
+            <a:spLocks noGrp="1"/>
+          </p:cNvSpPr>
+          <p:nvPr>
+            <p:ph type="sldNum" sz="quarter" idx="12"/>
+          </p:nvPr>
+        </p:nvSpPr>
+        <p:spPr>
+          <a:xfrm>
+            <a:off x="0" y="4869656"/>
+            <a:ext cx="467544" cy="273844"/>
+          </a:xfrm>
+        </p:spPr>
+        <p:txBody>
+          <a:bodyPr/>
+          <a:lstStyle/>
+          <a:p>
+            <a:fld id="{6C6AE60A-B69C-4790-82F7-3882EDF23186}" type="slidenum">
+              <a:rPr lang="de-DE" smtClean="0"/>
+              <a:pPr/>
+              <a:t>21</a:t>
+            </a:fld>
+            <a:endParaRPr lang="de-DE" dirty="0"/>
+          </a:p>
+        </p:txBody>
+      </p:sp>
+      <p:sp>
+        <p:nvSpPr>
+          <p:cNvPr id="7" name="Titel 1"/>
+          <p:cNvSpPr>
+            <a:spLocks noGrp="1"/>
+          </p:cNvSpPr>
+          <p:nvPr>
+            <p:ph type="title"/>
+          </p:nvPr>
+        </p:nvSpPr>
+        <p:spPr>
+          <a:xfrm>
+            <a:off x="457200" y="205979"/>
+            <a:ext cx="8229600" cy="857250"/>
+          </a:xfrm>
+        </p:spPr>
+        <p:txBody>
+          <a:bodyPr>
+            <a:normAutofit/>
+          </a:bodyPr>
+          <a:lstStyle/>
+          <a:p>
+            <a:r>
+              <a:rPr lang="de-DE" sz="3600" dirty="0" smtClean="0">
+                <a:latin typeface="Lato" pitchFamily="34" charset="0"/>
+              </a:rPr>
+              <a:t>Einfache FM-Synthese</a:t>
+            </a:r>
+            <a:endParaRPr lang="de-DE" sz="3600" dirty="0">
+              <a:latin typeface="Lato" pitchFamily="34" charset="0"/>
+            </a:endParaRPr>
+          </a:p>
+        </p:txBody>
+      </p:sp>
+      <p:sp>
+        <p:nvSpPr>
+          <p:cNvPr id="9" name="Inhaltsplatzhalter 2"/>
+          <p:cNvSpPr>
+            <a:spLocks noGrp="1"/>
+          </p:cNvSpPr>
+          <p:nvPr>
+            <p:ph idx="1"/>
+          </p:nvPr>
+        </p:nvSpPr>
+        <p:spPr>
+          <a:xfrm>
+            <a:off x="457200" y="1200151"/>
+            <a:ext cx="8229600" cy="3394472"/>
+          </a:xfrm>
+        </p:spPr>
+        <p:txBody>
+          <a:bodyPr/>
+          <a:lstStyle/>
+          <a:p>
+            <a:pPr>
+              <a:buNone/>
+            </a:pPr>
+            <a:r>
+              <a:rPr lang="de-DE" sz="2800" dirty="0" smtClean="0">
+                <a:latin typeface="Lato" pitchFamily="34" charset="0"/>
+              </a:rPr>
+              <a:t>Grundlagen: Sinus und Kosinus</a:t>
+            </a:r>
+          </a:p>
+          <a:p>
+            <a:endParaRPr lang="de-DE" sz="2000" dirty="0" smtClean="0">
+              <a:latin typeface="Lato" pitchFamily="34" charset="0"/>
+            </a:endParaRPr>
+          </a:p>
+          <a:p>
+            <a:r>
+              <a:rPr lang="de-DE" sz="2000" dirty="0" smtClean="0">
+                <a:latin typeface="Lato" pitchFamily="34" charset="0"/>
+              </a:rPr>
+              <a:t>Trigonometrische Funktionen (Winkelfunktionen)</a:t>
+            </a:r>
+          </a:p>
+          <a:p>
+            <a:r>
+              <a:rPr lang="de-DE" sz="2000" dirty="0" smtClean="0">
+                <a:latin typeface="Lato" pitchFamily="34" charset="0"/>
+              </a:rPr>
+              <a:t>Periodische Funktion: </a:t>
+            </a:r>
+          </a:p>
+          <a:p>
+            <a:r>
+              <a:rPr lang="de-DE" sz="2000" dirty="0" smtClean="0">
+                <a:latin typeface="Lato" pitchFamily="34" charset="0"/>
+              </a:rPr>
+              <a:t>Einfache Verdeutlichung am Einheitskreis</a:t>
+            </a:r>
+          </a:p>
+          <a:p>
+            <a:endParaRPr lang="de-DE" sz="2000" dirty="0" smtClean="0">
+              <a:latin typeface="Lato" pitchFamily="34" charset="0"/>
+            </a:endParaRPr>
+          </a:p>
+        </p:txBody>
+      </p:sp>
+      <p:pic>
+        <p:nvPicPr>
+          <p:cNvPr id="3" name="Grafik 2"/>
+          <p:cNvPicPr>
+            <a:picLocks noChangeAspect="1"/>
+          </p:cNvPicPr>
+          <p:nvPr>
+            <p:custDataLst>
+              <p:tags r:id="rId1"/>
+            </p:custDataLst>
+          </p:nvPr>
+        </p:nvPicPr>
+        <p:blipFill>
+          <a:blip r:embed="rId3" cstate="print">
+            <a:extLst>
+              <a:ext uri="{28A0092B-C50C-407E-A947-70E740481C1C}">
+                <a14:useLocalDpi xmlns:a14="http://schemas.microsoft.com/office/drawing/2010/main" val="0"/>
+              </a:ext>
+            </a:extLst>
+          </a:blip>
+          <a:stretch>
+            <a:fillRect/>
+          </a:stretch>
+        </p:blipFill>
+        <p:spPr>
+          <a:xfrm>
+            <a:off x="3419872" y="2499742"/>
+            <a:ext cx="1722664" cy="254075"/>
+          </a:xfrm>
+          <a:prstGeom prst="rect">
+            <a:avLst/>
+          </a:prstGeom>
+        </p:spPr>
+      </p:pic>
+    </p:spTree>
+  </p:cSld>
+  <p:clrMapOvr>
+    <a:masterClrMapping/>
+  </p:clrMapOvr>
+  <p:timing>
+    <p:tnLst>
+      <p:par>
+        <p:cTn id="1" dur="indefinite" restart="never" nodeType="tmRoot"/>
+      </p:par>
+    </p:tnLst>
+  </p:timing>
+</p:sld>
+</file>
+
+<file path=ppt/slides/slide22.xml><?xml version="1.0" encoding="utf-8"?>
+<p:sld xmlns:a="http://schemas.openxmlformats.org/drawingml/2006/main" xmlns:r="http://schemas.openxmlformats.org/officeDocument/2006/relationships" xmlns:p="http://schemas.openxmlformats.org/presentationml/2006/main">
+  <p:cSld>
+    <p:spTree>
+      <p:nvGrpSpPr>
+        <p:cNvPr id="1" name=""/>
+        <p:cNvGrpSpPr/>
+        <p:nvPr/>
+      </p:nvGrpSpPr>
+      <p:grpSpPr>
+        <a:xfrm>
+          <a:off x="0" y="0"/>
+          <a:ext cx="0" cy="0"/>
+          <a:chOff x="0" y="0"/>
+          <a:chExt cx="0" cy="0"/>
+        </a:xfrm>
+      </p:grpSpPr>
+      <p:sp>
+        <p:nvSpPr>
+          <p:cNvPr id="4" name="Datumsplatzhalter 3"/>
+          <p:cNvSpPr>
+            <a:spLocks noGrp="1"/>
+          </p:cNvSpPr>
+          <p:nvPr>
+            <p:ph type="dt" sz="half" idx="10"/>
+          </p:nvPr>
+        </p:nvSpPr>
+        <p:spPr>
+          <a:xfrm>
+            <a:off x="6588224" y="4876006"/>
+            <a:ext cx="2133600" cy="273844"/>
+          </a:xfrm>
+        </p:spPr>
+        <p:txBody>
+          <a:bodyPr/>
+          <a:lstStyle/>
+          <a:p>
+            <a:fld id="{6D7D0E66-EFAE-4305-BA7A-6348E48A8036}" type="datetime1">
+              <a:rPr lang="de-DE" smtClean="0"/>
+              <a:t>17.06.2015</a:t>
+            </a:fld>
+            <a:endParaRPr lang="de-DE"/>
+          </a:p>
+        </p:txBody>
+      </p:sp>
+      <p:sp>
+        <p:nvSpPr>
+          <p:cNvPr id="5" name="Fußzeilenplatzhalter 4"/>
+          <p:cNvSpPr>
+            <a:spLocks noGrp="1"/>
+          </p:cNvSpPr>
+          <p:nvPr>
+            <p:ph type="ftr" sz="quarter" idx="11"/>
+          </p:nvPr>
+        </p:nvSpPr>
+        <p:spPr>
+          <a:xfrm>
+            <a:off x="3131840" y="4876006"/>
+            <a:ext cx="2895600" cy="273844"/>
+          </a:xfrm>
+        </p:spPr>
+        <p:txBody>
+          <a:bodyPr/>
+          <a:lstStyle/>
+          <a:p>
+            <a:r>
+              <a:rPr lang="de-DE" smtClean="0"/>
+              <a:t>FM-Synthese</a:t>
+            </a:r>
+            <a:endParaRPr lang="de-DE"/>
+          </a:p>
+        </p:txBody>
+      </p:sp>
+      <p:sp>
+        <p:nvSpPr>
+          <p:cNvPr id="6" name="Foliennummernplatzhalter 5"/>
+          <p:cNvSpPr>
+            <a:spLocks noGrp="1"/>
+          </p:cNvSpPr>
+          <p:nvPr>
+            <p:ph type="sldNum" sz="quarter" idx="12"/>
+          </p:nvPr>
+        </p:nvSpPr>
+        <p:spPr>
+          <a:xfrm>
+            <a:off x="0" y="4869656"/>
+            <a:ext cx="467544" cy="273844"/>
+          </a:xfrm>
+        </p:spPr>
+        <p:txBody>
+          <a:bodyPr/>
+          <a:lstStyle/>
+          <a:p>
+            <a:fld id="{6C6AE60A-B69C-4790-82F7-3882EDF23186}" type="slidenum">
+              <a:rPr lang="de-DE" smtClean="0"/>
+              <a:pPr/>
+              <a:t>22</a:t>
             </a:fld>
             <a:endParaRPr lang="de-DE" dirty="0"/>
           </a:p>
@@ -6472,17 +7263,15 @@
           </p:cNvPicPr>
           <p:nvPr/>
         </p:nvPicPr>
-        <p:blipFill>
+        <p:blipFill rotWithShape="1">
           <a:blip r:embed="rId5" cstate="print"/>
-          <a:srcRect/>
-          <a:stretch>
-            <a:fillRect/>
-          </a:stretch>
+          <a:srcRect l="5387" t="3572"/>
+          <a:stretch/>
         </p:blipFill>
         <p:spPr bwMode="auto">
           <a:xfrm>
-            <a:off x="4572000" y="339502"/>
-            <a:ext cx="4256587" cy="4176464"/>
+            <a:off x="5004048" y="843558"/>
+            <a:ext cx="3888432" cy="3888432"/>
           </a:xfrm>
           <a:prstGeom prst="rect">
             <a:avLst/>
@@ -6498,20 +7287,20 @@
         </p:nvSpPr>
         <p:spPr>
           <a:xfrm>
-            <a:off x="611560" y="195486"/>
-            <a:ext cx="5016053" cy="523220"/>
+            <a:off x="611561" y="195486"/>
+            <a:ext cx="7920880" cy="523220"/>
           </a:xfrm>
           <a:prstGeom prst="rect">
             <a:avLst/>
           </a:prstGeom>
         </p:spPr>
         <p:txBody>
-          <a:bodyPr wrap="none">
+          <a:bodyPr wrap="square">
             <a:spAutoFit/>
           </a:bodyPr>
           <a:lstStyle/>
           <a:p>
-            <a:pPr>
+            <a:pPr algn="ctr">
               <a:buNone/>
             </a:pPr>
             <a:r>
@@ -6535,7 +7324,7 @@
         </p:nvSpPr>
         <p:spPr>
           <a:xfrm>
-            <a:off x="179512" y="1200151"/>
+            <a:off x="467404" y="1230973"/>
             <a:ext cx="8229600" cy="3394472"/>
           </a:xfrm>
         </p:spPr>
@@ -6597,7 +7386,7 @@
           <a:graphicData uri="http://schemas.openxmlformats.org/presentationml/2006/ole">
             <mc:AlternateContent xmlns:mc="http://schemas.openxmlformats.org/markup-compatibility/2006">
               <mc:Choice xmlns:v="urn:schemas-microsoft-com:vml" Requires="v">
-                <p:oleObj spid="_x0000_s31825" name="Formel" r:id="rId6" imgW="114120" imgH="215640" progId="Equation.3">
+                <p:oleObj spid="_x0000_s31875" name="Formel" r:id="rId6" imgW="114120" imgH="215640" progId="Equation.3">
                   <p:embed/>
                 </p:oleObj>
               </mc:Choice>
@@ -6677,7 +7466,7 @@
         </p:blipFill>
         <p:spPr>
           <a:xfrm>
-            <a:off x="263796" y="1745259"/>
+            <a:off x="627075" y="1745259"/>
             <a:ext cx="4304965" cy="323378"/>
           </a:xfrm>
           <a:prstGeom prst="rect">
@@ -6711,7 +7500,7 @@
         </p:blipFill>
         <p:spPr>
           <a:xfrm>
-            <a:off x="263796" y="2859782"/>
+            <a:off x="592234" y="2859782"/>
             <a:ext cx="3691734" cy="323378"/>
           </a:xfrm>
           <a:prstGeom prst="rect">
@@ -6734,7 +7523,7 @@
 </p:sld>
 </file>
 
-<file path=ppt/slides/slide21.xml><?xml version="1.0" encoding="utf-8"?>
+<file path=ppt/slides/slide23.xml><?xml version="1.0" encoding="utf-8"?>
 <p:sld xmlns:a="http://schemas.openxmlformats.org/drawingml/2006/main" xmlns:r="http://schemas.openxmlformats.org/officeDocument/2006/relationships" xmlns:p="http://schemas.openxmlformats.org/presentationml/2006/main">
   <p:cSld>
     <p:spTree>
@@ -6830,71 +7619,12 @@
             <a:fld id="{6C6AE60A-B69C-4790-82F7-3882EDF23186}" type="slidenum">
               <a:rPr lang="de-DE" smtClean="0"/>
               <a:pPr/>
-              <a:t>21</a:t>
+              <a:t>23</a:t>
             </a:fld>
             <a:endParaRPr lang="de-DE" dirty="0"/>
           </a:p>
         </p:txBody>
       </p:sp>
-      <p:pic>
-        <p:nvPicPr>
-          <p:cNvPr id="31746" name="Picture 2" descr="D:\Julius\Documents\GitHub\VSeminar\Dok\Kapitel\img\Unit_Circle.PNG"/>
-          <p:cNvPicPr>
-            <a:picLocks noChangeAspect="1" noChangeArrowheads="1"/>
-          </p:cNvPicPr>
-          <p:nvPr/>
-        </p:nvPicPr>
-        <p:blipFill>
-          <a:blip r:embed="rId5" cstate="print"/>
-          <a:srcRect/>
-          <a:stretch>
-            <a:fillRect/>
-          </a:stretch>
-        </p:blipFill>
-        <p:spPr bwMode="auto">
-          <a:xfrm>
-            <a:off x="4572000" y="339502"/>
-            <a:ext cx="4256587" cy="4176464"/>
-          </a:xfrm>
-          <a:prstGeom prst="rect">
-            <a:avLst/>
-          </a:prstGeom>
-          <a:noFill/>
-        </p:spPr>
-      </p:pic>
-      <p:sp>
-        <p:nvSpPr>
-          <p:cNvPr id="8" name="Rechteck 7"/>
-          <p:cNvSpPr/>
-          <p:nvPr/>
-        </p:nvSpPr>
-        <p:spPr>
-          <a:xfrm>
-            <a:off x="611560" y="195486"/>
-            <a:ext cx="5016053" cy="523220"/>
-          </a:xfrm>
-          <a:prstGeom prst="rect">
-            <a:avLst/>
-          </a:prstGeom>
-        </p:spPr>
-        <p:txBody>
-          <a:bodyPr wrap="none">
-            <a:spAutoFit/>
-          </a:bodyPr>
-          <a:lstStyle/>
-          <a:p>
-            <a:pPr>
-              <a:buNone/>
-            </a:pPr>
-            <a:r>
-              <a:rPr lang="de-DE" sz="2800" dirty="0" smtClean="0">
-                <a:latin typeface="Lato" pitchFamily="34" charset="0"/>
-              </a:rPr>
-              <a:t>Grundlagen: Sinus und Kosinus</a:t>
-            </a:r>
-          </a:p>
-        </p:txBody>
-      </p:sp>
       <p:sp>
         <p:nvSpPr>
           <p:cNvPr id="9" name="Inhaltsplatzhalter 2"/>
@@ -6907,7 +7637,7 @@
         </p:nvSpPr>
         <p:spPr>
           <a:xfrm>
-            <a:off x="457200" y="1200151"/>
+            <a:off x="446856" y="1200151"/>
             <a:ext cx="8229600" cy="3394472"/>
           </a:xfrm>
         </p:spPr>
@@ -6943,12 +7673,12 @@
           <a:graphicData uri="http://schemas.openxmlformats.org/presentationml/2006/ole">
             <mc:AlternateContent xmlns:mc="http://schemas.openxmlformats.org/markup-compatibility/2006">
               <mc:Choice xmlns:v="urn:schemas-microsoft-com:vml" Requires="v">
-                <p:oleObj spid="_x0000_s32868" name="Formel" r:id="rId6" imgW="114120" imgH="215640" progId="Equation.3">
+                <p:oleObj spid="_x0000_s32968" name="Formel" r:id="rId5" imgW="114120" imgH="215640" progId="Equation.3">
                   <p:embed/>
                 </p:oleObj>
               </mc:Choice>
               <mc:Fallback>
-                <p:oleObj name="Formel" r:id="rId6" imgW="114120" imgH="215640" progId="Equation.3">
+                <p:oleObj name="Formel" r:id="rId5" imgW="114120" imgH="215640" progId="Equation.3">
                   <p:embed/>
                   <p:pic>
                     <p:nvPicPr>
@@ -6959,7 +7689,7 @@
                       <p:nvPr/>
                     </p:nvPicPr>
                     <p:blipFill>
-                      <a:blip r:embed="rId7">
+                      <a:blip r:embed="rId6">
                         <a:extLst>
                           <a:ext uri="{28A0092B-C50C-407E-A947-70E740481C1C}">
                             <a14:useLocalDpi xmlns:a14="http://schemas.microsoft.com/office/drawing/2010/main" val="0"/>
@@ -7013,12 +7743,12 @@
           <a:graphicData uri="http://schemas.openxmlformats.org/presentationml/2006/ole">
             <mc:AlternateContent xmlns:mc="http://schemas.openxmlformats.org/markup-compatibility/2006">
               <mc:Choice xmlns:v="urn:schemas-microsoft-com:vml" Requires="v">
-                <p:oleObj spid="_x0000_s32869" name="Formel" r:id="rId8" imgW="114120" imgH="215640" progId="Equation.3">
+                <p:oleObj spid="_x0000_s32969" name="Formel" r:id="rId7" imgW="114120" imgH="215640" progId="Equation.3">
                   <p:embed/>
                 </p:oleObj>
               </mc:Choice>
               <mc:Fallback>
-                <p:oleObj name="Formel" r:id="rId8" imgW="114120" imgH="215640" progId="Equation.3">
+                <p:oleObj name="Formel" r:id="rId7" imgW="114120" imgH="215640" progId="Equation.3">
                   <p:embed/>
                   <p:pic>
                     <p:nvPicPr>
@@ -7029,7 +7759,7 @@
                       <p:nvPr/>
                     </p:nvPicPr>
                     <p:blipFill>
-                      <a:blip r:embed="rId7">
+                      <a:blip r:embed="rId6">
                         <a:extLst>
                           <a:ext uri="{28A0092B-C50C-407E-A947-70E740481C1C}">
                             <a14:useLocalDpi xmlns:a14="http://schemas.microsoft.com/office/drawing/2010/main" val="0"/>
@@ -7075,9 +7805,9 @@
         </p:nvGrpSpPr>
         <p:grpSpPr>
           <a:xfrm>
-            <a:off x="609600" y="1352550"/>
+            <a:off x="467544" y="1239447"/>
             <a:ext cx="8229600" cy="3595463"/>
-            <a:chOff x="609600" y="1352550"/>
+            <a:chOff x="467544" y="1239447"/>
             <a:chExt cx="8229600" cy="3595463"/>
           </a:xfrm>
         </p:grpSpPr>
@@ -7091,7 +7821,7 @@
           </p:nvSpPr>
           <p:spPr>
             <a:xfrm>
-              <a:off x="609600" y="1352550"/>
+              <a:off x="467544" y="1239447"/>
               <a:ext cx="8229600" cy="3595463"/>
             </a:xfrm>
             <a:prstGeom prst="rect">
@@ -7368,7 +8098,7 @@
             </p:nvPr>
           </p:nvPicPr>
           <p:blipFill>
-            <a:blip r:embed="rId9" cstate="print">
+            <a:blip r:embed="rId8" cstate="print">
               <a:extLst>
                 <a:ext uri="{28A0092B-C50C-407E-A947-70E740481C1C}">
                   <a14:useLocalDpi xmlns:a14="http://schemas.microsoft.com/office/drawing/2010/main" val="0"/>
@@ -7381,7 +8111,7 @@
           </p:blipFill>
           <p:spPr>
             <a:xfrm>
-              <a:off x="2315303" y="2612939"/>
+              <a:off x="2144315" y="2484441"/>
               <a:ext cx="164615" cy="133521"/>
             </a:xfrm>
             <a:prstGeom prst="rect">
@@ -7402,7 +8132,7 @@
             </p:nvPr>
           </p:nvPicPr>
           <p:blipFill>
-            <a:blip r:embed="rId9" cstate="print">
+            <a:blip r:embed="rId8" cstate="print">
               <a:extLst>
                 <a:ext uri="{28A0092B-C50C-407E-A947-70E740481C1C}">
                   <a14:useLocalDpi xmlns:a14="http://schemas.microsoft.com/office/drawing/2010/main" val="0"/>
@@ -7415,7 +8145,7 @@
           </p:blipFill>
           <p:spPr>
             <a:xfrm>
-              <a:off x="2466612" y="3714013"/>
+              <a:off x="2322776" y="3590136"/>
               <a:ext cx="164615" cy="133521"/>
             </a:xfrm>
             <a:prstGeom prst="rect">
@@ -7424,6 +8154,63 @@
           </p:spPr>
         </p:pic>
       </p:grpSp>
+      <p:pic>
+        <p:nvPicPr>
+          <p:cNvPr id="17" name="Picture 2" descr="D:\Julius\Documents\GitHub\VSeminar\Dok\Kapitel\img\Unit_Circle.PNG"/>
+          <p:cNvPicPr>
+            <a:picLocks noChangeAspect="1" noChangeArrowheads="1"/>
+          </p:cNvPicPr>
+          <p:nvPr/>
+        </p:nvPicPr>
+        <p:blipFill rotWithShape="1">
+          <a:blip r:embed="rId9" cstate="print"/>
+          <a:srcRect l="5387" t="3572"/>
+          <a:stretch/>
+        </p:blipFill>
+        <p:spPr bwMode="auto">
+          <a:xfrm>
+            <a:off x="5004048" y="843558"/>
+            <a:ext cx="3888432" cy="3888432"/>
+          </a:xfrm>
+          <a:prstGeom prst="rect">
+            <a:avLst/>
+          </a:prstGeom>
+          <a:noFill/>
+        </p:spPr>
+      </p:pic>
+      <p:sp>
+        <p:nvSpPr>
+          <p:cNvPr id="18" name="Rechteck 17"/>
+          <p:cNvSpPr/>
+          <p:nvPr/>
+        </p:nvSpPr>
+        <p:spPr>
+          <a:xfrm>
+            <a:off x="611561" y="195486"/>
+            <a:ext cx="7920880" cy="523220"/>
+          </a:xfrm>
+          <a:prstGeom prst="rect">
+            <a:avLst/>
+          </a:prstGeom>
+        </p:spPr>
+        <p:txBody>
+          <a:bodyPr wrap="square">
+            <a:spAutoFit/>
+          </a:bodyPr>
+          <a:lstStyle/>
+          <a:p>
+            <a:pPr algn="ctr">
+              <a:buNone/>
+            </a:pPr>
+            <a:r>
+              <a:rPr lang="de-DE" sz="2800" dirty="0" smtClean="0">
+                <a:latin typeface="Lato" pitchFamily="34" charset="0"/>
+              </a:rPr>
+              <a:t>Grundlagen: Sinus und Kosinus</a:t>
+            </a:r>
+          </a:p>
+        </p:txBody>
+      </p:sp>
     </p:spTree>
   </p:cSld>
   <p:clrMapOvr>
@@ -7439,7 +8226,7 @@
 </p:sld>
 </file>
 
-<file path=ppt/slides/slide22.xml><?xml version="1.0" encoding="utf-8"?>
+<file path=ppt/slides/slide24.xml><?xml version="1.0" encoding="utf-8"?>
 <p:sld xmlns:a="http://schemas.openxmlformats.org/drawingml/2006/main" xmlns:r="http://schemas.openxmlformats.org/officeDocument/2006/relationships" xmlns:p="http://schemas.openxmlformats.org/presentationml/2006/main">
   <p:cSld>
     <p:spTree>
@@ -7535,42 +8322,9 @@
             <a:fld id="{6C6AE60A-B69C-4790-82F7-3882EDF23186}" type="slidenum">
               <a:rPr lang="de-DE" smtClean="0"/>
               <a:pPr/>
-              <a:t>22</a:t>
+              <a:t>24</a:t>
             </a:fld>
             <a:endParaRPr lang="de-DE" dirty="0"/>
-          </a:p>
-        </p:txBody>
-      </p:sp>
-      <p:sp>
-        <p:nvSpPr>
-          <p:cNvPr id="8" name="Rechteck 7"/>
-          <p:cNvSpPr/>
-          <p:nvPr/>
-        </p:nvSpPr>
-        <p:spPr>
-          <a:xfrm>
-            <a:off x="611560" y="195486"/>
-            <a:ext cx="5016053" cy="523220"/>
-          </a:xfrm>
-          <a:prstGeom prst="rect">
-            <a:avLst/>
-          </a:prstGeom>
-        </p:spPr>
-        <p:txBody>
-          <a:bodyPr wrap="none">
-            <a:spAutoFit/>
-          </a:bodyPr>
-          <a:lstStyle/>
-          <a:p>
-            <a:pPr>
-              <a:buNone/>
-            </a:pPr>
-            <a:r>
-              <a:rPr lang="de-DE" sz="2800" dirty="0" smtClean="0">
-                <a:latin typeface="Lato" pitchFamily="34" charset="0"/>
-              </a:rPr>
-              <a:t>Grundlagen: Sinus und Kosinus</a:t>
-            </a:r>
           </a:p>
         </p:txBody>
       </p:sp>
@@ -7608,9 +8362,9 @@
         </p:nvGrpSpPr>
         <p:grpSpPr>
           <a:xfrm>
-            <a:off x="609600" y="1352550"/>
+            <a:off x="467544" y="1312379"/>
             <a:ext cx="8229600" cy="3595463"/>
-            <a:chOff x="609600" y="1352550"/>
+            <a:chOff x="518864" y="1352550"/>
             <a:chExt cx="8229600" cy="3595463"/>
           </a:xfrm>
         </p:grpSpPr>
@@ -7624,7 +8378,7 @@
           </p:nvSpPr>
           <p:spPr>
             <a:xfrm>
-              <a:off x="609600" y="1352550"/>
+              <a:off x="518864" y="1352550"/>
               <a:ext cx="8229600" cy="3595463"/>
             </a:xfrm>
             <a:prstGeom prst="rect">
@@ -7763,7 +8517,7 @@
         </p:sp>
         <p:pic>
           <p:nvPicPr>
-            <p:cNvPr id="2" name="Grafik 1"/>
+            <p:cNvPr id="3" name="Grafik 2"/>
             <p:cNvPicPr>
               <a:picLocks noChangeAspect="1"/>
             </p:cNvPicPr>
@@ -7775,40 +8529,6 @@
           </p:nvPicPr>
           <p:blipFill>
             <a:blip r:embed="rId6" cstate="print">
-              <a:extLst>
-                <a:ext uri="{28A0092B-C50C-407E-A947-70E740481C1C}">
-                  <a14:useLocalDpi xmlns:a14="http://schemas.microsoft.com/office/drawing/2010/main" val="0"/>
-                </a:ext>
-              </a:extLst>
-            </a:blip>
-            <a:stretch>
-              <a:fillRect/>
-            </a:stretch>
-          </p:blipFill>
-          <p:spPr>
-            <a:xfrm>
-              <a:off x="1043608" y="1822828"/>
-              <a:ext cx="126510" cy="230156"/>
-            </a:xfrm>
-            <a:prstGeom prst="rect">
-              <a:avLst/>
-            </a:prstGeom>
-          </p:spPr>
-        </p:pic>
-        <p:pic>
-          <p:nvPicPr>
-            <p:cNvPr id="3" name="Grafik 2"/>
-            <p:cNvPicPr>
-              <a:picLocks noChangeAspect="1"/>
-            </p:cNvPicPr>
-            <p:nvPr>
-              <p:custDataLst>
-                <p:tags r:id="rId2"/>
-              </p:custDataLst>
-            </p:nvPr>
-          </p:nvPicPr>
-          <p:blipFill>
-            <a:blip r:embed="rId7" cstate="print">
               <a:extLst>
                 <a:ext uri="{28A0092B-C50C-407E-A947-70E740481C1C}">
                   <a14:useLocalDpi xmlns:a14="http://schemas.microsoft.com/office/drawing/2010/main" val="0"/>
@@ -7837,12 +8557,12 @@
             </p:cNvPicPr>
             <p:nvPr>
               <p:custDataLst>
-                <p:tags r:id="rId3"/>
+                <p:tags r:id="rId2"/>
               </p:custDataLst>
             </p:nvPr>
           </p:nvPicPr>
           <p:blipFill>
-            <a:blip r:embed="rId6" cstate="print">
+            <a:blip r:embed="rId7" cstate="print">
               <a:extLst>
                 <a:ext uri="{28A0092B-C50C-407E-A947-70E740481C1C}">
                   <a14:useLocalDpi xmlns:a14="http://schemas.microsoft.com/office/drawing/2010/main" val="0"/>
@@ -7855,7 +8575,41 @@
           </p:blipFill>
           <p:spPr>
             <a:xfrm>
-              <a:off x="6804248" y="1440888"/>
+              <a:off x="6711552" y="1440888"/>
+              <a:ext cx="126510" cy="230156"/>
+            </a:xfrm>
+            <a:prstGeom prst="rect">
+              <a:avLst/>
+            </a:prstGeom>
+          </p:spPr>
+        </p:pic>
+        <p:pic>
+          <p:nvPicPr>
+            <p:cNvPr id="2" name="Grafik 1"/>
+            <p:cNvPicPr>
+              <a:picLocks noChangeAspect="1"/>
+            </p:cNvPicPr>
+            <p:nvPr>
+              <p:custDataLst>
+                <p:tags r:id="rId3"/>
+              </p:custDataLst>
+            </p:nvPr>
+          </p:nvPicPr>
+          <p:blipFill>
+            <a:blip r:embed="rId7" cstate="print">
+              <a:extLst>
+                <a:ext uri="{28A0092B-C50C-407E-A947-70E740481C1C}">
+                  <a14:useLocalDpi xmlns:a14="http://schemas.microsoft.com/office/drawing/2010/main" val="0"/>
+                </a:ext>
+              </a:extLst>
+            </a:blip>
+            <a:stretch>
+              <a:fillRect/>
+            </a:stretch>
+          </p:blipFill>
+          <p:spPr>
+            <a:xfrm>
+              <a:off x="950912" y="1822828"/>
               <a:ext cx="126510" cy="230156"/>
             </a:xfrm>
             <a:prstGeom prst="rect">
@@ -7864,6 +8618,39 @@
           </p:spPr>
         </p:pic>
       </p:grpSp>
+      <p:sp>
+        <p:nvSpPr>
+          <p:cNvPr id="12" name="Rechteck 11"/>
+          <p:cNvSpPr/>
+          <p:nvPr/>
+        </p:nvSpPr>
+        <p:spPr>
+          <a:xfrm>
+            <a:off x="611561" y="195486"/>
+            <a:ext cx="7920880" cy="523220"/>
+          </a:xfrm>
+          <a:prstGeom prst="rect">
+            <a:avLst/>
+          </a:prstGeom>
+        </p:spPr>
+        <p:txBody>
+          <a:bodyPr wrap="square">
+            <a:spAutoFit/>
+          </a:bodyPr>
+          <a:lstStyle/>
+          <a:p>
+            <a:pPr algn="ctr">
+              <a:buNone/>
+            </a:pPr>
+            <a:r>
+              <a:rPr lang="de-DE" sz="2800" dirty="0" smtClean="0">
+                <a:latin typeface="Lato" pitchFamily="34" charset="0"/>
+              </a:rPr>
+              <a:t>Grundlagen: Sinus und Kosinus</a:t>
+            </a:r>
+          </a:p>
+        </p:txBody>
+      </p:sp>
     </p:spTree>
   </p:cSld>
   <p:clrMapOvr>
@@ -7879,7 +8666,7 @@
 </p:sld>
 </file>
 
-<file path=ppt/slides/slide23.xml><?xml version="1.0" encoding="utf-8"?>
+<file path=ppt/slides/slide25.xml><?xml version="1.0" encoding="utf-8"?>
 <p:sld xmlns:a="http://schemas.openxmlformats.org/drawingml/2006/main" xmlns:r="http://schemas.openxmlformats.org/officeDocument/2006/relationships" xmlns:p="http://schemas.openxmlformats.org/presentationml/2006/main">
   <p:cSld>
     <p:spTree>
@@ -7975,90 +8762,23 @@
             <a:fld id="{6C6AE60A-B69C-4790-82F7-3882EDF23186}" type="slidenum">
               <a:rPr lang="de-DE" smtClean="0"/>
               <a:pPr/>
-              <a:t>23</a:t>
+              <a:t>25</a:t>
             </a:fld>
             <a:endParaRPr lang="de-DE" dirty="0"/>
           </a:p>
         </p:txBody>
       </p:sp>
-      <p:sp>
-        <p:nvSpPr>
-          <p:cNvPr id="8" name="Rechteck 7"/>
-          <p:cNvSpPr/>
-          <p:nvPr/>
-        </p:nvSpPr>
-        <p:spPr>
-          <a:xfrm>
-            <a:off x="611560" y="195486"/>
-            <a:ext cx="5016053" cy="523220"/>
-          </a:xfrm>
-          <a:prstGeom prst="rect">
-            <a:avLst/>
-          </a:prstGeom>
-        </p:spPr>
-        <p:txBody>
-          <a:bodyPr wrap="none">
-            <a:spAutoFit/>
-          </a:bodyPr>
-          <a:lstStyle/>
-          <a:p>
-            <a:pPr>
-              <a:buNone/>
-            </a:pPr>
-            <a:r>
-              <a:rPr lang="de-DE" sz="2800" dirty="0" smtClean="0">
-                <a:latin typeface="Lato" pitchFamily="34" charset="0"/>
-              </a:rPr>
-              <a:t>Grundlagen: Sinus und Kosinus</a:t>
-            </a:r>
-          </a:p>
-        </p:txBody>
-      </p:sp>
-      <p:pic>
-        <p:nvPicPr>
-          <p:cNvPr id="3" name="Grafik 2"/>
-          <p:cNvPicPr>
-            <a:picLocks noChangeAspect="1"/>
-          </p:cNvPicPr>
-          <p:nvPr>
-            <p:custDataLst>
-              <p:tags r:id="rId1"/>
-            </p:custDataLst>
-          </p:nvPr>
-        </p:nvPicPr>
-        <p:blipFill>
-          <a:blip r:embed="rId8" cstate="print">
-            <a:extLst>
-              <a:ext uri="{28A0092B-C50C-407E-A947-70E740481C1C}">
-                <a14:useLocalDpi xmlns:a14="http://schemas.microsoft.com/office/drawing/2010/main" val="0"/>
-              </a:ext>
-            </a:extLst>
-          </a:blip>
-          <a:stretch>
-            <a:fillRect/>
-          </a:stretch>
-        </p:blipFill>
-        <p:spPr>
-          <a:xfrm>
-            <a:off x="1494687" y="1635646"/>
-            <a:ext cx="149983" cy="314598"/>
-          </a:xfrm>
-          <a:prstGeom prst="rect">
-            <a:avLst/>
-          </a:prstGeom>
-        </p:spPr>
-      </p:pic>
       <p:grpSp>
         <p:nvGrpSpPr>
-          <p:cNvPr id="2" name="Gruppieren 1"/>
+          <p:cNvPr id="9" name="Gruppieren 8"/>
           <p:cNvGrpSpPr/>
           <p:nvPr/>
         </p:nvGrpSpPr>
         <p:grpSpPr>
           <a:xfrm>
-            <a:off x="609600" y="1203598"/>
+            <a:off x="467544" y="1203598"/>
             <a:ext cx="8229600" cy="3595463"/>
-            <a:chOff x="609600" y="1203598"/>
+            <a:chOff x="467544" y="1203598"/>
             <a:chExt cx="8229600" cy="3595463"/>
           </a:xfrm>
         </p:grpSpPr>
@@ -8072,7 +8792,7 @@
           </p:nvSpPr>
           <p:spPr>
             <a:xfrm>
-              <a:off x="609600" y="1203598"/>
+              <a:off x="467544" y="1203598"/>
               <a:ext cx="8229600" cy="3595463"/>
             </a:xfrm>
             <a:prstGeom prst="rect">
@@ -8120,8 +8840,35 @@
                   <a:uFillTx/>
                   <a:latin typeface="Lato" pitchFamily="34" charset="0"/>
                 </a:rPr>
-                <a:t> Sinus/Kosinus:</a:t>
+                <a:t> </a:t>
               </a:r>
+              <a:r>
+                <a:rPr kumimoji="0" lang="de-DE" sz="2000" i="0" u="none" strike="noStrike" kern="1200" cap="none" spc="0" normalizeH="0" noProof="0" dirty="0" smtClean="0">
+                  <a:ln>
+                    <a:noFill/>
+                  </a:ln>
+                  <a:solidFill>
+                    <a:schemeClr val="tx1"/>
+                  </a:solidFill>
+                  <a:effectLst/>
+                  <a:uLnTx/>
+                  <a:uFillTx/>
+                  <a:latin typeface="Lato" pitchFamily="34" charset="0"/>
+                </a:rPr>
+                <a:t>Sinus/Kosinus:</a:t>
+              </a:r>
+              <a:endParaRPr kumimoji="0" lang="de-DE" sz="2000" i="0" u="none" strike="noStrike" kern="1200" cap="none" spc="0" normalizeH="0" noProof="0" dirty="0" smtClean="0">
+                <a:ln>
+                  <a:noFill/>
+                </a:ln>
+                <a:solidFill>
+                  <a:schemeClr val="tx1"/>
+                </a:solidFill>
+                <a:effectLst/>
+                <a:uLnTx/>
+                <a:uFillTx/>
+                <a:latin typeface="Lato" pitchFamily="34" charset="0"/>
+              </a:endParaRPr>
             </a:p>
             <a:p>
               <a:pPr marL="342900" lvl="0" indent="-342900">
@@ -8189,6 +8936,9 @@
                 </a:rPr>
                 <a:t>                                                                  (Komplementärformeln) </a:t>
               </a:r>
+              <a:endParaRPr lang="de-DE" sz="2000" dirty="0" smtClean="0">
+                <a:latin typeface="Lato" pitchFamily="34" charset="0"/>
+              </a:endParaRPr>
             </a:p>
             <a:p>
               <a:pPr lvl="0">
@@ -8383,6 +9133,40 @@
             </a:p>
           </p:txBody>
         </p:sp>
+        <p:pic>
+          <p:nvPicPr>
+            <p:cNvPr id="3" name="Grafik 2"/>
+            <p:cNvPicPr>
+              <a:picLocks noChangeAspect="1"/>
+            </p:cNvPicPr>
+            <p:nvPr>
+              <p:custDataLst>
+                <p:tags r:id="rId1"/>
+              </p:custDataLst>
+            </p:nvPr>
+          </p:nvPicPr>
+          <p:blipFill>
+            <a:blip r:embed="rId8" cstate="print">
+              <a:extLst>
+                <a:ext uri="{28A0092B-C50C-407E-A947-70E740481C1C}">
+                  <a14:useLocalDpi xmlns:a14="http://schemas.microsoft.com/office/drawing/2010/main" val="0"/>
+                </a:ext>
+              </a:extLst>
+            </a:blip>
+            <a:stretch>
+              <a:fillRect/>
+            </a:stretch>
+          </p:blipFill>
+          <p:spPr>
+            <a:xfrm>
+              <a:off x="1377133" y="1635646"/>
+              <a:ext cx="149983" cy="314598"/>
+            </a:xfrm>
+            <a:prstGeom prst="rect">
+              <a:avLst/>
+            </a:prstGeom>
+          </p:spPr>
+        </p:pic>
         <p:pic>
           <p:nvPicPr>
             <p:cNvPr id="11" name="Grafik 10"/>
@@ -8477,7 +9261,7 @@
           </p:blipFill>
           <p:spPr>
             <a:xfrm>
-              <a:off x="1591505" y="3126548"/>
+              <a:off x="1447133" y="3126548"/>
               <a:ext cx="2312231" cy="253019"/>
             </a:xfrm>
             <a:prstGeom prst="rect">
@@ -8511,7 +9295,7 @@
           </p:blipFill>
           <p:spPr>
             <a:xfrm>
-              <a:off x="1010815" y="3522755"/>
+              <a:off x="899592" y="3522755"/>
               <a:ext cx="176809" cy="179857"/>
             </a:xfrm>
             <a:prstGeom prst="rect">
@@ -8545,7 +9329,7 @@
           </p:blipFill>
           <p:spPr>
             <a:xfrm>
-              <a:off x="1035964" y="3867894"/>
+              <a:off x="930414" y="3867894"/>
               <a:ext cx="126510" cy="230156"/>
             </a:xfrm>
             <a:prstGeom prst="rect">
@@ -8554,6 +9338,39 @@
           </p:spPr>
         </p:pic>
       </p:grpSp>
+      <p:sp>
+        <p:nvSpPr>
+          <p:cNvPr id="16" name="Rechteck 15"/>
+          <p:cNvSpPr/>
+          <p:nvPr/>
+        </p:nvSpPr>
+        <p:spPr>
+          <a:xfrm>
+            <a:off x="611561" y="195486"/>
+            <a:ext cx="7920880" cy="523220"/>
+          </a:xfrm>
+          <a:prstGeom prst="rect">
+            <a:avLst/>
+          </a:prstGeom>
+        </p:spPr>
+        <p:txBody>
+          <a:bodyPr wrap="square">
+            <a:spAutoFit/>
+          </a:bodyPr>
+          <a:lstStyle/>
+          <a:p>
+            <a:pPr algn="ctr">
+              <a:buNone/>
+            </a:pPr>
+            <a:r>
+              <a:rPr lang="de-DE" sz="2800" dirty="0" smtClean="0">
+                <a:latin typeface="Lato" pitchFamily="34" charset="0"/>
+              </a:rPr>
+              <a:t>Grundlagen: Sinus und Kosinus</a:t>
+            </a:r>
+          </a:p>
+        </p:txBody>
+      </p:sp>
     </p:spTree>
   </p:cSld>
   <p:clrMapOvr>
@@ -8569,7 +9386,7 @@
 </p:sld>
 </file>
 
-<file path=ppt/slides/slide24.xml><?xml version="1.0" encoding="utf-8"?>
+<file path=ppt/slides/slide26.xml><?xml version="1.0" encoding="utf-8"?>
 <p:sld xmlns:a="http://schemas.openxmlformats.org/drawingml/2006/main" xmlns:r="http://schemas.openxmlformats.org/officeDocument/2006/relationships" xmlns:p="http://schemas.openxmlformats.org/presentationml/2006/main">
   <p:cSld>
     <p:spTree>
@@ -8665,7 +9482,7 @@
             <a:fld id="{6C6AE60A-B69C-4790-82F7-3882EDF23186}" type="slidenum">
               <a:rPr lang="de-DE" smtClean="0"/>
               <a:pPr/>
-              <a:t>24</a:t>
+              <a:t>26</a:t>
             </a:fld>
             <a:endParaRPr lang="de-DE" dirty="0"/>
           </a:p>
@@ -8680,19 +9497,19 @@
         <p:spPr>
           <a:xfrm>
             <a:off x="611560" y="195486"/>
-            <a:ext cx="6345263" cy="523220"/>
+            <a:ext cx="7920880" cy="523220"/>
           </a:xfrm>
           <a:prstGeom prst="rect">
             <a:avLst/>
           </a:prstGeom>
         </p:spPr>
         <p:txBody>
-          <a:bodyPr wrap="none">
+          <a:bodyPr wrap="square">
             <a:spAutoFit/>
           </a:bodyPr>
           <a:lstStyle/>
           <a:p>
-            <a:pPr>
+            <a:pPr algn="ctr">
               <a:buNone/>
             </a:pPr>
             <a:r>
@@ -8778,7 +9595,7 @@
         </p:nvSpPr>
         <p:spPr>
           <a:xfrm>
-            <a:off x="611560" y="1504951"/>
+            <a:off x="467544" y="1504951"/>
             <a:ext cx="8229600" cy="2002904"/>
           </a:xfrm>
           <a:prstGeom prst="rect">
@@ -9071,7 +9888,7 @@
 </p:sld>
 </file>
 
-<file path=ppt/slides/slide25.xml><?xml version="1.0" encoding="utf-8"?>
+<file path=ppt/slides/slide27.xml><?xml version="1.0" encoding="utf-8"?>
 <p:sld xmlns:a="http://schemas.openxmlformats.org/drawingml/2006/main" xmlns:r="http://schemas.openxmlformats.org/officeDocument/2006/relationships" xmlns:p="http://schemas.openxmlformats.org/presentationml/2006/main">
   <p:cSld>
     <p:spTree>
@@ -9167,57 +9984,49 @@
             <a:fld id="{6C6AE60A-B69C-4790-82F7-3882EDF23186}" type="slidenum">
               <a:rPr lang="de-DE" smtClean="0"/>
               <a:pPr/>
-              <a:t>25</a:t>
+              <a:t>27</a:t>
             </a:fld>
             <a:endParaRPr lang="de-DE" dirty="0"/>
           </a:p>
         </p:txBody>
       </p:sp>
-      <p:sp>
-        <p:nvSpPr>
-          <p:cNvPr id="7" name="Rechteck 6"/>
-          <p:cNvSpPr/>
-          <p:nvPr/>
-        </p:nvSpPr>
-        <p:spPr>
-          <a:xfrm>
-            <a:off x="611560" y="195486"/>
-            <a:ext cx="6345263" cy="523220"/>
+      <p:pic>
+        <p:nvPicPr>
+          <p:cNvPr id="10" name="Grafik 9"/>
+          <p:cNvPicPr>
+            <a:picLocks noChangeAspect="1"/>
+          </p:cNvPicPr>
+          <p:nvPr>
+            <p:custDataLst>
+              <p:tags r:id="rId1"/>
+            </p:custDataLst>
+          </p:nvPr>
+        </p:nvPicPr>
+        <p:blipFill>
+          <a:blip r:embed="rId9" cstate="print">
+            <a:extLst>
+              <a:ext uri="{28A0092B-C50C-407E-A947-70E740481C1C}">
+                <a14:useLocalDpi xmlns:a14="http://schemas.microsoft.com/office/drawing/2010/main" val="0"/>
+              </a:ext>
+            </a:extLst>
+          </a:blip>
+          <a:stretch>
+            <a:fillRect/>
+          </a:stretch>
+        </p:blipFill>
+        <p:spPr>
+          <a:xfrm>
+            <a:off x="2771800" y="1185765"/>
+            <a:ext cx="2940206" cy="253019"/>
           </a:xfrm>
           <a:prstGeom prst="rect">
             <a:avLst/>
           </a:prstGeom>
         </p:spPr>
-        <p:txBody>
-          <a:bodyPr wrap="none">
-            <a:spAutoFit/>
-          </a:bodyPr>
-          <a:lstStyle/>
-          <a:p>
-            <a:pPr>
-              <a:buNone/>
-            </a:pPr>
-            <a:r>
-              <a:rPr lang="de-DE" sz="2800" dirty="0" smtClean="0">
-                <a:latin typeface="Lato" pitchFamily="34" charset="0"/>
-              </a:rPr>
-              <a:t>Grundlagen: Parameter nach </a:t>
-            </a:r>
-            <a:r>
-              <a:rPr lang="de-DE" sz="2800" dirty="0" err="1" smtClean="0">
-                <a:latin typeface="Lato" pitchFamily="34" charset="0"/>
-              </a:rPr>
-              <a:t>Chowning</a:t>
-            </a:r>
-            <a:endParaRPr lang="de-DE" sz="2800" dirty="0" smtClean="0">
-              <a:latin typeface="Lato" pitchFamily="34" charset="0"/>
-            </a:endParaRPr>
-          </a:p>
-        </p:txBody>
-      </p:sp>
-      <p:sp>
-        <p:nvSpPr>
-          <p:cNvPr id="8" name="Inhaltsplatzhalter 2"/>
+      </p:pic>
+      <p:sp>
+        <p:nvSpPr>
+          <p:cNvPr id="12" name="Inhaltsplatzhalter 2"/>
           <p:cNvSpPr txBox="1">
             <a:spLocks/>
           </p:cNvSpPr>
@@ -9225,8 +10034,8 @@
         </p:nvSpPr>
         <p:spPr>
           <a:xfrm>
-            <a:off x="609600" y="1352550"/>
-            <a:ext cx="8229600" cy="3595463"/>
+            <a:off x="611560" y="1504951"/>
+            <a:ext cx="8229600" cy="2002904"/>
           </a:xfrm>
           <a:prstGeom prst="rect">
             <a:avLst/>
@@ -9270,120 +10079,31 @@
           </a:p>
         </p:txBody>
       </p:sp>
-      <p:pic>
-        <p:nvPicPr>
-          <p:cNvPr id="10" name="Grafik 9"/>
-          <p:cNvPicPr>
-            <a:picLocks noChangeAspect="1"/>
-          </p:cNvPicPr>
-          <p:nvPr>
-            <p:custDataLst>
-              <p:tags r:id="rId1"/>
-            </p:custDataLst>
-          </p:nvPr>
-        </p:nvPicPr>
-        <p:blipFill>
-          <a:blip r:embed="rId9" cstate="print">
-            <a:extLst>
-              <a:ext uri="{28A0092B-C50C-407E-A947-70E740481C1C}">
-                <a14:useLocalDpi xmlns:a14="http://schemas.microsoft.com/office/drawing/2010/main" val="0"/>
-              </a:ext>
-            </a:extLst>
-          </a:blip>
-          <a:stretch>
-            <a:fillRect/>
-          </a:stretch>
-        </p:blipFill>
-        <p:spPr>
-          <a:xfrm>
-            <a:off x="2771800" y="1185765"/>
-            <a:ext cx="2940206" cy="253019"/>
-          </a:xfrm>
-          <a:prstGeom prst="rect">
-            <a:avLst/>
-          </a:prstGeom>
-        </p:spPr>
-      </p:pic>
-      <p:sp>
-        <p:nvSpPr>
-          <p:cNvPr id="12" name="Inhaltsplatzhalter 2"/>
-          <p:cNvSpPr txBox="1">
-            <a:spLocks/>
-          </p:cNvSpPr>
-          <p:nvPr/>
-        </p:nvSpPr>
-        <p:spPr>
-          <a:xfrm>
-            <a:off x="611560" y="1504951"/>
-            <a:ext cx="8229600" cy="2002904"/>
-          </a:xfrm>
-          <a:prstGeom prst="rect">
-            <a:avLst/>
-          </a:prstGeom>
-        </p:spPr>
-        <p:txBody>
-          <a:bodyPr vert="horz" lIns="91440" tIns="45720" rIns="91440" bIns="45720" rtlCol="0">
-            <a:normAutofit/>
-          </a:bodyPr>
-          <a:lstStyle/>
-          <a:p>
-            <a:pPr marL="342900" marR="0" lvl="0" indent="-342900" algn="l" defTabSz="914400" rtl="0" eaLnBrk="1" fontAlgn="auto" latinLnBrk="0" hangingPunct="1">
-              <a:lnSpc>
-                <a:spcPct val="100000"/>
-              </a:lnSpc>
-              <a:spcBef>
-                <a:spcPct val="20000"/>
-              </a:spcBef>
-              <a:spcAft>
-                <a:spcPts val="0"/>
-              </a:spcAft>
-              <a:buClrTx/>
-              <a:buSzTx/>
-              <a:tabLst/>
-              <a:defRPr/>
-            </a:pPr>
-            <a:endParaRPr kumimoji="0" lang="de-DE" sz="2000" b="0" i="0" u="none" strike="noStrike" kern="1200" cap="none" spc="0" normalizeH="0" baseline="0" noProof="0" dirty="0" smtClean="0">
-              <a:ln>
-                <a:noFill/>
-              </a:ln>
-              <a:solidFill>
-                <a:schemeClr val="tx1"/>
-              </a:solidFill>
-              <a:effectLst/>
-              <a:uLnTx/>
-              <a:uFillTx/>
-              <a:latin typeface="Lato" pitchFamily="34" charset="0"/>
-              <a:ea typeface="+mn-ea"/>
-              <a:cs typeface="+mn-cs"/>
-            </a:endParaRPr>
-          </a:p>
-        </p:txBody>
-      </p:sp>
       <p:grpSp>
         <p:nvGrpSpPr>
-          <p:cNvPr id="21" name="Gruppieren 20"/>
+          <p:cNvPr id="13" name="Gruppieren 12"/>
           <p:cNvGrpSpPr/>
           <p:nvPr/>
         </p:nvGrpSpPr>
         <p:grpSpPr>
           <a:xfrm>
-            <a:off x="762000" y="1864989"/>
+            <a:off x="467544" y="1864989"/>
             <a:ext cx="5754216" cy="2002905"/>
-            <a:chOff x="762000" y="1864989"/>
+            <a:chOff x="768424" y="1864989"/>
             <a:chExt cx="5754216" cy="2002905"/>
           </a:xfrm>
         </p:grpSpPr>
         <p:grpSp>
           <p:nvGrpSpPr>
-            <p:cNvPr id="20" name="Gruppieren 19"/>
+            <p:cNvPr id="11" name="Gruppieren 10"/>
             <p:cNvGrpSpPr/>
             <p:nvPr/>
           </p:nvGrpSpPr>
           <p:grpSpPr>
             <a:xfrm>
-              <a:off x="762000" y="1864989"/>
+              <a:off x="768424" y="1864989"/>
               <a:ext cx="5754216" cy="2002905"/>
-              <a:chOff x="762000" y="1491630"/>
+              <a:chOff x="768424" y="1864989"/>
               <a:chExt cx="5754216" cy="2002905"/>
             </a:xfrm>
           </p:grpSpPr>
@@ -9397,7 +10117,7 @@
             </p:nvSpPr>
             <p:spPr>
               <a:xfrm>
-                <a:off x="762000" y="1491630"/>
+                <a:off x="768424" y="1864989"/>
                 <a:ext cx="5754216" cy="2002905"/>
               </a:xfrm>
               <a:prstGeom prst="rect">
@@ -9438,6 +10158,15 @@
                   </a:rPr>
                   <a:t>  :  Maximale Amplitude </a:t>
                 </a:r>
+                <a:r>
+                  <a:rPr lang="de-DE" sz="2000" dirty="0" smtClean="0">
+                    <a:latin typeface="Lato" pitchFamily="34" charset="0"/>
+                  </a:rPr>
+                  <a:t>des Signals</a:t>
+                </a:r>
+                <a:endParaRPr lang="de-DE" sz="2000" dirty="0" smtClean="0">
+                  <a:latin typeface="Lato" pitchFamily="34" charset="0"/>
+                </a:endParaRPr>
               </a:p>
               <a:p>
                 <a:pPr marL="342900" lvl="0" indent="-342900">
@@ -9524,7 +10253,7 @@
             </p:blipFill>
             <p:spPr>
               <a:xfrm>
-                <a:off x="1103748" y="1598651"/>
+                <a:off x="1103748" y="1972010"/>
                 <a:ext cx="371908" cy="253019"/>
               </a:xfrm>
               <a:prstGeom prst="rect">
@@ -9558,7 +10287,7 @@
             </p:blipFill>
             <p:spPr>
               <a:xfrm>
-                <a:off x="1098364" y="2010854"/>
+                <a:off x="1098364" y="2355726"/>
                 <a:ext cx="176833" cy="180607"/>
               </a:xfrm>
               <a:prstGeom prst="rect">
@@ -9592,7 +10321,7 @@
             </p:blipFill>
             <p:spPr>
               <a:xfrm>
-                <a:off x="1115616" y="2405400"/>
+                <a:off x="1115616" y="2778759"/>
                 <a:ext cx="141791" cy="115461"/>
               </a:xfrm>
               <a:prstGeom prst="rect">
@@ -9626,7 +10355,7 @@
             </p:blipFill>
             <p:spPr>
               <a:xfrm>
-                <a:off x="1098365" y="2695517"/>
+                <a:off x="1098365" y="3068876"/>
                 <a:ext cx="140269" cy="230439"/>
               </a:xfrm>
               <a:prstGeom prst="rect">
@@ -9660,7 +10389,7 @@
             </p:blipFill>
             <p:spPr>
               <a:xfrm>
-                <a:off x="1115617" y="3075648"/>
+                <a:off x="1115617" y="3449007"/>
                 <a:ext cx="120689" cy="175968"/>
               </a:xfrm>
               <a:prstGeom prst="rect">
@@ -9704,6 +10433,48 @@
           </p:spPr>
         </p:pic>
       </p:grpSp>
+      <p:sp>
+        <p:nvSpPr>
+          <p:cNvPr id="22" name="Rechteck 21"/>
+          <p:cNvSpPr/>
+          <p:nvPr/>
+        </p:nvSpPr>
+        <p:spPr>
+          <a:xfrm>
+            <a:off x="611560" y="195486"/>
+            <a:ext cx="7920880" cy="523220"/>
+          </a:xfrm>
+          <a:prstGeom prst="rect">
+            <a:avLst/>
+          </a:prstGeom>
+        </p:spPr>
+        <p:txBody>
+          <a:bodyPr wrap="square">
+            <a:spAutoFit/>
+          </a:bodyPr>
+          <a:lstStyle/>
+          <a:p>
+            <a:pPr algn="ctr">
+              <a:buNone/>
+            </a:pPr>
+            <a:r>
+              <a:rPr lang="de-DE" sz="2800" dirty="0" smtClean="0">
+                <a:latin typeface="Lato" pitchFamily="34" charset="0"/>
+              </a:rPr>
+              <a:t>Grundlagen: Parameter nach </a:t>
+            </a:r>
+            <a:r>
+              <a:rPr lang="de-DE" sz="2800" dirty="0" err="1" smtClean="0">
+                <a:latin typeface="Lato" pitchFamily="34" charset="0"/>
+              </a:rPr>
+              <a:t>Chowning</a:t>
+            </a:r>
+            <a:endParaRPr lang="de-DE" sz="2800" dirty="0" smtClean="0">
+              <a:latin typeface="Lato" pitchFamily="34" charset="0"/>
+            </a:endParaRPr>
+          </a:p>
+        </p:txBody>
+      </p:sp>
     </p:spTree>
     <p:extLst>
       <p:ext uri="{BB962C8B-B14F-4D97-AF65-F5344CB8AC3E}">
@@ -9724,7 +10495,7 @@
 </p:sld>
 </file>
 
-<file path=ppt/slides/slide26.xml><?xml version="1.0" encoding="utf-8"?>
+<file path=ppt/slides/slide28.xml><?xml version="1.0" encoding="utf-8"?>
 <p:sld xmlns:a="http://schemas.openxmlformats.org/drawingml/2006/main" xmlns:r="http://schemas.openxmlformats.org/officeDocument/2006/relationships" xmlns:p="http://schemas.openxmlformats.org/presentationml/2006/main">
   <p:cSld>
     <p:spTree>
@@ -9820,51 +10591,9 @@
             <a:fld id="{6C6AE60A-B69C-4790-82F7-3882EDF23186}" type="slidenum">
               <a:rPr lang="de-DE" smtClean="0"/>
               <a:pPr/>
-              <a:t>26</a:t>
+              <a:t>28</a:t>
             </a:fld>
             <a:endParaRPr lang="de-DE" dirty="0"/>
-          </a:p>
-        </p:txBody>
-      </p:sp>
-      <p:sp>
-        <p:nvSpPr>
-          <p:cNvPr id="7" name="Rechteck 6"/>
-          <p:cNvSpPr/>
-          <p:nvPr/>
-        </p:nvSpPr>
-        <p:spPr>
-          <a:xfrm>
-            <a:off x="611560" y="195486"/>
-            <a:ext cx="6345263" cy="523220"/>
-          </a:xfrm>
-          <a:prstGeom prst="rect">
-            <a:avLst/>
-          </a:prstGeom>
-        </p:spPr>
-        <p:txBody>
-          <a:bodyPr wrap="none">
-            <a:spAutoFit/>
-          </a:bodyPr>
-          <a:lstStyle/>
-          <a:p>
-            <a:pPr>
-              <a:buNone/>
-            </a:pPr>
-            <a:r>
-              <a:rPr lang="de-DE" sz="2800" dirty="0" smtClean="0">
-                <a:latin typeface="Lato" pitchFamily="34" charset="0"/>
-              </a:rPr>
-              <a:t>Grundlagen: Parameter nach </a:t>
-            </a:r>
-            <a:r>
-              <a:rPr lang="de-DE" sz="2800" dirty="0" err="1" smtClean="0">
-                <a:latin typeface="Lato" pitchFamily="34" charset="0"/>
-              </a:rPr>
-              <a:t>Chowning</a:t>
-            </a:r>
-            <a:endParaRPr lang="de-DE" sz="2800" dirty="0" smtClean="0">
-              <a:latin typeface="Lato" pitchFamily="34" charset="0"/>
-            </a:endParaRPr>
           </a:p>
         </p:txBody>
       </p:sp>
@@ -9881,7 +10610,7 @@
           </p:nvPr>
         </p:nvPicPr>
         <p:blipFill>
-          <a:blip r:embed="rId9" cstate="print">
+          <a:blip r:embed="rId8" cstate="print">
             <a:extLst>
               <a:ext uri="{28A0092B-C50C-407E-A947-70E740481C1C}">
                 <a14:useLocalDpi xmlns:a14="http://schemas.microsoft.com/office/drawing/2010/main" val="0"/>
@@ -9902,399 +10631,342 @@
           </a:prstGeom>
         </p:spPr>
       </p:pic>
-      <p:sp>
-        <p:nvSpPr>
-          <p:cNvPr id="12" name="Inhaltsplatzhalter 2"/>
-          <p:cNvSpPr txBox="1">
-            <a:spLocks/>
-          </p:cNvSpPr>
+      <p:grpSp>
+        <p:nvGrpSpPr>
+          <p:cNvPr id="2" name="Gruppieren 1"/>
+          <p:cNvGrpSpPr/>
           <p:nvPr/>
-        </p:nvSpPr>
-        <p:spPr>
-          <a:xfrm>
-            <a:off x="611560" y="1504951"/>
-            <a:ext cx="8229600" cy="2002904"/>
+        </p:nvGrpSpPr>
+        <p:grpSpPr>
+          <a:xfrm>
+            <a:off x="467544" y="1864989"/>
+            <a:ext cx="7770440" cy="2002905"/>
+            <a:chOff x="762000" y="1864989"/>
+            <a:chExt cx="7770440" cy="2002905"/>
+          </a:xfrm>
+        </p:grpSpPr>
+        <p:sp>
+          <p:nvSpPr>
+            <p:cNvPr id="9" name="Inhaltsplatzhalter 2"/>
+            <p:cNvSpPr txBox="1">
+              <a:spLocks/>
+            </p:cNvSpPr>
+            <p:nvPr/>
+          </p:nvSpPr>
+          <p:spPr>
+            <a:xfrm>
+              <a:off x="762000" y="1864989"/>
+              <a:ext cx="7770440" cy="2002905"/>
+            </a:xfrm>
+            <a:prstGeom prst="rect">
+              <a:avLst/>
+            </a:prstGeom>
+          </p:spPr>
+          <p:txBody>
+            <a:bodyPr vert="horz" lIns="91440" tIns="45720" rIns="91440" bIns="45720" rtlCol="0">
+              <a:normAutofit/>
+            </a:bodyPr>
+            <a:lstStyle/>
+            <a:p>
+              <a:pPr marL="342900" lvl="0" indent="-342900">
+                <a:spcBef>
+                  <a:spcPct val="20000"/>
+                </a:spcBef>
+                <a:buFont typeface="Arial" panose="020B0604020202020204" pitchFamily="34" charset="0"/>
+                <a:buChar char="•"/>
+              </a:pPr>
+              <a:r>
+                <a:rPr lang="de-DE" sz="2000" dirty="0" smtClean="0">
+                  <a:latin typeface="Lato" pitchFamily="34" charset="0"/>
+                </a:rPr>
+                <a:t>Modulationsindex</a:t>
+              </a:r>
+            </a:p>
+            <a:p>
+              <a:pPr marL="800100" lvl="1" indent="-342900">
+                <a:spcBef>
+                  <a:spcPct val="20000"/>
+                </a:spcBef>
+                <a:buFont typeface="Arial" panose="020B0604020202020204" pitchFamily="34" charset="0"/>
+                <a:buChar char="•"/>
+              </a:pPr>
+              <a:r>
+                <a:rPr lang="de-DE" sz="2000" dirty="0" smtClean="0">
+                  <a:latin typeface="Lato" pitchFamily="34" charset="0"/>
+                </a:rPr>
+                <a:t> :  Frequenzhub der Modulation</a:t>
+              </a:r>
+            </a:p>
+            <a:p>
+              <a:pPr marL="800100" lvl="1" indent="-342900">
+                <a:spcBef>
+                  <a:spcPct val="20000"/>
+                </a:spcBef>
+                <a:buFont typeface="Arial" panose="020B0604020202020204" pitchFamily="34" charset="0"/>
+                <a:buChar char="•"/>
+              </a:pPr>
+              <a:r>
+                <a:rPr lang="de-DE" sz="2000" dirty="0">
+                  <a:latin typeface="Lato" pitchFamily="34" charset="0"/>
+                </a:rPr>
+                <a:t> </a:t>
+              </a:r>
+              <a:r>
+                <a:rPr lang="de-DE" sz="2000" dirty="0" smtClean="0">
+                  <a:latin typeface="Lato" pitchFamily="34" charset="0"/>
+                </a:rPr>
+                <a:t> 	:  Kreisfrequenz des Modulators</a:t>
+              </a:r>
+            </a:p>
+            <a:p>
+              <a:pPr lvl="1">
+                <a:spcBef>
+                  <a:spcPct val="20000"/>
+                </a:spcBef>
+              </a:pPr>
+              <a:r>
+                <a:rPr lang="de-DE" sz="2000" dirty="0" smtClean="0">
+                  <a:latin typeface="Lato" pitchFamily="34" charset="0"/>
+                </a:rPr>
+                <a:t>	= Verhältnis Frequenzhub zu </a:t>
+              </a:r>
+              <a:r>
+                <a:rPr lang="de-DE" sz="2000" dirty="0" smtClean="0">
+                  <a:latin typeface="Lato" pitchFamily="34" charset="0"/>
+                </a:rPr>
+                <a:t>Modulationsfrequenz</a:t>
+              </a:r>
+              <a:endParaRPr lang="de-DE" sz="2000" dirty="0" smtClean="0">
+                <a:latin typeface="Lato" pitchFamily="34" charset="0"/>
+              </a:endParaRPr>
+            </a:p>
+            <a:p>
+              <a:pPr marL="914400" lvl="1" indent="-457200">
+                <a:spcBef>
+                  <a:spcPct val="20000"/>
+                </a:spcBef>
+                <a:buFont typeface="Arial" panose="020B0604020202020204" pitchFamily="34" charset="0"/>
+                <a:buChar char="•"/>
+              </a:pPr>
+              <a:endParaRPr lang="de-DE" sz="2000" dirty="0" smtClean="0">
+                <a:latin typeface="Lato" pitchFamily="34" charset="0"/>
+              </a:endParaRPr>
+            </a:p>
+          </p:txBody>
+        </p:sp>
+        <p:pic>
+          <p:nvPicPr>
+            <p:cNvPr id="23" name="Grafik 22"/>
+            <p:cNvPicPr>
+              <a:picLocks noChangeAspect="1"/>
+            </p:cNvPicPr>
+            <p:nvPr>
+              <p:custDataLst>
+                <p:tags r:id="rId2"/>
+              </p:custDataLst>
+            </p:nvPr>
+          </p:nvPicPr>
+          <p:blipFill>
+            <a:blip r:embed="rId9" cstate="print">
+              <a:extLst>
+                <a:ext uri="{28A0092B-C50C-407E-A947-70E740481C1C}">
+                  <a14:useLocalDpi xmlns:a14="http://schemas.microsoft.com/office/drawing/2010/main" val="0"/>
+                </a:ext>
+              </a:extLst>
+            </a:blip>
+            <a:stretch>
+              <a:fillRect/>
+            </a:stretch>
+          </p:blipFill>
+          <p:spPr>
+            <a:xfrm>
+              <a:off x="3307601" y="1926899"/>
+              <a:ext cx="688335" cy="320558"/>
+            </a:xfrm>
+            <a:prstGeom prst="rect">
+              <a:avLst/>
+            </a:prstGeom>
+          </p:spPr>
+        </p:pic>
+        <p:pic>
+          <p:nvPicPr>
+            <p:cNvPr id="25" name="Grafik 24"/>
+            <p:cNvPicPr>
+              <a:picLocks noChangeAspect="1"/>
+            </p:cNvPicPr>
+            <p:nvPr>
+              <p:custDataLst>
+                <p:tags r:id="rId3"/>
+              </p:custDataLst>
+            </p:nvPr>
+          </p:nvPicPr>
+          <p:blipFill>
+            <a:blip r:embed="rId10" cstate="print">
+              <a:extLst>
+                <a:ext uri="{28A0092B-C50C-407E-A947-70E740481C1C}">
+                  <a14:useLocalDpi xmlns:a14="http://schemas.microsoft.com/office/drawing/2010/main" val="0"/>
+                </a:ext>
+              </a:extLst>
+            </a:blip>
+            <a:stretch>
+              <a:fillRect/>
+            </a:stretch>
+          </p:blipFill>
+          <p:spPr>
+            <a:xfrm>
+              <a:off x="1526398" y="2338703"/>
+              <a:ext cx="120413" cy="178333"/>
+            </a:xfrm>
+            <a:prstGeom prst="rect">
+              <a:avLst/>
+            </a:prstGeom>
+          </p:spPr>
+        </p:pic>
+        <p:pic>
+          <p:nvPicPr>
+            <p:cNvPr id="26" name="Grafik 25"/>
+            <p:cNvPicPr>
+              <a:picLocks noChangeAspect="1"/>
+            </p:cNvPicPr>
+            <p:nvPr>
+              <p:custDataLst>
+                <p:tags r:id="rId4"/>
+              </p:custDataLst>
+            </p:nvPr>
+          </p:nvPicPr>
+          <p:blipFill>
+            <a:blip r:embed="rId11" cstate="print">
+              <a:extLst>
+                <a:ext uri="{28A0092B-C50C-407E-A947-70E740481C1C}">
+                  <a14:useLocalDpi xmlns:a14="http://schemas.microsoft.com/office/drawing/2010/main" val="0"/>
+                </a:ext>
+              </a:extLst>
+            </a:blip>
+            <a:stretch>
+              <a:fillRect/>
+            </a:stretch>
+          </p:blipFill>
+          <p:spPr>
+            <a:xfrm>
+              <a:off x="1493590" y="2745466"/>
+              <a:ext cx="207293" cy="114316"/>
+            </a:xfrm>
+            <a:prstGeom prst="rect">
+              <a:avLst/>
+            </a:prstGeom>
+          </p:spPr>
+        </p:pic>
+        <p:pic>
+          <p:nvPicPr>
+            <p:cNvPr id="27" name="Grafik 26"/>
+            <p:cNvPicPr>
+              <a:picLocks noChangeAspect="1"/>
+            </p:cNvPicPr>
+            <p:nvPr>
+              <p:custDataLst>
+                <p:tags r:id="rId5"/>
+              </p:custDataLst>
+            </p:nvPr>
+          </p:nvPicPr>
+          <p:blipFill>
+            <a:blip r:embed="rId12" cstate="print">
+              <a:extLst>
+                <a:ext uri="{28A0092B-C50C-407E-A947-70E740481C1C}">
+                  <a14:useLocalDpi xmlns:a14="http://schemas.microsoft.com/office/drawing/2010/main" val="0"/>
+                </a:ext>
+              </a:extLst>
+            </a:blip>
+            <a:stretch>
+              <a:fillRect/>
+            </a:stretch>
+          </p:blipFill>
+          <p:spPr>
+            <a:xfrm>
+              <a:off x="1312094" y="3096064"/>
+              <a:ext cx="224059" cy="138703"/>
+            </a:xfrm>
+            <a:prstGeom prst="rect">
+              <a:avLst/>
+            </a:prstGeom>
+          </p:spPr>
+        </p:pic>
+        <p:pic>
+          <p:nvPicPr>
+            <p:cNvPr id="28" name="Grafik 27"/>
+            <p:cNvPicPr>
+              <a:picLocks noChangeAspect="1"/>
+            </p:cNvPicPr>
+            <p:nvPr>
+              <p:custDataLst>
+                <p:tags r:id="rId6"/>
+              </p:custDataLst>
+            </p:nvPr>
+          </p:nvPicPr>
+          <p:blipFill>
+            <a:blip r:embed="rId13" cstate="print">
+              <a:extLst>
+                <a:ext uri="{28A0092B-C50C-407E-A947-70E740481C1C}">
+                  <a14:useLocalDpi xmlns:a14="http://schemas.microsoft.com/office/drawing/2010/main" val="0"/>
+                </a:ext>
+              </a:extLst>
+            </a:blip>
+            <a:stretch>
+              <a:fillRect/>
+            </a:stretch>
+          </p:blipFill>
+          <p:spPr>
+            <a:xfrm>
+              <a:off x="1597236" y="3088212"/>
+              <a:ext cx="120689" cy="175968"/>
+            </a:xfrm>
+            <a:prstGeom prst="rect">
+              <a:avLst/>
+            </a:prstGeom>
+          </p:spPr>
+        </p:pic>
+      </p:grpSp>
+      <p:sp>
+        <p:nvSpPr>
+          <p:cNvPr id="16" name="Rechteck 15"/>
+          <p:cNvSpPr/>
+          <p:nvPr/>
+        </p:nvSpPr>
+        <p:spPr>
+          <a:xfrm>
+            <a:off x="611560" y="195486"/>
+            <a:ext cx="7920880" cy="523220"/>
           </a:xfrm>
           <a:prstGeom prst="rect">
             <a:avLst/>
           </a:prstGeom>
         </p:spPr>
         <p:txBody>
-          <a:bodyPr vert="horz" lIns="91440" tIns="45720" rIns="91440" bIns="45720" rtlCol="0">
-            <a:normAutofit/>
+          <a:bodyPr wrap="square">
+            <a:spAutoFit/>
           </a:bodyPr>
           <a:lstStyle/>
           <a:p>
-            <a:pPr marL="342900" marR="0" lvl="0" indent="-342900" algn="l" defTabSz="914400" rtl="0" eaLnBrk="1" fontAlgn="auto" latinLnBrk="0" hangingPunct="1">
-              <a:lnSpc>
-                <a:spcPct val="100000"/>
-              </a:lnSpc>
-              <a:spcBef>
-                <a:spcPct val="20000"/>
-              </a:spcBef>
-              <a:spcAft>
-                <a:spcPts val="0"/>
-              </a:spcAft>
-              <a:buClrTx/>
-              <a:buSzTx/>
-              <a:tabLst/>
-              <a:defRPr/>
+            <a:pPr algn="ctr">
+              <a:buNone/>
             </a:pPr>
-            <a:endParaRPr kumimoji="0" lang="de-DE" sz="2000" b="0" i="0" u="none" strike="noStrike" kern="1200" cap="none" spc="0" normalizeH="0" baseline="0" noProof="0" dirty="0" smtClean="0">
-              <a:ln>
-                <a:noFill/>
-              </a:ln>
-              <a:solidFill>
-                <a:schemeClr val="tx1"/>
-              </a:solidFill>
-              <a:effectLst/>
-              <a:uLnTx/>
-              <a:uFillTx/>
-              <a:latin typeface="Lato" pitchFamily="34" charset="0"/>
-              <a:ea typeface="+mn-ea"/>
-              <a:cs typeface="+mn-cs"/>
-            </a:endParaRPr>
-          </a:p>
-        </p:txBody>
-      </p:sp>
-      <p:sp>
-        <p:nvSpPr>
-          <p:cNvPr id="8" name="Inhaltsplatzhalter 2"/>
-          <p:cNvSpPr txBox="1">
-            <a:spLocks/>
-          </p:cNvSpPr>
-          <p:nvPr>
-            <p:custDataLst>
-              <p:tags r:id="rId2"/>
-            </p:custDataLst>
-          </p:nvPr>
-        </p:nvSpPr>
-        <p:spPr>
-          <a:xfrm>
-            <a:off x="609600" y="1275606"/>
-            <a:ext cx="8229600" cy="3595463"/>
-          </a:xfrm>
-          <a:prstGeom prst="rect">
-            <a:avLst/>
-          </a:prstGeom>
-        </p:spPr>
-        <p:txBody>
-          <a:bodyPr vert="horz" lIns="91440" tIns="45720" rIns="91440" bIns="45720" rtlCol="0">
-            <a:normAutofit/>
-          </a:bodyPr>
-          <a:lstStyle/>
-          <a:p>
-            <a:pPr marL="342900" marR="0" lvl="0" indent="-342900" algn="l" defTabSz="914400" rtl="0" eaLnBrk="1" fontAlgn="auto" latinLnBrk="0" hangingPunct="1">
-              <a:lnSpc>
-                <a:spcPct val="100000"/>
-              </a:lnSpc>
-              <a:spcBef>
-                <a:spcPct val="20000"/>
-              </a:spcBef>
-              <a:spcAft>
-                <a:spcPts val="0"/>
-              </a:spcAft>
-              <a:buClrTx/>
-              <a:buSzTx/>
-              <a:tabLst/>
-              <a:defRPr/>
-            </a:pPr>
-            <a:endParaRPr kumimoji="0" lang="de-DE" sz="2000" b="0" i="0" u="none" strike="noStrike" kern="1200" cap="none" spc="0" normalizeH="0" baseline="0" noProof="0" dirty="0" smtClean="0">
-              <a:ln>
-                <a:noFill/>
-              </a:ln>
-              <a:solidFill>
-                <a:schemeClr val="tx1"/>
-              </a:solidFill>
-              <a:effectLst/>
-              <a:uLnTx/>
-              <a:uFillTx/>
-              <a:latin typeface="Lato" pitchFamily="34" charset="0"/>
-              <a:ea typeface="+mn-ea"/>
-              <a:cs typeface="+mn-cs"/>
-            </a:endParaRPr>
-          </a:p>
-        </p:txBody>
-      </p:sp>
-      <p:pic>
-        <p:nvPicPr>
-          <p:cNvPr id="23" name="Grafik 22"/>
-          <p:cNvPicPr>
-            <a:picLocks noChangeAspect="1"/>
-          </p:cNvPicPr>
-          <p:nvPr>
-            <p:custDataLst>
-              <p:tags r:id="rId3"/>
-            </p:custDataLst>
-          </p:nvPr>
-        </p:nvPicPr>
-        <p:blipFill>
-          <a:blip r:embed="rId10" cstate="print">
-            <a:extLst>
-              <a:ext uri="{28A0092B-C50C-407E-A947-70E740481C1C}">
-                <a14:useLocalDpi xmlns:a14="http://schemas.microsoft.com/office/drawing/2010/main" val="0"/>
-              </a:ext>
-            </a:extLst>
-          </a:blip>
-          <a:stretch>
-            <a:fillRect/>
-          </a:stretch>
-        </p:blipFill>
-        <p:spPr>
-          <a:xfrm>
-            <a:off x="3307601" y="1926899"/>
-            <a:ext cx="688335" cy="320558"/>
-          </a:xfrm>
-          <a:prstGeom prst="rect">
-            <a:avLst/>
-          </a:prstGeom>
-        </p:spPr>
-      </p:pic>
-      <p:sp>
-        <p:nvSpPr>
-          <p:cNvPr id="9" name="Inhaltsplatzhalter 2"/>
-          <p:cNvSpPr txBox="1">
-            <a:spLocks/>
-          </p:cNvSpPr>
-          <p:nvPr/>
-        </p:nvSpPr>
-        <p:spPr>
-          <a:xfrm>
-            <a:off x="762000" y="1864989"/>
-            <a:ext cx="7770440" cy="2002905"/>
-          </a:xfrm>
-          <a:prstGeom prst="rect">
-            <a:avLst/>
-          </a:prstGeom>
-        </p:spPr>
-        <p:txBody>
-          <a:bodyPr vert="horz" lIns="91440" tIns="45720" rIns="91440" bIns="45720" rtlCol="0">
-            <a:normAutofit/>
-          </a:bodyPr>
-          <a:lstStyle/>
-          <a:p>
-            <a:pPr marL="342900" lvl="0" indent="-342900">
-              <a:spcBef>
-                <a:spcPct val="20000"/>
-              </a:spcBef>
-              <a:buFont typeface="Arial" panose="020B0604020202020204" pitchFamily="34" charset="0"/>
-              <a:buChar char="•"/>
-            </a:pPr>
-            <a:r>
-              <a:rPr lang="de-DE" sz="2000" dirty="0" smtClean="0">
-                <a:latin typeface="Lato" pitchFamily="34" charset="0"/>
-              </a:rPr>
-              <a:t>Modulationsindex</a:t>
-            </a:r>
-          </a:p>
-          <a:p>
-            <a:pPr marL="800100" lvl="1" indent="-342900">
-              <a:spcBef>
-                <a:spcPct val="20000"/>
-              </a:spcBef>
-              <a:buFont typeface="Arial" panose="020B0604020202020204" pitchFamily="34" charset="0"/>
-              <a:buChar char="•"/>
-            </a:pPr>
-            <a:r>
-              <a:rPr lang="de-DE" sz="2000" dirty="0" smtClean="0">
-                <a:latin typeface="Lato" pitchFamily="34" charset="0"/>
-              </a:rPr>
-              <a:t> :  Frequenzhub der Modulation</a:t>
-            </a:r>
-          </a:p>
-          <a:p>
-            <a:pPr marL="800100" lvl="1" indent="-342900">
-              <a:spcBef>
-                <a:spcPct val="20000"/>
-              </a:spcBef>
-              <a:buFont typeface="Arial" panose="020B0604020202020204" pitchFamily="34" charset="0"/>
-              <a:buChar char="•"/>
-            </a:pPr>
-            <a:r>
-              <a:rPr lang="de-DE" sz="2000" dirty="0">
-                <a:latin typeface="Lato" pitchFamily="34" charset="0"/>
-              </a:rPr>
-              <a:t> </a:t>
-            </a:r>
-            <a:r>
-              <a:rPr lang="de-DE" sz="2000" dirty="0" smtClean="0">
-                <a:latin typeface="Lato" pitchFamily="34" charset="0"/>
-              </a:rPr>
-              <a:t> 	:  Kreisfrequenz des Modulators</a:t>
-            </a:r>
-          </a:p>
-          <a:p>
-            <a:pPr lvl="1">
-              <a:spcBef>
-                <a:spcPct val="20000"/>
-              </a:spcBef>
-            </a:pPr>
-            <a:r>
-              <a:rPr lang="de-DE" sz="2000" dirty="0" smtClean="0">
-                <a:latin typeface="Lato" pitchFamily="34" charset="0"/>
-              </a:rPr>
-              <a:t>	= Verhältnis Frequenzhub zu </a:t>
-            </a:r>
-            <a:r>
-              <a:rPr lang="de-DE" sz="2000" dirty="0" err="1" smtClean="0">
-                <a:latin typeface="Lato" pitchFamily="34" charset="0"/>
-              </a:rPr>
-              <a:t>Modulatorfrequenz</a:t>
-            </a:r>
-            <a:endParaRPr lang="de-DE" sz="2000" dirty="0" smtClean="0">
+            <a:r>
+              <a:rPr lang="de-DE" sz="2800" dirty="0" smtClean="0">
+                <a:latin typeface="Lato" pitchFamily="34" charset="0"/>
+              </a:rPr>
+              <a:t>Grundlagen: Parameter nach </a:t>
+            </a:r>
+            <a:r>
+              <a:rPr lang="de-DE" sz="2800" dirty="0" err="1" smtClean="0">
+                <a:latin typeface="Lato" pitchFamily="34" charset="0"/>
+              </a:rPr>
+              <a:t>Chowning</a:t>
+            </a:r>
+            <a:endParaRPr lang="de-DE" sz="2800" dirty="0" smtClean="0">
               <a:latin typeface="Lato" pitchFamily="34" charset="0"/>
             </a:endParaRPr>
           </a:p>
-          <a:p>
-            <a:pPr marL="914400" lvl="1" indent="-457200">
-              <a:spcBef>
-                <a:spcPct val="20000"/>
-              </a:spcBef>
-              <a:buFont typeface="Arial" panose="020B0604020202020204" pitchFamily="34" charset="0"/>
-              <a:buChar char="•"/>
-            </a:pPr>
-            <a:endParaRPr lang="de-DE" sz="2000" dirty="0" smtClean="0">
-              <a:latin typeface="Lato" pitchFamily="34" charset="0"/>
-            </a:endParaRPr>
-          </a:p>
-        </p:txBody>
-      </p:sp>
-      <p:pic>
-        <p:nvPicPr>
-          <p:cNvPr id="25" name="Grafik 24"/>
-          <p:cNvPicPr>
-            <a:picLocks noChangeAspect="1"/>
-          </p:cNvPicPr>
-          <p:nvPr>
-            <p:custDataLst>
-              <p:tags r:id="rId4"/>
-            </p:custDataLst>
-          </p:nvPr>
-        </p:nvPicPr>
-        <p:blipFill>
-          <a:blip r:embed="rId11" cstate="print">
-            <a:extLst>
-              <a:ext uri="{28A0092B-C50C-407E-A947-70E740481C1C}">
-                <a14:useLocalDpi xmlns:a14="http://schemas.microsoft.com/office/drawing/2010/main" val="0"/>
-              </a:ext>
-            </a:extLst>
-          </a:blip>
-          <a:stretch>
-            <a:fillRect/>
-          </a:stretch>
-        </p:blipFill>
-        <p:spPr>
-          <a:xfrm>
-            <a:off x="1526398" y="2338703"/>
-            <a:ext cx="120413" cy="178333"/>
-          </a:xfrm>
-          <a:prstGeom prst="rect">
-            <a:avLst/>
-          </a:prstGeom>
-        </p:spPr>
-      </p:pic>
-      <p:pic>
-        <p:nvPicPr>
-          <p:cNvPr id="26" name="Grafik 25"/>
-          <p:cNvPicPr>
-            <a:picLocks noChangeAspect="1"/>
-          </p:cNvPicPr>
-          <p:nvPr>
-            <p:custDataLst>
-              <p:tags r:id="rId5"/>
-            </p:custDataLst>
-          </p:nvPr>
-        </p:nvPicPr>
-        <p:blipFill>
-          <a:blip r:embed="rId12" cstate="print">
-            <a:extLst>
-              <a:ext uri="{28A0092B-C50C-407E-A947-70E740481C1C}">
-                <a14:useLocalDpi xmlns:a14="http://schemas.microsoft.com/office/drawing/2010/main" val="0"/>
-              </a:ext>
-            </a:extLst>
-          </a:blip>
-          <a:stretch>
-            <a:fillRect/>
-          </a:stretch>
-        </p:blipFill>
-        <p:spPr>
-          <a:xfrm>
-            <a:off x="1493590" y="2745466"/>
-            <a:ext cx="207293" cy="114316"/>
-          </a:xfrm>
-          <a:prstGeom prst="rect">
-            <a:avLst/>
-          </a:prstGeom>
-        </p:spPr>
-      </p:pic>
-      <p:pic>
-        <p:nvPicPr>
-          <p:cNvPr id="27" name="Grafik 26"/>
-          <p:cNvPicPr>
-            <a:picLocks noChangeAspect="1"/>
-          </p:cNvPicPr>
-          <p:nvPr>
-            <p:custDataLst>
-              <p:tags r:id="rId6"/>
-            </p:custDataLst>
-          </p:nvPr>
-        </p:nvPicPr>
-        <p:blipFill>
-          <a:blip r:embed="rId13" cstate="print">
-            <a:extLst>
-              <a:ext uri="{28A0092B-C50C-407E-A947-70E740481C1C}">
-                <a14:useLocalDpi xmlns:a14="http://schemas.microsoft.com/office/drawing/2010/main" val="0"/>
-              </a:ext>
-            </a:extLst>
-          </a:blip>
-          <a:stretch>
-            <a:fillRect/>
-          </a:stretch>
-        </p:blipFill>
-        <p:spPr>
-          <a:xfrm>
-            <a:off x="1312094" y="3096064"/>
-            <a:ext cx="224059" cy="138703"/>
-          </a:xfrm>
-          <a:prstGeom prst="rect">
-            <a:avLst/>
-          </a:prstGeom>
-        </p:spPr>
-      </p:pic>
-      <p:pic>
-        <p:nvPicPr>
-          <p:cNvPr id="28" name="Grafik 27"/>
-          <p:cNvPicPr>
-            <a:picLocks noChangeAspect="1"/>
-          </p:cNvPicPr>
-          <p:nvPr>
-            <p:custDataLst>
-              <p:tags r:id="rId7"/>
-            </p:custDataLst>
-          </p:nvPr>
-        </p:nvPicPr>
-        <p:blipFill>
-          <a:blip r:embed="rId14" cstate="print">
-            <a:extLst>
-              <a:ext uri="{28A0092B-C50C-407E-A947-70E740481C1C}">
-                <a14:useLocalDpi xmlns:a14="http://schemas.microsoft.com/office/drawing/2010/main" val="0"/>
-              </a:ext>
-            </a:extLst>
-          </a:blip>
-          <a:stretch>
-            <a:fillRect/>
-          </a:stretch>
-        </p:blipFill>
-        <p:spPr>
-          <a:xfrm>
-            <a:off x="1597236" y="3088212"/>
-            <a:ext cx="120689" cy="175968"/>
-          </a:xfrm>
-          <a:prstGeom prst="rect">
-            <a:avLst/>
-          </a:prstGeom>
-        </p:spPr>
-      </p:pic>
+        </p:txBody>
+      </p:sp>
     </p:spTree>
   </p:cSld>
   <p:clrMapOvr>
@@ -10310,7 +10982,7 @@
 </p:sld>
 </file>
 
-<file path=ppt/slides/slide27.xml><?xml version="1.0" encoding="utf-8"?>
+<file path=ppt/slides/slide29.xml><?xml version="1.0" encoding="utf-8"?>
 <p:sld xmlns:a="http://schemas.openxmlformats.org/drawingml/2006/main" xmlns:r="http://schemas.openxmlformats.org/officeDocument/2006/relationships" xmlns:p="http://schemas.openxmlformats.org/presentationml/2006/main">
   <p:cSld>
     <p:spTree>
@@ -10406,7 +11078,7 @@
             <a:fld id="{6C6AE60A-B69C-4790-82F7-3882EDF23186}" type="slidenum">
               <a:rPr lang="de-DE" smtClean="0"/>
               <a:pPr/>
-              <a:t>27</a:t>
+              <a:t>29</a:t>
             </a:fld>
             <a:endParaRPr lang="de-DE" dirty="0"/>
           </a:p>
@@ -10421,19 +11093,19 @@
         <p:spPr>
           <a:xfrm>
             <a:off x="611560" y="195486"/>
-            <a:ext cx="3122971" cy="523220"/>
+            <a:ext cx="7920880" cy="523220"/>
           </a:xfrm>
           <a:prstGeom prst="rect">
             <a:avLst/>
           </a:prstGeom>
         </p:spPr>
         <p:txBody>
-          <a:bodyPr wrap="none">
+          <a:bodyPr wrap="square">
             <a:spAutoFit/>
           </a:bodyPr>
           <a:lstStyle/>
           <a:p>
-            <a:pPr>
+            <a:pPr algn="ctr">
               <a:buNone/>
             </a:pPr>
             <a:r>
@@ -10447,7 +11119,7 @@
       </p:sp>
       <p:sp>
         <p:nvSpPr>
-          <p:cNvPr id="11" name="Inhaltsplatzhalter 2"/>
+          <p:cNvPr id="9" name="Inhaltsplatzhalter 2"/>
           <p:cNvSpPr txBox="1">
             <a:spLocks/>
           </p:cNvSpPr>
@@ -10455,8 +11127,8 @@
         </p:nvSpPr>
         <p:spPr>
           <a:xfrm>
-            <a:off x="611560" y="1792982"/>
-            <a:ext cx="8229600" cy="2002904"/>
+            <a:off x="467544" y="1203598"/>
+            <a:ext cx="5754216" cy="2002905"/>
           </a:xfrm>
           <a:prstGeom prst="rect">
             <a:avLst/>
@@ -10468,34 +11140,25 @@
           </a:bodyPr>
           <a:lstStyle/>
           <a:p>
-            <a:pPr marL="342900" marR="0" lvl="0" indent="-342900" algn="l" defTabSz="914400" rtl="0" eaLnBrk="1" fontAlgn="auto" latinLnBrk="0" hangingPunct="1">
-              <a:lnSpc>
-                <a:spcPct val="100000"/>
-              </a:lnSpc>
+            <a:pPr lvl="0">
               <a:spcBef>
                 <a:spcPct val="20000"/>
               </a:spcBef>
-              <a:spcAft>
-                <a:spcPts val="0"/>
-              </a:spcAft>
-              <a:buClrTx/>
-              <a:buSzTx/>
-              <a:tabLst/>
-              <a:defRPr/>
             </a:pPr>
-            <a:endParaRPr kumimoji="0" lang="de-DE" sz="2000" b="0" i="0" u="none" strike="noStrike" kern="1200" cap="none" spc="0" normalizeH="0" baseline="0" noProof="0" dirty="0" smtClean="0">
-              <a:ln>
-                <a:noFill/>
-              </a:ln>
-              <a:solidFill>
-                <a:schemeClr val="tx1"/>
-              </a:solidFill>
-              <a:effectLst/>
-              <a:uLnTx/>
-              <a:uFillTx/>
+            <a:endParaRPr lang="de-DE" sz="2000" dirty="0" smtClean="0">
               <a:latin typeface="Lato" pitchFamily="34" charset="0"/>
-              <a:ea typeface="+mn-ea"/>
-              <a:cs typeface="+mn-cs"/>
+            </a:endParaRPr>
+          </a:p>
+          <a:p>
+            <a:pPr marL="342900" lvl="0" indent="-342900">
+              <a:spcBef>
+                <a:spcPct val="20000"/>
+              </a:spcBef>
+              <a:buFont typeface="Arial" panose="020B0604020202020204" pitchFamily="34" charset="0"/>
+              <a:buChar char="•"/>
+            </a:pPr>
+            <a:endParaRPr lang="de-DE" sz="2000" dirty="0" smtClean="0">
+              <a:latin typeface="Lato" pitchFamily="34" charset="0"/>
             </a:endParaRPr>
           </a:p>
         </p:txBody>
@@ -10544,25 +11207,102 @@
             <a:spLocks noGrp="1"/>
           </p:cNvSpPr>
           <p:nvPr>
+            <p:ph type="ctrTitle"/>
+          </p:nvPr>
+        </p:nvSpPr>
+        <p:spPr/>
+        <p:txBody>
+          <a:bodyPr/>
+          <a:lstStyle/>
+          <a:p>
+            <a:r>
+              <a:rPr lang="de-DE" dirty="0" smtClean="0"/>
+              <a:t>Einführung in die FM-Synthese</a:t>
+            </a:r>
+            <a:endParaRPr lang="de-DE" dirty="0"/>
+          </a:p>
+        </p:txBody>
+      </p:sp>
+      <p:sp>
+        <p:nvSpPr>
+          <p:cNvPr id="7" name="Untertitel 6"/>
+          <p:cNvSpPr>
+            <a:spLocks noGrp="1"/>
+          </p:cNvSpPr>
+          <p:nvPr>
+            <p:ph type="subTitle" idx="1"/>
+          </p:nvPr>
+        </p:nvSpPr>
+        <p:spPr/>
+        <p:txBody>
+          <a:bodyPr/>
+          <a:lstStyle/>
+          <a:p>
+            <a:r>
+              <a:rPr lang="de-DE" dirty="0" smtClean="0"/>
+              <a:t>Julius Hackel</a:t>
+            </a:r>
+            <a:endParaRPr lang="de-DE" dirty="0"/>
+          </a:p>
+        </p:txBody>
+      </p:sp>
+    </p:spTree>
+    <p:extLst>
+      <p:ext uri="{BB962C8B-B14F-4D97-AF65-F5344CB8AC3E}">
+        <p14:creationId xmlns:p14="http://schemas.microsoft.com/office/powerpoint/2010/main" val="1267264174"/>
+      </p:ext>
+    </p:extLst>
+  </p:cSld>
+  <p:clrMapOvr>
+    <a:masterClrMapping/>
+  </p:clrMapOvr>
+  <p:timing>
+    <p:tnLst>
+      <p:par>
+        <p:cTn id="1" dur="indefinite" restart="never" nodeType="tmRoot"/>
+      </p:par>
+    </p:tnLst>
+  </p:timing>
+</p:sld>
+</file>
+
+<file path=ppt/slides/slide30.xml><?xml version="1.0" encoding="utf-8"?>
+<p:sld xmlns:a="http://schemas.openxmlformats.org/drawingml/2006/main" xmlns:r="http://schemas.openxmlformats.org/officeDocument/2006/relationships" xmlns:p="http://schemas.openxmlformats.org/presentationml/2006/main">
+  <p:cSld>
+    <p:spTree>
+      <p:nvGrpSpPr>
+        <p:cNvPr id="1" name=""/>
+        <p:cNvGrpSpPr/>
+        <p:nvPr/>
+      </p:nvGrpSpPr>
+      <p:grpSpPr>
+        <a:xfrm>
+          <a:off x="0" y="0"/>
+          <a:ext cx="0" cy="0"/>
+          <a:chOff x="0" y="0"/>
+          <a:chExt cx="0" cy="0"/>
+        </a:xfrm>
+      </p:grpSpPr>
+      <p:sp>
+        <p:nvSpPr>
+          <p:cNvPr id="2" name="Titel 1"/>
+          <p:cNvSpPr>
+            <a:spLocks noGrp="1"/>
+          </p:cNvSpPr>
+          <p:nvPr>
             <p:ph type="title"/>
           </p:nvPr>
         </p:nvSpPr>
         <p:spPr/>
         <p:txBody>
-          <a:bodyPr>
-            <a:normAutofit/>
-          </a:bodyPr>
-          <a:lstStyle/>
-          <a:p>
-            <a:r>
-              <a:rPr lang="de-DE" sz="3600" dirty="0" smtClean="0">
-                <a:latin typeface="Lato" pitchFamily="34" charset="0"/>
-              </a:rPr>
-              <a:t>1. Einleitung</a:t>
-            </a:r>
-            <a:endParaRPr lang="de-DE" sz="3600" dirty="0">
-              <a:latin typeface="Lato" pitchFamily="34" charset="0"/>
-            </a:endParaRPr>
+          <a:bodyPr/>
+          <a:lstStyle/>
+          <a:p>
+            <a:r>
+              <a:rPr lang="de-DE" dirty="0" smtClean="0"/>
+              <a:t>Quellen</a:t>
+            </a:r>
+            <a:endParaRPr lang="de-DE" dirty="0"/>
           </a:p>
         </p:txBody>
       </p:sp>
@@ -10576,101 +11316,49 @@
             <p:ph idx="1"/>
           </p:nvPr>
         </p:nvSpPr>
+        <p:spPr>
+          <a:xfrm>
+            <a:off x="457200" y="699542"/>
+            <a:ext cx="8229600" cy="3394472"/>
+          </a:xfrm>
+        </p:spPr>
+        <p:txBody>
+          <a:bodyPr/>
+          <a:lstStyle/>
+          <a:p>
+            <a:r>
+              <a:rPr lang="de-DE" dirty="0" smtClean="0"/>
+              <a:t>Textquellen</a:t>
+            </a:r>
+          </a:p>
+          <a:p>
+            <a:endParaRPr lang="de-DE" dirty="0"/>
+          </a:p>
+          <a:p>
+            <a:endParaRPr lang="de-DE" dirty="0" smtClean="0"/>
+          </a:p>
+        </p:txBody>
+      </p:sp>
+      <p:sp>
+        <p:nvSpPr>
+          <p:cNvPr id="4" name="Datumsplatzhalter 3"/>
+          <p:cNvSpPr>
+            <a:spLocks noGrp="1"/>
+          </p:cNvSpPr>
+          <p:nvPr>
+            <p:ph type="dt" sz="half" idx="10"/>
+          </p:nvPr>
+        </p:nvSpPr>
         <p:spPr/>
         <p:txBody>
           <a:bodyPr/>
           <a:lstStyle/>
           <a:p>
-            <a:pPr>
-              <a:buNone/>
-            </a:pPr>
-            <a:r>
-              <a:rPr lang="de-DE" sz="2800" dirty="0" smtClean="0">
-                <a:latin typeface="Lato" pitchFamily="34" charset="0"/>
-              </a:rPr>
-              <a:t>Prinzip der FM-Synthese</a:t>
-            </a:r>
-          </a:p>
-          <a:p>
-            <a:endParaRPr lang="de-DE" sz="2000" dirty="0" smtClean="0">
-              <a:latin typeface="Lato" pitchFamily="34" charset="0"/>
-            </a:endParaRPr>
-          </a:p>
-          <a:p>
-            <a:r>
-              <a:rPr lang="de-DE" sz="2000" dirty="0" smtClean="0">
-                <a:latin typeface="Lato" pitchFamily="34" charset="0"/>
-              </a:rPr>
-              <a:t>Bekannt aus Nachrichtentechnik</a:t>
-            </a:r>
-          </a:p>
-          <a:p>
-            <a:r>
-              <a:rPr lang="de-DE" sz="2000" dirty="0" smtClean="0">
-                <a:latin typeface="Lato" pitchFamily="34" charset="0"/>
-              </a:rPr>
-              <a:t>Allgemein: Innerer Sinus moduliert Frequenz eines Trägersinus</a:t>
-            </a:r>
-          </a:p>
-          <a:p>
-            <a:pPr marL="0" indent="0">
-              <a:buNone/>
-            </a:pPr>
-            <a:endParaRPr lang="de-DE" sz="2000" dirty="0" smtClean="0">
-              <a:latin typeface="Lato" pitchFamily="34" charset="0"/>
-            </a:endParaRPr>
-          </a:p>
-          <a:p>
-            <a:r>
-              <a:rPr lang="de-DE" sz="2000" dirty="0" smtClean="0">
-                <a:latin typeface="Lato" pitchFamily="34" charset="0"/>
-              </a:rPr>
-              <a:t>Formel: </a:t>
-            </a:r>
-          </a:p>
-          <a:p>
-            <a:endParaRPr lang="de-DE" sz="2000" dirty="0" smtClean="0">
-              <a:latin typeface="Lato" pitchFamily="34" charset="0"/>
-            </a:endParaRPr>
-          </a:p>
-          <a:p>
-            <a:r>
-              <a:rPr lang="de-DE" sz="2000" dirty="0" smtClean="0">
-                <a:latin typeface="Lato" pitchFamily="34" charset="0"/>
-              </a:rPr>
-              <a:t>Funktioniert analog mit Cosinus</a:t>
-            </a:r>
-            <a:endParaRPr lang="de-DE" sz="2000" dirty="0">
-              <a:latin typeface="Lato" pitchFamily="34" charset="0"/>
-            </a:endParaRPr>
-          </a:p>
-        </p:txBody>
-      </p:sp>
-      <p:sp>
-        <p:nvSpPr>
-          <p:cNvPr id="4" name="Datumsplatzhalter 3"/>
-          <p:cNvSpPr>
-            <a:spLocks noGrp="1"/>
-          </p:cNvSpPr>
-          <p:nvPr>
-            <p:ph type="dt" sz="half" idx="10"/>
-          </p:nvPr>
-        </p:nvSpPr>
-        <p:spPr>
-          <a:xfrm>
-            <a:off x="6588224" y="4876006"/>
-            <a:ext cx="2133600" cy="273844"/>
-          </a:xfrm>
-        </p:spPr>
-        <p:txBody>
-          <a:bodyPr/>
-          <a:lstStyle/>
-          <a:p>
-            <a:fld id="{73EBDB3D-1284-4703-8FAB-D9B5400C77DD}" type="datetime1">
+            <a:fld id="{9369858E-D1D1-4BAC-A564-46FF792CFAC7}" type="datetime1">
               <a:rPr lang="de-DE" smtClean="0"/>
               <a:t>17.06.2015</a:t>
             </a:fld>
-            <a:endParaRPr lang="de-DE"/>
+            <a:endParaRPr lang="de-DE" dirty="0"/>
           </a:p>
         </p:txBody>
       </p:sp>
@@ -10684,12 +11372,7 @@
             <p:ph type="ftr" sz="quarter" idx="11"/>
           </p:nvPr>
         </p:nvSpPr>
-        <p:spPr>
-          <a:xfrm>
-            <a:off x="3131840" y="4876006"/>
-            <a:ext cx="2895600" cy="273844"/>
-          </a:xfrm>
-        </p:spPr>
+        <p:spPr/>
         <p:txBody>
           <a:bodyPr/>
           <a:lstStyle/>
@@ -10698,7 +11381,7 @@
               <a:rPr lang="de-DE" smtClean="0"/>
               <a:t>FM-Synthese</a:t>
             </a:r>
-            <a:endParaRPr lang="de-DE"/>
+            <a:endParaRPr lang="de-DE" dirty="0"/>
           </a:p>
         </p:txBody>
       </p:sp>
@@ -10712,12 +11395,7 @@
             <p:ph type="sldNum" sz="quarter" idx="12"/>
           </p:nvPr>
         </p:nvSpPr>
-        <p:spPr>
-          <a:xfrm>
-            <a:off x="0" y="4869656"/>
-            <a:ext cx="467544" cy="273844"/>
-          </a:xfrm>
-        </p:spPr>
+        <p:spPr/>
         <p:txBody>
           <a:bodyPr/>
           <a:lstStyle/>
@@ -10725,47 +11403,857 @@
             <a:fld id="{6C6AE60A-B69C-4790-82F7-3882EDF23186}" type="slidenum">
               <a:rPr lang="de-DE" smtClean="0"/>
               <a:pPr/>
-              <a:t>3</a:t>
+              <a:t>30</a:t>
             </a:fld>
+            <a:r>
+              <a:rPr lang="de-DE" smtClean="0"/>
+              <a:t>   </a:t>
+            </a:r>
             <a:endParaRPr lang="de-DE" dirty="0"/>
           </a:p>
         </p:txBody>
       </p:sp>
+      <p:pic>
+        <p:nvPicPr>
+          <p:cNvPr id="7" name="Grafik 6"/>
+          <p:cNvPicPr>
+            <a:picLocks noChangeAspect="1"/>
+          </p:cNvPicPr>
+          <p:nvPr/>
+        </p:nvPicPr>
+        <p:blipFill>
+          <a:blip r:embed="rId2"/>
+          <a:stretch>
+            <a:fillRect/>
+          </a:stretch>
+        </p:blipFill>
+        <p:spPr>
+          <a:xfrm>
+            <a:off x="814904" y="1338596"/>
+            <a:ext cx="6420097" cy="523955"/>
+          </a:xfrm>
+          <a:prstGeom prst="rect">
+            <a:avLst/>
+          </a:prstGeom>
+        </p:spPr>
+      </p:pic>
       <p:pic>
         <p:nvPicPr>
           <p:cNvPr id="8" name="Grafik 7"/>
           <p:cNvPicPr>
             <a:picLocks noChangeAspect="1"/>
           </p:cNvPicPr>
-          <p:nvPr>
-            <p:custDataLst>
-              <p:tags r:id="rId1"/>
-            </p:custDataLst>
-          </p:nvPr>
+          <p:nvPr/>
         </p:nvPicPr>
         <p:blipFill>
-          <a:blip r:embed="rId3" cstate="print">
-            <a:extLst>
-              <a:ext uri="{28A0092B-C50C-407E-A947-70E740481C1C}">
-                <a14:useLocalDpi xmlns:a14="http://schemas.microsoft.com/office/drawing/2010/main" val="0"/>
-              </a:ext>
-            </a:extLst>
-          </a:blip>
+          <a:blip r:embed="rId3"/>
           <a:stretch>
             <a:fillRect/>
           </a:stretch>
         </p:blipFill>
         <p:spPr>
           <a:xfrm>
-            <a:off x="1907704" y="3233569"/>
-            <a:ext cx="2940206" cy="253019"/>
+            <a:off x="814835" y="1984354"/>
+            <a:ext cx="6429136" cy="515388"/>
           </a:xfrm>
           <a:prstGeom prst="rect">
             <a:avLst/>
           </a:prstGeom>
         </p:spPr>
       </p:pic>
+      <p:pic>
+        <p:nvPicPr>
+          <p:cNvPr id="9" name="Grafik 8"/>
+          <p:cNvPicPr>
+            <a:picLocks noChangeAspect="1"/>
+          </p:cNvPicPr>
+          <p:nvPr/>
+        </p:nvPicPr>
+        <p:blipFill>
+          <a:blip r:embed="rId4"/>
+          <a:stretch>
+            <a:fillRect/>
+          </a:stretch>
+        </p:blipFill>
+        <p:spPr>
+          <a:xfrm>
+            <a:off x="825178" y="2584506"/>
+            <a:ext cx="6420097" cy="491300"/>
+          </a:xfrm>
+          <a:prstGeom prst="rect">
+            <a:avLst/>
+          </a:prstGeom>
+        </p:spPr>
+      </p:pic>
+      <p:pic>
+        <p:nvPicPr>
+          <p:cNvPr id="10" name="Grafik 9"/>
+          <p:cNvPicPr>
+            <a:picLocks noChangeAspect="1"/>
+          </p:cNvPicPr>
+          <p:nvPr/>
+        </p:nvPicPr>
+        <p:blipFill>
+          <a:blip r:embed="rId5"/>
+          <a:stretch>
+            <a:fillRect/>
+          </a:stretch>
+        </p:blipFill>
+        <p:spPr>
+          <a:xfrm>
+            <a:off x="848039" y="3344724"/>
+            <a:ext cx="6409158" cy="451162"/>
+          </a:xfrm>
+          <a:prstGeom prst="rect">
+            <a:avLst/>
+          </a:prstGeom>
+        </p:spPr>
+      </p:pic>
+      <p:pic>
+        <p:nvPicPr>
+          <p:cNvPr id="17" name="Grafik 16"/>
+          <p:cNvPicPr>
+            <a:picLocks noChangeAspect="1"/>
+          </p:cNvPicPr>
+          <p:nvPr/>
+        </p:nvPicPr>
+        <p:blipFill>
+          <a:blip r:embed="rId6"/>
+          <a:stretch>
+            <a:fillRect/>
+          </a:stretch>
+        </p:blipFill>
+        <p:spPr>
+          <a:xfrm>
+            <a:off x="846635" y="3986915"/>
+            <a:ext cx="3365325" cy="322426"/>
+          </a:xfrm>
+          <a:prstGeom prst="rect">
+            <a:avLst/>
+          </a:prstGeom>
+        </p:spPr>
+      </p:pic>
     </p:spTree>
+    <p:extLst>
+      <p:ext uri="{BB962C8B-B14F-4D97-AF65-F5344CB8AC3E}">
+        <p14:creationId xmlns:p14="http://schemas.microsoft.com/office/powerpoint/2010/main" val="2118323314"/>
+      </p:ext>
+    </p:extLst>
+  </p:cSld>
+  <p:clrMapOvr>
+    <a:masterClrMapping/>
+  </p:clrMapOvr>
+  <p:timing>
+    <p:tnLst>
+      <p:par>
+        <p:cTn id="1" dur="indefinite" restart="never" nodeType="tmRoot"/>
+      </p:par>
+    </p:tnLst>
+  </p:timing>
+</p:sld>
+</file>
+
+<file path=ppt/slides/slide31.xml><?xml version="1.0" encoding="utf-8"?>
+<p:sld xmlns:a="http://schemas.openxmlformats.org/drawingml/2006/main" xmlns:r="http://schemas.openxmlformats.org/officeDocument/2006/relationships" xmlns:p="http://schemas.openxmlformats.org/presentationml/2006/main">
+  <p:cSld>
+    <p:spTree>
+      <p:nvGrpSpPr>
+        <p:cNvPr id="1" name=""/>
+        <p:cNvGrpSpPr/>
+        <p:nvPr/>
+      </p:nvGrpSpPr>
+      <p:grpSpPr>
+        <a:xfrm>
+          <a:off x="0" y="0"/>
+          <a:ext cx="0" cy="0"/>
+          <a:chOff x="0" y="0"/>
+          <a:chExt cx="0" cy="0"/>
+        </a:xfrm>
+      </p:grpSpPr>
+      <p:sp>
+        <p:nvSpPr>
+          <p:cNvPr id="2" name="Titel 1"/>
+          <p:cNvSpPr>
+            <a:spLocks noGrp="1"/>
+          </p:cNvSpPr>
+          <p:nvPr>
+            <p:ph type="title"/>
+          </p:nvPr>
+        </p:nvSpPr>
+        <p:spPr/>
+        <p:txBody>
+          <a:bodyPr/>
+          <a:lstStyle/>
+          <a:p>
+            <a:r>
+              <a:rPr lang="de-DE" dirty="0" smtClean="0"/>
+              <a:t>Quellen</a:t>
+            </a:r>
+            <a:endParaRPr lang="de-DE" dirty="0"/>
+          </a:p>
+        </p:txBody>
+      </p:sp>
+      <p:sp>
+        <p:nvSpPr>
+          <p:cNvPr id="3" name="Inhaltsplatzhalter 2"/>
+          <p:cNvSpPr>
+            <a:spLocks noGrp="1"/>
+          </p:cNvSpPr>
+          <p:nvPr>
+            <p:ph idx="1"/>
+          </p:nvPr>
+        </p:nvSpPr>
+        <p:spPr>
+          <a:xfrm>
+            <a:off x="457200" y="699542"/>
+            <a:ext cx="8229600" cy="3394472"/>
+          </a:xfrm>
+        </p:spPr>
+        <p:txBody>
+          <a:bodyPr/>
+          <a:lstStyle/>
+          <a:p>
+            <a:r>
+              <a:rPr lang="de-DE" dirty="0" smtClean="0"/>
+              <a:t>Textquellen</a:t>
+            </a:r>
+          </a:p>
+          <a:p>
+            <a:endParaRPr lang="de-DE" dirty="0"/>
+          </a:p>
+          <a:p>
+            <a:endParaRPr lang="de-DE" dirty="0" smtClean="0"/>
+          </a:p>
+        </p:txBody>
+      </p:sp>
+      <p:sp>
+        <p:nvSpPr>
+          <p:cNvPr id="4" name="Datumsplatzhalter 3"/>
+          <p:cNvSpPr>
+            <a:spLocks noGrp="1"/>
+          </p:cNvSpPr>
+          <p:nvPr>
+            <p:ph type="dt" sz="half" idx="10"/>
+          </p:nvPr>
+        </p:nvSpPr>
+        <p:spPr/>
+        <p:txBody>
+          <a:bodyPr/>
+          <a:lstStyle/>
+          <a:p>
+            <a:fld id="{9369858E-D1D1-4BAC-A564-46FF792CFAC7}" type="datetime1">
+              <a:rPr lang="de-DE" smtClean="0"/>
+              <a:t>17.06.2015</a:t>
+            </a:fld>
+            <a:endParaRPr lang="de-DE" dirty="0"/>
+          </a:p>
+        </p:txBody>
+      </p:sp>
+      <p:sp>
+        <p:nvSpPr>
+          <p:cNvPr id="5" name="Fußzeilenplatzhalter 4"/>
+          <p:cNvSpPr>
+            <a:spLocks noGrp="1"/>
+          </p:cNvSpPr>
+          <p:nvPr>
+            <p:ph type="ftr" sz="quarter" idx="11"/>
+          </p:nvPr>
+        </p:nvSpPr>
+        <p:spPr/>
+        <p:txBody>
+          <a:bodyPr/>
+          <a:lstStyle/>
+          <a:p>
+            <a:r>
+              <a:rPr lang="de-DE" smtClean="0"/>
+              <a:t>FM-Synthese</a:t>
+            </a:r>
+            <a:endParaRPr lang="de-DE" dirty="0"/>
+          </a:p>
+        </p:txBody>
+      </p:sp>
+      <p:sp>
+        <p:nvSpPr>
+          <p:cNvPr id="6" name="Foliennummernplatzhalter 5"/>
+          <p:cNvSpPr>
+            <a:spLocks noGrp="1"/>
+          </p:cNvSpPr>
+          <p:nvPr>
+            <p:ph type="sldNum" sz="quarter" idx="12"/>
+          </p:nvPr>
+        </p:nvSpPr>
+        <p:spPr/>
+        <p:txBody>
+          <a:bodyPr/>
+          <a:lstStyle/>
+          <a:p>
+            <a:fld id="{6C6AE60A-B69C-4790-82F7-3882EDF23186}" type="slidenum">
+              <a:rPr lang="de-DE" smtClean="0"/>
+              <a:pPr/>
+              <a:t>31</a:t>
+            </a:fld>
+            <a:r>
+              <a:rPr lang="de-DE" smtClean="0"/>
+              <a:t>   </a:t>
+            </a:r>
+            <a:endParaRPr lang="de-DE" dirty="0"/>
+          </a:p>
+        </p:txBody>
+      </p:sp>
+      <p:pic>
+        <p:nvPicPr>
+          <p:cNvPr id="14" name="Grafik 13"/>
+          <p:cNvPicPr>
+            <a:picLocks noChangeAspect="1"/>
+          </p:cNvPicPr>
+          <p:nvPr/>
+        </p:nvPicPr>
+        <p:blipFill>
+          <a:blip r:embed="rId2"/>
+          <a:stretch>
+            <a:fillRect/>
+          </a:stretch>
+        </p:blipFill>
+        <p:spPr>
+          <a:xfrm>
+            <a:off x="825178" y="1419622"/>
+            <a:ext cx="6411118" cy="476860"/>
+          </a:xfrm>
+          <a:prstGeom prst="rect">
+            <a:avLst/>
+          </a:prstGeom>
+        </p:spPr>
+      </p:pic>
+      <p:pic>
+        <p:nvPicPr>
+          <p:cNvPr id="15" name="Grafik 14"/>
+          <p:cNvPicPr>
+            <a:picLocks noChangeAspect="1"/>
+          </p:cNvPicPr>
+          <p:nvPr/>
+        </p:nvPicPr>
+        <p:blipFill>
+          <a:blip r:embed="rId3"/>
+          <a:stretch>
+            <a:fillRect/>
+          </a:stretch>
+        </p:blipFill>
+        <p:spPr>
+          <a:xfrm>
+            <a:off x="812578" y="2067694"/>
+            <a:ext cx="6463669" cy="462756"/>
+          </a:xfrm>
+          <a:prstGeom prst="rect">
+            <a:avLst/>
+          </a:prstGeom>
+        </p:spPr>
+      </p:pic>
+      <p:pic>
+        <p:nvPicPr>
+          <p:cNvPr id="16" name="Grafik 15"/>
+          <p:cNvPicPr>
+            <a:picLocks noChangeAspect="1"/>
+          </p:cNvPicPr>
+          <p:nvPr/>
+        </p:nvPicPr>
+        <p:blipFill>
+          <a:blip r:embed="rId4"/>
+          <a:stretch>
+            <a:fillRect/>
+          </a:stretch>
+        </p:blipFill>
+        <p:spPr>
+          <a:xfrm>
+            <a:off x="852629" y="2787774"/>
+            <a:ext cx="6410948" cy="460307"/>
+          </a:xfrm>
+          <a:prstGeom prst="rect">
+            <a:avLst/>
+          </a:prstGeom>
+        </p:spPr>
+      </p:pic>
+    </p:spTree>
+    <p:extLst>
+      <p:ext uri="{BB962C8B-B14F-4D97-AF65-F5344CB8AC3E}">
+        <p14:creationId xmlns:p14="http://schemas.microsoft.com/office/powerpoint/2010/main" val="494616744"/>
+      </p:ext>
+    </p:extLst>
+  </p:cSld>
+  <p:clrMapOvr>
+    <a:masterClrMapping/>
+  </p:clrMapOvr>
+  <p:timing>
+    <p:tnLst>
+      <p:par>
+        <p:cTn id="1" dur="indefinite" restart="never" nodeType="tmRoot"/>
+      </p:par>
+    </p:tnLst>
+  </p:timing>
+</p:sld>
+</file>
+
+<file path=ppt/slides/slide32.xml><?xml version="1.0" encoding="utf-8"?>
+<p:sld xmlns:a="http://schemas.openxmlformats.org/drawingml/2006/main" xmlns:r="http://schemas.openxmlformats.org/officeDocument/2006/relationships" xmlns:p="http://schemas.openxmlformats.org/presentationml/2006/main">
+  <p:cSld>
+    <p:spTree>
+      <p:nvGrpSpPr>
+        <p:cNvPr id="1" name=""/>
+        <p:cNvGrpSpPr/>
+        <p:nvPr/>
+      </p:nvGrpSpPr>
+      <p:grpSpPr>
+        <a:xfrm>
+          <a:off x="0" y="0"/>
+          <a:ext cx="0" cy="0"/>
+          <a:chOff x="0" y="0"/>
+          <a:chExt cx="0" cy="0"/>
+        </a:xfrm>
+      </p:grpSpPr>
+      <p:sp>
+        <p:nvSpPr>
+          <p:cNvPr id="2" name="Titel 1"/>
+          <p:cNvSpPr>
+            <a:spLocks noGrp="1"/>
+          </p:cNvSpPr>
+          <p:nvPr>
+            <p:ph type="title"/>
+          </p:nvPr>
+        </p:nvSpPr>
+        <p:spPr/>
+        <p:txBody>
+          <a:bodyPr/>
+          <a:lstStyle/>
+          <a:p>
+            <a:r>
+              <a:rPr lang="de-DE" dirty="0" smtClean="0"/>
+              <a:t>Quellen</a:t>
+            </a:r>
+            <a:endParaRPr lang="de-DE" dirty="0"/>
+          </a:p>
+        </p:txBody>
+      </p:sp>
+      <p:sp>
+        <p:nvSpPr>
+          <p:cNvPr id="3" name="Inhaltsplatzhalter 2"/>
+          <p:cNvSpPr>
+            <a:spLocks noGrp="1"/>
+          </p:cNvSpPr>
+          <p:nvPr>
+            <p:ph idx="1"/>
+          </p:nvPr>
+        </p:nvSpPr>
+        <p:spPr>
+          <a:xfrm>
+            <a:off x="457200" y="843558"/>
+            <a:ext cx="8229600" cy="718137"/>
+          </a:xfrm>
+        </p:spPr>
+        <p:txBody>
+          <a:bodyPr/>
+          <a:lstStyle/>
+          <a:p>
+            <a:r>
+              <a:rPr lang="de-DE" dirty="0" smtClean="0"/>
+              <a:t>Bildquellen</a:t>
+            </a:r>
+          </a:p>
+          <a:p>
+            <a:endParaRPr lang="de-DE" dirty="0"/>
+          </a:p>
+          <a:p>
+            <a:endParaRPr lang="de-DE" dirty="0" smtClean="0"/>
+          </a:p>
+        </p:txBody>
+      </p:sp>
+      <p:sp>
+        <p:nvSpPr>
+          <p:cNvPr id="4" name="Datumsplatzhalter 3"/>
+          <p:cNvSpPr>
+            <a:spLocks noGrp="1"/>
+          </p:cNvSpPr>
+          <p:nvPr>
+            <p:ph type="dt" sz="half" idx="10"/>
+          </p:nvPr>
+        </p:nvSpPr>
+        <p:spPr/>
+        <p:txBody>
+          <a:bodyPr/>
+          <a:lstStyle/>
+          <a:p>
+            <a:fld id="{9369858E-D1D1-4BAC-A564-46FF792CFAC7}" type="datetime1">
+              <a:rPr lang="de-DE" smtClean="0"/>
+              <a:t>17.06.2015</a:t>
+            </a:fld>
+            <a:endParaRPr lang="de-DE" dirty="0"/>
+          </a:p>
+        </p:txBody>
+      </p:sp>
+      <p:sp>
+        <p:nvSpPr>
+          <p:cNvPr id="5" name="Fußzeilenplatzhalter 4"/>
+          <p:cNvSpPr>
+            <a:spLocks noGrp="1"/>
+          </p:cNvSpPr>
+          <p:nvPr>
+            <p:ph type="ftr" sz="quarter" idx="11"/>
+          </p:nvPr>
+        </p:nvSpPr>
+        <p:spPr/>
+        <p:txBody>
+          <a:bodyPr/>
+          <a:lstStyle/>
+          <a:p>
+            <a:r>
+              <a:rPr lang="de-DE" smtClean="0"/>
+              <a:t>FM-Synthese</a:t>
+            </a:r>
+            <a:endParaRPr lang="de-DE" dirty="0"/>
+          </a:p>
+        </p:txBody>
+      </p:sp>
+      <p:sp>
+        <p:nvSpPr>
+          <p:cNvPr id="6" name="Foliennummernplatzhalter 5"/>
+          <p:cNvSpPr>
+            <a:spLocks noGrp="1"/>
+          </p:cNvSpPr>
+          <p:nvPr>
+            <p:ph type="sldNum" sz="quarter" idx="12"/>
+          </p:nvPr>
+        </p:nvSpPr>
+        <p:spPr/>
+        <p:txBody>
+          <a:bodyPr/>
+          <a:lstStyle/>
+          <a:p>
+            <a:fld id="{6C6AE60A-B69C-4790-82F7-3882EDF23186}" type="slidenum">
+              <a:rPr lang="de-DE" smtClean="0"/>
+              <a:pPr/>
+              <a:t>32</a:t>
+            </a:fld>
+            <a:r>
+              <a:rPr lang="de-DE" smtClean="0"/>
+              <a:t>   </a:t>
+            </a:r>
+            <a:endParaRPr lang="de-DE" dirty="0"/>
+          </a:p>
+        </p:txBody>
+      </p:sp>
+      <p:pic>
+        <p:nvPicPr>
+          <p:cNvPr id="10" name="Grafik 9"/>
+          <p:cNvPicPr>
+            <a:picLocks noChangeAspect="1"/>
+          </p:cNvPicPr>
+          <p:nvPr/>
+        </p:nvPicPr>
+        <p:blipFill>
+          <a:blip r:embed="rId6"/>
+          <a:stretch>
+            <a:fillRect/>
+          </a:stretch>
+        </p:blipFill>
+        <p:spPr>
+          <a:xfrm>
+            <a:off x="868680" y="1851670"/>
+            <a:ext cx="5166321" cy="392800"/>
+          </a:xfrm>
+          <a:prstGeom prst="rect">
+            <a:avLst/>
+          </a:prstGeom>
+        </p:spPr>
+      </p:pic>
+      <p:pic>
+        <p:nvPicPr>
+          <p:cNvPr id="12" name="Grafik 11"/>
+          <p:cNvPicPr>
+            <a:picLocks noChangeAspect="1"/>
+          </p:cNvPicPr>
+          <p:nvPr/>
+        </p:nvPicPr>
+        <p:blipFill>
+          <a:blip r:embed="rId7"/>
+          <a:stretch>
+            <a:fillRect/>
+          </a:stretch>
+        </p:blipFill>
+        <p:spPr>
+          <a:xfrm>
+            <a:off x="879970" y="1419622"/>
+            <a:ext cx="4823506" cy="364914"/>
+          </a:xfrm>
+          <a:prstGeom prst="rect">
+            <a:avLst/>
+          </a:prstGeom>
+        </p:spPr>
+      </p:pic>
+      <p:pic>
+        <p:nvPicPr>
+          <p:cNvPr id="13" name="Grafik 12"/>
+          <p:cNvPicPr>
+            <a:picLocks noChangeAspect="1"/>
+          </p:cNvPicPr>
+          <p:nvPr/>
+        </p:nvPicPr>
+        <p:blipFill>
+          <a:blip r:embed="rId8"/>
+          <a:stretch>
+            <a:fillRect/>
+          </a:stretch>
+        </p:blipFill>
+        <p:spPr>
+          <a:xfrm>
+            <a:off x="868680" y="2283718"/>
+            <a:ext cx="2016982" cy="218949"/>
+          </a:xfrm>
+          <a:prstGeom prst="rect">
+            <a:avLst/>
+          </a:prstGeom>
+        </p:spPr>
+      </p:pic>
+      <p:pic>
+        <p:nvPicPr>
+          <p:cNvPr id="14" name="Grafik 13"/>
+          <p:cNvPicPr>
+            <a:picLocks noChangeAspect="1"/>
+          </p:cNvPicPr>
+          <p:nvPr/>
+        </p:nvPicPr>
+        <p:blipFill>
+          <a:blip r:embed="rId9"/>
+          <a:stretch>
+            <a:fillRect/>
+          </a:stretch>
+        </p:blipFill>
+        <p:spPr>
+          <a:xfrm>
+            <a:off x="885643" y="2592471"/>
+            <a:ext cx="5154506" cy="380358"/>
+          </a:xfrm>
+          <a:prstGeom prst="rect">
+            <a:avLst/>
+          </a:prstGeom>
+        </p:spPr>
+      </p:pic>
+      <p:pic>
+        <p:nvPicPr>
+          <p:cNvPr id="16" name="Grafik 15"/>
+          <p:cNvPicPr>
+            <a:picLocks noChangeAspect="1"/>
+          </p:cNvPicPr>
+          <p:nvPr/>
+        </p:nvPicPr>
+        <p:blipFill rotWithShape="1">
+          <a:blip r:embed="rId10"/>
+          <a:srcRect t="13740"/>
+          <a:stretch/>
+        </p:blipFill>
+        <p:spPr>
+          <a:xfrm>
+            <a:off x="874353" y="3312551"/>
+            <a:ext cx="5153087" cy="339319"/>
+          </a:xfrm>
+          <a:prstGeom prst="rect">
+            <a:avLst/>
+          </a:prstGeom>
+        </p:spPr>
+      </p:pic>
+      <p:pic>
+        <p:nvPicPr>
+          <p:cNvPr id="17" name="Grafik 16"/>
+          <p:cNvPicPr>
+            <a:picLocks noChangeAspect="1"/>
+          </p:cNvPicPr>
+          <p:nvPr/>
+        </p:nvPicPr>
+        <p:blipFill>
+          <a:blip r:embed="rId11"/>
+          <a:stretch>
+            <a:fillRect/>
+          </a:stretch>
+        </p:blipFill>
+        <p:spPr>
+          <a:xfrm>
+            <a:off x="874353" y="3003798"/>
+            <a:ext cx="1765804" cy="236794"/>
+          </a:xfrm>
+          <a:prstGeom prst="rect">
+            <a:avLst/>
+          </a:prstGeom>
+        </p:spPr>
+      </p:pic>
+      <p:grpSp>
+        <p:nvGrpSpPr>
+          <p:cNvPr id="26" name="Gruppieren 25"/>
+          <p:cNvGrpSpPr/>
+          <p:nvPr/>
+        </p:nvGrpSpPr>
+        <p:grpSpPr>
+          <a:xfrm>
+            <a:off x="905370" y="3723878"/>
+            <a:ext cx="4988174" cy="303539"/>
+            <a:chOff x="905370" y="3723878"/>
+            <a:chExt cx="4988174" cy="303539"/>
+          </a:xfrm>
+        </p:grpSpPr>
+        <p:pic>
+          <p:nvPicPr>
+            <p:cNvPr id="24" name="Grafik 23"/>
+            <p:cNvPicPr>
+              <a:picLocks noChangeAspect="1"/>
+            </p:cNvPicPr>
+            <p:nvPr>
+              <p:custDataLst>
+                <p:tags r:id="rId3"/>
+              </p:custDataLst>
+            </p:nvPr>
+          </p:nvPicPr>
+          <p:blipFill>
+            <a:blip r:embed="rId12" cstate="print">
+              <a:extLst>
+                <a:ext uri="{28A0092B-C50C-407E-A947-70E740481C1C}">
+                  <a14:useLocalDpi xmlns:a14="http://schemas.microsoft.com/office/drawing/2010/main" val="0"/>
+                </a:ext>
+              </a:extLst>
+            </a:blip>
+            <a:stretch>
+              <a:fillRect/>
+            </a:stretch>
+          </p:blipFill>
+          <p:spPr>
+            <a:xfrm>
+              <a:off x="905370" y="3723878"/>
+              <a:ext cx="4988174" cy="156453"/>
+            </a:xfrm>
+            <a:prstGeom prst="rect">
+              <a:avLst/>
+            </a:prstGeom>
+          </p:spPr>
+        </p:pic>
+        <p:pic>
+          <p:nvPicPr>
+            <p:cNvPr id="25" name="Grafik 24"/>
+            <p:cNvPicPr>
+              <a:picLocks noChangeAspect="1"/>
+            </p:cNvPicPr>
+            <p:nvPr>
+              <p:custDataLst>
+                <p:tags r:id="rId4"/>
+              </p:custDataLst>
+            </p:nvPr>
+          </p:nvPicPr>
+          <p:blipFill>
+            <a:blip r:embed="rId13" cstate="print">
+              <a:extLst>
+                <a:ext uri="{28A0092B-C50C-407E-A947-70E740481C1C}">
+                  <a14:useLocalDpi xmlns:a14="http://schemas.microsoft.com/office/drawing/2010/main" val="0"/>
+                </a:ext>
+              </a:extLst>
+            </a:blip>
+            <a:stretch>
+              <a:fillRect/>
+            </a:stretch>
+          </p:blipFill>
+          <p:spPr>
+            <a:xfrm>
+              <a:off x="2646507" y="3915309"/>
+              <a:ext cx="1139755" cy="112108"/>
+            </a:xfrm>
+            <a:prstGeom prst="rect">
+              <a:avLst/>
+            </a:prstGeom>
+          </p:spPr>
+        </p:pic>
+      </p:grpSp>
+      <p:grpSp>
+        <p:nvGrpSpPr>
+          <p:cNvPr id="31" name="Gruppieren 30"/>
+          <p:cNvGrpSpPr/>
+          <p:nvPr/>
+        </p:nvGrpSpPr>
+        <p:grpSpPr>
+          <a:xfrm>
+            <a:off x="879970" y="4208269"/>
+            <a:ext cx="6860382" cy="307697"/>
+            <a:chOff x="879970" y="4136261"/>
+            <a:chExt cx="6860382" cy="307697"/>
+          </a:xfrm>
+        </p:grpSpPr>
+        <p:pic>
+          <p:nvPicPr>
+            <p:cNvPr id="29" name="Grafik 28"/>
+            <p:cNvPicPr>
+              <a:picLocks noChangeAspect="1"/>
+            </p:cNvPicPr>
+            <p:nvPr>
+              <p:custDataLst>
+                <p:tags r:id="rId1"/>
+              </p:custDataLst>
+            </p:nvPr>
+          </p:nvPicPr>
+          <p:blipFill>
+            <a:blip r:embed="rId14" cstate="print">
+              <a:extLst>
+                <a:ext uri="{28A0092B-C50C-407E-A947-70E740481C1C}">
+                  <a14:useLocalDpi xmlns:a14="http://schemas.microsoft.com/office/drawing/2010/main" val="0"/>
+                </a:ext>
+              </a:extLst>
+            </a:blip>
+            <a:stretch>
+              <a:fillRect/>
+            </a:stretch>
+          </p:blipFill>
+          <p:spPr>
+            <a:xfrm>
+              <a:off x="879970" y="4136261"/>
+              <a:ext cx="6860382" cy="158682"/>
+            </a:xfrm>
+            <a:prstGeom prst="rect">
+              <a:avLst/>
+            </a:prstGeom>
+          </p:spPr>
+        </p:pic>
+        <p:pic>
+          <p:nvPicPr>
+            <p:cNvPr id="30" name="Grafik 29"/>
+            <p:cNvPicPr>
+              <a:picLocks noChangeAspect="1"/>
+            </p:cNvPicPr>
+            <p:nvPr>
+              <p:custDataLst>
+                <p:tags r:id="rId2"/>
+              </p:custDataLst>
+            </p:nvPr>
+          </p:nvPicPr>
+          <p:blipFill>
+            <a:blip r:embed="rId13" cstate="print">
+              <a:extLst>
+                <a:ext uri="{28A0092B-C50C-407E-A947-70E740481C1C}">
+                  <a14:useLocalDpi xmlns:a14="http://schemas.microsoft.com/office/drawing/2010/main" val="0"/>
+                </a:ext>
+              </a:extLst>
+            </a:blip>
+            <a:stretch>
+              <a:fillRect/>
+            </a:stretch>
+          </p:blipFill>
+          <p:spPr>
+            <a:xfrm>
+              <a:off x="2646507" y="4331850"/>
+              <a:ext cx="1139755" cy="112108"/>
+            </a:xfrm>
+            <a:prstGeom prst="rect">
+              <a:avLst/>
+            </a:prstGeom>
+          </p:spPr>
+        </p:pic>
+      </p:grpSp>
+    </p:spTree>
+    <p:extLst>
+      <p:ext uri="{BB962C8B-B14F-4D97-AF65-F5344CB8AC3E}">
+        <p14:creationId xmlns:p14="http://schemas.microsoft.com/office/powerpoint/2010/main" val="3574486776"/>
+      </p:ext>
+    </p:extLst>
   </p:cSld>
   <p:clrMapOvr>
     <a:masterClrMapping/>
@@ -10817,7 +12305,7 @@
           <a:bodyPr/>
           <a:lstStyle/>
           <a:p>
-            <a:fld id="{57104889-ED7B-46E1-A53D-000D0D04FFF0}" type="datetime1">
+            <a:fld id="{73EBDB3D-1284-4703-8FAB-D9B5400C77DD}" type="datetime1">
               <a:rPr lang="de-DE" smtClean="0"/>
               <a:t>17.06.2015</a:t>
             </a:fld>
@@ -10882,65 +12370,35 @@
           </a:p>
         </p:txBody>
       </p:sp>
-      <p:pic>
-        <p:nvPicPr>
-          <p:cNvPr id="1027" name="Picture 3" descr="D:\Julius\Documents\GitHub\VSeminar\Dok\Kapitel\img\schaltung.png"/>
-          <p:cNvPicPr>
-            <a:picLocks noChangeAspect="1" noChangeArrowheads="1"/>
-          </p:cNvPicPr>
-          <p:nvPr/>
-        </p:nvPicPr>
-        <p:blipFill>
-          <a:blip r:embed="rId4" cstate="print"/>
-          <a:srcRect/>
-          <a:stretch>
-            <a:fillRect/>
-          </a:stretch>
-        </p:blipFill>
-        <p:spPr bwMode="auto">
-          <a:xfrm>
-            <a:off x="611560" y="1563638"/>
-            <a:ext cx="4608512" cy="1854926"/>
-          </a:xfrm>
-          <a:prstGeom prst="rect">
-            <a:avLst/>
-          </a:prstGeom>
-          <a:noFill/>
-        </p:spPr>
-      </p:pic>
-      <p:sp>
-        <p:nvSpPr>
-          <p:cNvPr id="12" name="Textfeld 11"/>
-          <p:cNvSpPr txBox="1"/>
-          <p:nvPr/>
-        </p:nvSpPr>
-        <p:spPr>
-          <a:xfrm>
-            <a:off x="467544" y="411510"/>
-            <a:ext cx="4896544" cy="1261884"/>
-          </a:xfrm>
-          <a:prstGeom prst="rect">
-            <a:avLst/>
-          </a:prstGeom>
-          <a:noFill/>
-        </p:spPr>
-        <p:txBody>
-          <a:bodyPr wrap="square" rtlCol="0">
-            <a:spAutoFit/>
-          </a:bodyPr>
-          <a:lstStyle/>
-          <a:p>
+      <p:sp>
+        <p:nvSpPr>
+          <p:cNvPr id="3" name="Inhaltsplatzhalter 2"/>
+          <p:cNvSpPr>
+            <a:spLocks noGrp="1"/>
+          </p:cNvSpPr>
+          <p:nvPr>
+            <p:ph idx="1"/>
+          </p:nvPr>
+        </p:nvSpPr>
+        <p:spPr>
+          <a:xfrm>
+            <a:off x="457200" y="411510"/>
+            <a:ext cx="8229600" cy="792088"/>
+          </a:xfrm>
+        </p:spPr>
+        <p:txBody>
+          <a:bodyPr/>
+          <a:lstStyle/>
+          <a:p>
+            <a:pPr algn="ctr">
+              <a:buNone/>
+            </a:pPr>
             <a:r>
               <a:rPr lang="de-DE" sz="2800" dirty="0" smtClean="0">
                 <a:latin typeface="Lato" pitchFamily="34" charset="0"/>
               </a:rPr>
-              <a:t>Darstellung als Schaltung</a:t>
-            </a:r>
-          </a:p>
-          <a:p>
-            <a:endParaRPr lang="de-DE" sz="2800" dirty="0" smtClean="0">
-              <a:latin typeface="Lato" pitchFamily="34" charset="0"/>
-            </a:endParaRPr>
+              <a:t>Prinzip der FM-Synthese</a:t>
+            </a:r>
           </a:p>
           <a:p>
             <a:endParaRPr lang="de-DE" sz="2000" dirty="0" smtClean="0">
@@ -10949,145 +12407,148 @@
           </a:p>
         </p:txBody>
       </p:sp>
-      <p:sp>
-        <p:nvSpPr>
-          <p:cNvPr id="13" name="Textfeld 12"/>
-          <p:cNvSpPr txBox="1"/>
+      <p:grpSp>
+        <p:nvGrpSpPr>
+          <p:cNvPr id="10" name="Gruppieren 9"/>
+          <p:cNvGrpSpPr/>
           <p:nvPr/>
-        </p:nvSpPr>
-        <p:spPr>
-          <a:xfrm>
-            <a:off x="5436096" y="1491630"/>
-            <a:ext cx="3707904" cy="1938992"/>
-          </a:xfrm>
-          <a:prstGeom prst="rect">
-            <a:avLst/>
-          </a:prstGeom>
-          <a:noFill/>
-        </p:spPr>
-        <p:txBody>
-          <a:bodyPr wrap="square" rtlCol="0">
-            <a:spAutoFit/>
-          </a:bodyPr>
-          <a:lstStyle/>
-          <a:p>
-            <a:r>
-              <a:rPr lang="de-DE" sz="2000" dirty="0" smtClean="0">
-                <a:latin typeface="Lato" pitchFamily="34" charset="0"/>
-              </a:rPr>
-              <a:t> 	Frequenzen der </a:t>
-            </a:r>
-          </a:p>
-          <a:p>
-            <a:r>
-              <a:rPr lang="de-DE" sz="2000" dirty="0" smtClean="0">
-                <a:latin typeface="Lato" pitchFamily="34" charset="0"/>
-              </a:rPr>
-              <a:t>	Oszillatoren</a:t>
-            </a:r>
-          </a:p>
-          <a:p>
-            <a:r>
-              <a:rPr lang="de-DE" sz="2000" dirty="0" smtClean="0">
-                <a:latin typeface="Lato" pitchFamily="34" charset="0"/>
-              </a:rPr>
-              <a:t>	Modulationsindex</a:t>
-            </a:r>
-          </a:p>
-          <a:p>
-            <a:r>
-              <a:rPr lang="de-DE" sz="2000" dirty="0" smtClean="0">
-                <a:latin typeface="Lato" pitchFamily="34" charset="0"/>
-              </a:rPr>
-              <a:t>VCA: 	Spannungsgesteuerter </a:t>
-            </a:r>
-          </a:p>
-          <a:p>
-            <a:r>
-              <a:rPr lang="de-DE" sz="2000" dirty="0" smtClean="0">
-                <a:latin typeface="Lato" pitchFamily="34" charset="0"/>
-              </a:rPr>
-              <a:t>	Verstärker</a:t>
-            </a:r>
-          </a:p>
-          <a:p>
-            <a:r>
-              <a:rPr lang="de-DE" sz="2000" dirty="0" smtClean="0">
-                <a:latin typeface="Lato" pitchFamily="34" charset="0"/>
-              </a:rPr>
-              <a:t>EG: 	Hüllkurvengenerator</a:t>
-            </a:r>
-          </a:p>
-        </p:txBody>
-      </p:sp>
-      <p:pic>
-        <p:nvPicPr>
-          <p:cNvPr id="7" name="Grafik 6"/>
-          <p:cNvPicPr>
-            <a:picLocks noChangeAspect="1"/>
-          </p:cNvPicPr>
-          <p:nvPr>
-            <p:custDataLst>
-              <p:tags r:id="rId1"/>
-            </p:custDataLst>
-          </p:nvPr>
-        </p:nvPicPr>
-        <p:blipFill>
-          <a:blip r:embed="rId5" cstate="print">
-            <a:extLst>
-              <a:ext uri="{28A0092B-C50C-407E-A947-70E740481C1C}">
-                <a14:useLocalDpi xmlns:a14="http://schemas.microsoft.com/office/drawing/2010/main" val="0"/>
-              </a:ext>
-            </a:extLst>
-          </a:blip>
-          <a:stretch>
-            <a:fillRect/>
-          </a:stretch>
-        </p:blipFill>
-        <p:spPr>
-          <a:xfrm>
-            <a:off x="5510529" y="1605848"/>
-            <a:ext cx="792702" cy="230697"/>
-          </a:xfrm>
-          <a:prstGeom prst="rect">
-            <a:avLst/>
-          </a:prstGeom>
-        </p:spPr>
-      </p:pic>
-      <p:pic>
-        <p:nvPicPr>
-          <p:cNvPr id="3" name="Grafik 2"/>
-          <p:cNvPicPr>
-            <a:picLocks noChangeAspect="1"/>
-          </p:cNvPicPr>
-          <p:nvPr>
-            <p:custDataLst>
-              <p:tags r:id="rId2"/>
-            </p:custDataLst>
-          </p:nvPr>
-        </p:nvPicPr>
-        <p:blipFill>
-          <a:blip r:embed="rId6" cstate="print">
-            <a:extLst>
-              <a:ext uri="{28A0092B-C50C-407E-A947-70E740481C1C}">
-                <a14:useLocalDpi xmlns:a14="http://schemas.microsoft.com/office/drawing/2010/main" val="0"/>
-              </a:ext>
-            </a:extLst>
-          </a:blip>
-          <a:stretch>
-            <a:fillRect/>
-          </a:stretch>
-        </p:blipFill>
-        <p:spPr>
-          <a:xfrm>
-            <a:off x="5540003" y="2222989"/>
-            <a:ext cx="269823" cy="227642"/>
-          </a:xfrm>
-          <a:prstGeom prst="rect">
-            <a:avLst/>
-          </a:prstGeom>
-        </p:spPr>
-      </p:pic>
+        </p:nvGrpSpPr>
+        <p:grpSpPr>
+          <a:xfrm>
+            <a:off x="467544" y="1488142"/>
+            <a:ext cx="5904656" cy="2523768"/>
+            <a:chOff x="683568" y="1275606"/>
+            <a:chExt cx="5904656" cy="2523768"/>
+          </a:xfrm>
+        </p:grpSpPr>
+        <p:sp>
+          <p:nvSpPr>
+            <p:cNvPr id="9" name="Textfeld 8"/>
+            <p:cNvSpPr txBox="1"/>
+            <p:nvPr/>
+          </p:nvSpPr>
+          <p:spPr>
+            <a:xfrm>
+              <a:off x="683568" y="1275606"/>
+              <a:ext cx="5904656" cy="2523768"/>
+            </a:xfrm>
+            <a:prstGeom prst="rect">
+              <a:avLst/>
+            </a:prstGeom>
+            <a:noFill/>
+          </p:spPr>
+          <p:txBody>
+            <a:bodyPr wrap="square" rtlCol="0">
+              <a:spAutoFit/>
+            </a:bodyPr>
+            <a:lstStyle/>
+            <a:p>
+              <a:pPr marL="342900" indent="-342900">
+                <a:buFont typeface="Arial" panose="020B0604020202020204" pitchFamily="34" charset="0"/>
+                <a:buChar char="•"/>
+              </a:pPr>
+              <a:r>
+                <a:rPr lang="de-DE" sz="2000" dirty="0">
+                  <a:latin typeface="Lato" pitchFamily="34" charset="0"/>
+                </a:rPr>
+                <a:t>Bekannt aus Nachrichtentechnik</a:t>
+              </a:r>
+            </a:p>
+            <a:p>
+              <a:pPr marL="342900" indent="-342900">
+                <a:buFont typeface="Arial" panose="020B0604020202020204" pitchFamily="34" charset="0"/>
+                <a:buChar char="•"/>
+              </a:pPr>
+              <a:r>
+                <a:rPr lang="de-DE" sz="2000" dirty="0">
+                  <a:latin typeface="Lato" pitchFamily="34" charset="0"/>
+                </a:rPr>
+                <a:t>Allgemein: Innerer Sinus moduliert Frequenz eines Trägersinus</a:t>
+              </a:r>
+            </a:p>
+            <a:p>
+              <a:endParaRPr lang="de-DE" sz="2000" dirty="0">
+                <a:latin typeface="Lato" pitchFamily="34" charset="0"/>
+              </a:endParaRPr>
+            </a:p>
+            <a:p>
+              <a:pPr marL="342900" indent="-342900">
+                <a:buFont typeface="Arial" panose="020B0604020202020204" pitchFamily="34" charset="0"/>
+                <a:buChar char="•"/>
+              </a:pPr>
+              <a:r>
+                <a:rPr lang="de-DE" sz="2000" dirty="0">
+                  <a:latin typeface="Lato" pitchFamily="34" charset="0"/>
+                </a:rPr>
+                <a:t>Formel: </a:t>
+              </a:r>
+            </a:p>
+            <a:p>
+              <a:endParaRPr lang="de-DE" sz="2000" dirty="0">
+                <a:latin typeface="Lato" pitchFamily="34" charset="0"/>
+              </a:endParaRPr>
+            </a:p>
+            <a:p>
+              <a:pPr marL="342900" indent="-342900">
+                <a:buFont typeface="Arial" panose="020B0604020202020204" pitchFamily="34" charset="0"/>
+                <a:buChar char="•"/>
+              </a:pPr>
+              <a:r>
+                <a:rPr lang="de-DE" sz="2000" dirty="0">
+                  <a:latin typeface="Lato" pitchFamily="34" charset="0"/>
+                </a:rPr>
+                <a:t>Funktioniert analog mit </a:t>
+              </a:r>
+              <a:r>
+                <a:rPr lang="de-DE" sz="2000" dirty="0" smtClean="0">
+                  <a:latin typeface="Lato" pitchFamily="34" charset="0"/>
+                </a:rPr>
+                <a:t>Kosinus</a:t>
+              </a:r>
+              <a:endParaRPr lang="de-DE" sz="2000" dirty="0">
+                <a:latin typeface="Lato" pitchFamily="34" charset="0"/>
+              </a:endParaRPr>
+            </a:p>
+            <a:p>
+              <a:endParaRPr lang="de-DE" dirty="0"/>
+            </a:p>
+          </p:txBody>
+        </p:sp>
+        <p:pic>
+          <p:nvPicPr>
+            <p:cNvPr id="8" name="Grafik 7"/>
+            <p:cNvPicPr>
+              <a:picLocks noChangeAspect="1"/>
+            </p:cNvPicPr>
+            <p:nvPr>
+              <p:custDataLst>
+                <p:tags r:id="rId1"/>
+              </p:custDataLst>
+            </p:nvPr>
+          </p:nvPicPr>
+          <p:blipFill>
+            <a:blip r:embed="rId3" cstate="print">
+              <a:extLst>
+                <a:ext uri="{28A0092B-C50C-407E-A947-70E740481C1C}">
+                  <a14:useLocalDpi xmlns:a14="http://schemas.microsoft.com/office/drawing/2010/main" val="0"/>
+                </a:ext>
+              </a:extLst>
+            </a:blip>
+            <a:stretch>
+              <a:fillRect/>
+            </a:stretch>
+          </p:blipFill>
+          <p:spPr>
+            <a:xfrm>
+              <a:off x="2063842" y="2582024"/>
+              <a:ext cx="2940206" cy="253019"/>
+            </a:xfrm>
+            <a:prstGeom prst="rect">
+              <a:avLst/>
+            </a:prstGeom>
+          </p:spPr>
+        </p:pic>
+      </p:grpSp>
     </p:spTree>
   </p:cSld>
   <p:clrMapOvr>
@@ -11140,7 +12601,7 @@
           <a:bodyPr/>
           <a:lstStyle/>
           <a:p>
-            <a:fld id="{7863A709-473A-488B-BD2D-9CF65648D40C}" type="datetime1">
+            <a:fld id="{57104889-ED7B-46E1-A53D-000D0D04FFF0}" type="datetime1">
               <a:rPr lang="de-DE" smtClean="0"/>
               <a:t>17.06.2015</a:t>
             </a:fld>
@@ -11205,28 +12666,370 @@
           </a:p>
         </p:txBody>
       </p:sp>
-      <p:sp>
-        <p:nvSpPr>
-          <p:cNvPr id="7" name="Textfeld 6"/>
-          <p:cNvSpPr txBox="1"/>
+      <p:pic>
+        <p:nvPicPr>
+          <p:cNvPr id="1027" name="Picture 3" descr="D:\Julius\Documents\GitHub\VSeminar\Dok\Kapitel\img\schaltung.png"/>
+          <p:cNvPicPr>
+            <a:picLocks noChangeAspect="1" noChangeArrowheads="1"/>
+          </p:cNvPicPr>
           <p:nvPr/>
-        </p:nvSpPr>
-        <p:spPr>
-          <a:xfrm>
-            <a:off x="467544" y="411510"/>
-            <a:ext cx="4896544" cy="2308324"/>
+        </p:nvPicPr>
+        <p:blipFill>
+          <a:blip r:embed="rId4" cstate="print"/>
+          <a:srcRect/>
+          <a:stretch>
+            <a:fillRect/>
+          </a:stretch>
+        </p:blipFill>
+        <p:spPr bwMode="auto">
+          <a:xfrm>
+            <a:off x="467544" y="1563638"/>
+            <a:ext cx="4608512" cy="1854926"/>
           </a:xfrm>
           <a:prstGeom prst="rect">
             <a:avLst/>
           </a:prstGeom>
           <a:noFill/>
         </p:spPr>
+      </p:pic>
+      <p:sp>
+        <p:nvSpPr>
+          <p:cNvPr id="12" name="Textfeld 11"/>
+          <p:cNvSpPr txBox="1"/>
+          <p:nvPr/>
+        </p:nvSpPr>
+        <p:spPr>
+          <a:xfrm>
+            <a:off x="467544" y="411510"/>
+            <a:ext cx="8254280" cy="1261884"/>
+          </a:xfrm>
+          <a:prstGeom prst="rect">
+            <a:avLst/>
+          </a:prstGeom>
+          <a:noFill/>
+        </p:spPr>
         <p:txBody>
           <a:bodyPr wrap="square" rtlCol="0">
             <a:spAutoFit/>
           </a:bodyPr>
           <a:lstStyle/>
           <a:p>
+            <a:pPr algn="ctr"/>
+            <a:r>
+              <a:rPr lang="de-DE" sz="2800" dirty="0" smtClean="0">
+                <a:latin typeface="Lato" pitchFamily="34" charset="0"/>
+              </a:rPr>
+              <a:t>Darstellung als Schaltung</a:t>
+            </a:r>
+          </a:p>
+          <a:p>
+            <a:pPr algn="ctr"/>
+            <a:endParaRPr lang="de-DE" sz="2800" dirty="0" smtClean="0">
+              <a:latin typeface="Lato" pitchFamily="34" charset="0"/>
+            </a:endParaRPr>
+          </a:p>
+          <a:p>
+            <a:pPr algn="ctr"/>
+            <a:endParaRPr lang="de-DE" sz="2000" dirty="0" smtClean="0">
+              <a:latin typeface="Lato" pitchFamily="34" charset="0"/>
+            </a:endParaRPr>
+          </a:p>
+        </p:txBody>
+      </p:sp>
+      <p:grpSp>
+        <p:nvGrpSpPr>
+          <p:cNvPr id="9" name="Gruppieren 8"/>
+          <p:cNvGrpSpPr/>
+          <p:nvPr/>
+        </p:nvGrpSpPr>
+        <p:grpSpPr>
+          <a:xfrm>
+            <a:off x="5292080" y="1491630"/>
+            <a:ext cx="3707904" cy="1938992"/>
+            <a:chOff x="5400600" y="1491630"/>
+            <a:chExt cx="3707904" cy="1938992"/>
+          </a:xfrm>
+        </p:grpSpPr>
+        <p:sp>
+          <p:nvSpPr>
+            <p:cNvPr id="13" name="Textfeld 12"/>
+            <p:cNvSpPr txBox="1"/>
+            <p:nvPr/>
+          </p:nvSpPr>
+          <p:spPr>
+            <a:xfrm>
+              <a:off x="5400600" y="1491630"/>
+              <a:ext cx="3707904" cy="1938992"/>
+            </a:xfrm>
+            <a:prstGeom prst="rect">
+              <a:avLst/>
+            </a:prstGeom>
+            <a:noFill/>
+          </p:spPr>
+          <p:txBody>
+            <a:bodyPr wrap="square" rtlCol="0">
+              <a:spAutoFit/>
+            </a:bodyPr>
+            <a:lstStyle/>
+            <a:p>
+              <a:r>
+                <a:rPr lang="de-DE" sz="2000" dirty="0" smtClean="0">
+                  <a:latin typeface="Lato" pitchFamily="34" charset="0"/>
+                </a:rPr>
+                <a:t> 	Frequenzen der </a:t>
+              </a:r>
+            </a:p>
+            <a:p>
+              <a:r>
+                <a:rPr lang="de-DE" sz="2000" dirty="0" smtClean="0">
+                  <a:latin typeface="Lato" pitchFamily="34" charset="0"/>
+                </a:rPr>
+                <a:t>	Oszillatoren</a:t>
+              </a:r>
+            </a:p>
+            <a:p>
+              <a:r>
+                <a:rPr lang="de-DE" sz="2000" dirty="0" smtClean="0">
+                  <a:latin typeface="Lato" pitchFamily="34" charset="0"/>
+                </a:rPr>
+                <a:t>	Modulationsindex</a:t>
+              </a:r>
+            </a:p>
+            <a:p>
+              <a:r>
+                <a:rPr lang="de-DE" sz="2000" dirty="0" smtClean="0">
+                  <a:latin typeface="Lato" pitchFamily="34" charset="0"/>
+                </a:rPr>
+                <a:t>VCA: 	Spannungsgesteuerter </a:t>
+              </a:r>
+            </a:p>
+            <a:p>
+              <a:r>
+                <a:rPr lang="de-DE" sz="2000" dirty="0" smtClean="0">
+                  <a:latin typeface="Lato" pitchFamily="34" charset="0"/>
+                </a:rPr>
+                <a:t>	Verstärker</a:t>
+              </a:r>
+            </a:p>
+            <a:p>
+              <a:r>
+                <a:rPr lang="de-DE" sz="2000" dirty="0" smtClean="0">
+                  <a:latin typeface="Lato" pitchFamily="34" charset="0"/>
+                </a:rPr>
+                <a:t>EG: 	Hüllkurvengenerator</a:t>
+              </a:r>
+            </a:p>
+          </p:txBody>
+        </p:sp>
+        <p:pic>
+          <p:nvPicPr>
+            <p:cNvPr id="7" name="Grafik 6"/>
+            <p:cNvPicPr>
+              <a:picLocks noChangeAspect="1"/>
+            </p:cNvPicPr>
+            <p:nvPr>
+              <p:custDataLst>
+                <p:tags r:id="rId1"/>
+              </p:custDataLst>
+            </p:nvPr>
+          </p:nvPicPr>
+          <p:blipFill>
+            <a:blip r:embed="rId5" cstate="print">
+              <a:extLst>
+                <a:ext uri="{28A0092B-C50C-407E-A947-70E740481C1C}">
+                  <a14:useLocalDpi xmlns:a14="http://schemas.microsoft.com/office/drawing/2010/main" val="0"/>
+                </a:ext>
+              </a:extLst>
+            </a:blip>
+            <a:stretch>
+              <a:fillRect/>
+            </a:stretch>
+          </p:blipFill>
+          <p:spPr>
+            <a:xfrm>
+              <a:off x="5510529" y="1605848"/>
+              <a:ext cx="792702" cy="230697"/>
+            </a:xfrm>
+            <a:prstGeom prst="rect">
+              <a:avLst/>
+            </a:prstGeom>
+          </p:spPr>
+        </p:pic>
+        <p:pic>
+          <p:nvPicPr>
+            <p:cNvPr id="3" name="Grafik 2"/>
+            <p:cNvPicPr>
+              <a:picLocks noChangeAspect="1"/>
+            </p:cNvPicPr>
+            <p:nvPr>
+              <p:custDataLst>
+                <p:tags r:id="rId2"/>
+              </p:custDataLst>
+            </p:nvPr>
+          </p:nvPicPr>
+          <p:blipFill>
+            <a:blip r:embed="rId6" cstate="print">
+              <a:extLst>
+                <a:ext uri="{28A0092B-C50C-407E-A947-70E740481C1C}">
+                  <a14:useLocalDpi xmlns:a14="http://schemas.microsoft.com/office/drawing/2010/main" val="0"/>
+                </a:ext>
+              </a:extLst>
+            </a:blip>
+            <a:stretch>
+              <a:fillRect/>
+            </a:stretch>
+          </p:blipFill>
+          <p:spPr>
+            <a:xfrm>
+              <a:off x="5540003" y="2222989"/>
+              <a:ext cx="269823" cy="227642"/>
+            </a:xfrm>
+            <a:prstGeom prst="rect">
+              <a:avLst/>
+            </a:prstGeom>
+          </p:spPr>
+        </p:pic>
+      </p:grpSp>
+    </p:spTree>
+  </p:cSld>
+  <p:clrMapOvr>
+    <a:masterClrMapping/>
+  </p:clrMapOvr>
+  <p:timing>
+    <p:tnLst>
+      <p:par>
+        <p:cTn id="1" dur="indefinite" restart="never" nodeType="tmRoot"/>
+      </p:par>
+    </p:tnLst>
+  </p:timing>
+</p:sld>
+</file>
+
+<file path=ppt/slides/slide6.xml><?xml version="1.0" encoding="utf-8"?>
+<p:sld xmlns:a="http://schemas.openxmlformats.org/drawingml/2006/main" xmlns:r="http://schemas.openxmlformats.org/officeDocument/2006/relationships" xmlns:p="http://schemas.openxmlformats.org/presentationml/2006/main">
+  <p:cSld>
+    <p:spTree>
+      <p:nvGrpSpPr>
+        <p:cNvPr id="1" name=""/>
+        <p:cNvGrpSpPr/>
+        <p:nvPr/>
+      </p:nvGrpSpPr>
+      <p:grpSpPr>
+        <a:xfrm>
+          <a:off x="0" y="0"/>
+          <a:ext cx="0" cy="0"/>
+          <a:chOff x="0" y="0"/>
+          <a:chExt cx="0" cy="0"/>
+        </a:xfrm>
+      </p:grpSpPr>
+      <p:sp>
+        <p:nvSpPr>
+          <p:cNvPr id="4" name="Datumsplatzhalter 3"/>
+          <p:cNvSpPr>
+            <a:spLocks noGrp="1"/>
+          </p:cNvSpPr>
+          <p:nvPr>
+            <p:ph type="dt" sz="half" idx="10"/>
+          </p:nvPr>
+        </p:nvSpPr>
+        <p:spPr>
+          <a:xfrm>
+            <a:off x="6588224" y="4876006"/>
+            <a:ext cx="2133600" cy="273844"/>
+          </a:xfrm>
+        </p:spPr>
+        <p:txBody>
+          <a:bodyPr/>
+          <a:lstStyle/>
+          <a:p>
+            <a:fld id="{7863A709-473A-488B-BD2D-9CF65648D40C}" type="datetime1">
+              <a:rPr lang="de-DE" smtClean="0"/>
+              <a:t>17.06.2015</a:t>
+            </a:fld>
+            <a:endParaRPr lang="de-DE"/>
+          </a:p>
+        </p:txBody>
+      </p:sp>
+      <p:sp>
+        <p:nvSpPr>
+          <p:cNvPr id="5" name="Fußzeilenplatzhalter 4"/>
+          <p:cNvSpPr>
+            <a:spLocks noGrp="1"/>
+          </p:cNvSpPr>
+          <p:nvPr>
+            <p:ph type="ftr" sz="quarter" idx="11"/>
+          </p:nvPr>
+        </p:nvSpPr>
+        <p:spPr>
+          <a:xfrm>
+            <a:off x="3131840" y="4876006"/>
+            <a:ext cx="2895600" cy="273844"/>
+          </a:xfrm>
+        </p:spPr>
+        <p:txBody>
+          <a:bodyPr/>
+          <a:lstStyle/>
+          <a:p>
+            <a:r>
+              <a:rPr lang="de-DE" smtClean="0"/>
+              <a:t>FM-Synthese</a:t>
+            </a:r>
+            <a:endParaRPr lang="de-DE"/>
+          </a:p>
+        </p:txBody>
+      </p:sp>
+      <p:sp>
+        <p:nvSpPr>
+          <p:cNvPr id="6" name="Foliennummernplatzhalter 5"/>
+          <p:cNvSpPr>
+            <a:spLocks noGrp="1"/>
+          </p:cNvSpPr>
+          <p:nvPr>
+            <p:ph type="sldNum" sz="quarter" idx="12"/>
+          </p:nvPr>
+        </p:nvSpPr>
+        <p:spPr>
+          <a:xfrm>
+            <a:off x="0" y="4869656"/>
+            <a:ext cx="467544" cy="273844"/>
+          </a:xfrm>
+        </p:spPr>
+        <p:txBody>
+          <a:bodyPr/>
+          <a:lstStyle/>
+          <a:p>
+            <a:fld id="{6C6AE60A-B69C-4790-82F7-3882EDF23186}" type="slidenum">
+              <a:rPr lang="de-DE" smtClean="0"/>
+              <a:pPr/>
+              <a:t>6</a:t>
+            </a:fld>
+            <a:endParaRPr lang="de-DE" dirty="0"/>
+          </a:p>
+        </p:txBody>
+      </p:sp>
+      <p:sp>
+        <p:nvSpPr>
+          <p:cNvPr id="7" name="Textfeld 6"/>
+          <p:cNvSpPr txBox="1"/>
+          <p:nvPr/>
+        </p:nvSpPr>
+        <p:spPr>
+          <a:xfrm>
+            <a:off x="467544" y="411510"/>
+            <a:ext cx="8254280" cy="2308324"/>
+          </a:xfrm>
+          <a:prstGeom prst="rect">
+            <a:avLst/>
+          </a:prstGeom>
+          <a:noFill/>
+        </p:spPr>
+        <p:txBody>
+          <a:bodyPr wrap="square" rtlCol="0">
+            <a:spAutoFit/>
+          </a:bodyPr>
+          <a:lstStyle/>
+          <a:p>
+            <a:pPr algn="ctr"/>
             <a:r>
               <a:rPr lang="de-DE" sz="2800" dirty="0" smtClean="0">
                 <a:latin typeface="Lato" pitchFamily="34" charset="0"/>
@@ -11324,7 +13127,7 @@
           <a:graphicData uri="http://schemas.openxmlformats.org/presentationml/2006/ole">
             <mc:AlternateContent xmlns:mc="http://schemas.openxmlformats.org/markup-compatibility/2006">
               <mc:Choice xmlns:v="urn:schemas-microsoft-com:vml" Requires="v">
-                <p:oleObj spid="_x0000_s2098" name="Formel" r:id="rId4" imgW="114120" imgH="215640" progId="Equation.3">
+                <p:oleObj spid="_x0000_s2147" name="Formel" r:id="rId4" imgW="114120" imgH="215640" progId="Equation.3">
                   <p:embed/>
                 </p:oleObj>
               </mc:Choice>
@@ -11393,7 +13196,7 @@
 </p:sld>
 </file>
 
-<file path=ppt/slides/slide6.xml><?xml version="1.0" encoding="utf-8"?>
+<file path=ppt/slides/slide7.xml><?xml version="1.0" encoding="utf-8"?>
 <p:sld xmlns:a="http://schemas.openxmlformats.org/drawingml/2006/main" xmlns:r="http://schemas.openxmlformats.org/officeDocument/2006/relationships" xmlns:p="http://schemas.openxmlformats.org/presentationml/2006/main">
   <p:cSld>
     <p:spTree>
@@ -11518,7 +13321,7 @@
             <a:fld id="{6C6AE60A-B69C-4790-82F7-3882EDF23186}" type="slidenum">
               <a:rPr lang="de-DE" smtClean="0"/>
               <a:pPr/>
-              <a:t>6</a:t>
+              <a:t>7</a:t>
             </a:fld>
             <a:endParaRPr lang="de-DE" dirty="0"/>
           </a:p>
@@ -11562,7 +13365,7 @@
         </p:nvGrpSpPr>
         <p:grpSpPr>
           <a:xfrm>
-            <a:off x="251520" y="1203598"/>
+            <a:off x="326390" y="1203598"/>
             <a:ext cx="3751828" cy="3447098"/>
             <a:chOff x="251520" y="1203598"/>
             <a:chExt cx="3751828" cy="3447098"/>
@@ -11776,7 +13579,7 @@
 </p:sld>
 </file>
 
-<file path=ppt/slides/slide7.xml><?xml version="1.0" encoding="utf-8"?>
+<file path=ppt/slides/slide8.xml><?xml version="1.0" encoding="utf-8"?>
 <p:sld xmlns:a="http://schemas.openxmlformats.org/drawingml/2006/main" xmlns:r="http://schemas.openxmlformats.org/officeDocument/2006/relationships" xmlns:p="http://schemas.openxmlformats.org/presentationml/2006/main">
   <p:cSld>
     <p:spTree>
@@ -11901,7 +13704,7 @@
             <a:fld id="{6C6AE60A-B69C-4790-82F7-3882EDF23186}" type="slidenum">
               <a:rPr lang="de-DE" smtClean="0"/>
               <a:pPr/>
-              <a:t>7</a:t>
+              <a:t>8</a:t>
             </a:fld>
             <a:endParaRPr lang="de-DE" dirty="0"/>
           </a:p>
@@ -11951,7 +13754,7 @@
         </p:nvGrpSpPr>
         <p:grpSpPr>
           <a:xfrm>
-            <a:off x="251520" y="1203598"/>
+            <a:off x="324261" y="1203598"/>
             <a:ext cx="3867151" cy="3447098"/>
             <a:chOff x="251520" y="1203598"/>
             <a:chExt cx="3867151" cy="3447098"/>
@@ -12170,251 +13973,6 @@
 </p:sld>
 </file>
 
-<file path=ppt/slides/slide8.xml><?xml version="1.0" encoding="utf-8"?>
-<p:sld xmlns:a="http://schemas.openxmlformats.org/drawingml/2006/main" xmlns:r="http://schemas.openxmlformats.org/officeDocument/2006/relationships" xmlns:p="http://schemas.openxmlformats.org/presentationml/2006/main">
-  <p:cSld>
-    <p:spTree>
-      <p:nvGrpSpPr>
-        <p:cNvPr id="1" name=""/>
-        <p:cNvGrpSpPr/>
-        <p:nvPr/>
-      </p:nvGrpSpPr>
-      <p:grpSpPr>
-        <a:xfrm>
-          <a:off x="0" y="0"/>
-          <a:ext cx="0" cy="0"/>
-          <a:chOff x="0" y="0"/>
-          <a:chExt cx="0" cy="0"/>
-        </a:xfrm>
-      </p:grpSpPr>
-      <p:sp>
-        <p:nvSpPr>
-          <p:cNvPr id="2" name="Titel 1"/>
-          <p:cNvSpPr>
-            <a:spLocks noGrp="1"/>
-          </p:cNvSpPr>
-          <p:nvPr>
-            <p:ph type="title"/>
-          </p:nvPr>
-        </p:nvSpPr>
-        <p:spPr/>
-        <p:txBody>
-          <a:bodyPr>
-            <a:normAutofit/>
-          </a:bodyPr>
-          <a:lstStyle/>
-          <a:p>
-            <a:r>
-              <a:rPr lang="de-DE" sz="2800" dirty="0" smtClean="0">
-                <a:latin typeface="Lato" pitchFamily="34" charset="0"/>
-              </a:rPr>
-              <a:t>Songbeispiele</a:t>
-            </a:r>
-            <a:endParaRPr lang="de-DE" sz="2800" dirty="0">
-              <a:latin typeface="Lato" pitchFamily="34" charset="0"/>
-            </a:endParaRPr>
-          </a:p>
-        </p:txBody>
-      </p:sp>
-      <p:sp>
-        <p:nvSpPr>
-          <p:cNvPr id="3" name="Inhaltsplatzhalter 2"/>
-          <p:cNvSpPr>
-            <a:spLocks noGrp="1"/>
-          </p:cNvSpPr>
-          <p:nvPr>
-            <p:ph idx="1"/>
-          </p:nvPr>
-        </p:nvSpPr>
-        <p:spPr/>
-        <p:txBody>
-          <a:bodyPr/>
-          <a:lstStyle/>
-          <a:p>
-            <a:r>
-              <a:rPr lang="de-DE" sz="2000" dirty="0" smtClean="0">
-                <a:latin typeface="Lato" pitchFamily="34" charset="0"/>
-              </a:rPr>
-              <a:t>Erste, mit FM-Synthese erstellte Stücke</a:t>
-            </a:r>
-          </a:p>
-          <a:p>
-            <a:r>
-              <a:rPr lang="de-DE" sz="2000" dirty="0" smtClean="0">
-                <a:latin typeface="Lato" pitchFamily="34" charset="0"/>
-              </a:rPr>
-              <a:t>Von John </a:t>
-            </a:r>
-            <a:r>
-              <a:rPr lang="de-DE" sz="2000" dirty="0" err="1" smtClean="0">
-                <a:latin typeface="Lato" pitchFamily="34" charset="0"/>
-              </a:rPr>
-              <a:t>Chowning</a:t>
-            </a:r>
-            <a:r>
-              <a:rPr lang="de-DE" sz="2000" dirty="0" smtClean="0">
-                <a:latin typeface="Lato" pitchFamily="34" charset="0"/>
-              </a:rPr>
-              <a:t> selbst</a:t>
-            </a:r>
-          </a:p>
-          <a:p>
-            <a:endParaRPr lang="de-DE" sz="2000" dirty="0" smtClean="0">
-              <a:latin typeface="Lato" pitchFamily="34" charset="0"/>
-            </a:endParaRPr>
-          </a:p>
-          <a:p>
-            <a:r>
-              <a:rPr lang="de-DE" sz="2000" dirty="0" smtClean="0">
-                <a:latin typeface="Lato" pitchFamily="34" charset="0"/>
-              </a:rPr>
-              <a:t>„</a:t>
-            </a:r>
-            <a:r>
-              <a:rPr lang="de-DE" sz="2000" dirty="0" err="1" smtClean="0">
-                <a:latin typeface="Lato" pitchFamily="34" charset="0"/>
-              </a:rPr>
-              <a:t>Sabelithe</a:t>
-            </a:r>
-            <a:r>
-              <a:rPr lang="de-DE" sz="2000" dirty="0" smtClean="0">
-                <a:latin typeface="Lato" pitchFamily="34" charset="0"/>
-              </a:rPr>
-              <a:t>“ (1971)</a:t>
-            </a:r>
-          </a:p>
-          <a:p>
-            <a:endParaRPr lang="de-DE" sz="2000" dirty="0" smtClean="0">
-              <a:latin typeface="Lato" pitchFamily="34" charset="0"/>
-            </a:endParaRPr>
-          </a:p>
-          <a:p>
-            <a:r>
-              <a:rPr lang="de-DE" sz="2000" dirty="0" smtClean="0">
-                <a:latin typeface="Lato" pitchFamily="34" charset="0"/>
-              </a:rPr>
-              <a:t>„</a:t>
-            </a:r>
-            <a:r>
-              <a:rPr lang="de-DE" sz="2000" dirty="0" err="1" smtClean="0">
-                <a:latin typeface="Lato" pitchFamily="34" charset="0"/>
-              </a:rPr>
-              <a:t>Turenas</a:t>
-            </a:r>
-            <a:r>
-              <a:rPr lang="de-DE" sz="2000" dirty="0" smtClean="0">
-                <a:latin typeface="Lato" pitchFamily="34" charset="0"/>
-              </a:rPr>
-              <a:t>“ (1972)</a:t>
-            </a:r>
-          </a:p>
-          <a:p>
-            <a:endParaRPr lang="de-DE" dirty="0">
-              <a:latin typeface="Lato" pitchFamily="34" charset="0"/>
-            </a:endParaRPr>
-          </a:p>
-        </p:txBody>
-      </p:sp>
-      <p:sp>
-        <p:nvSpPr>
-          <p:cNvPr id="4" name="Datumsplatzhalter 3"/>
-          <p:cNvSpPr>
-            <a:spLocks noGrp="1"/>
-          </p:cNvSpPr>
-          <p:nvPr>
-            <p:ph type="dt" sz="half" idx="10"/>
-          </p:nvPr>
-        </p:nvSpPr>
-        <p:spPr>
-          <a:xfrm>
-            <a:off x="6588224" y="4876006"/>
-            <a:ext cx="2133600" cy="273844"/>
-          </a:xfrm>
-        </p:spPr>
-        <p:txBody>
-          <a:bodyPr/>
-          <a:lstStyle/>
-          <a:p>
-            <a:fld id="{825920CB-9CFE-4FB0-A074-BEBA46422A5B}" type="datetime1">
-              <a:rPr lang="de-DE" smtClean="0"/>
-              <a:t>17.06.2015</a:t>
-            </a:fld>
-            <a:endParaRPr lang="de-DE"/>
-          </a:p>
-        </p:txBody>
-      </p:sp>
-      <p:sp>
-        <p:nvSpPr>
-          <p:cNvPr id="5" name="Fußzeilenplatzhalter 4"/>
-          <p:cNvSpPr>
-            <a:spLocks noGrp="1"/>
-          </p:cNvSpPr>
-          <p:nvPr>
-            <p:ph type="ftr" sz="quarter" idx="11"/>
-          </p:nvPr>
-        </p:nvSpPr>
-        <p:spPr>
-          <a:xfrm>
-            <a:off x="3131840" y="4876006"/>
-            <a:ext cx="2895600" cy="273844"/>
-          </a:xfrm>
-        </p:spPr>
-        <p:txBody>
-          <a:bodyPr/>
-          <a:lstStyle/>
-          <a:p>
-            <a:r>
-              <a:rPr lang="de-DE" smtClean="0"/>
-              <a:t>FM-Synthese</a:t>
-            </a:r>
-            <a:endParaRPr lang="de-DE"/>
-          </a:p>
-        </p:txBody>
-      </p:sp>
-      <p:sp>
-        <p:nvSpPr>
-          <p:cNvPr id="6" name="Foliennummernplatzhalter 5"/>
-          <p:cNvSpPr>
-            <a:spLocks noGrp="1"/>
-          </p:cNvSpPr>
-          <p:nvPr>
-            <p:ph type="sldNum" sz="quarter" idx="12"/>
-          </p:nvPr>
-        </p:nvSpPr>
-        <p:spPr>
-          <a:xfrm>
-            <a:off x="0" y="4869656"/>
-            <a:ext cx="467544" cy="273844"/>
-          </a:xfrm>
-        </p:spPr>
-        <p:txBody>
-          <a:bodyPr/>
-          <a:lstStyle/>
-          <a:p>
-            <a:fld id="{6C6AE60A-B69C-4790-82F7-3882EDF23186}" type="slidenum">
-              <a:rPr lang="de-DE" smtClean="0"/>
-              <a:pPr/>
-              <a:t>8</a:t>
-            </a:fld>
-            <a:endParaRPr lang="de-DE" dirty="0"/>
-          </a:p>
-        </p:txBody>
-      </p:sp>
-    </p:spTree>
-  </p:cSld>
-  <p:clrMapOvr>
-    <a:masterClrMapping/>
-  </p:clrMapOvr>
-  <p:timing>
-    <p:tnLst>
-      <p:par>
-        <p:cTn id="1" dur="indefinite" restart="never" nodeType="tmRoot"/>
-      </p:par>
-    </p:tnLst>
-  </p:timing>
-</p:sld>
-</file>
-
 <file path=ppt/slides/slide9.xml><?xml version="1.0" encoding="utf-8"?>
 <p:sld xmlns:a="http://schemas.openxmlformats.org/drawingml/2006/main" xmlns:r="http://schemas.openxmlformats.org/officeDocument/2006/relationships" xmlns:p="http://schemas.openxmlformats.org/presentationml/2006/main">
   <p:cSld>
@@ -12453,7 +14011,7 @@
               <a:rPr lang="de-DE" sz="2800" dirty="0" smtClean="0">
                 <a:latin typeface="Lato" pitchFamily="34" charset="0"/>
               </a:rPr>
-              <a:t>Geschichte der FM-Synthese</a:t>
+              <a:t>Songbeispiele</a:t>
             </a:r>
             <a:endParaRPr lang="de-DE" sz="2800" dirty="0">
               <a:latin typeface="Lato" pitchFamily="34" charset="0"/>
@@ -12471,23 +14029,16 @@
             <p:ph idx="1"/>
           </p:nvPr>
         </p:nvSpPr>
-        <p:spPr>
-          <a:xfrm>
-            <a:off x="467544" y="1749028"/>
-            <a:ext cx="8229600" cy="1686818"/>
-          </a:xfrm>
-        </p:spPr>
-        <p:txBody>
-          <a:bodyPr>
-            <a:normAutofit/>
-          </a:bodyPr>
+        <p:spPr/>
+        <p:txBody>
+          <a:bodyPr/>
           <a:lstStyle/>
           <a:p>
             <a:r>
               <a:rPr lang="de-DE" sz="2000" dirty="0" smtClean="0">
                 <a:latin typeface="Lato" pitchFamily="34" charset="0"/>
               </a:rPr>
-              <a:t>Grundlage: Frequenzmodulation</a:t>
+              <a:t>Erste, mit FM-Synthese erstellte Stücke</a:t>
             </a:r>
           </a:p>
           <a:p>
@@ -12495,42 +14046,76 @@
               <a:rPr lang="de-DE" sz="2000" dirty="0" smtClean="0">
                 <a:latin typeface="Lato" pitchFamily="34" charset="0"/>
               </a:rPr>
-              <a:t>Bekannt aus Nachrichtentechnik</a:t>
-            </a:r>
-          </a:p>
-          <a:p>
+              <a:t>Von John </a:t>
+            </a:r>
+            <a:r>
+              <a:rPr lang="de-DE" sz="2000" dirty="0" err="1" smtClean="0">
+                <a:latin typeface="Lato" pitchFamily="34" charset="0"/>
+              </a:rPr>
+              <a:t>Chowning</a:t>
+            </a:r>
             <a:r>
               <a:rPr lang="de-DE" sz="2000" dirty="0" smtClean="0">
                 <a:latin typeface="Lato" pitchFamily="34" charset="0"/>
               </a:rPr>
-              <a:t>Erfinder FM-Synthese: </a:t>
-            </a:r>
-          </a:p>
-          <a:p>
-            <a:pPr>
-              <a:buNone/>
-            </a:pPr>
-            <a:r>
-              <a:rPr lang="de-DE" sz="2000" dirty="0" smtClean="0">
-                <a:latin typeface="Lato" pitchFamily="34" charset="0"/>
-              </a:rPr>
-              <a:t>	Prof. Dr. John </a:t>
-            </a:r>
-            <a:r>
-              <a:rPr lang="de-DE" sz="2000" dirty="0" err="1" smtClean="0">
-                <a:latin typeface="Lato" pitchFamily="34" charset="0"/>
-              </a:rPr>
-              <a:t>Chowning</a:t>
-            </a:r>
+              <a:t> selbst</a:t>
+            </a:r>
+          </a:p>
+          <a:p>
             <a:endParaRPr lang="de-DE" sz="2000" dirty="0" smtClean="0">
               <a:latin typeface="Lato" pitchFamily="34" charset="0"/>
             </a:endParaRPr>
           </a:p>
           <a:p>
-            <a:endParaRPr lang="de-DE" sz="2000" dirty="0">
+            <a:r>
+              <a:rPr lang="de-DE" sz="2000" dirty="0" smtClean="0">
+                <a:latin typeface="Lato" pitchFamily="34" charset="0"/>
+              </a:rPr>
+              <a:t>„</a:t>
+            </a:r>
+            <a:r>
+              <a:rPr lang="de-DE" sz="2000" dirty="0" err="1" smtClean="0">
+                <a:latin typeface="Lato" pitchFamily="34" charset="0"/>
+              </a:rPr>
+              <a:t>Sabelithe</a:t>
+            </a:r>
+            <a:r>
+              <a:rPr lang="de-DE" sz="2000" dirty="0" smtClean="0">
+                <a:latin typeface="Lato" pitchFamily="34" charset="0"/>
+              </a:rPr>
+              <a:t>“ (1971)</a:t>
+            </a:r>
+          </a:p>
+          <a:p>
+            <a:endParaRPr lang="de-DE" sz="2000" dirty="0" smtClean="0">
               <a:latin typeface="Lato" pitchFamily="34" charset="0"/>
             </a:endParaRPr>
           </a:p>
+          <a:p>
+            <a:r>
+              <a:rPr lang="de-DE" sz="2000" dirty="0" smtClean="0">
+                <a:latin typeface="Lato" pitchFamily="34" charset="0"/>
+              </a:rPr>
+              <a:t>„</a:t>
+            </a:r>
+            <a:r>
+              <a:rPr lang="de-DE" sz="2000" dirty="0" err="1" smtClean="0">
+                <a:latin typeface="Lato" pitchFamily="34" charset="0"/>
+              </a:rPr>
+              <a:t>Turenas</a:t>
+            </a:r>
+            <a:r>
+              <a:rPr lang="de-DE" sz="2000" dirty="0" smtClean="0">
+                <a:latin typeface="Lato" pitchFamily="34" charset="0"/>
+              </a:rPr>
+              <a:t>“ (1972)</a:t>
+            </a:r>
+          </a:p>
+          <a:p>
+            <a:endParaRPr lang="de-DE" dirty="0">
+              <a:latin typeface="Lato" pitchFamily="34" charset="0"/>
+            </a:endParaRPr>
+          </a:p>
         </p:txBody>
       </p:sp>
       <p:sp>
@@ -12553,7 +14138,7 @@
           <a:bodyPr/>
           <a:lstStyle/>
           <a:p>
-            <a:fld id="{711E0BBA-85CE-4567-A3EB-570B826ED505}" type="datetime1">
+            <a:fld id="{825920CB-9CFE-4FB0-A074-BEBA46422A5B}" type="datetime1">
               <a:rPr lang="de-DE" smtClean="0"/>
               <a:t>17.06.2015</a:t>
             </a:fld>
@@ -12618,32 +14203,6 @@
           </a:p>
         </p:txBody>
       </p:sp>
-      <p:pic>
-        <p:nvPicPr>
-          <p:cNvPr id="20482" name="Picture 2" descr="D:\Julius\Documents\GitHub\VSeminar\Dok\Kapitel\img\chowning_CCRMA.png"/>
-          <p:cNvPicPr>
-            <a:picLocks noChangeAspect="1" noChangeArrowheads="1"/>
-          </p:cNvPicPr>
-          <p:nvPr/>
-        </p:nvPicPr>
-        <p:blipFill>
-          <a:blip r:embed="rId2" cstate="print"/>
-          <a:srcRect/>
-          <a:stretch>
-            <a:fillRect/>
-          </a:stretch>
-        </p:blipFill>
-        <p:spPr bwMode="auto">
-          <a:xfrm>
-            <a:off x="4860032" y="1669858"/>
-            <a:ext cx="3096344" cy="2486068"/>
-          </a:xfrm>
-          <a:prstGeom prst="rect">
-            <a:avLst/>
-          </a:prstGeom>
-          <a:noFill/>
-        </p:spPr>
-      </p:pic>
     </p:spTree>
   </p:cSld>
   <p:clrMapOvr>
@@ -12752,10 +14311,10 @@
 <file path=ppt/tags/tag15.xml><?xml version="1.0" encoding="utf-8"?>
 <p:tagLst xmlns:a="http://schemas.openxmlformats.org/drawingml/2006/main" xmlns:r="http://schemas.openxmlformats.org/officeDocument/2006/relationships" xmlns:p="http://schemas.openxmlformats.org/presentationml/2006/main">
   <p:tag name="ORIGINALHEIGHT" val="113,2658"/>
-  <p:tag name="ORIGINALWIDTH" val="62,25866"/>
-  <p:tag name="LATEXADDIN" val="\documentclass{article}&#10;\usepackage{amsmath}&#10;\pagestyle{empty}&#10;\begin{document}&#10;$f$&#10;&#10;&#10;&#10;\end{document}"/>
+  <p:tag name="ORIGINALWIDTH" val="291,0406"/>
+  <p:tag name="LATEXADDIN" val="\documentclass{article}&#10;\usepackage{amsmath}&#10;\pagestyle{empty}&#10;\begin{document}&#10;$2\pi \cdot f$&#10;&#10;&#10;&#10;\end{document}"/>
   <p:tag name="IGUANATEXSIZE" val="20"/>
-  <p:tag name="IGUANATEXCURSOR" val="83"/>
+  <p:tag name="IGUANATEXCURSOR" val="94"/>
   <p:tag name="TRANSPARENCY" val="Wahr"/>
   <p:tag name="FILENAME" val=""/>
   <p:tag name="INPUTTYPE" val="0"/>
@@ -12767,10 +14326,10 @@
 <file path=ppt/tags/tag16.xml><?xml version="1.0" encoding="utf-8"?>
 <p:tagLst xmlns:a="http://schemas.openxmlformats.org/drawingml/2006/main" xmlns:r="http://schemas.openxmlformats.org/officeDocument/2006/relationships" xmlns:p="http://schemas.openxmlformats.org/presentationml/2006/main">
   <p:tag name="ORIGINALHEIGHT" val="113,2658"/>
-  <p:tag name="ORIGINALWIDTH" val="291,0406"/>
-  <p:tag name="LATEXADDIN" val="\documentclass{article}&#10;\usepackage{amsmath}&#10;\pagestyle{empty}&#10;\begin{document}&#10;$2\pi \cdot f$&#10;&#10;&#10;&#10;\end{document}"/>
+  <p:tag name="ORIGINALWIDTH" val="62,25866"/>
+  <p:tag name="LATEXADDIN" val="\documentclass{article}&#10;\usepackage{amsmath}&#10;\pagestyle{empty}&#10;\begin{document}&#10;$f$&#10;&#10;&#10;&#10;\end{document}"/>
   <p:tag name="IGUANATEXSIZE" val="20"/>
-  <p:tag name="IGUANATEXCURSOR" val="94"/>
+  <p:tag name="IGUANATEXCURSOR" val="83"/>
   <p:tag name="TRANSPARENCY" val="Wahr"/>
   <p:tag name="FILENAME" val=""/>
   <p:tag name="INPUTTYPE" val="0"/>
@@ -13036,13 +14595,6 @@
 
 <file path=ppt/tags/tag32.xml><?xml version="1.0" encoding="utf-8"?>
 <p:tagLst xmlns:a="http://schemas.openxmlformats.org/drawingml/2006/main" xmlns:r="http://schemas.openxmlformats.org/officeDocument/2006/relationships" xmlns:p="http://schemas.openxmlformats.org/presentationml/2006/main">
-  <p:tag name="LAYER" val="1"/>
-  <p:tag name="SELECTIONNAME" val="Inhaltsplatzhalter 2"/>
-</p:tagLst>
-</file>
-
-<file path=ppt/tags/tag33.xml><?xml version="1.0" encoding="utf-8"?>
-<p:tagLst xmlns:a="http://schemas.openxmlformats.org/drawingml/2006/main" xmlns:r="http://schemas.openxmlformats.org/officeDocument/2006/relationships" xmlns:p="http://schemas.openxmlformats.org/presentationml/2006/main">
   <p:tag name="ORIGINALHEIGHT" val="153,0213"/>
   <p:tag name="ORIGINALWIDTH" val="330,7961"/>
   <p:tag name="LATEXADDIN" val="\documentclass{article}&#10;\usepackage{amsmath}&#10;\pagestyle{empty}&#10;\begin{document}&#10;$I = \frac{d}{m}$&#10;&#10;&#10;&#10;\end{document}"/>
@@ -13056,7 +14608,7 @@
 </p:tagLst>
 </file>
 
-<file path=ppt/tags/tag34.xml><?xml version="1.0" encoding="utf-8"?>
+<file path=ppt/tags/tag33.xml><?xml version="1.0" encoding="utf-8"?>
 <p:tagLst xmlns:a="http://schemas.openxmlformats.org/drawingml/2006/main" xmlns:r="http://schemas.openxmlformats.org/officeDocument/2006/relationships" xmlns:p="http://schemas.openxmlformats.org/presentationml/2006/main">
   <p:tag name="ORIGINALHEIGHT" val="87,76228"/>
   <p:tag name="ORIGINALWIDTH" val="59,25827"/>
@@ -13071,7 +14623,7 @@
 </p:tagLst>
 </file>
 
-<file path=ppt/tags/tag35.xml><?xml version="1.0" encoding="utf-8"?>
+<file path=ppt/tags/tag34.xml><?xml version="1.0" encoding="utf-8"?>
 <p:tagLst xmlns:a="http://schemas.openxmlformats.org/drawingml/2006/main" xmlns:r="http://schemas.openxmlformats.org/officeDocument/2006/relationships" xmlns:p="http://schemas.openxmlformats.org/presentationml/2006/main">
   <p:tag name="ORIGINALHEIGHT" val="56,25787"/>
   <p:tag name="ORIGINALWIDTH" val="102,0143"/>
@@ -13086,7 +14638,7 @@
 </p:tagLst>
 </file>
 
-<file path=ppt/tags/tag36.xml><?xml version="1.0" encoding="utf-8"?>
+<file path=ppt/tags/tag35.xml><?xml version="1.0" encoding="utf-8"?>
 <p:tagLst xmlns:a="http://schemas.openxmlformats.org/drawingml/2006/main" xmlns:r="http://schemas.openxmlformats.org/officeDocument/2006/relationships" xmlns:p="http://schemas.openxmlformats.org/presentationml/2006/main">
   <p:tag name="ORIGINALHEIGHT" val="68,25953"/>
   <p:tag name="ORIGINALWIDTH" val="110,2654"/>
@@ -13101,13 +14653,58 @@
 </p:tagLst>
 </file>
 
-<file path=ppt/tags/tag37.xml><?xml version="1.0" encoding="utf-8"?>
+<file path=ppt/tags/tag36.xml><?xml version="1.0" encoding="utf-8"?>
 <p:tagLst xmlns:a="http://schemas.openxmlformats.org/drawingml/2006/main" xmlns:r="http://schemas.openxmlformats.org/officeDocument/2006/relationships" xmlns:p="http://schemas.openxmlformats.org/presentationml/2006/main">
   <p:tag name="ORIGINALHEIGHT" val="84,76181"/>
   <p:tag name="ORIGINALWIDTH" val="58,50819"/>
   <p:tag name="LATEXADDIN" val="\documentclass{article}&#10;\usepackage{amsmath}&#10;\pagestyle{empty}&#10;\begin{document}&#10;$I$&#10;&#10;&#10;&#10;\end{document}"/>
   <p:tag name="IGUANATEXSIZE" val="20"/>
   <p:tag name="IGUANATEXCURSOR" val="82"/>
+  <p:tag name="TRANSPARENCY" val="Wahr"/>
+  <p:tag name="FILENAME" val=""/>
+  <p:tag name="INPUTTYPE" val="0"/>
+  <p:tag name="LATEXENGINEID" val="1"/>
+  <p:tag name="TEMPFOLDER" val="D:\Julius\Documents\iguana_temp\"/>
+</p:tagLst>
+</file>
+
+<file path=ppt/tags/tag37.xml><?xml version="1.0" encoding="utf-8"?>
+<p:tagLst xmlns:a="http://schemas.openxmlformats.org/drawingml/2006/main" xmlns:r="http://schemas.openxmlformats.org/officeDocument/2006/relationships" xmlns:p="http://schemas.openxmlformats.org/presentationml/2006/main">
+  <p:tag name="ORIGINALHEIGHT" val="16,36441"/>
+  <p:tag name="ORIGINALWIDTH" val="719,7074"/>
+  <p:tag name="LATEXADDIN" val="\documentclass{article}&#10;\usepackage{amsmath}&#10;\pagestyle{empty}&#10;\begin{document}&#10;http://www.publicsurplus.com/sms/docviewer/aucdoc/IMG\_ 0966.jpg?auc=674141\&amp;docid=4542888&#10;\end{document}"/>
+  <p:tag name="IGUANATEXSIZE" val="20"/>
+  <p:tag name="IGUANATEXCURSOR" val="156"/>
+  <p:tag name="TRANSPARENCY" val="Wahr"/>
+  <p:tag name="FILENAME" val=""/>
+  <p:tag name="INPUTTYPE" val="0"/>
+  <p:tag name="LATEXENGINEID" val="1"/>
+  <p:tag name="TEMPFOLDER" val="D:\Julius\Documents\iguana_temp\"/>
+</p:tagLst>
+</file>
+
+<file path=ppt/tags/tag38.xml><?xml version="1.0" encoding="utf-8"?>
+<p:tagLst xmlns:a="http://schemas.openxmlformats.org/drawingml/2006/main" xmlns:r="http://schemas.openxmlformats.org/officeDocument/2006/relationships" xmlns:p="http://schemas.openxmlformats.org/presentationml/2006/main">
+  <p:tag name="ORIGINALHEIGHT" val="90,0126"/>
+  <p:tag name="ORIGINALWIDTH" val="915,1277"/>
+  <p:tag name="LATEXADDIN" val="\documentclass{article}&#10;\usepackage{amsmath}&#10;\pagestyle{empty}&#10;\begin{document}&#10;Stand 17.06.2015&#10;&#10;&#10;&#10;\end{document}"/>
+  <p:tag name="IGUANATEXSIZE" val="20"/>
+  <p:tag name="IGUANATEXCURSOR" val="96"/>
+  <p:tag name="TRANSPARENCY" val="Wahr"/>
+  <p:tag name="FILENAME" val=""/>
+  <p:tag name="INPUTTYPE" val="0"/>
+  <p:tag name="LATEXENGINEID" val="1"/>
+  <p:tag name="TEMPFOLDER" val="D:\Julius\Documents\iguana_temp\"/>
+</p:tagLst>
+</file>
+
+<file path=ppt/tags/tag39.xml><?xml version="1.0" encoding="utf-8"?>
+<p:tagLst xmlns:a="http://schemas.openxmlformats.org/drawingml/2006/main" xmlns:r="http://schemas.openxmlformats.org/officeDocument/2006/relationships" xmlns:p="http://schemas.openxmlformats.org/presentationml/2006/main">
+  <p:tag name="ORIGINALHEIGHT" val="21,60102"/>
+  <p:tag name="ORIGINALWIDTH" val="720,3619"/>
+  <p:tag name="LATEXADDIN" val="\documentclass{article}&#10;\usepackage{amsmath}&#10;\pagestyle{empty}&#10;\begin{document}&#10;http://medias.audiofanzine.com/images/normal/yamaha-dx7-iid-615059.jpg&#10;\end{document}"/>
+  <p:tag name="IGUANATEXSIZE" val="20"/>
+  <p:tag name="IGUANATEXCURSOR" val="150"/>
   <p:tag name="TRANSPARENCY" val="Wahr"/>
   <p:tag name="FILENAME" val=""/>
   <p:tag name="INPUTTYPE" val="0"/>
@@ -13123,6 +14720,21 @@
   <p:tag name="LATEXADDIN" val="\documentclass{article}&#10;\usepackage{amsmath}&#10;\pagestyle{empty}&#10;\begin{document}&#10;$y(t)=sin(2\pi 600 \cdot t)$&#10;&#10;&#10;&#10;\end{document}"/>
   <p:tag name="IGUANATEXSIZE" val="18"/>
   <p:tag name="IGUANATEXCURSOR" val="108"/>
+  <p:tag name="TRANSPARENCY" val="Wahr"/>
+  <p:tag name="FILENAME" val=""/>
+  <p:tag name="INPUTTYPE" val="0"/>
+  <p:tag name="LATEXENGINEID" val="1"/>
+  <p:tag name="TEMPFOLDER" val="D:\Julius\Documents\iguana_temp\"/>
+</p:tagLst>
+</file>
+
+<file path=ppt/tags/tag40.xml><?xml version="1.0" encoding="utf-8"?>
+<p:tagLst xmlns:a="http://schemas.openxmlformats.org/drawingml/2006/main" xmlns:r="http://schemas.openxmlformats.org/officeDocument/2006/relationships" xmlns:p="http://schemas.openxmlformats.org/presentationml/2006/main">
+  <p:tag name="ORIGINALHEIGHT" val="90,0126"/>
+  <p:tag name="ORIGINALWIDTH" val="915,1277"/>
+  <p:tag name="LATEXADDIN" val="\documentclass{article}&#10;\usepackage{amsmath}&#10;\pagestyle{empty}&#10;\begin{document}&#10;Stand 17.06.2015&#10;&#10;&#10;&#10;\end{document}"/>
+  <p:tag name="IGUANATEXSIZE" val="20"/>
+  <p:tag name="IGUANATEXCURSOR" val="96"/>
   <p:tag name="TRANSPARENCY" val="Wahr"/>
   <p:tag name="FILENAME" val=""/>
   <p:tag name="INPUTTYPE" val="0"/>

--- a/Praesentation/FMSynthese-Julius.pptx
+++ b/Praesentation/FMSynthese-Julius.pptx
@@ -5,7 +5,7 @@
     <p:sldMasterId id="2147483648" r:id="rId1"/>
   </p:sldMasterIdLst>
   <p:notesMasterIdLst>
-    <p:notesMasterId r:id="rId34"/>
+    <p:notesMasterId r:id="rId33"/>
   </p:notesMasterIdLst>
   <p:sldIdLst>
     <p:sldId id="257" r:id="rId2"/>
@@ -39,7 +39,6 @@
     <p:sldId id="283" r:id="rId30"/>
     <p:sldId id="286" r:id="rId31"/>
     <p:sldId id="289" r:id="rId32"/>
-    <p:sldId id="287" r:id="rId33"/>
   </p:sldIdLst>
   <p:sldSz cx="9144000" cy="5143500" type="screen16x9"/>
   <p:notesSz cx="6858000" cy="9144000"/>
@@ -254,7 +253,7 @@
             <a:fld id="{364A5697-ABCF-455C-8519-931EFDD64AAA}" type="datetimeFigureOut">
               <a:rPr lang="de-DE" smtClean="0"/>
               <a:pPr/>
-              <a:t>17.06.2015</a:t>
+              <a:t>18.06.2015</a:t>
             </a:fld>
             <a:endParaRPr lang="de-DE"/>
           </a:p>
@@ -1009,7 +1008,7 @@
             <a:fld id="{16CA1741-E8C7-4D32-930D-2CBEC658BBE9}" type="datetime1">
               <a:rPr lang="de-DE" smtClean="0"/>
               <a:pPr/>
-              <a:t>17.06.2015</a:t>
+              <a:t>18.06.2015</a:t>
             </a:fld>
             <a:endParaRPr lang="de-DE"/>
           </a:p>
@@ -1190,7 +1189,7 @@
             <a:fld id="{BA20089B-28E9-4E3D-8F82-6328AE8CACA6}" type="datetime1">
               <a:rPr lang="de-DE" smtClean="0"/>
               <a:pPr/>
-              <a:t>17.06.2015</a:t>
+              <a:t>18.06.2015</a:t>
             </a:fld>
             <a:endParaRPr lang="de-DE"/>
           </a:p>
@@ -1377,7 +1376,7 @@
           <a:p>
             <a:fld id="{9369858E-D1D1-4BAC-A564-46FF792CFAC7}" type="datetime1">
               <a:rPr lang="de-DE" smtClean="0"/>
-              <a:t>17.06.2015</a:t>
+              <a:t>18.06.2015</a:t>
             </a:fld>
             <a:endParaRPr lang="de-DE" dirty="0"/>
           </a:p>
@@ -1629,7 +1628,7 @@
             <a:fld id="{48E855D6-EEBE-45BF-8BB5-776601FA5085}" type="datetime1">
               <a:rPr lang="de-DE" smtClean="0"/>
               <a:pPr/>
-              <a:t>17.06.2015</a:t>
+              <a:t>18.06.2015</a:t>
             </a:fld>
             <a:endParaRPr lang="de-DE"/>
           </a:p>
@@ -1918,7 +1917,7 @@
             <a:fld id="{EF380378-A65B-4494-A5A7-886B50CB4937}" type="datetime1">
               <a:rPr lang="de-DE" smtClean="0"/>
               <a:pPr/>
-              <a:t>17.06.2015</a:t>
+              <a:t>18.06.2015</a:t>
             </a:fld>
             <a:endParaRPr lang="de-DE"/>
           </a:p>
@@ -2341,7 +2340,7 @@
             <a:fld id="{BF9B2ACF-C63C-45AF-B5D6-56753CCBEEC7}" type="datetime1">
               <a:rPr lang="de-DE" smtClean="0"/>
               <a:pPr/>
-              <a:t>17.06.2015</a:t>
+              <a:t>18.06.2015</a:t>
             </a:fld>
             <a:endParaRPr lang="de-DE"/>
           </a:p>
@@ -2460,7 +2459,7 @@
             <a:fld id="{782C60A8-75F3-45EE-8F68-824804B9A36B}" type="datetime1">
               <a:rPr lang="de-DE" smtClean="0"/>
               <a:pPr/>
-              <a:t>17.06.2015</a:t>
+              <a:t>18.06.2015</a:t>
             </a:fld>
             <a:endParaRPr lang="de-DE"/>
           </a:p>
@@ -2556,7 +2555,7 @@
             <a:fld id="{AC76AE4E-B847-44C0-9E80-FADAC514238D}" type="datetime1">
               <a:rPr lang="de-DE" smtClean="0"/>
               <a:pPr/>
-              <a:t>17.06.2015</a:t>
+              <a:t>18.06.2015</a:t>
             </a:fld>
             <a:endParaRPr lang="de-DE"/>
           </a:p>
@@ -2834,7 +2833,7 @@
             <a:fld id="{93EB1BC4-DA1F-4C44-8E36-1B9FD72AD58E}" type="datetime1">
               <a:rPr lang="de-DE" smtClean="0"/>
               <a:pPr/>
-              <a:t>17.06.2015</a:t>
+              <a:t>18.06.2015</a:t>
             </a:fld>
             <a:endParaRPr lang="de-DE"/>
           </a:p>
@@ -3088,7 +3087,7 @@
             <a:fld id="{E23DD280-69E3-4A3C-8762-77BE68C0FDBF}" type="datetime1">
               <a:rPr lang="de-DE" smtClean="0"/>
               <a:pPr/>
-              <a:t>17.06.2015</a:t>
+              <a:t>18.06.2015</a:t>
             </a:fld>
             <a:endParaRPr lang="de-DE"/>
           </a:p>
@@ -3302,7 +3301,7 @@
             <a:fld id="{A1830189-BAB1-4688-8766-4D2AC2DF7C33}" type="datetime1">
               <a:rPr lang="de-DE" smtClean="0"/>
               <a:pPr/>
-              <a:t>17.06.2015</a:t>
+              <a:t>18.06.2015</a:t>
             </a:fld>
             <a:endParaRPr lang="de-DE" dirty="0"/>
           </a:p>
@@ -3868,13 +3867,7 @@
               <a:rPr lang="de-DE" sz="2000" dirty="0" smtClean="0">
                 <a:latin typeface="Lato" pitchFamily="34" charset="0"/>
               </a:rPr>
-              <a:t>Erfinder der </a:t>
-            </a:r>
-            <a:r>
-              <a:rPr lang="de-DE" sz="2000" dirty="0" smtClean="0">
-                <a:latin typeface="Lato" pitchFamily="34" charset="0"/>
-              </a:rPr>
-              <a:t>FM-Synthese: </a:t>
+              <a:t>Erfinder der FM-Synthese: </a:t>
             </a:r>
           </a:p>
           <a:p>
@@ -3926,7 +3919,7 @@
           <a:p>
             <a:fld id="{711E0BBA-85CE-4567-A3EB-570B826ED505}" type="datetime1">
               <a:rPr lang="de-DE" smtClean="0"/>
-              <a:t>17.06.2015</a:t>
+              <a:t>18.06.2015</a:t>
             </a:fld>
             <a:endParaRPr lang="de-DE"/>
           </a:p>
@@ -4015,6 +4008,52 @@
           <a:noFill/>
         </p:spPr>
       </p:pic>
+      <p:sp>
+        <p:nvSpPr>
+          <p:cNvPr id="8" name="Textfeld 7"/>
+          <p:cNvSpPr txBox="1"/>
+          <p:nvPr/>
+        </p:nvSpPr>
+        <p:spPr>
+          <a:xfrm>
+            <a:off x="4170558" y="4235096"/>
+            <a:ext cx="4721921" cy="400110"/>
+          </a:xfrm>
+          <a:prstGeom prst="rect">
+            <a:avLst/>
+          </a:prstGeom>
+          <a:noFill/>
+        </p:spPr>
+        <p:txBody>
+          <a:bodyPr wrap="square" rtlCol="0">
+            <a:spAutoFit/>
+          </a:bodyPr>
+          <a:lstStyle/>
+          <a:p>
+            <a:pPr algn="ctr"/>
+            <a:r>
+              <a:rPr lang="de-DE" sz="1000" dirty="0" smtClean="0"/>
+              <a:t>Quelle</a:t>
+            </a:r>
+            <a:r>
+              <a:rPr lang="de-DE" sz="1000" dirty="0"/>
+              <a:t>: http://</a:t>
+            </a:r>
+            <a:r>
+              <a:rPr lang="de-DE" sz="1000" dirty="0" smtClean="0"/>
+              <a:t>arts.mit.edu/wp-content/uploads/2014/07/ChowningYamaha.jpg </a:t>
+            </a:r>
+          </a:p>
+          <a:p>
+            <a:pPr algn="ctr"/>
+            <a:r>
+              <a:rPr lang="de-DE" sz="1000" dirty="0" smtClean="0"/>
+              <a:t>Stand: 18.06.2015</a:t>
+            </a:r>
+            <a:endParaRPr lang="de-DE" sz="1000" dirty="0"/>
+          </a:p>
+        </p:txBody>
+      </p:sp>
     </p:spTree>
   </p:cSld>
   <p:clrMapOvr>
@@ -4168,7 +4207,7 @@
           <a:p>
             <a:fld id="{1BA9CB46-1999-48FE-934D-6C67DE059830}" type="datetime1">
               <a:rPr lang="de-DE" smtClean="0"/>
-              <a:t>17.06.2015</a:t>
+              <a:t>18.06.2015</a:t>
             </a:fld>
             <a:endParaRPr lang="de-DE"/>
           </a:p>
@@ -4304,8 +4343,8 @@
         </p:nvSpPr>
         <p:spPr>
           <a:xfrm>
-            <a:off x="457200" y="1200151"/>
-            <a:ext cx="8507288" cy="3394472"/>
+            <a:off x="436899" y="1491630"/>
+            <a:ext cx="8023533" cy="2448272"/>
           </a:xfrm>
         </p:spPr>
         <p:txBody>
@@ -4412,31 +4451,7 @@
               <a:rPr lang="en-US" sz="2000" i="1" dirty="0" smtClean="0">
                 <a:latin typeface="Lato" pitchFamily="34" charset="0"/>
               </a:rPr>
-              <a:t>. So the </a:t>
-            </a:r>
-            <a:r>
-              <a:rPr lang="en-US" sz="2000" i="1" dirty="0" err="1" smtClean="0">
-                <a:latin typeface="Lato" pitchFamily="34" charset="0"/>
-              </a:rPr>
-              <a:t>vibratio</a:t>
-            </a:r>
-            <a:r>
-              <a:rPr lang="en-US" sz="2000" i="1" dirty="0" smtClean="0">
-                <a:latin typeface="Lato" pitchFamily="34" charset="0"/>
-              </a:rPr>
-              <a:t> became very, very fast, hundreds of times per second, and very, very deep, as if the violinist had a different ﬁngerboard, and the </a:t>
-            </a:r>
-            <a:r>
-              <a:rPr lang="en-US" sz="2000" b="1" i="1" dirty="0" smtClean="0">
-                <a:latin typeface="Lato" pitchFamily="34" charset="0"/>
-              </a:rPr>
-              <a:t>ﬁnger was whipping up and down at very high rates </a:t>
-            </a:r>
-            <a:r>
-              <a:rPr lang="en-US" sz="2000" i="1" dirty="0" smtClean="0">
-                <a:latin typeface="Lato" pitchFamily="34" charset="0"/>
-              </a:rPr>
-              <a:t>and very great distances. That would be sort of a physical metaphor for this.”</a:t>
+              <a:t>.[…]”</a:t>
             </a:r>
             <a:endParaRPr lang="de-DE" sz="2000" i="1" dirty="0" smtClean="0">
               <a:latin typeface="Lato" pitchFamily="34" charset="0"/>
@@ -4466,7 +4481,7 @@
           <a:p>
             <a:fld id="{72653B21-52A1-4C85-A953-1B3DFEDFDB08}" type="datetime1">
               <a:rPr lang="de-DE" smtClean="0"/>
-              <a:t>17.06.2015</a:t>
+              <a:t>18.06.2015</a:t>
             </a:fld>
             <a:endParaRPr lang="de-DE"/>
           </a:p>
@@ -4612,7 +4627,7 @@
           <a:p>
             <a:fld id="{860830F5-49E7-4889-AA1F-2CB69E8126AF}" type="datetime1">
               <a:rPr lang="de-DE" smtClean="0"/>
-              <a:t>17.06.2015</a:t>
+              <a:t>18.06.2015</a:t>
             </a:fld>
             <a:endParaRPr lang="de-DE"/>
           </a:p>
@@ -4837,7 +4852,7 @@
           <a:p>
             <a:fld id="{5A27912C-CDDD-45BB-A172-315B1F38A094}" type="datetime1">
               <a:rPr lang="de-DE" smtClean="0"/>
-              <a:t>17.06.2015</a:t>
+              <a:t>18.06.2015</a:t>
             </a:fld>
             <a:endParaRPr lang="de-DE"/>
           </a:p>
@@ -5077,7 +5092,7 @@
           <a:p>
             <a:fld id="{00B76B82-E15A-4F92-B838-853BA8CDA07B}" type="datetime1">
               <a:rPr lang="de-DE" smtClean="0"/>
-              <a:t>17.06.2015</a:t>
+              <a:t>18.06.2015</a:t>
             </a:fld>
             <a:endParaRPr lang="de-DE"/>
           </a:p>
@@ -5373,7 +5388,7 @@
           <a:p>
             <a:fld id="{CBD29002-DD08-4B8B-8D0E-E18685283E8F}" type="datetime1">
               <a:rPr lang="de-DE" smtClean="0"/>
-              <a:t>17.06.2015</a:t>
+              <a:t>18.06.2015</a:t>
             </a:fld>
             <a:endParaRPr lang="de-DE"/>
           </a:p>
@@ -5444,58 +5459,80 @@
           </p:cNvPicPr>
           <p:nvPr/>
         </p:nvPicPr>
+        <p:blipFill rotWithShape="1">
+          <a:blip r:embed="rId2" cstate="print"/>
+          <a:srcRect b="8510"/>
+          <a:stretch/>
+        </p:blipFill>
+        <p:spPr bwMode="auto">
+          <a:xfrm>
+            <a:off x="2106086" y="915566"/>
+            <a:ext cx="4947107" cy="3096344"/>
+          </a:xfrm>
+          <a:prstGeom prst="rect">
+            <a:avLst/>
+          </a:prstGeom>
+          <a:noFill/>
+        </p:spPr>
+      </p:pic>
+      <p:sp>
+        <p:nvSpPr>
+          <p:cNvPr id="8" name="Titel 1"/>
+          <p:cNvSpPr>
+            <a:spLocks noGrp="1"/>
+          </p:cNvSpPr>
+          <p:nvPr>
+            <p:ph type="title"/>
+          </p:nvPr>
+        </p:nvSpPr>
+        <p:spPr>
+          <a:xfrm>
+            <a:off x="457200" y="205979"/>
+            <a:ext cx="8229600" cy="857250"/>
+          </a:xfrm>
+        </p:spPr>
+        <p:txBody>
+          <a:bodyPr>
+            <a:normAutofit/>
+          </a:bodyPr>
+          <a:lstStyle/>
+          <a:p>
+            <a:r>
+              <a:rPr lang="de-DE" sz="2800" dirty="0" smtClean="0">
+                <a:latin typeface="Lato" pitchFamily="34" charset="0"/>
+              </a:rPr>
+              <a:t>Gründer des CCRMA</a:t>
+            </a:r>
+            <a:endParaRPr lang="de-DE" sz="2800" dirty="0">
+              <a:latin typeface="Lato" pitchFamily="34" charset="0"/>
+            </a:endParaRPr>
+          </a:p>
+        </p:txBody>
+      </p:sp>
+      <p:pic>
+        <p:nvPicPr>
+          <p:cNvPr id="10" name="Grafik 9"/>
+          <p:cNvPicPr>
+            <a:picLocks noChangeAspect="1"/>
+          </p:cNvPicPr>
+          <p:nvPr/>
+        </p:nvPicPr>
         <p:blipFill>
-          <a:blip r:embed="rId2" cstate="print"/>
-          <a:srcRect/>
+          <a:blip r:embed="rId3"/>
           <a:stretch>
             <a:fillRect/>
           </a:stretch>
         </p:blipFill>
-        <p:spPr bwMode="auto">
-          <a:xfrm>
-            <a:off x="2195736" y="1131590"/>
-            <a:ext cx="4947107" cy="3384376"/>
+        <p:spPr>
+          <a:xfrm>
+            <a:off x="3383868" y="4111519"/>
+            <a:ext cx="2376264" cy="234863"/>
           </a:xfrm>
           <a:prstGeom prst="rect">
             <a:avLst/>
           </a:prstGeom>
-          <a:noFill/>
         </p:spPr>
       </p:pic>
-      <p:sp>
-        <p:nvSpPr>
-          <p:cNvPr id="8" name="Titel 1"/>
-          <p:cNvSpPr>
-            <a:spLocks noGrp="1"/>
-          </p:cNvSpPr>
-          <p:nvPr>
-            <p:ph type="title"/>
-          </p:nvPr>
-        </p:nvSpPr>
-        <p:spPr>
-          <a:xfrm>
-            <a:off x="457200" y="205979"/>
-            <a:ext cx="8229600" cy="857250"/>
-          </a:xfrm>
-        </p:spPr>
-        <p:txBody>
-          <a:bodyPr>
-            <a:normAutofit/>
-          </a:bodyPr>
-          <a:lstStyle/>
-          <a:p>
-            <a:r>
-              <a:rPr lang="de-DE" sz="2800" dirty="0" smtClean="0">
-                <a:latin typeface="Lato" pitchFamily="34" charset="0"/>
-              </a:rPr>
-              <a:t>Gründer des CCRMA</a:t>
-            </a:r>
-            <a:endParaRPr lang="de-DE" sz="2800" dirty="0">
-              <a:latin typeface="Lato" pitchFamily="34" charset="0"/>
-            </a:endParaRPr>
-          </a:p>
-        </p:txBody>
-      </p:sp>
     </p:spTree>
   </p:cSld>
   <p:clrMapOvr>
@@ -5550,7 +5587,7 @@
           <a:p>
             <a:fld id="{D7189504-FB42-40CE-B2BB-CA1D3CB1B385}" type="datetime1">
               <a:rPr lang="de-DE" smtClean="0"/>
-              <a:t>17.06.2015</a:t>
+              <a:t>18.06.2015</a:t>
             </a:fld>
             <a:endParaRPr lang="de-DE"/>
           </a:p>
@@ -5655,19 +5692,7 @@
               <a:rPr lang="de-DE" sz="2000" dirty="0" smtClean="0">
                 <a:latin typeface="Lato" pitchFamily="34" charset="0"/>
               </a:rPr>
-              <a:t>Kosten: 30.000 DM und </a:t>
-            </a:r>
-            <a:r>
-              <a:rPr lang="de-DE" sz="2000" dirty="0" smtClean="0">
-                <a:latin typeface="Lato" pitchFamily="34" charset="0"/>
-              </a:rPr>
-              <a:t>16.000 </a:t>
-            </a:r>
-            <a:r>
-              <a:rPr lang="de-DE" sz="2000" dirty="0" smtClean="0">
-                <a:latin typeface="Lato" pitchFamily="34" charset="0"/>
-              </a:rPr>
-              <a:t>DM</a:t>
+              <a:t>Kosten: 30.000 DM und 16.000 DM</a:t>
             </a:r>
           </a:p>
           <a:p>
@@ -5781,7 +5806,7 @@
           <a:p>
             <a:fld id="{8C72BFCD-6DDC-4F0C-B207-AE3CB62F0D09}" type="datetime1">
               <a:rPr lang="de-DE" smtClean="0"/>
-              <a:t>17.06.2015</a:t>
+              <a:t>18.06.2015</a:t>
             </a:fld>
             <a:endParaRPr lang="de-DE"/>
           </a:p>
@@ -5901,6 +5926,52 @@
             <a:endParaRPr lang="de-DE" sz="2800" dirty="0">
               <a:latin typeface="Lato" pitchFamily="34" charset="0"/>
             </a:endParaRPr>
+          </a:p>
+        </p:txBody>
+      </p:sp>
+      <p:sp>
+        <p:nvSpPr>
+          <p:cNvPr id="8" name="Textfeld 7"/>
+          <p:cNvSpPr txBox="1"/>
+          <p:nvPr/>
+        </p:nvSpPr>
+        <p:spPr>
+          <a:xfrm>
+            <a:off x="2247043" y="3986343"/>
+            <a:ext cx="4721921" cy="400110"/>
+          </a:xfrm>
+          <a:prstGeom prst="rect">
+            <a:avLst/>
+          </a:prstGeom>
+          <a:noFill/>
+        </p:spPr>
+        <p:txBody>
+          <a:bodyPr wrap="square" rtlCol="0">
+            <a:spAutoFit/>
+          </a:bodyPr>
+          <a:lstStyle/>
+          <a:p>
+            <a:pPr algn="ctr"/>
+            <a:r>
+              <a:rPr lang="de-DE" sz="1000" dirty="0" smtClean="0"/>
+              <a:t>Quelle</a:t>
+            </a:r>
+            <a:r>
+              <a:rPr lang="de-DE" sz="1000" dirty="0"/>
+              <a:t>: http://</a:t>
+            </a:r>
+            <a:r>
+              <a:rPr lang="de-DE" sz="1000" dirty="0" smtClean="0"/>
+              <a:t>www.electricdruid.net/images/interface/larger/YamahaDX7.jpg</a:t>
+            </a:r>
+          </a:p>
+          <a:p>
+            <a:pPr algn="ctr"/>
+            <a:r>
+              <a:rPr lang="de-DE" sz="1000" dirty="0" smtClean="0"/>
+              <a:t>Stand: 18.06.2015</a:t>
+            </a:r>
+            <a:endParaRPr lang="de-DE" sz="1000" dirty="0"/>
           </a:p>
         </p:txBody>
       </p:sp>
@@ -6005,7 +6076,7 @@
           <a:p>
             <a:fld id="{9369858E-D1D1-4BAC-A564-46FF792CFAC7}" type="datetime1">
               <a:rPr lang="de-DE" smtClean="0"/>
-              <a:t>17.06.2015</a:t>
+              <a:t>18.06.2015</a:t>
             </a:fld>
             <a:endParaRPr lang="de-DE" dirty="0"/>
           </a:p>
@@ -6107,13 +6178,13 @@
               </a:ext>
             </a:extLst>
           </a:blip>
-          <a:srcRect l="5088"/>
+          <a:srcRect l="5088" b="7049"/>
           <a:stretch/>
         </p:blipFill>
         <p:spPr>
           <a:xfrm>
-            <a:off x="827584" y="2257083"/>
-            <a:ext cx="4029918" cy="2042859"/>
+            <a:off x="827584" y="2211710"/>
+            <a:ext cx="4029918" cy="1898843"/>
           </a:xfrm>
           <a:prstGeom prst="rect">
             <a:avLst/>
@@ -6136,19 +6207,79 @@
               </a:ext>
             </a:extLst>
           </a:blip>
-          <a:srcRect t="16485" b="20199"/>
+          <a:srcRect t="16484" b="24671"/>
           <a:stretch/>
         </p:blipFill>
         <p:spPr>
           <a:xfrm>
-            <a:off x="5220072" y="2260601"/>
-            <a:ext cx="3018102" cy="2039342"/>
+            <a:off x="5220072" y="2211710"/>
+            <a:ext cx="3018102" cy="1895325"/>
           </a:xfrm>
           <a:prstGeom prst="rect">
             <a:avLst/>
           </a:prstGeom>
         </p:spPr>
       </p:pic>
+      <p:sp>
+        <p:nvSpPr>
+          <p:cNvPr id="10" name="Textfeld 9"/>
+          <p:cNvSpPr txBox="1"/>
+          <p:nvPr/>
+        </p:nvSpPr>
+        <p:spPr>
+          <a:xfrm>
+            <a:off x="233772" y="4150831"/>
+            <a:ext cx="8738678" cy="553998"/>
+          </a:xfrm>
+          <a:prstGeom prst="rect">
+            <a:avLst/>
+          </a:prstGeom>
+          <a:noFill/>
+        </p:spPr>
+        <p:txBody>
+          <a:bodyPr wrap="square" rtlCol="0">
+            <a:spAutoFit/>
+          </a:bodyPr>
+          <a:lstStyle/>
+          <a:p>
+            <a:pPr algn="ctr"/>
+            <a:r>
+              <a:rPr lang="de-DE" sz="1000" dirty="0" smtClean="0"/>
+              <a:t>Quellen</a:t>
+            </a:r>
+            <a:r>
+              <a:rPr lang="de-DE" sz="1000" dirty="0"/>
+              <a:t>: http://</a:t>
+            </a:r>
+            <a:r>
+              <a:rPr lang="de-DE" sz="1000" dirty="0" smtClean="0"/>
+              <a:t>www.publicsurplus.com/sms/docviewer/aucdoc/IMG_0966.jpg?auc=674141&amp;docid=4542888</a:t>
+            </a:r>
+          </a:p>
+          <a:p>
+            <a:pPr algn="ctr"/>
+            <a:r>
+              <a:rPr lang="de-DE" sz="1000" dirty="0" smtClean="0"/>
+              <a:t>http</a:t>
+            </a:r>
+            <a:r>
+              <a:rPr lang="de-DE" sz="1000" dirty="0"/>
+              <a:t>://</a:t>
+            </a:r>
+            <a:r>
+              <a:rPr lang="de-DE" sz="1000" dirty="0" smtClean="0"/>
+              <a:t>www.electricdruid.net/images/interface/larger/YamahaDX7.jpg</a:t>
+            </a:r>
+          </a:p>
+          <a:p>
+            <a:pPr algn="ctr"/>
+            <a:r>
+              <a:rPr lang="de-DE" sz="1000" dirty="0" smtClean="0"/>
+              <a:t>Stand: 18.06.2015</a:t>
+            </a:r>
+          </a:p>
+        </p:txBody>
+      </p:sp>
     </p:spTree>
     <p:extLst>
       <p:ext uri="{BB962C8B-B14F-4D97-AF65-F5344CB8AC3E}">
@@ -6714,7 +6845,7 @@
           <a:p>
             <a:fld id="{CF17882A-01A4-40E1-8E7C-E4DC1CDE6C7E}" type="datetime1">
               <a:rPr lang="de-DE" smtClean="0"/>
-              <a:t>17.06.2015</a:t>
+              <a:t>18.06.2015</a:t>
             </a:fld>
             <a:endParaRPr lang="de-DE"/>
           </a:p>
@@ -6941,7 +7072,7 @@
           <a:p>
             <a:fld id="{6FD35CB8-BD90-447C-AB06-561BC3962411}" type="datetime1">
               <a:rPr lang="de-DE" smtClean="0"/>
-              <a:t>17.06.2015</a:t>
+              <a:t>18.06.2015</a:t>
             </a:fld>
             <a:endParaRPr lang="de-DE"/>
           </a:p>
@@ -7192,7 +7323,7 @@
           <a:p>
             <a:fld id="{6D7D0E66-EFAE-4305-BA7A-6348E48A8036}" type="datetime1">
               <a:rPr lang="de-DE" smtClean="0"/>
-              <a:t>17.06.2015</a:t>
+              <a:t>18.06.2015</a:t>
             </a:fld>
             <a:endParaRPr lang="de-DE"/>
           </a:p>
@@ -7386,7 +7517,7 @@
           <a:graphicData uri="http://schemas.openxmlformats.org/presentationml/2006/ole">
             <mc:AlternateContent xmlns:mc="http://schemas.openxmlformats.org/markup-compatibility/2006">
               <mc:Choice xmlns:v="urn:schemas-microsoft-com:vml" Requires="v">
-                <p:oleObj spid="_x0000_s31875" name="Formel" r:id="rId6" imgW="114120" imgH="215640" progId="Equation.3">
+                <p:oleObj spid="_x0000_s31896" name="Formel" r:id="rId6" imgW="114120" imgH="215640" progId="Equation.3">
                   <p:embed/>
                 </p:oleObj>
               </mc:Choice>
@@ -7508,6 +7639,30 @@
           </a:prstGeom>
         </p:spPr>
       </p:pic>
+      <p:pic>
+        <p:nvPicPr>
+          <p:cNvPr id="2" name="Grafik 1"/>
+          <p:cNvPicPr>
+            <a:picLocks noChangeAspect="1"/>
+          </p:cNvPicPr>
+          <p:nvPr/>
+        </p:nvPicPr>
+        <p:blipFill>
+          <a:blip r:embed="rId10"/>
+          <a:stretch>
+            <a:fillRect/>
+          </a:stretch>
+        </p:blipFill>
+        <p:spPr>
+          <a:xfrm>
+            <a:off x="5325303" y="4399277"/>
+            <a:ext cx="1404274" cy="169190"/>
+          </a:xfrm>
+          <a:prstGeom prst="rect">
+            <a:avLst/>
+          </a:prstGeom>
+        </p:spPr>
+      </p:pic>
     </p:spTree>
   </p:cSld>
   <p:clrMapOvr>
@@ -7562,7 +7717,7 @@
           <a:p>
             <a:fld id="{39A556A3-A96F-4A29-B9F8-6AE2A559B586}" type="datetime1">
               <a:rPr lang="de-DE" smtClean="0"/>
-              <a:t>17.06.2015</a:t>
+              <a:t>18.06.2015</a:t>
             </a:fld>
             <a:endParaRPr lang="de-DE"/>
           </a:p>
@@ -7673,7 +7828,7 @@
           <a:graphicData uri="http://schemas.openxmlformats.org/presentationml/2006/ole">
             <mc:AlternateContent xmlns:mc="http://schemas.openxmlformats.org/markup-compatibility/2006">
               <mc:Choice xmlns:v="urn:schemas-microsoft-com:vml" Requires="v">
-                <p:oleObj spid="_x0000_s32968" name="Formel" r:id="rId5" imgW="114120" imgH="215640" progId="Equation.3">
+                <p:oleObj spid="_x0000_s33010" name="Formel" r:id="rId5" imgW="114120" imgH="215640" progId="Equation.3">
                   <p:embed/>
                 </p:oleObj>
               </mc:Choice>
@@ -7743,7 +7898,7 @@
           <a:graphicData uri="http://schemas.openxmlformats.org/presentationml/2006/ole">
             <mc:AlternateContent xmlns:mc="http://schemas.openxmlformats.org/markup-compatibility/2006">
               <mc:Choice xmlns:v="urn:schemas-microsoft-com:vml" Requires="v">
-                <p:oleObj spid="_x0000_s32969" name="Formel" r:id="rId7" imgW="114120" imgH="215640" progId="Equation.3">
+                <p:oleObj spid="_x0000_s33011" name="Formel" r:id="rId7" imgW="114120" imgH="215640" progId="Equation.3">
                   <p:embed/>
                 </p:oleObj>
               </mc:Choice>
@@ -8211,6 +8366,30 @@
           </a:p>
         </p:txBody>
       </p:sp>
+      <p:pic>
+        <p:nvPicPr>
+          <p:cNvPr id="15" name="Grafik 14"/>
+          <p:cNvPicPr>
+            <a:picLocks noChangeAspect="1"/>
+          </p:cNvPicPr>
+          <p:nvPr/>
+        </p:nvPicPr>
+        <p:blipFill>
+          <a:blip r:embed="rId10"/>
+          <a:stretch>
+            <a:fillRect/>
+          </a:stretch>
+        </p:blipFill>
+        <p:spPr>
+          <a:xfrm>
+            <a:off x="5325303" y="4399277"/>
+            <a:ext cx="1404274" cy="169190"/>
+          </a:xfrm>
+          <a:prstGeom prst="rect">
+            <a:avLst/>
+          </a:prstGeom>
+        </p:spPr>
+      </p:pic>
     </p:spTree>
   </p:cSld>
   <p:clrMapOvr>
@@ -8265,7 +8444,7 @@
           <a:p>
             <a:fld id="{C4F4BF9B-9A36-46DE-8B65-E62FB4C30526}" type="datetime1">
               <a:rPr lang="de-DE" smtClean="0"/>
-              <a:t>17.06.2015</a:t>
+              <a:t>18.06.2015</a:t>
             </a:fld>
             <a:endParaRPr lang="de-DE"/>
           </a:p>
@@ -8292,10 +8471,10 @@
           <a:lstStyle/>
           <a:p>
             <a:r>
-              <a:rPr lang="de-DE" smtClean="0"/>
+              <a:rPr lang="de-DE" dirty="0" smtClean="0"/>
               <a:t>FM-Synthese</a:t>
             </a:r>
-            <a:endParaRPr lang="de-DE"/>
+            <a:endParaRPr lang="de-DE" dirty="0"/>
           </a:p>
         </p:txBody>
       </p:sp>
@@ -8651,6 +8830,47 @@
           </a:p>
         </p:txBody>
       </p:sp>
+      <p:sp>
+        <p:nvSpPr>
+          <p:cNvPr id="13" name="Textfeld 12"/>
+          <p:cNvSpPr txBox="1"/>
+          <p:nvPr/>
+        </p:nvSpPr>
+        <p:spPr>
+          <a:xfrm>
+            <a:off x="2186287" y="4258796"/>
+            <a:ext cx="4413189" cy="400110"/>
+          </a:xfrm>
+          <a:prstGeom prst="rect">
+            <a:avLst/>
+          </a:prstGeom>
+          <a:noFill/>
+        </p:spPr>
+        <p:txBody>
+          <a:bodyPr wrap="square" rtlCol="0">
+            <a:spAutoFit/>
+          </a:bodyPr>
+          <a:lstStyle/>
+          <a:p>
+            <a:r>
+              <a:rPr lang="de-DE" sz="1000" dirty="0" smtClean="0"/>
+              <a:t>Quelle</a:t>
+            </a:r>
+            <a:r>
+              <a:rPr lang="de-DE" sz="1000" dirty="0"/>
+              <a:t>: http://www.ulrich-rapp.de/stoff/mathematik/Sinus_Einheitskreis.gif</a:t>
+            </a:r>
+          </a:p>
+          <a:p>
+            <a:pPr algn="ctr"/>
+            <a:r>
+              <a:rPr lang="de-DE" sz="1000" dirty="0" smtClean="0"/>
+              <a:t>Stand: 18.06.2015</a:t>
+            </a:r>
+            <a:endParaRPr lang="de-DE" sz="1000" dirty="0"/>
+          </a:p>
+        </p:txBody>
+      </p:sp>
     </p:spTree>
   </p:cSld>
   <p:clrMapOvr>
@@ -8705,7 +8925,7 @@
           <a:p>
             <a:fld id="{FF1488C6-348F-4901-AAB2-1EC6CED6BE40}" type="datetime1">
               <a:rPr lang="de-DE" smtClean="0"/>
-              <a:t>17.06.2015</a:t>
+              <a:t>18.06.2015</a:t>
             </a:fld>
             <a:endParaRPr lang="de-DE"/>
           </a:p>
@@ -8840,35 +9060,8 @@
                   <a:uFillTx/>
                   <a:latin typeface="Lato" pitchFamily="34" charset="0"/>
                 </a:rPr>
-                <a:t> </a:t>
+                <a:t> Sinus/Kosinus:</a:t>
               </a:r>
-              <a:r>
-                <a:rPr kumimoji="0" lang="de-DE" sz="2000" i="0" u="none" strike="noStrike" kern="1200" cap="none" spc="0" normalizeH="0" noProof="0" dirty="0" smtClean="0">
-                  <a:ln>
-                    <a:noFill/>
-                  </a:ln>
-                  <a:solidFill>
-                    <a:schemeClr val="tx1"/>
-                  </a:solidFill>
-                  <a:effectLst/>
-                  <a:uLnTx/>
-                  <a:uFillTx/>
-                  <a:latin typeface="Lato" pitchFamily="34" charset="0"/>
-                </a:rPr>
-                <a:t>Sinus/Kosinus:</a:t>
-              </a:r>
-              <a:endParaRPr kumimoji="0" lang="de-DE" sz="2000" i="0" u="none" strike="noStrike" kern="1200" cap="none" spc="0" normalizeH="0" noProof="0" dirty="0" smtClean="0">
-                <a:ln>
-                  <a:noFill/>
-                </a:ln>
-                <a:solidFill>
-                  <a:schemeClr val="tx1"/>
-                </a:solidFill>
-                <a:effectLst/>
-                <a:uLnTx/>
-                <a:uFillTx/>
-                <a:latin typeface="Lato" pitchFamily="34" charset="0"/>
-              </a:endParaRPr>
             </a:p>
             <a:p>
               <a:pPr marL="342900" lvl="0" indent="-342900">
@@ -8936,9 +9129,6 @@
                 </a:rPr>
                 <a:t>                                                                  (Komplementärformeln) </a:t>
               </a:r>
-              <a:endParaRPr lang="de-DE" sz="2000" dirty="0" smtClean="0">
-                <a:latin typeface="Lato" pitchFamily="34" charset="0"/>
-              </a:endParaRPr>
             </a:p>
             <a:p>
               <a:pPr lvl="0">
@@ -9425,7 +9615,7 @@
           <a:p>
             <a:fld id="{4987A347-352C-4B4F-B3D9-7FF070EB9D55}" type="datetime1">
               <a:rPr lang="de-DE" smtClean="0"/>
-              <a:t>17.06.2015</a:t>
+              <a:t>18.06.2015</a:t>
             </a:fld>
             <a:endParaRPr lang="de-DE"/>
           </a:p>
@@ -9927,7 +10117,7 @@
           <a:p>
             <a:fld id="{3639999C-1D72-4812-9BEC-6A84F856EB5A}" type="datetime1">
               <a:rPr lang="de-DE" smtClean="0"/>
-              <a:t>17.06.2015</a:t>
+              <a:t>18.06.2015</a:t>
             </a:fld>
             <a:endParaRPr lang="de-DE"/>
           </a:p>
@@ -10156,17 +10346,8 @@
                   <a:rPr lang="de-DE" sz="2000" dirty="0" smtClean="0">
                     <a:latin typeface="Lato" pitchFamily="34" charset="0"/>
                   </a:rPr>
-                  <a:t>  :  Maximale Amplitude </a:t>
+                  <a:t>  :  Maximale Amplitude des Signals</a:t>
                 </a:r>
-                <a:r>
-                  <a:rPr lang="de-DE" sz="2000" dirty="0" smtClean="0">
-                    <a:latin typeface="Lato" pitchFamily="34" charset="0"/>
-                  </a:rPr>
-                  <a:t>des Signals</a:t>
-                </a:r>
-                <a:endParaRPr lang="de-DE" sz="2000" dirty="0" smtClean="0">
-                  <a:latin typeface="Lato" pitchFamily="34" charset="0"/>
-                </a:endParaRPr>
               </a:p>
               <a:p>
                 <a:pPr marL="342900" lvl="0" indent="-342900">
@@ -10534,7 +10715,7 @@
           <a:p>
             <a:fld id="{7609E643-4D96-4DED-8C33-CC201D580F3D}" type="datetime1">
               <a:rPr lang="de-DE" smtClean="0"/>
-              <a:t>17.06.2015</a:t>
+              <a:t>18.06.2015</a:t>
             </a:fld>
             <a:endParaRPr lang="de-DE"/>
           </a:p>
@@ -10728,17 +10909,8 @@
                 <a:rPr lang="de-DE" sz="2000" dirty="0" smtClean="0">
                   <a:latin typeface="Lato" pitchFamily="34" charset="0"/>
                 </a:rPr>
-                <a:t>	= Verhältnis Frequenzhub zu </a:t>
+                <a:t>	= Verhältnis Frequenzhub zu Modulationsfrequenz</a:t>
               </a:r>
-              <a:r>
-                <a:rPr lang="de-DE" sz="2000" dirty="0" smtClean="0">
-                  <a:latin typeface="Lato" pitchFamily="34" charset="0"/>
-                </a:rPr>
-                <a:t>Modulationsfrequenz</a:t>
-              </a:r>
-              <a:endParaRPr lang="de-DE" sz="2000" dirty="0" smtClean="0">
-                <a:latin typeface="Lato" pitchFamily="34" charset="0"/>
-              </a:endParaRPr>
             </a:p>
             <a:p>
               <a:pPr marL="914400" lvl="1" indent="-457200">
@@ -11021,7 +11193,7 @@
           <a:p>
             <a:fld id="{4076B8EE-21E0-40B1-8970-CDA6027CB94F}" type="datetime1">
               <a:rPr lang="de-DE" smtClean="0"/>
-              <a:t>17.06.2015</a:t>
+              <a:t>18.06.2015</a:t>
             </a:fld>
             <a:endParaRPr lang="de-DE"/>
           </a:p>
@@ -11160,6 +11332,143 @@
             <a:endParaRPr lang="de-DE" sz="2000" dirty="0" smtClean="0">
               <a:latin typeface="Lato" pitchFamily="34" charset="0"/>
             </a:endParaRPr>
+          </a:p>
+        </p:txBody>
+      </p:sp>
+      <p:sp>
+        <p:nvSpPr>
+          <p:cNvPr id="2" name="Textfeld 1"/>
+          <p:cNvSpPr txBox="1"/>
+          <p:nvPr/>
+        </p:nvSpPr>
+        <p:spPr>
+          <a:xfrm>
+            <a:off x="467544" y="1059582"/>
+            <a:ext cx="8064896" cy="3693319"/>
+          </a:xfrm>
+          <a:prstGeom prst="rect">
+            <a:avLst/>
+          </a:prstGeom>
+          <a:noFill/>
+        </p:spPr>
+        <p:txBody>
+          <a:bodyPr wrap="square" rtlCol="0">
+            <a:spAutoFit/>
+          </a:bodyPr>
+          <a:lstStyle/>
+          <a:p>
+            <a:pPr marL="285750" indent="-285750">
+              <a:buFont typeface="Arial" panose="020B0604020202020204" pitchFamily="34" charset="0"/>
+              <a:buChar char="•"/>
+            </a:pPr>
+            <a:r>
+              <a:rPr lang="de-DE" dirty="0" smtClean="0"/>
+              <a:t>Einfaches Prinzip, komplexe sinnvolle Durchführung</a:t>
+            </a:r>
+          </a:p>
+          <a:p>
+            <a:pPr marL="285750" indent="-285750">
+              <a:buFont typeface="Arial" panose="020B0604020202020204" pitchFamily="34" charset="0"/>
+              <a:buChar char="•"/>
+            </a:pPr>
+            <a:endParaRPr lang="de-DE" dirty="0"/>
+          </a:p>
+          <a:p>
+            <a:pPr marL="285750" indent="-285750">
+              <a:buFont typeface="Arial" panose="020B0604020202020204" pitchFamily="34" charset="0"/>
+              <a:buChar char="•"/>
+            </a:pPr>
+            <a:r>
+              <a:rPr lang="de-DE" dirty="0" smtClean="0"/>
+              <a:t>Sehr weitreichende Einflussmöglichkeiten</a:t>
+            </a:r>
+          </a:p>
+          <a:p>
+            <a:pPr marL="285750" indent="-285750">
+              <a:buFont typeface="Arial" panose="020B0604020202020204" pitchFamily="34" charset="0"/>
+              <a:buChar char="•"/>
+            </a:pPr>
+            <a:endParaRPr lang="de-DE" dirty="0"/>
+          </a:p>
+          <a:p>
+            <a:pPr marL="285750" indent="-285750">
+              <a:buFont typeface="Arial" panose="020B0604020202020204" pitchFamily="34" charset="0"/>
+              <a:buChar char="•"/>
+            </a:pPr>
+            <a:r>
+              <a:rPr lang="de-DE" dirty="0" smtClean="0"/>
+              <a:t>Erfunden von John </a:t>
+            </a:r>
+            <a:r>
+              <a:rPr lang="de-DE" dirty="0" err="1" smtClean="0"/>
+              <a:t>Chowning</a:t>
+            </a:r>
+            <a:r>
+              <a:rPr lang="de-DE" dirty="0" smtClean="0"/>
+              <a:t> 1973</a:t>
+            </a:r>
+          </a:p>
+          <a:p>
+            <a:pPr marL="285750" indent="-285750">
+              <a:buFont typeface="Arial" panose="020B0604020202020204" pitchFamily="34" charset="0"/>
+              <a:buChar char="•"/>
+            </a:pPr>
+            <a:endParaRPr lang="de-DE" dirty="0"/>
+          </a:p>
+          <a:p>
+            <a:pPr marL="285750" indent="-285750">
+              <a:buFont typeface="Arial" panose="020B0604020202020204" pitchFamily="34" charset="0"/>
+              <a:buChar char="•"/>
+            </a:pPr>
+            <a:r>
+              <a:rPr lang="de-DE" dirty="0" smtClean="0"/>
+              <a:t>Sehr profitabel für Stanford und Yamaha</a:t>
+            </a:r>
+          </a:p>
+          <a:p>
+            <a:pPr marL="285750" indent="-285750">
+              <a:buFont typeface="Arial" panose="020B0604020202020204" pitchFamily="34" charset="0"/>
+              <a:buChar char="•"/>
+            </a:pPr>
+            <a:endParaRPr lang="de-DE" dirty="0"/>
+          </a:p>
+          <a:p>
+            <a:pPr marL="285750" indent="-285750">
+              <a:buFont typeface="Arial" panose="020B0604020202020204" pitchFamily="34" charset="0"/>
+              <a:buChar char="•"/>
+            </a:pPr>
+            <a:r>
+              <a:rPr lang="de-DE" dirty="0" smtClean="0"/>
+              <a:t>Grundlagen zu Sinus und Kosinus wichtig fürs Verständnis</a:t>
+            </a:r>
+          </a:p>
+          <a:p>
+            <a:pPr marL="285750" indent="-285750">
+              <a:buFont typeface="Arial" panose="020B0604020202020204" pitchFamily="34" charset="0"/>
+              <a:buChar char="•"/>
+            </a:pPr>
+            <a:endParaRPr lang="de-DE" dirty="0"/>
+          </a:p>
+          <a:p>
+            <a:pPr marL="285750" indent="-285750">
+              <a:buFont typeface="Arial" panose="020B0604020202020204" pitchFamily="34" charset="0"/>
+              <a:buChar char="•"/>
+            </a:pPr>
+            <a:endParaRPr lang="de-DE" dirty="0" smtClean="0"/>
+          </a:p>
+          <a:p>
+            <a:pPr marL="285750" indent="-285750">
+              <a:buFont typeface="Arial" panose="020B0604020202020204" pitchFamily="34" charset="0"/>
+              <a:buChar char="•"/>
+            </a:pPr>
+            <a:endParaRPr lang="de-DE" dirty="0"/>
+          </a:p>
+          <a:p>
+            <a:pPr marL="285750" indent="-285750">
+              <a:buFont typeface="Arial" panose="020B0604020202020204" pitchFamily="34" charset="0"/>
+              <a:buChar char="•"/>
+            </a:pPr>
+            <a:endParaRPr lang="de-DE" dirty="0"/>
           </a:p>
         </p:txBody>
       </p:sp>
@@ -11308,55 +11617,22 @@
       </p:sp>
       <p:sp>
         <p:nvSpPr>
-          <p:cNvPr id="3" name="Inhaltsplatzhalter 2"/>
-          <p:cNvSpPr>
-            <a:spLocks noGrp="1"/>
-          </p:cNvSpPr>
-          <p:nvPr>
-            <p:ph idx="1"/>
-          </p:nvPr>
-        </p:nvSpPr>
-        <p:spPr>
-          <a:xfrm>
-            <a:off x="457200" y="699542"/>
-            <a:ext cx="8229600" cy="3394472"/>
-          </a:xfrm>
-        </p:spPr>
+          <p:cNvPr id="4" name="Datumsplatzhalter 3"/>
+          <p:cNvSpPr>
+            <a:spLocks noGrp="1"/>
+          </p:cNvSpPr>
+          <p:nvPr>
+            <p:ph type="dt" sz="half" idx="10"/>
+          </p:nvPr>
+        </p:nvSpPr>
+        <p:spPr/>
         <p:txBody>
           <a:bodyPr/>
           <a:lstStyle/>
           <a:p>
-            <a:r>
-              <a:rPr lang="de-DE" dirty="0" smtClean="0"/>
-              <a:t>Textquellen</a:t>
-            </a:r>
-          </a:p>
-          <a:p>
-            <a:endParaRPr lang="de-DE" dirty="0"/>
-          </a:p>
-          <a:p>
-            <a:endParaRPr lang="de-DE" dirty="0" smtClean="0"/>
-          </a:p>
-        </p:txBody>
-      </p:sp>
-      <p:sp>
-        <p:nvSpPr>
-          <p:cNvPr id="4" name="Datumsplatzhalter 3"/>
-          <p:cNvSpPr>
-            <a:spLocks noGrp="1"/>
-          </p:cNvSpPr>
-          <p:nvPr>
-            <p:ph type="dt" sz="half" idx="10"/>
-          </p:nvPr>
-        </p:nvSpPr>
-        <p:spPr/>
-        <p:txBody>
-          <a:bodyPr/>
-          <a:lstStyle/>
-          <a:p>
             <a:fld id="{9369858E-D1D1-4BAC-A564-46FF792CFAC7}" type="datetime1">
               <a:rPr lang="de-DE" smtClean="0"/>
-              <a:t>17.06.2015</a:t>
+              <a:t>18.06.2015</a:t>
             </a:fld>
             <a:endParaRPr lang="de-DE" dirty="0"/>
           </a:p>
@@ -11595,55 +11871,22 @@
       </p:sp>
       <p:sp>
         <p:nvSpPr>
-          <p:cNvPr id="3" name="Inhaltsplatzhalter 2"/>
-          <p:cNvSpPr>
-            <a:spLocks noGrp="1"/>
-          </p:cNvSpPr>
-          <p:nvPr>
-            <p:ph idx="1"/>
-          </p:nvPr>
-        </p:nvSpPr>
-        <p:spPr>
-          <a:xfrm>
-            <a:off x="457200" y="699542"/>
-            <a:ext cx="8229600" cy="3394472"/>
-          </a:xfrm>
-        </p:spPr>
+          <p:cNvPr id="4" name="Datumsplatzhalter 3"/>
+          <p:cNvSpPr>
+            <a:spLocks noGrp="1"/>
+          </p:cNvSpPr>
+          <p:nvPr>
+            <p:ph type="dt" sz="half" idx="10"/>
+          </p:nvPr>
+        </p:nvSpPr>
+        <p:spPr/>
         <p:txBody>
           <a:bodyPr/>
           <a:lstStyle/>
           <a:p>
-            <a:r>
-              <a:rPr lang="de-DE" dirty="0" smtClean="0"/>
-              <a:t>Textquellen</a:t>
-            </a:r>
-          </a:p>
-          <a:p>
-            <a:endParaRPr lang="de-DE" dirty="0"/>
-          </a:p>
-          <a:p>
-            <a:endParaRPr lang="de-DE" dirty="0" smtClean="0"/>
-          </a:p>
-        </p:txBody>
-      </p:sp>
-      <p:sp>
-        <p:nvSpPr>
-          <p:cNvPr id="4" name="Datumsplatzhalter 3"/>
-          <p:cNvSpPr>
-            <a:spLocks noGrp="1"/>
-          </p:cNvSpPr>
-          <p:nvPr>
-            <p:ph type="dt" sz="half" idx="10"/>
-          </p:nvPr>
-        </p:nvSpPr>
-        <p:spPr/>
-        <p:txBody>
-          <a:bodyPr/>
-          <a:lstStyle/>
-          <a:p>
             <a:fld id="{9369858E-D1D1-4BAC-A564-46FF792CFAC7}" type="datetime1">
               <a:rPr lang="de-DE" smtClean="0"/>
-              <a:t>17.06.2015</a:t>
+              <a:t>18.06.2015</a:t>
             </a:fld>
             <a:endParaRPr lang="de-DE" dirty="0"/>
           </a:p>
@@ -11776,482 +12019,6 @@
     <p:extLst>
       <p:ext uri="{BB962C8B-B14F-4D97-AF65-F5344CB8AC3E}">
         <p14:creationId xmlns:p14="http://schemas.microsoft.com/office/powerpoint/2010/main" val="494616744"/>
-      </p:ext>
-    </p:extLst>
-  </p:cSld>
-  <p:clrMapOvr>
-    <a:masterClrMapping/>
-  </p:clrMapOvr>
-  <p:timing>
-    <p:tnLst>
-      <p:par>
-        <p:cTn id="1" dur="indefinite" restart="never" nodeType="tmRoot"/>
-      </p:par>
-    </p:tnLst>
-  </p:timing>
-</p:sld>
-</file>
-
-<file path=ppt/slides/slide32.xml><?xml version="1.0" encoding="utf-8"?>
-<p:sld xmlns:a="http://schemas.openxmlformats.org/drawingml/2006/main" xmlns:r="http://schemas.openxmlformats.org/officeDocument/2006/relationships" xmlns:p="http://schemas.openxmlformats.org/presentationml/2006/main">
-  <p:cSld>
-    <p:spTree>
-      <p:nvGrpSpPr>
-        <p:cNvPr id="1" name=""/>
-        <p:cNvGrpSpPr/>
-        <p:nvPr/>
-      </p:nvGrpSpPr>
-      <p:grpSpPr>
-        <a:xfrm>
-          <a:off x="0" y="0"/>
-          <a:ext cx="0" cy="0"/>
-          <a:chOff x="0" y="0"/>
-          <a:chExt cx="0" cy="0"/>
-        </a:xfrm>
-      </p:grpSpPr>
-      <p:sp>
-        <p:nvSpPr>
-          <p:cNvPr id="2" name="Titel 1"/>
-          <p:cNvSpPr>
-            <a:spLocks noGrp="1"/>
-          </p:cNvSpPr>
-          <p:nvPr>
-            <p:ph type="title"/>
-          </p:nvPr>
-        </p:nvSpPr>
-        <p:spPr/>
-        <p:txBody>
-          <a:bodyPr/>
-          <a:lstStyle/>
-          <a:p>
-            <a:r>
-              <a:rPr lang="de-DE" dirty="0" smtClean="0"/>
-              <a:t>Quellen</a:t>
-            </a:r>
-            <a:endParaRPr lang="de-DE" dirty="0"/>
-          </a:p>
-        </p:txBody>
-      </p:sp>
-      <p:sp>
-        <p:nvSpPr>
-          <p:cNvPr id="3" name="Inhaltsplatzhalter 2"/>
-          <p:cNvSpPr>
-            <a:spLocks noGrp="1"/>
-          </p:cNvSpPr>
-          <p:nvPr>
-            <p:ph idx="1"/>
-          </p:nvPr>
-        </p:nvSpPr>
-        <p:spPr>
-          <a:xfrm>
-            <a:off x="457200" y="843558"/>
-            <a:ext cx="8229600" cy="718137"/>
-          </a:xfrm>
-        </p:spPr>
-        <p:txBody>
-          <a:bodyPr/>
-          <a:lstStyle/>
-          <a:p>
-            <a:r>
-              <a:rPr lang="de-DE" dirty="0" smtClean="0"/>
-              <a:t>Bildquellen</a:t>
-            </a:r>
-          </a:p>
-          <a:p>
-            <a:endParaRPr lang="de-DE" dirty="0"/>
-          </a:p>
-          <a:p>
-            <a:endParaRPr lang="de-DE" dirty="0" smtClean="0"/>
-          </a:p>
-        </p:txBody>
-      </p:sp>
-      <p:sp>
-        <p:nvSpPr>
-          <p:cNvPr id="4" name="Datumsplatzhalter 3"/>
-          <p:cNvSpPr>
-            <a:spLocks noGrp="1"/>
-          </p:cNvSpPr>
-          <p:nvPr>
-            <p:ph type="dt" sz="half" idx="10"/>
-          </p:nvPr>
-        </p:nvSpPr>
-        <p:spPr/>
-        <p:txBody>
-          <a:bodyPr/>
-          <a:lstStyle/>
-          <a:p>
-            <a:fld id="{9369858E-D1D1-4BAC-A564-46FF792CFAC7}" type="datetime1">
-              <a:rPr lang="de-DE" smtClean="0"/>
-              <a:t>17.06.2015</a:t>
-            </a:fld>
-            <a:endParaRPr lang="de-DE" dirty="0"/>
-          </a:p>
-        </p:txBody>
-      </p:sp>
-      <p:sp>
-        <p:nvSpPr>
-          <p:cNvPr id="5" name="Fußzeilenplatzhalter 4"/>
-          <p:cNvSpPr>
-            <a:spLocks noGrp="1"/>
-          </p:cNvSpPr>
-          <p:nvPr>
-            <p:ph type="ftr" sz="quarter" idx="11"/>
-          </p:nvPr>
-        </p:nvSpPr>
-        <p:spPr/>
-        <p:txBody>
-          <a:bodyPr/>
-          <a:lstStyle/>
-          <a:p>
-            <a:r>
-              <a:rPr lang="de-DE" smtClean="0"/>
-              <a:t>FM-Synthese</a:t>
-            </a:r>
-            <a:endParaRPr lang="de-DE" dirty="0"/>
-          </a:p>
-        </p:txBody>
-      </p:sp>
-      <p:sp>
-        <p:nvSpPr>
-          <p:cNvPr id="6" name="Foliennummernplatzhalter 5"/>
-          <p:cNvSpPr>
-            <a:spLocks noGrp="1"/>
-          </p:cNvSpPr>
-          <p:nvPr>
-            <p:ph type="sldNum" sz="quarter" idx="12"/>
-          </p:nvPr>
-        </p:nvSpPr>
-        <p:spPr/>
-        <p:txBody>
-          <a:bodyPr/>
-          <a:lstStyle/>
-          <a:p>
-            <a:fld id="{6C6AE60A-B69C-4790-82F7-3882EDF23186}" type="slidenum">
-              <a:rPr lang="de-DE" smtClean="0"/>
-              <a:pPr/>
-              <a:t>32</a:t>
-            </a:fld>
-            <a:r>
-              <a:rPr lang="de-DE" smtClean="0"/>
-              <a:t>   </a:t>
-            </a:r>
-            <a:endParaRPr lang="de-DE" dirty="0"/>
-          </a:p>
-        </p:txBody>
-      </p:sp>
-      <p:pic>
-        <p:nvPicPr>
-          <p:cNvPr id="10" name="Grafik 9"/>
-          <p:cNvPicPr>
-            <a:picLocks noChangeAspect="1"/>
-          </p:cNvPicPr>
-          <p:nvPr/>
-        </p:nvPicPr>
-        <p:blipFill>
-          <a:blip r:embed="rId6"/>
-          <a:stretch>
-            <a:fillRect/>
-          </a:stretch>
-        </p:blipFill>
-        <p:spPr>
-          <a:xfrm>
-            <a:off x="868680" y="1851670"/>
-            <a:ext cx="5166321" cy="392800"/>
-          </a:xfrm>
-          <a:prstGeom prst="rect">
-            <a:avLst/>
-          </a:prstGeom>
-        </p:spPr>
-      </p:pic>
-      <p:pic>
-        <p:nvPicPr>
-          <p:cNvPr id="12" name="Grafik 11"/>
-          <p:cNvPicPr>
-            <a:picLocks noChangeAspect="1"/>
-          </p:cNvPicPr>
-          <p:nvPr/>
-        </p:nvPicPr>
-        <p:blipFill>
-          <a:blip r:embed="rId7"/>
-          <a:stretch>
-            <a:fillRect/>
-          </a:stretch>
-        </p:blipFill>
-        <p:spPr>
-          <a:xfrm>
-            <a:off x="879970" y="1419622"/>
-            <a:ext cx="4823506" cy="364914"/>
-          </a:xfrm>
-          <a:prstGeom prst="rect">
-            <a:avLst/>
-          </a:prstGeom>
-        </p:spPr>
-      </p:pic>
-      <p:pic>
-        <p:nvPicPr>
-          <p:cNvPr id="13" name="Grafik 12"/>
-          <p:cNvPicPr>
-            <a:picLocks noChangeAspect="1"/>
-          </p:cNvPicPr>
-          <p:nvPr/>
-        </p:nvPicPr>
-        <p:blipFill>
-          <a:blip r:embed="rId8"/>
-          <a:stretch>
-            <a:fillRect/>
-          </a:stretch>
-        </p:blipFill>
-        <p:spPr>
-          <a:xfrm>
-            <a:off x="868680" y="2283718"/>
-            <a:ext cx="2016982" cy="218949"/>
-          </a:xfrm>
-          <a:prstGeom prst="rect">
-            <a:avLst/>
-          </a:prstGeom>
-        </p:spPr>
-      </p:pic>
-      <p:pic>
-        <p:nvPicPr>
-          <p:cNvPr id="14" name="Grafik 13"/>
-          <p:cNvPicPr>
-            <a:picLocks noChangeAspect="1"/>
-          </p:cNvPicPr>
-          <p:nvPr/>
-        </p:nvPicPr>
-        <p:blipFill>
-          <a:blip r:embed="rId9"/>
-          <a:stretch>
-            <a:fillRect/>
-          </a:stretch>
-        </p:blipFill>
-        <p:spPr>
-          <a:xfrm>
-            <a:off x="885643" y="2592471"/>
-            <a:ext cx="5154506" cy="380358"/>
-          </a:xfrm>
-          <a:prstGeom prst="rect">
-            <a:avLst/>
-          </a:prstGeom>
-        </p:spPr>
-      </p:pic>
-      <p:pic>
-        <p:nvPicPr>
-          <p:cNvPr id="16" name="Grafik 15"/>
-          <p:cNvPicPr>
-            <a:picLocks noChangeAspect="1"/>
-          </p:cNvPicPr>
-          <p:nvPr/>
-        </p:nvPicPr>
-        <p:blipFill rotWithShape="1">
-          <a:blip r:embed="rId10"/>
-          <a:srcRect t="13740"/>
-          <a:stretch/>
-        </p:blipFill>
-        <p:spPr>
-          <a:xfrm>
-            <a:off x="874353" y="3312551"/>
-            <a:ext cx="5153087" cy="339319"/>
-          </a:xfrm>
-          <a:prstGeom prst="rect">
-            <a:avLst/>
-          </a:prstGeom>
-        </p:spPr>
-      </p:pic>
-      <p:pic>
-        <p:nvPicPr>
-          <p:cNvPr id="17" name="Grafik 16"/>
-          <p:cNvPicPr>
-            <a:picLocks noChangeAspect="1"/>
-          </p:cNvPicPr>
-          <p:nvPr/>
-        </p:nvPicPr>
-        <p:blipFill>
-          <a:blip r:embed="rId11"/>
-          <a:stretch>
-            <a:fillRect/>
-          </a:stretch>
-        </p:blipFill>
-        <p:spPr>
-          <a:xfrm>
-            <a:off x="874353" y="3003798"/>
-            <a:ext cx="1765804" cy="236794"/>
-          </a:xfrm>
-          <a:prstGeom prst="rect">
-            <a:avLst/>
-          </a:prstGeom>
-        </p:spPr>
-      </p:pic>
-      <p:grpSp>
-        <p:nvGrpSpPr>
-          <p:cNvPr id="26" name="Gruppieren 25"/>
-          <p:cNvGrpSpPr/>
-          <p:nvPr/>
-        </p:nvGrpSpPr>
-        <p:grpSpPr>
-          <a:xfrm>
-            <a:off x="905370" y="3723878"/>
-            <a:ext cx="4988174" cy="303539"/>
-            <a:chOff x="905370" y="3723878"/>
-            <a:chExt cx="4988174" cy="303539"/>
-          </a:xfrm>
-        </p:grpSpPr>
-        <p:pic>
-          <p:nvPicPr>
-            <p:cNvPr id="24" name="Grafik 23"/>
-            <p:cNvPicPr>
-              <a:picLocks noChangeAspect="1"/>
-            </p:cNvPicPr>
-            <p:nvPr>
-              <p:custDataLst>
-                <p:tags r:id="rId3"/>
-              </p:custDataLst>
-            </p:nvPr>
-          </p:nvPicPr>
-          <p:blipFill>
-            <a:blip r:embed="rId12" cstate="print">
-              <a:extLst>
-                <a:ext uri="{28A0092B-C50C-407E-A947-70E740481C1C}">
-                  <a14:useLocalDpi xmlns:a14="http://schemas.microsoft.com/office/drawing/2010/main" val="0"/>
-                </a:ext>
-              </a:extLst>
-            </a:blip>
-            <a:stretch>
-              <a:fillRect/>
-            </a:stretch>
-          </p:blipFill>
-          <p:spPr>
-            <a:xfrm>
-              <a:off x="905370" y="3723878"/>
-              <a:ext cx="4988174" cy="156453"/>
-            </a:xfrm>
-            <a:prstGeom prst="rect">
-              <a:avLst/>
-            </a:prstGeom>
-          </p:spPr>
-        </p:pic>
-        <p:pic>
-          <p:nvPicPr>
-            <p:cNvPr id="25" name="Grafik 24"/>
-            <p:cNvPicPr>
-              <a:picLocks noChangeAspect="1"/>
-            </p:cNvPicPr>
-            <p:nvPr>
-              <p:custDataLst>
-                <p:tags r:id="rId4"/>
-              </p:custDataLst>
-            </p:nvPr>
-          </p:nvPicPr>
-          <p:blipFill>
-            <a:blip r:embed="rId13" cstate="print">
-              <a:extLst>
-                <a:ext uri="{28A0092B-C50C-407E-A947-70E740481C1C}">
-                  <a14:useLocalDpi xmlns:a14="http://schemas.microsoft.com/office/drawing/2010/main" val="0"/>
-                </a:ext>
-              </a:extLst>
-            </a:blip>
-            <a:stretch>
-              <a:fillRect/>
-            </a:stretch>
-          </p:blipFill>
-          <p:spPr>
-            <a:xfrm>
-              <a:off x="2646507" y="3915309"/>
-              <a:ext cx="1139755" cy="112108"/>
-            </a:xfrm>
-            <a:prstGeom prst="rect">
-              <a:avLst/>
-            </a:prstGeom>
-          </p:spPr>
-        </p:pic>
-      </p:grpSp>
-      <p:grpSp>
-        <p:nvGrpSpPr>
-          <p:cNvPr id="31" name="Gruppieren 30"/>
-          <p:cNvGrpSpPr/>
-          <p:nvPr/>
-        </p:nvGrpSpPr>
-        <p:grpSpPr>
-          <a:xfrm>
-            <a:off x="879970" y="4208269"/>
-            <a:ext cx="6860382" cy="307697"/>
-            <a:chOff x="879970" y="4136261"/>
-            <a:chExt cx="6860382" cy="307697"/>
-          </a:xfrm>
-        </p:grpSpPr>
-        <p:pic>
-          <p:nvPicPr>
-            <p:cNvPr id="29" name="Grafik 28"/>
-            <p:cNvPicPr>
-              <a:picLocks noChangeAspect="1"/>
-            </p:cNvPicPr>
-            <p:nvPr>
-              <p:custDataLst>
-                <p:tags r:id="rId1"/>
-              </p:custDataLst>
-            </p:nvPr>
-          </p:nvPicPr>
-          <p:blipFill>
-            <a:blip r:embed="rId14" cstate="print">
-              <a:extLst>
-                <a:ext uri="{28A0092B-C50C-407E-A947-70E740481C1C}">
-                  <a14:useLocalDpi xmlns:a14="http://schemas.microsoft.com/office/drawing/2010/main" val="0"/>
-                </a:ext>
-              </a:extLst>
-            </a:blip>
-            <a:stretch>
-              <a:fillRect/>
-            </a:stretch>
-          </p:blipFill>
-          <p:spPr>
-            <a:xfrm>
-              <a:off x="879970" y="4136261"/>
-              <a:ext cx="6860382" cy="158682"/>
-            </a:xfrm>
-            <a:prstGeom prst="rect">
-              <a:avLst/>
-            </a:prstGeom>
-          </p:spPr>
-        </p:pic>
-        <p:pic>
-          <p:nvPicPr>
-            <p:cNvPr id="30" name="Grafik 29"/>
-            <p:cNvPicPr>
-              <a:picLocks noChangeAspect="1"/>
-            </p:cNvPicPr>
-            <p:nvPr>
-              <p:custDataLst>
-                <p:tags r:id="rId2"/>
-              </p:custDataLst>
-            </p:nvPr>
-          </p:nvPicPr>
-          <p:blipFill>
-            <a:blip r:embed="rId13" cstate="print">
-              <a:extLst>
-                <a:ext uri="{28A0092B-C50C-407E-A947-70E740481C1C}">
-                  <a14:useLocalDpi xmlns:a14="http://schemas.microsoft.com/office/drawing/2010/main" val="0"/>
-                </a:ext>
-              </a:extLst>
-            </a:blip>
-            <a:stretch>
-              <a:fillRect/>
-            </a:stretch>
-          </p:blipFill>
-          <p:spPr>
-            <a:xfrm>
-              <a:off x="2646507" y="4331850"/>
-              <a:ext cx="1139755" cy="112108"/>
-            </a:xfrm>
-            <a:prstGeom prst="rect">
-              <a:avLst/>
-            </a:prstGeom>
-          </p:spPr>
-        </p:pic>
-      </p:grpSp>
-    </p:spTree>
-    <p:extLst>
-      <p:ext uri="{BB962C8B-B14F-4D97-AF65-F5344CB8AC3E}">
-        <p14:creationId xmlns:p14="http://schemas.microsoft.com/office/powerpoint/2010/main" val="3574486776"/>
       </p:ext>
     </p:extLst>
   </p:cSld>
@@ -12307,7 +12074,7 @@
           <a:p>
             <a:fld id="{73EBDB3D-1284-4703-8FAB-D9B5400C77DD}" type="datetime1">
               <a:rPr lang="de-DE" smtClean="0"/>
-              <a:t>17.06.2015</a:t>
+              <a:t>18.06.2015</a:t>
             </a:fld>
             <a:endParaRPr lang="de-DE"/>
           </a:p>
@@ -12603,7 +12370,7 @@
           <a:p>
             <a:fld id="{57104889-ED7B-46E1-A53D-000D0D04FFF0}" type="datetime1">
               <a:rPr lang="de-DE" smtClean="0"/>
-              <a:t>17.06.2015</a:t>
+              <a:t>18.06.2015</a:t>
             </a:fld>
             <a:endParaRPr lang="de-DE"/>
           </a:p>
@@ -12890,6 +12657,61 @@
           </p:spPr>
         </p:pic>
       </p:grpSp>
+      <p:sp>
+        <p:nvSpPr>
+          <p:cNvPr id="2" name="Textfeld 1"/>
+          <p:cNvSpPr txBox="1"/>
+          <p:nvPr/>
+        </p:nvSpPr>
+        <p:spPr>
+          <a:xfrm>
+            <a:off x="467544" y="3582931"/>
+            <a:ext cx="4536504" cy="400110"/>
+          </a:xfrm>
+          <a:prstGeom prst="rect">
+            <a:avLst/>
+          </a:prstGeom>
+          <a:noFill/>
+        </p:spPr>
+        <p:txBody>
+          <a:bodyPr wrap="square" rtlCol="0">
+            <a:spAutoFit/>
+          </a:bodyPr>
+          <a:lstStyle/>
+          <a:p>
+            <a:pPr algn="ctr"/>
+            <a:r>
+              <a:rPr lang="de-DE" sz="1000" dirty="0" smtClean="0"/>
+              <a:t>Quelle</a:t>
+            </a:r>
+            <a:r>
+              <a:rPr lang="de-DE" sz="1000" dirty="0"/>
+              <a:t>: </a:t>
+            </a:r>
+            <a:r>
+              <a:rPr lang="de-DE" sz="1000" dirty="0">
+                <a:hlinkClick r:id="rId7"/>
+              </a:rPr>
+              <a:t>http://mmmmaven.com/wp-content/uploads/800px-2op_FM.svg_.</a:t>
+            </a:r>
+            <a:r>
+              <a:rPr lang="de-DE" sz="1000" dirty="0" smtClean="0">
+                <a:hlinkClick r:id="rId7"/>
+              </a:rPr>
+              <a:t>png</a:t>
+            </a:r>
+            <a:endParaRPr lang="de-DE" sz="1000" dirty="0" smtClean="0"/>
+          </a:p>
+          <a:p>
+            <a:pPr algn="ctr"/>
+            <a:r>
+              <a:rPr lang="de-DE" sz="1000" dirty="0" smtClean="0"/>
+              <a:t>Stand: 18.06.2015</a:t>
+            </a:r>
+            <a:endParaRPr lang="de-DE" sz="1000" dirty="0"/>
+          </a:p>
+        </p:txBody>
+      </p:sp>
     </p:spTree>
   </p:cSld>
   <p:clrMapOvr>
@@ -12944,7 +12766,7 @@
           <a:p>
             <a:fld id="{7863A709-473A-488B-BD2D-9CF65648D40C}" type="datetime1">
               <a:rPr lang="de-DE" smtClean="0"/>
-              <a:t>17.06.2015</a:t>
+              <a:t>18.06.2015</a:t>
             </a:fld>
             <a:endParaRPr lang="de-DE"/>
           </a:p>
@@ -13090,7 +12912,7 @@
           <p:nvPr/>
         </p:nvPicPr>
         <p:blipFill>
-          <a:blip r:embed="rId3" cstate="print"/>
+          <a:blip r:embed="rId9" cstate="print"/>
           <a:stretch>
             <a:fillRect/>
           </a:stretch>
@@ -13127,12 +12949,12 @@
           <a:graphicData uri="http://schemas.openxmlformats.org/presentationml/2006/ole">
             <mc:AlternateContent xmlns:mc="http://schemas.openxmlformats.org/markup-compatibility/2006">
               <mc:Choice xmlns:v="urn:schemas-microsoft-com:vml" Requires="v">
-                <p:oleObj spid="_x0000_s2147" name="Formel" r:id="rId4" imgW="114120" imgH="215640" progId="Equation.3">
+                <p:oleObj spid="_x0000_s2168" name="Formel" r:id="rId10" imgW="114120" imgH="215640" progId="Equation.3">
                   <p:embed/>
                 </p:oleObj>
               </mc:Choice>
               <mc:Fallback>
-                <p:oleObj name="Formel" r:id="rId4" imgW="114120" imgH="215640" progId="Equation.3">
+                <p:oleObj name="Formel" r:id="rId10" imgW="114120" imgH="215640" progId="Equation.3">
                   <p:embed/>
                   <p:pic>
                     <p:nvPicPr>
@@ -13143,7 +12965,7 @@
                       <p:nvPr/>
                     </p:nvPicPr>
                     <p:blipFill>
-                      <a:blip r:embed="rId5">
+                      <a:blip r:embed="rId11">
                         <a:extLst>
                           <a:ext uri="{28A0092B-C50C-407E-A947-70E740481C1C}">
                             <a14:useLocalDpi xmlns:a14="http://schemas.microsoft.com/office/drawing/2010/main" val="0"/>
@@ -13181,6 +13003,194 @@
           </a:graphicData>
         </a:graphic>
       </p:graphicFrame>
+      <p:pic>
+        <p:nvPicPr>
+          <p:cNvPr id="2" name="prinzip_func1">
+            <a:hlinkClick r:id="" action="ppaction://media"/>
+          </p:cNvPr>
+          <p:cNvPicPr>
+            <a:picLocks noChangeAspect="1"/>
+          </p:cNvPicPr>
+          <p:nvPr>
+            <a:audioFile r:link="rId3"/>
+            <p:extLst>
+              <p:ext uri="{DAA4B4D4-6D71-4841-9C94-3DE7FCFB9230}">
+                <p14:media xmlns:p14="http://schemas.microsoft.com/office/powerpoint/2010/main" r:embed="rId2"/>
+              </p:ext>
+            </p:extLst>
+          </p:nvPr>
+        </p:nvPicPr>
+        <p:blipFill>
+          <a:blip r:embed="rId12"/>
+          <a:stretch>
+            <a:fillRect/>
+          </a:stretch>
+        </p:blipFill>
+        <p:spPr>
+          <a:xfrm>
+            <a:off x="456334" y="3471718"/>
+            <a:ext cx="609600" cy="609600"/>
+          </a:xfrm>
+          <a:prstGeom prst="rect">
+            <a:avLst/>
+          </a:prstGeom>
+        </p:spPr>
+      </p:pic>
+      <p:pic>
+        <p:nvPicPr>
+          <p:cNvPr id="3" name="prinzip_func2">
+            <a:hlinkClick r:id="" action="ppaction://media"/>
+          </p:cNvPr>
+          <p:cNvPicPr>
+            <a:picLocks noChangeAspect="1"/>
+          </p:cNvPicPr>
+          <p:nvPr>
+            <a:audioFile r:link="rId5"/>
+            <p:extLst>
+              <p:ext uri="{DAA4B4D4-6D71-4841-9C94-3DE7FCFB9230}">
+                <p14:media xmlns:p14="http://schemas.microsoft.com/office/powerpoint/2010/main" r:embed="rId4"/>
+              </p:ext>
+            </p:extLst>
+          </p:nvPr>
+        </p:nvPicPr>
+        <p:blipFill>
+          <a:blip r:embed="rId12"/>
+          <a:stretch>
+            <a:fillRect/>
+          </a:stretch>
+        </p:blipFill>
+        <p:spPr>
+          <a:xfrm>
+            <a:off x="1649738" y="3458203"/>
+            <a:ext cx="609600" cy="609600"/>
+          </a:xfrm>
+          <a:prstGeom prst="rect">
+            <a:avLst/>
+          </a:prstGeom>
+        </p:spPr>
+      </p:pic>
+      <p:pic>
+        <p:nvPicPr>
+          <p:cNvPr id="8" name="prinzip_modwave">
+            <a:hlinkClick r:id="" action="ppaction://media"/>
+          </p:cNvPr>
+          <p:cNvPicPr>
+            <a:picLocks noChangeAspect="1"/>
+          </p:cNvPicPr>
+          <p:nvPr>
+            <a:audioFile r:link="rId7"/>
+            <p:extLst>
+              <p:ext uri="{DAA4B4D4-6D71-4841-9C94-3DE7FCFB9230}">
+                <p14:media xmlns:p14="http://schemas.microsoft.com/office/powerpoint/2010/main" r:embed="rId6"/>
+              </p:ext>
+            </p:extLst>
+          </p:nvPr>
+        </p:nvPicPr>
+        <p:blipFill>
+          <a:blip r:embed="rId12"/>
+          <a:stretch>
+            <a:fillRect/>
+          </a:stretch>
+        </p:blipFill>
+        <p:spPr>
+          <a:xfrm>
+            <a:off x="2843142" y="3458203"/>
+            <a:ext cx="609600" cy="609600"/>
+          </a:xfrm>
+          <a:prstGeom prst="rect">
+            <a:avLst/>
+          </a:prstGeom>
+        </p:spPr>
+      </p:pic>
+      <p:sp>
+        <p:nvSpPr>
+          <p:cNvPr id="10" name="Textfeld 9"/>
+          <p:cNvSpPr txBox="1"/>
+          <p:nvPr/>
+        </p:nvSpPr>
+        <p:spPr>
+          <a:xfrm>
+            <a:off x="251520" y="4081318"/>
+            <a:ext cx="969980" cy="369332"/>
+          </a:xfrm>
+          <a:prstGeom prst="rect">
+            <a:avLst/>
+          </a:prstGeom>
+          <a:noFill/>
+        </p:spPr>
+        <p:txBody>
+          <a:bodyPr wrap="square" rtlCol="0">
+            <a:spAutoFit/>
+          </a:bodyPr>
+          <a:lstStyle/>
+          <a:p>
+            <a:r>
+              <a:rPr lang="de-DE" dirty="0" smtClean="0"/>
+              <a:t>Träger </a:t>
+            </a:r>
+            <a:endParaRPr lang="de-DE" dirty="0"/>
+          </a:p>
+        </p:txBody>
+      </p:sp>
+      <p:sp>
+        <p:nvSpPr>
+          <p:cNvPr id="12" name="Textfeld 11"/>
+          <p:cNvSpPr txBox="1"/>
+          <p:nvPr/>
+        </p:nvSpPr>
+        <p:spPr>
+          <a:xfrm>
+            <a:off x="1221692" y="4081318"/>
+            <a:ext cx="1262076" cy="369332"/>
+          </a:xfrm>
+          <a:prstGeom prst="rect">
+            <a:avLst/>
+          </a:prstGeom>
+          <a:noFill/>
+        </p:spPr>
+        <p:txBody>
+          <a:bodyPr wrap="square" rtlCol="0">
+            <a:spAutoFit/>
+          </a:bodyPr>
+          <a:lstStyle/>
+          <a:p>
+            <a:r>
+              <a:rPr lang="de-DE" dirty="0" smtClean="0"/>
+              <a:t>Modulator </a:t>
+            </a:r>
+            <a:endParaRPr lang="de-DE" dirty="0"/>
+          </a:p>
+        </p:txBody>
+      </p:sp>
+      <p:sp>
+        <p:nvSpPr>
+          <p:cNvPr id="13" name="Textfeld 12"/>
+          <p:cNvSpPr txBox="1"/>
+          <p:nvPr/>
+        </p:nvSpPr>
+        <p:spPr>
+          <a:xfrm>
+            <a:off x="2539559" y="4081318"/>
+            <a:ext cx="1156885" cy="369332"/>
+          </a:xfrm>
+          <a:prstGeom prst="rect">
+            <a:avLst/>
+          </a:prstGeom>
+          <a:noFill/>
+        </p:spPr>
+        <p:txBody>
+          <a:bodyPr wrap="square" rtlCol="0">
+            <a:spAutoFit/>
+          </a:bodyPr>
+          <a:lstStyle/>
+          <a:p>
+            <a:r>
+              <a:rPr lang="de-DE" dirty="0" smtClean="0"/>
+              <a:t>Ergebnis</a:t>
+            </a:r>
+          </a:p>
+        </p:txBody>
+      </p:sp>
     </p:spTree>
   </p:cSld>
   <p:clrMapOvr>
@@ -13189,7 +13199,241 @@
   <p:timing>
     <p:tnLst>
       <p:par>
-        <p:cTn id="1" dur="indefinite" restart="never" nodeType="tmRoot"/>
+        <p:cTn id="1" dur="indefinite" restart="never" nodeType="tmRoot">
+          <p:childTnLst>
+            <p:seq concurrent="1" nextAc="seek">
+              <p:cTn id="2" restart="whenNotActive" fill="hold" evtFilter="cancelBubble" nodeType="interactiveSeq">
+                <p:stCondLst>
+                  <p:cond evt="onClick" delay="0">
+                    <p:tgtEl>
+                      <p:spTgt spid="2"/>
+                    </p:tgtEl>
+                  </p:cond>
+                </p:stCondLst>
+                <p:endSync evt="end" delay="0">
+                  <p:rtn val="all"/>
+                </p:endSync>
+                <p:childTnLst>
+                  <p:par>
+                    <p:cTn id="3" fill="hold">
+                      <p:stCondLst>
+                        <p:cond delay="0"/>
+                      </p:stCondLst>
+                      <p:childTnLst>
+                        <p:par>
+                          <p:cTn id="4" fill="hold">
+                            <p:stCondLst>
+                              <p:cond delay="0"/>
+                            </p:stCondLst>
+                            <p:childTnLst>
+                              <p:par>
+                                <p:cTn id="5" presetID="1" presetClass="mediacall" presetSubtype="0" fill="hold" nodeType="clickEffect">
+                                  <p:stCondLst>
+                                    <p:cond delay="0"/>
+                                  </p:stCondLst>
+                                  <p:childTnLst>
+                                    <p:cmd type="call" cmd="playFrom(0.0)">
+                                      <p:cBhvr>
+                                        <p:cTn id="6" dur="1000" fill="hold"/>
+                                        <p:tgtEl>
+                                          <p:spTgt spid="2"/>
+                                        </p:tgtEl>
+                                      </p:cBhvr>
+                                    </p:cmd>
+                                  </p:childTnLst>
+                                </p:cTn>
+                              </p:par>
+                            </p:childTnLst>
+                          </p:cTn>
+                        </p:par>
+                      </p:childTnLst>
+                    </p:cTn>
+                  </p:par>
+                </p:childTnLst>
+              </p:cTn>
+              <p:nextCondLst>
+                <p:cond evt="onClick" delay="0">
+                  <p:tgtEl>
+                    <p:spTgt spid="2"/>
+                  </p:tgtEl>
+                </p:cond>
+              </p:nextCondLst>
+            </p:seq>
+            <p:audio>
+              <p:cMediaNode vol="80000">
+                <p:cTn id="7" fill="hold" display="0">
+                  <p:stCondLst>
+                    <p:cond delay="indefinite"/>
+                  </p:stCondLst>
+                  <p:endCondLst>
+                    <p:cond evt="onStopAudio" delay="0">
+                      <p:tgtEl>
+                        <p:sldTgt/>
+                      </p:tgtEl>
+                    </p:cond>
+                  </p:endCondLst>
+                </p:cTn>
+                <p:tgtEl>
+                  <p:spTgt spid="2"/>
+                </p:tgtEl>
+              </p:cMediaNode>
+            </p:audio>
+            <p:seq concurrent="1" nextAc="seek">
+              <p:cTn id="8" restart="whenNotActive" fill="hold" evtFilter="cancelBubble" nodeType="interactiveSeq">
+                <p:stCondLst>
+                  <p:cond evt="onClick" delay="0">
+                    <p:tgtEl>
+                      <p:spTgt spid="3"/>
+                    </p:tgtEl>
+                  </p:cond>
+                </p:stCondLst>
+                <p:endSync evt="end" delay="0">
+                  <p:rtn val="all"/>
+                </p:endSync>
+                <p:childTnLst>
+                  <p:par>
+                    <p:cTn id="9" fill="hold">
+                      <p:stCondLst>
+                        <p:cond delay="0"/>
+                      </p:stCondLst>
+                      <p:childTnLst>
+                        <p:par>
+                          <p:cTn id="10" fill="hold">
+                            <p:stCondLst>
+                              <p:cond delay="0"/>
+                            </p:stCondLst>
+                            <p:childTnLst>
+                              <p:par>
+                                <p:cTn id="11" presetID="1" presetClass="mediacall" presetSubtype="0" fill="hold" nodeType="clickEffect">
+                                  <p:stCondLst>
+                                    <p:cond delay="0"/>
+                                  </p:stCondLst>
+                                  <p:childTnLst>
+                                    <p:cmd type="call" cmd="playFrom(0.0)">
+                                      <p:cBhvr>
+                                        <p:cTn id="12" dur="1000" fill="hold"/>
+                                        <p:tgtEl>
+                                          <p:spTgt spid="3"/>
+                                        </p:tgtEl>
+                                      </p:cBhvr>
+                                    </p:cmd>
+                                  </p:childTnLst>
+                                </p:cTn>
+                              </p:par>
+                            </p:childTnLst>
+                          </p:cTn>
+                        </p:par>
+                      </p:childTnLst>
+                    </p:cTn>
+                  </p:par>
+                </p:childTnLst>
+              </p:cTn>
+              <p:nextCondLst>
+                <p:cond evt="onClick" delay="0">
+                  <p:tgtEl>
+                    <p:spTgt spid="3"/>
+                  </p:tgtEl>
+                </p:cond>
+              </p:nextCondLst>
+            </p:seq>
+            <p:audio>
+              <p:cMediaNode vol="80000">
+                <p:cTn id="13" fill="hold" display="0">
+                  <p:stCondLst>
+                    <p:cond delay="indefinite"/>
+                  </p:stCondLst>
+                  <p:endCondLst>
+                    <p:cond evt="onStopAudio" delay="0">
+                      <p:tgtEl>
+                        <p:sldTgt/>
+                      </p:tgtEl>
+                    </p:cond>
+                  </p:endCondLst>
+                </p:cTn>
+                <p:tgtEl>
+                  <p:spTgt spid="3"/>
+                </p:tgtEl>
+              </p:cMediaNode>
+            </p:audio>
+            <p:seq concurrent="1" nextAc="seek">
+              <p:cTn id="14" restart="whenNotActive" fill="hold" evtFilter="cancelBubble" nodeType="interactiveSeq">
+                <p:stCondLst>
+                  <p:cond evt="onClick" delay="0">
+                    <p:tgtEl>
+                      <p:spTgt spid="8"/>
+                    </p:tgtEl>
+                  </p:cond>
+                </p:stCondLst>
+                <p:endSync evt="end" delay="0">
+                  <p:rtn val="all"/>
+                </p:endSync>
+                <p:childTnLst>
+                  <p:par>
+                    <p:cTn id="15" fill="hold">
+                      <p:stCondLst>
+                        <p:cond delay="0"/>
+                      </p:stCondLst>
+                      <p:childTnLst>
+                        <p:par>
+                          <p:cTn id="16" fill="hold">
+                            <p:stCondLst>
+                              <p:cond delay="0"/>
+                            </p:stCondLst>
+                            <p:childTnLst>
+                              <p:par>
+                                <p:cTn id="17" presetID="1" presetClass="mediacall" presetSubtype="0" fill="hold" nodeType="clickEffect">
+                                  <p:stCondLst>
+                                    <p:cond delay="0"/>
+                                  </p:stCondLst>
+                                  <p:childTnLst>
+                                    <p:cmd type="call" cmd="playFrom(0.0)">
+                                      <p:cBhvr>
+                                        <p:cTn id="18" dur="1000" fill="hold"/>
+                                        <p:tgtEl>
+                                          <p:spTgt spid="8"/>
+                                        </p:tgtEl>
+                                      </p:cBhvr>
+                                    </p:cmd>
+                                  </p:childTnLst>
+                                </p:cTn>
+                              </p:par>
+                            </p:childTnLst>
+                          </p:cTn>
+                        </p:par>
+                      </p:childTnLst>
+                    </p:cTn>
+                  </p:par>
+                </p:childTnLst>
+              </p:cTn>
+              <p:nextCondLst>
+                <p:cond evt="onClick" delay="0">
+                  <p:tgtEl>
+                    <p:spTgt spid="8"/>
+                  </p:tgtEl>
+                </p:cond>
+              </p:nextCondLst>
+            </p:seq>
+            <p:audio>
+              <p:cMediaNode vol="80000">
+                <p:cTn id="19" fill="hold" display="0">
+                  <p:stCondLst>
+                    <p:cond delay="indefinite"/>
+                  </p:stCondLst>
+                  <p:endCondLst>
+                    <p:cond evt="onStopAudio" delay="0">
+                      <p:tgtEl>
+                        <p:sldTgt/>
+                      </p:tgtEl>
+                    </p:cond>
+                  </p:endCondLst>
+                </p:cTn>
+                <p:tgtEl>
+                  <p:spTgt spid="8"/>
+                </p:tgtEl>
+              </p:cMediaNode>
+            </p:audio>
+          </p:childTnLst>
+        </p:cTn>
       </p:par>
     </p:tnLst>
   </p:timing>
@@ -13264,7 +13508,7 @@
           <a:p>
             <a:fld id="{CFA19918-AC84-41E1-B740-FB8B3337DCD7}" type="datetime1">
               <a:rPr lang="de-DE" smtClean="0"/>
-              <a:t>17.06.2015</a:t>
+              <a:t>18.06.2015</a:t>
             </a:fld>
             <a:endParaRPr lang="de-DE"/>
           </a:p>
@@ -13336,7 +13580,7 @@
           <p:nvPr/>
         </p:nvPicPr>
         <p:blipFill>
-          <a:blip r:embed="rId5" cstate="print"/>
+          <a:blip r:embed="rId11" cstate="print"/>
           <a:stretch>
             <a:fillRect/>
           </a:stretch>
@@ -13469,12 +13713,12 @@
             </p:cNvPicPr>
             <p:nvPr>
               <p:custDataLst>
-                <p:tags r:id="rId1"/>
+                <p:tags r:id="rId7"/>
               </p:custDataLst>
             </p:nvPr>
           </p:nvPicPr>
           <p:blipFill>
-            <a:blip r:embed="rId6" cstate="print">
+            <a:blip r:embed="rId12" cstate="print">
               <a:extLst>
                 <a:ext uri="{28A0092B-C50C-407E-A947-70E740481C1C}">
                   <a14:useLocalDpi xmlns:a14="http://schemas.microsoft.com/office/drawing/2010/main" val="0"/>
@@ -13503,12 +13747,12 @@
             </p:cNvPicPr>
             <p:nvPr>
               <p:custDataLst>
-                <p:tags r:id="rId2"/>
+                <p:tags r:id="rId8"/>
               </p:custDataLst>
             </p:nvPr>
           </p:nvPicPr>
           <p:blipFill>
-            <a:blip r:embed="rId7" cstate="print">
+            <a:blip r:embed="rId13" cstate="print">
               <a:extLst>
                 <a:ext uri="{28A0092B-C50C-407E-A947-70E740481C1C}">
                   <a14:useLocalDpi xmlns:a14="http://schemas.microsoft.com/office/drawing/2010/main" val="0"/>
@@ -13537,12 +13781,12 @@
             </p:cNvPicPr>
             <p:nvPr>
               <p:custDataLst>
-                <p:tags r:id="rId3"/>
+                <p:tags r:id="rId9"/>
               </p:custDataLst>
             </p:nvPr>
           </p:nvPicPr>
           <p:blipFill>
-            <a:blip r:embed="rId8" cstate="print">
+            <a:blip r:embed="rId14" cstate="print">
               <a:extLst>
                 <a:ext uri="{28A0092B-C50C-407E-A947-70E740481C1C}">
                   <a14:useLocalDpi xmlns:a14="http://schemas.microsoft.com/office/drawing/2010/main" val="0"/>
@@ -13564,6 +13808,105 @@
           </p:spPr>
         </p:pic>
       </p:grpSp>
+      <p:pic>
+        <p:nvPicPr>
+          <p:cNvPr id="7" name="beispiel1_func1">
+            <a:hlinkClick r:id="" action="ppaction://media"/>
+          </p:cNvPr>
+          <p:cNvPicPr>
+            <a:picLocks noChangeAspect="1"/>
+          </p:cNvPicPr>
+          <p:nvPr>
+            <a:audioFile r:link="rId2"/>
+            <p:extLst>
+              <p:ext uri="{DAA4B4D4-6D71-4841-9C94-3DE7FCFB9230}">
+                <p14:media xmlns:p14="http://schemas.microsoft.com/office/powerpoint/2010/main" r:embed="rId1"/>
+              </p:ext>
+            </p:extLst>
+          </p:nvPr>
+        </p:nvPicPr>
+        <p:blipFill>
+          <a:blip r:embed="rId15"/>
+          <a:stretch>
+            <a:fillRect/>
+          </a:stretch>
+        </p:blipFill>
+        <p:spPr>
+          <a:xfrm>
+            <a:off x="8570402" y="1736262"/>
+            <a:ext cx="232795" cy="232795"/>
+          </a:xfrm>
+          <a:prstGeom prst="rect">
+            <a:avLst/>
+          </a:prstGeom>
+        </p:spPr>
+      </p:pic>
+      <p:pic>
+        <p:nvPicPr>
+          <p:cNvPr id="8" name="beispiel1_func2">
+            <a:hlinkClick r:id="" action="ppaction://media"/>
+          </p:cNvPr>
+          <p:cNvPicPr>
+            <a:picLocks noChangeAspect="1"/>
+          </p:cNvPicPr>
+          <p:nvPr>
+            <a:audioFile r:link="rId4"/>
+            <p:extLst>
+              <p:ext uri="{DAA4B4D4-6D71-4841-9C94-3DE7FCFB9230}">
+                <p14:media xmlns:p14="http://schemas.microsoft.com/office/powerpoint/2010/main" r:embed="rId3"/>
+              </p:ext>
+            </p:extLst>
+          </p:nvPr>
+        </p:nvPicPr>
+        <p:blipFill>
+          <a:blip r:embed="rId15"/>
+          <a:stretch>
+            <a:fillRect/>
+          </a:stretch>
+        </p:blipFill>
+        <p:spPr>
+          <a:xfrm>
+            <a:off x="8551911" y="2699841"/>
+            <a:ext cx="246533" cy="246533"/>
+          </a:xfrm>
+          <a:prstGeom prst="rect">
+            <a:avLst/>
+          </a:prstGeom>
+        </p:spPr>
+      </p:pic>
+      <p:pic>
+        <p:nvPicPr>
+          <p:cNvPr id="13" name="beispiel1_modwave">
+            <a:hlinkClick r:id="" action="ppaction://media"/>
+          </p:cNvPr>
+          <p:cNvPicPr>
+            <a:picLocks noChangeAspect="1"/>
+          </p:cNvPicPr>
+          <p:nvPr>
+            <a:audioFile r:link="rId6"/>
+            <p:extLst>
+              <p:ext uri="{DAA4B4D4-6D71-4841-9C94-3DE7FCFB9230}">
+                <p14:media xmlns:p14="http://schemas.microsoft.com/office/powerpoint/2010/main" r:embed="rId5"/>
+              </p:ext>
+            </p:extLst>
+          </p:nvPr>
+        </p:nvPicPr>
+        <p:blipFill>
+          <a:blip r:embed="rId15"/>
+          <a:stretch>
+            <a:fillRect/>
+          </a:stretch>
+        </p:blipFill>
+        <p:spPr>
+          <a:xfrm>
+            <a:off x="8545870" y="3644304"/>
+            <a:ext cx="252574" cy="252574"/>
+          </a:xfrm>
+          <a:prstGeom prst="rect">
+            <a:avLst/>
+          </a:prstGeom>
+        </p:spPr>
+      </p:pic>
     </p:spTree>
   </p:cSld>
   <p:clrMapOvr>
@@ -13572,7 +13915,241 @@
   <p:timing>
     <p:tnLst>
       <p:par>
-        <p:cTn id="1" dur="indefinite" restart="never" nodeType="tmRoot"/>
+        <p:cTn id="1" dur="indefinite" restart="never" nodeType="tmRoot">
+          <p:childTnLst>
+            <p:seq concurrent="1" nextAc="seek">
+              <p:cTn id="2" restart="whenNotActive" fill="hold" evtFilter="cancelBubble" nodeType="interactiveSeq">
+                <p:stCondLst>
+                  <p:cond evt="onClick" delay="0">
+                    <p:tgtEl>
+                      <p:spTgt spid="7"/>
+                    </p:tgtEl>
+                  </p:cond>
+                </p:stCondLst>
+                <p:endSync evt="end" delay="0">
+                  <p:rtn val="all"/>
+                </p:endSync>
+                <p:childTnLst>
+                  <p:par>
+                    <p:cTn id="3" fill="hold">
+                      <p:stCondLst>
+                        <p:cond delay="0"/>
+                      </p:stCondLst>
+                      <p:childTnLst>
+                        <p:par>
+                          <p:cTn id="4" fill="hold">
+                            <p:stCondLst>
+                              <p:cond delay="0"/>
+                            </p:stCondLst>
+                            <p:childTnLst>
+                              <p:par>
+                                <p:cTn id="5" presetID="1" presetClass="mediacall" presetSubtype="0" fill="hold" nodeType="clickEffect">
+                                  <p:stCondLst>
+                                    <p:cond delay="0"/>
+                                  </p:stCondLst>
+                                  <p:childTnLst>
+                                    <p:cmd type="call" cmd="playFrom(0.0)">
+                                      <p:cBhvr>
+                                        <p:cTn id="6" dur="1000" fill="hold"/>
+                                        <p:tgtEl>
+                                          <p:spTgt spid="7"/>
+                                        </p:tgtEl>
+                                      </p:cBhvr>
+                                    </p:cmd>
+                                  </p:childTnLst>
+                                </p:cTn>
+                              </p:par>
+                            </p:childTnLst>
+                          </p:cTn>
+                        </p:par>
+                      </p:childTnLst>
+                    </p:cTn>
+                  </p:par>
+                </p:childTnLst>
+              </p:cTn>
+              <p:nextCondLst>
+                <p:cond evt="onClick" delay="0">
+                  <p:tgtEl>
+                    <p:spTgt spid="7"/>
+                  </p:tgtEl>
+                </p:cond>
+              </p:nextCondLst>
+            </p:seq>
+            <p:audio>
+              <p:cMediaNode vol="80000">
+                <p:cTn id="7" fill="hold" display="0">
+                  <p:stCondLst>
+                    <p:cond delay="indefinite"/>
+                  </p:stCondLst>
+                  <p:endCondLst>
+                    <p:cond evt="onStopAudio" delay="0">
+                      <p:tgtEl>
+                        <p:sldTgt/>
+                      </p:tgtEl>
+                    </p:cond>
+                  </p:endCondLst>
+                </p:cTn>
+                <p:tgtEl>
+                  <p:spTgt spid="7"/>
+                </p:tgtEl>
+              </p:cMediaNode>
+            </p:audio>
+            <p:seq concurrent="1" nextAc="seek">
+              <p:cTn id="8" restart="whenNotActive" fill="hold" evtFilter="cancelBubble" nodeType="interactiveSeq">
+                <p:stCondLst>
+                  <p:cond evt="onClick" delay="0">
+                    <p:tgtEl>
+                      <p:spTgt spid="8"/>
+                    </p:tgtEl>
+                  </p:cond>
+                </p:stCondLst>
+                <p:endSync evt="end" delay="0">
+                  <p:rtn val="all"/>
+                </p:endSync>
+                <p:childTnLst>
+                  <p:par>
+                    <p:cTn id="9" fill="hold">
+                      <p:stCondLst>
+                        <p:cond delay="0"/>
+                      </p:stCondLst>
+                      <p:childTnLst>
+                        <p:par>
+                          <p:cTn id="10" fill="hold">
+                            <p:stCondLst>
+                              <p:cond delay="0"/>
+                            </p:stCondLst>
+                            <p:childTnLst>
+                              <p:par>
+                                <p:cTn id="11" presetID="1" presetClass="mediacall" presetSubtype="0" fill="hold" nodeType="clickEffect">
+                                  <p:stCondLst>
+                                    <p:cond delay="0"/>
+                                  </p:stCondLst>
+                                  <p:childTnLst>
+                                    <p:cmd type="call" cmd="playFrom(0.0)">
+                                      <p:cBhvr>
+                                        <p:cTn id="12" dur="1000" fill="hold"/>
+                                        <p:tgtEl>
+                                          <p:spTgt spid="8"/>
+                                        </p:tgtEl>
+                                      </p:cBhvr>
+                                    </p:cmd>
+                                  </p:childTnLst>
+                                </p:cTn>
+                              </p:par>
+                            </p:childTnLst>
+                          </p:cTn>
+                        </p:par>
+                      </p:childTnLst>
+                    </p:cTn>
+                  </p:par>
+                </p:childTnLst>
+              </p:cTn>
+              <p:nextCondLst>
+                <p:cond evt="onClick" delay="0">
+                  <p:tgtEl>
+                    <p:spTgt spid="8"/>
+                  </p:tgtEl>
+                </p:cond>
+              </p:nextCondLst>
+            </p:seq>
+            <p:audio>
+              <p:cMediaNode vol="80000">
+                <p:cTn id="13" fill="hold" display="0">
+                  <p:stCondLst>
+                    <p:cond delay="indefinite"/>
+                  </p:stCondLst>
+                  <p:endCondLst>
+                    <p:cond evt="onStopAudio" delay="0">
+                      <p:tgtEl>
+                        <p:sldTgt/>
+                      </p:tgtEl>
+                    </p:cond>
+                  </p:endCondLst>
+                </p:cTn>
+                <p:tgtEl>
+                  <p:spTgt spid="8"/>
+                </p:tgtEl>
+              </p:cMediaNode>
+            </p:audio>
+            <p:seq concurrent="1" nextAc="seek">
+              <p:cTn id="14" restart="whenNotActive" fill="hold" evtFilter="cancelBubble" nodeType="interactiveSeq">
+                <p:stCondLst>
+                  <p:cond evt="onClick" delay="0">
+                    <p:tgtEl>
+                      <p:spTgt spid="13"/>
+                    </p:tgtEl>
+                  </p:cond>
+                </p:stCondLst>
+                <p:endSync evt="end" delay="0">
+                  <p:rtn val="all"/>
+                </p:endSync>
+                <p:childTnLst>
+                  <p:par>
+                    <p:cTn id="15" fill="hold">
+                      <p:stCondLst>
+                        <p:cond delay="0"/>
+                      </p:stCondLst>
+                      <p:childTnLst>
+                        <p:par>
+                          <p:cTn id="16" fill="hold">
+                            <p:stCondLst>
+                              <p:cond delay="0"/>
+                            </p:stCondLst>
+                            <p:childTnLst>
+                              <p:par>
+                                <p:cTn id="17" presetID="1" presetClass="mediacall" presetSubtype="0" fill="hold" nodeType="clickEffect">
+                                  <p:stCondLst>
+                                    <p:cond delay="0"/>
+                                  </p:stCondLst>
+                                  <p:childTnLst>
+                                    <p:cmd type="call" cmd="playFrom(0.0)">
+                                      <p:cBhvr>
+                                        <p:cTn id="18" dur="1000" fill="hold"/>
+                                        <p:tgtEl>
+                                          <p:spTgt spid="13"/>
+                                        </p:tgtEl>
+                                      </p:cBhvr>
+                                    </p:cmd>
+                                  </p:childTnLst>
+                                </p:cTn>
+                              </p:par>
+                            </p:childTnLst>
+                          </p:cTn>
+                        </p:par>
+                      </p:childTnLst>
+                    </p:cTn>
+                  </p:par>
+                </p:childTnLst>
+              </p:cTn>
+              <p:nextCondLst>
+                <p:cond evt="onClick" delay="0">
+                  <p:tgtEl>
+                    <p:spTgt spid="13"/>
+                  </p:tgtEl>
+                </p:cond>
+              </p:nextCondLst>
+            </p:seq>
+            <p:audio>
+              <p:cMediaNode vol="80000">
+                <p:cTn id="19" fill="hold" display="0">
+                  <p:stCondLst>
+                    <p:cond delay="indefinite"/>
+                  </p:stCondLst>
+                  <p:endCondLst>
+                    <p:cond evt="onStopAudio" delay="0">
+                      <p:tgtEl>
+                        <p:sldTgt/>
+                      </p:tgtEl>
+                    </p:cond>
+                  </p:endCondLst>
+                </p:cTn>
+                <p:tgtEl>
+                  <p:spTgt spid="13"/>
+                </p:tgtEl>
+              </p:cMediaNode>
+            </p:audio>
+          </p:childTnLst>
+        </p:cTn>
       </p:par>
     </p:tnLst>
   </p:timing>
@@ -13647,7 +14224,7 @@
           <a:p>
             <a:fld id="{4E144442-ACC1-484B-8553-97F56778C777}" type="datetime1">
               <a:rPr lang="de-DE" smtClean="0"/>
-              <a:t>17.06.2015</a:t>
+              <a:t>18.06.2015</a:t>
             </a:fld>
             <a:endParaRPr lang="de-DE"/>
           </a:p>
@@ -13719,7 +14296,7 @@
           <p:nvPr/>
         </p:nvPicPr>
         <p:blipFill>
-          <a:blip r:embed="rId5" cstate="print">
+          <a:blip r:embed="rId11" cstate="print">
             <a:extLst>
               <a:ext uri="{28A0092B-C50C-407E-A947-70E740481C1C}">
                 <a14:useLocalDpi xmlns:a14="http://schemas.microsoft.com/office/drawing/2010/main" val="0"/>
@@ -13858,12 +14435,12 @@
             </p:cNvPicPr>
             <p:nvPr>
               <p:custDataLst>
-                <p:tags r:id="rId1"/>
+                <p:tags r:id="rId7"/>
               </p:custDataLst>
             </p:nvPr>
           </p:nvPicPr>
           <p:blipFill>
-            <a:blip r:embed="rId6" cstate="print">
+            <a:blip r:embed="rId12" cstate="print">
               <a:extLst>
                 <a:ext uri="{28A0092B-C50C-407E-A947-70E740481C1C}">
                   <a14:useLocalDpi xmlns:a14="http://schemas.microsoft.com/office/drawing/2010/main" val="0"/>
@@ -13892,12 +14469,12 @@
             </p:cNvPicPr>
             <p:nvPr>
               <p:custDataLst>
-                <p:tags r:id="rId2"/>
+                <p:tags r:id="rId8"/>
               </p:custDataLst>
             </p:nvPr>
           </p:nvPicPr>
           <p:blipFill>
-            <a:blip r:embed="rId7" cstate="print">
+            <a:blip r:embed="rId13" cstate="print">
               <a:extLst>
                 <a:ext uri="{28A0092B-C50C-407E-A947-70E740481C1C}">
                   <a14:useLocalDpi xmlns:a14="http://schemas.microsoft.com/office/drawing/2010/main" val="0"/>
@@ -13926,12 +14503,12 @@
             </p:cNvPicPr>
             <p:nvPr>
               <p:custDataLst>
-                <p:tags r:id="rId3"/>
+                <p:tags r:id="rId9"/>
               </p:custDataLst>
             </p:nvPr>
           </p:nvPicPr>
           <p:blipFill>
-            <a:blip r:embed="rId8" cstate="print">
+            <a:blip r:embed="rId14" cstate="print">
               <a:extLst>
                 <a:ext uri="{28A0092B-C50C-407E-A947-70E740481C1C}">
                   <a14:useLocalDpi xmlns:a14="http://schemas.microsoft.com/office/drawing/2010/main" val="0"/>
@@ -13953,6 +14530,105 @@
           </p:spPr>
         </p:pic>
       </p:grpSp>
+      <p:pic>
+        <p:nvPicPr>
+          <p:cNvPr id="10" name="beispiel2_func1">
+            <a:hlinkClick r:id="" action="ppaction://media"/>
+          </p:cNvPr>
+          <p:cNvPicPr>
+            <a:picLocks noChangeAspect="1"/>
+          </p:cNvPicPr>
+          <p:nvPr>
+            <a:audioFile r:link="rId2"/>
+            <p:extLst>
+              <p:ext uri="{DAA4B4D4-6D71-4841-9C94-3DE7FCFB9230}">
+                <p14:media xmlns:p14="http://schemas.microsoft.com/office/powerpoint/2010/main" r:embed="rId1"/>
+              </p:ext>
+            </p:extLst>
+          </p:nvPr>
+        </p:nvPicPr>
+        <p:blipFill>
+          <a:blip r:embed="rId15"/>
+          <a:stretch>
+            <a:fillRect/>
+          </a:stretch>
+        </p:blipFill>
+        <p:spPr>
+          <a:xfrm>
+            <a:off x="8572111" y="1721594"/>
+            <a:ext cx="216024" cy="216024"/>
+          </a:xfrm>
+          <a:prstGeom prst="rect">
+            <a:avLst/>
+          </a:prstGeom>
+        </p:spPr>
+      </p:pic>
+      <p:pic>
+        <p:nvPicPr>
+          <p:cNvPr id="13" name="beispiel2_func2">
+            <a:hlinkClick r:id="" action="ppaction://media"/>
+          </p:cNvPr>
+          <p:cNvPicPr>
+            <a:picLocks noChangeAspect="1"/>
+          </p:cNvPicPr>
+          <p:nvPr>
+            <a:audioFile r:link="rId4"/>
+            <p:extLst>
+              <p:ext uri="{DAA4B4D4-6D71-4841-9C94-3DE7FCFB9230}">
+                <p14:media xmlns:p14="http://schemas.microsoft.com/office/powerpoint/2010/main" r:embed="rId3"/>
+              </p:ext>
+            </p:extLst>
+          </p:nvPr>
+        </p:nvPicPr>
+        <p:blipFill>
+          <a:blip r:embed="rId15"/>
+          <a:stretch>
+            <a:fillRect/>
+          </a:stretch>
+        </p:blipFill>
+        <p:spPr>
+          <a:xfrm>
+            <a:off x="8555343" y="2715766"/>
+            <a:ext cx="232792" cy="232792"/>
+          </a:xfrm>
+          <a:prstGeom prst="rect">
+            <a:avLst/>
+          </a:prstGeom>
+        </p:spPr>
+      </p:pic>
+      <p:pic>
+        <p:nvPicPr>
+          <p:cNvPr id="14" name="beispiel2_modwave">
+            <a:hlinkClick r:id="" action="ppaction://media"/>
+          </p:cNvPr>
+          <p:cNvPicPr>
+            <a:picLocks noChangeAspect="1"/>
+          </p:cNvPicPr>
+          <p:nvPr>
+            <a:audioFile r:link="rId6"/>
+            <p:extLst>
+              <p:ext uri="{DAA4B4D4-6D71-4841-9C94-3DE7FCFB9230}">
+                <p14:media xmlns:p14="http://schemas.microsoft.com/office/powerpoint/2010/main" r:embed="rId5"/>
+              </p:ext>
+            </p:extLst>
+          </p:nvPr>
+        </p:nvPicPr>
+        <p:blipFill>
+          <a:blip r:embed="rId15"/>
+          <a:stretch>
+            <a:fillRect/>
+          </a:stretch>
+        </p:blipFill>
+        <p:spPr>
+          <a:xfrm>
+            <a:off x="8556858" y="3651870"/>
+            <a:ext cx="232792" cy="232792"/>
+          </a:xfrm>
+          <a:prstGeom prst="rect">
+            <a:avLst/>
+          </a:prstGeom>
+        </p:spPr>
+      </p:pic>
     </p:spTree>
     <p:extLst>
       <p:ext uri="{BB962C8B-B14F-4D97-AF65-F5344CB8AC3E}">
@@ -13966,7 +14642,241 @@
   <p:timing>
     <p:tnLst>
       <p:par>
-        <p:cTn id="1" dur="indefinite" restart="never" nodeType="tmRoot"/>
+        <p:cTn id="1" dur="indefinite" restart="never" nodeType="tmRoot">
+          <p:childTnLst>
+            <p:seq concurrent="1" nextAc="seek">
+              <p:cTn id="2" restart="whenNotActive" fill="hold" evtFilter="cancelBubble" nodeType="interactiveSeq">
+                <p:stCondLst>
+                  <p:cond evt="onClick" delay="0">
+                    <p:tgtEl>
+                      <p:spTgt spid="10"/>
+                    </p:tgtEl>
+                  </p:cond>
+                </p:stCondLst>
+                <p:endSync evt="end" delay="0">
+                  <p:rtn val="all"/>
+                </p:endSync>
+                <p:childTnLst>
+                  <p:par>
+                    <p:cTn id="3" fill="hold">
+                      <p:stCondLst>
+                        <p:cond delay="0"/>
+                      </p:stCondLst>
+                      <p:childTnLst>
+                        <p:par>
+                          <p:cTn id="4" fill="hold">
+                            <p:stCondLst>
+                              <p:cond delay="0"/>
+                            </p:stCondLst>
+                            <p:childTnLst>
+                              <p:par>
+                                <p:cTn id="5" presetID="1" presetClass="mediacall" presetSubtype="0" fill="hold" nodeType="clickEffect">
+                                  <p:stCondLst>
+                                    <p:cond delay="0"/>
+                                  </p:stCondLst>
+                                  <p:childTnLst>
+                                    <p:cmd type="call" cmd="playFrom(0.0)">
+                                      <p:cBhvr>
+                                        <p:cTn id="6" dur="1000" fill="hold"/>
+                                        <p:tgtEl>
+                                          <p:spTgt spid="10"/>
+                                        </p:tgtEl>
+                                      </p:cBhvr>
+                                    </p:cmd>
+                                  </p:childTnLst>
+                                </p:cTn>
+                              </p:par>
+                            </p:childTnLst>
+                          </p:cTn>
+                        </p:par>
+                      </p:childTnLst>
+                    </p:cTn>
+                  </p:par>
+                </p:childTnLst>
+              </p:cTn>
+              <p:nextCondLst>
+                <p:cond evt="onClick" delay="0">
+                  <p:tgtEl>
+                    <p:spTgt spid="10"/>
+                  </p:tgtEl>
+                </p:cond>
+              </p:nextCondLst>
+            </p:seq>
+            <p:audio>
+              <p:cMediaNode vol="80000">
+                <p:cTn id="7" fill="hold" display="0">
+                  <p:stCondLst>
+                    <p:cond delay="indefinite"/>
+                  </p:stCondLst>
+                  <p:endCondLst>
+                    <p:cond evt="onStopAudio" delay="0">
+                      <p:tgtEl>
+                        <p:sldTgt/>
+                      </p:tgtEl>
+                    </p:cond>
+                  </p:endCondLst>
+                </p:cTn>
+                <p:tgtEl>
+                  <p:spTgt spid="10"/>
+                </p:tgtEl>
+              </p:cMediaNode>
+            </p:audio>
+            <p:seq concurrent="1" nextAc="seek">
+              <p:cTn id="8" restart="whenNotActive" fill="hold" evtFilter="cancelBubble" nodeType="interactiveSeq">
+                <p:stCondLst>
+                  <p:cond evt="onClick" delay="0">
+                    <p:tgtEl>
+                      <p:spTgt spid="13"/>
+                    </p:tgtEl>
+                  </p:cond>
+                </p:stCondLst>
+                <p:endSync evt="end" delay="0">
+                  <p:rtn val="all"/>
+                </p:endSync>
+                <p:childTnLst>
+                  <p:par>
+                    <p:cTn id="9" fill="hold">
+                      <p:stCondLst>
+                        <p:cond delay="0"/>
+                      </p:stCondLst>
+                      <p:childTnLst>
+                        <p:par>
+                          <p:cTn id="10" fill="hold">
+                            <p:stCondLst>
+                              <p:cond delay="0"/>
+                            </p:stCondLst>
+                            <p:childTnLst>
+                              <p:par>
+                                <p:cTn id="11" presetID="1" presetClass="mediacall" presetSubtype="0" fill="hold" nodeType="clickEffect">
+                                  <p:stCondLst>
+                                    <p:cond delay="0"/>
+                                  </p:stCondLst>
+                                  <p:childTnLst>
+                                    <p:cmd type="call" cmd="playFrom(0.0)">
+                                      <p:cBhvr>
+                                        <p:cTn id="12" dur="1000" fill="hold"/>
+                                        <p:tgtEl>
+                                          <p:spTgt spid="13"/>
+                                        </p:tgtEl>
+                                      </p:cBhvr>
+                                    </p:cmd>
+                                  </p:childTnLst>
+                                </p:cTn>
+                              </p:par>
+                            </p:childTnLst>
+                          </p:cTn>
+                        </p:par>
+                      </p:childTnLst>
+                    </p:cTn>
+                  </p:par>
+                </p:childTnLst>
+              </p:cTn>
+              <p:nextCondLst>
+                <p:cond evt="onClick" delay="0">
+                  <p:tgtEl>
+                    <p:spTgt spid="13"/>
+                  </p:tgtEl>
+                </p:cond>
+              </p:nextCondLst>
+            </p:seq>
+            <p:audio>
+              <p:cMediaNode vol="80000">
+                <p:cTn id="13" fill="hold" display="0">
+                  <p:stCondLst>
+                    <p:cond delay="indefinite"/>
+                  </p:stCondLst>
+                  <p:endCondLst>
+                    <p:cond evt="onStopAudio" delay="0">
+                      <p:tgtEl>
+                        <p:sldTgt/>
+                      </p:tgtEl>
+                    </p:cond>
+                  </p:endCondLst>
+                </p:cTn>
+                <p:tgtEl>
+                  <p:spTgt spid="13"/>
+                </p:tgtEl>
+              </p:cMediaNode>
+            </p:audio>
+            <p:seq concurrent="1" nextAc="seek">
+              <p:cTn id="14" restart="whenNotActive" fill="hold" evtFilter="cancelBubble" nodeType="interactiveSeq">
+                <p:stCondLst>
+                  <p:cond evt="onClick" delay="0">
+                    <p:tgtEl>
+                      <p:spTgt spid="14"/>
+                    </p:tgtEl>
+                  </p:cond>
+                </p:stCondLst>
+                <p:endSync evt="end" delay="0">
+                  <p:rtn val="all"/>
+                </p:endSync>
+                <p:childTnLst>
+                  <p:par>
+                    <p:cTn id="15" fill="hold">
+                      <p:stCondLst>
+                        <p:cond delay="0"/>
+                      </p:stCondLst>
+                      <p:childTnLst>
+                        <p:par>
+                          <p:cTn id="16" fill="hold">
+                            <p:stCondLst>
+                              <p:cond delay="0"/>
+                            </p:stCondLst>
+                            <p:childTnLst>
+                              <p:par>
+                                <p:cTn id="17" presetID="1" presetClass="mediacall" presetSubtype="0" fill="hold" nodeType="clickEffect">
+                                  <p:stCondLst>
+                                    <p:cond delay="0"/>
+                                  </p:stCondLst>
+                                  <p:childTnLst>
+                                    <p:cmd type="call" cmd="playFrom(0.0)">
+                                      <p:cBhvr>
+                                        <p:cTn id="18" dur="1000" fill="hold"/>
+                                        <p:tgtEl>
+                                          <p:spTgt spid="14"/>
+                                        </p:tgtEl>
+                                      </p:cBhvr>
+                                    </p:cmd>
+                                  </p:childTnLst>
+                                </p:cTn>
+                              </p:par>
+                            </p:childTnLst>
+                          </p:cTn>
+                        </p:par>
+                      </p:childTnLst>
+                    </p:cTn>
+                  </p:par>
+                </p:childTnLst>
+              </p:cTn>
+              <p:nextCondLst>
+                <p:cond evt="onClick" delay="0">
+                  <p:tgtEl>
+                    <p:spTgt spid="14"/>
+                  </p:tgtEl>
+                </p:cond>
+              </p:nextCondLst>
+            </p:seq>
+            <p:audio>
+              <p:cMediaNode vol="80000">
+                <p:cTn id="19" fill="hold" display="0">
+                  <p:stCondLst>
+                    <p:cond delay="indefinite"/>
+                  </p:stCondLst>
+                  <p:endCondLst>
+                    <p:cond evt="onStopAudio" delay="0">
+                      <p:tgtEl>
+                        <p:sldTgt/>
+                      </p:tgtEl>
+                    </p:cond>
+                  </p:endCondLst>
+                </p:cTn>
+                <p:tgtEl>
+                  <p:spTgt spid="14"/>
+                </p:tgtEl>
+              </p:cMediaNode>
+            </p:audio>
+          </p:childTnLst>
+        </p:cTn>
       </p:par>
     </p:tnLst>
   </p:timing>
@@ -14140,7 +15050,7 @@
           <a:p>
             <a:fld id="{825920CB-9CFE-4FB0-A074-BEBA46422A5B}" type="datetime1">
               <a:rPr lang="de-DE" smtClean="0"/>
-              <a:t>17.06.2015</a:t>
+              <a:t>18.06.2015</a:t>
             </a:fld>
             <a:endParaRPr lang="de-DE"/>
           </a:p>
@@ -14668,51 +15578,6 @@
 </p:tagLst>
 </file>
 
-<file path=ppt/tags/tag37.xml><?xml version="1.0" encoding="utf-8"?>
-<p:tagLst xmlns:a="http://schemas.openxmlformats.org/drawingml/2006/main" xmlns:r="http://schemas.openxmlformats.org/officeDocument/2006/relationships" xmlns:p="http://schemas.openxmlformats.org/presentationml/2006/main">
-  <p:tag name="ORIGINALHEIGHT" val="16,36441"/>
-  <p:tag name="ORIGINALWIDTH" val="719,7074"/>
-  <p:tag name="LATEXADDIN" val="\documentclass{article}&#10;\usepackage{amsmath}&#10;\pagestyle{empty}&#10;\begin{document}&#10;http://www.publicsurplus.com/sms/docviewer/aucdoc/IMG\_ 0966.jpg?auc=674141\&amp;docid=4542888&#10;\end{document}"/>
-  <p:tag name="IGUANATEXSIZE" val="20"/>
-  <p:tag name="IGUANATEXCURSOR" val="156"/>
-  <p:tag name="TRANSPARENCY" val="Wahr"/>
-  <p:tag name="FILENAME" val=""/>
-  <p:tag name="INPUTTYPE" val="0"/>
-  <p:tag name="LATEXENGINEID" val="1"/>
-  <p:tag name="TEMPFOLDER" val="D:\Julius\Documents\iguana_temp\"/>
-</p:tagLst>
-</file>
-
-<file path=ppt/tags/tag38.xml><?xml version="1.0" encoding="utf-8"?>
-<p:tagLst xmlns:a="http://schemas.openxmlformats.org/drawingml/2006/main" xmlns:r="http://schemas.openxmlformats.org/officeDocument/2006/relationships" xmlns:p="http://schemas.openxmlformats.org/presentationml/2006/main">
-  <p:tag name="ORIGINALHEIGHT" val="90,0126"/>
-  <p:tag name="ORIGINALWIDTH" val="915,1277"/>
-  <p:tag name="LATEXADDIN" val="\documentclass{article}&#10;\usepackage{amsmath}&#10;\pagestyle{empty}&#10;\begin{document}&#10;Stand 17.06.2015&#10;&#10;&#10;&#10;\end{document}"/>
-  <p:tag name="IGUANATEXSIZE" val="20"/>
-  <p:tag name="IGUANATEXCURSOR" val="96"/>
-  <p:tag name="TRANSPARENCY" val="Wahr"/>
-  <p:tag name="FILENAME" val=""/>
-  <p:tag name="INPUTTYPE" val="0"/>
-  <p:tag name="LATEXENGINEID" val="1"/>
-  <p:tag name="TEMPFOLDER" val="D:\Julius\Documents\iguana_temp\"/>
-</p:tagLst>
-</file>
-
-<file path=ppt/tags/tag39.xml><?xml version="1.0" encoding="utf-8"?>
-<p:tagLst xmlns:a="http://schemas.openxmlformats.org/drawingml/2006/main" xmlns:r="http://schemas.openxmlformats.org/officeDocument/2006/relationships" xmlns:p="http://schemas.openxmlformats.org/presentationml/2006/main">
-  <p:tag name="ORIGINALHEIGHT" val="21,60102"/>
-  <p:tag name="ORIGINALWIDTH" val="720,3619"/>
-  <p:tag name="LATEXADDIN" val="\documentclass{article}&#10;\usepackage{amsmath}&#10;\pagestyle{empty}&#10;\begin{document}&#10;http://medias.audiofanzine.com/images/normal/yamaha-dx7-iid-615059.jpg&#10;\end{document}"/>
-  <p:tag name="IGUANATEXSIZE" val="20"/>
-  <p:tag name="IGUANATEXCURSOR" val="150"/>
-  <p:tag name="TRANSPARENCY" val="Wahr"/>
-  <p:tag name="FILENAME" val=""/>
-  <p:tag name="INPUTTYPE" val="0"/>
-  <p:tag name="LATEXENGINEID" val="1"/>
-  <p:tag name="TEMPFOLDER" val="D:\Julius\Documents\iguana_temp\"/>
-</p:tagLst>
-</file>
-
 <file path=ppt/tags/tag4.xml><?xml version="1.0" encoding="utf-8"?>
 <p:tagLst xmlns:a="http://schemas.openxmlformats.org/drawingml/2006/main" xmlns:r="http://schemas.openxmlformats.org/officeDocument/2006/relationships" xmlns:p="http://schemas.openxmlformats.org/presentationml/2006/main">
   <p:tag name="ORIGINALHEIGHT" val="124,5174"/>
@@ -14720,21 +15585,6 @@
   <p:tag name="LATEXADDIN" val="\documentclass{article}&#10;\usepackage{amsmath}&#10;\pagestyle{empty}&#10;\begin{document}&#10;$y(t)=sin(2\pi 600 \cdot t)$&#10;&#10;&#10;&#10;\end{document}"/>
   <p:tag name="IGUANATEXSIZE" val="18"/>
   <p:tag name="IGUANATEXCURSOR" val="108"/>
-  <p:tag name="TRANSPARENCY" val="Wahr"/>
-  <p:tag name="FILENAME" val=""/>
-  <p:tag name="INPUTTYPE" val="0"/>
-  <p:tag name="LATEXENGINEID" val="1"/>
-  <p:tag name="TEMPFOLDER" val="D:\Julius\Documents\iguana_temp\"/>
-</p:tagLst>
-</file>
-
-<file path=ppt/tags/tag40.xml><?xml version="1.0" encoding="utf-8"?>
-<p:tagLst xmlns:a="http://schemas.openxmlformats.org/drawingml/2006/main" xmlns:r="http://schemas.openxmlformats.org/officeDocument/2006/relationships" xmlns:p="http://schemas.openxmlformats.org/presentationml/2006/main">
-  <p:tag name="ORIGINALHEIGHT" val="90,0126"/>
-  <p:tag name="ORIGINALWIDTH" val="915,1277"/>
-  <p:tag name="LATEXADDIN" val="\documentclass{article}&#10;\usepackage{amsmath}&#10;\pagestyle{empty}&#10;\begin{document}&#10;Stand 17.06.2015&#10;&#10;&#10;&#10;\end{document}"/>
-  <p:tag name="IGUANATEXSIZE" val="20"/>
-  <p:tag name="IGUANATEXCURSOR" val="96"/>
   <p:tag name="TRANSPARENCY" val="Wahr"/>
   <p:tag name="FILENAME" val=""/>
   <p:tag name="INPUTTYPE" val="0"/>

--- a/Praesentation/FMSynthese-Julius.pptx
+++ b/Praesentation/FMSynthese-Julius.pptx
@@ -253,7 +253,7 @@
             <a:fld id="{364A5697-ABCF-455C-8519-931EFDD64AAA}" type="datetimeFigureOut">
               <a:rPr lang="de-DE" smtClean="0"/>
               <a:pPr/>
-              <a:t>18.06.2015</a:t>
+              <a:t>19.06.2015</a:t>
             </a:fld>
             <a:endParaRPr lang="de-DE"/>
           </a:p>
@@ -1008,7 +1008,7 @@
             <a:fld id="{16CA1741-E8C7-4D32-930D-2CBEC658BBE9}" type="datetime1">
               <a:rPr lang="de-DE" smtClean="0"/>
               <a:pPr/>
-              <a:t>18.06.2015</a:t>
+              <a:t>19.06.2015</a:t>
             </a:fld>
             <a:endParaRPr lang="de-DE"/>
           </a:p>
@@ -1189,7 +1189,7 @@
             <a:fld id="{BA20089B-28E9-4E3D-8F82-6328AE8CACA6}" type="datetime1">
               <a:rPr lang="de-DE" smtClean="0"/>
               <a:pPr/>
-              <a:t>18.06.2015</a:t>
+              <a:t>19.06.2015</a:t>
             </a:fld>
             <a:endParaRPr lang="de-DE"/>
           </a:p>
@@ -1376,7 +1376,7 @@
           <a:p>
             <a:fld id="{9369858E-D1D1-4BAC-A564-46FF792CFAC7}" type="datetime1">
               <a:rPr lang="de-DE" smtClean="0"/>
-              <a:t>18.06.2015</a:t>
+              <a:t>19.06.2015</a:t>
             </a:fld>
             <a:endParaRPr lang="de-DE" dirty="0"/>
           </a:p>
@@ -1628,7 +1628,7 @@
             <a:fld id="{48E855D6-EEBE-45BF-8BB5-776601FA5085}" type="datetime1">
               <a:rPr lang="de-DE" smtClean="0"/>
               <a:pPr/>
-              <a:t>18.06.2015</a:t>
+              <a:t>19.06.2015</a:t>
             </a:fld>
             <a:endParaRPr lang="de-DE"/>
           </a:p>
@@ -1917,7 +1917,7 @@
             <a:fld id="{EF380378-A65B-4494-A5A7-886B50CB4937}" type="datetime1">
               <a:rPr lang="de-DE" smtClean="0"/>
               <a:pPr/>
-              <a:t>18.06.2015</a:t>
+              <a:t>19.06.2015</a:t>
             </a:fld>
             <a:endParaRPr lang="de-DE"/>
           </a:p>
@@ -2340,7 +2340,7 @@
             <a:fld id="{BF9B2ACF-C63C-45AF-B5D6-56753CCBEEC7}" type="datetime1">
               <a:rPr lang="de-DE" smtClean="0"/>
               <a:pPr/>
-              <a:t>18.06.2015</a:t>
+              <a:t>19.06.2015</a:t>
             </a:fld>
             <a:endParaRPr lang="de-DE"/>
           </a:p>
@@ -2459,7 +2459,7 @@
             <a:fld id="{782C60A8-75F3-45EE-8F68-824804B9A36B}" type="datetime1">
               <a:rPr lang="de-DE" smtClean="0"/>
               <a:pPr/>
-              <a:t>18.06.2015</a:t>
+              <a:t>19.06.2015</a:t>
             </a:fld>
             <a:endParaRPr lang="de-DE"/>
           </a:p>
@@ -2555,7 +2555,7 @@
             <a:fld id="{AC76AE4E-B847-44C0-9E80-FADAC514238D}" type="datetime1">
               <a:rPr lang="de-DE" smtClean="0"/>
               <a:pPr/>
-              <a:t>18.06.2015</a:t>
+              <a:t>19.06.2015</a:t>
             </a:fld>
             <a:endParaRPr lang="de-DE"/>
           </a:p>
@@ -2833,7 +2833,7 @@
             <a:fld id="{93EB1BC4-DA1F-4C44-8E36-1B9FD72AD58E}" type="datetime1">
               <a:rPr lang="de-DE" smtClean="0"/>
               <a:pPr/>
-              <a:t>18.06.2015</a:t>
+              <a:t>19.06.2015</a:t>
             </a:fld>
             <a:endParaRPr lang="de-DE"/>
           </a:p>
@@ -3087,7 +3087,7 @@
             <a:fld id="{E23DD280-69E3-4A3C-8762-77BE68C0FDBF}" type="datetime1">
               <a:rPr lang="de-DE" smtClean="0"/>
               <a:pPr/>
-              <a:t>18.06.2015</a:t>
+              <a:t>19.06.2015</a:t>
             </a:fld>
             <a:endParaRPr lang="de-DE"/>
           </a:p>
@@ -3301,7 +3301,7 @@
             <a:fld id="{A1830189-BAB1-4688-8766-4D2AC2DF7C33}" type="datetime1">
               <a:rPr lang="de-DE" smtClean="0"/>
               <a:pPr/>
-              <a:t>18.06.2015</a:t>
+              <a:t>19.06.2015</a:t>
             </a:fld>
             <a:endParaRPr lang="de-DE" dirty="0"/>
           </a:p>
@@ -3919,7 +3919,7 @@
           <a:p>
             <a:fld id="{711E0BBA-85CE-4567-A3EB-570B826ED505}" type="datetime1">
               <a:rPr lang="de-DE" smtClean="0"/>
-              <a:t>18.06.2015</a:t>
+              <a:t>19.06.2015</a:t>
             </a:fld>
             <a:endParaRPr lang="de-DE"/>
           </a:p>
@@ -4207,7 +4207,7 @@
           <a:p>
             <a:fld id="{1BA9CB46-1999-48FE-934D-6C67DE059830}" type="datetime1">
               <a:rPr lang="de-DE" smtClean="0"/>
-              <a:t>18.06.2015</a:t>
+              <a:t>19.06.2015</a:t>
             </a:fld>
             <a:endParaRPr lang="de-DE"/>
           </a:p>
@@ -4481,7 +4481,7 @@
           <a:p>
             <a:fld id="{72653B21-52A1-4C85-A953-1B3DFEDFDB08}" type="datetime1">
               <a:rPr lang="de-DE" smtClean="0"/>
-              <a:t>18.06.2015</a:t>
+              <a:t>19.06.2015</a:t>
             </a:fld>
             <a:endParaRPr lang="de-DE"/>
           </a:p>
@@ -4627,7 +4627,7 @@
           <a:p>
             <a:fld id="{860830F5-49E7-4889-AA1F-2CB69E8126AF}" type="datetime1">
               <a:rPr lang="de-DE" smtClean="0"/>
-              <a:t>18.06.2015</a:t>
+              <a:t>19.06.2015</a:t>
             </a:fld>
             <a:endParaRPr lang="de-DE"/>
           </a:p>
@@ -4852,7 +4852,7 @@
           <a:p>
             <a:fld id="{5A27912C-CDDD-45BB-A172-315B1F38A094}" type="datetime1">
               <a:rPr lang="de-DE" smtClean="0"/>
-              <a:t>18.06.2015</a:t>
+              <a:t>19.06.2015</a:t>
             </a:fld>
             <a:endParaRPr lang="de-DE"/>
           </a:p>
@@ -5092,7 +5092,7 @@
           <a:p>
             <a:fld id="{00B76B82-E15A-4F92-B838-853BA8CDA07B}" type="datetime1">
               <a:rPr lang="de-DE" smtClean="0"/>
-              <a:t>18.06.2015</a:t>
+              <a:t>19.06.2015</a:t>
             </a:fld>
             <a:endParaRPr lang="de-DE"/>
           </a:p>
@@ -5388,7 +5388,7 @@
           <a:p>
             <a:fld id="{CBD29002-DD08-4B8B-8D0E-E18685283E8F}" type="datetime1">
               <a:rPr lang="de-DE" smtClean="0"/>
-              <a:t>18.06.2015</a:t>
+              <a:t>19.06.2015</a:t>
             </a:fld>
             <a:endParaRPr lang="de-DE"/>
           </a:p>
@@ -5587,7 +5587,7 @@
           <a:p>
             <a:fld id="{D7189504-FB42-40CE-B2BB-CA1D3CB1B385}" type="datetime1">
               <a:rPr lang="de-DE" smtClean="0"/>
-              <a:t>18.06.2015</a:t>
+              <a:t>19.06.2015</a:t>
             </a:fld>
             <a:endParaRPr lang="de-DE"/>
           </a:p>
@@ -5806,7 +5806,7 @@
           <a:p>
             <a:fld id="{8C72BFCD-6DDC-4F0C-B207-AE3CB62F0D09}" type="datetime1">
               <a:rPr lang="de-DE" smtClean="0"/>
-              <a:t>18.06.2015</a:t>
+              <a:t>19.06.2015</a:t>
             </a:fld>
             <a:endParaRPr lang="de-DE"/>
           </a:p>
@@ -6076,7 +6076,7 @@
           <a:p>
             <a:fld id="{9369858E-D1D1-4BAC-A564-46FF792CFAC7}" type="datetime1">
               <a:rPr lang="de-DE" smtClean="0"/>
-              <a:t>18.06.2015</a:t>
+              <a:t>19.06.2015</a:t>
             </a:fld>
             <a:endParaRPr lang="de-DE" dirty="0"/>
           </a:p>
@@ -6845,7 +6845,7 @@
           <a:p>
             <a:fld id="{CF17882A-01A4-40E1-8E7C-E4DC1CDE6C7E}" type="datetime1">
               <a:rPr lang="de-DE" smtClean="0"/>
-              <a:t>18.06.2015</a:t>
+              <a:t>19.06.2015</a:t>
             </a:fld>
             <a:endParaRPr lang="de-DE"/>
           </a:p>
@@ -7072,7 +7072,7 @@
           <a:p>
             <a:fld id="{6FD35CB8-BD90-447C-AB06-561BC3962411}" type="datetime1">
               <a:rPr lang="de-DE" smtClean="0"/>
-              <a:t>18.06.2015</a:t>
+              <a:t>19.06.2015</a:t>
             </a:fld>
             <a:endParaRPr lang="de-DE"/>
           </a:p>
@@ -7323,7 +7323,7 @@
           <a:p>
             <a:fld id="{6D7D0E66-EFAE-4305-BA7A-6348E48A8036}" type="datetime1">
               <a:rPr lang="de-DE" smtClean="0"/>
-              <a:t>18.06.2015</a:t>
+              <a:t>19.06.2015</a:t>
             </a:fld>
             <a:endParaRPr lang="de-DE"/>
           </a:p>
@@ -7517,7 +7517,7 @@
           <a:graphicData uri="http://schemas.openxmlformats.org/presentationml/2006/ole">
             <mc:AlternateContent xmlns:mc="http://schemas.openxmlformats.org/markup-compatibility/2006">
               <mc:Choice xmlns:v="urn:schemas-microsoft-com:vml" Requires="v">
-                <p:oleObj spid="_x0000_s31896" name="Formel" r:id="rId6" imgW="114120" imgH="215640" progId="Equation.3">
+                <p:oleObj spid="_x0000_s31897" name="Formel" r:id="rId6" imgW="114120" imgH="215640" progId="Equation.3">
                   <p:embed/>
                 </p:oleObj>
               </mc:Choice>
@@ -7717,7 +7717,7 @@
           <a:p>
             <a:fld id="{39A556A3-A96F-4A29-B9F8-6AE2A559B586}" type="datetime1">
               <a:rPr lang="de-DE" smtClean="0"/>
-              <a:t>18.06.2015</a:t>
+              <a:t>19.06.2015</a:t>
             </a:fld>
             <a:endParaRPr lang="de-DE"/>
           </a:p>
@@ -7828,7 +7828,7 @@
           <a:graphicData uri="http://schemas.openxmlformats.org/presentationml/2006/ole">
             <mc:AlternateContent xmlns:mc="http://schemas.openxmlformats.org/markup-compatibility/2006">
               <mc:Choice xmlns:v="urn:schemas-microsoft-com:vml" Requires="v">
-                <p:oleObj spid="_x0000_s33010" name="Formel" r:id="rId5" imgW="114120" imgH="215640" progId="Equation.3">
+                <p:oleObj spid="_x0000_s33012" name="Formel" r:id="rId5" imgW="114120" imgH="215640" progId="Equation.3">
                   <p:embed/>
                 </p:oleObj>
               </mc:Choice>
@@ -7898,7 +7898,7 @@
           <a:graphicData uri="http://schemas.openxmlformats.org/presentationml/2006/ole">
             <mc:AlternateContent xmlns:mc="http://schemas.openxmlformats.org/markup-compatibility/2006">
               <mc:Choice xmlns:v="urn:schemas-microsoft-com:vml" Requires="v">
-                <p:oleObj spid="_x0000_s33011" name="Formel" r:id="rId7" imgW="114120" imgH="215640" progId="Equation.3">
+                <p:oleObj spid="_x0000_s33013" name="Formel" r:id="rId7" imgW="114120" imgH="215640" progId="Equation.3">
                   <p:embed/>
                 </p:oleObj>
               </mc:Choice>
@@ -8444,7 +8444,7 @@
           <a:p>
             <a:fld id="{C4F4BF9B-9A36-46DE-8B65-E62FB4C30526}" type="datetime1">
               <a:rPr lang="de-DE" smtClean="0"/>
-              <a:t>18.06.2015</a:t>
+              <a:t>19.06.2015</a:t>
             </a:fld>
             <a:endParaRPr lang="de-DE"/>
           </a:p>
@@ -8925,7 +8925,7 @@
           <a:p>
             <a:fld id="{FF1488C6-348F-4901-AAB2-1EC6CED6BE40}" type="datetime1">
               <a:rPr lang="de-DE" smtClean="0"/>
-              <a:t>18.06.2015</a:t>
+              <a:t>19.06.2015</a:t>
             </a:fld>
             <a:endParaRPr lang="de-DE"/>
           </a:p>
@@ -9615,7 +9615,7 @@
           <a:p>
             <a:fld id="{4987A347-352C-4B4F-B3D9-7FF070EB9D55}" type="datetime1">
               <a:rPr lang="de-DE" smtClean="0"/>
-              <a:t>18.06.2015</a:t>
+              <a:t>19.06.2015</a:t>
             </a:fld>
             <a:endParaRPr lang="de-DE"/>
           </a:p>
@@ -10117,7 +10117,7 @@
           <a:p>
             <a:fld id="{3639999C-1D72-4812-9BEC-6A84F856EB5A}" type="datetime1">
               <a:rPr lang="de-DE" smtClean="0"/>
-              <a:t>18.06.2015</a:t>
+              <a:t>19.06.2015</a:t>
             </a:fld>
             <a:endParaRPr lang="de-DE"/>
           </a:p>
@@ -10715,7 +10715,7 @@
           <a:p>
             <a:fld id="{7609E643-4D96-4DED-8C33-CC201D580F3D}" type="datetime1">
               <a:rPr lang="de-DE" smtClean="0"/>
-              <a:t>18.06.2015</a:t>
+              <a:t>19.06.2015</a:t>
             </a:fld>
             <a:endParaRPr lang="de-DE"/>
           </a:p>
@@ -11193,7 +11193,7 @@
           <a:p>
             <a:fld id="{4076B8EE-21E0-40B1-8970-CDA6027CB94F}" type="datetime1">
               <a:rPr lang="de-DE" smtClean="0"/>
-              <a:t>18.06.2015</a:t>
+              <a:t>19.06.2015</a:t>
             </a:fld>
             <a:endParaRPr lang="de-DE"/>
           </a:p>
@@ -11632,7 +11632,7 @@
           <a:p>
             <a:fld id="{9369858E-D1D1-4BAC-A564-46FF792CFAC7}" type="datetime1">
               <a:rPr lang="de-DE" smtClean="0"/>
-              <a:t>18.06.2015</a:t>
+              <a:t>19.06.2015</a:t>
             </a:fld>
             <a:endParaRPr lang="de-DE" dirty="0"/>
           </a:p>
@@ -11886,7 +11886,7 @@
           <a:p>
             <a:fld id="{9369858E-D1D1-4BAC-A564-46FF792CFAC7}" type="datetime1">
               <a:rPr lang="de-DE" smtClean="0"/>
-              <a:t>18.06.2015</a:t>
+              <a:t>19.06.2015</a:t>
             </a:fld>
             <a:endParaRPr lang="de-DE" dirty="0"/>
           </a:p>
@@ -12074,7 +12074,7 @@
           <a:p>
             <a:fld id="{73EBDB3D-1284-4703-8FAB-D9B5400C77DD}" type="datetime1">
               <a:rPr lang="de-DE" smtClean="0"/>
-              <a:t>18.06.2015</a:t>
+              <a:t>19.06.2015</a:t>
             </a:fld>
             <a:endParaRPr lang="de-DE"/>
           </a:p>
@@ -12370,7 +12370,7 @@
           <a:p>
             <a:fld id="{57104889-ED7B-46E1-A53D-000D0D04FFF0}" type="datetime1">
               <a:rPr lang="de-DE" smtClean="0"/>
-              <a:t>18.06.2015</a:t>
+              <a:t>19.06.2015</a:t>
             </a:fld>
             <a:endParaRPr lang="de-DE"/>
           </a:p>
@@ -12766,7 +12766,7 @@
           <a:p>
             <a:fld id="{7863A709-473A-488B-BD2D-9CF65648D40C}" type="datetime1">
               <a:rPr lang="de-DE" smtClean="0"/>
-              <a:t>18.06.2015</a:t>
+              <a:t>19.06.2015</a:t>
             </a:fld>
             <a:endParaRPr lang="de-DE"/>
           </a:p>
@@ -12949,7 +12949,7 @@
           <a:graphicData uri="http://schemas.openxmlformats.org/presentationml/2006/ole">
             <mc:AlternateContent xmlns:mc="http://schemas.openxmlformats.org/markup-compatibility/2006">
               <mc:Choice xmlns:v="urn:schemas-microsoft-com:vml" Requires="v">
-                <p:oleObj spid="_x0000_s2168" name="Formel" r:id="rId10" imgW="114120" imgH="215640" progId="Equation.3">
+                <p:oleObj spid="_x0000_s2169" name="Formel" r:id="rId10" imgW="114120" imgH="215640" progId="Equation.3">
                   <p:embed/>
                 </p:oleObj>
               </mc:Choice>
@@ -13508,7 +13508,7 @@
           <a:p>
             <a:fld id="{CFA19918-AC84-41E1-B740-FB8B3337DCD7}" type="datetime1">
               <a:rPr lang="de-DE" smtClean="0"/>
-              <a:t>18.06.2015</a:t>
+              <a:t>19.06.2015</a:t>
             </a:fld>
             <a:endParaRPr lang="de-DE"/>
           </a:p>
@@ -14224,7 +14224,7 @@
           <a:p>
             <a:fld id="{4E144442-ACC1-484B-8553-97F56778C777}" type="datetime1">
               <a:rPr lang="de-DE" smtClean="0"/>
-              <a:t>18.06.2015</a:t>
+              <a:t>19.06.2015</a:t>
             </a:fld>
             <a:endParaRPr lang="de-DE"/>
           </a:p>
@@ -15050,7 +15050,7 @@
           <a:p>
             <a:fld id="{825920CB-9CFE-4FB0-A074-BEBA46422A5B}" type="datetime1">
               <a:rPr lang="de-DE" smtClean="0"/>
-              <a:t>18.06.2015</a:t>
+              <a:t>19.06.2015</a:t>
             </a:fld>
             <a:endParaRPr lang="de-DE"/>
           </a:p>

--- a/Praesentation/FMSynthese-Julius.pptx
+++ b/Praesentation/FMSynthese-Julius.pptx
@@ -7517,7 +7517,7 @@
           <a:graphicData uri="http://schemas.openxmlformats.org/presentationml/2006/ole">
             <mc:AlternateContent xmlns:mc="http://schemas.openxmlformats.org/markup-compatibility/2006">
               <mc:Choice xmlns:v="urn:schemas-microsoft-com:vml" Requires="v">
-                <p:oleObj spid="_x0000_s31897" name="Formel" r:id="rId6" imgW="114120" imgH="215640" progId="Equation.3">
+                <p:oleObj spid="_x0000_s31901" name="Formel" r:id="rId6" imgW="114120" imgH="215640" progId="Equation.3">
                   <p:embed/>
                 </p:oleObj>
               </mc:Choice>
@@ -7828,7 +7828,7 @@
           <a:graphicData uri="http://schemas.openxmlformats.org/presentationml/2006/ole">
             <mc:AlternateContent xmlns:mc="http://schemas.openxmlformats.org/markup-compatibility/2006">
               <mc:Choice xmlns:v="urn:schemas-microsoft-com:vml" Requires="v">
-                <p:oleObj spid="_x0000_s33012" name="Formel" r:id="rId5" imgW="114120" imgH="215640" progId="Equation.3">
+                <p:oleObj spid="_x0000_s33020" name="Formel" r:id="rId5" imgW="114120" imgH="215640" progId="Equation.3">
                   <p:embed/>
                 </p:oleObj>
               </mc:Choice>
@@ -7898,7 +7898,7 @@
           <a:graphicData uri="http://schemas.openxmlformats.org/presentationml/2006/ole">
             <mc:AlternateContent xmlns:mc="http://schemas.openxmlformats.org/markup-compatibility/2006">
               <mc:Choice xmlns:v="urn:schemas-microsoft-com:vml" Requires="v">
-                <p:oleObj spid="_x0000_s33013" name="Formel" r:id="rId7" imgW="114120" imgH="215640" progId="Equation.3">
+                <p:oleObj spid="_x0000_s33021" name="Formel" r:id="rId7" imgW="114120" imgH="215640" progId="Equation.3">
                   <p:embed/>
                 </p:oleObj>
               </mc:Choice>
@@ -12183,9 +12183,9 @@
         <p:grpSpPr>
           <a:xfrm>
             <a:off x="467544" y="1488142"/>
-            <a:ext cx="5904656" cy="2523768"/>
+            <a:ext cx="8064896" cy="2215991"/>
             <a:chOff x="683568" y="1275606"/>
-            <a:chExt cx="5904656" cy="2523768"/>
+            <a:chExt cx="8064896" cy="2215991"/>
           </a:xfrm>
         </p:grpSpPr>
         <p:sp>
@@ -12197,7 +12197,7 @@
           <p:spPr>
             <a:xfrm>
               <a:off x="683568" y="1275606"/>
-              <a:ext cx="5904656" cy="2523768"/>
+              <a:ext cx="8064896" cy="2215991"/>
             </a:xfrm>
             <a:prstGeom prst="rect">
               <a:avLst/>
@@ -12307,7 +12307,7 @@
           </p:blipFill>
           <p:spPr>
             <a:xfrm>
-              <a:off x="2063842" y="2582024"/>
+              <a:off x="2063842" y="2287206"/>
               <a:ext cx="2940206" cy="253019"/>
             </a:xfrm>
             <a:prstGeom prst="rect">
@@ -12686,21 +12686,12 @@
             </a:r>
             <a:r>
               <a:rPr lang="de-DE" sz="1000" dirty="0"/>
-              <a:t>: </a:t>
-            </a:r>
-            <a:r>
-              <a:rPr lang="de-DE" sz="1000" dirty="0">
-                <a:hlinkClick r:id="rId7"/>
-              </a:rPr>
-              <a:t>http://mmmmaven.com/wp-content/uploads/800px-2op_FM.svg_.</a:t>
-            </a:r>
-            <a:r>
-              <a:rPr lang="de-DE" sz="1000" dirty="0" smtClean="0">
-                <a:hlinkClick r:id="rId7"/>
-              </a:rPr>
+              <a:t>: http://mmmmaven.com/wp-content/uploads/800px-2op_FM.svg_.</a:t>
+            </a:r>
+            <a:r>
+              <a:rPr lang="de-DE" sz="1000" dirty="0" smtClean="0"/>
               <a:t>png</a:t>
             </a:r>
-            <a:endParaRPr lang="de-DE" sz="1000" dirty="0" smtClean="0"/>
           </a:p>
           <a:p>
             <a:pPr algn="ctr"/>
@@ -12949,7 +12940,7 @@
           <a:graphicData uri="http://schemas.openxmlformats.org/presentationml/2006/ole">
             <mc:AlternateContent xmlns:mc="http://schemas.openxmlformats.org/markup-compatibility/2006">
               <mc:Choice xmlns:v="urn:schemas-microsoft-com:vml" Requires="v">
-                <p:oleObj spid="_x0000_s2169" name="Formel" r:id="rId10" imgW="114120" imgH="215640" progId="Equation.3">
+                <p:oleObj spid="_x0000_s2173" name="Formel" r:id="rId10" imgW="114120" imgH="215640" progId="Equation.3">
                   <p:embed/>
                 </p:oleObj>
               </mc:Choice>
@@ -14948,14 +14939,26 @@
               <a:rPr lang="de-DE" sz="2000" dirty="0" smtClean="0">
                 <a:latin typeface="Lato" pitchFamily="34" charset="0"/>
               </a:rPr>
-              <a:t>Erste, mit FM-Synthese erstellte Stücke</a:t>
-            </a:r>
-          </a:p>
-          <a:p>
+              <a:t>Erste, mit FM-Synthese </a:t>
+            </a:r>
             <a:r>
               <a:rPr lang="de-DE" sz="2000" dirty="0" smtClean="0">
                 <a:latin typeface="Lato" pitchFamily="34" charset="0"/>
               </a:rPr>
+              <a:t>erstellte </a:t>
+            </a:r>
+            <a:r>
+              <a:rPr lang="de-DE" sz="2000" dirty="0" smtClean="0">
+                <a:latin typeface="Lato" pitchFamily="34" charset="0"/>
+              </a:rPr>
+              <a:t>Stücke</a:t>
+            </a:r>
+          </a:p>
+          <a:p>
+            <a:r>
+              <a:rPr lang="de-DE" sz="2000" dirty="0" smtClean="0">
+                <a:latin typeface="Lato" pitchFamily="34" charset="0"/>
+              </a:rPr>
               <a:t>Von John </a:t>
             </a:r>
             <a:r>
@@ -14968,7 +14971,7 @@
               <a:rPr lang="de-DE" sz="2000" dirty="0" smtClean="0">
                 <a:latin typeface="Lato" pitchFamily="34" charset="0"/>
               </a:rPr>
-              <a:t> selbst</a:t>
+              <a:t> </a:t>
             </a:r>
           </a:p>
           <a:p>

--- a/Praesentation/FMSynthese-Julius.pptx
+++ b/Praesentation/FMSynthese-Julius.pptx
@@ -8,8 +8,8 @@
     <p:notesMasterId r:id="rId33"/>
   </p:notesMasterIdLst>
   <p:sldIdLst>
-    <p:sldId id="257" r:id="rId2"/>
-    <p:sldId id="256" r:id="rId3"/>
+    <p:sldId id="290" r:id="rId2"/>
+    <p:sldId id="291" r:id="rId3"/>
     <p:sldId id="285" r:id="rId4"/>
     <p:sldId id="279" r:id="rId5"/>
     <p:sldId id="258" r:id="rId6"/>
@@ -415,7 +415,7 @@
             <a:fld id="{B162E40F-E87F-4C0D-9DAF-92DD7B84B6D5}" type="slidenum">
               <a:rPr lang="de-DE" smtClean="0"/>
               <a:pPr/>
-              <a:t>‹Nr.›</a:t>
+              <a:t>‹#›</a:t>
             </a:fld>
             <a:endParaRPr lang="de-DE"/>
           </a:p>
@@ -599,7 +599,7 @@
     </p:spTree>
     <p:extLst>
       <p:ext uri="{BB962C8B-B14F-4D97-AF65-F5344CB8AC3E}">
-        <p14:creationId xmlns:p14="http://schemas.microsoft.com/office/powerpoint/2010/main" val="549046343"/>
+        <p14:creationId xmlns:p14="http://schemas.microsoft.com/office/powerpoint/2010/main" val="3270536043"/>
       </p:ext>
     </p:extLst>
   </p:cSld>
@@ -1055,7 +1055,7 @@
             <a:fld id="{6C6AE60A-B69C-4790-82F7-3882EDF23186}" type="slidenum">
               <a:rPr lang="de-DE" smtClean="0"/>
               <a:pPr/>
-              <a:t>‹Nr.›</a:t>
+              <a:t>‹#›</a:t>
             </a:fld>
             <a:endParaRPr lang="de-DE"/>
           </a:p>
@@ -1236,7 +1236,7 @@
             <a:fld id="{6C6AE60A-B69C-4790-82F7-3882EDF23186}" type="slidenum">
               <a:rPr lang="de-DE" smtClean="0"/>
               <a:pPr/>
-              <a:t>‹Nr.›</a:t>
+              <a:t>‹#›</a:t>
             </a:fld>
             <a:endParaRPr lang="de-DE"/>
           </a:p>
@@ -1423,7 +1423,7 @@
             <a:fld id="{6C6AE60A-B69C-4790-82F7-3882EDF23186}" type="slidenum">
               <a:rPr lang="de-DE" smtClean="0"/>
               <a:pPr/>
-              <a:t>‹Nr.›</a:t>
+              <a:t>‹#›</a:t>
             </a:fld>
             <a:r>
               <a:rPr lang="de-DE" smtClean="0"/>
@@ -1675,7 +1675,7 @@
             <a:fld id="{6C6AE60A-B69C-4790-82F7-3882EDF23186}" type="slidenum">
               <a:rPr lang="de-DE" smtClean="0"/>
               <a:pPr/>
-              <a:t>‹Nr.›</a:t>
+              <a:t>‹#›</a:t>
             </a:fld>
             <a:endParaRPr lang="de-DE" dirty="0"/>
           </a:p>
@@ -1964,7 +1964,7 @@
             <a:fld id="{6C6AE60A-B69C-4790-82F7-3882EDF23186}" type="slidenum">
               <a:rPr lang="de-DE" smtClean="0"/>
               <a:pPr/>
-              <a:t>‹Nr.›</a:t>
+              <a:t>‹#›</a:t>
             </a:fld>
             <a:endParaRPr lang="de-DE"/>
           </a:p>
@@ -2387,7 +2387,7 @@
             <a:fld id="{6C6AE60A-B69C-4790-82F7-3882EDF23186}" type="slidenum">
               <a:rPr lang="de-DE" smtClean="0"/>
               <a:pPr/>
-              <a:t>‹Nr.›</a:t>
+              <a:t>‹#›</a:t>
             </a:fld>
             <a:endParaRPr lang="de-DE"/>
           </a:p>
@@ -2506,7 +2506,7 @@
             <a:fld id="{6C6AE60A-B69C-4790-82F7-3882EDF23186}" type="slidenum">
               <a:rPr lang="de-DE" smtClean="0"/>
               <a:pPr/>
-              <a:t>‹Nr.›</a:t>
+              <a:t>‹#›</a:t>
             </a:fld>
             <a:endParaRPr lang="de-DE"/>
           </a:p>
@@ -2602,7 +2602,7 @@
             <a:fld id="{6C6AE60A-B69C-4790-82F7-3882EDF23186}" type="slidenum">
               <a:rPr lang="de-DE" smtClean="0"/>
               <a:pPr/>
-              <a:t>‹Nr.›</a:t>
+              <a:t>‹#›</a:t>
             </a:fld>
             <a:endParaRPr lang="de-DE"/>
           </a:p>
@@ -2880,7 +2880,7 @@
             <a:fld id="{6C6AE60A-B69C-4790-82F7-3882EDF23186}" type="slidenum">
               <a:rPr lang="de-DE" smtClean="0"/>
               <a:pPr/>
-              <a:t>‹Nr.›</a:t>
+              <a:t>‹#›</a:t>
             </a:fld>
             <a:endParaRPr lang="de-DE"/>
           </a:p>
@@ -3134,7 +3134,7 @@
             <a:fld id="{6C6AE60A-B69C-4790-82F7-3882EDF23186}" type="slidenum">
               <a:rPr lang="de-DE" smtClean="0"/>
               <a:pPr/>
-              <a:t>‹Nr.›</a:t>
+              <a:t>‹#›</a:t>
             </a:fld>
             <a:endParaRPr lang="de-DE"/>
           </a:p>
@@ -3384,7 +3384,7 @@
             <a:fld id="{6C6AE60A-B69C-4790-82F7-3882EDF23186}" type="slidenum">
               <a:rPr lang="de-DE" smtClean="0"/>
               <a:pPr/>
-              <a:t>‹Nr.›</a:t>
+              <a:t>‹#›</a:t>
             </a:fld>
             <a:r>
               <a:rPr lang="de-DE" dirty="0" smtClean="0"/>
@@ -3746,8 +3746,8 @@
         </p:nvSpPr>
         <p:spPr>
           <a:xfrm>
-            <a:off x="1371600" y="2914650"/>
-            <a:ext cx="6400800" cy="1314450"/>
+            <a:off x="611560" y="2913484"/>
+            <a:ext cx="3778513" cy="1314450"/>
           </a:xfrm>
         </p:spPr>
         <p:txBody>
@@ -3757,2569 +3757,21 @@
           <a:lstStyle/>
           <a:p>
             <a:r>
+              <a:rPr lang="de-DE" dirty="0"/>
+              <a:t>Julius Hackel</a:t>
+            </a:r>
+          </a:p>
+          <a:p>
+            <a:r>
               <a:rPr lang="de-DE" dirty="0" smtClean="0"/>
-              <a:t>Markus Bullmann, Stefan Gerasch, Julius Hackel, Matthias Kemmer</a:t>
-            </a:r>
-            <a:endParaRPr lang="de-DE" dirty="0"/>
-          </a:p>
-        </p:txBody>
-      </p:sp>
-    </p:spTree>
-  </p:cSld>
-  <p:clrMapOvr>
-    <a:masterClrMapping/>
-  </p:clrMapOvr>
-  <p:timing>
-    <p:tnLst>
-      <p:par>
-        <p:cTn id="1" dur="indefinite" restart="never" nodeType="tmRoot"/>
-      </p:par>
-    </p:tnLst>
-  </p:timing>
-</p:sld>
-</file>
-
-<file path=ppt/slides/slide10.xml><?xml version="1.0" encoding="utf-8"?>
-<p:sld xmlns:a="http://schemas.openxmlformats.org/drawingml/2006/main" xmlns:r="http://schemas.openxmlformats.org/officeDocument/2006/relationships" xmlns:p="http://schemas.openxmlformats.org/presentationml/2006/main">
-  <p:cSld>
-    <p:spTree>
-      <p:nvGrpSpPr>
-        <p:cNvPr id="1" name=""/>
-        <p:cNvGrpSpPr/>
-        <p:nvPr/>
-      </p:nvGrpSpPr>
-      <p:grpSpPr>
-        <a:xfrm>
-          <a:off x="0" y="0"/>
-          <a:ext cx="0" cy="0"/>
-          <a:chOff x="0" y="0"/>
-          <a:chExt cx="0" cy="0"/>
-        </a:xfrm>
-      </p:grpSpPr>
-      <p:sp>
-        <p:nvSpPr>
-          <p:cNvPr id="2" name="Titel 1"/>
-          <p:cNvSpPr>
-            <a:spLocks noGrp="1"/>
-          </p:cNvSpPr>
-          <p:nvPr>
-            <p:ph type="title"/>
-          </p:nvPr>
-        </p:nvSpPr>
-        <p:spPr/>
-        <p:txBody>
-          <a:bodyPr>
-            <a:normAutofit/>
-          </a:bodyPr>
-          <a:lstStyle/>
-          <a:p>
-            <a:r>
-              <a:rPr lang="de-DE" sz="2800" dirty="0" smtClean="0">
-                <a:latin typeface="Lato" pitchFamily="34" charset="0"/>
-              </a:rPr>
-              <a:t>Geschichte der FM-Synthese</a:t>
-            </a:r>
-            <a:endParaRPr lang="de-DE" sz="2800" dirty="0">
-              <a:latin typeface="Lato" pitchFamily="34" charset="0"/>
-            </a:endParaRPr>
-          </a:p>
-        </p:txBody>
-      </p:sp>
-      <p:sp>
-        <p:nvSpPr>
-          <p:cNvPr id="3" name="Inhaltsplatzhalter 2"/>
-          <p:cNvSpPr>
-            <a:spLocks noGrp="1"/>
-          </p:cNvSpPr>
-          <p:nvPr>
-            <p:ph idx="1"/>
-          </p:nvPr>
-        </p:nvSpPr>
-        <p:spPr>
-          <a:xfrm>
-            <a:off x="467544" y="1749028"/>
-            <a:ext cx="8229600" cy="1686818"/>
-          </a:xfrm>
-        </p:spPr>
-        <p:txBody>
-          <a:bodyPr>
-            <a:normAutofit/>
-          </a:bodyPr>
-          <a:lstStyle/>
-          <a:p>
-            <a:r>
-              <a:rPr lang="de-DE" sz="2000" dirty="0" smtClean="0">
-                <a:latin typeface="Lato" pitchFamily="34" charset="0"/>
-              </a:rPr>
-              <a:t>Grundlage: Frequenzmodulation</a:t>
-            </a:r>
-          </a:p>
-          <a:p>
-            <a:r>
-              <a:rPr lang="de-DE" sz="2000" dirty="0" smtClean="0">
-                <a:latin typeface="Lato" pitchFamily="34" charset="0"/>
-              </a:rPr>
-              <a:t>Bekannt aus Nachrichtentechnik</a:t>
-            </a:r>
-          </a:p>
-          <a:p>
-            <a:r>
-              <a:rPr lang="de-DE" sz="2000" dirty="0" smtClean="0">
-                <a:latin typeface="Lato" pitchFamily="34" charset="0"/>
-              </a:rPr>
-              <a:t>Erfinder der FM-Synthese: </a:t>
-            </a:r>
-          </a:p>
-          <a:p>
-            <a:pPr>
-              <a:buNone/>
-            </a:pPr>
-            <a:r>
-              <a:rPr lang="de-DE" sz="2000" dirty="0" smtClean="0">
-                <a:latin typeface="Lato" pitchFamily="34" charset="0"/>
-              </a:rPr>
-              <a:t>	Prof. Dr. John </a:t>
-            </a:r>
-            <a:r>
-              <a:rPr lang="de-DE" sz="2000" dirty="0" err="1" smtClean="0">
-                <a:latin typeface="Lato" pitchFamily="34" charset="0"/>
-              </a:rPr>
-              <a:t>Chowning</a:t>
-            </a:r>
-            <a:endParaRPr lang="de-DE" sz="2000" dirty="0" smtClean="0">
-              <a:latin typeface="Lato" pitchFamily="34" charset="0"/>
-            </a:endParaRPr>
-          </a:p>
-          <a:p>
-            <a:endParaRPr lang="de-DE" sz="2000" dirty="0">
-              <a:latin typeface="Lato" pitchFamily="34" charset="0"/>
-            </a:endParaRPr>
-          </a:p>
-        </p:txBody>
-      </p:sp>
-      <p:sp>
-        <p:nvSpPr>
-          <p:cNvPr id="4" name="Datumsplatzhalter 3"/>
-          <p:cNvSpPr>
-            <a:spLocks noGrp="1"/>
-          </p:cNvSpPr>
-          <p:nvPr>
-            <p:ph type="dt" sz="half" idx="10"/>
-          </p:nvPr>
-        </p:nvSpPr>
-        <p:spPr>
-          <a:xfrm>
-            <a:off x="6588224" y="4876006"/>
-            <a:ext cx="2133600" cy="273844"/>
-          </a:xfrm>
-        </p:spPr>
-        <p:txBody>
-          <a:bodyPr/>
-          <a:lstStyle/>
-          <a:p>
-            <a:fld id="{711E0BBA-85CE-4567-A3EB-570B826ED505}" type="datetime1">
-              <a:rPr lang="de-DE" smtClean="0"/>
-              <a:t>19.06.2015</a:t>
-            </a:fld>
-            <a:endParaRPr lang="de-DE"/>
-          </a:p>
-        </p:txBody>
-      </p:sp>
-      <p:sp>
-        <p:nvSpPr>
-          <p:cNvPr id="5" name="Fußzeilenplatzhalter 4"/>
-          <p:cNvSpPr>
-            <a:spLocks noGrp="1"/>
-          </p:cNvSpPr>
-          <p:nvPr>
-            <p:ph type="ftr" sz="quarter" idx="11"/>
-          </p:nvPr>
-        </p:nvSpPr>
-        <p:spPr>
-          <a:xfrm>
-            <a:off x="3131840" y="4876006"/>
-            <a:ext cx="2895600" cy="273844"/>
-          </a:xfrm>
-        </p:spPr>
-        <p:txBody>
-          <a:bodyPr/>
-          <a:lstStyle/>
-          <a:p>
-            <a:r>
-              <a:rPr lang="de-DE" smtClean="0"/>
-              <a:t>FM-Synthese</a:t>
-            </a:r>
-            <a:endParaRPr lang="de-DE"/>
-          </a:p>
-        </p:txBody>
-      </p:sp>
-      <p:sp>
-        <p:nvSpPr>
-          <p:cNvPr id="6" name="Foliennummernplatzhalter 5"/>
-          <p:cNvSpPr>
-            <a:spLocks noGrp="1"/>
-          </p:cNvSpPr>
-          <p:nvPr>
-            <p:ph type="sldNum" sz="quarter" idx="12"/>
-          </p:nvPr>
-        </p:nvSpPr>
-        <p:spPr>
-          <a:xfrm>
-            <a:off x="0" y="4869656"/>
-            <a:ext cx="467544" cy="273844"/>
-          </a:xfrm>
-        </p:spPr>
-        <p:txBody>
-          <a:bodyPr/>
-          <a:lstStyle/>
-          <a:p>
-            <a:fld id="{6C6AE60A-B69C-4790-82F7-3882EDF23186}" type="slidenum">
-              <a:rPr lang="de-DE" smtClean="0"/>
-              <a:pPr/>
-              <a:t>10</a:t>
-            </a:fld>
-            <a:endParaRPr lang="de-DE" dirty="0"/>
-          </a:p>
-        </p:txBody>
-      </p:sp>
-      <p:pic>
-        <p:nvPicPr>
-          <p:cNvPr id="20482" name="Picture 2" descr="D:\Julius\Documents\GitHub\VSeminar\Dok\Kapitel\img\chowning_CCRMA.png"/>
-          <p:cNvPicPr>
-            <a:picLocks noChangeAspect="1" noChangeArrowheads="1"/>
-          </p:cNvPicPr>
-          <p:nvPr/>
-        </p:nvPicPr>
-        <p:blipFill>
-          <a:blip r:embed="rId2" cstate="print"/>
-          <a:srcRect/>
-          <a:stretch>
-            <a:fillRect/>
-          </a:stretch>
-        </p:blipFill>
-        <p:spPr bwMode="auto">
-          <a:xfrm>
-            <a:off x="4860032" y="1669858"/>
-            <a:ext cx="3096344" cy="2486068"/>
-          </a:xfrm>
-          <a:prstGeom prst="rect">
-            <a:avLst/>
-          </a:prstGeom>
-          <a:noFill/>
-        </p:spPr>
-      </p:pic>
-      <p:sp>
-        <p:nvSpPr>
-          <p:cNvPr id="8" name="Textfeld 7"/>
-          <p:cNvSpPr txBox="1"/>
-          <p:nvPr/>
-        </p:nvSpPr>
-        <p:spPr>
-          <a:xfrm>
-            <a:off x="4170558" y="4235096"/>
-            <a:ext cx="4721921" cy="400110"/>
-          </a:xfrm>
-          <a:prstGeom prst="rect">
-            <a:avLst/>
-          </a:prstGeom>
-          <a:noFill/>
-        </p:spPr>
-        <p:txBody>
-          <a:bodyPr wrap="square" rtlCol="0">
-            <a:spAutoFit/>
-          </a:bodyPr>
-          <a:lstStyle/>
-          <a:p>
-            <a:pPr algn="ctr"/>
-            <a:r>
-              <a:rPr lang="de-DE" sz="1000" dirty="0" smtClean="0"/>
-              <a:t>Quelle</a:t>
-            </a:r>
-            <a:r>
-              <a:rPr lang="de-DE" sz="1000" dirty="0"/>
-              <a:t>: http://</a:t>
-            </a:r>
-            <a:r>
-              <a:rPr lang="de-DE" sz="1000" dirty="0" smtClean="0"/>
-              <a:t>arts.mit.edu/wp-content/uploads/2014/07/ChowningYamaha.jpg </a:t>
-            </a:r>
-          </a:p>
-          <a:p>
-            <a:pPr algn="ctr"/>
-            <a:r>
-              <a:rPr lang="de-DE" sz="1000" dirty="0" smtClean="0"/>
-              <a:t>Stand: 18.06.2015</a:t>
-            </a:r>
-            <a:endParaRPr lang="de-DE" sz="1000" dirty="0"/>
-          </a:p>
-        </p:txBody>
-      </p:sp>
-    </p:spTree>
-  </p:cSld>
-  <p:clrMapOvr>
-    <a:masterClrMapping/>
-  </p:clrMapOvr>
-  <p:timing>
-    <p:tnLst>
-      <p:par>
-        <p:cTn id="1" dur="indefinite" restart="never" nodeType="tmRoot"/>
-      </p:par>
-    </p:tnLst>
-  </p:timing>
-</p:sld>
-</file>
-
-<file path=ppt/slides/slide11.xml><?xml version="1.0" encoding="utf-8"?>
-<p:sld xmlns:a="http://schemas.openxmlformats.org/drawingml/2006/main" xmlns:r="http://schemas.openxmlformats.org/officeDocument/2006/relationships" xmlns:p="http://schemas.openxmlformats.org/presentationml/2006/main">
-  <p:cSld>
-    <p:spTree>
-      <p:nvGrpSpPr>
-        <p:cNvPr id="1" name=""/>
-        <p:cNvGrpSpPr/>
-        <p:nvPr/>
-      </p:nvGrpSpPr>
-      <p:grpSpPr>
-        <a:xfrm>
-          <a:off x="0" y="0"/>
-          <a:ext cx="0" cy="0"/>
-          <a:chOff x="0" y="0"/>
-          <a:chExt cx="0" cy="0"/>
-        </a:xfrm>
-      </p:grpSpPr>
-      <p:sp>
-        <p:nvSpPr>
-          <p:cNvPr id="2" name="Titel 1"/>
-          <p:cNvSpPr>
-            <a:spLocks noGrp="1"/>
-          </p:cNvSpPr>
-          <p:nvPr>
-            <p:ph type="title"/>
-          </p:nvPr>
-        </p:nvSpPr>
-        <p:spPr/>
-        <p:txBody>
-          <a:bodyPr>
-            <a:normAutofit/>
-          </a:bodyPr>
-          <a:lstStyle/>
-          <a:p>
-            <a:r>
-              <a:rPr lang="de-DE" sz="2800" dirty="0" smtClean="0">
-                <a:latin typeface="Lato" pitchFamily="34" charset="0"/>
-              </a:rPr>
-              <a:t>Geschichte der FM-Synthese</a:t>
-            </a:r>
-            <a:endParaRPr lang="de-DE" sz="2800" dirty="0">
-              <a:latin typeface="Lato" pitchFamily="34" charset="0"/>
-            </a:endParaRPr>
-          </a:p>
-        </p:txBody>
-      </p:sp>
-      <p:sp>
-        <p:nvSpPr>
-          <p:cNvPr id="3" name="Inhaltsplatzhalter 2"/>
-          <p:cNvSpPr>
-            <a:spLocks noGrp="1"/>
-          </p:cNvSpPr>
-          <p:nvPr>
-            <p:ph idx="1"/>
-          </p:nvPr>
-        </p:nvSpPr>
-        <p:spPr>
-          <a:xfrm>
-            <a:off x="467544" y="1749028"/>
-            <a:ext cx="8229600" cy="1614810"/>
-          </a:xfrm>
-        </p:spPr>
-        <p:txBody>
-          <a:bodyPr>
-            <a:normAutofit/>
-          </a:bodyPr>
-          <a:lstStyle/>
-          <a:p>
-            <a:r>
-              <a:rPr lang="de-DE" sz="2000" dirty="0" smtClean="0">
-                <a:latin typeface="Lato" pitchFamily="34" charset="0"/>
-              </a:rPr>
-              <a:t>Erste Entdeckung im Jahre 1967</a:t>
-            </a:r>
-          </a:p>
-          <a:p>
-            <a:r>
-              <a:rPr lang="de-DE" sz="2000" dirty="0" err="1" smtClean="0">
-                <a:latin typeface="Lato" pitchFamily="34" charset="0"/>
-              </a:rPr>
-              <a:t>Chowning</a:t>
-            </a:r>
-            <a:r>
-              <a:rPr lang="de-DE" sz="2000" dirty="0" smtClean="0">
-                <a:latin typeface="Lato" pitchFamily="34" charset="0"/>
-              </a:rPr>
-              <a:t> experimentierte mit </a:t>
-            </a:r>
-            <a:r>
-              <a:rPr lang="de-DE" sz="2000" dirty="0" err="1" smtClean="0">
-                <a:latin typeface="Lato" pitchFamily="34" charset="0"/>
-              </a:rPr>
-              <a:t>Vibratos</a:t>
-            </a:r>
-            <a:endParaRPr lang="de-DE" sz="2000" dirty="0" smtClean="0">
-              <a:latin typeface="Lato" pitchFamily="34" charset="0"/>
-            </a:endParaRPr>
-          </a:p>
-          <a:p>
-            <a:r>
-              <a:rPr lang="de-DE" sz="2000" dirty="0" smtClean="0">
-                <a:latin typeface="Lato" pitchFamily="34" charset="0"/>
-              </a:rPr>
-              <a:t>Vibrato: Periodische Änderung eines Tons</a:t>
-            </a:r>
-          </a:p>
-          <a:p>
-            <a:r>
-              <a:rPr lang="de-DE" sz="2000" dirty="0" smtClean="0">
-                <a:latin typeface="Lato" pitchFamily="34" charset="0"/>
-              </a:rPr>
-              <a:t>Neue Obertöne bei höheren Modulationsfrequenzen</a:t>
-            </a:r>
-          </a:p>
-        </p:txBody>
-      </p:sp>
-      <p:sp>
-        <p:nvSpPr>
-          <p:cNvPr id="4" name="Datumsplatzhalter 3"/>
-          <p:cNvSpPr>
-            <a:spLocks noGrp="1"/>
-          </p:cNvSpPr>
-          <p:nvPr>
-            <p:ph type="dt" sz="half" idx="10"/>
-          </p:nvPr>
-        </p:nvSpPr>
-        <p:spPr>
-          <a:xfrm>
-            <a:off x="6588224" y="4876006"/>
-            <a:ext cx="2133600" cy="273844"/>
-          </a:xfrm>
-        </p:spPr>
-        <p:txBody>
-          <a:bodyPr/>
-          <a:lstStyle/>
-          <a:p>
-            <a:fld id="{1BA9CB46-1999-48FE-934D-6C67DE059830}" type="datetime1">
-              <a:rPr lang="de-DE" smtClean="0"/>
-              <a:t>19.06.2015</a:t>
-            </a:fld>
-            <a:endParaRPr lang="de-DE"/>
-          </a:p>
-        </p:txBody>
-      </p:sp>
-      <p:sp>
-        <p:nvSpPr>
-          <p:cNvPr id="5" name="Fußzeilenplatzhalter 4"/>
-          <p:cNvSpPr>
-            <a:spLocks noGrp="1"/>
-          </p:cNvSpPr>
-          <p:nvPr>
-            <p:ph type="ftr" sz="quarter" idx="11"/>
-          </p:nvPr>
-        </p:nvSpPr>
-        <p:spPr>
-          <a:xfrm>
-            <a:off x="3131840" y="4876006"/>
-            <a:ext cx="2895600" cy="273844"/>
-          </a:xfrm>
-        </p:spPr>
-        <p:txBody>
-          <a:bodyPr/>
-          <a:lstStyle/>
-          <a:p>
-            <a:r>
-              <a:rPr lang="de-DE" dirty="0" smtClean="0"/>
-              <a:t>FM-Synthese</a:t>
-            </a:r>
-            <a:endParaRPr lang="de-DE" dirty="0"/>
-          </a:p>
-        </p:txBody>
-      </p:sp>
-      <p:sp>
-        <p:nvSpPr>
-          <p:cNvPr id="6" name="Foliennummernplatzhalter 5"/>
-          <p:cNvSpPr>
-            <a:spLocks noGrp="1"/>
-          </p:cNvSpPr>
-          <p:nvPr>
-            <p:ph type="sldNum" sz="quarter" idx="12"/>
-          </p:nvPr>
-        </p:nvSpPr>
-        <p:spPr>
-          <a:xfrm>
-            <a:off x="0" y="4869656"/>
-            <a:ext cx="467544" cy="273844"/>
-          </a:xfrm>
-        </p:spPr>
-        <p:txBody>
-          <a:bodyPr/>
-          <a:lstStyle/>
-          <a:p>
-            <a:fld id="{6C6AE60A-B69C-4790-82F7-3882EDF23186}" type="slidenum">
-              <a:rPr lang="de-DE" smtClean="0"/>
-              <a:pPr/>
-              <a:t>11</a:t>
-            </a:fld>
-            <a:endParaRPr lang="de-DE" dirty="0"/>
-          </a:p>
-        </p:txBody>
-      </p:sp>
-    </p:spTree>
-  </p:cSld>
-  <p:clrMapOvr>
-    <a:masterClrMapping/>
-  </p:clrMapOvr>
-  <p:timing>
-    <p:tnLst>
-      <p:par>
-        <p:cTn id="1" dur="indefinite" restart="never" nodeType="tmRoot"/>
-      </p:par>
-    </p:tnLst>
-  </p:timing>
-</p:sld>
-</file>
-
-<file path=ppt/slides/slide12.xml><?xml version="1.0" encoding="utf-8"?>
-<p:sld xmlns:a="http://schemas.openxmlformats.org/drawingml/2006/main" xmlns:r="http://schemas.openxmlformats.org/officeDocument/2006/relationships" xmlns:p="http://schemas.openxmlformats.org/presentationml/2006/main">
-  <p:cSld>
-    <p:spTree>
-      <p:nvGrpSpPr>
-        <p:cNvPr id="1" name=""/>
-        <p:cNvGrpSpPr/>
-        <p:nvPr/>
-      </p:nvGrpSpPr>
-      <p:grpSpPr>
-        <a:xfrm>
-          <a:off x="0" y="0"/>
-          <a:ext cx="0" cy="0"/>
-          <a:chOff x="0" y="0"/>
-          <a:chExt cx="0" cy="0"/>
-        </a:xfrm>
-      </p:grpSpPr>
-      <p:sp>
-        <p:nvSpPr>
-          <p:cNvPr id="2" name="Titel 1"/>
-          <p:cNvSpPr>
-            <a:spLocks noGrp="1"/>
-          </p:cNvSpPr>
-          <p:nvPr>
-            <p:ph type="title"/>
-          </p:nvPr>
-        </p:nvSpPr>
-        <p:spPr/>
-        <p:txBody>
-          <a:bodyPr>
-            <a:normAutofit/>
-          </a:bodyPr>
-          <a:lstStyle/>
-          <a:p>
-            <a:r>
-              <a:rPr lang="de-DE" sz="2800" dirty="0" smtClean="0">
-                <a:latin typeface="Lato" pitchFamily="34" charset="0"/>
-              </a:rPr>
-              <a:t>Geschichte der FM-Synthese</a:t>
-            </a:r>
-            <a:endParaRPr lang="de-DE" sz="2800" dirty="0">
-              <a:latin typeface="Lato" pitchFamily="34" charset="0"/>
-            </a:endParaRPr>
-          </a:p>
-        </p:txBody>
-      </p:sp>
-      <p:sp>
-        <p:nvSpPr>
-          <p:cNvPr id="3" name="Inhaltsplatzhalter 2"/>
-          <p:cNvSpPr>
-            <a:spLocks noGrp="1"/>
-          </p:cNvSpPr>
-          <p:nvPr>
-            <p:ph idx="1"/>
-          </p:nvPr>
-        </p:nvSpPr>
-        <p:spPr>
-          <a:xfrm>
-            <a:off x="436899" y="1491630"/>
-            <a:ext cx="8023533" cy="2448272"/>
-          </a:xfrm>
-        </p:spPr>
-        <p:txBody>
-          <a:bodyPr>
-            <a:normAutofit/>
-          </a:bodyPr>
-          <a:lstStyle/>
-          <a:p>
-            <a:r>
-              <a:rPr lang="de-DE" sz="2000" dirty="0" smtClean="0">
-                <a:latin typeface="Lato" pitchFamily="34" charset="0"/>
-              </a:rPr>
-              <a:t>John </a:t>
-            </a:r>
-            <a:r>
-              <a:rPr lang="de-DE" sz="2000" dirty="0" err="1" smtClean="0">
-                <a:latin typeface="Lato" pitchFamily="34" charset="0"/>
-              </a:rPr>
-              <a:t>Chowning</a:t>
-            </a:r>
-            <a:r>
-              <a:rPr lang="de-DE" sz="2000" dirty="0" smtClean="0">
-                <a:latin typeface="Lato" pitchFamily="34" charset="0"/>
-              </a:rPr>
-              <a:t> 2005 in einem Interview:</a:t>
-            </a:r>
-          </a:p>
-          <a:p>
-            <a:pPr>
-              <a:buNone/>
-            </a:pPr>
-            <a:r>
-              <a:rPr lang="en-US" sz="2000" dirty="0" smtClean="0">
-                <a:latin typeface="Lato" pitchFamily="34" charset="0"/>
-              </a:rPr>
-              <a:t>	</a:t>
-            </a:r>
-          </a:p>
-          <a:p>
-            <a:pPr>
-              <a:buNone/>
-            </a:pPr>
-            <a:r>
-              <a:rPr lang="en-US" sz="2000" dirty="0" smtClean="0">
-                <a:latin typeface="Lato" pitchFamily="34" charset="0"/>
-              </a:rPr>
-              <a:t>	“</a:t>
-            </a:r>
-            <a:r>
-              <a:rPr lang="en-US" sz="2000" i="1" dirty="0" smtClean="0">
-                <a:latin typeface="Lato" pitchFamily="34" charset="0"/>
-              </a:rPr>
-              <a:t>I was experimenting with just a </a:t>
-            </a:r>
-            <a:r>
-              <a:rPr lang="en-US" sz="2000" b="1" i="1" dirty="0" smtClean="0">
-                <a:latin typeface="Lato" pitchFamily="34" charset="0"/>
-              </a:rPr>
-              <a:t>sinusoid</a:t>
-            </a:r>
-            <a:r>
-              <a:rPr lang="en-US" sz="2000" i="1" dirty="0" smtClean="0">
-                <a:latin typeface="Lato" pitchFamily="34" charset="0"/>
-              </a:rPr>
-              <a:t> and </a:t>
-            </a:r>
-            <a:r>
-              <a:rPr lang="en-US" sz="2000" b="1" i="1" dirty="0" smtClean="0">
-                <a:latin typeface="Lato" pitchFamily="34" charset="0"/>
-              </a:rPr>
-              <a:t>kept increasing the vibrato rate</a:t>
-            </a:r>
-            <a:r>
-              <a:rPr lang="en-US" sz="2000" i="1" dirty="0" smtClean="0">
-                <a:latin typeface="Lato" pitchFamily="34" charset="0"/>
-              </a:rPr>
-              <a:t>, so all of a sudden it didn’t sound like listening to a change in pitch in time, but rather </a:t>
-            </a:r>
-            <a:r>
-              <a:rPr lang="en-US" sz="2000" i="1" dirty="0" err="1" smtClean="0">
-                <a:latin typeface="Lato" pitchFamily="34" charset="0"/>
-              </a:rPr>
-              <a:t>i</a:t>
-            </a:r>
-            <a:r>
-              <a:rPr lang="en-US" sz="2000" i="1" dirty="0" smtClean="0">
-                <a:latin typeface="Lato" pitchFamily="34" charset="0"/>
-              </a:rPr>
-              <a:t> began to hear </a:t>
-            </a:r>
-            <a:r>
-              <a:rPr lang="en-US" sz="2000" b="1" i="1" dirty="0" err="1" smtClean="0">
-                <a:latin typeface="Lato" pitchFamily="34" charset="0"/>
-              </a:rPr>
-              <a:t>timbral</a:t>
-            </a:r>
-            <a:r>
-              <a:rPr lang="en-US" sz="2000" b="1" i="1" dirty="0" smtClean="0">
-                <a:latin typeface="Lato" pitchFamily="34" charset="0"/>
-              </a:rPr>
-              <a:t> differences</a:t>
-            </a:r>
-            <a:r>
-              <a:rPr lang="en-US" sz="2000" i="1" dirty="0" smtClean="0">
-                <a:latin typeface="Lato" pitchFamily="34" charset="0"/>
-              </a:rPr>
-              <a:t>.[…]”</a:t>
-            </a:r>
-            <a:endParaRPr lang="de-DE" sz="2000" i="1" dirty="0" smtClean="0">
-              <a:latin typeface="Lato" pitchFamily="34" charset="0"/>
-            </a:endParaRPr>
-          </a:p>
-        </p:txBody>
-      </p:sp>
-      <p:sp>
-        <p:nvSpPr>
-          <p:cNvPr id="4" name="Datumsplatzhalter 3"/>
-          <p:cNvSpPr>
-            <a:spLocks noGrp="1"/>
-          </p:cNvSpPr>
-          <p:nvPr>
-            <p:ph type="dt" sz="half" idx="10"/>
-          </p:nvPr>
-        </p:nvSpPr>
-        <p:spPr>
-          <a:xfrm>
-            <a:off x="6588224" y="4876006"/>
-            <a:ext cx="2133600" cy="273844"/>
-          </a:xfrm>
-        </p:spPr>
-        <p:txBody>
-          <a:bodyPr/>
-          <a:lstStyle/>
-          <a:p>
-            <a:fld id="{72653B21-52A1-4C85-A953-1B3DFEDFDB08}" type="datetime1">
-              <a:rPr lang="de-DE" smtClean="0"/>
-              <a:t>19.06.2015</a:t>
-            </a:fld>
-            <a:endParaRPr lang="de-DE"/>
-          </a:p>
-        </p:txBody>
-      </p:sp>
-      <p:sp>
-        <p:nvSpPr>
-          <p:cNvPr id="5" name="Fußzeilenplatzhalter 4"/>
-          <p:cNvSpPr>
-            <a:spLocks noGrp="1"/>
-          </p:cNvSpPr>
-          <p:nvPr>
-            <p:ph type="ftr" sz="quarter" idx="11"/>
-          </p:nvPr>
-        </p:nvSpPr>
-        <p:spPr>
-          <a:xfrm>
-            <a:off x="3131840" y="4876006"/>
-            <a:ext cx="2895600" cy="273844"/>
-          </a:xfrm>
-        </p:spPr>
-        <p:txBody>
-          <a:bodyPr/>
-          <a:lstStyle/>
-          <a:p>
-            <a:r>
-              <a:rPr lang="de-DE" dirty="0" smtClean="0"/>
-              <a:t>FM-Synthese</a:t>
-            </a:r>
-            <a:endParaRPr lang="de-DE" dirty="0"/>
-          </a:p>
-        </p:txBody>
-      </p:sp>
-      <p:sp>
-        <p:nvSpPr>
-          <p:cNvPr id="6" name="Foliennummernplatzhalter 5"/>
-          <p:cNvSpPr>
-            <a:spLocks noGrp="1"/>
-          </p:cNvSpPr>
-          <p:nvPr>
-            <p:ph type="sldNum" sz="quarter" idx="12"/>
-          </p:nvPr>
-        </p:nvSpPr>
-        <p:spPr>
-          <a:xfrm>
-            <a:off x="0" y="4869656"/>
-            <a:ext cx="467544" cy="273844"/>
-          </a:xfrm>
-        </p:spPr>
-        <p:txBody>
-          <a:bodyPr/>
-          <a:lstStyle/>
-          <a:p>
-            <a:fld id="{6C6AE60A-B69C-4790-82F7-3882EDF23186}" type="slidenum">
-              <a:rPr lang="de-DE" smtClean="0"/>
-              <a:pPr/>
-              <a:t>12</a:t>
-            </a:fld>
-            <a:endParaRPr lang="de-DE" dirty="0"/>
-          </a:p>
-        </p:txBody>
-      </p:sp>
-    </p:spTree>
-  </p:cSld>
-  <p:clrMapOvr>
-    <a:masterClrMapping/>
-  </p:clrMapOvr>
-  <p:timing>
-    <p:tnLst>
-      <p:par>
-        <p:cTn id="1" dur="indefinite" restart="never" nodeType="tmRoot"/>
-      </p:par>
-    </p:tnLst>
-  </p:timing>
-</p:sld>
-</file>
-
-<file path=ppt/slides/slide13.xml><?xml version="1.0" encoding="utf-8"?>
-<p:sld xmlns:a="http://schemas.openxmlformats.org/drawingml/2006/main" xmlns:r="http://schemas.openxmlformats.org/officeDocument/2006/relationships" xmlns:p="http://schemas.openxmlformats.org/presentationml/2006/main">
-  <p:cSld>
-    <p:spTree>
-      <p:nvGrpSpPr>
-        <p:cNvPr id="1" name=""/>
-        <p:cNvGrpSpPr/>
-        <p:nvPr/>
-      </p:nvGrpSpPr>
-      <p:grpSpPr>
-        <a:xfrm>
-          <a:off x="0" y="0"/>
-          <a:ext cx="0" cy="0"/>
-          <a:chOff x="0" y="0"/>
-          <a:chExt cx="0" cy="0"/>
-        </a:xfrm>
-      </p:grpSpPr>
-      <p:sp>
-        <p:nvSpPr>
-          <p:cNvPr id="2" name="Titel 1"/>
-          <p:cNvSpPr>
-            <a:spLocks noGrp="1"/>
-          </p:cNvSpPr>
-          <p:nvPr>
-            <p:ph type="title"/>
-          </p:nvPr>
-        </p:nvSpPr>
-        <p:spPr/>
-        <p:txBody>
-          <a:bodyPr>
-            <a:normAutofit/>
-          </a:bodyPr>
-          <a:lstStyle/>
-          <a:p>
-            <a:r>
-              <a:rPr lang="de-DE" sz="2800" dirty="0" smtClean="0">
-                <a:latin typeface="Lato" pitchFamily="34" charset="0"/>
-              </a:rPr>
-              <a:t>Geschichte der FM-Synthese</a:t>
-            </a:r>
-            <a:endParaRPr lang="de-DE" sz="2800" dirty="0">
-              <a:latin typeface="Lato" pitchFamily="34" charset="0"/>
-            </a:endParaRPr>
-          </a:p>
-        </p:txBody>
-      </p:sp>
-      <p:sp>
-        <p:nvSpPr>
-          <p:cNvPr id="4" name="Datumsplatzhalter 3"/>
-          <p:cNvSpPr>
-            <a:spLocks noGrp="1"/>
-          </p:cNvSpPr>
-          <p:nvPr>
-            <p:ph type="dt" sz="half" idx="10"/>
-          </p:nvPr>
-        </p:nvSpPr>
-        <p:spPr>
-          <a:xfrm>
-            <a:off x="6588224" y="4876006"/>
-            <a:ext cx="2133600" cy="273844"/>
-          </a:xfrm>
-        </p:spPr>
-        <p:txBody>
-          <a:bodyPr/>
-          <a:lstStyle/>
-          <a:p>
-            <a:fld id="{860830F5-49E7-4889-AA1F-2CB69E8126AF}" type="datetime1">
-              <a:rPr lang="de-DE" smtClean="0"/>
-              <a:t>19.06.2015</a:t>
-            </a:fld>
-            <a:endParaRPr lang="de-DE"/>
-          </a:p>
-        </p:txBody>
-      </p:sp>
-      <p:sp>
-        <p:nvSpPr>
-          <p:cNvPr id="5" name="Fußzeilenplatzhalter 4"/>
-          <p:cNvSpPr>
-            <a:spLocks noGrp="1"/>
-          </p:cNvSpPr>
-          <p:nvPr>
-            <p:ph type="ftr" sz="quarter" idx="11"/>
-          </p:nvPr>
-        </p:nvSpPr>
-        <p:spPr>
-          <a:xfrm>
-            <a:off x="3131840" y="4876006"/>
-            <a:ext cx="2895600" cy="273844"/>
-          </a:xfrm>
-        </p:spPr>
-        <p:txBody>
-          <a:bodyPr/>
-          <a:lstStyle/>
-          <a:p>
-            <a:r>
-              <a:rPr lang="de-DE" smtClean="0"/>
-              <a:t>FM-Synthese</a:t>
-            </a:r>
-            <a:endParaRPr lang="de-DE"/>
-          </a:p>
-        </p:txBody>
-      </p:sp>
-      <p:sp>
-        <p:nvSpPr>
-          <p:cNvPr id="6" name="Foliennummernplatzhalter 5"/>
-          <p:cNvSpPr>
-            <a:spLocks noGrp="1"/>
-          </p:cNvSpPr>
-          <p:nvPr>
-            <p:ph type="sldNum" sz="quarter" idx="12"/>
-          </p:nvPr>
-        </p:nvSpPr>
-        <p:spPr>
-          <a:xfrm>
-            <a:off x="0" y="4869656"/>
-            <a:ext cx="467544" cy="273844"/>
-          </a:xfrm>
-        </p:spPr>
-        <p:txBody>
-          <a:bodyPr/>
-          <a:lstStyle/>
-          <a:p>
-            <a:fld id="{6C6AE60A-B69C-4790-82F7-3882EDF23186}" type="slidenum">
-              <a:rPr lang="de-DE" smtClean="0"/>
-              <a:pPr/>
-              <a:t>13</a:t>
-            </a:fld>
-            <a:endParaRPr lang="de-DE" dirty="0"/>
-          </a:p>
-        </p:txBody>
-      </p:sp>
-      <p:sp>
-        <p:nvSpPr>
-          <p:cNvPr id="7" name="Inhaltsplatzhalter 2"/>
-          <p:cNvSpPr>
-            <a:spLocks noGrp="1"/>
-          </p:cNvSpPr>
-          <p:nvPr>
-            <p:ph idx="1"/>
-          </p:nvPr>
-        </p:nvSpPr>
-        <p:spPr>
-          <a:xfrm>
-            <a:off x="467544" y="1749028"/>
-            <a:ext cx="8229600" cy="1974850"/>
-          </a:xfrm>
-        </p:spPr>
-        <p:txBody>
-          <a:bodyPr>
-            <a:normAutofit/>
-          </a:bodyPr>
-          <a:lstStyle/>
-          <a:p>
-            <a:r>
-              <a:rPr lang="de-DE" sz="2000" dirty="0" smtClean="0">
-                <a:latin typeface="Lato" pitchFamily="34" charset="0"/>
-              </a:rPr>
-              <a:t>Nach 3 Jahren:  Durchblick der mathematischen Hintergründe</a:t>
-            </a:r>
-          </a:p>
-          <a:p>
-            <a:r>
-              <a:rPr lang="de-DE" sz="2000" dirty="0" smtClean="0">
-                <a:latin typeface="Lato" pitchFamily="34" charset="0"/>
-              </a:rPr>
-              <a:t>Nachbildung von verschiedenen Instrumenten</a:t>
-            </a:r>
-          </a:p>
-          <a:p>
-            <a:r>
-              <a:rPr lang="de-DE" sz="2000" dirty="0" smtClean="0">
-                <a:latin typeface="Lato" pitchFamily="34" charset="0"/>
-              </a:rPr>
-              <a:t>Veröffentlichung von „</a:t>
-            </a:r>
-            <a:r>
-              <a:rPr lang="de-DE" sz="2000" dirty="0" err="1" smtClean="0">
-                <a:latin typeface="Lato" pitchFamily="34" charset="0"/>
-              </a:rPr>
-              <a:t>Sabelithe</a:t>
-            </a:r>
-            <a:r>
-              <a:rPr lang="de-DE" sz="2000" dirty="0" smtClean="0">
-                <a:latin typeface="Lato" pitchFamily="34" charset="0"/>
-              </a:rPr>
-              <a:t>“ 1971</a:t>
-            </a:r>
-          </a:p>
-          <a:p>
-            <a:r>
-              <a:rPr lang="de-DE" sz="2000" dirty="0" smtClean="0">
-                <a:latin typeface="Lato" pitchFamily="34" charset="0"/>
-              </a:rPr>
-              <a:t>Veröffentlichung von „</a:t>
-            </a:r>
-            <a:r>
-              <a:rPr lang="de-DE" sz="2000" dirty="0" err="1" smtClean="0">
-                <a:latin typeface="Lato" pitchFamily="34" charset="0"/>
-              </a:rPr>
-              <a:t>Turenas</a:t>
-            </a:r>
-            <a:r>
-              <a:rPr lang="de-DE" sz="2000" dirty="0" smtClean="0">
-                <a:latin typeface="Lato" pitchFamily="34" charset="0"/>
-              </a:rPr>
-              <a:t>“ 1972 </a:t>
-            </a:r>
-          </a:p>
-        </p:txBody>
-      </p:sp>
-    </p:spTree>
-  </p:cSld>
-  <p:clrMapOvr>
-    <a:masterClrMapping/>
-  </p:clrMapOvr>
-  <p:timing>
-    <p:tnLst>
-      <p:par>
-        <p:cTn id="1" dur="indefinite" restart="never" nodeType="tmRoot"/>
-      </p:par>
-    </p:tnLst>
-  </p:timing>
-</p:sld>
-</file>
-
-<file path=ppt/slides/slide14.xml><?xml version="1.0" encoding="utf-8"?>
-<p:sld xmlns:a="http://schemas.openxmlformats.org/drawingml/2006/main" xmlns:r="http://schemas.openxmlformats.org/officeDocument/2006/relationships" xmlns:p="http://schemas.openxmlformats.org/presentationml/2006/main">
-  <p:cSld>
-    <p:spTree>
-      <p:nvGrpSpPr>
-        <p:cNvPr id="1" name=""/>
-        <p:cNvGrpSpPr/>
-        <p:nvPr/>
-      </p:nvGrpSpPr>
-      <p:grpSpPr>
-        <a:xfrm>
-          <a:off x="0" y="0"/>
-          <a:ext cx="0" cy="0"/>
-          <a:chOff x="0" y="0"/>
-          <a:chExt cx="0" cy="0"/>
-        </a:xfrm>
-      </p:grpSpPr>
-      <p:sp>
-        <p:nvSpPr>
-          <p:cNvPr id="2" name="Titel 1"/>
-          <p:cNvSpPr>
-            <a:spLocks noGrp="1"/>
-          </p:cNvSpPr>
-          <p:nvPr>
-            <p:ph type="title"/>
-          </p:nvPr>
-        </p:nvSpPr>
-        <p:spPr/>
-        <p:txBody>
-          <a:bodyPr>
-            <a:normAutofit/>
-          </a:bodyPr>
-          <a:lstStyle/>
-          <a:p>
-            <a:r>
-              <a:rPr lang="de-DE" sz="2800" dirty="0" smtClean="0">
-                <a:latin typeface="Lato" pitchFamily="34" charset="0"/>
-              </a:rPr>
-              <a:t>Geschichte der FM-Synthese</a:t>
-            </a:r>
-            <a:endParaRPr lang="de-DE" sz="2800" dirty="0">
-              <a:latin typeface="Lato" pitchFamily="34" charset="0"/>
-            </a:endParaRPr>
-          </a:p>
-        </p:txBody>
-      </p:sp>
-      <p:sp>
-        <p:nvSpPr>
-          <p:cNvPr id="4" name="Datumsplatzhalter 3"/>
-          <p:cNvSpPr>
-            <a:spLocks noGrp="1"/>
-          </p:cNvSpPr>
-          <p:nvPr>
-            <p:ph type="dt" sz="half" idx="10"/>
-          </p:nvPr>
-        </p:nvSpPr>
-        <p:spPr>
-          <a:xfrm>
-            <a:off x="6588224" y="4876006"/>
-            <a:ext cx="2133600" cy="273844"/>
-          </a:xfrm>
-        </p:spPr>
-        <p:txBody>
-          <a:bodyPr/>
-          <a:lstStyle/>
-          <a:p>
-            <a:fld id="{5A27912C-CDDD-45BB-A172-315B1F38A094}" type="datetime1">
-              <a:rPr lang="de-DE" smtClean="0"/>
-              <a:t>19.06.2015</a:t>
-            </a:fld>
-            <a:endParaRPr lang="de-DE"/>
-          </a:p>
-        </p:txBody>
-      </p:sp>
-      <p:sp>
-        <p:nvSpPr>
-          <p:cNvPr id="5" name="Fußzeilenplatzhalter 4"/>
-          <p:cNvSpPr>
-            <a:spLocks noGrp="1"/>
-          </p:cNvSpPr>
-          <p:nvPr>
-            <p:ph type="ftr" sz="quarter" idx="11"/>
-          </p:nvPr>
-        </p:nvSpPr>
-        <p:spPr>
-          <a:xfrm>
-            <a:off x="3131840" y="4876006"/>
-            <a:ext cx="2895600" cy="273844"/>
-          </a:xfrm>
-        </p:spPr>
-        <p:txBody>
-          <a:bodyPr/>
-          <a:lstStyle/>
-          <a:p>
-            <a:r>
-              <a:rPr lang="de-DE" smtClean="0"/>
-              <a:t>FM-Synthese</a:t>
-            </a:r>
-            <a:endParaRPr lang="de-DE"/>
-          </a:p>
-        </p:txBody>
-      </p:sp>
-      <p:sp>
-        <p:nvSpPr>
-          <p:cNvPr id="6" name="Foliennummernplatzhalter 5"/>
-          <p:cNvSpPr>
-            <a:spLocks noGrp="1"/>
-          </p:cNvSpPr>
-          <p:nvPr>
-            <p:ph type="sldNum" sz="quarter" idx="12"/>
-          </p:nvPr>
-        </p:nvSpPr>
-        <p:spPr>
-          <a:xfrm>
-            <a:off x="0" y="4869656"/>
-            <a:ext cx="467544" cy="273844"/>
-          </a:xfrm>
-        </p:spPr>
-        <p:txBody>
-          <a:bodyPr/>
-          <a:lstStyle/>
-          <a:p>
-            <a:fld id="{6C6AE60A-B69C-4790-82F7-3882EDF23186}" type="slidenum">
-              <a:rPr lang="de-DE" smtClean="0"/>
-              <a:pPr/>
-              <a:t>14</a:t>
-            </a:fld>
-            <a:endParaRPr lang="de-DE" dirty="0"/>
-          </a:p>
-        </p:txBody>
-      </p:sp>
-      <p:sp>
-        <p:nvSpPr>
-          <p:cNvPr id="7" name="Inhaltsplatzhalter 2"/>
-          <p:cNvSpPr>
-            <a:spLocks noGrp="1"/>
-          </p:cNvSpPr>
-          <p:nvPr>
-            <p:ph idx="1"/>
-          </p:nvPr>
-        </p:nvSpPr>
-        <p:spPr>
-          <a:xfrm>
-            <a:off x="467544" y="1347614"/>
-            <a:ext cx="8229600" cy="2838946"/>
-          </a:xfrm>
-        </p:spPr>
-        <p:txBody>
-          <a:bodyPr>
-            <a:normAutofit/>
-          </a:bodyPr>
-          <a:lstStyle/>
-          <a:p>
-            <a:r>
-              <a:rPr lang="de-DE" sz="2000" dirty="0" err="1" smtClean="0">
-                <a:latin typeface="Lato" pitchFamily="34" charset="0"/>
-              </a:rPr>
-              <a:t>Chowning</a:t>
-            </a:r>
-            <a:r>
-              <a:rPr lang="de-DE" sz="2000" dirty="0" smtClean="0">
-                <a:latin typeface="Lato" pitchFamily="34" charset="0"/>
-              </a:rPr>
-              <a:t> Intention: Komposition neuer Stücke</a:t>
-            </a:r>
-          </a:p>
-          <a:p>
-            <a:r>
-              <a:rPr lang="de-DE" sz="2000" dirty="0" smtClean="0">
-                <a:latin typeface="Lato" pitchFamily="34" charset="0"/>
-              </a:rPr>
-              <a:t>Jedoch: Hoffnung auf kommerzielle Anwendung</a:t>
-            </a:r>
-          </a:p>
-          <a:p>
-            <a:r>
-              <a:rPr lang="de-DE" sz="2000" dirty="0" smtClean="0">
-                <a:latin typeface="Lato" pitchFamily="34" charset="0"/>
-              </a:rPr>
-              <a:t>Lizensierung durch das OTL (Office </a:t>
-            </a:r>
-            <a:r>
-              <a:rPr lang="de-DE" sz="2000" dirty="0" err="1" smtClean="0">
-                <a:latin typeface="Lato" pitchFamily="34" charset="0"/>
-              </a:rPr>
-              <a:t>of</a:t>
-            </a:r>
-            <a:r>
-              <a:rPr lang="de-DE" sz="2000" dirty="0" smtClean="0">
-                <a:latin typeface="Lato" pitchFamily="34" charset="0"/>
-              </a:rPr>
-              <a:t> Technology Licensing)</a:t>
-            </a:r>
-          </a:p>
-          <a:p>
-            <a:r>
-              <a:rPr lang="de-DE" sz="2000" dirty="0" smtClean="0">
-                <a:latin typeface="Lato" pitchFamily="34" charset="0"/>
-              </a:rPr>
-              <a:t>Wenig Interesse zu Begin</a:t>
-            </a:r>
-          </a:p>
-          <a:p>
-            <a:r>
-              <a:rPr lang="de-DE" sz="2000" dirty="0" smtClean="0">
-                <a:latin typeface="Lato" pitchFamily="34" charset="0"/>
-              </a:rPr>
-              <a:t>Zitat Andy Moorer:</a:t>
-            </a:r>
-          </a:p>
-          <a:p>
-            <a:pPr>
-              <a:buNone/>
-            </a:pPr>
-            <a:r>
-              <a:rPr lang="en-US" sz="2000" dirty="0" smtClean="0">
-                <a:latin typeface="Lato" pitchFamily="34" charset="0"/>
-              </a:rPr>
-              <a:t>	“[...] </a:t>
-            </a:r>
-            <a:r>
-              <a:rPr lang="en-US" sz="2000" i="1" dirty="0" smtClean="0">
-                <a:latin typeface="Lato" pitchFamily="34" charset="0"/>
-              </a:rPr>
-              <a:t>It was really discouraging. John was so proud of having put this damn thing together and people didn’t really get the idea of </a:t>
-            </a:r>
-            <a:r>
-              <a:rPr lang="en-US" sz="2000" i="1" dirty="0" err="1" smtClean="0">
-                <a:latin typeface="Lato" pitchFamily="34" charset="0"/>
-              </a:rPr>
-              <a:t>spatializing</a:t>
-            </a:r>
-            <a:r>
-              <a:rPr lang="en-US" sz="2000" i="1" dirty="0" smtClean="0">
-                <a:latin typeface="Lato" pitchFamily="34" charset="0"/>
-              </a:rPr>
-              <a:t> the sound.”</a:t>
-            </a:r>
-            <a:endParaRPr lang="de-DE" sz="2000" i="1" dirty="0" smtClean="0">
-              <a:latin typeface="Lato" pitchFamily="34" charset="0"/>
-            </a:endParaRPr>
-          </a:p>
-          <a:p>
-            <a:endParaRPr lang="de-DE" sz="2000" dirty="0" smtClean="0">
-              <a:latin typeface="Lato" pitchFamily="34" charset="0"/>
-            </a:endParaRPr>
-          </a:p>
-          <a:p>
-            <a:endParaRPr lang="de-DE" sz="2000" dirty="0" smtClean="0">
-              <a:latin typeface="Lato" pitchFamily="34" charset="0"/>
-            </a:endParaRPr>
-          </a:p>
-        </p:txBody>
-      </p:sp>
-    </p:spTree>
-  </p:cSld>
-  <p:clrMapOvr>
-    <a:masterClrMapping/>
-  </p:clrMapOvr>
-  <p:timing>
-    <p:tnLst>
-      <p:par>
-        <p:cTn id="1" dur="indefinite" restart="never" nodeType="tmRoot"/>
-      </p:par>
-    </p:tnLst>
-  </p:timing>
-</p:sld>
-</file>
-
-<file path=ppt/slides/slide15.xml><?xml version="1.0" encoding="utf-8"?>
-<p:sld xmlns:a="http://schemas.openxmlformats.org/drawingml/2006/main" xmlns:r="http://schemas.openxmlformats.org/officeDocument/2006/relationships" xmlns:p="http://schemas.openxmlformats.org/presentationml/2006/main">
-  <p:cSld>
-    <p:spTree>
-      <p:nvGrpSpPr>
-        <p:cNvPr id="1" name=""/>
-        <p:cNvGrpSpPr/>
-        <p:nvPr/>
-      </p:nvGrpSpPr>
-      <p:grpSpPr>
-        <a:xfrm>
-          <a:off x="0" y="0"/>
-          <a:ext cx="0" cy="0"/>
-          <a:chOff x="0" y="0"/>
-          <a:chExt cx="0" cy="0"/>
-        </a:xfrm>
-      </p:grpSpPr>
-      <p:sp>
-        <p:nvSpPr>
-          <p:cNvPr id="4" name="Datumsplatzhalter 3"/>
-          <p:cNvSpPr>
-            <a:spLocks noGrp="1"/>
-          </p:cNvSpPr>
-          <p:nvPr>
-            <p:ph type="dt" sz="half" idx="10"/>
-          </p:nvPr>
-        </p:nvSpPr>
-        <p:spPr>
-          <a:xfrm>
-            <a:off x="6588224" y="4876006"/>
-            <a:ext cx="2133600" cy="273844"/>
-          </a:xfrm>
-        </p:spPr>
-        <p:txBody>
-          <a:bodyPr/>
-          <a:lstStyle/>
-          <a:p>
-            <a:fld id="{00B76B82-E15A-4F92-B838-853BA8CDA07B}" type="datetime1">
-              <a:rPr lang="de-DE" smtClean="0"/>
-              <a:t>19.06.2015</a:t>
-            </a:fld>
-            <a:endParaRPr lang="de-DE"/>
-          </a:p>
-        </p:txBody>
-      </p:sp>
-      <p:sp>
-        <p:nvSpPr>
-          <p:cNvPr id="5" name="Fußzeilenplatzhalter 4"/>
-          <p:cNvSpPr>
-            <a:spLocks noGrp="1"/>
-          </p:cNvSpPr>
-          <p:nvPr>
-            <p:ph type="ftr" sz="quarter" idx="11"/>
-          </p:nvPr>
-        </p:nvSpPr>
-        <p:spPr>
-          <a:xfrm>
-            <a:off x="3131840" y="4876006"/>
-            <a:ext cx="2895600" cy="273844"/>
-          </a:xfrm>
-        </p:spPr>
-        <p:txBody>
-          <a:bodyPr/>
-          <a:lstStyle/>
-          <a:p>
-            <a:r>
-              <a:rPr lang="de-DE" smtClean="0"/>
-              <a:t>FM-Synthese</a:t>
-            </a:r>
-            <a:endParaRPr lang="de-DE"/>
-          </a:p>
-        </p:txBody>
-      </p:sp>
-      <p:sp>
-        <p:nvSpPr>
-          <p:cNvPr id="6" name="Foliennummernplatzhalter 5"/>
-          <p:cNvSpPr>
-            <a:spLocks noGrp="1"/>
-          </p:cNvSpPr>
-          <p:nvPr>
-            <p:ph type="sldNum" sz="quarter" idx="12"/>
-          </p:nvPr>
-        </p:nvSpPr>
-        <p:spPr>
-          <a:xfrm>
-            <a:off x="0" y="4869656"/>
-            <a:ext cx="467544" cy="273844"/>
-          </a:xfrm>
-        </p:spPr>
-        <p:txBody>
-          <a:bodyPr/>
-          <a:lstStyle/>
-          <a:p>
-            <a:fld id="{6C6AE60A-B69C-4790-82F7-3882EDF23186}" type="slidenum">
-              <a:rPr lang="de-DE" smtClean="0"/>
-              <a:pPr/>
-              <a:t>15</a:t>
-            </a:fld>
-            <a:endParaRPr lang="de-DE" dirty="0"/>
-          </a:p>
-        </p:txBody>
-      </p:sp>
-      <p:sp>
-        <p:nvSpPr>
-          <p:cNvPr id="7" name="Inhaltsplatzhalter 2"/>
-          <p:cNvSpPr>
-            <a:spLocks noGrp="1"/>
-          </p:cNvSpPr>
-          <p:nvPr>
-            <p:ph idx="1"/>
-          </p:nvPr>
-        </p:nvSpPr>
-        <p:spPr>
-          <a:xfrm>
-            <a:off x="467544" y="1347614"/>
-            <a:ext cx="8229600" cy="2838946"/>
-          </a:xfrm>
-        </p:spPr>
-        <p:txBody>
-          <a:bodyPr>
-            <a:normAutofit/>
-          </a:bodyPr>
-          <a:lstStyle/>
-          <a:p>
-            <a:r>
-              <a:rPr lang="de-DE" sz="2000" dirty="0" smtClean="0">
-                <a:latin typeface="Lato" pitchFamily="34" charset="0"/>
-              </a:rPr>
-              <a:t>1973: Veröffentlichung der Erfindung</a:t>
-            </a:r>
-          </a:p>
-          <a:p>
-            <a:r>
-              <a:rPr lang="de-DE" sz="2000" dirty="0" smtClean="0">
-                <a:latin typeface="Lato" pitchFamily="34" charset="0"/>
-              </a:rPr>
-              <a:t>1974: Vorstellung der FM-Synthese bei Yamaha</a:t>
-            </a:r>
-          </a:p>
-          <a:p>
-            <a:r>
-              <a:rPr lang="de-DE" sz="2000" dirty="0" err="1" smtClean="0">
-                <a:latin typeface="Lato" pitchFamily="34" charset="0"/>
-              </a:rPr>
-              <a:t>Kazukiyo</a:t>
-            </a:r>
-            <a:r>
-              <a:rPr lang="de-DE" sz="2000" dirty="0" smtClean="0">
-                <a:latin typeface="Lato" pitchFamily="34" charset="0"/>
-              </a:rPr>
-              <a:t> </a:t>
-            </a:r>
-            <a:r>
-              <a:rPr lang="de-DE" sz="2000" dirty="0" err="1" smtClean="0">
-                <a:latin typeface="Lato" pitchFamily="34" charset="0"/>
-              </a:rPr>
-              <a:t>Ishimura</a:t>
-            </a:r>
-            <a:r>
-              <a:rPr lang="de-DE" sz="2000" dirty="0" smtClean="0">
-                <a:latin typeface="Lato" pitchFamily="34" charset="0"/>
-              </a:rPr>
-              <a:t> erkannte das Potenzial</a:t>
-            </a:r>
-          </a:p>
-          <a:p>
-            <a:r>
-              <a:rPr lang="de-DE" sz="2000" dirty="0" smtClean="0">
-                <a:latin typeface="Lato" pitchFamily="34" charset="0"/>
-              </a:rPr>
-              <a:t>Yamaha lizensiert die FM-Synthese im gleichen Jahr</a:t>
-            </a:r>
-          </a:p>
-          <a:p>
-            <a:r>
-              <a:rPr lang="de-DE" sz="2000" dirty="0" smtClean="0">
-                <a:latin typeface="Lato" pitchFamily="34" charset="0"/>
-              </a:rPr>
-              <a:t>1975: </a:t>
-            </a:r>
-            <a:r>
-              <a:rPr lang="de-DE" sz="2000" dirty="0" err="1" smtClean="0">
-                <a:latin typeface="Lato" pitchFamily="34" charset="0"/>
-              </a:rPr>
-              <a:t>Chowning</a:t>
-            </a:r>
-            <a:r>
-              <a:rPr lang="de-DE" sz="2000" dirty="0" smtClean="0">
-                <a:latin typeface="Lato" pitchFamily="34" charset="0"/>
-              </a:rPr>
-              <a:t> kehrt nach Stanford zurück</a:t>
-            </a:r>
-          </a:p>
-          <a:p>
-            <a:r>
-              <a:rPr lang="de-DE" sz="2000" dirty="0" smtClean="0">
-                <a:latin typeface="Lato" pitchFamily="34" charset="0"/>
-              </a:rPr>
-              <a:t>Gründung des CCRMA („Karma“) </a:t>
-            </a:r>
-          </a:p>
-          <a:p>
-            <a:pPr>
-              <a:buNone/>
-            </a:pPr>
-            <a:r>
-              <a:rPr lang="de-DE" sz="2000" dirty="0" smtClean="0">
-                <a:latin typeface="Lato" pitchFamily="34" charset="0"/>
-              </a:rPr>
-              <a:t>	– Center </a:t>
-            </a:r>
-            <a:r>
-              <a:rPr lang="de-DE" sz="2000" dirty="0" err="1" smtClean="0">
-                <a:latin typeface="Lato" pitchFamily="34" charset="0"/>
-              </a:rPr>
-              <a:t>for</a:t>
-            </a:r>
-            <a:r>
-              <a:rPr lang="de-DE" sz="2000" dirty="0" smtClean="0">
-                <a:latin typeface="Lato" pitchFamily="34" charset="0"/>
-              </a:rPr>
-              <a:t> Computer Research in Music </a:t>
-            </a:r>
-            <a:r>
-              <a:rPr lang="de-DE" sz="2000" dirty="0" err="1" smtClean="0">
-                <a:latin typeface="Lato" pitchFamily="34" charset="0"/>
-              </a:rPr>
-              <a:t>and</a:t>
-            </a:r>
-            <a:r>
-              <a:rPr lang="de-DE" sz="2000" dirty="0" smtClean="0">
-                <a:latin typeface="Lato" pitchFamily="34" charset="0"/>
-              </a:rPr>
-              <a:t> </a:t>
-            </a:r>
-            <a:r>
-              <a:rPr lang="de-DE" sz="2000" dirty="0" err="1" smtClean="0">
-                <a:latin typeface="Lato" pitchFamily="34" charset="0"/>
-              </a:rPr>
-              <a:t>Acoustics</a:t>
-            </a:r>
-            <a:endParaRPr lang="de-DE" sz="2000" dirty="0" smtClean="0">
-              <a:latin typeface="Lato" pitchFamily="34" charset="0"/>
-            </a:endParaRPr>
-          </a:p>
-        </p:txBody>
-      </p:sp>
-      <p:sp>
-        <p:nvSpPr>
-          <p:cNvPr id="8" name="Titel 1"/>
-          <p:cNvSpPr>
-            <a:spLocks noGrp="1"/>
-          </p:cNvSpPr>
-          <p:nvPr>
-            <p:ph type="title"/>
-          </p:nvPr>
-        </p:nvSpPr>
-        <p:spPr>
-          <a:xfrm>
-            <a:off x="457200" y="205979"/>
-            <a:ext cx="8229600" cy="857250"/>
-          </a:xfrm>
-        </p:spPr>
-        <p:txBody>
-          <a:bodyPr>
-            <a:normAutofit/>
-          </a:bodyPr>
-          <a:lstStyle/>
-          <a:p>
-            <a:r>
-              <a:rPr lang="de-DE" sz="2800" dirty="0" smtClean="0">
-                <a:latin typeface="Lato" pitchFamily="34" charset="0"/>
-              </a:rPr>
-              <a:t>Geschichte der FM-Synthese</a:t>
-            </a:r>
-            <a:endParaRPr lang="de-DE" sz="2800" dirty="0">
-              <a:latin typeface="Lato" pitchFamily="34" charset="0"/>
-            </a:endParaRPr>
-          </a:p>
-        </p:txBody>
-      </p:sp>
-    </p:spTree>
-  </p:cSld>
-  <p:clrMapOvr>
-    <a:masterClrMapping/>
-  </p:clrMapOvr>
-  <p:timing>
-    <p:tnLst>
-      <p:par>
-        <p:cTn id="1" dur="indefinite" restart="never" nodeType="tmRoot"/>
-      </p:par>
-    </p:tnLst>
-  </p:timing>
-</p:sld>
-</file>
-
-<file path=ppt/slides/slide16.xml><?xml version="1.0" encoding="utf-8"?>
-<p:sld xmlns:a="http://schemas.openxmlformats.org/drawingml/2006/main" xmlns:r="http://schemas.openxmlformats.org/officeDocument/2006/relationships" xmlns:p="http://schemas.openxmlformats.org/presentationml/2006/main">
-  <p:cSld>
-    <p:spTree>
-      <p:nvGrpSpPr>
-        <p:cNvPr id="1" name=""/>
-        <p:cNvGrpSpPr/>
-        <p:nvPr/>
-      </p:nvGrpSpPr>
-      <p:grpSpPr>
-        <a:xfrm>
-          <a:off x="0" y="0"/>
-          <a:ext cx="0" cy="0"/>
-          <a:chOff x="0" y="0"/>
-          <a:chExt cx="0" cy="0"/>
-        </a:xfrm>
-      </p:grpSpPr>
-      <p:sp>
-        <p:nvSpPr>
-          <p:cNvPr id="4" name="Datumsplatzhalter 3"/>
-          <p:cNvSpPr>
-            <a:spLocks noGrp="1"/>
-          </p:cNvSpPr>
-          <p:nvPr>
-            <p:ph type="dt" sz="half" idx="10"/>
-          </p:nvPr>
-        </p:nvSpPr>
-        <p:spPr>
-          <a:xfrm>
-            <a:off x="6588224" y="4876006"/>
-            <a:ext cx="2133600" cy="273844"/>
-          </a:xfrm>
-        </p:spPr>
-        <p:txBody>
-          <a:bodyPr/>
-          <a:lstStyle/>
-          <a:p>
-            <a:fld id="{CBD29002-DD08-4B8B-8D0E-E18685283E8F}" type="datetime1">
-              <a:rPr lang="de-DE" smtClean="0"/>
-              <a:t>19.06.2015</a:t>
-            </a:fld>
-            <a:endParaRPr lang="de-DE"/>
-          </a:p>
-        </p:txBody>
-      </p:sp>
-      <p:sp>
-        <p:nvSpPr>
-          <p:cNvPr id="5" name="Fußzeilenplatzhalter 4"/>
-          <p:cNvSpPr>
-            <a:spLocks noGrp="1"/>
-          </p:cNvSpPr>
-          <p:nvPr>
-            <p:ph type="ftr" sz="quarter" idx="11"/>
-          </p:nvPr>
-        </p:nvSpPr>
-        <p:spPr>
-          <a:xfrm>
-            <a:off x="3131840" y="4876006"/>
-            <a:ext cx="2895600" cy="273844"/>
-          </a:xfrm>
-        </p:spPr>
-        <p:txBody>
-          <a:bodyPr/>
-          <a:lstStyle/>
-          <a:p>
-            <a:r>
-              <a:rPr lang="de-DE" smtClean="0"/>
-              <a:t>FM-Synthese</a:t>
-            </a:r>
-            <a:endParaRPr lang="de-DE"/>
-          </a:p>
-        </p:txBody>
-      </p:sp>
-      <p:sp>
-        <p:nvSpPr>
-          <p:cNvPr id="6" name="Foliennummernplatzhalter 5"/>
-          <p:cNvSpPr>
-            <a:spLocks noGrp="1"/>
-          </p:cNvSpPr>
-          <p:nvPr>
-            <p:ph type="sldNum" sz="quarter" idx="12"/>
-          </p:nvPr>
-        </p:nvSpPr>
-        <p:spPr>
-          <a:xfrm>
-            <a:off x="0" y="4869656"/>
-            <a:ext cx="467544" cy="273844"/>
-          </a:xfrm>
-        </p:spPr>
-        <p:txBody>
-          <a:bodyPr/>
-          <a:lstStyle/>
-          <a:p>
-            <a:fld id="{6C6AE60A-B69C-4790-82F7-3882EDF23186}" type="slidenum">
-              <a:rPr lang="de-DE" smtClean="0"/>
-              <a:pPr/>
-              <a:t>16</a:t>
-            </a:fld>
-            <a:endParaRPr lang="de-DE" dirty="0"/>
-          </a:p>
-        </p:txBody>
-      </p:sp>
-      <p:pic>
-        <p:nvPicPr>
-          <p:cNvPr id="29698" name="Picture 2" descr="D:\Julius\Documents\GitHub\VSeminar\Dok\Kapitel\img\Founders_CCRMA.png"/>
-          <p:cNvPicPr>
-            <a:picLocks noChangeAspect="1" noChangeArrowheads="1"/>
-          </p:cNvPicPr>
-          <p:nvPr/>
-        </p:nvPicPr>
-        <p:blipFill rotWithShape="1">
-          <a:blip r:embed="rId2" cstate="print"/>
-          <a:srcRect b="8510"/>
-          <a:stretch/>
-        </p:blipFill>
-        <p:spPr bwMode="auto">
-          <a:xfrm>
-            <a:off x="2106086" y="915566"/>
-            <a:ext cx="4947107" cy="3096344"/>
-          </a:xfrm>
-          <a:prstGeom prst="rect">
-            <a:avLst/>
-          </a:prstGeom>
-          <a:noFill/>
-        </p:spPr>
-      </p:pic>
-      <p:sp>
-        <p:nvSpPr>
-          <p:cNvPr id="8" name="Titel 1"/>
-          <p:cNvSpPr>
-            <a:spLocks noGrp="1"/>
-          </p:cNvSpPr>
-          <p:nvPr>
-            <p:ph type="title"/>
-          </p:nvPr>
-        </p:nvSpPr>
-        <p:spPr>
-          <a:xfrm>
-            <a:off x="457200" y="205979"/>
-            <a:ext cx="8229600" cy="857250"/>
-          </a:xfrm>
-        </p:spPr>
-        <p:txBody>
-          <a:bodyPr>
-            <a:normAutofit/>
-          </a:bodyPr>
-          <a:lstStyle/>
-          <a:p>
-            <a:r>
-              <a:rPr lang="de-DE" sz="2800" dirty="0" smtClean="0">
-                <a:latin typeface="Lato" pitchFamily="34" charset="0"/>
-              </a:rPr>
-              <a:t>Gründer des CCRMA</a:t>
-            </a:r>
-            <a:endParaRPr lang="de-DE" sz="2800" dirty="0">
-              <a:latin typeface="Lato" pitchFamily="34" charset="0"/>
-            </a:endParaRPr>
-          </a:p>
-        </p:txBody>
-      </p:sp>
-      <p:pic>
-        <p:nvPicPr>
-          <p:cNvPr id="10" name="Grafik 9"/>
-          <p:cNvPicPr>
-            <a:picLocks noChangeAspect="1"/>
-          </p:cNvPicPr>
-          <p:nvPr/>
-        </p:nvPicPr>
-        <p:blipFill>
-          <a:blip r:embed="rId3"/>
-          <a:stretch>
-            <a:fillRect/>
-          </a:stretch>
-        </p:blipFill>
-        <p:spPr>
-          <a:xfrm>
-            <a:off x="3383868" y="4111519"/>
-            <a:ext cx="2376264" cy="234863"/>
-          </a:xfrm>
-          <a:prstGeom prst="rect">
-            <a:avLst/>
-          </a:prstGeom>
-        </p:spPr>
-      </p:pic>
-    </p:spTree>
-  </p:cSld>
-  <p:clrMapOvr>
-    <a:masterClrMapping/>
-  </p:clrMapOvr>
-  <p:timing>
-    <p:tnLst>
-      <p:par>
-        <p:cTn id="1" dur="indefinite" restart="never" nodeType="tmRoot"/>
-      </p:par>
-    </p:tnLst>
-  </p:timing>
-</p:sld>
-</file>
-
-<file path=ppt/slides/slide17.xml><?xml version="1.0" encoding="utf-8"?>
-<p:sld xmlns:a="http://schemas.openxmlformats.org/drawingml/2006/main" xmlns:r="http://schemas.openxmlformats.org/officeDocument/2006/relationships" xmlns:p="http://schemas.openxmlformats.org/presentationml/2006/main">
-  <p:cSld>
-    <p:spTree>
-      <p:nvGrpSpPr>
-        <p:cNvPr id="1" name=""/>
-        <p:cNvGrpSpPr/>
-        <p:nvPr/>
-      </p:nvGrpSpPr>
-      <p:grpSpPr>
-        <a:xfrm>
-          <a:off x="0" y="0"/>
-          <a:ext cx="0" cy="0"/>
-          <a:chOff x="0" y="0"/>
-          <a:chExt cx="0" cy="0"/>
-        </a:xfrm>
-      </p:grpSpPr>
-      <p:sp>
-        <p:nvSpPr>
-          <p:cNvPr id="4" name="Datumsplatzhalter 3"/>
-          <p:cNvSpPr>
-            <a:spLocks noGrp="1"/>
-          </p:cNvSpPr>
-          <p:nvPr>
-            <p:ph type="dt" sz="half" idx="10"/>
-          </p:nvPr>
-        </p:nvSpPr>
-        <p:spPr>
-          <a:xfrm>
-            <a:off x="6588224" y="4876006"/>
-            <a:ext cx="2133600" cy="273844"/>
-          </a:xfrm>
-        </p:spPr>
-        <p:txBody>
-          <a:bodyPr/>
-          <a:lstStyle/>
-          <a:p>
-            <a:fld id="{D7189504-FB42-40CE-B2BB-CA1D3CB1B385}" type="datetime1">
-              <a:rPr lang="de-DE" smtClean="0"/>
-              <a:t>19.06.2015</a:t>
-            </a:fld>
-            <a:endParaRPr lang="de-DE"/>
-          </a:p>
-        </p:txBody>
-      </p:sp>
-      <p:sp>
-        <p:nvSpPr>
-          <p:cNvPr id="5" name="Fußzeilenplatzhalter 4"/>
-          <p:cNvSpPr>
-            <a:spLocks noGrp="1"/>
-          </p:cNvSpPr>
-          <p:nvPr>
-            <p:ph type="ftr" sz="quarter" idx="11"/>
-          </p:nvPr>
-        </p:nvSpPr>
-        <p:spPr>
-          <a:xfrm>
-            <a:off x="3131840" y="4876006"/>
-            <a:ext cx="2895600" cy="273844"/>
-          </a:xfrm>
-        </p:spPr>
-        <p:txBody>
-          <a:bodyPr/>
-          <a:lstStyle/>
-          <a:p>
-            <a:r>
-              <a:rPr lang="de-DE" smtClean="0"/>
-              <a:t>FM-Synthese</a:t>
-            </a:r>
-            <a:endParaRPr lang="de-DE"/>
-          </a:p>
-        </p:txBody>
-      </p:sp>
-      <p:sp>
-        <p:nvSpPr>
-          <p:cNvPr id="6" name="Foliennummernplatzhalter 5"/>
-          <p:cNvSpPr>
-            <a:spLocks noGrp="1"/>
-          </p:cNvSpPr>
-          <p:nvPr>
-            <p:ph type="sldNum" sz="quarter" idx="12"/>
-          </p:nvPr>
-        </p:nvSpPr>
-        <p:spPr>
-          <a:xfrm>
-            <a:off x="0" y="4869656"/>
-            <a:ext cx="467544" cy="273844"/>
-          </a:xfrm>
-        </p:spPr>
-        <p:txBody>
-          <a:bodyPr/>
-          <a:lstStyle/>
-          <a:p>
-            <a:fld id="{6C6AE60A-B69C-4790-82F7-3882EDF23186}" type="slidenum">
-              <a:rPr lang="de-DE" smtClean="0"/>
-              <a:pPr/>
-              <a:t>17</a:t>
-            </a:fld>
-            <a:endParaRPr lang="de-DE" dirty="0"/>
-          </a:p>
-        </p:txBody>
-      </p:sp>
-      <p:sp>
-        <p:nvSpPr>
-          <p:cNvPr id="7" name="Inhaltsplatzhalter 2"/>
-          <p:cNvSpPr>
-            <a:spLocks noGrp="1"/>
-          </p:cNvSpPr>
-          <p:nvPr>
-            <p:ph idx="1"/>
-          </p:nvPr>
-        </p:nvSpPr>
-        <p:spPr>
-          <a:xfrm>
-            <a:off x="467544" y="1677020"/>
-            <a:ext cx="8229600" cy="2838946"/>
-          </a:xfrm>
-        </p:spPr>
-        <p:txBody>
-          <a:bodyPr>
-            <a:normAutofit/>
-          </a:bodyPr>
-          <a:lstStyle/>
-          <a:p>
-            <a:r>
-              <a:rPr lang="de-DE" sz="2000" dirty="0" smtClean="0">
-                <a:latin typeface="Lato" pitchFamily="34" charset="0"/>
-              </a:rPr>
-              <a:t>Großer Erfolg für Yamaha</a:t>
-            </a:r>
-          </a:p>
-          <a:p>
-            <a:r>
-              <a:rPr lang="de-DE" sz="2000" dirty="0" smtClean="0">
-                <a:latin typeface="Lato" pitchFamily="34" charset="0"/>
-              </a:rPr>
-              <a:t>Erste FM-Synthesizer: GS1 (1980) und GS2 (1982)</a:t>
-            </a:r>
-          </a:p>
-          <a:p>
-            <a:r>
-              <a:rPr lang="de-DE" sz="2000" dirty="0" smtClean="0">
-                <a:latin typeface="Lato" pitchFamily="34" charset="0"/>
-              </a:rPr>
-              <a:t>Kosten: 30.000 DM und 16.000 DM</a:t>
-            </a:r>
-          </a:p>
-          <a:p>
-            <a:r>
-              <a:rPr lang="de-DE" sz="2000" dirty="0" smtClean="0">
-                <a:latin typeface="Lato" pitchFamily="34" charset="0"/>
-              </a:rPr>
-              <a:t>Durchbruch 1983 mit dem DX7</a:t>
-            </a:r>
-          </a:p>
-          <a:p>
-            <a:pPr>
-              <a:buNone/>
-            </a:pPr>
-            <a:endParaRPr lang="de-DE" sz="2000" dirty="0" smtClean="0">
-              <a:latin typeface="Lato" pitchFamily="34" charset="0"/>
-            </a:endParaRPr>
-          </a:p>
-          <a:p>
-            <a:endParaRPr lang="de-DE" sz="2000" dirty="0" smtClean="0">
-              <a:latin typeface="Lato" pitchFamily="34" charset="0"/>
-            </a:endParaRPr>
-          </a:p>
-        </p:txBody>
-      </p:sp>
-      <p:sp>
-        <p:nvSpPr>
-          <p:cNvPr id="8" name="Titel 1"/>
-          <p:cNvSpPr>
-            <a:spLocks noGrp="1"/>
-          </p:cNvSpPr>
-          <p:nvPr>
-            <p:ph type="title"/>
-          </p:nvPr>
-        </p:nvSpPr>
-        <p:spPr>
-          <a:xfrm>
-            <a:off x="457200" y="205979"/>
-            <a:ext cx="8229600" cy="857250"/>
-          </a:xfrm>
-        </p:spPr>
-        <p:txBody>
-          <a:bodyPr>
-            <a:normAutofit/>
-          </a:bodyPr>
-          <a:lstStyle/>
-          <a:p>
-            <a:r>
-              <a:rPr lang="de-DE" sz="2800" dirty="0" smtClean="0">
-                <a:latin typeface="Lato" pitchFamily="34" charset="0"/>
-              </a:rPr>
-              <a:t>Geschichte der FM-Synthese</a:t>
-            </a:r>
-            <a:endParaRPr lang="de-DE" sz="2800" dirty="0">
-              <a:latin typeface="Lato" pitchFamily="34" charset="0"/>
-            </a:endParaRPr>
-          </a:p>
-        </p:txBody>
-      </p:sp>
-    </p:spTree>
-  </p:cSld>
-  <p:clrMapOvr>
-    <a:masterClrMapping/>
-  </p:clrMapOvr>
-  <p:timing>
-    <p:tnLst>
-      <p:par>
-        <p:cTn id="1" dur="indefinite" restart="never" nodeType="tmRoot"/>
-      </p:par>
-    </p:tnLst>
-  </p:timing>
-</p:sld>
-</file>
-
-<file path=ppt/slides/slide18.xml><?xml version="1.0" encoding="utf-8"?>
-<p:sld xmlns:a="http://schemas.openxmlformats.org/drawingml/2006/main" xmlns:r="http://schemas.openxmlformats.org/officeDocument/2006/relationships" xmlns:p="http://schemas.openxmlformats.org/presentationml/2006/main">
-  <p:cSld>
-    <p:spTree>
-      <p:nvGrpSpPr>
-        <p:cNvPr id="1" name=""/>
-        <p:cNvGrpSpPr/>
-        <p:nvPr/>
-      </p:nvGrpSpPr>
-      <p:grpSpPr>
-        <a:xfrm>
-          <a:off x="0" y="0"/>
-          <a:ext cx="0" cy="0"/>
-          <a:chOff x="0" y="0"/>
-          <a:chExt cx="0" cy="0"/>
-        </a:xfrm>
-      </p:grpSpPr>
-      <p:sp>
-        <p:nvSpPr>
-          <p:cNvPr id="4" name="Datumsplatzhalter 3"/>
-          <p:cNvSpPr>
-            <a:spLocks noGrp="1"/>
-          </p:cNvSpPr>
-          <p:nvPr>
-            <p:ph type="dt" sz="half" idx="10"/>
-          </p:nvPr>
-        </p:nvSpPr>
-        <p:spPr>
-          <a:xfrm>
-            <a:off x="6588224" y="4876006"/>
-            <a:ext cx="2133600" cy="273844"/>
-          </a:xfrm>
-        </p:spPr>
-        <p:txBody>
-          <a:bodyPr/>
-          <a:lstStyle/>
-          <a:p>
-            <a:fld id="{8C72BFCD-6DDC-4F0C-B207-AE3CB62F0D09}" type="datetime1">
-              <a:rPr lang="de-DE" smtClean="0"/>
-              <a:t>19.06.2015</a:t>
-            </a:fld>
-            <a:endParaRPr lang="de-DE"/>
-          </a:p>
-        </p:txBody>
-      </p:sp>
-      <p:sp>
-        <p:nvSpPr>
-          <p:cNvPr id="5" name="Fußzeilenplatzhalter 4"/>
-          <p:cNvSpPr>
-            <a:spLocks noGrp="1"/>
-          </p:cNvSpPr>
-          <p:nvPr>
-            <p:ph type="ftr" sz="quarter" idx="11"/>
-          </p:nvPr>
-        </p:nvSpPr>
-        <p:spPr>
-          <a:xfrm>
-            <a:off x="3131840" y="4876006"/>
-            <a:ext cx="2895600" cy="273844"/>
-          </a:xfrm>
-        </p:spPr>
-        <p:txBody>
-          <a:bodyPr/>
-          <a:lstStyle/>
-          <a:p>
-            <a:r>
-              <a:rPr lang="de-DE" smtClean="0"/>
-              <a:t>FM-Synthese</a:t>
-            </a:r>
-            <a:endParaRPr lang="de-DE"/>
-          </a:p>
-        </p:txBody>
-      </p:sp>
-      <p:sp>
-        <p:nvSpPr>
-          <p:cNvPr id="6" name="Foliennummernplatzhalter 5"/>
-          <p:cNvSpPr>
-            <a:spLocks noGrp="1"/>
-          </p:cNvSpPr>
-          <p:nvPr>
-            <p:ph type="sldNum" sz="quarter" idx="12"/>
-          </p:nvPr>
-        </p:nvSpPr>
-        <p:spPr>
-          <a:xfrm>
-            <a:off x="0" y="4869656"/>
-            <a:ext cx="467544" cy="273844"/>
-          </a:xfrm>
-        </p:spPr>
-        <p:txBody>
-          <a:bodyPr/>
-          <a:lstStyle/>
-          <a:p>
-            <a:fld id="{6C6AE60A-B69C-4790-82F7-3882EDF23186}" type="slidenum">
-              <a:rPr lang="de-DE" smtClean="0"/>
-              <a:pPr/>
-              <a:t>18</a:t>
-            </a:fld>
-            <a:endParaRPr lang="de-DE" dirty="0"/>
-          </a:p>
-        </p:txBody>
-      </p:sp>
-      <p:pic>
-        <p:nvPicPr>
-          <p:cNvPr id="20484" name="Picture 4" descr="http://www.electricdruid.net/images/interface/larger/YamahaDX7.jpg"/>
-          <p:cNvPicPr>
-            <a:picLocks noChangeAspect="1" noChangeArrowheads="1"/>
-          </p:cNvPicPr>
-          <p:nvPr/>
-        </p:nvPicPr>
-        <p:blipFill>
-          <a:blip r:embed="rId2" cstate="print"/>
-          <a:srcRect/>
-          <a:stretch>
-            <a:fillRect/>
-          </a:stretch>
-        </p:blipFill>
-        <p:spPr bwMode="auto">
-          <a:xfrm>
-            <a:off x="755576" y="1397265"/>
-            <a:ext cx="7704856" cy="2614645"/>
-          </a:xfrm>
-          <a:prstGeom prst="rect">
-            <a:avLst/>
-          </a:prstGeom>
-          <a:noFill/>
-        </p:spPr>
-      </p:pic>
-      <p:sp>
-        <p:nvSpPr>
-          <p:cNvPr id="9" name="Titel 1"/>
-          <p:cNvSpPr>
-            <a:spLocks noGrp="1"/>
-          </p:cNvSpPr>
-          <p:nvPr>
-            <p:ph type="title"/>
-          </p:nvPr>
-        </p:nvSpPr>
-        <p:spPr>
-          <a:xfrm>
-            <a:off x="457200" y="205979"/>
-            <a:ext cx="8229600" cy="857250"/>
-          </a:xfrm>
-        </p:spPr>
-        <p:txBody>
-          <a:bodyPr>
-            <a:normAutofit/>
-          </a:bodyPr>
-          <a:lstStyle/>
-          <a:p>
-            <a:r>
-              <a:rPr lang="de-DE" sz="2800" dirty="0" smtClean="0">
-                <a:latin typeface="Lato" pitchFamily="34" charset="0"/>
-              </a:rPr>
-              <a:t>Yamaha DX7</a:t>
-            </a:r>
-            <a:endParaRPr lang="de-DE" sz="2800" dirty="0">
-              <a:latin typeface="Lato" pitchFamily="34" charset="0"/>
-            </a:endParaRPr>
-          </a:p>
-        </p:txBody>
-      </p:sp>
-      <p:sp>
-        <p:nvSpPr>
-          <p:cNvPr id="8" name="Textfeld 7"/>
-          <p:cNvSpPr txBox="1"/>
-          <p:nvPr/>
-        </p:nvSpPr>
-        <p:spPr>
-          <a:xfrm>
-            <a:off x="2247043" y="3986343"/>
-            <a:ext cx="4721921" cy="400110"/>
-          </a:xfrm>
-          <a:prstGeom prst="rect">
-            <a:avLst/>
-          </a:prstGeom>
-          <a:noFill/>
-        </p:spPr>
-        <p:txBody>
-          <a:bodyPr wrap="square" rtlCol="0">
-            <a:spAutoFit/>
-          </a:bodyPr>
-          <a:lstStyle/>
-          <a:p>
-            <a:pPr algn="ctr"/>
-            <a:r>
-              <a:rPr lang="de-DE" sz="1000" dirty="0" smtClean="0"/>
-              <a:t>Quelle</a:t>
-            </a:r>
-            <a:r>
-              <a:rPr lang="de-DE" sz="1000" dirty="0"/>
-              <a:t>: http://</a:t>
-            </a:r>
-            <a:r>
-              <a:rPr lang="de-DE" sz="1000" dirty="0" smtClean="0"/>
-              <a:t>www.electricdruid.net/images/interface/larger/YamahaDX7.jpg</a:t>
-            </a:r>
-          </a:p>
-          <a:p>
-            <a:pPr algn="ctr"/>
-            <a:r>
-              <a:rPr lang="de-DE" sz="1000" dirty="0" smtClean="0"/>
-              <a:t>Stand: 18.06.2015</a:t>
-            </a:r>
-            <a:endParaRPr lang="de-DE" sz="1000" dirty="0"/>
-          </a:p>
-        </p:txBody>
-      </p:sp>
-    </p:spTree>
-  </p:cSld>
-  <p:clrMapOvr>
-    <a:masterClrMapping/>
-  </p:clrMapOvr>
-  <p:timing>
-    <p:tnLst>
-      <p:par>
-        <p:cTn id="1" dur="indefinite" restart="never" nodeType="tmRoot"/>
-      </p:par>
-    </p:tnLst>
-  </p:timing>
-</p:sld>
-</file>
-
-<file path=ppt/slides/slide19.xml><?xml version="1.0" encoding="utf-8"?>
-<p:sld xmlns:a="http://schemas.openxmlformats.org/drawingml/2006/main" xmlns:r="http://schemas.openxmlformats.org/officeDocument/2006/relationships" xmlns:p="http://schemas.openxmlformats.org/presentationml/2006/main">
-  <p:cSld>
-    <p:spTree>
-      <p:nvGrpSpPr>
-        <p:cNvPr id="1" name=""/>
-        <p:cNvGrpSpPr/>
-        <p:nvPr/>
-      </p:nvGrpSpPr>
-      <p:grpSpPr>
-        <a:xfrm>
-          <a:off x="0" y="0"/>
-          <a:ext cx="0" cy="0"/>
-          <a:chOff x="0" y="0"/>
-          <a:chExt cx="0" cy="0"/>
-        </a:xfrm>
-      </p:grpSpPr>
-      <p:sp>
-        <p:nvSpPr>
-          <p:cNvPr id="3" name="Inhaltsplatzhalter 2"/>
-          <p:cNvSpPr>
-            <a:spLocks noGrp="1"/>
-          </p:cNvSpPr>
-          <p:nvPr>
-            <p:ph idx="1"/>
-          </p:nvPr>
-        </p:nvSpPr>
-        <p:spPr>
-          <a:xfrm>
-            <a:off x="457200" y="987574"/>
-            <a:ext cx="8229600" cy="1224136"/>
-          </a:xfrm>
-        </p:spPr>
-        <p:txBody>
-          <a:bodyPr/>
-          <a:lstStyle/>
-          <a:p>
-            <a:r>
-              <a:rPr lang="de-DE" sz="2000" dirty="0"/>
-              <a:t>Parallele Verarbeitung von 16 </a:t>
-            </a:r>
-            <a:r>
-              <a:rPr lang="de-DE" sz="2000" dirty="0" smtClean="0"/>
-              <a:t>Stimmen</a:t>
-            </a:r>
-          </a:p>
-          <a:p>
-            <a:r>
-              <a:rPr lang="de-DE" sz="2000" dirty="0" smtClean="0"/>
-              <a:t>6 einstellbare Operatoren</a:t>
-            </a:r>
-          </a:p>
-          <a:p>
-            <a:r>
-              <a:rPr lang="de-DE" sz="2000" dirty="0" smtClean="0"/>
-              <a:t>32 verschiedene Algorithmen</a:t>
-            </a:r>
-          </a:p>
-          <a:p>
-            <a:endParaRPr lang="de-DE" dirty="0" smtClean="0"/>
-          </a:p>
-          <a:p>
-            <a:endParaRPr lang="de-DE" dirty="0" smtClean="0"/>
-          </a:p>
-          <a:p>
-            <a:endParaRPr lang="de-DE" dirty="0"/>
-          </a:p>
-        </p:txBody>
-      </p:sp>
-      <p:sp>
-        <p:nvSpPr>
-          <p:cNvPr id="4" name="Datumsplatzhalter 3"/>
-          <p:cNvSpPr>
-            <a:spLocks noGrp="1"/>
-          </p:cNvSpPr>
-          <p:nvPr>
-            <p:ph type="dt" sz="half" idx="10"/>
-          </p:nvPr>
-        </p:nvSpPr>
-        <p:spPr/>
-        <p:txBody>
-          <a:bodyPr/>
-          <a:lstStyle/>
-          <a:p>
-            <a:fld id="{9369858E-D1D1-4BAC-A564-46FF792CFAC7}" type="datetime1">
-              <a:rPr lang="de-DE" smtClean="0"/>
-              <a:t>19.06.2015</a:t>
-            </a:fld>
-            <a:endParaRPr lang="de-DE" dirty="0"/>
-          </a:p>
-        </p:txBody>
-      </p:sp>
-      <p:sp>
-        <p:nvSpPr>
-          <p:cNvPr id="5" name="Fußzeilenplatzhalter 4"/>
-          <p:cNvSpPr>
-            <a:spLocks noGrp="1"/>
-          </p:cNvSpPr>
-          <p:nvPr>
-            <p:ph type="ftr" sz="quarter" idx="11"/>
-          </p:nvPr>
-        </p:nvSpPr>
-        <p:spPr/>
-        <p:txBody>
-          <a:bodyPr/>
-          <a:lstStyle/>
-          <a:p>
-            <a:r>
-              <a:rPr lang="de-DE" smtClean="0"/>
-              <a:t>FM-Synthese</a:t>
-            </a:r>
-            <a:endParaRPr lang="de-DE" dirty="0"/>
-          </a:p>
-        </p:txBody>
-      </p:sp>
-      <p:sp>
-        <p:nvSpPr>
-          <p:cNvPr id="6" name="Foliennummernplatzhalter 5"/>
-          <p:cNvSpPr>
-            <a:spLocks noGrp="1"/>
-          </p:cNvSpPr>
-          <p:nvPr>
-            <p:ph type="sldNum" sz="quarter" idx="12"/>
-          </p:nvPr>
-        </p:nvSpPr>
-        <p:spPr/>
-        <p:txBody>
-          <a:bodyPr/>
-          <a:lstStyle/>
-          <a:p>
-            <a:fld id="{6C6AE60A-B69C-4790-82F7-3882EDF23186}" type="slidenum">
-              <a:rPr lang="de-DE" smtClean="0"/>
-              <a:pPr/>
-              <a:t>19</a:t>
-            </a:fld>
-            <a:r>
-              <a:rPr lang="de-DE" smtClean="0"/>
-              <a:t>   </a:t>
-            </a:r>
-            <a:endParaRPr lang="de-DE" dirty="0"/>
-          </a:p>
-        </p:txBody>
-      </p:sp>
-      <p:sp>
-        <p:nvSpPr>
-          <p:cNvPr id="7" name="Titel 1"/>
-          <p:cNvSpPr>
-            <a:spLocks noGrp="1"/>
-          </p:cNvSpPr>
-          <p:nvPr>
-            <p:ph type="title"/>
-          </p:nvPr>
-        </p:nvSpPr>
-        <p:spPr/>
-        <p:txBody>
-          <a:bodyPr>
-            <a:normAutofit/>
-          </a:bodyPr>
-          <a:lstStyle/>
-          <a:p>
-            <a:r>
-              <a:rPr lang="de-DE" sz="2800" dirty="0" smtClean="0">
-                <a:latin typeface="Lato" pitchFamily="34" charset="0"/>
-              </a:rPr>
-              <a:t>Yamaha DX7</a:t>
-            </a:r>
-            <a:endParaRPr lang="de-DE" sz="2800" dirty="0">
-              <a:latin typeface="Lato" pitchFamily="34" charset="0"/>
-            </a:endParaRPr>
-          </a:p>
-        </p:txBody>
-      </p:sp>
-      <p:pic>
-        <p:nvPicPr>
-          <p:cNvPr id="8" name="Grafik 7"/>
-          <p:cNvPicPr>
-            <a:picLocks noChangeAspect="1"/>
-          </p:cNvPicPr>
-          <p:nvPr/>
-        </p:nvPicPr>
-        <p:blipFill rotWithShape="1">
-          <a:blip r:embed="rId2">
-            <a:extLst>
-              <a:ext uri="{28A0092B-C50C-407E-A947-70E740481C1C}">
-                <a14:useLocalDpi xmlns:a14="http://schemas.microsoft.com/office/drawing/2010/main" val="0"/>
-              </a:ext>
-            </a:extLst>
-          </a:blip>
-          <a:srcRect l="5088" b="7049"/>
-          <a:stretch/>
-        </p:blipFill>
-        <p:spPr>
-          <a:xfrm>
-            <a:off x="827584" y="2211710"/>
-            <a:ext cx="4029918" cy="1898843"/>
-          </a:xfrm>
-          <a:prstGeom prst="rect">
-            <a:avLst/>
-          </a:prstGeom>
-        </p:spPr>
-      </p:pic>
-      <p:pic>
-        <p:nvPicPr>
-          <p:cNvPr id="9" name="Grafik 8"/>
-          <p:cNvPicPr>
-            <a:picLocks noChangeAspect="1"/>
-          </p:cNvPicPr>
-          <p:nvPr/>
-        </p:nvPicPr>
-        <p:blipFill rotWithShape="1">
-          <a:blip r:embed="rId3">
-            <a:extLst>
-              <a:ext uri="{28A0092B-C50C-407E-A947-70E740481C1C}">
-                <a14:useLocalDpi xmlns:a14="http://schemas.microsoft.com/office/drawing/2010/main" val="0"/>
-              </a:ext>
-            </a:extLst>
-          </a:blip>
-          <a:srcRect t="16484" b="24671"/>
-          <a:stretch/>
-        </p:blipFill>
-        <p:spPr>
-          <a:xfrm>
-            <a:off x="5220072" y="2211710"/>
-            <a:ext cx="3018102" cy="1895325"/>
-          </a:xfrm>
-          <a:prstGeom prst="rect">
-            <a:avLst/>
-          </a:prstGeom>
-        </p:spPr>
-      </p:pic>
-      <p:sp>
-        <p:nvSpPr>
-          <p:cNvPr id="10" name="Textfeld 9"/>
-          <p:cNvSpPr txBox="1"/>
-          <p:nvPr/>
-        </p:nvSpPr>
-        <p:spPr>
-          <a:xfrm>
-            <a:off x="233772" y="4150831"/>
-            <a:ext cx="8738678" cy="553998"/>
-          </a:xfrm>
-          <a:prstGeom prst="rect">
-            <a:avLst/>
-          </a:prstGeom>
-          <a:noFill/>
-        </p:spPr>
-        <p:txBody>
-          <a:bodyPr wrap="square" rtlCol="0">
-            <a:spAutoFit/>
-          </a:bodyPr>
-          <a:lstStyle/>
-          <a:p>
-            <a:pPr algn="ctr"/>
-            <a:r>
-              <a:rPr lang="de-DE" sz="1000" dirty="0" smtClean="0"/>
-              <a:t>Quellen</a:t>
-            </a:r>
-            <a:r>
-              <a:rPr lang="de-DE" sz="1000" dirty="0"/>
-              <a:t>: http://</a:t>
-            </a:r>
-            <a:r>
-              <a:rPr lang="de-DE" sz="1000" dirty="0" smtClean="0"/>
-              <a:t>www.publicsurplus.com/sms/docviewer/aucdoc/IMG_0966.jpg?auc=674141&amp;docid=4542888</a:t>
-            </a:r>
-          </a:p>
-          <a:p>
-            <a:pPr algn="ctr"/>
-            <a:r>
-              <a:rPr lang="de-DE" sz="1000" dirty="0" smtClean="0"/>
-              <a:t>http</a:t>
-            </a:r>
-            <a:r>
-              <a:rPr lang="de-DE" sz="1000" dirty="0"/>
-              <a:t>://</a:t>
-            </a:r>
-            <a:r>
-              <a:rPr lang="de-DE" sz="1000" dirty="0" smtClean="0"/>
-              <a:t>www.electricdruid.net/images/interface/larger/YamahaDX7.jpg</a:t>
-            </a:r>
-          </a:p>
-          <a:p>
-            <a:pPr algn="ctr"/>
-            <a:r>
-              <a:rPr lang="de-DE" sz="1000" dirty="0" smtClean="0"/>
-              <a:t>Stand: 18.06.2015</a:t>
-            </a:r>
-          </a:p>
-        </p:txBody>
-      </p:sp>
-    </p:spTree>
-    <p:extLst>
-      <p:ext uri="{BB962C8B-B14F-4D97-AF65-F5344CB8AC3E}">
-        <p14:creationId xmlns:p14="http://schemas.microsoft.com/office/powerpoint/2010/main" val="964342535"/>
-      </p:ext>
-    </p:extLst>
-  </p:cSld>
-  <p:clrMapOvr>
-    <a:masterClrMapping/>
-  </p:clrMapOvr>
-  <p:timing>
-    <p:tnLst>
-      <p:par>
-        <p:cTn id="1" dur="indefinite" restart="never" nodeType="tmRoot"/>
-      </p:par>
-    </p:tnLst>
-  </p:timing>
-</p:sld>
-</file>
-
-<file path=ppt/slides/slide2.xml><?xml version="1.0" encoding="utf-8"?>
-<p:sld xmlns:a="http://schemas.openxmlformats.org/drawingml/2006/main" xmlns:r="http://schemas.openxmlformats.org/officeDocument/2006/relationships" xmlns:p="http://schemas.openxmlformats.org/presentationml/2006/main">
-  <p:cSld>
-    <p:spTree>
-      <p:nvGrpSpPr>
-        <p:cNvPr id="1" name=""/>
-        <p:cNvGrpSpPr/>
-        <p:nvPr/>
-      </p:nvGrpSpPr>
-      <p:grpSpPr>
-        <a:xfrm>
-          <a:off x="0" y="0"/>
-          <a:ext cx="0" cy="0"/>
-          <a:chOff x="0" y="0"/>
-          <a:chExt cx="0" cy="0"/>
-        </a:xfrm>
-      </p:grpSpPr>
-      <p:sp>
-        <p:nvSpPr>
-          <p:cNvPr id="12" name="Titel 5"/>
+              <a:t>Markus Bullmann</a:t>
+            </a:r>
+          </a:p>
+        </p:txBody>
+      </p:sp>
+      <p:sp>
+        <p:nvSpPr>
+          <p:cNvPr id="4" name="Untertitel 6"/>
           <p:cNvSpPr txBox="1">
             <a:spLocks/>
           </p:cNvSpPr>
@@ -6327,58 +3779,8 @@
         </p:nvSpPr>
         <p:spPr>
           <a:xfrm>
-            <a:off x="457200" y="205979"/>
-            <a:ext cx="8229600" cy="857250"/>
-          </a:xfrm>
-          <a:prstGeom prst="rect">
-            <a:avLst/>
-          </a:prstGeom>
-        </p:spPr>
-        <p:txBody>
-          <a:bodyPr vert="horz" lIns="91440" tIns="45720" rIns="91440" bIns="45720" rtlCol="0" anchor="ctr">
-            <a:normAutofit/>
-          </a:bodyPr>
-          <a:lstStyle>
-            <a:lvl1pPr algn="ctr" defTabSz="914400" rtl="0" eaLnBrk="1" latinLnBrk="0" hangingPunct="1">
-              <a:spcBef>
-                <a:spcPct val="0"/>
-              </a:spcBef>
-              <a:buNone/>
-              <a:defRPr sz="4400" kern="1200">
-                <a:solidFill>
-                  <a:schemeClr val="tx1"/>
-                </a:solidFill>
-                <a:latin typeface="+mj-lt"/>
-                <a:ea typeface="+mj-ea"/>
-                <a:cs typeface="+mj-cs"/>
-              </a:defRPr>
-            </a:lvl1pPr>
-          </a:lstStyle>
-          <a:p>
-            <a:r>
-              <a:rPr lang="de-DE" sz="3600" smtClean="0">
-                <a:latin typeface="Lato" pitchFamily="34" charset="0"/>
-              </a:rPr>
-              <a:t>Gliederung</a:t>
-            </a:r>
-            <a:endParaRPr lang="de-DE" sz="3600" dirty="0">
-              <a:latin typeface="Lato" pitchFamily="34" charset="0"/>
-            </a:endParaRPr>
-          </a:p>
-        </p:txBody>
-      </p:sp>
-      <p:sp>
-        <p:nvSpPr>
-          <p:cNvPr id="13" name="Inhaltsplatzhalter 6"/>
-          <p:cNvSpPr txBox="1">
-            <a:spLocks/>
-          </p:cNvSpPr>
-          <p:nvPr/>
-        </p:nvSpPr>
-        <p:spPr>
-          <a:xfrm>
-            <a:off x="971600" y="1203598"/>
-            <a:ext cx="3250704" cy="3096344"/>
+            <a:off x="4753927" y="2913484"/>
+            <a:ext cx="3778513" cy="1314450"/>
           </a:xfrm>
           <a:prstGeom prst="rect">
             <a:avLst/>
@@ -6545,253 +3947,2966 @@
           </a:lstStyle>
           <a:p>
             <a:r>
-              <a:rPr lang="de-DE" sz="2000" smtClean="0">
+              <a:rPr lang="de-DE" dirty="0" smtClean="0"/>
+              <a:t>Stefan Gerasch </a:t>
+            </a:r>
+          </a:p>
+          <a:p>
+            <a:r>
+              <a:rPr lang="de-DE" dirty="0" smtClean="0"/>
+              <a:t>Matthias Kemmer</a:t>
+            </a:r>
+            <a:endParaRPr lang="de-DE" dirty="0"/>
+          </a:p>
+        </p:txBody>
+      </p:sp>
+    </p:spTree>
+    <p:extLst>
+      <p:ext uri="{BB962C8B-B14F-4D97-AF65-F5344CB8AC3E}">
+        <p14:creationId xmlns:p14="http://schemas.microsoft.com/office/powerpoint/2010/main" val="1092364182"/>
+      </p:ext>
+    </p:extLst>
+  </p:cSld>
+  <p:clrMapOvr>
+    <a:masterClrMapping/>
+  </p:clrMapOvr>
+  <p:timing>
+    <p:tnLst>
+      <p:par>
+        <p:cTn id="1" dur="indefinite" restart="never" nodeType="tmRoot"/>
+      </p:par>
+    </p:tnLst>
+  </p:timing>
+</p:sld>
+</file>
+
+<file path=ppt/slides/slide10.xml><?xml version="1.0" encoding="utf-8"?>
+<p:sld xmlns:a="http://schemas.openxmlformats.org/drawingml/2006/main" xmlns:r="http://schemas.openxmlformats.org/officeDocument/2006/relationships" xmlns:p="http://schemas.openxmlformats.org/presentationml/2006/main">
+  <p:cSld>
+    <p:spTree>
+      <p:nvGrpSpPr>
+        <p:cNvPr id="1" name=""/>
+        <p:cNvGrpSpPr/>
+        <p:nvPr/>
+      </p:nvGrpSpPr>
+      <p:grpSpPr>
+        <a:xfrm>
+          <a:off x="0" y="0"/>
+          <a:ext cx="0" cy="0"/>
+          <a:chOff x="0" y="0"/>
+          <a:chExt cx="0" cy="0"/>
+        </a:xfrm>
+      </p:grpSpPr>
+      <p:sp>
+        <p:nvSpPr>
+          <p:cNvPr id="2" name="Titel 1"/>
+          <p:cNvSpPr>
+            <a:spLocks noGrp="1"/>
+          </p:cNvSpPr>
+          <p:nvPr>
+            <p:ph type="title"/>
+          </p:nvPr>
+        </p:nvSpPr>
+        <p:spPr/>
+        <p:txBody>
+          <a:bodyPr>
+            <a:normAutofit/>
+          </a:bodyPr>
+          <a:lstStyle/>
+          <a:p>
+            <a:r>
+              <a:rPr lang="de-DE" sz="2800" dirty="0" smtClean="0">
                 <a:latin typeface="Lato" pitchFamily="34" charset="0"/>
               </a:rPr>
-              <a:t>1. Julius Hackel	</a:t>
-            </a:r>
-          </a:p>
-          <a:p>
-            <a:endParaRPr lang="de-DE" sz="2000" smtClean="0">
+              <a:t>Geschichte der FM-Synthese</a:t>
+            </a:r>
+            <a:endParaRPr lang="de-DE" sz="2800" dirty="0">
               <a:latin typeface="Lato" pitchFamily="34" charset="0"/>
             </a:endParaRPr>
           </a:p>
-          <a:p>
-            <a:r>
-              <a:rPr lang="de-DE" sz="2000" smtClean="0">
+        </p:txBody>
+      </p:sp>
+      <p:sp>
+        <p:nvSpPr>
+          <p:cNvPr id="3" name="Inhaltsplatzhalter 2"/>
+          <p:cNvSpPr>
+            <a:spLocks noGrp="1"/>
+          </p:cNvSpPr>
+          <p:nvPr>
+            <p:ph idx="1"/>
+          </p:nvPr>
+        </p:nvSpPr>
+        <p:spPr>
+          <a:xfrm>
+            <a:off x="467544" y="1749028"/>
+            <a:ext cx="8229600" cy="1686818"/>
+          </a:xfrm>
+        </p:spPr>
+        <p:txBody>
+          <a:bodyPr>
+            <a:normAutofit/>
+          </a:bodyPr>
+          <a:lstStyle/>
+          <a:p>
+            <a:r>
+              <a:rPr lang="de-DE" sz="2000" dirty="0" smtClean="0">
                 <a:latin typeface="Lato" pitchFamily="34" charset="0"/>
               </a:rPr>
-              <a:t>2. Markus Bullmann</a:t>
-            </a:r>
-          </a:p>
-          <a:p>
-            <a:endParaRPr lang="de-DE" sz="2000" smtClean="0">
+              <a:t>Grundlage: Frequenzmodulation</a:t>
+            </a:r>
+          </a:p>
+          <a:p>
+            <a:r>
+              <a:rPr lang="de-DE" sz="2000" dirty="0" smtClean="0">
+                <a:latin typeface="Lato" pitchFamily="34" charset="0"/>
+              </a:rPr>
+              <a:t>Bekannt aus Nachrichtentechnik</a:t>
+            </a:r>
+          </a:p>
+          <a:p>
+            <a:r>
+              <a:rPr lang="de-DE" sz="2000" dirty="0" smtClean="0">
+                <a:latin typeface="Lato" pitchFamily="34" charset="0"/>
+              </a:rPr>
+              <a:t>Erfinder der FM-Synthese: </a:t>
+            </a:r>
+          </a:p>
+          <a:p>
+            <a:pPr>
+              <a:buNone/>
+            </a:pPr>
+            <a:r>
+              <a:rPr lang="de-DE" sz="2000" dirty="0" smtClean="0">
+                <a:latin typeface="Lato" pitchFamily="34" charset="0"/>
+              </a:rPr>
+              <a:t>	Prof. Dr. John </a:t>
+            </a:r>
+            <a:r>
+              <a:rPr lang="de-DE" sz="2000" dirty="0" err="1" smtClean="0">
+                <a:latin typeface="Lato" pitchFamily="34" charset="0"/>
+              </a:rPr>
+              <a:t>Chowning</a:t>
+            </a:r>
+            <a:endParaRPr lang="de-DE" sz="2000" dirty="0" smtClean="0">
               <a:latin typeface="Lato" pitchFamily="34" charset="0"/>
             </a:endParaRPr>
           </a:p>
           <a:p>
-            <a:r>
-              <a:rPr lang="de-DE" sz="2000" smtClean="0">
-                <a:latin typeface="Lato" pitchFamily="34" charset="0"/>
-              </a:rPr>
-              <a:t>3. Matthias Kemmer</a:t>
-            </a:r>
-          </a:p>
-          <a:p>
-            <a:endParaRPr lang="de-DE" sz="2000" smtClean="0">
+            <a:endParaRPr lang="de-DE" sz="2000" dirty="0">
               <a:latin typeface="Lato" pitchFamily="34" charset="0"/>
             </a:endParaRPr>
           </a:p>
-          <a:p>
-            <a:r>
-              <a:rPr lang="de-DE" sz="2000" smtClean="0">
-                <a:latin typeface="Lato" pitchFamily="34" charset="0"/>
-              </a:rPr>
-              <a:t>4. Stefan Gerasch</a:t>
-            </a:r>
-          </a:p>
-          <a:p>
-            <a:endParaRPr lang="de-DE" sz="2800" dirty="0" smtClean="0">
-              <a:latin typeface="Lato" pitchFamily="34" charset="0"/>
-            </a:endParaRPr>
-          </a:p>
-        </p:txBody>
-      </p:sp>
-      <p:sp>
-        <p:nvSpPr>
-          <p:cNvPr id="14" name="Textfeld 13"/>
-          <p:cNvSpPr txBox="1"/>
+        </p:txBody>
+      </p:sp>
+      <p:sp>
+        <p:nvSpPr>
+          <p:cNvPr id="4" name="Datumsplatzhalter 3"/>
+          <p:cNvSpPr>
+            <a:spLocks noGrp="1"/>
+          </p:cNvSpPr>
+          <p:nvPr>
+            <p:ph type="dt" sz="half" idx="10"/>
+          </p:nvPr>
+        </p:nvSpPr>
+        <p:spPr>
+          <a:xfrm>
+            <a:off x="6588224" y="4876006"/>
+            <a:ext cx="2133600" cy="273844"/>
+          </a:xfrm>
+        </p:spPr>
+        <p:txBody>
+          <a:bodyPr/>
+          <a:lstStyle/>
+          <a:p>
+            <a:fld id="{711E0BBA-85CE-4567-A3EB-570B826ED505}" type="datetime1">
+              <a:rPr lang="de-DE" smtClean="0"/>
+              <a:t>19.06.2015</a:t>
+            </a:fld>
+            <a:endParaRPr lang="de-DE"/>
+          </a:p>
+        </p:txBody>
+      </p:sp>
+      <p:sp>
+        <p:nvSpPr>
+          <p:cNvPr id="5" name="Fußzeilenplatzhalter 4"/>
+          <p:cNvSpPr>
+            <a:spLocks noGrp="1"/>
+          </p:cNvSpPr>
+          <p:nvPr>
+            <p:ph type="ftr" sz="quarter" idx="11"/>
+          </p:nvPr>
+        </p:nvSpPr>
+        <p:spPr>
+          <a:xfrm>
+            <a:off x="3131840" y="4876006"/>
+            <a:ext cx="2895600" cy="273844"/>
+          </a:xfrm>
+        </p:spPr>
+        <p:txBody>
+          <a:bodyPr/>
+          <a:lstStyle/>
+          <a:p>
+            <a:r>
+              <a:rPr lang="de-DE" smtClean="0"/>
+              <a:t>FM-Synthese</a:t>
+            </a:r>
+            <a:endParaRPr lang="de-DE"/>
+          </a:p>
+        </p:txBody>
+      </p:sp>
+      <p:sp>
+        <p:nvSpPr>
+          <p:cNvPr id="6" name="Foliennummernplatzhalter 5"/>
+          <p:cNvSpPr>
+            <a:spLocks noGrp="1"/>
+          </p:cNvSpPr>
+          <p:nvPr>
+            <p:ph type="sldNum" sz="quarter" idx="12"/>
+          </p:nvPr>
+        </p:nvSpPr>
+        <p:spPr>
+          <a:xfrm>
+            <a:off x="0" y="4869656"/>
+            <a:ext cx="467544" cy="273844"/>
+          </a:xfrm>
+        </p:spPr>
+        <p:txBody>
+          <a:bodyPr/>
+          <a:lstStyle/>
+          <a:p>
+            <a:fld id="{6C6AE60A-B69C-4790-82F7-3882EDF23186}" type="slidenum">
+              <a:rPr lang="de-DE" smtClean="0"/>
+              <a:pPr/>
+              <a:t>10</a:t>
+            </a:fld>
+            <a:endParaRPr lang="de-DE" dirty="0"/>
+          </a:p>
+        </p:txBody>
+      </p:sp>
+      <p:pic>
+        <p:nvPicPr>
+          <p:cNvPr id="20482" name="Picture 2" descr="D:\Julius\Documents\GitHub\VSeminar\Dok\Kapitel\img\chowning_CCRMA.png"/>
+          <p:cNvPicPr>
+            <a:picLocks noChangeAspect="1" noChangeArrowheads="1"/>
+          </p:cNvPicPr>
           <p:nvPr/>
-        </p:nvSpPr>
-        <p:spPr>
-          <a:xfrm>
-            <a:off x="5364088" y="1059582"/>
-            <a:ext cx="3600400" cy="3754874"/>
+        </p:nvPicPr>
+        <p:blipFill>
+          <a:blip r:embed="rId2" cstate="print"/>
+          <a:srcRect/>
+          <a:stretch>
+            <a:fillRect/>
+          </a:stretch>
+        </p:blipFill>
+        <p:spPr bwMode="auto">
+          <a:xfrm>
+            <a:off x="4860032" y="1669858"/>
+            <a:ext cx="3096344" cy="2486068"/>
           </a:xfrm>
           <a:prstGeom prst="rect">
             <a:avLst/>
           </a:prstGeom>
           <a:noFill/>
         </p:spPr>
+      </p:pic>
+      <p:sp>
+        <p:nvSpPr>
+          <p:cNvPr id="8" name="Textfeld 7"/>
+          <p:cNvSpPr txBox="1"/>
+          <p:nvPr/>
+        </p:nvSpPr>
+        <p:spPr>
+          <a:xfrm>
+            <a:off x="4170558" y="4235096"/>
+            <a:ext cx="4721921" cy="400110"/>
+          </a:xfrm>
+          <a:prstGeom prst="rect">
+            <a:avLst/>
+          </a:prstGeom>
+          <a:noFill/>
+        </p:spPr>
         <p:txBody>
           <a:bodyPr wrap="square" rtlCol="0">
             <a:spAutoFit/>
           </a:bodyPr>
           <a:lstStyle/>
           <a:p>
-            <a:pPr marL="342900" indent="-342900"/>
-            <a:r>
-              <a:rPr lang="de-DE" sz="1400" dirty="0" smtClean="0">
+            <a:pPr algn="ctr"/>
+            <a:r>
+              <a:rPr lang="de-DE" sz="1000" dirty="0" smtClean="0"/>
+              <a:t>Quelle</a:t>
+            </a:r>
+            <a:r>
+              <a:rPr lang="de-DE" sz="1000" dirty="0"/>
+              <a:t>: http://</a:t>
+            </a:r>
+            <a:r>
+              <a:rPr lang="de-DE" sz="1000" dirty="0" smtClean="0"/>
+              <a:t>arts.mit.edu/wp-content/uploads/2014/07/ChowningYamaha.jpg </a:t>
+            </a:r>
+          </a:p>
+          <a:p>
+            <a:pPr algn="ctr"/>
+            <a:r>
+              <a:rPr lang="de-DE" sz="1000" dirty="0" smtClean="0"/>
+              <a:t>Stand: 18.06.2015</a:t>
+            </a:r>
+            <a:endParaRPr lang="de-DE" sz="1000" dirty="0"/>
+          </a:p>
+        </p:txBody>
+      </p:sp>
+    </p:spTree>
+  </p:cSld>
+  <p:clrMapOvr>
+    <a:masterClrMapping/>
+  </p:clrMapOvr>
+  <p:timing>
+    <p:tnLst>
+      <p:par>
+        <p:cTn id="1" dur="indefinite" restart="never" nodeType="tmRoot"/>
+      </p:par>
+    </p:tnLst>
+  </p:timing>
+</p:sld>
+</file>
+
+<file path=ppt/slides/slide11.xml><?xml version="1.0" encoding="utf-8"?>
+<p:sld xmlns:a="http://schemas.openxmlformats.org/drawingml/2006/main" xmlns:r="http://schemas.openxmlformats.org/officeDocument/2006/relationships" xmlns:p="http://schemas.openxmlformats.org/presentationml/2006/main">
+  <p:cSld>
+    <p:spTree>
+      <p:nvGrpSpPr>
+        <p:cNvPr id="1" name=""/>
+        <p:cNvGrpSpPr/>
+        <p:nvPr/>
+      </p:nvGrpSpPr>
+      <p:grpSpPr>
+        <a:xfrm>
+          <a:off x="0" y="0"/>
+          <a:ext cx="0" cy="0"/>
+          <a:chOff x="0" y="0"/>
+          <a:chExt cx="0" cy="0"/>
+        </a:xfrm>
+      </p:grpSpPr>
+      <p:sp>
+        <p:nvSpPr>
+          <p:cNvPr id="2" name="Titel 1"/>
+          <p:cNvSpPr>
+            <a:spLocks noGrp="1"/>
+          </p:cNvSpPr>
+          <p:nvPr>
+            <p:ph type="title"/>
+          </p:nvPr>
+        </p:nvSpPr>
+        <p:spPr/>
+        <p:txBody>
+          <a:bodyPr>
+            <a:normAutofit/>
+          </a:bodyPr>
+          <a:lstStyle/>
+          <a:p>
+            <a:r>
+              <a:rPr lang="de-DE" sz="2800" dirty="0" smtClean="0">
                 <a:latin typeface="Lato" pitchFamily="34" charset="0"/>
               </a:rPr>
-              <a:t>1. 	Einführung</a:t>
-            </a:r>
-          </a:p>
-          <a:p>
-            <a:pPr marL="342900" indent="-342900"/>
-            <a:r>
-              <a:rPr lang="de-DE" sz="1400" dirty="0" smtClean="0">
+              <a:t>Geschichte der FM-Synthese</a:t>
+            </a:r>
+            <a:endParaRPr lang="de-DE" sz="2800" dirty="0">
+              <a:latin typeface="Lato" pitchFamily="34" charset="0"/>
+            </a:endParaRPr>
+          </a:p>
+        </p:txBody>
+      </p:sp>
+      <p:sp>
+        <p:nvSpPr>
+          <p:cNvPr id="3" name="Inhaltsplatzhalter 2"/>
+          <p:cNvSpPr>
+            <a:spLocks noGrp="1"/>
+          </p:cNvSpPr>
+          <p:nvPr>
+            <p:ph idx="1"/>
+          </p:nvPr>
+        </p:nvSpPr>
+        <p:spPr>
+          <a:xfrm>
+            <a:off x="467544" y="1749028"/>
+            <a:ext cx="8229600" cy="1614810"/>
+          </a:xfrm>
+        </p:spPr>
+        <p:txBody>
+          <a:bodyPr>
+            <a:normAutofit/>
+          </a:bodyPr>
+          <a:lstStyle/>
+          <a:p>
+            <a:r>
+              <a:rPr lang="de-DE" sz="2000" dirty="0" smtClean="0">
                 <a:latin typeface="Lato" pitchFamily="34" charset="0"/>
               </a:rPr>
-              <a:t>	- Prinzip</a:t>
-            </a:r>
-          </a:p>
-          <a:p>
-            <a:pPr marL="342900" indent="-342900"/>
-            <a:r>
-              <a:rPr lang="de-DE" sz="1400" dirty="0" smtClean="0">
+              <a:t>Erste Entdeckung im Jahre 1967</a:t>
+            </a:r>
+          </a:p>
+          <a:p>
+            <a:r>
+              <a:rPr lang="de-DE" sz="2000" dirty="0" err="1" smtClean="0">
                 <a:latin typeface="Lato" pitchFamily="34" charset="0"/>
               </a:rPr>
-              <a:t>	- Beispiele</a:t>
-            </a:r>
-          </a:p>
-          <a:p>
-            <a:pPr marL="342900" indent="-342900"/>
-            <a:r>
-              <a:rPr lang="de-DE" sz="1400" dirty="0" smtClean="0">
+              <a:t>Chowning</a:t>
+            </a:r>
+            <a:r>
+              <a:rPr lang="de-DE" sz="2000" dirty="0" smtClean="0">
                 <a:latin typeface="Lato" pitchFamily="34" charset="0"/>
               </a:rPr>
-              <a:t>	- Geschichte</a:t>
-            </a:r>
-          </a:p>
-          <a:p>
-            <a:pPr marL="342900" indent="-342900"/>
-            <a:r>
-              <a:rPr lang="de-DE" sz="1400" dirty="0" smtClean="0">
+              <a:t> experimentierte mit </a:t>
+            </a:r>
+            <a:r>
+              <a:rPr lang="de-DE" sz="2000" dirty="0" err="1" smtClean="0">
                 <a:latin typeface="Lato" pitchFamily="34" charset="0"/>
               </a:rPr>
-              <a:t>	Einfache FM-Synthese</a:t>
-            </a:r>
-          </a:p>
-          <a:p>
-            <a:pPr marL="342900" indent="-342900"/>
-            <a:r>
-              <a:rPr lang="de-DE" sz="1400" dirty="0" smtClean="0">
+              <a:t>Vibratos</a:t>
+            </a:r>
+            <a:endParaRPr lang="de-DE" sz="2000" dirty="0" smtClean="0">
+              <a:latin typeface="Lato" pitchFamily="34" charset="0"/>
+            </a:endParaRPr>
+          </a:p>
+          <a:p>
+            <a:r>
+              <a:rPr lang="de-DE" sz="2000" dirty="0" smtClean="0">
                 <a:latin typeface="Lato" pitchFamily="34" charset="0"/>
               </a:rPr>
-              <a:t>	- Grundlegende Erläuterungen</a:t>
-            </a:r>
-          </a:p>
-          <a:p>
-            <a:pPr marL="342900" indent="-342900"/>
-            <a:r>
-              <a:rPr lang="de-DE" sz="1400" dirty="0" smtClean="0">
+              <a:t>Vibrato: Periodische Änderung eines Tons</a:t>
+            </a:r>
+          </a:p>
+          <a:p>
+            <a:r>
+              <a:rPr lang="de-DE" sz="2000" dirty="0" smtClean="0">
                 <a:latin typeface="Lato" pitchFamily="34" charset="0"/>
               </a:rPr>
-              <a:t>2.	- Besonderheiten der FM-Synthese</a:t>
-            </a:r>
-          </a:p>
-          <a:p>
-            <a:pPr marL="342900" indent="-342900"/>
-            <a:r>
-              <a:rPr lang="de-DE" sz="1400" dirty="0" smtClean="0">
+              <a:t>Neue Obertöne bei höheren Modulationsfrequenzen</a:t>
+            </a:r>
+          </a:p>
+        </p:txBody>
+      </p:sp>
+      <p:sp>
+        <p:nvSpPr>
+          <p:cNvPr id="4" name="Datumsplatzhalter 3"/>
+          <p:cNvSpPr>
+            <a:spLocks noGrp="1"/>
+          </p:cNvSpPr>
+          <p:nvPr>
+            <p:ph type="dt" sz="half" idx="10"/>
+          </p:nvPr>
+        </p:nvSpPr>
+        <p:spPr>
+          <a:xfrm>
+            <a:off x="6588224" y="4876006"/>
+            <a:ext cx="2133600" cy="273844"/>
+          </a:xfrm>
+        </p:spPr>
+        <p:txBody>
+          <a:bodyPr/>
+          <a:lstStyle/>
+          <a:p>
+            <a:fld id="{1BA9CB46-1999-48FE-934D-6C67DE059830}" type="datetime1">
+              <a:rPr lang="de-DE" smtClean="0"/>
+              <a:t>19.06.2015</a:t>
+            </a:fld>
+            <a:endParaRPr lang="de-DE"/>
+          </a:p>
+        </p:txBody>
+      </p:sp>
+      <p:sp>
+        <p:nvSpPr>
+          <p:cNvPr id="5" name="Fußzeilenplatzhalter 4"/>
+          <p:cNvSpPr>
+            <a:spLocks noGrp="1"/>
+          </p:cNvSpPr>
+          <p:nvPr>
+            <p:ph type="ftr" sz="quarter" idx="11"/>
+          </p:nvPr>
+        </p:nvSpPr>
+        <p:spPr>
+          <a:xfrm>
+            <a:off x="3131840" y="4876006"/>
+            <a:ext cx="2895600" cy="273844"/>
+          </a:xfrm>
+        </p:spPr>
+        <p:txBody>
+          <a:bodyPr/>
+          <a:lstStyle/>
+          <a:p>
+            <a:r>
+              <a:rPr lang="de-DE" dirty="0" smtClean="0"/>
+              <a:t>FM-Synthese</a:t>
+            </a:r>
+            <a:endParaRPr lang="de-DE" dirty="0"/>
+          </a:p>
+        </p:txBody>
+      </p:sp>
+      <p:sp>
+        <p:nvSpPr>
+          <p:cNvPr id="6" name="Foliennummernplatzhalter 5"/>
+          <p:cNvSpPr>
+            <a:spLocks noGrp="1"/>
+          </p:cNvSpPr>
+          <p:nvPr>
+            <p:ph type="sldNum" sz="quarter" idx="12"/>
+          </p:nvPr>
+        </p:nvSpPr>
+        <p:spPr>
+          <a:xfrm>
+            <a:off x="0" y="4869656"/>
+            <a:ext cx="467544" cy="273844"/>
+          </a:xfrm>
+        </p:spPr>
+        <p:txBody>
+          <a:bodyPr/>
+          <a:lstStyle/>
+          <a:p>
+            <a:fld id="{6C6AE60A-B69C-4790-82F7-3882EDF23186}" type="slidenum">
+              <a:rPr lang="de-DE" smtClean="0"/>
+              <a:pPr/>
+              <a:t>11</a:t>
+            </a:fld>
+            <a:endParaRPr lang="de-DE" dirty="0"/>
+          </a:p>
+        </p:txBody>
+      </p:sp>
+    </p:spTree>
+  </p:cSld>
+  <p:clrMapOvr>
+    <a:masterClrMapping/>
+  </p:clrMapOvr>
+  <p:timing>
+    <p:tnLst>
+      <p:par>
+        <p:cTn id="1" dur="indefinite" restart="never" nodeType="tmRoot"/>
+      </p:par>
+    </p:tnLst>
+  </p:timing>
+</p:sld>
+</file>
+
+<file path=ppt/slides/slide12.xml><?xml version="1.0" encoding="utf-8"?>
+<p:sld xmlns:a="http://schemas.openxmlformats.org/drawingml/2006/main" xmlns:r="http://schemas.openxmlformats.org/officeDocument/2006/relationships" xmlns:p="http://schemas.openxmlformats.org/presentationml/2006/main">
+  <p:cSld>
+    <p:spTree>
+      <p:nvGrpSpPr>
+        <p:cNvPr id="1" name=""/>
+        <p:cNvGrpSpPr/>
+        <p:nvPr/>
+      </p:nvGrpSpPr>
+      <p:grpSpPr>
+        <a:xfrm>
+          <a:off x="0" y="0"/>
+          <a:ext cx="0" cy="0"/>
+          <a:chOff x="0" y="0"/>
+          <a:chExt cx="0" cy="0"/>
+        </a:xfrm>
+      </p:grpSpPr>
+      <p:sp>
+        <p:nvSpPr>
+          <p:cNvPr id="2" name="Titel 1"/>
+          <p:cNvSpPr>
+            <a:spLocks noGrp="1"/>
+          </p:cNvSpPr>
+          <p:nvPr>
+            <p:ph type="title"/>
+          </p:nvPr>
+        </p:nvSpPr>
+        <p:spPr/>
+        <p:txBody>
+          <a:bodyPr>
+            <a:normAutofit/>
+          </a:bodyPr>
+          <a:lstStyle/>
+          <a:p>
+            <a:r>
+              <a:rPr lang="de-DE" sz="2800" dirty="0" smtClean="0">
                 <a:latin typeface="Lato" pitchFamily="34" charset="0"/>
               </a:rPr>
-              <a:t>3.	Komplexe FM-Synthese</a:t>
-            </a:r>
-          </a:p>
-          <a:p>
-            <a:pPr marL="342900" indent="-342900"/>
-            <a:r>
-              <a:rPr lang="de-DE" sz="1400" dirty="0" smtClean="0">
+              <a:t>Geschichte der FM-Synthese</a:t>
+            </a:r>
+            <a:endParaRPr lang="de-DE" sz="2800" dirty="0">
+              <a:latin typeface="Lato" pitchFamily="34" charset="0"/>
+            </a:endParaRPr>
+          </a:p>
+        </p:txBody>
+      </p:sp>
+      <p:sp>
+        <p:nvSpPr>
+          <p:cNvPr id="3" name="Inhaltsplatzhalter 2"/>
+          <p:cNvSpPr>
+            <a:spLocks noGrp="1"/>
+          </p:cNvSpPr>
+          <p:nvPr>
+            <p:ph idx="1"/>
+          </p:nvPr>
+        </p:nvSpPr>
+        <p:spPr>
+          <a:xfrm>
+            <a:off x="436899" y="1491630"/>
+            <a:ext cx="8023533" cy="2448272"/>
+          </a:xfrm>
+        </p:spPr>
+        <p:txBody>
+          <a:bodyPr>
+            <a:normAutofit/>
+          </a:bodyPr>
+          <a:lstStyle/>
+          <a:p>
+            <a:r>
+              <a:rPr lang="de-DE" sz="2000" dirty="0" smtClean="0">
                 <a:latin typeface="Lato" pitchFamily="34" charset="0"/>
               </a:rPr>
-              <a:t>	- Parallelschaltung</a:t>
-            </a:r>
-          </a:p>
-          <a:p>
-            <a:pPr marL="342900" indent="-342900"/>
-            <a:r>
-              <a:rPr lang="de-DE" sz="1400" dirty="0" smtClean="0">
+              <a:t>John </a:t>
+            </a:r>
+            <a:r>
+              <a:rPr lang="de-DE" sz="2000" dirty="0" err="1" smtClean="0">
                 <a:latin typeface="Lato" pitchFamily="34" charset="0"/>
               </a:rPr>
-              <a:t>	- Kaskadenschaltung</a:t>
-            </a:r>
-          </a:p>
-          <a:p>
-            <a:pPr marL="342900" indent="-342900"/>
-            <a:r>
-              <a:rPr lang="de-DE" sz="1400" dirty="0" smtClean="0">
+              <a:t>Chowning</a:t>
+            </a:r>
+            <a:r>
+              <a:rPr lang="de-DE" sz="2000" dirty="0" smtClean="0">
                 <a:latin typeface="Lato" pitchFamily="34" charset="0"/>
               </a:rPr>
-              <a:t>	- Native Instruments FM8</a:t>
-            </a:r>
-          </a:p>
-          <a:p>
-            <a:pPr marL="342900" indent="-342900"/>
-            <a:r>
-              <a:rPr lang="de-DE" sz="1400" dirty="0" smtClean="0">
+              <a:t> 2005 in einem Interview:</a:t>
+            </a:r>
+          </a:p>
+          <a:p>
+            <a:pPr>
+              <a:buNone/>
+            </a:pPr>
+            <a:r>
+              <a:rPr lang="en-US" sz="2000" dirty="0" smtClean="0">
                 <a:latin typeface="Lato" pitchFamily="34" charset="0"/>
               </a:rPr>
-              <a:t>4.	Praktische Anwendungen</a:t>
-            </a:r>
-          </a:p>
-          <a:p>
-            <a:pPr marL="342900" indent="-342900"/>
-            <a:r>
-              <a:rPr lang="de-DE" sz="1400" dirty="0" smtClean="0">
+              <a:t>	</a:t>
+            </a:r>
+          </a:p>
+          <a:p>
+            <a:pPr>
+              <a:buNone/>
+            </a:pPr>
+            <a:r>
+              <a:rPr lang="en-US" sz="2000" dirty="0" smtClean="0">
                 <a:latin typeface="Lato" pitchFamily="34" charset="0"/>
               </a:rPr>
-              <a:t>	- Nachbildung eines Instruments</a:t>
-            </a:r>
-          </a:p>
-          <a:p>
-            <a:pPr marL="342900" indent="-342900"/>
-            <a:r>
-              <a:rPr lang="de-DE" sz="1400" dirty="0" smtClean="0">
+              <a:t>	“</a:t>
+            </a:r>
+            <a:r>
+              <a:rPr lang="en-US" sz="2000" i="1" dirty="0" smtClean="0">
                 <a:latin typeface="Lato" pitchFamily="34" charset="0"/>
               </a:rPr>
-              <a:t>	- Modulationsframework</a:t>
-            </a:r>
-          </a:p>
-          <a:p>
-            <a:pPr marL="342900" indent="-342900"/>
-            <a:r>
-              <a:rPr lang="de-DE" sz="1400" dirty="0" smtClean="0">
+              <a:t>I was experimenting with just a </a:t>
+            </a:r>
+            <a:r>
+              <a:rPr lang="en-US" sz="2000" b="1" i="1" dirty="0" smtClean="0">
                 <a:latin typeface="Lato" pitchFamily="34" charset="0"/>
               </a:rPr>
-              <a:t>	- Demo</a:t>
-            </a:r>
-          </a:p>
-          <a:p>
-            <a:pPr marL="342900" indent="-342900"/>
-            <a:r>
-              <a:rPr lang="de-DE" sz="1400" dirty="0" smtClean="0">
+              <a:t>sinusoid</a:t>
+            </a:r>
+            <a:r>
+              <a:rPr lang="en-US" sz="2000" i="1" dirty="0" smtClean="0">
                 <a:latin typeface="Lato" pitchFamily="34" charset="0"/>
               </a:rPr>
-              <a:t>5.	Do </a:t>
-            </a:r>
-            <a:r>
-              <a:rPr lang="de-DE" sz="1400" dirty="0" err="1" smtClean="0">
+              <a:t> and </a:t>
+            </a:r>
+            <a:r>
+              <a:rPr lang="en-US" sz="2000" b="1" i="1" dirty="0" smtClean="0">
                 <a:latin typeface="Lato" pitchFamily="34" charset="0"/>
               </a:rPr>
-              <a:t>It</a:t>
-            </a:r>
-            <a:r>
-              <a:rPr lang="de-DE" sz="1400" dirty="0" smtClean="0">
+              <a:t>kept increasing the vibrato rate</a:t>
+            </a:r>
+            <a:r>
+              <a:rPr lang="en-US" sz="2000" i="1" dirty="0" smtClean="0">
+                <a:latin typeface="Lato" pitchFamily="34" charset="0"/>
+              </a:rPr>
+              <a:t>, so all of a sudden it didn’t sound like listening to a change in pitch in time, but rather </a:t>
+            </a:r>
+            <a:r>
+              <a:rPr lang="en-US" sz="2000" i="1" dirty="0" err="1" smtClean="0">
+                <a:latin typeface="Lato" pitchFamily="34" charset="0"/>
+              </a:rPr>
+              <a:t>i</a:t>
+            </a:r>
+            <a:r>
+              <a:rPr lang="en-US" sz="2000" i="1" dirty="0" smtClean="0">
+                <a:latin typeface="Lato" pitchFamily="34" charset="0"/>
+              </a:rPr>
+              <a:t> began to hear </a:t>
+            </a:r>
+            <a:r>
+              <a:rPr lang="en-US" sz="2000" b="1" i="1" dirty="0" err="1" smtClean="0">
+                <a:latin typeface="Lato" pitchFamily="34" charset="0"/>
+              </a:rPr>
+              <a:t>timbral</a:t>
+            </a:r>
+            <a:r>
+              <a:rPr lang="en-US" sz="2000" b="1" i="1" dirty="0" smtClean="0">
+                <a:latin typeface="Lato" pitchFamily="34" charset="0"/>
+              </a:rPr>
+              <a:t> differences</a:t>
+            </a:r>
+            <a:r>
+              <a:rPr lang="en-US" sz="2000" i="1" dirty="0" smtClean="0">
+                <a:latin typeface="Lato" pitchFamily="34" charset="0"/>
+              </a:rPr>
+              <a:t>.[…]”</a:t>
+            </a:r>
+            <a:endParaRPr lang="de-DE" sz="2000" i="1" dirty="0" smtClean="0">
+              <a:latin typeface="Lato" pitchFamily="34" charset="0"/>
+            </a:endParaRPr>
+          </a:p>
+        </p:txBody>
+      </p:sp>
+      <p:sp>
+        <p:nvSpPr>
+          <p:cNvPr id="4" name="Datumsplatzhalter 3"/>
+          <p:cNvSpPr>
+            <a:spLocks noGrp="1"/>
+          </p:cNvSpPr>
+          <p:nvPr>
+            <p:ph type="dt" sz="half" idx="10"/>
+          </p:nvPr>
+        </p:nvSpPr>
+        <p:spPr>
+          <a:xfrm>
+            <a:off x="6588224" y="4876006"/>
+            <a:ext cx="2133600" cy="273844"/>
+          </a:xfrm>
+        </p:spPr>
+        <p:txBody>
+          <a:bodyPr/>
+          <a:lstStyle/>
+          <a:p>
+            <a:fld id="{72653B21-52A1-4C85-A953-1B3DFEDFDB08}" type="datetime1">
+              <a:rPr lang="de-DE" smtClean="0"/>
+              <a:t>19.06.2015</a:t>
+            </a:fld>
+            <a:endParaRPr lang="de-DE"/>
+          </a:p>
+        </p:txBody>
+      </p:sp>
+      <p:sp>
+        <p:nvSpPr>
+          <p:cNvPr id="5" name="Fußzeilenplatzhalter 4"/>
+          <p:cNvSpPr>
+            <a:spLocks noGrp="1"/>
+          </p:cNvSpPr>
+          <p:nvPr>
+            <p:ph type="ftr" sz="quarter" idx="11"/>
+          </p:nvPr>
+        </p:nvSpPr>
+        <p:spPr>
+          <a:xfrm>
+            <a:off x="3131840" y="4876006"/>
+            <a:ext cx="2895600" cy="273844"/>
+          </a:xfrm>
+        </p:spPr>
+        <p:txBody>
+          <a:bodyPr/>
+          <a:lstStyle/>
+          <a:p>
+            <a:r>
+              <a:rPr lang="de-DE" dirty="0" smtClean="0"/>
+              <a:t>FM-Synthese</a:t>
+            </a:r>
+            <a:endParaRPr lang="de-DE" dirty="0"/>
+          </a:p>
+        </p:txBody>
+      </p:sp>
+      <p:sp>
+        <p:nvSpPr>
+          <p:cNvPr id="6" name="Foliennummernplatzhalter 5"/>
+          <p:cNvSpPr>
+            <a:spLocks noGrp="1"/>
+          </p:cNvSpPr>
+          <p:nvPr>
+            <p:ph type="sldNum" sz="quarter" idx="12"/>
+          </p:nvPr>
+        </p:nvSpPr>
+        <p:spPr>
+          <a:xfrm>
+            <a:off x="0" y="4869656"/>
+            <a:ext cx="467544" cy="273844"/>
+          </a:xfrm>
+        </p:spPr>
+        <p:txBody>
+          <a:bodyPr/>
+          <a:lstStyle/>
+          <a:p>
+            <a:fld id="{6C6AE60A-B69C-4790-82F7-3882EDF23186}" type="slidenum">
+              <a:rPr lang="de-DE" smtClean="0"/>
+              <a:pPr/>
+              <a:t>12</a:t>
+            </a:fld>
+            <a:endParaRPr lang="de-DE" dirty="0"/>
+          </a:p>
+        </p:txBody>
+      </p:sp>
+    </p:spTree>
+  </p:cSld>
+  <p:clrMapOvr>
+    <a:masterClrMapping/>
+  </p:clrMapOvr>
+  <p:timing>
+    <p:tnLst>
+      <p:par>
+        <p:cTn id="1" dur="indefinite" restart="never" nodeType="tmRoot"/>
+      </p:par>
+    </p:tnLst>
+  </p:timing>
+</p:sld>
+</file>
+
+<file path=ppt/slides/slide13.xml><?xml version="1.0" encoding="utf-8"?>
+<p:sld xmlns:a="http://schemas.openxmlformats.org/drawingml/2006/main" xmlns:r="http://schemas.openxmlformats.org/officeDocument/2006/relationships" xmlns:p="http://schemas.openxmlformats.org/presentationml/2006/main">
+  <p:cSld>
+    <p:spTree>
+      <p:nvGrpSpPr>
+        <p:cNvPr id="1" name=""/>
+        <p:cNvGrpSpPr/>
+        <p:nvPr/>
+      </p:nvGrpSpPr>
+      <p:grpSpPr>
+        <a:xfrm>
+          <a:off x="0" y="0"/>
+          <a:ext cx="0" cy="0"/>
+          <a:chOff x="0" y="0"/>
+          <a:chExt cx="0" cy="0"/>
+        </a:xfrm>
+      </p:grpSpPr>
+      <p:sp>
+        <p:nvSpPr>
+          <p:cNvPr id="2" name="Titel 1"/>
+          <p:cNvSpPr>
+            <a:spLocks noGrp="1"/>
+          </p:cNvSpPr>
+          <p:nvPr>
+            <p:ph type="title"/>
+          </p:nvPr>
+        </p:nvSpPr>
+        <p:spPr/>
+        <p:txBody>
+          <a:bodyPr>
+            <a:normAutofit/>
+          </a:bodyPr>
+          <a:lstStyle/>
+          <a:p>
+            <a:r>
+              <a:rPr lang="de-DE" sz="2800" dirty="0" smtClean="0">
+                <a:latin typeface="Lato" pitchFamily="34" charset="0"/>
+              </a:rPr>
+              <a:t>Geschichte der FM-Synthese</a:t>
+            </a:r>
+            <a:endParaRPr lang="de-DE" sz="2800" dirty="0">
+              <a:latin typeface="Lato" pitchFamily="34" charset="0"/>
+            </a:endParaRPr>
+          </a:p>
+        </p:txBody>
+      </p:sp>
+      <p:sp>
+        <p:nvSpPr>
+          <p:cNvPr id="4" name="Datumsplatzhalter 3"/>
+          <p:cNvSpPr>
+            <a:spLocks noGrp="1"/>
+          </p:cNvSpPr>
+          <p:nvPr>
+            <p:ph type="dt" sz="half" idx="10"/>
+          </p:nvPr>
+        </p:nvSpPr>
+        <p:spPr>
+          <a:xfrm>
+            <a:off x="6588224" y="4876006"/>
+            <a:ext cx="2133600" cy="273844"/>
+          </a:xfrm>
+        </p:spPr>
+        <p:txBody>
+          <a:bodyPr/>
+          <a:lstStyle/>
+          <a:p>
+            <a:fld id="{860830F5-49E7-4889-AA1F-2CB69E8126AF}" type="datetime1">
+              <a:rPr lang="de-DE" smtClean="0"/>
+              <a:t>19.06.2015</a:t>
+            </a:fld>
+            <a:endParaRPr lang="de-DE"/>
+          </a:p>
+        </p:txBody>
+      </p:sp>
+      <p:sp>
+        <p:nvSpPr>
+          <p:cNvPr id="5" name="Fußzeilenplatzhalter 4"/>
+          <p:cNvSpPr>
+            <a:spLocks noGrp="1"/>
+          </p:cNvSpPr>
+          <p:nvPr>
+            <p:ph type="ftr" sz="quarter" idx="11"/>
+          </p:nvPr>
+        </p:nvSpPr>
+        <p:spPr>
+          <a:xfrm>
+            <a:off x="3131840" y="4876006"/>
+            <a:ext cx="2895600" cy="273844"/>
+          </a:xfrm>
+        </p:spPr>
+        <p:txBody>
+          <a:bodyPr/>
+          <a:lstStyle/>
+          <a:p>
+            <a:r>
+              <a:rPr lang="de-DE" smtClean="0"/>
+              <a:t>FM-Synthese</a:t>
+            </a:r>
+            <a:endParaRPr lang="de-DE"/>
+          </a:p>
+        </p:txBody>
+      </p:sp>
+      <p:sp>
+        <p:nvSpPr>
+          <p:cNvPr id="6" name="Foliennummernplatzhalter 5"/>
+          <p:cNvSpPr>
+            <a:spLocks noGrp="1"/>
+          </p:cNvSpPr>
+          <p:nvPr>
+            <p:ph type="sldNum" sz="quarter" idx="12"/>
+          </p:nvPr>
+        </p:nvSpPr>
+        <p:spPr>
+          <a:xfrm>
+            <a:off x="0" y="4869656"/>
+            <a:ext cx="467544" cy="273844"/>
+          </a:xfrm>
+        </p:spPr>
+        <p:txBody>
+          <a:bodyPr/>
+          <a:lstStyle/>
+          <a:p>
+            <a:fld id="{6C6AE60A-B69C-4790-82F7-3882EDF23186}" type="slidenum">
+              <a:rPr lang="de-DE" smtClean="0"/>
+              <a:pPr/>
+              <a:t>13</a:t>
+            </a:fld>
+            <a:endParaRPr lang="de-DE" dirty="0"/>
+          </a:p>
+        </p:txBody>
+      </p:sp>
+      <p:sp>
+        <p:nvSpPr>
+          <p:cNvPr id="7" name="Inhaltsplatzhalter 2"/>
+          <p:cNvSpPr>
+            <a:spLocks noGrp="1"/>
+          </p:cNvSpPr>
+          <p:nvPr>
+            <p:ph idx="1"/>
+          </p:nvPr>
+        </p:nvSpPr>
+        <p:spPr>
+          <a:xfrm>
+            <a:off x="467544" y="1749028"/>
+            <a:ext cx="8229600" cy="1974850"/>
+          </a:xfrm>
+        </p:spPr>
+        <p:txBody>
+          <a:bodyPr>
+            <a:normAutofit/>
+          </a:bodyPr>
+          <a:lstStyle/>
+          <a:p>
+            <a:r>
+              <a:rPr lang="de-DE" sz="2000" dirty="0" smtClean="0">
+                <a:latin typeface="Lato" pitchFamily="34" charset="0"/>
+              </a:rPr>
+              <a:t>Nach 3 Jahren:  Durchblick der mathematischen Hintergründe</a:t>
+            </a:r>
+          </a:p>
+          <a:p>
+            <a:r>
+              <a:rPr lang="de-DE" sz="2000" dirty="0" smtClean="0">
+                <a:latin typeface="Lato" pitchFamily="34" charset="0"/>
+              </a:rPr>
+              <a:t>Nachbildung von verschiedenen Instrumenten</a:t>
+            </a:r>
+          </a:p>
+          <a:p>
+            <a:r>
+              <a:rPr lang="de-DE" sz="2000" dirty="0" smtClean="0">
+                <a:latin typeface="Lato" pitchFamily="34" charset="0"/>
+              </a:rPr>
+              <a:t>Veröffentlichung von „</a:t>
+            </a:r>
+            <a:r>
+              <a:rPr lang="de-DE" sz="2000" dirty="0" err="1" smtClean="0">
+                <a:latin typeface="Lato" pitchFamily="34" charset="0"/>
+              </a:rPr>
+              <a:t>Sabelithe</a:t>
+            </a:r>
+            <a:r>
+              <a:rPr lang="de-DE" sz="2000" dirty="0" smtClean="0">
+                <a:latin typeface="Lato" pitchFamily="34" charset="0"/>
+              </a:rPr>
+              <a:t>“ 1971</a:t>
+            </a:r>
+          </a:p>
+          <a:p>
+            <a:r>
+              <a:rPr lang="de-DE" sz="2000" dirty="0" smtClean="0">
+                <a:latin typeface="Lato" pitchFamily="34" charset="0"/>
+              </a:rPr>
+              <a:t>Veröffentlichung von „</a:t>
+            </a:r>
+            <a:r>
+              <a:rPr lang="de-DE" sz="2000" dirty="0" err="1" smtClean="0">
+                <a:latin typeface="Lato" pitchFamily="34" charset="0"/>
+              </a:rPr>
+              <a:t>Turenas</a:t>
+            </a:r>
+            <a:r>
+              <a:rPr lang="de-DE" sz="2000" dirty="0" smtClean="0">
+                <a:latin typeface="Lato" pitchFamily="34" charset="0"/>
+              </a:rPr>
+              <a:t>“ 1972 </a:t>
+            </a:r>
+          </a:p>
+        </p:txBody>
+      </p:sp>
+    </p:spTree>
+  </p:cSld>
+  <p:clrMapOvr>
+    <a:masterClrMapping/>
+  </p:clrMapOvr>
+  <p:timing>
+    <p:tnLst>
+      <p:par>
+        <p:cTn id="1" dur="indefinite" restart="never" nodeType="tmRoot"/>
+      </p:par>
+    </p:tnLst>
+  </p:timing>
+</p:sld>
+</file>
+
+<file path=ppt/slides/slide14.xml><?xml version="1.0" encoding="utf-8"?>
+<p:sld xmlns:a="http://schemas.openxmlformats.org/drawingml/2006/main" xmlns:r="http://schemas.openxmlformats.org/officeDocument/2006/relationships" xmlns:p="http://schemas.openxmlformats.org/presentationml/2006/main">
+  <p:cSld>
+    <p:spTree>
+      <p:nvGrpSpPr>
+        <p:cNvPr id="1" name=""/>
+        <p:cNvGrpSpPr/>
+        <p:nvPr/>
+      </p:nvGrpSpPr>
+      <p:grpSpPr>
+        <a:xfrm>
+          <a:off x="0" y="0"/>
+          <a:ext cx="0" cy="0"/>
+          <a:chOff x="0" y="0"/>
+          <a:chExt cx="0" cy="0"/>
+        </a:xfrm>
+      </p:grpSpPr>
+      <p:sp>
+        <p:nvSpPr>
+          <p:cNvPr id="2" name="Titel 1"/>
+          <p:cNvSpPr>
+            <a:spLocks noGrp="1"/>
+          </p:cNvSpPr>
+          <p:nvPr>
+            <p:ph type="title"/>
+          </p:nvPr>
+        </p:nvSpPr>
+        <p:spPr/>
+        <p:txBody>
+          <a:bodyPr>
+            <a:normAutofit/>
+          </a:bodyPr>
+          <a:lstStyle/>
+          <a:p>
+            <a:r>
+              <a:rPr lang="de-DE" sz="2800" dirty="0" smtClean="0">
+                <a:latin typeface="Lato" pitchFamily="34" charset="0"/>
+              </a:rPr>
+              <a:t>Geschichte der FM-Synthese</a:t>
+            </a:r>
+            <a:endParaRPr lang="de-DE" sz="2800" dirty="0">
+              <a:latin typeface="Lato" pitchFamily="34" charset="0"/>
+            </a:endParaRPr>
+          </a:p>
+        </p:txBody>
+      </p:sp>
+      <p:sp>
+        <p:nvSpPr>
+          <p:cNvPr id="4" name="Datumsplatzhalter 3"/>
+          <p:cNvSpPr>
+            <a:spLocks noGrp="1"/>
+          </p:cNvSpPr>
+          <p:nvPr>
+            <p:ph type="dt" sz="half" idx="10"/>
+          </p:nvPr>
+        </p:nvSpPr>
+        <p:spPr>
+          <a:xfrm>
+            <a:off x="6588224" y="4876006"/>
+            <a:ext cx="2133600" cy="273844"/>
+          </a:xfrm>
+        </p:spPr>
+        <p:txBody>
+          <a:bodyPr/>
+          <a:lstStyle/>
+          <a:p>
+            <a:fld id="{5A27912C-CDDD-45BB-A172-315B1F38A094}" type="datetime1">
+              <a:rPr lang="de-DE" smtClean="0"/>
+              <a:t>19.06.2015</a:t>
+            </a:fld>
+            <a:endParaRPr lang="de-DE"/>
+          </a:p>
+        </p:txBody>
+      </p:sp>
+      <p:sp>
+        <p:nvSpPr>
+          <p:cNvPr id="5" name="Fußzeilenplatzhalter 4"/>
+          <p:cNvSpPr>
+            <a:spLocks noGrp="1"/>
+          </p:cNvSpPr>
+          <p:nvPr>
+            <p:ph type="ftr" sz="quarter" idx="11"/>
+          </p:nvPr>
+        </p:nvSpPr>
+        <p:spPr>
+          <a:xfrm>
+            <a:off x="3131840" y="4876006"/>
+            <a:ext cx="2895600" cy="273844"/>
+          </a:xfrm>
+        </p:spPr>
+        <p:txBody>
+          <a:bodyPr/>
+          <a:lstStyle/>
+          <a:p>
+            <a:r>
+              <a:rPr lang="de-DE" smtClean="0"/>
+              <a:t>FM-Synthese</a:t>
+            </a:r>
+            <a:endParaRPr lang="de-DE"/>
+          </a:p>
+        </p:txBody>
+      </p:sp>
+      <p:sp>
+        <p:nvSpPr>
+          <p:cNvPr id="6" name="Foliennummernplatzhalter 5"/>
+          <p:cNvSpPr>
+            <a:spLocks noGrp="1"/>
+          </p:cNvSpPr>
+          <p:nvPr>
+            <p:ph type="sldNum" sz="quarter" idx="12"/>
+          </p:nvPr>
+        </p:nvSpPr>
+        <p:spPr>
+          <a:xfrm>
+            <a:off x="0" y="4869656"/>
+            <a:ext cx="467544" cy="273844"/>
+          </a:xfrm>
+        </p:spPr>
+        <p:txBody>
+          <a:bodyPr/>
+          <a:lstStyle/>
+          <a:p>
+            <a:fld id="{6C6AE60A-B69C-4790-82F7-3882EDF23186}" type="slidenum">
+              <a:rPr lang="de-DE" smtClean="0"/>
+              <a:pPr/>
+              <a:t>14</a:t>
+            </a:fld>
+            <a:endParaRPr lang="de-DE" dirty="0"/>
+          </a:p>
+        </p:txBody>
+      </p:sp>
+      <p:sp>
+        <p:nvSpPr>
+          <p:cNvPr id="7" name="Inhaltsplatzhalter 2"/>
+          <p:cNvSpPr>
+            <a:spLocks noGrp="1"/>
+          </p:cNvSpPr>
+          <p:nvPr>
+            <p:ph idx="1"/>
+          </p:nvPr>
+        </p:nvSpPr>
+        <p:spPr>
+          <a:xfrm>
+            <a:off x="467544" y="1347614"/>
+            <a:ext cx="8229600" cy="2838946"/>
+          </a:xfrm>
+        </p:spPr>
+        <p:txBody>
+          <a:bodyPr>
+            <a:normAutofit/>
+          </a:bodyPr>
+          <a:lstStyle/>
+          <a:p>
+            <a:r>
+              <a:rPr lang="de-DE" sz="2000" dirty="0" err="1" smtClean="0">
+                <a:latin typeface="Lato" pitchFamily="34" charset="0"/>
+              </a:rPr>
+              <a:t>Chowning</a:t>
+            </a:r>
+            <a:r>
+              <a:rPr lang="de-DE" sz="2000" dirty="0" smtClean="0">
+                <a:latin typeface="Lato" pitchFamily="34" charset="0"/>
+              </a:rPr>
+              <a:t> Intention: Komposition neuer Stücke</a:t>
+            </a:r>
+          </a:p>
+          <a:p>
+            <a:r>
+              <a:rPr lang="de-DE" sz="2000" dirty="0" smtClean="0">
+                <a:latin typeface="Lato" pitchFamily="34" charset="0"/>
+              </a:rPr>
+              <a:t>Jedoch: Hoffnung auf kommerzielle Anwendung</a:t>
+            </a:r>
+          </a:p>
+          <a:p>
+            <a:r>
+              <a:rPr lang="de-DE" sz="2000" dirty="0" smtClean="0">
+                <a:latin typeface="Lato" pitchFamily="34" charset="0"/>
+              </a:rPr>
+              <a:t>Lizensierung durch das OTL (Office </a:t>
+            </a:r>
+            <a:r>
+              <a:rPr lang="de-DE" sz="2000" dirty="0" err="1" smtClean="0">
+                <a:latin typeface="Lato" pitchFamily="34" charset="0"/>
+              </a:rPr>
+              <a:t>of</a:t>
+            </a:r>
+            <a:r>
+              <a:rPr lang="de-DE" sz="2000" dirty="0" smtClean="0">
+                <a:latin typeface="Lato" pitchFamily="34" charset="0"/>
+              </a:rPr>
+              <a:t> Technology Licensing)</a:t>
+            </a:r>
+          </a:p>
+          <a:p>
+            <a:r>
+              <a:rPr lang="de-DE" sz="2000" dirty="0" smtClean="0">
+                <a:latin typeface="Lato" pitchFamily="34" charset="0"/>
+              </a:rPr>
+              <a:t>Wenig Interesse zu Begin</a:t>
+            </a:r>
+          </a:p>
+          <a:p>
+            <a:r>
+              <a:rPr lang="de-DE" sz="2000" dirty="0" smtClean="0">
+                <a:latin typeface="Lato" pitchFamily="34" charset="0"/>
+              </a:rPr>
+              <a:t>Zitat Andy Moorer:</a:t>
+            </a:r>
+          </a:p>
+          <a:p>
+            <a:pPr>
+              <a:buNone/>
+            </a:pPr>
+            <a:r>
+              <a:rPr lang="en-US" sz="2000" dirty="0" smtClean="0">
+                <a:latin typeface="Lato" pitchFamily="34" charset="0"/>
+              </a:rPr>
+              <a:t>	“[...] </a:t>
+            </a:r>
+            <a:r>
+              <a:rPr lang="en-US" sz="2000" i="1" dirty="0" smtClean="0">
+                <a:latin typeface="Lato" pitchFamily="34" charset="0"/>
+              </a:rPr>
+              <a:t>It was really discouraging. John was so proud of having put this damn thing together and people didn’t really get the idea of </a:t>
+            </a:r>
+            <a:r>
+              <a:rPr lang="en-US" sz="2000" i="1" dirty="0" err="1" smtClean="0">
+                <a:latin typeface="Lato" pitchFamily="34" charset="0"/>
+              </a:rPr>
+              <a:t>spatializing</a:t>
+            </a:r>
+            <a:r>
+              <a:rPr lang="en-US" sz="2000" i="1" dirty="0" smtClean="0">
+                <a:latin typeface="Lato" pitchFamily="34" charset="0"/>
+              </a:rPr>
+              <a:t> the sound.”</a:t>
+            </a:r>
+            <a:endParaRPr lang="de-DE" sz="2000" i="1" dirty="0" smtClean="0">
+              <a:latin typeface="Lato" pitchFamily="34" charset="0"/>
+            </a:endParaRPr>
+          </a:p>
+          <a:p>
+            <a:endParaRPr lang="de-DE" sz="2000" dirty="0" smtClean="0">
+              <a:latin typeface="Lato" pitchFamily="34" charset="0"/>
+            </a:endParaRPr>
+          </a:p>
+          <a:p>
+            <a:endParaRPr lang="de-DE" sz="2000" dirty="0" smtClean="0">
+              <a:latin typeface="Lato" pitchFamily="34" charset="0"/>
+            </a:endParaRPr>
+          </a:p>
+        </p:txBody>
+      </p:sp>
+    </p:spTree>
+  </p:cSld>
+  <p:clrMapOvr>
+    <a:masterClrMapping/>
+  </p:clrMapOvr>
+  <p:timing>
+    <p:tnLst>
+      <p:par>
+        <p:cTn id="1" dur="indefinite" restart="never" nodeType="tmRoot"/>
+      </p:par>
+    </p:tnLst>
+  </p:timing>
+</p:sld>
+</file>
+
+<file path=ppt/slides/slide15.xml><?xml version="1.0" encoding="utf-8"?>
+<p:sld xmlns:a="http://schemas.openxmlformats.org/drawingml/2006/main" xmlns:r="http://schemas.openxmlformats.org/officeDocument/2006/relationships" xmlns:p="http://schemas.openxmlformats.org/presentationml/2006/main">
+  <p:cSld>
+    <p:spTree>
+      <p:nvGrpSpPr>
+        <p:cNvPr id="1" name=""/>
+        <p:cNvGrpSpPr/>
+        <p:nvPr/>
+      </p:nvGrpSpPr>
+      <p:grpSpPr>
+        <a:xfrm>
+          <a:off x="0" y="0"/>
+          <a:ext cx="0" cy="0"/>
+          <a:chOff x="0" y="0"/>
+          <a:chExt cx="0" cy="0"/>
+        </a:xfrm>
+      </p:grpSpPr>
+      <p:sp>
+        <p:nvSpPr>
+          <p:cNvPr id="4" name="Datumsplatzhalter 3"/>
+          <p:cNvSpPr>
+            <a:spLocks noGrp="1"/>
+          </p:cNvSpPr>
+          <p:nvPr>
+            <p:ph type="dt" sz="half" idx="10"/>
+          </p:nvPr>
+        </p:nvSpPr>
+        <p:spPr>
+          <a:xfrm>
+            <a:off x="6588224" y="4876006"/>
+            <a:ext cx="2133600" cy="273844"/>
+          </a:xfrm>
+        </p:spPr>
+        <p:txBody>
+          <a:bodyPr/>
+          <a:lstStyle/>
+          <a:p>
+            <a:fld id="{00B76B82-E15A-4F92-B838-853BA8CDA07B}" type="datetime1">
+              <a:rPr lang="de-DE" smtClean="0"/>
+              <a:t>19.06.2015</a:t>
+            </a:fld>
+            <a:endParaRPr lang="de-DE"/>
+          </a:p>
+        </p:txBody>
+      </p:sp>
+      <p:sp>
+        <p:nvSpPr>
+          <p:cNvPr id="5" name="Fußzeilenplatzhalter 4"/>
+          <p:cNvSpPr>
+            <a:spLocks noGrp="1"/>
+          </p:cNvSpPr>
+          <p:nvPr>
+            <p:ph type="ftr" sz="quarter" idx="11"/>
+          </p:nvPr>
+        </p:nvSpPr>
+        <p:spPr>
+          <a:xfrm>
+            <a:off x="3131840" y="4876006"/>
+            <a:ext cx="2895600" cy="273844"/>
+          </a:xfrm>
+        </p:spPr>
+        <p:txBody>
+          <a:bodyPr/>
+          <a:lstStyle/>
+          <a:p>
+            <a:r>
+              <a:rPr lang="de-DE" smtClean="0"/>
+              <a:t>FM-Synthese</a:t>
+            </a:r>
+            <a:endParaRPr lang="de-DE"/>
+          </a:p>
+        </p:txBody>
+      </p:sp>
+      <p:sp>
+        <p:nvSpPr>
+          <p:cNvPr id="6" name="Foliennummernplatzhalter 5"/>
+          <p:cNvSpPr>
+            <a:spLocks noGrp="1"/>
+          </p:cNvSpPr>
+          <p:nvPr>
+            <p:ph type="sldNum" sz="quarter" idx="12"/>
+          </p:nvPr>
+        </p:nvSpPr>
+        <p:spPr>
+          <a:xfrm>
+            <a:off x="0" y="4869656"/>
+            <a:ext cx="467544" cy="273844"/>
+          </a:xfrm>
+        </p:spPr>
+        <p:txBody>
+          <a:bodyPr/>
+          <a:lstStyle/>
+          <a:p>
+            <a:fld id="{6C6AE60A-B69C-4790-82F7-3882EDF23186}" type="slidenum">
+              <a:rPr lang="de-DE" smtClean="0"/>
+              <a:pPr/>
+              <a:t>15</a:t>
+            </a:fld>
+            <a:endParaRPr lang="de-DE" dirty="0"/>
+          </a:p>
+        </p:txBody>
+      </p:sp>
+      <p:sp>
+        <p:nvSpPr>
+          <p:cNvPr id="7" name="Inhaltsplatzhalter 2"/>
+          <p:cNvSpPr>
+            <a:spLocks noGrp="1"/>
+          </p:cNvSpPr>
+          <p:nvPr>
+            <p:ph idx="1"/>
+          </p:nvPr>
+        </p:nvSpPr>
+        <p:spPr>
+          <a:xfrm>
+            <a:off x="467544" y="1347614"/>
+            <a:ext cx="8229600" cy="2838946"/>
+          </a:xfrm>
+        </p:spPr>
+        <p:txBody>
+          <a:bodyPr>
+            <a:normAutofit/>
+          </a:bodyPr>
+          <a:lstStyle/>
+          <a:p>
+            <a:r>
+              <a:rPr lang="de-DE" sz="2000" dirty="0" smtClean="0">
+                <a:latin typeface="Lato" pitchFamily="34" charset="0"/>
+              </a:rPr>
+              <a:t>1973: Veröffentlichung der Erfindung</a:t>
+            </a:r>
+          </a:p>
+          <a:p>
+            <a:r>
+              <a:rPr lang="de-DE" sz="2000" dirty="0" smtClean="0">
+                <a:latin typeface="Lato" pitchFamily="34" charset="0"/>
+              </a:rPr>
+              <a:t>1974: Vorstellung der FM-Synthese bei Yamaha</a:t>
+            </a:r>
+          </a:p>
+          <a:p>
+            <a:r>
+              <a:rPr lang="de-DE" sz="2000" dirty="0" err="1" smtClean="0">
+                <a:latin typeface="Lato" pitchFamily="34" charset="0"/>
+              </a:rPr>
+              <a:t>Kazukiyo</a:t>
+            </a:r>
+            <a:r>
+              <a:rPr lang="de-DE" sz="2000" dirty="0" smtClean="0">
                 <a:latin typeface="Lato" pitchFamily="34" charset="0"/>
               </a:rPr>
               <a:t> </a:t>
             </a:r>
             <a:r>
-              <a:rPr lang="de-DE" sz="1400" dirty="0" err="1" smtClean="0">
+              <a:rPr lang="de-DE" sz="2000" dirty="0" err="1" smtClean="0">
                 <a:latin typeface="Lato" pitchFamily="34" charset="0"/>
               </a:rPr>
-              <a:t>Yourself</a:t>
-            </a:r>
+              <a:t>Ishimura</a:t>
+            </a:r>
+            <a:r>
+              <a:rPr lang="de-DE" sz="2000" dirty="0" smtClean="0">
+                <a:latin typeface="Lato" pitchFamily="34" charset="0"/>
+              </a:rPr>
+              <a:t> erkannte das Potenzial</a:t>
+            </a:r>
+          </a:p>
+          <a:p>
+            <a:r>
+              <a:rPr lang="de-DE" sz="2000" dirty="0" smtClean="0">
+                <a:latin typeface="Lato" pitchFamily="34" charset="0"/>
+              </a:rPr>
+              <a:t>Yamaha lizensiert die FM-Synthese im gleichen Jahr</a:t>
+            </a:r>
+          </a:p>
+          <a:p>
+            <a:r>
+              <a:rPr lang="de-DE" sz="2000" dirty="0" smtClean="0">
+                <a:latin typeface="Lato" pitchFamily="34" charset="0"/>
+              </a:rPr>
+              <a:t>1975: </a:t>
+            </a:r>
+            <a:r>
+              <a:rPr lang="de-DE" sz="2000" dirty="0" err="1" smtClean="0">
+                <a:latin typeface="Lato" pitchFamily="34" charset="0"/>
+              </a:rPr>
+              <a:t>Chowning</a:t>
+            </a:r>
+            <a:r>
+              <a:rPr lang="de-DE" sz="2000" dirty="0" smtClean="0">
+                <a:latin typeface="Lato" pitchFamily="34" charset="0"/>
+              </a:rPr>
+              <a:t> kehrt nach Stanford zurück</a:t>
+            </a:r>
+          </a:p>
+          <a:p>
+            <a:r>
+              <a:rPr lang="de-DE" sz="2000" dirty="0" smtClean="0">
+                <a:latin typeface="Lato" pitchFamily="34" charset="0"/>
+              </a:rPr>
+              <a:t>Gründung des CCRMA („Karma“) </a:t>
+            </a:r>
+          </a:p>
+          <a:p>
+            <a:pPr>
+              <a:buNone/>
+            </a:pPr>
+            <a:r>
+              <a:rPr lang="de-DE" sz="2000" dirty="0" smtClean="0">
+                <a:latin typeface="Lato" pitchFamily="34" charset="0"/>
+              </a:rPr>
+              <a:t>	– Center </a:t>
+            </a:r>
+            <a:r>
+              <a:rPr lang="de-DE" sz="2000" dirty="0" err="1" smtClean="0">
+                <a:latin typeface="Lato" pitchFamily="34" charset="0"/>
+              </a:rPr>
+              <a:t>for</a:t>
+            </a:r>
+            <a:r>
+              <a:rPr lang="de-DE" sz="2000" dirty="0" smtClean="0">
+                <a:latin typeface="Lato" pitchFamily="34" charset="0"/>
+              </a:rPr>
+              <a:t> Computer Research in Music </a:t>
+            </a:r>
+            <a:r>
+              <a:rPr lang="de-DE" sz="2000" dirty="0" err="1" smtClean="0">
+                <a:latin typeface="Lato" pitchFamily="34" charset="0"/>
+              </a:rPr>
+              <a:t>and</a:t>
+            </a:r>
+            <a:r>
+              <a:rPr lang="de-DE" sz="2000" dirty="0" smtClean="0">
+                <a:latin typeface="Lato" pitchFamily="34" charset="0"/>
+              </a:rPr>
+              <a:t> </a:t>
+            </a:r>
+            <a:r>
+              <a:rPr lang="de-DE" sz="2000" dirty="0" err="1" smtClean="0">
+                <a:latin typeface="Lato" pitchFamily="34" charset="0"/>
+              </a:rPr>
+              <a:t>Acoustics</a:t>
+            </a:r>
+            <a:endParaRPr lang="de-DE" sz="2000" dirty="0" smtClean="0">
+              <a:latin typeface="Lato" pitchFamily="34" charset="0"/>
+            </a:endParaRPr>
+          </a:p>
+        </p:txBody>
+      </p:sp>
+      <p:sp>
+        <p:nvSpPr>
+          <p:cNvPr id="8" name="Titel 1"/>
+          <p:cNvSpPr>
+            <a:spLocks noGrp="1"/>
+          </p:cNvSpPr>
+          <p:nvPr>
+            <p:ph type="title"/>
+          </p:nvPr>
+        </p:nvSpPr>
+        <p:spPr>
+          <a:xfrm>
+            <a:off x="457200" y="205979"/>
+            <a:ext cx="8229600" cy="857250"/>
+          </a:xfrm>
+        </p:spPr>
+        <p:txBody>
+          <a:bodyPr>
+            <a:normAutofit/>
+          </a:bodyPr>
+          <a:lstStyle/>
+          <a:p>
+            <a:r>
+              <a:rPr lang="de-DE" sz="2800" dirty="0" smtClean="0">
+                <a:latin typeface="Lato" pitchFamily="34" charset="0"/>
+              </a:rPr>
+              <a:t>Geschichte der FM-Synthese</a:t>
+            </a:r>
+            <a:endParaRPr lang="de-DE" sz="2800" dirty="0">
+              <a:latin typeface="Lato" pitchFamily="34" charset="0"/>
+            </a:endParaRPr>
+          </a:p>
+        </p:txBody>
+      </p:sp>
+    </p:spTree>
+  </p:cSld>
+  <p:clrMapOvr>
+    <a:masterClrMapping/>
+  </p:clrMapOvr>
+  <p:timing>
+    <p:tnLst>
+      <p:par>
+        <p:cTn id="1" dur="indefinite" restart="never" nodeType="tmRoot"/>
+      </p:par>
+    </p:tnLst>
+  </p:timing>
+</p:sld>
+</file>
+
+<file path=ppt/slides/slide16.xml><?xml version="1.0" encoding="utf-8"?>
+<p:sld xmlns:a="http://schemas.openxmlformats.org/drawingml/2006/main" xmlns:r="http://schemas.openxmlformats.org/officeDocument/2006/relationships" xmlns:p="http://schemas.openxmlformats.org/presentationml/2006/main">
+  <p:cSld>
+    <p:spTree>
+      <p:nvGrpSpPr>
+        <p:cNvPr id="1" name=""/>
+        <p:cNvGrpSpPr/>
+        <p:nvPr/>
+      </p:nvGrpSpPr>
+      <p:grpSpPr>
+        <a:xfrm>
+          <a:off x="0" y="0"/>
+          <a:ext cx="0" cy="0"/>
+          <a:chOff x="0" y="0"/>
+          <a:chExt cx="0" cy="0"/>
+        </a:xfrm>
+      </p:grpSpPr>
+      <p:sp>
+        <p:nvSpPr>
+          <p:cNvPr id="4" name="Datumsplatzhalter 3"/>
+          <p:cNvSpPr>
+            <a:spLocks noGrp="1"/>
+          </p:cNvSpPr>
+          <p:nvPr>
+            <p:ph type="dt" sz="half" idx="10"/>
+          </p:nvPr>
+        </p:nvSpPr>
+        <p:spPr>
+          <a:xfrm>
+            <a:off x="6588224" y="4876006"/>
+            <a:ext cx="2133600" cy="273844"/>
+          </a:xfrm>
+        </p:spPr>
+        <p:txBody>
+          <a:bodyPr/>
+          <a:lstStyle/>
+          <a:p>
+            <a:fld id="{CBD29002-DD08-4B8B-8D0E-E18685283E8F}" type="datetime1">
+              <a:rPr lang="de-DE" smtClean="0"/>
+              <a:t>19.06.2015</a:t>
+            </a:fld>
+            <a:endParaRPr lang="de-DE"/>
+          </a:p>
+        </p:txBody>
+      </p:sp>
+      <p:sp>
+        <p:nvSpPr>
+          <p:cNvPr id="5" name="Fußzeilenplatzhalter 4"/>
+          <p:cNvSpPr>
+            <a:spLocks noGrp="1"/>
+          </p:cNvSpPr>
+          <p:nvPr>
+            <p:ph type="ftr" sz="quarter" idx="11"/>
+          </p:nvPr>
+        </p:nvSpPr>
+        <p:spPr>
+          <a:xfrm>
+            <a:off x="3131840" y="4876006"/>
+            <a:ext cx="2895600" cy="273844"/>
+          </a:xfrm>
+        </p:spPr>
+        <p:txBody>
+          <a:bodyPr/>
+          <a:lstStyle/>
+          <a:p>
+            <a:r>
+              <a:rPr lang="de-DE" smtClean="0"/>
+              <a:t>FM-Synthese</a:t>
+            </a:r>
+            <a:endParaRPr lang="de-DE"/>
+          </a:p>
+        </p:txBody>
+      </p:sp>
+      <p:sp>
+        <p:nvSpPr>
+          <p:cNvPr id="6" name="Foliennummernplatzhalter 5"/>
+          <p:cNvSpPr>
+            <a:spLocks noGrp="1"/>
+          </p:cNvSpPr>
+          <p:nvPr>
+            <p:ph type="sldNum" sz="quarter" idx="12"/>
+          </p:nvPr>
+        </p:nvSpPr>
+        <p:spPr>
+          <a:xfrm>
+            <a:off x="0" y="4869656"/>
+            <a:ext cx="467544" cy="273844"/>
+          </a:xfrm>
+        </p:spPr>
+        <p:txBody>
+          <a:bodyPr/>
+          <a:lstStyle/>
+          <a:p>
+            <a:fld id="{6C6AE60A-B69C-4790-82F7-3882EDF23186}" type="slidenum">
+              <a:rPr lang="de-DE" smtClean="0"/>
+              <a:pPr/>
+              <a:t>16</a:t>
+            </a:fld>
+            <a:endParaRPr lang="de-DE" dirty="0"/>
+          </a:p>
+        </p:txBody>
+      </p:sp>
+      <p:pic>
+        <p:nvPicPr>
+          <p:cNvPr id="29698" name="Picture 2" descr="D:\Julius\Documents\GitHub\VSeminar\Dok\Kapitel\img\Founders_CCRMA.png"/>
+          <p:cNvPicPr>
+            <a:picLocks noChangeAspect="1" noChangeArrowheads="1"/>
+          </p:cNvPicPr>
+          <p:nvPr/>
+        </p:nvPicPr>
+        <p:blipFill rotWithShape="1">
+          <a:blip r:embed="rId2" cstate="print"/>
+          <a:srcRect b="8510"/>
+          <a:stretch/>
+        </p:blipFill>
+        <p:spPr bwMode="auto">
+          <a:xfrm>
+            <a:off x="2106086" y="915566"/>
+            <a:ext cx="4947107" cy="3096344"/>
+          </a:xfrm>
+          <a:prstGeom prst="rect">
+            <a:avLst/>
+          </a:prstGeom>
+          <a:noFill/>
+        </p:spPr>
+      </p:pic>
+      <p:sp>
+        <p:nvSpPr>
+          <p:cNvPr id="8" name="Titel 1"/>
+          <p:cNvSpPr>
+            <a:spLocks noGrp="1"/>
+          </p:cNvSpPr>
+          <p:nvPr>
+            <p:ph type="title"/>
+          </p:nvPr>
+        </p:nvSpPr>
+        <p:spPr>
+          <a:xfrm>
+            <a:off x="457200" y="205979"/>
+            <a:ext cx="8229600" cy="857250"/>
+          </a:xfrm>
+        </p:spPr>
+        <p:txBody>
+          <a:bodyPr>
+            <a:normAutofit/>
+          </a:bodyPr>
+          <a:lstStyle/>
+          <a:p>
+            <a:r>
+              <a:rPr lang="de-DE" sz="2800" dirty="0" smtClean="0">
+                <a:latin typeface="Lato" pitchFamily="34" charset="0"/>
+              </a:rPr>
+              <a:t>Gründer des CCRMA</a:t>
+            </a:r>
+            <a:endParaRPr lang="de-DE" sz="2800" dirty="0">
+              <a:latin typeface="Lato" pitchFamily="34" charset="0"/>
+            </a:endParaRPr>
+          </a:p>
+        </p:txBody>
+      </p:sp>
+      <p:pic>
+        <p:nvPicPr>
+          <p:cNvPr id="10" name="Grafik 9"/>
+          <p:cNvPicPr>
+            <a:picLocks noChangeAspect="1"/>
+          </p:cNvPicPr>
+          <p:nvPr/>
+        </p:nvPicPr>
+        <p:blipFill>
+          <a:blip r:embed="rId3"/>
+          <a:stretch>
+            <a:fillRect/>
+          </a:stretch>
+        </p:blipFill>
+        <p:spPr>
+          <a:xfrm>
+            <a:off x="3383868" y="4111519"/>
+            <a:ext cx="2376264" cy="234863"/>
+          </a:xfrm>
+          <a:prstGeom prst="rect">
+            <a:avLst/>
+          </a:prstGeom>
+        </p:spPr>
+      </p:pic>
+    </p:spTree>
+  </p:cSld>
+  <p:clrMapOvr>
+    <a:masterClrMapping/>
+  </p:clrMapOvr>
+  <p:timing>
+    <p:tnLst>
+      <p:par>
+        <p:cTn id="1" dur="indefinite" restart="never" nodeType="tmRoot"/>
+      </p:par>
+    </p:tnLst>
+  </p:timing>
+</p:sld>
+</file>
+
+<file path=ppt/slides/slide17.xml><?xml version="1.0" encoding="utf-8"?>
+<p:sld xmlns:a="http://schemas.openxmlformats.org/drawingml/2006/main" xmlns:r="http://schemas.openxmlformats.org/officeDocument/2006/relationships" xmlns:p="http://schemas.openxmlformats.org/presentationml/2006/main">
+  <p:cSld>
+    <p:spTree>
+      <p:nvGrpSpPr>
+        <p:cNvPr id="1" name=""/>
+        <p:cNvGrpSpPr/>
+        <p:nvPr/>
+      </p:nvGrpSpPr>
+      <p:grpSpPr>
+        <a:xfrm>
+          <a:off x="0" y="0"/>
+          <a:ext cx="0" cy="0"/>
+          <a:chOff x="0" y="0"/>
+          <a:chExt cx="0" cy="0"/>
+        </a:xfrm>
+      </p:grpSpPr>
+      <p:sp>
+        <p:nvSpPr>
+          <p:cNvPr id="4" name="Datumsplatzhalter 3"/>
+          <p:cNvSpPr>
+            <a:spLocks noGrp="1"/>
+          </p:cNvSpPr>
+          <p:nvPr>
+            <p:ph type="dt" sz="half" idx="10"/>
+          </p:nvPr>
+        </p:nvSpPr>
+        <p:spPr>
+          <a:xfrm>
+            <a:off x="6588224" y="4876006"/>
+            <a:ext cx="2133600" cy="273844"/>
+          </a:xfrm>
+        </p:spPr>
+        <p:txBody>
+          <a:bodyPr/>
+          <a:lstStyle/>
+          <a:p>
+            <a:fld id="{D7189504-FB42-40CE-B2BB-CA1D3CB1B385}" type="datetime1">
+              <a:rPr lang="de-DE" smtClean="0"/>
+              <a:t>19.06.2015</a:t>
+            </a:fld>
+            <a:endParaRPr lang="de-DE"/>
+          </a:p>
+        </p:txBody>
+      </p:sp>
+      <p:sp>
+        <p:nvSpPr>
+          <p:cNvPr id="5" name="Fußzeilenplatzhalter 4"/>
+          <p:cNvSpPr>
+            <a:spLocks noGrp="1"/>
+          </p:cNvSpPr>
+          <p:nvPr>
+            <p:ph type="ftr" sz="quarter" idx="11"/>
+          </p:nvPr>
+        </p:nvSpPr>
+        <p:spPr>
+          <a:xfrm>
+            <a:off x="3131840" y="4876006"/>
+            <a:ext cx="2895600" cy="273844"/>
+          </a:xfrm>
+        </p:spPr>
+        <p:txBody>
+          <a:bodyPr/>
+          <a:lstStyle/>
+          <a:p>
+            <a:r>
+              <a:rPr lang="de-DE" smtClean="0"/>
+              <a:t>FM-Synthese</a:t>
+            </a:r>
+            <a:endParaRPr lang="de-DE"/>
+          </a:p>
+        </p:txBody>
+      </p:sp>
+      <p:sp>
+        <p:nvSpPr>
+          <p:cNvPr id="6" name="Foliennummernplatzhalter 5"/>
+          <p:cNvSpPr>
+            <a:spLocks noGrp="1"/>
+          </p:cNvSpPr>
+          <p:nvPr>
+            <p:ph type="sldNum" sz="quarter" idx="12"/>
+          </p:nvPr>
+        </p:nvSpPr>
+        <p:spPr>
+          <a:xfrm>
+            <a:off x="0" y="4869656"/>
+            <a:ext cx="467544" cy="273844"/>
+          </a:xfrm>
+        </p:spPr>
+        <p:txBody>
+          <a:bodyPr/>
+          <a:lstStyle/>
+          <a:p>
+            <a:fld id="{6C6AE60A-B69C-4790-82F7-3882EDF23186}" type="slidenum">
+              <a:rPr lang="de-DE" smtClean="0"/>
+              <a:pPr/>
+              <a:t>17</a:t>
+            </a:fld>
+            <a:endParaRPr lang="de-DE" dirty="0"/>
+          </a:p>
+        </p:txBody>
+      </p:sp>
+      <p:sp>
+        <p:nvSpPr>
+          <p:cNvPr id="7" name="Inhaltsplatzhalter 2"/>
+          <p:cNvSpPr>
+            <a:spLocks noGrp="1"/>
+          </p:cNvSpPr>
+          <p:nvPr>
+            <p:ph idx="1"/>
+          </p:nvPr>
+        </p:nvSpPr>
+        <p:spPr>
+          <a:xfrm>
+            <a:off x="467544" y="1677020"/>
+            <a:ext cx="8229600" cy="2838946"/>
+          </a:xfrm>
+        </p:spPr>
+        <p:txBody>
+          <a:bodyPr>
+            <a:normAutofit/>
+          </a:bodyPr>
+          <a:lstStyle/>
+          <a:p>
+            <a:r>
+              <a:rPr lang="de-DE" sz="2000" dirty="0" smtClean="0">
+                <a:latin typeface="Lato" pitchFamily="34" charset="0"/>
+              </a:rPr>
+              <a:t>Großer Erfolg für Yamaha</a:t>
+            </a:r>
+          </a:p>
+          <a:p>
+            <a:r>
+              <a:rPr lang="de-DE" sz="2000" dirty="0" smtClean="0">
+                <a:latin typeface="Lato" pitchFamily="34" charset="0"/>
+              </a:rPr>
+              <a:t>Erste FM-Synthesizer: GS1 (1980) und GS2 (1982)</a:t>
+            </a:r>
+          </a:p>
+          <a:p>
+            <a:r>
+              <a:rPr lang="de-DE" sz="2000" dirty="0" smtClean="0">
+                <a:latin typeface="Lato" pitchFamily="34" charset="0"/>
+              </a:rPr>
+              <a:t>Kosten: 30.000 DM und 16.000 DM</a:t>
+            </a:r>
+          </a:p>
+          <a:p>
+            <a:r>
+              <a:rPr lang="de-DE" sz="2000" dirty="0" smtClean="0">
+                <a:latin typeface="Lato" pitchFamily="34" charset="0"/>
+              </a:rPr>
+              <a:t>Durchbruch 1983 mit dem DX7</a:t>
+            </a:r>
+          </a:p>
+          <a:p>
+            <a:pPr>
+              <a:buNone/>
+            </a:pPr>
+            <a:endParaRPr lang="de-DE" sz="2000" dirty="0" smtClean="0">
+              <a:latin typeface="Lato" pitchFamily="34" charset="0"/>
+            </a:endParaRPr>
+          </a:p>
+          <a:p>
+            <a:endParaRPr lang="de-DE" sz="2000" dirty="0" smtClean="0">
+              <a:latin typeface="Lato" pitchFamily="34" charset="0"/>
+            </a:endParaRPr>
+          </a:p>
+        </p:txBody>
+      </p:sp>
+      <p:sp>
+        <p:nvSpPr>
+          <p:cNvPr id="8" name="Titel 1"/>
+          <p:cNvSpPr>
+            <a:spLocks noGrp="1"/>
+          </p:cNvSpPr>
+          <p:nvPr>
+            <p:ph type="title"/>
+          </p:nvPr>
+        </p:nvSpPr>
+        <p:spPr>
+          <a:xfrm>
+            <a:off x="457200" y="205979"/>
+            <a:ext cx="8229600" cy="857250"/>
+          </a:xfrm>
+        </p:spPr>
+        <p:txBody>
+          <a:bodyPr>
+            <a:normAutofit/>
+          </a:bodyPr>
+          <a:lstStyle/>
+          <a:p>
+            <a:r>
+              <a:rPr lang="de-DE" sz="2800" dirty="0" smtClean="0">
+                <a:latin typeface="Lato" pitchFamily="34" charset="0"/>
+              </a:rPr>
+              <a:t>Geschichte der FM-Synthese</a:t>
+            </a:r>
+            <a:endParaRPr lang="de-DE" sz="2800" dirty="0">
+              <a:latin typeface="Lato" pitchFamily="34" charset="0"/>
+            </a:endParaRPr>
+          </a:p>
+        </p:txBody>
+      </p:sp>
+    </p:spTree>
+  </p:cSld>
+  <p:clrMapOvr>
+    <a:masterClrMapping/>
+  </p:clrMapOvr>
+  <p:timing>
+    <p:tnLst>
+      <p:par>
+        <p:cTn id="1" dur="indefinite" restart="never" nodeType="tmRoot"/>
+      </p:par>
+    </p:tnLst>
+  </p:timing>
+</p:sld>
+</file>
+
+<file path=ppt/slides/slide18.xml><?xml version="1.0" encoding="utf-8"?>
+<p:sld xmlns:a="http://schemas.openxmlformats.org/drawingml/2006/main" xmlns:r="http://schemas.openxmlformats.org/officeDocument/2006/relationships" xmlns:p="http://schemas.openxmlformats.org/presentationml/2006/main">
+  <p:cSld>
+    <p:spTree>
+      <p:nvGrpSpPr>
+        <p:cNvPr id="1" name=""/>
+        <p:cNvGrpSpPr/>
+        <p:nvPr/>
+      </p:nvGrpSpPr>
+      <p:grpSpPr>
+        <a:xfrm>
+          <a:off x="0" y="0"/>
+          <a:ext cx="0" cy="0"/>
+          <a:chOff x="0" y="0"/>
+          <a:chExt cx="0" cy="0"/>
+        </a:xfrm>
+      </p:grpSpPr>
+      <p:sp>
+        <p:nvSpPr>
+          <p:cNvPr id="4" name="Datumsplatzhalter 3"/>
+          <p:cNvSpPr>
+            <a:spLocks noGrp="1"/>
+          </p:cNvSpPr>
+          <p:nvPr>
+            <p:ph type="dt" sz="half" idx="10"/>
+          </p:nvPr>
+        </p:nvSpPr>
+        <p:spPr>
+          <a:xfrm>
+            <a:off x="6588224" y="4876006"/>
+            <a:ext cx="2133600" cy="273844"/>
+          </a:xfrm>
+        </p:spPr>
+        <p:txBody>
+          <a:bodyPr/>
+          <a:lstStyle/>
+          <a:p>
+            <a:fld id="{8C72BFCD-6DDC-4F0C-B207-AE3CB62F0D09}" type="datetime1">
+              <a:rPr lang="de-DE" smtClean="0"/>
+              <a:t>19.06.2015</a:t>
+            </a:fld>
+            <a:endParaRPr lang="de-DE"/>
+          </a:p>
+        </p:txBody>
+      </p:sp>
+      <p:sp>
+        <p:nvSpPr>
+          <p:cNvPr id="5" name="Fußzeilenplatzhalter 4"/>
+          <p:cNvSpPr>
+            <a:spLocks noGrp="1"/>
+          </p:cNvSpPr>
+          <p:nvPr>
+            <p:ph type="ftr" sz="quarter" idx="11"/>
+          </p:nvPr>
+        </p:nvSpPr>
+        <p:spPr>
+          <a:xfrm>
+            <a:off x="3131840" y="4876006"/>
+            <a:ext cx="2895600" cy="273844"/>
+          </a:xfrm>
+        </p:spPr>
+        <p:txBody>
+          <a:bodyPr/>
+          <a:lstStyle/>
+          <a:p>
+            <a:r>
+              <a:rPr lang="de-DE" smtClean="0"/>
+              <a:t>FM-Synthese</a:t>
+            </a:r>
+            <a:endParaRPr lang="de-DE"/>
+          </a:p>
+        </p:txBody>
+      </p:sp>
+      <p:sp>
+        <p:nvSpPr>
+          <p:cNvPr id="6" name="Foliennummernplatzhalter 5"/>
+          <p:cNvSpPr>
+            <a:spLocks noGrp="1"/>
+          </p:cNvSpPr>
+          <p:nvPr>
+            <p:ph type="sldNum" sz="quarter" idx="12"/>
+          </p:nvPr>
+        </p:nvSpPr>
+        <p:spPr>
+          <a:xfrm>
+            <a:off x="0" y="4869656"/>
+            <a:ext cx="467544" cy="273844"/>
+          </a:xfrm>
+        </p:spPr>
+        <p:txBody>
+          <a:bodyPr/>
+          <a:lstStyle/>
+          <a:p>
+            <a:fld id="{6C6AE60A-B69C-4790-82F7-3882EDF23186}" type="slidenum">
+              <a:rPr lang="de-DE" smtClean="0"/>
+              <a:pPr/>
+              <a:t>18</a:t>
+            </a:fld>
+            <a:endParaRPr lang="de-DE" dirty="0"/>
+          </a:p>
+        </p:txBody>
+      </p:sp>
+      <p:pic>
+        <p:nvPicPr>
+          <p:cNvPr id="20484" name="Picture 4" descr="http://www.electricdruid.net/images/interface/larger/YamahaDX7.jpg"/>
+          <p:cNvPicPr>
+            <a:picLocks noChangeAspect="1" noChangeArrowheads="1"/>
+          </p:cNvPicPr>
+          <p:nvPr/>
+        </p:nvPicPr>
+        <p:blipFill>
+          <a:blip r:embed="rId2" cstate="print"/>
+          <a:srcRect/>
+          <a:stretch>
+            <a:fillRect/>
+          </a:stretch>
+        </p:blipFill>
+        <p:spPr bwMode="auto">
+          <a:xfrm>
+            <a:off x="755576" y="1397265"/>
+            <a:ext cx="7704856" cy="2614645"/>
+          </a:xfrm>
+          <a:prstGeom prst="rect">
+            <a:avLst/>
+          </a:prstGeom>
+          <a:noFill/>
+        </p:spPr>
+      </p:pic>
+      <p:sp>
+        <p:nvSpPr>
+          <p:cNvPr id="9" name="Titel 1"/>
+          <p:cNvSpPr>
+            <a:spLocks noGrp="1"/>
+          </p:cNvSpPr>
+          <p:nvPr>
+            <p:ph type="title"/>
+          </p:nvPr>
+        </p:nvSpPr>
+        <p:spPr>
+          <a:xfrm>
+            <a:off x="457200" y="205979"/>
+            <a:ext cx="8229600" cy="857250"/>
+          </a:xfrm>
+        </p:spPr>
+        <p:txBody>
+          <a:bodyPr>
+            <a:normAutofit/>
+          </a:bodyPr>
+          <a:lstStyle/>
+          <a:p>
+            <a:r>
+              <a:rPr lang="de-DE" sz="2800" dirty="0" smtClean="0">
+                <a:latin typeface="Lato" pitchFamily="34" charset="0"/>
+              </a:rPr>
+              <a:t>Yamaha DX7</a:t>
+            </a:r>
+            <a:endParaRPr lang="de-DE" sz="2800" dirty="0">
+              <a:latin typeface="Lato" pitchFamily="34" charset="0"/>
+            </a:endParaRPr>
+          </a:p>
+        </p:txBody>
+      </p:sp>
+      <p:sp>
+        <p:nvSpPr>
+          <p:cNvPr id="8" name="Textfeld 7"/>
+          <p:cNvSpPr txBox="1"/>
+          <p:nvPr/>
+        </p:nvSpPr>
+        <p:spPr>
+          <a:xfrm>
+            <a:off x="2247043" y="3986343"/>
+            <a:ext cx="4721921" cy="400110"/>
+          </a:xfrm>
+          <a:prstGeom prst="rect">
+            <a:avLst/>
+          </a:prstGeom>
+          <a:noFill/>
+        </p:spPr>
+        <p:txBody>
+          <a:bodyPr wrap="square" rtlCol="0">
+            <a:spAutoFit/>
+          </a:bodyPr>
+          <a:lstStyle/>
+          <a:p>
+            <a:pPr algn="ctr"/>
+            <a:r>
+              <a:rPr lang="de-DE" sz="1000" dirty="0" smtClean="0"/>
+              <a:t>Quelle</a:t>
+            </a:r>
+            <a:r>
+              <a:rPr lang="de-DE" sz="1000" dirty="0"/>
+              <a:t>: http://</a:t>
+            </a:r>
+            <a:r>
+              <a:rPr lang="de-DE" sz="1000" dirty="0" smtClean="0"/>
+              <a:t>www.electricdruid.net/images/interface/larger/YamahaDX7.jpg</a:t>
+            </a:r>
+          </a:p>
+          <a:p>
+            <a:pPr algn="ctr"/>
+            <a:r>
+              <a:rPr lang="de-DE" sz="1000" dirty="0" smtClean="0"/>
+              <a:t>Stand: 18.06.2015</a:t>
+            </a:r>
+            <a:endParaRPr lang="de-DE" sz="1000" dirty="0"/>
+          </a:p>
+        </p:txBody>
+      </p:sp>
+    </p:spTree>
+  </p:cSld>
+  <p:clrMapOvr>
+    <a:masterClrMapping/>
+  </p:clrMapOvr>
+  <p:timing>
+    <p:tnLst>
+      <p:par>
+        <p:cTn id="1" dur="indefinite" restart="never" nodeType="tmRoot"/>
+      </p:par>
+    </p:tnLst>
+  </p:timing>
+</p:sld>
+</file>
+
+<file path=ppt/slides/slide19.xml><?xml version="1.0" encoding="utf-8"?>
+<p:sld xmlns:a="http://schemas.openxmlformats.org/drawingml/2006/main" xmlns:r="http://schemas.openxmlformats.org/officeDocument/2006/relationships" xmlns:p="http://schemas.openxmlformats.org/presentationml/2006/main">
+  <p:cSld>
+    <p:spTree>
+      <p:nvGrpSpPr>
+        <p:cNvPr id="1" name=""/>
+        <p:cNvGrpSpPr/>
+        <p:nvPr/>
+      </p:nvGrpSpPr>
+      <p:grpSpPr>
+        <a:xfrm>
+          <a:off x="0" y="0"/>
+          <a:ext cx="0" cy="0"/>
+          <a:chOff x="0" y="0"/>
+          <a:chExt cx="0" cy="0"/>
+        </a:xfrm>
+      </p:grpSpPr>
+      <p:sp>
+        <p:nvSpPr>
+          <p:cNvPr id="3" name="Inhaltsplatzhalter 2"/>
+          <p:cNvSpPr>
+            <a:spLocks noGrp="1"/>
+          </p:cNvSpPr>
+          <p:nvPr>
+            <p:ph idx="1"/>
+          </p:nvPr>
+        </p:nvSpPr>
+        <p:spPr>
+          <a:xfrm>
+            <a:off x="457200" y="987574"/>
+            <a:ext cx="8229600" cy="1224136"/>
+          </a:xfrm>
+        </p:spPr>
+        <p:txBody>
+          <a:bodyPr/>
+          <a:lstStyle/>
+          <a:p>
+            <a:r>
+              <a:rPr lang="de-DE" sz="2000" dirty="0"/>
+              <a:t>Parallele Verarbeitung von 16 </a:t>
+            </a:r>
+            <a:r>
+              <a:rPr lang="de-DE" sz="2000" dirty="0" smtClean="0"/>
+              <a:t>Stimmen</a:t>
+            </a:r>
+          </a:p>
+          <a:p>
+            <a:r>
+              <a:rPr lang="de-DE" sz="2000" dirty="0" smtClean="0"/>
+              <a:t>6 einstellbare Operatoren</a:t>
+            </a:r>
+          </a:p>
+          <a:p>
+            <a:r>
+              <a:rPr lang="de-DE" sz="2000" dirty="0" smtClean="0"/>
+              <a:t>32 verschiedene Algorithmen</a:t>
+            </a:r>
+          </a:p>
+          <a:p>
+            <a:endParaRPr lang="de-DE" dirty="0" smtClean="0"/>
+          </a:p>
+          <a:p>
+            <a:endParaRPr lang="de-DE" dirty="0" smtClean="0"/>
+          </a:p>
+          <a:p>
+            <a:endParaRPr lang="de-DE" dirty="0"/>
+          </a:p>
+        </p:txBody>
+      </p:sp>
+      <p:sp>
+        <p:nvSpPr>
+          <p:cNvPr id="4" name="Datumsplatzhalter 3"/>
+          <p:cNvSpPr>
+            <a:spLocks noGrp="1"/>
+          </p:cNvSpPr>
+          <p:nvPr>
+            <p:ph type="dt" sz="half" idx="10"/>
+          </p:nvPr>
+        </p:nvSpPr>
+        <p:spPr/>
+        <p:txBody>
+          <a:bodyPr/>
+          <a:lstStyle/>
+          <a:p>
+            <a:fld id="{9369858E-D1D1-4BAC-A564-46FF792CFAC7}" type="datetime1">
+              <a:rPr lang="de-DE" smtClean="0"/>
+              <a:t>19.06.2015</a:t>
+            </a:fld>
+            <a:endParaRPr lang="de-DE" dirty="0"/>
+          </a:p>
+        </p:txBody>
+      </p:sp>
+      <p:sp>
+        <p:nvSpPr>
+          <p:cNvPr id="5" name="Fußzeilenplatzhalter 4"/>
+          <p:cNvSpPr>
+            <a:spLocks noGrp="1"/>
+          </p:cNvSpPr>
+          <p:nvPr>
+            <p:ph type="ftr" sz="quarter" idx="11"/>
+          </p:nvPr>
+        </p:nvSpPr>
+        <p:spPr/>
+        <p:txBody>
+          <a:bodyPr/>
+          <a:lstStyle/>
+          <a:p>
+            <a:r>
+              <a:rPr lang="de-DE" smtClean="0"/>
+              <a:t>FM-Synthese</a:t>
+            </a:r>
+            <a:endParaRPr lang="de-DE" dirty="0"/>
+          </a:p>
+        </p:txBody>
+      </p:sp>
+      <p:sp>
+        <p:nvSpPr>
+          <p:cNvPr id="6" name="Foliennummernplatzhalter 5"/>
+          <p:cNvSpPr>
+            <a:spLocks noGrp="1"/>
+          </p:cNvSpPr>
+          <p:nvPr>
+            <p:ph type="sldNum" sz="quarter" idx="12"/>
+          </p:nvPr>
+        </p:nvSpPr>
+        <p:spPr/>
+        <p:txBody>
+          <a:bodyPr/>
+          <a:lstStyle/>
+          <a:p>
+            <a:fld id="{6C6AE60A-B69C-4790-82F7-3882EDF23186}" type="slidenum">
+              <a:rPr lang="de-DE" smtClean="0"/>
+              <a:pPr/>
+              <a:t>19</a:t>
+            </a:fld>
+            <a:r>
+              <a:rPr lang="de-DE" smtClean="0"/>
+              <a:t>   </a:t>
+            </a:r>
+            <a:endParaRPr lang="de-DE" dirty="0"/>
+          </a:p>
+        </p:txBody>
+      </p:sp>
+      <p:sp>
+        <p:nvSpPr>
+          <p:cNvPr id="7" name="Titel 1"/>
+          <p:cNvSpPr>
+            <a:spLocks noGrp="1"/>
+          </p:cNvSpPr>
+          <p:nvPr>
+            <p:ph type="title"/>
+          </p:nvPr>
+        </p:nvSpPr>
+        <p:spPr/>
+        <p:txBody>
+          <a:bodyPr>
+            <a:normAutofit/>
+          </a:bodyPr>
+          <a:lstStyle/>
+          <a:p>
+            <a:r>
+              <a:rPr lang="de-DE" sz="2800" dirty="0" smtClean="0">
+                <a:latin typeface="Lato" pitchFamily="34" charset="0"/>
+              </a:rPr>
+              <a:t>Yamaha DX7</a:t>
+            </a:r>
+            <a:endParaRPr lang="de-DE" sz="2800" dirty="0">
+              <a:latin typeface="Lato" pitchFamily="34" charset="0"/>
+            </a:endParaRPr>
+          </a:p>
+        </p:txBody>
+      </p:sp>
+      <p:pic>
+        <p:nvPicPr>
+          <p:cNvPr id="8" name="Grafik 7"/>
+          <p:cNvPicPr>
+            <a:picLocks noChangeAspect="1"/>
+          </p:cNvPicPr>
+          <p:nvPr/>
+        </p:nvPicPr>
+        <p:blipFill rotWithShape="1">
+          <a:blip r:embed="rId2">
+            <a:extLst>
+              <a:ext uri="{28A0092B-C50C-407E-A947-70E740481C1C}">
+                <a14:useLocalDpi xmlns:a14="http://schemas.microsoft.com/office/drawing/2010/main" val="0"/>
+              </a:ext>
+            </a:extLst>
+          </a:blip>
+          <a:srcRect l="5088" b="7049"/>
+          <a:stretch/>
+        </p:blipFill>
+        <p:spPr>
+          <a:xfrm>
+            <a:off x="827584" y="2211710"/>
+            <a:ext cx="4029918" cy="1898843"/>
+          </a:xfrm>
+          <a:prstGeom prst="rect">
+            <a:avLst/>
+          </a:prstGeom>
+        </p:spPr>
+      </p:pic>
+      <p:pic>
+        <p:nvPicPr>
+          <p:cNvPr id="9" name="Grafik 8"/>
+          <p:cNvPicPr>
+            <a:picLocks noChangeAspect="1"/>
+          </p:cNvPicPr>
+          <p:nvPr/>
+        </p:nvPicPr>
+        <p:blipFill rotWithShape="1">
+          <a:blip r:embed="rId3">
+            <a:extLst>
+              <a:ext uri="{28A0092B-C50C-407E-A947-70E740481C1C}">
+                <a14:useLocalDpi xmlns:a14="http://schemas.microsoft.com/office/drawing/2010/main" val="0"/>
+              </a:ext>
+            </a:extLst>
+          </a:blip>
+          <a:srcRect t="16484" b="24671"/>
+          <a:stretch/>
+        </p:blipFill>
+        <p:spPr>
+          <a:xfrm>
+            <a:off x="5220072" y="2211710"/>
+            <a:ext cx="3018102" cy="1895325"/>
+          </a:xfrm>
+          <a:prstGeom prst="rect">
+            <a:avLst/>
+          </a:prstGeom>
+        </p:spPr>
+      </p:pic>
+      <p:sp>
+        <p:nvSpPr>
+          <p:cNvPr id="10" name="Textfeld 9"/>
+          <p:cNvSpPr txBox="1"/>
+          <p:nvPr/>
+        </p:nvSpPr>
+        <p:spPr>
+          <a:xfrm>
+            <a:off x="233772" y="4150831"/>
+            <a:ext cx="8738678" cy="553998"/>
+          </a:xfrm>
+          <a:prstGeom prst="rect">
+            <a:avLst/>
+          </a:prstGeom>
+          <a:noFill/>
+        </p:spPr>
+        <p:txBody>
+          <a:bodyPr wrap="square" rtlCol="0">
+            <a:spAutoFit/>
+          </a:bodyPr>
+          <a:lstStyle/>
+          <a:p>
+            <a:pPr algn="ctr"/>
+            <a:r>
+              <a:rPr lang="de-DE" sz="1000" dirty="0" smtClean="0"/>
+              <a:t>Quellen</a:t>
+            </a:r>
+            <a:r>
+              <a:rPr lang="de-DE" sz="1000" dirty="0"/>
+              <a:t>: http://</a:t>
+            </a:r>
+            <a:r>
+              <a:rPr lang="de-DE" sz="1000" dirty="0" smtClean="0"/>
+              <a:t>www.publicsurplus.com/sms/docviewer/aucdoc/IMG_0966.jpg?auc=674141&amp;docid=4542888</a:t>
+            </a:r>
+          </a:p>
+          <a:p>
+            <a:pPr algn="ctr"/>
+            <a:r>
+              <a:rPr lang="de-DE" sz="1000" dirty="0" smtClean="0"/>
+              <a:t>http</a:t>
+            </a:r>
+            <a:r>
+              <a:rPr lang="de-DE" sz="1000" dirty="0"/>
+              <a:t>://</a:t>
+            </a:r>
+            <a:r>
+              <a:rPr lang="de-DE" sz="1000" dirty="0" smtClean="0"/>
+              <a:t>www.electricdruid.net/images/interface/larger/YamahaDX7.jpg</a:t>
+            </a:r>
+          </a:p>
+          <a:p>
+            <a:pPr algn="ctr"/>
+            <a:r>
+              <a:rPr lang="de-DE" sz="1000" dirty="0" smtClean="0"/>
+              <a:t>Stand: 18.06.2015</a:t>
+            </a:r>
+          </a:p>
+        </p:txBody>
+      </p:sp>
+    </p:spTree>
+    <p:extLst>
+      <p:ext uri="{BB962C8B-B14F-4D97-AF65-F5344CB8AC3E}">
+        <p14:creationId xmlns:p14="http://schemas.microsoft.com/office/powerpoint/2010/main" val="964342535"/>
+      </p:ext>
+    </p:extLst>
+  </p:cSld>
+  <p:clrMapOvr>
+    <a:masterClrMapping/>
+  </p:clrMapOvr>
+  <p:timing>
+    <p:tnLst>
+      <p:par>
+        <p:cTn id="1" dur="indefinite" restart="never" nodeType="tmRoot"/>
+      </p:par>
+    </p:tnLst>
+  </p:timing>
+</p:sld>
+</file>
+
+<file path=ppt/slides/slide2.xml><?xml version="1.0" encoding="utf-8"?>
+<p:sld xmlns:a="http://schemas.openxmlformats.org/drawingml/2006/main" xmlns:r="http://schemas.openxmlformats.org/officeDocument/2006/relationships" xmlns:p="http://schemas.openxmlformats.org/presentationml/2006/main">
+  <p:cSld>
+    <p:spTree>
+      <p:nvGrpSpPr>
+        <p:cNvPr id="1" name=""/>
+        <p:cNvGrpSpPr/>
+        <p:nvPr/>
+      </p:nvGrpSpPr>
+      <p:grpSpPr>
+        <a:xfrm>
+          <a:off x="0" y="0"/>
+          <a:ext cx="0" cy="0"/>
+          <a:chOff x="0" y="0"/>
+          <a:chExt cx="0" cy="0"/>
+        </a:xfrm>
+      </p:grpSpPr>
+      <p:sp>
+        <p:nvSpPr>
+          <p:cNvPr id="12" name="Titel 5"/>
+          <p:cNvSpPr txBox="1">
+            <a:spLocks/>
+          </p:cNvSpPr>
+          <p:nvPr/>
+        </p:nvSpPr>
+        <p:spPr>
+          <a:xfrm>
+            <a:off x="457200" y="205979"/>
+            <a:ext cx="8229600" cy="857250"/>
+          </a:xfrm>
+          <a:prstGeom prst="rect">
+            <a:avLst/>
+          </a:prstGeom>
+        </p:spPr>
+        <p:txBody>
+          <a:bodyPr vert="horz" lIns="91440" tIns="45720" rIns="91440" bIns="45720" rtlCol="0" anchor="ctr">
+            <a:normAutofit/>
+          </a:bodyPr>
+          <a:lstStyle>
+            <a:lvl1pPr algn="ctr" defTabSz="914400" rtl="0" eaLnBrk="1" latinLnBrk="0" hangingPunct="1">
+              <a:spcBef>
+                <a:spcPct val="0"/>
+              </a:spcBef>
+              <a:buNone/>
+              <a:defRPr sz="4400" kern="1200">
+                <a:solidFill>
+                  <a:schemeClr val="tx1"/>
+                </a:solidFill>
+                <a:latin typeface="+mj-lt"/>
+                <a:ea typeface="+mj-ea"/>
+                <a:cs typeface="+mj-cs"/>
+              </a:defRPr>
+            </a:lvl1pPr>
+          </a:lstStyle>
+          <a:p>
+            <a:r>
+              <a:rPr lang="de-DE" sz="3600" smtClean="0">
+                <a:latin typeface="Lato" pitchFamily="34" charset="0"/>
+              </a:rPr>
+              <a:t>Gliederung</a:t>
+            </a:r>
+            <a:endParaRPr lang="de-DE" sz="3600" dirty="0">
+              <a:latin typeface="Lato" pitchFamily="34" charset="0"/>
+            </a:endParaRPr>
+          </a:p>
+        </p:txBody>
+      </p:sp>
+      <p:sp>
+        <p:nvSpPr>
+          <p:cNvPr id="13" name="Inhaltsplatzhalter 6"/>
+          <p:cNvSpPr txBox="1">
+            <a:spLocks/>
+          </p:cNvSpPr>
+          <p:nvPr/>
+        </p:nvSpPr>
+        <p:spPr>
+          <a:xfrm>
+            <a:off x="457200" y="1347614"/>
+            <a:ext cx="8229600" cy="2664296"/>
+          </a:xfrm>
+          <a:prstGeom prst="rect">
+            <a:avLst/>
+          </a:prstGeom>
+        </p:spPr>
+        <p:txBody>
+          <a:bodyPr vert="horz" lIns="91440" tIns="45720" rIns="91440" bIns="45720" rtlCol="0">
+            <a:noAutofit/>
+          </a:bodyPr>
+          <a:lstStyle>
+            <a:lvl1pPr marL="0" indent="0" algn="ctr" defTabSz="914400" rtl="0" eaLnBrk="1" latinLnBrk="0" hangingPunct="1">
+              <a:spcBef>
+                <a:spcPct val="20000"/>
+              </a:spcBef>
+              <a:buFont typeface="Arial" pitchFamily="34" charset="0"/>
+              <a:buNone/>
+              <a:defRPr sz="3200" kern="1200">
+                <a:solidFill>
+                  <a:schemeClr val="tx1">
+                    <a:tint val="75000"/>
+                  </a:schemeClr>
+                </a:solidFill>
+                <a:latin typeface="+mn-lt"/>
+                <a:ea typeface="+mn-ea"/>
+                <a:cs typeface="+mn-cs"/>
+              </a:defRPr>
+            </a:lvl1pPr>
+            <a:lvl2pPr marL="457200" indent="0" algn="ctr" defTabSz="914400" rtl="0" eaLnBrk="1" latinLnBrk="0" hangingPunct="1">
+              <a:spcBef>
+                <a:spcPct val="20000"/>
+              </a:spcBef>
+              <a:buFont typeface="Arial" pitchFamily="34" charset="0"/>
+              <a:buNone/>
+              <a:defRPr sz="2800" kern="1200">
+                <a:solidFill>
+                  <a:schemeClr val="tx1">
+                    <a:tint val="75000"/>
+                  </a:schemeClr>
+                </a:solidFill>
+                <a:latin typeface="+mn-lt"/>
+                <a:ea typeface="+mn-ea"/>
+                <a:cs typeface="+mn-cs"/>
+              </a:defRPr>
+            </a:lvl2pPr>
+            <a:lvl3pPr marL="914400" indent="0" algn="ctr" defTabSz="914400" rtl="0" eaLnBrk="1" latinLnBrk="0" hangingPunct="1">
+              <a:spcBef>
+                <a:spcPct val="20000"/>
+              </a:spcBef>
+              <a:buFont typeface="Arial" pitchFamily="34" charset="0"/>
+              <a:buNone/>
+              <a:defRPr sz="2400" kern="1200">
+                <a:solidFill>
+                  <a:schemeClr val="tx1">
+                    <a:tint val="75000"/>
+                  </a:schemeClr>
+                </a:solidFill>
+                <a:latin typeface="+mn-lt"/>
+                <a:ea typeface="+mn-ea"/>
+                <a:cs typeface="+mn-cs"/>
+              </a:defRPr>
+            </a:lvl3pPr>
+            <a:lvl4pPr marL="1371600" indent="0" algn="ctr" defTabSz="914400" rtl="0" eaLnBrk="1" latinLnBrk="0" hangingPunct="1">
+              <a:spcBef>
+                <a:spcPct val="20000"/>
+              </a:spcBef>
+              <a:buFont typeface="Arial" pitchFamily="34" charset="0"/>
+              <a:buNone/>
+              <a:defRPr sz="2000" kern="1200">
+                <a:solidFill>
+                  <a:schemeClr val="tx1">
+                    <a:tint val="75000"/>
+                  </a:schemeClr>
+                </a:solidFill>
+                <a:latin typeface="+mn-lt"/>
+                <a:ea typeface="+mn-ea"/>
+                <a:cs typeface="+mn-cs"/>
+              </a:defRPr>
+            </a:lvl4pPr>
+            <a:lvl5pPr marL="1828800" indent="0" algn="ctr" defTabSz="914400" rtl="0" eaLnBrk="1" latinLnBrk="0" hangingPunct="1">
+              <a:spcBef>
+                <a:spcPct val="20000"/>
+              </a:spcBef>
+              <a:buFont typeface="Arial" pitchFamily="34" charset="0"/>
+              <a:buNone/>
+              <a:defRPr sz="2000" kern="1200">
+                <a:solidFill>
+                  <a:schemeClr val="tx1">
+                    <a:tint val="75000"/>
+                  </a:schemeClr>
+                </a:solidFill>
+                <a:latin typeface="+mn-lt"/>
+                <a:ea typeface="+mn-ea"/>
+                <a:cs typeface="+mn-cs"/>
+              </a:defRPr>
+            </a:lvl5pPr>
+            <a:lvl6pPr marL="2286000" indent="0" algn="ctr" defTabSz="914400" rtl="0" eaLnBrk="1" latinLnBrk="0" hangingPunct="1">
+              <a:spcBef>
+                <a:spcPct val="20000"/>
+              </a:spcBef>
+              <a:buFont typeface="Arial" pitchFamily="34" charset="0"/>
+              <a:buNone/>
+              <a:defRPr sz="2000" kern="1200">
+                <a:solidFill>
+                  <a:schemeClr val="tx1">
+                    <a:tint val="75000"/>
+                  </a:schemeClr>
+                </a:solidFill>
+                <a:latin typeface="+mn-lt"/>
+                <a:ea typeface="+mn-ea"/>
+                <a:cs typeface="+mn-cs"/>
+              </a:defRPr>
+            </a:lvl6pPr>
+            <a:lvl7pPr marL="2743200" indent="0" algn="ctr" defTabSz="914400" rtl="0" eaLnBrk="1" latinLnBrk="0" hangingPunct="1">
+              <a:spcBef>
+                <a:spcPct val="20000"/>
+              </a:spcBef>
+              <a:buFont typeface="Arial" pitchFamily="34" charset="0"/>
+              <a:buNone/>
+              <a:defRPr sz="2000" kern="1200">
+                <a:solidFill>
+                  <a:schemeClr val="tx1">
+                    <a:tint val="75000"/>
+                  </a:schemeClr>
+                </a:solidFill>
+                <a:latin typeface="+mn-lt"/>
+                <a:ea typeface="+mn-ea"/>
+                <a:cs typeface="+mn-cs"/>
+              </a:defRPr>
+            </a:lvl7pPr>
+            <a:lvl8pPr marL="3200400" indent="0" algn="ctr" defTabSz="914400" rtl="0" eaLnBrk="1" latinLnBrk="0" hangingPunct="1">
+              <a:spcBef>
+                <a:spcPct val="20000"/>
+              </a:spcBef>
+              <a:buFont typeface="Arial" pitchFamily="34" charset="0"/>
+              <a:buNone/>
+              <a:defRPr sz="2000" kern="1200">
+                <a:solidFill>
+                  <a:schemeClr val="tx1">
+                    <a:tint val="75000"/>
+                  </a:schemeClr>
+                </a:solidFill>
+                <a:latin typeface="+mn-lt"/>
+                <a:ea typeface="+mn-ea"/>
+                <a:cs typeface="+mn-cs"/>
+              </a:defRPr>
+            </a:lvl8pPr>
+            <a:lvl9pPr marL="3657600" indent="0" algn="ctr" defTabSz="914400" rtl="0" eaLnBrk="1" latinLnBrk="0" hangingPunct="1">
+              <a:spcBef>
+                <a:spcPct val="20000"/>
+              </a:spcBef>
+              <a:buFont typeface="Arial" pitchFamily="34" charset="0"/>
+              <a:buNone/>
+              <a:defRPr sz="2000" kern="1200">
+                <a:solidFill>
+                  <a:schemeClr val="tx1">
+                    <a:tint val="75000"/>
+                  </a:schemeClr>
+                </a:solidFill>
+                <a:latin typeface="+mn-lt"/>
+                <a:ea typeface="+mn-ea"/>
+                <a:cs typeface="+mn-cs"/>
+              </a:defRPr>
+            </a:lvl9pPr>
+          </a:lstStyle>
+          <a:p>
+            <a:pPr algn="l">
+              <a:tabLst>
+                <a:tab pos="2511425" algn="r"/>
+                <a:tab pos="2954338" algn="l"/>
+              </a:tabLst>
+            </a:pPr>
+            <a:r>
+              <a:rPr lang="de-DE" sz="2400" dirty="0" smtClean="0">
+                <a:latin typeface="Lato" pitchFamily="34" charset="0"/>
+              </a:rPr>
+              <a:t>	Julius Hackel 	</a:t>
+            </a:r>
+            <a:r>
+              <a:rPr lang="de-DE" sz="2400" dirty="0" smtClean="0">
+                <a:solidFill>
+                  <a:schemeClr val="tx1"/>
+                </a:solidFill>
+                <a:latin typeface="Lato" pitchFamily="34" charset="0"/>
+              </a:rPr>
+              <a:t>Einführung</a:t>
+            </a:r>
+            <a:endParaRPr lang="de-DE" sz="2400" dirty="0" smtClean="0">
+              <a:latin typeface="Lato" pitchFamily="34" charset="0"/>
+            </a:endParaRPr>
+          </a:p>
+          <a:p>
+            <a:pPr algn="l">
+              <a:tabLst>
+                <a:tab pos="2511425" algn="r"/>
+                <a:tab pos="2954338" algn="l"/>
+              </a:tabLst>
+            </a:pPr>
+            <a:endParaRPr lang="de-DE" sz="1400" dirty="0" smtClean="0">
+              <a:solidFill>
+                <a:schemeClr val="tx1"/>
+              </a:solidFill>
+              <a:latin typeface="Lato" pitchFamily="34" charset="0"/>
+            </a:endParaRPr>
+          </a:p>
+          <a:p>
+            <a:pPr algn="l">
+              <a:tabLst>
+                <a:tab pos="2511425" algn="r"/>
+                <a:tab pos="2954338" algn="l"/>
+              </a:tabLst>
+            </a:pPr>
+            <a:r>
+              <a:rPr lang="de-DE" sz="2400" dirty="0" smtClean="0">
+                <a:latin typeface="Lato" pitchFamily="34" charset="0"/>
+              </a:rPr>
+              <a:t>	Markus Bullmann 	</a:t>
+            </a:r>
+            <a:r>
+              <a:rPr lang="de-DE" sz="2400" dirty="0" smtClean="0">
+                <a:solidFill>
+                  <a:schemeClr val="tx1"/>
+                </a:solidFill>
+                <a:latin typeface="Lato" pitchFamily="34" charset="0"/>
+              </a:rPr>
+              <a:t>Besonderheiten </a:t>
+            </a:r>
+            <a:r>
+              <a:rPr lang="de-DE" sz="2400" dirty="0">
+                <a:solidFill>
+                  <a:schemeClr val="tx1"/>
+                </a:solidFill>
+                <a:latin typeface="Lato" pitchFamily="34" charset="0"/>
+              </a:rPr>
+              <a:t>der FM-Synthese</a:t>
+            </a:r>
+          </a:p>
+          <a:p>
+            <a:pPr algn="l">
+              <a:tabLst>
+                <a:tab pos="2511425" algn="r"/>
+                <a:tab pos="2954338" algn="l"/>
+              </a:tabLst>
+            </a:pPr>
             <a:endParaRPr lang="de-DE" sz="1400" dirty="0" smtClean="0">
               <a:latin typeface="Lato" pitchFamily="34" charset="0"/>
             </a:endParaRPr>
           </a:p>
           <a:p>
-            <a:pPr marL="342900" indent="-342900"/>
-            <a:endParaRPr lang="de-DE" sz="1400" dirty="0">
+            <a:pPr algn="l">
+              <a:tabLst>
+                <a:tab pos="2511425" algn="r"/>
+                <a:tab pos="2954338" algn="l"/>
+              </a:tabLst>
+            </a:pPr>
+            <a:r>
+              <a:rPr lang="de-DE" sz="2400" dirty="0" smtClean="0">
+                <a:latin typeface="Lato" pitchFamily="34" charset="0"/>
+              </a:rPr>
+              <a:t>	Matthias Kemmer 	</a:t>
+            </a:r>
+            <a:r>
+              <a:rPr lang="de-DE" sz="2400" dirty="0" smtClean="0">
+                <a:solidFill>
+                  <a:schemeClr val="tx1"/>
+                </a:solidFill>
+                <a:latin typeface="Lato" pitchFamily="34" charset="0"/>
+              </a:rPr>
+              <a:t>Komplexe </a:t>
+            </a:r>
+            <a:r>
+              <a:rPr lang="de-DE" sz="2400" dirty="0">
+                <a:solidFill>
+                  <a:schemeClr val="tx1"/>
+                </a:solidFill>
+                <a:latin typeface="Lato" pitchFamily="34" charset="0"/>
+              </a:rPr>
+              <a:t>FM-Synthese</a:t>
+            </a:r>
+          </a:p>
+          <a:p>
+            <a:pPr algn="l">
+              <a:tabLst>
+                <a:tab pos="2511425" algn="r"/>
+                <a:tab pos="2954338" algn="l"/>
+              </a:tabLst>
+            </a:pPr>
+            <a:endParaRPr lang="de-DE" sz="1400" dirty="0" smtClean="0">
               <a:latin typeface="Lato" pitchFamily="34" charset="0"/>
             </a:endParaRPr>
           </a:p>
+          <a:p>
+            <a:pPr algn="l">
+              <a:tabLst>
+                <a:tab pos="2511425" algn="r"/>
+                <a:tab pos="2954338" algn="l"/>
+              </a:tabLst>
+            </a:pPr>
+            <a:r>
+              <a:rPr lang="de-DE" sz="2400" dirty="0" smtClean="0">
+                <a:latin typeface="Lato" pitchFamily="34" charset="0"/>
+              </a:rPr>
+              <a:t>	Stefan Gerasch 	</a:t>
+            </a:r>
+            <a:r>
+              <a:rPr lang="de-DE" sz="2400" dirty="0" smtClean="0">
+                <a:solidFill>
+                  <a:schemeClr val="tx1"/>
+                </a:solidFill>
+                <a:latin typeface="Lato" pitchFamily="34" charset="0"/>
+              </a:rPr>
+              <a:t>Praktische Anwendung</a:t>
+            </a:r>
+            <a:endParaRPr lang="de-DE" sz="2400" dirty="0">
+              <a:solidFill>
+                <a:schemeClr val="tx1"/>
+              </a:solidFill>
+              <a:latin typeface="Lato" pitchFamily="34" charset="0"/>
+            </a:endParaRPr>
+          </a:p>
         </p:txBody>
       </p:sp>
     </p:spTree>
+    <p:extLst>
+      <p:ext uri="{BB962C8B-B14F-4D97-AF65-F5344CB8AC3E}">
+        <p14:creationId xmlns:p14="http://schemas.microsoft.com/office/powerpoint/2010/main" val="4192117115"/>
+      </p:ext>
+    </p:extLst>
   </p:cSld>
   <p:clrMapOvr>
     <a:masterClrMapping/>
@@ -7517,7 +7632,7 @@
           <a:graphicData uri="http://schemas.openxmlformats.org/presentationml/2006/ole">
             <mc:AlternateContent xmlns:mc="http://schemas.openxmlformats.org/markup-compatibility/2006">
               <mc:Choice xmlns:v="urn:schemas-microsoft-com:vml" Requires="v">
-                <p:oleObj spid="_x0000_s31901" name="Formel" r:id="rId6" imgW="114120" imgH="215640" progId="Equation.3">
+                <p:oleObj spid="_x0000_s31902" name="Formel" r:id="rId6" imgW="114120" imgH="215640" progId="Equation.3">
                   <p:embed/>
                 </p:oleObj>
               </mc:Choice>
@@ -7828,7 +7943,7 @@
           <a:graphicData uri="http://schemas.openxmlformats.org/presentationml/2006/ole">
             <mc:AlternateContent xmlns:mc="http://schemas.openxmlformats.org/markup-compatibility/2006">
               <mc:Choice xmlns:v="urn:schemas-microsoft-com:vml" Requires="v">
-                <p:oleObj spid="_x0000_s33020" name="Formel" r:id="rId5" imgW="114120" imgH="215640" progId="Equation.3">
+                <p:oleObj spid="_x0000_s33022" name="Formel" r:id="rId5" imgW="114120" imgH="215640" progId="Equation.3">
                   <p:embed/>
                 </p:oleObj>
               </mc:Choice>
@@ -7898,7 +8013,7 @@
           <a:graphicData uri="http://schemas.openxmlformats.org/presentationml/2006/ole">
             <mc:AlternateContent xmlns:mc="http://schemas.openxmlformats.org/markup-compatibility/2006">
               <mc:Choice xmlns:v="urn:schemas-microsoft-com:vml" Requires="v">
-                <p:oleObj spid="_x0000_s33021" name="Formel" r:id="rId7" imgW="114120" imgH="215640" progId="Equation.3">
+                <p:oleObj spid="_x0000_s33023" name="Formel" r:id="rId7" imgW="114120" imgH="215640" progId="Equation.3">
                   <p:embed/>
                 </p:oleObj>
               </mc:Choice>
@@ -12940,7 +13055,7 @@
           <a:graphicData uri="http://schemas.openxmlformats.org/presentationml/2006/ole">
             <mc:AlternateContent xmlns:mc="http://schemas.openxmlformats.org/markup-compatibility/2006">
               <mc:Choice xmlns:v="urn:schemas-microsoft-com:vml" Requires="v">
-                <p:oleObj spid="_x0000_s2173" name="Formel" r:id="rId10" imgW="114120" imgH="215640" progId="Equation.3">
+                <p:oleObj spid="_x0000_s2174" name="Formel" r:id="rId10" imgW="114120" imgH="215640" progId="Equation.3">
                   <p:embed/>
                 </p:oleObj>
               </mc:Choice>
@@ -14939,19 +15054,7 @@
               <a:rPr lang="de-DE" sz="2000" dirty="0" smtClean="0">
                 <a:latin typeface="Lato" pitchFamily="34" charset="0"/>
               </a:rPr>
-              <a:t>Erste, mit FM-Synthese </a:t>
-            </a:r>
-            <a:r>
-              <a:rPr lang="de-DE" sz="2000" dirty="0" smtClean="0">
-                <a:latin typeface="Lato" pitchFamily="34" charset="0"/>
-              </a:rPr>
-              <a:t>erstellte </a:t>
-            </a:r>
-            <a:r>
-              <a:rPr lang="de-DE" sz="2000" dirty="0" smtClean="0">
-                <a:latin typeface="Lato" pitchFamily="34" charset="0"/>
-              </a:rPr>
-              <a:t>Stücke</a:t>
+              <a:t>Erste, mit FM-Synthese erstellte Stücke</a:t>
             </a:r>
           </a:p>
           <a:p>

--- a/Praesentation/FMSynthese-Julius.pptx
+++ b/Praesentation/FMSynthese-Julius.pptx
@@ -5,40 +5,41 @@
     <p:sldMasterId id="2147483648" r:id="rId1"/>
   </p:sldMasterIdLst>
   <p:notesMasterIdLst>
-    <p:notesMasterId r:id="rId33"/>
+    <p:notesMasterId r:id="rId34"/>
   </p:notesMasterIdLst>
   <p:sldIdLst>
     <p:sldId id="290" r:id="rId2"/>
     <p:sldId id="291" r:id="rId3"/>
     <p:sldId id="285" r:id="rId4"/>
-    <p:sldId id="279" r:id="rId5"/>
-    <p:sldId id="258" r:id="rId6"/>
-    <p:sldId id="259" r:id="rId7"/>
-    <p:sldId id="260" r:id="rId8"/>
-    <p:sldId id="282" r:id="rId9"/>
-    <p:sldId id="262" r:id="rId10"/>
-    <p:sldId id="263" r:id="rId11"/>
-    <p:sldId id="264" r:id="rId12"/>
-    <p:sldId id="265" r:id="rId13"/>
-    <p:sldId id="266" r:id="rId14"/>
-    <p:sldId id="267" r:id="rId15"/>
-    <p:sldId id="268" r:id="rId16"/>
-    <p:sldId id="272" r:id="rId17"/>
-    <p:sldId id="269" r:id="rId18"/>
-    <p:sldId id="270" r:id="rId19"/>
-    <p:sldId id="288" r:id="rId20"/>
-    <p:sldId id="271" r:id="rId21"/>
-    <p:sldId id="273" r:id="rId22"/>
-    <p:sldId id="274" r:id="rId23"/>
-    <p:sldId id="275" r:id="rId24"/>
-    <p:sldId id="276" r:id="rId25"/>
-    <p:sldId id="277" r:id="rId26"/>
-    <p:sldId id="278" r:id="rId27"/>
-    <p:sldId id="284" r:id="rId28"/>
-    <p:sldId id="280" r:id="rId29"/>
-    <p:sldId id="283" r:id="rId30"/>
-    <p:sldId id="286" r:id="rId31"/>
-    <p:sldId id="289" r:id="rId32"/>
+    <p:sldId id="292" r:id="rId5"/>
+    <p:sldId id="279" r:id="rId6"/>
+    <p:sldId id="258" r:id="rId7"/>
+    <p:sldId id="259" r:id="rId8"/>
+    <p:sldId id="260" r:id="rId9"/>
+    <p:sldId id="282" r:id="rId10"/>
+    <p:sldId id="262" r:id="rId11"/>
+    <p:sldId id="263" r:id="rId12"/>
+    <p:sldId id="264" r:id="rId13"/>
+    <p:sldId id="265" r:id="rId14"/>
+    <p:sldId id="266" r:id="rId15"/>
+    <p:sldId id="267" r:id="rId16"/>
+    <p:sldId id="268" r:id="rId17"/>
+    <p:sldId id="272" r:id="rId18"/>
+    <p:sldId id="269" r:id="rId19"/>
+    <p:sldId id="270" r:id="rId20"/>
+    <p:sldId id="288" r:id="rId21"/>
+    <p:sldId id="271" r:id="rId22"/>
+    <p:sldId id="273" r:id="rId23"/>
+    <p:sldId id="274" r:id="rId24"/>
+    <p:sldId id="275" r:id="rId25"/>
+    <p:sldId id="276" r:id="rId26"/>
+    <p:sldId id="277" r:id="rId27"/>
+    <p:sldId id="278" r:id="rId28"/>
+    <p:sldId id="284" r:id="rId29"/>
+    <p:sldId id="280" r:id="rId30"/>
+    <p:sldId id="283" r:id="rId31"/>
+    <p:sldId id="286" r:id="rId32"/>
+    <p:sldId id="289" r:id="rId33"/>
   </p:sldIdLst>
   <p:sldSz cx="9144000" cy="5143500" type="screen16x9"/>
   <p:notesSz cx="6858000" cy="9144000"/>
@@ -415,7 +416,7 @@
             <a:fld id="{B162E40F-E87F-4C0D-9DAF-92DD7B84B6D5}" type="slidenum">
               <a:rPr lang="de-DE" smtClean="0"/>
               <a:pPr/>
-              <a:t>‹#›</a:t>
+              <a:t>‹Nr.›</a:t>
             </a:fld>
             <a:endParaRPr lang="de-DE"/>
           </a:p>
@@ -1055,7 +1056,7 @@
             <a:fld id="{6C6AE60A-B69C-4790-82F7-3882EDF23186}" type="slidenum">
               <a:rPr lang="de-DE" smtClean="0"/>
               <a:pPr/>
-              <a:t>‹#›</a:t>
+              <a:t>‹Nr.›</a:t>
             </a:fld>
             <a:endParaRPr lang="de-DE"/>
           </a:p>
@@ -1236,7 +1237,7 @@
             <a:fld id="{6C6AE60A-B69C-4790-82F7-3882EDF23186}" type="slidenum">
               <a:rPr lang="de-DE" smtClean="0"/>
               <a:pPr/>
-              <a:t>‹#›</a:t>
+              <a:t>‹Nr.›</a:t>
             </a:fld>
             <a:endParaRPr lang="de-DE"/>
           </a:p>
@@ -1423,7 +1424,7 @@
             <a:fld id="{6C6AE60A-B69C-4790-82F7-3882EDF23186}" type="slidenum">
               <a:rPr lang="de-DE" smtClean="0"/>
               <a:pPr/>
-              <a:t>‹#›</a:t>
+              <a:t>‹Nr.›</a:t>
             </a:fld>
             <a:r>
               <a:rPr lang="de-DE" smtClean="0"/>
@@ -1438,6 +1439,13 @@
   <p:clrMapOvr>
     <a:masterClrMapping/>
   </p:clrMapOvr>
+  <p:timing>
+    <p:tnLst>
+      <p:par>
+        <p:cTn id="1" dur="indefinite" restart="never" nodeType="tmRoot"/>
+      </p:par>
+    </p:tnLst>
+  </p:timing>
   <p:hf hdr="0"/>
 </p:sldLayout>
 </file>
@@ -1675,7 +1683,7 @@
             <a:fld id="{6C6AE60A-B69C-4790-82F7-3882EDF23186}" type="slidenum">
               <a:rPr lang="de-DE" smtClean="0"/>
               <a:pPr/>
-              <a:t>‹#›</a:t>
+              <a:t>‹Nr.›</a:t>
             </a:fld>
             <a:endParaRPr lang="de-DE" dirty="0"/>
           </a:p>
@@ -1964,7 +1972,7 @@
             <a:fld id="{6C6AE60A-B69C-4790-82F7-3882EDF23186}" type="slidenum">
               <a:rPr lang="de-DE" smtClean="0"/>
               <a:pPr/>
-              <a:t>‹#›</a:t>
+              <a:t>‹Nr.›</a:t>
             </a:fld>
             <a:endParaRPr lang="de-DE"/>
           </a:p>
@@ -2387,7 +2395,7 @@
             <a:fld id="{6C6AE60A-B69C-4790-82F7-3882EDF23186}" type="slidenum">
               <a:rPr lang="de-DE" smtClean="0"/>
               <a:pPr/>
-              <a:t>‹#›</a:t>
+              <a:t>‹Nr.›</a:t>
             </a:fld>
             <a:endParaRPr lang="de-DE"/>
           </a:p>
@@ -2506,7 +2514,7 @@
             <a:fld id="{6C6AE60A-B69C-4790-82F7-3882EDF23186}" type="slidenum">
               <a:rPr lang="de-DE" smtClean="0"/>
               <a:pPr/>
-              <a:t>‹#›</a:t>
+              <a:t>‹Nr.›</a:t>
             </a:fld>
             <a:endParaRPr lang="de-DE"/>
           </a:p>
@@ -2602,7 +2610,7 @@
             <a:fld id="{6C6AE60A-B69C-4790-82F7-3882EDF23186}" type="slidenum">
               <a:rPr lang="de-DE" smtClean="0"/>
               <a:pPr/>
-              <a:t>‹#›</a:t>
+              <a:t>‹Nr.›</a:t>
             </a:fld>
             <a:endParaRPr lang="de-DE"/>
           </a:p>
@@ -2880,7 +2888,7 @@
             <a:fld id="{6C6AE60A-B69C-4790-82F7-3882EDF23186}" type="slidenum">
               <a:rPr lang="de-DE" smtClean="0"/>
               <a:pPr/>
-              <a:t>‹#›</a:t>
+              <a:t>‹Nr.›</a:t>
             </a:fld>
             <a:endParaRPr lang="de-DE"/>
           </a:p>
@@ -3134,7 +3142,7 @@
             <a:fld id="{6C6AE60A-B69C-4790-82F7-3882EDF23186}" type="slidenum">
               <a:rPr lang="de-DE" smtClean="0"/>
               <a:pPr/>
-              <a:t>‹#›</a:t>
+              <a:t>‹Nr.›</a:t>
             </a:fld>
             <a:endParaRPr lang="de-DE"/>
           </a:p>
@@ -3384,7 +3392,7 @@
             <a:fld id="{6C6AE60A-B69C-4790-82F7-3882EDF23186}" type="slidenum">
               <a:rPr lang="de-DE" smtClean="0"/>
               <a:pPr/>
-              <a:t>‹#›</a:t>
+              <a:t>‹Nr.›</a:t>
             </a:fld>
             <a:r>
               <a:rPr lang="de-DE" dirty="0" smtClean="0"/>
@@ -3715,7 +3723,12 @@
             <p:ph type="ctrTitle"/>
           </p:nvPr>
         </p:nvSpPr>
-        <p:spPr/>
+        <p:spPr>
+          <a:xfrm>
+            <a:off x="685800" y="1275606"/>
+            <a:ext cx="7772400" cy="1102519"/>
+          </a:xfrm>
+        </p:spPr>
         <p:txBody>
           <a:bodyPr>
             <a:normAutofit/>
@@ -3746,7 +3759,7 @@
         </p:nvSpPr>
         <p:spPr>
           <a:xfrm>
-            <a:off x="611560" y="2913484"/>
+            <a:off x="611560" y="2697460"/>
             <a:ext cx="3778513" cy="1314450"/>
           </a:xfrm>
         </p:spPr>
@@ -3779,7 +3792,7 @@
         </p:nvSpPr>
         <p:spPr>
           <a:xfrm>
-            <a:off x="4753927" y="2913484"/>
+            <a:off x="4753927" y="2697460"/>
             <a:ext cx="3778513" cy="1314450"/>
           </a:xfrm>
           <a:prstGeom prst="rect">
@@ -4018,7 +4031,7 @@
               <a:rPr lang="de-DE" sz="2800" dirty="0" smtClean="0">
                 <a:latin typeface="Lato" pitchFamily="34" charset="0"/>
               </a:rPr>
-              <a:t>Geschichte der FM-Synthese</a:t>
+              <a:t>Songbeispiele</a:t>
             </a:r>
             <a:endParaRPr lang="de-DE" sz="2800" dirty="0">
               <a:latin typeface="Lato" pitchFamily="34" charset="0"/>
@@ -4036,23 +4049,16 @@
             <p:ph idx="1"/>
           </p:nvPr>
         </p:nvSpPr>
-        <p:spPr>
-          <a:xfrm>
-            <a:off x="467544" y="1749028"/>
-            <a:ext cx="8229600" cy="1686818"/>
-          </a:xfrm>
-        </p:spPr>
-        <p:txBody>
-          <a:bodyPr>
-            <a:normAutofit/>
-          </a:bodyPr>
+        <p:spPr/>
+        <p:txBody>
+          <a:bodyPr/>
           <a:lstStyle/>
           <a:p>
             <a:r>
               <a:rPr lang="de-DE" sz="2000" dirty="0" smtClean="0">
                 <a:latin typeface="Lato" pitchFamily="34" charset="0"/>
               </a:rPr>
-              <a:t>Grundlage: Frequenzmodulation</a:t>
+              <a:t>Erste, mit FM-Synthese erstellte Stücke</a:t>
             </a:r>
           </a:p>
           <a:p>
@@ -4060,26 +4066,7 @@
               <a:rPr lang="de-DE" sz="2000" dirty="0" smtClean="0">
                 <a:latin typeface="Lato" pitchFamily="34" charset="0"/>
               </a:rPr>
-              <a:t>Bekannt aus Nachrichtentechnik</a:t>
-            </a:r>
-          </a:p>
-          <a:p>
-            <a:r>
-              <a:rPr lang="de-DE" sz="2000" dirty="0" smtClean="0">
-                <a:latin typeface="Lato" pitchFamily="34" charset="0"/>
-              </a:rPr>
-              <a:t>Erfinder der FM-Synthese: </a:t>
-            </a:r>
-          </a:p>
-          <a:p>
-            <a:pPr>
-              <a:buNone/>
-            </a:pPr>
-            <a:r>
-              <a:rPr lang="de-DE" sz="2000" dirty="0" smtClean="0">
-                <a:latin typeface="Lato" pitchFamily="34" charset="0"/>
-              </a:rPr>
-              <a:t>	Prof. Dr. John </a:t>
+              <a:t>Von John </a:t>
             </a:r>
             <a:r>
               <a:rPr lang="de-DE" sz="2000" dirty="0" err="1" smtClean="0">
@@ -4087,15 +4074,68 @@
               </a:rPr>
               <a:t>Chowning</a:t>
             </a:r>
+            <a:r>
+              <a:rPr lang="de-DE" sz="2000" dirty="0" smtClean="0">
+                <a:latin typeface="Lato" pitchFamily="34" charset="0"/>
+              </a:rPr>
+              <a:t> </a:t>
+            </a:r>
+          </a:p>
+          <a:p>
             <a:endParaRPr lang="de-DE" sz="2000" dirty="0" smtClean="0">
               <a:latin typeface="Lato" pitchFamily="34" charset="0"/>
             </a:endParaRPr>
           </a:p>
           <a:p>
-            <a:endParaRPr lang="de-DE" sz="2000" dirty="0">
+            <a:r>
+              <a:rPr lang="de-DE" sz="2000" dirty="0" smtClean="0">
+                <a:latin typeface="Lato" pitchFamily="34" charset="0"/>
+              </a:rPr>
+              <a:t>„</a:t>
+            </a:r>
+            <a:r>
+              <a:rPr lang="de-DE" sz="2000" dirty="0" err="1" smtClean="0">
+                <a:latin typeface="Lato" pitchFamily="34" charset="0"/>
+              </a:rPr>
+              <a:t>Sabelithe</a:t>
+            </a:r>
+            <a:r>
+              <a:rPr lang="de-DE" sz="2000" dirty="0" smtClean="0">
+                <a:latin typeface="Lato" pitchFamily="34" charset="0"/>
+              </a:rPr>
+              <a:t>“ (1971)</a:t>
+            </a:r>
+          </a:p>
+          <a:p>
+            <a:endParaRPr lang="de-DE" sz="2000" dirty="0" smtClean="0">
               <a:latin typeface="Lato" pitchFamily="34" charset="0"/>
             </a:endParaRPr>
           </a:p>
+          <a:p>
+            <a:r>
+              <a:rPr lang="de-DE" sz="2000" dirty="0" smtClean="0">
+                <a:latin typeface="Lato" pitchFamily="34" charset="0"/>
+              </a:rPr>
+              <a:t>„</a:t>
+            </a:r>
+            <a:r>
+              <a:rPr lang="de-DE" sz="2000" dirty="0" err="1" smtClean="0">
+                <a:latin typeface="Lato" pitchFamily="34" charset="0"/>
+              </a:rPr>
+              <a:t>Turenas</a:t>
+            </a:r>
+            <a:r>
+              <a:rPr lang="de-DE" sz="2000" dirty="0" smtClean="0">
+                <a:latin typeface="Lato" pitchFamily="34" charset="0"/>
+              </a:rPr>
+              <a:t>“ (1972)</a:t>
+            </a:r>
+          </a:p>
+          <a:p>
+            <a:endParaRPr lang="de-DE" dirty="0">
+              <a:latin typeface="Lato" pitchFamily="34" charset="0"/>
+            </a:endParaRPr>
+          </a:p>
         </p:txBody>
       </p:sp>
       <p:sp>
@@ -4118,7 +4158,7 @@
           <a:bodyPr/>
           <a:lstStyle/>
           <a:p>
-            <a:fld id="{711E0BBA-85CE-4567-A3EB-570B826ED505}" type="datetime1">
+            <a:fld id="{825920CB-9CFE-4FB0-A074-BEBA46422A5B}" type="datetime1">
               <a:rPr lang="de-DE" smtClean="0"/>
               <a:t>19.06.2015</a:t>
             </a:fld>
@@ -4185,76 +4225,70 @@
       </p:sp>
       <p:pic>
         <p:nvPicPr>
-          <p:cNvPr id="20482" name="Picture 2" descr="D:\Julius\Documents\GitHub\VSeminar\Dok\Kapitel\img\chowning_CCRMA.png"/>
+          <p:cNvPr id="7" name="sabelithe">
+            <a:hlinkClick r:id="" action="ppaction://media"/>
+          </p:cNvPr>
           <p:cNvPicPr>
-            <a:picLocks noChangeAspect="1" noChangeArrowheads="1"/>
+            <a:picLocks noChangeAspect="1"/>
           </p:cNvPicPr>
-          <p:nvPr/>
+          <p:nvPr>
+            <a:audioFile r:link="rId2"/>
+            <p:extLst>
+              <p:ext uri="{DAA4B4D4-6D71-4841-9C94-3DE7FCFB9230}">
+                <p14:media xmlns:p14="http://schemas.microsoft.com/office/powerpoint/2010/main" r:embed="rId1"/>
+              </p:ext>
+            </p:extLst>
+          </p:nvPr>
         </p:nvPicPr>
         <p:blipFill>
-          <a:blip r:embed="rId2" cstate="print"/>
-          <a:srcRect/>
+          <a:blip r:embed="rId6"/>
           <a:stretch>
             <a:fillRect/>
           </a:stretch>
         </p:blipFill>
-        <p:spPr bwMode="auto">
-          <a:xfrm>
-            <a:off x="4860032" y="1669858"/>
-            <a:ext cx="3096344" cy="2486068"/>
+        <p:spPr>
+          <a:xfrm>
+            <a:off x="3347864" y="2211710"/>
+            <a:ext cx="609600" cy="609600"/>
           </a:xfrm>
           <a:prstGeom prst="rect">
             <a:avLst/>
           </a:prstGeom>
-          <a:noFill/>
         </p:spPr>
       </p:pic>
-      <p:sp>
-        <p:nvSpPr>
-          <p:cNvPr id="8" name="Textfeld 7"/>
-          <p:cNvSpPr txBox="1"/>
-          <p:nvPr/>
-        </p:nvSpPr>
-        <p:spPr>
-          <a:xfrm>
-            <a:off x="4170558" y="4235096"/>
-            <a:ext cx="4721921" cy="400110"/>
+      <p:pic>
+        <p:nvPicPr>
+          <p:cNvPr id="8" name="turenas">
+            <a:hlinkClick r:id="" action="ppaction://media"/>
+          </p:cNvPr>
+          <p:cNvPicPr>
+            <a:picLocks noChangeAspect="1"/>
+          </p:cNvPicPr>
+          <p:nvPr>
+            <a:audioFile r:link="rId4"/>
+            <p:extLst>
+              <p:ext uri="{DAA4B4D4-6D71-4841-9C94-3DE7FCFB9230}">
+                <p14:media xmlns:p14="http://schemas.microsoft.com/office/powerpoint/2010/main" r:embed="rId3"/>
+              </p:ext>
+            </p:extLst>
+          </p:nvPr>
+        </p:nvPicPr>
+        <p:blipFill>
+          <a:blip r:embed="rId6"/>
+          <a:stretch>
+            <a:fillRect/>
+          </a:stretch>
+        </p:blipFill>
+        <p:spPr>
+          <a:xfrm>
+            <a:off x="3347864" y="3003798"/>
+            <a:ext cx="609600" cy="609600"/>
           </a:xfrm>
           <a:prstGeom prst="rect">
             <a:avLst/>
           </a:prstGeom>
-          <a:noFill/>
-        </p:spPr>
-        <p:txBody>
-          <a:bodyPr wrap="square" rtlCol="0">
-            <a:spAutoFit/>
-          </a:bodyPr>
-          <a:lstStyle/>
-          <a:p>
-            <a:pPr algn="ctr"/>
-            <a:r>
-              <a:rPr lang="de-DE" sz="1000" dirty="0" smtClean="0"/>
-              <a:t>Quelle</a:t>
-            </a:r>
-            <a:r>
-              <a:rPr lang="de-DE" sz="1000" dirty="0"/>
-              <a:t>: http://</a:t>
-            </a:r>
-            <a:r>
-              <a:rPr lang="de-DE" sz="1000" dirty="0" smtClean="0"/>
-              <a:t>arts.mit.edu/wp-content/uploads/2014/07/ChowningYamaha.jpg </a:t>
-            </a:r>
-          </a:p>
-          <a:p>
-            <a:pPr algn="ctr"/>
-            <a:r>
-              <a:rPr lang="de-DE" sz="1000" dirty="0" smtClean="0"/>
-              <a:t>Stand: 18.06.2015</a:t>
-            </a:r>
-            <a:endParaRPr lang="de-DE" sz="1000" dirty="0"/>
-          </a:p>
-        </p:txBody>
-      </p:sp>
+        </p:spPr>
+      </p:pic>
     </p:spTree>
   </p:cSld>
   <p:clrMapOvr>
@@ -4263,7 +4297,164 @@
   <p:timing>
     <p:tnLst>
       <p:par>
-        <p:cTn id="1" dur="indefinite" restart="never" nodeType="tmRoot"/>
+        <p:cTn id="1" dur="indefinite" restart="never" nodeType="tmRoot">
+          <p:childTnLst>
+            <p:seq concurrent="1" nextAc="seek">
+              <p:cTn id="2" restart="whenNotActive" fill="hold" evtFilter="cancelBubble" nodeType="interactiveSeq">
+                <p:stCondLst>
+                  <p:cond evt="onClick" delay="0">
+                    <p:tgtEl>
+                      <p:spTgt spid="7"/>
+                    </p:tgtEl>
+                  </p:cond>
+                </p:stCondLst>
+                <p:endSync evt="end" delay="0">
+                  <p:rtn val="all"/>
+                </p:endSync>
+                <p:childTnLst>
+                  <p:par>
+                    <p:cTn id="3" fill="hold">
+                      <p:stCondLst>
+                        <p:cond delay="0"/>
+                      </p:stCondLst>
+                      <p:childTnLst>
+                        <p:par>
+                          <p:cTn id="4" fill="hold">
+                            <p:stCondLst>
+                              <p:cond delay="0"/>
+                            </p:stCondLst>
+                            <p:childTnLst>
+                              <p:par>
+                                <p:cTn id="5" presetID="1" presetClass="mediacall" presetSubtype="0" fill="hold" nodeType="clickEffect">
+                                  <p:stCondLst>
+                                    <p:cond delay="0"/>
+                                  </p:stCondLst>
+                                  <p:childTnLst>
+                                    <p:cmd type="call" cmd="playFrom(0.0)">
+                                      <p:cBhvr>
+                                        <p:cTn id="6" dur="13557" fill="hold"/>
+                                        <p:tgtEl>
+                                          <p:spTgt spid="7"/>
+                                        </p:tgtEl>
+                                      </p:cBhvr>
+                                    </p:cmd>
+                                  </p:childTnLst>
+                                </p:cTn>
+                              </p:par>
+                            </p:childTnLst>
+                          </p:cTn>
+                        </p:par>
+                      </p:childTnLst>
+                    </p:cTn>
+                  </p:par>
+                </p:childTnLst>
+              </p:cTn>
+              <p:nextCondLst>
+                <p:cond evt="onClick" delay="0">
+                  <p:tgtEl>
+                    <p:spTgt spid="7"/>
+                  </p:tgtEl>
+                </p:cond>
+              </p:nextCondLst>
+            </p:seq>
+            <p:audio>
+              <p:cMediaNode vol="100000">
+                <p:cTn id="7" fill="hold" display="0">
+                  <p:stCondLst>
+                    <p:cond delay="indefinite"/>
+                  </p:stCondLst>
+                  <p:endCondLst>
+                    <p:cond evt="onStopAudio" delay="0">
+                      <p:tgtEl>
+                        <p:sldTgt/>
+                      </p:tgtEl>
+                    </p:cond>
+                  </p:endCondLst>
+                </p:cTn>
+                <p:tgtEl>
+                  <p:spTgt spid="7"/>
+                </p:tgtEl>
+              </p:cMediaNode>
+            </p:audio>
+            <p:seq concurrent="1" nextAc="seek">
+              <p:cTn id="8" restart="whenNotActive" fill="hold" evtFilter="cancelBubble" nodeType="interactiveSeq">
+                <p:stCondLst>
+                  <p:cond evt="onClick" delay="0">
+                    <p:tgtEl>
+                      <p:spTgt spid="8"/>
+                    </p:tgtEl>
+                  </p:cond>
+                </p:stCondLst>
+                <p:endSync evt="end" delay="0">
+                  <p:rtn val="all"/>
+                </p:endSync>
+                <p:childTnLst>
+                  <p:par>
+                    <p:cTn id="9" fill="hold">
+                      <p:stCondLst>
+                        <p:cond delay="0"/>
+                      </p:stCondLst>
+                      <p:childTnLst>
+                        <p:par>
+                          <p:cTn id="10" fill="hold">
+                            <p:stCondLst>
+                              <p:cond delay="0"/>
+                            </p:stCondLst>
+                            <p:childTnLst>
+                              <p:par>
+                                <p:cTn id="11" presetID="1" presetClass="mediacall" presetSubtype="0" fill="hold" nodeType="clickEffect">
+                                  <p:stCondLst>
+                                    <p:cond delay="0"/>
+                                  </p:stCondLst>
+                                  <p:childTnLst>
+                                    <p:cmd type="call" cmd="playFrom(0.0)">
+                                      <p:cBhvr>
+                                        <p:cTn id="12" dur="21786" fill="hold"/>
+                                        <p:tgtEl>
+                                          <p:spTgt spid="8"/>
+                                        </p:tgtEl>
+                                      </p:cBhvr>
+                                    </p:cmd>
+                                  </p:childTnLst>
+                                </p:cTn>
+                              </p:par>
+                            </p:childTnLst>
+                          </p:cTn>
+                        </p:par>
+                      </p:childTnLst>
+                    </p:cTn>
+                  </p:par>
+                </p:childTnLst>
+              </p:cTn>
+              <p:nextCondLst>
+                <p:cond evt="onClick" delay="0">
+                  <p:tgtEl>
+                    <p:spTgt spid="8"/>
+                  </p:tgtEl>
+                </p:cond>
+              </p:nextCondLst>
+            </p:seq>
+            <p:audio>
+              <p:cMediaNode vol="100000">
+                <p:cTn id="13" fill="hold" display="0">
+                  <p:stCondLst>
+                    <p:cond delay="indefinite"/>
+                  </p:stCondLst>
+                  <p:endCondLst>
+                    <p:cond evt="onStopAudio" delay="0">
+                      <p:tgtEl>
+                        <p:sldTgt/>
+                      </p:tgtEl>
+                    </p:cond>
+                  </p:endCondLst>
+                </p:cTn>
+                <p:tgtEl>
+                  <p:spTgt spid="8"/>
+                </p:tgtEl>
+              </p:cMediaNode>
+            </p:audio>
+          </p:childTnLst>
+        </p:cTn>
       </p:par>
     </p:tnLst>
   </p:timing>
@@ -4329,7 +4520,7 @@
         <p:spPr>
           <a:xfrm>
             <a:off x="467544" y="1749028"/>
-            <a:ext cx="8229600" cy="1614810"/>
+            <a:ext cx="8229600" cy="1686818"/>
           </a:xfrm>
         </p:spPr>
         <p:txBody>
@@ -4342,47 +4533,49 @@
               <a:rPr lang="de-DE" sz="2000" dirty="0" smtClean="0">
                 <a:latin typeface="Lato" pitchFamily="34" charset="0"/>
               </a:rPr>
-              <a:t>Erste Entdeckung im Jahre 1967</a:t>
-            </a:r>
-          </a:p>
-          <a:p>
+              <a:t>Grundlage: Frequenzmodulation</a:t>
+            </a:r>
+          </a:p>
+          <a:p>
+            <a:r>
+              <a:rPr lang="de-DE" sz="2000" dirty="0" smtClean="0">
+                <a:latin typeface="Lato" pitchFamily="34" charset="0"/>
+              </a:rPr>
+              <a:t>Bekannt aus Nachrichtentechnik</a:t>
+            </a:r>
+          </a:p>
+          <a:p>
+            <a:r>
+              <a:rPr lang="de-DE" sz="2000" dirty="0" smtClean="0">
+                <a:latin typeface="Lato" pitchFamily="34" charset="0"/>
+              </a:rPr>
+              <a:t>Erfinder der FM-Synthese: </a:t>
+            </a:r>
+          </a:p>
+          <a:p>
+            <a:pPr>
+              <a:buNone/>
+            </a:pPr>
+            <a:r>
+              <a:rPr lang="de-DE" sz="2000" dirty="0" smtClean="0">
+                <a:latin typeface="Lato" pitchFamily="34" charset="0"/>
+              </a:rPr>
+              <a:t>	Prof. Dr. John </a:t>
+            </a:r>
             <a:r>
               <a:rPr lang="de-DE" sz="2000" dirty="0" err="1" smtClean="0">
                 <a:latin typeface="Lato" pitchFamily="34" charset="0"/>
               </a:rPr>
               <a:t>Chowning</a:t>
-            </a:r>
-            <a:r>
-              <a:rPr lang="de-DE" sz="2000" dirty="0" smtClean="0">
-                <a:latin typeface="Lato" pitchFamily="34" charset="0"/>
-              </a:rPr>
-              <a:t> experimentierte mit </a:t>
-            </a:r>
-            <a:r>
-              <a:rPr lang="de-DE" sz="2000" dirty="0" err="1" smtClean="0">
-                <a:latin typeface="Lato" pitchFamily="34" charset="0"/>
-              </a:rPr>
-              <a:t>Vibratos</a:t>
             </a:r>
             <a:endParaRPr lang="de-DE" sz="2000" dirty="0" smtClean="0">
               <a:latin typeface="Lato" pitchFamily="34" charset="0"/>
             </a:endParaRPr>
           </a:p>
           <a:p>
-            <a:r>
-              <a:rPr lang="de-DE" sz="2000" dirty="0" smtClean="0">
-                <a:latin typeface="Lato" pitchFamily="34" charset="0"/>
-              </a:rPr>
-              <a:t>Vibrato: Periodische Änderung eines Tons</a:t>
-            </a:r>
-          </a:p>
-          <a:p>
-            <a:r>
-              <a:rPr lang="de-DE" sz="2000" dirty="0" smtClean="0">
-                <a:latin typeface="Lato" pitchFamily="34" charset="0"/>
-              </a:rPr>
-              <a:t>Neue Obertöne bei höheren Modulationsfrequenzen</a:t>
-            </a:r>
+            <a:endParaRPr lang="de-DE" sz="2000" dirty="0">
+              <a:latin typeface="Lato" pitchFamily="34" charset="0"/>
+            </a:endParaRPr>
           </a:p>
         </p:txBody>
       </p:sp>
@@ -4406,7 +4599,7 @@
           <a:bodyPr/>
           <a:lstStyle/>
           <a:p>
-            <a:fld id="{1BA9CB46-1999-48FE-934D-6C67DE059830}" type="datetime1">
+            <a:fld id="{711E0BBA-85CE-4567-A3EB-570B826ED505}" type="datetime1">
               <a:rPr lang="de-DE" smtClean="0"/>
               <a:t>19.06.2015</a:t>
             </a:fld>
@@ -4435,10 +4628,10 @@
           <a:lstStyle/>
           <a:p>
             <a:r>
-              <a:rPr lang="de-DE" dirty="0" smtClean="0"/>
+              <a:rPr lang="de-DE" smtClean="0"/>
               <a:t>FM-Synthese</a:t>
             </a:r>
-            <a:endParaRPr lang="de-DE" dirty="0"/>
+            <a:endParaRPr lang="de-DE"/>
           </a:p>
         </p:txBody>
       </p:sp>
@@ -4468,6 +4661,78 @@
               <a:t>11</a:t>
             </a:fld>
             <a:endParaRPr lang="de-DE" dirty="0"/>
+          </a:p>
+        </p:txBody>
+      </p:sp>
+      <p:pic>
+        <p:nvPicPr>
+          <p:cNvPr id="20482" name="Picture 2" descr="D:\Julius\Documents\GitHub\VSeminar\Dok\Kapitel\img\chowning_CCRMA.png"/>
+          <p:cNvPicPr>
+            <a:picLocks noChangeAspect="1" noChangeArrowheads="1"/>
+          </p:cNvPicPr>
+          <p:nvPr/>
+        </p:nvPicPr>
+        <p:blipFill>
+          <a:blip r:embed="rId2" cstate="print"/>
+          <a:srcRect/>
+          <a:stretch>
+            <a:fillRect/>
+          </a:stretch>
+        </p:blipFill>
+        <p:spPr bwMode="auto">
+          <a:xfrm>
+            <a:off x="4860032" y="1669858"/>
+            <a:ext cx="3096344" cy="2486068"/>
+          </a:xfrm>
+          <a:prstGeom prst="rect">
+            <a:avLst/>
+          </a:prstGeom>
+          <a:noFill/>
+        </p:spPr>
+      </p:pic>
+      <p:sp>
+        <p:nvSpPr>
+          <p:cNvPr id="8" name="Textfeld 7"/>
+          <p:cNvSpPr txBox="1"/>
+          <p:nvPr/>
+        </p:nvSpPr>
+        <p:spPr>
+          <a:xfrm>
+            <a:off x="4170558" y="4235096"/>
+            <a:ext cx="4721921" cy="400110"/>
+          </a:xfrm>
+          <a:prstGeom prst="rect">
+            <a:avLst/>
+          </a:prstGeom>
+          <a:noFill/>
+        </p:spPr>
+        <p:txBody>
+          <a:bodyPr wrap="square" rtlCol="0">
+            <a:spAutoFit/>
+          </a:bodyPr>
+          <a:lstStyle/>
+          <a:p>
+            <a:pPr algn="ctr"/>
+            <a:r>
+              <a:rPr lang="de-DE" sz="1000" dirty="0" smtClean="0"/>
+              <a:t>Quelle</a:t>
+            </a:r>
+            <a:r>
+              <a:rPr lang="de-DE" sz="1000" dirty="0"/>
+              <a:t>: http://</a:t>
+            </a:r>
+            <a:r>
+              <a:rPr lang="de-DE" sz="1000" dirty="0" smtClean="0"/>
+              <a:t>arts.mit.edu/wp-content/uploads/2014/07/ChowningYamaha.jpg </a:t>
+            </a:r>
+          </a:p>
+          <a:p>
+            <a:pPr algn="ctr"/>
+            <a:r>
+              <a:rPr lang="de-DE" sz="1000" dirty="0" smtClean="0"/>
+              <a:t>Stand: 18.06.2015</a:t>
+            </a:r>
+            <a:endParaRPr lang="de-DE" sz="1000" dirty="0"/>
           </a:p>
         </p:txBody>
       </p:sp>
@@ -4544,8 +4809,8 @@
         </p:nvSpPr>
         <p:spPr>
           <a:xfrm>
-            <a:off x="436899" y="1491630"/>
-            <a:ext cx="8023533" cy="2448272"/>
+            <a:off x="467544" y="1749028"/>
+            <a:ext cx="8229600" cy="1614810"/>
           </a:xfrm>
         </p:spPr>
         <p:txBody>
@@ -4558,8 +4823,10 @@
               <a:rPr lang="de-DE" sz="2000" dirty="0" smtClean="0">
                 <a:latin typeface="Lato" pitchFamily="34" charset="0"/>
               </a:rPr>
-              <a:t>John </a:t>
-            </a:r>
+              <a:t>Erste Entdeckung im Jahre 1967</a:t>
+            </a:r>
+          </a:p>
+          <a:p>
             <a:r>
               <a:rPr lang="de-DE" sz="2000" dirty="0" err="1" smtClean="0">
                 <a:latin typeface="Lato" pitchFamily="34" charset="0"/>
@@ -4570,94 +4837,34 @@
               <a:rPr lang="de-DE" sz="2000" dirty="0" smtClean="0">
                 <a:latin typeface="Lato" pitchFamily="34" charset="0"/>
               </a:rPr>
-              <a:t> 2005 in einem Interview:</a:t>
-            </a:r>
-          </a:p>
-          <a:p>
-            <a:pPr>
-              <a:buNone/>
-            </a:pPr>
-            <a:r>
-              <a:rPr lang="en-US" sz="2000" dirty="0" smtClean="0">
+              <a:t> experimentierte mit </a:t>
+            </a:r>
+            <a:r>
+              <a:rPr lang="de-DE" sz="2000" dirty="0" err="1" smtClean="0">
                 <a:latin typeface="Lato" pitchFamily="34" charset="0"/>
               </a:rPr>
-              <a:t>	</a:t>
-            </a:r>
-          </a:p>
-          <a:p>
-            <a:pPr>
-              <a:buNone/>
-            </a:pPr>
-            <a:r>
-              <a:rPr lang="en-US" sz="2000" dirty="0" smtClean="0">
-                <a:latin typeface="Lato" pitchFamily="34" charset="0"/>
-              </a:rPr>
-              <a:t>	“</a:t>
-            </a:r>
-            <a:r>
-              <a:rPr lang="en-US" sz="2000" i="1" dirty="0" smtClean="0">
-                <a:latin typeface="Lato" pitchFamily="34" charset="0"/>
-              </a:rPr>
-              <a:t>I was experimenting with just a </a:t>
-            </a:r>
-            <a:r>
-              <a:rPr lang="en-US" sz="2000" b="1" i="1" dirty="0" smtClean="0">
-                <a:latin typeface="Lato" pitchFamily="34" charset="0"/>
-              </a:rPr>
-              <a:t>sinusoid</a:t>
-            </a:r>
-            <a:r>
-              <a:rPr lang="en-US" sz="2000" i="1" dirty="0" smtClean="0">
-                <a:latin typeface="Lato" pitchFamily="34" charset="0"/>
-              </a:rPr>
-              <a:t> and </a:t>
-            </a:r>
-            <a:r>
-              <a:rPr lang="en-US" sz="2000" b="1" i="1" dirty="0" smtClean="0">
-                <a:latin typeface="Lato" pitchFamily="34" charset="0"/>
-              </a:rPr>
-              <a:t>kept increasing the vibrato rate</a:t>
-            </a:r>
-            <a:r>
-              <a:rPr lang="en-US" sz="2000" i="1" dirty="0" smtClean="0">
-                <a:latin typeface="Lato" pitchFamily="34" charset="0"/>
-              </a:rPr>
-              <a:t>, so all of a sudden it didn’t sound like listening to a change in pitch in time, but rather </a:t>
-            </a:r>
-            <a:r>
-              <a:rPr lang="en-US" sz="2000" i="1" dirty="0" err="1" smtClean="0">
-                <a:latin typeface="Lato" pitchFamily="34" charset="0"/>
-              </a:rPr>
-              <a:t>i</a:t>
-            </a:r>
-            <a:r>
-              <a:rPr lang="en-US" sz="2000" i="1" dirty="0" smtClean="0">
-                <a:latin typeface="Lato" pitchFamily="34" charset="0"/>
-              </a:rPr>
-              <a:t> began to hear </a:t>
-            </a:r>
-            <a:r>
-              <a:rPr lang="en-US" sz="2000" b="1" i="1" dirty="0" err="1" smtClean="0">
-                <a:latin typeface="Lato" pitchFamily="34" charset="0"/>
-              </a:rPr>
-              <a:t>timbral</a:t>
-            </a:r>
-            <a:r>
-              <a:rPr lang="en-US" sz="2000" b="1" i="1" dirty="0" smtClean="0">
-                <a:latin typeface="Lato" pitchFamily="34" charset="0"/>
-              </a:rPr>
-              <a:t> differences</a:t>
-            </a:r>
-            <a:r>
-              <a:rPr lang="en-US" sz="2000" i="1" dirty="0" smtClean="0">
-                <a:latin typeface="Lato" pitchFamily="34" charset="0"/>
-              </a:rPr>
-              <a:t>.[…]”</a:t>
-            </a:r>
-            <a:endParaRPr lang="de-DE" sz="2000" i="1" dirty="0" smtClean="0">
+              <a:t>Vibratos</a:t>
+            </a:r>
+            <a:endParaRPr lang="de-DE" sz="2000" dirty="0" smtClean="0">
               <a:latin typeface="Lato" pitchFamily="34" charset="0"/>
             </a:endParaRPr>
           </a:p>
+          <a:p>
+            <a:r>
+              <a:rPr lang="de-DE" sz="2000" dirty="0" smtClean="0">
+                <a:latin typeface="Lato" pitchFamily="34" charset="0"/>
+              </a:rPr>
+              <a:t>Vibrato: Periodische Änderung eines Tons</a:t>
+            </a:r>
+          </a:p>
+          <a:p>
+            <a:r>
+              <a:rPr lang="de-DE" sz="2000" dirty="0" smtClean="0">
+                <a:latin typeface="Lato" pitchFamily="34" charset="0"/>
+              </a:rPr>
+              <a:t>Neue Obertöne bei höheren Modulationsfrequenzen</a:t>
+            </a:r>
+          </a:p>
         </p:txBody>
       </p:sp>
       <p:sp>
@@ -4680,7 +4887,7 @@
           <a:bodyPr/>
           <a:lstStyle/>
           <a:p>
-            <a:fld id="{72653B21-52A1-4C85-A953-1B3DFEDFDB08}" type="datetime1">
+            <a:fld id="{1BA9CB46-1999-48FE-934D-6C67DE059830}" type="datetime1">
               <a:rPr lang="de-DE" smtClean="0"/>
               <a:t>19.06.2015</a:t>
             </a:fld>
@@ -4808,6 +5015,134 @@
       </p:sp>
       <p:sp>
         <p:nvSpPr>
+          <p:cNvPr id="3" name="Inhaltsplatzhalter 2"/>
+          <p:cNvSpPr>
+            <a:spLocks noGrp="1"/>
+          </p:cNvSpPr>
+          <p:nvPr>
+            <p:ph idx="1"/>
+          </p:nvPr>
+        </p:nvSpPr>
+        <p:spPr>
+          <a:xfrm>
+            <a:off x="436899" y="1491630"/>
+            <a:ext cx="8023533" cy="2448272"/>
+          </a:xfrm>
+        </p:spPr>
+        <p:txBody>
+          <a:bodyPr>
+            <a:normAutofit/>
+          </a:bodyPr>
+          <a:lstStyle/>
+          <a:p>
+            <a:r>
+              <a:rPr lang="de-DE" sz="2000" dirty="0" smtClean="0">
+                <a:latin typeface="Lato" pitchFamily="34" charset="0"/>
+              </a:rPr>
+              <a:t>John </a:t>
+            </a:r>
+            <a:r>
+              <a:rPr lang="de-DE" sz="2000" dirty="0" err="1" smtClean="0">
+                <a:latin typeface="Lato" pitchFamily="34" charset="0"/>
+              </a:rPr>
+              <a:t>Chowning</a:t>
+            </a:r>
+            <a:r>
+              <a:rPr lang="de-DE" sz="2000" dirty="0" smtClean="0">
+                <a:latin typeface="Lato" pitchFamily="34" charset="0"/>
+              </a:rPr>
+              <a:t> 2005 in einem Interview:</a:t>
+            </a:r>
+          </a:p>
+          <a:p>
+            <a:pPr>
+              <a:buNone/>
+            </a:pPr>
+            <a:r>
+              <a:rPr lang="en-US" sz="2000" dirty="0" smtClean="0">
+                <a:latin typeface="Lato" pitchFamily="34" charset="0"/>
+              </a:rPr>
+              <a:t>	</a:t>
+            </a:r>
+          </a:p>
+          <a:p>
+            <a:pPr>
+              <a:buNone/>
+            </a:pPr>
+            <a:r>
+              <a:rPr lang="en-US" sz="2000" dirty="0" smtClean="0">
+                <a:latin typeface="Lato" pitchFamily="34" charset="0"/>
+              </a:rPr>
+              <a:t>	“</a:t>
+            </a:r>
+            <a:r>
+              <a:rPr lang="en-US" sz="2000" i="1" dirty="0" smtClean="0">
+                <a:latin typeface="Lato" pitchFamily="34" charset="0"/>
+              </a:rPr>
+              <a:t>I was experimenting with just a </a:t>
+            </a:r>
+            <a:r>
+              <a:rPr lang="en-US" sz="2000" b="1" i="1" dirty="0" smtClean="0">
+                <a:latin typeface="Lato" pitchFamily="34" charset="0"/>
+              </a:rPr>
+              <a:t>sinusoid</a:t>
+            </a:r>
+            <a:r>
+              <a:rPr lang="en-US" sz="2000" i="1" dirty="0" smtClean="0">
+                <a:latin typeface="Lato" pitchFamily="34" charset="0"/>
+              </a:rPr>
+              <a:t> and </a:t>
+            </a:r>
+            <a:r>
+              <a:rPr lang="en-US" sz="2000" b="1" i="1" dirty="0" smtClean="0">
+                <a:latin typeface="Lato" pitchFamily="34" charset="0"/>
+              </a:rPr>
+              <a:t>kept increasing the vibrato rate</a:t>
+            </a:r>
+            <a:r>
+              <a:rPr lang="en-US" sz="2000" i="1" dirty="0" smtClean="0">
+                <a:latin typeface="Lato" pitchFamily="34" charset="0"/>
+              </a:rPr>
+              <a:t>, so all of a sudden it didn’t sound like listening to a change in pitch in time, but rather </a:t>
+            </a:r>
+            <a:r>
+              <a:rPr lang="en-US" sz="2000" i="1" dirty="0" err="1" smtClean="0">
+                <a:latin typeface="Lato" pitchFamily="34" charset="0"/>
+              </a:rPr>
+              <a:t>i</a:t>
+            </a:r>
+            <a:r>
+              <a:rPr lang="en-US" sz="2000" i="1" dirty="0" smtClean="0">
+                <a:latin typeface="Lato" pitchFamily="34" charset="0"/>
+              </a:rPr>
+              <a:t> began to hear </a:t>
+            </a:r>
+            <a:r>
+              <a:rPr lang="en-US" sz="2000" b="1" i="1" dirty="0" err="1" smtClean="0">
+                <a:latin typeface="Lato" pitchFamily="34" charset="0"/>
+              </a:rPr>
+              <a:t>timbral</a:t>
+            </a:r>
+            <a:r>
+              <a:rPr lang="en-US" sz="2000" b="1" i="1" dirty="0" smtClean="0">
+                <a:latin typeface="Lato" pitchFamily="34" charset="0"/>
+              </a:rPr>
+              <a:t> differences</a:t>
+            </a:r>
+            <a:r>
+              <a:rPr lang="en-US" sz="2000" i="1" dirty="0" smtClean="0">
+                <a:latin typeface="Lato" pitchFamily="34" charset="0"/>
+              </a:rPr>
+              <a:t>.[…]”</a:t>
+            </a:r>
+            <a:endParaRPr lang="de-DE" sz="2000" i="1" dirty="0" smtClean="0">
+              <a:latin typeface="Lato" pitchFamily="34" charset="0"/>
+            </a:endParaRPr>
+          </a:p>
+        </p:txBody>
+      </p:sp>
+      <p:sp>
+        <p:nvSpPr>
           <p:cNvPr id="4" name="Datumsplatzhalter 3"/>
           <p:cNvSpPr>
             <a:spLocks noGrp="1"/>
@@ -4826,7 +5161,7 @@
           <a:bodyPr/>
           <a:lstStyle/>
           <a:p>
-            <a:fld id="{860830F5-49E7-4889-AA1F-2CB69E8126AF}" type="datetime1">
+            <a:fld id="{72653B21-52A1-4C85-A953-1B3DFEDFDB08}" type="datetime1">
               <a:rPr lang="de-DE" smtClean="0"/>
               <a:t>19.06.2015</a:t>
             </a:fld>
@@ -4855,10 +5190,10 @@
           <a:lstStyle/>
           <a:p>
             <a:r>
-              <a:rPr lang="de-DE" smtClean="0"/>
+              <a:rPr lang="de-DE" dirty="0" smtClean="0"/>
               <a:t>FM-Synthese</a:t>
             </a:r>
-            <a:endParaRPr lang="de-DE"/>
+            <a:endParaRPr lang="de-DE" dirty="0"/>
           </a:p>
         </p:txBody>
       </p:sp>
@@ -4888,85 +5223,6 @@
               <a:t>13</a:t>
             </a:fld>
             <a:endParaRPr lang="de-DE" dirty="0"/>
-          </a:p>
-        </p:txBody>
-      </p:sp>
-      <p:sp>
-        <p:nvSpPr>
-          <p:cNvPr id="7" name="Inhaltsplatzhalter 2"/>
-          <p:cNvSpPr>
-            <a:spLocks noGrp="1"/>
-          </p:cNvSpPr>
-          <p:nvPr>
-            <p:ph idx="1"/>
-          </p:nvPr>
-        </p:nvSpPr>
-        <p:spPr>
-          <a:xfrm>
-            <a:off x="467544" y="1749028"/>
-            <a:ext cx="8229600" cy="1974850"/>
-          </a:xfrm>
-        </p:spPr>
-        <p:txBody>
-          <a:bodyPr>
-            <a:normAutofit/>
-          </a:bodyPr>
-          <a:lstStyle/>
-          <a:p>
-            <a:r>
-              <a:rPr lang="de-DE" sz="2000" dirty="0" smtClean="0">
-                <a:latin typeface="Lato" pitchFamily="34" charset="0"/>
-              </a:rPr>
-              <a:t>Nach 3 Jahren:  Durchblick der mathematischen Hintergründe</a:t>
-            </a:r>
-          </a:p>
-          <a:p>
-            <a:r>
-              <a:rPr lang="de-DE" sz="2000" dirty="0" smtClean="0">
-                <a:latin typeface="Lato" pitchFamily="34" charset="0"/>
-              </a:rPr>
-              <a:t>Nachbildung von verschiedenen Instrumenten</a:t>
-            </a:r>
-          </a:p>
-          <a:p>
-            <a:r>
-              <a:rPr lang="de-DE" sz="2000" dirty="0" smtClean="0">
-                <a:latin typeface="Lato" pitchFamily="34" charset="0"/>
-              </a:rPr>
-              <a:t>Veröffentlichung von „</a:t>
-            </a:r>
-            <a:r>
-              <a:rPr lang="de-DE" sz="2000" dirty="0" err="1" smtClean="0">
-                <a:latin typeface="Lato" pitchFamily="34" charset="0"/>
-              </a:rPr>
-              <a:t>Sabelithe</a:t>
-            </a:r>
-            <a:r>
-              <a:rPr lang="de-DE" sz="2000" dirty="0" smtClean="0">
-                <a:latin typeface="Lato" pitchFamily="34" charset="0"/>
-              </a:rPr>
-              <a:t>“ 1971</a:t>
-            </a:r>
-          </a:p>
-          <a:p>
-            <a:r>
-              <a:rPr lang="de-DE" sz="2000" dirty="0" smtClean="0">
-                <a:latin typeface="Lato" pitchFamily="34" charset="0"/>
-              </a:rPr>
-              <a:t>Veröffentlichung von „</a:t>
-            </a:r>
-            <a:r>
-              <a:rPr lang="de-DE" sz="2000" dirty="0" err="1" smtClean="0">
-                <a:latin typeface="Lato" pitchFamily="34" charset="0"/>
-              </a:rPr>
-              <a:t>Turenas</a:t>
-            </a:r>
-            <a:r>
-              <a:rPr lang="de-DE" sz="2000" dirty="0" smtClean="0">
-                <a:latin typeface="Lato" pitchFamily="34" charset="0"/>
-              </a:rPr>
-              <a:t>“ 1972 </a:t>
-            </a:r>
           </a:p>
         </p:txBody>
       </p:sp>
@@ -5051,7 +5307,7 @@
           <a:bodyPr/>
           <a:lstStyle/>
           <a:p>
-            <a:fld id="{5A27912C-CDDD-45BB-A172-315B1F38A094}" type="datetime1">
+            <a:fld id="{860830F5-49E7-4889-AA1F-2CB69E8126AF}" type="datetime1">
               <a:rPr lang="de-DE" smtClean="0"/>
               <a:t>19.06.2015</a:t>
             </a:fld>
@@ -5128,8 +5384,8 @@
         </p:nvSpPr>
         <p:spPr>
           <a:xfrm>
-            <a:off x="467544" y="1347614"/>
-            <a:ext cx="8229600" cy="2838946"/>
+            <a:off x="467544" y="1749028"/>
+            <a:ext cx="8229600" cy="1974850"/>
           </a:xfrm>
         </p:spPr>
         <p:txBody>
@@ -5139,16 +5395,38 @@
           <a:lstStyle/>
           <a:p>
             <a:r>
+              <a:rPr lang="de-DE" sz="2000" dirty="0" smtClean="0">
+                <a:latin typeface="Lato" pitchFamily="34" charset="0"/>
+              </a:rPr>
+              <a:t>Nach 3 Jahren:  Durchblick der mathematischen Hintergründe</a:t>
+            </a:r>
+          </a:p>
+          <a:p>
+            <a:r>
+              <a:rPr lang="de-DE" sz="2000" dirty="0" smtClean="0">
+                <a:latin typeface="Lato" pitchFamily="34" charset="0"/>
+              </a:rPr>
+              <a:t>Nachbildung von verschiedenen Instrumenten</a:t>
+            </a:r>
+          </a:p>
+          <a:p>
+            <a:r>
+              <a:rPr lang="de-DE" sz="2000" dirty="0" smtClean="0">
+                <a:latin typeface="Lato" pitchFamily="34" charset="0"/>
+              </a:rPr>
+              <a:t>Veröffentlichung von „</a:t>
+            </a:r>
+            <a:r>
               <a:rPr lang="de-DE" sz="2000" dirty="0" err="1" smtClean="0">
                 <a:latin typeface="Lato" pitchFamily="34" charset="0"/>
               </a:rPr>
-              <a:t>Chowning</a:t>
+              <a:t>Sabelithe</a:t>
             </a:r>
             <a:r>
               <a:rPr lang="de-DE" sz="2000" dirty="0" smtClean="0">
                 <a:latin typeface="Lato" pitchFamily="34" charset="0"/>
               </a:rPr>
-              <a:t> Intention: Komposition neuer Stücke</a:t>
+              <a:t>“ 1971</a:t>
             </a:r>
           </a:p>
           <a:p>
@@ -5156,86 +5434,20 @@
               <a:rPr lang="de-DE" sz="2000" dirty="0" smtClean="0">
                 <a:latin typeface="Lato" pitchFamily="34" charset="0"/>
               </a:rPr>
-              <a:t>Jedoch: Hoffnung auf kommerzielle Anwendung</a:t>
-            </a:r>
-          </a:p>
-          <a:p>
+              <a:t>Veröffentlichung von „</a:t>
+            </a:r>
+            <a:r>
+              <a:rPr lang="de-DE" sz="2000" dirty="0" err="1" smtClean="0">
+                <a:latin typeface="Lato" pitchFamily="34" charset="0"/>
+              </a:rPr>
+              <a:t>Turenas</a:t>
+            </a:r>
             <a:r>
               <a:rPr lang="de-DE" sz="2000" dirty="0" smtClean="0">
                 <a:latin typeface="Lato" pitchFamily="34" charset="0"/>
               </a:rPr>
-              <a:t>Lizensierung durch das OTL (Office </a:t>
-            </a:r>
-            <a:r>
-              <a:rPr lang="de-DE" sz="2000" dirty="0" err="1" smtClean="0">
-                <a:latin typeface="Lato" pitchFamily="34" charset="0"/>
-              </a:rPr>
-              <a:t>of</a:t>
-            </a:r>
-            <a:r>
-              <a:rPr lang="de-DE" sz="2000" dirty="0" smtClean="0">
-                <a:latin typeface="Lato" pitchFamily="34" charset="0"/>
-              </a:rPr>
-              <a:t> Technology Licensing)</a:t>
-            </a:r>
-          </a:p>
-          <a:p>
-            <a:r>
-              <a:rPr lang="de-DE" sz="2000" dirty="0" smtClean="0">
-                <a:latin typeface="Lato" pitchFamily="34" charset="0"/>
-              </a:rPr>
-              <a:t>Wenig Interesse zu Begin</a:t>
-            </a:r>
-          </a:p>
-          <a:p>
-            <a:r>
-              <a:rPr lang="de-DE" sz="2000" dirty="0" smtClean="0">
-                <a:latin typeface="Lato" pitchFamily="34" charset="0"/>
-              </a:rPr>
-              <a:t>Zitat Andy Moorer:</a:t>
-            </a:r>
-          </a:p>
-          <a:p>
-            <a:pPr>
-              <a:buNone/>
-            </a:pPr>
-            <a:r>
-              <a:rPr lang="en-US" sz="2000" dirty="0" smtClean="0">
-                <a:latin typeface="Lato" pitchFamily="34" charset="0"/>
-              </a:rPr>
-              <a:t>	“[...] </a:t>
-            </a:r>
-            <a:r>
-              <a:rPr lang="en-US" sz="2000" i="1" dirty="0" smtClean="0">
-                <a:latin typeface="Lato" pitchFamily="34" charset="0"/>
-              </a:rPr>
-              <a:t>It was really discouraging. John was so proud of having put this damn thing together and people didn’t really get the idea of </a:t>
-            </a:r>
-            <a:r>
-              <a:rPr lang="en-US" sz="2000" i="1" dirty="0" err="1" smtClean="0">
-                <a:latin typeface="Lato" pitchFamily="34" charset="0"/>
-              </a:rPr>
-              <a:t>spatializing</a:t>
-            </a:r>
-            <a:r>
-              <a:rPr lang="en-US" sz="2000" i="1" dirty="0" smtClean="0">
-                <a:latin typeface="Lato" pitchFamily="34" charset="0"/>
-              </a:rPr>
-              <a:t> the sound.”</a:t>
-            </a:r>
-            <a:endParaRPr lang="de-DE" sz="2000" i="1" dirty="0" smtClean="0">
-              <a:latin typeface="Lato" pitchFamily="34" charset="0"/>
-            </a:endParaRPr>
-          </a:p>
-          <a:p>
-            <a:endParaRPr lang="de-DE" sz="2000" dirty="0" smtClean="0">
-              <a:latin typeface="Lato" pitchFamily="34" charset="0"/>
-            </a:endParaRPr>
-          </a:p>
-          <a:p>
-            <a:endParaRPr lang="de-DE" sz="2000" dirty="0" smtClean="0">
-              <a:latin typeface="Lato" pitchFamily="34" charset="0"/>
-            </a:endParaRPr>
+              <a:t>“ 1972 </a:t>
+            </a:r>
           </a:p>
         </p:txBody>
       </p:sp>
@@ -5273,6 +5485,35 @@
       </p:grpSpPr>
       <p:sp>
         <p:nvSpPr>
+          <p:cNvPr id="2" name="Titel 1"/>
+          <p:cNvSpPr>
+            <a:spLocks noGrp="1"/>
+          </p:cNvSpPr>
+          <p:nvPr>
+            <p:ph type="title"/>
+          </p:nvPr>
+        </p:nvSpPr>
+        <p:spPr/>
+        <p:txBody>
+          <a:bodyPr>
+            <a:normAutofit/>
+          </a:bodyPr>
+          <a:lstStyle/>
+          <a:p>
+            <a:r>
+              <a:rPr lang="de-DE" sz="2800" dirty="0" smtClean="0">
+                <a:latin typeface="Lato" pitchFamily="34" charset="0"/>
+              </a:rPr>
+              <a:t>Geschichte der FM-Synthese</a:t>
+            </a:r>
+            <a:endParaRPr lang="de-DE" sz="2800" dirty="0">
+              <a:latin typeface="Lato" pitchFamily="34" charset="0"/>
+            </a:endParaRPr>
+          </a:p>
+        </p:txBody>
+      </p:sp>
+      <p:sp>
+        <p:nvSpPr>
           <p:cNvPr id="4" name="Datumsplatzhalter 3"/>
           <p:cNvSpPr>
             <a:spLocks noGrp="1"/>
@@ -5291,7 +5532,7 @@
           <a:bodyPr/>
           <a:lstStyle/>
           <a:p>
-            <a:fld id="{00B76B82-E15A-4F92-B838-853BA8CDA07B}" type="datetime1">
+            <a:fld id="{5A27912C-CDDD-45BB-A172-315B1F38A094}" type="datetime1">
               <a:rPr lang="de-DE" smtClean="0"/>
               <a:t>19.06.2015</a:t>
             </a:fld>
@@ -5379,62 +5620,6 @@
           <a:lstStyle/>
           <a:p>
             <a:r>
-              <a:rPr lang="de-DE" sz="2000" dirty="0" smtClean="0">
-                <a:latin typeface="Lato" pitchFamily="34" charset="0"/>
-              </a:rPr>
-              <a:t>1973: Veröffentlichung der Erfindung</a:t>
-            </a:r>
-          </a:p>
-          <a:p>
-            <a:r>
-              <a:rPr lang="de-DE" sz="2000" dirty="0" smtClean="0">
-                <a:latin typeface="Lato" pitchFamily="34" charset="0"/>
-              </a:rPr>
-              <a:t>1974: Vorstellung der FM-Synthese bei Yamaha</a:t>
-            </a:r>
-          </a:p>
-          <a:p>
-            <a:r>
-              <a:rPr lang="de-DE" sz="2000" dirty="0" err="1" smtClean="0">
-                <a:latin typeface="Lato" pitchFamily="34" charset="0"/>
-              </a:rPr>
-              <a:t>Kazukiyo</a:t>
-            </a:r>
-            <a:r>
-              <a:rPr lang="de-DE" sz="2000" dirty="0" smtClean="0">
-                <a:latin typeface="Lato" pitchFamily="34" charset="0"/>
-              </a:rPr>
-              <a:t> </a:t>
-            </a:r>
-            <a:r>
-              <a:rPr lang="de-DE" sz="2000" dirty="0" err="1" smtClean="0">
-                <a:latin typeface="Lato" pitchFamily="34" charset="0"/>
-              </a:rPr>
-              <a:t>Ishimura</a:t>
-            </a:r>
-            <a:r>
-              <a:rPr lang="de-DE" sz="2000" dirty="0" smtClean="0">
-                <a:latin typeface="Lato" pitchFamily="34" charset="0"/>
-              </a:rPr>
-              <a:t> erkannte das Potenzial</a:t>
-            </a:r>
-          </a:p>
-          <a:p>
-            <a:r>
-              <a:rPr lang="de-DE" sz="2000" dirty="0" smtClean="0">
-                <a:latin typeface="Lato" pitchFamily="34" charset="0"/>
-              </a:rPr>
-              <a:t>Yamaha lizensiert die FM-Synthese im gleichen Jahr</a:t>
-            </a:r>
-          </a:p>
-          <a:p>
-            <a:r>
-              <a:rPr lang="de-DE" sz="2000" dirty="0" smtClean="0">
-                <a:latin typeface="Lato" pitchFamily="34" charset="0"/>
-              </a:rPr>
-              <a:t>1975: </a:t>
-            </a:r>
-            <a:r>
               <a:rPr lang="de-DE" sz="2000" dirty="0" err="1" smtClean="0">
                 <a:latin typeface="Lato" pitchFamily="34" charset="0"/>
               </a:rPr>
@@ -5444,7 +5629,7 @@
               <a:rPr lang="de-DE" sz="2000" dirty="0" smtClean="0">
                 <a:latin typeface="Lato" pitchFamily="34" charset="0"/>
               </a:rPr>
-              <a:t> kehrt nach Stanford zurück</a:t>
+              <a:t> Intention: Komposition neuer Stücke</a:t>
             </a:r>
           </a:p>
           <a:p>
@@ -5452,7 +5637,43 @@
               <a:rPr lang="de-DE" sz="2000" dirty="0" smtClean="0">
                 <a:latin typeface="Lato" pitchFamily="34" charset="0"/>
               </a:rPr>
-              <a:t>Gründung des CCRMA („Karma“) </a:t>
+              <a:t>Jedoch: Hoffnung auf kommerzielle Anwendung</a:t>
+            </a:r>
+          </a:p>
+          <a:p>
+            <a:r>
+              <a:rPr lang="de-DE" sz="2000" dirty="0" smtClean="0">
+                <a:latin typeface="Lato" pitchFamily="34" charset="0"/>
+              </a:rPr>
+              <a:t>Lizensierung durch das OTL (Office </a:t>
+            </a:r>
+            <a:r>
+              <a:rPr lang="de-DE" sz="2000" dirty="0" err="1" smtClean="0">
+                <a:latin typeface="Lato" pitchFamily="34" charset="0"/>
+              </a:rPr>
+              <a:t>of</a:t>
+            </a:r>
+            <a:r>
+              <a:rPr lang="de-DE" sz="2000" dirty="0" smtClean="0">
+                <a:latin typeface="Lato" pitchFamily="34" charset="0"/>
+              </a:rPr>
+              <a:t> Technology Licensing)</a:t>
+            </a:r>
+          </a:p>
+          <a:p>
+            <a:r>
+              <a:rPr lang="de-DE" sz="2000" dirty="0" smtClean="0">
+                <a:latin typeface="Lato" pitchFamily="34" charset="0"/>
+              </a:rPr>
+              <a:t>Wenig Interesse zu Begin</a:t>
+            </a:r>
+          </a:p>
+          <a:p>
+            <a:r>
+              <a:rPr lang="de-DE" sz="2000" dirty="0" smtClean="0">
+                <a:latin typeface="Lato" pitchFamily="34" charset="0"/>
+              </a:rPr>
+              <a:t>Zitat Andy Moorer:</a:t>
             </a:r>
           </a:p>
           <a:p>
@@ -5460,76 +5681,40 @@
               <a:buNone/>
             </a:pPr>
             <a:r>
-              <a:rPr lang="de-DE" sz="2000" dirty="0" smtClean="0">
+              <a:rPr lang="en-US" sz="2000" dirty="0" smtClean="0">
                 <a:latin typeface="Lato" pitchFamily="34" charset="0"/>
               </a:rPr>
-              <a:t>	– Center </a:t>
-            </a:r>
-            <a:r>
-              <a:rPr lang="de-DE" sz="2000" dirty="0" err="1" smtClean="0">
+              <a:t>	“[...] </a:t>
+            </a:r>
+            <a:r>
+              <a:rPr lang="en-US" sz="2000" i="1" dirty="0" smtClean="0">
                 <a:latin typeface="Lato" pitchFamily="34" charset="0"/>
               </a:rPr>
-              <a:t>for</a:t>
-            </a:r>
-            <a:r>
-              <a:rPr lang="de-DE" sz="2000" dirty="0" smtClean="0">
+              <a:t>It was really discouraging. John was so proud of having put this damn thing together and people didn’t really get the idea of </a:t>
+            </a:r>
+            <a:r>
+              <a:rPr lang="en-US" sz="2000" i="1" dirty="0" err="1" smtClean="0">
                 <a:latin typeface="Lato" pitchFamily="34" charset="0"/>
               </a:rPr>
-              <a:t> Computer Research in Music </a:t>
-            </a:r>
-            <a:r>
-              <a:rPr lang="de-DE" sz="2000" dirty="0" err="1" smtClean="0">
+              <a:t>spatializing</a:t>
+            </a:r>
+            <a:r>
+              <a:rPr lang="en-US" sz="2000" i="1" dirty="0" smtClean="0">
                 <a:latin typeface="Lato" pitchFamily="34" charset="0"/>
               </a:rPr>
-              <a:t>and</a:t>
-            </a:r>
-            <a:r>
-              <a:rPr lang="de-DE" sz="2000" dirty="0" smtClean="0">
-                <a:latin typeface="Lato" pitchFamily="34" charset="0"/>
-              </a:rPr>
-              <a:t> </a:t>
-            </a:r>
-            <a:r>
-              <a:rPr lang="de-DE" sz="2000" dirty="0" err="1" smtClean="0">
-                <a:latin typeface="Lato" pitchFamily="34" charset="0"/>
-              </a:rPr>
-              <a:t>Acoustics</a:t>
-            </a:r>
+              <a:t> the sound.”</a:t>
+            </a:r>
+            <a:endParaRPr lang="de-DE" sz="2000" i="1" dirty="0" smtClean="0">
+              <a:latin typeface="Lato" pitchFamily="34" charset="0"/>
+            </a:endParaRPr>
+          </a:p>
+          <a:p>
             <a:endParaRPr lang="de-DE" sz="2000" dirty="0" smtClean="0">
               <a:latin typeface="Lato" pitchFamily="34" charset="0"/>
             </a:endParaRPr>
           </a:p>
-        </p:txBody>
-      </p:sp>
-      <p:sp>
-        <p:nvSpPr>
-          <p:cNvPr id="8" name="Titel 1"/>
-          <p:cNvSpPr>
-            <a:spLocks noGrp="1"/>
-          </p:cNvSpPr>
-          <p:nvPr>
-            <p:ph type="title"/>
-          </p:nvPr>
-        </p:nvSpPr>
-        <p:spPr>
-          <a:xfrm>
-            <a:off x="457200" y="205979"/>
-            <a:ext cx="8229600" cy="857250"/>
-          </a:xfrm>
-        </p:spPr>
-        <p:txBody>
-          <a:bodyPr>
-            <a:normAutofit/>
-          </a:bodyPr>
-          <a:lstStyle/>
-          <a:p>
-            <a:r>
-              <a:rPr lang="de-DE" sz="2800" dirty="0" smtClean="0">
-                <a:latin typeface="Lato" pitchFamily="34" charset="0"/>
-              </a:rPr>
-              <a:t>Geschichte der FM-Synthese</a:t>
-            </a:r>
-            <a:endParaRPr lang="de-DE" sz="2800" dirty="0">
+          <a:p>
+            <a:endParaRPr lang="de-DE" sz="2000" dirty="0" smtClean="0">
               <a:latin typeface="Lato" pitchFamily="34" charset="0"/>
             </a:endParaRPr>
           </a:p>
@@ -5587,7 +5772,7 @@
           <a:bodyPr/>
           <a:lstStyle/>
           <a:p>
-            <a:fld id="{CBD29002-DD08-4B8B-8D0E-E18685283E8F}" type="datetime1">
+            <a:fld id="{00B76B82-E15A-4F92-B838-853BA8CDA07B}" type="datetime1">
               <a:rPr lang="de-DE" smtClean="0"/>
               <a:t>19.06.2015</a:t>
             </a:fld>
@@ -5652,44 +5837,20 @@
           </a:p>
         </p:txBody>
       </p:sp>
-      <p:pic>
-        <p:nvPicPr>
-          <p:cNvPr id="29698" name="Picture 2" descr="D:\Julius\Documents\GitHub\VSeminar\Dok\Kapitel\img\Founders_CCRMA.png"/>
-          <p:cNvPicPr>
-            <a:picLocks noChangeAspect="1" noChangeArrowheads="1"/>
-          </p:cNvPicPr>
-          <p:nvPr/>
-        </p:nvPicPr>
-        <p:blipFill rotWithShape="1">
-          <a:blip r:embed="rId2" cstate="print"/>
-          <a:srcRect b="8510"/>
-          <a:stretch/>
-        </p:blipFill>
-        <p:spPr bwMode="auto">
-          <a:xfrm>
-            <a:off x="2106086" y="915566"/>
-            <a:ext cx="4947107" cy="3096344"/>
-          </a:xfrm>
-          <a:prstGeom prst="rect">
-            <a:avLst/>
-          </a:prstGeom>
-          <a:noFill/>
-        </p:spPr>
-      </p:pic>
-      <p:sp>
-        <p:nvSpPr>
-          <p:cNvPr id="8" name="Titel 1"/>
-          <p:cNvSpPr>
-            <a:spLocks noGrp="1"/>
-          </p:cNvSpPr>
-          <p:nvPr>
-            <p:ph type="title"/>
-          </p:nvPr>
-        </p:nvSpPr>
-        <p:spPr>
-          <a:xfrm>
-            <a:off x="457200" y="205979"/>
-            <a:ext cx="8229600" cy="857250"/>
+      <p:sp>
+        <p:nvSpPr>
+          <p:cNvPr id="7" name="Inhaltsplatzhalter 2"/>
+          <p:cNvSpPr>
+            <a:spLocks noGrp="1"/>
+          </p:cNvSpPr>
+          <p:nvPr>
+            <p:ph idx="1"/>
+          </p:nvPr>
+        </p:nvSpPr>
+        <p:spPr>
+          <a:xfrm>
+            <a:off x="467544" y="1347614"/>
+            <a:ext cx="8229600" cy="2838946"/>
           </a:xfrm>
         </p:spPr>
         <p:txBody>
@@ -5699,10 +5860,155 @@
           <a:lstStyle/>
           <a:p>
             <a:r>
+              <a:rPr lang="de-DE" sz="2000" dirty="0" smtClean="0">
+                <a:latin typeface="Lato" pitchFamily="34" charset="0"/>
+              </a:rPr>
+              <a:t>1973: Veröffentlichung der Erfindung</a:t>
+            </a:r>
+          </a:p>
+          <a:p>
+            <a:r>
+              <a:rPr lang="de-DE" sz="2000" dirty="0" smtClean="0">
+                <a:latin typeface="Lato" pitchFamily="34" charset="0"/>
+              </a:rPr>
+              <a:t>1974: Vorstellung der FM-Synthese bei Yamaha</a:t>
+            </a:r>
+          </a:p>
+          <a:p>
+            <a:r>
+              <a:rPr lang="de-DE" sz="2000" dirty="0" err="1" smtClean="0">
+                <a:latin typeface="Lato" pitchFamily="34" charset="0"/>
+              </a:rPr>
+              <a:t>Kazukiyo</a:t>
+            </a:r>
+            <a:r>
+              <a:rPr lang="de-DE" sz="2000" dirty="0" smtClean="0">
+                <a:latin typeface="Lato" pitchFamily="34" charset="0"/>
+              </a:rPr>
+              <a:t> </a:t>
+            </a:r>
+            <a:r>
+              <a:rPr lang="de-DE" sz="2000" dirty="0" err="1" smtClean="0">
+                <a:latin typeface="Lato" pitchFamily="34" charset="0"/>
+              </a:rPr>
+              <a:t>Ishimura</a:t>
+            </a:r>
+            <a:r>
+              <a:rPr lang="de-DE" sz="2000" dirty="0" smtClean="0">
+                <a:latin typeface="Lato" pitchFamily="34" charset="0"/>
+              </a:rPr>
+              <a:t> erkannte das Potenzial</a:t>
+            </a:r>
+          </a:p>
+          <a:p>
+            <a:r>
+              <a:rPr lang="de-DE" sz="2000" dirty="0" smtClean="0">
+                <a:latin typeface="Lato" pitchFamily="34" charset="0"/>
+              </a:rPr>
+              <a:t>Yamaha lizensiert die FM-Synthese im gleichen Jahr</a:t>
+            </a:r>
+          </a:p>
+          <a:p>
+            <a:r>
+              <a:rPr lang="de-DE" sz="2000" dirty="0" smtClean="0">
+                <a:latin typeface="Lato" pitchFamily="34" charset="0"/>
+              </a:rPr>
+              <a:t>1975: </a:t>
+            </a:r>
+            <a:r>
+              <a:rPr lang="de-DE" sz="2000" dirty="0" err="1" smtClean="0">
+                <a:latin typeface="Lato" pitchFamily="34" charset="0"/>
+              </a:rPr>
+              <a:t>Chowning</a:t>
+            </a:r>
+            <a:r>
+              <a:rPr lang="de-DE" sz="2000" dirty="0" smtClean="0">
+                <a:latin typeface="Lato" pitchFamily="34" charset="0"/>
+              </a:rPr>
+              <a:t> kehrt nach Stanford zurück</a:t>
+            </a:r>
+          </a:p>
+          <a:p>
+            <a:r>
+              <a:rPr lang="de-DE" sz="2000" dirty="0" smtClean="0">
+                <a:latin typeface="Lato" pitchFamily="34" charset="0"/>
+              </a:rPr>
+              <a:t>Gründung des CCRMA („Karma“) </a:t>
+            </a:r>
+          </a:p>
+          <a:p>
+            <a:pPr>
+              <a:buNone/>
+            </a:pPr>
+            <a:r>
+              <a:rPr lang="de-DE" sz="2000" dirty="0" smtClean="0">
+                <a:latin typeface="Lato" pitchFamily="34" charset="0"/>
+              </a:rPr>
+              <a:t>	– Center </a:t>
+            </a:r>
+            <a:r>
+              <a:rPr lang="de-DE" sz="2000" dirty="0" err="1" smtClean="0">
+                <a:latin typeface="Lato" pitchFamily="34" charset="0"/>
+              </a:rPr>
+              <a:t>for</a:t>
+            </a:r>
+            <a:r>
+              <a:rPr lang="de-DE" sz="2000" dirty="0" smtClean="0">
+                <a:latin typeface="Lato" pitchFamily="34" charset="0"/>
+              </a:rPr>
+              <a:t> Computer Research in Music </a:t>
+            </a:r>
+            <a:r>
+              <a:rPr lang="de-DE" sz="2000" dirty="0" err="1" smtClean="0">
+                <a:latin typeface="Lato" pitchFamily="34" charset="0"/>
+              </a:rPr>
+              <a:t>and</a:t>
+            </a:r>
+            <a:r>
+              <a:rPr lang="de-DE" sz="2000" dirty="0" smtClean="0">
+                <a:latin typeface="Lato" pitchFamily="34" charset="0"/>
+              </a:rPr>
+              <a:t> </a:t>
+            </a:r>
+            <a:r>
+              <a:rPr lang="de-DE" sz="2000" dirty="0" err="1" smtClean="0">
+                <a:latin typeface="Lato" pitchFamily="34" charset="0"/>
+              </a:rPr>
+              <a:t>Acoustics</a:t>
+            </a:r>
+            <a:endParaRPr lang="de-DE" sz="2000" dirty="0" smtClean="0">
+              <a:latin typeface="Lato" pitchFamily="34" charset="0"/>
+            </a:endParaRPr>
+          </a:p>
+        </p:txBody>
+      </p:sp>
+      <p:sp>
+        <p:nvSpPr>
+          <p:cNvPr id="8" name="Titel 1"/>
+          <p:cNvSpPr>
+            <a:spLocks noGrp="1"/>
+          </p:cNvSpPr>
+          <p:nvPr>
+            <p:ph type="title"/>
+          </p:nvPr>
+        </p:nvSpPr>
+        <p:spPr>
+          <a:xfrm>
+            <a:off x="457200" y="205979"/>
+            <a:ext cx="8229600" cy="857250"/>
+          </a:xfrm>
+        </p:spPr>
+        <p:txBody>
+          <a:bodyPr>
+            <a:normAutofit/>
+          </a:bodyPr>
+          <a:lstStyle/>
+          <a:p>
+            <a:r>
               <a:rPr lang="de-DE" sz="2800" dirty="0" smtClean="0">
                 <a:latin typeface="Lato" pitchFamily="34" charset="0"/>
               </a:rPr>
-              <a:t>Gründer des CCRMA</a:t>
+              <a:t>Geschichte der FM-Synthese</a:t>
             </a:r>
             <a:endParaRPr lang="de-DE" sz="2800" dirty="0">
               <a:latin typeface="Lato" pitchFamily="34" charset="0"/>
@@ -5710,30 +6016,6 @@
           </a:p>
         </p:txBody>
       </p:sp>
-      <p:pic>
-        <p:nvPicPr>
-          <p:cNvPr id="10" name="Grafik 9"/>
-          <p:cNvPicPr>
-            <a:picLocks noChangeAspect="1"/>
-          </p:cNvPicPr>
-          <p:nvPr/>
-        </p:nvPicPr>
-        <p:blipFill>
-          <a:blip r:embed="rId3"/>
-          <a:stretch>
-            <a:fillRect/>
-          </a:stretch>
-        </p:blipFill>
-        <p:spPr>
-          <a:xfrm>
-            <a:off x="3383868" y="4111519"/>
-            <a:ext cx="2376264" cy="234863"/>
-          </a:xfrm>
-          <a:prstGeom prst="rect">
-            <a:avLst/>
-          </a:prstGeom>
-        </p:spPr>
-      </p:pic>
     </p:spTree>
   </p:cSld>
   <p:clrMapOvr>
@@ -5786,7 +6068,7 @@
           <a:bodyPr/>
           <a:lstStyle/>
           <a:p>
-            <a:fld id="{D7189504-FB42-40CE-B2BB-CA1D3CB1B385}" type="datetime1">
+            <a:fld id="{CBD29002-DD08-4B8B-8D0E-E18685283E8F}" type="datetime1">
               <a:rPr lang="de-DE" smtClean="0"/>
               <a:t>19.06.2015</a:t>
             </a:fld>
@@ -5851,20 +6133,44 @@
           </a:p>
         </p:txBody>
       </p:sp>
-      <p:sp>
-        <p:nvSpPr>
-          <p:cNvPr id="7" name="Inhaltsplatzhalter 2"/>
-          <p:cNvSpPr>
-            <a:spLocks noGrp="1"/>
-          </p:cNvSpPr>
-          <p:nvPr>
-            <p:ph idx="1"/>
-          </p:nvPr>
-        </p:nvSpPr>
-        <p:spPr>
-          <a:xfrm>
-            <a:off x="467544" y="1677020"/>
-            <a:ext cx="8229600" cy="2838946"/>
+      <p:pic>
+        <p:nvPicPr>
+          <p:cNvPr id="29698" name="Picture 2" descr="D:\Julius\Documents\GitHub\VSeminar\Dok\Kapitel\img\Founders_CCRMA.png"/>
+          <p:cNvPicPr>
+            <a:picLocks noChangeAspect="1" noChangeArrowheads="1"/>
+          </p:cNvPicPr>
+          <p:nvPr/>
+        </p:nvPicPr>
+        <p:blipFill rotWithShape="1">
+          <a:blip r:embed="rId2" cstate="print"/>
+          <a:srcRect b="8510"/>
+          <a:stretch/>
+        </p:blipFill>
+        <p:spPr bwMode="auto">
+          <a:xfrm>
+            <a:off x="2106086" y="915566"/>
+            <a:ext cx="4947107" cy="3096344"/>
+          </a:xfrm>
+          <a:prstGeom prst="rect">
+            <a:avLst/>
+          </a:prstGeom>
+          <a:noFill/>
+        </p:spPr>
+      </p:pic>
+      <p:sp>
+        <p:nvSpPr>
+          <p:cNvPr id="8" name="Titel 1"/>
+          <p:cNvSpPr>
+            <a:spLocks noGrp="1"/>
+          </p:cNvSpPr>
+          <p:nvPr>
+            <p:ph type="title"/>
+          </p:nvPr>
+        </p:nvSpPr>
+        <p:spPr>
+          <a:xfrm>
+            <a:off x="457200" y="205979"/>
+            <a:ext cx="8229600" cy="857250"/>
           </a:xfrm>
         </p:spPr>
         <p:txBody>
@@ -5874,78 +6180,10 @@
           <a:lstStyle/>
           <a:p>
             <a:r>
-              <a:rPr lang="de-DE" sz="2000" dirty="0" smtClean="0">
+              <a:rPr lang="de-DE" sz="2800" dirty="0" smtClean="0">
                 <a:latin typeface="Lato" pitchFamily="34" charset="0"/>
               </a:rPr>
-              <a:t>Großer Erfolg für Yamaha</a:t>
-            </a:r>
-          </a:p>
-          <a:p>
-            <a:r>
-              <a:rPr lang="de-DE" sz="2000" dirty="0" smtClean="0">
-                <a:latin typeface="Lato" pitchFamily="34" charset="0"/>
-              </a:rPr>
-              <a:t>Erste FM-Synthesizer: GS1 (1980) und GS2 (1982)</a:t>
-            </a:r>
-          </a:p>
-          <a:p>
-            <a:r>
-              <a:rPr lang="de-DE" sz="2000" dirty="0" smtClean="0">
-                <a:latin typeface="Lato" pitchFamily="34" charset="0"/>
-              </a:rPr>
-              <a:t>Kosten: 30.000 DM und 16.000 DM</a:t>
-            </a:r>
-          </a:p>
-          <a:p>
-            <a:r>
-              <a:rPr lang="de-DE" sz="2000" dirty="0" smtClean="0">
-                <a:latin typeface="Lato" pitchFamily="34" charset="0"/>
-              </a:rPr>
-              <a:t>Durchbruch 1983 mit dem DX7</a:t>
-            </a:r>
-          </a:p>
-          <a:p>
-            <a:pPr>
-              <a:buNone/>
-            </a:pPr>
-            <a:endParaRPr lang="de-DE" sz="2000" dirty="0" smtClean="0">
-              <a:latin typeface="Lato" pitchFamily="34" charset="0"/>
-            </a:endParaRPr>
-          </a:p>
-          <a:p>
-            <a:endParaRPr lang="de-DE" sz="2000" dirty="0" smtClean="0">
-              <a:latin typeface="Lato" pitchFamily="34" charset="0"/>
-            </a:endParaRPr>
-          </a:p>
-        </p:txBody>
-      </p:sp>
-      <p:sp>
-        <p:nvSpPr>
-          <p:cNvPr id="8" name="Titel 1"/>
-          <p:cNvSpPr>
-            <a:spLocks noGrp="1"/>
-          </p:cNvSpPr>
-          <p:nvPr>
-            <p:ph type="title"/>
-          </p:nvPr>
-        </p:nvSpPr>
-        <p:spPr>
-          <a:xfrm>
-            <a:off x="457200" y="205979"/>
-            <a:ext cx="8229600" cy="857250"/>
-          </a:xfrm>
-        </p:spPr>
-        <p:txBody>
-          <a:bodyPr>
-            <a:normAutofit/>
-          </a:bodyPr>
-          <a:lstStyle/>
-          <a:p>
-            <a:r>
-              <a:rPr lang="de-DE" sz="2800" dirty="0" smtClean="0">
-                <a:latin typeface="Lato" pitchFamily="34" charset="0"/>
-              </a:rPr>
-              <a:t>Geschichte der FM-Synthese</a:t>
+              <a:t>Gründer des CCRMA</a:t>
             </a:r>
             <a:endParaRPr lang="de-DE" sz="2800" dirty="0">
               <a:latin typeface="Lato" pitchFamily="34" charset="0"/>
@@ -5953,6 +6191,30 @@
           </a:p>
         </p:txBody>
       </p:sp>
+      <p:pic>
+        <p:nvPicPr>
+          <p:cNvPr id="10" name="Grafik 9"/>
+          <p:cNvPicPr>
+            <a:picLocks noChangeAspect="1"/>
+          </p:cNvPicPr>
+          <p:nvPr/>
+        </p:nvPicPr>
+        <p:blipFill>
+          <a:blip r:embed="rId3"/>
+          <a:stretch>
+            <a:fillRect/>
+          </a:stretch>
+        </p:blipFill>
+        <p:spPr>
+          <a:xfrm>
+            <a:off x="3383868" y="4111519"/>
+            <a:ext cx="2376264" cy="234863"/>
+          </a:xfrm>
+          <a:prstGeom prst="rect">
+            <a:avLst/>
+          </a:prstGeom>
+        </p:spPr>
+      </p:pic>
     </p:spTree>
   </p:cSld>
   <p:clrMapOvr>
@@ -6005,7 +6267,7 @@
           <a:bodyPr/>
           <a:lstStyle/>
           <a:p>
-            <a:fld id="{8C72BFCD-6DDC-4F0C-B207-AE3CB62F0D09}" type="datetime1">
+            <a:fld id="{D7189504-FB42-40CE-B2BB-CA1D3CB1B385}" type="datetime1">
               <a:rPr lang="de-DE" smtClean="0"/>
               <a:t>19.06.2015</a:t>
             </a:fld>
@@ -6070,46 +6332,20 @@
           </a:p>
         </p:txBody>
       </p:sp>
-      <p:pic>
-        <p:nvPicPr>
-          <p:cNvPr id="20484" name="Picture 4" descr="http://www.electricdruid.net/images/interface/larger/YamahaDX7.jpg"/>
-          <p:cNvPicPr>
-            <a:picLocks noChangeAspect="1" noChangeArrowheads="1"/>
-          </p:cNvPicPr>
-          <p:nvPr/>
-        </p:nvPicPr>
-        <p:blipFill>
-          <a:blip r:embed="rId2" cstate="print"/>
-          <a:srcRect/>
-          <a:stretch>
-            <a:fillRect/>
-          </a:stretch>
-        </p:blipFill>
-        <p:spPr bwMode="auto">
-          <a:xfrm>
-            <a:off x="755576" y="1397265"/>
-            <a:ext cx="7704856" cy="2614645"/>
-          </a:xfrm>
-          <a:prstGeom prst="rect">
-            <a:avLst/>
-          </a:prstGeom>
-          <a:noFill/>
-        </p:spPr>
-      </p:pic>
-      <p:sp>
-        <p:nvSpPr>
-          <p:cNvPr id="9" name="Titel 1"/>
-          <p:cNvSpPr>
-            <a:spLocks noGrp="1"/>
-          </p:cNvSpPr>
-          <p:nvPr>
-            <p:ph type="title"/>
-          </p:nvPr>
-        </p:nvSpPr>
-        <p:spPr>
-          <a:xfrm>
-            <a:off x="457200" y="205979"/>
-            <a:ext cx="8229600" cy="857250"/>
+      <p:sp>
+        <p:nvSpPr>
+          <p:cNvPr id="7" name="Inhaltsplatzhalter 2"/>
+          <p:cNvSpPr>
+            <a:spLocks noGrp="1"/>
+          </p:cNvSpPr>
+          <p:nvPr>
+            <p:ph idx="1"/>
+          </p:nvPr>
+        </p:nvSpPr>
+        <p:spPr>
+          <a:xfrm>
+            <a:off x="467544" y="1677020"/>
+            <a:ext cx="8229600" cy="2838946"/>
           </a:xfrm>
         </p:spPr>
         <p:txBody>
@@ -6119,60 +6355,82 @@
           <a:lstStyle/>
           <a:p>
             <a:r>
+              <a:rPr lang="de-DE" sz="2000" dirty="0" smtClean="0">
+                <a:latin typeface="Lato" pitchFamily="34" charset="0"/>
+              </a:rPr>
+              <a:t>Großer Erfolg für Yamaha</a:t>
+            </a:r>
+          </a:p>
+          <a:p>
+            <a:r>
+              <a:rPr lang="de-DE" sz="2000" dirty="0" smtClean="0">
+                <a:latin typeface="Lato" pitchFamily="34" charset="0"/>
+              </a:rPr>
+              <a:t>Erste FM-Synthesizer: GS1 (1980) und GS2 (1982)</a:t>
+            </a:r>
+          </a:p>
+          <a:p>
+            <a:r>
+              <a:rPr lang="de-DE" sz="2000" dirty="0" smtClean="0">
+                <a:latin typeface="Lato" pitchFamily="34" charset="0"/>
+              </a:rPr>
+              <a:t>Kosten: 30.000 DM und 16.000 DM</a:t>
+            </a:r>
+          </a:p>
+          <a:p>
+            <a:r>
+              <a:rPr lang="de-DE" sz="2000" dirty="0" smtClean="0">
+                <a:latin typeface="Lato" pitchFamily="34" charset="0"/>
+              </a:rPr>
+              <a:t>Durchbruch 1983 mit dem DX7</a:t>
+            </a:r>
+          </a:p>
+          <a:p>
+            <a:pPr>
+              <a:buNone/>
+            </a:pPr>
+            <a:endParaRPr lang="de-DE" sz="2000" dirty="0" smtClean="0">
+              <a:latin typeface="Lato" pitchFamily="34" charset="0"/>
+            </a:endParaRPr>
+          </a:p>
+          <a:p>
+            <a:endParaRPr lang="de-DE" sz="2000" dirty="0" smtClean="0">
+              <a:latin typeface="Lato" pitchFamily="34" charset="0"/>
+            </a:endParaRPr>
+          </a:p>
+        </p:txBody>
+      </p:sp>
+      <p:sp>
+        <p:nvSpPr>
+          <p:cNvPr id="8" name="Titel 1"/>
+          <p:cNvSpPr>
+            <a:spLocks noGrp="1"/>
+          </p:cNvSpPr>
+          <p:nvPr>
+            <p:ph type="title"/>
+          </p:nvPr>
+        </p:nvSpPr>
+        <p:spPr>
+          <a:xfrm>
+            <a:off x="457200" y="205979"/>
+            <a:ext cx="8229600" cy="857250"/>
+          </a:xfrm>
+        </p:spPr>
+        <p:txBody>
+          <a:bodyPr>
+            <a:normAutofit/>
+          </a:bodyPr>
+          <a:lstStyle/>
+          <a:p>
+            <a:r>
               <a:rPr lang="de-DE" sz="2800" dirty="0" smtClean="0">
                 <a:latin typeface="Lato" pitchFamily="34" charset="0"/>
               </a:rPr>
-              <a:t>Yamaha DX7</a:t>
+              <a:t>Geschichte der FM-Synthese</a:t>
             </a:r>
             <a:endParaRPr lang="de-DE" sz="2800" dirty="0">
               <a:latin typeface="Lato" pitchFamily="34" charset="0"/>
             </a:endParaRPr>
-          </a:p>
-        </p:txBody>
-      </p:sp>
-      <p:sp>
-        <p:nvSpPr>
-          <p:cNvPr id="8" name="Textfeld 7"/>
-          <p:cNvSpPr txBox="1"/>
-          <p:nvPr/>
-        </p:nvSpPr>
-        <p:spPr>
-          <a:xfrm>
-            <a:off x="2247043" y="3986343"/>
-            <a:ext cx="4721921" cy="400110"/>
-          </a:xfrm>
-          <a:prstGeom prst="rect">
-            <a:avLst/>
-          </a:prstGeom>
-          <a:noFill/>
-        </p:spPr>
-        <p:txBody>
-          <a:bodyPr wrap="square" rtlCol="0">
-            <a:spAutoFit/>
-          </a:bodyPr>
-          <a:lstStyle/>
-          <a:p>
-            <a:pPr algn="ctr"/>
-            <a:r>
-              <a:rPr lang="de-DE" sz="1000" dirty="0" smtClean="0"/>
-              <a:t>Quelle</a:t>
-            </a:r>
-            <a:r>
-              <a:rPr lang="de-DE" sz="1000" dirty="0"/>
-              <a:t>: http://</a:t>
-            </a:r>
-            <a:r>
-              <a:rPr lang="de-DE" sz="1000" dirty="0" smtClean="0"/>
-              <a:t>www.electricdruid.net/images/interface/larger/YamahaDX7.jpg</a:t>
-            </a:r>
-          </a:p>
-          <a:p>
-            <a:pPr algn="ctr"/>
-            <a:r>
-              <a:rPr lang="de-DE" sz="1000" dirty="0" smtClean="0"/>
-              <a:t>Stand: 18.06.2015</a:t>
-            </a:r>
-            <a:endParaRPr lang="de-DE" sz="1000" dirty="0"/>
           </a:p>
         </p:txBody>
       </p:sp>
@@ -6210,76 +6468,29 @@
       </p:grpSpPr>
       <p:sp>
         <p:nvSpPr>
-          <p:cNvPr id="3" name="Inhaltsplatzhalter 2"/>
-          <p:cNvSpPr>
-            <a:spLocks noGrp="1"/>
-          </p:cNvSpPr>
-          <p:nvPr>
-            <p:ph idx="1"/>
-          </p:nvPr>
-        </p:nvSpPr>
-        <p:spPr>
-          <a:xfrm>
-            <a:off x="457200" y="987574"/>
-            <a:ext cx="8229600" cy="1224136"/>
+          <p:cNvPr id="4" name="Datumsplatzhalter 3"/>
+          <p:cNvSpPr>
+            <a:spLocks noGrp="1"/>
+          </p:cNvSpPr>
+          <p:nvPr>
+            <p:ph type="dt" sz="half" idx="10"/>
+          </p:nvPr>
+        </p:nvSpPr>
+        <p:spPr>
+          <a:xfrm>
+            <a:off x="6588224" y="4876006"/>
+            <a:ext cx="2133600" cy="273844"/>
           </a:xfrm>
         </p:spPr>
         <p:txBody>
           <a:bodyPr/>
           <a:lstStyle/>
           <a:p>
-            <a:r>
-              <a:rPr lang="de-DE" sz="2000" dirty="0"/>
-              <a:t>Parallele Verarbeitung von 16 </a:t>
-            </a:r>
-            <a:r>
-              <a:rPr lang="de-DE" sz="2000" dirty="0" smtClean="0"/>
-              <a:t>Stimmen</a:t>
-            </a:r>
-          </a:p>
-          <a:p>
-            <a:r>
-              <a:rPr lang="de-DE" sz="2000" dirty="0" smtClean="0"/>
-              <a:t>6 einstellbare Operatoren</a:t>
-            </a:r>
-          </a:p>
-          <a:p>
-            <a:r>
-              <a:rPr lang="de-DE" sz="2000" dirty="0" smtClean="0"/>
-              <a:t>32 verschiedene Algorithmen</a:t>
-            </a:r>
-          </a:p>
-          <a:p>
-            <a:endParaRPr lang="de-DE" dirty="0" smtClean="0"/>
-          </a:p>
-          <a:p>
-            <a:endParaRPr lang="de-DE" dirty="0" smtClean="0"/>
-          </a:p>
-          <a:p>
-            <a:endParaRPr lang="de-DE" dirty="0"/>
-          </a:p>
-        </p:txBody>
-      </p:sp>
-      <p:sp>
-        <p:nvSpPr>
-          <p:cNvPr id="4" name="Datumsplatzhalter 3"/>
-          <p:cNvSpPr>
-            <a:spLocks noGrp="1"/>
-          </p:cNvSpPr>
-          <p:nvPr>
-            <p:ph type="dt" sz="half" idx="10"/>
-          </p:nvPr>
-        </p:nvSpPr>
-        <p:spPr/>
-        <p:txBody>
-          <a:bodyPr/>
-          <a:lstStyle/>
-          <a:p>
-            <a:fld id="{9369858E-D1D1-4BAC-A564-46FF792CFAC7}" type="datetime1">
+            <a:fld id="{8C72BFCD-6DDC-4F0C-B207-AE3CB62F0D09}" type="datetime1">
               <a:rPr lang="de-DE" smtClean="0"/>
               <a:t>19.06.2015</a:t>
             </a:fld>
-            <a:endParaRPr lang="de-DE" dirty="0"/>
+            <a:endParaRPr lang="de-DE"/>
           </a:p>
         </p:txBody>
       </p:sp>
@@ -6293,7 +6504,12 @@
             <p:ph type="ftr" sz="quarter" idx="11"/>
           </p:nvPr>
         </p:nvSpPr>
-        <p:spPr/>
+        <p:spPr>
+          <a:xfrm>
+            <a:off x="3131840" y="4876006"/>
+            <a:ext cx="2895600" cy="273844"/>
+          </a:xfrm>
+        </p:spPr>
         <p:txBody>
           <a:bodyPr/>
           <a:lstStyle/>
@@ -6302,7 +6518,7 @@
               <a:rPr lang="de-DE" smtClean="0"/>
               <a:t>FM-Synthese</a:t>
             </a:r>
-            <a:endParaRPr lang="de-DE" dirty="0"/>
+            <a:endParaRPr lang="de-DE"/>
           </a:p>
         </p:txBody>
       </p:sp>
@@ -6316,7 +6532,12 @@
             <p:ph type="sldNum" sz="quarter" idx="12"/>
           </p:nvPr>
         </p:nvSpPr>
-        <p:spPr/>
+        <p:spPr>
+          <a:xfrm>
+            <a:off x="0" y="4869656"/>
+            <a:ext cx="467544" cy="273844"/>
+          </a:xfrm>
+        </p:spPr>
         <p:txBody>
           <a:bodyPr/>
           <a:lstStyle/>
@@ -6326,117 +6547,86 @@
               <a:pPr/>
               <a:t>19</a:t>
             </a:fld>
-            <a:r>
-              <a:rPr lang="de-DE" smtClean="0"/>
-              <a:t>   </a:t>
-            </a:r>
             <a:endParaRPr lang="de-DE" dirty="0"/>
-          </a:p>
-        </p:txBody>
-      </p:sp>
-      <p:sp>
-        <p:nvSpPr>
-          <p:cNvPr id="7" name="Titel 1"/>
-          <p:cNvSpPr>
-            <a:spLocks noGrp="1"/>
-          </p:cNvSpPr>
-          <p:nvPr>
-            <p:ph type="title"/>
-          </p:nvPr>
-        </p:nvSpPr>
-        <p:spPr/>
-        <p:txBody>
-          <a:bodyPr>
-            <a:normAutofit/>
-          </a:bodyPr>
-          <a:lstStyle/>
-          <a:p>
-            <a:r>
-              <a:rPr lang="de-DE" sz="2800" dirty="0" smtClean="0">
-                <a:latin typeface="Lato" pitchFamily="34" charset="0"/>
-              </a:rPr>
-              <a:t>Yamaha DX7</a:t>
-            </a:r>
-            <a:endParaRPr lang="de-DE" sz="2800" dirty="0">
-              <a:latin typeface="Lato" pitchFamily="34" charset="0"/>
-            </a:endParaRPr>
           </a:p>
         </p:txBody>
       </p:sp>
       <p:pic>
         <p:nvPicPr>
-          <p:cNvPr id="8" name="Grafik 7"/>
+          <p:cNvPr id="20484" name="Picture 4" descr="http://www.electricdruid.net/images/interface/larger/YamahaDX7.jpg"/>
           <p:cNvPicPr>
-            <a:picLocks noChangeAspect="1"/>
+            <a:picLocks noChangeAspect="1" noChangeArrowheads="1"/>
           </p:cNvPicPr>
           <p:nvPr/>
         </p:nvPicPr>
-        <p:blipFill rotWithShape="1">
-          <a:blip r:embed="rId2">
-            <a:extLst>
-              <a:ext uri="{28A0092B-C50C-407E-A947-70E740481C1C}">
-                <a14:useLocalDpi xmlns:a14="http://schemas.microsoft.com/office/drawing/2010/main" val="0"/>
-              </a:ext>
-            </a:extLst>
-          </a:blip>
-          <a:srcRect l="5088" b="7049"/>
-          <a:stretch/>
+        <p:blipFill>
+          <a:blip r:embed="rId2" cstate="print"/>
+          <a:srcRect/>
+          <a:stretch>
+            <a:fillRect/>
+          </a:stretch>
         </p:blipFill>
-        <p:spPr>
-          <a:xfrm>
-            <a:off x="827584" y="2211710"/>
-            <a:ext cx="4029918" cy="1898843"/>
-          </a:xfrm>
-          <a:prstGeom prst="rect">
-            <a:avLst/>
-          </a:prstGeom>
-        </p:spPr>
-      </p:pic>
-      <p:pic>
-        <p:nvPicPr>
-          <p:cNvPr id="9" name="Grafik 8"/>
-          <p:cNvPicPr>
-            <a:picLocks noChangeAspect="1"/>
-          </p:cNvPicPr>
-          <p:nvPr/>
-        </p:nvPicPr>
-        <p:blipFill rotWithShape="1">
-          <a:blip r:embed="rId3">
-            <a:extLst>
-              <a:ext uri="{28A0092B-C50C-407E-A947-70E740481C1C}">
-                <a14:useLocalDpi xmlns:a14="http://schemas.microsoft.com/office/drawing/2010/main" val="0"/>
-              </a:ext>
-            </a:extLst>
-          </a:blip>
-          <a:srcRect t="16484" b="24671"/>
-          <a:stretch/>
-        </p:blipFill>
-        <p:spPr>
-          <a:xfrm>
-            <a:off x="5220072" y="2211710"/>
-            <a:ext cx="3018102" cy="1895325"/>
-          </a:xfrm>
-          <a:prstGeom prst="rect">
-            <a:avLst/>
-          </a:prstGeom>
-        </p:spPr>
-      </p:pic>
-      <p:sp>
-        <p:nvSpPr>
-          <p:cNvPr id="10" name="Textfeld 9"/>
-          <p:cNvSpPr txBox="1"/>
-          <p:nvPr/>
-        </p:nvSpPr>
-        <p:spPr>
-          <a:xfrm>
-            <a:off x="233772" y="4150831"/>
-            <a:ext cx="8738678" cy="553998"/>
+        <p:spPr bwMode="auto">
+          <a:xfrm>
+            <a:off x="755576" y="1397265"/>
+            <a:ext cx="7704856" cy="2614645"/>
           </a:xfrm>
           <a:prstGeom prst="rect">
             <a:avLst/>
           </a:prstGeom>
           <a:noFill/>
         </p:spPr>
+      </p:pic>
+      <p:sp>
+        <p:nvSpPr>
+          <p:cNvPr id="9" name="Titel 1"/>
+          <p:cNvSpPr>
+            <a:spLocks noGrp="1"/>
+          </p:cNvSpPr>
+          <p:nvPr>
+            <p:ph type="title"/>
+          </p:nvPr>
+        </p:nvSpPr>
+        <p:spPr>
+          <a:xfrm>
+            <a:off x="457200" y="205979"/>
+            <a:ext cx="8229600" cy="857250"/>
+          </a:xfrm>
+        </p:spPr>
+        <p:txBody>
+          <a:bodyPr>
+            <a:normAutofit/>
+          </a:bodyPr>
+          <a:lstStyle/>
+          <a:p>
+            <a:r>
+              <a:rPr lang="de-DE" sz="2800" dirty="0" smtClean="0">
+                <a:latin typeface="Lato" pitchFamily="34" charset="0"/>
+              </a:rPr>
+              <a:t>Yamaha DX7</a:t>
+            </a:r>
+            <a:endParaRPr lang="de-DE" sz="2800" dirty="0">
+              <a:latin typeface="Lato" pitchFamily="34" charset="0"/>
+            </a:endParaRPr>
+          </a:p>
+        </p:txBody>
+      </p:sp>
+      <p:sp>
+        <p:nvSpPr>
+          <p:cNvPr id="8" name="Textfeld 7"/>
+          <p:cNvSpPr txBox="1"/>
+          <p:nvPr/>
+        </p:nvSpPr>
+        <p:spPr>
+          <a:xfrm>
+            <a:off x="2247043" y="3986343"/>
+            <a:ext cx="4721921" cy="400110"/>
+          </a:xfrm>
+          <a:prstGeom prst="rect">
+            <a:avLst/>
+          </a:prstGeom>
+          <a:noFill/>
+        </p:spPr>
         <p:txBody>
           <a:bodyPr wrap="square" rtlCol="0">
             <a:spAutoFit/>
@@ -6446,7 +6636,7 @@
             <a:pPr algn="ctr"/>
             <a:r>
               <a:rPr lang="de-DE" sz="1000" dirty="0" smtClean="0"/>
-              <a:t>Quellen</a:t>
+              <a:t>Quelle</a:t>
             </a:r>
             <a:r>
               <a:rPr lang="de-DE" sz="1000" dirty="0"/>
@@ -6454,21 +6644,6 @@
             </a:r>
             <a:r>
               <a:rPr lang="de-DE" sz="1000" dirty="0" smtClean="0"/>
-              <a:t>www.publicsurplus.com/sms/docviewer/aucdoc/IMG_0966.jpg?auc=674141&amp;docid=4542888</a:t>
-            </a:r>
-          </a:p>
-          <a:p>
-            <a:pPr algn="ctr"/>
-            <a:r>
-              <a:rPr lang="de-DE" sz="1000" dirty="0" smtClean="0"/>
-              <a:t>http</a:t>
-            </a:r>
-            <a:r>
-              <a:rPr lang="de-DE" sz="1000" dirty="0"/>
-              <a:t>://</a:t>
-            </a:r>
-            <a:r>
-              <a:rPr lang="de-DE" sz="1000" dirty="0" smtClean="0"/>
               <a:t>www.electricdruid.net/images/interface/larger/YamahaDX7.jpg</a:t>
             </a:r>
           </a:p>
@@ -6478,15 +6653,11 @@
               <a:rPr lang="de-DE" sz="1000" dirty="0" smtClean="0"/>
               <a:t>Stand: 18.06.2015</a:t>
             </a:r>
+            <a:endParaRPr lang="de-DE" sz="1000" dirty="0"/>
           </a:p>
         </p:txBody>
       </p:sp>
     </p:spTree>
-    <p:extLst>
-      <p:ext uri="{BB962C8B-B14F-4D97-AF65-F5344CB8AC3E}">
-        <p14:creationId xmlns:p14="http://schemas.microsoft.com/office/powerpoint/2010/main" val="964342535"/>
-      </p:ext>
-    </p:extLst>
   </p:cSld>
   <p:clrMapOvr>
     <a:masterClrMapping/>
@@ -6557,10 +6728,10 @@
           </a:lstStyle>
           <a:p>
             <a:r>
-              <a:rPr lang="de-DE" sz="3600" smtClean="0">
+              <a:rPr lang="de-DE" sz="3600" dirty="0" smtClean="0">
                 <a:latin typeface="Lato" pitchFamily="34" charset="0"/>
               </a:rPr>
-              <a:t>Gliederung</a:t>
+              <a:t>Agenda</a:t>
             </a:r>
             <a:endParaRPr lang="de-DE" sz="3600" dirty="0">
               <a:latin typeface="Lato" pitchFamily="34" charset="0"/>
@@ -6747,8 +6918,8 @@
           <a:p>
             <a:pPr algn="l">
               <a:tabLst>
-                <a:tab pos="2511425" algn="r"/>
-                <a:tab pos="2954338" algn="l"/>
+                <a:tab pos="2776538" algn="r"/>
+                <a:tab pos="3233738" algn="l"/>
               </a:tabLst>
             </a:pPr>
             <a:r>
@@ -6773,8 +6944,8 @@
           <a:p>
             <a:pPr algn="l">
               <a:tabLst>
-                <a:tab pos="2511425" algn="r"/>
-                <a:tab pos="2954338" algn="l"/>
+                <a:tab pos="2776538" algn="r"/>
+                <a:tab pos="3233738" algn="l"/>
               </a:tabLst>
             </a:pPr>
             <a:endParaRPr lang="de-DE" sz="1400" dirty="0" smtClean="0">
@@ -6787,8 +6958,8 @@
           <a:p>
             <a:pPr algn="l">
               <a:tabLst>
-                <a:tab pos="2511425" algn="r"/>
-                <a:tab pos="2954338" algn="l"/>
+                <a:tab pos="2776538" algn="r"/>
+                <a:tab pos="3233738" algn="l"/>
               </a:tabLst>
             </a:pPr>
             <a:r>
@@ -6819,8 +6990,8 @@
           <a:p>
             <a:pPr algn="l">
               <a:tabLst>
-                <a:tab pos="2511425" algn="r"/>
-                <a:tab pos="2954338" algn="l"/>
+                <a:tab pos="2776538" algn="r"/>
+                <a:tab pos="3233738" algn="l"/>
               </a:tabLst>
             </a:pPr>
             <a:endParaRPr lang="de-DE" sz="1400" dirty="0" smtClean="0">
@@ -6830,8 +7001,8 @@
           <a:p>
             <a:pPr algn="l">
               <a:tabLst>
-                <a:tab pos="2511425" algn="r"/>
-                <a:tab pos="2954338" algn="l"/>
+                <a:tab pos="2776538" algn="r"/>
+                <a:tab pos="3233738" algn="l"/>
               </a:tabLst>
             </a:pPr>
             <a:r>
@@ -6862,8 +7033,8 @@
           <a:p>
             <a:pPr algn="l">
               <a:tabLst>
-                <a:tab pos="2511425" algn="r"/>
-                <a:tab pos="2954338" algn="l"/>
+                <a:tab pos="2776538" algn="r"/>
+                <a:tab pos="3233738" algn="l"/>
               </a:tabLst>
             </a:pPr>
             <a:endParaRPr lang="de-DE" sz="1400" dirty="0" smtClean="0">
@@ -6873,8 +7044,8 @@
           <a:p>
             <a:pPr algn="l">
               <a:tabLst>
-                <a:tab pos="2511425" algn="r"/>
-                <a:tab pos="2954338" algn="l"/>
+                <a:tab pos="2776538" algn="r"/>
+                <a:tab pos="3233738" algn="l"/>
               </a:tabLst>
             </a:pPr>
             <a:r>
@@ -6940,6 +7111,58 @@
       </p:grpSpPr>
       <p:sp>
         <p:nvSpPr>
+          <p:cNvPr id="3" name="Inhaltsplatzhalter 2"/>
+          <p:cNvSpPr>
+            <a:spLocks noGrp="1"/>
+          </p:cNvSpPr>
+          <p:nvPr>
+            <p:ph idx="1"/>
+          </p:nvPr>
+        </p:nvSpPr>
+        <p:spPr>
+          <a:xfrm>
+            <a:off x="457200" y="987574"/>
+            <a:ext cx="8229600" cy="1224136"/>
+          </a:xfrm>
+        </p:spPr>
+        <p:txBody>
+          <a:bodyPr/>
+          <a:lstStyle/>
+          <a:p>
+            <a:r>
+              <a:rPr lang="de-DE" sz="2000" dirty="0"/>
+              <a:t>Parallele Verarbeitung von 16 </a:t>
+            </a:r>
+            <a:r>
+              <a:rPr lang="de-DE" sz="2000" dirty="0" smtClean="0"/>
+              <a:t>Stimmen</a:t>
+            </a:r>
+          </a:p>
+          <a:p>
+            <a:r>
+              <a:rPr lang="de-DE" sz="2000" dirty="0" smtClean="0"/>
+              <a:t>6 einstellbare Operatoren</a:t>
+            </a:r>
+          </a:p>
+          <a:p>
+            <a:r>
+              <a:rPr lang="de-DE" sz="2000" dirty="0" smtClean="0"/>
+              <a:t>32 verschiedene Algorithmen</a:t>
+            </a:r>
+          </a:p>
+          <a:p>
+            <a:endParaRPr lang="de-DE" dirty="0" smtClean="0"/>
+          </a:p>
+          <a:p>
+            <a:endParaRPr lang="de-DE" dirty="0" smtClean="0"/>
+          </a:p>
+          <a:p>
+            <a:endParaRPr lang="de-DE" dirty="0"/>
+          </a:p>
+        </p:txBody>
+      </p:sp>
+      <p:sp>
+        <p:nvSpPr>
           <p:cNvPr id="4" name="Datumsplatzhalter 3"/>
           <p:cNvSpPr>
             <a:spLocks noGrp="1"/>
@@ -6948,21 +7171,16 @@
             <p:ph type="dt" sz="half" idx="10"/>
           </p:nvPr>
         </p:nvSpPr>
-        <p:spPr>
-          <a:xfrm>
-            <a:off x="6588224" y="4876006"/>
-            <a:ext cx="2133600" cy="273844"/>
-          </a:xfrm>
-        </p:spPr>
+        <p:spPr/>
         <p:txBody>
           <a:bodyPr/>
           <a:lstStyle/>
           <a:p>
-            <a:fld id="{CF17882A-01A4-40E1-8E7C-E4DC1CDE6C7E}" type="datetime1">
+            <a:fld id="{9369858E-D1D1-4BAC-A564-46FF792CFAC7}" type="datetime1">
               <a:rPr lang="de-DE" smtClean="0"/>
               <a:t>19.06.2015</a:t>
             </a:fld>
-            <a:endParaRPr lang="de-DE"/>
+            <a:endParaRPr lang="de-DE" dirty="0"/>
           </a:p>
         </p:txBody>
       </p:sp>
@@ -6976,12 +7194,7 @@
             <p:ph type="ftr" sz="quarter" idx="11"/>
           </p:nvPr>
         </p:nvSpPr>
-        <p:spPr>
-          <a:xfrm>
-            <a:off x="3131840" y="4876006"/>
-            <a:ext cx="2895600" cy="273844"/>
-          </a:xfrm>
-        </p:spPr>
+        <p:spPr/>
         <p:txBody>
           <a:bodyPr/>
           <a:lstStyle/>
@@ -6990,7 +7203,7 @@
               <a:rPr lang="de-DE" smtClean="0"/>
               <a:t>FM-Synthese</a:t>
             </a:r>
-            <a:endParaRPr lang="de-DE"/>
+            <a:endParaRPr lang="de-DE" dirty="0"/>
           </a:p>
         </p:txBody>
       </p:sp>
@@ -7004,12 +7217,7 @@
             <p:ph type="sldNum" sz="quarter" idx="12"/>
           </p:nvPr>
         </p:nvSpPr>
-        <p:spPr>
-          <a:xfrm>
-            <a:off x="0" y="4869656"/>
-            <a:ext cx="467544" cy="273844"/>
-          </a:xfrm>
-        </p:spPr>
+        <p:spPr/>
         <p:txBody>
           <a:bodyPr/>
           <a:lstStyle/>
@@ -7019,26 +7227,25 @@
               <a:pPr/>
               <a:t>20</a:t>
             </a:fld>
+            <a:r>
+              <a:rPr lang="de-DE" smtClean="0"/>
+              <a:t>   </a:t>
+            </a:r>
             <a:endParaRPr lang="de-DE" dirty="0"/>
           </a:p>
         </p:txBody>
       </p:sp>
       <p:sp>
         <p:nvSpPr>
-          <p:cNvPr id="7" name="Inhaltsplatzhalter 2"/>
-          <p:cNvSpPr>
-            <a:spLocks noGrp="1"/>
-          </p:cNvSpPr>
-          <p:nvPr>
-            <p:ph idx="1"/>
-          </p:nvPr>
-        </p:nvSpPr>
-        <p:spPr>
-          <a:xfrm>
-            <a:off x="467544" y="1676742"/>
-            <a:ext cx="8229600" cy="2838946"/>
-          </a:xfrm>
-        </p:spPr>
+          <p:cNvPr id="7" name="Titel 1"/>
+          <p:cNvSpPr>
+            <a:spLocks noGrp="1"/>
+          </p:cNvSpPr>
+          <p:nvPr>
+            <p:ph type="title"/>
+          </p:nvPr>
+        </p:nvSpPr>
+        <p:spPr/>
         <p:txBody>
           <a:bodyPr>
             <a:normAutofit/>
@@ -7046,86 +7253,10 @@
           <a:lstStyle/>
           <a:p>
             <a:r>
-              <a:rPr lang="de-DE" sz="2000" dirty="0" smtClean="0">
+              <a:rPr lang="de-DE" sz="2800" dirty="0" smtClean="0">
                 <a:latin typeface="Lato" pitchFamily="34" charset="0"/>
               </a:rPr>
-              <a:t>1983 – 1989 : Über 20 weitere digitale Synthesizer von Yamaha</a:t>
-            </a:r>
-          </a:p>
-          <a:p>
-            <a:r>
-              <a:rPr lang="de-DE" sz="2000" dirty="0" smtClean="0">
-                <a:latin typeface="Lato" pitchFamily="34" charset="0"/>
-              </a:rPr>
-              <a:t>1990: SY77 – Kombination aus FM-Synthese und Sampling</a:t>
-            </a:r>
-          </a:p>
-          <a:p>
-            <a:r>
-              <a:rPr lang="de-DE" sz="2000" dirty="0" smtClean="0">
-                <a:latin typeface="Lato" pitchFamily="34" charset="0"/>
-              </a:rPr>
-              <a:t>Ab Mitte der 90er: Leistungsfähige personal Computer</a:t>
-            </a:r>
-          </a:p>
-          <a:p>
-            <a:r>
-              <a:rPr lang="de-DE" sz="2000" dirty="0" smtClean="0">
-                <a:latin typeface="Lato" pitchFamily="34" charset="0"/>
-              </a:rPr>
-              <a:t>Softwaresynthesizer mit Midi-Keyboards</a:t>
-            </a:r>
-          </a:p>
-          <a:p>
-            <a:r>
-              <a:rPr lang="de-DE" sz="2000" dirty="0" smtClean="0">
-                <a:latin typeface="Lato" pitchFamily="34" charset="0"/>
-              </a:rPr>
-              <a:t>Native Instruments FM8: Nachbildung des DX7</a:t>
-            </a:r>
-          </a:p>
-          <a:p>
-            <a:pPr>
-              <a:buNone/>
-            </a:pPr>
-            <a:endParaRPr lang="de-DE" sz="2000" dirty="0" smtClean="0">
-              <a:latin typeface="Lato" pitchFamily="34" charset="0"/>
-            </a:endParaRPr>
-          </a:p>
-          <a:p>
-            <a:endParaRPr lang="de-DE" sz="2000" dirty="0" smtClean="0">
-              <a:latin typeface="Lato" pitchFamily="34" charset="0"/>
-            </a:endParaRPr>
-          </a:p>
-        </p:txBody>
-      </p:sp>
-      <p:sp>
-        <p:nvSpPr>
-          <p:cNvPr id="8" name="Titel 1"/>
-          <p:cNvSpPr>
-            <a:spLocks noGrp="1"/>
-          </p:cNvSpPr>
-          <p:nvPr>
-            <p:ph type="title"/>
-          </p:nvPr>
-        </p:nvSpPr>
-        <p:spPr>
-          <a:xfrm>
-            <a:off x="457200" y="205979"/>
-            <a:ext cx="8229600" cy="857250"/>
-          </a:xfrm>
-        </p:spPr>
-        <p:txBody>
-          <a:bodyPr>
-            <a:normAutofit/>
-          </a:bodyPr>
-          <a:lstStyle/>
-          <a:p>
-            <a:r>
-              <a:rPr lang="de-DE" sz="2800" dirty="0" smtClean="0">
-                <a:latin typeface="Lato" pitchFamily="34" charset="0"/>
-              </a:rPr>
-              <a:t>Geschichte der FM-Synthese</a:t>
+              <a:t>Yamaha DX7</a:t>
             </a:r>
             <a:endParaRPr lang="de-DE" sz="2800" dirty="0">
               <a:latin typeface="Lato" pitchFamily="34" charset="0"/>
@@ -7133,7 +7264,130 @@
           </a:p>
         </p:txBody>
       </p:sp>
+      <p:pic>
+        <p:nvPicPr>
+          <p:cNvPr id="8" name="Grafik 7"/>
+          <p:cNvPicPr>
+            <a:picLocks noChangeAspect="1"/>
+          </p:cNvPicPr>
+          <p:nvPr/>
+        </p:nvPicPr>
+        <p:blipFill rotWithShape="1">
+          <a:blip r:embed="rId2">
+            <a:extLst>
+              <a:ext uri="{28A0092B-C50C-407E-A947-70E740481C1C}">
+                <a14:useLocalDpi xmlns:a14="http://schemas.microsoft.com/office/drawing/2010/main" val="0"/>
+              </a:ext>
+            </a:extLst>
+          </a:blip>
+          <a:srcRect l="5088" b="7049"/>
+          <a:stretch/>
+        </p:blipFill>
+        <p:spPr>
+          <a:xfrm>
+            <a:off x="827584" y="2211710"/>
+            <a:ext cx="4029918" cy="1898843"/>
+          </a:xfrm>
+          <a:prstGeom prst="rect">
+            <a:avLst/>
+          </a:prstGeom>
+        </p:spPr>
+      </p:pic>
+      <p:pic>
+        <p:nvPicPr>
+          <p:cNvPr id="9" name="Grafik 8"/>
+          <p:cNvPicPr>
+            <a:picLocks noChangeAspect="1"/>
+          </p:cNvPicPr>
+          <p:nvPr/>
+        </p:nvPicPr>
+        <p:blipFill rotWithShape="1">
+          <a:blip r:embed="rId3">
+            <a:extLst>
+              <a:ext uri="{28A0092B-C50C-407E-A947-70E740481C1C}">
+                <a14:useLocalDpi xmlns:a14="http://schemas.microsoft.com/office/drawing/2010/main" val="0"/>
+              </a:ext>
+            </a:extLst>
+          </a:blip>
+          <a:srcRect t="16484" b="24671"/>
+          <a:stretch/>
+        </p:blipFill>
+        <p:spPr>
+          <a:xfrm>
+            <a:off x="5220072" y="2211710"/>
+            <a:ext cx="3018102" cy="1895325"/>
+          </a:xfrm>
+          <a:prstGeom prst="rect">
+            <a:avLst/>
+          </a:prstGeom>
+        </p:spPr>
+      </p:pic>
+      <p:sp>
+        <p:nvSpPr>
+          <p:cNvPr id="10" name="Textfeld 9"/>
+          <p:cNvSpPr txBox="1"/>
+          <p:nvPr/>
+        </p:nvSpPr>
+        <p:spPr>
+          <a:xfrm>
+            <a:off x="233772" y="4150831"/>
+            <a:ext cx="8658708" cy="461665"/>
+          </a:xfrm>
+          <a:prstGeom prst="rect">
+            <a:avLst/>
+          </a:prstGeom>
+          <a:noFill/>
+        </p:spPr>
+        <p:txBody>
+          <a:bodyPr wrap="square" rtlCol="0">
+            <a:spAutoFit/>
+          </a:bodyPr>
+          <a:lstStyle/>
+          <a:p>
+            <a:pPr algn="ctr"/>
+            <a:r>
+              <a:rPr lang="de-DE" sz="800" dirty="0" smtClean="0"/>
+              <a:t>Quellen</a:t>
+            </a:r>
+            <a:r>
+              <a:rPr lang="de-DE" sz="800" dirty="0"/>
+              <a:t>: http://</a:t>
+            </a:r>
+            <a:r>
+              <a:rPr lang="de-DE" sz="800" dirty="0" smtClean="0"/>
+              <a:t>www.publicsurplus.com/sms/docviewer/aucdoc/IMG_0966.jpg?auc=674141&amp;docid=4542888</a:t>
+            </a:r>
+          </a:p>
+          <a:p>
+            <a:pPr algn="ctr"/>
+            <a:r>
+              <a:rPr lang="de-DE" sz="800" dirty="0" smtClean="0"/>
+              <a:t>http</a:t>
+            </a:r>
+            <a:r>
+              <a:rPr lang="de-DE" sz="800" dirty="0"/>
+              <a:t>://</a:t>
+            </a:r>
+            <a:r>
+              <a:rPr lang="de-DE" sz="800" dirty="0" smtClean="0"/>
+              <a:t>www.electricdruid.net/images/interface/larger/YamahaDX7.jpg</a:t>
+            </a:r>
+          </a:p>
+          <a:p>
+            <a:pPr algn="ctr"/>
+            <a:r>
+              <a:rPr lang="de-DE" sz="800" dirty="0" smtClean="0"/>
+              <a:t>Stand: 18.06.2015</a:t>
+            </a:r>
+          </a:p>
+        </p:txBody>
+      </p:sp>
     </p:spTree>
+    <p:extLst>
+      <p:ext uri="{BB962C8B-B14F-4D97-AF65-F5344CB8AC3E}">
+        <p14:creationId xmlns:p14="http://schemas.microsoft.com/office/powerpoint/2010/main" val="964342535"/>
+      </p:ext>
+    </p:extLst>
   </p:cSld>
   <p:clrMapOvr>
     <a:masterClrMapping/>
@@ -7185,7 +7439,7 @@
           <a:bodyPr/>
           <a:lstStyle/>
           <a:p>
-            <a:fld id="{6FD35CB8-BD90-447C-AB06-561BC3962411}" type="datetime1">
+            <a:fld id="{CF17882A-01A4-40E1-8E7C-E4DC1CDE6C7E}" type="datetime1">
               <a:rPr lang="de-DE" smtClean="0"/>
               <a:t>19.06.2015</a:t>
             </a:fld>
@@ -7252,18 +7506,18 @@
       </p:sp>
       <p:sp>
         <p:nvSpPr>
-          <p:cNvPr id="7" name="Titel 1"/>
-          <p:cNvSpPr>
-            <a:spLocks noGrp="1"/>
-          </p:cNvSpPr>
-          <p:nvPr>
-            <p:ph type="title"/>
-          </p:nvPr>
-        </p:nvSpPr>
-        <p:spPr>
-          <a:xfrm>
-            <a:off x="457200" y="205979"/>
-            <a:ext cx="8229600" cy="857250"/>
+          <p:cNvPr id="7" name="Inhaltsplatzhalter 2"/>
+          <p:cNvSpPr>
+            <a:spLocks noGrp="1"/>
+          </p:cNvSpPr>
+          <p:nvPr>
+            <p:ph idx="1"/>
+          </p:nvPr>
+        </p:nvSpPr>
+        <p:spPr>
+          <a:xfrm>
+            <a:off x="467544" y="1676742"/>
+            <a:ext cx="8229600" cy="2838946"/>
           </a:xfrm>
         </p:spPr>
         <p:txBody>
@@ -7273,117 +7527,93 @@
           <a:lstStyle/>
           <a:p>
             <a:r>
-              <a:rPr lang="de-DE" sz="3600" dirty="0" smtClean="0">
+              <a:rPr lang="de-DE" sz="2000" dirty="0" smtClean="0">
                 <a:latin typeface="Lato" pitchFamily="34" charset="0"/>
               </a:rPr>
-              <a:t>Einfache FM-Synthese</a:t>
-            </a:r>
-            <a:endParaRPr lang="de-DE" sz="3600" dirty="0">
-              <a:latin typeface="Lato" pitchFamily="34" charset="0"/>
-            </a:endParaRPr>
-          </a:p>
-        </p:txBody>
-      </p:sp>
-      <p:sp>
-        <p:nvSpPr>
-          <p:cNvPr id="9" name="Inhaltsplatzhalter 2"/>
-          <p:cNvSpPr>
-            <a:spLocks noGrp="1"/>
-          </p:cNvSpPr>
-          <p:nvPr>
-            <p:ph idx="1"/>
-          </p:nvPr>
-        </p:nvSpPr>
-        <p:spPr>
-          <a:xfrm>
-            <a:off x="457200" y="1200151"/>
-            <a:ext cx="8229600" cy="3394472"/>
-          </a:xfrm>
-        </p:spPr>
-        <p:txBody>
-          <a:bodyPr/>
-          <a:lstStyle/>
+              <a:t>1983 – 1989 : Über 20 weitere digitale Synthesizer von Yamaha</a:t>
+            </a:r>
+          </a:p>
+          <a:p>
+            <a:r>
+              <a:rPr lang="de-DE" sz="2000" dirty="0" smtClean="0">
+                <a:latin typeface="Lato" pitchFamily="34" charset="0"/>
+              </a:rPr>
+              <a:t>1990: SY77 – Kombination aus FM-Synthese und Sampling</a:t>
+            </a:r>
+          </a:p>
+          <a:p>
+            <a:r>
+              <a:rPr lang="de-DE" sz="2000" dirty="0" smtClean="0">
+                <a:latin typeface="Lato" pitchFamily="34" charset="0"/>
+              </a:rPr>
+              <a:t>Ab Mitte der 90er: Leistungsfähige personal Computer</a:t>
+            </a:r>
+          </a:p>
+          <a:p>
+            <a:r>
+              <a:rPr lang="de-DE" sz="2000" dirty="0" smtClean="0">
+                <a:latin typeface="Lato" pitchFamily="34" charset="0"/>
+              </a:rPr>
+              <a:t>Softwaresynthesizer mit Midi-Keyboards</a:t>
+            </a:r>
+          </a:p>
+          <a:p>
+            <a:r>
+              <a:rPr lang="de-DE" sz="2000" dirty="0" smtClean="0">
+                <a:latin typeface="Lato" pitchFamily="34" charset="0"/>
+              </a:rPr>
+              <a:t>Native Instruments FM8: Nachbildung des DX7</a:t>
+            </a:r>
+          </a:p>
           <a:p>
             <a:pPr>
               <a:buNone/>
             </a:pPr>
-            <a:r>
-              <a:rPr lang="de-DE" sz="2800" dirty="0" smtClean="0">
-                <a:latin typeface="Lato" pitchFamily="34" charset="0"/>
-              </a:rPr>
-              <a:t>Grundlagen: Sinus und Kosinus</a:t>
-            </a:r>
-          </a:p>
-          <a:p>
             <a:endParaRPr lang="de-DE" sz="2000" dirty="0" smtClean="0">
               <a:latin typeface="Lato" pitchFamily="34" charset="0"/>
             </a:endParaRPr>
           </a:p>
           <a:p>
-            <a:r>
-              <a:rPr lang="de-DE" sz="2000" dirty="0" smtClean="0">
-                <a:latin typeface="Lato" pitchFamily="34" charset="0"/>
-              </a:rPr>
-              <a:t>Trigonometrische Funktionen (Winkelfunktionen)</a:t>
-            </a:r>
-          </a:p>
-          <a:p>
-            <a:r>
-              <a:rPr lang="de-DE" sz="2000" dirty="0" smtClean="0">
-                <a:latin typeface="Lato" pitchFamily="34" charset="0"/>
-              </a:rPr>
-              <a:t>Periodische Funktion: </a:t>
-            </a:r>
-          </a:p>
-          <a:p>
-            <a:r>
-              <a:rPr lang="de-DE" sz="2000" dirty="0" smtClean="0">
-                <a:latin typeface="Lato" pitchFamily="34" charset="0"/>
-              </a:rPr>
-              <a:t>Einfache Verdeutlichung am Einheitskreis</a:t>
-            </a:r>
-          </a:p>
-          <a:p>
             <a:endParaRPr lang="de-DE" sz="2000" dirty="0" smtClean="0">
               <a:latin typeface="Lato" pitchFamily="34" charset="0"/>
             </a:endParaRPr>
           </a:p>
         </p:txBody>
       </p:sp>
-      <p:pic>
-        <p:nvPicPr>
-          <p:cNvPr id="3" name="Grafik 2"/>
-          <p:cNvPicPr>
-            <a:picLocks noChangeAspect="1"/>
-          </p:cNvPicPr>
-          <p:nvPr>
-            <p:custDataLst>
-              <p:tags r:id="rId1"/>
-            </p:custDataLst>
-          </p:nvPr>
-        </p:nvPicPr>
-        <p:blipFill>
-          <a:blip r:embed="rId3" cstate="print">
-            <a:extLst>
-              <a:ext uri="{28A0092B-C50C-407E-A947-70E740481C1C}">
-                <a14:useLocalDpi xmlns:a14="http://schemas.microsoft.com/office/drawing/2010/main" val="0"/>
-              </a:ext>
-            </a:extLst>
-          </a:blip>
-          <a:stretch>
-            <a:fillRect/>
-          </a:stretch>
-        </p:blipFill>
-        <p:spPr>
-          <a:xfrm>
-            <a:off x="3419872" y="2499742"/>
-            <a:ext cx="1722664" cy="254075"/>
-          </a:xfrm>
-          <a:prstGeom prst="rect">
-            <a:avLst/>
-          </a:prstGeom>
-        </p:spPr>
-      </p:pic>
+      <p:sp>
+        <p:nvSpPr>
+          <p:cNvPr id="8" name="Titel 1"/>
+          <p:cNvSpPr>
+            <a:spLocks noGrp="1"/>
+          </p:cNvSpPr>
+          <p:nvPr>
+            <p:ph type="title"/>
+          </p:nvPr>
+        </p:nvSpPr>
+        <p:spPr>
+          <a:xfrm>
+            <a:off x="457200" y="205979"/>
+            <a:ext cx="8229600" cy="857250"/>
+          </a:xfrm>
+        </p:spPr>
+        <p:txBody>
+          <a:bodyPr>
+            <a:normAutofit/>
+          </a:bodyPr>
+          <a:lstStyle/>
+          <a:p>
+            <a:r>
+              <a:rPr lang="de-DE" sz="2800" dirty="0" smtClean="0">
+                <a:latin typeface="Lato" pitchFamily="34" charset="0"/>
+              </a:rPr>
+              <a:t>Geschichte der FM-Synthese</a:t>
+            </a:r>
+            <a:endParaRPr lang="de-DE" sz="2800" dirty="0">
+              <a:latin typeface="Lato" pitchFamily="34" charset="0"/>
+            </a:endParaRPr>
+          </a:p>
+        </p:txBody>
+      </p:sp>
     </p:spTree>
   </p:cSld>
   <p:clrMapOvr>
@@ -7436,7 +7666,7 @@
           <a:bodyPr/>
           <a:lstStyle/>
           <a:p>
-            <a:fld id="{6D7D0E66-EFAE-4305-BA7A-6348E48A8036}" type="datetime1">
+            <a:fld id="{6FD35CB8-BD90-447C-AB06-561BC3962411}" type="datetime1">
               <a:rPr lang="de-DE" smtClean="0"/>
               <a:t>19.06.2015</a:t>
             </a:fld>
@@ -7496,6 +7726,257 @@
               <a:rPr lang="de-DE" smtClean="0"/>
               <a:pPr/>
               <a:t>22</a:t>
+            </a:fld>
+            <a:endParaRPr lang="de-DE" dirty="0"/>
+          </a:p>
+        </p:txBody>
+      </p:sp>
+      <p:sp>
+        <p:nvSpPr>
+          <p:cNvPr id="7" name="Titel 1"/>
+          <p:cNvSpPr>
+            <a:spLocks noGrp="1"/>
+          </p:cNvSpPr>
+          <p:nvPr>
+            <p:ph type="title"/>
+          </p:nvPr>
+        </p:nvSpPr>
+        <p:spPr>
+          <a:xfrm>
+            <a:off x="457200" y="205979"/>
+            <a:ext cx="8229600" cy="857250"/>
+          </a:xfrm>
+        </p:spPr>
+        <p:txBody>
+          <a:bodyPr>
+            <a:normAutofit/>
+          </a:bodyPr>
+          <a:lstStyle/>
+          <a:p>
+            <a:r>
+              <a:rPr lang="de-DE" sz="3600" dirty="0" smtClean="0">
+                <a:latin typeface="Lato" pitchFamily="34" charset="0"/>
+              </a:rPr>
+              <a:t>Einfache FM-Synthese</a:t>
+            </a:r>
+            <a:endParaRPr lang="de-DE" sz="3600" dirty="0">
+              <a:latin typeface="Lato" pitchFamily="34" charset="0"/>
+            </a:endParaRPr>
+          </a:p>
+        </p:txBody>
+      </p:sp>
+      <p:sp>
+        <p:nvSpPr>
+          <p:cNvPr id="9" name="Inhaltsplatzhalter 2"/>
+          <p:cNvSpPr>
+            <a:spLocks noGrp="1"/>
+          </p:cNvSpPr>
+          <p:nvPr>
+            <p:ph idx="1"/>
+          </p:nvPr>
+        </p:nvSpPr>
+        <p:spPr>
+          <a:xfrm>
+            <a:off x="457200" y="1200151"/>
+            <a:ext cx="8229600" cy="3394472"/>
+          </a:xfrm>
+        </p:spPr>
+        <p:txBody>
+          <a:bodyPr/>
+          <a:lstStyle/>
+          <a:p>
+            <a:pPr>
+              <a:buNone/>
+            </a:pPr>
+            <a:r>
+              <a:rPr lang="de-DE" sz="2800" dirty="0" smtClean="0">
+                <a:latin typeface="Lato" pitchFamily="34" charset="0"/>
+              </a:rPr>
+              <a:t>Grundlagen: Sinus und Kosinus</a:t>
+            </a:r>
+          </a:p>
+          <a:p>
+            <a:endParaRPr lang="de-DE" sz="2000" dirty="0" smtClean="0">
+              <a:latin typeface="Lato" pitchFamily="34" charset="0"/>
+            </a:endParaRPr>
+          </a:p>
+          <a:p>
+            <a:r>
+              <a:rPr lang="de-DE" sz="2000" dirty="0" smtClean="0">
+                <a:latin typeface="Lato" pitchFamily="34" charset="0"/>
+              </a:rPr>
+              <a:t>Trigonometrische Funktionen (Winkelfunktionen)</a:t>
+            </a:r>
+          </a:p>
+          <a:p>
+            <a:r>
+              <a:rPr lang="de-DE" sz="2000" dirty="0" smtClean="0">
+                <a:latin typeface="Lato" pitchFamily="34" charset="0"/>
+              </a:rPr>
+              <a:t>Periodische Funktion: </a:t>
+            </a:r>
+          </a:p>
+          <a:p>
+            <a:r>
+              <a:rPr lang="de-DE" sz="2000" dirty="0" smtClean="0">
+                <a:latin typeface="Lato" pitchFamily="34" charset="0"/>
+              </a:rPr>
+              <a:t>Einfache Verdeutlichung am Einheitskreis</a:t>
+            </a:r>
+          </a:p>
+          <a:p>
+            <a:endParaRPr lang="de-DE" sz="2000" dirty="0" smtClean="0">
+              <a:latin typeface="Lato" pitchFamily="34" charset="0"/>
+            </a:endParaRPr>
+          </a:p>
+        </p:txBody>
+      </p:sp>
+      <p:pic>
+        <p:nvPicPr>
+          <p:cNvPr id="3" name="Grafik 2"/>
+          <p:cNvPicPr>
+            <a:picLocks noChangeAspect="1"/>
+          </p:cNvPicPr>
+          <p:nvPr>
+            <p:custDataLst>
+              <p:tags r:id="rId1"/>
+            </p:custDataLst>
+          </p:nvPr>
+        </p:nvPicPr>
+        <p:blipFill>
+          <a:blip r:embed="rId3" cstate="print">
+            <a:extLst>
+              <a:ext uri="{28A0092B-C50C-407E-A947-70E740481C1C}">
+                <a14:useLocalDpi xmlns:a14="http://schemas.microsoft.com/office/drawing/2010/main" val="0"/>
+              </a:ext>
+            </a:extLst>
+          </a:blip>
+          <a:stretch>
+            <a:fillRect/>
+          </a:stretch>
+        </p:blipFill>
+        <p:spPr>
+          <a:xfrm>
+            <a:off x="3419872" y="2499742"/>
+            <a:ext cx="1722664" cy="254075"/>
+          </a:xfrm>
+          <a:prstGeom prst="rect">
+            <a:avLst/>
+          </a:prstGeom>
+        </p:spPr>
+      </p:pic>
+    </p:spTree>
+  </p:cSld>
+  <p:clrMapOvr>
+    <a:masterClrMapping/>
+  </p:clrMapOvr>
+  <p:timing>
+    <p:tnLst>
+      <p:par>
+        <p:cTn id="1" dur="indefinite" restart="never" nodeType="tmRoot"/>
+      </p:par>
+    </p:tnLst>
+  </p:timing>
+</p:sld>
+</file>
+
+<file path=ppt/slides/slide23.xml><?xml version="1.0" encoding="utf-8"?>
+<p:sld xmlns:a="http://schemas.openxmlformats.org/drawingml/2006/main" xmlns:r="http://schemas.openxmlformats.org/officeDocument/2006/relationships" xmlns:p="http://schemas.openxmlformats.org/presentationml/2006/main">
+  <p:cSld>
+    <p:spTree>
+      <p:nvGrpSpPr>
+        <p:cNvPr id="1" name=""/>
+        <p:cNvGrpSpPr/>
+        <p:nvPr/>
+      </p:nvGrpSpPr>
+      <p:grpSpPr>
+        <a:xfrm>
+          <a:off x="0" y="0"/>
+          <a:ext cx="0" cy="0"/>
+          <a:chOff x="0" y="0"/>
+          <a:chExt cx="0" cy="0"/>
+        </a:xfrm>
+      </p:grpSpPr>
+      <p:sp>
+        <p:nvSpPr>
+          <p:cNvPr id="4" name="Datumsplatzhalter 3"/>
+          <p:cNvSpPr>
+            <a:spLocks noGrp="1"/>
+          </p:cNvSpPr>
+          <p:nvPr>
+            <p:ph type="dt" sz="half" idx="10"/>
+          </p:nvPr>
+        </p:nvSpPr>
+        <p:spPr>
+          <a:xfrm>
+            <a:off x="6588224" y="4876006"/>
+            <a:ext cx="2133600" cy="273844"/>
+          </a:xfrm>
+        </p:spPr>
+        <p:txBody>
+          <a:bodyPr/>
+          <a:lstStyle/>
+          <a:p>
+            <a:fld id="{6D7D0E66-EFAE-4305-BA7A-6348E48A8036}" type="datetime1">
+              <a:rPr lang="de-DE" smtClean="0"/>
+              <a:t>19.06.2015</a:t>
+            </a:fld>
+            <a:endParaRPr lang="de-DE"/>
+          </a:p>
+        </p:txBody>
+      </p:sp>
+      <p:sp>
+        <p:nvSpPr>
+          <p:cNvPr id="5" name="Fußzeilenplatzhalter 4"/>
+          <p:cNvSpPr>
+            <a:spLocks noGrp="1"/>
+          </p:cNvSpPr>
+          <p:nvPr>
+            <p:ph type="ftr" sz="quarter" idx="11"/>
+          </p:nvPr>
+        </p:nvSpPr>
+        <p:spPr>
+          <a:xfrm>
+            <a:off x="3131840" y="4876006"/>
+            <a:ext cx="2895600" cy="273844"/>
+          </a:xfrm>
+        </p:spPr>
+        <p:txBody>
+          <a:bodyPr/>
+          <a:lstStyle/>
+          <a:p>
+            <a:r>
+              <a:rPr lang="de-DE" smtClean="0"/>
+              <a:t>FM-Synthese</a:t>
+            </a:r>
+            <a:endParaRPr lang="de-DE"/>
+          </a:p>
+        </p:txBody>
+      </p:sp>
+      <p:sp>
+        <p:nvSpPr>
+          <p:cNvPr id="6" name="Foliennummernplatzhalter 5"/>
+          <p:cNvSpPr>
+            <a:spLocks noGrp="1"/>
+          </p:cNvSpPr>
+          <p:nvPr>
+            <p:ph type="sldNum" sz="quarter" idx="12"/>
+          </p:nvPr>
+        </p:nvSpPr>
+        <p:spPr>
+          <a:xfrm>
+            <a:off x="0" y="4869656"/>
+            <a:ext cx="467544" cy="273844"/>
+          </a:xfrm>
+        </p:spPr>
+        <p:txBody>
+          <a:bodyPr/>
+          <a:lstStyle/>
+          <a:p>
+            <a:fld id="{6C6AE60A-B69C-4790-82F7-3882EDF23186}" type="slidenum">
+              <a:rPr lang="de-DE" smtClean="0"/>
+              <a:pPr/>
+              <a:t>23</a:t>
             </a:fld>
             <a:endParaRPr lang="de-DE" dirty="0"/>
           </a:p>
@@ -7632,7 +8113,7 @@
           <a:graphicData uri="http://schemas.openxmlformats.org/presentationml/2006/ole">
             <mc:AlternateContent xmlns:mc="http://schemas.openxmlformats.org/markup-compatibility/2006">
               <mc:Choice xmlns:v="urn:schemas-microsoft-com:vml" Requires="v">
-                <p:oleObj spid="_x0000_s31902" name="Formel" r:id="rId6" imgW="114120" imgH="215640" progId="Equation.3">
+                <p:oleObj spid="_x0000_s31921" name="Formel" r:id="rId6" imgW="114120" imgH="215640" progId="Equation.3">
                   <p:embed/>
                 </p:oleObj>
               </mc:Choice>
@@ -7793,7 +8274,7 @@
 </p:sld>
 </file>
 
-<file path=ppt/slides/slide23.xml><?xml version="1.0" encoding="utf-8"?>
+<file path=ppt/slides/slide24.xml><?xml version="1.0" encoding="utf-8"?>
 <p:sld xmlns:a="http://schemas.openxmlformats.org/drawingml/2006/main" xmlns:r="http://schemas.openxmlformats.org/officeDocument/2006/relationships" xmlns:p="http://schemas.openxmlformats.org/presentationml/2006/main">
   <p:cSld>
     <p:spTree>
@@ -7889,7 +8370,7 @@
             <a:fld id="{6C6AE60A-B69C-4790-82F7-3882EDF23186}" type="slidenum">
               <a:rPr lang="de-DE" smtClean="0"/>
               <a:pPr/>
-              <a:t>23</a:t>
+              <a:t>24</a:t>
             </a:fld>
             <a:endParaRPr lang="de-DE" dirty="0"/>
           </a:p>
@@ -7943,7 +8424,7 @@
           <a:graphicData uri="http://schemas.openxmlformats.org/presentationml/2006/ole">
             <mc:AlternateContent xmlns:mc="http://schemas.openxmlformats.org/markup-compatibility/2006">
               <mc:Choice xmlns:v="urn:schemas-microsoft-com:vml" Requires="v">
-                <p:oleObj spid="_x0000_s33022" name="Formel" r:id="rId5" imgW="114120" imgH="215640" progId="Equation.3">
+                <p:oleObj spid="_x0000_s33060" name="Formel" r:id="rId5" imgW="114120" imgH="215640" progId="Equation.3">
                   <p:embed/>
                 </p:oleObj>
               </mc:Choice>
@@ -8013,7 +8494,7 @@
           <a:graphicData uri="http://schemas.openxmlformats.org/presentationml/2006/ole">
             <mc:AlternateContent xmlns:mc="http://schemas.openxmlformats.org/markup-compatibility/2006">
               <mc:Choice xmlns:v="urn:schemas-microsoft-com:vml" Requires="v">
-                <p:oleObj spid="_x0000_s33023" name="Formel" r:id="rId7" imgW="114120" imgH="215640" progId="Equation.3">
+                <p:oleObj spid="_x0000_s33061" name="Formel" r:id="rId7" imgW="114120" imgH="215640" progId="Equation.3">
                   <p:embed/>
                 </p:oleObj>
               </mc:Choice>
@@ -8520,7 +9001,7 @@
 </p:sld>
 </file>
 
-<file path=ppt/slides/slide24.xml><?xml version="1.0" encoding="utf-8"?>
+<file path=ppt/slides/slide25.xml><?xml version="1.0" encoding="utf-8"?>
 <p:sld xmlns:a="http://schemas.openxmlformats.org/drawingml/2006/main" xmlns:r="http://schemas.openxmlformats.org/officeDocument/2006/relationships" xmlns:p="http://schemas.openxmlformats.org/presentationml/2006/main">
   <p:cSld>
     <p:spTree>
@@ -8616,7 +9097,7 @@
             <a:fld id="{6C6AE60A-B69C-4790-82F7-3882EDF23186}" type="slidenum">
               <a:rPr lang="de-DE" smtClean="0"/>
               <a:pPr/>
-              <a:t>24</a:t>
+              <a:t>25</a:t>
             </a:fld>
             <a:endParaRPr lang="de-DE" dirty="0"/>
           </a:p>
@@ -9001,7 +9482,7 @@
 </p:sld>
 </file>
 
-<file path=ppt/slides/slide25.xml><?xml version="1.0" encoding="utf-8"?>
+<file path=ppt/slides/slide26.xml><?xml version="1.0" encoding="utf-8"?>
 <p:sld xmlns:a="http://schemas.openxmlformats.org/drawingml/2006/main" xmlns:r="http://schemas.openxmlformats.org/officeDocument/2006/relationships" xmlns:p="http://schemas.openxmlformats.org/presentationml/2006/main">
   <p:cSld>
     <p:spTree>
@@ -9097,7 +9578,7 @@
             <a:fld id="{6C6AE60A-B69C-4790-82F7-3882EDF23186}" type="slidenum">
               <a:rPr lang="de-DE" smtClean="0"/>
               <a:pPr/>
-              <a:t>25</a:t>
+              <a:t>26</a:t>
             </a:fld>
             <a:endParaRPr lang="de-DE" dirty="0"/>
           </a:p>
@@ -9691,7 +10172,7 @@
 </p:sld>
 </file>
 
-<file path=ppt/slides/slide26.xml><?xml version="1.0" encoding="utf-8"?>
+<file path=ppt/slides/slide27.xml><?xml version="1.0" encoding="utf-8"?>
 <p:sld xmlns:a="http://schemas.openxmlformats.org/drawingml/2006/main" xmlns:r="http://schemas.openxmlformats.org/officeDocument/2006/relationships" xmlns:p="http://schemas.openxmlformats.org/presentationml/2006/main">
   <p:cSld>
     <p:spTree>
@@ -9787,7 +10268,7 @@
             <a:fld id="{6C6AE60A-B69C-4790-82F7-3882EDF23186}" type="slidenum">
               <a:rPr lang="de-DE" smtClean="0"/>
               <a:pPr/>
-              <a:t>26</a:t>
+              <a:t>27</a:t>
             </a:fld>
             <a:endParaRPr lang="de-DE" dirty="0"/>
           </a:p>
@@ -10193,7 +10674,7 @@
 </p:sld>
 </file>
 
-<file path=ppt/slides/slide27.xml><?xml version="1.0" encoding="utf-8"?>
+<file path=ppt/slides/slide28.xml><?xml version="1.0" encoding="utf-8"?>
 <p:sld xmlns:a="http://schemas.openxmlformats.org/drawingml/2006/main" xmlns:r="http://schemas.openxmlformats.org/officeDocument/2006/relationships" xmlns:p="http://schemas.openxmlformats.org/presentationml/2006/main">
   <p:cSld>
     <p:spTree>
@@ -10289,7 +10770,7 @@
             <a:fld id="{6C6AE60A-B69C-4790-82F7-3882EDF23186}" type="slidenum">
               <a:rPr lang="de-DE" smtClean="0"/>
               <a:pPr/>
-              <a:t>27</a:t>
+              <a:t>28</a:t>
             </a:fld>
             <a:endParaRPr lang="de-DE" dirty="0"/>
           </a:p>
@@ -10791,7 +11272,7 @@
 </p:sld>
 </file>
 
-<file path=ppt/slides/slide28.xml><?xml version="1.0" encoding="utf-8"?>
+<file path=ppt/slides/slide29.xml><?xml version="1.0" encoding="utf-8"?>
 <p:sld xmlns:a="http://schemas.openxmlformats.org/drawingml/2006/main" xmlns:r="http://schemas.openxmlformats.org/officeDocument/2006/relationships" xmlns:p="http://schemas.openxmlformats.org/presentationml/2006/main">
   <p:cSld>
     <p:spTree>
@@ -10887,7 +11368,7 @@
             <a:fld id="{6C6AE60A-B69C-4790-82F7-3882EDF23186}" type="slidenum">
               <a:rPr lang="de-DE" smtClean="0"/>
               <a:pPr/>
-              <a:t>28</a:t>
+              <a:t>29</a:t>
             </a:fld>
             <a:endParaRPr lang="de-DE" dirty="0"/>
           </a:p>
@@ -11269,344 +11750,6 @@
 </p:sld>
 </file>
 
-<file path=ppt/slides/slide29.xml><?xml version="1.0" encoding="utf-8"?>
-<p:sld xmlns:a="http://schemas.openxmlformats.org/drawingml/2006/main" xmlns:r="http://schemas.openxmlformats.org/officeDocument/2006/relationships" xmlns:p="http://schemas.openxmlformats.org/presentationml/2006/main">
-  <p:cSld>
-    <p:spTree>
-      <p:nvGrpSpPr>
-        <p:cNvPr id="1" name=""/>
-        <p:cNvGrpSpPr/>
-        <p:nvPr/>
-      </p:nvGrpSpPr>
-      <p:grpSpPr>
-        <a:xfrm>
-          <a:off x="0" y="0"/>
-          <a:ext cx="0" cy="0"/>
-          <a:chOff x="0" y="0"/>
-          <a:chExt cx="0" cy="0"/>
-        </a:xfrm>
-      </p:grpSpPr>
-      <p:sp>
-        <p:nvSpPr>
-          <p:cNvPr id="4" name="Datumsplatzhalter 3"/>
-          <p:cNvSpPr>
-            <a:spLocks noGrp="1"/>
-          </p:cNvSpPr>
-          <p:nvPr>
-            <p:ph type="dt" sz="half" idx="10"/>
-          </p:nvPr>
-        </p:nvSpPr>
-        <p:spPr>
-          <a:xfrm>
-            <a:off x="6588224" y="4876006"/>
-            <a:ext cx="2133600" cy="273844"/>
-          </a:xfrm>
-        </p:spPr>
-        <p:txBody>
-          <a:bodyPr/>
-          <a:lstStyle/>
-          <a:p>
-            <a:fld id="{4076B8EE-21E0-40B1-8970-CDA6027CB94F}" type="datetime1">
-              <a:rPr lang="de-DE" smtClean="0"/>
-              <a:t>19.06.2015</a:t>
-            </a:fld>
-            <a:endParaRPr lang="de-DE"/>
-          </a:p>
-        </p:txBody>
-      </p:sp>
-      <p:sp>
-        <p:nvSpPr>
-          <p:cNvPr id="5" name="Fußzeilenplatzhalter 4"/>
-          <p:cNvSpPr>
-            <a:spLocks noGrp="1"/>
-          </p:cNvSpPr>
-          <p:nvPr>
-            <p:ph type="ftr" sz="quarter" idx="11"/>
-          </p:nvPr>
-        </p:nvSpPr>
-        <p:spPr>
-          <a:xfrm>
-            <a:off x="3131840" y="4876006"/>
-            <a:ext cx="2895600" cy="273844"/>
-          </a:xfrm>
-        </p:spPr>
-        <p:txBody>
-          <a:bodyPr/>
-          <a:lstStyle/>
-          <a:p>
-            <a:r>
-              <a:rPr lang="de-DE" smtClean="0"/>
-              <a:t>FM-Synthese</a:t>
-            </a:r>
-            <a:endParaRPr lang="de-DE"/>
-          </a:p>
-        </p:txBody>
-      </p:sp>
-      <p:sp>
-        <p:nvSpPr>
-          <p:cNvPr id="6" name="Foliennummernplatzhalter 5"/>
-          <p:cNvSpPr>
-            <a:spLocks noGrp="1"/>
-          </p:cNvSpPr>
-          <p:nvPr>
-            <p:ph type="sldNum" sz="quarter" idx="12"/>
-          </p:nvPr>
-        </p:nvSpPr>
-        <p:spPr>
-          <a:xfrm>
-            <a:off x="0" y="4869656"/>
-            <a:ext cx="467544" cy="273844"/>
-          </a:xfrm>
-        </p:spPr>
-        <p:txBody>
-          <a:bodyPr/>
-          <a:lstStyle/>
-          <a:p>
-            <a:fld id="{6C6AE60A-B69C-4790-82F7-3882EDF23186}" type="slidenum">
-              <a:rPr lang="de-DE" smtClean="0"/>
-              <a:pPr/>
-              <a:t>29</a:t>
-            </a:fld>
-            <a:endParaRPr lang="de-DE" dirty="0"/>
-          </a:p>
-        </p:txBody>
-      </p:sp>
-      <p:sp>
-        <p:nvSpPr>
-          <p:cNvPr id="7" name="Rechteck 6"/>
-          <p:cNvSpPr/>
-          <p:nvPr/>
-        </p:nvSpPr>
-        <p:spPr>
-          <a:xfrm>
-            <a:off x="611560" y="195486"/>
-            <a:ext cx="7920880" cy="523220"/>
-          </a:xfrm>
-          <a:prstGeom prst="rect">
-            <a:avLst/>
-          </a:prstGeom>
-        </p:spPr>
-        <p:txBody>
-          <a:bodyPr wrap="square">
-            <a:spAutoFit/>
-          </a:bodyPr>
-          <a:lstStyle/>
-          <a:p>
-            <a:pPr algn="ctr">
-              <a:buNone/>
-            </a:pPr>
-            <a:r>
-              <a:rPr lang="de-DE" sz="2800" dirty="0" smtClean="0">
-                <a:latin typeface="Lato" pitchFamily="34" charset="0"/>
-              </a:rPr>
-              <a:t>Zusammenfassung</a:t>
-            </a:r>
-          </a:p>
-        </p:txBody>
-      </p:sp>
-      <p:sp>
-        <p:nvSpPr>
-          <p:cNvPr id="9" name="Inhaltsplatzhalter 2"/>
-          <p:cNvSpPr txBox="1">
-            <a:spLocks/>
-          </p:cNvSpPr>
-          <p:nvPr/>
-        </p:nvSpPr>
-        <p:spPr>
-          <a:xfrm>
-            <a:off x="467544" y="1203598"/>
-            <a:ext cx="5754216" cy="2002905"/>
-          </a:xfrm>
-          <a:prstGeom prst="rect">
-            <a:avLst/>
-          </a:prstGeom>
-        </p:spPr>
-        <p:txBody>
-          <a:bodyPr vert="horz" lIns="91440" tIns="45720" rIns="91440" bIns="45720" rtlCol="0">
-            <a:normAutofit/>
-          </a:bodyPr>
-          <a:lstStyle/>
-          <a:p>
-            <a:pPr lvl="0">
-              <a:spcBef>
-                <a:spcPct val="20000"/>
-              </a:spcBef>
-            </a:pPr>
-            <a:endParaRPr lang="de-DE" sz="2000" dirty="0" smtClean="0">
-              <a:latin typeface="Lato" pitchFamily="34" charset="0"/>
-            </a:endParaRPr>
-          </a:p>
-          <a:p>
-            <a:pPr marL="342900" lvl="0" indent="-342900">
-              <a:spcBef>
-                <a:spcPct val="20000"/>
-              </a:spcBef>
-              <a:buFont typeface="Arial" panose="020B0604020202020204" pitchFamily="34" charset="0"/>
-              <a:buChar char="•"/>
-            </a:pPr>
-            <a:endParaRPr lang="de-DE" sz="2000" dirty="0" smtClean="0">
-              <a:latin typeface="Lato" pitchFamily="34" charset="0"/>
-            </a:endParaRPr>
-          </a:p>
-        </p:txBody>
-      </p:sp>
-      <p:sp>
-        <p:nvSpPr>
-          <p:cNvPr id="2" name="Textfeld 1"/>
-          <p:cNvSpPr txBox="1"/>
-          <p:nvPr/>
-        </p:nvSpPr>
-        <p:spPr>
-          <a:xfrm>
-            <a:off x="467544" y="1059582"/>
-            <a:ext cx="8064896" cy="3693319"/>
-          </a:xfrm>
-          <a:prstGeom prst="rect">
-            <a:avLst/>
-          </a:prstGeom>
-          <a:noFill/>
-        </p:spPr>
-        <p:txBody>
-          <a:bodyPr wrap="square" rtlCol="0">
-            <a:spAutoFit/>
-          </a:bodyPr>
-          <a:lstStyle/>
-          <a:p>
-            <a:pPr marL="285750" indent="-285750">
-              <a:buFont typeface="Arial" panose="020B0604020202020204" pitchFamily="34" charset="0"/>
-              <a:buChar char="•"/>
-            </a:pPr>
-            <a:r>
-              <a:rPr lang="de-DE" dirty="0" smtClean="0"/>
-              <a:t>Einfaches Prinzip, komplexe sinnvolle Durchführung</a:t>
-            </a:r>
-          </a:p>
-          <a:p>
-            <a:pPr marL="285750" indent="-285750">
-              <a:buFont typeface="Arial" panose="020B0604020202020204" pitchFamily="34" charset="0"/>
-              <a:buChar char="•"/>
-            </a:pPr>
-            <a:endParaRPr lang="de-DE" dirty="0"/>
-          </a:p>
-          <a:p>
-            <a:pPr marL="285750" indent="-285750">
-              <a:buFont typeface="Arial" panose="020B0604020202020204" pitchFamily="34" charset="0"/>
-              <a:buChar char="•"/>
-            </a:pPr>
-            <a:r>
-              <a:rPr lang="de-DE" dirty="0" smtClean="0"/>
-              <a:t>Sehr weitreichende Einflussmöglichkeiten</a:t>
-            </a:r>
-          </a:p>
-          <a:p>
-            <a:pPr marL="285750" indent="-285750">
-              <a:buFont typeface="Arial" panose="020B0604020202020204" pitchFamily="34" charset="0"/>
-              <a:buChar char="•"/>
-            </a:pPr>
-            <a:endParaRPr lang="de-DE" dirty="0"/>
-          </a:p>
-          <a:p>
-            <a:pPr marL="285750" indent="-285750">
-              <a:buFont typeface="Arial" panose="020B0604020202020204" pitchFamily="34" charset="0"/>
-              <a:buChar char="•"/>
-            </a:pPr>
-            <a:r>
-              <a:rPr lang="de-DE" dirty="0" smtClean="0"/>
-              <a:t>Erfunden von John </a:t>
-            </a:r>
-            <a:r>
-              <a:rPr lang="de-DE" dirty="0" err="1" smtClean="0"/>
-              <a:t>Chowning</a:t>
-            </a:r>
-            <a:r>
-              <a:rPr lang="de-DE" dirty="0" smtClean="0"/>
-              <a:t> 1973</a:t>
-            </a:r>
-          </a:p>
-          <a:p>
-            <a:pPr marL="285750" indent="-285750">
-              <a:buFont typeface="Arial" panose="020B0604020202020204" pitchFamily="34" charset="0"/>
-              <a:buChar char="•"/>
-            </a:pPr>
-            <a:endParaRPr lang="de-DE" dirty="0"/>
-          </a:p>
-          <a:p>
-            <a:pPr marL="285750" indent="-285750">
-              <a:buFont typeface="Arial" panose="020B0604020202020204" pitchFamily="34" charset="0"/>
-              <a:buChar char="•"/>
-            </a:pPr>
-            <a:r>
-              <a:rPr lang="de-DE" dirty="0" smtClean="0"/>
-              <a:t>Sehr profitabel für Stanford und Yamaha</a:t>
-            </a:r>
-          </a:p>
-          <a:p>
-            <a:pPr marL="285750" indent="-285750">
-              <a:buFont typeface="Arial" panose="020B0604020202020204" pitchFamily="34" charset="0"/>
-              <a:buChar char="•"/>
-            </a:pPr>
-            <a:endParaRPr lang="de-DE" dirty="0"/>
-          </a:p>
-          <a:p>
-            <a:pPr marL="285750" indent="-285750">
-              <a:buFont typeface="Arial" panose="020B0604020202020204" pitchFamily="34" charset="0"/>
-              <a:buChar char="•"/>
-            </a:pPr>
-            <a:r>
-              <a:rPr lang="de-DE" dirty="0" smtClean="0"/>
-              <a:t>Grundlagen zu Sinus und Kosinus wichtig fürs Verständnis</a:t>
-            </a:r>
-          </a:p>
-          <a:p>
-            <a:pPr marL="285750" indent="-285750">
-              <a:buFont typeface="Arial" panose="020B0604020202020204" pitchFamily="34" charset="0"/>
-              <a:buChar char="•"/>
-            </a:pPr>
-            <a:endParaRPr lang="de-DE" dirty="0"/>
-          </a:p>
-          <a:p>
-            <a:pPr marL="285750" indent="-285750">
-              <a:buFont typeface="Arial" panose="020B0604020202020204" pitchFamily="34" charset="0"/>
-              <a:buChar char="•"/>
-            </a:pPr>
-            <a:endParaRPr lang="de-DE" dirty="0" smtClean="0"/>
-          </a:p>
-          <a:p>
-            <a:pPr marL="285750" indent="-285750">
-              <a:buFont typeface="Arial" panose="020B0604020202020204" pitchFamily="34" charset="0"/>
-              <a:buChar char="•"/>
-            </a:pPr>
-            <a:endParaRPr lang="de-DE" dirty="0"/>
-          </a:p>
-          <a:p>
-            <a:pPr marL="285750" indent="-285750">
-              <a:buFont typeface="Arial" panose="020B0604020202020204" pitchFamily="34" charset="0"/>
-              <a:buChar char="•"/>
-            </a:pPr>
-            <a:endParaRPr lang="de-DE" dirty="0"/>
-          </a:p>
-        </p:txBody>
-      </p:sp>
-    </p:spTree>
-    <p:extLst>
-      <p:ext uri="{BB962C8B-B14F-4D97-AF65-F5344CB8AC3E}">
-        <p14:creationId xmlns:p14="http://schemas.microsoft.com/office/powerpoint/2010/main" val="3425214825"/>
-      </p:ext>
-    </p:extLst>
-  </p:cSld>
-  <p:clrMapOvr>
-    <a:masterClrMapping/>
-  </p:clrMapOvr>
-  <p:timing>
-    <p:tnLst>
-      <p:par>
-        <p:cTn id="1" dur="indefinite" restart="never" nodeType="tmRoot"/>
-      </p:par>
-    </p:tnLst>
-  </p:timing>
-</p:sld>
-</file>
-
 <file path=ppt/slides/slide3.xml><?xml version="1.0" encoding="utf-8"?>
 <p:sld xmlns:a="http://schemas.openxmlformats.org/drawingml/2006/main" xmlns:r="http://schemas.openxmlformats.org/officeDocument/2006/relationships" xmlns:p="http://schemas.openxmlformats.org/presentationml/2006/main">
   <p:cSld>
@@ -11709,47 +11852,29 @@
       </p:grpSpPr>
       <p:sp>
         <p:nvSpPr>
-          <p:cNvPr id="2" name="Titel 1"/>
-          <p:cNvSpPr>
-            <a:spLocks noGrp="1"/>
-          </p:cNvSpPr>
-          <p:nvPr>
-            <p:ph type="title"/>
-          </p:nvPr>
-        </p:nvSpPr>
-        <p:spPr/>
+          <p:cNvPr id="4" name="Datumsplatzhalter 3"/>
+          <p:cNvSpPr>
+            <a:spLocks noGrp="1"/>
+          </p:cNvSpPr>
+          <p:nvPr>
+            <p:ph type="dt" sz="half" idx="10"/>
+          </p:nvPr>
+        </p:nvSpPr>
+        <p:spPr>
+          <a:xfrm>
+            <a:off x="6588224" y="4876006"/>
+            <a:ext cx="2133600" cy="273844"/>
+          </a:xfrm>
+        </p:spPr>
         <p:txBody>
           <a:bodyPr/>
           <a:lstStyle/>
           <a:p>
-            <a:r>
-              <a:rPr lang="de-DE" dirty="0" smtClean="0"/>
-              <a:t>Quellen</a:t>
-            </a:r>
-            <a:endParaRPr lang="de-DE" dirty="0"/>
-          </a:p>
-        </p:txBody>
-      </p:sp>
-      <p:sp>
-        <p:nvSpPr>
-          <p:cNvPr id="4" name="Datumsplatzhalter 3"/>
-          <p:cNvSpPr>
-            <a:spLocks noGrp="1"/>
-          </p:cNvSpPr>
-          <p:nvPr>
-            <p:ph type="dt" sz="half" idx="10"/>
-          </p:nvPr>
-        </p:nvSpPr>
-        <p:spPr/>
-        <p:txBody>
-          <a:bodyPr/>
-          <a:lstStyle/>
-          <a:p>
-            <a:fld id="{9369858E-D1D1-4BAC-A564-46FF792CFAC7}" type="datetime1">
+            <a:fld id="{4076B8EE-21E0-40B1-8970-CDA6027CB94F}" type="datetime1">
               <a:rPr lang="de-DE" smtClean="0"/>
               <a:t>19.06.2015</a:t>
             </a:fld>
-            <a:endParaRPr lang="de-DE" dirty="0"/>
+            <a:endParaRPr lang="de-DE"/>
           </a:p>
         </p:txBody>
       </p:sp>
@@ -11763,7 +11888,12 @@
             <p:ph type="ftr" sz="quarter" idx="11"/>
           </p:nvPr>
         </p:nvSpPr>
-        <p:spPr/>
+        <p:spPr>
+          <a:xfrm>
+            <a:off x="3131840" y="4876006"/>
+            <a:ext cx="2895600" cy="273844"/>
+          </a:xfrm>
+        </p:spPr>
         <p:txBody>
           <a:bodyPr/>
           <a:lstStyle/>
@@ -11772,7 +11902,7 @@
               <a:rPr lang="de-DE" smtClean="0"/>
               <a:t>FM-Synthese</a:t>
             </a:r>
-            <a:endParaRPr lang="de-DE" dirty="0"/>
+            <a:endParaRPr lang="de-DE"/>
           </a:p>
         </p:txBody>
       </p:sp>
@@ -11786,7 +11916,12 @@
             <p:ph type="sldNum" sz="quarter" idx="12"/>
           </p:nvPr>
         </p:nvSpPr>
-        <p:spPr/>
+        <p:spPr>
+          <a:xfrm>
+            <a:off x="0" y="4869656"/>
+            <a:ext cx="467544" cy="273844"/>
+          </a:xfrm>
+        </p:spPr>
         <p:txBody>
           <a:bodyPr/>
           <a:lstStyle/>
@@ -11796,138 +11931,262 @@
               <a:pPr/>
               <a:t>30</a:t>
             </a:fld>
-            <a:r>
-              <a:rPr lang="de-DE" smtClean="0"/>
-              <a:t>   </a:t>
-            </a:r>
             <a:endParaRPr lang="de-DE" dirty="0"/>
           </a:p>
         </p:txBody>
       </p:sp>
-      <p:pic>
-        <p:nvPicPr>
-          <p:cNvPr id="7" name="Grafik 6"/>
-          <p:cNvPicPr>
-            <a:picLocks noChangeAspect="1"/>
-          </p:cNvPicPr>
+      <p:sp>
+        <p:nvSpPr>
+          <p:cNvPr id="7" name="Rechteck 6"/>
+          <p:cNvSpPr/>
           <p:nvPr/>
-        </p:nvPicPr>
-        <p:blipFill>
-          <a:blip r:embed="rId2"/>
-          <a:stretch>
-            <a:fillRect/>
-          </a:stretch>
-        </p:blipFill>
-        <p:spPr>
-          <a:xfrm>
-            <a:off x="814904" y="1338596"/>
-            <a:ext cx="6420097" cy="523955"/>
+        </p:nvSpPr>
+        <p:spPr>
+          <a:xfrm>
+            <a:off x="611560" y="195486"/>
+            <a:ext cx="7920880" cy="523220"/>
           </a:xfrm>
           <a:prstGeom prst="rect">
             <a:avLst/>
           </a:prstGeom>
         </p:spPr>
-      </p:pic>
-      <p:pic>
-        <p:nvPicPr>
-          <p:cNvPr id="8" name="Grafik 7"/>
-          <p:cNvPicPr>
-            <a:picLocks noChangeAspect="1"/>
-          </p:cNvPicPr>
+        <p:txBody>
+          <a:bodyPr wrap="square">
+            <a:spAutoFit/>
+          </a:bodyPr>
+          <a:lstStyle/>
+          <a:p>
+            <a:pPr algn="ctr">
+              <a:buNone/>
+            </a:pPr>
+            <a:r>
+              <a:rPr lang="de-DE" sz="2800" dirty="0" smtClean="0">
+                <a:latin typeface="Lato" pitchFamily="34" charset="0"/>
+              </a:rPr>
+              <a:t>Zusammenfassung</a:t>
+            </a:r>
+          </a:p>
+        </p:txBody>
+      </p:sp>
+      <p:sp>
+        <p:nvSpPr>
+          <p:cNvPr id="9" name="Inhaltsplatzhalter 2"/>
+          <p:cNvSpPr txBox="1">
+            <a:spLocks/>
+          </p:cNvSpPr>
           <p:nvPr/>
-        </p:nvPicPr>
-        <p:blipFill>
-          <a:blip r:embed="rId3"/>
-          <a:stretch>
-            <a:fillRect/>
-          </a:stretch>
-        </p:blipFill>
-        <p:spPr>
-          <a:xfrm>
-            <a:off x="814835" y="1984354"/>
-            <a:ext cx="6429136" cy="515388"/>
+        </p:nvSpPr>
+        <p:spPr>
+          <a:xfrm>
+            <a:off x="467544" y="1203598"/>
+            <a:ext cx="5754216" cy="2002905"/>
           </a:xfrm>
           <a:prstGeom prst="rect">
             <a:avLst/>
           </a:prstGeom>
         </p:spPr>
-      </p:pic>
-      <p:pic>
-        <p:nvPicPr>
-          <p:cNvPr id="9" name="Grafik 8"/>
-          <p:cNvPicPr>
-            <a:picLocks noChangeAspect="1"/>
-          </p:cNvPicPr>
+        <p:txBody>
+          <a:bodyPr vert="horz" lIns="91440" tIns="45720" rIns="91440" bIns="45720" rtlCol="0">
+            <a:normAutofit/>
+          </a:bodyPr>
+          <a:lstStyle/>
+          <a:p>
+            <a:pPr lvl="0">
+              <a:spcBef>
+                <a:spcPct val="20000"/>
+              </a:spcBef>
+            </a:pPr>
+            <a:endParaRPr lang="de-DE" sz="2000" dirty="0" smtClean="0">
+              <a:latin typeface="Lato" pitchFamily="34" charset="0"/>
+            </a:endParaRPr>
+          </a:p>
+          <a:p>
+            <a:pPr marL="342900" lvl="0" indent="-342900">
+              <a:spcBef>
+                <a:spcPct val="20000"/>
+              </a:spcBef>
+              <a:buFont typeface="Arial" panose="020B0604020202020204" pitchFamily="34" charset="0"/>
+              <a:buChar char="•"/>
+            </a:pPr>
+            <a:endParaRPr lang="de-DE" sz="2000" dirty="0" smtClean="0">
+              <a:latin typeface="Lato" pitchFamily="34" charset="0"/>
+            </a:endParaRPr>
+          </a:p>
+        </p:txBody>
+      </p:sp>
+      <p:sp>
+        <p:nvSpPr>
+          <p:cNvPr id="2" name="Textfeld 1"/>
+          <p:cNvSpPr txBox="1"/>
           <p:nvPr/>
-        </p:nvPicPr>
-        <p:blipFill>
-          <a:blip r:embed="rId4"/>
-          <a:stretch>
-            <a:fillRect/>
-          </a:stretch>
-        </p:blipFill>
-        <p:spPr>
-          <a:xfrm>
-            <a:off x="825178" y="2584506"/>
-            <a:ext cx="6420097" cy="491300"/>
+        </p:nvSpPr>
+        <p:spPr>
+          <a:xfrm>
+            <a:off x="467544" y="1059582"/>
+            <a:ext cx="8064896" cy="3970318"/>
           </a:xfrm>
           <a:prstGeom prst="rect">
             <a:avLst/>
           </a:prstGeom>
-        </p:spPr>
-      </p:pic>
-      <p:pic>
-        <p:nvPicPr>
-          <p:cNvPr id="10" name="Grafik 9"/>
-          <p:cNvPicPr>
-            <a:picLocks noChangeAspect="1"/>
-          </p:cNvPicPr>
-          <p:nvPr/>
-        </p:nvPicPr>
-        <p:blipFill>
-          <a:blip r:embed="rId5"/>
-          <a:stretch>
-            <a:fillRect/>
-          </a:stretch>
-        </p:blipFill>
-        <p:spPr>
-          <a:xfrm>
-            <a:off x="848039" y="3344724"/>
-            <a:ext cx="6409158" cy="451162"/>
-          </a:xfrm>
-          <a:prstGeom prst="rect">
-            <a:avLst/>
-          </a:prstGeom>
-        </p:spPr>
-      </p:pic>
-      <p:pic>
-        <p:nvPicPr>
-          <p:cNvPr id="17" name="Grafik 16"/>
-          <p:cNvPicPr>
-            <a:picLocks noChangeAspect="1"/>
-          </p:cNvPicPr>
-          <p:nvPr/>
-        </p:nvPicPr>
-        <p:blipFill>
-          <a:blip r:embed="rId6"/>
-          <a:stretch>
-            <a:fillRect/>
-          </a:stretch>
-        </p:blipFill>
-        <p:spPr>
-          <a:xfrm>
-            <a:off x="846635" y="3986915"/>
-            <a:ext cx="3365325" cy="322426"/>
-          </a:xfrm>
-          <a:prstGeom prst="rect">
-            <a:avLst/>
-          </a:prstGeom>
-        </p:spPr>
-      </p:pic>
+          <a:noFill/>
+        </p:spPr>
+        <p:txBody>
+          <a:bodyPr wrap="square" rtlCol="0">
+            <a:spAutoFit/>
+          </a:bodyPr>
+          <a:lstStyle/>
+          <a:p>
+            <a:pPr marL="285750" indent="-285750">
+              <a:buFont typeface="Arial" panose="020B0604020202020204" pitchFamily="34" charset="0"/>
+              <a:buChar char="•"/>
+            </a:pPr>
+            <a:r>
+              <a:rPr lang="de-DE" dirty="0" smtClean="0"/>
+              <a:t>Einfaches Prinzip, komplexe sinnvolle Durchführung</a:t>
+            </a:r>
+          </a:p>
+          <a:p>
+            <a:pPr marL="285750" indent="-285750">
+              <a:buFont typeface="Arial" panose="020B0604020202020204" pitchFamily="34" charset="0"/>
+              <a:buChar char="•"/>
+            </a:pPr>
+            <a:endParaRPr lang="de-DE" dirty="0"/>
+          </a:p>
+          <a:p>
+            <a:pPr marL="285750" indent="-285750">
+              <a:buFont typeface="Arial" panose="020B0604020202020204" pitchFamily="34" charset="0"/>
+              <a:buChar char="•"/>
+            </a:pPr>
+            <a:r>
+              <a:rPr lang="de-DE" dirty="0" smtClean="0"/>
+              <a:t>Sehr weitreichende Einflussmöglichkeiten</a:t>
+            </a:r>
+          </a:p>
+          <a:p>
+            <a:pPr marL="285750" indent="-285750">
+              <a:buFont typeface="Arial" panose="020B0604020202020204" pitchFamily="34" charset="0"/>
+              <a:buChar char="•"/>
+            </a:pPr>
+            <a:endParaRPr lang="de-DE" dirty="0"/>
+          </a:p>
+          <a:p>
+            <a:pPr marL="285750" indent="-285750">
+              <a:buFont typeface="Arial" panose="020B0604020202020204" pitchFamily="34" charset="0"/>
+              <a:buChar char="•"/>
+            </a:pPr>
+            <a:r>
+              <a:rPr lang="de-DE" dirty="0"/>
+              <a:t>Erfunden </a:t>
+            </a:r>
+            <a:r>
+              <a:rPr lang="de-DE" dirty="0" smtClean="0"/>
+              <a:t>1973</a:t>
+            </a:r>
+            <a:r>
+              <a:rPr lang="de-DE" dirty="0" smtClean="0"/>
+              <a:t> </a:t>
+            </a:r>
+            <a:r>
+              <a:rPr lang="de-DE" dirty="0" smtClean="0"/>
+              <a:t>von John </a:t>
+            </a:r>
+            <a:r>
+              <a:rPr lang="de-DE" dirty="0" err="1" smtClean="0"/>
+              <a:t>Chowning</a:t>
+            </a:r>
+            <a:endParaRPr lang="de-DE" dirty="0" smtClean="0"/>
+          </a:p>
+          <a:p>
+            <a:pPr marL="285750" indent="-285750">
+              <a:buFont typeface="Arial" panose="020B0604020202020204" pitchFamily="34" charset="0"/>
+              <a:buChar char="•"/>
+            </a:pPr>
+            <a:endParaRPr lang="de-DE" dirty="0"/>
+          </a:p>
+          <a:p>
+            <a:pPr marL="285750" indent="-285750">
+              <a:buFont typeface="Arial" panose="020B0604020202020204" pitchFamily="34" charset="0"/>
+              <a:buChar char="•"/>
+            </a:pPr>
+            <a:r>
+              <a:rPr lang="de-DE" dirty="0" smtClean="0"/>
+              <a:t>Sehr profitabel für Stanford und </a:t>
+            </a:r>
+            <a:r>
+              <a:rPr lang="de-DE" dirty="0" smtClean="0"/>
+              <a:t>Yamaha</a:t>
+            </a:r>
+          </a:p>
+          <a:p>
+            <a:pPr marL="285750" indent="-285750">
+              <a:buFont typeface="Arial" panose="020B0604020202020204" pitchFamily="34" charset="0"/>
+              <a:buChar char="•"/>
+            </a:pPr>
+            <a:endParaRPr lang="de-DE" dirty="0"/>
+          </a:p>
+          <a:p>
+            <a:pPr marL="285750" indent="-285750">
+              <a:buFont typeface="Arial" panose="020B0604020202020204" pitchFamily="34" charset="0"/>
+              <a:buChar char="•"/>
+            </a:pPr>
+            <a:r>
+              <a:rPr lang="de-DE" dirty="0" smtClean="0"/>
+              <a:t>Durchbruch durc</a:t>
+            </a:r>
+            <a:r>
+              <a:rPr lang="de-DE" dirty="0" smtClean="0"/>
+              <a:t>h den DX7</a:t>
+            </a:r>
+            <a:endParaRPr lang="de-DE" dirty="0" smtClean="0"/>
+          </a:p>
+          <a:p>
+            <a:pPr marL="285750" indent="-285750">
+              <a:buFont typeface="Arial" panose="020B0604020202020204" pitchFamily="34" charset="0"/>
+              <a:buChar char="•"/>
+            </a:pPr>
+            <a:endParaRPr lang="de-DE" dirty="0"/>
+          </a:p>
+          <a:p>
+            <a:pPr marL="285750" indent="-285750">
+              <a:buFont typeface="Arial" panose="020B0604020202020204" pitchFamily="34" charset="0"/>
+              <a:buChar char="•"/>
+            </a:pPr>
+            <a:r>
+              <a:rPr lang="de-DE" dirty="0" smtClean="0"/>
+              <a:t>Grundlagen zu Sinus und Kosinus wichtig </a:t>
+            </a:r>
+            <a:r>
+              <a:rPr lang="de-DE" dirty="0" smtClean="0"/>
+              <a:t>für das Verständnis</a:t>
+            </a:r>
+          </a:p>
+          <a:p>
+            <a:pPr marL="285750" indent="-285750">
+              <a:buFont typeface="Arial" panose="020B0604020202020204" pitchFamily="34" charset="0"/>
+              <a:buChar char="•"/>
+            </a:pPr>
+            <a:endParaRPr lang="de-DE" dirty="0"/>
+          </a:p>
+          <a:p>
+            <a:pPr marL="285750" indent="-285750">
+              <a:buFont typeface="Arial" panose="020B0604020202020204" pitchFamily="34" charset="0"/>
+              <a:buChar char="•"/>
+            </a:pPr>
+            <a:endParaRPr lang="de-DE" dirty="0"/>
+          </a:p>
+          <a:p>
+            <a:pPr marL="285750" indent="-285750">
+              <a:buFont typeface="Arial" panose="020B0604020202020204" pitchFamily="34" charset="0"/>
+              <a:buChar char="•"/>
+            </a:pPr>
+            <a:endParaRPr lang="de-DE" dirty="0"/>
+          </a:p>
+        </p:txBody>
+      </p:sp>
     </p:spTree>
     <p:extLst>
       <p:ext uri="{BB962C8B-B14F-4D97-AF65-F5344CB8AC3E}">
-        <p14:creationId xmlns:p14="http://schemas.microsoft.com/office/powerpoint/2010/main" val="2118323314"/>
+        <p14:creationId xmlns:p14="http://schemas.microsoft.com/office/powerpoint/2010/main" val="3425214825"/>
       </p:ext>
     </p:extLst>
   </p:cSld>
@@ -12049,6 +12308,260 @@
               <a:rPr lang="de-DE" smtClean="0"/>
               <a:pPr/>
               <a:t>31</a:t>
+            </a:fld>
+            <a:r>
+              <a:rPr lang="de-DE" smtClean="0"/>
+              <a:t>   </a:t>
+            </a:r>
+            <a:endParaRPr lang="de-DE" dirty="0"/>
+          </a:p>
+        </p:txBody>
+      </p:sp>
+      <p:pic>
+        <p:nvPicPr>
+          <p:cNvPr id="7" name="Grafik 6"/>
+          <p:cNvPicPr>
+            <a:picLocks noChangeAspect="1"/>
+          </p:cNvPicPr>
+          <p:nvPr/>
+        </p:nvPicPr>
+        <p:blipFill>
+          <a:blip r:embed="rId2"/>
+          <a:stretch>
+            <a:fillRect/>
+          </a:stretch>
+        </p:blipFill>
+        <p:spPr>
+          <a:xfrm>
+            <a:off x="814904" y="1338596"/>
+            <a:ext cx="6420097" cy="523955"/>
+          </a:xfrm>
+          <a:prstGeom prst="rect">
+            <a:avLst/>
+          </a:prstGeom>
+        </p:spPr>
+      </p:pic>
+      <p:pic>
+        <p:nvPicPr>
+          <p:cNvPr id="8" name="Grafik 7"/>
+          <p:cNvPicPr>
+            <a:picLocks noChangeAspect="1"/>
+          </p:cNvPicPr>
+          <p:nvPr/>
+        </p:nvPicPr>
+        <p:blipFill>
+          <a:blip r:embed="rId3"/>
+          <a:stretch>
+            <a:fillRect/>
+          </a:stretch>
+        </p:blipFill>
+        <p:spPr>
+          <a:xfrm>
+            <a:off x="814835" y="1984354"/>
+            <a:ext cx="6429136" cy="515388"/>
+          </a:xfrm>
+          <a:prstGeom prst="rect">
+            <a:avLst/>
+          </a:prstGeom>
+        </p:spPr>
+      </p:pic>
+      <p:pic>
+        <p:nvPicPr>
+          <p:cNvPr id="9" name="Grafik 8"/>
+          <p:cNvPicPr>
+            <a:picLocks noChangeAspect="1"/>
+          </p:cNvPicPr>
+          <p:nvPr/>
+        </p:nvPicPr>
+        <p:blipFill>
+          <a:blip r:embed="rId4"/>
+          <a:stretch>
+            <a:fillRect/>
+          </a:stretch>
+        </p:blipFill>
+        <p:spPr>
+          <a:xfrm>
+            <a:off x="825178" y="2584506"/>
+            <a:ext cx="6420097" cy="491300"/>
+          </a:xfrm>
+          <a:prstGeom prst="rect">
+            <a:avLst/>
+          </a:prstGeom>
+        </p:spPr>
+      </p:pic>
+      <p:pic>
+        <p:nvPicPr>
+          <p:cNvPr id="10" name="Grafik 9"/>
+          <p:cNvPicPr>
+            <a:picLocks noChangeAspect="1"/>
+          </p:cNvPicPr>
+          <p:nvPr/>
+        </p:nvPicPr>
+        <p:blipFill>
+          <a:blip r:embed="rId5"/>
+          <a:stretch>
+            <a:fillRect/>
+          </a:stretch>
+        </p:blipFill>
+        <p:spPr>
+          <a:xfrm>
+            <a:off x="848039" y="3344724"/>
+            <a:ext cx="6409158" cy="451162"/>
+          </a:xfrm>
+          <a:prstGeom prst="rect">
+            <a:avLst/>
+          </a:prstGeom>
+        </p:spPr>
+      </p:pic>
+      <p:pic>
+        <p:nvPicPr>
+          <p:cNvPr id="17" name="Grafik 16"/>
+          <p:cNvPicPr>
+            <a:picLocks noChangeAspect="1"/>
+          </p:cNvPicPr>
+          <p:nvPr/>
+        </p:nvPicPr>
+        <p:blipFill>
+          <a:blip r:embed="rId6"/>
+          <a:stretch>
+            <a:fillRect/>
+          </a:stretch>
+        </p:blipFill>
+        <p:spPr>
+          <a:xfrm>
+            <a:off x="846635" y="3986915"/>
+            <a:ext cx="3365325" cy="322426"/>
+          </a:xfrm>
+          <a:prstGeom prst="rect">
+            <a:avLst/>
+          </a:prstGeom>
+        </p:spPr>
+      </p:pic>
+    </p:spTree>
+    <p:extLst>
+      <p:ext uri="{BB962C8B-B14F-4D97-AF65-F5344CB8AC3E}">
+        <p14:creationId xmlns:p14="http://schemas.microsoft.com/office/powerpoint/2010/main" val="2118323314"/>
+      </p:ext>
+    </p:extLst>
+  </p:cSld>
+  <p:clrMapOvr>
+    <a:masterClrMapping/>
+  </p:clrMapOvr>
+  <p:timing>
+    <p:tnLst>
+      <p:par>
+        <p:cTn id="1" dur="indefinite" restart="never" nodeType="tmRoot"/>
+      </p:par>
+    </p:tnLst>
+  </p:timing>
+</p:sld>
+</file>
+
+<file path=ppt/slides/slide32.xml><?xml version="1.0" encoding="utf-8"?>
+<p:sld xmlns:a="http://schemas.openxmlformats.org/drawingml/2006/main" xmlns:r="http://schemas.openxmlformats.org/officeDocument/2006/relationships" xmlns:p="http://schemas.openxmlformats.org/presentationml/2006/main">
+  <p:cSld>
+    <p:spTree>
+      <p:nvGrpSpPr>
+        <p:cNvPr id="1" name=""/>
+        <p:cNvGrpSpPr/>
+        <p:nvPr/>
+      </p:nvGrpSpPr>
+      <p:grpSpPr>
+        <a:xfrm>
+          <a:off x="0" y="0"/>
+          <a:ext cx="0" cy="0"/>
+          <a:chOff x="0" y="0"/>
+          <a:chExt cx="0" cy="0"/>
+        </a:xfrm>
+      </p:grpSpPr>
+      <p:sp>
+        <p:nvSpPr>
+          <p:cNvPr id="2" name="Titel 1"/>
+          <p:cNvSpPr>
+            <a:spLocks noGrp="1"/>
+          </p:cNvSpPr>
+          <p:nvPr>
+            <p:ph type="title"/>
+          </p:nvPr>
+        </p:nvSpPr>
+        <p:spPr/>
+        <p:txBody>
+          <a:bodyPr/>
+          <a:lstStyle/>
+          <a:p>
+            <a:r>
+              <a:rPr lang="de-DE" dirty="0" smtClean="0"/>
+              <a:t>Quellen</a:t>
+            </a:r>
+            <a:endParaRPr lang="de-DE" dirty="0"/>
+          </a:p>
+        </p:txBody>
+      </p:sp>
+      <p:sp>
+        <p:nvSpPr>
+          <p:cNvPr id="4" name="Datumsplatzhalter 3"/>
+          <p:cNvSpPr>
+            <a:spLocks noGrp="1"/>
+          </p:cNvSpPr>
+          <p:nvPr>
+            <p:ph type="dt" sz="half" idx="10"/>
+          </p:nvPr>
+        </p:nvSpPr>
+        <p:spPr/>
+        <p:txBody>
+          <a:bodyPr/>
+          <a:lstStyle/>
+          <a:p>
+            <a:fld id="{9369858E-D1D1-4BAC-A564-46FF792CFAC7}" type="datetime1">
+              <a:rPr lang="de-DE" smtClean="0"/>
+              <a:t>19.06.2015</a:t>
+            </a:fld>
+            <a:endParaRPr lang="de-DE" dirty="0"/>
+          </a:p>
+        </p:txBody>
+      </p:sp>
+      <p:sp>
+        <p:nvSpPr>
+          <p:cNvPr id="5" name="Fußzeilenplatzhalter 4"/>
+          <p:cNvSpPr>
+            <a:spLocks noGrp="1"/>
+          </p:cNvSpPr>
+          <p:nvPr>
+            <p:ph type="ftr" sz="quarter" idx="11"/>
+          </p:nvPr>
+        </p:nvSpPr>
+        <p:spPr/>
+        <p:txBody>
+          <a:bodyPr/>
+          <a:lstStyle/>
+          <a:p>
+            <a:r>
+              <a:rPr lang="de-DE" smtClean="0"/>
+              <a:t>FM-Synthese</a:t>
+            </a:r>
+            <a:endParaRPr lang="de-DE" dirty="0"/>
+          </a:p>
+        </p:txBody>
+      </p:sp>
+      <p:sp>
+        <p:nvSpPr>
+          <p:cNvPr id="6" name="Foliennummernplatzhalter 5"/>
+          <p:cNvSpPr>
+            <a:spLocks noGrp="1"/>
+          </p:cNvSpPr>
+          <p:nvPr>
+            <p:ph type="sldNum" sz="quarter" idx="12"/>
+          </p:nvPr>
+        </p:nvSpPr>
+        <p:spPr/>
+        <p:txBody>
+          <a:bodyPr/>
+          <a:lstStyle/>
+          <a:p>
+            <a:fld id="{6C6AE60A-B69C-4790-82F7-3882EDF23186}" type="slidenum">
+              <a:rPr lang="de-DE" smtClean="0"/>
+              <a:pPr/>
+              <a:t>32</a:t>
             </a:fld>
             <a:r>
               <a:rPr lang="de-DE" smtClean="0"/>
@@ -12169,6 +12682,202 @@
       </p:grpSpPr>
       <p:sp>
         <p:nvSpPr>
+          <p:cNvPr id="2" name="Titel 1"/>
+          <p:cNvSpPr>
+            <a:spLocks noGrp="1"/>
+          </p:cNvSpPr>
+          <p:nvPr>
+            <p:ph type="title"/>
+          </p:nvPr>
+        </p:nvSpPr>
+        <p:spPr/>
+        <p:txBody>
+          <a:bodyPr/>
+          <a:lstStyle/>
+          <a:p>
+            <a:r>
+              <a:rPr lang="de-DE" dirty="0" smtClean="0"/>
+              <a:t>Gliederung</a:t>
+            </a:r>
+            <a:endParaRPr lang="de-DE" dirty="0"/>
+          </a:p>
+        </p:txBody>
+      </p:sp>
+      <p:sp>
+        <p:nvSpPr>
+          <p:cNvPr id="3" name="Inhaltsplatzhalter 2"/>
+          <p:cNvSpPr>
+            <a:spLocks noGrp="1"/>
+          </p:cNvSpPr>
+          <p:nvPr>
+            <p:ph idx="1"/>
+          </p:nvPr>
+        </p:nvSpPr>
+        <p:spPr/>
+        <p:txBody>
+          <a:bodyPr/>
+          <a:lstStyle/>
+          <a:p>
+            <a:r>
+              <a:rPr lang="de-DE" dirty="0"/>
+              <a:t>Prinzip</a:t>
+            </a:r>
+          </a:p>
+          <a:p>
+            <a:r>
+              <a:rPr lang="de-DE" dirty="0"/>
+              <a:t>Beispiele</a:t>
+            </a:r>
+          </a:p>
+          <a:p>
+            <a:r>
+              <a:rPr lang="de-DE" dirty="0"/>
+              <a:t>Geschichte</a:t>
+            </a:r>
+          </a:p>
+          <a:p>
+            <a:r>
+              <a:rPr lang="de-DE" dirty="0"/>
+              <a:t>Mathematische Grundlagen</a:t>
+            </a:r>
+          </a:p>
+          <a:p>
+            <a:r>
+              <a:rPr lang="de-DE" dirty="0"/>
+              <a:t>Parameter nach John </a:t>
+            </a:r>
+            <a:r>
+              <a:rPr lang="de-DE" dirty="0" err="1"/>
+              <a:t>Chowning</a:t>
+            </a:r>
+            <a:endParaRPr lang="de-DE" dirty="0"/>
+          </a:p>
+          <a:p>
+            <a:pPr marL="285750" indent="-285750"/>
+            <a:endParaRPr lang="de-DE" dirty="0"/>
+          </a:p>
+          <a:p>
+            <a:pPr marL="285750" indent="-285750"/>
+            <a:endParaRPr lang="de-DE" dirty="0"/>
+          </a:p>
+          <a:p>
+            <a:endParaRPr lang="de-DE" dirty="0"/>
+          </a:p>
+        </p:txBody>
+      </p:sp>
+      <p:sp>
+        <p:nvSpPr>
+          <p:cNvPr id="4" name="Datumsplatzhalter 3"/>
+          <p:cNvSpPr>
+            <a:spLocks noGrp="1"/>
+          </p:cNvSpPr>
+          <p:nvPr>
+            <p:ph type="dt" sz="half" idx="10"/>
+          </p:nvPr>
+        </p:nvSpPr>
+        <p:spPr/>
+        <p:txBody>
+          <a:bodyPr/>
+          <a:lstStyle/>
+          <a:p>
+            <a:fld id="{9369858E-D1D1-4BAC-A564-46FF792CFAC7}" type="datetime1">
+              <a:rPr lang="de-DE" smtClean="0"/>
+              <a:t>19.06.2015</a:t>
+            </a:fld>
+            <a:endParaRPr lang="de-DE" dirty="0"/>
+          </a:p>
+        </p:txBody>
+      </p:sp>
+      <p:sp>
+        <p:nvSpPr>
+          <p:cNvPr id="5" name="Fußzeilenplatzhalter 4"/>
+          <p:cNvSpPr>
+            <a:spLocks noGrp="1"/>
+          </p:cNvSpPr>
+          <p:nvPr>
+            <p:ph type="ftr" sz="quarter" idx="11"/>
+          </p:nvPr>
+        </p:nvSpPr>
+        <p:spPr/>
+        <p:txBody>
+          <a:bodyPr/>
+          <a:lstStyle/>
+          <a:p>
+            <a:r>
+              <a:rPr lang="de-DE" smtClean="0"/>
+              <a:t>FM-Synthese</a:t>
+            </a:r>
+            <a:endParaRPr lang="de-DE" dirty="0"/>
+          </a:p>
+        </p:txBody>
+      </p:sp>
+      <p:sp>
+        <p:nvSpPr>
+          <p:cNvPr id="6" name="Foliennummernplatzhalter 5"/>
+          <p:cNvSpPr>
+            <a:spLocks noGrp="1"/>
+          </p:cNvSpPr>
+          <p:nvPr>
+            <p:ph type="sldNum" sz="quarter" idx="12"/>
+          </p:nvPr>
+        </p:nvSpPr>
+        <p:spPr/>
+        <p:txBody>
+          <a:bodyPr/>
+          <a:lstStyle/>
+          <a:p>
+            <a:fld id="{6C6AE60A-B69C-4790-82F7-3882EDF23186}" type="slidenum">
+              <a:rPr lang="de-DE" smtClean="0"/>
+              <a:pPr/>
+              <a:t>4</a:t>
+            </a:fld>
+            <a:r>
+              <a:rPr lang="de-DE" smtClean="0"/>
+              <a:t>   </a:t>
+            </a:r>
+            <a:endParaRPr lang="de-DE" dirty="0"/>
+          </a:p>
+        </p:txBody>
+      </p:sp>
+    </p:spTree>
+    <p:extLst>
+      <p:ext uri="{BB962C8B-B14F-4D97-AF65-F5344CB8AC3E}">
+        <p14:creationId xmlns:p14="http://schemas.microsoft.com/office/powerpoint/2010/main" val="4112950938"/>
+      </p:ext>
+    </p:extLst>
+  </p:cSld>
+  <p:clrMapOvr>
+    <a:masterClrMapping/>
+  </p:clrMapOvr>
+  <p:timing>
+    <p:tnLst>
+      <p:par>
+        <p:cTn id="1" dur="indefinite" restart="never" nodeType="tmRoot"/>
+      </p:par>
+    </p:tnLst>
+  </p:timing>
+</p:sld>
+</file>
+
+<file path=ppt/slides/slide5.xml><?xml version="1.0" encoding="utf-8"?>
+<p:sld xmlns:a="http://schemas.openxmlformats.org/drawingml/2006/main" xmlns:r="http://schemas.openxmlformats.org/officeDocument/2006/relationships" xmlns:p="http://schemas.openxmlformats.org/presentationml/2006/main">
+  <p:cSld>
+    <p:spTree>
+      <p:nvGrpSpPr>
+        <p:cNvPr id="1" name=""/>
+        <p:cNvGrpSpPr/>
+        <p:nvPr/>
+      </p:nvGrpSpPr>
+      <p:grpSpPr>
+        <a:xfrm>
+          <a:off x="0" y="0"/>
+          <a:ext cx="0" cy="0"/>
+          <a:chOff x="0" y="0"/>
+          <a:chExt cx="0" cy="0"/>
+        </a:xfrm>
+      </p:grpSpPr>
+      <p:sp>
+        <p:nvSpPr>
           <p:cNvPr id="4" name="Datumsplatzhalter 3"/>
           <p:cNvSpPr>
             <a:spLocks noGrp="1"/>
@@ -12246,7 +12955,7 @@
             <a:fld id="{6C6AE60A-B69C-4790-82F7-3882EDF23186}" type="slidenum">
               <a:rPr lang="de-DE" smtClean="0"/>
               <a:pPr/>
-              <a:t>4</a:t>
+              <a:t>5</a:t>
             </a:fld>
             <a:endParaRPr lang="de-DE" dirty="0"/>
           </a:p>
@@ -12446,7 +13155,7 @@
 </p:sld>
 </file>
 
-<file path=ppt/slides/slide5.xml><?xml version="1.0" encoding="utf-8"?>
+<file path=ppt/slides/slide6.xml><?xml version="1.0" encoding="utf-8"?>
 <p:sld xmlns:a="http://schemas.openxmlformats.org/drawingml/2006/main" xmlns:r="http://schemas.openxmlformats.org/officeDocument/2006/relationships" xmlns:p="http://schemas.openxmlformats.org/presentationml/2006/main">
   <p:cSld>
     <p:spTree>
@@ -12542,7 +13251,7 @@
             <a:fld id="{6C6AE60A-B69C-4790-82F7-3882EDF23186}" type="slidenum">
               <a:rPr lang="de-DE" smtClean="0"/>
               <a:pPr/>
-              <a:t>5</a:t>
+              <a:t>6</a:t>
             </a:fld>
             <a:endParaRPr lang="de-DE" dirty="0"/>
           </a:p>
@@ -12627,9 +13336,9 @@
         <p:grpSpPr>
           <a:xfrm>
             <a:off x="5292080" y="1491630"/>
-            <a:ext cx="3707904" cy="1938992"/>
+            <a:ext cx="3707904" cy="2862322"/>
             <a:chOff x="5400600" y="1491630"/>
-            <a:chExt cx="3707904" cy="1938992"/>
+            <a:chExt cx="3707904" cy="2862322"/>
           </a:xfrm>
         </p:grpSpPr>
         <p:sp>
@@ -12641,7 +13350,7 @@
           <p:spPr>
             <a:xfrm>
               <a:off x="5400600" y="1491630"/>
-              <a:ext cx="3707904" cy="1938992"/>
+              <a:ext cx="3707904" cy="2862322"/>
             </a:xfrm>
             <a:prstGeom prst="rect">
               <a:avLst/>
@@ -12666,16 +13375,38 @@
                 <a:rPr lang="de-DE" sz="2000" dirty="0" smtClean="0">
                   <a:latin typeface="Lato" pitchFamily="34" charset="0"/>
                 </a:rPr>
-                <a:t>	Oszillatoren</a:t>
+                <a:t>	</a:t>
               </a:r>
+              <a:r>
+                <a:rPr lang="de-DE" sz="2000" dirty="0" smtClean="0">
+                  <a:latin typeface="Lato" pitchFamily="34" charset="0"/>
+                </a:rPr>
+                <a:t>Oszillatoren</a:t>
+              </a:r>
+            </a:p>
+            <a:p>
+              <a:endParaRPr lang="de-DE" sz="2000" dirty="0" smtClean="0">
+                <a:latin typeface="Lato" pitchFamily="34" charset="0"/>
+              </a:endParaRPr>
             </a:p>
             <a:p>
               <a:r>
                 <a:rPr lang="de-DE" sz="2000" dirty="0" smtClean="0">
                   <a:latin typeface="Lato" pitchFamily="34" charset="0"/>
                 </a:rPr>
-                <a:t>	Modulationsindex</a:t>
+                <a:t>	</a:t>
               </a:r>
+              <a:r>
+                <a:rPr lang="de-DE" sz="2000" dirty="0" smtClean="0">
+                  <a:latin typeface="Lato" pitchFamily="34" charset="0"/>
+                </a:rPr>
+                <a:t>Modulationsindex</a:t>
+              </a:r>
+            </a:p>
+            <a:p>
+              <a:endParaRPr lang="de-DE" sz="2000" dirty="0" smtClean="0">
+                <a:latin typeface="Lato" pitchFamily="34" charset="0"/>
+              </a:endParaRPr>
             </a:p>
             <a:p>
               <a:r>
@@ -12690,8 +13421,19 @@
                 <a:rPr lang="de-DE" sz="2000" dirty="0" smtClean="0">
                   <a:latin typeface="Lato" pitchFamily="34" charset="0"/>
                 </a:rPr>
-                <a:t>	Verstärker</a:t>
+                <a:t>	</a:t>
               </a:r>
+              <a:r>
+                <a:rPr lang="de-DE" sz="2000" dirty="0" smtClean="0">
+                  <a:latin typeface="Lato" pitchFamily="34" charset="0"/>
+                </a:rPr>
+                <a:t>Verstärker</a:t>
+              </a:r>
+            </a:p>
+            <a:p>
+              <a:endParaRPr lang="de-DE" sz="2000" dirty="0" smtClean="0">
+                <a:latin typeface="Lato" pitchFamily="34" charset="0"/>
+              </a:endParaRPr>
             </a:p>
             <a:p>
               <a:r>
@@ -12729,7 +13471,7 @@
           </p:blipFill>
           <p:spPr>
             <a:xfrm>
-              <a:off x="5510529" y="1605848"/>
+              <a:off x="5510529" y="1574524"/>
               <a:ext cx="792702" cy="230697"/>
             </a:xfrm>
             <a:prstGeom prst="rect">
@@ -12763,7 +13505,7 @@
           </p:blipFill>
           <p:spPr>
             <a:xfrm>
-              <a:off x="5540003" y="2222989"/>
+              <a:off x="5540003" y="2481432"/>
               <a:ext cx="269823" cy="227642"/>
             </a:xfrm>
             <a:prstGeom prst="rect">
@@ -12833,7 +13575,7 @@
 </p:sld>
 </file>
 
-<file path=ppt/slides/slide6.xml><?xml version="1.0" encoding="utf-8"?>
+<file path=ppt/slides/slide7.xml><?xml version="1.0" encoding="utf-8"?>
 <p:sld xmlns:a="http://schemas.openxmlformats.org/drawingml/2006/main" xmlns:r="http://schemas.openxmlformats.org/officeDocument/2006/relationships" xmlns:p="http://schemas.openxmlformats.org/presentationml/2006/main">
   <p:cSld>
     <p:spTree>
@@ -12929,7 +13671,7 @@
             <a:fld id="{6C6AE60A-B69C-4790-82F7-3882EDF23186}" type="slidenum">
               <a:rPr lang="de-DE" smtClean="0"/>
               <a:pPr/>
-              <a:t>6</a:t>
+              <a:t>7</a:t>
             </a:fld>
             <a:endParaRPr lang="de-DE" dirty="0"/>
           </a:p>
@@ -13055,7 +13797,7 @@
           <a:graphicData uri="http://schemas.openxmlformats.org/presentationml/2006/ole">
             <mc:AlternateContent xmlns:mc="http://schemas.openxmlformats.org/markup-compatibility/2006">
               <mc:Choice xmlns:v="urn:schemas-microsoft-com:vml" Requires="v">
-                <p:oleObj spid="_x0000_s2174" name="Formel" r:id="rId10" imgW="114120" imgH="215640" progId="Equation.3">
+                <p:oleObj spid="_x0000_s2193" name="Formel" r:id="rId10" imgW="114120" imgH="215640" progId="Equation.3">
                   <p:embed/>
                 </p:oleObj>
               </mc:Choice>
@@ -13134,7 +13876,7 @@
         </p:blipFill>
         <p:spPr>
           <a:xfrm>
-            <a:off x="456334" y="3471718"/>
+            <a:off x="456334" y="3305345"/>
             <a:ext cx="609600" cy="609600"/>
           </a:xfrm>
           <a:prstGeom prst="rect">
@@ -13167,7 +13909,7 @@
         </p:blipFill>
         <p:spPr>
           <a:xfrm>
-            <a:off x="1649738" y="3458203"/>
+            <a:off x="1649738" y="3291830"/>
             <a:ext cx="609600" cy="609600"/>
           </a:xfrm>
           <a:prstGeom prst="rect">
@@ -13200,7 +13942,7 @@
         </p:blipFill>
         <p:spPr>
           <a:xfrm>
-            <a:off x="2843142" y="3458203"/>
+            <a:off x="2843142" y="3291830"/>
             <a:ext cx="609600" cy="609600"/>
           </a:xfrm>
           <a:prstGeom prst="rect">
@@ -13216,7 +13958,7 @@
         </p:nvSpPr>
         <p:spPr>
           <a:xfrm>
-            <a:off x="251520" y="4081318"/>
+            <a:off x="251520" y="3914945"/>
             <a:ext cx="969980" cy="369332"/>
           </a:xfrm>
           <a:prstGeom prst="rect">
@@ -13246,7 +13988,7 @@
         </p:nvSpPr>
         <p:spPr>
           <a:xfrm>
-            <a:off x="1221692" y="4081318"/>
+            <a:off x="1221692" y="3914945"/>
             <a:ext cx="1262076" cy="369332"/>
           </a:xfrm>
           <a:prstGeom prst="rect">
@@ -13276,7 +14018,7 @@
         </p:nvSpPr>
         <p:spPr>
           <a:xfrm>
-            <a:off x="2539559" y="4081318"/>
+            <a:off x="2539559" y="3914945"/>
             <a:ext cx="1156885" cy="369332"/>
           </a:xfrm>
           <a:prstGeom prst="rect">
@@ -13366,7 +14108,7 @@
               </p:nextCondLst>
             </p:seq>
             <p:audio>
-              <p:cMediaNode vol="80000">
+              <p:cMediaNode vol="56061">
                 <p:cTn id="7" fill="hold" display="0">
                   <p:stCondLst>
                     <p:cond delay="indefinite"/>
@@ -13443,7 +14185,7 @@
               </p:nextCondLst>
             </p:seq>
             <p:audio>
-              <p:cMediaNode vol="80000">
+              <p:cMediaNode vol="63636">
                 <p:cTn id="13" fill="hold" display="0">
                   <p:stCondLst>
                     <p:cond delay="indefinite"/>
@@ -13520,7 +14262,7 @@
               </p:nextCondLst>
             </p:seq>
             <p:audio>
-              <p:cMediaNode vol="80000">
+              <p:cMediaNode vol="56061">
                 <p:cTn id="19" fill="hold" display="0">
                   <p:stCondLst>
                     <p:cond delay="indefinite"/>
@@ -13546,7 +14288,7 @@
 </p:sld>
 </file>
 
-<file path=ppt/slides/slide7.xml><?xml version="1.0" encoding="utf-8"?>
+<file path=ppt/slides/slide8.xml><?xml version="1.0" encoding="utf-8"?>
 <p:sld xmlns:a="http://schemas.openxmlformats.org/drawingml/2006/main" xmlns:r="http://schemas.openxmlformats.org/officeDocument/2006/relationships" xmlns:p="http://schemas.openxmlformats.org/presentationml/2006/main">
   <p:cSld>
     <p:spTree>
@@ -13671,7 +14413,7 @@
             <a:fld id="{6C6AE60A-B69C-4790-82F7-3882EDF23186}" type="slidenum">
               <a:rPr lang="de-DE" smtClean="0"/>
               <a:pPr/>
-              <a:t>7</a:t>
+              <a:t>8</a:t>
             </a:fld>
             <a:endParaRPr lang="de-DE" dirty="0"/>
           </a:p>
@@ -13871,7 +14613,7 @@
           </p:blipFill>
           <p:spPr>
             <a:xfrm>
-              <a:off x="395536" y="3183322"/>
+              <a:off x="395536" y="3194208"/>
               <a:ext cx="1994585" cy="227717"/>
             </a:xfrm>
             <a:prstGeom prst="rect">
@@ -13905,7 +14647,7 @@
           </p:blipFill>
           <p:spPr>
             <a:xfrm>
-              <a:off x="395537" y="4012965"/>
+              <a:off x="395537" y="4045623"/>
               <a:ext cx="3607811" cy="227717"/>
             </a:xfrm>
             <a:prstGeom prst="rect">
@@ -14082,7 +14824,7 @@
               </p:nextCondLst>
             </p:seq>
             <p:audio>
-              <p:cMediaNode vol="80000">
+              <p:cMediaNode vol="62121">
                 <p:cTn id="7" fill="hold" display="0">
                   <p:stCondLst>
                     <p:cond delay="indefinite"/>
@@ -14159,7 +14901,7 @@
               </p:nextCondLst>
             </p:seq>
             <p:audio>
-              <p:cMediaNode vol="80000">
+              <p:cMediaNode vol="80303">
                 <p:cTn id="13" fill="hold" display="0">
                   <p:stCondLst>
                     <p:cond delay="indefinite"/>
@@ -14236,7 +14978,7 @@
               </p:nextCondLst>
             </p:seq>
             <p:audio>
-              <p:cMediaNode vol="80000">
+              <p:cMediaNode vol="60606">
                 <p:cTn id="19" fill="hold" display="0">
                   <p:stCondLst>
                     <p:cond delay="indefinite"/>
@@ -14262,7 +15004,7 @@
 </p:sld>
 </file>
 
-<file path=ppt/slides/slide8.xml><?xml version="1.0" encoding="utf-8"?>
+<file path=ppt/slides/slide9.xml><?xml version="1.0" encoding="utf-8"?>
 <p:sld xmlns:a="http://schemas.openxmlformats.org/drawingml/2006/main" xmlns:r="http://schemas.openxmlformats.org/officeDocument/2006/relationships" xmlns:p="http://schemas.openxmlformats.org/presentationml/2006/main">
   <p:cSld>
     <p:spTree>
@@ -14387,7 +15129,7 @@
             <a:fld id="{6C6AE60A-B69C-4790-82F7-3882EDF23186}" type="slidenum">
               <a:rPr lang="de-DE" smtClean="0"/>
               <a:pPr/>
-              <a:t>8</a:t>
+              <a:t>9</a:t>
             </a:fld>
             <a:endParaRPr lang="de-DE" dirty="0"/>
           </a:p>
@@ -14809,7 +15551,7 @@
               </p:nextCondLst>
             </p:seq>
             <p:audio>
-              <p:cMediaNode vol="80000">
+              <p:cMediaNode vol="57576">
                 <p:cTn id="7" fill="hold" display="0">
                   <p:stCondLst>
                     <p:cond delay="indefinite"/>
@@ -14886,7 +15628,7 @@
               </p:nextCondLst>
             </p:seq>
             <p:audio>
-              <p:cMediaNode vol="80000">
+              <p:cMediaNode vol="57576">
                 <p:cTn id="13" fill="hold" display="0">
                   <p:stCondLst>
                     <p:cond delay="indefinite"/>
@@ -14963,7 +15705,7 @@
               </p:nextCondLst>
             </p:seq>
             <p:audio>
-              <p:cMediaNode vol="80000">
+              <p:cMediaNode vol="66667">
                 <p:cTn id="19" fill="hold" display="0">
                   <p:stCondLst>
                     <p:cond delay="indefinite"/>
@@ -14983,251 +15725,6 @@
             </p:audio>
           </p:childTnLst>
         </p:cTn>
-      </p:par>
-    </p:tnLst>
-  </p:timing>
-</p:sld>
-</file>
-
-<file path=ppt/slides/slide9.xml><?xml version="1.0" encoding="utf-8"?>
-<p:sld xmlns:a="http://schemas.openxmlformats.org/drawingml/2006/main" xmlns:r="http://schemas.openxmlformats.org/officeDocument/2006/relationships" xmlns:p="http://schemas.openxmlformats.org/presentationml/2006/main">
-  <p:cSld>
-    <p:spTree>
-      <p:nvGrpSpPr>
-        <p:cNvPr id="1" name=""/>
-        <p:cNvGrpSpPr/>
-        <p:nvPr/>
-      </p:nvGrpSpPr>
-      <p:grpSpPr>
-        <a:xfrm>
-          <a:off x="0" y="0"/>
-          <a:ext cx="0" cy="0"/>
-          <a:chOff x="0" y="0"/>
-          <a:chExt cx="0" cy="0"/>
-        </a:xfrm>
-      </p:grpSpPr>
-      <p:sp>
-        <p:nvSpPr>
-          <p:cNvPr id="2" name="Titel 1"/>
-          <p:cNvSpPr>
-            <a:spLocks noGrp="1"/>
-          </p:cNvSpPr>
-          <p:nvPr>
-            <p:ph type="title"/>
-          </p:nvPr>
-        </p:nvSpPr>
-        <p:spPr/>
-        <p:txBody>
-          <a:bodyPr>
-            <a:normAutofit/>
-          </a:bodyPr>
-          <a:lstStyle/>
-          <a:p>
-            <a:r>
-              <a:rPr lang="de-DE" sz="2800" dirty="0" smtClean="0">
-                <a:latin typeface="Lato" pitchFamily="34" charset="0"/>
-              </a:rPr>
-              <a:t>Songbeispiele</a:t>
-            </a:r>
-            <a:endParaRPr lang="de-DE" sz="2800" dirty="0">
-              <a:latin typeface="Lato" pitchFamily="34" charset="0"/>
-            </a:endParaRPr>
-          </a:p>
-        </p:txBody>
-      </p:sp>
-      <p:sp>
-        <p:nvSpPr>
-          <p:cNvPr id="3" name="Inhaltsplatzhalter 2"/>
-          <p:cNvSpPr>
-            <a:spLocks noGrp="1"/>
-          </p:cNvSpPr>
-          <p:nvPr>
-            <p:ph idx="1"/>
-          </p:nvPr>
-        </p:nvSpPr>
-        <p:spPr/>
-        <p:txBody>
-          <a:bodyPr/>
-          <a:lstStyle/>
-          <a:p>
-            <a:r>
-              <a:rPr lang="de-DE" sz="2000" dirty="0" smtClean="0">
-                <a:latin typeface="Lato" pitchFamily="34" charset="0"/>
-              </a:rPr>
-              <a:t>Erste, mit FM-Synthese erstellte Stücke</a:t>
-            </a:r>
-          </a:p>
-          <a:p>
-            <a:r>
-              <a:rPr lang="de-DE" sz="2000" dirty="0" smtClean="0">
-                <a:latin typeface="Lato" pitchFamily="34" charset="0"/>
-              </a:rPr>
-              <a:t>Von John </a:t>
-            </a:r>
-            <a:r>
-              <a:rPr lang="de-DE" sz="2000" dirty="0" err="1" smtClean="0">
-                <a:latin typeface="Lato" pitchFamily="34" charset="0"/>
-              </a:rPr>
-              <a:t>Chowning</a:t>
-            </a:r>
-            <a:r>
-              <a:rPr lang="de-DE" sz="2000" dirty="0" smtClean="0">
-                <a:latin typeface="Lato" pitchFamily="34" charset="0"/>
-              </a:rPr>
-              <a:t> </a:t>
-            </a:r>
-          </a:p>
-          <a:p>
-            <a:endParaRPr lang="de-DE" sz="2000" dirty="0" smtClean="0">
-              <a:latin typeface="Lato" pitchFamily="34" charset="0"/>
-            </a:endParaRPr>
-          </a:p>
-          <a:p>
-            <a:r>
-              <a:rPr lang="de-DE" sz="2000" dirty="0" smtClean="0">
-                <a:latin typeface="Lato" pitchFamily="34" charset="0"/>
-              </a:rPr>
-              <a:t>„</a:t>
-            </a:r>
-            <a:r>
-              <a:rPr lang="de-DE" sz="2000" dirty="0" err="1" smtClean="0">
-                <a:latin typeface="Lato" pitchFamily="34" charset="0"/>
-              </a:rPr>
-              <a:t>Sabelithe</a:t>
-            </a:r>
-            <a:r>
-              <a:rPr lang="de-DE" sz="2000" dirty="0" smtClean="0">
-                <a:latin typeface="Lato" pitchFamily="34" charset="0"/>
-              </a:rPr>
-              <a:t>“ (1971)</a:t>
-            </a:r>
-          </a:p>
-          <a:p>
-            <a:endParaRPr lang="de-DE" sz="2000" dirty="0" smtClean="0">
-              <a:latin typeface="Lato" pitchFamily="34" charset="0"/>
-            </a:endParaRPr>
-          </a:p>
-          <a:p>
-            <a:r>
-              <a:rPr lang="de-DE" sz="2000" dirty="0" smtClean="0">
-                <a:latin typeface="Lato" pitchFamily="34" charset="0"/>
-              </a:rPr>
-              <a:t>„</a:t>
-            </a:r>
-            <a:r>
-              <a:rPr lang="de-DE" sz="2000" dirty="0" err="1" smtClean="0">
-                <a:latin typeface="Lato" pitchFamily="34" charset="0"/>
-              </a:rPr>
-              <a:t>Turenas</a:t>
-            </a:r>
-            <a:r>
-              <a:rPr lang="de-DE" sz="2000" dirty="0" smtClean="0">
-                <a:latin typeface="Lato" pitchFamily="34" charset="0"/>
-              </a:rPr>
-              <a:t>“ (1972)</a:t>
-            </a:r>
-          </a:p>
-          <a:p>
-            <a:endParaRPr lang="de-DE" dirty="0">
-              <a:latin typeface="Lato" pitchFamily="34" charset="0"/>
-            </a:endParaRPr>
-          </a:p>
-        </p:txBody>
-      </p:sp>
-      <p:sp>
-        <p:nvSpPr>
-          <p:cNvPr id="4" name="Datumsplatzhalter 3"/>
-          <p:cNvSpPr>
-            <a:spLocks noGrp="1"/>
-          </p:cNvSpPr>
-          <p:nvPr>
-            <p:ph type="dt" sz="half" idx="10"/>
-          </p:nvPr>
-        </p:nvSpPr>
-        <p:spPr>
-          <a:xfrm>
-            <a:off x="6588224" y="4876006"/>
-            <a:ext cx="2133600" cy="273844"/>
-          </a:xfrm>
-        </p:spPr>
-        <p:txBody>
-          <a:bodyPr/>
-          <a:lstStyle/>
-          <a:p>
-            <a:fld id="{825920CB-9CFE-4FB0-A074-BEBA46422A5B}" type="datetime1">
-              <a:rPr lang="de-DE" smtClean="0"/>
-              <a:t>19.06.2015</a:t>
-            </a:fld>
-            <a:endParaRPr lang="de-DE"/>
-          </a:p>
-        </p:txBody>
-      </p:sp>
-      <p:sp>
-        <p:nvSpPr>
-          <p:cNvPr id="5" name="Fußzeilenplatzhalter 4"/>
-          <p:cNvSpPr>
-            <a:spLocks noGrp="1"/>
-          </p:cNvSpPr>
-          <p:nvPr>
-            <p:ph type="ftr" sz="quarter" idx="11"/>
-          </p:nvPr>
-        </p:nvSpPr>
-        <p:spPr>
-          <a:xfrm>
-            <a:off x="3131840" y="4876006"/>
-            <a:ext cx="2895600" cy="273844"/>
-          </a:xfrm>
-        </p:spPr>
-        <p:txBody>
-          <a:bodyPr/>
-          <a:lstStyle/>
-          <a:p>
-            <a:r>
-              <a:rPr lang="de-DE" smtClean="0"/>
-              <a:t>FM-Synthese</a:t>
-            </a:r>
-            <a:endParaRPr lang="de-DE"/>
-          </a:p>
-        </p:txBody>
-      </p:sp>
-      <p:sp>
-        <p:nvSpPr>
-          <p:cNvPr id="6" name="Foliennummernplatzhalter 5"/>
-          <p:cNvSpPr>
-            <a:spLocks noGrp="1"/>
-          </p:cNvSpPr>
-          <p:nvPr>
-            <p:ph type="sldNum" sz="quarter" idx="12"/>
-          </p:nvPr>
-        </p:nvSpPr>
-        <p:spPr>
-          <a:xfrm>
-            <a:off x="0" y="4869656"/>
-            <a:ext cx="467544" cy="273844"/>
-          </a:xfrm>
-        </p:spPr>
-        <p:txBody>
-          <a:bodyPr/>
-          <a:lstStyle/>
-          <a:p>
-            <a:fld id="{6C6AE60A-B69C-4790-82F7-3882EDF23186}" type="slidenum">
-              <a:rPr lang="de-DE" smtClean="0"/>
-              <a:pPr/>
-              <a:t>9</a:t>
-            </a:fld>
-            <a:endParaRPr lang="de-DE" dirty="0"/>
-          </a:p>
-        </p:txBody>
-      </p:sp>
-    </p:spTree>
-  </p:cSld>
-  <p:clrMapOvr>
-    <a:masterClrMapping/>
-  </p:clrMapOvr>
-  <p:timing>
-    <p:tnLst>
-      <p:par>
-        <p:cTn id="1" dur="indefinite" restart="never" nodeType="tmRoot"/>
       </p:par>
     </p:tnLst>
   </p:timing>

--- a/Praesentation/FMSynthese-Julius.pptx
+++ b/Praesentation/FMSynthese-Julius.pptx
@@ -255,7 +255,7 @@
             <a:fld id="{364A5697-ABCF-455C-8519-931EFDD64AAA}" type="datetimeFigureOut">
               <a:rPr lang="de-DE" smtClean="0"/>
               <a:pPr/>
-              <a:t>20.06.2015</a:t>
+              <a:t>21.06.2015</a:t>
             </a:fld>
             <a:endParaRPr lang="de-DE"/>
           </a:p>
@@ -570,7 +570,7 @@
           <a:bodyPr/>
           <a:lstStyle/>
           <a:p>
-            <a:endParaRPr lang="de-DE"/>
+            <a:endParaRPr lang="de-DE" dirty="0"/>
           </a:p>
         </p:txBody>
       </p:sp>
@@ -594,7 +594,7 @@
               <a:pPr/>
               <a:t>2</a:t>
             </a:fld>
-            <a:endParaRPr lang="de-DE"/>
+            <a:endParaRPr lang="de-DE" dirty="0"/>
           </a:p>
         </p:txBody>
       </p:sp>
@@ -655,7 +655,7 @@
           <a:bodyPr/>
           <a:lstStyle/>
           <a:p>
-            <a:endParaRPr lang="de-DE"/>
+            <a:endParaRPr lang="de-DE" dirty="0"/>
           </a:p>
         </p:txBody>
       </p:sp>
@@ -679,7 +679,7 @@
               <a:pPr/>
               <a:t>3</a:t>
             </a:fld>
-            <a:endParaRPr lang="de-DE"/>
+            <a:endParaRPr lang="de-DE" dirty="0"/>
           </a:p>
         </p:txBody>
       </p:sp>
@@ -687,6 +687,188 @@
     <p:extLst>
       <p:ext uri="{BB962C8B-B14F-4D97-AF65-F5344CB8AC3E}">
         <p14:creationId xmlns:p14="http://schemas.microsoft.com/office/powerpoint/2010/main" val="2673098597"/>
+      </p:ext>
+    </p:extLst>
+  </p:cSld>
+  <p:clrMapOvr>
+    <a:masterClrMapping/>
+  </p:clrMapOvr>
+</p:notes>
+</file>
+
+<file path=ppt/notesSlides/notesSlide3.xml><?xml version="1.0" encoding="utf-8"?>
+<p:notes xmlns:a="http://schemas.openxmlformats.org/drawingml/2006/main" xmlns:r="http://schemas.openxmlformats.org/officeDocument/2006/relationships" xmlns:p="http://schemas.openxmlformats.org/presentationml/2006/main">
+  <p:cSld>
+    <p:spTree>
+      <p:nvGrpSpPr>
+        <p:cNvPr id="1" name=""/>
+        <p:cNvGrpSpPr/>
+        <p:nvPr/>
+      </p:nvGrpSpPr>
+      <p:grpSpPr>
+        <a:xfrm>
+          <a:off x="0" y="0"/>
+          <a:ext cx="0" cy="0"/>
+          <a:chOff x="0" y="0"/>
+          <a:chExt cx="0" cy="0"/>
+        </a:xfrm>
+      </p:grpSpPr>
+      <p:sp>
+        <p:nvSpPr>
+          <p:cNvPr id="2" name="Folienbildplatzhalter 1"/>
+          <p:cNvSpPr>
+            <a:spLocks noGrp="1" noRot="1" noChangeAspect="1"/>
+          </p:cNvSpPr>
+          <p:nvPr>
+            <p:ph type="sldImg"/>
+          </p:nvPr>
+        </p:nvSpPr>
+        <p:spPr/>
+      </p:sp>
+      <p:sp>
+        <p:nvSpPr>
+          <p:cNvPr id="3" name="Notizenplatzhalter 2"/>
+          <p:cNvSpPr>
+            <a:spLocks noGrp="1"/>
+          </p:cNvSpPr>
+          <p:nvPr>
+            <p:ph type="body" idx="1"/>
+          </p:nvPr>
+        </p:nvSpPr>
+        <p:spPr/>
+        <p:txBody>
+          <a:bodyPr/>
+          <a:lstStyle/>
+          <a:p>
+            <a:r>
+              <a:rPr lang="de-DE" dirty="0" smtClean="0"/>
+              <a:t>Hier</a:t>
+            </a:r>
+            <a:r>
+              <a:rPr lang="de-DE" baseline="0" dirty="0" smtClean="0"/>
+              <a:t> bei 20 Minuten sein!!</a:t>
+            </a:r>
+            <a:endParaRPr lang="de-DE" dirty="0"/>
+          </a:p>
+        </p:txBody>
+      </p:sp>
+      <p:sp>
+        <p:nvSpPr>
+          <p:cNvPr id="4" name="Foliennummernplatzhalter 3"/>
+          <p:cNvSpPr>
+            <a:spLocks noGrp="1"/>
+          </p:cNvSpPr>
+          <p:nvPr>
+            <p:ph type="sldNum" sz="quarter" idx="10"/>
+          </p:nvPr>
+        </p:nvSpPr>
+        <p:spPr/>
+        <p:txBody>
+          <a:bodyPr/>
+          <a:lstStyle/>
+          <a:p>
+            <a:fld id="{B162E40F-E87F-4C0D-9DAF-92DD7B84B6D5}" type="slidenum">
+              <a:rPr lang="de-DE" smtClean="0"/>
+              <a:pPr/>
+              <a:t>21</a:t>
+            </a:fld>
+            <a:endParaRPr lang="de-DE"/>
+          </a:p>
+        </p:txBody>
+      </p:sp>
+    </p:spTree>
+    <p:extLst>
+      <p:ext uri="{BB962C8B-B14F-4D97-AF65-F5344CB8AC3E}">
+        <p14:creationId xmlns:p14="http://schemas.microsoft.com/office/powerpoint/2010/main" val="2824656199"/>
+      </p:ext>
+    </p:extLst>
+  </p:cSld>
+  <p:clrMapOvr>
+    <a:masterClrMapping/>
+  </p:clrMapOvr>
+</p:notes>
+</file>
+
+<file path=ppt/notesSlides/notesSlide4.xml><?xml version="1.0" encoding="utf-8"?>
+<p:notes xmlns:a="http://schemas.openxmlformats.org/drawingml/2006/main" xmlns:r="http://schemas.openxmlformats.org/officeDocument/2006/relationships" xmlns:p="http://schemas.openxmlformats.org/presentationml/2006/main">
+  <p:cSld>
+    <p:spTree>
+      <p:nvGrpSpPr>
+        <p:cNvPr id="1" name=""/>
+        <p:cNvGrpSpPr/>
+        <p:nvPr/>
+      </p:nvGrpSpPr>
+      <p:grpSpPr>
+        <a:xfrm>
+          <a:off x="0" y="0"/>
+          <a:ext cx="0" cy="0"/>
+          <a:chOff x="0" y="0"/>
+          <a:chExt cx="0" cy="0"/>
+        </a:xfrm>
+      </p:grpSpPr>
+      <p:sp>
+        <p:nvSpPr>
+          <p:cNvPr id="2" name="Folienbildplatzhalter 1"/>
+          <p:cNvSpPr>
+            <a:spLocks noGrp="1" noRot="1" noChangeAspect="1"/>
+          </p:cNvSpPr>
+          <p:nvPr>
+            <p:ph type="sldImg"/>
+          </p:nvPr>
+        </p:nvSpPr>
+        <p:spPr/>
+      </p:sp>
+      <p:sp>
+        <p:nvSpPr>
+          <p:cNvPr id="3" name="Notizenplatzhalter 2"/>
+          <p:cNvSpPr>
+            <a:spLocks noGrp="1"/>
+          </p:cNvSpPr>
+          <p:nvPr>
+            <p:ph type="body" idx="1"/>
+          </p:nvPr>
+        </p:nvSpPr>
+        <p:spPr/>
+        <p:txBody>
+          <a:bodyPr/>
+          <a:lstStyle/>
+          <a:p>
+            <a:r>
+              <a:rPr lang="de-DE" dirty="0" smtClean="0"/>
+              <a:t>Hier spätestens 25 Min!!</a:t>
+            </a:r>
+            <a:endParaRPr lang="de-DE" dirty="0"/>
+          </a:p>
+        </p:txBody>
+      </p:sp>
+      <p:sp>
+        <p:nvSpPr>
+          <p:cNvPr id="4" name="Foliennummernplatzhalter 3"/>
+          <p:cNvSpPr>
+            <a:spLocks noGrp="1"/>
+          </p:cNvSpPr>
+          <p:nvPr>
+            <p:ph type="sldNum" sz="quarter" idx="10"/>
+          </p:nvPr>
+        </p:nvSpPr>
+        <p:spPr/>
+        <p:txBody>
+          <a:bodyPr/>
+          <a:lstStyle/>
+          <a:p>
+            <a:fld id="{B162E40F-E87F-4C0D-9DAF-92DD7B84B6D5}" type="slidenum">
+              <a:rPr lang="de-DE" smtClean="0"/>
+              <a:pPr/>
+              <a:t>24</a:t>
+            </a:fld>
+            <a:endParaRPr lang="de-DE" dirty="0"/>
+          </a:p>
+        </p:txBody>
+      </p:sp>
+    </p:spTree>
+    <p:extLst>
+      <p:ext uri="{BB962C8B-B14F-4D97-AF65-F5344CB8AC3E}">
+        <p14:creationId xmlns:p14="http://schemas.microsoft.com/office/powerpoint/2010/main" val="3976513062"/>
       </p:ext>
     </p:extLst>
   </p:cSld>
@@ -1018,7 +1200,7 @@
             <a:fld id="{16CA1741-E8C7-4D32-930D-2CBEC658BBE9}" type="datetime1">
               <a:rPr lang="de-DE" smtClean="0"/>
               <a:pPr/>
-              <a:t>20.06.2015</a:t>
+              <a:t>21.06.2015</a:t>
             </a:fld>
             <a:endParaRPr lang="de-DE"/>
           </a:p>
@@ -1207,7 +1389,7 @@
             <a:fld id="{BA20089B-28E9-4E3D-8F82-6328AE8CACA6}" type="datetime1">
               <a:rPr lang="de-DE" smtClean="0"/>
               <a:pPr/>
-              <a:t>20.06.2015</a:t>
+              <a:t>21.06.2015</a:t>
             </a:fld>
             <a:endParaRPr lang="de-DE"/>
           </a:p>
@@ -1402,7 +1584,7 @@
           <a:p>
             <a:fld id="{9369858E-D1D1-4BAC-A564-46FF792CFAC7}" type="datetime1">
               <a:rPr lang="de-DE" smtClean="0"/>
-              <a:t>20.06.2015</a:t>
+              <a:t>21.06.2015</a:t>
             </a:fld>
             <a:endParaRPr lang="de-DE" dirty="0"/>
           </a:p>
@@ -1669,7 +1851,7 @@
             <a:fld id="{48E855D6-EEBE-45BF-8BB5-776601FA5085}" type="datetime1">
               <a:rPr lang="de-DE" smtClean="0"/>
               <a:pPr/>
-              <a:t>20.06.2015</a:t>
+              <a:t>21.06.2015</a:t>
             </a:fld>
             <a:endParaRPr lang="de-DE"/>
           </a:p>
@@ -1966,7 +2148,7 @@
             <a:fld id="{EF380378-A65B-4494-A5A7-886B50CB4937}" type="datetime1">
               <a:rPr lang="de-DE" smtClean="0"/>
               <a:pPr/>
-              <a:t>20.06.2015</a:t>
+              <a:t>21.06.2015</a:t>
             </a:fld>
             <a:endParaRPr lang="de-DE"/>
           </a:p>
@@ -2397,7 +2579,7 @@
             <a:fld id="{BF9B2ACF-C63C-45AF-B5D6-56753CCBEEC7}" type="datetime1">
               <a:rPr lang="de-DE" smtClean="0"/>
               <a:pPr/>
-              <a:t>20.06.2015</a:t>
+              <a:t>21.06.2015</a:t>
             </a:fld>
             <a:endParaRPr lang="de-DE"/>
           </a:p>
@@ -2524,7 +2706,7 @@
             <a:fld id="{782C60A8-75F3-45EE-8F68-824804B9A36B}" type="datetime1">
               <a:rPr lang="de-DE" smtClean="0"/>
               <a:pPr/>
-              <a:t>20.06.2015</a:t>
+              <a:t>21.06.2015</a:t>
             </a:fld>
             <a:endParaRPr lang="de-DE"/>
           </a:p>
@@ -2628,7 +2810,7 @@
             <a:fld id="{AC76AE4E-B847-44C0-9E80-FADAC514238D}" type="datetime1">
               <a:rPr lang="de-DE" smtClean="0"/>
               <a:pPr/>
-              <a:t>20.06.2015</a:t>
+              <a:t>21.06.2015</a:t>
             </a:fld>
             <a:endParaRPr lang="de-DE"/>
           </a:p>
@@ -2914,7 +3096,7 @@
             <a:fld id="{93EB1BC4-DA1F-4C44-8E36-1B9FD72AD58E}" type="datetime1">
               <a:rPr lang="de-DE" smtClean="0"/>
               <a:pPr/>
-              <a:t>20.06.2015</a:t>
+              <a:t>21.06.2015</a:t>
             </a:fld>
             <a:endParaRPr lang="de-DE"/>
           </a:p>
@@ -3176,7 +3358,7 @@
             <a:fld id="{E23DD280-69E3-4A3C-8762-77BE68C0FDBF}" type="datetime1">
               <a:rPr lang="de-DE" smtClean="0"/>
               <a:pPr/>
-              <a:t>20.06.2015</a:t>
+              <a:t>21.06.2015</a:t>
             </a:fld>
             <a:endParaRPr lang="de-DE"/>
           </a:p>
@@ -3398,7 +3580,7 @@
             <a:fld id="{A1830189-BAB1-4688-8766-4D2AC2DF7C33}" type="datetime1">
               <a:rPr lang="de-DE" smtClean="0"/>
               <a:pPr/>
-              <a:t>20.06.2015</a:t>
+              <a:t>21.06.2015</a:t>
             </a:fld>
             <a:endParaRPr lang="de-DE" dirty="0"/>
           </a:p>
@@ -4265,7 +4447,7 @@
           <a:p>
             <a:fld id="{825920CB-9CFE-4FB0-A074-BEBA46422A5B}" type="datetime1">
               <a:rPr lang="de-DE" smtClean="0"/>
-              <a:t>20.06.2015</a:t>
+              <a:t>21.06.2015</a:t>
             </a:fld>
             <a:endParaRPr lang="de-DE"/>
           </a:p>
@@ -4714,7 +4896,7 @@
           <a:p>
             <a:fld id="{711E0BBA-85CE-4567-A3EB-570B826ED505}" type="datetime1">
               <a:rPr lang="de-DE" smtClean="0"/>
-              <a:t>20.06.2015</a:t>
+              <a:t>21.06.2015</a:t>
             </a:fld>
             <a:endParaRPr lang="de-DE"/>
           </a:p>
@@ -5333,7 +5515,7 @@
           <a:p>
             <a:fld id="{1BA9CB46-1999-48FE-934D-6C67DE059830}" type="datetime1">
               <a:rPr lang="de-DE" smtClean="0"/>
-              <a:t>20.06.2015</a:t>
+              <a:t>21.06.2015</a:t>
             </a:fld>
             <a:endParaRPr lang="de-DE"/>
           </a:p>
@@ -5852,7 +6034,7 @@
           <a:p>
             <a:fld id="{72653B21-52A1-4C85-A953-1B3DFEDFDB08}" type="datetime1">
               <a:rPr lang="de-DE" smtClean="0"/>
-              <a:t>20.06.2015</a:t>
+              <a:t>21.06.2015</a:t>
             </a:fld>
             <a:endParaRPr lang="de-DE"/>
           </a:p>
@@ -6006,7 +6188,7 @@
           <a:p>
             <a:fld id="{860830F5-49E7-4889-AA1F-2CB69E8126AF}" type="datetime1">
               <a:rPr lang="de-DE" smtClean="0"/>
-              <a:t>20.06.2015</a:t>
+              <a:t>21.06.2015</a:t>
             </a:fld>
             <a:endParaRPr lang="de-DE"/>
           </a:p>
@@ -6488,7 +6670,7 @@
           <a:p>
             <a:fld id="{5A27912C-CDDD-45BB-A172-315B1F38A094}" type="datetime1">
               <a:rPr lang="de-DE" smtClean="0"/>
-              <a:t>20.06.2015</a:t>
+              <a:t>21.06.2015</a:t>
             </a:fld>
             <a:endParaRPr lang="de-DE"/>
           </a:p>
@@ -6854,49 +7036,6 @@
                                   </p:childTnLst>
                                 </p:cTn>
                               </p:par>
-                              <p:par>
-                                <p:cTn id="16" presetID="10" presetClass="entr" presetSubtype="0" fill="hold" nodeType="withEffect">
-                                  <p:stCondLst>
-                                    <p:cond delay="0"/>
-                                  </p:stCondLst>
-                                  <p:childTnLst>
-                                    <p:set>
-                                      <p:cBhvr>
-                                        <p:cTn id="17" dur="1" fill="hold">
-                                          <p:stCondLst>
-                                            <p:cond delay="0"/>
-                                          </p:stCondLst>
-                                        </p:cTn>
-                                        <p:tgtEl>
-                                          <p:spTgt spid="7">
-                                            <p:txEl>
-                                              <p:pRg st="3" end="3"/>
-                                            </p:txEl>
-                                          </p:spTgt>
-                                        </p:tgtEl>
-                                        <p:attrNameLst>
-                                          <p:attrName>style.visibility</p:attrName>
-                                        </p:attrNameLst>
-                                      </p:cBhvr>
-                                      <p:to>
-                                        <p:strVal val="visible"/>
-                                      </p:to>
-                                    </p:set>
-                                    <p:animEffect transition="in" filter="fade">
-                                      <p:cBhvr>
-                                        <p:cTn id="18" dur="500"/>
-                                        <p:tgtEl>
-                                          <p:spTgt spid="7">
-                                            <p:txEl>
-                                              <p:pRg st="3" end="3"/>
-                                            </p:txEl>
-                                          </p:spTgt>
-                                        </p:tgtEl>
-                                      </p:cBhvr>
-                                    </p:animEffect>
-                                  </p:childTnLst>
-                                </p:cTn>
-                              </p:par>
                             </p:childTnLst>
                           </p:cTn>
                         </p:par>
@@ -6904,19 +7043,62 @@
                     </p:cTn>
                   </p:par>
                   <p:par>
-                    <p:cTn id="19" fill="hold">
+                    <p:cTn id="16" fill="hold">
                       <p:stCondLst>
                         <p:cond delay="indefinite"/>
                       </p:stCondLst>
                       <p:childTnLst>
                         <p:par>
-                          <p:cTn id="20" fill="hold">
+                          <p:cTn id="17" fill="hold">
                             <p:stCondLst>
                               <p:cond delay="0"/>
                             </p:stCondLst>
                             <p:childTnLst>
                               <p:par>
-                                <p:cTn id="21" presetID="10" presetClass="entr" presetSubtype="0" fill="hold" nodeType="clickEffect">
+                                <p:cTn id="18" presetID="10" presetClass="entr" presetSubtype="0" fill="hold" nodeType="clickEffect">
+                                  <p:stCondLst>
+                                    <p:cond delay="0"/>
+                                  </p:stCondLst>
+                                  <p:childTnLst>
+                                    <p:set>
+                                      <p:cBhvr>
+                                        <p:cTn id="19" dur="1" fill="hold">
+                                          <p:stCondLst>
+                                            <p:cond delay="0"/>
+                                          </p:stCondLst>
+                                        </p:cTn>
+                                        <p:tgtEl>
+                                          <p:spTgt spid="7">
+                                            <p:txEl>
+                                              <p:pRg st="3" end="3"/>
+                                            </p:txEl>
+                                          </p:spTgt>
+                                        </p:tgtEl>
+                                        <p:attrNameLst>
+                                          <p:attrName>style.visibility</p:attrName>
+                                        </p:attrNameLst>
+                                      </p:cBhvr>
+                                      <p:to>
+                                        <p:strVal val="visible"/>
+                                      </p:to>
+                                    </p:set>
+                                    <p:animEffect transition="in" filter="fade">
+                                      <p:cBhvr>
+                                        <p:cTn id="20" dur="500"/>
+                                        <p:tgtEl>
+                                          <p:spTgt spid="7">
+                                            <p:txEl>
+                                              <p:pRg st="3" end="3"/>
+                                            </p:txEl>
+                                          </p:spTgt>
+                                        </p:tgtEl>
+                                      </p:cBhvr>
+                                    </p:animEffect>
+                                  </p:childTnLst>
+                                </p:cTn>
+                              </p:par>
+                              <p:par>
+                                <p:cTn id="21" presetID="10" presetClass="entr" presetSubtype="0" fill="hold" nodeType="withEffect">
                                   <p:stCondLst>
                                     <p:cond delay="0"/>
                                   </p:stCondLst>
@@ -7071,7 +7253,7 @@
           <a:p>
             <a:fld id="{00B76B82-E15A-4F92-B838-853BA8CDA07B}" type="datetime1">
               <a:rPr lang="de-DE" smtClean="0"/>
-              <a:t>20.06.2015</a:t>
+              <a:t>21.06.2015</a:t>
             </a:fld>
             <a:endParaRPr lang="de-DE"/>
           </a:p>
@@ -7789,7 +7971,7 @@
           <a:p>
             <a:fld id="{CBD29002-DD08-4B8B-8D0E-E18685283E8F}" type="datetime1">
               <a:rPr lang="de-DE" smtClean="0"/>
-              <a:t>20.06.2015</a:t>
+              <a:t>21.06.2015</a:t>
             </a:fld>
             <a:endParaRPr lang="de-DE"/>
           </a:p>
@@ -7996,7 +8178,7 @@
           <a:p>
             <a:fld id="{D7189504-FB42-40CE-B2BB-CA1D3CB1B385}" type="datetime1">
               <a:rPr lang="de-DE" smtClean="0"/>
-              <a:t>20.06.2015</a:t>
+              <a:t>21.06.2015</a:t>
             </a:fld>
             <a:endParaRPr lang="de-DE"/>
           </a:p>
@@ -8472,7 +8654,7 @@
           <a:p>
             <a:fld id="{8C72BFCD-6DDC-4F0C-B207-AE3CB62F0D09}" type="datetime1">
               <a:rPr lang="de-DE" smtClean="0"/>
-              <a:t>20.06.2015</a:t>
+              <a:t>21.06.2015</a:t>
             </a:fld>
             <a:endParaRPr lang="de-DE"/>
           </a:p>
@@ -9206,7 +9388,7 @@
           <a:p>
             <a:fld id="{9369858E-D1D1-4BAC-A564-46FF792CFAC7}" type="datetime1">
               <a:rPr lang="de-DE" smtClean="0"/>
-              <a:t>20.06.2015</a:t>
+              <a:t>21.06.2015</a:t>
             </a:fld>
             <a:endParaRPr lang="de-DE" dirty="0"/>
           </a:p>
@@ -9751,7 +9933,7 @@
           <a:p>
             <a:fld id="{9369858E-D1D1-4BAC-A564-46FF792CFAC7}" type="datetime1">
               <a:rPr lang="de-DE" smtClean="0"/>
-              <a:t>20.06.2015</a:t>
+              <a:t>21.06.2015</a:t>
             </a:fld>
             <a:endParaRPr lang="de-DE" dirty="0"/>
           </a:p>
@@ -9846,7 +10028,7 @@
           <p:nvPr/>
         </p:nvPicPr>
         <p:blipFill rotWithShape="1">
-          <a:blip r:embed="rId2">
+          <a:blip r:embed="rId3">
             <a:extLst>
               <a:ext uri="{28A0092B-C50C-407E-A947-70E740481C1C}">
                 <a14:useLocalDpi xmlns:a14="http://schemas.microsoft.com/office/drawing/2010/main" val="0"/>
@@ -9875,7 +10057,7 @@
           <p:nvPr/>
         </p:nvPicPr>
         <p:blipFill rotWithShape="1">
-          <a:blip r:embed="rId3">
+          <a:blip r:embed="rId4">
             <a:extLst>
               <a:ext uri="{28A0092B-C50C-407E-A947-70E740481C1C}">
                 <a14:useLocalDpi xmlns:a14="http://schemas.microsoft.com/office/drawing/2010/main" val="0"/>
@@ -10022,7 +10204,7 @@
           <a:p>
             <a:fld id="{CF17882A-01A4-40E1-8E7C-E4DC1CDE6C7E}" type="datetime1">
               <a:rPr lang="de-DE" smtClean="0"/>
-              <a:t>20.06.2015</a:t>
+              <a:t>21.06.2015</a:t>
             </a:fld>
             <a:endParaRPr lang="de-DE"/>
           </a:p>
@@ -10143,7 +10325,7 @@
               <a:rPr lang="de-DE" sz="2000" dirty="0" smtClean="0">
                 <a:latin typeface="Lato" pitchFamily="34" charset="0"/>
               </a:rPr>
-              <a:t>Native Instruments FM8: Nachbildung des DX7</a:t>
+              <a:t>Native Instruments FM7: Nachbildung des DX7</a:t>
             </a:r>
           </a:p>
           <a:p>
@@ -10567,7 +10749,7 @@
           <a:p>
             <a:fld id="{6FD35CB8-BD90-447C-AB06-561BC3962411}" type="datetime1">
               <a:rPr lang="de-DE" smtClean="0"/>
-              <a:t>20.06.2015</a:t>
+              <a:t>21.06.2015</a:t>
             </a:fld>
             <a:endParaRPr lang="de-DE"/>
           </a:p>
@@ -11067,7 +11249,7 @@
           <a:p>
             <a:fld id="{6D7D0E66-EFAE-4305-BA7A-6348E48A8036}" type="datetime1">
               <a:rPr lang="de-DE" smtClean="0"/>
-              <a:t>20.06.2015</a:t>
+              <a:t>21.06.2015</a:t>
             </a:fld>
             <a:endParaRPr lang="de-DE"/>
           </a:p>
@@ -11139,7 +11321,7 @@
           <p:nvPr/>
         </p:nvPicPr>
         <p:blipFill rotWithShape="1">
-          <a:blip r:embed="rId5" cstate="print"/>
+          <a:blip r:embed="rId6" cstate="print"/>
           <a:srcRect l="5387" t="3572"/>
           <a:stretch/>
         </p:blipFill>
@@ -11261,12 +11443,12 @@
           <a:graphicData uri="http://schemas.openxmlformats.org/presentationml/2006/ole">
             <mc:AlternateContent xmlns:mc="http://schemas.openxmlformats.org/markup-compatibility/2006">
               <mc:Choice xmlns:v="urn:schemas-microsoft-com:vml" Requires="v">
-                <p:oleObj spid="_x0000_s31940" name="Formel" r:id="rId6" imgW="114120" imgH="215640" progId="Equation.3">
+                <p:oleObj spid="_x0000_s31947" name="Formel" r:id="rId7" imgW="114120" imgH="215640" progId="Equation.3">
                   <p:embed/>
                 </p:oleObj>
               </mc:Choice>
               <mc:Fallback>
-                <p:oleObj name="Formel" r:id="rId6" imgW="114120" imgH="215640" progId="Equation.3">
+                <p:oleObj name="Formel" r:id="rId7" imgW="114120" imgH="215640" progId="Equation.3">
                   <p:embed/>
                   <p:pic>
                     <p:nvPicPr>
@@ -11277,7 +11459,7 @@
                       <p:nvPr/>
                     </p:nvPicPr>
                     <p:blipFill>
-                      <a:blip r:embed="rId7">
+                      <a:blip r:embed="rId8">
                         <a:extLst>
                           <a:ext uri="{28A0092B-C50C-407E-A947-70E740481C1C}">
                             <a14:useLocalDpi xmlns:a14="http://schemas.microsoft.com/office/drawing/2010/main" val="0"/>
@@ -11328,7 +11510,7 @@
           </p:nvPr>
         </p:nvPicPr>
         <p:blipFill>
-          <a:blip r:embed="rId8" cstate="print">
+          <a:blip r:embed="rId9" cstate="print">
             <a:extLst>
               <a:ext uri="{28A0092B-C50C-407E-A947-70E740481C1C}">
                 <a14:useLocalDpi xmlns:a14="http://schemas.microsoft.com/office/drawing/2010/main" val="0"/>
@@ -11362,7 +11544,7 @@
           </p:nvPr>
         </p:nvPicPr>
         <p:blipFill>
-          <a:blip r:embed="rId9" cstate="print">
+          <a:blip r:embed="rId10" cstate="print">
             <a:extLst>
               <a:ext uri="{28A0092B-C50C-407E-A947-70E740481C1C}">
                 <a14:useLocalDpi xmlns:a14="http://schemas.microsoft.com/office/drawing/2010/main" val="0"/>
@@ -11392,7 +11574,7 @@
           <p:nvPr/>
         </p:nvPicPr>
         <p:blipFill>
-          <a:blip r:embed="rId10"/>
+          <a:blip r:embed="rId11"/>
           <a:stretch>
             <a:fillRect/>
           </a:stretch>
@@ -11684,9 +11866,9 @@
           <a:p>
             <a:fld id="{39A556A3-A96F-4A29-B9F8-6AE2A559B586}" type="datetime1">
               <a:rPr lang="de-DE" smtClean="0"/>
-              <a:t>20.06.2015</a:t>
+              <a:t>21.06.2015</a:t>
             </a:fld>
-            <a:endParaRPr lang="de-DE"/>
+            <a:endParaRPr lang="de-DE" dirty="0"/>
           </a:p>
         </p:txBody>
       </p:sp>
@@ -11795,7 +11977,7 @@
           <a:graphicData uri="http://schemas.openxmlformats.org/presentationml/2006/ole">
             <mc:AlternateContent xmlns:mc="http://schemas.openxmlformats.org/markup-compatibility/2006">
               <mc:Choice xmlns:v="urn:schemas-microsoft-com:vml" Requires="v">
-                <p:oleObj spid="_x0000_s33098" name="Formel" r:id="rId5" imgW="114120" imgH="215640" progId="Equation.3">
+                <p:oleObj spid="_x0000_s33112" name="Formel" r:id="rId5" imgW="114120" imgH="215640" progId="Equation.3">
                   <p:embed/>
                 </p:oleObj>
               </mc:Choice>
@@ -11865,7 +12047,7 @@
           <a:graphicData uri="http://schemas.openxmlformats.org/presentationml/2006/ole">
             <mc:AlternateContent xmlns:mc="http://schemas.openxmlformats.org/markup-compatibility/2006">
               <mc:Choice xmlns:v="urn:schemas-microsoft-com:vml" Requires="v">
-                <p:oleObj spid="_x0000_s33099" name="Formel" r:id="rId7" imgW="114120" imgH="215640" progId="Equation.3">
+                <p:oleObj spid="_x0000_s33113" name="Formel" r:id="rId7" imgW="114120" imgH="215640" progId="Equation.3">
                   <p:embed/>
                 </p:oleObj>
               </mc:Choice>
@@ -12809,9 +12991,9 @@
           <a:p>
             <a:fld id="{C4F4BF9B-9A36-46DE-8B65-E62FB4C30526}" type="datetime1">
               <a:rPr lang="de-DE" smtClean="0"/>
-              <a:t>20.06.2015</a:t>
+              <a:t>21.06.2015</a:t>
             </a:fld>
-            <a:endParaRPr lang="de-DE"/>
+            <a:endParaRPr lang="de-DE" dirty="0"/>
           </a:p>
         </p:txBody>
       </p:sp>
@@ -13465,9 +13647,9 @@
           <a:p>
             <a:fld id="{FF1488C6-348F-4901-AAB2-1EC6CED6BE40}" type="datetime1">
               <a:rPr lang="de-DE" smtClean="0"/>
-              <a:t>20.06.2015</a:t>
+              <a:t>21.06.2015</a:t>
             </a:fld>
-            <a:endParaRPr lang="de-DE"/>
+            <a:endParaRPr lang="de-DE" dirty="0"/>
           </a:p>
         </p:txBody>
       </p:sp>
@@ -13492,10 +13674,10 @@
           <a:lstStyle/>
           <a:p>
             <a:r>
-              <a:rPr lang="de-DE" smtClean="0"/>
+              <a:rPr lang="de-DE" dirty="0" smtClean="0"/>
               <a:t>FM-Synthese</a:t>
             </a:r>
-            <a:endParaRPr lang="de-DE"/>
+            <a:endParaRPr lang="de-DE" dirty="0"/>
           </a:p>
         </p:txBody>
       </p:sp>
@@ -14833,9 +15015,9 @@
           <a:p>
             <a:fld id="{4987A347-352C-4B4F-B3D9-7FF070EB9D55}" type="datetime1">
               <a:rPr lang="de-DE" smtClean="0"/>
-              <a:t>20.06.2015</a:t>
+              <a:t>21.06.2015</a:t>
             </a:fld>
-            <a:endParaRPr lang="de-DE"/>
+            <a:endParaRPr lang="de-DE" dirty="0"/>
           </a:p>
         </p:txBody>
       </p:sp>
@@ -14860,10 +15042,10 @@
           <a:lstStyle/>
           <a:p>
             <a:r>
-              <a:rPr lang="de-DE" smtClean="0"/>
+              <a:rPr lang="de-DE" dirty="0" smtClean="0"/>
               <a:t>FM-Synthese</a:t>
             </a:r>
-            <a:endParaRPr lang="de-DE"/>
+            <a:endParaRPr lang="de-DE" dirty="0"/>
           </a:p>
         </p:txBody>
       </p:sp>
@@ -15112,25 +15294,13 @@
               <a:rPr lang="de-DE" sz="2000" smtClean="0">
                 <a:latin typeface="Lato" pitchFamily="34" charset="0"/>
               </a:rPr>
-              <a:t> </a:t>
-            </a:r>
-            <a:r>
-              <a:rPr lang="de-DE" sz="2000" smtClean="0">
-                <a:latin typeface="Lato" pitchFamily="34" charset="0"/>
-              </a:rPr>
-              <a:t>Frequency</a:t>
+              <a:t> Frequency</a:t>
             </a:r>
             <a:r>
               <a:rPr lang="de-DE" sz="2000" dirty="0" smtClean="0">
                 <a:latin typeface="Lato" pitchFamily="34" charset="0"/>
               </a:rPr>
-              <a:t> </a:t>
-            </a:r>
-            <a:r>
-              <a:rPr lang="de-DE" sz="2000" dirty="0" smtClean="0">
-                <a:latin typeface="Lato" pitchFamily="34" charset="0"/>
-              </a:rPr>
-              <a:t>Modulation“ von 1973</a:t>
+              <a:t> Modulation“ von 1973</a:t>
             </a:r>
           </a:p>
           <a:p>
@@ -15648,7 +15818,7 @@
           <a:p>
             <a:fld id="{3639999C-1D72-4812-9BEC-6A84F856EB5A}" type="datetime1">
               <a:rPr lang="de-DE" smtClean="0"/>
-              <a:t>20.06.2015</a:t>
+              <a:t>21.06.2015</a:t>
             </a:fld>
             <a:endParaRPr lang="de-DE"/>
           </a:p>
@@ -16933,7 +17103,7 @@
           <a:p>
             <a:fld id="{7609E643-4D96-4DED-8C33-CC201D580F3D}" type="datetime1">
               <a:rPr lang="de-DE" smtClean="0"/>
-              <a:t>20.06.2015</a:t>
+              <a:t>21.06.2015</a:t>
             </a:fld>
             <a:endParaRPr lang="de-DE"/>
           </a:p>
@@ -17846,7 +18016,7 @@
           <a:p>
             <a:fld id="{4076B8EE-21E0-40B1-8970-CDA6027CB94F}" type="datetime1">
               <a:rPr lang="de-DE" smtClean="0"/>
-              <a:t>20.06.2015</a:t>
+              <a:t>21.06.2015</a:t>
             </a:fld>
             <a:endParaRPr lang="de-DE"/>
           </a:p>
@@ -18221,7 +18391,7 @@
           <a:p>
             <a:fld id="{9369858E-D1D1-4BAC-A564-46FF792CFAC7}" type="datetime1">
               <a:rPr lang="de-DE" smtClean="0"/>
-              <a:t>20.06.2015</a:t>
+              <a:t>21.06.2015</a:t>
             </a:fld>
             <a:endParaRPr lang="de-DE" dirty="0"/>
           </a:p>
@@ -18483,7 +18653,7 @@
           <a:p>
             <a:fld id="{9369858E-D1D1-4BAC-A564-46FF792CFAC7}" type="datetime1">
               <a:rPr lang="de-DE" smtClean="0"/>
-              <a:t>20.06.2015</a:t>
+              <a:t>21.06.2015</a:t>
             </a:fld>
             <a:endParaRPr lang="de-DE" dirty="0"/>
           </a:p>
@@ -18759,7 +18929,7 @@
           <a:p>
             <a:fld id="{9369858E-D1D1-4BAC-A564-46FF792CFAC7}" type="datetime1">
               <a:rPr lang="de-DE" smtClean="0"/>
-              <a:t>20.06.2015</a:t>
+              <a:t>21.06.2015</a:t>
             </a:fld>
             <a:endParaRPr lang="de-DE" dirty="0"/>
           </a:p>
@@ -18883,7 +19053,7 @@
           <a:p>
             <a:fld id="{73EBDB3D-1284-4703-8FAB-D9B5400C77DD}" type="datetime1">
               <a:rPr lang="de-DE" smtClean="0"/>
-              <a:t>20.06.2015</a:t>
+              <a:t>21.06.2015</a:t>
             </a:fld>
             <a:endParaRPr lang="de-DE"/>
           </a:p>
@@ -19438,7 +19608,7 @@
           <a:p>
             <a:fld id="{57104889-ED7B-46E1-A53D-000D0D04FFF0}" type="datetime1">
               <a:rPr lang="de-DE" smtClean="0"/>
-              <a:t>20.06.2015</a:t>
+              <a:t>21.06.2015</a:t>
             </a:fld>
             <a:endParaRPr lang="de-DE"/>
           </a:p>
@@ -20256,7 +20426,7 @@
           <a:p>
             <a:fld id="{7863A709-473A-488B-BD2D-9CF65648D40C}" type="datetime1">
               <a:rPr lang="de-DE" smtClean="0"/>
-              <a:t>20.06.2015</a:t>
+              <a:t>21.06.2015</a:t>
             </a:fld>
             <a:endParaRPr lang="de-DE"/>
           </a:p>
@@ -20439,7 +20609,7 @@
           <a:graphicData uri="http://schemas.openxmlformats.org/presentationml/2006/ole">
             <mc:AlternateContent xmlns:mc="http://schemas.openxmlformats.org/markup-compatibility/2006">
               <mc:Choice xmlns:v="urn:schemas-microsoft-com:vml" Requires="v">
-                <p:oleObj spid="_x0000_s2212" name="Formel" r:id="rId10" imgW="114120" imgH="215640" progId="Equation.3">
+                <p:oleObj spid="_x0000_s2219" name="Formel" r:id="rId10" imgW="114120" imgH="215640" progId="Equation.3">
                   <p:embed/>
                 </p:oleObj>
               </mc:Choice>
@@ -21095,7 +21265,7 @@
               </p:nextCondLst>
             </p:seq>
             <p:audio>
-              <p:cMediaNode vol="56061">
+              <p:cMediaNode vol="21212">
                 <p:cTn id="34" fill="hold" display="0">
                   <p:stCondLst>
                     <p:cond delay="indefinite"/>
@@ -21114,7 +21284,7 @@
               </p:cMediaNode>
             </p:audio>
             <p:audio>
-              <p:cMediaNode vol="63636">
+              <p:cMediaNode vol="19697">
                 <p:cTn id="35" fill="hold" display="0">
                   <p:stCondLst>
                     <p:cond delay="indefinite"/>
@@ -21133,7 +21303,7 @@
               </p:cMediaNode>
             </p:audio>
             <p:audio>
-              <p:cMediaNode vol="56061">
+              <p:cMediaNode vol="18182">
                 <p:cTn id="36" fill="hold" display="0">
                   <p:stCondLst>
                     <p:cond delay="indefinite"/>
@@ -21232,7 +21402,7 @@
           <a:p>
             <a:fld id="{CFA19918-AC84-41E1-B740-FB8B3337DCD7}" type="datetime1">
               <a:rPr lang="de-DE" smtClean="0"/>
-              <a:t>20.06.2015</a:t>
+              <a:t>21.06.2015</a:t>
             </a:fld>
             <a:endParaRPr lang="de-DE"/>
           </a:p>
@@ -22001,7 +22171,7 @@
               </p:nextCondLst>
             </p:seq>
             <p:audio>
-              <p:cMediaNode vol="62121">
+              <p:cMediaNode vol="45455">
                 <p:cTn id="32" fill="hold" display="0">
                   <p:stCondLst>
                     <p:cond delay="indefinite"/>
@@ -22078,7 +22248,7 @@
               </p:nextCondLst>
             </p:seq>
             <p:audio>
-              <p:cMediaNode vol="80303">
+              <p:cMediaNode vol="60606">
                 <p:cTn id="38" fill="hold" display="0">
                   <p:stCondLst>
                     <p:cond delay="indefinite"/>
@@ -22155,7 +22325,7 @@
               </p:nextCondLst>
             </p:seq>
             <p:audio>
-              <p:cMediaNode vol="60606">
+              <p:cMediaNode vol="42424">
                 <p:cTn id="44" fill="hold" display="0">
                   <p:stCondLst>
                     <p:cond delay="indefinite"/>
@@ -22249,7 +22419,7 @@
           <a:p>
             <a:fld id="{4E144442-ACC1-484B-8553-97F56778C777}" type="datetime1">
               <a:rPr lang="de-DE" smtClean="0"/>
-              <a:t>20.06.2015</a:t>
+              <a:t>21.06.2015</a:t>
             </a:fld>
             <a:endParaRPr lang="de-DE"/>
           </a:p>
@@ -23029,7 +23199,7 @@
               </p:nextCondLst>
             </p:seq>
             <p:audio>
-              <p:cMediaNode vol="57576">
+              <p:cMediaNode vol="37879">
                 <p:cTn id="32" fill="hold" display="0">
                   <p:stCondLst>
                     <p:cond delay="indefinite"/>
@@ -23106,7 +23276,7 @@
               </p:nextCondLst>
             </p:seq>
             <p:audio>
-              <p:cMediaNode vol="57576">
+              <p:cMediaNode vol="42424">
                 <p:cTn id="38" fill="hold" display="0">
                   <p:stCondLst>
                     <p:cond delay="indefinite"/>
@@ -23183,7 +23353,7 @@
               </p:nextCondLst>
             </p:seq>
             <p:audio>
-              <p:cMediaNode vol="66667">
+              <p:cMediaNode vol="46970">
                 <p:cTn id="44" fill="hold" display="0">
                   <p:stCondLst>
                     <p:cond delay="indefinite"/>

--- a/Praesentation/FMSynthese-Julius.pptx
+++ b/Praesentation/FMSynthese-Julius.pptx
@@ -255,7 +255,7 @@
             <a:fld id="{364A5697-ABCF-455C-8519-931EFDD64AAA}" type="datetimeFigureOut">
               <a:rPr lang="de-DE" smtClean="0"/>
               <a:pPr/>
-              <a:t>21.06.2015</a:t>
+              <a:t>22.06.2015</a:t>
             </a:fld>
             <a:endParaRPr lang="de-DE"/>
           </a:p>
@@ -1200,7 +1200,7 @@
             <a:fld id="{16CA1741-E8C7-4D32-930D-2CBEC658BBE9}" type="datetime1">
               <a:rPr lang="de-DE" smtClean="0"/>
               <a:pPr/>
-              <a:t>21.06.2015</a:t>
+              <a:t>22.06.2015</a:t>
             </a:fld>
             <a:endParaRPr lang="de-DE"/>
           </a:p>
@@ -1389,7 +1389,7 @@
             <a:fld id="{BA20089B-28E9-4E3D-8F82-6328AE8CACA6}" type="datetime1">
               <a:rPr lang="de-DE" smtClean="0"/>
               <a:pPr/>
-              <a:t>21.06.2015</a:t>
+              <a:t>22.06.2015</a:t>
             </a:fld>
             <a:endParaRPr lang="de-DE"/>
           </a:p>
@@ -1584,7 +1584,7 @@
           <a:p>
             <a:fld id="{9369858E-D1D1-4BAC-A564-46FF792CFAC7}" type="datetime1">
               <a:rPr lang="de-DE" smtClean="0"/>
-              <a:t>21.06.2015</a:t>
+              <a:t>22.06.2015</a:t>
             </a:fld>
             <a:endParaRPr lang="de-DE" dirty="0"/>
           </a:p>
@@ -1851,7 +1851,7 @@
             <a:fld id="{48E855D6-EEBE-45BF-8BB5-776601FA5085}" type="datetime1">
               <a:rPr lang="de-DE" smtClean="0"/>
               <a:pPr/>
-              <a:t>21.06.2015</a:t>
+              <a:t>22.06.2015</a:t>
             </a:fld>
             <a:endParaRPr lang="de-DE"/>
           </a:p>
@@ -2148,7 +2148,7 @@
             <a:fld id="{EF380378-A65B-4494-A5A7-886B50CB4937}" type="datetime1">
               <a:rPr lang="de-DE" smtClean="0"/>
               <a:pPr/>
-              <a:t>21.06.2015</a:t>
+              <a:t>22.06.2015</a:t>
             </a:fld>
             <a:endParaRPr lang="de-DE"/>
           </a:p>
@@ -2579,7 +2579,7 @@
             <a:fld id="{BF9B2ACF-C63C-45AF-B5D6-56753CCBEEC7}" type="datetime1">
               <a:rPr lang="de-DE" smtClean="0"/>
               <a:pPr/>
-              <a:t>21.06.2015</a:t>
+              <a:t>22.06.2015</a:t>
             </a:fld>
             <a:endParaRPr lang="de-DE"/>
           </a:p>
@@ -2706,7 +2706,7 @@
             <a:fld id="{782C60A8-75F3-45EE-8F68-824804B9A36B}" type="datetime1">
               <a:rPr lang="de-DE" smtClean="0"/>
               <a:pPr/>
-              <a:t>21.06.2015</a:t>
+              <a:t>22.06.2015</a:t>
             </a:fld>
             <a:endParaRPr lang="de-DE"/>
           </a:p>
@@ -2810,7 +2810,7 @@
             <a:fld id="{AC76AE4E-B847-44C0-9E80-FADAC514238D}" type="datetime1">
               <a:rPr lang="de-DE" smtClean="0"/>
               <a:pPr/>
-              <a:t>21.06.2015</a:t>
+              <a:t>22.06.2015</a:t>
             </a:fld>
             <a:endParaRPr lang="de-DE"/>
           </a:p>
@@ -3096,7 +3096,7 @@
             <a:fld id="{93EB1BC4-DA1F-4C44-8E36-1B9FD72AD58E}" type="datetime1">
               <a:rPr lang="de-DE" smtClean="0"/>
               <a:pPr/>
-              <a:t>21.06.2015</a:t>
+              <a:t>22.06.2015</a:t>
             </a:fld>
             <a:endParaRPr lang="de-DE"/>
           </a:p>
@@ -3358,7 +3358,7 @@
             <a:fld id="{E23DD280-69E3-4A3C-8762-77BE68C0FDBF}" type="datetime1">
               <a:rPr lang="de-DE" smtClean="0"/>
               <a:pPr/>
-              <a:t>21.06.2015</a:t>
+              <a:t>22.06.2015</a:t>
             </a:fld>
             <a:endParaRPr lang="de-DE"/>
           </a:p>
@@ -3580,7 +3580,7 @@
             <a:fld id="{A1830189-BAB1-4688-8766-4D2AC2DF7C33}" type="datetime1">
               <a:rPr lang="de-DE" smtClean="0"/>
               <a:pPr/>
-              <a:t>21.06.2015</a:t>
+              <a:t>22.06.2015</a:t>
             </a:fld>
             <a:endParaRPr lang="de-DE" dirty="0"/>
           </a:p>
@@ -4447,7 +4447,7 @@
           <a:p>
             <a:fld id="{825920CB-9CFE-4FB0-A074-BEBA46422A5B}" type="datetime1">
               <a:rPr lang="de-DE" smtClean="0"/>
-              <a:t>21.06.2015</a:t>
+              <a:t>22.06.2015</a:t>
             </a:fld>
             <a:endParaRPr lang="de-DE"/>
           </a:p>
@@ -4896,7 +4896,7 @@
           <a:p>
             <a:fld id="{711E0BBA-85CE-4567-A3EB-570B826ED505}" type="datetime1">
               <a:rPr lang="de-DE" smtClean="0"/>
-              <a:t>21.06.2015</a:t>
+              <a:t>22.06.2015</a:t>
             </a:fld>
             <a:endParaRPr lang="de-DE"/>
           </a:p>
@@ -5515,7 +5515,7 @@
           <a:p>
             <a:fld id="{1BA9CB46-1999-48FE-934D-6C67DE059830}" type="datetime1">
               <a:rPr lang="de-DE" smtClean="0"/>
-              <a:t>21.06.2015</a:t>
+              <a:t>22.06.2015</a:t>
             </a:fld>
             <a:endParaRPr lang="de-DE"/>
           </a:p>
@@ -6034,7 +6034,7 @@
           <a:p>
             <a:fld id="{72653B21-52A1-4C85-A953-1B3DFEDFDB08}" type="datetime1">
               <a:rPr lang="de-DE" smtClean="0"/>
-              <a:t>21.06.2015</a:t>
+              <a:t>22.06.2015</a:t>
             </a:fld>
             <a:endParaRPr lang="de-DE"/>
           </a:p>
@@ -6188,7 +6188,7 @@
           <a:p>
             <a:fld id="{860830F5-49E7-4889-AA1F-2CB69E8126AF}" type="datetime1">
               <a:rPr lang="de-DE" smtClean="0"/>
-              <a:t>21.06.2015</a:t>
+              <a:t>22.06.2015</a:t>
             </a:fld>
             <a:endParaRPr lang="de-DE"/>
           </a:p>
@@ -6670,7 +6670,7 @@
           <a:p>
             <a:fld id="{5A27912C-CDDD-45BB-A172-315B1F38A094}" type="datetime1">
               <a:rPr lang="de-DE" smtClean="0"/>
-              <a:t>21.06.2015</a:t>
+              <a:t>22.06.2015</a:t>
             </a:fld>
             <a:endParaRPr lang="de-DE"/>
           </a:p>
@@ -7253,7 +7253,7 @@
           <a:p>
             <a:fld id="{00B76B82-E15A-4F92-B838-853BA8CDA07B}" type="datetime1">
               <a:rPr lang="de-DE" smtClean="0"/>
-              <a:t>21.06.2015</a:t>
+              <a:t>22.06.2015</a:t>
             </a:fld>
             <a:endParaRPr lang="de-DE"/>
           </a:p>
@@ -7971,7 +7971,7 @@
           <a:p>
             <a:fld id="{CBD29002-DD08-4B8B-8D0E-E18685283E8F}" type="datetime1">
               <a:rPr lang="de-DE" smtClean="0"/>
-              <a:t>21.06.2015</a:t>
+              <a:t>22.06.2015</a:t>
             </a:fld>
             <a:endParaRPr lang="de-DE"/>
           </a:p>
@@ -8178,7 +8178,7 @@
           <a:p>
             <a:fld id="{D7189504-FB42-40CE-B2BB-CA1D3CB1B385}" type="datetime1">
               <a:rPr lang="de-DE" smtClean="0"/>
-              <a:t>21.06.2015</a:t>
+              <a:t>22.06.2015</a:t>
             </a:fld>
             <a:endParaRPr lang="de-DE"/>
           </a:p>
@@ -8654,7 +8654,7 @@
           <a:p>
             <a:fld id="{8C72BFCD-6DDC-4F0C-B207-AE3CB62F0D09}" type="datetime1">
               <a:rPr lang="de-DE" smtClean="0"/>
-              <a:t>21.06.2015</a:t>
+              <a:t>22.06.2015</a:t>
             </a:fld>
             <a:endParaRPr lang="de-DE"/>
           </a:p>
@@ -9388,7 +9388,7 @@
           <a:p>
             <a:fld id="{9369858E-D1D1-4BAC-A564-46FF792CFAC7}" type="datetime1">
               <a:rPr lang="de-DE" smtClean="0"/>
-              <a:t>21.06.2015</a:t>
+              <a:t>22.06.2015</a:t>
             </a:fld>
             <a:endParaRPr lang="de-DE" dirty="0"/>
           </a:p>
@@ -9933,7 +9933,7 @@
           <a:p>
             <a:fld id="{9369858E-D1D1-4BAC-A564-46FF792CFAC7}" type="datetime1">
               <a:rPr lang="de-DE" smtClean="0"/>
-              <a:t>21.06.2015</a:t>
+              <a:t>22.06.2015</a:t>
             </a:fld>
             <a:endParaRPr lang="de-DE" dirty="0"/>
           </a:p>
@@ -10204,7 +10204,7 @@
           <a:p>
             <a:fld id="{CF17882A-01A4-40E1-8E7C-E4DC1CDE6C7E}" type="datetime1">
               <a:rPr lang="de-DE" smtClean="0"/>
-              <a:t>21.06.2015</a:t>
+              <a:t>22.06.2015</a:t>
             </a:fld>
             <a:endParaRPr lang="de-DE"/>
           </a:p>
@@ -10749,7 +10749,7 @@
           <a:p>
             <a:fld id="{6FD35CB8-BD90-447C-AB06-561BC3962411}" type="datetime1">
               <a:rPr lang="de-DE" smtClean="0"/>
-              <a:t>21.06.2015</a:t>
+              <a:t>22.06.2015</a:t>
             </a:fld>
             <a:endParaRPr lang="de-DE"/>
           </a:p>
@@ -11249,7 +11249,7 @@
           <a:p>
             <a:fld id="{6D7D0E66-EFAE-4305-BA7A-6348E48A8036}" type="datetime1">
               <a:rPr lang="de-DE" smtClean="0"/>
-              <a:t>21.06.2015</a:t>
+              <a:t>22.06.2015</a:t>
             </a:fld>
             <a:endParaRPr lang="de-DE"/>
           </a:p>
@@ -11443,7 +11443,7 @@
           <a:graphicData uri="http://schemas.openxmlformats.org/presentationml/2006/ole">
             <mc:AlternateContent xmlns:mc="http://schemas.openxmlformats.org/markup-compatibility/2006">
               <mc:Choice xmlns:v="urn:schemas-microsoft-com:vml" Requires="v">
-                <p:oleObj spid="_x0000_s31947" name="Formel" r:id="rId7" imgW="114120" imgH="215640" progId="Equation.3">
+                <p:oleObj spid="_x0000_s31952" name="Formel" r:id="rId7" imgW="114120" imgH="215640" progId="Equation.3">
                   <p:embed/>
                 </p:oleObj>
               </mc:Choice>
@@ -11866,7 +11866,7 @@
           <a:p>
             <a:fld id="{39A556A3-A96F-4A29-B9F8-6AE2A559B586}" type="datetime1">
               <a:rPr lang="de-DE" smtClean="0"/>
-              <a:t>21.06.2015</a:t>
+              <a:t>22.06.2015</a:t>
             </a:fld>
             <a:endParaRPr lang="de-DE" dirty="0"/>
           </a:p>
@@ -11977,7 +11977,7 @@
           <a:graphicData uri="http://schemas.openxmlformats.org/presentationml/2006/ole">
             <mc:AlternateContent xmlns:mc="http://schemas.openxmlformats.org/markup-compatibility/2006">
               <mc:Choice xmlns:v="urn:schemas-microsoft-com:vml" Requires="v">
-                <p:oleObj spid="_x0000_s33112" name="Formel" r:id="rId5" imgW="114120" imgH="215640" progId="Equation.3">
+                <p:oleObj spid="_x0000_s33122" name="Formel" r:id="rId5" imgW="114120" imgH="215640" progId="Equation.3">
                   <p:embed/>
                 </p:oleObj>
               </mc:Choice>
@@ -12047,7 +12047,7 @@
           <a:graphicData uri="http://schemas.openxmlformats.org/presentationml/2006/ole">
             <mc:AlternateContent xmlns:mc="http://schemas.openxmlformats.org/markup-compatibility/2006">
               <mc:Choice xmlns:v="urn:schemas-microsoft-com:vml" Requires="v">
-                <p:oleObj spid="_x0000_s33113" name="Formel" r:id="rId7" imgW="114120" imgH="215640" progId="Equation.3">
+                <p:oleObj spid="_x0000_s33123" name="Formel" r:id="rId7" imgW="114120" imgH="215640" progId="Equation.3">
                   <p:embed/>
                 </p:oleObj>
               </mc:Choice>
@@ -12991,7 +12991,7 @@
           <a:p>
             <a:fld id="{C4F4BF9B-9A36-46DE-8B65-E62FB4C30526}" type="datetime1">
               <a:rPr lang="de-DE" smtClean="0"/>
-              <a:t>21.06.2015</a:t>
+              <a:t>22.06.2015</a:t>
             </a:fld>
             <a:endParaRPr lang="de-DE" dirty="0"/>
           </a:p>
@@ -13647,7 +13647,7 @@
           <a:p>
             <a:fld id="{FF1488C6-348F-4901-AAB2-1EC6CED6BE40}" type="datetime1">
               <a:rPr lang="de-DE" smtClean="0"/>
-              <a:t>21.06.2015</a:t>
+              <a:t>22.06.2015</a:t>
             </a:fld>
             <a:endParaRPr lang="de-DE" dirty="0"/>
           </a:p>
@@ -15015,7 +15015,7 @@
           <a:p>
             <a:fld id="{4987A347-352C-4B4F-B3D9-7FF070EB9D55}" type="datetime1">
               <a:rPr lang="de-DE" smtClean="0"/>
-              <a:t>21.06.2015</a:t>
+              <a:t>22.06.2015</a:t>
             </a:fld>
             <a:endParaRPr lang="de-DE" dirty="0"/>
           </a:p>
@@ -15818,7 +15818,7 @@
           <a:p>
             <a:fld id="{3639999C-1D72-4812-9BEC-6A84F856EB5A}" type="datetime1">
               <a:rPr lang="de-DE" smtClean="0"/>
-              <a:t>21.06.2015</a:t>
+              <a:t>22.06.2015</a:t>
             </a:fld>
             <a:endParaRPr lang="de-DE"/>
           </a:p>
@@ -17103,7 +17103,7 @@
           <a:p>
             <a:fld id="{7609E643-4D96-4DED-8C33-CC201D580F3D}" type="datetime1">
               <a:rPr lang="de-DE" smtClean="0"/>
-              <a:t>21.06.2015</a:t>
+              <a:t>22.06.2015</a:t>
             </a:fld>
             <a:endParaRPr lang="de-DE"/>
           </a:p>
@@ -18016,7 +18016,7 @@
           <a:p>
             <a:fld id="{4076B8EE-21E0-40B1-8970-CDA6027CB94F}" type="datetime1">
               <a:rPr lang="de-DE" smtClean="0"/>
-              <a:t>21.06.2015</a:t>
+              <a:t>22.06.2015</a:t>
             </a:fld>
             <a:endParaRPr lang="de-DE"/>
           </a:p>
@@ -18107,8 +18107,11 @@
               <a:rPr lang="de-DE" sz="2800" dirty="0" smtClean="0">
                 <a:latin typeface="Lato" pitchFamily="34" charset="0"/>
               </a:rPr>
-              <a:t>Zusammenfassung</a:t>
-            </a:r>
+              <a:t>Fazit</a:t>
+            </a:r>
+            <a:endParaRPr lang="de-DE" sz="2800" dirty="0" smtClean="0">
+              <a:latin typeface="Lato" pitchFamily="34" charset="0"/>
+            </a:endParaRPr>
           </a:p>
         </p:txBody>
       </p:sp>
@@ -18391,7 +18394,7 @@
           <a:p>
             <a:fld id="{9369858E-D1D1-4BAC-A564-46FF792CFAC7}" type="datetime1">
               <a:rPr lang="de-DE" smtClean="0"/>
-              <a:t>21.06.2015</a:t>
+              <a:t>22.06.2015</a:t>
             </a:fld>
             <a:endParaRPr lang="de-DE" dirty="0"/>
           </a:p>
@@ -18653,7 +18656,7 @@
           <a:p>
             <a:fld id="{9369858E-D1D1-4BAC-A564-46FF792CFAC7}" type="datetime1">
               <a:rPr lang="de-DE" smtClean="0"/>
-              <a:t>21.06.2015</a:t>
+              <a:t>22.06.2015</a:t>
             </a:fld>
             <a:endParaRPr lang="de-DE" dirty="0"/>
           </a:p>
@@ -18929,7 +18932,7 @@
           <a:p>
             <a:fld id="{9369858E-D1D1-4BAC-A564-46FF792CFAC7}" type="datetime1">
               <a:rPr lang="de-DE" smtClean="0"/>
-              <a:t>21.06.2015</a:t>
+              <a:t>22.06.2015</a:t>
             </a:fld>
             <a:endParaRPr lang="de-DE" dirty="0"/>
           </a:p>
@@ -19053,7 +19056,7 @@
           <a:p>
             <a:fld id="{73EBDB3D-1284-4703-8FAB-D9B5400C77DD}" type="datetime1">
               <a:rPr lang="de-DE" smtClean="0"/>
-              <a:t>21.06.2015</a:t>
+              <a:t>22.06.2015</a:t>
             </a:fld>
             <a:endParaRPr lang="de-DE"/>
           </a:p>
@@ -19608,7 +19611,7 @@
           <a:p>
             <a:fld id="{57104889-ED7B-46E1-A53D-000D0D04FFF0}" type="datetime1">
               <a:rPr lang="de-DE" smtClean="0"/>
-              <a:t>21.06.2015</a:t>
+              <a:t>22.06.2015</a:t>
             </a:fld>
             <a:endParaRPr lang="de-DE"/>
           </a:p>
@@ -20426,7 +20429,7 @@
           <a:p>
             <a:fld id="{7863A709-473A-488B-BD2D-9CF65648D40C}" type="datetime1">
               <a:rPr lang="de-DE" smtClean="0"/>
-              <a:t>21.06.2015</a:t>
+              <a:t>22.06.2015</a:t>
             </a:fld>
             <a:endParaRPr lang="de-DE"/>
           </a:p>
@@ -20609,7 +20612,7 @@
           <a:graphicData uri="http://schemas.openxmlformats.org/presentationml/2006/ole">
             <mc:AlternateContent xmlns:mc="http://schemas.openxmlformats.org/markup-compatibility/2006">
               <mc:Choice xmlns:v="urn:schemas-microsoft-com:vml" Requires="v">
-                <p:oleObj spid="_x0000_s2219" name="Formel" r:id="rId10" imgW="114120" imgH="215640" progId="Equation.3">
+                <p:oleObj spid="_x0000_s2224" name="Formel" r:id="rId10" imgW="114120" imgH="215640" progId="Equation.3">
                   <p:embed/>
                 </p:oleObj>
               </mc:Choice>
@@ -21402,7 +21405,7 @@
           <a:p>
             <a:fld id="{CFA19918-AC84-41E1-B740-FB8B3337DCD7}" type="datetime1">
               <a:rPr lang="de-DE" smtClean="0"/>
-              <a:t>21.06.2015</a:t>
+              <a:t>22.06.2015</a:t>
             </a:fld>
             <a:endParaRPr lang="de-DE"/>
           </a:p>
@@ -22419,7 +22422,7 @@
           <a:p>
             <a:fld id="{4E144442-ACC1-484B-8553-97F56778C777}" type="datetime1">
               <a:rPr lang="de-DE" smtClean="0"/>
-              <a:t>21.06.2015</a:t>
+              <a:t>22.06.2015</a:t>
             </a:fld>
             <a:endParaRPr lang="de-DE"/>
           </a:p>

--- a/Praesentation/FMSynthese-Julius.pptx
+++ b/Praesentation/FMSynthese-Julius.pptx
@@ -10040,7 +10040,7 @@
         </p:blipFill>
         <p:spPr>
           <a:xfrm>
-            <a:off x="217139" y="1341660"/>
+            <a:off x="253908" y="1341660"/>
             <a:ext cx="4750140" cy="2238202"/>
           </a:xfrm>
           <a:prstGeom prst="rect">
@@ -10069,7 +10069,7 @@
         </p:blipFill>
         <p:spPr>
           <a:xfrm>
-            <a:off x="5220071" y="1341660"/>
+            <a:off x="5292080" y="1341660"/>
             <a:ext cx="3564097" cy="2238202"/>
           </a:xfrm>
           <a:prstGeom prst="rect">
@@ -10309,7 +10309,19 @@
               <a:rPr lang="de-DE" sz="2000" dirty="0" smtClean="0">
                 <a:latin typeface="Lato" pitchFamily="34" charset="0"/>
               </a:rPr>
-              <a:t>Ab Mitte der 90er: Leistungsfähige personal Computer</a:t>
+              <a:t>Ab Mitte der 90er: Leistungsfähige </a:t>
+            </a:r>
+            <a:r>
+              <a:rPr lang="de-DE" sz="2000" dirty="0" smtClean="0">
+                <a:latin typeface="Lato" pitchFamily="34" charset="0"/>
+              </a:rPr>
+              <a:t>Personal </a:t>
+            </a:r>
+            <a:r>
+              <a:rPr lang="de-DE" sz="2000" dirty="0" smtClean="0">
+                <a:latin typeface="Lato" pitchFamily="34" charset="0"/>
+              </a:rPr>
+              <a:t>Computer</a:t>
             </a:r>
           </a:p>
           <a:p>
@@ -11443,7 +11455,7 @@
           <a:graphicData uri="http://schemas.openxmlformats.org/presentationml/2006/ole">
             <mc:AlternateContent xmlns:mc="http://schemas.openxmlformats.org/markup-compatibility/2006">
               <mc:Choice xmlns:v="urn:schemas-microsoft-com:vml" Requires="v">
-                <p:oleObj spid="_x0000_s31952" name="Formel" r:id="rId7" imgW="114120" imgH="215640" progId="Equation.3">
+                <p:oleObj spid="_x0000_s31957" name="Formel" r:id="rId7" imgW="114120" imgH="215640" progId="Equation.3">
                   <p:embed/>
                 </p:oleObj>
               </mc:Choice>
@@ -11977,7 +11989,7 @@
           <a:graphicData uri="http://schemas.openxmlformats.org/presentationml/2006/ole">
             <mc:AlternateContent xmlns:mc="http://schemas.openxmlformats.org/markup-compatibility/2006">
               <mc:Choice xmlns:v="urn:schemas-microsoft-com:vml" Requires="v">
-                <p:oleObj spid="_x0000_s33122" name="Formel" r:id="rId5" imgW="114120" imgH="215640" progId="Equation.3">
+                <p:oleObj spid="_x0000_s33132" name="Formel" r:id="rId5" imgW="114120" imgH="215640" progId="Equation.3">
                   <p:embed/>
                 </p:oleObj>
               </mc:Choice>
@@ -12047,7 +12059,7 @@
           <a:graphicData uri="http://schemas.openxmlformats.org/presentationml/2006/ole">
             <mc:AlternateContent xmlns:mc="http://schemas.openxmlformats.org/markup-compatibility/2006">
               <mc:Choice xmlns:v="urn:schemas-microsoft-com:vml" Requires="v">
-                <p:oleObj spid="_x0000_s33123" name="Formel" r:id="rId7" imgW="114120" imgH="215640" progId="Equation.3">
+                <p:oleObj spid="_x0000_s33133" name="Formel" r:id="rId7" imgW="114120" imgH="215640" progId="Equation.3">
                   <p:embed/>
                 </p:oleObj>
               </mc:Choice>
@@ -18109,9 +18121,6 @@
               </a:rPr>
               <a:t>Fazit</a:t>
             </a:r>
-            <a:endParaRPr lang="de-DE" sz="2800" dirty="0" smtClean="0">
-              <a:latin typeface="Lato" pitchFamily="34" charset="0"/>
-            </a:endParaRPr>
           </a:p>
         </p:txBody>
       </p:sp>
@@ -19890,7 +19899,7 @@
         </p:blipFill>
         <p:spPr>
           <a:xfrm>
-            <a:off x="5431483" y="2481432"/>
+            <a:off x="5431483" y="2514090"/>
             <a:ext cx="269823" cy="227642"/>
           </a:xfrm>
           <a:prstGeom prst="rect">
@@ -20612,7 +20621,7 @@
           <a:graphicData uri="http://schemas.openxmlformats.org/presentationml/2006/ole">
             <mc:AlternateContent xmlns:mc="http://schemas.openxmlformats.org/markup-compatibility/2006">
               <mc:Choice xmlns:v="urn:schemas-microsoft-com:vml" Requires="v">
-                <p:oleObj spid="_x0000_s2224" name="Formel" r:id="rId10" imgW="114120" imgH="215640" progId="Equation.3">
+                <p:oleObj spid="_x0000_s2229" name="Formel" r:id="rId10" imgW="114120" imgH="215640" progId="Equation.3">
                   <p:embed/>
                 </p:oleObj>
               </mc:Choice>

--- a/Praesentation/FMSynthese-Julius.pptx
+++ b/Praesentation/FMSynthese-Julius.pptx
@@ -741,6 +741,196 @@
           <a:lstStyle/>
           <a:p>
             <a:r>
+              <a:rPr lang="de-DE" dirty="0" err="1" smtClean="0"/>
+              <a:t>Fm</a:t>
+            </a:r>
+            <a:r>
+              <a:rPr lang="de-DE" dirty="0" smtClean="0"/>
+              <a:t> -&gt; Andere Frequenzen, bei denen keine</a:t>
+            </a:r>
+            <a:r>
+              <a:rPr lang="de-DE" baseline="0" dirty="0" smtClean="0"/>
+              <a:t> Amplitudenänderung auftritt!</a:t>
+            </a:r>
+            <a:endParaRPr lang="de-DE" dirty="0"/>
+          </a:p>
+        </p:txBody>
+      </p:sp>
+      <p:sp>
+        <p:nvSpPr>
+          <p:cNvPr id="4" name="Foliennummernplatzhalter 3"/>
+          <p:cNvSpPr>
+            <a:spLocks noGrp="1"/>
+          </p:cNvSpPr>
+          <p:nvPr>
+            <p:ph type="sldNum" sz="quarter" idx="10"/>
+          </p:nvPr>
+        </p:nvSpPr>
+        <p:spPr/>
+        <p:txBody>
+          <a:bodyPr/>
+          <a:lstStyle/>
+          <a:p>
+            <a:fld id="{B162E40F-E87F-4C0D-9DAF-92DD7B84B6D5}" type="slidenum">
+              <a:rPr lang="de-DE" smtClean="0"/>
+              <a:pPr/>
+              <a:t>5</a:t>
+            </a:fld>
+            <a:endParaRPr lang="de-DE"/>
+          </a:p>
+        </p:txBody>
+      </p:sp>
+    </p:spTree>
+    <p:extLst>
+      <p:ext uri="{BB962C8B-B14F-4D97-AF65-F5344CB8AC3E}">
+        <p14:creationId xmlns:p14="http://schemas.microsoft.com/office/powerpoint/2010/main" val="1154386659"/>
+      </p:ext>
+    </p:extLst>
+  </p:cSld>
+  <p:clrMapOvr>
+    <a:masterClrMapping/>
+  </p:clrMapOvr>
+</p:notes>
+</file>
+
+<file path=ppt/notesSlides/notesSlide4.xml><?xml version="1.0" encoding="utf-8"?>
+<p:notes xmlns:a="http://schemas.openxmlformats.org/drawingml/2006/main" xmlns:r="http://schemas.openxmlformats.org/officeDocument/2006/relationships" xmlns:p="http://schemas.openxmlformats.org/presentationml/2006/main">
+  <p:cSld>
+    <p:spTree>
+      <p:nvGrpSpPr>
+        <p:cNvPr id="1" name=""/>
+        <p:cNvGrpSpPr/>
+        <p:nvPr/>
+      </p:nvGrpSpPr>
+      <p:grpSpPr>
+        <a:xfrm>
+          <a:off x="0" y="0"/>
+          <a:ext cx="0" cy="0"/>
+          <a:chOff x="0" y="0"/>
+          <a:chExt cx="0" cy="0"/>
+        </a:xfrm>
+      </p:grpSpPr>
+      <p:sp>
+        <p:nvSpPr>
+          <p:cNvPr id="2" name="Folienbildplatzhalter 1"/>
+          <p:cNvSpPr>
+            <a:spLocks noGrp="1" noRot="1" noChangeAspect="1"/>
+          </p:cNvSpPr>
+          <p:nvPr>
+            <p:ph type="sldImg"/>
+          </p:nvPr>
+        </p:nvSpPr>
+        <p:spPr/>
+      </p:sp>
+      <p:sp>
+        <p:nvSpPr>
+          <p:cNvPr id="3" name="Notizenplatzhalter 2"/>
+          <p:cNvSpPr>
+            <a:spLocks noGrp="1"/>
+          </p:cNvSpPr>
+          <p:nvPr>
+            <p:ph type="body" idx="1"/>
+          </p:nvPr>
+        </p:nvSpPr>
+        <p:spPr/>
+        <p:txBody>
+          <a:bodyPr/>
+          <a:lstStyle/>
+          <a:p>
+            <a:r>
+              <a:rPr lang="de-DE" dirty="0" smtClean="0"/>
+              <a:t>Langsamer</a:t>
+            </a:r>
+            <a:r>
+              <a:rPr lang="de-DE" baseline="0" dirty="0" smtClean="0"/>
+              <a:t> Vibrato!!</a:t>
+            </a:r>
+            <a:endParaRPr lang="de-DE" dirty="0"/>
+          </a:p>
+        </p:txBody>
+      </p:sp>
+      <p:sp>
+        <p:nvSpPr>
+          <p:cNvPr id="4" name="Foliennummernplatzhalter 3"/>
+          <p:cNvSpPr>
+            <a:spLocks noGrp="1"/>
+          </p:cNvSpPr>
+          <p:nvPr>
+            <p:ph type="sldNum" sz="quarter" idx="10"/>
+          </p:nvPr>
+        </p:nvSpPr>
+        <p:spPr/>
+        <p:txBody>
+          <a:bodyPr/>
+          <a:lstStyle/>
+          <a:p>
+            <a:fld id="{B162E40F-E87F-4C0D-9DAF-92DD7B84B6D5}" type="slidenum">
+              <a:rPr lang="de-DE" smtClean="0"/>
+              <a:pPr/>
+              <a:t>12</a:t>
+            </a:fld>
+            <a:endParaRPr lang="de-DE"/>
+          </a:p>
+        </p:txBody>
+      </p:sp>
+    </p:spTree>
+    <p:extLst>
+      <p:ext uri="{BB962C8B-B14F-4D97-AF65-F5344CB8AC3E}">
+        <p14:creationId xmlns:p14="http://schemas.microsoft.com/office/powerpoint/2010/main" val="2041188952"/>
+      </p:ext>
+    </p:extLst>
+  </p:cSld>
+  <p:clrMapOvr>
+    <a:masterClrMapping/>
+  </p:clrMapOvr>
+</p:notes>
+</file>
+
+<file path=ppt/notesSlides/notesSlide5.xml><?xml version="1.0" encoding="utf-8"?>
+<p:notes xmlns:a="http://schemas.openxmlformats.org/drawingml/2006/main" xmlns:r="http://schemas.openxmlformats.org/officeDocument/2006/relationships" xmlns:p="http://schemas.openxmlformats.org/presentationml/2006/main">
+  <p:cSld>
+    <p:spTree>
+      <p:nvGrpSpPr>
+        <p:cNvPr id="1" name=""/>
+        <p:cNvGrpSpPr/>
+        <p:nvPr/>
+      </p:nvGrpSpPr>
+      <p:grpSpPr>
+        <a:xfrm>
+          <a:off x="0" y="0"/>
+          <a:ext cx="0" cy="0"/>
+          <a:chOff x="0" y="0"/>
+          <a:chExt cx="0" cy="0"/>
+        </a:xfrm>
+      </p:grpSpPr>
+      <p:sp>
+        <p:nvSpPr>
+          <p:cNvPr id="2" name="Folienbildplatzhalter 1"/>
+          <p:cNvSpPr>
+            <a:spLocks noGrp="1" noRot="1" noChangeAspect="1"/>
+          </p:cNvSpPr>
+          <p:nvPr>
+            <p:ph type="sldImg"/>
+          </p:nvPr>
+        </p:nvSpPr>
+        <p:spPr/>
+      </p:sp>
+      <p:sp>
+        <p:nvSpPr>
+          <p:cNvPr id="3" name="Notizenplatzhalter 2"/>
+          <p:cNvSpPr>
+            <a:spLocks noGrp="1"/>
+          </p:cNvSpPr>
+          <p:nvPr>
+            <p:ph type="body" idx="1"/>
+          </p:nvPr>
+        </p:nvSpPr>
+        <p:spPr/>
+        <p:txBody>
+          <a:bodyPr/>
+          <a:lstStyle/>
+          <a:p>
+            <a:r>
               <a:rPr lang="de-DE" dirty="0" smtClean="0"/>
               <a:t>Hier</a:t>
             </a:r>
@@ -789,7 +979,7 @@
 </p:notes>
 </file>
 
-<file path=ppt/notesSlides/notesSlide4.xml><?xml version="1.0" encoding="utf-8"?>
+<file path=ppt/notesSlides/notesSlide6.xml><?xml version="1.0" encoding="utf-8"?>
 <p:notes xmlns:a="http://schemas.openxmlformats.org/drawingml/2006/main" xmlns:r="http://schemas.openxmlformats.org/officeDocument/2006/relationships" xmlns:p="http://schemas.openxmlformats.org/presentationml/2006/main">
   <p:cSld>
     <p:spTree>
@@ -5480,7 +5670,29 @@
               <a:rPr lang="de-DE" sz="2000" dirty="0" smtClean="0">
                 <a:latin typeface="Lato" pitchFamily="34" charset="0"/>
               </a:rPr>
-              <a:t>Vibrato: Periodische Änderung eines Tons</a:t>
+              <a:t>Vibrato</a:t>
+            </a:r>
+            <a:r>
+              <a:rPr lang="de-DE" sz="2000" smtClean="0">
+                <a:latin typeface="Lato" pitchFamily="34" charset="0"/>
+              </a:rPr>
+              <a:t>: </a:t>
+            </a:r>
+            <a:r>
+              <a:rPr lang="de-DE" sz="2000" smtClean="0"/>
+              <a:t>L</a:t>
+            </a:r>
+            <a:r>
+              <a:rPr lang="de-DE" sz="2000" smtClean="0">
+                <a:latin typeface="Lato" pitchFamily="34" charset="0"/>
+              </a:rPr>
+              <a:t>angsame periodische </a:t>
+            </a:r>
+            <a:r>
+              <a:rPr lang="de-DE" sz="2000" dirty="0" smtClean="0">
+                <a:latin typeface="Lato" pitchFamily="34" charset="0"/>
+              </a:rPr>
+              <a:t>Änderung eines Tons</a:t>
             </a:r>
           </a:p>
           <a:p>
@@ -6801,7 +7013,7 @@
               <a:rPr lang="de-DE" sz="2000" dirty="0" smtClean="0">
                 <a:latin typeface="Lato" pitchFamily="34" charset="0"/>
               </a:rPr>
-              <a:t>Wenig Interesse zu Begin</a:t>
+              <a:t>Wenig Interesse zu Beginn</a:t>
             </a:r>
           </a:p>
           <a:p>
@@ -9351,7 +9563,7 @@
           <a:p>
             <a:r>
               <a:rPr lang="de-DE" sz="2000" dirty="0" smtClean="0"/>
-              <a:t>Midi Schnittstelle</a:t>
+              <a:t>MIDI Schnittstelle</a:t>
             </a:r>
           </a:p>
           <a:p>
@@ -10309,28 +10521,25 @@
               <a:rPr lang="de-DE" sz="2000" dirty="0" smtClean="0">
                 <a:latin typeface="Lato" pitchFamily="34" charset="0"/>
               </a:rPr>
-              <a:t>Ab Mitte der 90er: Leistungsfähige </a:t>
-            </a:r>
+              <a:t>Ab Mitte der 90er: Leistungsfähige Personal Computer</a:t>
+            </a:r>
+          </a:p>
+          <a:p>
             <a:r>
               <a:rPr lang="de-DE" sz="2000" dirty="0" smtClean="0">
                 <a:latin typeface="Lato" pitchFamily="34" charset="0"/>
               </a:rPr>
-              <a:t>Personal </a:t>
+              <a:t>Softwaresynthesizer mit </a:t>
             </a:r>
             <a:r>
               <a:rPr lang="de-DE" sz="2000" dirty="0" smtClean="0">
                 <a:latin typeface="Lato" pitchFamily="34" charset="0"/>
               </a:rPr>
-              <a:t>Computer</a:t>
-            </a:r>
-          </a:p>
-          <a:p>
-            <a:r>
-              <a:rPr lang="de-DE" sz="2000" dirty="0" smtClean="0">
-                <a:latin typeface="Lato" pitchFamily="34" charset="0"/>
-              </a:rPr>
-              <a:t>Softwaresynthesizer mit Midi-Keyboards</a:t>
-            </a:r>
+              <a:t>MIDI-Keyboards</a:t>
+            </a:r>
+            <a:endParaRPr lang="de-DE" sz="2000" dirty="0" smtClean="0">
+              <a:latin typeface="Lato" pitchFamily="34" charset="0"/>
+            </a:endParaRPr>
           </a:p>
           <a:p>
             <a:r>
@@ -11455,7 +11664,7 @@
           <a:graphicData uri="http://schemas.openxmlformats.org/presentationml/2006/ole">
             <mc:AlternateContent xmlns:mc="http://schemas.openxmlformats.org/markup-compatibility/2006">
               <mc:Choice xmlns:v="urn:schemas-microsoft-com:vml" Requires="v">
-                <p:oleObj spid="_x0000_s31957" name="Formel" r:id="rId7" imgW="114120" imgH="215640" progId="Equation.3">
+                <p:oleObj spid="_x0000_s31973" name="Formel" r:id="rId7" imgW="114120" imgH="215640" progId="Equation.3">
                   <p:embed/>
                 </p:oleObj>
               </mc:Choice>
@@ -11511,7 +11720,7 @@
       </p:graphicFrame>
       <p:pic>
         <p:nvPicPr>
-          <p:cNvPr id="12" name="Grafik 11"/>
+          <p:cNvPr id="13" name="Grafik 12"/>
           <p:cNvPicPr>
             <a:picLocks noChangeAspect="1"/>
           </p:cNvPicPr>
@@ -11535,8 +11744,8 @@
         </p:blipFill>
         <p:spPr>
           <a:xfrm>
-            <a:off x="627075" y="1745259"/>
-            <a:ext cx="4304965" cy="323378"/>
+            <a:off x="561760" y="1745259"/>
+            <a:ext cx="4423438" cy="324893"/>
           </a:xfrm>
           <a:prstGeom prst="rect">
             <a:avLst/>
@@ -11691,7 +11900,7 @@
                                           </p:stCondLst>
                                         </p:cTn>
                                         <p:tgtEl>
-                                          <p:spTgt spid="12"/>
+                                          <p:spTgt spid="13"/>
                                         </p:tgtEl>
                                         <p:attrNameLst>
                                           <p:attrName>style.visibility</p:attrName>
@@ -11705,7 +11914,7 @@
                                       <p:cBhvr>
                                         <p:cTn id="10" dur="500"/>
                                         <p:tgtEl>
-                                          <p:spTgt spid="12"/>
+                                          <p:spTgt spid="13"/>
                                         </p:tgtEl>
                                       </p:cBhvr>
                                     </p:animEffect>
@@ -11989,7 +12198,7 @@
           <a:graphicData uri="http://schemas.openxmlformats.org/presentationml/2006/ole">
             <mc:AlternateContent xmlns:mc="http://schemas.openxmlformats.org/markup-compatibility/2006">
               <mc:Choice xmlns:v="urn:schemas-microsoft-com:vml" Requires="v">
-                <p:oleObj spid="_x0000_s33132" name="Formel" r:id="rId5" imgW="114120" imgH="215640" progId="Equation.3">
+                <p:oleObj spid="_x0000_s33164" name="Formel" r:id="rId5" imgW="114120" imgH="215640" progId="Equation.3">
                   <p:embed/>
                 </p:oleObj>
               </mc:Choice>
@@ -12059,7 +12268,7 @@
           <a:graphicData uri="http://schemas.openxmlformats.org/presentationml/2006/ole">
             <mc:AlternateContent xmlns:mc="http://schemas.openxmlformats.org/markup-compatibility/2006">
               <mc:Choice xmlns:v="urn:schemas-microsoft-com:vml" Requires="v">
-                <p:oleObj spid="_x0000_s33133" name="Formel" r:id="rId7" imgW="114120" imgH="215640" progId="Equation.3">
+                <p:oleObj spid="_x0000_s33165" name="Formel" r:id="rId7" imgW="114120" imgH="215640" progId="Equation.3">
                   <p:embed/>
                 </p:oleObj>
               </mc:Choice>
@@ -13092,6 +13301,86 @@
           <a:noFill/>
         </p:spPr>
       </p:pic>
+      <p:sp>
+        <p:nvSpPr>
+          <p:cNvPr id="8" name="Raute 7"/>
+          <p:cNvSpPr/>
+          <p:nvPr/>
+        </p:nvSpPr>
+        <p:spPr>
+          <a:xfrm>
+            <a:off x="12700" y="12700"/>
+            <a:ext cx="12700" cy="12700"/>
+          </a:xfrm>
+          <a:prstGeom prst="diamond">
+            <a:avLst/>
+          </a:prstGeom>
+        </p:spPr>
+        <p:style>
+          <a:lnRef idx="2">
+            <a:schemeClr val="accent1">
+              <a:shade val="50000"/>
+            </a:schemeClr>
+          </a:lnRef>
+          <a:fillRef idx="1">
+            <a:schemeClr val="accent1"/>
+          </a:fillRef>
+          <a:effectRef idx="0">
+            <a:schemeClr val="accent1"/>
+          </a:effectRef>
+          <a:fontRef idx="minor">
+            <a:schemeClr val="lt1"/>
+          </a:fontRef>
+        </p:style>
+        <p:txBody>
+          <a:bodyPr rtlCol="0" anchor="ctr"/>
+          <a:lstStyle/>
+          <a:p>
+            <a:pPr algn="ctr"/>
+            <a:endParaRPr lang="de-DE"/>
+          </a:p>
+        </p:txBody>
+      </p:sp>
+      <p:sp>
+        <p:nvSpPr>
+          <p:cNvPr id="11" name="Raute 10"/>
+          <p:cNvSpPr/>
+          <p:nvPr/>
+        </p:nvSpPr>
+        <p:spPr>
+          <a:xfrm>
+            <a:off x="12700" y="12700"/>
+            <a:ext cx="12700" cy="12700"/>
+          </a:xfrm>
+          <a:prstGeom prst="diamond">
+            <a:avLst/>
+          </a:prstGeom>
+        </p:spPr>
+        <p:style>
+          <a:lnRef idx="2">
+            <a:schemeClr val="accent1">
+              <a:shade val="50000"/>
+            </a:schemeClr>
+          </a:lnRef>
+          <a:fillRef idx="1">
+            <a:schemeClr val="accent1"/>
+          </a:fillRef>
+          <a:effectRef idx="0">
+            <a:schemeClr val="accent1"/>
+          </a:effectRef>
+          <a:fontRef idx="minor">
+            <a:schemeClr val="lt1"/>
+          </a:fontRef>
+        </p:style>
+        <p:txBody>
+          <a:bodyPr rtlCol="0" anchor="ctr"/>
+          <a:lstStyle/>
+          <a:p>
+            <a:pPr algn="ctr"/>
+            <a:endParaRPr lang="de-DE"/>
+          </a:p>
+        </p:txBody>
+      </p:sp>
       <p:grpSp>
         <p:nvGrpSpPr>
           <p:cNvPr id="9" name="Gruppieren 8"/>
@@ -13255,40 +13544,6 @@
         </p:sp>
         <p:pic>
           <p:nvPicPr>
-            <p:cNvPr id="3" name="Grafik 2"/>
-            <p:cNvPicPr>
-              <a:picLocks noChangeAspect="1"/>
-            </p:cNvPicPr>
-            <p:nvPr>
-              <p:custDataLst>
-                <p:tags r:id="rId1"/>
-              </p:custDataLst>
-            </p:nvPr>
-          </p:nvPicPr>
-          <p:blipFill>
-            <a:blip r:embed="rId6" cstate="print">
-              <a:extLst>
-                <a:ext uri="{28A0092B-C50C-407E-A947-70E740481C1C}">
-                  <a14:useLocalDpi xmlns:a14="http://schemas.microsoft.com/office/drawing/2010/main" val="0"/>
-                </a:ext>
-              </a:extLst>
-            </a:blip>
-            <a:stretch>
-              <a:fillRect/>
-            </a:stretch>
-          </p:blipFill>
-          <p:spPr>
-            <a:xfrm>
-              <a:off x="2756469" y="2197289"/>
-              <a:ext cx="591395" cy="230156"/>
-            </a:xfrm>
-            <a:prstGeom prst="rect">
-              <a:avLst/>
-            </a:prstGeom>
-          </p:spPr>
-        </p:pic>
-        <p:pic>
-          <p:nvPicPr>
             <p:cNvPr id="10" name="Grafik 9"/>
             <p:cNvPicPr>
               <a:picLocks noChangeAspect="1"/>
@@ -13300,7 +13555,7 @@
             </p:nvPr>
           </p:nvPicPr>
           <p:blipFill>
-            <a:blip r:embed="rId7" cstate="print">
+            <a:blip r:embed="rId6" cstate="print">
               <a:extLst>
                 <a:ext uri="{28A0092B-C50C-407E-A947-70E740481C1C}">
                   <a14:useLocalDpi xmlns:a14="http://schemas.microsoft.com/office/drawing/2010/main" val="0"/>
@@ -13334,7 +13589,7 @@
             </p:nvPr>
           </p:nvPicPr>
           <p:blipFill>
-            <a:blip r:embed="rId7" cstate="print">
+            <a:blip r:embed="rId6" cstate="print">
               <a:extLst>
                 <a:ext uri="{28A0092B-C50C-407E-A947-70E740481C1C}">
                   <a14:useLocalDpi xmlns:a14="http://schemas.microsoft.com/office/drawing/2010/main" val="0"/>
@@ -13430,6 +13685,40 @@
           </a:p>
         </p:txBody>
       </p:sp>
+      <p:pic>
+        <p:nvPicPr>
+          <p:cNvPr id="15" name="Grafik 14"/>
+          <p:cNvPicPr>
+            <a:picLocks noChangeAspect="1"/>
+          </p:cNvPicPr>
+          <p:nvPr>
+            <p:custDataLst>
+              <p:tags r:id="rId1"/>
+            </p:custDataLst>
+          </p:nvPr>
+        </p:nvPicPr>
+        <p:blipFill>
+          <a:blip r:embed="rId7" cstate="print">
+            <a:extLst>
+              <a:ext uri="{28A0092B-C50C-407E-A947-70E740481C1C}">
+                <a14:useLocalDpi xmlns:a14="http://schemas.microsoft.com/office/drawing/2010/main" val="0"/>
+              </a:ext>
+            </a:extLst>
+          </a:blip>
+          <a:stretch>
+            <a:fillRect/>
+          </a:stretch>
+        </p:blipFill>
+        <p:spPr>
+          <a:xfrm>
+            <a:off x="2705149" y="2157119"/>
+            <a:ext cx="1103685" cy="230697"/>
+          </a:xfrm>
+          <a:prstGeom prst="rect">
+            <a:avLst/>
+          </a:prstGeom>
+        </p:spPr>
+      </p:pic>
     </p:spTree>
   </p:cSld>
   <p:clrMapOvr>
@@ -13477,7 +13766,11 @@
                                           </p:stCondLst>
                                         </p:cTn>
                                         <p:tgtEl>
-                                          <p:spTgt spid="9"/>
+                                          <p:spTgt spid="8">
+                                            <p:txEl>
+                                              <p:charRg st="0" end="0"/>
+                                            </p:txEl>
+                                          </p:spTgt>
                                         </p:tgtEl>
                                         <p:attrNameLst>
                                           <p:attrName>style.visibility</p:attrName>
@@ -13491,7 +13784,11 @@
                                       <p:cBhvr>
                                         <p:cTn id="7" dur="500"/>
                                         <p:tgtEl>
-                                          <p:spTgt spid="9"/>
+                                          <p:spTgt spid="8">
+                                            <p:txEl>
+                                              <p:charRg st="0" end="0"/>
+                                            </p:txEl>
+                                          </p:spTgt>
                                         </p:tgtEl>
                                       </p:cBhvr>
                                     </p:animEffect>
@@ -19271,7 +19568,7 @@
           </p:nvPr>
         </p:nvPicPr>
         <p:blipFill>
-          <a:blip r:embed="rId3" cstate="print">
+          <a:blip r:embed="rId4" cstate="print">
             <a:extLst>
               <a:ext uri="{28A0092B-C50C-407E-A947-70E740481C1C}">
                 <a14:useLocalDpi xmlns:a14="http://schemas.microsoft.com/office/drawing/2010/main" val="0"/>
@@ -20621,7 +20918,7 @@
           <a:graphicData uri="http://schemas.openxmlformats.org/presentationml/2006/ole">
             <mc:AlternateContent xmlns:mc="http://schemas.openxmlformats.org/markup-compatibility/2006">
               <mc:Choice xmlns:v="urn:schemas-microsoft-com:vml" Requires="v">
-                <p:oleObj spid="_x0000_s2229" name="Formel" r:id="rId10" imgW="114120" imgH="215640" progId="Equation.3">
+                <p:oleObj spid="_x0000_s2245" name="Formel" r:id="rId10" imgW="114120" imgH="215640" progId="Equation.3">
                   <p:embed/>
                 </p:oleObj>
               </mc:Choice>
@@ -21533,7 +21830,7 @@
               <a:rPr lang="de-DE" sz="2800" dirty="0" smtClean="0">
                 <a:latin typeface="Lato" pitchFamily="34" charset="0"/>
               </a:rPr>
-              <a:t>Beispiel 1. </a:t>
+              <a:t>Beispiel 1 </a:t>
             </a:r>
           </a:p>
           <a:p>
@@ -21599,7 +21896,7 @@
       </p:sp>
       <p:pic>
         <p:nvPicPr>
-          <p:cNvPr id="9" name="Grafik 8"/>
+          <p:cNvPr id="3" name="Grafik 2"/>
           <p:cNvPicPr>
             <a:picLocks noChangeAspect="1"/>
           </p:cNvPicPr>
@@ -21624,7 +21921,7 @@
         <p:spPr>
           <a:xfrm>
             <a:off x="470406" y="2354735"/>
-            <a:ext cx="1994585" cy="227717"/>
+            <a:ext cx="1953228" cy="228667"/>
           </a:xfrm>
           <a:prstGeom prst="rect">
             <a:avLst/>
@@ -21633,7 +21930,7 @@
       </p:pic>
       <p:pic>
         <p:nvPicPr>
-          <p:cNvPr id="10" name="Grafik 9"/>
+          <p:cNvPr id="14" name="Grafik 13"/>
           <p:cNvPicPr>
             <a:picLocks noChangeAspect="1"/>
           </p:cNvPicPr>
@@ -21658,7 +21955,7 @@
         <p:spPr>
           <a:xfrm>
             <a:off x="470406" y="3194208"/>
-            <a:ext cx="1994585" cy="227717"/>
+            <a:ext cx="1990288" cy="228667"/>
           </a:xfrm>
           <a:prstGeom prst="rect">
             <a:avLst/>
@@ -21667,7 +21964,7 @@
       </p:pic>
       <p:pic>
         <p:nvPicPr>
-          <p:cNvPr id="17" name="Grafik 16"/>
+          <p:cNvPr id="15" name="Grafik 14"/>
           <p:cNvPicPr>
             <a:picLocks noChangeAspect="1"/>
           </p:cNvPicPr>
@@ -21691,8 +21988,8 @@
         </p:blipFill>
         <p:spPr>
           <a:xfrm>
-            <a:off x="470407" y="4045623"/>
-            <a:ext cx="3607811" cy="227717"/>
+            <a:off x="470408" y="4045623"/>
+            <a:ext cx="3566687" cy="228667"/>
           </a:xfrm>
           <a:prstGeom prst="rect">
             <a:avLst/>
@@ -21888,7 +22185,7 @@
                                           </p:stCondLst>
                                         </p:cTn>
                                         <p:tgtEl>
-                                          <p:spTgt spid="9"/>
+                                          <p:spTgt spid="3"/>
                                         </p:tgtEl>
                                         <p:attrNameLst>
                                           <p:attrName>style.visibility</p:attrName>
@@ -21902,7 +22199,7 @@
                                       <p:cBhvr>
                                         <p:cTn id="10" dur="500"/>
                                         <p:tgtEl>
-                                          <p:spTgt spid="9"/>
+                                          <p:spTgt spid="3"/>
                                         </p:tgtEl>
                                       </p:cBhvr>
                                     </p:animEffect>
@@ -21984,7 +22281,7 @@
                                           </p:stCondLst>
                                         </p:cTn>
                                         <p:tgtEl>
-                                          <p:spTgt spid="10"/>
+                                          <p:spTgt spid="14"/>
                                         </p:tgtEl>
                                         <p:attrNameLst>
                                           <p:attrName>style.visibility</p:attrName>
@@ -21998,7 +22295,7 @@
                                       <p:cBhvr>
                                         <p:cTn id="18" dur="500"/>
                                         <p:tgtEl>
-                                          <p:spTgt spid="10"/>
+                                          <p:spTgt spid="14"/>
                                         </p:tgtEl>
                                       </p:cBhvr>
                                     </p:animEffect>
@@ -22080,7 +22377,7 @@
                                           </p:stCondLst>
                                         </p:cTn>
                                         <p:tgtEl>
-                                          <p:spTgt spid="17"/>
+                                          <p:spTgt spid="15"/>
                                         </p:tgtEl>
                                         <p:attrNameLst>
                                           <p:attrName>style.visibility</p:attrName>
@@ -22094,7 +22391,7 @@
                                       <p:cBhvr>
                                         <p:cTn id="26" dur="500"/>
                                         <p:tgtEl>
-                                          <p:spTgt spid="17"/>
+                                          <p:spTgt spid="15"/>
                                         </p:tgtEl>
                                       </p:cBhvr>
                                     </p:animEffect>
@@ -22556,7 +22853,7 @@
               <a:rPr lang="de-DE" sz="2800" dirty="0" smtClean="0">
                 <a:latin typeface="Lato" pitchFamily="34" charset="0"/>
               </a:rPr>
-              <a:t>Beispiel 2. </a:t>
+              <a:t>Beispiel 2</a:t>
             </a:r>
           </a:p>
           <a:p>
@@ -22622,7 +22919,7 @@
       </p:sp>
       <p:pic>
         <p:nvPicPr>
-          <p:cNvPr id="3" name="Grafik 2"/>
+          <p:cNvPr id="9" name="Grafik 8"/>
           <p:cNvPicPr>
             <a:picLocks noChangeAspect="1"/>
           </p:cNvPicPr>
@@ -22647,7 +22944,7 @@
         <p:spPr>
           <a:xfrm>
             <a:off x="468277" y="2354735"/>
-            <a:ext cx="1995778" cy="228667"/>
+            <a:ext cx="1954396" cy="229621"/>
           </a:xfrm>
           <a:prstGeom prst="rect">
             <a:avLst/>
@@ -22656,7 +22953,7 @@
       </p:pic>
       <p:pic>
         <p:nvPicPr>
-          <p:cNvPr id="7" name="Grafik 6"/>
+          <p:cNvPr id="15" name="Grafik 14"/>
           <p:cNvPicPr>
             <a:picLocks noChangeAspect="1"/>
           </p:cNvPicPr>
@@ -22681,7 +22978,7 @@
         <p:spPr>
           <a:xfrm>
             <a:off x="468278" y="3183322"/>
-            <a:ext cx="2109705" cy="228667"/>
+            <a:ext cx="2107252" cy="229621"/>
           </a:xfrm>
           <a:prstGeom prst="rect">
             <a:avLst/>
@@ -22690,7 +22987,7 @@
       </p:pic>
       <p:pic>
         <p:nvPicPr>
-          <p:cNvPr id="8" name="Grafik 7"/>
+          <p:cNvPr id="16" name="Grafik 15"/>
           <p:cNvPicPr>
             <a:picLocks noChangeAspect="1"/>
           </p:cNvPicPr>
@@ -22715,7 +23012,7 @@
         <p:spPr>
           <a:xfrm>
             <a:off x="468279" y="4012965"/>
-            <a:ext cx="3723133" cy="228667"/>
+            <a:ext cx="3680652" cy="229621"/>
           </a:xfrm>
           <a:prstGeom prst="rect">
             <a:avLst/>
@@ -22916,7 +23213,7 @@
                                           </p:stCondLst>
                                         </p:cTn>
                                         <p:tgtEl>
-                                          <p:spTgt spid="3"/>
+                                          <p:spTgt spid="9"/>
                                         </p:tgtEl>
                                         <p:attrNameLst>
                                           <p:attrName>style.visibility</p:attrName>
@@ -22930,7 +23227,7 @@
                                       <p:cBhvr>
                                         <p:cTn id="10" dur="500"/>
                                         <p:tgtEl>
-                                          <p:spTgt spid="3"/>
+                                          <p:spTgt spid="9"/>
                                         </p:tgtEl>
                                       </p:cBhvr>
                                     </p:animEffect>
@@ -23012,7 +23309,7 @@
                                           </p:stCondLst>
                                         </p:cTn>
                                         <p:tgtEl>
-                                          <p:spTgt spid="7"/>
+                                          <p:spTgt spid="15"/>
                                         </p:tgtEl>
                                         <p:attrNameLst>
                                           <p:attrName>style.visibility</p:attrName>
@@ -23026,7 +23323,7 @@
                                       <p:cBhvr>
                                         <p:cTn id="18" dur="500"/>
                                         <p:tgtEl>
-                                          <p:spTgt spid="7"/>
+                                          <p:spTgt spid="15"/>
                                         </p:tgtEl>
                                       </p:cBhvr>
                                     </p:animEffect>
@@ -23108,7 +23405,7 @@
                                           </p:stCondLst>
                                         </p:cTn>
                                         <p:tgtEl>
-                                          <p:spTgt spid="8"/>
+                                          <p:spTgt spid="16"/>
                                         </p:tgtEl>
                                         <p:attrNameLst>
                                           <p:attrName>style.visibility</p:attrName>
@@ -23122,7 +23419,7 @@
                                       <p:cBhvr>
                                         <p:cTn id="26" dur="500"/>
                                         <p:tgtEl>
-                                          <p:spTgt spid="8"/>
+                                          <p:spTgt spid="16"/>
                                         </p:tgtEl>
                                       </p:cBhvr>
                                     </p:animEffect>
@@ -23424,10 +23721,10 @@
 <file path=ppt/tags/tag11.xml><?xml version="1.0" encoding="utf-8"?>
 <p:tagLst xmlns:a="http://schemas.openxmlformats.org/drawingml/2006/main" xmlns:r="http://schemas.openxmlformats.org/officeDocument/2006/relationships" xmlns:p="http://schemas.openxmlformats.org/presentationml/2006/main">
   <p:tag name="ORIGINALHEIGHT" val="176,2746"/>
-  <p:tag name="ORIGINALWIDTH" val="2353,829"/>
-  <p:tag name="LATEXADDIN" val="\documentclass{article}&#10;\usepackage{amsmath}&#10;\pagestyle{empty}&#10;\begin{document}&#10;$\sin(\theta) = \frac{\textbf{gegenüberliegende Seite}}{\textbf{Hypotenuse}} &#10;= \frac{a}{c} = \frac{a}{1} = a$&#10;&#10;&#10;&#10;\end{document}"/>
+  <p:tag name="ORIGINALWIDTH" val="2416,837"/>
+  <p:tag name="LATEXADDIN" val="\documentclass{article}&#10;\usepackage{amsmath}&#10;\pagestyle{empty}&#10;\begin{document}&#10;$\sin(\theta) = \frac{\textbf{gegen\&quot;uberliegende Seite}}{\textbf{Hypotenuse}} &#10;= \frac{a}{c} = \frac{a}{1} = a$&#10;&#10;&#10;&#10;\end{document}"/>
   <p:tag name="IGUANATEXSIZE" val="18"/>
-  <p:tag name="IGUANATEXCURSOR" val="189"/>
+  <p:tag name="IGUANATEXCURSOR" val="118"/>
   <p:tag name="TRANSPARENCY" val="Wahr"/>
   <p:tag name="FILENAME" val=""/>
   <p:tag name="INPUTTYPE" val="0"/>
@@ -23484,10 +23781,10 @@
 <file path=ppt/tags/tag15.xml><?xml version="1.0" encoding="utf-8"?>
 <p:tagLst xmlns:a="http://schemas.openxmlformats.org/drawingml/2006/main" xmlns:r="http://schemas.openxmlformats.org/officeDocument/2006/relationships" xmlns:p="http://schemas.openxmlformats.org/presentationml/2006/main">
   <p:tag name="ORIGINALHEIGHT" val="113,2658"/>
-  <p:tag name="ORIGINALWIDTH" val="291,0406"/>
-  <p:tag name="LATEXADDIN" val="\documentclass{article}&#10;\usepackage{amsmath}&#10;\pagestyle{empty}&#10;\begin{document}&#10;$2\pi \cdot f$&#10;&#10;&#10;&#10;\end{document}"/>
+  <p:tag name="ORIGINALWIDTH" val="543,0758"/>
+  <p:tag name="LATEXADDIN" val="\documentclass{article}&#10;\usepackage{amsmath}&#10;\pagestyle{empty}&#10;\begin{document}&#10;$\omega = 2\pi \cdot f$&#10;&#10;&#10;&#10;\end{document}"/>
   <p:tag name="IGUANATEXSIZE" val="20"/>
-  <p:tag name="IGUANATEXCURSOR" val="94"/>
+  <p:tag name="IGUANATEXCURSOR" val="90"/>
   <p:tag name="TRANSPARENCY" val="Wahr"/>
   <p:tag name="FILENAME" val=""/>
   <p:tag name="INPUTTYPE" val="0"/>
@@ -23874,10 +24171,10 @@
 <file path=ppt/tags/tag4.xml><?xml version="1.0" encoding="utf-8"?>
 <p:tagLst xmlns:a="http://schemas.openxmlformats.org/drawingml/2006/main" xmlns:r="http://schemas.openxmlformats.org/officeDocument/2006/relationships" xmlns:p="http://schemas.openxmlformats.org/presentationml/2006/main">
   <p:tag name="ORIGINALHEIGHT" val="124,5174"/>
-  <p:tag name="ORIGINALWIDTH" val="1090,652"/>
-  <p:tag name="LATEXADDIN" val="\documentclass{article}&#10;\usepackage{amsmath}&#10;\pagestyle{empty}&#10;\begin{document}&#10;$y(t)=sin(2\pi 600 \cdot t)$&#10;&#10;&#10;&#10;\end{document}"/>
+  <p:tag name="ORIGINALWIDTH" val="1067,399"/>
+  <p:tag name="LATEXADDIN" val="\documentclass{article}&#10;\usepackage{amsmath}&#10;\pagestyle{empty}&#10;\begin{document}&#10;$y(t)=\sin(2\pi 600 \cdot t)$&#10;&#10;&#10;&#10;\end{document}"/>
   <p:tag name="IGUANATEXSIZE" val="18"/>
-  <p:tag name="IGUANATEXCURSOR" val="108"/>
+  <p:tag name="IGUANATEXCURSOR" val="87"/>
   <p:tag name="TRANSPARENCY" val="Wahr"/>
   <p:tag name="FILENAME" val=""/>
   <p:tag name="INPUTTYPE" val="0"/>
@@ -23889,10 +24186,10 @@
 <file path=ppt/tags/tag5.xml><?xml version="1.0" encoding="utf-8"?>
 <p:tagLst xmlns:a="http://schemas.openxmlformats.org/drawingml/2006/main" xmlns:r="http://schemas.openxmlformats.org/officeDocument/2006/relationships" xmlns:p="http://schemas.openxmlformats.org/presentationml/2006/main">
   <p:tag name="ORIGINALHEIGHT" val="124,5174"/>
-  <p:tag name="ORIGINALWIDTH" val="1090,652"/>
-  <p:tag name="LATEXADDIN" val="\documentclass{article}&#10;\usepackage{amsmath}&#10;\pagestyle{empty}&#10;\begin{document}&#10;$y(t)=5sin(2\pi 75 \cdot t)$&#10;&#10;&#10;&#10;\end{document}"/>
+  <p:tag name="ORIGINALWIDTH" val="1087,652"/>
+  <p:tag name="LATEXADDIN" val="\documentclass{article}&#10;\usepackage{amsmath}&#10;\pagestyle{empty}&#10;\begin{document}&#10;$y(t)=5\sin(2\pi 75 \cdot t)$&#10;&#10;&#10;&#10;\end{document}"/>
   <p:tag name="IGUANATEXSIZE" val="18"/>
-  <p:tag name="IGUANATEXCURSOR" val="98"/>
+  <p:tag name="IGUANATEXCURSOR" val="88"/>
   <p:tag name="TRANSPARENCY" val="Wahr"/>
   <p:tag name="FILENAME" val=""/>
   <p:tag name="INPUTTYPE" val="0"/>
@@ -23904,10 +24201,10 @@
 <file path=ppt/tags/tag6.xml><?xml version="1.0" encoding="utf-8"?>
 <p:tagLst xmlns:a="http://schemas.openxmlformats.org/drawingml/2006/main" xmlns:r="http://schemas.openxmlformats.org/officeDocument/2006/relationships" xmlns:p="http://schemas.openxmlformats.org/presentationml/2006/main">
   <p:tag name="ORIGINALHEIGHT" val="124,5174"/>
-  <p:tag name="ORIGINALWIDTH" val="1972,775"/>
-  <p:tag name="LATEXADDIN" val="\documentclass{article}&#10;\usepackage{amsmath}&#10;\pagestyle{empty}&#10;\begin{document}&#10;$y(t)=sin(2\pi 600 \cdot t + 5 \sin(2\pi 75 \cdot t))$&#10;&#10;&#10;&#10;\end{document}"/>
+  <p:tag name="ORIGINALWIDTH" val="1949,522"/>
+  <p:tag name="LATEXADDIN" val="\documentclass{article}&#10;\usepackage{amsmath}&#10;\pagestyle{empty}&#10;\begin{document}&#10;$y(t)=\sin(2\pi 600 \cdot t + 5 \sin(2\pi 75 \cdot t))$&#10;&#10;&#10;&#10;\end{document}"/>
   <p:tag name="IGUANATEXSIZE" val="18"/>
-  <p:tag name="IGUANATEXCURSOR" val="132"/>
+  <p:tag name="IGUANATEXCURSOR" val="87"/>
   <p:tag name="TRANSPARENCY" val="Wahr"/>
   <p:tag name="FILENAME" val=""/>
   <p:tag name="INPUTTYPE" val="0"/>
@@ -23919,10 +24216,10 @@
 <file path=ppt/tags/tag7.xml><?xml version="1.0" encoding="utf-8"?>
 <p:tagLst xmlns:a="http://schemas.openxmlformats.org/drawingml/2006/main" xmlns:r="http://schemas.openxmlformats.org/officeDocument/2006/relationships" xmlns:p="http://schemas.openxmlformats.org/presentationml/2006/main">
   <p:tag name="ORIGINALHEIGHT" val="124,5174"/>
-  <p:tag name="ORIGINALWIDTH" val="1090,652"/>
-  <p:tag name="LATEXADDIN" val="\documentclass{article}&#10;\usepackage{amsmath}&#10;\pagestyle{empty}&#10;\begin{document}&#10;$y(t)=sin(2\pi 300 \cdot t)$&#10;&#10;&#10;&#10;\end{document}"/>
+  <p:tag name="ORIGINALWIDTH" val="1067,399"/>
+  <p:tag name="LATEXADDIN" val="\documentclass{article}&#10;\usepackage{amsmath}&#10;\pagestyle{empty}&#10;\begin{document}&#10;$y(t)=\sin(2\pi 300 \cdot t)$&#10;&#10;&#10;&#10;\end{document}"/>
   <p:tag name="IGUANATEXSIZE" val="18"/>
-  <p:tag name="IGUANATEXCURSOR" val="98"/>
+  <p:tag name="IGUANATEXCURSOR" val="87"/>
   <p:tag name="TRANSPARENCY" val="Wahr"/>
   <p:tag name="FILENAME" val=""/>
   <p:tag name="INPUTTYPE" val="0"/>
@@ -23934,10 +24231,10 @@
 <file path=ppt/tags/tag8.xml><?xml version="1.0" encoding="utf-8"?>
 <p:tagLst xmlns:a="http://schemas.openxmlformats.org/drawingml/2006/main" xmlns:r="http://schemas.openxmlformats.org/officeDocument/2006/relationships" xmlns:p="http://schemas.openxmlformats.org/presentationml/2006/main">
   <p:tag name="ORIGINALHEIGHT" val="124,5174"/>
-  <p:tag name="ORIGINALWIDTH" val="1152,911"/>
-  <p:tag name="LATEXADDIN" val="\documentclass{article}&#10;\usepackage{amsmath}&#10;\pagestyle{empty}&#10;\begin{document}&#10;$y(t)=5sin(2\pi 120 \cdot t)$&#10;&#10;&#10;&#10;\end{document}"/>
+  <p:tag name="ORIGINALWIDTH" val="1150,661"/>
+  <p:tag name="LATEXADDIN" val="\documentclass{article}&#10;\usepackage{amsmath}&#10;\pagestyle{empty}&#10;\begin{document}&#10;$y(t)=5\sin(2\pi 120 \cdot t)$&#10;&#10;&#10;&#10;\end{document}"/>
   <p:tag name="IGUANATEXSIZE" val="18"/>
-  <p:tag name="IGUANATEXCURSOR" val="99"/>
+  <p:tag name="IGUANATEXCURSOR" val="88"/>
   <p:tag name="TRANSPARENCY" val="Wahr"/>
   <p:tag name="FILENAME" val=""/>
   <p:tag name="INPUTTYPE" val="0"/>
@@ -23949,10 +24246,10 @@
 <file path=ppt/tags/tag9.xml><?xml version="1.0" encoding="utf-8"?>
 <p:tagLst xmlns:a="http://schemas.openxmlformats.org/drawingml/2006/main" xmlns:r="http://schemas.openxmlformats.org/officeDocument/2006/relationships" xmlns:p="http://schemas.openxmlformats.org/presentationml/2006/main">
   <p:tag name="ORIGINALHEIGHT" val="124,5174"/>
-  <p:tag name="ORIGINALWIDTH" val="2035,034"/>
-  <p:tag name="LATEXADDIN" val="\documentclass{article}&#10;\usepackage{amsmath}&#10;\pagestyle{empty}&#10;\begin{document}&#10;$y(t)=sin(2\pi 300 \cdot t + 5 \sin(2\pi 120 \cdot t))$&#10;&#10;&#10;&#10;\end{document}"/>
+  <p:tag name="ORIGINALWIDTH" val="2011,781"/>
+  <p:tag name="LATEXADDIN" val="\documentclass{article}&#10;\usepackage{amsmath}&#10;\pagestyle{empty}&#10;\begin{document}&#10;$y(t)=\sin(2\pi 300 \cdot t + 5 \sin(2\pi 120 \cdot t))$&#10;&#10;&#10;&#10;\end{document}"/>
   <p:tag name="IGUANATEXSIZE" val="18"/>
-  <p:tag name="IGUANATEXCURSOR" val="124"/>
+  <p:tag name="IGUANATEXCURSOR" val="87"/>
   <p:tag name="TRANSPARENCY" val="Wahr"/>
   <p:tag name="FILENAME" val=""/>
   <p:tag name="INPUTTYPE" val="0"/>

--- a/Praesentation/FMSynthese-Julius.pptx
+++ b/Praesentation/FMSynthese-Julius.pptx
@@ -4785,22 +4785,12 @@
         <p:cTn id="1" dur="indefinite" restart="never" nodeType="tmRoot">
           <p:childTnLst>
             <p:seq concurrent="1" nextAc="seek">
-              <p:cTn id="2" restart="whenNotActive" fill="hold" evtFilter="cancelBubble" nodeType="interactiveSeq">
-                <p:stCondLst>
-                  <p:cond evt="onClick" delay="0">
-                    <p:tgtEl>
-                      <p:spTgt spid="7"/>
-                    </p:tgtEl>
-                  </p:cond>
-                </p:stCondLst>
-                <p:endSync evt="end" delay="0">
-                  <p:rtn val="all"/>
-                </p:endSync>
+              <p:cTn id="2" dur="indefinite" nodeType="mainSeq">
                 <p:childTnLst>
                   <p:par>
                     <p:cTn id="3" fill="hold">
                       <p:stCondLst>
-                        <p:cond delay="0"/>
+                        <p:cond delay="indefinite"/>
                       </p:stCondLst>
                       <p:childTnLst>
                         <p:par>
@@ -4818,6 +4808,106 @@
                                     <p:cmd type="call" cmd="playFrom(0.0)">
                                       <p:cBhvr>
                                         <p:cTn id="6" dur="13557" fill="hold"/>
+                                        <p:tgtEl>
+                                          <p:spTgt spid="7"/>
+                                        </p:tgtEl>
+                                      </p:cBhvr>
+                                    </p:cmd>
+                                  </p:childTnLst>
+                                </p:cTn>
+                              </p:par>
+                            </p:childTnLst>
+                          </p:cTn>
+                        </p:par>
+                      </p:childTnLst>
+                    </p:cTn>
+                  </p:par>
+                  <p:par>
+                    <p:cTn id="7" fill="hold">
+                      <p:stCondLst>
+                        <p:cond delay="indefinite"/>
+                      </p:stCondLst>
+                      <p:childTnLst>
+                        <p:par>
+                          <p:cTn id="8" fill="hold">
+                            <p:stCondLst>
+                              <p:cond delay="0"/>
+                            </p:stCondLst>
+                            <p:childTnLst>
+                              <p:par>
+                                <p:cTn id="9" presetID="1" presetClass="mediacall" presetSubtype="0" fill="hold" nodeType="clickEffect">
+                                  <p:stCondLst>
+                                    <p:cond delay="0"/>
+                                  </p:stCondLst>
+                                  <p:childTnLst>
+                                    <p:cmd type="call" cmd="playFrom(0.0)">
+                                      <p:cBhvr>
+                                        <p:cTn id="10" dur="21786" fill="hold"/>
+                                        <p:tgtEl>
+                                          <p:spTgt spid="8"/>
+                                        </p:tgtEl>
+                                      </p:cBhvr>
+                                    </p:cmd>
+                                  </p:childTnLst>
+                                </p:cTn>
+                              </p:par>
+                            </p:childTnLst>
+                          </p:cTn>
+                        </p:par>
+                      </p:childTnLst>
+                    </p:cTn>
+                  </p:par>
+                </p:childTnLst>
+              </p:cTn>
+              <p:prevCondLst>
+                <p:cond evt="onPrev" delay="0">
+                  <p:tgtEl>
+                    <p:sldTgt/>
+                  </p:tgtEl>
+                </p:cond>
+              </p:prevCondLst>
+              <p:nextCondLst>
+                <p:cond evt="onNext" delay="0">
+                  <p:tgtEl>
+                    <p:sldTgt/>
+                  </p:tgtEl>
+                </p:cond>
+              </p:nextCondLst>
+            </p:seq>
+            <p:seq concurrent="1" nextAc="seek">
+              <p:cTn id="11" restart="whenNotActive" fill="hold" evtFilter="cancelBubble" nodeType="interactiveSeq">
+                <p:stCondLst>
+                  <p:cond evt="onClick" delay="0">
+                    <p:tgtEl>
+                      <p:spTgt spid="7"/>
+                    </p:tgtEl>
+                  </p:cond>
+                </p:stCondLst>
+                <p:endSync evt="end" delay="0">
+                  <p:rtn val="all"/>
+                </p:endSync>
+                <p:childTnLst>
+                  <p:par>
+                    <p:cTn id="12" fill="hold">
+                      <p:stCondLst>
+                        <p:cond delay="0"/>
+                      </p:stCondLst>
+                      <p:childTnLst>
+                        <p:par>
+                          <p:cTn id="13" fill="hold">
+                            <p:stCondLst>
+                              <p:cond delay="0"/>
+                            </p:stCondLst>
+                            <p:childTnLst>
+                              <p:par>
+                                <p:cTn id="14" presetID="1" presetClass="mediacall" presetSubtype="0" fill="hold" nodeType="clickEffect">
+                                  <p:stCondLst>
+                                    <p:cond delay="0"/>
+                                  </p:stCondLst>
+                                  <p:childTnLst>
+                                    <p:cmd type="call" cmd="playFrom(0.0)">
+                                      <p:cBhvr>
+                                        <p:cTn id="15" dur="13557" fill="hold"/>
                                         <p:tgtEl>
                                           <p:spTgt spid="7"/>
                                         </p:tgtEl>
@@ -4844,7 +4934,7 @@
             </p:seq>
             <p:audio>
               <p:cMediaNode vol="100000">
-                <p:cTn id="7" fill="hold" display="0">
+                <p:cTn id="16" fill="hold" display="0">
                   <p:stCondLst>
                     <p:cond delay="indefinite"/>
                   </p:stCondLst>
@@ -4862,7 +4952,7 @@
               </p:cMediaNode>
             </p:audio>
             <p:seq concurrent="1" nextAc="seek">
-              <p:cTn id="8" restart="whenNotActive" fill="hold" evtFilter="cancelBubble" nodeType="interactiveSeq">
+              <p:cTn id="17" restart="whenNotActive" fill="hold" evtFilter="cancelBubble" nodeType="interactiveSeq">
                 <p:stCondLst>
                   <p:cond evt="onClick" delay="0">
                     <p:tgtEl>
@@ -4875,26 +4965,26 @@
                 </p:endSync>
                 <p:childTnLst>
                   <p:par>
-                    <p:cTn id="9" fill="hold">
+                    <p:cTn id="18" fill="hold">
                       <p:stCondLst>
                         <p:cond delay="0"/>
                       </p:stCondLst>
                       <p:childTnLst>
                         <p:par>
-                          <p:cTn id="10" fill="hold">
+                          <p:cTn id="19" fill="hold">
                             <p:stCondLst>
                               <p:cond delay="0"/>
                             </p:stCondLst>
                             <p:childTnLst>
                               <p:par>
-                                <p:cTn id="11" presetID="1" presetClass="mediacall" presetSubtype="0" fill="hold" nodeType="clickEffect">
+                                <p:cTn id="20" presetID="1" presetClass="mediacall" presetSubtype="0" fill="hold" nodeType="clickEffect">
                                   <p:stCondLst>
                                     <p:cond delay="0"/>
                                   </p:stCondLst>
                                   <p:childTnLst>
                                     <p:cmd type="call" cmd="playFrom(0.0)">
                                       <p:cBhvr>
-                                        <p:cTn id="12" dur="21786" fill="hold"/>
+                                        <p:cTn id="21" dur="21786" fill="hold"/>
                                         <p:tgtEl>
                                           <p:spTgt spid="8"/>
                                         </p:tgtEl>
@@ -4921,7 +5011,7 @@
             </p:seq>
             <p:audio>
               <p:cMediaNode vol="100000">
-                <p:cTn id="13" fill="hold" display="0">
+                <p:cTn id="22" fill="hold" display="0">
                   <p:stCondLst>
                     <p:cond delay="indefinite"/>
                   </p:stCondLst>
@@ -10529,17 +10619,8 @@
               <a:rPr lang="de-DE" sz="2000" dirty="0" smtClean="0">
                 <a:latin typeface="Lato" pitchFamily="34" charset="0"/>
               </a:rPr>
-              <a:t>Softwaresynthesizer mit </a:t>
-            </a:r>
-            <a:r>
-              <a:rPr lang="de-DE" sz="2000" dirty="0" smtClean="0">
-                <a:latin typeface="Lato" pitchFamily="34" charset="0"/>
-              </a:rPr>
-              <a:t>MIDI-Keyboards</a:t>
-            </a:r>
-            <a:endParaRPr lang="de-DE" sz="2000" dirty="0" smtClean="0">
-              <a:latin typeface="Lato" pitchFamily="34" charset="0"/>
-            </a:endParaRPr>
+              <a:t>Softwaresynthesizer mit MIDI-Keyboards</a:t>
+            </a:r>
           </a:p>
           <a:p>
             <a:r>
@@ -11664,7 +11745,7 @@
           <a:graphicData uri="http://schemas.openxmlformats.org/presentationml/2006/ole">
             <mc:AlternateContent xmlns:mc="http://schemas.openxmlformats.org/markup-compatibility/2006">
               <mc:Choice xmlns:v="urn:schemas-microsoft-com:vml" Requires="v">
-                <p:oleObj spid="_x0000_s31973" name="Formel" r:id="rId7" imgW="114120" imgH="215640" progId="Equation.3">
+                <p:oleObj spid="_x0000_s31975" name="Formel" r:id="rId7" imgW="114120" imgH="215640" progId="Equation.3">
                   <p:embed/>
                 </p:oleObj>
               </mc:Choice>
@@ -12198,7 +12279,7 @@
           <a:graphicData uri="http://schemas.openxmlformats.org/presentationml/2006/ole">
             <mc:AlternateContent xmlns:mc="http://schemas.openxmlformats.org/markup-compatibility/2006">
               <mc:Choice xmlns:v="urn:schemas-microsoft-com:vml" Requires="v">
-                <p:oleObj spid="_x0000_s33164" name="Formel" r:id="rId5" imgW="114120" imgH="215640" progId="Equation.3">
+                <p:oleObj spid="_x0000_s33168" name="Formel" r:id="rId5" imgW="114120" imgH="215640" progId="Equation.3">
                   <p:embed/>
                 </p:oleObj>
               </mc:Choice>
@@ -12268,7 +12349,7 @@
           <a:graphicData uri="http://schemas.openxmlformats.org/presentationml/2006/ole">
             <mc:AlternateContent xmlns:mc="http://schemas.openxmlformats.org/markup-compatibility/2006">
               <mc:Choice xmlns:v="urn:schemas-microsoft-com:vml" Requires="v">
-                <p:oleObj spid="_x0000_s33165" name="Formel" r:id="rId7" imgW="114120" imgH="215640" progId="Equation.3">
+                <p:oleObj spid="_x0000_s33169" name="Formel" r:id="rId7" imgW="114120" imgH="215640" progId="Equation.3">
                   <p:embed/>
                 </p:oleObj>
               </mc:Choice>
@@ -13381,236 +13462,221 @@
           </a:p>
         </p:txBody>
       </p:sp>
-      <p:grpSp>
-        <p:nvGrpSpPr>
-          <p:cNvPr id="9" name="Gruppieren 8"/>
-          <p:cNvGrpSpPr/>
+      <p:sp>
+        <p:nvSpPr>
+          <p:cNvPr id="7" name="Inhaltsplatzhalter 2"/>
+          <p:cNvSpPr txBox="1">
+            <a:spLocks/>
+          </p:cNvSpPr>
           <p:nvPr/>
-        </p:nvGrpSpPr>
-        <p:grpSpPr>
+        </p:nvSpPr>
+        <p:spPr>
           <a:xfrm>
             <a:off x="467544" y="1312379"/>
             <a:ext cx="8229600" cy="3595463"/>
-            <a:chOff x="518864" y="1352550"/>
-            <a:chExt cx="8229600" cy="3595463"/>
           </a:xfrm>
-        </p:grpSpPr>
-        <p:sp>
-          <p:nvSpPr>
-            <p:cNvPr id="7" name="Inhaltsplatzhalter 2"/>
-            <p:cNvSpPr txBox="1">
-              <a:spLocks/>
-            </p:cNvSpPr>
-            <p:nvPr/>
-          </p:nvSpPr>
-          <p:spPr>
-            <a:xfrm>
-              <a:off x="518864" y="1352550"/>
-              <a:ext cx="8229600" cy="3595463"/>
-            </a:xfrm>
-            <a:prstGeom prst="rect">
-              <a:avLst/>
-            </a:prstGeom>
-          </p:spPr>
-          <p:txBody>
-            <a:bodyPr vert="horz" lIns="91440" tIns="45720" rIns="91440" bIns="45720" rtlCol="0">
-              <a:normAutofit/>
-            </a:bodyPr>
-            <a:lstStyle/>
-            <a:p>
-              <a:pPr marL="342900" marR="0" lvl="0" indent="-342900" algn="l" defTabSz="914400" rtl="0" eaLnBrk="1" fontAlgn="auto" latinLnBrk="0" hangingPunct="1">
-                <a:lnSpc>
-                  <a:spcPct val="100000"/>
-                </a:lnSpc>
-                <a:spcBef>
-                  <a:spcPct val="20000"/>
-                </a:spcBef>
-                <a:spcAft>
-                  <a:spcPts val="0"/>
-                </a:spcAft>
-                <a:buClrTx/>
-                <a:buSzTx/>
-                <a:buFont typeface="Arial" pitchFamily="34" charset="0"/>
-                <a:buChar char="•"/>
-                <a:tabLst/>
-                <a:defRPr/>
-              </a:pPr>
-              <a:r>
-                <a:rPr lang="de-DE" sz="2000" dirty="0" smtClean="0">
-                  <a:latin typeface="Lato" pitchFamily="34" charset="0"/>
-                </a:rPr>
-                <a:t>Festlegung der Ablaufgeschwindigkeit durch Faktor </a:t>
-              </a:r>
-            </a:p>
-            <a:p>
-              <a:pPr marL="342900" marR="0" lvl="0" indent="-342900" algn="l" defTabSz="914400" rtl="0" eaLnBrk="1" fontAlgn="auto" latinLnBrk="0" hangingPunct="1">
-                <a:lnSpc>
-                  <a:spcPct val="100000"/>
-                </a:lnSpc>
-                <a:spcBef>
-                  <a:spcPct val="20000"/>
-                </a:spcBef>
-                <a:spcAft>
-                  <a:spcPts val="0"/>
-                </a:spcAft>
-                <a:buClrTx/>
-                <a:buSzTx/>
-                <a:buFont typeface="Arial" pitchFamily="34" charset="0"/>
-                <a:buChar char="•"/>
-                <a:tabLst/>
-                <a:defRPr/>
-              </a:pPr>
-              <a:r>
-                <a:rPr lang="de-DE" sz="2000" dirty="0">
-                  <a:latin typeface="Lato" pitchFamily="34" charset="0"/>
-                </a:rPr>
-                <a:t> </a:t>
-              </a:r>
-              <a:r>
-                <a:rPr lang="de-DE" sz="2000" dirty="0" smtClean="0">
-                  <a:latin typeface="Lato" pitchFamily="34" charset="0"/>
-                </a:rPr>
-                <a:t>   = Frequenz</a:t>
-              </a:r>
-            </a:p>
-            <a:p>
-              <a:pPr marL="342900" lvl="0" indent="-342900">
-                <a:spcBef>
-                  <a:spcPct val="20000"/>
-                </a:spcBef>
-                <a:buFont typeface="Arial" pitchFamily="34" charset="0"/>
-                <a:buChar char="•"/>
-              </a:pPr>
-              <a:r>
-                <a:rPr lang="de-DE" sz="2000" dirty="0" smtClean="0">
-                  <a:latin typeface="Lato" pitchFamily="34" charset="0"/>
-                </a:rPr>
-                <a:t>Kreisfrequenz:</a:t>
-              </a:r>
-            </a:p>
-            <a:p>
-              <a:pPr marL="342900" lvl="0" indent="-342900">
-                <a:spcBef>
-                  <a:spcPct val="20000"/>
-                </a:spcBef>
-                <a:buFont typeface="Arial" pitchFamily="34" charset="0"/>
-                <a:buChar char="•"/>
-              </a:pPr>
-              <a:endParaRPr kumimoji="0" lang="de-DE" sz="2000" i="0" u="none" strike="noStrike" kern="1200" cap="none" spc="0" normalizeH="0" baseline="0" noProof="0" dirty="0" smtClean="0">
-                <a:ln>
-                  <a:noFill/>
-                </a:ln>
-                <a:solidFill>
-                  <a:schemeClr val="tx1"/>
-                </a:solidFill>
-                <a:effectLst/>
-                <a:uLnTx/>
-                <a:uFillTx/>
+          <a:prstGeom prst="rect">
+            <a:avLst/>
+          </a:prstGeom>
+        </p:spPr>
+        <p:txBody>
+          <a:bodyPr vert="horz" lIns="91440" tIns="45720" rIns="91440" bIns="45720" rtlCol="0">
+            <a:normAutofit/>
+          </a:bodyPr>
+          <a:lstStyle/>
+          <a:p>
+            <a:pPr marL="342900" marR="0" lvl="0" indent="-342900" algn="l" defTabSz="914400" rtl="0" eaLnBrk="1" fontAlgn="auto" latinLnBrk="0" hangingPunct="1">
+              <a:lnSpc>
+                <a:spcPct val="100000"/>
+              </a:lnSpc>
+              <a:spcBef>
+                <a:spcPct val="20000"/>
+              </a:spcBef>
+              <a:spcAft>
+                <a:spcPts val="0"/>
+              </a:spcAft>
+              <a:buClrTx/>
+              <a:buSzTx/>
+              <a:buFont typeface="Arial" pitchFamily="34" charset="0"/>
+              <a:buChar char="•"/>
+              <a:tabLst/>
+              <a:defRPr/>
+            </a:pPr>
+            <a:r>
+              <a:rPr lang="de-DE" sz="2000" dirty="0" smtClean="0">
                 <a:latin typeface="Lato" pitchFamily="34" charset="0"/>
-              </a:endParaRPr>
-            </a:p>
-            <a:p>
-              <a:pPr marL="342900" marR="0" lvl="0" indent="-342900" algn="l" defTabSz="914400" rtl="0" eaLnBrk="1" fontAlgn="auto" latinLnBrk="0" hangingPunct="1">
-                <a:lnSpc>
-                  <a:spcPct val="100000"/>
-                </a:lnSpc>
-                <a:spcBef>
-                  <a:spcPct val="20000"/>
-                </a:spcBef>
-                <a:spcAft>
-                  <a:spcPts val="0"/>
-                </a:spcAft>
-                <a:buClrTx/>
-                <a:buSzTx/>
-                <a:tabLst/>
-                <a:defRPr/>
-              </a:pPr>
-              <a:endParaRPr kumimoji="0" lang="de-DE" sz="2000" b="0" i="0" u="none" strike="noStrike" kern="1200" cap="none" spc="0" normalizeH="0" baseline="0" noProof="0" dirty="0" smtClean="0">
-                <a:ln>
-                  <a:noFill/>
-                </a:ln>
-                <a:solidFill>
-                  <a:schemeClr val="tx1"/>
-                </a:solidFill>
-                <a:effectLst/>
-                <a:uLnTx/>
-                <a:uFillTx/>
+              </a:rPr>
+              <a:t>Festlegung der Ablaufgeschwindigkeit durch Faktor </a:t>
+            </a:r>
+          </a:p>
+          <a:p>
+            <a:pPr marL="342900" marR="0" lvl="0" indent="-342900" algn="l" defTabSz="914400" rtl="0" eaLnBrk="1" fontAlgn="auto" latinLnBrk="0" hangingPunct="1">
+              <a:lnSpc>
+                <a:spcPct val="100000"/>
+              </a:lnSpc>
+              <a:spcBef>
+                <a:spcPct val="20000"/>
+              </a:spcBef>
+              <a:spcAft>
+                <a:spcPts val="0"/>
+              </a:spcAft>
+              <a:buClrTx/>
+              <a:buSzTx/>
+              <a:buFont typeface="Arial" pitchFamily="34" charset="0"/>
+              <a:buChar char="•"/>
+              <a:tabLst/>
+              <a:defRPr/>
+            </a:pPr>
+            <a:r>
+              <a:rPr lang="de-DE" sz="2000" dirty="0">
                 <a:latin typeface="Lato" pitchFamily="34" charset="0"/>
-                <a:ea typeface="+mn-ea"/>
-                <a:cs typeface="+mn-cs"/>
-              </a:endParaRPr>
-            </a:p>
-          </p:txBody>
-        </p:sp>
-        <p:pic>
-          <p:nvPicPr>
-            <p:cNvPr id="10" name="Grafik 9"/>
-            <p:cNvPicPr>
-              <a:picLocks noChangeAspect="1"/>
-            </p:cNvPicPr>
-            <p:nvPr>
-              <p:custDataLst>
-                <p:tags r:id="rId2"/>
-              </p:custDataLst>
-            </p:nvPr>
-          </p:nvPicPr>
-          <p:blipFill>
-            <a:blip r:embed="rId6" cstate="print">
-              <a:extLst>
-                <a:ext uri="{28A0092B-C50C-407E-A947-70E740481C1C}">
-                  <a14:useLocalDpi xmlns:a14="http://schemas.microsoft.com/office/drawing/2010/main" val="0"/>
-                </a:ext>
-              </a:extLst>
-            </a:blip>
-            <a:stretch>
-              <a:fillRect/>
-            </a:stretch>
-          </p:blipFill>
-          <p:spPr>
-            <a:xfrm>
-              <a:off x="6711552" y="1440888"/>
-              <a:ext cx="126510" cy="230156"/>
-            </a:xfrm>
-            <a:prstGeom prst="rect">
-              <a:avLst/>
-            </a:prstGeom>
-          </p:spPr>
-        </p:pic>
-        <p:pic>
-          <p:nvPicPr>
-            <p:cNvPr id="2" name="Grafik 1"/>
-            <p:cNvPicPr>
-              <a:picLocks noChangeAspect="1"/>
-            </p:cNvPicPr>
-            <p:nvPr>
-              <p:custDataLst>
-                <p:tags r:id="rId3"/>
-              </p:custDataLst>
-            </p:nvPr>
-          </p:nvPicPr>
-          <p:blipFill>
-            <a:blip r:embed="rId6" cstate="print">
-              <a:extLst>
-                <a:ext uri="{28A0092B-C50C-407E-A947-70E740481C1C}">
-                  <a14:useLocalDpi xmlns:a14="http://schemas.microsoft.com/office/drawing/2010/main" val="0"/>
-                </a:ext>
-              </a:extLst>
-            </a:blip>
-            <a:stretch>
-              <a:fillRect/>
-            </a:stretch>
-          </p:blipFill>
-          <p:spPr>
-            <a:xfrm>
-              <a:off x="950912" y="1822828"/>
-              <a:ext cx="126510" cy="230156"/>
-            </a:xfrm>
-            <a:prstGeom prst="rect">
-              <a:avLst/>
-            </a:prstGeom>
-          </p:spPr>
-        </p:pic>
-      </p:grpSp>
+              </a:rPr>
+              <a:t> </a:t>
+            </a:r>
+            <a:r>
+              <a:rPr lang="de-DE" sz="2000" dirty="0" smtClean="0">
+                <a:latin typeface="Lato" pitchFamily="34" charset="0"/>
+              </a:rPr>
+              <a:t>   = Frequenz</a:t>
+            </a:r>
+          </a:p>
+          <a:p>
+            <a:pPr marL="342900" lvl="0" indent="-342900">
+              <a:spcBef>
+                <a:spcPct val="20000"/>
+              </a:spcBef>
+              <a:buFont typeface="Arial" pitchFamily="34" charset="0"/>
+              <a:buChar char="•"/>
+            </a:pPr>
+            <a:r>
+              <a:rPr lang="de-DE" sz="2000" dirty="0" smtClean="0">
+                <a:latin typeface="Lato" pitchFamily="34" charset="0"/>
+              </a:rPr>
+              <a:t>Kreisfrequenz:</a:t>
+            </a:r>
+          </a:p>
+          <a:p>
+            <a:pPr marL="342900" lvl="0" indent="-342900">
+              <a:spcBef>
+                <a:spcPct val="20000"/>
+              </a:spcBef>
+              <a:buFont typeface="Arial" pitchFamily="34" charset="0"/>
+              <a:buChar char="•"/>
+            </a:pPr>
+            <a:endParaRPr kumimoji="0" lang="de-DE" sz="2000" i="0" u="none" strike="noStrike" kern="1200" cap="none" spc="0" normalizeH="0" baseline="0" noProof="0" dirty="0" smtClean="0">
+              <a:ln>
+                <a:noFill/>
+              </a:ln>
+              <a:solidFill>
+                <a:schemeClr val="tx1"/>
+              </a:solidFill>
+              <a:effectLst/>
+              <a:uLnTx/>
+              <a:uFillTx/>
+              <a:latin typeface="Lato" pitchFamily="34" charset="0"/>
+            </a:endParaRPr>
+          </a:p>
+          <a:p>
+            <a:pPr marL="342900" marR="0" lvl="0" indent="-342900" algn="l" defTabSz="914400" rtl="0" eaLnBrk="1" fontAlgn="auto" latinLnBrk="0" hangingPunct="1">
+              <a:lnSpc>
+                <a:spcPct val="100000"/>
+              </a:lnSpc>
+              <a:spcBef>
+                <a:spcPct val="20000"/>
+              </a:spcBef>
+              <a:spcAft>
+                <a:spcPts val="0"/>
+              </a:spcAft>
+              <a:buClrTx/>
+              <a:buSzTx/>
+              <a:tabLst/>
+              <a:defRPr/>
+            </a:pPr>
+            <a:endParaRPr kumimoji="0" lang="de-DE" sz="2000" b="0" i="0" u="none" strike="noStrike" kern="1200" cap="none" spc="0" normalizeH="0" baseline="0" noProof="0" dirty="0" smtClean="0">
+              <a:ln>
+                <a:noFill/>
+              </a:ln>
+              <a:solidFill>
+                <a:schemeClr val="tx1"/>
+              </a:solidFill>
+              <a:effectLst/>
+              <a:uLnTx/>
+              <a:uFillTx/>
+              <a:latin typeface="Lato" pitchFamily="34" charset="0"/>
+              <a:ea typeface="+mn-ea"/>
+              <a:cs typeface="+mn-cs"/>
+            </a:endParaRPr>
+          </a:p>
+        </p:txBody>
+      </p:sp>
+      <p:pic>
+        <p:nvPicPr>
+          <p:cNvPr id="10" name="Grafik 9"/>
+          <p:cNvPicPr>
+            <a:picLocks noChangeAspect="1"/>
+          </p:cNvPicPr>
+          <p:nvPr>
+            <p:custDataLst>
+              <p:tags r:id="rId1"/>
+            </p:custDataLst>
+          </p:nvPr>
+        </p:nvPicPr>
+        <p:blipFill>
+          <a:blip r:embed="rId6" cstate="print">
+            <a:extLst>
+              <a:ext uri="{28A0092B-C50C-407E-A947-70E740481C1C}">
+                <a14:useLocalDpi xmlns:a14="http://schemas.microsoft.com/office/drawing/2010/main" val="0"/>
+              </a:ext>
+            </a:extLst>
+          </a:blip>
+          <a:stretch>
+            <a:fillRect/>
+          </a:stretch>
+        </p:blipFill>
+        <p:spPr>
+          <a:xfrm>
+            <a:off x="6660232" y="1400717"/>
+            <a:ext cx="126510" cy="230156"/>
+          </a:xfrm>
+          <a:prstGeom prst="rect">
+            <a:avLst/>
+          </a:prstGeom>
+        </p:spPr>
+      </p:pic>
+      <p:pic>
+        <p:nvPicPr>
+          <p:cNvPr id="2" name="Grafik 1"/>
+          <p:cNvPicPr>
+            <a:picLocks noChangeAspect="1"/>
+          </p:cNvPicPr>
+          <p:nvPr>
+            <p:custDataLst>
+              <p:tags r:id="rId2"/>
+            </p:custDataLst>
+          </p:nvPr>
+        </p:nvPicPr>
+        <p:blipFill>
+          <a:blip r:embed="rId6" cstate="print">
+            <a:extLst>
+              <a:ext uri="{28A0092B-C50C-407E-A947-70E740481C1C}">
+                <a14:useLocalDpi xmlns:a14="http://schemas.microsoft.com/office/drawing/2010/main" val="0"/>
+              </a:ext>
+            </a:extLst>
+          </a:blip>
+          <a:stretch>
+            <a:fillRect/>
+          </a:stretch>
+        </p:blipFill>
+        <p:spPr>
+          <a:xfrm>
+            <a:off x="899592" y="1782657"/>
+            <a:ext cx="126510" cy="230156"/>
+          </a:xfrm>
+          <a:prstGeom prst="rect">
+            <a:avLst/>
+          </a:prstGeom>
+        </p:spPr>
+      </p:pic>
       <p:sp>
         <p:nvSpPr>
           <p:cNvPr id="12" name="Rechteck 11"/>
@@ -13693,7 +13759,7 @@
           </p:cNvPicPr>
           <p:nvPr>
             <p:custDataLst>
-              <p:tags r:id="rId1"/>
+              <p:tags r:id="rId3"/>
             </p:custDataLst>
           </p:nvPr>
         </p:nvPicPr>
@@ -13766,9 +13832,9 @@
                                           </p:stCondLst>
                                         </p:cTn>
                                         <p:tgtEl>
-                                          <p:spTgt spid="8">
+                                          <p:spTgt spid="7">
                                             <p:txEl>
-                                              <p:charRg st="0" end="0"/>
+                                              <p:pRg st="0" end="0"/>
                                             </p:txEl>
                                           </p:spTgt>
                                         </p:tgtEl>
@@ -13784,9 +13850,122 @@
                                       <p:cBhvr>
                                         <p:cTn id="7" dur="500"/>
                                         <p:tgtEl>
-                                          <p:spTgt spid="8">
+                                          <p:spTgt spid="7">
                                             <p:txEl>
-                                              <p:charRg st="0" end="0"/>
+                                              <p:pRg st="0" end="0"/>
+                                            </p:txEl>
+                                          </p:spTgt>
+                                        </p:tgtEl>
+                                      </p:cBhvr>
+                                    </p:animEffect>
+                                  </p:childTnLst>
+                                </p:cTn>
+                              </p:par>
+                              <p:par>
+                                <p:cTn id="8" presetID="10" presetClass="entr" presetSubtype="0" fill="hold" nodeType="withEffect">
+                                  <p:stCondLst>
+                                    <p:cond delay="0"/>
+                                  </p:stCondLst>
+                                  <p:childTnLst>
+                                    <p:set>
+                                      <p:cBhvr>
+                                        <p:cTn id="9" dur="1" fill="hold">
+                                          <p:stCondLst>
+                                            <p:cond delay="0"/>
+                                          </p:stCondLst>
+                                        </p:cTn>
+                                        <p:tgtEl>
+                                          <p:spTgt spid="10"/>
+                                        </p:tgtEl>
+                                        <p:attrNameLst>
+                                          <p:attrName>style.visibility</p:attrName>
+                                        </p:attrNameLst>
+                                      </p:cBhvr>
+                                      <p:to>
+                                        <p:strVal val="visible"/>
+                                      </p:to>
+                                    </p:set>
+                                    <p:animEffect transition="in" filter="fade">
+                                      <p:cBhvr>
+                                        <p:cTn id="10" dur="500"/>
+                                        <p:tgtEl>
+                                          <p:spTgt spid="10"/>
+                                        </p:tgtEl>
+                                      </p:cBhvr>
+                                    </p:animEffect>
+                                  </p:childTnLst>
+                                </p:cTn>
+                              </p:par>
+                              <p:par>
+                                <p:cTn id="11" presetID="10" presetClass="entr" presetSubtype="0" fill="hold" nodeType="withEffect">
+                                  <p:stCondLst>
+                                    <p:cond delay="0"/>
+                                  </p:stCondLst>
+                                  <p:childTnLst>
+                                    <p:set>
+                                      <p:cBhvr>
+                                        <p:cTn id="12" dur="1" fill="hold">
+                                          <p:stCondLst>
+                                            <p:cond delay="0"/>
+                                          </p:stCondLst>
+                                        </p:cTn>
+                                        <p:tgtEl>
+                                          <p:spTgt spid="2"/>
+                                        </p:tgtEl>
+                                        <p:attrNameLst>
+                                          <p:attrName>style.visibility</p:attrName>
+                                        </p:attrNameLst>
+                                      </p:cBhvr>
+                                      <p:to>
+                                        <p:strVal val="visible"/>
+                                      </p:to>
+                                    </p:set>
+                                    <p:animEffect transition="in" filter="fade">
+                                      <p:cBhvr>
+                                        <p:cTn id="13" dur="500"/>
+                                        <p:tgtEl>
+                                          <p:spTgt spid="2"/>
+                                        </p:tgtEl>
+                                      </p:cBhvr>
+                                    </p:animEffect>
+                                  </p:childTnLst>
+                                </p:cTn>
+                              </p:par>
+                              <p:par>
+                                <p:cTn id="14" presetID="10" presetClass="entr" presetSubtype="0" fill="hold" nodeType="withEffect">
+                                  <p:stCondLst>
+                                    <p:cond delay="0"/>
+                                  </p:stCondLst>
+                                  <p:childTnLst>
+                                    <p:set>
+                                      <p:cBhvr>
+                                        <p:cTn id="15" dur="1" fill="hold">
+                                          <p:stCondLst>
+                                            <p:cond delay="0"/>
+                                          </p:stCondLst>
+                                        </p:cTn>
+                                        <p:tgtEl>
+                                          <p:spTgt spid="7">
+                                            <p:txEl>
+                                              <p:pRg st="1" end="1"/>
+                                            </p:txEl>
+                                          </p:spTgt>
+                                        </p:tgtEl>
+                                        <p:attrNameLst>
+                                          <p:attrName>style.visibility</p:attrName>
+                                        </p:attrNameLst>
+                                      </p:cBhvr>
+                                      <p:to>
+                                        <p:strVal val="visible"/>
+                                      </p:to>
+                                    </p:set>
+                                    <p:animEffect transition="in" filter="fade">
+                                      <p:cBhvr>
+                                        <p:cTn id="16" dur="500"/>
+                                        <p:tgtEl>
+                                          <p:spTgt spid="7">
+                                            <p:txEl>
+                                              <p:pRg st="1" end="1"/>
                                             </p:txEl>
                                           </p:spTgt>
                                         </p:tgtEl>
@@ -13802,32 +13981,36 @@
                     </p:cTn>
                   </p:par>
                   <p:par>
-                    <p:cTn id="8" fill="hold">
+                    <p:cTn id="17" fill="hold">
                       <p:stCondLst>
                         <p:cond delay="indefinite"/>
                       </p:stCondLst>
                       <p:childTnLst>
                         <p:par>
-                          <p:cTn id="9" fill="hold">
+                          <p:cTn id="18" fill="hold">
                             <p:stCondLst>
                               <p:cond delay="0"/>
                             </p:stCondLst>
                             <p:childTnLst>
                               <p:par>
-                                <p:cTn id="10" presetID="10" presetClass="entr" presetSubtype="0" fill="hold" nodeType="clickEffect">
+                                <p:cTn id="19" presetID="10" presetClass="entr" presetSubtype="0" fill="hold" nodeType="clickEffect">
                                   <p:stCondLst>
                                     <p:cond delay="0"/>
                                   </p:stCondLst>
                                   <p:childTnLst>
                                     <p:set>
                                       <p:cBhvr>
-                                        <p:cTn id="11" dur="1" fill="hold">
+                                        <p:cTn id="20" dur="1" fill="hold">
                                           <p:stCondLst>
                                             <p:cond delay="0"/>
                                           </p:stCondLst>
                                         </p:cTn>
                                         <p:tgtEl>
-                                          <p:spTgt spid="33794"/>
+                                          <p:spTgt spid="7">
+                                            <p:txEl>
+                                              <p:pRg st="2" end="2"/>
+                                            </p:txEl>
+                                          </p:spTgt>
                                         </p:tgtEl>
                                         <p:attrNameLst>
                                           <p:attrName>style.visibility</p:attrName>
@@ -13839,9 +14022,13 @@
                                     </p:set>
                                     <p:animEffect transition="in" filter="fade">
                                       <p:cBhvr>
-                                        <p:cTn id="12" dur="500"/>
-                                        <p:tgtEl>
-                                          <p:spTgt spid="33794"/>
+                                        <p:cTn id="21" dur="500"/>
+                                        <p:tgtEl>
+                                          <p:spTgt spid="7">
+                                            <p:txEl>
+                                              <p:pRg st="2" end="2"/>
+                                            </p:txEl>
+                                          </p:spTgt>
                                         </p:tgtEl>
                                       </p:cBhvr>
                                     </p:animEffect>
@@ -13849,20 +14036,20 @@
                                 </p:cTn>
                               </p:par>
                               <p:par>
-                                <p:cTn id="13" presetID="10" presetClass="entr" presetSubtype="0" fill="hold" grpId="0" nodeType="withEffect">
+                                <p:cTn id="22" presetID="10" presetClass="entr" presetSubtype="0" fill="hold" nodeType="withEffect">
                                   <p:stCondLst>
                                     <p:cond delay="0"/>
                                   </p:stCondLst>
                                   <p:childTnLst>
                                     <p:set>
                                       <p:cBhvr>
-                                        <p:cTn id="14" dur="1" fill="hold">
+                                        <p:cTn id="23" dur="1" fill="hold">
                                           <p:stCondLst>
                                             <p:cond delay="0"/>
                                           </p:stCondLst>
                                         </p:cTn>
                                         <p:tgtEl>
-                                          <p:spTgt spid="13"/>
+                                          <p:spTgt spid="15"/>
                                         </p:tgtEl>
                                         <p:attrNameLst>
                                           <p:attrName>style.visibility</p:attrName>
@@ -13874,7 +14061,95 @@
                                     </p:set>
                                     <p:animEffect transition="in" filter="fade">
                                       <p:cBhvr>
-                                        <p:cTn id="15" dur="500"/>
+                                        <p:cTn id="24" dur="500"/>
+                                        <p:tgtEl>
+                                          <p:spTgt spid="15"/>
+                                        </p:tgtEl>
+                                      </p:cBhvr>
+                                    </p:animEffect>
+                                  </p:childTnLst>
+                                </p:cTn>
+                              </p:par>
+                            </p:childTnLst>
+                          </p:cTn>
+                        </p:par>
+                      </p:childTnLst>
+                    </p:cTn>
+                  </p:par>
+                  <p:par>
+                    <p:cTn id="25" fill="hold">
+                      <p:stCondLst>
+                        <p:cond delay="indefinite"/>
+                      </p:stCondLst>
+                      <p:childTnLst>
+                        <p:par>
+                          <p:cTn id="26" fill="hold">
+                            <p:stCondLst>
+                              <p:cond delay="0"/>
+                            </p:stCondLst>
+                            <p:childTnLst>
+                              <p:par>
+                                <p:cTn id="27" presetID="10" presetClass="entr" presetSubtype="0" fill="hold" nodeType="clickEffect">
+                                  <p:stCondLst>
+                                    <p:cond delay="0"/>
+                                  </p:stCondLst>
+                                  <p:childTnLst>
+                                    <p:set>
+                                      <p:cBhvr>
+                                        <p:cTn id="28" dur="1" fill="hold">
+                                          <p:stCondLst>
+                                            <p:cond delay="0"/>
+                                          </p:stCondLst>
+                                        </p:cTn>
+                                        <p:tgtEl>
+                                          <p:spTgt spid="33794"/>
+                                        </p:tgtEl>
+                                        <p:attrNameLst>
+                                          <p:attrName>style.visibility</p:attrName>
+                                        </p:attrNameLst>
+                                      </p:cBhvr>
+                                      <p:to>
+                                        <p:strVal val="visible"/>
+                                      </p:to>
+                                    </p:set>
+                                    <p:animEffect transition="in" filter="fade">
+                                      <p:cBhvr>
+                                        <p:cTn id="29" dur="500"/>
+                                        <p:tgtEl>
+                                          <p:spTgt spid="33794"/>
+                                        </p:tgtEl>
+                                      </p:cBhvr>
+                                    </p:animEffect>
+                                  </p:childTnLst>
+                                </p:cTn>
+                              </p:par>
+                              <p:par>
+                                <p:cTn id="30" presetID="10" presetClass="entr" presetSubtype="0" fill="hold" grpId="0" nodeType="withEffect">
+                                  <p:stCondLst>
+                                    <p:cond delay="0"/>
+                                  </p:stCondLst>
+                                  <p:childTnLst>
+                                    <p:set>
+                                      <p:cBhvr>
+                                        <p:cTn id="31" dur="1" fill="hold">
+                                          <p:stCondLst>
+                                            <p:cond delay="0"/>
+                                          </p:stCondLst>
+                                        </p:cTn>
+                                        <p:tgtEl>
+                                          <p:spTgt spid="13"/>
+                                        </p:tgtEl>
+                                        <p:attrNameLst>
+                                          <p:attrName>style.visibility</p:attrName>
+                                        </p:attrNameLst>
+                                      </p:cBhvr>
+                                      <p:to>
+                                        <p:strVal val="visible"/>
+                                      </p:to>
+                                    </p:set>
+                                    <p:animEffect transition="in" filter="fade">
+                                      <p:cBhvr>
+                                        <p:cTn id="32" dur="500"/>
                                         <p:tgtEl>
                                           <p:spTgt spid="13"/>
                                         </p:tgtEl>
@@ -20918,7 +21193,7 @@
           <a:graphicData uri="http://schemas.openxmlformats.org/presentationml/2006/ole">
             <mc:AlternateContent xmlns:mc="http://schemas.openxmlformats.org/markup-compatibility/2006">
               <mc:Choice xmlns:v="urn:schemas-microsoft-com:vml" Requires="v">
-                <p:oleObj spid="_x0000_s2245" name="Formel" r:id="rId10" imgW="114120" imgH="215640" progId="Equation.3">
+                <p:oleObj spid="_x0000_s2247" name="Formel" r:id="rId10" imgW="114120" imgH="215640" progId="Equation.3">
                   <p:embed/>
                 </p:oleObj>
               </mc:Choice>
@@ -21556,6 +21831,111 @@
                       </p:childTnLst>
                     </p:cTn>
                   </p:par>
+                  <p:par>
+                    <p:cTn id="34" fill="hold">
+                      <p:stCondLst>
+                        <p:cond delay="indefinite"/>
+                      </p:stCondLst>
+                      <p:childTnLst>
+                        <p:par>
+                          <p:cTn id="35" fill="hold">
+                            <p:stCondLst>
+                              <p:cond delay="0"/>
+                            </p:stCondLst>
+                            <p:childTnLst>
+                              <p:par>
+                                <p:cTn id="36" presetID="1" presetClass="mediacall" presetSubtype="0" fill="hold" nodeType="clickEffect">
+                                  <p:stCondLst>
+                                    <p:cond delay="0"/>
+                                  </p:stCondLst>
+                                  <p:childTnLst>
+                                    <p:cmd type="call" cmd="playFrom(0.0)">
+                                      <p:cBhvr>
+                                        <p:cTn id="37" dur="1000" fill="hold"/>
+                                        <p:tgtEl>
+                                          <p:spTgt spid="2"/>
+                                        </p:tgtEl>
+                                      </p:cBhvr>
+                                    </p:cmd>
+                                  </p:childTnLst>
+                                </p:cTn>
+                              </p:par>
+                            </p:childTnLst>
+                          </p:cTn>
+                        </p:par>
+                      </p:childTnLst>
+                    </p:cTn>
+                  </p:par>
+                  <p:par>
+                    <p:cTn id="38" fill="hold">
+                      <p:stCondLst>
+                        <p:cond delay="indefinite"/>
+                      </p:stCondLst>
+                      <p:childTnLst>
+                        <p:par>
+                          <p:cTn id="39" fill="hold">
+                            <p:stCondLst>
+                              <p:cond delay="0"/>
+                            </p:stCondLst>
+                            <p:childTnLst>
+                              <p:par>
+                                <p:cTn id="40" presetID="1" presetClass="mediacall" presetSubtype="0" fill="hold" nodeType="clickEffect">
+                                  <p:stCondLst>
+                                    <p:cond delay="0"/>
+                                  </p:stCondLst>
+                                  <p:childTnLst>
+                                    <p:cmd type="call" cmd="playFrom(0.0)">
+                                      <p:cBhvr>
+                                        <p:cTn id="41" dur="1000" fill="hold"/>
+                                        <p:tgtEl>
+                                          <p:spTgt spid="3"/>
+                                        </p:tgtEl>
+                                      </p:cBhvr>
+                                    </p:cmd>
+                                  </p:childTnLst>
+                                </p:cTn>
+                              </p:par>
+                            </p:childTnLst>
+                          </p:cTn>
+                        </p:par>
+                      </p:childTnLst>
+                    </p:cTn>
+                  </p:par>
+                  <p:par>
+                    <p:cTn id="42" fill="hold">
+                      <p:stCondLst>
+                        <p:cond delay="indefinite"/>
+                      </p:stCondLst>
+                      <p:childTnLst>
+                        <p:par>
+                          <p:cTn id="43" fill="hold">
+                            <p:stCondLst>
+                              <p:cond delay="0"/>
+                            </p:stCondLst>
+                            <p:childTnLst>
+                              <p:par>
+                                <p:cTn id="44" presetID="1" presetClass="mediacall" presetSubtype="0" fill="hold" nodeType="clickEffect">
+                                  <p:stCondLst>
+                                    <p:cond delay="0"/>
+                                  </p:stCondLst>
+                                  <p:childTnLst>
+                                    <p:cmd type="call" cmd="playFrom(0.0)">
+                                      <p:cBhvr>
+                                        <p:cTn id="45" dur="1000" fill="hold"/>
+                                        <p:tgtEl>
+                                          <p:spTgt spid="8"/>
+                                        </p:tgtEl>
+                                      </p:cBhvr>
+                                    </p:cmd>
+                                  </p:childTnLst>
+                                </p:cTn>
+                              </p:par>
+                            </p:childTnLst>
+                          </p:cTn>
+                        </p:par>
+                      </p:childTnLst>
+                    </p:cTn>
+                  </p:par>
                 </p:childTnLst>
               </p:cTn>
               <p:prevCondLst>
@@ -21575,7 +21955,7 @@
             </p:seq>
             <p:audio>
               <p:cMediaNode vol="21212">
-                <p:cTn id="34" fill="hold" display="0">
+                <p:cTn id="46" fill="hold" display="0">
                   <p:stCondLst>
                     <p:cond delay="indefinite"/>
                   </p:stCondLst>
@@ -21594,7 +21974,7 @@
             </p:audio>
             <p:audio>
               <p:cMediaNode vol="19697">
-                <p:cTn id="35" fill="hold" display="0">
+                <p:cTn id="47" fill="hold" display="0">
                   <p:stCondLst>
                     <p:cond delay="indefinite"/>
                   </p:stCondLst>
@@ -21613,7 +21993,7 @@
             </p:audio>
             <p:audio>
               <p:cMediaNode vol="18182">
-                <p:cTn id="36" fill="hold" display="0">
+                <p:cTn id="48" fill="hold" display="0">
                   <p:stCondLst>
                     <p:cond delay="indefinite"/>
                   </p:stCondLst>
@@ -22404,6 +22784,111 @@
                       </p:childTnLst>
                     </p:cTn>
                   </p:par>
+                  <p:par>
+                    <p:cTn id="27" fill="hold">
+                      <p:stCondLst>
+                        <p:cond delay="indefinite"/>
+                      </p:stCondLst>
+                      <p:childTnLst>
+                        <p:par>
+                          <p:cTn id="28" fill="hold">
+                            <p:stCondLst>
+                              <p:cond delay="0"/>
+                            </p:stCondLst>
+                            <p:childTnLst>
+                              <p:par>
+                                <p:cTn id="29" presetID="1" presetClass="mediacall" presetSubtype="0" fill="hold" nodeType="clickEffect">
+                                  <p:stCondLst>
+                                    <p:cond delay="0"/>
+                                  </p:stCondLst>
+                                  <p:childTnLst>
+                                    <p:cmd type="call" cmd="playFrom(0.0)">
+                                      <p:cBhvr>
+                                        <p:cTn id="30" dur="1000" fill="hold"/>
+                                        <p:tgtEl>
+                                          <p:spTgt spid="7"/>
+                                        </p:tgtEl>
+                                      </p:cBhvr>
+                                    </p:cmd>
+                                  </p:childTnLst>
+                                </p:cTn>
+                              </p:par>
+                            </p:childTnLst>
+                          </p:cTn>
+                        </p:par>
+                      </p:childTnLst>
+                    </p:cTn>
+                  </p:par>
+                  <p:par>
+                    <p:cTn id="31" fill="hold">
+                      <p:stCondLst>
+                        <p:cond delay="indefinite"/>
+                      </p:stCondLst>
+                      <p:childTnLst>
+                        <p:par>
+                          <p:cTn id="32" fill="hold">
+                            <p:stCondLst>
+                              <p:cond delay="0"/>
+                            </p:stCondLst>
+                            <p:childTnLst>
+                              <p:par>
+                                <p:cTn id="33" presetID="1" presetClass="mediacall" presetSubtype="0" fill="hold" nodeType="clickEffect">
+                                  <p:stCondLst>
+                                    <p:cond delay="0"/>
+                                  </p:stCondLst>
+                                  <p:childTnLst>
+                                    <p:cmd type="call" cmd="playFrom(0.0)">
+                                      <p:cBhvr>
+                                        <p:cTn id="34" dur="1000" fill="hold"/>
+                                        <p:tgtEl>
+                                          <p:spTgt spid="8"/>
+                                        </p:tgtEl>
+                                      </p:cBhvr>
+                                    </p:cmd>
+                                  </p:childTnLst>
+                                </p:cTn>
+                              </p:par>
+                            </p:childTnLst>
+                          </p:cTn>
+                        </p:par>
+                      </p:childTnLst>
+                    </p:cTn>
+                  </p:par>
+                  <p:par>
+                    <p:cTn id="35" fill="hold">
+                      <p:stCondLst>
+                        <p:cond delay="indefinite"/>
+                      </p:stCondLst>
+                      <p:childTnLst>
+                        <p:par>
+                          <p:cTn id="36" fill="hold">
+                            <p:stCondLst>
+                              <p:cond delay="0"/>
+                            </p:stCondLst>
+                            <p:childTnLst>
+                              <p:par>
+                                <p:cTn id="37" presetID="1" presetClass="mediacall" presetSubtype="0" fill="hold" nodeType="clickEffect">
+                                  <p:stCondLst>
+                                    <p:cond delay="0"/>
+                                  </p:stCondLst>
+                                  <p:childTnLst>
+                                    <p:cmd type="call" cmd="playFrom(0.0)">
+                                      <p:cBhvr>
+                                        <p:cTn id="38" dur="1000" fill="hold"/>
+                                        <p:tgtEl>
+                                          <p:spTgt spid="13"/>
+                                        </p:tgtEl>
+                                      </p:cBhvr>
+                                    </p:cmd>
+                                  </p:childTnLst>
+                                </p:cTn>
+                              </p:par>
+                            </p:childTnLst>
+                          </p:cTn>
+                        </p:par>
+                      </p:childTnLst>
+                    </p:cTn>
+                  </p:par>
                 </p:childTnLst>
               </p:cTn>
               <p:prevCondLst>
@@ -22422,165 +22907,11 @@
               </p:nextCondLst>
             </p:seq>
             <p:seq concurrent="1" nextAc="seek">
-              <p:cTn id="27" restart="whenNotActive" fill="hold" evtFilter="cancelBubble" nodeType="interactiveSeq">
+              <p:cTn id="39" restart="whenNotActive" fill="hold" evtFilter="cancelBubble" nodeType="interactiveSeq">
                 <p:stCondLst>
                   <p:cond evt="onClick" delay="0">
                     <p:tgtEl>
                       <p:spTgt spid="7"/>
-                    </p:tgtEl>
-                  </p:cond>
-                </p:stCondLst>
-                <p:endSync evt="end" delay="0">
-                  <p:rtn val="all"/>
-                </p:endSync>
-                <p:childTnLst>
-                  <p:par>
-                    <p:cTn id="28" fill="hold">
-                      <p:stCondLst>
-                        <p:cond delay="0"/>
-                      </p:stCondLst>
-                      <p:childTnLst>
-                        <p:par>
-                          <p:cTn id="29" fill="hold">
-                            <p:stCondLst>
-                              <p:cond delay="0"/>
-                            </p:stCondLst>
-                            <p:childTnLst>
-                              <p:par>
-                                <p:cTn id="30" presetID="1" presetClass="mediacall" presetSubtype="0" fill="hold" nodeType="clickEffect">
-                                  <p:stCondLst>
-                                    <p:cond delay="0"/>
-                                  </p:stCondLst>
-                                  <p:childTnLst>
-                                    <p:cmd type="call" cmd="playFrom(0.0)">
-                                      <p:cBhvr>
-                                        <p:cTn id="31" dur="1000" fill="hold"/>
-                                        <p:tgtEl>
-                                          <p:spTgt spid="7"/>
-                                        </p:tgtEl>
-                                      </p:cBhvr>
-                                    </p:cmd>
-                                  </p:childTnLst>
-                                </p:cTn>
-                              </p:par>
-                            </p:childTnLst>
-                          </p:cTn>
-                        </p:par>
-                      </p:childTnLst>
-                    </p:cTn>
-                  </p:par>
-                </p:childTnLst>
-              </p:cTn>
-              <p:nextCondLst>
-                <p:cond evt="onClick" delay="0">
-                  <p:tgtEl>
-                    <p:spTgt spid="7"/>
-                  </p:tgtEl>
-                </p:cond>
-              </p:nextCondLst>
-            </p:seq>
-            <p:audio>
-              <p:cMediaNode vol="45455">
-                <p:cTn id="32" fill="hold" display="0">
-                  <p:stCondLst>
-                    <p:cond delay="indefinite"/>
-                  </p:stCondLst>
-                  <p:endCondLst>
-                    <p:cond evt="onStopAudio" delay="0">
-                      <p:tgtEl>
-                        <p:sldTgt/>
-                      </p:tgtEl>
-                    </p:cond>
-                  </p:endCondLst>
-                </p:cTn>
-                <p:tgtEl>
-                  <p:spTgt spid="7"/>
-                </p:tgtEl>
-              </p:cMediaNode>
-            </p:audio>
-            <p:seq concurrent="1" nextAc="seek">
-              <p:cTn id="33" restart="whenNotActive" fill="hold" evtFilter="cancelBubble" nodeType="interactiveSeq">
-                <p:stCondLst>
-                  <p:cond evt="onClick" delay="0">
-                    <p:tgtEl>
-                      <p:spTgt spid="8"/>
-                    </p:tgtEl>
-                  </p:cond>
-                </p:stCondLst>
-                <p:endSync evt="end" delay="0">
-                  <p:rtn val="all"/>
-                </p:endSync>
-                <p:childTnLst>
-                  <p:par>
-                    <p:cTn id="34" fill="hold">
-                      <p:stCondLst>
-                        <p:cond delay="0"/>
-                      </p:stCondLst>
-                      <p:childTnLst>
-                        <p:par>
-                          <p:cTn id="35" fill="hold">
-                            <p:stCondLst>
-                              <p:cond delay="0"/>
-                            </p:stCondLst>
-                            <p:childTnLst>
-                              <p:par>
-                                <p:cTn id="36" presetID="1" presetClass="mediacall" presetSubtype="0" fill="hold" nodeType="clickEffect">
-                                  <p:stCondLst>
-                                    <p:cond delay="0"/>
-                                  </p:stCondLst>
-                                  <p:childTnLst>
-                                    <p:cmd type="call" cmd="playFrom(0.0)">
-                                      <p:cBhvr>
-                                        <p:cTn id="37" dur="1000" fill="hold"/>
-                                        <p:tgtEl>
-                                          <p:spTgt spid="8"/>
-                                        </p:tgtEl>
-                                      </p:cBhvr>
-                                    </p:cmd>
-                                  </p:childTnLst>
-                                </p:cTn>
-                              </p:par>
-                            </p:childTnLst>
-                          </p:cTn>
-                        </p:par>
-                      </p:childTnLst>
-                    </p:cTn>
-                  </p:par>
-                </p:childTnLst>
-              </p:cTn>
-              <p:nextCondLst>
-                <p:cond evt="onClick" delay="0">
-                  <p:tgtEl>
-                    <p:spTgt spid="8"/>
-                  </p:tgtEl>
-                </p:cond>
-              </p:nextCondLst>
-            </p:seq>
-            <p:audio>
-              <p:cMediaNode vol="60606">
-                <p:cTn id="38" fill="hold" display="0">
-                  <p:stCondLst>
-                    <p:cond delay="indefinite"/>
-                  </p:stCondLst>
-                  <p:endCondLst>
-                    <p:cond evt="onStopAudio" delay="0">
-                      <p:tgtEl>
-                        <p:sldTgt/>
-                      </p:tgtEl>
-                    </p:cond>
-                  </p:endCondLst>
-                </p:cTn>
-                <p:tgtEl>
-                  <p:spTgt spid="8"/>
-                </p:tgtEl>
-              </p:cMediaNode>
-            </p:audio>
-            <p:seq concurrent="1" nextAc="seek">
-              <p:cTn id="39" restart="whenNotActive" fill="hold" evtFilter="cancelBubble" nodeType="interactiveSeq">
-                <p:stCondLst>
-                  <p:cond evt="onClick" delay="0">
-                    <p:tgtEl>
-                      <p:spTgt spid="13"/>
                     </p:tgtEl>
                   </p:cond>
                 </p:stCondLst>
@@ -22610,6 +22941,160 @@
                                       <p:cBhvr>
                                         <p:cTn id="43" dur="1000" fill="hold"/>
                                         <p:tgtEl>
+                                          <p:spTgt spid="7"/>
+                                        </p:tgtEl>
+                                      </p:cBhvr>
+                                    </p:cmd>
+                                  </p:childTnLst>
+                                </p:cTn>
+                              </p:par>
+                            </p:childTnLst>
+                          </p:cTn>
+                        </p:par>
+                      </p:childTnLst>
+                    </p:cTn>
+                  </p:par>
+                </p:childTnLst>
+              </p:cTn>
+              <p:nextCondLst>
+                <p:cond evt="onClick" delay="0">
+                  <p:tgtEl>
+                    <p:spTgt spid="7"/>
+                  </p:tgtEl>
+                </p:cond>
+              </p:nextCondLst>
+            </p:seq>
+            <p:audio>
+              <p:cMediaNode vol="45455">
+                <p:cTn id="44" fill="hold" display="0">
+                  <p:stCondLst>
+                    <p:cond delay="indefinite"/>
+                  </p:stCondLst>
+                  <p:endCondLst>
+                    <p:cond evt="onStopAudio" delay="0">
+                      <p:tgtEl>
+                        <p:sldTgt/>
+                      </p:tgtEl>
+                    </p:cond>
+                  </p:endCondLst>
+                </p:cTn>
+                <p:tgtEl>
+                  <p:spTgt spid="7"/>
+                </p:tgtEl>
+              </p:cMediaNode>
+            </p:audio>
+            <p:seq concurrent="1" nextAc="seek">
+              <p:cTn id="45" restart="whenNotActive" fill="hold" evtFilter="cancelBubble" nodeType="interactiveSeq">
+                <p:stCondLst>
+                  <p:cond evt="onClick" delay="0">
+                    <p:tgtEl>
+                      <p:spTgt spid="8"/>
+                    </p:tgtEl>
+                  </p:cond>
+                </p:stCondLst>
+                <p:endSync evt="end" delay="0">
+                  <p:rtn val="all"/>
+                </p:endSync>
+                <p:childTnLst>
+                  <p:par>
+                    <p:cTn id="46" fill="hold">
+                      <p:stCondLst>
+                        <p:cond delay="0"/>
+                      </p:stCondLst>
+                      <p:childTnLst>
+                        <p:par>
+                          <p:cTn id="47" fill="hold">
+                            <p:stCondLst>
+                              <p:cond delay="0"/>
+                            </p:stCondLst>
+                            <p:childTnLst>
+                              <p:par>
+                                <p:cTn id="48" presetID="1" presetClass="mediacall" presetSubtype="0" fill="hold" nodeType="clickEffect">
+                                  <p:stCondLst>
+                                    <p:cond delay="0"/>
+                                  </p:stCondLst>
+                                  <p:childTnLst>
+                                    <p:cmd type="call" cmd="playFrom(0.0)">
+                                      <p:cBhvr>
+                                        <p:cTn id="49" dur="1000" fill="hold"/>
+                                        <p:tgtEl>
+                                          <p:spTgt spid="8"/>
+                                        </p:tgtEl>
+                                      </p:cBhvr>
+                                    </p:cmd>
+                                  </p:childTnLst>
+                                </p:cTn>
+                              </p:par>
+                            </p:childTnLst>
+                          </p:cTn>
+                        </p:par>
+                      </p:childTnLst>
+                    </p:cTn>
+                  </p:par>
+                </p:childTnLst>
+              </p:cTn>
+              <p:nextCondLst>
+                <p:cond evt="onClick" delay="0">
+                  <p:tgtEl>
+                    <p:spTgt spid="8"/>
+                  </p:tgtEl>
+                </p:cond>
+              </p:nextCondLst>
+            </p:seq>
+            <p:audio>
+              <p:cMediaNode vol="60606">
+                <p:cTn id="50" fill="hold" display="0">
+                  <p:stCondLst>
+                    <p:cond delay="indefinite"/>
+                  </p:stCondLst>
+                  <p:endCondLst>
+                    <p:cond evt="onStopAudio" delay="0">
+                      <p:tgtEl>
+                        <p:sldTgt/>
+                      </p:tgtEl>
+                    </p:cond>
+                  </p:endCondLst>
+                </p:cTn>
+                <p:tgtEl>
+                  <p:spTgt spid="8"/>
+                </p:tgtEl>
+              </p:cMediaNode>
+            </p:audio>
+            <p:seq concurrent="1" nextAc="seek">
+              <p:cTn id="51" restart="whenNotActive" fill="hold" evtFilter="cancelBubble" nodeType="interactiveSeq">
+                <p:stCondLst>
+                  <p:cond evt="onClick" delay="0">
+                    <p:tgtEl>
+                      <p:spTgt spid="13"/>
+                    </p:tgtEl>
+                  </p:cond>
+                </p:stCondLst>
+                <p:endSync evt="end" delay="0">
+                  <p:rtn val="all"/>
+                </p:endSync>
+                <p:childTnLst>
+                  <p:par>
+                    <p:cTn id="52" fill="hold">
+                      <p:stCondLst>
+                        <p:cond delay="0"/>
+                      </p:stCondLst>
+                      <p:childTnLst>
+                        <p:par>
+                          <p:cTn id="53" fill="hold">
+                            <p:stCondLst>
+                              <p:cond delay="0"/>
+                            </p:stCondLst>
+                            <p:childTnLst>
+                              <p:par>
+                                <p:cTn id="54" presetID="1" presetClass="mediacall" presetSubtype="0" fill="hold" nodeType="clickEffect">
+                                  <p:stCondLst>
+                                    <p:cond delay="0"/>
+                                  </p:stCondLst>
+                                  <p:childTnLst>
+                                    <p:cmd type="call" cmd="playFrom(0.0)">
+                                      <p:cBhvr>
+                                        <p:cTn id="55" dur="1000" fill="hold"/>
+                                        <p:tgtEl>
                                           <p:spTgt spid="13"/>
                                         </p:tgtEl>
                                       </p:cBhvr>
@@ -22635,7 +23120,7 @@
             </p:seq>
             <p:audio>
               <p:cMediaNode vol="42424">
-                <p:cTn id="44" fill="hold" display="0">
+                <p:cTn id="56" fill="hold" display="0">
                   <p:stCondLst>
                     <p:cond delay="indefinite"/>
                   </p:stCondLst>
@@ -23432,6 +23917,111 @@
                       </p:childTnLst>
                     </p:cTn>
                   </p:par>
+                  <p:par>
+                    <p:cTn id="27" fill="hold">
+                      <p:stCondLst>
+                        <p:cond delay="indefinite"/>
+                      </p:stCondLst>
+                      <p:childTnLst>
+                        <p:par>
+                          <p:cTn id="28" fill="hold">
+                            <p:stCondLst>
+                              <p:cond delay="0"/>
+                            </p:stCondLst>
+                            <p:childTnLst>
+                              <p:par>
+                                <p:cTn id="29" presetID="1" presetClass="mediacall" presetSubtype="0" fill="hold" nodeType="clickEffect">
+                                  <p:stCondLst>
+                                    <p:cond delay="0"/>
+                                  </p:stCondLst>
+                                  <p:childTnLst>
+                                    <p:cmd type="call" cmd="playFrom(0.0)">
+                                      <p:cBhvr>
+                                        <p:cTn id="30" dur="1000" fill="hold"/>
+                                        <p:tgtEl>
+                                          <p:spTgt spid="10"/>
+                                        </p:tgtEl>
+                                      </p:cBhvr>
+                                    </p:cmd>
+                                  </p:childTnLst>
+                                </p:cTn>
+                              </p:par>
+                            </p:childTnLst>
+                          </p:cTn>
+                        </p:par>
+                      </p:childTnLst>
+                    </p:cTn>
+                  </p:par>
+                  <p:par>
+                    <p:cTn id="31" fill="hold">
+                      <p:stCondLst>
+                        <p:cond delay="indefinite"/>
+                      </p:stCondLst>
+                      <p:childTnLst>
+                        <p:par>
+                          <p:cTn id="32" fill="hold">
+                            <p:stCondLst>
+                              <p:cond delay="0"/>
+                            </p:stCondLst>
+                            <p:childTnLst>
+                              <p:par>
+                                <p:cTn id="33" presetID="1" presetClass="mediacall" presetSubtype="0" fill="hold" nodeType="clickEffect">
+                                  <p:stCondLst>
+                                    <p:cond delay="0"/>
+                                  </p:stCondLst>
+                                  <p:childTnLst>
+                                    <p:cmd type="call" cmd="playFrom(0.0)">
+                                      <p:cBhvr>
+                                        <p:cTn id="34" dur="1000" fill="hold"/>
+                                        <p:tgtEl>
+                                          <p:spTgt spid="13"/>
+                                        </p:tgtEl>
+                                      </p:cBhvr>
+                                    </p:cmd>
+                                  </p:childTnLst>
+                                </p:cTn>
+                              </p:par>
+                            </p:childTnLst>
+                          </p:cTn>
+                        </p:par>
+                      </p:childTnLst>
+                    </p:cTn>
+                  </p:par>
+                  <p:par>
+                    <p:cTn id="35" fill="hold">
+                      <p:stCondLst>
+                        <p:cond delay="indefinite"/>
+                      </p:stCondLst>
+                      <p:childTnLst>
+                        <p:par>
+                          <p:cTn id="36" fill="hold">
+                            <p:stCondLst>
+                              <p:cond delay="0"/>
+                            </p:stCondLst>
+                            <p:childTnLst>
+                              <p:par>
+                                <p:cTn id="37" presetID="1" presetClass="mediacall" presetSubtype="0" fill="hold" nodeType="clickEffect">
+                                  <p:stCondLst>
+                                    <p:cond delay="0"/>
+                                  </p:stCondLst>
+                                  <p:childTnLst>
+                                    <p:cmd type="call" cmd="playFrom(0.0)">
+                                      <p:cBhvr>
+                                        <p:cTn id="38" dur="1000" fill="hold"/>
+                                        <p:tgtEl>
+                                          <p:spTgt spid="14"/>
+                                        </p:tgtEl>
+                                      </p:cBhvr>
+                                    </p:cmd>
+                                  </p:childTnLst>
+                                </p:cTn>
+                              </p:par>
+                            </p:childTnLst>
+                          </p:cTn>
+                        </p:par>
+                      </p:childTnLst>
+                    </p:cTn>
+                  </p:par>
                 </p:childTnLst>
               </p:cTn>
               <p:prevCondLst>
@@ -23450,165 +24040,11 @@
               </p:nextCondLst>
             </p:seq>
             <p:seq concurrent="1" nextAc="seek">
-              <p:cTn id="27" restart="whenNotActive" fill="hold" evtFilter="cancelBubble" nodeType="interactiveSeq">
+              <p:cTn id="39" restart="whenNotActive" fill="hold" evtFilter="cancelBubble" nodeType="interactiveSeq">
                 <p:stCondLst>
                   <p:cond evt="onClick" delay="0">
                     <p:tgtEl>
                       <p:spTgt spid="10"/>
-                    </p:tgtEl>
-                  </p:cond>
-                </p:stCondLst>
-                <p:endSync evt="end" delay="0">
-                  <p:rtn val="all"/>
-                </p:endSync>
-                <p:childTnLst>
-                  <p:par>
-                    <p:cTn id="28" fill="hold">
-                      <p:stCondLst>
-                        <p:cond delay="0"/>
-                      </p:stCondLst>
-                      <p:childTnLst>
-                        <p:par>
-                          <p:cTn id="29" fill="hold">
-                            <p:stCondLst>
-                              <p:cond delay="0"/>
-                            </p:stCondLst>
-                            <p:childTnLst>
-                              <p:par>
-                                <p:cTn id="30" presetID="1" presetClass="mediacall" presetSubtype="0" fill="hold" nodeType="clickEffect">
-                                  <p:stCondLst>
-                                    <p:cond delay="0"/>
-                                  </p:stCondLst>
-                                  <p:childTnLst>
-                                    <p:cmd type="call" cmd="playFrom(0.0)">
-                                      <p:cBhvr>
-                                        <p:cTn id="31" dur="1000" fill="hold"/>
-                                        <p:tgtEl>
-                                          <p:spTgt spid="10"/>
-                                        </p:tgtEl>
-                                      </p:cBhvr>
-                                    </p:cmd>
-                                  </p:childTnLst>
-                                </p:cTn>
-                              </p:par>
-                            </p:childTnLst>
-                          </p:cTn>
-                        </p:par>
-                      </p:childTnLst>
-                    </p:cTn>
-                  </p:par>
-                </p:childTnLst>
-              </p:cTn>
-              <p:nextCondLst>
-                <p:cond evt="onClick" delay="0">
-                  <p:tgtEl>
-                    <p:spTgt spid="10"/>
-                  </p:tgtEl>
-                </p:cond>
-              </p:nextCondLst>
-            </p:seq>
-            <p:audio>
-              <p:cMediaNode vol="37879">
-                <p:cTn id="32" fill="hold" display="0">
-                  <p:stCondLst>
-                    <p:cond delay="indefinite"/>
-                  </p:stCondLst>
-                  <p:endCondLst>
-                    <p:cond evt="onStopAudio" delay="0">
-                      <p:tgtEl>
-                        <p:sldTgt/>
-                      </p:tgtEl>
-                    </p:cond>
-                  </p:endCondLst>
-                </p:cTn>
-                <p:tgtEl>
-                  <p:spTgt spid="10"/>
-                </p:tgtEl>
-              </p:cMediaNode>
-            </p:audio>
-            <p:seq concurrent="1" nextAc="seek">
-              <p:cTn id="33" restart="whenNotActive" fill="hold" evtFilter="cancelBubble" nodeType="interactiveSeq">
-                <p:stCondLst>
-                  <p:cond evt="onClick" delay="0">
-                    <p:tgtEl>
-                      <p:spTgt spid="13"/>
-                    </p:tgtEl>
-                  </p:cond>
-                </p:stCondLst>
-                <p:endSync evt="end" delay="0">
-                  <p:rtn val="all"/>
-                </p:endSync>
-                <p:childTnLst>
-                  <p:par>
-                    <p:cTn id="34" fill="hold">
-                      <p:stCondLst>
-                        <p:cond delay="0"/>
-                      </p:stCondLst>
-                      <p:childTnLst>
-                        <p:par>
-                          <p:cTn id="35" fill="hold">
-                            <p:stCondLst>
-                              <p:cond delay="0"/>
-                            </p:stCondLst>
-                            <p:childTnLst>
-                              <p:par>
-                                <p:cTn id="36" presetID="1" presetClass="mediacall" presetSubtype="0" fill="hold" nodeType="clickEffect">
-                                  <p:stCondLst>
-                                    <p:cond delay="0"/>
-                                  </p:stCondLst>
-                                  <p:childTnLst>
-                                    <p:cmd type="call" cmd="playFrom(0.0)">
-                                      <p:cBhvr>
-                                        <p:cTn id="37" dur="1000" fill="hold"/>
-                                        <p:tgtEl>
-                                          <p:spTgt spid="13"/>
-                                        </p:tgtEl>
-                                      </p:cBhvr>
-                                    </p:cmd>
-                                  </p:childTnLst>
-                                </p:cTn>
-                              </p:par>
-                            </p:childTnLst>
-                          </p:cTn>
-                        </p:par>
-                      </p:childTnLst>
-                    </p:cTn>
-                  </p:par>
-                </p:childTnLst>
-              </p:cTn>
-              <p:nextCondLst>
-                <p:cond evt="onClick" delay="0">
-                  <p:tgtEl>
-                    <p:spTgt spid="13"/>
-                  </p:tgtEl>
-                </p:cond>
-              </p:nextCondLst>
-            </p:seq>
-            <p:audio>
-              <p:cMediaNode vol="42424">
-                <p:cTn id="38" fill="hold" display="0">
-                  <p:stCondLst>
-                    <p:cond delay="indefinite"/>
-                  </p:stCondLst>
-                  <p:endCondLst>
-                    <p:cond evt="onStopAudio" delay="0">
-                      <p:tgtEl>
-                        <p:sldTgt/>
-                      </p:tgtEl>
-                    </p:cond>
-                  </p:endCondLst>
-                </p:cTn>
-                <p:tgtEl>
-                  <p:spTgt spid="13"/>
-                </p:tgtEl>
-              </p:cMediaNode>
-            </p:audio>
-            <p:seq concurrent="1" nextAc="seek">
-              <p:cTn id="39" restart="whenNotActive" fill="hold" evtFilter="cancelBubble" nodeType="interactiveSeq">
-                <p:stCondLst>
-                  <p:cond evt="onClick" delay="0">
-                    <p:tgtEl>
-                      <p:spTgt spid="14"/>
                     </p:tgtEl>
                   </p:cond>
                 </p:stCondLst>
@@ -23638,6 +24074,160 @@
                                       <p:cBhvr>
                                         <p:cTn id="43" dur="1000" fill="hold"/>
                                         <p:tgtEl>
+                                          <p:spTgt spid="10"/>
+                                        </p:tgtEl>
+                                      </p:cBhvr>
+                                    </p:cmd>
+                                  </p:childTnLst>
+                                </p:cTn>
+                              </p:par>
+                            </p:childTnLst>
+                          </p:cTn>
+                        </p:par>
+                      </p:childTnLst>
+                    </p:cTn>
+                  </p:par>
+                </p:childTnLst>
+              </p:cTn>
+              <p:nextCondLst>
+                <p:cond evt="onClick" delay="0">
+                  <p:tgtEl>
+                    <p:spTgt spid="10"/>
+                  </p:tgtEl>
+                </p:cond>
+              </p:nextCondLst>
+            </p:seq>
+            <p:audio>
+              <p:cMediaNode vol="37879">
+                <p:cTn id="44" fill="hold" display="0">
+                  <p:stCondLst>
+                    <p:cond delay="indefinite"/>
+                  </p:stCondLst>
+                  <p:endCondLst>
+                    <p:cond evt="onStopAudio" delay="0">
+                      <p:tgtEl>
+                        <p:sldTgt/>
+                      </p:tgtEl>
+                    </p:cond>
+                  </p:endCondLst>
+                </p:cTn>
+                <p:tgtEl>
+                  <p:spTgt spid="10"/>
+                </p:tgtEl>
+              </p:cMediaNode>
+            </p:audio>
+            <p:seq concurrent="1" nextAc="seek">
+              <p:cTn id="45" restart="whenNotActive" fill="hold" evtFilter="cancelBubble" nodeType="interactiveSeq">
+                <p:stCondLst>
+                  <p:cond evt="onClick" delay="0">
+                    <p:tgtEl>
+                      <p:spTgt spid="13"/>
+                    </p:tgtEl>
+                  </p:cond>
+                </p:stCondLst>
+                <p:endSync evt="end" delay="0">
+                  <p:rtn val="all"/>
+                </p:endSync>
+                <p:childTnLst>
+                  <p:par>
+                    <p:cTn id="46" fill="hold">
+                      <p:stCondLst>
+                        <p:cond delay="0"/>
+                      </p:stCondLst>
+                      <p:childTnLst>
+                        <p:par>
+                          <p:cTn id="47" fill="hold">
+                            <p:stCondLst>
+                              <p:cond delay="0"/>
+                            </p:stCondLst>
+                            <p:childTnLst>
+                              <p:par>
+                                <p:cTn id="48" presetID="1" presetClass="mediacall" presetSubtype="0" fill="hold" nodeType="clickEffect">
+                                  <p:stCondLst>
+                                    <p:cond delay="0"/>
+                                  </p:stCondLst>
+                                  <p:childTnLst>
+                                    <p:cmd type="call" cmd="playFrom(0.0)">
+                                      <p:cBhvr>
+                                        <p:cTn id="49" dur="1000" fill="hold"/>
+                                        <p:tgtEl>
+                                          <p:spTgt spid="13"/>
+                                        </p:tgtEl>
+                                      </p:cBhvr>
+                                    </p:cmd>
+                                  </p:childTnLst>
+                                </p:cTn>
+                              </p:par>
+                            </p:childTnLst>
+                          </p:cTn>
+                        </p:par>
+                      </p:childTnLst>
+                    </p:cTn>
+                  </p:par>
+                </p:childTnLst>
+              </p:cTn>
+              <p:nextCondLst>
+                <p:cond evt="onClick" delay="0">
+                  <p:tgtEl>
+                    <p:spTgt spid="13"/>
+                  </p:tgtEl>
+                </p:cond>
+              </p:nextCondLst>
+            </p:seq>
+            <p:audio>
+              <p:cMediaNode vol="42424">
+                <p:cTn id="50" fill="hold" display="0">
+                  <p:stCondLst>
+                    <p:cond delay="indefinite"/>
+                  </p:stCondLst>
+                  <p:endCondLst>
+                    <p:cond evt="onStopAudio" delay="0">
+                      <p:tgtEl>
+                        <p:sldTgt/>
+                      </p:tgtEl>
+                    </p:cond>
+                  </p:endCondLst>
+                </p:cTn>
+                <p:tgtEl>
+                  <p:spTgt spid="13"/>
+                </p:tgtEl>
+              </p:cMediaNode>
+            </p:audio>
+            <p:seq concurrent="1" nextAc="seek">
+              <p:cTn id="51" restart="whenNotActive" fill="hold" evtFilter="cancelBubble" nodeType="interactiveSeq">
+                <p:stCondLst>
+                  <p:cond evt="onClick" delay="0">
+                    <p:tgtEl>
+                      <p:spTgt spid="14"/>
+                    </p:tgtEl>
+                  </p:cond>
+                </p:stCondLst>
+                <p:endSync evt="end" delay="0">
+                  <p:rtn val="all"/>
+                </p:endSync>
+                <p:childTnLst>
+                  <p:par>
+                    <p:cTn id="52" fill="hold">
+                      <p:stCondLst>
+                        <p:cond delay="0"/>
+                      </p:stCondLst>
+                      <p:childTnLst>
+                        <p:par>
+                          <p:cTn id="53" fill="hold">
+                            <p:stCondLst>
+                              <p:cond delay="0"/>
+                            </p:stCondLst>
+                            <p:childTnLst>
+                              <p:par>
+                                <p:cTn id="54" presetID="1" presetClass="mediacall" presetSubtype="0" fill="hold" nodeType="clickEffect">
+                                  <p:stCondLst>
+                                    <p:cond delay="0"/>
+                                  </p:stCondLst>
+                                  <p:childTnLst>
+                                    <p:cmd type="call" cmd="playFrom(0.0)">
+                                      <p:cBhvr>
+                                        <p:cTn id="55" dur="1000" fill="hold"/>
+                                        <p:tgtEl>
                                           <p:spTgt spid="14"/>
                                         </p:tgtEl>
                                       </p:cBhvr>
@@ -23663,7 +24253,7 @@
             </p:seq>
             <p:audio>
               <p:cMediaNode vol="46970">
-                <p:cTn id="44" fill="hold" display="0">
+                <p:cTn id="56" fill="hold" display="0">
                   <p:stCondLst>
                     <p:cond delay="indefinite"/>
                   </p:stCondLst>
@@ -23781,10 +24371,10 @@
 <file path=ppt/tags/tag15.xml><?xml version="1.0" encoding="utf-8"?>
 <p:tagLst xmlns:a="http://schemas.openxmlformats.org/drawingml/2006/main" xmlns:r="http://schemas.openxmlformats.org/officeDocument/2006/relationships" xmlns:p="http://schemas.openxmlformats.org/presentationml/2006/main">
   <p:tag name="ORIGINALHEIGHT" val="113,2658"/>
-  <p:tag name="ORIGINALWIDTH" val="543,0758"/>
-  <p:tag name="LATEXADDIN" val="\documentclass{article}&#10;\usepackage{amsmath}&#10;\pagestyle{empty}&#10;\begin{document}&#10;$\omega = 2\pi \cdot f$&#10;&#10;&#10;&#10;\end{document}"/>
+  <p:tag name="ORIGINALWIDTH" val="62,25866"/>
+  <p:tag name="LATEXADDIN" val="\documentclass{article}&#10;\usepackage{amsmath}&#10;\pagestyle{empty}&#10;\begin{document}&#10;$f$&#10;&#10;&#10;&#10;\end{document}"/>
   <p:tag name="IGUANATEXSIZE" val="20"/>
-  <p:tag name="IGUANATEXCURSOR" val="90"/>
+  <p:tag name="IGUANATEXCURSOR" val="83"/>
   <p:tag name="TRANSPARENCY" val="Wahr"/>
   <p:tag name="FILENAME" val=""/>
   <p:tag name="INPUTTYPE" val="0"/>
@@ -23811,10 +24401,10 @@
 <file path=ppt/tags/tag17.xml><?xml version="1.0" encoding="utf-8"?>
 <p:tagLst xmlns:a="http://schemas.openxmlformats.org/drawingml/2006/main" xmlns:r="http://schemas.openxmlformats.org/officeDocument/2006/relationships" xmlns:p="http://schemas.openxmlformats.org/presentationml/2006/main">
   <p:tag name="ORIGINALHEIGHT" val="113,2658"/>
-  <p:tag name="ORIGINALWIDTH" val="62,25866"/>
-  <p:tag name="LATEXADDIN" val="\documentclass{article}&#10;\usepackage{amsmath}&#10;\pagestyle{empty}&#10;\begin{document}&#10;$f$&#10;&#10;&#10;&#10;\end{document}"/>
+  <p:tag name="ORIGINALWIDTH" val="543,0758"/>
+  <p:tag name="LATEXADDIN" val="\documentclass{article}&#10;\usepackage{amsmath}&#10;\pagestyle{empty}&#10;\begin{document}&#10;$\omega = 2\pi \cdot f$&#10;&#10;&#10;&#10;\end{document}"/>
   <p:tag name="IGUANATEXSIZE" val="20"/>
-  <p:tag name="IGUANATEXCURSOR" val="83"/>
+  <p:tag name="IGUANATEXCURSOR" val="90"/>
   <p:tag name="TRANSPARENCY" val="Wahr"/>
   <p:tag name="FILENAME" val=""/>
   <p:tag name="INPUTTYPE" val="0"/>
